--- a/manu & slides/Final.pptx
+++ b/manu & slides/Final.pptx
@@ -178,11 +178,7 @@
 <file path=ppt/commentAuthors.xml><?xml version="1.0" encoding="utf-8"?>
 <p:cmAuthorLst xmlns:a="http://schemas.openxmlformats.org/drawingml/2006/main" xmlns:r="http://schemas.openxmlformats.org/officeDocument/2006/relationships" xmlns:p="http://schemas.openxmlformats.org/presentationml/2006/main">
   <p:cmAuthor id="1" name="Deng Wenxuan" initials="DW" lastIdx="1" clrIdx="0">
-    <p:extLst>
-      <p:ext uri="{19B8F6BF-5375-455C-9EA6-DF929625EA0E}">
-        <p15:presenceInfo xmlns:p15="http://schemas.microsoft.com/office/powerpoint/2012/main" userId="" providerId=""/>
-      </p:ext>
-    </p:extLst>
+    <p:extLst/>
   </p:cmAuthor>
 </p:cmAuthorLst>
 </file>
@@ -7140,24 +7136,20 @@
           <a:p>
             <a:r>
               <a:rPr kumimoji="1" lang="en-US" altLang="ja-JP" sz="2000" dirty="0"/>
-              <a:t>Wenxuan </a:t>
-            </a:r>
-            <a:r>
-              <a:rPr kumimoji="1" lang="en-US" altLang="ja-JP" sz="2000" dirty="0" smtClean="0"/>
-              <a:t>Deng</a:t>
-            </a:r>
-          </a:p>
-          <a:p>
-            <a:r>
-              <a:rPr lang="en-US" altLang="ja-JP" sz="2000" dirty="0" smtClean="0"/>
+              <a:t>Wenxuan Deng</a:t>
+            </a:r>
+          </a:p>
+          <a:p>
+            <a:r>
+              <a:rPr lang="en-US" altLang="ja-JP" sz="2000" dirty="0"/>
               <a:t>Working with Kevin </a:t>
             </a:r>
             <a:r>
-              <a:rPr lang="en-US" altLang="ja-JP" sz="2000" dirty="0" err="1" smtClean="0"/>
+              <a:rPr lang="en-US" altLang="ja-JP" sz="2000" dirty="0" err="1"/>
               <a:t>Galinsky</a:t>
             </a:r>
             <a:r>
-              <a:rPr lang="en-US" altLang="ja-JP" sz="2000" dirty="0" smtClean="0"/>
+              <a:rPr lang="en-US" altLang="ja-JP" sz="2000" dirty="0"/>
               <a:t> and Jacob Zhang</a:t>
             </a:r>
             <a:endParaRPr kumimoji="1" lang="ja-JP" altLang="en-US" sz="2000" dirty="0"/>
@@ -7181,23 +7173,7 @@
           <a:p>
             <a:r>
               <a:rPr lang="en-US" dirty="0"/>
-              <a:t>Generalized </a:t>
-            </a:r>
-            <a:r>
-              <a:rPr lang="en-US" dirty="0" smtClean="0"/>
-              <a:t>Group </a:t>
-            </a:r>
-            <a:r>
-              <a:rPr lang="en-US" dirty="0"/>
-              <a:t>Lasso for </a:t>
-            </a:r>
-            <a:r>
-              <a:rPr lang="en-US" dirty="0" smtClean="0"/>
-              <a:t>Predictive Biomarkers </a:t>
-            </a:r>
-            <a:r>
-              <a:rPr lang="en-US" dirty="0"/>
-              <a:t>Selection</a:t>
+              <a:t>Generalized Group Lasso for Predictive Biomarkers Selection</a:t>
             </a:r>
             <a:endParaRPr kumimoji="1" lang="ja-JP" altLang="en-US" dirty="0"/>
           </a:p>
@@ -7208,13 +7184,6 @@
   <p:clrMapOvr>
     <a:masterClrMapping/>
   </p:clrMapOvr>
-  <p:timing>
-    <p:tnLst>
-      <p:par>
-        <p:cTn id="1" dur="indefinite" restart="never" nodeType="tmRoot"/>
-      </p:par>
-    </p:tnLst>
-  </p:timing>
 </p:sld>
 </file>
 
@@ -7251,10 +7220,9 @@
           <a:lstStyle/>
           <a:p>
             <a:r>
-              <a:rPr lang="en-US" dirty="0" smtClean="0"/>
+              <a:rPr lang="en-US" dirty="0"/>
               <a:t>Adaptive Weights</a:t>
             </a:r>
-            <a:endParaRPr lang="en-US" dirty="0"/>
           </a:p>
         </p:txBody>
       </p:sp>
@@ -7274,27 +7242,27 @@
           <a:lstStyle/>
           <a:p>
             <a:r>
-              <a:rPr lang="ja-JP" altLang="en-US" smtClean="0"/>
+              <a:rPr lang="ja-JP" altLang="en-US"/>
               <a:t>｜</a:t>
             </a:r>
             <a:r>
-              <a:rPr lang="en-US" altLang="ja-JP" smtClean="0"/>
+              <a:rPr lang="en-US" altLang="ja-JP"/>
               <a:t>0000</a:t>
             </a:r>
             <a:r>
-              <a:rPr lang="ja-JP" altLang="en-US" smtClean="0"/>
+              <a:rPr lang="ja-JP" altLang="en-US"/>
               <a:t>　</a:t>
             </a:r>
             <a:r>
-              <a:rPr lang="en-US" altLang="ja-JP" smtClean="0"/>
+              <a:rPr lang="en-US" altLang="ja-JP"/>
               <a:t>|</a:t>
             </a:r>
             <a:r>
-              <a:rPr lang="ja-JP" altLang="en-US" smtClean="0"/>
+              <a:rPr lang="ja-JP" altLang="en-US"/>
               <a:t>　　</a:t>
             </a:r>
             <a:r>
-              <a:rPr lang="en-US" altLang="ja-JP" smtClean="0"/>
+              <a:rPr lang="en-US" altLang="ja-JP"/>
               <a:t>DDMMYY</a:t>
             </a:r>
             <a:endParaRPr lang="ja-JP" altLang="en-US" dirty="0"/>
@@ -7361,13 +7329,6 @@
   <p:clrMapOvr>
     <a:masterClrMapping/>
   </p:clrMapOvr>
-  <p:timing>
-    <p:tnLst>
-      <p:par>
-        <p:cTn id="1" dur="indefinite" restart="never" nodeType="tmRoot"/>
-      </p:par>
-    </p:tnLst>
-  </p:timing>
 </p:sld>
 </file>
 
@@ -7404,10 +7365,9 @@
           <a:lstStyle/>
           <a:p>
             <a:r>
-              <a:rPr lang="en-US" dirty="0" smtClean="0"/>
+              <a:rPr lang="en-US" dirty="0"/>
               <a:t>Optimization Strategies</a:t>
             </a:r>
-            <a:endParaRPr lang="en-US" dirty="0"/>
           </a:p>
         </p:txBody>
       </p:sp>
@@ -7453,27 +7413,27 @@
           <a:lstStyle/>
           <a:p>
             <a:r>
-              <a:rPr lang="ja-JP" altLang="en-US" smtClean="0"/>
+              <a:rPr lang="ja-JP" altLang="en-US"/>
               <a:t>｜</a:t>
             </a:r>
             <a:r>
-              <a:rPr lang="en-US" altLang="ja-JP" smtClean="0"/>
+              <a:rPr lang="en-US" altLang="ja-JP"/>
               <a:t>0000</a:t>
             </a:r>
             <a:r>
-              <a:rPr lang="ja-JP" altLang="en-US" smtClean="0"/>
+              <a:rPr lang="ja-JP" altLang="en-US"/>
               <a:t>　</a:t>
             </a:r>
             <a:r>
-              <a:rPr lang="en-US" altLang="ja-JP" smtClean="0"/>
+              <a:rPr lang="en-US" altLang="ja-JP"/>
               <a:t>|</a:t>
             </a:r>
             <a:r>
-              <a:rPr lang="ja-JP" altLang="en-US" smtClean="0"/>
+              <a:rPr lang="ja-JP" altLang="en-US"/>
               <a:t>　　</a:t>
             </a:r>
             <a:r>
-              <a:rPr lang="en-US" altLang="ja-JP" smtClean="0"/>
+              <a:rPr lang="en-US" altLang="ja-JP"/>
               <a:t>DDMMYY</a:t>
             </a:r>
             <a:endParaRPr lang="ja-JP" altLang="en-US" dirty="0"/>
@@ -7514,13 +7474,6 @@
   <p:clrMapOvr>
     <a:masterClrMapping/>
   </p:clrMapOvr>
-  <p:timing>
-    <p:tnLst>
-      <p:par>
-        <p:cTn id="1" dur="indefinite" restart="never" nodeType="tmRoot"/>
-      </p:par>
-    </p:tnLst>
-  </p:timing>
 </p:sld>
 </file>
 
@@ -7557,10 +7510,9 @@
           <a:lstStyle/>
           <a:p>
             <a:r>
-              <a:rPr lang="en-US" dirty="0" smtClean="0"/>
+              <a:rPr lang="en-US" dirty="0"/>
               <a:t>Algorithm</a:t>
             </a:r>
-            <a:endParaRPr lang="en-US" dirty="0"/>
           </a:p>
         </p:txBody>
       </p:sp>
@@ -7606,27 +7558,27 @@
           <a:lstStyle/>
           <a:p>
             <a:r>
-              <a:rPr lang="ja-JP" altLang="en-US" smtClean="0"/>
+              <a:rPr lang="ja-JP" altLang="en-US"/>
               <a:t>｜</a:t>
             </a:r>
             <a:r>
-              <a:rPr lang="en-US" altLang="ja-JP" smtClean="0"/>
+              <a:rPr lang="en-US" altLang="ja-JP"/>
               <a:t>0000</a:t>
             </a:r>
             <a:r>
-              <a:rPr lang="ja-JP" altLang="en-US" smtClean="0"/>
+              <a:rPr lang="ja-JP" altLang="en-US"/>
               <a:t>　</a:t>
             </a:r>
             <a:r>
-              <a:rPr lang="en-US" altLang="ja-JP" smtClean="0"/>
+              <a:rPr lang="en-US" altLang="ja-JP"/>
               <a:t>|</a:t>
             </a:r>
             <a:r>
-              <a:rPr lang="ja-JP" altLang="en-US" smtClean="0"/>
+              <a:rPr lang="ja-JP" altLang="en-US"/>
               <a:t>　　</a:t>
             </a:r>
             <a:r>
-              <a:rPr lang="en-US" altLang="ja-JP" smtClean="0"/>
+              <a:rPr lang="en-US" altLang="ja-JP"/>
               <a:t>DDMMYY</a:t>
             </a:r>
             <a:endParaRPr lang="ja-JP" altLang="en-US" dirty="0"/>
@@ -7667,13 +7619,6 @@
   <p:clrMapOvr>
     <a:masterClrMapping/>
   </p:clrMapOvr>
-  <p:timing>
-    <p:tnLst>
-      <p:par>
-        <p:cTn id="1" dur="indefinite" restart="never" nodeType="tmRoot"/>
-      </p:par>
-    </p:tnLst>
-  </p:timing>
 </p:sld>
 </file>
 
@@ -7710,10 +7655,9 @@
           <a:lstStyle/>
           <a:p>
             <a:r>
-              <a:rPr lang="en-US" dirty="0" smtClean="0"/>
+              <a:rPr lang="en-US" dirty="0"/>
               <a:t>Simulations</a:t>
             </a:r>
-            <a:endParaRPr lang="en-US" dirty="0"/>
           </a:p>
         </p:txBody>
       </p:sp>
@@ -7727,13 +7671,6 @@
   <p:clrMapOvr>
     <a:masterClrMapping/>
   </p:clrMapOvr>
-  <p:timing>
-    <p:tnLst>
-      <p:par>
-        <p:cTn id="1" dur="indefinite" restart="never" nodeType="tmRoot"/>
-      </p:par>
-    </p:tnLst>
-  </p:timing>
 </p:sld>
 </file>
 
@@ -7759,7 +7696,7 @@
           <p:cNvPr id="2" name="Title 1">
             <a:extLst>
               <a:ext uri="{FF2B5EF4-FFF2-40B4-BE49-F238E27FC236}">
-                <a16:creationId xmlns:a16="http://schemas.microsoft.com/office/drawing/2014/main" xmlns="" id="{C7D675AA-6913-48BC-85A2-5C1947B70467}"/>
+                <a16:creationId xmlns:a16="http://schemas.microsoft.com/office/drawing/2014/main" id="{C7D675AA-6913-48BC-85A2-5C1947B70467}"/>
               </a:ext>
             </a:extLst>
           </p:cNvPr>
@@ -7782,14 +7719,14 @@
           </a:p>
         </p:txBody>
       </p:sp>
-      <mc:AlternateContent xmlns:mc="http://schemas.openxmlformats.org/markup-compatibility/2006">
-        <mc:Choice xmlns:a14="http://schemas.microsoft.com/office/drawing/2010/main" Requires="a14">
+      <mc:AlternateContent xmlns:mc="http://schemas.openxmlformats.org/markup-compatibility/2006" xmlns:a14="http://schemas.microsoft.com/office/drawing/2010/main">
+        <mc:Choice Requires="a14">
           <p:sp>
             <p:nvSpPr>
               <p:cNvPr id="3" name="Content Placeholder 2">
                 <a:extLst>
                   <a:ext uri="{FF2B5EF4-FFF2-40B4-BE49-F238E27FC236}">
-                    <a16:creationId xmlns:a16="http://schemas.microsoft.com/office/drawing/2014/main" xmlns="" id="{F79FB236-54CE-4723-A388-7B2C26E5DA92}"/>
+                    <a16:creationId xmlns:a16="http://schemas.microsoft.com/office/drawing/2014/main" id="{F79FB236-54CE-4723-A388-7B2C26E5DA92}"/>
                   </a:ext>
                 </a:extLst>
               </p:cNvPr>
@@ -7848,23 +7785,11 @@
                 </a:r>
                 <a:r>
                   <a:rPr lang="en-US" dirty="0"/>
-                  <a:t>0, </a:t>
-                </a:r>
-                <a:r>
-                  <a:rPr lang="en-US" dirty="0" smtClean="0"/>
-                  <a:t>100</a:t>
-                </a:r>
-                <a:r>
-                  <a:rPr lang="en-US" dirty="0"/>
-                  <a:t>,</a:t>
-                </a:r>
-                <a:r>
-                  <a:rPr lang="en-US" altLang="zh-CN" dirty="0" smtClean="0"/>
-                  <a:t>200 </a:t>
+                  <a:t>0, 100,</a:t>
                 </a:r>
                 <a:r>
                   <a:rPr lang="en-US" altLang="zh-CN" dirty="0"/>
-                  <a:t>(</a:t>
+                  <a:t>200 (</a:t>
                 </a:r>
                 <a:r>
                   <a:rPr lang="en-US" dirty="0"/>
@@ -7906,7 +7831,7 @@
                       <m:sSubPr>
                         <m:ctrlPr>
                           <a:rPr lang="en-US" b="0" i="1" smtClean="0">
-                            <a:latin typeface="Cambria Math" charset="0"/>
+                            <a:latin typeface="Cambria Math" panose="02040503050406030204" pitchFamily="18" charset="0"/>
                           </a:rPr>
                         </m:ctrlPr>
                       </m:sSubPr>
@@ -7949,7 +7874,7 @@
                       <m:sSupPr>
                         <m:ctrlPr>
                           <a:rPr lang="en-US" b="0" i="1" smtClean="0">
-                            <a:latin typeface="Cambria Math" charset="0"/>
+                            <a:latin typeface="Cambria Math" panose="02040503050406030204" pitchFamily="18" charset="0"/>
                           </a:rPr>
                         </m:ctrlPr>
                       </m:sSupPr>
@@ -7968,7 +7893,7 @@
                             <m:endChr m:val="|"/>
                             <m:ctrlPr>
                               <a:rPr lang="en-US" b="0" i="1" smtClean="0">
-                                <a:latin typeface="Cambria Math" charset="0"/>
+                                <a:latin typeface="Cambria Math" panose="02040503050406030204" pitchFamily="18" charset="0"/>
                               </a:rPr>
                             </m:ctrlPr>
                           </m:dPr>
@@ -8008,7 +7933,7 @@
             </p:txBody>
           </p:sp>
         </mc:Choice>
-        <mc:Fallback>
+        <mc:Fallback xmlns="">
           <p:sp>
             <p:nvSpPr>
               <p:cNvPr id="3" name="Content Placeholder 2">
@@ -8053,7 +7978,7 @@
           <p:cNvPr id="4" name="Footer Placeholder 3">
             <a:extLst>
               <a:ext uri="{FF2B5EF4-FFF2-40B4-BE49-F238E27FC236}">
-                <a16:creationId xmlns:a16="http://schemas.microsoft.com/office/drawing/2014/main" xmlns="" id="{BDDDA0BE-FB94-44D9-8026-4299635DFDB4}"/>
+                <a16:creationId xmlns:a16="http://schemas.microsoft.com/office/drawing/2014/main" id="{BDDDA0BE-FB94-44D9-8026-4299635DFDB4}"/>
               </a:ext>
             </a:extLst>
           </p:cNvPr>
@@ -8102,7 +8027,7 @@
           <p:cNvPr id="5" name="Slide Number Placeholder 4">
             <a:extLst>
               <a:ext uri="{FF2B5EF4-FFF2-40B4-BE49-F238E27FC236}">
-                <a16:creationId xmlns:a16="http://schemas.microsoft.com/office/drawing/2014/main" xmlns="" id="{89272EAA-7658-4CAB-B263-CD4B022CF97A}"/>
+                <a16:creationId xmlns:a16="http://schemas.microsoft.com/office/drawing/2014/main" id="{89272EAA-7658-4CAB-B263-CD4B022CF97A}"/>
               </a:ext>
             </a:extLst>
           </p:cNvPr>
@@ -8137,13 +8062,6 @@
   <p:clrMapOvr>
     <a:masterClrMapping/>
   </p:clrMapOvr>
-  <p:timing>
-    <p:tnLst>
-      <p:par>
-        <p:cTn id="1" dur="indefinite" restart="never" nodeType="tmRoot"/>
-      </p:par>
-    </p:tnLst>
-  </p:timing>
 </p:sld>
 </file>
 
@@ -8169,7 +8087,7 @@
           <p:cNvPr id="2" name="Title 1">
             <a:extLst>
               <a:ext uri="{FF2B5EF4-FFF2-40B4-BE49-F238E27FC236}">
-                <a16:creationId xmlns:a16="http://schemas.microsoft.com/office/drawing/2014/main" xmlns="" id="{A55E3E7C-7A88-4C8B-A31F-9219AB09B092}"/>
+                <a16:creationId xmlns:a16="http://schemas.microsoft.com/office/drawing/2014/main" id="{A55E3E7C-7A88-4C8B-A31F-9219AB09B092}"/>
               </a:ext>
             </a:extLst>
           </p:cNvPr>
@@ -8187,24 +8105,19 @@
           <a:p>
             <a:r>
               <a:rPr lang="en-US" dirty="0"/>
-              <a:t>Signal/Noise </a:t>
-            </a:r>
-            <a:r>
-              <a:rPr lang="en-US" dirty="0" smtClean="0"/>
-              <a:t>ratio (SNR)</a:t>
-            </a:r>
-            <a:endParaRPr lang="en-US" dirty="0"/>
-          </a:p>
-        </p:txBody>
-      </p:sp>
-      <mc:AlternateContent xmlns:mc="http://schemas.openxmlformats.org/markup-compatibility/2006">
-        <mc:Choice xmlns:a14="http://schemas.microsoft.com/office/drawing/2010/main" Requires="a14">
+              <a:t>Signal/Noise ratio (SNR)</a:t>
+            </a:r>
+          </a:p>
+        </p:txBody>
+      </p:sp>
+      <mc:AlternateContent xmlns:mc="http://schemas.openxmlformats.org/markup-compatibility/2006" xmlns:a14="http://schemas.microsoft.com/office/drawing/2010/main">
+        <mc:Choice Requires="a14">
           <p:sp>
             <p:nvSpPr>
               <p:cNvPr id="3" name="Content Placeholder 2">
                 <a:extLst>
                   <a:ext uri="{FF2B5EF4-FFF2-40B4-BE49-F238E27FC236}">
-                    <a16:creationId xmlns:a16="http://schemas.microsoft.com/office/drawing/2014/main" xmlns="" id="{CB1BED14-16C4-4C60-B13C-6FAE776570E9}"/>
+                    <a16:creationId xmlns:a16="http://schemas.microsoft.com/office/drawing/2014/main" id="{CB1BED14-16C4-4C60-B13C-6FAE776570E9}"/>
                   </a:ext>
                 </a:extLst>
               </p:cNvPr>
@@ -8222,15 +8135,7 @@
               <a:p>
                 <a:r>
                   <a:rPr lang="en-US" dirty="0"/>
-                  <a:t>For 100 genes: 1, 5, 10</a:t>
-                </a:r>
-                <a:r>
-                  <a:rPr lang="en-US" dirty="0" smtClean="0"/>
-                  <a:t>, 20, </a:t>
-                </a:r>
-                <a:r>
-                  <a:rPr lang="en-US" dirty="0"/>
-                  <a:t>100.</a:t>
+                  <a:t>For 100 genes: 1, 5, 10, 20, 100.</a:t>
                 </a:r>
               </a:p>
               <a:p>
@@ -8255,7 +8160,7 @@
                       <m:fPr>
                         <m:ctrlPr>
                           <a:rPr lang="en-US" b="0" i="1" smtClean="0">
-                            <a:latin typeface="Cambria Math" charset="0"/>
+                            <a:latin typeface="Cambria Math" panose="02040503050406030204" pitchFamily="18" charset="0"/>
                           </a:rPr>
                         </m:ctrlPr>
                       </m:fPr>
@@ -8276,7 +8181,7 @@
                           <m:sSubPr>
                             <m:ctrlPr>
                               <a:rPr lang="en-US" b="0" i="1" smtClean="0">
-                                <a:latin typeface="Cambria Math" charset="0"/>
+                                <a:latin typeface="Cambria Math" panose="02040503050406030204" pitchFamily="18" charset="0"/>
                               </a:rPr>
                             </m:ctrlPr>
                           </m:sSubPr>
@@ -8356,7 +8261,7 @@
                       <m:sSubPr>
                         <m:ctrlPr>
                           <a:rPr lang="en-US" b="0" i="1" smtClean="0">
-                            <a:latin typeface="Cambria Math" charset="0"/>
+                            <a:latin typeface="Cambria Math" panose="02040503050406030204" pitchFamily="18" charset="0"/>
                           </a:rPr>
                         </m:ctrlPr>
                       </m:sSubPr>
@@ -8397,7 +8302,7 @@
             </p:txBody>
           </p:sp>
         </mc:Choice>
-        <mc:Fallback>
+        <mc:Fallback xmlns="">
           <p:sp>
             <p:nvSpPr>
               <p:cNvPr id="3" name="Content Placeholder 2">
@@ -8442,7 +8347,7 @@
           <p:cNvPr id="4" name="Footer Placeholder 3">
             <a:extLst>
               <a:ext uri="{FF2B5EF4-FFF2-40B4-BE49-F238E27FC236}">
-                <a16:creationId xmlns:a16="http://schemas.microsoft.com/office/drawing/2014/main" xmlns="" id="{896D4A9B-31AF-4EC2-9F47-5F2F9B70E61B}"/>
+                <a16:creationId xmlns:a16="http://schemas.microsoft.com/office/drawing/2014/main" id="{896D4A9B-31AF-4EC2-9F47-5F2F9B70E61B}"/>
               </a:ext>
             </a:extLst>
           </p:cNvPr>
@@ -8491,7 +8396,7 @@
           <p:cNvPr id="5" name="Slide Number Placeholder 4">
             <a:extLst>
               <a:ext uri="{FF2B5EF4-FFF2-40B4-BE49-F238E27FC236}">
-                <a16:creationId xmlns:a16="http://schemas.microsoft.com/office/drawing/2014/main" xmlns="" id="{D87DD39C-DFBD-411D-A2CD-463D3D2CDC47}"/>
+                <a16:creationId xmlns:a16="http://schemas.microsoft.com/office/drawing/2014/main" id="{D87DD39C-DFBD-411D-A2CD-463D3D2CDC47}"/>
               </a:ext>
             </a:extLst>
           </p:cNvPr>
@@ -8526,13 +8431,6 @@
   <p:clrMapOvr>
     <a:masterClrMapping/>
   </p:clrMapOvr>
-  <p:timing>
-    <p:tnLst>
-      <p:par>
-        <p:cTn id="1" dur="indefinite" restart="never" nodeType="tmRoot"/>
-      </p:par>
-    </p:tnLst>
-  </p:timing>
 </p:sld>
 </file>
 
@@ -8592,21 +8490,8 @@
           <a:p>
             <a:r>
               <a:rPr lang="en-US" dirty="0"/>
-              <a:t>General </a:t>
-            </a:r>
-            <a:r>
-              <a:rPr lang="en-US" dirty="0" smtClean="0"/>
-              <a:t>Elastic Net </a:t>
-            </a:r>
-            <a:r>
-              <a:rPr lang="en-US" dirty="0"/>
-              <a:t>without penalizing baseline and treatment variables (Lasso</a:t>
-            </a:r>
-            <a:r>
-              <a:rPr lang="en-US" dirty="0" smtClean="0"/>
-              <a:t>)</a:t>
-            </a:r>
-            <a:endParaRPr lang="en-US" dirty="0"/>
+              <a:t>General Elastic Net without penalizing baseline and treatment variables (Lasso)</a:t>
+            </a:r>
           </a:p>
           <a:p>
             <a:r>
@@ -8623,19 +8508,14 @@
           <a:p>
             <a:r>
               <a:rPr lang="en-US" dirty="0"/>
-              <a:t>Iterative Sure Independent Screening (SIS</a:t>
-            </a:r>
-            <a:r>
-              <a:rPr lang="en-US" dirty="0" smtClean="0"/>
-              <a:t>)</a:t>
-            </a:r>
-          </a:p>
-          <a:p>
-            <a:r>
-              <a:rPr lang="en-US" dirty="0" smtClean="0"/>
+              <a:t>Iterative Sure Independent Screening (SIS)</a:t>
+            </a:r>
+          </a:p>
+          <a:p>
+            <a:r>
+              <a:rPr lang="en-US" dirty="0"/>
               <a:t>Random Forest</a:t>
             </a:r>
-            <a:endParaRPr lang="en-US" dirty="0"/>
           </a:p>
         </p:txBody>
       </p:sp>
@@ -8716,13 +8596,6 @@
   <p:clrMapOvr>
     <a:masterClrMapping/>
   </p:clrMapOvr>
-  <p:timing>
-    <p:tnLst>
-      <p:par>
-        <p:cTn id="1" dur="indefinite" restart="never" nodeType="tmRoot"/>
-      </p:par>
-    </p:tnLst>
-  </p:timing>
 </p:sld>
 </file>
 
@@ -8759,10 +8632,9 @@
           <a:lstStyle/>
           <a:p>
             <a:r>
-              <a:rPr lang="en-US" dirty="0" smtClean="0"/>
+              <a:rPr lang="en-US" dirty="0"/>
               <a:t>Cross Validation and Optimal Penalty Parameters</a:t>
             </a:r>
-            <a:endParaRPr lang="en-US" dirty="0"/>
           </a:p>
         </p:txBody>
       </p:sp>
@@ -8776,13 +8648,6 @@
   <p:clrMapOvr>
     <a:masterClrMapping/>
   </p:clrMapOvr>
-  <p:timing>
-    <p:tnLst>
-      <p:par>
-        <p:cTn id="1" dur="indefinite" restart="never" nodeType="tmRoot"/>
-      </p:par>
-    </p:tnLst>
-  </p:timing>
 </p:sld>
 </file>
 
@@ -8819,10 +8684,9 @@
           <a:lstStyle/>
           <a:p>
             <a:r>
-              <a:rPr lang="en-US" sz="1800" dirty="0" smtClean="0"/>
+              <a:rPr lang="en-US" sz="1800" dirty="0"/>
               <a:t>Distributions of MSE and SSE by Penalty Parameters</a:t>
             </a:r>
-            <a:endParaRPr lang="en-US" sz="1800" dirty="0"/>
           </a:p>
         </p:txBody>
       </p:sp>
@@ -8844,10 +8708,9 @@
           <a:lstStyle/>
           <a:p>
             <a:r>
-              <a:rPr lang="en-US" dirty="0" smtClean="0"/>
+              <a:rPr lang="en-US" dirty="0"/>
               <a:t>SSE</a:t>
             </a:r>
-            <a:endParaRPr lang="en-US" dirty="0"/>
           </a:p>
         </p:txBody>
       </p:sp>
@@ -8898,10 +8761,9 @@
           <a:lstStyle/>
           <a:p>
             <a:r>
-              <a:rPr lang="en-US" dirty="0" smtClean="0"/>
+              <a:rPr lang="en-US" dirty="0"/>
               <a:t>MSE</a:t>
             </a:r>
-            <a:endParaRPr lang="en-US" dirty="0"/>
           </a:p>
         </p:txBody>
       </p:sp>
@@ -8950,27 +8812,27 @@
           <a:lstStyle/>
           <a:p>
             <a:r>
-              <a:rPr lang="ja-JP" altLang="en-US" smtClean="0"/>
+              <a:rPr lang="ja-JP" altLang="en-US"/>
               <a:t>｜</a:t>
             </a:r>
             <a:r>
-              <a:rPr lang="en-US" altLang="ja-JP" smtClean="0"/>
+              <a:rPr lang="en-US" altLang="ja-JP"/>
               <a:t>0000</a:t>
             </a:r>
             <a:r>
-              <a:rPr lang="ja-JP" altLang="en-US" smtClean="0"/>
+              <a:rPr lang="ja-JP" altLang="en-US"/>
               <a:t>　</a:t>
             </a:r>
             <a:r>
-              <a:rPr lang="en-US" altLang="ja-JP" smtClean="0"/>
+              <a:rPr lang="en-US" altLang="ja-JP"/>
               <a:t>|</a:t>
             </a:r>
             <a:r>
-              <a:rPr lang="ja-JP" altLang="en-US" smtClean="0"/>
+              <a:rPr lang="ja-JP" altLang="en-US"/>
               <a:t>　　</a:t>
             </a:r>
             <a:r>
-              <a:rPr lang="en-US" altLang="ja-JP" smtClean="0"/>
+              <a:rPr lang="en-US" altLang="ja-JP"/>
               <a:t>DDMMYY</a:t>
             </a:r>
             <a:endParaRPr lang="ja-JP" altLang="en-US" dirty="0"/>
@@ -9011,13 +8873,6 @@
   <p:clrMapOvr>
     <a:masterClrMapping/>
   </p:clrMapOvr>
-  <p:timing>
-    <p:tnLst>
-      <p:par>
-        <p:cTn id="1" dur="indefinite" restart="never" nodeType="tmRoot"/>
-      </p:par>
-    </p:tnLst>
-  </p:timing>
 </p:sld>
 </file>
 
@@ -9054,10 +8909,9 @@
           <a:lstStyle/>
           <a:p>
             <a:r>
-              <a:rPr lang="en-US" dirty="0" smtClean="0"/>
+              <a:rPr lang="en-US" dirty="0"/>
               <a:t>Selected Model Size</a:t>
             </a:r>
-            <a:endParaRPr lang="en-US" dirty="0"/>
           </a:p>
         </p:txBody>
       </p:sp>
@@ -9079,10 +8933,9 @@
           <a:lstStyle/>
           <a:p>
             <a:r>
-              <a:rPr lang="en-US" dirty="0" smtClean="0"/>
+              <a:rPr lang="en-US" dirty="0"/>
               <a:t>Mean of Model Size</a:t>
             </a:r>
-            <a:endParaRPr lang="en-US" dirty="0"/>
           </a:p>
         </p:txBody>
       </p:sp>
@@ -9133,10 +8986,9 @@
           <a:lstStyle/>
           <a:p>
             <a:r>
-              <a:rPr lang="en-US" dirty="0" smtClean="0"/>
+              <a:rPr lang="en-US" dirty="0"/>
               <a:t>Variance of Model Size</a:t>
             </a:r>
-            <a:endParaRPr lang="en-US" dirty="0"/>
           </a:p>
         </p:txBody>
       </p:sp>
@@ -9185,27 +9037,27 @@
           <a:lstStyle/>
           <a:p>
             <a:r>
-              <a:rPr lang="ja-JP" altLang="en-US" smtClean="0"/>
+              <a:rPr lang="ja-JP" altLang="en-US"/>
               <a:t>｜</a:t>
             </a:r>
             <a:r>
-              <a:rPr lang="en-US" altLang="ja-JP" smtClean="0"/>
+              <a:rPr lang="en-US" altLang="ja-JP"/>
               <a:t>0000</a:t>
             </a:r>
             <a:r>
-              <a:rPr lang="ja-JP" altLang="en-US" smtClean="0"/>
+              <a:rPr lang="ja-JP" altLang="en-US"/>
               <a:t>　</a:t>
             </a:r>
             <a:r>
-              <a:rPr lang="en-US" altLang="ja-JP" smtClean="0"/>
+              <a:rPr lang="en-US" altLang="ja-JP"/>
               <a:t>|</a:t>
             </a:r>
             <a:r>
-              <a:rPr lang="ja-JP" altLang="en-US" smtClean="0"/>
+              <a:rPr lang="ja-JP" altLang="en-US"/>
               <a:t>　　</a:t>
             </a:r>
             <a:r>
-              <a:rPr lang="en-US" altLang="ja-JP" smtClean="0"/>
+              <a:rPr lang="en-US" altLang="ja-JP"/>
               <a:t>DDMMYY</a:t>
             </a:r>
             <a:endParaRPr lang="ja-JP" altLang="en-US" dirty="0"/>
@@ -9246,13 +9098,6 @@
   <p:clrMapOvr>
     <a:masterClrMapping/>
   </p:clrMapOvr>
-  <p:timing>
-    <p:tnLst>
-      <p:par>
-        <p:cTn id="1" dur="indefinite" restart="never" nodeType="tmRoot"/>
-      </p:par>
-    </p:tnLst>
-  </p:timing>
 </p:sld>
 </file>
 
@@ -9289,10 +9134,9 @@
           <a:lstStyle/>
           <a:p>
             <a:r>
-              <a:rPr lang="en-US" dirty="0" smtClean="0"/>
+              <a:rPr lang="en-US" dirty="0"/>
               <a:t>Outline</a:t>
             </a:r>
-            <a:endParaRPr lang="en-US" dirty="0"/>
           </a:p>
         </p:txBody>
       </p:sp>
@@ -9312,28 +9156,27 @@
           <a:lstStyle/>
           <a:p>
             <a:r>
-              <a:rPr lang="en-US" dirty="0" smtClean="0"/>
+              <a:rPr lang="en-US" dirty="0"/>
               <a:t>Background</a:t>
             </a:r>
           </a:p>
           <a:p>
             <a:r>
-              <a:rPr lang="en-US" dirty="0" smtClean="0"/>
+              <a:rPr lang="en-US" dirty="0"/>
               <a:t>Model</a:t>
             </a:r>
           </a:p>
           <a:p>
             <a:r>
-              <a:rPr lang="en-US" dirty="0" smtClean="0"/>
+              <a:rPr lang="en-US" dirty="0"/>
               <a:t>Simulations</a:t>
             </a:r>
           </a:p>
           <a:p>
             <a:r>
-              <a:rPr lang="en-US" dirty="0" smtClean="0"/>
+              <a:rPr lang="en-US" dirty="0"/>
               <a:t>Conclusions</a:t>
             </a:r>
-            <a:endParaRPr lang="en-US" dirty="0"/>
           </a:p>
         </p:txBody>
       </p:sp>
@@ -9353,27 +9196,27 @@
           <a:lstStyle/>
           <a:p>
             <a:r>
-              <a:rPr lang="ja-JP" altLang="en-US" smtClean="0"/>
+              <a:rPr lang="ja-JP" altLang="en-US"/>
               <a:t>｜</a:t>
             </a:r>
             <a:r>
-              <a:rPr lang="en-US" altLang="ja-JP" smtClean="0"/>
+              <a:rPr lang="en-US" altLang="ja-JP"/>
               <a:t>0000</a:t>
             </a:r>
             <a:r>
-              <a:rPr lang="ja-JP" altLang="en-US" smtClean="0"/>
+              <a:rPr lang="ja-JP" altLang="en-US"/>
               <a:t>　</a:t>
             </a:r>
             <a:r>
-              <a:rPr lang="en-US" altLang="ja-JP" smtClean="0"/>
+              <a:rPr lang="en-US" altLang="ja-JP"/>
               <a:t>|</a:t>
             </a:r>
             <a:r>
-              <a:rPr lang="ja-JP" altLang="en-US" smtClean="0"/>
+              <a:rPr lang="ja-JP" altLang="en-US"/>
               <a:t>　　</a:t>
             </a:r>
             <a:r>
-              <a:rPr lang="en-US" altLang="ja-JP" smtClean="0"/>
+              <a:rPr lang="en-US" altLang="ja-JP"/>
               <a:t>DDMMYY</a:t>
             </a:r>
             <a:endParaRPr lang="ja-JP" altLang="en-US" dirty="0"/>
@@ -9414,13 +9257,6 @@
   <p:clrMapOvr>
     <a:masterClrMapping/>
   </p:clrMapOvr>
-  <p:timing>
-    <p:tnLst>
-      <p:par>
-        <p:cTn id="1" dur="indefinite" restart="never" nodeType="tmRoot"/>
-      </p:par>
-    </p:tnLst>
-  </p:timing>
 </p:sld>
 </file>
 
@@ -9457,10 +9293,9 @@
           <a:lstStyle/>
           <a:p>
             <a:r>
-              <a:rPr lang="en-US" dirty="0" smtClean="0"/>
+              <a:rPr lang="en-US" dirty="0"/>
               <a:t>Optimal Regularization Parameters</a:t>
             </a:r>
-            <a:endParaRPr lang="en-US" dirty="0"/>
           </a:p>
         </p:txBody>
       </p:sp>
@@ -9480,10 +9315,9 @@
           <a:lstStyle/>
           <a:p>
             <a:r>
-              <a:rPr lang="en-US" dirty="0" smtClean="0"/>
+              <a:rPr lang="en-US" dirty="0"/>
               <a:t>Minimize AIC-like estimator may be a proper way for model selection, especially when we are more interested in predictive biomarkers.</a:t>
             </a:r>
-            <a:endParaRPr lang="en-US" dirty="0"/>
           </a:p>
         </p:txBody>
       </p:sp>
@@ -9503,27 +9337,27 @@
           <a:lstStyle/>
           <a:p>
             <a:r>
-              <a:rPr lang="ja-JP" altLang="en-US" smtClean="0"/>
+              <a:rPr lang="ja-JP" altLang="en-US"/>
               <a:t>｜</a:t>
             </a:r>
             <a:r>
-              <a:rPr lang="en-US" altLang="ja-JP" smtClean="0"/>
+              <a:rPr lang="en-US" altLang="ja-JP"/>
               <a:t>0000</a:t>
             </a:r>
             <a:r>
-              <a:rPr lang="ja-JP" altLang="en-US" smtClean="0"/>
+              <a:rPr lang="ja-JP" altLang="en-US"/>
               <a:t>　</a:t>
             </a:r>
             <a:r>
-              <a:rPr lang="en-US" altLang="ja-JP" smtClean="0"/>
+              <a:rPr lang="en-US" altLang="ja-JP"/>
               <a:t>|</a:t>
             </a:r>
             <a:r>
-              <a:rPr lang="ja-JP" altLang="en-US" smtClean="0"/>
+              <a:rPr lang="ja-JP" altLang="en-US"/>
               <a:t>　　</a:t>
             </a:r>
             <a:r>
-              <a:rPr lang="en-US" altLang="ja-JP" smtClean="0"/>
+              <a:rPr lang="en-US" altLang="ja-JP"/>
               <a:t>DDMMYY</a:t>
             </a:r>
             <a:endParaRPr lang="ja-JP" altLang="en-US" dirty="0"/>
@@ -9564,13 +9398,6 @@
   <p:clrMapOvr>
     <a:masterClrMapping/>
   </p:clrMapOvr>
-  <p:timing>
-    <p:tnLst>
-      <p:par>
-        <p:cTn id="1" dur="indefinite" restart="never" nodeType="tmRoot"/>
-      </p:par>
-    </p:tnLst>
-  </p:timing>
 </p:sld>
 </file>
 
@@ -9623,13 +9450,6 @@
   <p:clrMapOvr>
     <a:masterClrMapping/>
   </p:clrMapOvr>
-  <p:timing>
-    <p:tnLst>
-      <p:par>
-        <p:cTn id="1" dur="indefinite" restart="never" nodeType="tmRoot"/>
-      </p:par>
-    </p:tnLst>
-  </p:timing>
 </p:sld>
 </file>
 
@@ -9667,13 +9487,8 @@
           <a:p>
             <a:r>
               <a:rPr lang="en-US" dirty="0"/>
-              <a:t>Nonzero Interaction Effects </a:t>
-            </a:r>
-            <a:r>
-              <a:rPr lang="en-US" dirty="0" smtClean="0"/>
-              <a:t>Proportion=5%</a:t>
-            </a:r>
-            <a:endParaRPr lang="en-US" dirty="0"/>
+              <a:t>Nonzero Interaction Effects Proportion=5%</a:t>
+            </a:r>
           </a:p>
         </p:txBody>
       </p:sp>
@@ -9773,8 +9588,8 @@
           </a:xfrm>
         </p:spPr>
       </p:pic>
-      <mc:AlternateContent xmlns:mc="http://schemas.openxmlformats.org/markup-compatibility/2006">
-        <mc:Choice xmlns:a14="http://schemas.microsoft.com/office/drawing/2010/main" Requires="a14">
+      <mc:AlternateContent xmlns:mc="http://schemas.openxmlformats.org/markup-compatibility/2006" xmlns:a14="http://schemas.microsoft.com/office/drawing/2010/main">
+        <mc:Choice Requires="a14">
           <p:sp>
             <p:nvSpPr>
               <p:cNvPr id="7" name="TextBox 6"/>
@@ -9798,7 +9613,7 @@
               <a:lstStyle/>
               <a:p>
                 <a:r>
-                  <a:rPr lang="en-US" sz="1400" dirty="0" smtClean="0"/>
+                  <a:rPr lang="en-US" sz="1400" dirty="0"/>
                   <a:t>L2: Mean(</a:t>
                 </a:r>
                 <a14:m>
@@ -9807,7 +9622,7 @@
                       <m:sSubPr>
                         <m:ctrlPr>
                           <a:rPr lang="en-US" sz="1400" b="0" i="1" dirty="0" smtClean="0">
-                            <a:latin typeface="Cambria Math" charset="0"/>
+                            <a:latin typeface="Cambria Math" panose="02040503050406030204" pitchFamily="18" charset="0"/>
                           </a:rPr>
                         </m:ctrlPr>
                       </m:sSubPr>
@@ -9817,8 +9632,8 @@
                             <m:begChr m:val="|"/>
                             <m:endChr m:val="|"/>
                             <m:ctrlPr>
-                              <a:rPr lang="en-US" sz="1400" b="0" i="0" smtClean="0">
-                                <a:latin typeface="Cambria Math" charset="0"/>
+                              <a:rPr lang="en-US" sz="1400" b="0" i="1" smtClean="0">
+                                <a:latin typeface="Cambria Math" panose="02040503050406030204" pitchFamily="18" charset="0"/>
                               </a:rPr>
                             </m:ctrlPr>
                           </m:dPr>
@@ -9828,7 +9643,7 @@
                                 <m:chr m:val="̂"/>
                                 <m:ctrlPr>
                                   <a:rPr lang="en-US" sz="1400" b="0" i="1" smtClean="0">
-                                    <a:latin typeface="Cambria Math" charset="0"/>
+                                    <a:latin typeface="Cambria Math" panose="02040503050406030204" pitchFamily="18" charset="0"/>
                                   </a:rPr>
                                 </m:ctrlPr>
                               </m:accPr>
@@ -9868,18 +9683,14 @@
                   </m:oMath>
                 </a14:m>
                 <a:r>
-                  <a:rPr lang="en-US" sz="1400" dirty="0" smtClean="0"/>
+                  <a:rPr lang="en-US" sz="1400" dirty="0"/>
                   <a:t> )</a:t>
                 </a:r>
               </a:p>
               <a:p>
                 <a:r>
-                  <a:rPr lang="en-US" sz="1400" dirty="0" smtClean="0"/>
-                  <a:t>L1: Mean</a:t>
-                </a:r>
-                <a:r>
                   <a:rPr lang="en-US" sz="1400" dirty="0"/>
-                  <a:t>(</a:t>
+                  <a:t>L1: Mean(</a:t>
                 </a:r>
                 <a14:m>
                   <m:oMath xmlns:m="http://schemas.openxmlformats.org/officeDocument/2006/math">
@@ -9887,7 +9698,7 @@
                       <m:sSubPr>
                         <m:ctrlPr>
                           <a:rPr lang="en-US" sz="1400" i="1" dirty="0">
-                            <a:latin typeface="Cambria Math" charset="0"/>
+                            <a:latin typeface="Cambria Math" panose="02040503050406030204" pitchFamily="18" charset="0"/>
                           </a:rPr>
                         </m:ctrlPr>
                       </m:sSubPr>
@@ -9898,7 +9709,7 @@
                             <m:endChr m:val="|"/>
                             <m:ctrlPr>
                               <a:rPr lang="en-US" sz="1400" i="1">
-                                <a:latin typeface="Cambria Math" charset="0"/>
+                                <a:latin typeface="Cambria Math" panose="02040503050406030204" pitchFamily="18" charset="0"/>
                               </a:rPr>
                             </m:ctrlPr>
                           </m:dPr>
@@ -9908,7 +9719,7 @@
                                 <m:chr m:val="̂"/>
                                 <m:ctrlPr>
                                   <a:rPr lang="en-US" sz="1400" i="1">
-                                    <a:latin typeface="Cambria Math" charset="0"/>
+                                    <a:latin typeface="Cambria Math" panose="02040503050406030204" pitchFamily="18" charset="0"/>
                                   </a:rPr>
                                 </m:ctrlPr>
                               </m:accPr>
@@ -9954,86 +9765,69 @@
               </a:p>
               <a:p>
                 <a:r>
-                  <a:rPr lang="en-US" sz="1400" dirty="0" smtClean="0"/>
+                  <a:rPr lang="en-US" sz="1400" dirty="0"/>
                   <a:t>SSE: Sum of Squared Error on outcome Prediction</a:t>
                 </a:r>
               </a:p>
               <a:p>
                 <a:r>
-                  <a:rPr lang="en-US" sz="1400" dirty="0" smtClean="0"/>
+                  <a:rPr lang="en-US" sz="1400" dirty="0"/>
                   <a:t>TP: True </a:t>
                 </a:r>
                 <a:r>
-                  <a:rPr lang="en-US" sz="1400" dirty="0" err="1" smtClean="0"/>
+                  <a:rPr lang="en-US" sz="1400" dirty="0" err="1"/>
                   <a:t>Postive</a:t>
                 </a:r>
-                <a:endParaRPr lang="en-US" sz="1400" dirty="0" smtClean="0"/>
+                <a:endParaRPr lang="en-US" sz="1400" dirty="0"/>
               </a:p>
               <a:p>
                 <a:r>
                   <a:rPr lang="en-US" sz="1400" dirty="0"/>
-                  <a:t>a</a:t>
+                  <a:t>all: all biomarker covariates (including both prognostic biomarkers and predictive </a:t>
                 </a:r>
                 <a:r>
-                  <a:rPr lang="en-US" sz="1400" dirty="0" smtClean="0"/>
-                  <a:t>ll: all biomarker covariates (including both prognostic biomarkers and predictive </a:t>
-                </a:r>
-                <a:r>
-                  <a:rPr lang="en-US" sz="1400" dirty="0" err="1" smtClean="0"/>
+                  <a:rPr lang="en-US" sz="1400" dirty="0" err="1"/>
                   <a:t>biomakers</a:t>
                 </a:r>
                 <a:r>
-                  <a:rPr lang="en-US" sz="1400" dirty="0" smtClean="0"/>
+                  <a:rPr lang="en-US" sz="1400" dirty="0"/>
                   <a:t>)</a:t>
                 </a:r>
               </a:p>
               <a:p>
                 <a:r>
                   <a:rPr lang="en-US" sz="1400" dirty="0" err="1"/>
-                  <a:t>p</a:t>
+                  <a:t>prog</a:t>
                 </a:r>
                 <a:r>
-                  <a:rPr lang="en-US" sz="1400" dirty="0" err="1" smtClean="0"/>
-                  <a:t>rog</a:t>
-                </a:r>
-                <a:r>
-                  <a:rPr lang="en-US" sz="1400" dirty="0" smtClean="0"/>
+                  <a:rPr lang="en-US" sz="1400" dirty="0"/>
                   <a:t>: Only on prognostic biomarkers</a:t>
                 </a:r>
               </a:p>
               <a:p>
                 <a:r>
                   <a:rPr lang="en-US" sz="1400" dirty="0" err="1"/>
-                  <a:t>p</a:t>
+                  <a:t>pred</a:t>
                 </a:r>
                 <a:r>
-                  <a:rPr lang="en-US" sz="1400" dirty="0" err="1" smtClean="0"/>
-                  <a:t>red</a:t>
-                </a:r>
-                <a:r>
-                  <a:rPr lang="en-US" sz="1400" dirty="0" smtClean="0"/>
+                  <a:rPr lang="en-US" sz="1400" dirty="0"/>
                   <a:t>: Only on predictive biomarkers</a:t>
                 </a:r>
               </a:p>
               <a:p>
                 <a:r>
                   <a:rPr lang="en-US" sz="1400" dirty="0" err="1"/>
-                  <a:t>n</a:t>
+                  <a:t>num</a:t>
                 </a:r>
                 <a:r>
-                  <a:rPr lang="en-US" sz="1400" dirty="0" err="1" smtClean="0"/>
-                  <a:t>um</a:t>
-                </a:r>
-                <a:r>
-                  <a:rPr lang="en-US" sz="1400" dirty="0" smtClean="0"/>
+                  <a:rPr lang="en-US" sz="1400" dirty="0"/>
                   <a:t>: Model Size </a:t>
                 </a:r>
-                <a:endParaRPr lang="en-US" sz="1400" dirty="0"/>
               </a:p>
             </p:txBody>
           </p:sp>
         </mc:Choice>
-        <mc:Fallback>
+        <mc:Fallback xmlns="">
           <p:sp>
             <p:nvSpPr>
               <p:cNvPr id="7" name="TextBox 6"/>
@@ -10072,6 +9866,53 @@
           </p:sp>
         </mc:Fallback>
       </mc:AlternateContent>
+      <p:sp>
+        <p:nvSpPr>
+          <p:cNvPr id="8" name="Rectangle 7">
+            <a:extLst>
+              <a:ext uri="{FF2B5EF4-FFF2-40B4-BE49-F238E27FC236}">
+                <a16:creationId xmlns:a16="http://schemas.microsoft.com/office/drawing/2014/main" id="{AB780432-ADBE-4B81-8C7B-188C78577B9C}"/>
+              </a:ext>
+            </a:extLst>
+          </p:cNvPr>
+          <p:cNvSpPr/>
+          <p:nvPr/>
+        </p:nvSpPr>
+        <p:spPr>
+          <a:xfrm>
+            <a:off x="5123809" y="1550945"/>
+            <a:ext cx="558961" cy="216024"/>
+          </a:xfrm>
+          <a:prstGeom prst="rect">
+            <a:avLst/>
+          </a:prstGeom>
+          <a:noFill/>
+        </p:spPr>
+        <p:style>
+          <a:lnRef idx="2">
+            <a:schemeClr val="accent1">
+              <a:shade val="50000"/>
+            </a:schemeClr>
+          </a:lnRef>
+          <a:fillRef idx="1">
+            <a:schemeClr val="accent1"/>
+          </a:fillRef>
+          <a:effectRef idx="0">
+            <a:schemeClr val="accent1"/>
+          </a:effectRef>
+          <a:fontRef idx="minor">
+            <a:schemeClr val="lt1"/>
+          </a:fontRef>
+        </p:style>
+        <p:txBody>
+          <a:bodyPr rtlCol="0" anchor="ctr"/>
+          <a:lstStyle/>
+          <a:p>
+            <a:pPr algn="ctr"/>
+            <a:endParaRPr lang="en-US"/>
+          </a:p>
+        </p:txBody>
+      </p:sp>
     </p:spTree>
     <p:extLst>
       <p:ext uri="{BB962C8B-B14F-4D97-AF65-F5344CB8AC3E}">
@@ -10082,13 +9923,6 @@
   <p:clrMapOvr>
     <a:masterClrMapping/>
   </p:clrMapOvr>
-  <p:timing>
-    <p:tnLst>
-      <p:par>
-        <p:cTn id="1" dur="indefinite" restart="never" nodeType="tmRoot"/>
-      </p:par>
-    </p:tnLst>
-  </p:timing>
 </p:sld>
 </file>
 
@@ -10126,13 +9960,8 @@
           <a:p>
             <a:r>
               <a:rPr lang="en-US" dirty="0"/>
-              <a:t>Nonzero Interaction Effects </a:t>
-            </a:r>
-            <a:r>
-              <a:rPr lang="en-US" dirty="0" smtClean="0"/>
-              <a:t>Proportion=10%</a:t>
-            </a:r>
-            <a:endParaRPr lang="en-US" dirty="0"/>
+              <a:t>Nonzero Interaction Effects Proportion=10%</a:t>
+            </a:r>
           </a:p>
         </p:txBody>
       </p:sp>
@@ -10232,8 +10061,8 @@
           </a:xfrm>
         </p:spPr>
       </p:pic>
-      <mc:AlternateContent xmlns:mc="http://schemas.openxmlformats.org/markup-compatibility/2006">
-        <mc:Choice xmlns:a14="http://schemas.microsoft.com/office/drawing/2010/main" Requires="a14">
+      <mc:AlternateContent xmlns:mc="http://schemas.openxmlformats.org/markup-compatibility/2006" xmlns:a14="http://schemas.microsoft.com/office/drawing/2010/main">
+        <mc:Choice Requires="a14">
           <p:sp>
             <p:nvSpPr>
               <p:cNvPr id="8" name="TextBox 7"/>
@@ -10257,7 +10086,7 @@
               <a:lstStyle/>
               <a:p>
                 <a:r>
-                  <a:rPr lang="en-US" sz="1400" dirty="0" smtClean="0"/>
+                  <a:rPr lang="en-US" sz="1400" dirty="0"/>
                   <a:t>L2: Mean(</a:t>
                 </a:r>
                 <a14:m>
@@ -10266,7 +10095,7 @@
                       <m:sSubPr>
                         <m:ctrlPr>
                           <a:rPr lang="en-US" sz="1400" b="0" i="1" dirty="0" smtClean="0">
-                            <a:latin typeface="Cambria Math" charset="0"/>
+                            <a:latin typeface="Cambria Math" panose="02040503050406030204" pitchFamily="18" charset="0"/>
                           </a:rPr>
                         </m:ctrlPr>
                       </m:sSubPr>
@@ -10276,8 +10105,8 @@
                             <m:begChr m:val="|"/>
                             <m:endChr m:val="|"/>
                             <m:ctrlPr>
-                              <a:rPr lang="en-US" sz="1400" b="0" i="0" smtClean="0">
-                                <a:latin typeface="Cambria Math" charset="0"/>
+                              <a:rPr lang="en-US" sz="1400" b="0" i="1" smtClean="0">
+                                <a:latin typeface="Cambria Math" panose="02040503050406030204" pitchFamily="18" charset="0"/>
                               </a:rPr>
                             </m:ctrlPr>
                           </m:dPr>
@@ -10287,7 +10116,7 @@
                                 <m:chr m:val="̂"/>
                                 <m:ctrlPr>
                                   <a:rPr lang="en-US" sz="1400" b="0" i="1" smtClean="0">
-                                    <a:latin typeface="Cambria Math" charset="0"/>
+                                    <a:latin typeface="Cambria Math" panose="02040503050406030204" pitchFamily="18" charset="0"/>
                                   </a:rPr>
                                 </m:ctrlPr>
                               </m:accPr>
@@ -10327,18 +10156,14 @@
                   </m:oMath>
                 </a14:m>
                 <a:r>
-                  <a:rPr lang="en-US" sz="1400" dirty="0" smtClean="0"/>
+                  <a:rPr lang="en-US" sz="1400" dirty="0"/>
                   <a:t> )</a:t>
                 </a:r>
               </a:p>
               <a:p>
                 <a:r>
-                  <a:rPr lang="en-US" sz="1400" dirty="0" smtClean="0"/>
-                  <a:t>L1: Mean</a:t>
-                </a:r>
-                <a:r>
                   <a:rPr lang="en-US" sz="1400" dirty="0"/>
-                  <a:t>(</a:t>
+                  <a:t>L1: Mean(</a:t>
                 </a:r>
                 <a14:m>
                   <m:oMath xmlns:m="http://schemas.openxmlformats.org/officeDocument/2006/math">
@@ -10346,7 +10171,7 @@
                       <m:sSubPr>
                         <m:ctrlPr>
                           <a:rPr lang="en-US" sz="1400" i="1" dirty="0">
-                            <a:latin typeface="Cambria Math" charset="0"/>
+                            <a:latin typeface="Cambria Math" panose="02040503050406030204" pitchFamily="18" charset="0"/>
                           </a:rPr>
                         </m:ctrlPr>
                       </m:sSubPr>
@@ -10357,7 +10182,7 @@
                             <m:endChr m:val="|"/>
                             <m:ctrlPr>
                               <a:rPr lang="en-US" sz="1400" i="1">
-                                <a:latin typeface="Cambria Math" charset="0"/>
+                                <a:latin typeface="Cambria Math" panose="02040503050406030204" pitchFamily="18" charset="0"/>
                               </a:rPr>
                             </m:ctrlPr>
                           </m:dPr>
@@ -10367,7 +10192,7 @@
                                 <m:chr m:val="̂"/>
                                 <m:ctrlPr>
                                   <a:rPr lang="en-US" sz="1400" i="1">
-                                    <a:latin typeface="Cambria Math" charset="0"/>
+                                    <a:latin typeface="Cambria Math" panose="02040503050406030204" pitchFamily="18" charset="0"/>
                                   </a:rPr>
                                 </m:ctrlPr>
                               </m:accPr>
@@ -10413,86 +10238,69 @@
               </a:p>
               <a:p>
                 <a:r>
-                  <a:rPr lang="en-US" sz="1400" dirty="0" smtClean="0"/>
+                  <a:rPr lang="en-US" sz="1400" dirty="0"/>
                   <a:t>SSE: Sum of Squared Error on outcome Prediction</a:t>
                 </a:r>
               </a:p>
               <a:p>
                 <a:r>
-                  <a:rPr lang="en-US" sz="1400" dirty="0" smtClean="0"/>
+                  <a:rPr lang="en-US" sz="1400" dirty="0"/>
                   <a:t>TP: True </a:t>
                 </a:r>
                 <a:r>
-                  <a:rPr lang="en-US" sz="1400" dirty="0" err="1" smtClean="0"/>
+                  <a:rPr lang="en-US" sz="1400" dirty="0" err="1"/>
                   <a:t>Postive</a:t>
                 </a:r>
-                <a:endParaRPr lang="en-US" sz="1400" dirty="0" smtClean="0"/>
+                <a:endParaRPr lang="en-US" sz="1400" dirty="0"/>
               </a:p>
               <a:p>
                 <a:r>
                   <a:rPr lang="en-US" sz="1400" dirty="0"/>
-                  <a:t>a</a:t>
+                  <a:t>all: all biomarker covariates (including both prognostic biomarkers and predictive </a:t>
                 </a:r>
                 <a:r>
-                  <a:rPr lang="en-US" sz="1400" dirty="0" smtClean="0"/>
-                  <a:t>ll: all biomarker covariates (including both prognostic biomarkers and predictive </a:t>
-                </a:r>
-                <a:r>
-                  <a:rPr lang="en-US" sz="1400" dirty="0" err="1" smtClean="0"/>
+                  <a:rPr lang="en-US" sz="1400" dirty="0" err="1"/>
                   <a:t>biomakers</a:t>
                 </a:r>
                 <a:r>
-                  <a:rPr lang="en-US" sz="1400" dirty="0" smtClean="0"/>
+                  <a:rPr lang="en-US" sz="1400" dirty="0"/>
                   <a:t>)</a:t>
                 </a:r>
               </a:p>
               <a:p>
                 <a:r>
                   <a:rPr lang="en-US" sz="1400" dirty="0" err="1"/>
-                  <a:t>p</a:t>
+                  <a:t>prog</a:t>
                 </a:r>
                 <a:r>
-                  <a:rPr lang="en-US" sz="1400" dirty="0" err="1" smtClean="0"/>
-                  <a:t>rog</a:t>
-                </a:r>
-                <a:r>
-                  <a:rPr lang="en-US" sz="1400" dirty="0" smtClean="0"/>
+                  <a:rPr lang="en-US" sz="1400" dirty="0"/>
                   <a:t>: Only on prognostic biomarkers</a:t>
                 </a:r>
               </a:p>
               <a:p>
                 <a:r>
                   <a:rPr lang="en-US" sz="1400" dirty="0" err="1"/>
-                  <a:t>p</a:t>
+                  <a:t>pred</a:t>
                 </a:r>
                 <a:r>
-                  <a:rPr lang="en-US" sz="1400" dirty="0" err="1" smtClean="0"/>
-                  <a:t>red</a:t>
-                </a:r>
-                <a:r>
-                  <a:rPr lang="en-US" sz="1400" dirty="0" smtClean="0"/>
+                  <a:rPr lang="en-US" sz="1400" dirty="0"/>
                   <a:t>: Only on predictive biomarkers</a:t>
                 </a:r>
               </a:p>
               <a:p>
                 <a:r>
                   <a:rPr lang="en-US" sz="1400" dirty="0" err="1"/>
-                  <a:t>n</a:t>
+                  <a:t>num</a:t>
                 </a:r>
                 <a:r>
-                  <a:rPr lang="en-US" sz="1400" dirty="0" err="1" smtClean="0"/>
-                  <a:t>um</a:t>
-                </a:r>
-                <a:r>
-                  <a:rPr lang="en-US" sz="1400" dirty="0" smtClean="0"/>
+                  <a:rPr lang="en-US" sz="1400" dirty="0"/>
                   <a:t>: Model Size </a:t>
                 </a:r>
-                <a:endParaRPr lang="en-US" sz="1400" dirty="0"/>
               </a:p>
             </p:txBody>
           </p:sp>
         </mc:Choice>
-        <mc:Fallback>
+        <mc:Fallback xmlns="">
           <p:sp>
             <p:nvSpPr>
               <p:cNvPr id="8" name="TextBox 7"/>
@@ -10531,6 +10339,53 @@
           </p:sp>
         </mc:Fallback>
       </mc:AlternateContent>
+      <p:sp>
+        <p:nvSpPr>
+          <p:cNvPr id="9" name="Rectangle 8">
+            <a:extLst>
+              <a:ext uri="{FF2B5EF4-FFF2-40B4-BE49-F238E27FC236}">
+                <a16:creationId xmlns:a16="http://schemas.microsoft.com/office/drawing/2014/main" id="{CA8A3337-10D4-4CF8-ADB4-3378E5DF373A}"/>
+              </a:ext>
+            </a:extLst>
+          </p:cNvPr>
+          <p:cNvSpPr/>
+          <p:nvPr/>
+        </p:nvSpPr>
+        <p:spPr>
+          <a:xfrm>
+            <a:off x="5123809" y="1550945"/>
+            <a:ext cx="558961" cy="216024"/>
+          </a:xfrm>
+          <a:prstGeom prst="rect">
+            <a:avLst/>
+          </a:prstGeom>
+          <a:noFill/>
+        </p:spPr>
+        <p:style>
+          <a:lnRef idx="2">
+            <a:schemeClr val="accent1">
+              <a:shade val="50000"/>
+            </a:schemeClr>
+          </a:lnRef>
+          <a:fillRef idx="1">
+            <a:schemeClr val="accent1"/>
+          </a:fillRef>
+          <a:effectRef idx="0">
+            <a:schemeClr val="accent1"/>
+          </a:effectRef>
+          <a:fontRef idx="minor">
+            <a:schemeClr val="lt1"/>
+          </a:fontRef>
+        </p:style>
+        <p:txBody>
+          <a:bodyPr rtlCol="0" anchor="ctr"/>
+          <a:lstStyle/>
+          <a:p>
+            <a:pPr algn="ctr"/>
+            <a:endParaRPr lang="en-US"/>
+          </a:p>
+        </p:txBody>
+      </p:sp>
     </p:spTree>
     <p:extLst>
       <p:ext uri="{BB962C8B-B14F-4D97-AF65-F5344CB8AC3E}">
@@ -10541,13 +10396,6 @@
   <p:clrMapOvr>
     <a:masterClrMapping/>
   </p:clrMapOvr>
-  <p:timing>
-    <p:tnLst>
-      <p:par>
-        <p:cTn id="1" dur="indefinite" restart="never" nodeType="tmRoot"/>
-      </p:par>
-    </p:tnLst>
-  </p:timing>
 </p:sld>
 </file>
 
@@ -10657,8 +10505,8 @@
           </a:p>
         </p:txBody>
       </p:sp>
-      <mc:AlternateContent xmlns:mc="http://schemas.openxmlformats.org/markup-compatibility/2006">
-        <mc:Choice xmlns:a14="http://schemas.microsoft.com/office/drawing/2010/main" Requires="a14">
+      <mc:AlternateContent xmlns:mc="http://schemas.openxmlformats.org/markup-compatibility/2006" xmlns:a14="http://schemas.microsoft.com/office/drawing/2010/main">
+        <mc:Choice Requires="a14">
           <p:sp>
             <p:nvSpPr>
               <p:cNvPr id="6" name="TextBox 5"/>
@@ -10682,7 +10530,7 @@
               <a:lstStyle/>
               <a:p>
                 <a:r>
-                  <a:rPr lang="en-US" sz="1400" dirty="0" smtClean="0"/>
+                  <a:rPr lang="en-US" sz="1400" dirty="0"/>
                   <a:t>L2: Mean(</a:t>
                 </a:r>
                 <a14:m>
@@ -10691,7 +10539,7 @@
                       <m:sSubPr>
                         <m:ctrlPr>
                           <a:rPr lang="en-US" sz="1400" b="0" i="1" dirty="0" smtClean="0">
-                            <a:latin typeface="Cambria Math" charset="0"/>
+                            <a:latin typeface="Cambria Math" panose="02040503050406030204" pitchFamily="18" charset="0"/>
                           </a:rPr>
                         </m:ctrlPr>
                       </m:sSubPr>
@@ -10701,8 +10549,8 @@
                             <m:begChr m:val="|"/>
                             <m:endChr m:val="|"/>
                             <m:ctrlPr>
-                              <a:rPr lang="en-US" sz="1400" b="0" i="0" smtClean="0">
-                                <a:latin typeface="Cambria Math" charset="0"/>
+                              <a:rPr lang="en-US" sz="1400" b="0" i="1" smtClean="0">
+                                <a:latin typeface="Cambria Math" panose="02040503050406030204" pitchFamily="18" charset="0"/>
                               </a:rPr>
                             </m:ctrlPr>
                           </m:dPr>
@@ -10712,7 +10560,7 @@
                                 <m:chr m:val="̂"/>
                                 <m:ctrlPr>
                                   <a:rPr lang="en-US" sz="1400" b="0" i="1" smtClean="0">
-                                    <a:latin typeface="Cambria Math" charset="0"/>
+                                    <a:latin typeface="Cambria Math" panose="02040503050406030204" pitchFamily="18" charset="0"/>
                                   </a:rPr>
                                 </m:ctrlPr>
                               </m:accPr>
@@ -10752,18 +10600,14 @@
                   </m:oMath>
                 </a14:m>
                 <a:r>
-                  <a:rPr lang="en-US" sz="1400" dirty="0" smtClean="0"/>
+                  <a:rPr lang="en-US" sz="1400" dirty="0"/>
                   <a:t> )</a:t>
                 </a:r>
               </a:p>
               <a:p>
                 <a:r>
-                  <a:rPr lang="en-US" sz="1400" dirty="0" smtClean="0"/>
-                  <a:t>L1: Mean</a:t>
-                </a:r>
-                <a:r>
                   <a:rPr lang="en-US" sz="1400" dirty="0"/>
-                  <a:t>(</a:t>
+                  <a:t>L1: Mean(</a:t>
                 </a:r>
                 <a14:m>
                   <m:oMath xmlns:m="http://schemas.openxmlformats.org/officeDocument/2006/math">
@@ -10771,7 +10615,7 @@
                       <m:sSubPr>
                         <m:ctrlPr>
                           <a:rPr lang="en-US" sz="1400" i="1" dirty="0">
-                            <a:latin typeface="Cambria Math" charset="0"/>
+                            <a:latin typeface="Cambria Math" panose="02040503050406030204" pitchFamily="18" charset="0"/>
                           </a:rPr>
                         </m:ctrlPr>
                       </m:sSubPr>
@@ -10782,7 +10626,7 @@
                             <m:endChr m:val="|"/>
                             <m:ctrlPr>
                               <a:rPr lang="en-US" sz="1400" i="1">
-                                <a:latin typeface="Cambria Math" charset="0"/>
+                                <a:latin typeface="Cambria Math" panose="02040503050406030204" pitchFamily="18" charset="0"/>
                               </a:rPr>
                             </m:ctrlPr>
                           </m:dPr>
@@ -10792,7 +10636,7 @@
                                 <m:chr m:val="̂"/>
                                 <m:ctrlPr>
                                   <a:rPr lang="en-US" sz="1400" i="1">
-                                    <a:latin typeface="Cambria Math" charset="0"/>
+                                    <a:latin typeface="Cambria Math" panose="02040503050406030204" pitchFamily="18" charset="0"/>
                                   </a:rPr>
                                 </m:ctrlPr>
                               </m:accPr>
@@ -10838,86 +10682,69 @@
               </a:p>
               <a:p>
                 <a:r>
-                  <a:rPr lang="en-US" sz="1400" dirty="0" smtClean="0"/>
+                  <a:rPr lang="en-US" sz="1400" dirty="0"/>
                   <a:t>SSE: Sum of Squared Error on outcome Prediction</a:t>
                 </a:r>
               </a:p>
               <a:p>
                 <a:r>
-                  <a:rPr lang="en-US" sz="1400" dirty="0" smtClean="0"/>
+                  <a:rPr lang="en-US" sz="1400" dirty="0"/>
                   <a:t>TP: True </a:t>
                 </a:r>
                 <a:r>
-                  <a:rPr lang="en-US" sz="1400" dirty="0" err="1" smtClean="0"/>
+                  <a:rPr lang="en-US" sz="1400" dirty="0" err="1"/>
                   <a:t>Postive</a:t>
                 </a:r>
-                <a:endParaRPr lang="en-US" sz="1400" dirty="0" smtClean="0"/>
+                <a:endParaRPr lang="en-US" sz="1400" dirty="0"/>
               </a:p>
               <a:p>
                 <a:r>
                   <a:rPr lang="en-US" sz="1400" dirty="0"/>
-                  <a:t>a</a:t>
+                  <a:t>all: all biomarker covariates (including both prognostic biomarkers and predictive </a:t>
                 </a:r>
                 <a:r>
-                  <a:rPr lang="en-US" sz="1400" dirty="0" smtClean="0"/>
-                  <a:t>ll: all biomarker covariates (including both prognostic biomarkers and predictive </a:t>
-                </a:r>
-                <a:r>
-                  <a:rPr lang="en-US" sz="1400" dirty="0" err="1" smtClean="0"/>
+                  <a:rPr lang="en-US" sz="1400" dirty="0" err="1"/>
                   <a:t>biomakers</a:t>
                 </a:r>
                 <a:r>
-                  <a:rPr lang="en-US" sz="1400" dirty="0" smtClean="0"/>
+                  <a:rPr lang="en-US" sz="1400" dirty="0"/>
                   <a:t>)</a:t>
                 </a:r>
               </a:p>
               <a:p>
                 <a:r>
                   <a:rPr lang="en-US" sz="1400" dirty="0" err="1"/>
-                  <a:t>p</a:t>
+                  <a:t>prog</a:t>
                 </a:r>
                 <a:r>
-                  <a:rPr lang="en-US" sz="1400" dirty="0" err="1" smtClean="0"/>
-                  <a:t>rog</a:t>
-                </a:r>
-                <a:r>
-                  <a:rPr lang="en-US" sz="1400" dirty="0" smtClean="0"/>
+                  <a:rPr lang="en-US" sz="1400" dirty="0"/>
                   <a:t>: Only on prognostic biomarkers</a:t>
                 </a:r>
               </a:p>
               <a:p>
                 <a:r>
                   <a:rPr lang="en-US" sz="1400" dirty="0" err="1"/>
-                  <a:t>p</a:t>
+                  <a:t>pred</a:t>
                 </a:r>
                 <a:r>
-                  <a:rPr lang="en-US" sz="1400" dirty="0" err="1" smtClean="0"/>
-                  <a:t>red</a:t>
-                </a:r>
-                <a:r>
-                  <a:rPr lang="en-US" sz="1400" dirty="0" smtClean="0"/>
+                  <a:rPr lang="en-US" sz="1400" dirty="0"/>
                   <a:t>: Only on predictive biomarkers</a:t>
                 </a:r>
               </a:p>
               <a:p>
                 <a:r>
                   <a:rPr lang="en-US" sz="1400" dirty="0" err="1"/>
-                  <a:t>n</a:t>
+                  <a:t>num</a:t>
                 </a:r>
                 <a:r>
-                  <a:rPr lang="en-US" sz="1400" dirty="0" err="1" smtClean="0"/>
-                  <a:t>um</a:t>
-                </a:r>
-                <a:r>
-                  <a:rPr lang="en-US" sz="1400" dirty="0" smtClean="0"/>
+                  <a:rPr lang="en-US" sz="1400" dirty="0"/>
                   <a:t>: Model Size </a:t>
                 </a:r>
-                <a:endParaRPr lang="en-US" sz="1400" dirty="0"/>
               </a:p>
             </p:txBody>
           </p:sp>
         </mc:Choice>
-        <mc:Fallback>
+        <mc:Fallback xmlns="">
           <p:sp>
             <p:nvSpPr>
               <p:cNvPr id="6" name="TextBox 5"/>
@@ -11077,13 +10904,6 @@
   <p:clrMapOvr>
     <a:masterClrMapping/>
   </p:clrMapOvr>
-  <p:timing>
-    <p:tnLst>
-      <p:par>
-        <p:cTn id="1" dur="indefinite" restart="never" nodeType="tmRoot"/>
-      </p:par>
-    </p:tnLst>
-  </p:timing>
 </p:sld>
 </file>
 
@@ -11193,8 +11013,8 @@
           </a:p>
         </p:txBody>
       </p:sp>
-      <mc:AlternateContent xmlns:mc="http://schemas.openxmlformats.org/markup-compatibility/2006">
-        <mc:Choice xmlns:a14="http://schemas.microsoft.com/office/drawing/2010/main" Requires="a14">
+      <mc:AlternateContent xmlns:mc="http://schemas.openxmlformats.org/markup-compatibility/2006" xmlns:a14="http://schemas.microsoft.com/office/drawing/2010/main">
+        <mc:Choice Requires="a14">
           <p:sp>
             <p:nvSpPr>
               <p:cNvPr id="7" name="TextBox 6"/>
@@ -11218,7 +11038,7 @@
               <a:lstStyle/>
               <a:p>
                 <a:r>
-                  <a:rPr lang="en-US" sz="1400" dirty="0" smtClean="0"/>
+                  <a:rPr lang="en-US" sz="1400" dirty="0"/>
                   <a:t>L2: Mean(</a:t>
                 </a:r>
                 <a14:m>
@@ -11227,7 +11047,7 @@
                       <m:sSubPr>
                         <m:ctrlPr>
                           <a:rPr lang="en-US" sz="1400" b="0" i="1" dirty="0" smtClean="0">
-                            <a:latin typeface="Cambria Math" charset="0"/>
+                            <a:latin typeface="Cambria Math" panose="02040503050406030204" pitchFamily="18" charset="0"/>
                           </a:rPr>
                         </m:ctrlPr>
                       </m:sSubPr>
@@ -11237,8 +11057,8 @@
                             <m:begChr m:val="|"/>
                             <m:endChr m:val="|"/>
                             <m:ctrlPr>
-                              <a:rPr lang="en-US" sz="1400" b="0" i="0" smtClean="0">
-                                <a:latin typeface="Cambria Math" charset="0"/>
+                              <a:rPr lang="en-US" sz="1400" b="0" i="1" smtClean="0">
+                                <a:latin typeface="Cambria Math" panose="02040503050406030204" pitchFamily="18" charset="0"/>
                               </a:rPr>
                             </m:ctrlPr>
                           </m:dPr>
@@ -11248,7 +11068,7 @@
                                 <m:chr m:val="̂"/>
                                 <m:ctrlPr>
                                   <a:rPr lang="en-US" sz="1400" b="0" i="1" smtClean="0">
-                                    <a:latin typeface="Cambria Math" charset="0"/>
+                                    <a:latin typeface="Cambria Math" panose="02040503050406030204" pitchFamily="18" charset="0"/>
                                   </a:rPr>
                                 </m:ctrlPr>
                               </m:accPr>
@@ -11288,18 +11108,14 @@
                   </m:oMath>
                 </a14:m>
                 <a:r>
-                  <a:rPr lang="en-US" sz="1400" dirty="0" smtClean="0"/>
+                  <a:rPr lang="en-US" sz="1400" dirty="0"/>
                   <a:t> )</a:t>
                 </a:r>
               </a:p>
               <a:p>
                 <a:r>
-                  <a:rPr lang="en-US" sz="1400" dirty="0" smtClean="0"/>
-                  <a:t>L1: Mean</a:t>
-                </a:r>
-                <a:r>
                   <a:rPr lang="en-US" sz="1400" dirty="0"/>
-                  <a:t>(</a:t>
+                  <a:t>L1: Mean(</a:t>
                 </a:r>
                 <a14:m>
                   <m:oMath xmlns:m="http://schemas.openxmlformats.org/officeDocument/2006/math">
@@ -11307,7 +11123,7 @@
                       <m:sSubPr>
                         <m:ctrlPr>
                           <a:rPr lang="en-US" sz="1400" i="1" dirty="0">
-                            <a:latin typeface="Cambria Math" charset="0"/>
+                            <a:latin typeface="Cambria Math" panose="02040503050406030204" pitchFamily="18" charset="0"/>
                           </a:rPr>
                         </m:ctrlPr>
                       </m:sSubPr>
@@ -11318,7 +11134,7 @@
                             <m:endChr m:val="|"/>
                             <m:ctrlPr>
                               <a:rPr lang="en-US" sz="1400" i="1">
-                                <a:latin typeface="Cambria Math" charset="0"/>
+                                <a:latin typeface="Cambria Math" panose="02040503050406030204" pitchFamily="18" charset="0"/>
                               </a:rPr>
                             </m:ctrlPr>
                           </m:dPr>
@@ -11328,7 +11144,7 @@
                                 <m:chr m:val="̂"/>
                                 <m:ctrlPr>
                                   <a:rPr lang="en-US" sz="1400" i="1">
-                                    <a:latin typeface="Cambria Math" charset="0"/>
+                                    <a:latin typeface="Cambria Math" panose="02040503050406030204" pitchFamily="18" charset="0"/>
                                   </a:rPr>
                                 </m:ctrlPr>
                               </m:accPr>
@@ -11374,86 +11190,69 @@
               </a:p>
               <a:p>
                 <a:r>
-                  <a:rPr lang="en-US" sz="1400" dirty="0" smtClean="0"/>
+                  <a:rPr lang="en-US" sz="1400" dirty="0"/>
                   <a:t>SSE: Sum of Squared Error on outcome Prediction</a:t>
                 </a:r>
               </a:p>
               <a:p>
                 <a:r>
-                  <a:rPr lang="en-US" sz="1400" dirty="0" smtClean="0"/>
+                  <a:rPr lang="en-US" sz="1400" dirty="0"/>
                   <a:t>TP: True </a:t>
                 </a:r>
                 <a:r>
-                  <a:rPr lang="en-US" sz="1400" dirty="0" err="1" smtClean="0"/>
+                  <a:rPr lang="en-US" sz="1400" dirty="0" err="1"/>
                   <a:t>Postive</a:t>
                 </a:r>
-                <a:endParaRPr lang="en-US" sz="1400" dirty="0" smtClean="0"/>
+                <a:endParaRPr lang="en-US" sz="1400" dirty="0"/>
               </a:p>
               <a:p>
                 <a:r>
                   <a:rPr lang="en-US" sz="1400" dirty="0"/>
-                  <a:t>a</a:t>
+                  <a:t>all: all biomarker covariates (including both prognostic biomarkers and predictive </a:t>
                 </a:r>
                 <a:r>
-                  <a:rPr lang="en-US" sz="1400" dirty="0" smtClean="0"/>
-                  <a:t>ll: all biomarker covariates (including both prognostic biomarkers and predictive </a:t>
-                </a:r>
-                <a:r>
-                  <a:rPr lang="en-US" sz="1400" dirty="0" err="1" smtClean="0"/>
+                  <a:rPr lang="en-US" sz="1400" dirty="0" err="1"/>
                   <a:t>biomakers</a:t>
                 </a:r>
                 <a:r>
-                  <a:rPr lang="en-US" sz="1400" dirty="0" smtClean="0"/>
+                  <a:rPr lang="en-US" sz="1400" dirty="0"/>
                   <a:t>)</a:t>
                 </a:r>
               </a:p>
               <a:p>
                 <a:r>
                   <a:rPr lang="en-US" sz="1400" dirty="0" err="1"/>
-                  <a:t>p</a:t>
+                  <a:t>prog</a:t>
                 </a:r>
                 <a:r>
-                  <a:rPr lang="en-US" sz="1400" dirty="0" err="1" smtClean="0"/>
-                  <a:t>rog</a:t>
-                </a:r>
-                <a:r>
-                  <a:rPr lang="en-US" sz="1400" dirty="0" smtClean="0"/>
+                  <a:rPr lang="en-US" sz="1400" dirty="0"/>
                   <a:t>: Only on prognostic biomarkers</a:t>
                 </a:r>
               </a:p>
               <a:p>
                 <a:r>
                   <a:rPr lang="en-US" sz="1400" dirty="0" err="1"/>
-                  <a:t>p</a:t>
+                  <a:t>pred</a:t>
                 </a:r>
                 <a:r>
-                  <a:rPr lang="en-US" sz="1400" dirty="0" err="1" smtClean="0"/>
-                  <a:t>red</a:t>
-                </a:r>
-                <a:r>
-                  <a:rPr lang="en-US" sz="1400" dirty="0" smtClean="0"/>
+                  <a:rPr lang="en-US" sz="1400" dirty="0"/>
                   <a:t>: Only on predictive biomarkers</a:t>
                 </a:r>
               </a:p>
               <a:p>
                 <a:r>
                   <a:rPr lang="en-US" sz="1400" dirty="0" err="1"/>
-                  <a:t>n</a:t>
+                  <a:t>num</a:t>
                 </a:r>
                 <a:r>
-                  <a:rPr lang="en-US" sz="1400" dirty="0" err="1" smtClean="0"/>
-                  <a:t>um</a:t>
-                </a:r>
-                <a:r>
-                  <a:rPr lang="en-US" sz="1400" dirty="0" smtClean="0"/>
+                  <a:rPr lang="en-US" sz="1400" dirty="0"/>
                   <a:t>: Model Size </a:t>
                 </a:r>
-                <a:endParaRPr lang="en-US" sz="1400" dirty="0"/>
               </a:p>
             </p:txBody>
           </p:sp>
         </mc:Choice>
-        <mc:Fallback>
+        <mc:Fallback xmlns="">
           <p:sp>
             <p:nvSpPr>
               <p:cNvPr id="7" name="TextBox 6"/>
@@ -11613,13 +11412,6 @@
   <p:clrMapOvr>
     <a:masterClrMapping/>
   </p:clrMapOvr>
-  <p:timing>
-    <p:tnLst>
-      <p:par>
-        <p:cTn id="1" dur="indefinite" restart="never" nodeType="tmRoot"/>
-      </p:par>
-    </p:tnLst>
-  </p:timing>
 </p:sld>
 </file>
 
@@ -11656,10 +11448,9 @@
           <a:lstStyle/>
           <a:p>
             <a:r>
-              <a:rPr lang="en-US" sz="1800" dirty="0" smtClean="0"/>
+              <a:rPr lang="en-US" sz="1800" dirty="0"/>
               <a:t>Distributions of TPR on Predictive Biomarkers Across All Simulations</a:t>
             </a:r>
-            <a:endParaRPr lang="en-US" sz="1800" dirty="0"/>
           </a:p>
         </p:txBody>
       </p:sp>
@@ -11681,10 +11472,9 @@
           <a:lstStyle/>
           <a:p>
             <a:r>
-              <a:rPr lang="en-US" dirty="0" smtClean="0"/>
+              <a:rPr lang="en-US" dirty="0"/>
               <a:t>Proportion=5%</a:t>
             </a:r>
-            <a:endParaRPr lang="en-US" dirty="0"/>
           </a:p>
         </p:txBody>
       </p:sp>
@@ -11706,10 +11496,9 @@
           <a:lstStyle/>
           <a:p>
             <a:r>
-              <a:rPr lang="en-US" dirty="0" smtClean="0"/>
+              <a:rPr lang="en-US" dirty="0"/>
               <a:t>Proportion=10%</a:t>
             </a:r>
-            <a:endParaRPr lang="en-US" dirty="0"/>
           </a:p>
         </p:txBody>
       </p:sp>
@@ -11729,27 +11518,27 @@
           <a:lstStyle/>
           <a:p>
             <a:r>
-              <a:rPr lang="ja-JP" altLang="en-US" smtClean="0"/>
+              <a:rPr lang="ja-JP" altLang="en-US"/>
               <a:t>｜</a:t>
             </a:r>
             <a:r>
-              <a:rPr lang="en-US" altLang="ja-JP" smtClean="0"/>
+              <a:rPr lang="en-US" altLang="ja-JP"/>
               <a:t>0000</a:t>
             </a:r>
             <a:r>
-              <a:rPr lang="ja-JP" altLang="en-US" smtClean="0"/>
+              <a:rPr lang="ja-JP" altLang="en-US"/>
               <a:t>　</a:t>
             </a:r>
             <a:r>
-              <a:rPr lang="en-US" altLang="ja-JP" smtClean="0"/>
+              <a:rPr lang="en-US" altLang="ja-JP"/>
               <a:t>|</a:t>
             </a:r>
             <a:r>
-              <a:rPr lang="ja-JP" altLang="en-US" smtClean="0"/>
+              <a:rPr lang="ja-JP" altLang="en-US"/>
               <a:t>　　</a:t>
             </a:r>
             <a:r>
-              <a:rPr lang="en-US" altLang="ja-JP" smtClean="0"/>
+              <a:rPr lang="en-US" altLang="ja-JP"/>
               <a:t>DDMMYY</a:t>
             </a:r>
             <a:endParaRPr lang="ja-JP" altLang="en-US" dirty="0"/>
@@ -11791,7 +11580,7 @@
           </p:nvPr>
         </p:nvPicPr>
         <p:blipFill>
-          <a:blip r:embed="rId2">
+          <a:blip r:embed="rId2" cstate="print">
             <a:extLst>
               <a:ext uri="{28A0092B-C50C-407E-A947-70E740481C1C}">
                 <a14:useLocalDpi xmlns:a14="http://schemas.microsoft.com/office/drawing/2010/main" val="0"/>
@@ -11820,7 +11609,7 @@
           </p:nvPr>
         </p:nvPicPr>
         <p:blipFill>
-          <a:blip r:embed="rId3">
+          <a:blip r:embed="rId3" cstate="print">
             <a:extLst>
               <a:ext uri="{28A0092B-C50C-407E-A947-70E740481C1C}">
                 <a14:useLocalDpi xmlns:a14="http://schemas.microsoft.com/office/drawing/2010/main" val="0"/>
@@ -11848,13 +11637,6 @@
   <p:clrMapOvr>
     <a:masterClrMapping/>
   </p:clrMapOvr>
-  <p:timing>
-    <p:tnLst>
-      <p:par>
-        <p:cTn id="1" dur="indefinite" restart="never" nodeType="tmRoot"/>
-      </p:par>
-    </p:tnLst>
-  </p:timing>
 </p:sld>
 </file>
 
@@ -11891,10 +11673,9 @@
           <a:lstStyle/>
           <a:p>
             <a:r>
-              <a:rPr lang="en-US" sz="1800" dirty="0" smtClean="0"/>
+              <a:rPr lang="en-US" sz="1800" dirty="0"/>
               <a:t>Distributions of TPR on Predictive Biomarkers Across All Simulations</a:t>
             </a:r>
-            <a:endParaRPr lang="en-US" sz="1800" dirty="0"/>
           </a:p>
         </p:txBody>
       </p:sp>
@@ -11916,10 +11697,9 @@
           <a:lstStyle/>
           <a:p>
             <a:r>
-              <a:rPr lang="en-US" dirty="0" smtClean="0"/>
+              <a:rPr lang="en-US" dirty="0"/>
               <a:t>Proportion=15%</a:t>
             </a:r>
-            <a:endParaRPr lang="en-US" dirty="0"/>
           </a:p>
         </p:txBody>
       </p:sp>
@@ -11941,10 +11721,9 @@
           <a:lstStyle/>
           <a:p>
             <a:r>
-              <a:rPr lang="en-US" dirty="0" smtClean="0"/>
+              <a:rPr lang="en-US" dirty="0"/>
               <a:t>Proportion=20%</a:t>
             </a:r>
-            <a:endParaRPr lang="en-US" dirty="0"/>
           </a:p>
         </p:txBody>
       </p:sp>
@@ -11964,27 +11743,27 @@
           <a:lstStyle/>
           <a:p>
             <a:r>
-              <a:rPr lang="ja-JP" altLang="en-US" smtClean="0"/>
+              <a:rPr lang="ja-JP" altLang="en-US"/>
               <a:t>｜</a:t>
             </a:r>
             <a:r>
-              <a:rPr lang="en-US" altLang="ja-JP" smtClean="0"/>
+              <a:rPr lang="en-US" altLang="ja-JP"/>
               <a:t>0000</a:t>
             </a:r>
             <a:r>
-              <a:rPr lang="ja-JP" altLang="en-US" smtClean="0"/>
+              <a:rPr lang="ja-JP" altLang="en-US"/>
               <a:t>　</a:t>
             </a:r>
             <a:r>
-              <a:rPr lang="en-US" altLang="ja-JP" smtClean="0"/>
+              <a:rPr lang="en-US" altLang="ja-JP"/>
               <a:t>|</a:t>
             </a:r>
             <a:r>
-              <a:rPr lang="ja-JP" altLang="en-US" smtClean="0"/>
+              <a:rPr lang="ja-JP" altLang="en-US"/>
               <a:t>　　</a:t>
             </a:r>
             <a:r>
-              <a:rPr lang="en-US" altLang="ja-JP" smtClean="0"/>
+              <a:rPr lang="en-US" altLang="ja-JP"/>
               <a:t>DDMMYY</a:t>
             </a:r>
             <a:endParaRPr lang="ja-JP" altLang="en-US" dirty="0"/>
@@ -12026,7 +11805,7 @@
           </p:nvPr>
         </p:nvPicPr>
         <p:blipFill>
-          <a:blip r:embed="rId2">
+          <a:blip r:embed="rId2" cstate="print">
             <a:extLst>
               <a:ext uri="{28A0092B-C50C-407E-A947-70E740481C1C}">
                 <a14:useLocalDpi xmlns:a14="http://schemas.microsoft.com/office/drawing/2010/main" val="0"/>
@@ -12055,7 +11834,7 @@
           </p:nvPr>
         </p:nvPicPr>
         <p:blipFill>
-          <a:blip r:embed="rId3">
+          <a:blip r:embed="rId3" cstate="print">
             <a:extLst>
               <a:ext uri="{28A0092B-C50C-407E-A947-70E740481C1C}">
                 <a14:useLocalDpi xmlns:a14="http://schemas.microsoft.com/office/drawing/2010/main" val="0"/>
@@ -12167,27 +11946,27 @@
           <a:lstStyle/>
           <a:p>
             <a:r>
-              <a:rPr lang="ja-JP" altLang="en-US" smtClean="0"/>
+              <a:rPr lang="ja-JP" altLang="en-US"/>
               <a:t>｜</a:t>
             </a:r>
             <a:r>
-              <a:rPr lang="en-US" altLang="ja-JP" smtClean="0"/>
+              <a:rPr lang="en-US" altLang="ja-JP"/>
               <a:t>0000</a:t>
             </a:r>
             <a:r>
-              <a:rPr lang="ja-JP" altLang="en-US" smtClean="0"/>
+              <a:rPr lang="ja-JP" altLang="en-US"/>
               <a:t>　</a:t>
             </a:r>
             <a:r>
-              <a:rPr lang="en-US" altLang="ja-JP" smtClean="0"/>
+              <a:rPr lang="en-US" altLang="ja-JP"/>
               <a:t>|</a:t>
             </a:r>
             <a:r>
-              <a:rPr lang="ja-JP" altLang="en-US" smtClean="0"/>
+              <a:rPr lang="ja-JP" altLang="en-US"/>
               <a:t>　　</a:t>
             </a:r>
             <a:r>
-              <a:rPr lang="en-US" altLang="ja-JP" smtClean="0"/>
+              <a:rPr lang="en-US" altLang="ja-JP"/>
               <a:t>DDMMYY</a:t>
             </a:r>
             <a:endParaRPr lang="ja-JP" altLang="en-US" dirty="0"/>
@@ -12228,13 +12007,6 @@
   <p:clrMapOvr>
     <a:masterClrMapping/>
   </p:clrMapOvr>
-  <p:timing>
-    <p:tnLst>
-      <p:par>
-        <p:cTn id="1" dur="indefinite" restart="never" nodeType="tmRoot"/>
-      </p:par>
-    </p:tnLst>
-  </p:timing>
 </p:sld>
 </file>
 
@@ -12319,27 +12091,27 @@
           <a:lstStyle/>
           <a:p>
             <a:r>
-              <a:rPr lang="ja-JP" altLang="en-US" smtClean="0"/>
+              <a:rPr lang="ja-JP" altLang="en-US"/>
               <a:t>｜</a:t>
             </a:r>
             <a:r>
-              <a:rPr lang="en-US" altLang="ja-JP" smtClean="0"/>
+              <a:rPr lang="en-US" altLang="ja-JP"/>
               <a:t>0000</a:t>
             </a:r>
             <a:r>
-              <a:rPr lang="ja-JP" altLang="en-US" smtClean="0"/>
+              <a:rPr lang="ja-JP" altLang="en-US"/>
               <a:t>　</a:t>
             </a:r>
             <a:r>
-              <a:rPr lang="en-US" altLang="ja-JP" smtClean="0"/>
+              <a:rPr lang="en-US" altLang="ja-JP"/>
               <a:t>|</a:t>
             </a:r>
             <a:r>
-              <a:rPr lang="ja-JP" altLang="en-US" smtClean="0"/>
+              <a:rPr lang="ja-JP" altLang="en-US"/>
               <a:t>　　</a:t>
             </a:r>
             <a:r>
-              <a:rPr lang="en-US" altLang="ja-JP" smtClean="0"/>
+              <a:rPr lang="en-US" altLang="ja-JP"/>
               <a:t>DDMMYY</a:t>
             </a:r>
             <a:endParaRPr lang="ja-JP" altLang="en-US" dirty="0"/>
@@ -12380,13 +12152,6 @@
   <p:clrMapOvr>
     <a:masterClrMapping/>
   </p:clrMapOvr>
-  <p:timing>
-    <p:tnLst>
-      <p:par>
-        <p:cTn id="1" dur="indefinite" restart="never" nodeType="tmRoot"/>
-      </p:par>
-    </p:tnLst>
-  </p:timing>
 </p:sld>
 </file>
 
@@ -12423,10 +12188,9 @@
           <a:lstStyle/>
           <a:p>
             <a:r>
-              <a:rPr lang="en-US" dirty="0" smtClean="0"/>
+              <a:rPr lang="en-US" dirty="0"/>
               <a:t>Prognostic Biomarkers and Predictive Biomarkers</a:t>
             </a:r>
-            <a:endParaRPr lang="en-US" dirty="0"/>
           </a:p>
         </p:txBody>
       </p:sp>
@@ -12446,27 +12210,27 @@
           <a:lstStyle/>
           <a:p>
             <a:r>
-              <a:rPr lang="ja-JP" altLang="en-US" smtClean="0"/>
+              <a:rPr lang="ja-JP" altLang="en-US"/>
               <a:t>｜</a:t>
             </a:r>
             <a:r>
-              <a:rPr lang="en-US" altLang="ja-JP" smtClean="0"/>
+              <a:rPr lang="en-US" altLang="ja-JP"/>
               <a:t>0000</a:t>
             </a:r>
             <a:r>
-              <a:rPr lang="ja-JP" altLang="en-US" smtClean="0"/>
+              <a:rPr lang="ja-JP" altLang="en-US"/>
               <a:t>　</a:t>
             </a:r>
             <a:r>
-              <a:rPr lang="en-US" altLang="ja-JP" smtClean="0"/>
+              <a:rPr lang="en-US" altLang="ja-JP"/>
               <a:t>|</a:t>
             </a:r>
             <a:r>
-              <a:rPr lang="ja-JP" altLang="en-US" smtClean="0"/>
+              <a:rPr lang="ja-JP" altLang="en-US"/>
               <a:t>　　</a:t>
             </a:r>
             <a:r>
-              <a:rPr lang="en-US" altLang="ja-JP" smtClean="0"/>
+              <a:rPr lang="en-US" altLang="ja-JP"/>
               <a:t>DDMMYY</a:t>
             </a:r>
             <a:endParaRPr lang="ja-JP" altLang="en-US" dirty="0"/>
@@ -12502,7 +12266,7 @@
           <p:cNvPr id="6" name="Picture 2" descr="Prognostic versus predictive biomarkers. An idealized example of the interrogation of the prognostic versus predictive properties of a biomarker (BM) are shown. (A) An experimental treatment (Exp Treatment) is tested in a randomized controlled fashion against a placebo or control arm and shown to confer a survival advantage. A biomarker (BM) has been shown to correlate with improved benefit with the Exp Treatment in prior uncontrolled studies without a control arm. By segregating the groups based on their treatment arms and BM status (BM+/Placebo; BM+/Exp Treatment; BM-/Placebo; and BM-/Exp Treatment) it is possible to distinguish whether the BM is purely prognostic versus predictive. (B) The BM is purely prognostic and therefore independent of the treatment effect. The relative magnitude of the benefit from the Exp Treatment is similar for each BM group. (C) The BM is purely predictive for the Exp Treatment and all the benefit from the Exp treatment is exhibited only for patients in the BM+ group.Â ">
             <a:extLst>
               <a:ext uri="{FF2B5EF4-FFF2-40B4-BE49-F238E27FC236}">
-                <a16:creationId xmlns:a16="http://schemas.microsoft.com/office/drawing/2014/main" xmlns="" id="{E1F2FD62-70D4-4F80-A988-F11F499B722C}"/>
+                <a16:creationId xmlns:a16="http://schemas.microsoft.com/office/drawing/2014/main" id="{E1F2FD62-70D4-4F80-A988-F11F499B722C}"/>
               </a:ext>
             </a:extLst>
           </p:cNvPr>
@@ -12580,7 +12344,6 @@
               <a:rPr lang="en-US" sz="1050" dirty="0"/>
               <a:t> 12.6 (2012)</a:t>
             </a:r>
-            <a:endParaRPr lang="en-US" sz="1050" dirty="0"/>
           </a:p>
         </p:txBody>
       </p:sp>
@@ -12594,13 +12357,6 @@
   <p:clrMapOvr>
     <a:masterClrMapping/>
   </p:clrMapOvr>
-  <p:timing>
-    <p:tnLst>
-      <p:par>
-        <p:cTn id="1" dur="indefinite" restart="never" nodeType="tmRoot"/>
-      </p:par>
-    </p:tnLst>
-  </p:timing>
 </p:sld>
 </file>
 
@@ -12637,7 +12393,7 @@
           <a:lstStyle/>
           <a:p>
             <a:r>
-              <a:rPr lang="en-US" altLang="zh-CN" dirty="0" smtClean="0"/>
+              <a:rPr lang="en-US" altLang="zh-CN" dirty="0"/>
               <a:t>Signal Noise Ratio</a:t>
             </a:r>
             <a:endParaRPr lang="en-US" dirty="0"/>
@@ -12654,13 +12410,6 @@
   <p:clrMapOvr>
     <a:masterClrMapping/>
   </p:clrMapOvr>
-  <p:timing>
-    <p:tnLst>
-      <p:par>
-        <p:cTn id="1" dur="indefinite" restart="never" nodeType="tmRoot"/>
-      </p:par>
-    </p:tnLst>
-  </p:timing>
 </p:sld>
 </file>
 
@@ -12770,8 +12519,8 @@
           </a:p>
         </p:txBody>
       </p:sp>
-      <mc:AlternateContent xmlns:mc="http://schemas.openxmlformats.org/markup-compatibility/2006">
-        <mc:Choice xmlns:a14="http://schemas.microsoft.com/office/drawing/2010/main" Requires="a14">
+      <mc:AlternateContent xmlns:mc="http://schemas.openxmlformats.org/markup-compatibility/2006" xmlns:a14="http://schemas.microsoft.com/office/drawing/2010/main">
+        <mc:Choice Requires="a14">
           <p:sp>
             <p:nvSpPr>
               <p:cNvPr id="6" name="TextBox 5"/>
@@ -12795,7 +12544,7 @@
               <a:lstStyle/>
               <a:p>
                 <a:r>
-                  <a:rPr lang="en-US" sz="1400" dirty="0" smtClean="0"/>
+                  <a:rPr lang="en-US" sz="1400" dirty="0"/>
                   <a:t>L2: Mean(</a:t>
                 </a:r>
                 <a14:m>
@@ -12804,7 +12553,7 @@
                       <m:sSubPr>
                         <m:ctrlPr>
                           <a:rPr lang="en-US" sz="1400" b="0" i="1" dirty="0" smtClean="0">
-                            <a:latin typeface="Cambria Math" charset="0"/>
+                            <a:latin typeface="Cambria Math" panose="02040503050406030204" pitchFamily="18" charset="0"/>
                           </a:rPr>
                         </m:ctrlPr>
                       </m:sSubPr>
@@ -12814,8 +12563,8 @@
                             <m:begChr m:val="|"/>
                             <m:endChr m:val="|"/>
                             <m:ctrlPr>
-                              <a:rPr lang="en-US" sz="1400" b="0" i="0" smtClean="0">
-                                <a:latin typeface="Cambria Math" charset="0"/>
+                              <a:rPr lang="en-US" sz="1400" b="0" i="1" smtClean="0">
+                                <a:latin typeface="Cambria Math" panose="02040503050406030204" pitchFamily="18" charset="0"/>
                               </a:rPr>
                             </m:ctrlPr>
                           </m:dPr>
@@ -12825,7 +12574,7 @@
                                 <m:chr m:val="̂"/>
                                 <m:ctrlPr>
                                   <a:rPr lang="en-US" sz="1400" b="0" i="1" smtClean="0">
-                                    <a:latin typeface="Cambria Math" charset="0"/>
+                                    <a:latin typeface="Cambria Math" panose="02040503050406030204" pitchFamily="18" charset="0"/>
                                   </a:rPr>
                                 </m:ctrlPr>
                               </m:accPr>
@@ -12865,18 +12614,14 @@
                   </m:oMath>
                 </a14:m>
                 <a:r>
-                  <a:rPr lang="en-US" sz="1400" dirty="0" smtClean="0"/>
+                  <a:rPr lang="en-US" sz="1400" dirty="0"/>
                   <a:t> )</a:t>
                 </a:r>
               </a:p>
               <a:p>
                 <a:r>
-                  <a:rPr lang="en-US" sz="1400" dirty="0" smtClean="0"/>
-                  <a:t>L1: Mean</a:t>
-                </a:r>
-                <a:r>
                   <a:rPr lang="en-US" sz="1400" dirty="0"/>
-                  <a:t>(</a:t>
+                  <a:t>L1: Mean(</a:t>
                 </a:r>
                 <a14:m>
                   <m:oMath xmlns:m="http://schemas.openxmlformats.org/officeDocument/2006/math">
@@ -12884,7 +12629,7 @@
                       <m:sSubPr>
                         <m:ctrlPr>
                           <a:rPr lang="en-US" sz="1400" i="1" dirty="0">
-                            <a:latin typeface="Cambria Math" charset="0"/>
+                            <a:latin typeface="Cambria Math" panose="02040503050406030204" pitchFamily="18" charset="0"/>
                           </a:rPr>
                         </m:ctrlPr>
                       </m:sSubPr>
@@ -12895,7 +12640,7 @@
                             <m:endChr m:val="|"/>
                             <m:ctrlPr>
                               <a:rPr lang="en-US" sz="1400" i="1">
-                                <a:latin typeface="Cambria Math" charset="0"/>
+                                <a:latin typeface="Cambria Math" panose="02040503050406030204" pitchFamily="18" charset="0"/>
                               </a:rPr>
                             </m:ctrlPr>
                           </m:dPr>
@@ -12905,7 +12650,7 @@
                                 <m:chr m:val="̂"/>
                                 <m:ctrlPr>
                                   <a:rPr lang="en-US" sz="1400" i="1">
-                                    <a:latin typeface="Cambria Math" charset="0"/>
+                                    <a:latin typeface="Cambria Math" panose="02040503050406030204" pitchFamily="18" charset="0"/>
                                   </a:rPr>
                                 </m:ctrlPr>
                               </m:accPr>
@@ -12951,86 +12696,69 @@
               </a:p>
               <a:p>
                 <a:r>
-                  <a:rPr lang="en-US" sz="1400" dirty="0" smtClean="0"/>
+                  <a:rPr lang="en-US" sz="1400" dirty="0"/>
                   <a:t>SSE: Sum of Squared Error on outcome Prediction</a:t>
                 </a:r>
               </a:p>
               <a:p>
                 <a:r>
-                  <a:rPr lang="en-US" sz="1400" dirty="0" smtClean="0"/>
+                  <a:rPr lang="en-US" sz="1400" dirty="0"/>
                   <a:t>TP: True </a:t>
                 </a:r>
                 <a:r>
-                  <a:rPr lang="en-US" sz="1400" dirty="0" err="1" smtClean="0"/>
+                  <a:rPr lang="en-US" sz="1400" dirty="0" err="1"/>
                   <a:t>Postive</a:t>
                 </a:r>
-                <a:endParaRPr lang="en-US" sz="1400" dirty="0" smtClean="0"/>
+                <a:endParaRPr lang="en-US" sz="1400" dirty="0"/>
               </a:p>
               <a:p>
                 <a:r>
                   <a:rPr lang="en-US" sz="1400" dirty="0"/>
-                  <a:t>a</a:t>
+                  <a:t>all: all biomarker covariates (including both prognostic biomarkers and predictive </a:t>
                 </a:r>
                 <a:r>
-                  <a:rPr lang="en-US" sz="1400" dirty="0" smtClean="0"/>
-                  <a:t>ll: all biomarker covariates (including both prognostic biomarkers and predictive </a:t>
-                </a:r>
-                <a:r>
-                  <a:rPr lang="en-US" sz="1400" dirty="0" err="1" smtClean="0"/>
+                  <a:rPr lang="en-US" sz="1400" dirty="0" err="1"/>
                   <a:t>biomakers</a:t>
                 </a:r>
                 <a:r>
-                  <a:rPr lang="en-US" sz="1400" dirty="0" smtClean="0"/>
+                  <a:rPr lang="en-US" sz="1400" dirty="0"/>
                   <a:t>)</a:t>
                 </a:r>
               </a:p>
               <a:p>
                 <a:r>
                   <a:rPr lang="en-US" sz="1400" dirty="0" err="1"/>
-                  <a:t>p</a:t>
+                  <a:t>prog</a:t>
                 </a:r>
                 <a:r>
-                  <a:rPr lang="en-US" sz="1400" dirty="0" err="1" smtClean="0"/>
-                  <a:t>rog</a:t>
-                </a:r>
-                <a:r>
-                  <a:rPr lang="en-US" sz="1400" dirty="0" smtClean="0"/>
+                  <a:rPr lang="en-US" sz="1400" dirty="0"/>
                   <a:t>: Only on prognostic biomarkers</a:t>
                 </a:r>
               </a:p>
               <a:p>
                 <a:r>
                   <a:rPr lang="en-US" sz="1400" dirty="0" err="1"/>
-                  <a:t>p</a:t>
+                  <a:t>pred</a:t>
                 </a:r>
                 <a:r>
-                  <a:rPr lang="en-US" sz="1400" dirty="0" err="1" smtClean="0"/>
-                  <a:t>red</a:t>
-                </a:r>
-                <a:r>
-                  <a:rPr lang="en-US" sz="1400" dirty="0" smtClean="0"/>
+                  <a:rPr lang="en-US" sz="1400" dirty="0"/>
                   <a:t>: Only on predictive biomarkers</a:t>
                 </a:r>
               </a:p>
               <a:p>
                 <a:r>
                   <a:rPr lang="en-US" sz="1400" dirty="0" err="1"/>
-                  <a:t>n</a:t>
+                  <a:t>num</a:t>
                 </a:r>
                 <a:r>
-                  <a:rPr lang="en-US" sz="1400" dirty="0" err="1" smtClean="0"/>
-                  <a:t>um</a:t>
-                </a:r>
-                <a:r>
-                  <a:rPr lang="en-US" sz="1400" dirty="0" smtClean="0"/>
+                  <a:rPr lang="en-US" sz="1400" dirty="0"/>
                   <a:t>: Model Size </a:t>
                 </a:r>
-                <a:endParaRPr lang="en-US" sz="1400" dirty="0"/>
               </a:p>
             </p:txBody>
           </p:sp>
         </mc:Choice>
-        <mc:Fallback>
+        <mc:Fallback xmlns="">
           <p:sp>
             <p:nvSpPr>
               <p:cNvPr id="6" name="TextBox 5"/>
@@ -13190,13 +12918,6 @@
   <p:clrMapOvr>
     <a:masterClrMapping/>
   </p:clrMapOvr>
-  <p:timing>
-    <p:tnLst>
-      <p:par>
-        <p:cTn id="1" dur="indefinite" restart="never" nodeType="tmRoot"/>
-      </p:par>
-    </p:tnLst>
-  </p:timing>
 </p:sld>
 </file>
 
@@ -13306,8 +13027,8 @@
           </a:p>
         </p:txBody>
       </p:sp>
-      <mc:AlternateContent xmlns:mc="http://schemas.openxmlformats.org/markup-compatibility/2006">
-        <mc:Choice xmlns:a14="http://schemas.microsoft.com/office/drawing/2010/main" Requires="a14">
+      <mc:AlternateContent xmlns:mc="http://schemas.openxmlformats.org/markup-compatibility/2006" xmlns:a14="http://schemas.microsoft.com/office/drawing/2010/main">
+        <mc:Choice Requires="a14">
           <p:sp>
             <p:nvSpPr>
               <p:cNvPr id="6" name="TextBox 5"/>
@@ -13331,7 +13052,7 @@
               <a:lstStyle/>
               <a:p>
                 <a:r>
-                  <a:rPr lang="en-US" sz="1400" dirty="0" smtClean="0"/>
+                  <a:rPr lang="en-US" sz="1400" dirty="0"/>
                   <a:t>L2: Mean(</a:t>
                 </a:r>
                 <a14:m>
@@ -13340,7 +13061,7 @@
                       <m:sSubPr>
                         <m:ctrlPr>
                           <a:rPr lang="en-US" sz="1400" b="0" i="1" dirty="0" smtClean="0">
-                            <a:latin typeface="Cambria Math" charset="0"/>
+                            <a:latin typeface="Cambria Math" panose="02040503050406030204" pitchFamily="18" charset="0"/>
                           </a:rPr>
                         </m:ctrlPr>
                       </m:sSubPr>
@@ -13350,8 +13071,8 @@
                             <m:begChr m:val="|"/>
                             <m:endChr m:val="|"/>
                             <m:ctrlPr>
-                              <a:rPr lang="en-US" sz="1400" b="0" i="0" smtClean="0">
-                                <a:latin typeface="Cambria Math" charset="0"/>
+                              <a:rPr lang="en-US" sz="1400" b="0" i="1" smtClean="0">
+                                <a:latin typeface="Cambria Math" panose="02040503050406030204" pitchFamily="18" charset="0"/>
                               </a:rPr>
                             </m:ctrlPr>
                           </m:dPr>
@@ -13361,7 +13082,7 @@
                                 <m:chr m:val="̂"/>
                                 <m:ctrlPr>
                                   <a:rPr lang="en-US" sz="1400" b="0" i="1" smtClean="0">
-                                    <a:latin typeface="Cambria Math" charset="0"/>
+                                    <a:latin typeface="Cambria Math" panose="02040503050406030204" pitchFamily="18" charset="0"/>
                                   </a:rPr>
                                 </m:ctrlPr>
                               </m:accPr>
@@ -13401,18 +13122,14 @@
                   </m:oMath>
                 </a14:m>
                 <a:r>
-                  <a:rPr lang="en-US" sz="1400" dirty="0" smtClean="0"/>
+                  <a:rPr lang="en-US" sz="1400" dirty="0"/>
                   <a:t> )</a:t>
                 </a:r>
               </a:p>
               <a:p>
                 <a:r>
-                  <a:rPr lang="en-US" sz="1400" dirty="0" smtClean="0"/>
-                  <a:t>L1: Mean</a:t>
-                </a:r>
-                <a:r>
                   <a:rPr lang="en-US" sz="1400" dirty="0"/>
-                  <a:t>(</a:t>
+                  <a:t>L1: Mean(</a:t>
                 </a:r>
                 <a14:m>
                   <m:oMath xmlns:m="http://schemas.openxmlformats.org/officeDocument/2006/math">
@@ -13420,7 +13137,7 @@
                       <m:sSubPr>
                         <m:ctrlPr>
                           <a:rPr lang="en-US" sz="1400" i="1" dirty="0">
-                            <a:latin typeface="Cambria Math" charset="0"/>
+                            <a:latin typeface="Cambria Math" panose="02040503050406030204" pitchFamily="18" charset="0"/>
                           </a:rPr>
                         </m:ctrlPr>
                       </m:sSubPr>
@@ -13431,7 +13148,7 @@
                             <m:endChr m:val="|"/>
                             <m:ctrlPr>
                               <a:rPr lang="en-US" sz="1400" i="1">
-                                <a:latin typeface="Cambria Math" charset="0"/>
+                                <a:latin typeface="Cambria Math" panose="02040503050406030204" pitchFamily="18" charset="0"/>
                               </a:rPr>
                             </m:ctrlPr>
                           </m:dPr>
@@ -13441,7 +13158,7 @@
                                 <m:chr m:val="̂"/>
                                 <m:ctrlPr>
                                   <a:rPr lang="en-US" sz="1400" i="1">
-                                    <a:latin typeface="Cambria Math" charset="0"/>
+                                    <a:latin typeface="Cambria Math" panose="02040503050406030204" pitchFamily="18" charset="0"/>
                                   </a:rPr>
                                 </m:ctrlPr>
                               </m:accPr>
@@ -13487,86 +13204,69 @@
               </a:p>
               <a:p>
                 <a:r>
-                  <a:rPr lang="en-US" sz="1400" dirty="0" smtClean="0"/>
+                  <a:rPr lang="en-US" sz="1400" dirty="0"/>
                   <a:t>SSE: Sum of Squared Error on outcome Prediction</a:t>
                 </a:r>
               </a:p>
               <a:p>
                 <a:r>
-                  <a:rPr lang="en-US" sz="1400" dirty="0" smtClean="0"/>
+                  <a:rPr lang="en-US" sz="1400" dirty="0"/>
                   <a:t>TP: True </a:t>
                 </a:r>
                 <a:r>
-                  <a:rPr lang="en-US" sz="1400" dirty="0" err="1" smtClean="0"/>
+                  <a:rPr lang="en-US" sz="1400" dirty="0" err="1"/>
                   <a:t>Postive</a:t>
                 </a:r>
-                <a:endParaRPr lang="en-US" sz="1400" dirty="0" smtClean="0"/>
+                <a:endParaRPr lang="en-US" sz="1400" dirty="0"/>
               </a:p>
               <a:p>
                 <a:r>
                   <a:rPr lang="en-US" sz="1400" dirty="0"/>
-                  <a:t>a</a:t>
+                  <a:t>all: all biomarker covariates (including both prognostic biomarkers and predictive </a:t>
                 </a:r>
                 <a:r>
-                  <a:rPr lang="en-US" sz="1400" dirty="0" smtClean="0"/>
-                  <a:t>ll: all biomarker covariates (including both prognostic biomarkers and predictive </a:t>
-                </a:r>
-                <a:r>
-                  <a:rPr lang="en-US" sz="1400" dirty="0" err="1" smtClean="0"/>
+                  <a:rPr lang="en-US" sz="1400" dirty="0" err="1"/>
                   <a:t>biomakers</a:t>
                 </a:r>
                 <a:r>
-                  <a:rPr lang="en-US" sz="1400" dirty="0" smtClean="0"/>
+                  <a:rPr lang="en-US" sz="1400" dirty="0"/>
                   <a:t>)</a:t>
                 </a:r>
               </a:p>
               <a:p>
                 <a:r>
                   <a:rPr lang="en-US" sz="1400" dirty="0" err="1"/>
-                  <a:t>p</a:t>
+                  <a:t>prog</a:t>
                 </a:r>
                 <a:r>
-                  <a:rPr lang="en-US" sz="1400" dirty="0" err="1" smtClean="0"/>
-                  <a:t>rog</a:t>
-                </a:r>
-                <a:r>
-                  <a:rPr lang="en-US" sz="1400" dirty="0" smtClean="0"/>
+                  <a:rPr lang="en-US" sz="1400" dirty="0"/>
                   <a:t>: Only on prognostic biomarkers</a:t>
                 </a:r>
               </a:p>
               <a:p>
                 <a:r>
                   <a:rPr lang="en-US" sz="1400" dirty="0" err="1"/>
-                  <a:t>p</a:t>
+                  <a:t>pred</a:t>
                 </a:r>
                 <a:r>
-                  <a:rPr lang="en-US" sz="1400" dirty="0" err="1" smtClean="0"/>
-                  <a:t>red</a:t>
-                </a:r>
-                <a:r>
-                  <a:rPr lang="en-US" sz="1400" dirty="0" smtClean="0"/>
+                  <a:rPr lang="en-US" sz="1400" dirty="0"/>
                   <a:t>: Only on predictive biomarkers</a:t>
                 </a:r>
               </a:p>
               <a:p>
                 <a:r>
                   <a:rPr lang="en-US" sz="1400" dirty="0" err="1"/>
-                  <a:t>n</a:t>
+                  <a:t>num</a:t>
                 </a:r>
                 <a:r>
-                  <a:rPr lang="en-US" sz="1400" dirty="0" err="1" smtClean="0"/>
-                  <a:t>um</a:t>
-                </a:r>
-                <a:r>
-                  <a:rPr lang="en-US" sz="1400" dirty="0" smtClean="0"/>
+                  <a:rPr lang="en-US" sz="1400" dirty="0"/>
                   <a:t>: Model Size </a:t>
                 </a:r>
-                <a:endParaRPr lang="en-US" sz="1400" dirty="0"/>
               </a:p>
             </p:txBody>
           </p:sp>
         </mc:Choice>
-        <mc:Fallback>
+        <mc:Fallback xmlns="">
           <p:sp>
             <p:nvSpPr>
               <p:cNvPr id="6" name="TextBox 5"/>
@@ -13685,13 +13385,6 @@
   <p:clrMapOvr>
     <a:masterClrMapping/>
   </p:clrMapOvr>
-  <p:timing>
-    <p:tnLst>
-      <p:par>
-        <p:cTn id="1" dur="indefinite" restart="never" nodeType="tmRoot"/>
-      </p:par>
-    </p:tnLst>
-  </p:timing>
 </p:sld>
 </file>
 
@@ -13801,8 +13494,8 @@
           </a:p>
         </p:txBody>
       </p:sp>
-      <mc:AlternateContent xmlns:mc="http://schemas.openxmlformats.org/markup-compatibility/2006">
-        <mc:Choice xmlns:a14="http://schemas.microsoft.com/office/drawing/2010/main" Requires="a14">
+      <mc:AlternateContent xmlns:mc="http://schemas.openxmlformats.org/markup-compatibility/2006" xmlns:a14="http://schemas.microsoft.com/office/drawing/2010/main">
+        <mc:Choice Requires="a14">
           <p:sp>
             <p:nvSpPr>
               <p:cNvPr id="6" name="TextBox 5"/>
@@ -13826,7 +13519,7 @@
               <a:lstStyle/>
               <a:p>
                 <a:r>
-                  <a:rPr lang="en-US" sz="1400" dirty="0" smtClean="0"/>
+                  <a:rPr lang="en-US" sz="1400" dirty="0"/>
                   <a:t>L2: Mean(</a:t>
                 </a:r>
                 <a14:m>
@@ -13835,7 +13528,7 @@
                       <m:sSubPr>
                         <m:ctrlPr>
                           <a:rPr lang="en-US" sz="1400" b="0" i="1" dirty="0" smtClean="0">
-                            <a:latin typeface="Cambria Math" charset="0"/>
+                            <a:latin typeface="Cambria Math" panose="02040503050406030204" pitchFamily="18" charset="0"/>
                           </a:rPr>
                         </m:ctrlPr>
                       </m:sSubPr>
@@ -13845,8 +13538,8 @@
                             <m:begChr m:val="|"/>
                             <m:endChr m:val="|"/>
                             <m:ctrlPr>
-                              <a:rPr lang="en-US" sz="1400" b="0" i="0" smtClean="0">
-                                <a:latin typeface="Cambria Math" charset="0"/>
+                              <a:rPr lang="en-US" sz="1400" b="0" i="1" smtClean="0">
+                                <a:latin typeface="Cambria Math" panose="02040503050406030204" pitchFamily="18" charset="0"/>
                               </a:rPr>
                             </m:ctrlPr>
                           </m:dPr>
@@ -13856,7 +13549,7 @@
                                 <m:chr m:val="̂"/>
                                 <m:ctrlPr>
                                   <a:rPr lang="en-US" sz="1400" b="0" i="1" smtClean="0">
-                                    <a:latin typeface="Cambria Math" charset="0"/>
+                                    <a:latin typeface="Cambria Math" panose="02040503050406030204" pitchFamily="18" charset="0"/>
                                   </a:rPr>
                                 </m:ctrlPr>
                               </m:accPr>
@@ -13896,18 +13589,14 @@
                   </m:oMath>
                 </a14:m>
                 <a:r>
-                  <a:rPr lang="en-US" sz="1400" dirty="0" smtClean="0"/>
+                  <a:rPr lang="en-US" sz="1400" dirty="0"/>
                   <a:t> )</a:t>
                 </a:r>
               </a:p>
               <a:p>
                 <a:r>
-                  <a:rPr lang="en-US" sz="1400" dirty="0" smtClean="0"/>
-                  <a:t>L1: Mean</a:t>
-                </a:r>
-                <a:r>
                   <a:rPr lang="en-US" sz="1400" dirty="0"/>
-                  <a:t>(</a:t>
+                  <a:t>L1: Mean(</a:t>
                 </a:r>
                 <a14:m>
                   <m:oMath xmlns:m="http://schemas.openxmlformats.org/officeDocument/2006/math">
@@ -13915,7 +13604,7 @@
                       <m:sSubPr>
                         <m:ctrlPr>
                           <a:rPr lang="en-US" sz="1400" i="1" dirty="0">
-                            <a:latin typeface="Cambria Math" charset="0"/>
+                            <a:latin typeface="Cambria Math" panose="02040503050406030204" pitchFamily="18" charset="0"/>
                           </a:rPr>
                         </m:ctrlPr>
                       </m:sSubPr>
@@ -13926,7 +13615,7 @@
                             <m:endChr m:val="|"/>
                             <m:ctrlPr>
                               <a:rPr lang="en-US" sz="1400" i="1">
-                                <a:latin typeface="Cambria Math" charset="0"/>
+                                <a:latin typeface="Cambria Math" panose="02040503050406030204" pitchFamily="18" charset="0"/>
                               </a:rPr>
                             </m:ctrlPr>
                           </m:dPr>
@@ -13936,7 +13625,7 @@
                                 <m:chr m:val="̂"/>
                                 <m:ctrlPr>
                                   <a:rPr lang="en-US" sz="1400" i="1">
-                                    <a:latin typeface="Cambria Math" charset="0"/>
+                                    <a:latin typeface="Cambria Math" panose="02040503050406030204" pitchFamily="18" charset="0"/>
                                   </a:rPr>
                                 </m:ctrlPr>
                               </m:accPr>
@@ -13982,86 +13671,69 @@
               </a:p>
               <a:p>
                 <a:r>
-                  <a:rPr lang="en-US" sz="1400" dirty="0" smtClean="0"/>
+                  <a:rPr lang="en-US" sz="1400" dirty="0"/>
                   <a:t>SSE: Sum of Squared Error on outcome Prediction</a:t>
                 </a:r>
               </a:p>
               <a:p>
                 <a:r>
-                  <a:rPr lang="en-US" sz="1400" dirty="0" smtClean="0"/>
+                  <a:rPr lang="en-US" sz="1400" dirty="0"/>
                   <a:t>TP: True </a:t>
                 </a:r>
                 <a:r>
-                  <a:rPr lang="en-US" sz="1400" dirty="0" err="1" smtClean="0"/>
+                  <a:rPr lang="en-US" sz="1400" dirty="0" err="1"/>
                   <a:t>Postive</a:t>
                 </a:r>
-                <a:endParaRPr lang="en-US" sz="1400" dirty="0" smtClean="0"/>
+                <a:endParaRPr lang="en-US" sz="1400" dirty="0"/>
               </a:p>
               <a:p>
                 <a:r>
                   <a:rPr lang="en-US" sz="1400" dirty="0"/>
-                  <a:t>a</a:t>
+                  <a:t>all: all biomarker covariates (including both prognostic biomarkers and predictive </a:t>
                 </a:r>
                 <a:r>
-                  <a:rPr lang="en-US" sz="1400" dirty="0" smtClean="0"/>
-                  <a:t>ll: all biomarker covariates (including both prognostic biomarkers and predictive </a:t>
-                </a:r>
-                <a:r>
-                  <a:rPr lang="en-US" sz="1400" dirty="0" err="1" smtClean="0"/>
+                  <a:rPr lang="en-US" sz="1400" dirty="0" err="1"/>
                   <a:t>biomakers</a:t>
                 </a:r>
                 <a:r>
-                  <a:rPr lang="en-US" sz="1400" dirty="0" smtClean="0"/>
+                  <a:rPr lang="en-US" sz="1400" dirty="0"/>
                   <a:t>)</a:t>
                 </a:r>
               </a:p>
               <a:p>
                 <a:r>
                   <a:rPr lang="en-US" sz="1400" dirty="0" err="1"/>
-                  <a:t>p</a:t>
+                  <a:t>prog</a:t>
                 </a:r>
                 <a:r>
-                  <a:rPr lang="en-US" sz="1400" dirty="0" err="1" smtClean="0"/>
-                  <a:t>rog</a:t>
-                </a:r>
-                <a:r>
-                  <a:rPr lang="en-US" sz="1400" dirty="0" smtClean="0"/>
+                  <a:rPr lang="en-US" sz="1400" dirty="0"/>
                   <a:t>: Only on prognostic biomarkers</a:t>
                 </a:r>
               </a:p>
               <a:p>
                 <a:r>
                   <a:rPr lang="en-US" sz="1400" dirty="0" err="1"/>
-                  <a:t>p</a:t>
+                  <a:t>pred</a:t>
                 </a:r>
                 <a:r>
-                  <a:rPr lang="en-US" sz="1400" dirty="0" err="1" smtClean="0"/>
-                  <a:t>red</a:t>
-                </a:r>
-                <a:r>
-                  <a:rPr lang="en-US" sz="1400" dirty="0" smtClean="0"/>
+                  <a:rPr lang="en-US" sz="1400" dirty="0"/>
                   <a:t>: Only on predictive biomarkers</a:t>
                 </a:r>
               </a:p>
               <a:p>
                 <a:r>
                   <a:rPr lang="en-US" sz="1400" dirty="0" err="1"/>
-                  <a:t>n</a:t>
+                  <a:t>num</a:t>
                 </a:r>
                 <a:r>
-                  <a:rPr lang="en-US" sz="1400" dirty="0" err="1" smtClean="0"/>
-                  <a:t>um</a:t>
-                </a:r>
-                <a:r>
-                  <a:rPr lang="en-US" sz="1400" dirty="0" smtClean="0"/>
+                  <a:rPr lang="en-US" sz="1400" dirty="0"/>
                   <a:t>: Model Size </a:t>
                 </a:r>
-                <a:endParaRPr lang="en-US" sz="1400" dirty="0"/>
               </a:p>
             </p:txBody>
           </p:sp>
         </mc:Choice>
-        <mc:Fallback>
+        <mc:Fallback xmlns="">
           <p:sp>
             <p:nvSpPr>
               <p:cNvPr id="6" name="TextBox 5"/>
@@ -14180,13 +13852,6 @@
   <p:clrMapOvr>
     <a:masterClrMapping/>
   </p:clrMapOvr>
-  <p:timing>
-    <p:tnLst>
-      <p:par>
-        <p:cTn id="1" dur="indefinite" restart="never" nodeType="tmRoot"/>
-      </p:par>
-    </p:tnLst>
-  </p:timing>
 </p:sld>
 </file>
 
@@ -14223,10 +13888,9 @@
           <a:lstStyle/>
           <a:p>
             <a:r>
-              <a:rPr lang="en-US" dirty="0" smtClean="0"/>
+              <a:rPr lang="en-US" dirty="0"/>
               <a:t>SNR=20</a:t>
             </a:r>
-            <a:endParaRPr lang="en-US" dirty="0"/>
           </a:p>
         </p:txBody>
       </p:sp>
@@ -14297,8 +13961,8 @@
           </a:p>
         </p:txBody>
       </p:sp>
-      <mc:AlternateContent xmlns:mc="http://schemas.openxmlformats.org/markup-compatibility/2006">
-        <mc:Choice xmlns:a14="http://schemas.microsoft.com/office/drawing/2010/main" Requires="a14">
+      <mc:AlternateContent xmlns:mc="http://schemas.openxmlformats.org/markup-compatibility/2006" xmlns:a14="http://schemas.microsoft.com/office/drawing/2010/main">
+        <mc:Choice Requires="a14">
           <p:sp>
             <p:nvSpPr>
               <p:cNvPr id="6" name="TextBox 5"/>
@@ -14322,7 +13986,7 @@
               <a:lstStyle/>
               <a:p>
                 <a:r>
-                  <a:rPr lang="en-US" sz="1400" dirty="0" smtClean="0"/>
+                  <a:rPr lang="en-US" sz="1400" dirty="0"/>
                   <a:t>L2: Mean(</a:t>
                 </a:r>
                 <a14:m>
@@ -14331,7 +13995,7 @@
                       <m:sSubPr>
                         <m:ctrlPr>
                           <a:rPr lang="en-US" sz="1400" b="0" i="1" dirty="0" smtClean="0">
-                            <a:latin typeface="Cambria Math" charset="0"/>
+                            <a:latin typeface="Cambria Math" panose="02040503050406030204" pitchFamily="18" charset="0"/>
                           </a:rPr>
                         </m:ctrlPr>
                       </m:sSubPr>
@@ -14341,8 +14005,8 @@
                             <m:begChr m:val="|"/>
                             <m:endChr m:val="|"/>
                             <m:ctrlPr>
-                              <a:rPr lang="en-US" sz="1400" b="0" i="0" smtClean="0">
-                                <a:latin typeface="Cambria Math" charset="0"/>
+                              <a:rPr lang="en-US" sz="1400" b="0" i="1" smtClean="0">
+                                <a:latin typeface="Cambria Math" panose="02040503050406030204" pitchFamily="18" charset="0"/>
                               </a:rPr>
                             </m:ctrlPr>
                           </m:dPr>
@@ -14352,7 +14016,7 @@
                                 <m:chr m:val="̂"/>
                                 <m:ctrlPr>
                                   <a:rPr lang="en-US" sz="1400" b="0" i="1" smtClean="0">
-                                    <a:latin typeface="Cambria Math" charset="0"/>
+                                    <a:latin typeface="Cambria Math" panose="02040503050406030204" pitchFamily="18" charset="0"/>
                                   </a:rPr>
                                 </m:ctrlPr>
                               </m:accPr>
@@ -14392,18 +14056,14 @@
                   </m:oMath>
                 </a14:m>
                 <a:r>
-                  <a:rPr lang="en-US" sz="1400" dirty="0" smtClean="0"/>
+                  <a:rPr lang="en-US" sz="1400" dirty="0"/>
                   <a:t> )</a:t>
                 </a:r>
               </a:p>
               <a:p>
                 <a:r>
-                  <a:rPr lang="en-US" sz="1400" dirty="0" smtClean="0"/>
-                  <a:t>L1: Mean</a:t>
-                </a:r>
-                <a:r>
                   <a:rPr lang="en-US" sz="1400" dirty="0"/>
-                  <a:t>(</a:t>
+                  <a:t>L1: Mean(</a:t>
                 </a:r>
                 <a14:m>
                   <m:oMath xmlns:m="http://schemas.openxmlformats.org/officeDocument/2006/math">
@@ -14411,7 +14071,7 @@
                       <m:sSubPr>
                         <m:ctrlPr>
                           <a:rPr lang="en-US" sz="1400" i="1" dirty="0">
-                            <a:latin typeface="Cambria Math" charset="0"/>
+                            <a:latin typeface="Cambria Math" panose="02040503050406030204" pitchFamily="18" charset="0"/>
                           </a:rPr>
                         </m:ctrlPr>
                       </m:sSubPr>
@@ -14422,7 +14082,7 @@
                             <m:endChr m:val="|"/>
                             <m:ctrlPr>
                               <a:rPr lang="en-US" sz="1400" i="1">
-                                <a:latin typeface="Cambria Math" charset="0"/>
+                                <a:latin typeface="Cambria Math" panose="02040503050406030204" pitchFamily="18" charset="0"/>
                               </a:rPr>
                             </m:ctrlPr>
                           </m:dPr>
@@ -14432,7 +14092,7 @@
                                 <m:chr m:val="̂"/>
                                 <m:ctrlPr>
                                   <a:rPr lang="en-US" sz="1400" i="1">
-                                    <a:latin typeface="Cambria Math" charset="0"/>
+                                    <a:latin typeface="Cambria Math" panose="02040503050406030204" pitchFamily="18" charset="0"/>
                                   </a:rPr>
                                 </m:ctrlPr>
                               </m:accPr>
@@ -14478,86 +14138,69 @@
               </a:p>
               <a:p>
                 <a:r>
-                  <a:rPr lang="en-US" sz="1400" dirty="0" smtClean="0"/>
+                  <a:rPr lang="en-US" sz="1400" dirty="0"/>
                   <a:t>SSE: Sum of Squared Error on outcome Prediction</a:t>
                 </a:r>
               </a:p>
               <a:p>
                 <a:r>
-                  <a:rPr lang="en-US" sz="1400" dirty="0" smtClean="0"/>
+                  <a:rPr lang="en-US" sz="1400" dirty="0"/>
                   <a:t>TP: True </a:t>
                 </a:r>
                 <a:r>
-                  <a:rPr lang="en-US" sz="1400" dirty="0" err="1" smtClean="0"/>
+                  <a:rPr lang="en-US" sz="1400" dirty="0" err="1"/>
                   <a:t>Postive</a:t>
                 </a:r>
-                <a:endParaRPr lang="en-US" sz="1400" dirty="0" smtClean="0"/>
+                <a:endParaRPr lang="en-US" sz="1400" dirty="0"/>
               </a:p>
               <a:p>
                 <a:r>
                   <a:rPr lang="en-US" sz="1400" dirty="0"/>
-                  <a:t>a</a:t>
+                  <a:t>all: all biomarker covariates (including both prognostic biomarkers and predictive </a:t>
                 </a:r>
                 <a:r>
-                  <a:rPr lang="en-US" sz="1400" dirty="0" smtClean="0"/>
-                  <a:t>ll: all biomarker covariates (including both prognostic biomarkers and predictive </a:t>
-                </a:r>
-                <a:r>
-                  <a:rPr lang="en-US" sz="1400" dirty="0" err="1" smtClean="0"/>
+                  <a:rPr lang="en-US" sz="1400" dirty="0" err="1"/>
                   <a:t>biomakers</a:t>
                 </a:r>
                 <a:r>
-                  <a:rPr lang="en-US" sz="1400" dirty="0" smtClean="0"/>
+                  <a:rPr lang="en-US" sz="1400" dirty="0"/>
                   <a:t>)</a:t>
                 </a:r>
               </a:p>
               <a:p>
                 <a:r>
                   <a:rPr lang="en-US" sz="1400" dirty="0" err="1"/>
-                  <a:t>p</a:t>
+                  <a:t>prog</a:t>
                 </a:r>
                 <a:r>
-                  <a:rPr lang="en-US" sz="1400" dirty="0" err="1" smtClean="0"/>
-                  <a:t>rog</a:t>
-                </a:r>
-                <a:r>
-                  <a:rPr lang="en-US" sz="1400" dirty="0" smtClean="0"/>
+                  <a:rPr lang="en-US" sz="1400" dirty="0"/>
                   <a:t>: Only on prognostic biomarkers</a:t>
                 </a:r>
               </a:p>
               <a:p>
                 <a:r>
                   <a:rPr lang="en-US" sz="1400" dirty="0" err="1"/>
-                  <a:t>p</a:t>
+                  <a:t>pred</a:t>
                 </a:r>
                 <a:r>
-                  <a:rPr lang="en-US" sz="1400" dirty="0" err="1" smtClean="0"/>
-                  <a:t>red</a:t>
-                </a:r>
-                <a:r>
-                  <a:rPr lang="en-US" sz="1400" dirty="0" smtClean="0"/>
+                  <a:rPr lang="en-US" sz="1400" dirty="0"/>
                   <a:t>: Only on predictive biomarkers</a:t>
                 </a:r>
               </a:p>
               <a:p>
                 <a:r>
                   <a:rPr lang="en-US" sz="1400" dirty="0" err="1"/>
-                  <a:t>n</a:t>
+                  <a:t>num</a:t>
                 </a:r>
                 <a:r>
-                  <a:rPr lang="en-US" sz="1400" dirty="0" err="1" smtClean="0"/>
-                  <a:t>um</a:t>
-                </a:r>
-                <a:r>
-                  <a:rPr lang="en-US" sz="1400" dirty="0" smtClean="0"/>
+                  <a:rPr lang="en-US" sz="1400" dirty="0"/>
                   <a:t>: Model Size </a:t>
                 </a:r>
-                <a:endParaRPr lang="en-US" sz="1400" dirty="0"/>
               </a:p>
             </p:txBody>
           </p:sp>
         </mc:Choice>
-        <mc:Fallback>
+        <mc:Fallback xmlns="">
           <p:sp>
             <p:nvSpPr>
               <p:cNvPr id="6" name="TextBox 5"/>
@@ -14676,13 +14319,6 @@
   <p:clrMapOvr>
     <a:masterClrMapping/>
   </p:clrMapOvr>
-  <p:timing>
-    <p:tnLst>
-      <p:par>
-        <p:cTn id="1" dur="indefinite" restart="never" nodeType="tmRoot"/>
-      </p:par>
-    </p:tnLst>
-  </p:timing>
 </p:sld>
 </file>
 
@@ -14792,8 +14428,8 @@
           </a:p>
         </p:txBody>
       </p:sp>
-      <mc:AlternateContent xmlns:mc="http://schemas.openxmlformats.org/markup-compatibility/2006">
-        <mc:Choice xmlns:a14="http://schemas.microsoft.com/office/drawing/2010/main" Requires="a14">
+      <mc:AlternateContent xmlns:mc="http://schemas.openxmlformats.org/markup-compatibility/2006" xmlns:a14="http://schemas.microsoft.com/office/drawing/2010/main">
+        <mc:Choice Requires="a14">
           <p:sp>
             <p:nvSpPr>
               <p:cNvPr id="6" name="TextBox 5"/>
@@ -14817,7 +14453,7 @@
               <a:lstStyle/>
               <a:p>
                 <a:r>
-                  <a:rPr lang="en-US" sz="1400" dirty="0" smtClean="0"/>
+                  <a:rPr lang="en-US" sz="1400" dirty="0"/>
                   <a:t>L2: Mean(</a:t>
                 </a:r>
                 <a14:m>
@@ -14826,7 +14462,7 @@
                       <m:sSubPr>
                         <m:ctrlPr>
                           <a:rPr lang="en-US" sz="1400" b="0" i="1" dirty="0" smtClean="0">
-                            <a:latin typeface="Cambria Math" charset="0"/>
+                            <a:latin typeface="Cambria Math" panose="02040503050406030204" pitchFamily="18" charset="0"/>
                           </a:rPr>
                         </m:ctrlPr>
                       </m:sSubPr>
@@ -14836,8 +14472,8 @@
                             <m:begChr m:val="|"/>
                             <m:endChr m:val="|"/>
                             <m:ctrlPr>
-                              <a:rPr lang="en-US" sz="1400" b="0" i="0" smtClean="0">
-                                <a:latin typeface="Cambria Math" charset="0"/>
+                              <a:rPr lang="en-US" sz="1400" b="0" i="1" smtClean="0">
+                                <a:latin typeface="Cambria Math" panose="02040503050406030204" pitchFamily="18" charset="0"/>
                               </a:rPr>
                             </m:ctrlPr>
                           </m:dPr>
@@ -14847,7 +14483,7 @@
                                 <m:chr m:val="̂"/>
                                 <m:ctrlPr>
                                   <a:rPr lang="en-US" sz="1400" b="0" i="1" smtClean="0">
-                                    <a:latin typeface="Cambria Math" charset="0"/>
+                                    <a:latin typeface="Cambria Math" panose="02040503050406030204" pitchFamily="18" charset="0"/>
                                   </a:rPr>
                                 </m:ctrlPr>
                               </m:accPr>
@@ -14887,18 +14523,14 @@
                   </m:oMath>
                 </a14:m>
                 <a:r>
-                  <a:rPr lang="en-US" sz="1400" dirty="0" smtClean="0"/>
+                  <a:rPr lang="en-US" sz="1400" dirty="0"/>
                   <a:t> )</a:t>
                 </a:r>
               </a:p>
               <a:p>
                 <a:r>
-                  <a:rPr lang="en-US" sz="1400" dirty="0" smtClean="0"/>
-                  <a:t>L1: Mean</a:t>
-                </a:r>
-                <a:r>
                   <a:rPr lang="en-US" sz="1400" dirty="0"/>
-                  <a:t>(</a:t>
+                  <a:t>L1: Mean(</a:t>
                 </a:r>
                 <a14:m>
                   <m:oMath xmlns:m="http://schemas.openxmlformats.org/officeDocument/2006/math">
@@ -14906,7 +14538,7 @@
                       <m:sSubPr>
                         <m:ctrlPr>
                           <a:rPr lang="en-US" sz="1400" i="1" dirty="0">
-                            <a:latin typeface="Cambria Math" charset="0"/>
+                            <a:latin typeface="Cambria Math" panose="02040503050406030204" pitchFamily="18" charset="0"/>
                           </a:rPr>
                         </m:ctrlPr>
                       </m:sSubPr>
@@ -14917,7 +14549,7 @@
                             <m:endChr m:val="|"/>
                             <m:ctrlPr>
                               <a:rPr lang="en-US" sz="1400" i="1">
-                                <a:latin typeface="Cambria Math" charset="0"/>
+                                <a:latin typeface="Cambria Math" panose="02040503050406030204" pitchFamily="18" charset="0"/>
                               </a:rPr>
                             </m:ctrlPr>
                           </m:dPr>
@@ -14927,7 +14559,7 @@
                                 <m:chr m:val="̂"/>
                                 <m:ctrlPr>
                                   <a:rPr lang="en-US" sz="1400" i="1">
-                                    <a:latin typeface="Cambria Math" charset="0"/>
+                                    <a:latin typeface="Cambria Math" panose="02040503050406030204" pitchFamily="18" charset="0"/>
                                   </a:rPr>
                                 </m:ctrlPr>
                               </m:accPr>
@@ -14973,86 +14605,69 @@
               </a:p>
               <a:p>
                 <a:r>
-                  <a:rPr lang="en-US" sz="1400" dirty="0" smtClean="0"/>
+                  <a:rPr lang="en-US" sz="1400" dirty="0"/>
                   <a:t>SSE: Sum of Squared Error on outcome Prediction</a:t>
                 </a:r>
               </a:p>
               <a:p>
                 <a:r>
-                  <a:rPr lang="en-US" sz="1400" dirty="0" smtClean="0"/>
+                  <a:rPr lang="en-US" sz="1400" dirty="0"/>
                   <a:t>TP: True </a:t>
                 </a:r>
                 <a:r>
-                  <a:rPr lang="en-US" sz="1400" dirty="0" err="1" smtClean="0"/>
+                  <a:rPr lang="en-US" sz="1400" dirty="0" err="1"/>
                   <a:t>Postive</a:t>
                 </a:r>
-                <a:endParaRPr lang="en-US" sz="1400" dirty="0" smtClean="0"/>
+                <a:endParaRPr lang="en-US" sz="1400" dirty="0"/>
               </a:p>
               <a:p>
                 <a:r>
                   <a:rPr lang="en-US" sz="1400" dirty="0"/>
-                  <a:t>a</a:t>
+                  <a:t>all: all biomarker covariates (including both prognostic biomarkers and predictive </a:t>
                 </a:r>
                 <a:r>
-                  <a:rPr lang="en-US" sz="1400" dirty="0" smtClean="0"/>
-                  <a:t>ll: all biomarker covariates (including both prognostic biomarkers and predictive </a:t>
-                </a:r>
-                <a:r>
-                  <a:rPr lang="en-US" sz="1400" dirty="0" err="1" smtClean="0"/>
+                  <a:rPr lang="en-US" sz="1400" dirty="0" err="1"/>
                   <a:t>biomakers</a:t>
                 </a:r>
                 <a:r>
-                  <a:rPr lang="en-US" sz="1400" dirty="0" smtClean="0"/>
+                  <a:rPr lang="en-US" sz="1400" dirty="0"/>
                   <a:t>)</a:t>
                 </a:r>
               </a:p>
               <a:p>
                 <a:r>
                   <a:rPr lang="en-US" sz="1400" dirty="0" err="1"/>
-                  <a:t>p</a:t>
+                  <a:t>prog</a:t>
                 </a:r>
                 <a:r>
-                  <a:rPr lang="en-US" sz="1400" dirty="0" err="1" smtClean="0"/>
-                  <a:t>rog</a:t>
-                </a:r>
-                <a:r>
-                  <a:rPr lang="en-US" sz="1400" dirty="0" smtClean="0"/>
+                  <a:rPr lang="en-US" sz="1400" dirty="0"/>
                   <a:t>: Only on prognostic biomarkers</a:t>
                 </a:r>
               </a:p>
               <a:p>
                 <a:r>
                   <a:rPr lang="en-US" sz="1400" dirty="0" err="1"/>
-                  <a:t>p</a:t>
+                  <a:t>pred</a:t>
                 </a:r>
                 <a:r>
-                  <a:rPr lang="en-US" sz="1400" dirty="0" err="1" smtClean="0"/>
-                  <a:t>red</a:t>
-                </a:r>
-                <a:r>
-                  <a:rPr lang="en-US" sz="1400" dirty="0" smtClean="0"/>
+                  <a:rPr lang="en-US" sz="1400" dirty="0"/>
                   <a:t>: Only on predictive biomarkers</a:t>
                 </a:r>
               </a:p>
               <a:p>
                 <a:r>
                   <a:rPr lang="en-US" sz="1400" dirty="0" err="1"/>
-                  <a:t>n</a:t>
+                  <a:t>num</a:t>
                 </a:r>
                 <a:r>
-                  <a:rPr lang="en-US" sz="1400" dirty="0" err="1" smtClean="0"/>
-                  <a:t>um</a:t>
-                </a:r>
-                <a:r>
-                  <a:rPr lang="en-US" sz="1400" dirty="0" smtClean="0"/>
+                  <a:rPr lang="en-US" sz="1400" dirty="0"/>
                   <a:t>: Model Size </a:t>
                 </a:r>
-                <a:endParaRPr lang="en-US" sz="1400" dirty="0"/>
               </a:p>
             </p:txBody>
           </p:sp>
         </mc:Choice>
-        <mc:Fallback>
+        <mc:Fallback xmlns="">
           <p:sp>
             <p:nvSpPr>
               <p:cNvPr id="6" name="TextBox 5"/>
@@ -15171,13 +14786,6 @@
   <p:clrMapOvr>
     <a:masterClrMapping/>
   </p:clrMapOvr>
-  <p:timing>
-    <p:tnLst>
-      <p:par>
-        <p:cTn id="1" dur="indefinite" restart="never" nodeType="tmRoot"/>
-      </p:par>
-    </p:tnLst>
-  </p:timing>
 </p:sld>
 </file>
 
@@ -15238,10 +14846,9 @@
           <a:lstStyle/>
           <a:p>
             <a:r>
-              <a:rPr lang="en-US" dirty="0" smtClean="0"/>
+              <a:rPr lang="en-US" dirty="0"/>
               <a:t>SNR=1</a:t>
             </a:r>
-            <a:endParaRPr lang="en-US" dirty="0"/>
           </a:p>
         </p:txBody>
       </p:sp>
@@ -15256,7 +14863,7 @@
           </p:nvPr>
         </p:nvPicPr>
         <p:blipFill>
-          <a:blip r:embed="rId2">
+          <a:blip r:embed="rId2" cstate="print">
             <a:extLst>
               <a:ext uri="{28A0092B-C50C-407E-A947-70E740481C1C}">
                 <a14:useLocalDpi xmlns:a14="http://schemas.microsoft.com/office/drawing/2010/main" val="0"/>
@@ -15292,10 +14899,9 @@
           <a:lstStyle/>
           <a:p>
             <a:r>
-              <a:rPr lang="en-US" dirty="0" smtClean="0"/>
+              <a:rPr lang="en-US" dirty="0"/>
               <a:t>SNR=5</a:t>
             </a:r>
-            <a:endParaRPr lang="en-US" dirty="0"/>
           </a:p>
         </p:txBody>
       </p:sp>
@@ -15310,7 +14916,7 @@
           </p:nvPr>
         </p:nvPicPr>
         <p:blipFill>
-          <a:blip r:embed="rId3">
+          <a:blip r:embed="rId3" cstate="print">
             <a:extLst>
               <a:ext uri="{28A0092B-C50C-407E-A947-70E740481C1C}">
                 <a14:useLocalDpi xmlns:a14="http://schemas.microsoft.com/office/drawing/2010/main" val="0"/>
@@ -15344,27 +14950,27 @@
           <a:lstStyle/>
           <a:p>
             <a:r>
-              <a:rPr lang="ja-JP" altLang="en-US" smtClean="0"/>
+              <a:rPr lang="ja-JP" altLang="en-US"/>
               <a:t>｜</a:t>
             </a:r>
             <a:r>
-              <a:rPr lang="en-US" altLang="ja-JP" smtClean="0"/>
+              <a:rPr lang="en-US" altLang="ja-JP"/>
               <a:t>0000</a:t>
             </a:r>
             <a:r>
-              <a:rPr lang="ja-JP" altLang="en-US" smtClean="0"/>
+              <a:rPr lang="ja-JP" altLang="en-US"/>
               <a:t>　</a:t>
             </a:r>
             <a:r>
-              <a:rPr lang="en-US" altLang="ja-JP" smtClean="0"/>
+              <a:rPr lang="en-US" altLang="ja-JP"/>
               <a:t>|</a:t>
             </a:r>
             <a:r>
-              <a:rPr lang="ja-JP" altLang="en-US" smtClean="0"/>
+              <a:rPr lang="ja-JP" altLang="en-US"/>
               <a:t>　　</a:t>
             </a:r>
             <a:r>
-              <a:rPr lang="en-US" altLang="ja-JP" smtClean="0"/>
+              <a:rPr lang="en-US" altLang="ja-JP"/>
               <a:t>DDMMYY</a:t>
             </a:r>
             <a:endParaRPr lang="ja-JP" altLang="en-US" dirty="0"/>
@@ -15405,13 +15011,6 @@
   <p:clrMapOvr>
     <a:masterClrMapping/>
   </p:clrMapOvr>
-  <p:timing>
-    <p:tnLst>
-      <p:par>
-        <p:cTn id="1" dur="indefinite" restart="never" nodeType="tmRoot"/>
-      </p:par>
-    </p:tnLst>
-  </p:timing>
 </p:sld>
 </file>
 
@@ -15472,10 +15071,9 @@
           <a:lstStyle/>
           <a:p>
             <a:r>
-              <a:rPr lang="en-US" dirty="0" smtClean="0"/>
+              <a:rPr lang="en-US" dirty="0"/>
               <a:t>SNR=10</a:t>
             </a:r>
-            <a:endParaRPr lang="en-US" dirty="0"/>
           </a:p>
         </p:txBody>
       </p:sp>
@@ -15490,7 +15088,7 @@
           </p:nvPr>
         </p:nvPicPr>
         <p:blipFill>
-          <a:blip r:embed="rId2">
+          <a:blip r:embed="rId2" cstate="print">
             <a:extLst>
               <a:ext uri="{28A0092B-C50C-407E-A947-70E740481C1C}">
                 <a14:useLocalDpi xmlns:a14="http://schemas.microsoft.com/office/drawing/2010/main" val="0"/>
@@ -15526,10 +15124,9 @@
           <a:lstStyle/>
           <a:p>
             <a:r>
-              <a:rPr lang="en-US" dirty="0" smtClean="0"/>
+              <a:rPr lang="en-US" dirty="0"/>
               <a:t>SNR=20</a:t>
             </a:r>
-            <a:endParaRPr lang="en-US" dirty="0"/>
           </a:p>
         </p:txBody>
       </p:sp>
@@ -15578,27 +15175,27 @@
           <a:lstStyle/>
           <a:p>
             <a:r>
-              <a:rPr lang="ja-JP" altLang="en-US" smtClean="0"/>
+              <a:rPr lang="ja-JP" altLang="en-US"/>
               <a:t>｜</a:t>
             </a:r>
             <a:r>
-              <a:rPr lang="en-US" altLang="ja-JP" smtClean="0"/>
+              <a:rPr lang="en-US" altLang="ja-JP"/>
               <a:t>0000</a:t>
             </a:r>
             <a:r>
-              <a:rPr lang="ja-JP" altLang="en-US" smtClean="0"/>
+              <a:rPr lang="ja-JP" altLang="en-US"/>
               <a:t>　</a:t>
             </a:r>
             <a:r>
-              <a:rPr lang="en-US" altLang="ja-JP" smtClean="0"/>
+              <a:rPr lang="en-US" altLang="ja-JP"/>
               <a:t>|</a:t>
             </a:r>
             <a:r>
-              <a:rPr lang="ja-JP" altLang="en-US" smtClean="0"/>
+              <a:rPr lang="ja-JP" altLang="en-US"/>
               <a:t>　　</a:t>
             </a:r>
             <a:r>
-              <a:rPr lang="en-US" altLang="ja-JP" smtClean="0"/>
+              <a:rPr lang="en-US" altLang="ja-JP"/>
               <a:t>DDMMYY</a:t>
             </a:r>
             <a:endParaRPr lang="ja-JP" altLang="en-US" dirty="0"/>
@@ -15639,13 +15236,6 @@
   <p:clrMapOvr>
     <a:masterClrMapping/>
   </p:clrMapOvr>
-  <p:timing>
-    <p:tnLst>
-      <p:par>
-        <p:cTn id="1" dur="indefinite" restart="never" nodeType="tmRoot"/>
-      </p:par>
-    </p:tnLst>
-  </p:timing>
 </p:sld>
 </file>
 
@@ -15706,10 +15296,9 @@
           <a:lstStyle/>
           <a:p>
             <a:r>
-              <a:rPr lang="en-US" dirty="0" smtClean="0"/>
+              <a:rPr lang="en-US" dirty="0"/>
               <a:t>SNR=100</a:t>
             </a:r>
-            <a:endParaRPr lang="en-US" dirty="0"/>
           </a:p>
         </p:txBody>
       </p:sp>
@@ -15798,27 +15387,27 @@
           <a:lstStyle/>
           <a:p>
             <a:r>
-              <a:rPr lang="ja-JP" altLang="en-US" smtClean="0"/>
+              <a:rPr lang="ja-JP" altLang="en-US"/>
               <a:t>｜</a:t>
             </a:r>
             <a:r>
-              <a:rPr lang="en-US" altLang="ja-JP" smtClean="0"/>
+              <a:rPr lang="en-US" altLang="ja-JP"/>
               <a:t>0000</a:t>
             </a:r>
             <a:r>
-              <a:rPr lang="ja-JP" altLang="en-US" smtClean="0"/>
+              <a:rPr lang="ja-JP" altLang="en-US"/>
               <a:t>　</a:t>
             </a:r>
             <a:r>
-              <a:rPr lang="en-US" altLang="ja-JP" smtClean="0"/>
+              <a:rPr lang="en-US" altLang="ja-JP"/>
               <a:t>|</a:t>
             </a:r>
             <a:r>
-              <a:rPr lang="ja-JP" altLang="en-US" smtClean="0"/>
+              <a:rPr lang="ja-JP" altLang="en-US"/>
               <a:t>　　</a:t>
             </a:r>
             <a:r>
-              <a:rPr lang="en-US" altLang="ja-JP" smtClean="0"/>
+              <a:rPr lang="en-US" altLang="ja-JP"/>
               <a:t>DDMMYY</a:t>
             </a:r>
             <a:endParaRPr lang="ja-JP" altLang="en-US" dirty="0"/>
@@ -15943,27 +15532,27 @@
           <a:lstStyle/>
           <a:p>
             <a:r>
-              <a:rPr lang="ja-JP" altLang="en-US" smtClean="0"/>
+              <a:rPr lang="ja-JP" altLang="en-US"/>
               <a:t>｜</a:t>
             </a:r>
             <a:r>
-              <a:rPr lang="en-US" altLang="ja-JP" smtClean="0"/>
+              <a:rPr lang="en-US" altLang="ja-JP"/>
               <a:t>0000</a:t>
             </a:r>
             <a:r>
-              <a:rPr lang="ja-JP" altLang="en-US" smtClean="0"/>
+              <a:rPr lang="ja-JP" altLang="en-US"/>
               <a:t>　</a:t>
             </a:r>
             <a:r>
-              <a:rPr lang="en-US" altLang="ja-JP" smtClean="0"/>
+              <a:rPr lang="en-US" altLang="ja-JP"/>
               <a:t>|</a:t>
             </a:r>
             <a:r>
-              <a:rPr lang="ja-JP" altLang="en-US" smtClean="0"/>
+              <a:rPr lang="ja-JP" altLang="en-US"/>
               <a:t>　　</a:t>
             </a:r>
             <a:r>
-              <a:rPr lang="en-US" altLang="ja-JP" smtClean="0"/>
+              <a:rPr lang="en-US" altLang="ja-JP"/>
               <a:t>DDMMYY</a:t>
             </a:r>
             <a:endParaRPr lang="ja-JP" altLang="en-US" dirty="0"/>
@@ -16004,13 +15593,6 @@
   <p:clrMapOvr>
     <a:masterClrMapping/>
   </p:clrMapOvr>
-  <p:timing>
-    <p:tnLst>
-      <p:par>
-        <p:cTn id="1" dur="indefinite" restart="never" nodeType="tmRoot"/>
-      </p:par>
-    </p:tnLst>
-  </p:timing>
 </p:sld>
 </file>
 
@@ -16036,7 +15618,7 @@
           <p:cNvPr id="1026" name="Picture 2" descr="https://www.almacgroup.com/wp-content/uploads/2017/05/image-two.png">
             <a:extLst>
               <a:ext uri="{FF2B5EF4-FFF2-40B4-BE49-F238E27FC236}">
-                <a16:creationId xmlns:a16="http://schemas.microsoft.com/office/drawing/2014/main" xmlns="" id="{E867E7A2-8CC0-46B4-BFF0-6C32B06ABEE2}"/>
+                <a16:creationId xmlns:a16="http://schemas.microsoft.com/office/drawing/2014/main" id="{E867E7A2-8CC0-46B4-BFF0-6C32B06ABEE2}"/>
               </a:ext>
             </a:extLst>
           </p:cNvPr>
@@ -16048,7 +15630,7 @@
           </p:nvPr>
         </p:nvPicPr>
         <p:blipFill rotWithShape="1">
-          <a:blip r:embed="rId2">
+          <a:blip r:embed="rId2" cstate="print">
             <a:extLst>
               <a:ext uri="{28A0092B-C50C-407E-A947-70E740481C1C}">
                 <a14:useLocalDpi xmlns:a14="http://schemas.microsoft.com/office/drawing/2010/main" val="0"/>
@@ -16083,7 +15665,7 @@
           <p:cNvPr id="5" name="Rectangle 4">
             <a:extLst>
               <a:ext uri="{FF2B5EF4-FFF2-40B4-BE49-F238E27FC236}">
-                <a16:creationId xmlns:a16="http://schemas.microsoft.com/office/drawing/2014/main" xmlns="" id="{4E2B386B-E39D-49FE-A910-C82ADD38FF9D}"/>
+                <a16:creationId xmlns:a16="http://schemas.microsoft.com/office/drawing/2014/main" id="{4E2B386B-E39D-49FE-A910-C82ADD38FF9D}"/>
               </a:ext>
             </a:extLst>
           </p:cNvPr>
@@ -16137,7 +15719,7 @@
           <p:cNvPr id="6" name="TextBox 5">
             <a:extLst>
               <a:ext uri="{FF2B5EF4-FFF2-40B4-BE49-F238E27FC236}">
-                <a16:creationId xmlns:a16="http://schemas.microsoft.com/office/drawing/2014/main" xmlns="" id="{0773589D-C5B3-4615-A900-47F413CA0D37}"/>
+                <a16:creationId xmlns:a16="http://schemas.microsoft.com/office/drawing/2014/main" id="{0773589D-C5B3-4615-A900-47F413CA0D37}"/>
               </a:ext>
             </a:extLst>
           </p:cNvPr>
@@ -16179,7 +15761,7 @@
           <p:cNvPr id="7" name="Rectangle: Rounded Corners 6">
             <a:extLst>
               <a:ext uri="{FF2B5EF4-FFF2-40B4-BE49-F238E27FC236}">
-                <a16:creationId xmlns:a16="http://schemas.microsoft.com/office/drawing/2014/main" xmlns="" id="{D8171938-008D-42E2-BEAB-8033B90F3225}"/>
+                <a16:creationId xmlns:a16="http://schemas.microsoft.com/office/drawing/2014/main" id="{D8171938-008D-42E2-BEAB-8033B90F3225}"/>
               </a:ext>
             </a:extLst>
           </p:cNvPr>
@@ -16233,7 +15815,7 @@
           <p:cNvPr id="10" name="TextBox 9">
             <a:extLst>
               <a:ext uri="{FF2B5EF4-FFF2-40B4-BE49-F238E27FC236}">
-                <a16:creationId xmlns:a16="http://schemas.microsoft.com/office/drawing/2014/main" xmlns="" id="{C7B28F70-E44D-430F-A8AD-A49444776531}"/>
+                <a16:creationId xmlns:a16="http://schemas.microsoft.com/office/drawing/2014/main" id="{C7B28F70-E44D-430F-A8AD-A49444776531}"/>
               </a:ext>
             </a:extLst>
           </p:cNvPr>
@@ -16275,7 +15857,7 @@
           <p:cNvPr id="12" name="Title 1">
             <a:extLst>
               <a:ext uri="{FF2B5EF4-FFF2-40B4-BE49-F238E27FC236}">
-                <a16:creationId xmlns:a16="http://schemas.microsoft.com/office/drawing/2014/main" xmlns="" id="{38583C8C-DF97-4568-BBC0-1E6B87C39B83}"/>
+                <a16:creationId xmlns:a16="http://schemas.microsoft.com/office/drawing/2014/main" id="{38583C8C-DF97-4568-BBC0-1E6B87C39B83}"/>
               </a:ext>
             </a:extLst>
           </p:cNvPr>
@@ -16313,13 +15895,6 @@
   <p:clrMapOvr>
     <a:masterClrMapping/>
   </p:clrMapOvr>
-  <p:timing>
-    <p:tnLst>
-      <p:par>
-        <p:cTn id="1" dur="indefinite" restart="never" nodeType="tmRoot"/>
-      </p:par>
-    </p:tnLst>
-  </p:timing>
 </p:sld>
 </file>
 
@@ -16404,27 +15979,27 @@
           <a:lstStyle/>
           <a:p>
             <a:r>
-              <a:rPr lang="ja-JP" altLang="en-US" smtClean="0"/>
+              <a:rPr lang="ja-JP" altLang="en-US"/>
               <a:t>｜</a:t>
             </a:r>
             <a:r>
-              <a:rPr lang="en-US" altLang="ja-JP" smtClean="0"/>
+              <a:rPr lang="en-US" altLang="ja-JP"/>
               <a:t>0000</a:t>
             </a:r>
             <a:r>
-              <a:rPr lang="ja-JP" altLang="en-US" smtClean="0"/>
+              <a:rPr lang="ja-JP" altLang="en-US"/>
               <a:t>　</a:t>
             </a:r>
             <a:r>
-              <a:rPr lang="en-US" altLang="ja-JP" smtClean="0"/>
+              <a:rPr lang="en-US" altLang="ja-JP"/>
               <a:t>|</a:t>
             </a:r>
             <a:r>
-              <a:rPr lang="ja-JP" altLang="en-US" smtClean="0"/>
+              <a:rPr lang="ja-JP" altLang="en-US"/>
               <a:t>　　</a:t>
             </a:r>
             <a:r>
-              <a:rPr lang="en-US" altLang="ja-JP" smtClean="0"/>
+              <a:rPr lang="en-US" altLang="ja-JP"/>
               <a:t>DDMMYY</a:t>
             </a:r>
             <a:endParaRPr lang="ja-JP" altLang="en-US" dirty="0"/>
@@ -16501,11 +16076,11 @@
           <a:lstStyle/>
           <a:p>
             <a:r>
-              <a:rPr lang="en-US" dirty="0" smtClean="0"/>
+              <a:rPr lang="en-US" dirty="0"/>
               <a:t>Other number of </a:t>
             </a:r>
             <a:r>
-              <a:rPr lang="en-US" dirty="0" err="1" smtClean="0"/>
+              <a:rPr lang="en-US" dirty="0" err="1"/>
               <a:t>biomakers</a:t>
             </a:r>
             <a:endParaRPr lang="en-US" dirty="0"/>
@@ -16522,13 +16097,6 @@
   <p:clrMapOvr>
     <a:masterClrMapping/>
   </p:clrMapOvr>
-  <p:timing>
-    <p:tnLst>
-      <p:par>
-        <p:cTn id="1" dur="indefinite" restart="never" nodeType="tmRoot"/>
-      </p:par>
-    </p:tnLst>
-  </p:timing>
 </p:sld>
 </file>
 
@@ -16566,21 +16134,8 @@
           <a:p>
             <a:r>
               <a:rPr lang="en-US" dirty="0"/>
-              <a:t>Dimension of </a:t>
-            </a:r>
-            <a:r>
-              <a:rPr lang="en-US" dirty="0" smtClean="0"/>
-              <a:t>genes=50 </a:t>
-            </a:r>
-            <a:r>
-              <a:rPr lang="en-US" dirty="0"/>
-              <a:t>and total </a:t>
-            </a:r>
-            <a:r>
-              <a:rPr lang="en-US" dirty="0" smtClean="0"/>
-              <a:t>dimension=106</a:t>
-            </a:r>
-            <a:endParaRPr lang="en-US" dirty="0"/>
+              <a:t>Dimension of genes=50 and total dimension=106</a:t>
+            </a:r>
           </a:p>
         </p:txBody>
       </p:sp>
@@ -16629,27 +16184,27 @@
           <a:lstStyle/>
           <a:p>
             <a:r>
-              <a:rPr lang="ja-JP" altLang="en-US" smtClean="0"/>
+              <a:rPr lang="ja-JP" altLang="en-US"/>
               <a:t>｜</a:t>
             </a:r>
             <a:r>
-              <a:rPr lang="en-US" altLang="ja-JP" smtClean="0"/>
+              <a:rPr lang="en-US" altLang="ja-JP"/>
               <a:t>0000</a:t>
             </a:r>
             <a:r>
-              <a:rPr lang="ja-JP" altLang="en-US" smtClean="0"/>
+              <a:rPr lang="ja-JP" altLang="en-US"/>
               <a:t>　</a:t>
             </a:r>
             <a:r>
-              <a:rPr lang="en-US" altLang="ja-JP" smtClean="0"/>
+              <a:rPr lang="en-US" altLang="ja-JP"/>
               <a:t>|</a:t>
             </a:r>
             <a:r>
-              <a:rPr lang="ja-JP" altLang="en-US" smtClean="0"/>
+              <a:rPr lang="ja-JP" altLang="en-US"/>
               <a:t>　　</a:t>
             </a:r>
             <a:r>
-              <a:rPr lang="en-US" altLang="ja-JP" smtClean="0"/>
+              <a:rPr lang="en-US" altLang="ja-JP"/>
               <a:t>DDMMYY</a:t>
             </a:r>
             <a:endParaRPr lang="ja-JP" altLang="en-US" dirty="0"/>
@@ -16731,13 +16286,6 @@
   <p:clrMapOvr>
     <a:masterClrMapping/>
   </p:clrMapOvr>
-  <p:timing>
-    <p:tnLst>
-      <p:par>
-        <p:cTn id="1" dur="indefinite" restart="never" nodeType="tmRoot"/>
-      </p:par>
-    </p:tnLst>
-  </p:timing>
 </p:sld>
 </file>
 
@@ -16775,11 +16323,7 @@
           <a:p>
             <a:r>
               <a:rPr lang="en-US" dirty="0"/>
-              <a:t>When </a:t>
-            </a:r>
-            <a:r>
-              <a:rPr lang="en-US" dirty="0" smtClean="0"/>
-              <a:t>number of biomarkers &gt; sample size</a:t>
+              <a:t>When number of biomarkers &gt; sample size</a:t>
             </a:r>
           </a:p>
           <a:p>
@@ -16797,13 +16341,6 @@
   <p:clrMapOvr>
     <a:masterClrMapping/>
   </p:clrMapOvr>
-  <p:timing>
-    <p:tnLst>
-      <p:par>
-        <p:cTn id="1" dur="indefinite" restart="never" nodeType="tmRoot"/>
-      </p:par>
-    </p:tnLst>
-  </p:timing>
 </p:sld>
 </file>
 
@@ -17034,13 +16571,6 @@
   <p:clrMapOvr>
     <a:masterClrMapping/>
   </p:clrMapOvr>
-  <p:timing>
-    <p:tnLst>
-      <p:par>
-        <p:cTn id="1" dur="indefinite" restart="never" nodeType="tmRoot"/>
-      </p:par>
-    </p:tnLst>
-  </p:timing>
 </p:sld>
 </file>
 
@@ -17093,13 +16623,6 @@
   <p:clrMapOvr>
     <a:masterClrMapping/>
   </p:clrMapOvr>
-  <p:timing>
-    <p:tnLst>
-      <p:par>
-        <p:cTn id="1" dur="indefinite" restart="never" nodeType="tmRoot"/>
-      </p:par>
-    </p:tnLst>
-  </p:timing>
 </p:sld>
 </file>
 
@@ -17289,13 +16812,6 @@
   <p:clrMapOvr>
     <a:masterClrMapping/>
   </p:clrMapOvr>
-  <p:timing>
-    <p:tnLst>
-      <p:par>
-        <p:cTn id="1" dur="indefinite" restart="never" nodeType="tmRoot"/>
-      </p:par>
-    </p:tnLst>
-  </p:timing>
 </p:sld>
 </file>
 
@@ -17332,10 +16848,9 @@
           <a:lstStyle/>
           <a:p>
             <a:r>
-              <a:rPr lang="en-US" dirty="0" smtClean="0"/>
+              <a:rPr lang="en-US" dirty="0"/>
               <a:t>Real Data</a:t>
             </a:r>
-            <a:endParaRPr lang="en-US" dirty="0"/>
           </a:p>
         </p:txBody>
       </p:sp>
@@ -17349,13 +16864,6 @@
   <p:clrMapOvr>
     <a:masterClrMapping/>
   </p:clrMapOvr>
-  <p:timing>
-    <p:tnLst>
-      <p:par>
-        <p:cTn id="1" dur="indefinite" restart="never" nodeType="tmRoot"/>
-      </p:par>
-    </p:tnLst>
-  </p:timing>
 </p:sld>
 </file>
 
@@ -17392,10 +16900,9 @@
           <a:lstStyle/>
           <a:p>
             <a:r>
-              <a:rPr lang="en-US" dirty="0" smtClean="0"/>
+              <a:rPr lang="en-US" dirty="0"/>
               <a:t>Future Steps</a:t>
             </a:r>
-            <a:endParaRPr lang="en-US" dirty="0"/>
           </a:p>
         </p:txBody>
       </p:sp>
@@ -17415,25 +16922,25 @@
           <a:lstStyle/>
           <a:p>
             <a:r>
-              <a:rPr lang="en-US" dirty="0" smtClean="0"/>
+              <a:rPr lang="en-US" dirty="0"/>
               <a:t>Overlapping Simulations</a:t>
             </a:r>
           </a:p>
           <a:p>
             <a:r>
-              <a:rPr lang="en-US" dirty="0" smtClean="0"/>
+              <a:rPr lang="en-US" dirty="0"/>
               <a:t>Stop Criterion</a:t>
             </a:r>
           </a:p>
           <a:p>
             <a:r>
-              <a:rPr lang="en-US" dirty="0" smtClean="0"/>
+              <a:rPr lang="en-US" dirty="0"/>
               <a:t>Combination of </a:t>
             </a:r>
           </a:p>
           <a:p>
             <a:r>
-              <a:rPr lang="en-US" dirty="0" smtClean="0"/>
+              <a:rPr lang="en-US" dirty="0"/>
               <a:t>Endpoints</a:t>
             </a:r>
           </a:p>
@@ -17455,27 +16962,27 @@
           <a:lstStyle/>
           <a:p>
             <a:r>
-              <a:rPr lang="ja-JP" altLang="en-US" smtClean="0"/>
+              <a:rPr lang="ja-JP" altLang="en-US"/>
               <a:t>｜</a:t>
             </a:r>
             <a:r>
-              <a:rPr lang="en-US" altLang="ja-JP" smtClean="0"/>
+              <a:rPr lang="en-US" altLang="ja-JP"/>
               <a:t>0000</a:t>
             </a:r>
             <a:r>
-              <a:rPr lang="ja-JP" altLang="en-US" smtClean="0"/>
+              <a:rPr lang="ja-JP" altLang="en-US"/>
               <a:t>　</a:t>
             </a:r>
             <a:r>
-              <a:rPr lang="en-US" altLang="ja-JP" smtClean="0"/>
+              <a:rPr lang="en-US" altLang="ja-JP"/>
               <a:t>|</a:t>
             </a:r>
             <a:r>
-              <a:rPr lang="ja-JP" altLang="en-US" smtClean="0"/>
+              <a:rPr lang="ja-JP" altLang="en-US"/>
               <a:t>　　</a:t>
             </a:r>
             <a:r>
-              <a:rPr lang="en-US" altLang="ja-JP" smtClean="0"/>
+              <a:rPr lang="en-US" altLang="ja-JP"/>
               <a:t>DDMMYY</a:t>
             </a:r>
             <a:endParaRPr lang="ja-JP" altLang="en-US" dirty="0"/>
@@ -17516,13 +17023,6 @@
   <p:clrMapOvr>
     <a:masterClrMapping/>
   </p:clrMapOvr>
-  <p:timing>
-    <p:tnLst>
-      <p:par>
-        <p:cTn id="1" dur="indefinite" restart="never" nodeType="tmRoot"/>
-      </p:par>
-    </p:tnLst>
-  </p:timing>
 </p:sld>
 </file>
 
@@ -17559,10 +17059,9 @@
           <a:lstStyle/>
           <a:p>
             <a:r>
-              <a:rPr lang="en-US" dirty="0" smtClean="0"/>
+              <a:rPr lang="en-US" dirty="0"/>
               <a:t>References</a:t>
             </a:r>
-            <a:endParaRPr lang="en-US" dirty="0"/>
           </a:p>
         </p:txBody>
       </p:sp>
@@ -17601,27 +17100,27 @@
           <a:lstStyle/>
           <a:p>
             <a:r>
-              <a:rPr lang="ja-JP" altLang="en-US" smtClean="0"/>
+              <a:rPr lang="ja-JP" altLang="en-US"/>
               <a:t>｜</a:t>
             </a:r>
             <a:r>
-              <a:rPr lang="en-US" altLang="ja-JP" smtClean="0"/>
+              <a:rPr lang="en-US" altLang="ja-JP"/>
               <a:t>0000</a:t>
             </a:r>
             <a:r>
-              <a:rPr lang="ja-JP" altLang="en-US" smtClean="0"/>
+              <a:rPr lang="ja-JP" altLang="en-US"/>
               <a:t>　</a:t>
             </a:r>
             <a:r>
-              <a:rPr lang="en-US" altLang="ja-JP" smtClean="0"/>
+              <a:rPr lang="en-US" altLang="ja-JP"/>
               <a:t>|</a:t>
             </a:r>
             <a:r>
-              <a:rPr lang="ja-JP" altLang="en-US" smtClean="0"/>
+              <a:rPr lang="ja-JP" altLang="en-US"/>
               <a:t>　　</a:t>
             </a:r>
             <a:r>
-              <a:rPr lang="en-US" altLang="ja-JP" smtClean="0"/>
+              <a:rPr lang="en-US" altLang="ja-JP"/>
               <a:t>DDMMYY</a:t>
             </a:r>
             <a:endParaRPr lang="ja-JP" altLang="en-US" dirty="0"/>
@@ -17662,13 +17161,6 @@
   <p:clrMapOvr>
     <a:masterClrMapping/>
   </p:clrMapOvr>
-  <p:timing>
-    <p:tnLst>
-      <p:par>
-        <p:cTn id="1" dur="indefinite" restart="never" nodeType="tmRoot"/>
-      </p:par>
-    </p:tnLst>
-  </p:timing>
 </p:sld>
 </file>
 
@@ -17705,10 +17197,9 @@
           <a:lstStyle/>
           <a:p>
             <a:r>
-              <a:rPr lang="en-US" dirty="0" smtClean="0"/>
+              <a:rPr lang="en-US" dirty="0"/>
               <a:t>Model</a:t>
             </a:r>
-            <a:endParaRPr lang="en-US" dirty="0"/>
           </a:p>
         </p:txBody>
       </p:sp>
@@ -17754,27 +17245,27 @@
           <a:lstStyle/>
           <a:p>
             <a:r>
-              <a:rPr lang="ja-JP" altLang="en-US" smtClean="0"/>
+              <a:rPr lang="ja-JP" altLang="en-US"/>
               <a:t>｜</a:t>
             </a:r>
             <a:r>
-              <a:rPr lang="en-US" altLang="ja-JP" smtClean="0"/>
+              <a:rPr lang="en-US" altLang="ja-JP"/>
               <a:t>0000</a:t>
             </a:r>
             <a:r>
-              <a:rPr lang="ja-JP" altLang="en-US" smtClean="0"/>
+              <a:rPr lang="ja-JP" altLang="en-US"/>
               <a:t>　</a:t>
             </a:r>
             <a:r>
-              <a:rPr lang="en-US" altLang="ja-JP" smtClean="0"/>
+              <a:rPr lang="en-US" altLang="ja-JP"/>
               <a:t>|</a:t>
             </a:r>
             <a:r>
-              <a:rPr lang="ja-JP" altLang="en-US" smtClean="0"/>
+              <a:rPr lang="ja-JP" altLang="en-US"/>
               <a:t>　　</a:t>
             </a:r>
             <a:r>
-              <a:rPr lang="en-US" altLang="ja-JP" smtClean="0"/>
+              <a:rPr lang="en-US" altLang="ja-JP"/>
               <a:t>DDMMYY</a:t>
             </a:r>
             <a:endParaRPr lang="ja-JP" altLang="en-US" dirty="0"/>
@@ -17815,13 +17306,6 @@
   <p:clrMapOvr>
     <a:masterClrMapping/>
   </p:clrMapOvr>
-  <p:timing>
-    <p:tnLst>
-      <p:par>
-        <p:cTn id="1" dur="indefinite" restart="never" nodeType="tmRoot"/>
-      </p:par>
-    </p:tnLst>
-  </p:timing>
 </p:sld>
 </file>
 
@@ -17858,10 +17342,9 @@
           <a:lstStyle/>
           <a:p>
             <a:r>
-              <a:rPr lang="en-US" dirty="0" smtClean="0"/>
+              <a:rPr lang="en-US" dirty="0"/>
               <a:t>Thanks!</a:t>
             </a:r>
-            <a:endParaRPr lang="en-US" dirty="0"/>
           </a:p>
         </p:txBody>
       </p:sp>
@@ -17875,13 +17358,6 @@
   <p:clrMapOvr>
     <a:masterClrMapping/>
   </p:clrMapOvr>
-  <p:timing>
-    <p:tnLst>
-      <p:par>
-        <p:cTn id="1" dur="indefinite" restart="never" nodeType="tmRoot"/>
-      </p:par>
-    </p:tnLst>
-  </p:timing>
 </p:sld>
 </file>
 
@@ -17918,10 +17394,9 @@
           <a:lstStyle/>
           <a:p>
             <a:r>
-              <a:rPr lang="en-US" dirty="0" smtClean="0"/>
+              <a:rPr lang="en-US" dirty="0"/>
               <a:t>Group Lasso</a:t>
             </a:r>
-            <a:endParaRPr lang="en-US" dirty="0"/>
           </a:p>
         </p:txBody>
       </p:sp>
@@ -17967,27 +17442,27 @@
           <a:lstStyle/>
           <a:p>
             <a:r>
-              <a:rPr lang="ja-JP" altLang="en-US" smtClean="0"/>
+              <a:rPr lang="ja-JP" altLang="en-US"/>
               <a:t>｜</a:t>
             </a:r>
             <a:r>
-              <a:rPr lang="en-US" altLang="ja-JP" smtClean="0"/>
+              <a:rPr lang="en-US" altLang="ja-JP"/>
               <a:t>0000</a:t>
             </a:r>
             <a:r>
-              <a:rPr lang="ja-JP" altLang="en-US" smtClean="0"/>
+              <a:rPr lang="ja-JP" altLang="en-US"/>
               <a:t>　</a:t>
             </a:r>
             <a:r>
-              <a:rPr lang="en-US" altLang="ja-JP" smtClean="0"/>
+              <a:rPr lang="en-US" altLang="ja-JP"/>
               <a:t>|</a:t>
             </a:r>
             <a:r>
-              <a:rPr lang="ja-JP" altLang="en-US" smtClean="0"/>
+              <a:rPr lang="ja-JP" altLang="en-US"/>
               <a:t>　　</a:t>
             </a:r>
             <a:r>
-              <a:rPr lang="en-US" altLang="ja-JP" smtClean="0"/>
+              <a:rPr lang="en-US" altLang="ja-JP"/>
               <a:t>DDMMYY</a:t>
             </a:r>
             <a:endParaRPr lang="ja-JP" altLang="en-US" dirty="0"/>
@@ -18028,13 +17503,6 @@
   <p:clrMapOvr>
     <a:masterClrMapping/>
   </p:clrMapOvr>
-  <p:timing>
-    <p:tnLst>
-      <p:par>
-        <p:cTn id="1" dur="indefinite" restart="never" nodeType="tmRoot"/>
-      </p:par>
-    </p:tnLst>
-  </p:timing>
 </p:sld>
 </file>
 
@@ -18071,10 +17539,9 @@
           <a:lstStyle/>
           <a:p>
             <a:r>
-              <a:rPr lang="en-US" dirty="0" smtClean="0"/>
+              <a:rPr lang="en-US" dirty="0"/>
               <a:t>Loss Function</a:t>
             </a:r>
-            <a:endParaRPr lang="en-US" dirty="0"/>
           </a:p>
         </p:txBody>
       </p:sp>
@@ -18094,27 +17561,27 @@
           <a:lstStyle/>
           <a:p>
             <a:r>
-              <a:rPr lang="ja-JP" altLang="en-US" smtClean="0"/>
+              <a:rPr lang="ja-JP" altLang="en-US"/>
               <a:t>｜</a:t>
             </a:r>
             <a:r>
-              <a:rPr lang="en-US" altLang="ja-JP" smtClean="0"/>
+              <a:rPr lang="en-US" altLang="ja-JP"/>
               <a:t>0000</a:t>
             </a:r>
             <a:r>
-              <a:rPr lang="ja-JP" altLang="en-US" smtClean="0"/>
+              <a:rPr lang="ja-JP" altLang="en-US"/>
               <a:t>　</a:t>
             </a:r>
             <a:r>
-              <a:rPr lang="en-US" altLang="ja-JP" smtClean="0"/>
+              <a:rPr lang="en-US" altLang="ja-JP"/>
               <a:t>|</a:t>
             </a:r>
             <a:r>
-              <a:rPr lang="ja-JP" altLang="en-US" smtClean="0"/>
+              <a:rPr lang="ja-JP" altLang="en-US"/>
               <a:t>　　</a:t>
             </a:r>
             <a:r>
-              <a:rPr lang="en-US" altLang="ja-JP" smtClean="0"/>
+              <a:rPr lang="en-US" altLang="ja-JP"/>
               <a:t>DDMMYY</a:t>
             </a:r>
             <a:endParaRPr lang="ja-JP" altLang="en-US" dirty="0"/>
@@ -18181,13 +17648,6 @@
   <p:clrMapOvr>
     <a:masterClrMapping/>
   </p:clrMapOvr>
-  <p:timing>
-    <p:tnLst>
-      <p:par>
-        <p:cTn id="1" dur="indefinite" restart="never" nodeType="tmRoot"/>
-      </p:par>
-    </p:tnLst>
-  </p:timing>
 </p:sld>
 </file>
 
@@ -18243,27 +17703,27 @@
           <a:lstStyle/>
           <a:p>
             <a:r>
-              <a:rPr lang="ja-JP" altLang="en-US" smtClean="0"/>
+              <a:rPr lang="ja-JP" altLang="en-US"/>
               <a:t>｜</a:t>
             </a:r>
             <a:r>
-              <a:rPr lang="en-US" altLang="ja-JP" smtClean="0"/>
+              <a:rPr lang="en-US" altLang="ja-JP"/>
               <a:t>0000</a:t>
             </a:r>
             <a:r>
-              <a:rPr lang="ja-JP" altLang="en-US" smtClean="0"/>
+              <a:rPr lang="ja-JP" altLang="en-US"/>
               <a:t>　</a:t>
             </a:r>
             <a:r>
-              <a:rPr lang="en-US" altLang="ja-JP" smtClean="0"/>
+              <a:rPr lang="en-US" altLang="ja-JP"/>
               <a:t>|</a:t>
             </a:r>
             <a:r>
-              <a:rPr lang="ja-JP" altLang="en-US" smtClean="0"/>
+              <a:rPr lang="ja-JP" altLang="en-US"/>
               <a:t>　　</a:t>
             </a:r>
             <a:r>
-              <a:rPr lang="en-US" altLang="ja-JP" smtClean="0"/>
+              <a:rPr lang="en-US" altLang="ja-JP"/>
               <a:t>DDMMYY</a:t>
             </a:r>
             <a:endParaRPr lang="ja-JP" altLang="en-US" dirty="0"/>
@@ -18305,7 +17765,7 @@
           </p:nvPr>
         </p:nvPicPr>
         <p:blipFill>
-          <a:blip r:embed="rId2">
+          <a:blip r:embed="rId2" cstate="print">
             <a:extLst>
               <a:ext uri="{28A0092B-C50C-407E-A947-70E740481C1C}">
                 <a14:useLocalDpi xmlns:a14="http://schemas.microsoft.com/office/drawing/2010/main" val="0"/>
@@ -18703,10 +18163,9 @@
           <a:lstStyle/>
           <a:p>
             <a:r>
-              <a:rPr lang="en-US" dirty="0" smtClean="0"/>
+              <a:rPr lang="en-US" dirty="0"/>
               <a:t>Elastic Net</a:t>
             </a:r>
-            <a:endParaRPr lang="en-US" dirty="0"/>
           </a:p>
         </p:txBody>
       </p:sp>
@@ -18752,27 +18211,27 @@
           <a:lstStyle/>
           <a:p>
             <a:r>
-              <a:rPr lang="ja-JP" altLang="en-US" smtClean="0"/>
+              <a:rPr lang="ja-JP" altLang="en-US"/>
               <a:t>｜</a:t>
             </a:r>
             <a:r>
-              <a:rPr lang="en-US" altLang="ja-JP" smtClean="0"/>
+              <a:rPr lang="en-US" altLang="ja-JP"/>
               <a:t>0000</a:t>
             </a:r>
             <a:r>
-              <a:rPr lang="ja-JP" altLang="en-US" smtClean="0"/>
+              <a:rPr lang="ja-JP" altLang="en-US"/>
               <a:t>　</a:t>
             </a:r>
             <a:r>
-              <a:rPr lang="en-US" altLang="ja-JP" smtClean="0"/>
+              <a:rPr lang="en-US" altLang="ja-JP"/>
               <a:t>|</a:t>
             </a:r>
             <a:r>
-              <a:rPr lang="ja-JP" altLang="en-US" smtClean="0"/>
+              <a:rPr lang="ja-JP" altLang="en-US"/>
               <a:t>　　</a:t>
             </a:r>
             <a:r>
-              <a:rPr lang="en-US" altLang="ja-JP" smtClean="0"/>
+              <a:rPr lang="en-US" altLang="ja-JP"/>
               <a:t>DDMMYY</a:t>
             </a:r>
             <a:endParaRPr lang="ja-JP" altLang="en-US" dirty="0"/>
@@ -18813,13 +18272,6 @@
   <p:clrMapOvr>
     <a:masterClrMapping/>
   </p:clrMapOvr>
-  <p:timing>
-    <p:tnLst>
-      <p:par>
-        <p:cTn id="1" dur="indefinite" restart="never" nodeType="tmRoot"/>
-      </p:par>
-    </p:tnLst>
-  </p:timing>
 </p:sld>
 </file>
 

--- a/manu & slides/Final.pptx
+++ b/manu & slides/Final.pptx
@@ -5,7 +5,7 @@
     <p:sldMasterId id="2147483648" r:id="rId1"/>
   </p:sldMasterIdLst>
   <p:notesMasterIdLst>
-    <p:notesMasterId r:id="rId58"/>
+    <p:notesMasterId r:id="rId57"/>
   </p:notesMasterIdLst>
   <p:sldIdLst>
     <p:sldId id="260" r:id="rId2"/>
@@ -36,34 +36,33 @@
     <p:sldId id="293" r:id="rId27"/>
     <p:sldId id="337" r:id="rId28"/>
     <p:sldId id="278" r:id="rId29"/>
-    <p:sldId id="279" r:id="rId30"/>
-    <p:sldId id="280" r:id="rId31"/>
-    <p:sldId id="281" r:id="rId32"/>
-    <p:sldId id="295" r:id="rId33"/>
-    <p:sldId id="296" r:id="rId34"/>
-    <p:sldId id="297" r:id="rId35"/>
-    <p:sldId id="298" r:id="rId36"/>
-    <p:sldId id="336" r:id="rId37"/>
-    <p:sldId id="284" r:id="rId38"/>
-    <p:sldId id="286" r:id="rId39"/>
-    <p:sldId id="287" r:id="rId40"/>
-    <p:sldId id="294" r:id="rId41"/>
-    <p:sldId id="288" r:id="rId42"/>
-    <p:sldId id="299" r:id="rId43"/>
-    <p:sldId id="300" r:id="rId44"/>
-    <p:sldId id="301" r:id="rId45"/>
-    <p:sldId id="302" r:id="rId46"/>
-    <p:sldId id="303" r:id="rId47"/>
-    <p:sldId id="335" r:id="rId48"/>
-    <p:sldId id="305" r:id="rId49"/>
-    <p:sldId id="334" r:id="rId50"/>
-    <p:sldId id="289" r:id="rId51"/>
-    <p:sldId id="333" r:id="rId52"/>
-    <p:sldId id="291" r:id="rId53"/>
-    <p:sldId id="332" r:id="rId54"/>
-    <p:sldId id="307" r:id="rId55"/>
-    <p:sldId id="313" r:id="rId56"/>
-    <p:sldId id="308" r:id="rId57"/>
+    <p:sldId id="354" r:id="rId30"/>
+    <p:sldId id="279" r:id="rId31"/>
+    <p:sldId id="280" r:id="rId32"/>
+    <p:sldId id="281" r:id="rId33"/>
+    <p:sldId id="355" r:id="rId34"/>
+    <p:sldId id="356" r:id="rId35"/>
+    <p:sldId id="336" r:id="rId36"/>
+    <p:sldId id="284" r:id="rId37"/>
+    <p:sldId id="286" r:id="rId38"/>
+    <p:sldId id="287" r:id="rId39"/>
+    <p:sldId id="294" r:id="rId40"/>
+    <p:sldId id="288" r:id="rId41"/>
+    <p:sldId id="299" r:id="rId42"/>
+    <p:sldId id="300" r:id="rId43"/>
+    <p:sldId id="301" r:id="rId44"/>
+    <p:sldId id="302" r:id="rId45"/>
+    <p:sldId id="303" r:id="rId46"/>
+    <p:sldId id="335" r:id="rId47"/>
+    <p:sldId id="305" r:id="rId48"/>
+    <p:sldId id="334" r:id="rId49"/>
+    <p:sldId id="289" r:id="rId50"/>
+    <p:sldId id="333" r:id="rId51"/>
+    <p:sldId id="291" r:id="rId52"/>
+    <p:sldId id="332" r:id="rId53"/>
+    <p:sldId id="307" r:id="rId54"/>
+    <p:sldId id="313" r:id="rId55"/>
+    <p:sldId id="308" r:id="rId56"/>
   </p:sldIdLst>
   <p:sldSz cx="9144000" cy="5143500" type="screen16x9"/>
   <p:notesSz cx="6805613" cy="9939338"/>
@@ -266,20 +265,6 @@
   <p:cm authorId="2" dt="2018-08-17T16:25:30.076" idx="6">
     <p:pos x="10" y="10"/>
     <p:text>false negative</p:text>
-    <p:extLst>
-      <p:ext uri="{C676402C-5697-4E1C-873F-D02D1690AC5C}">
-        <p15:threadingInfo xmlns:p15="http://schemas.microsoft.com/office/powerpoint/2012/main" timeZoneBias="240"/>
-      </p:ext>
-    </p:extLst>
-  </p:cm>
-</p:cmLst>
-</file>
-
-<file path=ppt/comments/comment6.xml><?xml version="1.0" encoding="utf-8"?>
-<p:cmLst xmlns:a="http://schemas.openxmlformats.org/drawingml/2006/main" xmlns:r="http://schemas.openxmlformats.org/officeDocument/2006/relationships" xmlns:p="http://schemas.openxmlformats.org/presentationml/2006/main">
-  <p:cm authorId="2" dt="2018-08-17T16:29:36.781" idx="7">
-    <p:pos x="10" y="10"/>
-    <p:text>acale of y lable, same scale</p:text>
     <p:extLst>
       <p:ext uri="{C676402C-5697-4E1C-873F-D02D1690AC5C}">
         <p15:threadingInfo xmlns:p15="http://schemas.microsoft.com/office/powerpoint/2012/main" timeZoneBias="240"/>
@@ -1309,10 +1294,9 @@
         <a:lstStyle/>
         <a:p>
           <a:r>
-            <a:rPr lang="en-US"/>
+            <a:rPr lang="en-US" dirty="0"/>
             <a:t>Dimension</a:t>
           </a:r>
-          <a:endParaRPr lang="en-US" dirty="0"/>
         </a:p>
       </dgm:t>
     </dgm:pt>
@@ -2300,10 +2284,9 @@
             <a:buNone/>
           </a:pPr>
           <a:r>
-            <a:rPr lang="en-US" sz="1100" kern="1200"/>
+            <a:rPr lang="en-US" sz="1100" kern="1200" dirty="0"/>
             <a:t>Dimension</a:t>
           </a:r>
-          <a:endParaRPr lang="en-US" sz="1100" kern="1200" dirty="0"/>
         </a:p>
       </dsp:txBody>
       <dsp:txXfrm rot="-5400000">
@@ -24545,35 +24528,6 @@
           </a:p>
         </p:txBody>
       </p:sp>
-      <p:pic>
-        <p:nvPicPr>
-          <p:cNvPr id="6" name="Content Placeholder 5"/>
-          <p:cNvPicPr>
-            <a:picLocks noGrp="1" noChangeAspect="1"/>
-          </p:cNvPicPr>
-          <p:nvPr>
-            <p:ph idx="1"/>
-          </p:nvPr>
-        </p:nvPicPr>
-        <p:blipFill>
-          <a:blip r:embed="rId2">
-            <a:extLst>
-              <a:ext uri="{28A0092B-C50C-407E-A947-70E740481C1C}">
-                <a14:useLocalDpi xmlns:a14="http://schemas.microsoft.com/office/drawing/2010/main" val="0"/>
-              </a:ext>
-            </a:extLst>
-          </a:blip>
-          <a:stretch>
-            <a:fillRect/>
-          </a:stretch>
-        </p:blipFill>
-        <p:spPr>
-          <a:xfrm>
-            <a:off x="25971" y="843558"/>
-            <a:ext cx="8281987" cy="2366282"/>
-          </a:xfrm>
-        </p:spPr>
-      </p:pic>
       <mc:AlternateContent xmlns:mc="http://schemas.openxmlformats.org/markup-compatibility/2006" xmlns:a14="http://schemas.microsoft.com/office/drawing/2010/main">
         <mc:Choice Requires="a14">
           <p:sp>
@@ -24852,6 +24806,88 @@
           </p:sp>
         </mc:Fallback>
       </mc:AlternateContent>
+      <p:pic>
+        <p:nvPicPr>
+          <p:cNvPr id="16" name="Content Placeholder 15" descr="A screenshot of a cell phone&#10;&#10;Description generated with high confidence">
+            <a:extLst>
+              <a:ext uri="{FF2B5EF4-FFF2-40B4-BE49-F238E27FC236}">
+                <a16:creationId xmlns:a16="http://schemas.microsoft.com/office/drawing/2014/main" id="{B754AD48-FFD5-4D74-B092-D0A295A4B096}"/>
+              </a:ext>
+            </a:extLst>
+          </p:cNvPr>
+          <p:cNvPicPr>
+            <a:picLocks noGrp="1" noChangeAspect="1"/>
+          </p:cNvPicPr>
+          <p:nvPr>
+            <p:ph idx="1"/>
+          </p:nvPr>
+        </p:nvPicPr>
+        <p:blipFill>
+          <a:blip r:embed="rId4">
+            <a:extLst>
+              <a:ext uri="{28A0092B-C50C-407E-A947-70E740481C1C}">
+                <a14:useLocalDpi xmlns:a14="http://schemas.microsoft.com/office/drawing/2010/main" val="0"/>
+              </a:ext>
+            </a:extLst>
+          </a:blip>
+          <a:stretch>
+            <a:fillRect/>
+          </a:stretch>
+        </p:blipFill>
+        <p:spPr>
+          <a:xfrm>
+            <a:off x="827584" y="954782"/>
+            <a:ext cx="6667500" cy="1905000"/>
+          </a:xfrm>
+        </p:spPr>
+      </p:pic>
+      <p:sp>
+        <p:nvSpPr>
+          <p:cNvPr id="12" name="Rectangle 11">
+            <a:extLst>
+              <a:ext uri="{FF2B5EF4-FFF2-40B4-BE49-F238E27FC236}">
+                <a16:creationId xmlns:a16="http://schemas.microsoft.com/office/drawing/2014/main" id="{07ED46A6-71E1-466D-A0E5-E3ACF6FCE25D}"/>
+              </a:ext>
+            </a:extLst>
+          </p:cNvPr>
+          <p:cNvSpPr/>
+          <p:nvPr/>
+        </p:nvSpPr>
+        <p:spPr>
+          <a:xfrm>
+            <a:off x="6249566" y="1432580"/>
+            <a:ext cx="558961" cy="216024"/>
+          </a:xfrm>
+          <a:prstGeom prst="rect">
+            <a:avLst/>
+          </a:prstGeom>
+          <a:noFill/>
+        </p:spPr>
+        <p:style>
+          <a:lnRef idx="2">
+            <a:schemeClr val="accent1">
+              <a:shade val="50000"/>
+            </a:schemeClr>
+          </a:lnRef>
+          <a:fillRef idx="1">
+            <a:schemeClr val="accent1"/>
+          </a:fillRef>
+          <a:effectRef idx="0">
+            <a:schemeClr val="accent1"/>
+          </a:effectRef>
+          <a:fontRef idx="minor">
+            <a:schemeClr val="lt1"/>
+          </a:fontRef>
+        </p:style>
+        <p:txBody>
+          <a:bodyPr rtlCol="0" anchor="ctr"/>
+          <a:lstStyle/>
+          <a:p>
+            <a:pPr algn="ctr"/>
+            <a:endParaRPr lang="en-US"/>
+          </a:p>
+        </p:txBody>
+      </p:sp>
       <p:sp>
         <p:nvSpPr>
           <p:cNvPr id="8" name="Rectangle 7">
@@ -24866,7 +24902,7 @@
         </p:nvSpPr>
         <p:spPr>
           <a:xfrm>
-            <a:off x="5123809" y="1550945"/>
+            <a:off x="5004048" y="1432580"/>
             <a:ext cx="558961" cy="216024"/>
           </a:xfrm>
           <a:prstGeom prst="rect">
@@ -24931,6 +24967,361 @@
       </p:grpSpPr>
       <p:sp>
         <p:nvSpPr>
+          <p:cNvPr id="2" name="Title 1">
+            <a:extLst>
+              <a:ext uri="{FF2B5EF4-FFF2-40B4-BE49-F238E27FC236}">
+                <a16:creationId xmlns:a16="http://schemas.microsoft.com/office/drawing/2014/main" id="{B47CDB8A-37FD-446A-86BA-6FC732FF02F4}"/>
+              </a:ext>
+            </a:extLst>
+          </p:cNvPr>
+          <p:cNvSpPr>
+            <a:spLocks noGrp="1"/>
+          </p:cNvSpPr>
+          <p:nvPr>
+            <p:ph type="title"/>
+          </p:nvPr>
+        </p:nvSpPr>
+        <p:spPr/>
+        <p:txBody>
+          <a:bodyPr/>
+          <a:lstStyle/>
+          <a:p>
+            <a:endParaRPr lang="en-US"/>
+          </a:p>
+        </p:txBody>
+      </p:sp>
+      <p:pic>
+        <p:nvPicPr>
+          <p:cNvPr id="8" name="Content Placeholder 7" descr="A close up of a piece of paper&#10;&#10;Description generated with high confidence">
+            <a:extLst>
+              <a:ext uri="{FF2B5EF4-FFF2-40B4-BE49-F238E27FC236}">
+                <a16:creationId xmlns:a16="http://schemas.microsoft.com/office/drawing/2014/main" id="{CE02C1DB-6B92-48B3-A130-B3772325C3F7}"/>
+              </a:ext>
+            </a:extLst>
+          </p:cNvPr>
+          <p:cNvPicPr>
+            <a:picLocks noGrp="1" noChangeAspect="1"/>
+          </p:cNvPicPr>
+          <p:nvPr>
+            <p:ph sz="half" idx="1"/>
+          </p:nvPr>
+        </p:nvPicPr>
+        <p:blipFill>
+          <a:blip r:embed="rId2">
+            <a:extLst>
+              <a:ext uri="{28A0092B-C50C-407E-A947-70E740481C1C}">
+                <a14:useLocalDpi xmlns:a14="http://schemas.microsoft.com/office/drawing/2010/main" val="0"/>
+              </a:ext>
+            </a:extLst>
+          </a:blip>
+          <a:stretch>
+            <a:fillRect/>
+          </a:stretch>
+        </p:blipFill>
+        <p:spPr>
+          <a:xfrm>
+            <a:off x="480726" y="1200150"/>
+            <a:ext cx="3939161" cy="3394075"/>
+          </a:xfrm>
+        </p:spPr>
+      </p:pic>
+      <p:pic>
+        <p:nvPicPr>
+          <p:cNvPr id="10" name="Content Placeholder 9" descr="A screenshot of a cell phone&#10;&#10;Description generated with high confidence">
+            <a:extLst>
+              <a:ext uri="{FF2B5EF4-FFF2-40B4-BE49-F238E27FC236}">
+                <a16:creationId xmlns:a16="http://schemas.microsoft.com/office/drawing/2014/main" id="{0DCF9734-DF1D-4596-B357-0A361BA526C6}"/>
+              </a:ext>
+            </a:extLst>
+          </p:cNvPr>
+          <p:cNvPicPr>
+            <a:picLocks noGrp="1" noChangeAspect="1"/>
+          </p:cNvPicPr>
+          <p:nvPr>
+            <p:ph sz="half" idx="2"/>
+          </p:nvPr>
+        </p:nvPicPr>
+        <p:blipFill>
+          <a:blip r:embed="rId3">
+            <a:extLst>
+              <a:ext uri="{28A0092B-C50C-407E-A947-70E740481C1C}">
+                <a14:useLocalDpi xmlns:a14="http://schemas.microsoft.com/office/drawing/2010/main" val="0"/>
+              </a:ext>
+            </a:extLst>
+          </a:blip>
+          <a:stretch>
+            <a:fillRect/>
+          </a:stretch>
+        </p:blipFill>
+        <p:spPr>
+          <a:xfrm>
+            <a:off x="4697919" y="1200150"/>
+            <a:ext cx="3939161" cy="3394075"/>
+          </a:xfrm>
+        </p:spPr>
+      </p:pic>
+      <p:sp>
+        <p:nvSpPr>
+          <p:cNvPr id="5" name="Footer Placeholder 4">
+            <a:extLst>
+              <a:ext uri="{FF2B5EF4-FFF2-40B4-BE49-F238E27FC236}">
+                <a16:creationId xmlns:a16="http://schemas.microsoft.com/office/drawing/2014/main" id="{2E0CB2BF-FEF5-477F-AFDF-28ABBF62B309}"/>
+              </a:ext>
+            </a:extLst>
+          </p:cNvPr>
+          <p:cNvSpPr>
+            <a:spLocks noGrp="1"/>
+          </p:cNvSpPr>
+          <p:nvPr>
+            <p:ph type="ftr" sz="quarter" idx="11"/>
+          </p:nvPr>
+        </p:nvSpPr>
+        <p:spPr/>
+        <p:txBody>
+          <a:bodyPr/>
+          <a:lstStyle/>
+          <a:p>
+            <a:r>
+              <a:rPr lang="ja-JP" altLang="en-US"/>
+              <a:t>｜</a:t>
+            </a:r>
+            <a:r>
+              <a:rPr lang="en-US" altLang="ja-JP"/>
+              <a:t>0000</a:t>
+            </a:r>
+            <a:r>
+              <a:rPr lang="ja-JP" altLang="en-US"/>
+              <a:t>　</a:t>
+            </a:r>
+            <a:r>
+              <a:rPr lang="en-US" altLang="ja-JP"/>
+              <a:t>|</a:t>
+            </a:r>
+            <a:r>
+              <a:rPr lang="ja-JP" altLang="en-US"/>
+              <a:t>　　</a:t>
+            </a:r>
+            <a:r>
+              <a:rPr lang="en-US" altLang="ja-JP"/>
+              <a:t>DDMMYY</a:t>
+            </a:r>
+            <a:endParaRPr lang="ja-JP" altLang="en-US" dirty="0"/>
+          </a:p>
+        </p:txBody>
+      </p:sp>
+      <p:sp>
+        <p:nvSpPr>
+          <p:cNvPr id="6" name="Slide Number Placeholder 5">
+            <a:extLst>
+              <a:ext uri="{FF2B5EF4-FFF2-40B4-BE49-F238E27FC236}">
+                <a16:creationId xmlns:a16="http://schemas.microsoft.com/office/drawing/2014/main" id="{0AE4AFB9-BD1A-4E38-A420-0EE1928B353B}"/>
+              </a:ext>
+            </a:extLst>
+          </p:cNvPr>
+          <p:cNvSpPr>
+            <a:spLocks noGrp="1"/>
+          </p:cNvSpPr>
+          <p:nvPr>
+            <p:ph type="sldNum" sz="quarter" idx="12"/>
+          </p:nvPr>
+        </p:nvSpPr>
+        <p:spPr/>
+        <p:txBody>
+          <a:bodyPr/>
+          <a:lstStyle/>
+          <a:p>
+            <a:fld id="{E9B57936-92EF-4126-AE48-1D9D36D15E98}" type="slidenum">
+              <a:rPr kumimoji="1" lang="ja-JP" altLang="en-US" smtClean="0"/>
+              <a:pPr/>
+              <a:t>28</a:t>
+            </a:fld>
+            <a:endParaRPr kumimoji="1" lang="ja-JP" altLang="en-US"/>
+          </a:p>
+        </p:txBody>
+      </p:sp>
+    </p:spTree>
+    <p:extLst>
+      <p:ext uri="{BB962C8B-B14F-4D97-AF65-F5344CB8AC3E}">
+        <p14:creationId xmlns:p14="http://schemas.microsoft.com/office/powerpoint/2010/main" val="752954333"/>
+      </p:ext>
+    </p:extLst>
+  </p:cSld>
+  <p:clrMapOvr>
+    <a:masterClrMapping/>
+  </p:clrMapOvr>
+</p:sld>
+</file>
+
+<file path=ppt/slides/slide3.xml><?xml version="1.0" encoding="utf-8"?>
+<p:sld xmlns:a="http://schemas.openxmlformats.org/drawingml/2006/main" xmlns:r="http://schemas.openxmlformats.org/officeDocument/2006/relationships" xmlns:p="http://schemas.openxmlformats.org/presentationml/2006/main">
+  <p:cSld>
+    <p:spTree>
+      <p:nvGrpSpPr>
+        <p:cNvPr id="1" name=""/>
+        <p:cNvGrpSpPr/>
+        <p:nvPr/>
+      </p:nvGrpSpPr>
+      <p:grpSpPr>
+        <a:xfrm>
+          <a:off x="0" y="0"/>
+          <a:ext cx="0" cy="0"/>
+          <a:chOff x="0" y="0"/>
+          <a:chExt cx="0" cy="0"/>
+        </a:xfrm>
+      </p:grpSpPr>
+      <p:sp>
+        <p:nvSpPr>
+          <p:cNvPr id="2" name="Title 1">
+            <a:extLst>
+              <a:ext uri="{FF2B5EF4-FFF2-40B4-BE49-F238E27FC236}">
+                <a16:creationId xmlns:a16="http://schemas.microsoft.com/office/drawing/2014/main" id="{17A8BB3D-2D35-4F66-AFB4-2A9AE7681862}"/>
+              </a:ext>
+            </a:extLst>
+          </p:cNvPr>
+          <p:cNvSpPr>
+            <a:spLocks noGrp="1"/>
+          </p:cNvSpPr>
+          <p:nvPr>
+            <p:ph type="title"/>
+          </p:nvPr>
+        </p:nvSpPr>
+        <p:spPr>
+          <a:xfrm>
+            <a:off x="2411760" y="1563638"/>
+            <a:ext cx="4608512" cy="1460158"/>
+          </a:xfrm>
+        </p:spPr>
+        <p:txBody>
+          <a:bodyPr/>
+          <a:lstStyle/>
+          <a:p>
+            <a:pPr algn="ctr"/>
+            <a:r>
+              <a:rPr lang="en-US" dirty="0"/>
+              <a:t>Background</a:t>
+            </a:r>
+          </a:p>
+        </p:txBody>
+      </p:sp>
+      <p:sp>
+        <p:nvSpPr>
+          <p:cNvPr id="3" name="Footer Placeholder 2">
+            <a:extLst>
+              <a:ext uri="{FF2B5EF4-FFF2-40B4-BE49-F238E27FC236}">
+                <a16:creationId xmlns:a16="http://schemas.microsoft.com/office/drawing/2014/main" id="{11862E8A-91FD-4C41-A192-DB3D27D88824}"/>
+              </a:ext>
+            </a:extLst>
+          </p:cNvPr>
+          <p:cNvSpPr>
+            <a:spLocks noGrp="1"/>
+          </p:cNvSpPr>
+          <p:nvPr>
+            <p:ph type="ftr" sz="quarter" idx="11"/>
+          </p:nvPr>
+        </p:nvSpPr>
+        <p:spPr/>
+        <p:txBody>
+          <a:bodyPr/>
+          <a:lstStyle/>
+          <a:p>
+            <a:r>
+              <a:rPr lang="ja-JP" altLang="en-US" dirty="0"/>
+              <a:t>｜</a:t>
+            </a:r>
+            <a:r>
+              <a:rPr lang="en-US" altLang="ja-JP" dirty="0"/>
+              <a:t>0000</a:t>
+            </a:r>
+            <a:r>
+              <a:rPr lang="ja-JP" altLang="en-US" dirty="0"/>
+              <a:t>　</a:t>
+            </a:r>
+            <a:r>
+              <a:rPr lang="en-US" altLang="ja-JP" dirty="0"/>
+              <a:t>|</a:t>
+            </a:r>
+            <a:r>
+              <a:rPr lang="ja-JP" altLang="en-US" dirty="0"/>
+              <a:t>　　</a:t>
+            </a:r>
+            <a:r>
+              <a:rPr lang="en-US" altLang="ja-JP" dirty="0"/>
+              <a:t> Aug 24</a:t>
+            </a:r>
+            <a:r>
+              <a:rPr lang="en-US" altLang="ja-JP" baseline="30000" dirty="0"/>
+              <a:t>th</a:t>
+            </a:r>
+            <a:r>
+              <a:rPr lang="en-US" altLang="ja-JP" dirty="0"/>
+              <a:t> 2018</a:t>
+            </a:r>
+            <a:endParaRPr lang="ja-JP" altLang="en-US" dirty="0"/>
+          </a:p>
+        </p:txBody>
+      </p:sp>
+      <p:sp>
+        <p:nvSpPr>
+          <p:cNvPr id="4" name="Slide Number Placeholder 3">
+            <a:extLst>
+              <a:ext uri="{FF2B5EF4-FFF2-40B4-BE49-F238E27FC236}">
+                <a16:creationId xmlns:a16="http://schemas.microsoft.com/office/drawing/2014/main" id="{9DA5ED20-07EE-4130-97A2-FC2FBDDF57B9}"/>
+              </a:ext>
+            </a:extLst>
+          </p:cNvPr>
+          <p:cNvSpPr>
+            <a:spLocks noGrp="1"/>
+          </p:cNvSpPr>
+          <p:nvPr>
+            <p:ph type="sldNum" sz="quarter" idx="12"/>
+          </p:nvPr>
+        </p:nvSpPr>
+        <p:spPr/>
+        <p:txBody>
+          <a:bodyPr/>
+          <a:lstStyle/>
+          <a:p>
+            <a:fld id="{E9B57936-92EF-4126-AE48-1D9D36D15E98}" type="slidenum">
+              <a:rPr kumimoji="1" lang="ja-JP" altLang="en-US" smtClean="0"/>
+              <a:pPr/>
+              <a:t>2</a:t>
+            </a:fld>
+            <a:endParaRPr kumimoji="1" lang="ja-JP" altLang="en-US"/>
+          </a:p>
+        </p:txBody>
+      </p:sp>
+    </p:spTree>
+    <p:extLst>
+      <p:ext uri="{BB962C8B-B14F-4D97-AF65-F5344CB8AC3E}">
+        <p14:creationId xmlns:p14="http://schemas.microsoft.com/office/powerpoint/2010/main" val="2222939239"/>
+      </p:ext>
+    </p:extLst>
+  </p:cSld>
+  <p:clrMapOvr>
+    <a:masterClrMapping/>
+  </p:clrMapOvr>
+</p:sld>
+</file>
+
+<file path=ppt/slides/slide30.xml><?xml version="1.0" encoding="utf-8"?>
+<p:sld xmlns:a="http://schemas.openxmlformats.org/drawingml/2006/main" xmlns:r="http://schemas.openxmlformats.org/officeDocument/2006/relationships" xmlns:p="http://schemas.openxmlformats.org/presentationml/2006/main">
+  <p:cSld>
+    <p:spTree>
+      <p:nvGrpSpPr>
+        <p:cNvPr id="1" name=""/>
+        <p:cNvGrpSpPr/>
+        <p:nvPr/>
+      </p:nvGrpSpPr>
+      <p:grpSpPr>
+        <a:xfrm>
+          <a:off x="0" y="0"/>
+          <a:ext cx="0" cy="0"/>
+          <a:chOff x="0" y="0"/>
+          <a:chExt cx="0" cy="0"/>
+        </a:xfrm>
+      </p:grpSpPr>
+      <p:sp>
+        <p:nvSpPr>
           <p:cNvPr id="2" name="Title 1"/>
           <p:cNvSpPr>
             <a:spLocks noGrp="1"/>
@@ -25020,41 +25411,12 @@
             <a:fld id="{E9B57936-92EF-4126-AE48-1D9D36D15E98}" type="slidenum">
               <a:rPr kumimoji="1" lang="ja-JP" altLang="en-US" smtClean="0"/>
               <a:pPr/>
-              <a:t>28</a:t>
+              <a:t>29</a:t>
             </a:fld>
             <a:endParaRPr kumimoji="1" lang="ja-JP" altLang="en-US" dirty="0"/>
           </a:p>
         </p:txBody>
       </p:sp>
-      <p:pic>
-        <p:nvPicPr>
-          <p:cNvPr id="7" name="Content Placeholder 6"/>
-          <p:cNvPicPr>
-            <a:picLocks noGrp="1" noChangeAspect="1"/>
-          </p:cNvPicPr>
-          <p:nvPr>
-            <p:ph idx="1"/>
-          </p:nvPr>
-        </p:nvPicPr>
-        <p:blipFill>
-          <a:blip r:embed="rId2">
-            <a:extLst>
-              <a:ext uri="{28A0092B-C50C-407E-A947-70E740481C1C}">
-                <a14:useLocalDpi xmlns:a14="http://schemas.microsoft.com/office/drawing/2010/main" val="0"/>
-              </a:ext>
-            </a:extLst>
-          </a:blip>
-          <a:stretch>
-            <a:fillRect/>
-          </a:stretch>
-        </p:blipFill>
-        <p:spPr>
-          <a:xfrm>
-            <a:off x="25971" y="843558"/>
-            <a:ext cx="8281987" cy="2366282"/>
-          </a:xfrm>
-        </p:spPr>
-      </p:pic>
       <mc:AlternateContent xmlns:mc="http://schemas.openxmlformats.org/markup-compatibility/2006" xmlns:a14="http://schemas.microsoft.com/office/drawing/2010/main">
         <mc:Choice Requires="a14">
           <p:sp>
@@ -25333,6 +25695,41 @@
           </p:sp>
         </mc:Fallback>
       </mc:AlternateContent>
+      <p:pic>
+        <p:nvPicPr>
+          <p:cNvPr id="16" name="Content Placeholder 15" descr="A screenshot of a cell phone&#10;&#10;Description generated with high confidence">
+            <a:extLst>
+              <a:ext uri="{FF2B5EF4-FFF2-40B4-BE49-F238E27FC236}">
+                <a16:creationId xmlns:a16="http://schemas.microsoft.com/office/drawing/2014/main" id="{20EE8CD7-C408-4E2C-852A-69C375C8F6C3}"/>
+              </a:ext>
+            </a:extLst>
+          </p:cNvPr>
+          <p:cNvPicPr>
+            <a:picLocks noGrp="1" noChangeAspect="1"/>
+          </p:cNvPicPr>
+          <p:nvPr>
+            <p:ph idx="1"/>
+          </p:nvPr>
+        </p:nvPicPr>
+        <p:blipFill>
+          <a:blip r:embed="rId4">
+            <a:extLst>
+              <a:ext uri="{28A0092B-C50C-407E-A947-70E740481C1C}">
+                <a14:useLocalDpi xmlns:a14="http://schemas.microsoft.com/office/drawing/2010/main" val="0"/>
+              </a:ext>
+            </a:extLst>
+          </a:blip>
+          <a:stretch>
+            <a:fillRect/>
+          </a:stretch>
+        </p:blipFill>
+        <p:spPr>
+          <a:xfrm>
+            <a:off x="1238250" y="954782"/>
+            <a:ext cx="6667500" cy="1905000"/>
+          </a:xfrm>
+        </p:spPr>
+      </p:pic>
       <p:sp>
         <p:nvSpPr>
           <p:cNvPr id="9" name="Rectangle 8">
@@ -25347,7 +25744,7 @@
         </p:nvSpPr>
         <p:spPr>
           <a:xfrm>
-            <a:off x="5123809" y="1550945"/>
+            <a:off x="5364088" y="1432580"/>
             <a:ext cx="558961" cy="216024"/>
           </a:xfrm>
           <a:prstGeom prst="rect">
@@ -25380,6 +25777,53 @@
           </a:p>
         </p:txBody>
       </p:sp>
+      <p:sp>
+        <p:nvSpPr>
+          <p:cNvPr id="12" name="Rectangle 11">
+            <a:extLst>
+              <a:ext uri="{FF2B5EF4-FFF2-40B4-BE49-F238E27FC236}">
+                <a16:creationId xmlns:a16="http://schemas.microsoft.com/office/drawing/2014/main" id="{A2F9BE81-41C9-43E8-A213-03CBFB48583A}"/>
+              </a:ext>
+            </a:extLst>
+          </p:cNvPr>
+          <p:cNvSpPr/>
+          <p:nvPr/>
+        </p:nvSpPr>
+        <p:spPr>
+          <a:xfrm>
+            <a:off x="6624362" y="1432580"/>
+            <a:ext cx="558961" cy="216024"/>
+          </a:xfrm>
+          <a:prstGeom prst="rect">
+            <a:avLst/>
+          </a:prstGeom>
+          <a:noFill/>
+        </p:spPr>
+        <p:style>
+          <a:lnRef idx="2">
+            <a:schemeClr val="accent1">
+              <a:shade val="50000"/>
+            </a:schemeClr>
+          </a:lnRef>
+          <a:fillRef idx="1">
+            <a:schemeClr val="accent1"/>
+          </a:fillRef>
+          <a:effectRef idx="0">
+            <a:schemeClr val="accent1"/>
+          </a:effectRef>
+          <a:fontRef idx="minor">
+            <a:schemeClr val="lt1"/>
+          </a:fontRef>
+        </p:style>
+        <p:txBody>
+          <a:bodyPr rtlCol="0" anchor="ctr"/>
+          <a:lstStyle/>
+          <a:p>
+            <a:pPr algn="ctr"/>
+            <a:endParaRPr lang="en-US"/>
+          </a:p>
+        </p:txBody>
+      </p:sp>
     </p:spTree>
     <p:extLst>
       <p:ext uri="{BB962C8B-B14F-4D97-AF65-F5344CB8AC3E}">
@@ -25393,158 +25837,7 @@
 </p:sld>
 </file>
 
-<file path=ppt/slides/slide3.xml><?xml version="1.0" encoding="utf-8"?>
-<p:sld xmlns:a="http://schemas.openxmlformats.org/drawingml/2006/main" xmlns:r="http://schemas.openxmlformats.org/officeDocument/2006/relationships" xmlns:p="http://schemas.openxmlformats.org/presentationml/2006/main">
-  <p:cSld>
-    <p:spTree>
-      <p:nvGrpSpPr>
-        <p:cNvPr id="1" name=""/>
-        <p:cNvGrpSpPr/>
-        <p:nvPr/>
-      </p:nvGrpSpPr>
-      <p:grpSpPr>
-        <a:xfrm>
-          <a:off x="0" y="0"/>
-          <a:ext cx="0" cy="0"/>
-          <a:chOff x="0" y="0"/>
-          <a:chExt cx="0" cy="0"/>
-        </a:xfrm>
-      </p:grpSpPr>
-      <p:sp>
-        <p:nvSpPr>
-          <p:cNvPr id="2" name="Title 1">
-            <a:extLst>
-              <a:ext uri="{FF2B5EF4-FFF2-40B4-BE49-F238E27FC236}">
-                <a16:creationId xmlns:a16="http://schemas.microsoft.com/office/drawing/2014/main" id="{17A8BB3D-2D35-4F66-AFB4-2A9AE7681862}"/>
-              </a:ext>
-            </a:extLst>
-          </p:cNvPr>
-          <p:cNvSpPr>
-            <a:spLocks noGrp="1"/>
-          </p:cNvSpPr>
-          <p:nvPr>
-            <p:ph type="title"/>
-          </p:nvPr>
-        </p:nvSpPr>
-        <p:spPr>
-          <a:xfrm>
-            <a:off x="2411760" y="1563638"/>
-            <a:ext cx="4608512" cy="1460158"/>
-          </a:xfrm>
-        </p:spPr>
-        <p:txBody>
-          <a:bodyPr/>
-          <a:lstStyle/>
-          <a:p>
-            <a:pPr algn="ctr"/>
-            <a:r>
-              <a:rPr lang="en-US" dirty="0"/>
-              <a:t>Background</a:t>
-            </a:r>
-          </a:p>
-        </p:txBody>
-      </p:sp>
-      <p:sp>
-        <p:nvSpPr>
-          <p:cNvPr id="3" name="Footer Placeholder 2">
-            <a:extLst>
-              <a:ext uri="{FF2B5EF4-FFF2-40B4-BE49-F238E27FC236}">
-                <a16:creationId xmlns:a16="http://schemas.microsoft.com/office/drawing/2014/main" id="{11862E8A-91FD-4C41-A192-DB3D27D88824}"/>
-              </a:ext>
-            </a:extLst>
-          </p:cNvPr>
-          <p:cNvSpPr>
-            <a:spLocks noGrp="1"/>
-          </p:cNvSpPr>
-          <p:nvPr>
-            <p:ph type="ftr" sz="quarter" idx="11"/>
-          </p:nvPr>
-        </p:nvSpPr>
-        <p:spPr/>
-        <p:txBody>
-          <a:bodyPr/>
-          <a:lstStyle/>
-          <a:p>
-            <a:r>
-              <a:rPr lang="ja-JP" altLang="en-US" dirty="0"/>
-              <a:t>｜</a:t>
-            </a:r>
-            <a:r>
-              <a:rPr lang="en-US" altLang="ja-JP" dirty="0"/>
-              <a:t>0000</a:t>
-            </a:r>
-            <a:r>
-              <a:rPr lang="ja-JP" altLang="en-US" dirty="0"/>
-              <a:t>　</a:t>
-            </a:r>
-            <a:r>
-              <a:rPr lang="en-US" altLang="ja-JP" dirty="0"/>
-              <a:t>|</a:t>
-            </a:r>
-            <a:r>
-              <a:rPr lang="ja-JP" altLang="en-US" dirty="0"/>
-              <a:t>　　</a:t>
-            </a:r>
-            <a:r>
-              <a:rPr lang="en-US" altLang="ja-JP" dirty="0"/>
-              <a:t> Aug 24</a:t>
-            </a:r>
-            <a:r>
-              <a:rPr lang="en-US" altLang="ja-JP" baseline="30000" dirty="0"/>
-              <a:t>th</a:t>
-            </a:r>
-            <a:r>
-              <a:rPr lang="en-US" altLang="ja-JP" dirty="0"/>
-              <a:t> 2018</a:t>
-            </a:r>
-            <a:endParaRPr lang="ja-JP" altLang="en-US" dirty="0"/>
-          </a:p>
-        </p:txBody>
-      </p:sp>
-      <p:sp>
-        <p:nvSpPr>
-          <p:cNvPr id="4" name="Slide Number Placeholder 3">
-            <a:extLst>
-              <a:ext uri="{FF2B5EF4-FFF2-40B4-BE49-F238E27FC236}">
-                <a16:creationId xmlns:a16="http://schemas.microsoft.com/office/drawing/2014/main" id="{9DA5ED20-07EE-4130-97A2-FC2FBDDF57B9}"/>
-              </a:ext>
-            </a:extLst>
-          </p:cNvPr>
-          <p:cNvSpPr>
-            <a:spLocks noGrp="1"/>
-          </p:cNvSpPr>
-          <p:nvPr>
-            <p:ph type="sldNum" sz="quarter" idx="12"/>
-          </p:nvPr>
-        </p:nvSpPr>
-        <p:spPr/>
-        <p:txBody>
-          <a:bodyPr/>
-          <a:lstStyle/>
-          <a:p>
-            <a:fld id="{E9B57936-92EF-4126-AE48-1D9D36D15E98}" type="slidenum">
-              <a:rPr kumimoji="1" lang="ja-JP" altLang="en-US" smtClean="0"/>
-              <a:pPr/>
-              <a:t>2</a:t>
-            </a:fld>
-            <a:endParaRPr kumimoji="1" lang="ja-JP" altLang="en-US"/>
-          </a:p>
-        </p:txBody>
-      </p:sp>
-    </p:spTree>
-    <p:extLst>
-      <p:ext uri="{BB962C8B-B14F-4D97-AF65-F5344CB8AC3E}">
-        <p14:creationId xmlns:p14="http://schemas.microsoft.com/office/powerpoint/2010/main" val="2222939239"/>
-      </p:ext>
-    </p:extLst>
-  </p:cSld>
-  <p:clrMapOvr>
-    <a:masterClrMapping/>
-  </p:clrMapOvr>
-</p:sld>
-</file>
-
-<file path=ppt/slides/slide30.xml><?xml version="1.0" encoding="utf-8"?>
+<file path=ppt/slides/slide31.xml><?xml version="1.0" encoding="utf-8"?>
 <p:sld xmlns:a="http://schemas.openxmlformats.org/drawingml/2006/main" xmlns:r="http://schemas.openxmlformats.org/officeDocument/2006/relationships" xmlns:p="http://schemas.openxmlformats.org/presentationml/2006/main">
   <p:cSld>
     <p:spTree>
@@ -25652,7 +25945,7 @@
             <a:fld id="{E9B57936-92EF-4126-AE48-1D9D36D15E98}" type="slidenum">
               <a:rPr kumimoji="1" lang="ja-JP" altLang="en-US" smtClean="0"/>
               <a:pPr/>
-              <a:t>29</a:t>
+              <a:t>30</a:t>
             </a:fld>
             <a:endParaRPr kumimoji="1" lang="ja-JP" altLang="en-US" dirty="0"/>
           </a:p>
@@ -25938,7 +26231,13 @@
       </mc:AlternateContent>
       <p:pic>
         <p:nvPicPr>
-          <p:cNvPr id="8" name="Content Placeholder 7"/>
+          <p:cNvPr id="12" name="Content Placeholder 11" descr="A screenshot of a cell phone&#10;&#10;Description generated with high confidence">
+            <a:extLst>
+              <a:ext uri="{FF2B5EF4-FFF2-40B4-BE49-F238E27FC236}">
+                <a16:creationId xmlns:a16="http://schemas.microsoft.com/office/drawing/2014/main" id="{ABE72F08-BA0C-4858-824F-9B9AAC950AC1}"/>
+              </a:ext>
+            </a:extLst>
+          </p:cNvPr>
           <p:cNvPicPr>
             <a:picLocks noGrp="1" noChangeAspect="1"/>
           </p:cNvPicPr>
@@ -25960,8 +26259,8 @@
         </p:blipFill>
         <p:spPr>
           <a:xfrm>
-            <a:off x="25971" y="843558"/>
-            <a:ext cx="8281987" cy="2366282"/>
+            <a:off x="985837" y="954782"/>
+            <a:ext cx="6667500" cy="1905000"/>
           </a:xfrm>
         </p:spPr>
       </p:pic>
@@ -25973,7 +26272,7 @@
         </p:nvSpPr>
         <p:spPr>
           <a:xfrm>
-            <a:off x="5123809" y="1550945"/>
+            <a:off x="5126687" y="1432580"/>
             <a:ext cx="558961" cy="216024"/>
           </a:xfrm>
           <a:prstGeom prst="rect">
@@ -26014,7 +26313,7 @@
         </p:nvSpPr>
         <p:spPr>
           <a:xfrm>
-            <a:off x="5123809" y="2283718"/>
+            <a:off x="5126687" y="1974903"/>
             <a:ext cx="558961" cy="216024"/>
           </a:xfrm>
           <a:prstGeom prst="rect">
@@ -26047,6 +26346,100 @@
           </a:p>
         </p:txBody>
       </p:sp>
+      <p:sp>
+        <p:nvSpPr>
+          <p:cNvPr id="13" name="Rectangle 12">
+            <a:extLst>
+              <a:ext uri="{FF2B5EF4-FFF2-40B4-BE49-F238E27FC236}">
+                <a16:creationId xmlns:a16="http://schemas.microsoft.com/office/drawing/2014/main" id="{8114FE8F-961E-4C29-B2CD-1844293990B9}"/>
+              </a:ext>
+            </a:extLst>
+          </p:cNvPr>
+          <p:cNvSpPr/>
+          <p:nvPr/>
+        </p:nvSpPr>
+        <p:spPr>
+          <a:xfrm>
+            <a:off x="6361292" y="1410820"/>
+            <a:ext cx="558961" cy="216024"/>
+          </a:xfrm>
+          <a:prstGeom prst="rect">
+            <a:avLst/>
+          </a:prstGeom>
+          <a:noFill/>
+        </p:spPr>
+        <p:style>
+          <a:lnRef idx="2">
+            <a:schemeClr val="accent1">
+              <a:shade val="50000"/>
+            </a:schemeClr>
+          </a:lnRef>
+          <a:fillRef idx="1">
+            <a:schemeClr val="accent1"/>
+          </a:fillRef>
+          <a:effectRef idx="0">
+            <a:schemeClr val="accent1"/>
+          </a:effectRef>
+          <a:fontRef idx="minor">
+            <a:schemeClr val="lt1"/>
+          </a:fontRef>
+        </p:style>
+        <p:txBody>
+          <a:bodyPr rtlCol="0" anchor="ctr"/>
+          <a:lstStyle/>
+          <a:p>
+            <a:pPr algn="ctr"/>
+            <a:endParaRPr lang="en-US"/>
+          </a:p>
+        </p:txBody>
+      </p:sp>
+      <p:sp>
+        <p:nvSpPr>
+          <p:cNvPr id="14" name="Rectangle 13">
+            <a:extLst>
+              <a:ext uri="{FF2B5EF4-FFF2-40B4-BE49-F238E27FC236}">
+                <a16:creationId xmlns:a16="http://schemas.microsoft.com/office/drawing/2014/main" id="{1FE0BEFA-FE06-4EE0-AD96-860556373828}"/>
+              </a:ext>
+            </a:extLst>
+          </p:cNvPr>
+          <p:cNvSpPr/>
+          <p:nvPr/>
+        </p:nvSpPr>
+        <p:spPr>
+          <a:xfrm>
+            <a:off x="6361292" y="1999257"/>
+            <a:ext cx="558961" cy="216024"/>
+          </a:xfrm>
+          <a:prstGeom prst="rect">
+            <a:avLst/>
+          </a:prstGeom>
+          <a:noFill/>
+        </p:spPr>
+        <p:style>
+          <a:lnRef idx="2">
+            <a:schemeClr val="accent1">
+              <a:shade val="50000"/>
+            </a:schemeClr>
+          </a:lnRef>
+          <a:fillRef idx="1">
+            <a:schemeClr val="accent1"/>
+          </a:fillRef>
+          <a:effectRef idx="0">
+            <a:schemeClr val="accent1"/>
+          </a:effectRef>
+          <a:fontRef idx="minor">
+            <a:schemeClr val="lt1"/>
+          </a:fontRef>
+        </p:style>
+        <p:txBody>
+          <a:bodyPr rtlCol="0" anchor="ctr"/>
+          <a:lstStyle/>
+          <a:p>
+            <a:pPr algn="ctr"/>
+            <a:endParaRPr lang="en-US"/>
+          </a:p>
+        </p:txBody>
+      </p:sp>
     </p:spTree>
     <p:extLst>
       <p:ext uri="{BB962C8B-B14F-4D97-AF65-F5344CB8AC3E}">
@@ -26060,7 +26453,7 @@
 </p:sld>
 </file>
 
-<file path=ppt/slides/slide31.xml><?xml version="1.0" encoding="utf-8"?>
+<file path=ppt/slides/slide32.xml><?xml version="1.0" encoding="utf-8"?>
 <p:sld xmlns:a="http://schemas.openxmlformats.org/drawingml/2006/main" xmlns:r="http://schemas.openxmlformats.org/officeDocument/2006/relationships" xmlns:p="http://schemas.openxmlformats.org/presentationml/2006/main">
   <p:cSld>
     <p:spTree>
@@ -26168,7 +26561,7 @@
             <a:fld id="{E9B57936-92EF-4126-AE48-1D9D36D15E98}" type="slidenum">
               <a:rPr kumimoji="1" lang="ja-JP" altLang="en-US" smtClean="0"/>
               <a:pPr/>
-              <a:t>30</a:t>
+              <a:t>31</a:t>
             </a:fld>
             <a:endParaRPr kumimoji="1" lang="ja-JP" altLang="en-US" dirty="0"/>
           </a:p>
@@ -26454,7 +26847,13 @@
       </mc:AlternateContent>
       <p:pic>
         <p:nvPicPr>
-          <p:cNvPr id="8" name="Content Placeholder 7"/>
+          <p:cNvPr id="12" name="Content Placeholder 11" descr="A screenshot of a cell phone&#10;&#10;Description generated with high confidence">
+            <a:extLst>
+              <a:ext uri="{FF2B5EF4-FFF2-40B4-BE49-F238E27FC236}">
+                <a16:creationId xmlns:a16="http://schemas.microsoft.com/office/drawing/2014/main" id="{96F410D4-5F8C-45CF-8B2F-77A3B41C2060}"/>
+              </a:ext>
+            </a:extLst>
+          </p:cNvPr>
           <p:cNvPicPr>
             <a:picLocks noGrp="1" noChangeAspect="1"/>
           </p:cNvPicPr>
@@ -26476,8 +26875,8 @@
         </p:blipFill>
         <p:spPr>
           <a:xfrm>
-            <a:off x="25971" y="843558"/>
-            <a:ext cx="8281987" cy="2366282"/>
+            <a:off x="827584" y="1013809"/>
+            <a:ext cx="6667500" cy="1905000"/>
           </a:xfrm>
         </p:spPr>
       </p:pic>
@@ -26489,7 +26888,7 @@
         </p:nvSpPr>
         <p:spPr>
           <a:xfrm>
-            <a:off x="5148064" y="1527634"/>
+            <a:off x="4932040" y="1486561"/>
             <a:ext cx="558961" cy="216024"/>
           </a:xfrm>
           <a:prstGeom prst="rect">
@@ -26530,7 +26929,7 @@
         </p:nvSpPr>
         <p:spPr>
           <a:xfrm>
-            <a:off x="5099097" y="2261972"/>
+            <a:off x="6213562" y="1451991"/>
             <a:ext cx="558961" cy="216024"/>
           </a:xfrm>
           <a:prstGeom prst="rect">
@@ -26567,239 +26966,6 @@
     <p:extLst>
       <p:ext uri="{BB962C8B-B14F-4D97-AF65-F5344CB8AC3E}">
         <p14:creationId xmlns:p14="http://schemas.microsoft.com/office/powerpoint/2010/main" val="1975738470"/>
-      </p:ext>
-    </p:extLst>
-  </p:cSld>
-  <p:clrMapOvr>
-    <a:masterClrMapping/>
-  </p:clrMapOvr>
-</p:sld>
-</file>
-
-<file path=ppt/slides/slide32.xml><?xml version="1.0" encoding="utf-8"?>
-<p:sld xmlns:a="http://schemas.openxmlformats.org/drawingml/2006/main" xmlns:r="http://schemas.openxmlformats.org/officeDocument/2006/relationships" xmlns:p="http://schemas.openxmlformats.org/presentationml/2006/main">
-  <p:cSld>
-    <p:spTree>
-      <p:nvGrpSpPr>
-        <p:cNvPr id="1" name=""/>
-        <p:cNvGrpSpPr/>
-        <p:nvPr/>
-      </p:nvGrpSpPr>
-      <p:grpSpPr>
-        <a:xfrm>
-          <a:off x="0" y="0"/>
-          <a:ext cx="0" cy="0"/>
-          <a:chOff x="0" y="0"/>
-          <a:chExt cx="0" cy="0"/>
-        </a:xfrm>
-      </p:grpSpPr>
-      <p:sp>
-        <p:nvSpPr>
-          <p:cNvPr id="2" name="Title 1"/>
-          <p:cNvSpPr>
-            <a:spLocks noGrp="1"/>
-          </p:cNvSpPr>
-          <p:nvPr>
-            <p:ph type="title"/>
-          </p:nvPr>
-        </p:nvSpPr>
-        <p:spPr/>
-        <p:txBody>
-          <a:bodyPr/>
-          <a:lstStyle/>
-          <a:p>
-            <a:r>
-              <a:rPr lang="en-US" sz="1800" dirty="0"/>
-              <a:t>Distributions of TPR on Predictive Biomarkers Across All Simulations</a:t>
-            </a:r>
-          </a:p>
-        </p:txBody>
-      </p:sp>
-      <p:sp>
-        <p:nvSpPr>
-          <p:cNvPr id="3" name="Text Placeholder 2"/>
-          <p:cNvSpPr>
-            <a:spLocks noGrp="1"/>
-          </p:cNvSpPr>
-          <p:nvPr>
-            <p:ph type="body" idx="1"/>
-          </p:nvPr>
-        </p:nvSpPr>
-        <p:spPr/>
-        <p:txBody>
-          <a:bodyPr>
-            <a:normAutofit lnSpcReduction="10000"/>
-          </a:bodyPr>
-          <a:lstStyle/>
-          <a:p>
-            <a:r>
-              <a:rPr lang="en-US" dirty="0"/>
-              <a:t>Proportion=5%</a:t>
-            </a:r>
-          </a:p>
-        </p:txBody>
-      </p:sp>
-      <p:sp>
-        <p:nvSpPr>
-          <p:cNvPr id="5" name="Text Placeholder 4"/>
-          <p:cNvSpPr>
-            <a:spLocks noGrp="1"/>
-          </p:cNvSpPr>
-          <p:nvPr>
-            <p:ph type="body" sz="quarter" idx="3"/>
-          </p:nvPr>
-        </p:nvSpPr>
-        <p:spPr/>
-        <p:txBody>
-          <a:bodyPr>
-            <a:normAutofit lnSpcReduction="10000"/>
-          </a:bodyPr>
-          <a:lstStyle/>
-          <a:p>
-            <a:r>
-              <a:rPr lang="en-US" dirty="0"/>
-              <a:t>Proportion=10%</a:t>
-            </a:r>
-          </a:p>
-        </p:txBody>
-      </p:sp>
-      <p:sp>
-        <p:nvSpPr>
-          <p:cNvPr id="7" name="Footer Placeholder 6"/>
-          <p:cNvSpPr>
-            <a:spLocks noGrp="1"/>
-          </p:cNvSpPr>
-          <p:nvPr>
-            <p:ph type="ftr" sz="quarter" idx="11"/>
-          </p:nvPr>
-        </p:nvSpPr>
-        <p:spPr/>
-        <p:txBody>
-          <a:bodyPr/>
-          <a:lstStyle/>
-          <a:p>
-            <a:r>
-              <a:rPr lang="ja-JP" altLang="en-US" dirty="0"/>
-              <a:t>｜</a:t>
-            </a:r>
-            <a:r>
-              <a:rPr lang="en-US" altLang="ja-JP" dirty="0"/>
-              <a:t>0000</a:t>
-            </a:r>
-            <a:r>
-              <a:rPr lang="ja-JP" altLang="en-US" dirty="0"/>
-              <a:t>　</a:t>
-            </a:r>
-            <a:r>
-              <a:rPr lang="en-US" altLang="ja-JP" dirty="0"/>
-              <a:t>|</a:t>
-            </a:r>
-            <a:r>
-              <a:rPr lang="ja-JP" altLang="en-US" dirty="0"/>
-              <a:t>　　</a:t>
-            </a:r>
-            <a:r>
-              <a:rPr lang="en-US" altLang="ja-JP" dirty="0"/>
-              <a:t> Aug 24</a:t>
-            </a:r>
-            <a:r>
-              <a:rPr lang="en-US" altLang="ja-JP" baseline="30000" dirty="0"/>
-              <a:t>th</a:t>
-            </a:r>
-            <a:r>
-              <a:rPr lang="en-US" altLang="ja-JP" dirty="0"/>
-              <a:t> 2018</a:t>
-            </a:r>
-            <a:endParaRPr lang="ja-JP" altLang="en-US" dirty="0"/>
-          </a:p>
-        </p:txBody>
-      </p:sp>
-      <p:sp>
-        <p:nvSpPr>
-          <p:cNvPr id="8" name="Slide Number Placeholder 7"/>
-          <p:cNvSpPr>
-            <a:spLocks noGrp="1"/>
-          </p:cNvSpPr>
-          <p:nvPr>
-            <p:ph type="sldNum" sz="quarter" idx="12"/>
-          </p:nvPr>
-        </p:nvSpPr>
-        <p:spPr/>
-        <p:txBody>
-          <a:bodyPr/>
-          <a:lstStyle/>
-          <a:p>
-            <a:fld id="{E9B57936-92EF-4126-AE48-1D9D36D15E98}" type="slidenum">
-              <a:rPr kumimoji="1" lang="ja-JP" altLang="en-US" smtClean="0"/>
-              <a:pPr/>
-              <a:t>31</a:t>
-            </a:fld>
-            <a:endParaRPr kumimoji="1" lang="ja-JP" altLang="en-US" dirty="0"/>
-          </a:p>
-        </p:txBody>
-      </p:sp>
-      <p:pic>
-        <p:nvPicPr>
-          <p:cNvPr id="14" name="Content Placeholder 13"/>
-          <p:cNvPicPr>
-            <a:picLocks noGrp="1" noChangeAspect="1"/>
-          </p:cNvPicPr>
-          <p:nvPr>
-            <p:ph sz="half" idx="2"/>
-          </p:nvPr>
-        </p:nvPicPr>
-        <p:blipFill>
-          <a:blip r:embed="rId2" cstate="print">
-            <a:extLst>
-              <a:ext uri="{28A0092B-C50C-407E-A947-70E740481C1C}">
-                <a14:useLocalDpi xmlns:a14="http://schemas.microsoft.com/office/drawing/2010/main" val="0"/>
-              </a:ext>
-            </a:extLst>
-          </a:blip>
-          <a:stretch>
-            <a:fillRect/>
-          </a:stretch>
-        </p:blipFill>
-        <p:spPr>
-          <a:xfrm>
-            <a:off x="729926" y="1403350"/>
-            <a:ext cx="3442349" cy="2963863"/>
-          </a:xfrm>
-        </p:spPr>
-      </p:pic>
-      <p:pic>
-        <p:nvPicPr>
-          <p:cNvPr id="16" name="Content Placeholder 15"/>
-          <p:cNvPicPr>
-            <a:picLocks noGrp="1" noChangeAspect="1"/>
-          </p:cNvPicPr>
-          <p:nvPr>
-            <p:ph sz="quarter" idx="4"/>
-          </p:nvPr>
-        </p:nvPicPr>
-        <p:blipFill>
-          <a:blip r:embed="rId3" cstate="print">
-            <a:extLst>
-              <a:ext uri="{28A0092B-C50C-407E-A947-70E740481C1C}">
-                <a14:useLocalDpi xmlns:a14="http://schemas.microsoft.com/office/drawing/2010/main" val="0"/>
-              </a:ext>
-            </a:extLst>
-          </a:blip>
-          <a:stretch>
-            <a:fillRect/>
-          </a:stretch>
-        </p:blipFill>
-        <p:spPr>
-          <a:xfrm>
-            <a:off x="4944738" y="1403350"/>
-            <a:ext cx="3442349" cy="2963863"/>
-          </a:xfrm>
-        </p:spPr>
-      </p:pic>
-    </p:spTree>
-    <p:extLst>
-      <p:ext uri="{BB962C8B-B14F-4D97-AF65-F5344CB8AC3E}">
-        <p14:creationId xmlns:p14="http://schemas.microsoft.com/office/powerpoint/2010/main" val="1982208296"/>
       </p:ext>
     </p:extLst>
   </p:cSld>
@@ -26828,7 +26994,13 @@
       </p:grpSpPr>
       <p:sp>
         <p:nvSpPr>
-          <p:cNvPr id="2" name="Title 1"/>
+          <p:cNvPr id="2" name="Title 1">
+            <a:extLst>
+              <a:ext uri="{FF2B5EF4-FFF2-40B4-BE49-F238E27FC236}">
+                <a16:creationId xmlns:a16="http://schemas.microsoft.com/office/drawing/2014/main" id="{19E28F1D-2CEE-4D0C-9C12-79C3E322FCCF}"/>
+              </a:ext>
+            </a:extLst>
+          </p:cNvPr>
           <p:cNvSpPr>
             <a:spLocks noGrp="1"/>
           </p:cNvSpPr>
@@ -26841,148 +27013,28 @@
           <a:bodyPr/>
           <a:lstStyle/>
           <a:p>
-            <a:r>
-              <a:rPr lang="en-US" sz="1800" dirty="0"/>
-              <a:t>Distributions of TPR on Predictive Biomarkers Across All Simulations</a:t>
-            </a:r>
-          </a:p>
-        </p:txBody>
-      </p:sp>
-      <p:sp>
-        <p:nvSpPr>
-          <p:cNvPr id="3" name="Text Placeholder 2"/>
-          <p:cNvSpPr>
-            <a:spLocks noGrp="1"/>
-          </p:cNvSpPr>
-          <p:nvPr>
-            <p:ph type="body" idx="1"/>
-          </p:nvPr>
-        </p:nvSpPr>
-        <p:spPr/>
-        <p:txBody>
-          <a:bodyPr>
-            <a:normAutofit lnSpcReduction="10000"/>
-          </a:bodyPr>
-          <a:lstStyle/>
-          <a:p>
-            <a:r>
-              <a:rPr lang="en-US" dirty="0"/>
-              <a:t>Proportion=15%</a:t>
-            </a:r>
-          </a:p>
-        </p:txBody>
-      </p:sp>
-      <p:sp>
-        <p:nvSpPr>
-          <p:cNvPr id="5" name="Text Placeholder 4"/>
-          <p:cNvSpPr>
-            <a:spLocks noGrp="1"/>
-          </p:cNvSpPr>
-          <p:nvPr>
-            <p:ph type="body" sz="quarter" idx="3"/>
-          </p:nvPr>
-        </p:nvSpPr>
-        <p:spPr/>
-        <p:txBody>
-          <a:bodyPr>
-            <a:normAutofit lnSpcReduction="10000"/>
-          </a:bodyPr>
-          <a:lstStyle/>
-          <a:p>
-            <a:r>
-              <a:rPr lang="en-US" dirty="0"/>
-              <a:t>Proportion=20%</a:t>
-            </a:r>
-          </a:p>
-        </p:txBody>
-      </p:sp>
-      <p:sp>
-        <p:nvSpPr>
-          <p:cNvPr id="7" name="Footer Placeholder 6"/>
-          <p:cNvSpPr>
-            <a:spLocks noGrp="1"/>
-          </p:cNvSpPr>
-          <p:nvPr>
-            <p:ph type="ftr" sz="quarter" idx="11"/>
-          </p:nvPr>
-        </p:nvSpPr>
-        <p:spPr/>
-        <p:txBody>
-          <a:bodyPr/>
-          <a:lstStyle/>
-          <a:p>
-            <a:r>
-              <a:rPr lang="ja-JP" altLang="en-US" dirty="0"/>
-              <a:t>｜</a:t>
-            </a:r>
-            <a:r>
-              <a:rPr lang="en-US" altLang="ja-JP" dirty="0"/>
-              <a:t>0000</a:t>
-            </a:r>
-            <a:r>
-              <a:rPr lang="ja-JP" altLang="en-US" dirty="0"/>
-              <a:t>　</a:t>
-            </a:r>
-            <a:r>
-              <a:rPr lang="en-US" altLang="ja-JP" dirty="0"/>
-              <a:t>|</a:t>
-            </a:r>
-            <a:r>
-              <a:rPr lang="ja-JP" altLang="en-US" dirty="0"/>
-              <a:t>　　</a:t>
-            </a:r>
-            <a:r>
-              <a:rPr lang="en-US" altLang="ja-JP" dirty="0"/>
-              <a:t> Aug 24</a:t>
-            </a:r>
-            <a:r>
-              <a:rPr lang="en-US" altLang="ja-JP" baseline="30000" dirty="0"/>
-              <a:t>th</a:t>
-            </a:r>
-            <a:r>
-              <a:rPr lang="en-US" altLang="ja-JP" dirty="0"/>
-              <a:t> 2018</a:t>
-            </a:r>
-            <a:endParaRPr lang="ja-JP" altLang="en-US" dirty="0"/>
-          </a:p>
-        </p:txBody>
-      </p:sp>
-      <p:sp>
-        <p:nvSpPr>
-          <p:cNvPr id="8" name="Slide Number Placeholder 7"/>
-          <p:cNvSpPr>
-            <a:spLocks noGrp="1"/>
-          </p:cNvSpPr>
-          <p:nvPr>
-            <p:ph type="sldNum" sz="quarter" idx="12"/>
-          </p:nvPr>
-        </p:nvSpPr>
-        <p:spPr/>
-        <p:txBody>
-          <a:bodyPr/>
-          <a:lstStyle/>
-          <a:p>
-            <a:fld id="{E9B57936-92EF-4126-AE48-1D9D36D15E98}" type="slidenum">
-              <a:rPr kumimoji="1" lang="ja-JP" altLang="en-US" smtClean="0"/>
-              <a:pPr/>
-              <a:t>32</a:t>
-            </a:fld>
-            <a:endParaRPr kumimoji="1" lang="ja-JP" altLang="en-US" dirty="0"/>
+            <a:endParaRPr lang="en-US"/>
           </a:p>
         </p:txBody>
       </p:sp>
       <p:pic>
         <p:nvPicPr>
-          <p:cNvPr id="6" name="Content Placeholder 5"/>
+          <p:cNvPr id="8" name="Content Placeholder 7" descr="A screenshot of a cell phone&#10;&#10;Description generated with very high confidence">
+            <a:extLst>
+              <a:ext uri="{FF2B5EF4-FFF2-40B4-BE49-F238E27FC236}">
+                <a16:creationId xmlns:a16="http://schemas.microsoft.com/office/drawing/2014/main" id="{9A44CDE9-09AB-484E-BF7C-C11E35A2F3C4}"/>
+              </a:ext>
+            </a:extLst>
+          </p:cNvPr>
           <p:cNvPicPr>
             <a:picLocks noGrp="1" noChangeAspect="1"/>
           </p:cNvPicPr>
           <p:nvPr>
-            <p:ph sz="half" idx="2"/>
+            <p:ph sz="half" idx="1"/>
           </p:nvPr>
         </p:nvPicPr>
         <p:blipFill>
-          <a:blip r:embed="rId2" cstate="print">
+          <a:blip r:embed="rId2">
             <a:extLst>
               <a:ext uri="{28A0092B-C50C-407E-A947-70E740481C1C}">
                 <a14:useLocalDpi xmlns:a14="http://schemas.microsoft.com/office/drawing/2010/main" val="0"/>
@@ -26995,23 +27047,29 @@
         </p:blipFill>
         <p:spPr>
           <a:xfrm>
-            <a:off x="729926" y="1403350"/>
-            <a:ext cx="3442349" cy="2963863"/>
+            <a:off x="480726" y="1200150"/>
+            <a:ext cx="3939161" cy="3394075"/>
           </a:xfrm>
         </p:spPr>
       </p:pic>
       <p:pic>
         <p:nvPicPr>
-          <p:cNvPr id="11" name="Content Placeholder 10"/>
+          <p:cNvPr id="10" name="Content Placeholder 9" descr="A screenshot of a cell phone&#10;&#10;Description generated with very high confidence">
+            <a:extLst>
+              <a:ext uri="{FF2B5EF4-FFF2-40B4-BE49-F238E27FC236}">
+                <a16:creationId xmlns:a16="http://schemas.microsoft.com/office/drawing/2014/main" id="{2B233C52-ECE6-43A8-80A4-1203621CFB3A}"/>
+              </a:ext>
+            </a:extLst>
+          </p:cNvPr>
           <p:cNvPicPr>
             <a:picLocks noGrp="1" noChangeAspect="1"/>
           </p:cNvPicPr>
           <p:nvPr>
-            <p:ph sz="quarter" idx="4"/>
+            <p:ph sz="half" idx="2"/>
           </p:nvPr>
         </p:nvPicPr>
         <p:blipFill>
-          <a:blip r:embed="rId3" cstate="print">
+          <a:blip r:embed="rId3">
             <a:extLst>
               <a:ext uri="{28A0092B-C50C-407E-A947-70E740481C1C}">
                 <a14:useLocalDpi xmlns:a14="http://schemas.microsoft.com/office/drawing/2010/main" val="0"/>
@@ -27024,21 +27082,183 @@
         </p:blipFill>
         <p:spPr>
           <a:xfrm>
-            <a:off x="4944738" y="1403350"/>
-            <a:ext cx="3442349" cy="2963863"/>
+            <a:off x="4697919" y="1200150"/>
+            <a:ext cx="3939161" cy="3394075"/>
           </a:xfrm>
         </p:spPr>
       </p:pic>
+      <p:sp>
+        <p:nvSpPr>
+          <p:cNvPr id="5" name="Footer Placeholder 4">
+            <a:extLst>
+              <a:ext uri="{FF2B5EF4-FFF2-40B4-BE49-F238E27FC236}">
+                <a16:creationId xmlns:a16="http://schemas.microsoft.com/office/drawing/2014/main" id="{98A8EAAB-B8F1-4C7A-8EFA-4C4AE42E4793}"/>
+              </a:ext>
+            </a:extLst>
+          </p:cNvPr>
+          <p:cNvSpPr>
+            <a:spLocks noGrp="1"/>
+          </p:cNvSpPr>
+          <p:nvPr>
+            <p:ph type="ftr" sz="quarter" idx="11"/>
+          </p:nvPr>
+        </p:nvSpPr>
+        <p:spPr/>
+        <p:txBody>
+          <a:bodyPr/>
+          <a:lstStyle/>
+          <a:p>
+            <a:r>
+              <a:rPr lang="ja-JP" altLang="en-US"/>
+              <a:t>｜</a:t>
+            </a:r>
+            <a:r>
+              <a:rPr lang="en-US" altLang="ja-JP"/>
+              <a:t>0000</a:t>
+            </a:r>
+            <a:r>
+              <a:rPr lang="ja-JP" altLang="en-US"/>
+              <a:t>　</a:t>
+            </a:r>
+            <a:r>
+              <a:rPr lang="en-US" altLang="ja-JP"/>
+              <a:t>|</a:t>
+            </a:r>
+            <a:r>
+              <a:rPr lang="ja-JP" altLang="en-US"/>
+              <a:t>　　</a:t>
+            </a:r>
+            <a:r>
+              <a:rPr lang="en-US" altLang="ja-JP"/>
+              <a:t>DDMMYY</a:t>
+            </a:r>
+            <a:endParaRPr lang="ja-JP" altLang="en-US" dirty="0"/>
+          </a:p>
+        </p:txBody>
+      </p:sp>
+      <p:sp>
+        <p:nvSpPr>
+          <p:cNvPr id="6" name="Slide Number Placeholder 5">
+            <a:extLst>
+              <a:ext uri="{FF2B5EF4-FFF2-40B4-BE49-F238E27FC236}">
+                <a16:creationId xmlns:a16="http://schemas.microsoft.com/office/drawing/2014/main" id="{B4A2C4F5-7BB0-4C8A-A2CA-E19045686A05}"/>
+              </a:ext>
+            </a:extLst>
+          </p:cNvPr>
+          <p:cNvSpPr>
+            <a:spLocks noGrp="1"/>
+          </p:cNvSpPr>
+          <p:nvPr>
+            <p:ph type="sldNum" sz="quarter" idx="12"/>
+          </p:nvPr>
+        </p:nvSpPr>
+        <p:spPr/>
+        <p:txBody>
+          <a:bodyPr/>
+          <a:lstStyle/>
+          <a:p>
+            <a:fld id="{E9B57936-92EF-4126-AE48-1D9D36D15E98}" type="slidenum">
+              <a:rPr kumimoji="1" lang="ja-JP" altLang="en-US" smtClean="0"/>
+              <a:pPr/>
+              <a:t>32</a:t>
+            </a:fld>
+            <a:endParaRPr kumimoji="1" lang="ja-JP" altLang="en-US"/>
+          </a:p>
+        </p:txBody>
+      </p:sp>
     </p:spTree>
     <p:extLst>
       <p:ext uri="{BB962C8B-B14F-4D97-AF65-F5344CB8AC3E}">
-        <p14:creationId xmlns:p14="http://schemas.microsoft.com/office/powerpoint/2010/main" val="1517979988"/>
+        <p14:creationId xmlns:p14="http://schemas.microsoft.com/office/powerpoint/2010/main" val="328062343"/>
       </p:ext>
     </p:extLst>
   </p:cSld>
   <p:clrMapOvr>
     <a:masterClrMapping/>
   </p:clrMapOvr>
+  <p:timing>
+    <p:tnLst>
+      <p:par>
+        <p:cTn id="1" dur="indefinite" restart="never" nodeType="tmRoot">
+          <p:childTnLst>
+            <p:seq concurrent="1" nextAc="seek">
+              <p:cTn id="2" dur="indefinite" nodeType="mainSeq">
+                <p:childTnLst>
+                  <p:par>
+                    <p:cTn id="3" fill="hold">
+                      <p:stCondLst>
+                        <p:cond delay="indefinite"/>
+                      </p:stCondLst>
+                      <p:childTnLst>
+                        <p:par>
+                          <p:cTn id="4" fill="hold">
+                            <p:stCondLst>
+                              <p:cond delay="0"/>
+                            </p:stCondLst>
+                            <p:childTnLst>
+                              <p:par>
+                                <p:cTn id="5" presetID="10" presetClass="entr" presetSubtype="0" fill="hold" nodeType="clickEffect">
+                                  <p:stCondLst>
+                                    <p:cond delay="0"/>
+                                  </p:stCondLst>
+                                  <p:childTnLst>
+                                    <p:set>
+                                      <p:cBhvr>
+                                        <p:cTn id="6" dur="1" fill="hold">
+                                          <p:stCondLst>
+                                            <p:cond delay="0"/>
+                                          </p:stCondLst>
+                                        </p:cTn>
+                                        <p:tgtEl>
+                                          <p:spTgt spid="10"/>
+                                        </p:tgtEl>
+                                        <p:attrNameLst>
+                                          <p:attrName>style.visibility</p:attrName>
+                                        </p:attrNameLst>
+                                      </p:cBhvr>
+                                      <p:to>
+                                        <p:strVal val="visible"/>
+                                      </p:to>
+                                    </p:set>
+                                    <p:animEffect transition="in" filter="fade">
+                                      <p:cBhvr>
+                                        <p:cTn id="7" dur="500"/>
+                                        <p:tgtEl>
+                                          <p:spTgt spid="10"/>
+                                        </p:tgtEl>
+                                      </p:cBhvr>
+                                    </p:animEffect>
+                                  </p:childTnLst>
+                                </p:cTn>
+                              </p:par>
+                            </p:childTnLst>
+                          </p:cTn>
+                        </p:par>
+                      </p:childTnLst>
+                    </p:cTn>
+                  </p:par>
+                </p:childTnLst>
+              </p:cTn>
+              <p:prevCondLst>
+                <p:cond evt="onPrev" delay="0">
+                  <p:tgtEl>
+                    <p:sldTgt/>
+                  </p:tgtEl>
+                </p:cond>
+              </p:prevCondLst>
+              <p:nextCondLst>
+                <p:cond evt="onNext" delay="0">
+                  <p:tgtEl>
+                    <p:sldTgt/>
+                  </p:tgtEl>
+                </p:cond>
+              </p:nextCondLst>
+            </p:seq>
+          </p:childTnLst>
+        </p:cTn>
+      </p:par>
+    </p:tnLst>
+  </p:timing>
 </p:sld>
 </file>
 
@@ -27061,7 +27281,13 @@
       </p:grpSpPr>
       <p:sp>
         <p:nvSpPr>
-          <p:cNvPr id="2" name="Title 1"/>
+          <p:cNvPr id="2" name="Title 1">
+            <a:extLst>
+              <a:ext uri="{FF2B5EF4-FFF2-40B4-BE49-F238E27FC236}">
+                <a16:creationId xmlns:a16="http://schemas.microsoft.com/office/drawing/2014/main" id="{A979FDCD-3ACE-40C2-9527-F2D1D1862B17}"/>
+              </a:ext>
+            </a:extLst>
+          </p:cNvPr>
           <p:cNvSpPr>
             <a:spLocks noGrp="1"/>
           </p:cNvSpPr>
@@ -27080,12 +27306,18 @@
       </p:sp>
       <p:pic>
         <p:nvPicPr>
-          <p:cNvPr id="6" name="Content Placeholder 5"/>
+          <p:cNvPr id="8" name="Content Placeholder 7" descr="A screenshot of a cell phone&#10;&#10;Description generated with very high confidence">
+            <a:extLst>
+              <a:ext uri="{FF2B5EF4-FFF2-40B4-BE49-F238E27FC236}">
+                <a16:creationId xmlns:a16="http://schemas.microsoft.com/office/drawing/2014/main" id="{75774F44-B24D-4739-8B79-EC0A29A3AB90}"/>
+              </a:ext>
+            </a:extLst>
+          </p:cNvPr>
           <p:cNvPicPr>
             <a:picLocks noGrp="1" noChangeAspect="1"/>
           </p:cNvPicPr>
           <p:nvPr>
-            <p:ph idx="1"/>
+            <p:ph sz="half" idx="1"/>
           </p:nvPr>
         </p:nvPicPr>
         <p:blipFill>
@@ -27102,14 +27334,45 @@
         </p:blipFill>
         <p:spPr>
           <a:xfrm>
-            <a:off x="1612106" y="927100"/>
-            <a:ext cx="5867400" cy="3667125"/>
+            <a:off x="480726" y="1200150"/>
+            <a:ext cx="3939161" cy="3394075"/>
           </a:xfrm>
         </p:spPr>
       </p:pic>
       <p:sp>
         <p:nvSpPr>
-          <p:cNvPr id="4" name="Footer Placeholder 3"/>
+          <p:cNvPr id="4" name="Content Placeholder 3">
+            <a:extLst>
+              <a:ext uri="{FF2B5EF4-FFF2-40B4-BE49-F238E27FC236}">
+                <a16:creationId xmlns:a16="http://schemas.microsoft.com/office/drawing/2014/main" id="{D880D59D-B966-4D03-9A27-2F273A7970B7}"/>
+              </a:ext>
+            </a:extLst>
+          </p:cNvPr>
+          <p:cNvSpPr>
+            <a:spLocks noGrp="1"/>
+          </p:cNvSpPr>
+          <p:nvPr>
+            <p:ph sz="half" idx="2"/>
+          </p:nvPr>
+        </p:nvSpPr>
+        <p:spPr/>
+        <p:txBody>
+          <a:bodyPr/>
+          <a:lstStyle/>
+          <a:p>
+            <a:endParaRPr lang="en-US"/>
+          </a:p>
+        </p:txBody>
+      </p:sp>
+      <p:sp>
+        <p:nvSpPr>
+          <p:cNvPr id="5" name="Footer Placeholder 4">
+            <a:extLst>
+              <a:ext uri="{FF2B5EF4-FFF2-40B4-BE49-F238E27FC236}">
+                <a16:creationId xmlns:a16="http://schemas.microsoft.com/office/drawing/2014/main" id="{527A8496-2167-4D9D-A7F1-E07F56501D63}"/>
+              </a:ext>
+            </a:extLst>
+          </p:cNvPr>
           <p:cNvSpPr>
             <a:spLocks noGrp="1"/>
           </p:cNvSpPr>
@@ -27123,36 +27386,28 @@
           <a:lstStyle/>
           <a:p>
             <a:r>
-              <a:rPr lang="ja-JP" altLang="en-US" dirty="0"/>
+              <a:rPr lang="ja-JP" altLang="en-US"/>
               <a:t>｜</a:t>
             </a:r>
             <a:r>
-              <a:rPr lang="en-US" altLang="ja-JP" dirty="0"/>
+              <a:rPr lang="en-US" altLang="ja-JP"/>
               <a:t>0000</a:t>
             </a:r>
             <a:r>
-              <a:rPr lang="ja-JP" altLang="en-US" dirty="0"/>
+              <a:rPr lang="ja-JP" altLang="en-US"/>
               <a:t>　</a:t>
             </a:r>
             <a:r>
-              <a:rPr lang="en-US" altLang="ja-JP" dirty="0"/>
+              <a:rPr lang="en-US" altLang="ja-JP"/>
               <a:t>|</a:t>
             </a:r>
             <a:r>
-              <a:rPr lang="ja-JP" altLang="en-US" dirty="0"/>
+              <a:rPr lang="ja-JP" altLang="en-US"/>
               <a:t>　　</a:t>
             </a:r>
             <a:r>
-              <a:rPr lang="en-US" altLang="ja-JP" dirty="0"/>
-              <a:t> Aug 24</a:t>
-            </a:r>
-            <a:r>
-              <a:rPr lang="en-US" altLang="ja-JP" baseline="30000" dirty="0"/>
-              <a:t>th</a:t>
-            </a:r>
-            <a:r>
-              <a:rPr lang="en-US" altLang="ja-JP" dirty="0"/>
-              <a:t> 2018</a:t>
+              <a:rPr lang="en-US" altLang="ja-JP"/>
+              <a:t>DDMMYY</a:t>
             </a:r>
             <a:endParaRPr lang="ja-JP" altLang="en-US" dirty="0"/>
           </a:p>
@@ -27160,7 +27415,13 @@
       </p:sp>
       <p:sp>
         <p:nvSpPr>
-          <p:cNvPr id="5" name="Slide Number Placeholder 4"/>
+          <p:cNvPr id="6" name="Slide Number Placeholder 5">
+            <a:extLst>
+              <a:ext uri="{FF2B5EF4-FFF2-40B4-BE49-F238E27FC236}">
+                <a16:creationId xmlns:a16="http://schemas.microsoft.com/office/drawing/2014/main" id="{0D883F77-16A4-4D6A-864F-5E7655260333}"/>
+              </a:ext>
+            </a:extLst>
+          </p:cNvPr>
           <p:cNvSpPr>
             <a:spLocks noGrp="1"/>
           </p:cNvSpPr>
@@ -27178,14 +27439,14 @@
               <a:pPr/>
               <a:t>33</a:t>
             </a:fld>
-            <a:endParaRPr kumimoji="1" lang="ja-JP" altLang="en-US" dirty="0"/>
+            <a:endParaRPr kumimoji="1" lang="ja-JP" altLang="en-US"/>
           </a:p>
         </p:txBody>
       </p:sp>
     </p:spTree>
     <p:extLst>
       <p:ext uri="{BB962C8B-B14F-4D97-AF65-F5344CB8AC3E}">
-        <p14:creationId xmlns:p14="http://schemas.microsoft.com/office/powerpoint/2010/main" val="257836494"/>
+        <p14:creationId xmlns:p14="http://schemas.microsoft.com/office/powerpoint/2010/main" val="622439705"/>
       </p:ext>
     </p:extLst>
   </p:cSld>
@@ -27196,159 +27457,6 @@
 </file>
 
 <file path=ppt/slides/slide35.xml><?xml version="1.0" encoding="utf-8"?>
-<p:sld xmlns:a="http://schemas.openxmlformats.org/drawingml/2006/main" xmlns:r="http://schemas.openxmlformats.org/officeDocument/2006/relationships" xmlns:p="http://schemas.openxmlformats.org/presentationml/2006/main">
-  <p:cSld>
-    <p:spTree>
-      <p:nvGrpSpPr>
-        <p:cNvPr id="1" name=""/>
-        <p:cNvGrpSpPr/>
-        <p:nvPr/>
-      </p:nvGrpSpPr>
-      <p:grpSpPr>
-        <a:xfrm>
-          <a:off x="0" y="0"/>
-          <a:ext cx="0" cy="0"/>
-          <a:chOff x="0" y="0"/>
-          <a:chExt cx="0" cy="0"/>
-        </a:xfrm>
-      </p:grpSpPr>
-      <p:sp>
-        <p:nvSpPr>
-          <p:cNvPr id="2" name="Title 1"/>
-          <p:cNvSpPr>
-            <a:spLocks noGrp="1"/>
-          </p:cNvSpPr>
-          <p:nvPr>
-            <p:ph type="title"/>
-          </p:nvPr>
-        </p:nvSpPr>
-        <p:spPr/>
-        <p:txBody>
-          <a:bodyPr/>
-          <a:lstStyle/>
-          <a:p>
-            <a:endParaRPr lang="en-US"/>
-          </a:p>
-        </p:txBody>
-      </p:sp>
-      <p:pic>
-        <p:nvPicPr>
-          <p:cNvPr id="6" name="Content Placeholder 5"/>
-          <p:cNvPicPr>
-            <a:picLocks noGrp="1" noChangeAspect="1"/>
-          </p:cNvPicPr>
-          <p:nvPr>
-            <p:ph idx="1"/>
-          </p:nvPr>
-        </p:nvPicPr>
-        <p:blipFill>
-          <a:blip r:embed="rId2">
-            <a:extLst>
-              <a:ext uri="{28A0092B-C50C-407E-A947-70E740481C1C}">
-                <a14:useLocalDpi xmlns:a14="http://schemas.microsoft.com/office/drawing/2010/main" val="0"/>
-              </a:ext>
-            </a:extLst>
-          </a:blip>
-          <a:stretch>
-            <a:fillRect/>
-          </a:stretch>
-        </p:blipFill>
-        <p:spPr>
-          <a:xfrm>
-            <a:off x="1489869" y="927100"/>
-            <a:ext cx="6111875" cy="3667125"/>
-          </a:xfrm>
-        </p:spPr>
-      </p:pic>
-      <p:sp>
-        <p:nvSpPr>
-          <p:cNvPr id="4" name="Footer Placeholder 3"/>
-          <p:cNvSpPr>
-            <a:spLocks noGrp="1"/>
-          </p:cNvSpPr>
-          <p:nvPr>
-            <p:ph type="ftr" sz="quarter" idx="11"/>
-          </p:nvPr>
-        </p:nvSpPr>
-        <p:spPr/>
-        <p:txBody>
-          <a:bodyPr/>
-          <a:lstStyle/>
-          <a:p>
-            <a:r>
-              <a:rPr lang="ja-JP" altLang="en-US" dirty="0"/>
-              <a:t>｜</a:t>
-            </a:r>
-            <a:r>
-              <a:rPr lang="en-US" altLang="ja-JP" dirty="0"/>
-              <a:t>0000</a:t>
-            </a:r>
-            <a:r>
-              <a:rPr lang="ja-JP" altLang="en-US" dirty="0"/>
-              <a:t>　</a:t>
-            </a:r>
-            <a:r>
-              <a:rPr lang="en-US" altLang="ja-JP" dirty="0"/>
-              <a:t>|</a:t>
-            </a:r>
-            <a:r>
-              <a:rPr lang="ja-JP" altLang="en-US" dirty="0"/>
-              <a:t>　　</a:t>
-            </a:r>
-            <a:r>
-              <a:rPr lang="en-US" altLang="ja-JP" dirty="0"/>
-              <a:t> Aug 24</a:t>
-            </a:r>
-            <a:r>
-              <a:rPr lang="en-US" altLang="ja-JP" baseline="30000" dirty="0"/>
-              <a:t>th</a:t>
-            </a:r>
-            <a:r>
-              <a:rPr lang="en-US" altLang="ja-JP" dirty="0"/>
-              <a:t> 2018</a:t>
-            </a:r>
-            <a:endParaRPr lang="ja-JP" altLang="en-US" dirty="0"/>
-          </a:p>
-        </p:txBody>
-      </p:sp>
-      <p:sp>
-        <p:nvSpPr>
-          <p:cNvPr id="5" name="Slide Number Placeholder 4"/>
-          <p:cNvSpPr>
-            <a:spLocks noGrp="1"/>
-          </p:cNvSpPr>
-          <p:nvPr>
-            <p:ph type="sldNum" sz="quarter" idx="12"/>
-          </p:nvPr>
-        </p:nvSpPr>
-        <p:spPr/>
-        <p:txBody>
-          <a:bodyPr/>
-          <a:lstStyle/>
-          <a:p>
-            <a:fld id="{E9B57936-92EF-4126-AE48-1D9D36D15E98}" type="slidenum">
-              <a:rPr kumimoji="1" lang="ja-JP" altLang="en-US" smtClean="0"/>
-              <a:pPr/>
-              <a:t>34</a:t>
-            </a:fld>
-            <a:endParaRPr kumimoji="1" lang="ja-JP" altLang="en-US" dirty="0"/>
-          </a:p>
-        </p:txBody>
-      </p:sp>
-    </p:spTree>
-    <p:extLst>
-      <p:ext uri="{BB962C8B-B14F-4D97-AF65-F5344CB8AC3E}">
-        <p14:creationId xmlns:p14="http://schemas.microsoft.com/office/powerpoint/2010/main" val="1983438659"/>
-      </p:ext>
-    </p:extLst>
-  </p:cSld>
-  <p:clrMapOvr>
-    <a:masterClrMapping/>
-  </p:clrMapOvr>
-</p:sld>
-</file>
-
-<file path=ppt/slides/slide36.xml><?xml version="1.0" encoding="utf-8"?>
 <p:sld xmlns:a="http://schemas.openxmlformats.org/drawingml/2006/main" xmlns:r="http://schemas.openxmlformats.org/officeDocument/2006/relationships" xmlns:p="http://schemas.openxmlformats.org/presentationml/2006/main">
   <p:cSld>
     <p:spTree>
@@ -27481,7 +27589,7 @@
             <a:fld id="{E9B57936-92EF-4126-AE48-1D9D36D15E98}" type="slidenum">
               <a:rPr kumimoji="1" lang="ja-JP" altLang="en-US" smtClean="0"/>
               <a:pPr/>
-              <a:t>35</a:t>
+              <a:t>34</a:t>
             </a:fld>
             <a:endParaRPr kumimoji="1" lang="ja-JP" altLang="en-US"/>
           </a:p>
@@ -27588,7 +27696,7 @@
 </p:sld>
 </file>
 
-<file path=ppt/slides/slide37.xml><?xml version="1.0" encoding="utf-8"?>
+<file path=ppt/slides/slide36.xml><?xml version="1.0" encoding="utf-8"?>
 <p:sld xmlns:a="http://schemas.openxmlformats.org/drawingml/2006/main" xmlns:r="http://schemas.openxmlformats.org/officeDocument/2006/relationships" xmlns:p="http://schemas.openxmlformats.org/presentationml/2006/main">
   <p:cSld>
     <p:spTree>
@@ -27696,7 +27804,7 @@
             <a:fld id="{E9B57936-92EF-4126-AE48-1D9D36D15E98}" type="slidenum">
               <a:rPr kumimoji="1" lang="ja-JP" altLang="en-US" smtClean="0"/>
               <a:pPr/>
-              <a:t>36</a:t>
+              <a:t>35</a:t>
             </a:fld>
             <a:endParaRPr kumimoji="1" lang="ja-JP" altLang="en-US" dirty="0"/>
           </a:p>
@@ -28104,7 +28212,7 @@
 </p:sld>
 </file>
 
-<file path=ppt/slides/slide38.xml><?xml version="1.0" encoding="utf-8"?>
+<file path=ppt/slides/slide37.xml><?xml version="1.0" encoding="utf-8"?>
 <p:sld xmlns:a="http://schemas.openxmlformats.org/drawingml/2006/main" xmlns:r="http://schemas.openxmlformats.org/officeDocument/2006/relationships" xmlns:p="http://schemas.openxmlformats.org/presentationml/2006/main">
   <p:cSld>
     <p:spTree>
@@ -28212,7 +28320,7 @@
             <a:fld id="{E9B57936-92EF-4126-AE48-1D9D36D15E98}" type="slidenum">
               <a:rPr kumimoji="1" lang="ja-JP" altLang="en-US" smtClean="0"/>
               <a:pPr/>
-              <a:t>37</a:t>
+              <a:t>36</a:t>
             </a:fld>
             <a:endParaRPr kumimoji="1" lang="ja-JP" altLang="en-US" dirty="0"/>
           </a:p>
@@ -28579,7 +28687,7 @@
 </p:sld>
 </file>
 
-<file path=ppt/slides/slide39.xml><?xml version="1.0" encoding="utf-8"?>
+<file path=ppt/slides/slide38.xml><?xml version="1.0" encoding="utf-8"?>
 <p:sld xmlns:a="http://schemas.openxmlformats.org/drawingml/2006/main" xmlns:r="http://schemas.openxmlformats.org/officeDocument/2006/relationships" xmlns:p="http://schemas.openxmlformats.org/presentationml/2006/main">
   <p:cSld>
     <p:spTree>
@@ -28687,7 +28795,7 @@
             <a:fld id="{E9B57936-92EF-4126-AE48-1D9D36D15E98}" type="slidenum">
               <a:rPr kumimoji="1" lang="ja-JP" altLang="en-US" smtClean="0"/>
               <a:pPr/>
-              <a:t>38</a:t>
+              <a:t>37</a:t>
             </a:fld>
             <a:endParaRPr kumimoji="1" lang="ja-JP" altLang="en-US" dirty="0"/>
           </a:p>
@@ -29054,7 +29162,7 @@
 </p:sld>
 </file>
 
-<file path=ppt/slides/slide4.xml><?xml version="1.0" encoding="utf-8"?>
+<file path=ppt/slides/slide39.xml><?xml version="1.0" encoding="utf-8"?>
 <p:sld xmlns:a="http://schemas.openxmlformats.org/drawingml/2006/main" xmlns:r="http://schemas.openxmlformats.org/officeDocument/2006/relationships" xmlns:p="http://schemas.openxmlformats.org/presentationml/2006/main">
   <p:cSld>
     <p:spTree>
@@ -29088,7 +29196,7 @@
           <a:p>
             <a:r>
               <a:rPr lang="en-US" dirty="0"/>
-              <a:t>Prognostic Biomarkers and Predictive Biomarkers</a:t>
+              <a:t>SNR=20</a:t>
             </a:r>
           </a:p>
         </p:txBody>
@@ -29130,7 +29238,7 @@
             </a:r>
             <a:r>
               <a:rPr lang="en-US" altLang="ja-JP" dirty="0"/>
-              <a:t>Aug 24</a:t>
+              <a:t> Aug 24</a:t>
             </a:r>
             <a:r>
               <a:rPr lang="en-US" altLang="ja-JP" baseline="30000" dirty="0"/>
@@ -29162,210 +29270,7 @@
             <a:fld id="{E9B57936-92EF-4126-AE48-1D9D36D15E98}" type="slidenum">
               <a:rPr kumimoji="1" lang="ja-JP" altLang="en-US" smtClean="0"/>
               <a:pPr/>
-              <a:t>3</a:t>
-            </a:fld>
-            <a:endParaRPr kumimoji="1" lang="ja-JP" altLang="en-US" dirty="0"/>
-          </a:p>
-        </p:txBody>
-      </p:sp>
-      <p:sp>
-        <p:nvSpPr>
-          <p:cNvPr id="14" name="TextBox 13"/>
-          <p:cNvSpPr txBox="1"/>
-          <p:nvPr/>
-        </p:nvSpPr>
-        <p:spPr>
-          <a:xfrm>
-            <a:off x="6804248" y="4155926"/>
-            <a:ext cx="2629389" cy="430887"/>
-          </a:xfrm>
-          <a:prstGeom prst="rect">
-            <a:avLst/>
-          </a:prstGeom>
-          <a:noFill/>
-        </p:spPr>
-        <p:txBody>
-          <a:bodyPr wrap="square" rtlCol="0">
-            <a:spAutoFit/>
-          </a:bodyPr>
-          <a:lstStyle/>
-          <a:p>
-            <a:r>
-              <a:rPr lang="en-US" sz="1100" dirty="0" err="1"/>
-              <a:t>Mukohara</a:t>
-            </a:r>
-            <a:r>
-              <a:rPr lang="en-US" sz="1100" dirty="0"/>
-              <a:t>, Toru.  </a:t>
-            </a:r>
-            <a:r>
-              <a:rPr lang="en-US" sz="1100" i="1" dirty="0"/>
-              <a:t>Breast Cancer: Targets and Therapy</a:t>
-            </a:r>
-            <a:r>
-              <a:rPr lang="en-US" sz="1100" dirty="0"/>
-              <a:t> 7 (2015)</a:t>
-            </a:r>
-          </a:p>
-        </p:txBody>
-      </p:sp>
-      <p:pic>
-        <p:nvPicPr>
-          <p:cNvPr id="9" name="Content Placeholder 8" descr="A close up of a logo&#10;&#10;Description generated with high confidence">
-            <a:extLst>
-              <a:ext uri="{FF2B5EF4-FFF2-40B4-BE49-F238E27FC236}">
-                <a16:creationId xmlns:a16="http://schemas.microsoft.com/office/drawing/2014/main" id="{3F3BA834-36CE-43A5-91C7-4BCFBA213E13}"/>
-              </a:ext>
-            </a:extLst>
-          </p:cNvPr>
-          <p:cNvPicPr>
-            <a:picLocks noGrp="1" noChangeAspect="1"/>
-          </p:cNvPicPr>
-          <p:nvPr>
-            <p:ph idx="1"/>
-          </p:nvPr>
-        </p:nvPicPr>
-        <p:blipFill>
-          <a:blip r:embed="rId2">
-            <a:extLst>
-              <a:ext uri="{28A0092B-C50C-407E-A947-70E740481C1C}">
-                <a14:useLocalDpi xmlns:a14="http://schemas.microsoft.com/office/drawing/2010/main" val="0"/>
-              </a:ext>
-            </a:extLst>
-          </a:blip>
-          <a:stretch>
-            <a:fillRect/>
-          </a:stretch>
-        </p:blipFill>
-        <p:spPr>
-          <a:xfrm>
-            <a:off x="665245" y="1203598"/>
-            <a:ext cx="6113355" cy="3012802"/>
-          </a:xfrm>
-        </p:spPr>
-      </p:pic>
-    </p:spTree>
-    <p:extLst>
-      <p:ext uri="{BB962C8B-B14F-4D97-AF65-F5344CB8AC3E}">
-        <p14:creationId xmlns:p14="http://schemas.microsoft.com/office/powerpoint/2010/main" val="778686971"/>
-      </p:ext>
-    </p:extLst>
-  </p:cSld>
-  <p:clrMapOvr>
-    <a:masterClrMapping/>
-  </p:clrMapOvr>
-</p:sld>
-</file>
-
-<file path=ppt/slides/slide40.xml><?xml version="1.0" encoding="utf-8"?>
-<p:sld xmlns:a="http://schemas.openxmlformats.org/drawingml/2006/main" xmlns:r="http://schemas.openxmlformats.org/officeDocument/2006/relationships" xmlns:p="http://schemas.openxmlformats.org/presentationml/2006/main">
-  <p:cSld>
-    <p:spTree>
-      <p:nvGrpSpPr>
-        <p:cNvPr id="1" name=""/>
-        <p:cNvGrpSpPr/>
-        <p:nvPr/>
-      </p:nvGrpSpPr>
-      <p:grpSpPr>
-        <a:xfrm>
-          <a:off x="0" y="0"/>
-          <a:ext cx="0" cy="0"/>
-          <a:chOff x="0" y="0"/>
-          <a:chExt cx="0" cy="0"/>
-        </a:xfrm>
-      </p:grpSpPr>
-      <p:sp>
-        <p:nvSpPr>
-          <p:cNvPr id="2" name="Title 1"/>
-          <p:cNvSpPr>
-            <a:spLocks noGrp="1"/>
-          </p:cNvSpPr>
-          <p:nvPr>
-            <p:ph type="title"/>
-          </p:nvPr>
-        </p:nvSpPr>
-        <p:spPr/>
-        <p:txBody>
-          <a:bodyPr/>
-          <a:lstStyle/>
-          <a:p>
-            <a:r>
-              <a:rPr lang="en-US" dirty="0"/>
-              <a:t>SNR=20</a:t>
-            </a:r>
-          </a:p>
-        </p:txBody>
-      </p:sp>
-      <p:sp>
-        <p:nvSpPr>
-          <p:cNvPr id="4" name="Footer Placeholder 3"/>
-          <p:cNvSpPr>
-            <a:spLocks noGrp="1"/>
-          </p:cNvSpPr>
-          <p:nvPr>
-            <p:ph type="ftr" sz="quarter" idx="11"/>
-          </p:nvPr>
-        </p:nvSpPr>
-        <p:spPr/>
-        <p:txBody>
-          <a:bodyPr/>
-          <a:lstStyle/>
-          <a:p>
-            <a:r>
-              <a:rPr lang="ja-JP" altLang="en-US" dirty="0"/>
-              <a:t>｜</a:t>
-            </a:r>
-            <a:r>
-              <a:rPr lang="en-US" altLang="ja-JP" dirty="0"/>
-              <a:t>0000</a:t>
-            </a:r>
-            <a:r>
-              <a:rPr lang="ja-JP" altLang="en-US" dirty="0"/>
-              <a:t>　</a:t>
-            </a:r>
-            <a:r>
-              <a:rPr lang="en-US" altLang="ja-JP" dirty="0"/>
-              <a:t>|</a:t>
-            </a:r>
-            <a:r>
-              <a:rPr lang="ja-JP" altLang="en-US" dirty="0"/>
-              <a:t>　　</a:t>
-            </a:r>
-            <a:r>
-              <a:rPr lang="en-US" altLang="ja-JP" dirty="0"/>
-              <a:t> Aug 24</a:t>
-            </a:r>
-            <a:r>
-              <a:rPr lang="en-US" altLang="ja-JP" baseline="30000" dirty="0"/>
-              <a:t>th</a:t>
-            </a:r>
-            <a:r>
-              <a:rPr lang="en-US" altLang="ja-JP" dirty="0"/>
-              <a:t> 2018</a:t>
-            </a:r>
-            <a:endParaRPr lang="ja-JP" altLang="en-US" dirty="0"/>
-          </a:p>
-        </p:txBody>
-      </p:sp>
-      <p:sp>
-        <p:nvSpPr>
-          <p:cNvPr id="5" name="Slide Number Placeholder 4"/>
-          <p:cNvSpPr>
-            <a:spLocks noGrp="1"/>
-          </p:cNvSpPr>
-          <p:nvPr>
-            <p:ph type="sldNum" sz="quarter" idx="12"/>
-          </p:nvPr>
-        </p:nvSpPr>
-        <p:spPr/>
-        <p:txBody>
-          <a:bodyPr/>
-          <a:lstStyle/>
-          <a:p>
-            <a:fld id="{E9B57936-92EF-4126-AE48-1D9D36D15E98}" type="slidenum">
-              <a:rPr kumimoji="1" lang="ja-JP" altLang="en-US" smtClean="0"/>
-              <a:pPr/>
-              <a:t>39</a:t>
+              <a:t>38</a:t>
             </a:fld>
             <a:endParaRPr kumimoji="1" lang="ja-JP" altLang="en-US" dirty="0"/>
           </a:p>
@@ -29732,7 +29637,7 @@
 </p:sld>
 </file>
 
-<file path=ppt/slides/slide41.xml><?xml version="1.0" encoding="utf-8"?>
+<file path=ppt/slides/slide4.xml><?xml version="1.0" encoding="utf-8"?>
 <p:sld xmlns:a="http://schemas.openxmlformats.org/drawingml/2006/main" xmlns:r="http://schemas.openxmlformats.org/officeDocument/2006/relationships" xmlns:p="http://schemas.openxmlformats.org/presentationml/2006/main">
   <p:cSld>
     <p:spTree>
@@ -29766,7 +29671,7 @@
           <a:p>
             <a:r>
               <a:rPr lang="en-US" dirty="0"/>
-              <a:t>SNR=100</a:t>
+              <a:t>Prognostic Biomarkers and Predictive Biomarkers</a:t>
             </a:r>
           </a:p>
         </p:txBody>
@@ -29808,7 +29713,7 @@
             </a:r>
             <a:r>
               <a:rPr lang="en-US" altLang="ja-JP" dirty="0"/>
-              <a:t> Aug 24</a:t>
+              <a:t>Aug 24</a:t>
             </a:r>
             <a:r>
               <a:rPr lang="en-US" altLang="ja-JP" baseline="30000" dirty="0"/>
@@ -29840,7 +29745,210 @@
             <a:fld id="{E9B57936-92EF-4126-AE48-1D9D36D15E98}" type="slidenum">
               <a:rPr kumimoji="1" lang="ja-JP" altLang="en-US" smtClean="0"/>
               <a:pPr/>
-              <a:t>40</a:t>
+              <a:t>3</a:t>
+            </a:fld>
+            <a:endParaRPr kumimoji="1" lang="ja-JP" altLang="en-US" dirty="0"/>
+          </a:p>
+        </p:txBody>
+      </p:sp>
+      <p:sp>
+        <p:nvSpPr>
+          <p:cNvPr id="14" name="TextBox 13"/>
+          <p:cNvSpPr txBox="1"/>
+          <p:nvPr/>
+        </p:nvSpPr>
+        <p:spPr>
+          <a:xfrm>
+            <a:off x="6804248" y="4155926"/>
+            <a:ext cx="2629389" cy="430887"/>
+          </a:xfrm>
+          <a:prstGeom prst="rect">
+            <a:avLst/>
+          </a:prstGeom>
+          <a:noFill/>
+        </p:spPr>
+        <p:txBody>
+          <a:bodyPr wrap="square" rtlCol="0">
+            <a:spAutoFit/>
+          </a:bodyPr>
+          <a:lstStyle/>
+          <a:p>
+            <a:r>
+              <a:rPr lang="en-US" sz="1100" dirty="0" err="1"/>
+              <a:t>Mukohara</a:t>
+            </a:r>
+            <a:r>
+              <a:rPr lang="en-US" sz="1100" dirty="0"/>
+              <a:t>, Toru.  </a:t>
+            </a:r>
+            <a:r>
+              <a:rPr lang="en-US" sz="1100" i="1" dirty="0"/>
+              <a:t>Breast Cancer: Targets and Therapy</a:t>
+            </a:r>
+            <a:r>
+              <a:rPr lang="en-US" sz="1100" dirty="0"/>
+              <a:t> 7 (2015)</a:t>
+            </a:r>
+          </a:p>
+        </p:txBody>
+      </p:sp>
+      <p:pic>
+        <p:nvPicPr>
+          <p:cNvPr id="9" name="Content Placeholder 8" descr="A close up of a logo&#10;&#10;Description generated with high confidence">
+            <a:extLst>
+              <a:ext uri="{FF2B5EF4-FFF2-40B4-BE49-F238E27FC236}">
+                <a16:creationId xmlns:a16="http://schemas.microsoft.com/office/drawing/2014/main" id="{3F3BA834-36CE-43A5-91C7-4BCFBA213E13}"/>
+              </a:ext>
+            </a:extLst>
+          </p:cNvPr>
+          <p:cNvPicPr>
+            <a:picLocks noGrp="1" noChangeAspect="1"/>
+          </p:cNvPicPr>
+          <p:nvPr>
+            <p:ph idx="1"/>
+          </p:nvPr>
+        </p:nvPicPr>
+        <p:blipFill>
+          <a:blip r:embed="rId2">
+            <a:extLst>
+              <a:ext uri="{28A0092B-C50C-407E-A947-70E740481C1C}">
+                <a14:useLocalDpi xmlns:a14="http://schemas.microsoft.com/office/drawing/2010/main" val="0"/>
+              </a:ext>
+            </a:extLst>
+          </a:blip>
+          <a:stretch>
+            <a:fillRect/>
+          </a:stretch>
+        </p:blipFill>
+        <p:spPr>
+          <a:xfrm>
+            <a:off x="665245" y="1203598"/>
+            <a:ext cx="6113355" cy="3012802"/>
+          </a:xfrm>
+        </p:spPr>
+      </p:pic>
+    </p:spTree>
+    <p:extLst>
+      <p:ext uri="{BB962C8B-B14F-4D97-AF65-F5344CB8AC3E}">
+        <p14:creationId xmlns:p14="http://schemas.microsoft.com/office/powerpoint/2010/main" val="778686971"/>
+      </p:ext>
+    </p:extLst>
+  </p:cSld>
+  <p:clrMapOvr>
+    <a:masterClrMapping/>
+  </p:clrMapOvr>
+</p:sld>
+</file>
+
+<file path=ppt/slides/slide40.xml><?xml version="1.0" encoding="utf-8"?>
+<p:sld xmlns:a="http://schemas.openxmlformats.org/drawingml/2006/main" xmlns:r="http://schemas.openxmlformats.org/officeDocument/2006/relationships" xmlns:p="http://schemas.openxmlformats.org/presentationml/2006/main">
+  <p:cSld>
+    <p:spTree>
+      <p:nvGrpSpPr>
+        <p:cNvPr id="1" name=""/>
+        <p:cNvGrpSpPr/>
+        <p:nvPr/>
+      </p:nvGrpSpPr>
+      <p:grpSpPr>
+        <a:xfrm>
+          <a:off x="0" y="0"/>
+          <a:ext cx="0" cy="0"/>
+          <a:chOff x="0" y="0"/>
+          <a:chExt cx="0" cy="0"/>
+        </a:xfrm>
+      </p:grpSpPr>
+      <p:sp>
+        <p:nvSpPr>
+          <p:cNvPr id="2" name="Title 1"/>
+          <p:cNvSpPr>
+            <a:spLocks noGrp="1"/>
+          </p:cNvSpPr>
+          <p:nvPr>
+            <p:ph type="title"/>
+          </p:nvPr>
+        </p:nvSpPr>
+        <p:spPr/>
+        <p:txBody>
+          <a:bodyPr/>
+          <a:lstStyle/>
+          <a:p>
+            <a:r>
+              <a:rPr lang="en-US" dirty="0"/>
+              <a:t>SNR=100</a:t>
+            </a:r>
+          </a:p>
+        </p:txBody>
+      </p:sp>
+      <p:sp>
+        <p:nvSpPr>
+          <p:cNvPr id="4" name="Footer Placeholder 3"/>
+          <p:cNvSpPr>
+            <a:spLocks noGrp="1"/>
+          </p:cNvSpPr>
+          <p:nvPr>
+            <p:ph type="ftr" sz="quarter" idx="11"/>
+          </p:nvPr>
+        </p:nvSpPr>
+        <p:spPr/>
+        <p:txBody>
+          <a:bodyPr/>
+          <a:lstStyle/>
+          <a:p>
+            <a:r>
+              <a:rPr lang="ja-JP" altLang="en-US" dirty="0"/>
+              <a:t>｜</a:t>
+            </a:r>
+            <a:r>
+              <a:rPr lang="en-US" altLang="ja-JP" dirty="0"/>
+              <a:t>0000</a:t>
+            </a:r>
+            <a:r>
+              <a:rPr lang="ja-JP" altLang="en-US" dirty="0"/>
+              <a:t>　</a:t>
+            </a:r>
+            <a:r>
+              <a:rPr lang="en-US" altLang="ja-JP" dirty="0"/>
+              <a:t>|</a:t>
+            </a:r>
+            <a:r>
+              <a:rPr lang="ja-JP" altLang="en-US" dirty="0"/>
+              <a:t>　　</a:t>
+            </a:r>
+            <a:r>
+              <a:rPr lang="en-US" altLang="ja-JP" dirty="0"/>
+              <a:t> Aug 24</a:t>
+            </a:r>
+            <a:r>
+              <a:rPr lang="en-US" altLang="ja-JP" baseline="30000" dirty="0"/>
+              <a:t>th</a:t>
+            </a:r>
+            <a:r>
+              <a:rPr lang="en-US" altLang="ja-JP" dirty="0"/>
+              <a:t> 2018</a:t>
+            </a:r>
+            <a:endParaRPr lang="ja-JP" altLang="en-US" dirty="0"/>
+          </a:p>
+        </p:txBody>
+      </p:sp>
+      <p:sp>
+        <p:nvSpPr>
+          <p:cNvPr id="5" name="Slide Number Placeholder 4"/>
+          <p:cNvSpPr>
+            <a:spLocks noGrp="1"/>
+          </p:cNvSpPr>
+          <p:nvPr>
+            <p:ph type="sldNum" sz="quarter" idx="12"/>
+          </p:nvPr>
+        </p:nvSpPr>
+        <p:spPr/>
+        <p:txBody>
+          <a:bodyPr/>
+          <a:lstStyle/>
+          <a:p>
+            <a:fld id="{E9B57936-92EF-4126-AE48-1D9D36D15E98}" type="slidenum">
+              <a:rPr kumimoji="1" lang="ja-JP" altLang="en-US" smtClean="0"/>
+              <a:pPr/>
+              <a:t>39</a:t>
             </a:fld>
             <a:endParaRPr kumimoji="1" lang="ja-JP" altLang="en-US" dirty="0"/>
           </a:p>
@@ -30207,7 +30315,7 @@
 </p:sld>
 </file>
 
-<file path=ppt/slides/slide42.xml><?xml version="1.0" encoding="utf-8"?>
+<file path=ppt/slides/slide41.xml><?xml version="1.0" encoding="utf-8"?>
 <p:sld xmlns:a="http://schemas.openxmlformats.org/drawingml/2006/main" xmlns:r="http://schemas.openxmlformats.org/officeDocument/2006/relationships" xmlns:p="http://schemas.openxmlformats.org/presentationml/2006/main">
   <p:cSld>
     <p:spTree>
@@ -30421,7 +30529,7 @@
             <a:fld id="{E9B57936-92EF-4126-AE48-1D9D36D15E98}" type="slidenum">
               <a:rPr kumimoji="1" lang="ja-JP" altLang="en-US" smtClean="0"/>
               <a:pPr/>
-              <a:t>41</a:t>
+              <a:t>40</a:t>
             </a:fld>
             <a:endParaRPr kumimoji="1" lang="ja-JP" altLang="en-US" dirty="0"/>
           </a:p>
@@ -30440,7 +30548,7 @@
 </p:sld>
 </file>
 
-<file path=ppt/slides/slide43.xml><?xml version="1.0" encoding="utf-8"?>
+<file path=ppt/slides/slide42.xml><?xml version="1.0" encoding="utf-8"?>
 <p:sld xmlns:a="http://schemas.openxmlformats.org/drawingml/2006/main" xmlns:r="http://schemas.openxmlformats.org/officeDocument/2006/relationships" xmlns:p="http://schemas.openxmlformats.org/presentationml/2006/main">
   <p:cSld>
     <p:spTree>
@@ -30654,7 +30762,7 @@
             <a:fld id="{E9B57936-92EF-4126-AE48-1D9D36D15E98}" type="slidenum">
               <a:rPr kumimoji="1" lang="ja-JP" altLang="en-US" smtClean="0"/>
               <a:pPr/>
-              <a:t>42</a:t>
+              <a:t>41</a:t>
             </a:fld>
             <a:endParaRPr kumimoji="1" lang="ja-JP" altLang="en-US" dirty="0"/>
           </a:p>
@@ -30673,7 +30781,7 @@
 </p:sld>
 </file>
 
-<file path=ppt/slides/slide44.xml><?xml version="1.0" encoding="utf-8"?>
+<file path=ppt/slides/slide43.xml><?xml version="1.0" encoding="utf-8"?>
 <p:sld xmlns:a="http://schemas.openxmlformats.org/drawingml/2006/main" xmlns:r="http://schemas.openxmlformats.org/officeDocument/2006/relationships" xmlns:p="http://schemas.openxmlformats.org/presentationml/2006/main">
   <p:cSld>
     <p:spTree>
@@ -30874,7 +30982,7 @@
             <a:fld id="{E9B57936-92EF-4126-AE48-1D9D36D15E98}" type="slidenum">
               <a:rPr kumimoji="1" lang="ja-JP" altLang="en-US" smtClean="0"/>
               <a:pPr/>
-              <a:t>43</a:t>
+              <a:t>42</a:t>
             </a:fld>
             <a:endParaRPr kumimoji="1" lang="ja-JP" altLang="en-US" dirty="0"/>
           </a:p>
@@ -30893,7 +31001,7 @@
 </p:sld>
 </file>
 
-<file path=ppt/slides/slide45.xml><?xml version="1.0" encoding="utf-8"?>
+<file path=ppt/slides/slide44.xml><?xml version="1.0" encoding="utf-8"?>
 <p:sld xmlns:a="http://schemas.openxmlformats.org/drawingml/2006/main" xmlns:r="http://schemas.openxmlformats.org/officeDocument/2006/relationships" xmlns:p="http://schemas.openxmlformats.org/presentationml/2006/main">
   <p:cSld>
     <p:spTree>
@@ -31027,7 +31135,7 @@
             <a:fld id="{E9B57936-92EF-4126-AE48-1D9D36D15E98}" type="slidenum">
               <a:rPr kumimoji="1" lang="ja-JP" altLang="en-US" smtClean="0"/>
               <a:pPr/>
-              <a:t>44</a:t>
+              <a:t>43</a:t>
             </a:fld>
             <a:endParaRPr kumimoji="1" lang="ja-JP" altLang="en-US" dirty="0"/>
           </a:p>
@@ -31046,7 +31154,7 @@
 </p:sld>
 </file>
 
-<file path=ppt/slides/slide46.xml><?xml version="1.0" encoding="utf-8"?>
+<file path=ppt/slides/slide45.xml><?xml version="1.0" encoding="utf-8"?>
 <p:sld xmlns:a="http://schemas.openxmlformats.org/drawingml/2006/main" xmlns:r="http://schemas.openxmlformats.org/officeDocument/2006/relationships" xmlns:p="http://schemas.openxmlformats.org/presentationml/2006/main">
   <p:cSld>
     <p:spTree>
@@ -31180,7 +31288,7 @@
             <a:fld id="{E9B57936-92EF-4126-AE48-1D9D36D15E98}" type="slidenum">
               <a:rPr kumimoji="1" lang="ja-JP" altLang="en-US" smtClean="0"/>
               <a:pPr/>
-              <a:t>45</a:t>
+              <a:t>44</a:t>
             </a:fld>
             <a:endParaRPr kumimoji="1" lang="ja-JP" altLang="en-US" dirty="0"/>
           </a:p>
@@ -31199,7 +31307,7 @@
 </p:sld>
 </file>
 
-<file path=ppt/slides/slide47.xml><?xml version="1.0" encoding="utf-8"?>
+<file path=ppt/slides/slide46.xml><?xml version="1.0" encoding="utf-8"?>
 <p:sld xmlns:a="http://schemas.openxmlformats.org/drawingml/2006/main" xmlns:r="http://schemas.openxmlformats.org/officeDocument/2006/relationships" xmlns:p="http://schemas.openxmlformats.org/presentationml/2006/main">
   <p:cSld>
     <p:spTree>
@@ -31336,7 +31444,7 @@
             <a:fld id="{E9B57936-92EF-4126-AE48-1D9D36D15E98}" type="slidenum">
               <a:rPr kumimoji="1" lang="ja-JP" altLang="en-US" smtClean="0"/>
               <a:pPr/>
-              <a:t>46</a:t>
+              <a:t>45</a:t>
             </a:fld>
             <a:endParaRPr kumimoji="1" lang="ja-JP" altLang="en-US"/>
           </a:p>
@@ -31443,7 +31551,7 @@
 </p:sld>
 </file>
 
-<file path=ppt/slides/slide48.xml><?xml version="1.0" encoding="utf-8"?>
+<file path=ppt/slides/slide47.xml><?xml version="1.0" encoding="utf-8"?>
 <p:sld xmlns:a="http://schemas.openxmlformats.org/drawingml/2006/main" xmlns:r="http://schemas.openxmlformats.org/officeDocument/2006/relationships" xmlns:p="http://schemas.openxmlformats.org/presentationml/2006/main">
   <p:cSld>
     <p:spTree>
@@ -31580,7 +31688,7 @@
             <a:fld id="{E9B57936-92EF-4126-AE48-1D9D36D15E98}" type="slidenum">
               <a:rPr kumimoji="1" lang="ja-JP" altLang="en-US" smtClean="0"/>
               <a:pPr/>
-              <a:t>47</a:t>
+              <a:t>46</a:t>
             </a:fld>
             <a:endParaRPr kumimoji="1" lang="ja-JP" altLang="en-US" dirty="0"/>
           </a:p>
@@ -31640,7 +31748,7 @@
 </p:sld>
 </file>
 
-<file path=ppt/slides/slide49.xml><?xml version="1.0" encoding="utf-8"?>
+<file path=ppt/slides/slide48.xml><?xml version="1.0" encoding="utf-8"?>
 <p:sld xmlns:a="http://schemas.openxmlformats.org/drawingml/2006/main" xmlns:r="http://schemas.openxmlformats.org/officeDocument/2006/relationships" xmlns:p="http://schemas.openxmlformats.org/presentationml/2006/main">
   <p:cSld>
     <p:spTree>
@@ -31776,7 +31884,7 @@
             <a:fld id="{E9B57936-92EF-4126-AE48-1D9D36D15E98}" type="slidenum">
               <a:rPr kumimoji="1" lang="ja-JP" altLang="en-US" smtClean="0"/>
               <a:pPr/>
-              <a:t>48</a:t>
+              <a:t>47</a:t>
             </a:fld>
             <a:endParaRPr kumimoji="1" lang="ja-JP" altLang="en-US"/>
           </a:p>
@@ -31786,6 +31894,244 @@
     <p:extLst>
       <p:ext uri="{BB962C8B-B14F-4D97-AF65-F5344CB8AC3E}">
         <p14:creationId xmlns:p14="http://schemas.microsoft.com/office/powerpoint/2010/main" val="543554973"/>
+      </p:ext>
+    </p:extLst>
+  </p:cSld>
+  <p:clrMapOvr>
+    <a:masterClrMapping/>
+  </p:clrMapOvr>
+</p:sld>
+</file>
+
+<file path=ppt/slides/slide49.xml><?xml version="1.0" encoding="utf-8"?>
+<p:sld xmlns:a="http://schemas.openxmlformats.org/drawingml/2006/main" xmlns:r="http://schemas.openxmlformats.org/officeDocument/2006/relationships" xmlns:p="http://schemas.openxmlformats.org/presentationml/2006/main">
+  <p:cSld>
+    <p:spTree>
+      <p:nvGrpSpPr>
+        <p:cNvPr id="1" name=""/>
+        <p:cNvGrpSpPr/>
+        <p:nvPr/>
+      </p:nvGrpSpPr>
+      <p:grpSpPr>
+        <a:xfrm>
+          <a:off x="0" y="0"/>
+          <a:ext cx="0" cy="0"/>
+          <a:chOff x="0" y="0"/>
+          <a:chExt cx="0" cy="0"/>
+        </a:xfrm>
+      </p:grpSpPr>
+      <p:sp>
+        <p:nvSpPr>
+          <p:cNvPr id="2" name="Title 1"/>
+          <p:cNvSpPr>
+            <a:spLocks noGrp="1"/>
+          </p:cNvSpPr>
+          <p:nvPr>
+            <p:ph type="title"/>
+          </p:nvPr>
+        </p:nvSpPr>
+        <p:spPr/>
+        <p:txBody>
+          <a:bodyPr/>
+          <a:lstStyle/>
+          <a:p>
+            <a:r>
+              <a:rPr lang="en-US" dirty="0"/>
+              <a:t>Dimension of genes=200 and total dimension=406</a:t>
+            </a:r>
+          </a:p>
+        </p:txBody>
+      </p:sp>
+      <p:sp>
+        <p:nvSpPr>
+          <p:cNvPr id="4" name="Footer Placeholder 3"/>
+          <p:cNvSpPr>
+            <a:spLocks noGrp="1"/>
+          </p:cNvSpPr>
+          <p:nvPr>
+            <p:ph type="ftr" sz="quarter" idx="11"/>
+          </p:nvPr>
+        </p:nvSpPr>
+        <p:spPr/>
+        <p:txBody>
+          <a:bodyPr/>
+          <a:lstStyle/>
+          <a:p>
+            <a:r>
+              <a:rPr lang="ja-JP" altLang="en-US" dirty="0"/>
+              <a:t>｜</a:t>
+            </a:r>
+            <a:r>
+              <a:rPr lang="en-US" altLang="ja-JP" dirty="0"/>
+              <a:t>0000</a:t>
+            </a:r>
+            <a:r>
+              <a:rPr lang="ja-JP" altLang="en-US" dirty="0"/>
+              <a:t>　</a:t>
+            </a:r>
+            <a:r>
+              <a:rPr lang="en-US" altLang="ja-JP" dirty="0"/>
+              <a:t>|</a:t>
+            </a:r>
+            <a:r>
+              <a:rPr lang="ja-JP" altLang="en-US" dirty="0"/>
+              <a:t>　　</a:t>
+            </a:r>
+            <a:r>
+              <a:rPr lang="en-US" altLang="ja-JP" dirty="0"/>
+              <a:t> Aug 24</a:t>
+            </a:r>
+            <a:r>
+              <a:rPr lang="en-US" altLang="ja-JP" baseline="30000" dirty="0"/>
+              <a:t>th</a:t>
+            </a:r>
+            <a:r>
+              <a:rPr lang="en-US" altLang="ja-JP" dirty="0"/>
+              <a:t> 2018</a:t>
+            </a:r>
+            <a:endParaRPr lang="ja-JP" altLang="en-US" dirty="0"/>
+          </a:p>
+        </p:txBody>
+      </p:sp>
+      <p:sp>
+        <p:nvSpPr>
+          <p:cNvPr id="5" name="Slide Number Placeholder 4"/>
+          <p:cNvSpPr>
+            <a:spLocks noGrp="1"/>
+          </p:cNvSpPr>
+          <p:nvPr>
+            <p:ph type="sldNum" sz="quarter" idx="12"/>
+          </p:nvPr>
+        </p:nvSpPr>
+        <p:spPr/>
+        <p:txBody>
+          <a:bodyPr/>
+          <a:lstStyle/>
+          <a:p>
+            <a:fld id="{E9B57936-92EF-4126-AE48-1D9D36D15E98}" type="slidenum">
+              <a:rPr kumimoji="1" lang="ja-JP" altLang="en-US" smtClean="0"/>
+              <a:pPr/>
+              <a:t>48</a:t>
+            </a:fld>
+            <a:endParaRPr kumimoji="1" lang="ja-JP" altLang="en-US" dirty="0"/>
+          </a:p>
+        </p:txBody>
+      </p:sp>
+      <p:pic>
+        <p:nvPicPr>
+          <p:cNvPr id="7" name="Content Placeholder 6"/>
+          <p:cNvPicPr>
+            <a:picLocks noGrp="1" noChangeAspect="1"/>
+          </p:cNvPicPr>
+          <p:nvPr>
+            <p:ph idx="1"/>
+          </p:nvPr>
+        </p:nvPicPr>
+        <p:blipFill>
+          <a:blip r:embed="rId2">
+            <a:extLst>
+              <a:ext uri="{28A0092B-C50C-407E-A947-70E740481C1C}">
+                <a14:useLocalDpi xmlns:a14="http://schemas.microsoft.com/office/drawing/2010/main" val="0"/>
+              </a:ext>
+            </a:extLst>
+          </a:blip>
+          <a:stretch>
+            <a:fillRect/>
+          </a:stretch>
+        </p:blipFill>
+        <p:spPr>
+          <a:xfrm>
+            <a:off x="735806" y="1490662"/>
+            <a:ext cx="7620000" cy="2540000"/>
+          </a:xfrm>
+        </p:spPr>
+      </p:pic>
+      <p:sp>
+        <p:nvSpPr>
+          <p:cNvPr id="8" name="Rectangle 7"/>
+          <p:cNvSpPr/>
+          <p:nvPr/>
+        </p:nvSpPr>
+        <p:spPr>
+          <a:xfrm>
+            <a:off x="6084168" y="2211710"/>
+            <a:ext cx="558961" cy="216024"/>
+          </a:xfrm>
+          <a:prstGeom prst="rect">
+            <a:avLst/>
+          </a:prstGeom>
+          <a:noFill/>
+        </p:spPr>
+        <p:style>
+          <a:lnRef idx="2">
+            <a:schemeClr val="accent1">
+              <a:shade val="50000"/>
+            </a:schemeClr>
+          </a:lnRef>
+          <a:fillRef idx="1">
+            <a:schemeClr val="accent1"/>
+          </a:fillRef>
+          <a:effectRef idx="0">
+            <a:schemeClr val="accent1"/>
+          </a:effectRef>
+          <a:fontRef idx="minor">
+            <a:schemeClr val="lt1"/>
+          </a:fontRef>
+        </p:style>
+        <p:txBody>
+          <a:bodyPr rtlCol="0" anchor="ctr"/>
+          <a:lstStyle/>
+          <a:p>
+            <a:pPr algn="ctr"/>
+            <a:endParaRPr lang="en-US"/>
+          </a:p>
+        </p:txBody>
+      </p:sp>
+      <p:sp>
+        <p:nvSpPr>
+          <p:cNvPr id="9" name="Rectangle 8"/>
+          <p:cNvSpPr/>
+          <p:nvPr/>
+        </p:nvSpPr>
+        <p:spPr>
+          <a:xfrm>
+            <a:off x="6074341" y="3056466"/>
+            <a:ext cx="558961" cy="216024"/>
+          </a:xfrm>
+          <a:prstGeom prst="rect">
+            <a:avLst/>
+          </a:prstGeom>
+          <a:noFill/>
+        </p:spPr>
+        <p:style>
+          <a:lnRef idx="2">
+            <a:schemeClr val="accent1">
+              <a:shade val="50000"/>
+            </a:schemeClr>
+          </a:lnRef>
+          <a:fillRef idx="1">
+            <a:schemeClr val="accent1"/>
+          </a:fillRef>
+          <a:effectRef idx="0">
+            <a:schemeClr val="accent1"/>
+          </a:effectRef>
+          <a:fontRef idx="minor">
+            <a:schemeClr val="lt1"/>
+          </a:fontRef>
+        </p:style>
+        <p:txBody>
+          <a:bodyPr rtlCol="0" anchor="ctr"/>
+          <a:lstStyle/>
+          <a:p>
+            <a:pPr algn="ctr"/>
+            <a:endParaRPr lang="en-US"/>
+          </a:p>
+        </p:txBody>
+      </p:sp>
+    </p:spTree>
+    <p:extLst>
+      <p:ext uri="{BB962C8B-B14F-4D97-AF65-F5344CB8AC3E}">
+        <p14:creationId xmlns:p14="http://schemas.microsoft.com/office/powerpoint/2010/main" val="1795551437"/>
       </p:ext>
     </p:extLst>
   </p:cSld>
@@ -33235,244 +33581,6 @@
       </p:grpSpPr>
       <p:sp>
         <p:nvSpPr>
-          <p:cNvPr id="2" name="Title 1"/>
-          <p:cNvSpPr>
-            <a:spLocks noGrp="1"/>
-          </p:cNvSpPr>
-          <p:nvPr>
-            <p:ph type="title"/>
-          </p:nvPr>
-        </p:nvSpPr>
-        <p:spPr/>
-        <p:txBody>
-          <a:bodyPr/>
-          <a:lstStyle/>
-          <a:p>
-            <a:r>
-              <a:rPr lang="en-US" dirty="0"/>
-              <a:t>Dimension of genes=200 and total dimension=406</a:t>
-            </a:r>
-          </a:p>
-        </p:txBody>
-      </p:sp>
-      <p:sp>
-        <p:nvSpPr>
-          <p:cNvPr id="4" name="Footer Placeholder 3"/>
-          <p:cNvSpPr>
-            <a:spLocks noGrp="1"/>
-          </p:cNvSpPr>
-          <p:nvPr>
-            <p:ph type="ftr" sz="quarter" idx="11"/>
-          </p:nvPr>
-        </p:nvSpPr>
-        <p:spPr/>
-        <p:txBody>
-          <a:bodyPr/>
-          <a:lstStyle/>
-          <a:p>
-            <a:r>
-              <a:rPr lang="ja-JP" altLang="en-US" dirty="0"/>
-              <a:t>｜</a:t>
-            </a:r>
-            <a:r>
-              <a:rPr lang="en-US" altLang="ja-JP" dirty="0"/>
-              <a:t>0000</a:t>
-            </a:r>
-            <a:r>
-              <a:rPr lang="ja-JP" altLang="en-US" dirty="0"/>
-              <a:t>　</a:t>
-            </a:r>
-            <a:r>
-              <a:rPr lang="en-US" altLang="ja-JP" dirty="0"/>
-              <a:t>|</a:t>
-            </a:r>
-            <a:r>
-              <a:rPr lang="ja-JP" altLang="en-US" dirty="0"/>
-              <a:t>　　</a:t>
-            </a:r>
-            <a:r>
-              <a:rPr lang="en-US" altLang="ja-JP" dirty="0"/>
-              <a:t> Aug 24</a:t>
-            </a:r>
-            <a:r>
-              <a:rPr lang="en-US" altLang="ja-JP" baseline="30000" dirty="0"/>
-              <a:t>th</a:t>
-            </a:r>
-            <a:r>
-              <a:rPr lang="en-US" altLang="ja-JP" dirty="0"/>
-              <a:t> 2018</a:t>
-            </a:r>
-            <a:endParaRPr lang="ja-JP" altLang="en-US" dirty="0"/>
-          </a:p>
-        </p:txBody>
-      </p:sp>
-      <p:sp>
-        <p:nvSpPr>
-          <p:cNvPr id="5" name="Slide Number Placeholder 4"/>
-          <p:cNvSpPr>
-            <a:spLocks noGrp="1"/>
-          </p:cNvSpPr>
-          <p:nvPr>
-            <p:ph type="sldNum" sz="quarter" idx="12"/>
-          </p:nvPr>
-        </p:nvSpPr>
-        <p:spPr/>
-        <p:txBody>
-          <a:bodyPr/>
-          <a:lstStyle/>
-          <a:p>
-            <a:fld id="{E9B57936-92EF-4126-AE48-1D9D36D15E98}" type="slidenum">
-              <a:rPr kumimoji="1" lang="ja-JP" altLang="en-US" smtClean="0"/>
-              <a:pPr/>
-              <a:t>49</a:t>
-            </a:fld>
-            <a:endParaRPr kumimoji="1" lang="ja-JP" altLang="en-US" dirty="0"/>
-          </a:p>
-        </p:txBody>
-      </p:sp>
-      <p:pic>
-        <p:nvPicPr>
-          <p:cNvPr id="7" name="Content Placeholder 6"/>
-          <p:cNvPicPr>
-            <a:picLocks noGrp="1" noChangeAspect="1"/>
-          </p:cNvPicPr>
-          <p:nvPr>
-            <p:ph idx="1"/>
-          </p:nvPr>
-        </p:nvPicPr>
-        <p:blipFill>
-          <a:blip r:embed="rId2">
-            <a:extLst>
-              <a:ext uri="{28A0092B-C50C-407E-A947-70E740481C1C}">
-                <a14:useLocalDpi xmlns:a14="http://schemas.microsoft.com/office/drawing/2010/main" val="0"/>
-              </a:ext>
-            </a:extLst>
-          </a:blip>
-          <a:stretch>
-            <a:fillRect/>
-          </a:stretch>
-        </p:blipFill>
-        <p:spPr>
-          <a:xfrm>
-            <a:off x="735806" y="1490662"/>
-            <a:ext cx="7620000" cy="2540000"/>
-          </a:xfrm>
-        </p:spPr>
-      </p:pic>
-      <p:sp>
-        <p:nvSpPr>
-          <p:cNvPr id="8" name="Rectangle 7"/>
-          <p:cNvSpPr/>
-          <p:nvPr/>
-        </p:nvSpPr>
-        <p:spPr>
-          <a:xfrm>
-            <a:off x="6084168" y="2211710"/>
-            <a:ext cx="558961" cy="216024"/>
-          </a:xfrm>
-          <a:prstGeom prst="rect">
-            <a:avLst/>
-          </a:prstGeom>
-          <a:noFill/>
-        </p:spPr>
-        <p:style>
-          <a:lnRef idx="2">
-            <a:schemeClr val="accent1">
-              <a:shade val="50000"/>
-            </a:schemeClr>
-          </a:lnRef>
-          <a:fillRef idx="1">
-            <a:schemeClr val="accent1"/>
-          </a:fillRef>
-          <a:effectRef idx="0">
-            <a:schemeClr val="accent1"/>
-          </a:effectRef>
-          <a:fontRef idx="minor">
-            <a:schemeClr val="lt1"/>
-          </a:fontRef>
-        </p:style>
-        <p:txBody>
-          <a:bodyPr rtlCol="0" anchor="ctr"/>
-          <a:lstStyle/>
-          <a:p>
-            <a:pPr algn="ctr"/>
-            <a:endParaRPr lang="en-US"/>
-          </a:p>
-        </p:txBody>
-      </p:sp>
-      <p:sp>
-        <p:nvSpPr>
-          <p:cNvPr id="9" name="Rectangle 8"/>
-          <p:cNvSpPr/>
-          <p:nvPr/>
-        </p:nvSpPr>
-        <p:spPr>
-          <a:xfrm>
-            <a:off x="6074341" y="3056466"/>
-            <a:ext cx="558961" cy="216024"/>
-          </a:xfrm>
-          <a:prstGeom prst="rect">
-            <a:avLst/>
-          </a:prstGeom>
-          <a:noFill/>
-        </p:spPr>
-        <p:style>
-          <a:lnRef idx="2">
-            <a:schemeClr val="accent1">
-              <a:shade val="50000"/>
-            </a:schemeClr>
-          </a:lnRef>
-          <a:fillRef idx="1">
-            <a:schemeClr val="accent1"/>
-          </a:fillRef>
-          <a:effectRef idx="0">
-            <a:schemeClr val="accent1"/>
-          </a:effectRef>
-          <a:fontRef idx="minor">
-            <a:schemeClr val="lt1"/>
-          </a:fontRef>
-        </p:style>
-        <p:txBody>
-          <a:bodyPr rtlCol="0" anchor="ctr"/>
-          <a:lstStyle/>
-          <a:p>
-            <a:pPr algn="ctr"/>
-            <a:endParaRPr lang="en-US"/>
-          </a:p>
-        </p:txBody>
-      </p:sp>
-    </p:spTree>
-    <p:extLst>
-      <p:ext uri="{BB962C8B-B14F-4D97-AF65-F5344CB8AC3E}">
-        <p14:creationId xmlns:p14="http://schemas.microsoft.com/office/powerpoint/2010/main" val="1795551437"/>
-      </p:ext>
-    </p:extLst>
-  </p:cSld>
-  <p:clrMapOvr>
-    <a:masterClrMapping/>
-  </p:clrMapOvr>
-</p:sld>
-</file>
-
-<file path=ppt/slides/slide51.xml><?xml version="1.0" encoding="utf-8"?>
-<p:sld xmlns:a="http://schemas.openxmlformats.org/drawingml/2006/main" xmlns:r="http://schemas.openxmlformats.org/officeDocument/2006/relationships" xmlns:p="http://schemas.openxmlformats.org/presentationml/2006/main">
-  <p:cSld>
-    <p:spTree>
-      <p:nvGrpSpPr>
-        <p:cNvPr id="1" name=""/>
-        <p:cNvGrpSpPr/>
-        <p:nvPr/>
-      </p:nvGrpSpPr>
-      <p:grpSpPr>
-        <a:xfrm>
-          <a:off x="0" y="0"/>
-          <a:ext cx="0" cy="0"/>
-          <a:chOff x="0" y="0"/>
-          <a:chExt cx="0" cy="0"/>
-        </a:xfrm>
-      </p:grpSpPr>
-      <p:sp>
-        <p:nvSpPr>
           <p:cNvPr id="2" name="Title 1">
             <a:extLst>
               <a:ext uri="{FF2B5EF4-FFF2-40B4-BE49-F238E27FC236}">
@@ -33586,7 +33694,7 @@
             <a:fld id="{E9B57936-92EF-4126-AE48-1D9D36D15E98}" type="slidenum">
               <a:rPr kumimoji="1" lang="ja-JP" altLang="en-US" smtClean="0"/>
               <a:pPr/>
-              <a:t>50</a:t>
+              <a:t>49</a:t>
             </a:fld>
             <a:endParaRPr kumimoji="1" lang="ja-JP" altLang="en-US"/>
           </a:p>
@@ -33693,7 +33801,7 @@
 </p:sld>
 </file>
 
-<file path=ppt/slides/slide52.xml><?xml version="1.0" encoding="utf-8"?>
+<file path=ppt/slides/slide51.xml><?xml version="1.0" encoding="utf-8"?>
 <p:sld xmlns:a="http://schemas.openxmlformats.org/drawingml/2006/main" xmlns:r="http://schemas.openxmlformats.org/officeDocument/2006/relationships" xmlns:p="http://schemas.openxmlformats.org/presentationml/2006/main">
   <p:cSld>
     <p:spTree>
@@ -33801,7 +33909,7 @@
             <a:fld id="{E9B57936-92EF-4126-AE48-1D9D36D15E98}" type="slidenum">
               <a:rPr kumimoji="1" lang="ja-JP" altLang="en-US" smtClean="0"/>
               <a:pPr/>
-              <a:t>51</a:t>
+              <a:t>50</a:t>
             </a:fld>
             <a:endParaRPr kumimoji="1" lang="ja-JP" altLang="en-US" dirty="0"/>
           </a:p>
@@ -33890,7 +33998,7 @@
 </p:sld>
 </file>
 
-<file path=ppt/slides/slide53.xml><?xml version="1.0" encoding="utf-8"?>
+<file path=ppt/slides/slide52.xml><?xml version="1.0" encoding="utf-8"?>
 <p:sld xmlns:a="http://schemas.openxmlformats.org/drawingml/2006/main" xmlns:r="http://schemas.openxmlformats.org/officeDocument/2006/relationships" xmlns:p="http://schemas.openxmlformats.org/presentationml/2006/main">
   <p:cSld>
     <p:spTree>
@@ -34022,7 +34130,7 @@
             <a:fld id="{E9B57936-92EF-4126-AE48-1D9D36D15E98}" type="slidenum">
               <a:rPr kumimoji="1" lang="ja-JP" altLang="en-US" smtClean="0"/>
               <a:pPr/>
-              <a:t>52</a:t>
+              <a:t>51</a:t>
             </a:fld>
             <a:endParaRPr kumimoji="1" lang="ja-JP" altLang="en-US"/>
           </a:p>
@@ -34032,6 +34140,173 @@
     <p:extLst>
       <p:ext uri="{BB962C8B-B14F-4D97-AF65-F5344CB8AC3E}">
         <p14:creationId xmlns:p14="http://schemas.microsoft.com/office/powerpoint/2010/main" val="2648673506"/>
+      </p:ext>
+    </p:extLst>
+  </p:cSld>
+  <p:clrMapOvr>
+    <a:masterClrMapping/>
+  </p:clrMapOvr>
+</p:sld>
+</file>
+
+<file path=ppt/slides/slide53.xml><?xml version="1.0" encoding="utf-8"?>
+<p:sld xmlns:a="http://schemas.openxmlformats.org/drawingml/2006/main" xmlns:r="http://schemas.openxmlformats.org/officeDocument/2006/relationships" xmlns:p="http://schemas.openxmlformats.org/presentationml/2006/main">
+  <p:cSld>
+    <p:spTree>
+      <p:nvGrpSpPr>
+        <p:cNvPr id="1" name=""/>
+        <p:cNvGrpSpPr/>
+        <p:nvPr/>
+      </p:nvGrpSpPr>
+      <p:grpSpPr>
+        <a:xfrm>
+          <a:off x="0" y="0"/>
+          <a:ext cx="0" cy="0"/>
+          <a:chOff x="0" y="0"/>
+          <a:chExt cx="0" cy="0"/>
+        </a:xfrm>
+      </p:grpSpPr>
+      <p:sp>
+        <p:nvSpPr>
+          <p:cNvPr id="2" name="Title 1"/>
+          <p:cNvSpPr>
+            <a:spLocks noGrp="1"/>
+          </p:cNvSpPr>
+          <p:nvPr>
+            <p:ph type="title"/>
+          </p:nvPr>
+        </p:nvSpPr>
+        <p:spPr/>
+        <p:txBody>
+          <a:bodyPr/>
+          <a:lstStyle/>
+          <a:p>
+            <a:r>
+              <a:rPr lang="en-US" dirty="0"/>
+              <a:t>Future Steps</a:t>
+            </a:r>
+          </a:p>
+        </p:txBody>
+      </p:sp>
+      <p:sp>
+        <p:nvSpPr>
+          <p:cNvPr id="3" name="Content Placeholder 2"/>
+          <p:cNvSpPr>
+            <a:spLocks noGrp="1"/>
+          </p:cNvSpPr>
+          <p:nvPr>
+            <p:ph idx="1"/>
+          </p:nvPr>
+        </p:nvSpPr>
+        <p:spPr/>
+        <p:txBody>
+          <a:bodyPr/>
+          <a:lstStyle/>
+          <a:p>
+            <a:r>
+              <a:rPr lang="en-US" dirty="0"/>
+              <a:t>Overlapping Simulations</a:t>
+            </a:r>
+          </a:p>
+          <a:p>
+            <a:r>
+              <a:rPr lang="en-US" dirty="0"/>
+              <a:t>Stop Criterion</a:t>
+            </a:r>
+          </a:p>
+          <a:p>
+            <a:r>
+              <a:rPr lang="en-US" dirty="0"/>
+              <a:t>Combination of Group Lasso with other methods</a:t>
+            </a:r>
+          </a:p>
+          <a:p>
+            <a:r>
+              <a:rPr lang="en-US" dirty="0"/>
+              <a:t>Endpoints</a:t>
+            </a:r>
+          </a:p>
+        </p:txBody>
+      </p:sp>
+      <p:sp>
+        <p:nvSpPr>
+          <p:cNvPr id="4" name="Footer Placeholder 3"/>
+          <p:cNvSpPr>
+            <a:spLocks noGrp="1"/>
+          </p:cNvSpPr>
+          <p:nvPr>
+            <p:ph type="ftr" sz="quarter" idx="11"/>
+          </p:nvPr>
+        </p:nvSpPr>
+        <p:spPr/>
+        <p:txBody>
+          <a:bodyPr/>
+          <a:lstStyle/>
+          <a:p>
+            <a:r>
+              <a:rPr lang="ja-JP" altLang="en-US" dirty="0"/>
+              <a:t>｜</a:t>
+            </a:r>
+            <a:r>
+              <a:rPr lang="en-US" altLang="ja-JP" dirty="0"/>
+              <a:t>0000</a:t>
+            </a:r>
+            <a:r>
+              <a:rPr lang="ja-JP" altLang="en-US" dirty="0"/>
+              <a:t>　</a:t>
+            </a:r>
+            <a:r>
+              <a:rPr lang="en-US" altLang="ja-JP" dirty="0"/>
+              <a:t>|</a:t>
+            </a:r>
+            <a:r>
+              <a:rPr lang="ja-JP" altLang="en-US" dirty="0"/>
+              <a:t>　　</a:t>
+            </a:r>
+            <a:r>
+              <a:rPr lang="en-US" altLang="ja-JP" dirty="0"/>
+              <a:t> Aug 24</a:t>
+            </a:r>
+            <a:r>
+              <a:rPr lang="en-US" altLang="ja-JP" baseline="30000" dirty="0"/>
+              <a:t>th</a:t>
+            </a:r>
+            <a:r>
+              <a:rPr lang="en-US" altLang="ja-JP" dirty="0"/>
+              <a:t> 2018</a:t>
+            </a:r>
+            <a:endParaRPr lang="ja-JP" altLang="en-US" dirty="0"/>
+          </a:p>
+        </p:txBody>
+      </p:sp>
+      <p:sp>
+        <p:nvSpPr>
+          <p:cNvPr id="5" name="Slide Number Placeholder 4"/>
+          <p:cNvSpPr>
+            <a:spLocks noGrp="1"/>
+          </p:cNvSpPr>
+          <p:nvPr>
+            <p:ph type="sldNum" sz="quarter" idx="12"/>
+          </p:nvPr>
+        </p:nvSpPr>
+        <p:spPr/>
+        <p:txBody>
+          <a:bodyPr/>
+          <a:lstStyle/>
+          <a:p>
+            <a:fld id="{E9B57936-92EF-4126-AE48-1D9D36D15E98}" type="slidenum">
+              <a:rPr kumimoji="1" lang="ja-JP" altLang="en-US" smtClean="0"/>
+              <a:pPr/>
+              <a:t>52</a:t>
+            </a:fld>
+            <a:endParaRPr kumimoji="1" lang="ja-JP" altLang="en-US" dirty="0"/>
+          </a:p>
+        </p:txBody>
+      </p:sp>
+    </p:spTree>
+    <p:extLst>
+      <p:ext uri="{BB962C8B-B14F-4D97-AF65-F5344CB8AC3E}">
+        <p14:creationId xmlns:p14="http://schemas.microsoft.com/office/powerpoint/2010/main" val="594547752"/>
       </p:ext>
     </p:extLst>
   </p:cSld>
@@ -34075,7 +34350,7 @@
           <a:p>
             <a:r>
               <a:rPr lang="en-US" dirty="0"/>
-              <a:t>Future Steps</a:t>
+              <a:t>References</a:t>
             </a:r>
           </a:p>
         </p:txBody>
@@ -34095,28 +34370,7 @@
           <a:bodyPr/>
           <a:lstStyle/>
           <a:p>
-            <a:r>
-              <a:rPr lang="en-US" dirty="0"/>
-              <a:t>Overlapping Simulations</a:t>
-            </a:r>
-          </a:p>
-          <a:p>
-            <a:r>
-              <a:rPr lang="en-US" dirty="0"/>
-              <a:t>Stop Criterion</a:t>
-            </a:r>
-          </a:p>
-          <a:p>
-            <a:r>
-              <a:rPr lang="en-US" dirty="0"/>
-              <a:t>Combination of Group Lasso with other methods</a:t>
-            </a:r>
-          </a:p>
-          <a:p>
-            <a:r>
-              <a:rPr lang="en-US" dirty="0"/>
-              <a:t>Endpoints</a:t>
-            </a:r>
+            <a:endParaRPr lang="en-US"/>
           </a:p>
         </p:txBody>
       </p:sp>
@@ -34198,7 +34452,7 @@
     </p:spTree>
     <p:extLst>
       <p:ext uri="{BB962C8B-B14F-4D97-AF65-F5344CB8AC3E}">
-        <p14:creationId xmlns:p14="http://schemas.microsoft.com/office/powerpoint/2010/main" val="594547752"/>
+        <p14:creationId xmlns:p14="http://schemas.microsoft.com/office/powerpoint/2010/main" val="1806187522"/>
       </p:ext>
     </p:extLst>
   </p:cSld>
@@ -34209,152 +34463,6 @@
 </file>
 
 <file path=ppt/slides/slide55.xml><?xml version="1.0" encoding="utf-8"?>
-<p:sld xmlns:a="http://schemas.openxmlformats.org/drawingml/2006/main" xmlns:r="http://schemas.openxmlformats.org/officeDocument/2006/relationships" xmlns:p="http://schemas.openxmlformats.org/presentationml/2006/main">
-  <p:cSld>
-    <p:spTree>
-      <p:nvGrpSpPr>
-        <p:cNvPr id="1" name=""/>
-        <p:cNvGrpSpPr/>
-        <p:nvPr/>
-      </p:nvGrpSpPr>
-      <p:grpSpPr>
-        <a:xfrm>
-          <a:off x="0" y="0"/>
-          <a:ext cx="0" cy="0"/>
-          <a:chOff x="0" y="0"/>
-          <a:chExt cx="0" cy="0"/>
-        </a:xfrm>
-      </p:grpSpPr>
-      <p:sp>
-        <p:nvSpPr>
-          <p:cNvPr id="2" name="Title 1"/>
-          <p:cNvSpPr>
-            <a:spLocks noGrp="1"/>
-          </p:cNvSpPr>
-          <p:nvPr>
-            <p:ph type="title"/>
-          </p:nvPr>
-        </p:nvSpPr>
-        <p:spPr/>
-        <p:txBody>
-          <a:bodyPr/>
-          <a:lstStyle/>
-          <a:p>
-            <a:r>
-              <a:rPr lang="en-US" dirty="0"/>
-              <a:t>References</a:t>
-            </a:r>
-          </a:p>
-        </p:txBody>
-      </p:sp>
-      <p:sp>
-        <p:nvSpPr>
-          <p:cNvPr id="3" name="Content Placeholder 2"/>
-          <p:cNvSpPr>
-            <a:spLocks noGrp="1"/>
-          </p:cNvSpPr>
-          <p:nvPr>
-            <p:ph idx="1"/>
-          </p:nvPr>
-        </p:nvSpPr>
-        <p:spPr/>
-        <p:txBody>
-          <a:bodyPr/>
-          <a:lstStyle/>
-          <a:p>
-            <a:endParaRPr lang="en-US"/>
-          </a:p>
-        </p:txBody>
-      </p:sp>
-      <p:sp>
-        <p:nvSpPr>
-          <p:cNvPr id="4" name="Footer Placeholder 3"/>
-          <p:cNvSpPr>
-            <a:spLocks noGrp="1"/>
-          </p:cNvSpPr>
-          <p:nvPr>
-            <p:ph type="ftr" sz="quarter" idx="11"/>
-          </p:nvPr>
-        </p:nvSpPr>
-        <p:spPr/>
-        <p:txBody>
-          <a:bodyPr/>
-          <a:lstStyle/>
-          <a:p>
-            <a:r>
-              <a:rPr lang="ja-JP" altLang="en-US" dirty="0"/>
-              <a:t>｜</a:t>
-            </a:r>
-            <a:r>
-              <a:rPr lang="en-US" altLang="ja-JP" dirty="0"/>
-              <a:t>0000</a:t>
-            </a:r>
-            <a:r>
-              <a:rPr lang="ja-JP" altLang="en-US" dirty="0"/>
-              <a:t>　</a:t>
-            </a:r>
-            <a:r>
-              <a:rPr lang="en-US" altLang="ja-JP" dirty="0"/>
-              <a:t>|</a:t>
-            </a:r>
-            <a:r>
-              <a:rPr lang="ja-JP" altLang="en-US" dirty="0"/>
-              <a:t>　　</a:t>
-            </a:r>
-            <a:r>
-              <a:rPr lang="en-US" altLang="ja-JP" dirty="0"/>
-              <a:t> Aug 24</a:t>
-            </a:r>
-            <a:r>
-              <a:rPr lang="en-US" altLang="ja-JP" baseline="30000" dirty="0"/>
-              <a:t>th</a:t>
-            </a:r>
-            <a:r>
-              <a:rPr lang="en-US" altLang="ja-JP" dirty="0"/>
-              <a:t> 2018</a:t>
-            </a:r>
-            <a:endParaRPr lang="ja-JP" altLang="en-US" dirty="0"/>
-          </a:p>
-        </p:txBody>
-      </p:sp>
-      <p:sp>
-        <p:nvSpPr>
-          <p:cNvPr id="5" name="Slide Number Placeholder 4"/>
-          <p:cNvSpPr>
-            <a:spLocks noGrp="1"/>
-          </p:cNvSpPr>
-          <p:nvPr>
-            <p:ph type="sldNum" sz="quarter" idx="12"/>
-          </p:nvPr>
-        </p:nvSpPr>
-        <p:spPr/>
-        <p:txBody>
-          <a:bodyPr/>
-          <a:lstStyle/>
-          <a:p>
-            <a:fld id="{E9B57936-92EF-4126-AE48-1D9D36D15E98}" type="slidenum">
-              <a:rPr kumimoji="1" lang="ja-JP" altLang="en-US" smtClean="0"/>
-              <a:pPr/>
-              <a:t>54</a:t>
-            </a:fld>
-            <a:endParaRPr kumimoji="1" lang="ja-JP" altLang="en-US" dirty="0"/>
-          </a:p>
-        </p:txBody>
-      </p:sp>
-    </p:spTree>
-    <p:extLst>
-      <p:ext uri="{BB962C8B-B14F-4D97-AF65-F5344CB8AC3E}">
-        <p14:creationId xmlns:p14="http://schemas.microsoft.com/office/powerpoint/2010/main" val="1806187522"/>
-      </p:ext>
-    </p:extLst>
-  </p:cSld>
-  <p:clrMapOvr>
-    <a:masterClrMapping/>
-  </p:clrMapOvr>
-</p:sld>
-</file>
-
-<file path=ppt/slides/slide56.xml><?xml version="1.0" encoding="utf-8"?>
 <p:sld xmlns:a="http://schemas.openxmlformats.org/drawingml/2006/main" xmlns:r="http://schemas.openxmlformats.org/officeDocument/2006/relationships" xmlns:p="http://schemas.openxmlformats.org/presentationml/2006/main">
   <p:cSld>
     <p:spTree>

--- a/manu & slides/Final.pptx
+++ b/manu & slides/Final.pptx
@@ -5,7 +5,7 @@
     <p:sldMasterId id="2147483648" r:id="rId1"/>
   </p:sldMasterIdLst>
   <p:notesMasterIdLst>
-    <p:notesMasterId r:id="rId57"/>
+    <p:notesMasterId r:id="rId54"/>
   </p:notesMasterIdLst>
   <p:sldIdLst>
     <p:sldId id="260" r:id="rId2"/>
@@ -48,21 +48,18 @@
     <p:sldId id="287" r:id="rId39"/>
     <p:sldId id="294" r:id="rId40"/>
     <p:sldId id="288" r:id="rId41"/>
-    <p:sldId id="299" r:id="rId42"/>
-    <p:sldId id="300" r:id="rId43"/>
-    <p:sldId id="301" r:id="rId44"/>
-    <p:sldId id="302" r:id="rId45"/>
-    <p:sldId id="303" r:id="rId46"/>
-    <p:sldId id="335" r:id="rId47"/>
-    <p:sldId id="305" r:id="rId48"/>
-    <p:sldId id="334" r:id="rId49"/>
-    <p:sldId id="289" r:id="rId50"/>
-    <p:sldId id="333" r:id="rId51"/>
-    <p:sldId id="291" r:id="rId52"/>
-    <p:sldId id="332" r:id="rId53"/>
-    <p:sldId id="307" r:id="rId54"/>
-    <p:sldId id="313" r:id="rId55"/>
-    <p:sldId id="308" r:id="rId56"/>
+    <p:sldId id="357" r:id="rId42"/>
+    <p:sldId id="358" r:id="rId43"/>
+    <p:sldId id="335" r:id="rId44"/>
+    <p:sldId id="305" r:id="rId45"/>
+    <p:sldId id="334" r:id="rId46"/>
+    <p:sldId id="289" r:id="rId47"/>
+    <p:sldId id="333" r:id="rId48"/>
+    <p:sldId id="291" r:id="rId49"/>
+    <p:sldId id="332" r:id="rId50"/>
+    <p:sldId id="307" r:id="rId51"/>
+    <p:sldId id="313" r:id="rId52"/>
+    <p:sldId id="308" r:id="rId53"/>
   </p:sldIdLst>
   <p:sldSz cx="9144000" cy="5143500" type="screen16x9"/>
   <p:notesSz cx="6805613" cy="9939338"/>
@@ -186,11 +183,7 @@
     <p:extLst/>
   </p:cmAuthor>
   <p:cmAuthor id="2" name="Deng, Wenxuan" initials="DW" lastIdx="7" clrIdx="1">
-    <p:extLst>
-      <p:ext uri="{19B8F6BF-5375-455C-9EA6-DF929625EA0E}">
-        <p15:presenceInfo xmlns:p15="http://schemas.microsoft.com/office/powerpoint/2012/main" userId="Deng, Wenxuan" providerId="None"/>
-      </p:ext>
-    </p:extLst>
+    <p:extLst/>
   </p:cmAuthor>
 </p:cmAuthorLst>
 </file>
@@ -1655,6 +1648,13 @@
         </dgm:presLayoutVars>
       </dgm:prSet>
       <dgm:spPr/>
+      <dgm:t>
+        <a:bodyPr/>
+        <a:lstStyle/>
+        <a:p>
+          <a:endParaRPr lang="en-US"/>
+        </a:p>
+      </dgm:t>
     </dgm:pt>
     <dgm:pt modelId="{EB78651D-F937-4BE7-8A13-5DEDD560F0B3}" type="pres">
       <dgm:prSet presAssocID="{AF488DDA-5F7C-4533-B568-2FA2E448735E}" presName="composite" presStyleCnt="0"/>
@@ -1668,6 +1668,13 @@
         </dgm:presLayoutVars>
       </dgm:prSet>
       <dgm:spPr/>
+      <dgm:t>
+        <a:bodyPr/>
+        <a:lstStyle/>
+        <a:p>
+          <a:endParaRPr lang="en-US"/>
+        </a:p>
+      </dgm:t>
     </dgm:pt>
     <dgm:pt modelId="{A812A383-0D98-4594-85E0-EAA50CB0BD7C}" type="pres">
       <dgm:prSet presAssocID="{AF488DDA-5F7C-4533-B568-2FA2E448735E}" presName="descendantText" presStyleLbl="alignAcc1" presStyleIdx="0" presStyleCnt="4">
@@ -1676,6 +1683,13 @@
         </dgm:presLayoutVars>
       </dgm:prSet>
       <dgm:spPr/>
+      <dgm:t>
+        <a:bodyPr/>
+        <a:lstStyle/>
+        <a:p>
+          <a:endParaRPr lang="en-US"/>
+        </a:p>
+      </dgm:t>
     </dgm:pt>
     <dgm:pt modelId="{930B3658-10E1-445C-B6D1-51A791D92588}" type="pres">
       <dgm:prSet presAssocID="{1C961E97-7CDC-4A7B-B014-B4C8AB201F7E}" presName="sp" presStyleCnt="0"/>
@@ -1693,6 +1707,13 @@
         </dgm:presLayoutVars>
       </dgm:prSet>
       <dgm:spPr/>
+      <dgm:t>
+        <a:bodyPr/>
+        <a:lstStyle/>
+        <a:p>
+          <a:endParaRPr lang="en-US"/>
+        </a:p>
+      </dgm:t>
     </dgm:pt>
     <dgm:pt modelId="{5698090B-1B75-477E-866A-F0C87B4A002C}" type="pres">
       <dgm:prSet presAssocID="{38382313-0EA2-4C90-989F-2DE69F55C4BD}" presName="descendantText" presStyleLbl="alignAcc1" presStyleIdx="1" presStyleCnt="4">
@@ -1701,6 +1722,13 @@
         </dgm:presLayoutVars>
       </dgm:prSet>
       <dgm:spPr/>
+      <dgm:t>
+        <a:bodyPr/>
+        <a:lstStyle/>
+        <a:p>
+          <a:endParaRPr lang="en-US"/>
+        </a:p>
+      </dgm:t>
     </dgm:pt>
     <dgm:pt modelId="{2581BF29-2C22-4E17-9CB2-E389F505FA1E}" type="pres">
       <dgm:prSet presAssocID="{86318F2E-2A15-45E9-AB35-D5F38718D00C}" presName="sp" presStyleCnt="0"/>
@@ -1718,6 +1746,13 @@
         </dgm:presLayoutVars>
       </dgm:prSet>
       <dgm:spPr/>
+      <dgm:t>
+        <a:bodyPr/>
+        <a:lstStyle/>
+        <a:p>
+          <a:endParaRPr lang="en-US"/>
+        </a:p>
+      </dgm:t>
     </dgm:pt>
     <dgm:pt modelId="{D3BD3A2B-4F01-4EB4-AAD6-0A000A9A5E9B}" type="pres">
       <dgm:prSet presAssocID="{86BC410A-C116-40E0-B4E2-11DE4AA65FA4}" presName="descendantText" presStyleLbl="alignAcc1" presStyleIdx="2" presStyleCnt="4">
@@ -1726,6 +1761,13 @@
         </dgm:presLayoutVars>
       </dgm:prSet>
       <dgm:spPr/>
+      <dgm:t>
+        <a:bodyPr/>
+        <a:lstStyle/>
+        <a:p>
+          <a:endParaRPr lang="en-US"/>
+        </a:p>
+      </dgm:t>
     </dgm:pt>
     <dgm:pt modelId="{745031E2-26D5-40F0-BDB1-160335FF5D50}" type="pres">
       <dgm:prSet presAssocID="{2CF913C7-593B-499D-8A62-EFCC2BC898BC}" presName="sp" presStyleCnt="0"/>
@@ -1743,6 +1785,13 @@
         </dgm:presLayoutVars>
       </dgm:prSet>
       <dgm:spPr/>
+      <dgm:t>
+        <a:bodyPr/>
+        <a:lstStyle/>
+        <a:p>
+          <a:endParaRPr lang="en-US"/>
+        </a:p>
+      </dgm:t>
     </dgm:pt>
     <dgm:pt modelId="{4C00211F-5D98-4275-B662-6F596E5E0752}" type="pres">
       <dgm:prSet presAssocID="{D95598EA-A9D5-4B16-93C0-2C73746E18EC}" presName="descendantText" presStyleLbl="alignAcc1" presStyleIdx="3" presStyleCnt="4">
@@ -1751,42 +1800,49 @@
         </dgm:presLayoutVars>
       </dgm:prSet>
       <dgm:spPr/>
+      <dgm:t>
+        <a:bodyPr/>
+        <a:lstStyle/>
+        <a:p>
+          <a:endParaRPr lang="en-US"/>
+        </a:p>
+      </dgm:t>
     </dgm:pt>
   </dgm:ptLst>
   <dgm:cxnLst>
+    <dgm:cxn modelId="{4B89EB74-835D-48AE-A061-4B60828F321C}" type="presOf" srcId="{B450257E-742D-44B4-8049-AE063E9EF942}" destId="{5698090B-1B75-477E-866A-F0C87B4A002C}" srcOrd="0" destOrd="1" presId="urn:microsoft.com/office/officeart/2005/8/layout/chevron2"/>
+    <dgm:cxn modelId="{0CA09FE3-F837-410C-98D0-8C51AC33CCEE}" type="presOf" srcId="{97630EBA-C60C-4354-9175-FC9FD9541489}" destId="{4C00211F-5D98-4275-B662-6F596E5E0752}" srcOrd="0" destOrd="0" presId="urn:microsoft.com/office/officeart/2005/8/layout/chevron2"/>
+    <dgm:cxn modelId="{F999CACD-D8C3-4962-8AC4-BFFCF758C656}" srcId="{33B2979B-5C61-4C79-B9CB-D7742768E99C}" destId="{AF488DDA-5F7C-4533-B568-2FA2E448735E}" srcOrd="0" destOrd="0" parTransId="{50D97B6A-CF45-4CAA-BA59-2FA53BBF27EE}" sibTransId="{1C961E97-7CDC-4A7B-B014-B4C8AB201F7E}"/>
+    <dgm:cxn modelId="{2D9852A0-C90B-4540-A24D-17E4ED330871}" type="presOf" srcId="{38382313-0EA2-4C90-989F-2DE69F55C4BD}" destId="{3EA0871E-3D2E-4761-9CBA-F42C2B17AF35}" srcOrd="0" destOrd="0" presId="urn:microsoft.com/office/officeart/2005/8/layout/chevron2"/>
+    <dgm:cxn modelId="{01EF0D5F-3767-47EB-BEE7-E375B22107B0}" srcId="{D95598EA-A9D5-4B16-93C0-2C73746E18EC}" destId="{97630EBA-C60C-4354-9175-FC9FD9541489}" srcOrd="0" destOrd="0" parTransId="{DD2F3B4D-8513-4BD1-9629-2F5F99567BDC}" sibTransId="{96898EF0-0C33-4C38-A7D0-F06EDAB58126}"/>
+    <dgm:cxn modelId="{165FA0E7-97B6-416A-AC79-DADA3911804D}" srcId="{D95598EA-A9D5-4B16-93C0-2C73746E18EC}" destId="{CBE5605E-8751-4042-B09E-3D2AF9BB53EE}" srcOrd="2" destOrd="0" parTransId="{8F5BE460-7959-4122-B232-654EC686E9B9}" sibTransId="{0FE11BC4-FBA7-42B0-A70E-97138CDD0F9A}"/>
+    <dgm:cxn modelId="{B3452A6F-D59D-4223-99B3-37FF265221EB}" srcId="{38382313-0EA2-4C90-989F-2DE69F55C4BD}" destId="{C8C1595D-BE67-4C4A-B83E-DAAA4CE51238}" srcOrd="2" destOrd="0" parTransId="{01F7E243-2C0A-4AE1-9979-5C28569B7596}" sibTransId="{DC0CB1B9-6646-4834-B220-990F19D2612B}"/>
+    <dgm:cxn modelId="{21615DC5-6DAB-4140-BE9E-C068C3E4F695}" srcId="{38382313-0EA2-4C90-989F-2DE69F55C4BD}" destId="{B450257E-742D-44B4-8049-AE063E9EF942}" srcOrd="1" destOrd="0" parTransId="{DBFD4CA1-7383-4408-A0AB-D3F7F2F65B6B}" sibTransId="{A91813BB-A90C-4D38-9771-013B4C5E15B3}"/>
+    <dgm:cxn modelId="{9346AD5F-90BA-42F9-8E2D-F67BEF7579A8}" type="presOf" srcId="{E7CFBD75-B701-47FE-8C58-754179825C67}" destId="{5698090B-1B75-477E-866A-F0C87B4A002C}" srcOrd="0" destOrd="0" presId="urn:microsoft.com/office/officeart/2005/8/layout/chevron2"/>
     <dgm:cxn modelId="{5975CF0B-C6F9-48FB-807E-94D6AF2BAB6F}" type="presOf" srcId="{0CCE5AD2-61DC-41A6-9B0F-32D738E1EE00}" destId="{A812A383-0D98-4594-85E0-EAA50CB0BD7C}" srcOrd="0" destOrd="1" presId="urn:microsoft.com/office/officeart/2005/8/layout/chevron2"/>
+    <dgm:cxn modelId="{5DC840DC-CADE-4247-8FF2-08EF995FCEB3}" srcId="{86BC410A-C116-40E0-B4E2-11DE4AA65FA4}" destId="{3E8DD688-99F4-42B7-ADCD-929F3AD1A952}" srcOrd="0" destOrd="0" parTransId="{10A37DFD-D802-475D-9D3D-A5ED450E89D4}" sibTransId="{F8DCA085-A7EE-4ACE-92C7-A45CECAE0CC0}"/>
+    <dgm:cxn modelId="{EDF6DCDB-181B-4494-987A-4F99DB8C3760}" srcId="{33B2979B-5C61-4C79-B9CB-D7742768E99C}" destId="{D95598EA-A9D5-4B16-93C0-2C73746E18EC}" srcOrd="3" destOrd="0" parTransId="{7200C661-3112-42FA-AD2B-BFD5998A92FC}" sibTransId="{04C87DA4-B0DA-4DB2-BBA0-BE8DC30F0D46}"/>
+    <dgm:cxn modelId="{9CAF74A6-E39C-4EC2-AEA6-346421338C86}" srcId="{86BC410A-C116-40E0-B4E2-11DE4AA65FA4}" destId="{5C0C6CD0-ABB1-4223-A011-B3E6C00F2159}" srcOrd="2" destOrd="0" parTransId="{6D5F0C9F-BF27-4B28-A50D-A641E7B01B2C}" sibTransId="{B6B71650-1D1F-4F76-8E07-1F29FFAA3469}"/>
+    <dgm:cxn modelId="{B934CD8E-7B33-448B-9CDA-FB31E7F3635D}" type="presOf" srcId="{C8C1595D-BE67-4C4A-B83E-DAAA4CE51238}" destId="{5698090B-1B75-477E-866A-F0C87B4A002C}" srcOrd="0" destOrd="2" presId="urn:microsoft.com/office/officeart/2005/8/layout/chevron2"/>
+    <dgm:cxn modelId="{8146623B-55F6-4658-BB87-3CEE60CA35A0}" srcId="{AF488DDA-5F7C-4533-B568-2FA2E448735E}" destId="{9E1B5DE7-B8D9-4907-BE8A-35E2A4BA3584}" srcOrd="2" destOrd="0" parTransId="{BB94109E-8A8E-4C4E-A6BE-E3A9079B9460}" sibTransId="{5B15C5EF-84EB-45D3-A3C0-D11EE76A13B4}"/>
+    <dgm:cxn modelId="{5C154914-FC4F-4C58-9C64-0D995B932C76}" srcId="{33B2979B-5C61-4C79-B9CB-D7742768E99C}" destId="{38382313-0EA2-4C90-989F-2DE69F55C4BD}" srcOrd="1" destOrd="0" parTransId="{5846A2D4-7925-4581-828D-F002237A0154}" sibTransId="{86318F2E-2A15-45E9-AB35-D5F38718D00C}"/>
+    <dgm:cxn modelId="{171C9AEA-0E58-4947-9110-51F99026EF65}" type="presOf" srcId="{EA96D2DC-CA3D-46B3-96DE-A30E5C5FB2F1}" destId="{D3BD3A2B-4F01-4EB4-AAD6-0A000A9A5E9B}" srcOrd="0" destOrd="1" presId="urn:microsoft.com/office/officeart/2005/8/layout/chevron2"/>
+    <dgm:cxn modelId="{3482F50E-624D-438C-8265-DFCD60277910}" type="presOf" srcId="{D95598EA-A9D5-4B16-93C0-2C73746E18EC}" destId="{CAC3FFF9-0328-488B-9D9E-F65CCBF37272}" srcOrd="0" destOrd="0" presId="urn:microsoft.com/office/officeart/2005/8/layout/chevron2"/>
     <dgm:cxn modelId="{4E94D40E-BC09-41C0-AB76-1975E00940B4}" type="presOf" srcId="{AF488DDA-5F7C-4533-B568-2FA2E448735E}" destId="{C5C7F22F-E87C-450F-9E48-B3228B48C98A}" srcOrd="0" destOrd="0" presId="urn:microsoft.com/office/officeart/2005/8/layout/chevron2"/>
-    <dgm:cxn modelId="{3482F50E-624D-438C-8265-DFCD60277910}" type="presOf" srcId="{D95598EA-A9D5-4B16-93C0-2C73746E18EC}" destId="{CAC3FFF9-0328-488B-9D9E-F65CCBF37272}" srcOrd="0" destOrd="0" presId="urn:microsoft.com/office/officeart/2005/8/layout/chevron2"/>
-    <dgm:cxn modelId="{5C154914-FC4F-4C58-9C64-0D995B932C76}" srcId="{33B2979B-5C61-4C79-B9CB-D7742768E99C}" destId="{38382313-0EA2-4C90-989F-2DE69F55C4BD}" srcOrd="1" destOrd="0" parTransId="{5846A2D4-7925-4581-828D-F002237A0154}" sibTransId="{86318F2E-2A15-45E9-AB35-D5F38718D00C}"/>
+    <dgm:cxn modelId="{3106B154-B06D-4AAD-AAFE-F6D8D1A899E3}" type="presOf" srcId="{86BC410A-C116-40E0-B4E2-11DE4AA65FA4}" destId="{DF671F1B-CF18-41D2-8ED0-CBA032F94BC7}" srcOrd="0" destOrd="0" presId="urn:microsoft.com/office/officeart/2005/8/layout/chevron2"/>
+    <dgm:cxn modelId="{AD784992-98B5-427D-8CD3-D4763190BB3D}" type="presOf" srcId="{3E8DD688-99F4-42B7-ADCD-929F3AD1A952}" destId="{D3BD3A2B-4F01-4EB4-AAD6-0A000A9A5E9B}" srcOrd="0" destOrd="0" presId="urn:microsoft.com/office/officeart/2005/8/layout/chevron2"/>
+    <dgm:cxn modelId="{DD6CDA72-BCDD-40F2-98A9-6C10AE78C2BD}" srcId="{33B2979B-5C61-4C79-B9CB-D7742768E99C}" destId="{86BC410A-C116-40E0-B4E2-11DE4AA65FA4}" srcOrd="2" destOrd="0" parTransId="{36D374DB-4B6B-4CCB-BFC4-88F431737722}" sibTransId="{2CF913C7-593B-499D-8A62-EFCC2BC898BC}"/>
+    <dgm:cxn modelId="{043E79B6-8105-4DC1-98FC-A46ADF24EFFD}" type="presOf" srcId="{BA0BF7EE-7DDA-4E7B-8D1E-024F593D63F1}" destId="{A812A383-0D98-4594-85E0-EAA50CB0BD7C}" srcOrd="0" destOrd="0" presId="urn:microsoft.com/office/officeart/2005/8/layout/chevron2"/>
+    <dgm:cxn modelId="{2CB9ACC8-CB47-4C6D-A59E-C1658978D50C}" type="presOf" srcId="{33B2979B-5C61-4C79-B9CB-D7742768E99C}" destId="{10F3906F-CFD0-400B-9C48-9CF17B0B8C1A}" srcOrd="0" destOrd="0" presId="urn:microsoft.com/office/officeart/2005/8/layout/chevron2"/>
+    <dgm:cxn modelId="{CBC2EE71-1EF7-4FB9-B76A-6EDB805AA1E3}" type="presOf" srcId="{5C0C6CD0-ABB1-4223-A011-B3E6C00F2159}" destId="{D3BD3A2B-4F01-4EB4-AAD6-0A000A9A5E9B}" srcOrd="0" destOrd="2" presId="urn:microsoft.com/office/officeart/2005/8/layout/chevron2"/>
+    <dgm:cxn modelId="{2CF43067-2A39-4672-9D64-C09E511C8168}" type="presOf" srcId="{D6A4D214-E874-4166-A197-D717BC934187}" destId="{4C00211F-5D98-4275-B662-6F596E5E0752}" srcOrd="0" destOrd="1" presId="urn:microsoft.com/office/officeart/2005/8/layout/chevron2"/>
+    <dgm:cxn modelId="{5AF09A3D-11C6-4161-BE33-53CD09813DBF}" srcId="{86BC410A-C116-40E0-B4E2-11DE4AA65FA4}" destId="{EA96D2DC-CA3D-46B3-96DE-A30E5C5FB2F1}" srcOrd="1" destOrd="0" parTransId="{AEFF3977-8565-42F7-8679-7E0AA8DCD8DA}" sibTransId="{17F5046D-1512-4DCC-9FD1-3957D2730003}"/>
+    <dgm:cxn modelId="{9ACB8F3B-D1C9-413F-8B2F-73500D74470D}" srcId="{AF488DDA-5F7C-4533-B568-2FA2E448735E}" destId="{0CCE5AD2-61DC-41A6-9B0F-32D738E1EE00}" srcOrd="1" destOrd="0" parTransId="{2E82410A-3BFC-4A14-BDF6-25BA38E2B853}" sibTransId="{86305B89-9F18-43CD-BACC-3191D195676D}"/>
     <dgm:cxn modelId="{BA3E102A-C368-4096-9068-D0DFA78FD250}" type="presOf" srcId="{9E1B5DE7-B8D9-4907-BE8A-35E2A4BA3584}" destId="{A812A383-0D98-4594-85E0-EAA50CB0BD7C}" srcOrd="0" destOrd="2" presId="urn:microsoft.com/office/officeart/2005/8/layout/chevron2"/>
+    <dgm:cxn modelId="{F01AE35C-AA98-4D04-A4B4-D6619441D7C3}" srcId="{38382313-0EA2-4C90-989F-2DE69F55C4BD}" destId="{E7CFBD75-B701-47FE-8C58-754179825C67}" srcOrd="0" destOrd="0" parTransId="{F31AFD7D-63C0-4B26-AE15-7634094EA84C}" sibTransId="{4A9E4D86-25E2-4BAF-98CC-ECF52C89FAC6}"/>
+    <dgm:cxn modelId="{620327DF-B7DE-4242-B3A8-1B2FCCC1BA65}" srcId="{AF488DDA-5F7C-4533-B568-2FA2E448735E}" destId="{BA0BF7EE-7DDA-4E7B-8D1E-024F593D63F1}" srcOrd="0" destOrd="0" parTransId="{2629081B-F522-45F5-8912-CB01566A6E72}" sibTransId="{7B679A58-3BDB-4467-9EA9-41A989C92319}"/>
     <dgm:cxn modelId="{5F41262B-A515-4411-BA4C-D07D4C3CC5AF}" srcId="{D95598EA-A9D5-4B16-93C0-2C73746E18EC}" destId="{D6A4D214-E874-4166-A197-D717BC934187}" srcOrd="1" destOrd="0" parTransId="{6B29DF65-06AF-4CAD-9B21-A8714A7E1A73}" sibTransId="{FB1BBF3A-FCC8-4D0C-9572-A40C56C4C718}"/>
-    <dgm:cxn modelId="{8146623B-55F6-4658-BB87-3CEE60CA35A0}" srcId="{AF488DDA-5F7C-4533-B568-2FA2E448735E}" destId="{9E1B5DE7-B8D9-4907-BE8A-35E2A4BA3584}" srcOrd="2" destOrd="0" parTransId="{BB94109E-8A8E-4C4E-A6BE-E3A9079B9460}" sibTransId="{5B15C5EF-84EB-45D3-A3C0-D11EE76A13B4}"/>
-    <dgm:cxn modelId="{9ACB8F3B-D1C9-413F-8B2F-73500D74470D}" srcId="{AF488DDA-5F7C-4533-B568-2FA2E448735E}" destId="{0CCE5AD2-61DC-41A6-9B0F-32D738E1EE00}" srcOrd="1" destOrd="0" parTransId="{2E82410A-3BFC-4A14-BDF6-25BA38E2B853}" sibTransId="{86305B89-9F18-43CD-BACC-3191D195676D}"/>
-    <dgm:cxn modelId="{5AF09A3D-11C6-4161-BE33-53CD09813DBF}" srcId="{86BC410A-C116-40E0-B4E2-11DE4AA65FA4}" destId="{EA96D2DC-CA3D-46B3-96DE-A30E5C5FB2F1}" srcOrd="1" destOrd="0" parTransId="{AEFF3977-8565-42F7-8679-7E0AA8DCD8DA}" sibTransId="{17F5046D-1512-4DCC-9FD1-3957D2730003}"/>
     <dgm:cxn modelId="{B458A93E-55E4-4006-94F1-C29302039561}" type="presOf" srcId="{CBE5605E-8751-4042-B09E-3D2AF9BB53EE}" destId="{4C00211F-5D98-4275-B662-6F596E5E0752}" srcOrd="0" destOrd="2" presId="urn:microsoft.com/office/officeart/2005/8/layout/chevron2"/>
-    <dgm:cxn modelId="{F01AE35C-AA98-4D04-A4B4-D6619441D7C3}" srcId="{38382313-0EA2-4C90-989F-2DE69F55C4BD}" destId="{E7CFBD75-B701-47FE-8C58-754179825C67}" srcOrd="0" destOrd="0" parTransId="{F31AFD7D-63C0-4B26-AE15-7634094EA84C}" sibTransId="{4A9E4D86-25E2-4BAF-98CC-ECF52C89FAC6}"/>
-    <dgm:cxn modelId="{01EF0D5F-3767-47EB-BEE7-E375B22107B0}" srcId="{D95598EA-A9D5-4B16-93C0-2C73746E18EC}" destId="{97630EBA-C60C-4354-9175-FC9FD9541489}" srcOrd="0" destOrd="0" parTransId="{DD2F3B4D-8513-4BD1-9629-2F5F99567BDC}" sibTransId="{96898EF0-0C33-4C38-A7D0-F06EDAB58126}"/>
-    <dgm:cxn modelId="{9346AD5F-90BA-42F9-8E2D-F67BEF7579A8}" type="presOf" srcId="{E7CFBD75-B701-47FE-8C58-754179825C67}" destId="{5698090B-1B75-477E-866A-F0C87B4A002C}" srcOrd="0" destOrd="0" presId="urn:microsoft.com/office/officeart/2005/8/layout/chevron2"/>
-    <dgm:cxn modelId="{2CF43067-2A39-4672-9D64-C09E511C8168}" type="presOf" srcId="{D6A4D214-E874-4166-A197-D717BC934187}" destId="{4C00211F-5D98-4275-B662-6F596E5E0752}" srcOrd="0" destOrd="1" presId="urn:microsoft.com/office/officeart/2005/8/layout/chevron2"/>
-    <dgm:cxn modelId="{B3452A6F-D59D-4223-99B3-37FF265221EB}" srcId="{38382313-0EA2-4C90-989F-2DE69F55C4BD}" destId="{C8C1595D-BE67-4C4A-B83E-DAAA4CE51238}" srcOrd="2" destOrd="0" parTransId="{01F7E243-2C0A-4AE1-9979-5C28569B7596}" sibTransId="{DC0CB1B9-6646-4834-B220-990F19D2612B}"/>
-    <dgm:cxn modelId="{CBC2EE71-1EF7-4FB9-B76A-6EDB805AA1E3}" type="presOf" srcId="{5C0C6CD0-ABB1-4223-A011-B3E6C00F2159}" destId="{D3BD3A2B-4F01-4EB4-AAD6-0A000A9A5E9B}" srcOrd="0" destOrd="2" presId="urn:microsoft.com/office/officeart/2005/8/layout/chevron2"/>
-    <dgm:cxn modelId="{DD6CDA72-BCDD-40F2-98A9-6C10AE78C2BD}" srcId="{33B2979B-5C61-4C79-B9CB-D7742768E99C}" destId="{86BC410A-C116-40E0-B4E2-11DE4AA65FA4}" srcOrd="2" destOrd="0" parTransId="{36D374DB-4B6B-4CCB-BFC4-88F431737722}" sibTransId="{2CF913C7-593B-499D-8A62-EFCC2BC898BC}"/>
-    <dgm:cxn modelId="{3106B154-B06D-4AAD-AAFE-F6D8D1A899E3}" type="presOf" srcId="{86BC410A-C116-40E0-B4E2-11DE4AA65FA4}" destId="{DF671F1B-CF18-41D2-8ED0-CBA032F94BC7}" srcOrd="0" destOrd="0" presId="urn:microsoft.com/office/officeart/2005/8/layout/chevron2"/>
-    <dgm:cxn modelId="{4B89EB74-835D-48AE-A061-4B60828F321C}" type="presOf" srcId="{B450257E-742D-44B4-8049-AE063E9EF942}" destId="{5698090B-1B75-477E-866A-F0C87B4A002C}" srcOrd="0" destOrd="1" presId="urn:microsoft.com/office/officeart/2005/8/layout/chevron2"/>
-    <dgm:cxn modelId="{B934CD8E-7B33-448B-9CDA-FB31E7F3635D}" type="presOf" srcId="{C8C1595D-BE67-4C4A-B83E-DAAA4CE51238}" destId="{5698090B-1B75-477E-866A-F0C87B4A002C}" srcOrd="0" destOrd="2" presId="urn:microsoft.com/office/officeart/2005/8/layout/chevron2"/>
-    <dgm:cxn modelId="{AD784992-98B5-427D-8CD3-D4763190BB3D}" type="presOf" srcId="{3E8DD688-99F4-42B7-ADCD-929F3AD1A952}" destId="{D3BD3A2B-4F01-4EB4-AAD6-0A000A9A5E9B}" srcOrd="0" destOrd="0" presId="urn:microsoft.com/office/officeart/2005/8/layout/chevron2"/>
-    <dgm:cxn modelId="{2D9852A0-C90B-4540-A24D-17E4ED330871}" type="presOf" srcId="{38382313-0EA2-4C90-989F-2DE69F55C4BD}" destId="{3EA0871E-3D2E-4761-9CBA-F42C2B17AF35}" srcOrd="0" destOrd="0" presId="urn:microsoft.com/office/officeart/2005/8/layout/chevron2"/>
-    <dgm:cxn modelId="{9CAF74A6-E39C-4EC2-AEA6-346421338C86}" srcId="{86BC410A-C116-40E0-B4E2-11DE4AA65FA4}" destId="{5C0C6CD0-ABB1-4223-A011-B3E6C00F2159}" srcOrd="2" destOrd="0" parTransId="{6D5F0C9F-BF27-4B28-A50D-A641E7B01B2C}" sibTransId="{B6B71650-1D1F-4F76-8E07-1F29FFAA3469}"/>
-    <dgm:cxn modelId="{043E79B6-8105-4DC1-98FC-A46ADF24EFFD}" type="presOf" srcId="{BA0BF7EE-7DDA-4E7B-8D1E-024F593D63F1}" destId="{A812A383-0D98-4594-85E0-EAA50CB0BD7C}" srcOrd="0" destOrd="0" presId="urn:microsoft.com/office/officeart/2005/8/layout/chevron2"/>
-    <dgm:cxn modelId="{21615DC5-6DAB-4140-BE9E-C068C3E4F695}" srcId="{38382313-0EA2-4C90-989F-2DE69F55C4BD}" destId="{B450257E-742D-44B4-8049-AE063E9EF942}" srcOrd="1" destOrd="0" parTransId="{DBFD4CA1-7383-4408-A0AB-D3F7F2F65B6B}" sibTransId="{A91813BB-A90C-4D38-9771-013B4C5E15B3}"/>
-    <dgm:cxn modelId="{2CB9ACC8-CB47-4C6D-A59E-C1658978D50C}" type="presOf" srcId="{33B2979B-5C61-4C79-B9CB-D7742768E99C}" destId="{10F3906F-CFD0-400B-9C48-9CF17B0B8C1A}" srcOrd="0" destOrd="0" presId="urn:microsoft.com/office/officeart/2005/8/layout/chevron2"/>
-    <dgm:cxn modelId="{F999CACD-D8C3-4962-8AC4-BFFCF758C656}" srcId="{33B2979B-5C61-4C79-B9CB-D7742768E99C}" destId="{AF488DDA-5F7C-4533-B568-2FA2E448735E}" srcOrd="0" destOrd="0" parTransId="{50D97B6A-CF45-4CAA-BA59-2FA53BBF27EE}" sibTransId="{1C961E97-7CDC-4A7B-B014-B4C8AB201F7E}"/>
-    <dgm:cxn modelId="{EDF6DCDB-181B-4494-987A-4F99DB8C3760}" srcId="{33B2979B-5C61-4C79-B9CB-D7742768E99C}" destId="{D95598EA-A9D5-4B16-93C0-2C73746E18EC}" srcOrd="3" destOrd="0" parTransId="{7200C661-3112-42FA-AD2B-BFD5998A92FC}" sibTransId="{04C87DA4-B0DA-4DB2-BBA0-BE8DC30F0D46}"/>
-    <dgm:cxn modelId="{5DC840DC-CADE-4247-8FF2-08EF995FCEB3}" srcId="{86BC410A-C116-40E0-B4E2-11DE4AA65FA4}" destId="{3E8DD688-99F4-42B7-ADCD-929F3AD1A952}" srcOrd="0" destOrd="0" parTransId="{10A37DFD-D802-475D-9D3D-A5ED450E89D4}" sibTransId="{F8DCA085-A7EE-4ACE-92C7-A45CECAE0CC0}"/>
-    <dgm:cxn modelId="{620327DF-B7DE-4242-B3A8-1B2FCCC1BA65}" srcId="{AF488DDA-5F7C-4533-B568-2FA2E448735E}" destId="{BA0BF7EE-7DDA-4E7B-8D1E-024F593D63F1}" srcOrd="0" destOrd="0" parTransId="{2629081B-F522-45F5-8912-CB01566A6E72}" sibTransId="{7B679A58-3BDB-4467-9EA9-41A989C92319}"/>
-    <dgm:cxn modelId="{0CA09FE3-F837-410C-98D0-8C51AC33CCEE}" type="presOf" srcId="{97630EBA-C60C-4354-9175-FC9FD9541489}" destId="{4C00211F-5D98-4275-B662-6F596E5E0752}" srcOrd="0" destOrd="0" presId="urn:microsoft.com/office/officeart/2005/8/layout/chevron2"/>
-    <dgm:cxn modelId="{165FA0E7-97B6-416A-AC79-DADA3911804D}" srcId="{D95598EA-A9D5-4B16-93C0-2C73746E18EC}" destId="{CBE5605E-8751-4042-B09E-3D2AF9BB53EE}" srcOrd="2" destOrd="0" parTransId="{8F5BE460-7959-4122-B232-654EC686E9B9}" sibTransId="{0FE11BC4-FBA7-42B0-A70E-97138CDD0F9A}"/>
-    <dgm:cxn modelId="{171C9AEA-0E58-4947-9110-51F99026EF65}" type="presOf" srcId="{EA96D2DC-CA3D-46B3-96DE-A30E5C5FB2F1}" destId="{D3BD3A2B-4F01-4EB4-AAD6-0A000A9A5E9B}" srcOrd="0" destOrd="1" presId="urn:microsoft.com/office/officeart/2005/8/layout/chevron2"/>
     <dgm:cxn modelId="{AE7542F7-C862-4313-88C3-4E7B07264681}" type="presParOf" srcId="{10F3906F-CFD0-400B-9C48-9CF17B0B8C1A}" destId="{EB78651D-F937-4BE7-8A13-5DEDD560F0B3}" srcOrd="0" destOrd="0" presId="urn:microsoft.com/office/officeart/2005/8/layout/chevron2"/>
     <dgm:cxn modelId="{F9845B8D-91D4-4F69-8AC5-D67BC5AA04B0}" type="presParOf" srcId="{EB78651D-F937-4BE7-8A13-5DEDD560F0B3}" destId="{C5C7F22F-E87C-450F-9E48-B3228B48C98A}" srcOrd="0" destOrd="0" presId="urn:microsoft.com/office/officeart/2005/8/layout/chevron2"/>
     <dgm:cxn modelId="{E237E9D4-18F1-466D-972C-C1705C4182D3}" type="presParOf" srcId="{EB78651D-F937-4BE7-8A13-5DEDD560F0B3}" destId="{A812A383-0D98-4594-85E0-EAA50CB0BD7C}" srcOrd="1" destOrd="0" presId="urn:microsoft.com/office/officeart/2005/8/layout/chevron2"/>
@@ -1881,7 +1937,7 @@
         </a:bodyPr>
         <a:lstStyle/>
         <a:p>
-          <a:pPr marL="0" lvl="0" indent="0" algn="ctr" defTabSz="488950">
+          <a:pPr lvl="0" algn="ctr" defTabSz="488950">
             <a:lnSpc>
               <a:spcPct val="90000"/>
             </a:lnSpc>
@@ -1891,7 +1947,6 @@
             <a:spcAft>
               <a:spcPct val="35000"/>
             </a:spcAft>
-            <a:buNone/>
           </a:pPr>
           <a:r>
             <a:rPr lang="en-US" sz="1100" kern="1200" dirty="0"/>
@@ -2076,7 +2131,7 @@
         </a:bodyPr>
         <a:lstStyle/>
         <a:p>
-          <a:pPr marL="0" lvl="0" indent="0" algn="ctr" defTabSz="488950">
+          <a:pPr lvl="0" algn="ctr" defTabSz="488950">
             <a:lnSpc>
               <a:spcPct val="90000"/>
             </a:lnSpc>
@@ -2086,7 +2141,6 @@
             <a:spcAft>
               <a:spcPct val="35000"/>
             </a:spcAft>
-            <a:buNone/>
           </a:pPr>
           <a:r>
             <a:rPr lang="en-US" sz="1100" kern="1200" dirty="0"/>
@@ -2271,7 +2325,7 @@
         </a:bodyPr>
         <a:lstStyle/>
         <a:p>
-          <a:pPr marL="0" lvl="0" indent="0" algn="ctr" defTabSz="488950">
+          <a:pPr lvl="0" algn="ctr" defTabSz="488950">
             <a:lnSpc>
               <a:spcPct val="90000"/>
             </a:lnSpc>
@@ -2281,7 +2335,6 @@
             <a:spcAft>
               <a:spcPct val="35000"/>
             </a:spcAft>
-            <a:buNone/>
           </a:pPr>
           <a:r>
             <a:rPr lang="en-US" sz="1100" kern="1200" dirty="0"/>
@@ -2466,7 +2519,7 @@
         </a:bodyPr>
         <a:lstStyle/>
         <a:p>
-          <a:pPr marL="0" lvl="0" indent="0" algn="ctr" defTabSz="488950">
+          <a:pPr lvl="0" algn="ctr" defTabSz="488950">
             <a:lnSpc>
               <a:spcPct val="90000"/>
             </a:lnSpc>
@@ -2476,7 +2529,6 @@
             <a:spcAft>
               <a:spcPct val="35000"/>
             </a:spcAft>
-            <a:buNone/>
           </a:pPr>
           <a:r>
             <a:rPr lang="en-US" sz="1100" kern="1200" dirty="0"/>
@@ -3978,7 +4030,7 @@
             <a:fld id="{2A382978-60B3-41E0-9AD0-2E9E6E8B7873}" type="datetimeFigureOut">
               <a:rPr kumimoji="1" lang="ja-JP" altLang="en-US" smtClean="0"/>
               <a:pPr/>
-              <a:t>2018/8/17</a:t>
+              <a:t>2018/8/21</a:t>
             </a:fld>
             <a:endParaRPr kumimoji="1" lang="ja-JP" altLang="en-US"/>
           </a:p>
@@ -5129,7 +5181,7 @@
             <a:fld id="{0BD03392-274E-4A19-9716-EA1CE8085D71}" type="datetime1">
               <a:rPr kumimoji="1" lang="ja-JP" altLang="en-US" smtClean="0"/>
               <a:pPr/>
-              <a:t>2018/8/17</a:t>
+              <a:t>2018/8/21</a:t>
             </a:fld>
             <a:endParaRPr kumimoji="1" lang="ja-JP" altLang="en-US" dirty="0"/>
           </a:p>
@@ -5450,7 +5502,7 @@
             <a:fld id="{D658E221-2E7A-48BA-8424-2A55A4736B68}" type="datetime1">
               <a:rPr kumimoji="1" lang="ja-JP" altLang="en-US" smtClean="0"/>
               <a:pPr/>
-              <a:t>2018/8/17</a:t>
+              <a:t>2018/8/21</a:t>
             </a:fld>
             <a:endParaRPr kumimoji="1" lang="ja-JP" altLang="en-US"/>
           </a:p>
@@ -5566,7 +5618,7 @@
             <a:fld id="{C245638F-14AB-400C-9AF1-5CEBE1B672A1}" type="datetime1">
               <a:rPr kumimoji="1" lang="ja-JP" altLang="en-US" smtClean="0"/>
               <a:pPr/>
-              <a:t>2018/8/17</a:t>
+              <a:t>2018/8/21</a:t>
             </a:fld>
             <a:endParaRPr kumimoji="1" lang="ja-JP" altLang="en-US"/>
           </a:p>
@@ -6154,7 +6206,7 @@
             <a:fld id="{02A88367-5BB3-4793-B263-C2830A0855E0}" type="datetime1">
               <a:rPr kumimoji="1" lang="ja-JP" altLang="en-US" smtClean="0"/>
               <a:pPr/>
-              <a:t>2018/8/17</a:t>
+              <a:t>2018/8/21</a:t>
             </a:fld>
             <a:endParaRPr kumimoji="1" lang="ja-JP" altLang="en-US" dirty="0"/>
           </a:p>
@@ -7200,7 +7252,7 @@
             <a:fld id="{961A4739-C8B6-4F30-A69C-01268F05198C}" type="datetime1">
               <a:rPr kumimoji="1" lang="ja-JP" altLang="en-US" smtClean="0"/>
               <a:pPr/>
-              <a:t>2018/8/17</a:t>
+              <a:t>2018/8/21</a:t>
             </a:fld>
             <a:endParaRPr kumimoji="1" lang="ja-JP" altLang="en-US" dirty="0"/>
           </a:p>
@@ -8448,7 +8500,7 @@
             <a:fld id="{A55444AB-87B1-4B99-A470-0F837A8A1880}" type="datetime1">
               <a:rPr kumimoji="1" lang="ja-JP" altLang="en-US" smtClean="0"/>
               <a:pPr/>
-              <a:t>2018/8/17</a:t>
+              <a:t>2018/8/21</a:t>
             </a:fld>
             <a:endParaRPr kumimoji="1" lang="ja-JP" altLang="en-US" dirty="0"/>
           </a:p>
@@ -9117,7 +9169,7 @@
             <a:fld id="{C2A19EB9-4440-4736-9A49-939819AB9C89}" type="datetime1">
               <a:rPr kumimoji="1" lang="ja-JP" altLang="en-US" smtClean="0"/>
               <a:pPr/>
-              <a:t>2018/8/17</a:t>
+              <a:t>2018/8/21</a:t>
             </a:fld>
             <a:endParaRPr kumimoji="1" lang="ja-JP" altLang="en-US" dirty="0"/>
           </a:p>
@@ -9448,7 +9500,7 @@
             <a:fld id="{207CE768-5AA7-4F09-BE2B-CECF21207030}" type="datetime1">
               <a:rPr kumimoji="1" lang="ja-JP" altLang="en-US" smtClean="0"/>
               <a:pPr/>
-              <a:t>2018/8/17</a:t>
+              <a:t>2018/8/21</a:t>
             </a:fld>
             <a:endParaRPr kumimoji="1" lang="ja-JP" altLang="en-US" dirty="0"/>
           </a:p>
@@ -9717,7 +9769,7 @@
             <a:fld id="{973F8ED2-2E1E-42CA-8611-E2CA1599FB5D}" type="datetime1">
               <a:rPr kumimoji="1" lang="ja-JP" altLang="en-US" smtClean="0"/>
               <a:pPr/>
-              <a:t>2018/8/17</a:t>
+              <a:t>2018/8/21</a:t>
             </a:fld>
             <a:endParaRPr kumimoji="1" lang="ja-JP" altLang="en-US" dirty="0"/>
           </a:p>
@@ -10194,7 +10246,7 @@
             <a:fld id="{A5182719-F20C-4B32-BD5B-859B9127D393}" type="datetime1">
               <a:rPr lang="ja-JP" altLang="en-US" smtClean="0"/>
               <a:pPr/>
-              <a:t>2018/8/17</a:t>
+              <a:t>2018/8/21</a:t>
             </a:fld>
             <a:endParaRPr lang="ja-JP" altLang="en-US" dirty="0"/>
           </a:p>
@@ -10907,7 +10959,7 @@
           <p:cNvPr id="2" name="Title 1">
             <a:extLst>
               <a:ext uri="{FF2B5EF4-FFF2-40B4-BE49-F238E27FC236}">
-                <a16:creationId xmlns:a16="http://schemas.microsoft.com/office/drawing/2014/main" id="{A54FC90F-4208-4C28-8D1C-CFB3255E46EC}"/>
+                <a16:creationId xmlns:a16="http://schemas.microsoft.com/office/drawing/2014/main" xmlns="" id="{A54FC90F-4208-4C28-8D1C-CFB3255E46EC}"/>
               </a:ext>
             </a:extLst>
           </p:cNvPr>
@@ -10937,7 +10989,7 @@
               <p:cNvPr id="3" name="Content Placeholder 2">
                 <a:extLst>
                   <a:ext uri="{FF2B5EF4-FFF2-40B4-BE49-F238E27FC236}">
-                    <a16:creationId xmlns:a16="http://schemas.microsoft.com/office/drawing/2014/main" id="{E26182C4-45FA-4DE4-94F0-3A3B2995828F}"/>
+                    <a16:creationId xmlns:a16="http://schemas.microsoft.com/office/drawing/2014/main" xmlns="" id="{E26182C4-45FA-4DE4-94F0-3A3B2995828F}"/>
                   </a:ext>
                 </a:extLst>
               </p:cNvPr>
@@ -11237,7 +11289,7 @@
           <p:cNvPr id="4" name="Footer Placeholder 3">
             <a:extLst>
               <a:ext uri="{FF2B5EF4-FFF2-40B4-BE49-F238E27FC236}">
-                <a16:creationId xmlns:a16="http://schemas.microsoft.com/office/drawing/2014/main" id="{6237D0EF-67BB-47A8-BC4A-DA10DDA72B68}"/>
+                <a16:creationId xmlns:a16="http://schemas.microsoft.com/office/drawing/2014/main" xmlns="" id="{6237D0EF-67BB-47A8-BC4A-DA10DDA72B68}"/>
               </a:ext>
             </a:extLst>
           </p:cNvPr>
@@ -11294,7 +11346,7 @@
           <p:cNvPr id="5" name="Slide Number Placeholder 4">
             <a:extLst>
               <a:ext uri="{FF2B5EF4-FFF2-40B4-BE49-F238E27FC236}">
-                <a16:creationId xmlns:a16="http://schemas.microsoft.com/office/drawing/2014/main" id="{A66B1CD2-3511-4F21-AE65-973FFF59CAEB}"/>
+                <a16:creationId xmlns:a16="http://schemas.microsoft.com/office/drawing/2014/main" xmlns="" id="{A66B1CD2-3511-4F21-AE65-973FFF59CAEB}"/>
               </a:ext>
             </a:extLst>
           </p:cNvPr>
@@ -11354,7 +11406,7 @@
           <p:cNvPr id="2" name="Title 1">
             <a:extLst>
               <a:ext uri="{FF2B5EF4-FFF2-40B4-BE49-F238E27FC236}">
-                <a16:creationId xmlns:a16="http://schemas.microsoft.com/office/drawing/2014/main" id="{C31AD35B-6AF8-4890-9FAB-1A64CF8DF256}"/>
+                <a16:creationId xmlns:a16="http://schemas.microsoft.com/office/drawing/2014/main" xmlns="" id="{C31AD35B-6AF8-4890-9FAB-1A64CF8DF256}"/>
               </a:ext>
             </a:extLst>
           </p:cNvPr>
@@ -11384,7 +11436,7 @@
               <p:cNvPr id="3" name="Content Placeholder 2">
                 <a:extLst>
                   <a:ext uri="{FF2B5EF4-FFF2-40B4-BE49-F238E27FC236}">
-                    <a16:creationId xmlns:a16="http://schemas.microsoft.com/office/drawing/2014/main" id="{18A396A4-D801-4F52-8484-81CF6161ABD4}"/>
+                    <a16:creationId xmlns:a16="http://schemas.microsoft.com/office/drawing/2014/main" xmlns="" id="{18A396A4-D801-4F52-8484-81CF6161ABD4}"/>
                   </a:ext>
                 </a:extLst>
               </p:cNvPr>
@@ -11551,7 +11603,7 @@
                         <m:endChr m:val="]"/>
                         <m:ctrlPr>
                           <a:rPr lang="en-US" b="0" i="1" smtClean="0">
-                            <a:latin typeface="Cambria Math" panose="02040503050406030204" pitchFamily="18" charset="0"/>
+                            <a:latin typeface="Cambria Math" charset="0"/>
                           </a:rPr>
                         </m:ctrlPr>
                       </m:dPr>
@@ -11560,7 +11612,7 @@
                           <m:sSubPr>
                             <m:ctrlPr>
                               <a:rPr lang="en-US" b="0" i="1" smtClean="0">
-                                <a:latin typeface="Cambria Math" panose="02040503050406030204" pitchFamily="18" charset="0"/>
+                                <a:latin typeface="Cambria Math" charset="0"/>
                               </a:rPr>
                             </m:ctrlPr>
                           </m:sSubPr>
@@ -11591,7 +11643,7 @@
                           <m:sSubPr>
                             <m:ctrlPr>
                               <a:rPr lang="en-US" b="0" i="1" smtClean="0">
-                                <a:latin typeface="Cambria Math" panose="02040503050406030204" pitchFamily="18" charset="0"/>
+                                <a:latin typeface="Cambria Math" charset="0"/>
                               </a:rPr>
                             </m:ctrlPr>
                           </m:sSubPr>
@@ -11622,7 +11674,7 @@
                           <m:sSubPr>
                             <m:ctrlPr>
                               <a:rPr lang="en-US" b="0" i="1" smtClean="0">
-                                <a:latin typeface="Cambria Math" panose="02040503050406030204" pitchFamily="18" charset="0"/>
+                                <a:latin typeface="Cambria Math" charset="0"/>
                               </a:rPr>
                             </m:ctrlPr>
                           </m:sSubPr>
@@ -11706,7 +11758,7 @@
                         <m:endChr m:val="]"/>
                         <m:ctrlPr>
                           <a:rPr lang="en-US" b="0" i="1" smtClean="0">
-                            <a:latin typeface="Cambria Math" panose="02040503050406030204" pitchFamily="18" charset="0"/>
+                            <a:latin typeface="Cambria Math" charset="0"/>
                             <a:ea typeface="Cambria Math" panose="02040503050406030204" pitchFamily="18" charset="0"/>
                           </a:rPr>
                         </m:ctrlPr>
@@ -11730,7 +11782,7 @@
                           <m:sSubPr>
                             <m:ctrlPr>
                               <a:rPr lang="en-US" b="0" i="1" smtClean="0">
-                                <a:latin typeface="Cambria Math" panose="02040503050406030204" pitchFamily="18" charset="0"/>
+                                <a:latin typeface="Cambria Math" charset="0"/>
                                 <a:ea typeface="Cambria Math" panose="02040503050406030204" pitchFamily="18" charset="0"/>
                               </a:rPr>
                             </m:ctrlPr>
@@ -11779,7 +11831,7 @@
                           <m:sSubPr>
                             <m:ctrlPr>
                               <a:rPr lang="en-US" b="0" i="1" smtClean="0">
-                                <a:latin typeface="Cambria Math" panose="02040503050406030204" pitchFamily="18" charset="0"/>
+                                <a:latin typeface="Cambria Math" charset="0"/>
                                 <a:ea typeface="Cambria Math" panose="02040503050406030204" pitchFamily="18" charset="0"/>
                               </a:rPr>
                             </m:ctrlPr>
@@ -11835,7 +11887,7 @@
                           <m:sSubPr>
                             <m:ctrlPr>
                               <a:rPr lang="en-US" b="0" i="1" smtClean="0">
-                                <a:latin typeface="Cambria Math" panose="02040503050406030204" pitchFamily="18" charset="0"/>
+                                <a:latin typeface="Cambria Math" charset="0"/>
                                 <a:ea typeface="Cambria Math" panose="02040503050406030204" pitchFamily="18" charset="0"/>
                               </a:rPr>
                             </m:ctrlPr>
@@ -11925,7 +11977,7 @@
           <p:cNvPr id="4" name="Footer Placeholder 3">
             <a:extLst>
               <a:ext uri="{FF2B5EF4-FFF2-40B4-BE49-F238E27FC236}">
-                <a16:creationId xmlns:a16="http://schemas.microsoft.com/office/drawing/2014/main" id="{6BAF83D6-7B6B-4140-8307-D915BAB8E895}"/>
+                <a16:creationId xmlns:a16="http://schemas.microsoft.com/office/drawing/2014/main" xmlns="" id="{6BAF83D6-7B6B-4140-8307-D915BAB8E895}"/>
               </a:ext>
             </a:extLst>
           </p:cNvPr>
@@ -11982,7 +12034,7 @@
           <p:cNvPr id="5" name="Slide Number Placeholder 4">
             <a:extLst>
               <a:ext uri="{FF2B5EF4-FFF2-40B4-BE49-F238E27FC236}">
-                <a16:creationId xmlns:a16="http://schemas.microsoft.com/office/drawing/2014/main" id="{F9367D40-27EF-43BE-8724-D9FF4C023720}"/>
+                <a16:creationId xmlns:a16="http://schemas.microsoft.com/office/drawing/2014/main" xmlns="" id="{F9367D40-27EF-43BE-8724-D9FF4C023720}"/>
               </a:ext>
             </a:extLst>
           </p:cNvPr>
@@ -12564,14 +12616,14 @@
           </a:p>
         </p:txBody>
       </p:sp>
-      <mc:AlternateContent xmlns:mc="http://schemas.openxmlformats.org/markup-compatibility/2006">
-        <mc:Choice xmlns:a14="http://schemas.microsoft.com/office/drawing/2010/main" Requires="a14">
+      <mc:AlternateContent xmlns:mc="http://schemas.openxmlformats.org/markup-compatibility/2006" xmlns:a14="http://schemas.microsoft.com/office/drawing/2010/main">
+        <mc:Choice Requires="a14">
           <p:sp>
             <p:nvSpPr>
               <p:cNvPr id="7" name="Content Placeholder 6">
                 <a:extLst>
                   <a:ext uri="{FF2B5EF4-FFF2-40B4-BE49-F238E27FC236}">
-                    <a16:creationId xmlns:a16="http://schemas.microsoft.com/office/drawing/2014/main" id="{A73C6DC9-E908-45A8-A4DC-4D5A9005AC6F}"/>
+                    <a16:creationId xmlns:a16="http://schemas.microsoft.com/office/drawing/2014/main" xmlns="" id="{A73C6DC9-E908-45A8-A4DC-4D5A9005AC6F}"/>
                   </a:ext>
                 </a:extLst>
               </p:cNvPr>
@@ -12667,7 +12719,7 @@
             </p:txBody>
           </p:sp>
         </mc:Choice>
-        <mc:Fallback>
+        <mc:Fallback xmlns="">
           <p:sp>
             <p:nvSpPr>
               <p:cNvPr id="7" name="Content Placeholder 6">
@@ -12742,7 +12794,7 @@
           <p:cNvPr id="2" name="Title 1">
             <a:extLst>
               <a:ext uri="{FF2B5EF4-FFF2-40B4-BE49-F238E27FC236}">
-                <a16:creationId xmlns:a16="http://schemas.microsoft.com/office/drawing/2014/main" id="{2080BB50-9AAA-448A-8376-CB859DE4375C}"/>
+                <a16:creationId xmlns:a16="http://schemas.microsoft.com/office/drawing/2014/main" xmlns="" id="{2080BB50-9AAA-448A-8376-CB859DE4375C}"/>
               </a:ext>
             </a:extLst>
           </p:cNvPr>
@@ -12765,14 +12817,14 @@
           </a:p>
         </p:txBody>
       </p:sp>
-      <mc:AlternateContent xmlns:mc="http://schemas.openxmlformats.org/markup-compatibility/2006">
-        <mc:Choice xmlns:a14="http://schemas.microsoft.com/office/drawing/2010/main" Requires="a14">
+      <mc:AlternateContent xmlns:mc="http://schemas.openxmlformats.org/markup-compatibility/2006" xmlns:a14="http://schemas.microsoft.com/office/drawing/2010/main">
+        <mc:Choice Requires="a14">
           <p:sp>
             <p:nvSpPr>
               <p:cNvPr id="3" name="Content Placeholder 2">
                 <a:extLst>
                   <a:ext uri="{FF2B5EF4-FFF2-40B4-BE49-F238E27FC236}">
-                    <a16:creationId xmlns:a16="http://schemas.microsoft.com/office/drawing/2014/main" id="{A6EFEA33-EC69-412C-9A8E-6154468EB6EC}"/>
+                    <a16:creationId xmlns:a16="http://schemas.microsoft.com/office/drawing/2014/main" xmlns="" id="{A6EFEA33-EC69-412C-9A8E-6154468EB6EC}"/>
                   </a:ext>
                 </a:extLst>
               </p:cNvPr>
@@ -12800,7 +12852,7 @@
                       <m:sSubPr>
                         <m:ctrlPr>
                           <a:rPr lang="en-US" altLang="en-US" b="0" i="1" smtClean="0">
-                            <a:latin typeface="Cambria Math" panose="02040503050406030204" pitchFamily="18" charset="0"/>
+                            <a:latin typeface="Cambria Math" charset="0"/>
                           </a:rPr>
                         </m:ctrlPr>
                       </m:sSubPr>
@@ -12825,7 +12877,7 @@
                       <m:sSubPr>
                         <m:ctrlPr>
                           <a:rPr lang="en-US" altLang="en-US" b="0" i="1" smtClean="0">
-                            <a:latin typeface="Cambria Math" panose="02040503050406030204" pitchFamily="18" charset="0"/>
+                            <a:latin typeface="Cambria Math" charset="0"/>
                           </a:rPr>
                         </m:ctrlPr>
                       </m:sSubPr>
@@ -12873,7 +12925,7 @@
                       <m:sSubPr>
                         <m:ctrlPr>
                           <a:rPr lang="en-US" altLang="en-US" b="0" i="1" smtClean="0">
-                            <a:latin typeface="Cambria Math" panose="02040503050406030204" pitchFamily="18" charset="0"/>
+                            <a:latin typeface="Cambria Math" charset="0"/>
                           </a:rPr>
                         </m:ctrlPr>
                       </m:sSubPr>
@@ -12898,7 +12950,7 @@
                       <m:sSubPr>
                         <m:ctrlPr>
                           <a:rPr lang="en-US" altLang="en-US" b="0" i="1" smtClean="0">
-                            <a:latin typeface="Cambria Math" panose="02040503050406030204" pitchFamily="18" charset="0"/>
+                            <a:latin typeface="Cambria Math" charset="0"/>
                           </a:rPr>
                         </m:ctrlPr>
                       </m:sSubPr>
@@ -12934,7 +12986,7 @@
                       <m:sSubPr>
                         <m:ctrlPr>
                           <a:rPr lang="en-US" altLang="en-US" b="0" i="1" smtClean="0">
-                            <a:latin typeface="Cambria Math" panose="02040503050406030204" pitchFamily="18" charset="0"/>
+                            <a:latin typeface="Cambria Math" charset="0"/>
                           </a:rPr>
                         </m:ctrlPr>
                       </m:sSubPr>
@@ -12979,7 +13031,7 @@
                       <m:sSubPr>
                         <m:ctrlPr>
                           <a:rPr lang="en-US" altLang="en-US" b="0" i="1" smtClean="0">
-                            <a:latin typeface="Cambria Math" panose="02040503050406030204" pitchFamily="18" charset="0"/>
+                            <a:latin typeface="Cambria Math" charset="0"/>
                           </a:rPr>
                         </m:ctrlPr>
                       </m:sSubPr>
@@ -13020,7 +13072,7 @@
                       <m:sSubPr>
                         <m:ctrlPr>
                           <a:rPr lang="en-US" altLang="en-US" b="0" i="1" smtClean="0">
-                            <a:latin typeface="Cambria Math" panose="02040503050406030204" pitchFamily="18" charset="0"/>
+                            <a:latin typeface="Cambria Math" charset="0"/>
                           </a:rPr>
                         </m:ctrlPr>
                       </m:sSubPr>
@@ -13051,7 +13103,7 @@
                       <m:sSubPr>
                         <m:ctrlPr>
                           <a:rPr lang="en-US" altLang="en-US" b="0" i="1" smtClean="0">
-                            <a:latin typeface="Cambria Math" panose="02040503050406030204" pitchFamily="18" charset="0"/>
+                            <a:latin typeface="Cambria Math" charset="0"/>
                           </a:rPr>
                         </m:ctrlPr>
                       </m:sSubPr>
@@ -13099,7 +13151,7 @@
                         <m:sSubPr>
                           <m:ctrlPr>
                             <a:rPr lang="en-US" altLang="en-US" i="1">
-                              <a:latin typeface="Cambria Math" panose="02040503050406030204" pitchFamily="18" charset="0"/>
+                              <a:latin typeface="Cambria Math" charset="0"/>
                             </a:rPr>
                           </m:ctrlPr>
                         </m:sSubPr>
@@ -13143,7 +13195,7 @@
                         <m:sSubPr>
                           <m:ctrlPr>
                             <a:rPr lang="en-US" altLang="en-US" i="1">
-                              <a:latin typeface="Cambria Math" panose="02040503050406030204" pitchFamily="18" charset="0"/>
+                              <a:latin typeface="Cambria Math" charset="0"/>
                             </a:rPr>
                           </m:ctrlPr>
                         </m:sSubPr>
@@ -13197,7 +13249,7 @@
             </p:txBody>
           </p:sp>
         </mc:Choice>
-        <mc:Fallback>
+        <mc:Fallback xmlns="">
           <p:sp>
             <p:nvSpPr>
               <p:cNvPr id="3" name="Content Placeholder 2">
@@ -13242,7 +13294,7 @@
           <p:cNvPr id="4" name="Footer Placeholder 3">
             <a:extLst>
               <a:ext uri="{FF2B5EF4-FFF2-40B4-BE49-F238E27FC236}">
-                <a16:creationId xmlns:a16="http://schemas.microsoft.com/office/drawing/2014/main" id="{A744C794-D14A-4C4F-AB6B-F5754FDC8048}"/>
+                <a16:creationId xmlns:a16="http://schemas.microsoft.com/office/drawing/2014/main" xmlns="" id="{A744C794-D14A-4C4F-AB6B-F5754FDC8048}"/>
               </a:ext>
             </a:extLst>
           </p:cNvPr>
@@ -13299,7 +13351,7 @@
           <p:cNvPr id="5" name="Slide Number Placeholder 4">
             <a:extLst>
               <a:ext uri="{FF2B5EF4-FFF2-40B4-BE49-F238E27FC236}">
-                <a16:creationId xmlns:a16="http://schemas.microsoft.com/office/drawing/2014/main" id="{F010A83B-80DD-4148-B633-CC1EA64BBC2F}"/>
+                <a16:creationId xmlns:a16="http://schemas.microsoft.com/office/drawing/2014/main" xmlns="" id="{F010A83B-80DD-4148-B633-CC1EA64BBC2F}"/>
               </a:ext>
             </a:extLst>
           </p:cNvPr>
@@ -13758,7 +13810,7 @@
           <p:cNvPr id="2" name="Title 1">
             <a:extLst>
               <a:ext uri="{FF2B5EF4-FFF2-40B4-BE49-F238E27FC236}">
-                <a16:creationId xmlns:a16="http://schemas.microsoft.com/office/drawing/2014/main" id="{79DCF703-20AF-4958-B33E-F343978ACF91}"/>
+                <a16:creationId xmlns:a16="http://schemas.microsoft.com/office/drawing/2014/main" xmlns="" id="{79DCF703-20AF-4958-B33E-F343978ACF91}"/>
               </a:ext>
             </a:extLst>
           </p:cNvPr>
@@ -13781,14 +13833,14 @@
           </a:p>
         </p:txBody>
       </p:sp>
-      <mc:AlternateContent xmlns:mc="http://schemas.openxmlformats.org/markup-compatibility/2006">
-        <mc:Choice xmlns:a14="http://schemas.microsoft.com/office/drawing/2010/main" Requires="a14">
+      <mc:AlternateContent xmlns:mc="http://schemas.openxmlformats.org/markup-compatibility/2006" xmlns:a14="http://schemas.microsoft.com/office/drawing/2010/main">
+        <mc:Choice Requires="a14">
           <p:sp>
             <p:nvSpPr>
               <p:cNvPr id="3" name="Content Placeholder 2">
                 <a:extLst>
                   <a:ext uri="{FF2B5EF4-FFF2-40B4-BE49-F238E27FC236}">
-                    <a16:creationId xmlns:a16="http://schemas.microsoft.com/office/drawing/2014/main" id="{6D0CE62C-8863-4F49-A0FA-B90C4A09BB2E}"/>
+                    <a16:creationId xmlns:a16="http://schemas.microsoft.com/office/drawing/2014/main" xmlns="" id="{6D0CE62C-8863-4F49-A0FA-B90C4A09BB2E}"/>
                   </a:ext>
                 </a:extLst>
               </p:cNvPr>
@@ -13826,7 +13878,7 @@
                         <m:limLowPr>
                           <m:ctrlPr>
                             <a:rPr lang="en-US" b="0" i="1" smtClean="0">
-                              <a:latin typeface="Cambria Math" panose="02040503050406030204" pitchFamily="18" charset="0"/>
+                              <a:latin typeface="Cambria Math" charset="0"/>
                             </a:rPr>
                           </m:ctrlPr>
                         </m:limLowPr>
@@ -13860,7 +13912,7 @@
                         <m:dPr>
                           <m:ctrlPr>
                             <a:rPr lang="en-US" b="0" i="1" smtClean="0">
-                              <a:latin typeface="Cambria Math" panose="02040503050406030204" pitchFamily="18" charset="0"/>
+                              <a:latin typeface="Cambria Math" charset="0"/>
                             </a:rPr>
                           </m:ctrlPr>
                         </m:dPr>
@@ -13981,7 +14033,7 @@
                         <m:dPr>
                           <m:ctrlPr>
                             <a:rPr lang="en-US" b="0" i="1" smtClean="0">
-                              <a:latin typeface="Cambria Math" panose="02040503050406030204" pitchFamily="18" charset="0"/>
+                              <a:latin typeface="Cambria Math" charset="0"/>
                             </a:rPr>
                           </m:ctrlPr>
                         </m:dPr>
@@ -14138,7 +14190,7 @@
                         <m:sSupPr>
                           <m:ctrlPr>
                             <a:rPr lang="en-US" b="0" i="1" smtClean="0">
-                              <a:latin typeface="Cambria Math" panose="02040503050406030204" pitchFamily="18" charset="0"/>
+                              <a:latin typeface="Cambria Math" charset="0"/>
                             </a:rPr>
                           </m:ctrlPr>
                         </m:sSupPr>
@@ -14190,7 +14242,7 @@
                         <m:dPr>
                           <m:ctrlPr>
                             <a:rPr lang="en-US" b="0" i="1" smtClean="0">
-                              <a:latin typeface="Cambria Math" panose="02040503050406030204" pitchFamily="18" charset="0"/>
+                              <a:latin typeface="Cambria Math" charset="0"/>
                             </a:rPr>
                           </m:ctrlPr>
                         </m:dPr>
@@ -14221,7 +14273,7 @@
                           <m:supHide m:val="on"/>
                           <m:ctrlPr>
                             <a:rPr lang="en-US" b="0" i="1" smtClean="0">
-                              <a:latin typeface="Cambria Math" panose="02040503050406030204" pitchFamily="18" charset="0"/>
+                              <a:latin typeface="Cambria Math" charset="0"/>
                             </a:rPr>
                           </m:ctrlPr>
                         </m:naryPr>
@@ -14239,7 +14291,7 @@
                             <m:sSubPr>
                               <m:ctrlPr>
                                 <a:rPr lang="en-US" b="0" i="1" smtClean="0">
-                                  <a:latin typeface="Cambria Math" panose="02040503050406030204" pitchFamily="18" charset="0"/>
+                                  <a:latin typeface="Cambria Math" charset="0"/>
                                 </a:rPr>
                               </m:ctrlPr>
                             </m:sSubPr>
@@ -14270,7 +14322,7 @@
                             <m:sSubPr>
                               <m:ctrlPr>
                                 <a:rPr lang="en-US" b="0" i="1" smtClean="0">
-                                  <a:latin typeface="Cambria Math" panose="02040503050406030204" pitchFamily="18" charset="0"/>
+                                  <a:latin typeface="Cambria Math" charset="0"/>
                                 </a:rPr>
                               </m:ctrlPr>
                             </m:sSubPr>
@@ -14317,7 +14369,7 @@
                           <m:supHide m:val="on"/>
                           <m:ctrlPr>
                             <a:rPr lang="en-US" b="0" i="1" smtClean="0">
-                              <a:latin typeface="Cambria Math" panose="02040503050406030204" pitchFamily="18" charset="0"/>
+                              <a:latin typeface="Cambria Math" charset="0"/>
                             </a:rPr>
                           </m:ctrlPr>
                         </m:naryPr>
@@ -14335,7 +14387,7 @@
                             <m:sSubPr>
                               <m:ctrlPr>
                                 <a:rPr lang="en-US" b="0" i="1" smtClean="0">
-                                  <a:latin typeface="Cambria Math" panose="02040503050406030204" pitchFamily="18" charset="0"/>
+                                  <a:latin typeface="Cambria Math" charset="0"/>
                                 </a:rPr>
                               </m:ctrlPr>
                             </m:sSubPr>
@@ -14361,7 +14413,7 @@
                               <m:degHide m:val="on"/>
                               <m:ctrlPr>
                                 <a:rPr lang="en-US" b="0" i="1" smtClean="0">
-                                  <a:latin typeface="Cambria Math" panose="02040503050406030204" pitchFamily="18" charset="0"/>
+                                  <a:latin typeface="Cambria Math" charset="0"/>
                                 </a:rPr>
                               </m:ctrlPr>
                             </m:radPr>
@@ -14371,7 +14423,7 @@
                                 <m:sSubSupPr>
                                   <m:ctrlPr>
                                     <a:rPr lang="en-US" b="0" i="1" smtClean="0">
-                                      <a:latin typeface="Cambria Math" panose="02040503050406030204" pitchFamily="18" charset="0"/>
+                                      <a:latin typeface="Cambria Math" charset="0"/>
                                     </a:rPr>
                                   </m:ctrlPr>
                                 </m:sSubSupPr>
@@ -14410,7 +14462,7 @@
                                 <m:sSubSupPr>
                                   <m:ctrlPr>
                                     <a:rPr lang="en-US" i="1">
-                                      <a:latin typeface="Cambria Math" panose="02040503050406030204" pitchFamily="18" charset="0"/>
+                                      <a:latin typeface="Cambria Math" charset="0"/>
                                     </a:rPr>
                                   </m:ctrlPr>
                                 </m:sSubSupPr>
@@ -14469,7 +14521,7 @@
                             <m:sSubSupPr>
                               <m:ctrlPr>
                                 <a:rPr lang="en-US" b="0" i="1" smtClean="0">
-                                  <a:latin typeface="Cambria Math" panose="02040503050406030204" pitchFamily="18" charset="0"/>
+                                  <a:latin typeface="Cambria Math" charset="0"/>
                                 </a:rPr>
                               </m:ctrlPr>
                             </m:sSubSupPr>
@@ -14514,7 +14566,7 @@
                             <m:sSubSupPr>
                               <m:ctrlPr>
                                 <a:rPr lang="en-US" b="0" i="1" smtClean="0">
-                                  <a:latin typeface="Cambria Math" panose="02040503050406030204" pitchFamily="18" charset="0"/>
+                                  <a:latin typeface="Cambria Math" charset="0"/>
                                 </a:rPr>
                               </m:ctrlPr>
                             </m:sSubSupPr>
@@ -14642,7 +14694,7 @@
             </p:txBody>
           </p:sp>
         </mc:Choice>
-        <mc:Fallback>
+        <mc:Fallback xmlns="">
           <p:sp>
             <p:nvSpPr>
               <p:cNvPr id="3" name="Content Placeholder 2">
@@ -14687,7 +14739,7 @@
           <p:cNvPr id="4" name="Footer Placeholder 3">
             <a:extLst>
               <a:ext uri="{FF2B5EF4-FFF2-40B4-BE49-F238E27FC236}">
-                <a16:creationId xmlns:a16="http://schemas.microsoft.com/office/drawing/2014/main" id="{1F18B1F0-4748-4068-BA94-68CBCC62C648}"/>
+                <a16:creationId xmlns:a16="http://schemas.microsoft.com/office/drawing/2014/main" xmlns="" id="{1F18B1F0-4748-4068-BA94-68CBCC62C648}"/>
               </a:ext>
             </a:extLst>
           </p:cNvPr>
@@ -14744,7 +14796,7 @@
           <p:cNvPr id="5" name="Slide Number Placeholder 4">
             <a:extLst>
               <a:ext uri="{FF2B5EF4-FFF2-40B4-BE49-F238E27FC236}">
-                <a16:creationId xmlns:a16="http://schemas.microsoft.com/office/drawing/2014/main" id="{A39BFACB-D0EE-4249-B1AE-5CD08E88DBBB}"/>
+                <a16:creationId xmlns:a16="http://schemas.microsoft.com/office/drawing/2014/main" xmlns="" id="{A39BFACB-D0EE-4249-B1AE-5CD08E88DBBB}"/>
               </a:ext>
             </a:extLst>
           </p:cNvPr>
@@ -14774,7 +14826,7 @@
           <p:cNvPr id="6" name="Rectangle 5">
             <a:extLst>
               <a:ext uri="{FF2B5EF4-FFF2-40B4-BE49-F238E27FC236}">
-                <a16:creationId xmlns:a16="http://schemas.microsoft.com/office/drawing/2014/main" id="{64764CCA-1F94-4643-8696-38015A8294CF}"/>
+                <a16:creationId xmlns:a16="http://schemas.microsoft.com/office/drawing/2014/main" xmlns="" id="{64764CCA-1F94-4643-8696-38015A8294CF}"/>
               </a:ext>
             </a:extLst>
           </p:cNvPr>
@@ -14821,7 +14873,7 @@
           <p:cNvPr id="7" name="TextBox 6">
             <a:extLst>
               <a:ext uri="{FF2B5EF4-FFF2-40B4-BE49-F238E27FC236}">
-                <a16:creationId xmlns:a16="http://schemas.microsoft.com/office/drawing/2014/main" id="{B87C4414-32CE-48EE-8D41-5F0667A0BED6}"/>
+                <a16:creationId xmlns:a16="http://schemas.microsoft.com/office/drawing/2014/main" xmlns="" id="{B87C4414-32CE-48EE-8D41-5F0667A0BED6}"/>
               </a:ext>
             </a:extLst>
           </p:cNvPr>
@@ -14860,7 +14912,7 @@
           <p:cNvPr id="8" name="Rectangle 7">
             <a:extLst>
               <a:ext uri="{FF2B5EF4-FFF2-40B4-BE49-F238E27FC236}">
-                <a16:creationId xmlns:a16="http://schemas.microsoft.com/office/drawing/2014/main" id="{ED49BEB3-AB94-4944-AED1-ADBCB8B185F1}"/>
+                <a16:creationId xmlns:a16="http://schemas.microsoft.com/office/drawing/2014/main" xmlns="" id="{ED49BEB3-AB94-4944-AED1-ADBCB8B185F1}"/>
               </a:ext>
             </a:extLst>
           </p:cNvPr>
@@ -14907,7 +14959,7 @@
           <p:cNvPr id="9" name="TextBox 8">
             <a:extLst>
               <a:ext uri="{FF2B5EF4-FFF2-40B4-BE49-F238E27FC236}">
-                <a16:creationId xmlns:a16="http://schemas.microsoft.com/office/drawing/2014/main" id="{CD8EA2C0-923D-4F8F-938B-3185B131DE55}"/>
+                <a16:creationId xmlns:a16="http://schemas.microsoft.com/office/drawing/2014/main" xmlns="" id="{CD8EA2C0-923D-4F8F-938B-3185B131DE55}"/>
               </a:ext>
             </a:extLst>
           </p:cNvPr>
@@ -14946,7 +14998,7 @@
           <p:cNvPr id="10" name="Oval 9">
             <a:extLst>
               <a:ext uri="{FF2B5EF4-FFF2-40B4-BE49-F238E27FC236}">
-                <a16:creationId xmlns:a16="http://schemas.microsoft.com/office/drawing/2014/main" id="{79691CDE-3F86-4256-8C1E-9B075E05089F}"/>
+                <a16:creationId xmlns:a16="http://schemas.microsoft.com/office/drawing/2014/main" xmlns="" id="{79691CDE-3F86-4256-8C1E-9B075E05089F}"/>
               </a:ext>
             </a:extLst>
           </p:cNvPr>
@@ -14998,7 +15050,7 @@
           <p:cNvPr id="11" name="Oval 10">
             <a:extLst>
               <a:ext uri="{FF2B5EF4-FFF2-40B4-BE49-F238E27FC236}">
-                <a16:creationId xmlns:a16="http://schemas.microsoft.com/office/drawing/2014/main" id="{0EF577D3-557B-474C-B2B7-1F7AD8DDB4ED}"/>
+                <a16:creationId xmlns:a16="http://schemas.microsoft.com/office/drawing/2014/main" xmlns="" id="{0EF577D3-557B-474C-B2B7-1F7AD8DDB4ED}"/>
               </a:ext>
             </a:extLst>
           </p:cNvPr>
@@ -15050,7 +15102,7 @@
           <p:cNvPr id="12" name="TextBox 11">
             <a:extLst>
               <a:ext uri="{FF2B5EF4-FFF2-40B4-BE49-F238E27FC236}">
-                <a16:creationId xmlns:a16="http://schemas.microsoft.com/office/drawing/2014/main" id="{0F6488F4-3E4A-49E2-AA86-11BBFB3A70E6}"/>
+                <a16:creationId xmlns:a16="http://schemas.microsoft.com/office/drawing/2014/main" xmlns="" id="{0F6488F4-3E4A-49E2-AA86-11BBFB3A70E6}"/>
               </a:ext>
             </a:extLst>
           </p:cNvPr>
@@ -15691,7 +15743,7 @@
               <p:cNvPr id="3" name="TextBox 2">
                 <a:extLst>
                   <a:ext uri="{FF2B5EF4-FFF2-40B4-BE49-F238E27FC236}">
-                    <a16:creationId xmlns:a16="http://schemas.microsoft.com/office/drawing/2014/main" id="{DE36BEBA-512D-4F13-B097-9DA29F92D8A9}"/>
+                    <a16:creationId xmlns:a16="http://schemas.microsoft.com/office/drawing/2014/main" xmlns="" id="{DE36BEBA-512D-4F13-B097-9DA29F92D8A9}"/>
                   </a:ext>
                 </a:extLst>
               </p:cNvPr>
@@ -15805,7 +15857,7 @@
               <p:cNvPr id="10" name="TextBox 9">
                 <a:extLst>
                   <a:ext uri="{FF2B5EF4-FFF2-40B4-BE49-F238E27FC236}">
-                    <a16:creationId xmlns:a16="http://schemas.microsoft.com/office/drawing/2014/main" id="{DFB19A37-2B27-45C8-8757-A9EC693C1904}"/>
+                    <a16:creationId xmlns:a16="http://schemas.microsoft.com/office/drawing/2014/main" xmlns="" id="{DFB19A37-2B27-45C8-8757-A9EC693C1904}"/>
                   </a:ext>
                 </a:extLst>
               </p:cNvPr>
@@ -15917,7 +15969,7 @@
           <p:cNvPr id="7" name="Rectangle 6">
             <a:extLst>
               <a:ext uri="{FF2B5EF4-FFF2-40B4-BE49-F238E27FC236}">
-                <a16:creationId xmlns:a16="http://schemas.microsoft.com/office/drawing/2014/main" id="{C746CEDB-46C0-4343-B966-C84D0DAC3A34}"/>
+                <a16:creationId xmlns:a16="http://schemas.microsoft.com/office/drawing/2014/main" xmlns="" id="{C746CEDB-46C0-4343-B966-C84D0DAC3A34}"/>
               </a:ext>
             </a:extLst>
           </p:cNvPr>
@@ -15969,7 +16021,7 @@
           <p:cNvPr id="13" name="Rectangle 12">
             <a:extLst>
               <a:ext uri="{FF2B5EF4-FFF2-40B4-BE49-F238E27FC236}">
-                <a16:creationId xmlns:a16="http://schemas.microsoft.com/office/drawing/2014/main" id="{CF1FE3B8-89C0-4BC5-82A7-61C9CDE61A4F}"/>
+                <a16:creationId xmlns:a16="http://schemas.microsoft.com/office/drawing/2014/main" xmlns="" id="{CF1FE3B8-89C0-4BC5-82A7-61C9CDE61A4F}"/>
               </a:ext>
             </a:extLst>
           </p:cNvPr>
@@ -16021,7 +16073,7 @@
           <p:cNvPr id="14" name="Rectangle 13">
             <a:extLst>
               <a:ext uri="{FF2B5EF4-FFF2-40B4-BE49-F238E27FC236}">
-                <a16:creationId xmlns:a16="http://schemas.microsoft.com/office/drawing/2014/main" id="{EDF1C893-C24B-4453-8DD1-C2DD493E5AEE}"/>
+                <a16:creationId xmlns:a16="http://schemas.microsoft.com/office/drawing/2014/main" xmlns="" id="{EDF1C893-C24B-4453-8DD1-C2DD493E5AEE}"/>
               </a:ext>
             </a:extLst>
           </p:cNvPr>
@@ -16073,7 +16125,7 @@
           <p:cNvPr id="15" name="Rectangle 14">
             <a:extLst>
               <a:ext uri="{FF2B5EF4-FFF2-40B4-BE49-F238E27FC236}">
-                <a16:creationId xmlns:a16="http://schemas.microsoft.com/office/drawing/2014/main" id="{C36ACDF6-35EB-4B10-AD5E-4EFA08337D88}"/>
+                <a16:creationId xmlns:a16="http://schemas.microsoft.com/office/drawing/2014/main" xmlns="" id="{C36ACDF6-35EB-4B10-AD5E-4EFA08337D88}"/>
               </a:ext>
             </a:extLst>
           </p:cNvPr>
@@ -16127,7 +16179,7 @@
               <p:cNvPr id="8" name="TextBox 7">
                 <a:extLst>
                   <a:ext uri="{FF2B5EF4-FFF2-40B4-BE49-F238E27FC236}">
-                    <a16:creationId xmlns:a16="http://schemas.microsoft.com/office/drawing/2014/main" id="{DABA1900-B631-45EA-A1CC-AA027209DF26}"/>
+                    <a16:creationId xmlns:a16="http://schemas.microsoft.com/office/drawing/2014/main" xmlns="" id="{DABA1900-B631-45EA-A1CC-AA027209DF26}"/>
                   </a:ext>
                 </a:extLst>
               </p:cNvPr>
@@ -16167,7 +16219,7 @@
                         <m:dPr>
                           <m:ctrlPr>
                             <a:rPr lang="en-US" b="0" i="1" smtClean="0">
-                              <a:latin typeface="Cambria Math" panose="02040503050406030204" pitchFamily="18" charset="0"/>
+                              <a:latin typeface="Cambria Math" charset="0"/>
                             </a:rPr>
                           </m:ctrlPr>
                         </m:dPr>
@@ -16204,7 +16256,7 @@
                           <m:endChr m:val="|"/>
                           <m:ctrlPr>
                             <a:rPr lang="en-US" b="0" i="1" smtClean="0">
-                              <a:latin typeface="Cambria Math" panose="02040503050406030204" pitchFamily="18" charset="0"/>
+                              <a:latin typeface="Cambria Math" charset="0"/>
                             </a:rPr>
                           </m:ctrlPr>
                         </m:dPr>
@@ -16228,7 +16280,7 @@
                           <m:degHide m:val="on"/>
                           <m:ctrlPr>
                             <a:rPr lang="en-US" b="0" i="1" smtClean="0">
-                              <a:latin typeface="Cambria Math" panose="02040503050406030204" pitchFamily="18" charset="0"/>
+                              <a:latin typeface="Cambria Math" charset="0"/>
                             </a:rPr>
                           </m:ctrlPr>
                         </m:radPr>
@@ -16238,7 +16290,7 @@
                             <m:sSupPr>
                               <m:ctrlPr>
                                 <a:rPr lang="en-US" b="0" i="1" smtClean="0">
-                                  <a:latin typeface="Cambria Math" panose="02040503050406030204" pitchFamily="18" charset="0"/>
+                                  <a:latin typeface="Cambria Math" charset="0"/>
                                 </a:rPr>
                               </m:ctrlPr>
                             </m:sSupPr>
@@ -16269,7 +16321,7 @@
                             <m:sSupPr>
                               <m:ctrlPr>
                                 <a:rPr lang="en-US" i="1">
-                                  <a:latin typeface="Cambria Math" panose="02040503050406030204" pitchFamily="18" charset="0"/>
+                                  <a:latin typeface="Cambria Math" charset="0"/>
                                 </a:rPr>
                               </m:ctrlPr>
                             </m:sSupPr>
@@ -16350,7 +16402,7 @@
           <p:cNvPr id="19" name="Straight Arrow Connector 18">
             <a:extLst>
               <a:ext uri="{FF2B5EF4-FFF2-40B4-BE49-F238E27FC236}">
-                <a16:creationId xmlns:a16="http://schemas.microsoft.com/office/drawing/2014/main" id="{9B77BD76-ECB9-462D-8AD6-F96FC3911B42}"/>
+                <a16:creationId xmlns:a16="http://schemas.microsoft.com/office/drawing/2014/main" xmlns="" id="{9B77BD76-ECB9-462D-8AD6-F96FC3911B42}"/>
               </a:ext>
             </a:extLst>
           </p:cNvPr>
@@ -16393,7 +16445,7 @@
               <p:cNvPr id="21" name="TextBox 20">
                 <a:extLst>
                   <a:ext uri="{FF2B5EF4-FFF2-40B4-BE49-F238E27FC236}">
-                    <a16:creationId xmlns:a16="http://schemas.microsoft.com/office/drawing/2014/main" id="{D24DA0BD-548E-46C2-88A1-78C9EA0133DD}"/>
+                    <a16:creationId xmlns:a16="http://schemas.microsoft.com/office/drawing/2014/main" xmlns="" id="{D24DA0BD-548E-46C2-88A1-78C9EA0133DD}"/>
                   </a:ext>
                 </a:extLst>
               </p:cNvPr>
@@ -16515,7 +16567,7 @@
           <p:cNvPr id="25" name="Straight Arrow Connector 24">
             <a:extLst>
               <a:ext uri="{FF2B5EF4-FFF2-40B4-BE49-F238E27FC236}">
-                <a16:creationId xmlns:a16="http://schemas.microsoft.com/office/drawing/2014/main" id="{C949D0D1-57EE-4585-9DDE-C033C067204F}"/>
+                <a16:creationId xmlns:a16="http://schemas.microsoft.com/office/drawing/2014/main" xmlns="" id="{C949D0D1-57EE-4585-9DDE-C033C067204F}"/>
               </a:ext>
             </a:extLst>
           </p:cNvPr>
@@ -16556,7 +16608,7 @@
           <p:cNvPr id="27" name="Straight Arrow Connector 26">
             <a:extLst>
               <a:ext uri="{FF2B5EF4-FFF2-40B4-BE49-F238E27FC236}">
-                <a16:creationId xmlns:a16="http://schemas.microsoft.com/office/drawing/2014/main" id="{8C4DE4FC-0E6A-4AE5-A1FB-9160A70BA9EE}"/>
+                <a16:creationId xmlns:a16="http://schemas.microsoft.com/office/drawing/2014/main" xmlns="" id="{8C4DE4FC-0E6A-4AE5-A1FB-9160A70BA9EE}"/>
               </a:ext>
             </a:extLst>
           </p:cNvPr>
@@ -17140,7 +17192,7 @@
           <p:cNvPr id="2" name="Title 1">
             <a:extLst>
               <a:ext uri="{FF2B5EF4-FFF2-40B4-BE49-F238E27FC236}">
-                <a16:creationId xmlns:a16="http://schemas.microsoft.com/office/drawing/2014/main" id="{2CFCB053-9302-4433-A0EE-928F053E8F9E}"/>
+                <a16:creationId xmlns:a16="http://schemas.microsoft.com/office/drawing/2014/main" xmlns="" id="{2CFCB053-9302-4433-A0EE-928F053E8F9E}"/>
               </a:ext>
             </a:extLst>
           </p:cNvPr>
@@ -17163,14 +17215,14 @@
           </a:p>
         </p:txBody>
       </p:sp>
-      <mc:AlternateContent xmlns:mc="http://schemas.openxmlformats.org/markup-compatibility/2006">
-        <mc:Choice xmlns:a14="http://schemas.microsoft.com/office/drawing/2010/main" Requires="a14">
+      <mc:AlternateContent xmlns:mc="http://schemas.openxmlformats.org/markup-compatibility/2006" xmlns:a14="http://schemas.microsoft.com/office/drawing/2010/main">
+        <mc:Choice Requires="a14">
           <p:sp>
             <p:nvSpPr>
               <p:cNvPr id="3" name="Content Placeholder 2">
                 <a:extLst>
                   <a:ext uri="{FF2B5EF4-FFF2-40B4-BE49-F238E27FC236}">
-                    <a16:creationId xmlns:a16="http://schemas.microsoft.com/office/drawing/2014/main" id="{91C89943-CCF2-4951-9FEA-DA883C21955D}"/>
+                    <a16:creationId xmlns:a16="http://schemas.microsoft.com/office/drawing/2014/main" xmlns="" id="{91C89943-CCF2-4951-9FEA-DA883C21955D}"/>
                   </a:ext>
                 </a:extLst>
               </p:cNvPr>
@@ -17199,7 +17251,7 @@
                         <m:limLowPr>
                           <m:ctrlPr>
                             <a:rPr lang="en-US" b="0" i="1" smtClean="0">
-                              <a:latin typeface="Cambria Math" panose="02040503050406030204" pitchFamily="18" charset="0"/>
+                              <a:latin typeface="Cambria Math" charset="0"/>
                             </a:rPr>
                           </m:ctrlPr>
                         </m:limLowPr>
@@ -17323,7 +17375,7 @@
                         <m:sSupPr>
                           <m:ctrlPr>
                             <a:rPr lang="en-US" i="1">
-                              <a:latin typeface="Cambria Math" panose="02040503050406030204" pitchFamily="18" charset="0"/>
+                              <a:latin typeface="Cambria Math" charset="0"/>
                             </a:rPr>
                           </m:ctrlPr>
                         </m:sSupPr>
@@ -17379,7 +17431,7 @@
                           <m:supHide m:val="on"/>
                           <m:ctrlPr>
                             <a:rPr lang="en-US" i="1">
-                              <a:latin typeface="Cambria Math" panose="02040503050406030204" pitchFamily="18" charset="0"/>
+                              <a:latin typeface="Cambria Math" charset="0"/>
                             </a:rPr>
                           </m:ctrlPr>
                         </m:naryPr>
@@ -17397,7 +17449,7 @@
                             <m:sSubPr>
                               <m:ctrlPr>
                                 <a:rPr lang="en-US" i="1">
-                                  <a:latin typeface="Cambria Math" panose="02040503050406030204" pitchFamily="18" charset="0"/>
+                                  <a:latin typeface="Cambria Math" charset="0"/>
                                 </a:rPr>
                               </m:ctrlPr>
                             </m:sSubPr>
@@ -17428,7 +17480,7 @@
                             <m:sSubPr>
                               <m:ctrlPr>
                                 <a:rPr lang="en-US" i="1">
-                                  <a:latin typeface="Cambria Math" panose="02040503050406030204" pitchFamily="18" charset="0"/>
+                                  <a:latin typeface="Cambria Math" charset="0"/>
                                 </a:rPr>
                               </m:ctrlPr>
                             </m:sSubPr>
@@ -17475,7 +17527,7 @@
                           <m:supHide m:val="on"/>
                           <m:ctrlPr>
                             <a:rPr lang="en-US" i="1">
-                              <a:latin typeface="Cambria Math" panose="02040503050406030204" pitchFamily="18" charset="0"/>
+                              <a:latin typeface="Cambria Math" charset="0"/>
                             </a:rPr>
                           </m:ctrlPr>
                         </m:naryPr>
@@ -17493,7 +17545,7 @@
                             <m:sSubPr>
                               <m:ctrlPr>
                                 <a:rPr lang="en-US" i="1">
-                                  <a:latin typeface="Cambria Math" panose="02040503050406030204" pitchFamily="18" charset="0"/>
+                                  <a:latin typeface="Cambria Math" charset="0"/>
                                 </a:rPr>
                               </m:ctrlPr>
                             </m:sSubPr>
@@ -17519,7 +17571,7 @@
                               <m:degHide m:val="on"/>
                               <m:ctrlPr>
                                 <a:rPr lang="en-US" i="1">
-                                  <a:latin typeface="Cambria Math" panose="02040503050406030204" pitchFamily="18" charset="0"/>
+                                  <a:latin typeface="Cambria Math" charset="0"/>
                                 </a:rPr>
                               </m:ctrlPr>
                             </m:radPr>
@@ -17529,7 +17581,7 @@
                                 <m:sSubSupPr>
                                   <m:ctrlPr>
                                     <a:rPr lang="en-US" i="1">
-                                      <a:latin typeface="Cambria Math" panose="02040503050406030204" pitchFamily="18" charset="0"/>
+                                      <a:latin typeface="Cambria Math" charset="0"/>
                                     </a:rPr>
                                   </m:ctrlPr>
                                 </m:sSubSupPr>
@@ -17568,7 +17620,7 @@
                                 <m:sSubSupPr>
                                   <m:ctrlPr>
                                     <a:rPr lang="en-US" i="1">
-                                      <a:latin typeface="Cambria Math" panose="02040503050406030204" pitchFamily="18" charset="0"/>
+                                      <a:latin typeface="Cambria Math" charset="0"/>
                                     </a:rPr>
                                   </m:ctrlPr>
                                 </m:sSubSupPr>
@@ -17698,7 +17750,7 @@
             </p:txBody>
           </p:sp>
         </mc:Choice>
-        <mc:Fallback>
+        <mc:Fallback xmlns="">
           <p:sp>
             <p:nvSpPr>
               <p:cNvPr id="3" name="Content Placeholder 2">
@@ -17743,7 +17795,7 @@
           <p:cNvPr id="4" name="Footer Placeholder 3">
             <a:extLst>
               <a:ext uri="{FF2B5EF4-FFF2-40B4-BE49-F238E27FC236}">
-                <a16:creationId xmlns:a16="http://schemas.microsoft.com/office/drawing/2014/main" id="{C3DE3A06-EBAA-4965-8CF9-209DC7F747F4}"/>
+                <a16:creationId xmlns:a16="http://schemas.microsoft.com/office/drawing/2014/main" xmlns="" id="{C3DE3A06-EBAA-4965-8CF9-209DC7F747F4}"/>
               </a:ext>
             </a:extLst>
           </p:cNvPr>
@@ -17800,7 +17852,7 @@
           <p:cNvPr id="5" name="Slide Number Placeholder 4">
             <a:extLst>
               <a:ext uri="{FF2B5EF4-FFF2-40B4-BE49-F238E27FC236}">
-                <a16:creationId xmlns:a16="http://schemas.microsoft.com/office/drawing/2014/main" id="{79528500-A9D8-47D3-8FAC-D951DC78692E}"/>
+                <a16:creationId xmlns:a16="http://schemas.microsoft.com/office/drawing/2014/main" xmlns="" id="{79528500-A9D8-47D3-8FAC-D951DC78692E}"/>
               </a:ext>
             </a:extLst>
           </p:cNvPr>
@@ -18295,7 +18347,7 @@
           <p:cNvPr id="3" name="TextBox 2">
             <a:extLst>
               <a:ext uri="{FF2B5EF4-FFF2-40B4-BE49-F238E27FC236}">
-                <a16:creationId xmlns:a16="http://schemas.microsoft.com/office/drawing/2014/main" id="{8D1DBAA3-DFB4-4B72-933E-70C9E117546A}"/>
+                <a16:creationId xmlns:a16="http://schemas.microsoft.com/office/drawing/2014/main" xmlns="" id="{8D1DBAA3-DFB4-4B72-933E-70C9E117546A}"/>
               </a:ext>
             </a:extLst>
           </p:cNvPr>
@@ -18330,7 +18382,7 @@
           <p:cNvPr id="6" name="Arrow: Right 5">
             <a:extLst>
               <a:ext uri="{FF2B5EF4-FFF2-40B4-BE49-F238E27FC236}">
-                <a16:creationId xmlns:a16="http://schemas.microsoft.com/office/drawing/2014/main" id="{94A07FE0-D906-4F8B-BA56-443C9FB13696}"/>
+                <a16:creationId xmlns:a16="http://schemas.microsoft.com/office/drawing/2014/main" xmlns="" id="{94A07FE0-D906-4F8B-BA56-443C9FB13696}"/>
               </a:ext>
             </a:extLst>
           </p:cNvPr>
@@ -18371,14 +18423,14 @@
           </a:p>
         </p:txBody>
       </p:sp>
-      <mc:AlternateContent xmlns:mc="http://schemas.openxmlformats.org/markup-compatibility/2006">
-        <mc:Choice xmlns:a14="http://schemas.microsoft.com/office/drawing/2010/main" Requires="a14">
+      <mc:AlternateContent xmlns:mc="http://schemas.openxmlformats.org/markup-compatibility/2006" xmlns:a14="http://schemas.microsoft.com/office/drawing/2010/main">
+        <mc:Choice Requires="a14">
           <p:sp>
             <p:nvSpPr>
               <p:cNvPr id="8" name="Content Placeholder 7">
                 <a:extLst>
                   <a:ext uri="{FF2B5EF4-FFF2-40B4-BE49-F238E27FC236}">
-                    <a16:creationId xmlns:a16="http://schemas.microsoft.com/office/drawing/2014/main" id="{0A6E8DC9-E40C-4CD5-9856-9CF482BA5FD5}"/>
+                    <a16:creationId xmlns:a16="http://schemas.microsoft.com/office/drawing/2014/main" xmlns="" id="{0A6E8DC9-E40C-4CD5-9856-9CF482BA5FD5}"/>
                   </a:ext>
                 </a:extLst>
               </p:cNvPr>
@@ -18414,7 +18466,7 @@
                         <m:limLowPr>
                           <m:ctrlPr>
                             <a:rPr lang="en-US" i="1" smtClean="0">
-                              <a:latin typeface="Cambria Math" panose="02040503050406030204" pitchFamily="18" charset="0"/>
+                              <a:latin typeface="Cambria Math" charset="0"/>
                             </a:rPr>
                           </m:ctrlPr>
                         </m:limLowPr>
@@ -18538,7 +18590,7 @@
                         <m:sSupPr>
                           <m:ctrlPr>
                             <a:rPr lang="en-US" i="1">
-                              <a:latin typeface="Cambria Math" panose="02040503050406030204" pitchFamily="18" charset="0"/>
+                              <a:latin typeface="Cambria Math" charset="0"/>
                             </a:rPr>
                           </m:ctrlPr>
                         </m:sSupPr>
@@ -18594,7 +18646,7 @@
                           <m:supHide m:val="on"/>
                           <m:ctrlPr>
                             <a:rPr lang="en-US" i="1">
-                              <a:latin typeface="Cambria Math" panose="02040503050406030204" pitchFamily="18" charset="0"/>
+                              <a:latin typeface="Cambria Math" charset="0"/>
                             </a:rPr>
                           </m:ctrlPr>
                         </m:naryPr>
@@ -18612,7 +18664,7 @@
                             <m:sSubPr>
                               <m:ctrlPr>
                                 <a:rPr lang="en-US" i="1">
-                                  <a:latin typeface="Cambria Math" panose="02040503050406030204" pitchFamily="18" charset="0"/>
+                                  <a:latin typeface="Cambria Math" charset="0"/>
                                 </a:rPr>
                               </m:ctrlPr>
                             </m:sSubPr>
@@ -18643,7 +18695,7 @@
                             <m:sSubPr>
                               <m:ctrlPr>
                                 <a:rPr lang="en-US" i="1">
-                                  <a:latin typeface="Cambria Math" panose="02040503050406030204" pitchFamily="18" charset="0"/>
+                                  <a:latin typeface="Cambria Math" charset="0"/>
                                 </a:rPr>
                               </m:ctrlPr>
                             </m:sSubPr>
@@ -18690,7 +18742,7 @@
                           <m:supHide m:val="on"/>
                           <m:ctrlPr>
                             <a:rPr lang="en-US" i="1">
-                              <a:latin typeface="Cambria Math" panose="02040503050406030204" pitchFamily="18" charset="0"/>
+                              <a:latin typeface="Cambria Math" charset="0"/>
                             </a:rPr>
                           </m:ctrlPr>
                         </m:naryPr>
@@ -18708,7 +18760,7 @@
                             <m:sSubPr>
                               <m:ctrlPr>
                                 <a:rPr lang="en-US" i="1">
-                                  <a:latin typeface="Cambria Math" panose="02040503050406030204" pitchFamily="18" charset="0"/>
+                                  <a:latin typeface="Cambria Math" charset="0"/>
                                 </a:rPr>
                               </m:ctrlPr>
                             </m:sSubPr>
@@ -18734,7 +18786,7 @@
                               <m:degHide m:val="on"/>
                               <m:ctrlPr>
                                 <a:rPr lang="en-US" i="1">
-                                  <a:latin typeface="Cambria Math" panose="02040503050406030204" pitchFamily="18" charset="0"/>
+                                  <a:latin typeface="Cambria Math" charset="0"/>
                                 </a:rPr>
                               </m:ctrlPr>
                             </m:radPr>
@@ -18744,7 +18796,7 @@
                                 <m:sSubSupPr>
                                   <m:ctrlPr>
                                     <a:rPr lang="en-US" i="1">
-                                      <a:latin typeface="Cambria Math" panose="02040503050406030204" pitchFamily="18" charset="0"/>
+                                      <a:latin typeface="Cambria Math" charset="0"/>
                                     </a:rPr>
                                   </m:ctrlPr>
                                 </m:sSubSupPr>
@@ -18783,7 +18835,7 @@
                                 <m:sSubSupPr>
                                   <m:ctrlPr>
                                     <a:rPr lang="en-US" i="1">
-                                      <a:latin typeface="Cambria Math" panose="02040503050406030204" pitchFamily="18" charset="0"/>
+                                      <a:latin typeface="Cambria Math" charset="0"/>
                                     </a:rPr>
                                   </m:ctrlPr>
                                 </m:sSubSupPr>
@@ -18844,7 +18896,7 @@
                         <m:sSubSupPr>
                           <m:ctrlPr>
                             <a:rPr lang="en-US" b="0" i="1" smtClean="0">
-                              <a:latin typeface="Cambria Math" panose="02040503050406030204" pitchFamily="18" charset="0"/>
+                              <a:latin typeface="Cambria Math" charset="0"/>
                             </a:rPr>
                           </m:ctrlPr>
                         </m:sSubSupPr>
@@ -18889,7 +18941,7 @@
                         <m:sSubSupPr>
                           <m:ctrlPr>
                             <a:rPr lang="en-US" b="0" i="1" smtClean="0">
-                              <a:latin typeface="Cambria Math" panose="02040503050406030204" pitchFamily="18" charset="0"/>
+                              <a:latin typeface="Cambria Math" charset="0"/>
                             </a:rPr>
                           </m:ctrlPr>
                         </m:sSubSupPr>
@@ -18943,7 +18995,7 @@
                       <m:sSupPr>
                         <m:ctrlPr>
                           <a:rPr lang="en-US" b="0" i="1" smtClean="0">
-                            <a:latin typeface="Cambria Math" panose="02040503050406030204" pitchFamily="18" charset="0"/>
+                            <a:latin typeface="Cambria Math" charset="0"/>
                           </a:rPr>
                         </m:ctrlPr>
                       </m:sSupPr>
@@ -18988,7 +19040,7 @@
                         <m:endChr m:val="]"/>
                         <m:ctrlPr>
                           <a:rPr lang="en-US" b="0" i="1" smtClean="0">
-                            <a:latin typeface="Cambria Math" panose="02040503050406030204" pitchFamily="18" charset="0"/>
+                            <a:latin typeface="Cambria Math" charset="0"/>
                           </a:rPr>
                         </m:ctrlPr>
                       </m:dPr>
@@ -18997,7 +19049,7 @@
                           <m:sSubPr>
                             <m:ctrlPr>
                               <a:rPr lang="en-US" b="0" i="1" smtClean="0">
-                                <a:latin typeface="Cambria Math" panose="02040503050406030204" pitchFamily="18" charset="0"/>
+                                <a:latin typeface="Cambria Math" charset="0"/>
                               </a:rPr>
                             </m:ctrlPr>
                           </m:sSubPr>
@@ -19040,7 +19092,7 @@
                           <m:sSubPr>
                             <m:ctrlPr>
                               <a:rPr lang="en-US" b="0" i="1" smtClean="0">
-                                <a:latin typeface="Cambria Math" panose="02040503050406030204" pitchFamily="18" charset="0"/>
+                                <a:latin typeface="Cambria Math" charset="0"/>
                               </a:rPr>
                             </m:ctrlPr>
                           </m:sSubPr>
@@ -19116,7 +19168,7 @@
                         <m:sSubPr>
                           <m:ctrlPr>
                             <a:rPr lang="en-US" b="0" i="1" smtClean="0">
-                              <a:latin typeface="Cambria Math" panose="02040503050406030204" pitchFamily="18" charset="0"/>
+                              <a:latin typeface="Cambria Math" charset="0"/>
                             </a:rPr>
                           </m:ctrlPr>
                         </m:sSubPr>
@@ -19147,7 +19199,7 @@
                         <m:sSupPr>
                           <m:ctrlPr>
                             <a:rPr lang="en-US" b="0" i="1" smtClean="0">
-                              <a:latin typeface="Cambria Math" panose="02040503050406030204" pitchFamily="18" charset="0"/>
+                              <a:latin typeface="Cambria Math" charset="0"/>
                             </a:rPr>
                           </m:ctrlPr>
                         </m:sSupPr>
@@ -19164,7 +19216,7 @@
                             <m:dPr>
                               <m:ctrlPr>
                                 <a:rPr lang="en-US" b="0" i="1" smtClean="0">
-                                  <a:latin typeface="Cambria Math" panose="02040503050406030204" pitchFamily="18" charset="0"/>
+                                  <a:latin typeface="Cambria Math" charset="0"/>
                                 </a:rPr>
                               </m:ctrlPr>
                             </m:dPr>
@@ -19183,7 +19235,7 @@
                         <m:sSubPr>
                           <m:ctrlPr>
                             <a:rPr lang="en-US" b="0" i="1" smtClean="0">
-                              <a:latin typeface="Cambria Math" panose="02040503050406030204" pitchFamily="18" charset="0"/>
+                              <a:latin typeface="Cambria Math" charset="0"/>
                             </a:rPr>
                           </m:ctrlPr>
                         </m:sSubPr>
@@ -19223,7 +19275,7 @@
                         <m:sSubPr>
                           <m:ctrlPr>
                             <a:rPr lang="en-US" b="0" i="1" smtClean="0">
-                              <a:latin typeface="Cambria Math" panose="02040503050406030204" pitchFamily="18" charset="0"/>
+                              <a:latin typeface="Cambria Math" charset="0"/>
                             </a:rPr>
                           </m:ctrlPr>
                         </m:sSubPr>
@@ -19255,7 +19307,7 @@
                           <m:degHide m:val="on"/>
                           <m:ctrlPr>
                             <a:rPr lang="en-US" b="0" i="1" smtClean="0">
-                              <a:latin typeface="Cambria Math" panose="02040503050406030204" pitchFamily="18" charset="0"/>
+                              <a:latin typeface="Cambria Math" charset="0"/>
                             </a:rPr>
                           </m:ctrlPr>
                         </m:radPr>
@@ -19271,7 +19323,7 @@
                             <m:sSubPr>
                               <m:ctrlPr>
                                 <a:rPr lang="en-US" b="0" i="1" smtClean="0">
-                                  <a:latin typeface="Cambria Math" panose="02040503050406030204" pitchFamily="18" charset="0"/>
+                                  <a:latin typeface="Cambria Math" charset="0"/>
                                 </a:rPr>
                               </m:ctrlPr>
                             </m:sSubPr>
@@ -19296,7 +19348,7 @@
                             <m:sSubSupPr>
                               <m:ctrlPr>
                                 <a:rPr lang="en-US" b="0" i="1" smtClean="0">
-                                  <a:latin typeface="Cambria Math" panose="02040503050406030204" pitchFamily="18" charset="0"/>
+                                  <a:latin typeface="Cambria Math" charset="0"/>
                                 </a:rPr>
                               </m:ctrlPr>
                             </m:sSubSupPr>
@@ -19335,7 +19387,7 @@
                             <m:dPr>
                               <m:ctrlPr>
                                 <a:rPr lang="en-US" b="0" i="1" smtClean="0">
-                                  <a:latin typeface="Cambria Math" panose="02040503050406030204" pitchFamily="18" charset="0"/>
+                                  <a:latin typeface="Cambria Math" charset="0"/>
                                 </a:rPr>
                               </m:ctrlPr>
                             </m:dPr>
@@ -19351,7 +19403,7 @@
                                   <m:degHide m:val="on"/>
                                   <m:ctrlPr>
                                     <a:rPr lang="en-US" b="0" i="1" smtClean="0">
-                                      <a:latin typeface="Cambria Math" panose="02040503050406030204" pitchFamily="18" charset="0"/>
+                                      <a:latin typeface="Cambria Math" charset="0"/>
                                     </a:rPr>
                                   </m:ctrlPr>
                                 </m:radPr>
@@ -19361,7 +19413,7 @@
                                     <m:fPr>
                                       <m:ctrlPr>
                                         <a:rPr lang="en-US" b="0" i="1" smtClean="0">
-                                          <a:latin typeface="Cambria Math" panose="02040503050406030204" pitchFamily="18" charset="0"/>
+                                          <a:latin typeface="Cambria Math" charset="0"/>
                                         </a:rPr>
                                       </m:ctrlPr>
                                     </m:fPr>
@@ -19408,7 +19460,7 @@
                             <m:sSubPr>
                               <m:ctrlPr>
                                 <a:rPr lang="en-US" b="0" i="1" smtClean="0">
-                                  <a:latin typeface="Cambria Math" panose="02040503050406030204" pitchFamily="18" charset="0"/>
+                                  <a:latin typeface="Cambria Math" charset="0"/>
                                 </a:rPr>
                               </m:ctrlPr>
                             </m:sSubPr>
@@ -19433,7 +19485,7 @@
                             <m:sSubSupPr>
                               <m:ctrlPr>
                                 <a:rPr lang="en-US" b="0" i="1" smtClean="0">
-                                  <a:latin typeface="Cambria Math" panose="02040503050406030204" pitchFamily="18" charset="0"/>
+                                  <a:latin typeface="Cambria Math" charset="0"/>
                                 </a:rPr>
                               </m:ctrlPr>
                             </m:sSubSupPr>
@@ -19478,7 +19530,7 @@
             </p:txBody>
           </p:sp>
         </mc:Choice>
-        <mc:Fallback>
+        <mc:Fallback xmlns="">
           <p:sp>
             <p:nvSpPr>
               <p:cNvPr id="8" name="Content Placeholder 7">
@@ -21210,7 +21262,7 @@
           <p:cNvPr id="2" name="Title 1">
             <a:extLst>
               <a:ext uri="{FF2B5EF4-FFF2-40B4-BE49-F238E27FC236}">
-                <a16:creationId xmlns:a16="http://schemas.microsoft.com/office/drawing/2014/main" id="{17A8BB3D-2D35-4F66-AFB4-2A9AE7681862}"/>
+                <a16:creationId xmlns:a16="http://schemas.microsoft.com/office/drawing/2014/main" xmlns="" id="{17A8BB3D-2D35-4F66-AFB4-2A9AE7681862}"/>
               </a:ext>
             </a:extLst>
           </p:cNvPr>
@@ -21244,7 +21296,7 @@
           <p:cNvPr id="3" name="Footer Placeholder 2">
             <a:extLst>
               <a:ext uri="{FF2B5EF4-FFF2-40B4-BE49-F238E27FC236}">
-                <a16:creationId xmlns:a16="http://schemas.microsoft.com/office/drawing/2014/main" id="{11862E8A-91FD-4C41-A192-DB3D27D88824}"/>
+                <a16:creationId xmlns:a16="http://schemas.microsoft.com/office/drawing/2014/main" xmlns="" id="{11862E8A-91FD-4C41-A192-DB3D27D88824}"/>
               </a:ext>
             </a:extLst>
           </p:cNvPr>
@@ -21301,7 +21353,7 @@
           <p:cNvPr id="4" name="Slide Number Placeholder 3">
             <a:extLst>
               <a:ext uri="{FF2B5EF4-FFF2-40B4-BE49-F238E27FC236}">
-                <a16:creationId xmlns:a16="http://schemas.microsoft.com/office/drawing/2014/main" id="{9DA5ED20-07EE-4130-97A2-FC2FBDDF57B9}"/>
+                <a16:creationId xmlns:a16="http://schemas.microsoft.com/office/drawing/2014/main" xmlns="" id="{9DA5ED20-07EE-4130-97A2-FC2FBDDF57B9}"/>
               </a:ext>
             </a:extLst>
           </p:cNvPr>
@@ -21361,7 +21413,7 @@
           <p:cNvPr id="2" name="Title 1">
             <a:extLst>
               <a:ext uri="{FF2B5EF4-FFF2-40B4-BE49-F238E27FC236}">
-                <a16:creationId xmlns:a16="http://schemas.microsoft.com/office/drawing/2014/main" id="{C7D675AA-6913-48BC-85A2-5C1947B70467}"/>
+                <a16:creationId xmlns:a16="http://schemas.microsoft.com/office/drawing/2014/main" xmlns="" id="{C7D675AA-6913-48BC-85A2-5C1947B70467}"/>
               </a:ext>
             </a:extLst>
           </p:cNvPr>
@@ -21389,7 +21441,7 @@
           <p:cNvPr id="3" name="Content Placeholder 2">
             <a:extLst>
               <a:ext uri="{FF2B5EF4-FFF2-40B4-BE49-F238E27FC236}">
-                <a16:creationId xmlns:a16="http://schemas.microsoft.com/office/drawing/2014/main" id="{F79FB236-54CE-4723-A388-7B2C26E5DA92}"/>
+                <a16:creationId xmlns:a16="http://schemas.microsoft.com/office/drawing/2014/main" xmlns="" id="{F79FB236-54CE-4723-A388-7B2C26E5DA92}"/>
               </a:ext>
             </a:extLst>
           </p:cNvPr>
@@ -21481,7 +21533,7 @@
           <p:cNvPr id="4" name="Footer Placeholder 3">
             <a:extLst>
               <a:ext uri="{FF2B5EF4-FFF2-40B4-BE49-F238E27FC236}">
-                <a16:creationId xmlns:a16="http://schemas.microsoft.com/office/drawing/2014/main" id="{BDDDA0BE-FB94-44D9-8026-4299635DFDB4}"/>
+                <a16:creationId xmlns:a16="http://schemas.microsoft.com/office/drawing/2014/main" xmlns="" id="{BDDDA0BE-FB94-44D9-8026-4299635DFDB4}"/>
               </a:ext>
             </a:extLst>
           </p:cNvPr>
@@ -21538,7 +21590,7 @@
           <p:cNvPr id="5" name="Slide Number Placeholder 4">
             <a:extLst>
               <a:ext uri="{FF2B5EF4-FFF2-40B4-BE49-F238E27FC236}">
-                <a16:creationId xmlns:a16="http://schemas.microsoft.com/office/drawing/2014/main" id="{89272EAA-7658-4CAB-B263-CD4B022CF97A}"/>
+                <a16:creationId xmlns:a16="http://schemas.microsoft.com/office/drawing/2014/main" xmlns="" id="{89272EAA-7658-4CAB-B263-CD4B022CF97A}"/>
               </a:ext>
             </a:extLst>
           </p:cNvPr>
@@ -21997,7 +22049,7 @@
           <p:cNvPr id="2" name="Title 1">
             <a:extLst>
               <a:ext uri="{FF2B5EF4-FFF2-40B4-BE49-F238E27FC236}">
-                <a16:creationId xmlns:a16="http://schemas.microsoft.com/office/drawing/2014/main" id="{11087D96-4F48-402C-9A22-A3A89A572F75}"/>
+                <a16:creationId xmlns:a16="http://schemas.microsoft.com/office/drawing/2014/main" xmlns="" id="{11087D96-4F48-402C-9A22-A3A89A572F75}"/>
               </a:ext>
             </a:extLst>
           </p:cNvPr>
@@ -22025,7 +22077,7 @@
           <p:cNvPr id="3" name="Content Placeholder 2">
             <a:extLst>
               <a:ext uri="{FF2B5EF4-FFF2-40B4-BE49-F238E27FC236}">
-                <a16:creationId xmlns:a16="http://schemas.microsoft.com/office/drawing/2014/main" id="{F03F415E-2814-47D8-8986-8A3A951F9052}"/>
+                <a16:creationId xmlns:a16="http://schemas.microsoft.com/office/drawing/2014/main" xmlns="" id="{F03F415E-2814-47D8-8986-8A3A951F9052}"/>
               </a:ext>
             </a:extLst>
           </p:cNvPr>
@@ -22070,7 +22122,7 @@
           <p:cNvPr id="4" name="Footer Placeholder 3">
             <a:extLst>
               <a:ext uri="{FF2B5EF4-FFF2-40B4-BE49-F238E27FC236}">
-                <a16:creationId xmlns:a16="http://schemas.microsoft.com/office/drawing/2014/main" id="{8624D5AE-8946-4C90-850A-598E06BFD2C8}"/>
+                <a16:creationId xmlns:a16="http://schemas.microsoft.com/office/drawing/2014/main" xmlns="" id="{8624D5AE-8946-4C90-850A-598E06BFD2C8}"/>
               </a:ext>
             </a:extLst>
           </p:cNvPr>
@@ -22127,7 +22179,7 @@
           <p:cNvPr id="5" name="Slide Number Placeholder 4">
             <a:extLst>
               <a:ext uri="{FF2B5EF4-FFF2-40B4-BE49-F238E27FC236}">
-                <a16:creationId xmlns:a16="http://schemas.microsoft.com/office/drawing/2014/main" id="{C338FA2D-196C-4DEF-97C9-AFD64AE6FD17}"/>
+                <a16:creationId xmlns:a16="http://schemas.microsoft.com/office/drawing/2014/main" xmlns="" id="{C338FA2D-196C-4DEF-97C9-AFD64AE6FD17}"/>
               </a:ext>
             </a:extLst>
           </p:cNvPr>
@@ -22157,7 +22209,7 @@
           <p:cNvPr id="6" name="Rectangle 5">
             <a:extLst>
               <a:ext uri="{FF2B5EF4-FFF2-40B4-BE49-F238E27FC236}">
-                <a16:creationId xmlns:a16="http://schemas.microsoft.com/office/drawing/2014/main" id="{A9CE8327-D90B-419B-AEA4-71B82617F441}"/>
+                <a16:creationId xmlns:a16="http://schemas.microsoft.com/office/drawing/2014/main" xmlns="" id="{A9CE8327-D90B-419B-AEA4-71B82617F441}"/>
               </a:ext>
             </a:extLst>
           </p:cNvPr>
@@ -22206,7 +22258,7 @@
           <p:cNvPr id="7" name="Rectangle 6">
             <a:extLst>
               <a:ext uri="{FF2B5EF4-FFF2-40B4-BE49-F238E27FC236}">
-                <a16:creationId xmlns:a16="http://schemas.microsoft.com/office/drawing/2014/main" id="{1FD7498B-D752-4299-93F1-89F70E6DC4C9}"/>
+                <a16:creationId xmlns:a16="http://schemas.microsoft.com/office/drawing/2014/main" xmlns="" id="{1FD7498B-D752-4299-93F1-89F70E6DC4C9}"/>
               </a:ext>
             </a:extLst>
           </p:cNvPr>
@@ -22260,7 +22312,7 @@
           <p:cNvPr id="8" name="Rectangle 7">
             <a:extLst>
               <a:ext uri="{FF2B5EF4-FFF2-40B4-BE49-F238E27FC236}">
-                <a16:creationId xmlns:a16="http://schemas.microsoft.com/office/drawing/2014/main" id="{E943E299-3DD3-4BDC-872E-A723F2FEC289}"/>
+                <a16:creationId xmlns:a16="http://schemas.microsoft.com/office/drawing/2014/main" xmlns="" id="{E943E299-3DD3-4BDC-872E-A723F2FEC289}"/>
               </a:ext>
             </a:extLst>
           </p:cNvPr>
@@ -22309,7 +22361,7 @@
           <p:cNvPr id="9" name="Rectangle 8">
             <a:extLst>
               <a:ext uri="{FF2B5EF4-FFF2-40B4-BE49-F238E27FC236}">
-                <a16:creationId xmlns:a16="http://schemas.microsoft.com/office/drawing/2014/main" id="{7EC04703-0934-4088-8C30-08DC833DCA54}"/>
+                <a16:creationId xmlns:a16="http://schemas.microsoft.com/office/drawing/2014/main" xmlns="" id="{7EC04703-0934-4088-8C30-08DC833DCA54}"/>
               </a:ext>
             </a:extLst>
           </p:cNvPr>
@@ -22363,7 +22415,7 @@
           <p:cNvPr id="10" name="TextBox 9">
             <a:extLst>
               <a:ext uri="{FF2B5EF4-FFF2-40B4-BE49-F238E27FC236}">
-                <a16:creationId xmlns:a16="http://schemas.microsoft.com/office/drawing/2014/main" id="{F2C16A90-5E97-4B18-984B-B7C50B1073AA}"/>
+                <a16:creationId xmlns:a16="http://schemas.microsoft.com/office/drawing/2014/main" xmlns="" id="{F2C16A90-5E97-4B18-984B-B7C50B1073AA}"/>
               </a:ext>
             </a:extLst>
           </p:cNvPr>
@@ -22402,7 +22454,7 @@
           <p:cNvPr id="12" name="TextBox 11">
             <a:extLst>
               <a:ext uri="{FF2B5EF4-FFF2-40B4-BE49-F238E27FC236}">
-                <a16:creationId xmlns:a16="http://schemas.microsoft.com/office/drawing/2014/main" id="{EE2234DA-6987-4ED4-BA76-BA3ABA99CCB9}"/>
+                <a16:creationId xmlns:a16="http://schemas.microsoft.com/office/drawing/2014/main" xmlns="" id="{EE2234DA-6987-4ED4-BA76-BA3ABA99CCB9}"/>
               </a:ext>
             </a:extLst>
           </p:cNvPr>
@@ -22441,7 +22493,7 @@
           <p:cNvPr id="14" name="TextBox 13">
             <a:extLst>
               <a:ext uri="{FF2B5EF4-FFF2-40B4-BE49-F238E27FC236}">
-                <a16:creationId xmlns:a16="http://schemas.microsoft.com/office/drawing/2014/main" id="{6BD26A27-FC2B-4AAD-9133-6B217D6FB28F}"/>
+                <a16:creationId xmlns:a16="http://schemas.microsoft.com/office/drawing/2014/main" xmlns="" id="{6BD26A27-FC2B-4AAD-9133-6B217D6FB28F}"/>
               </a:ext>
             </a:extLst>
           </p:cNvPr>
@@ -22476,7 +22528,7 @@
           <p:cNvPr id="15" name="TextBox 14">
             <a:extLst>
               <a:ext uri="{FF2B5EF4-FFF2-40B4-BE49-F238E27FC236}">
-                <a16:creationId xmlns:a16="http://schemas.microsoft.com/office/drawing/2014/main" id="{BD939FD6-633E-419B-B7F1-B9F75651991B}"/>
+                <a16:creationId xmlns:a16="http://schemas.microsoft.com/office/drawing/2014/main" xmlns="" id="{BD939FD6-633E-419B-B7F1-B9F75651991B}"/>
               </a:ext>
             </a:extLst>
           </p:cNvPr>
@@ -22511,7 +22563,7 @@
           <p:cNvPr id="16" name="Right Brace 15">
             <a:extLst>
               <a:ext uri="{FF2B5EF4-FFF2-40B4-BE49-F238E27FC236}">
-                <a16:creationId xmlns:a16="http://schemas.microsoft.com/office/drawing/2014/main" id="{F2F2FAEA-93F8-4C3F-938B-B013F8C832BF}"/>
+                <a16:creationId xmlns:a16="http://schemas.microsoft.com/office/drawing/2014/main" xmlns="" id="{F2F2FAEA-93F8-4C3F-938B-B013F8C832BF}"/>
               </a:ext>
             </a:extLst>
           </p:cNvPr>
@@ -22550,14 +22602,14 @@
           </a:p>
         </p:txBody>
       </p:sp>
-      <mc:AlternateContent xmlns:mc="http://schemas.openxmlformats.org/markup-compatibility/2006">
-        <mc:Choice xmlns:a14="http://schemas.microsoft.com/office/drawing/2010/main" Requires="a14">
+      <mc:AlternateContent xmlns:mc="http://schemas.openxmlformats.org/markup-compatibility/2006" xmlns:a14="http://schemas.microsoft.com/office/drawing/2010/main">
+        <mc:Choice Requires="a14">
           <p:sp>
             <p:nvSpPr>
               <p:cNvPr id="17" name="TextBox 16">
                 <a:extLst>
                   <a:ext uri="{FF2B5EF4-FFF2-40B4-BE49-F238E27FC236}">
-                    <a16:creationId xmlns:a16="http://schemas.microsoft.com/office/drawing/2014/main" id="{E379FFCB-270F-42B0-A13C-5284701B20EF}"/>
+                    <a16:creationId xmlns:a16="http://schemas.microsoft.com/office/drawing/2014/main" xmlns="" id="{E379FFCB-270F-42B0-A13C-5284701B20EF}"/>
                   </a:ext>
                 </a:extLst>
               </p:cNvPr>
@@ -22598,7 +22650,7 @@
             </p:txBody>
           </p:sp>
         </mc:Choice>
-        <mc:Fallback>
+        <mc:Fallback xmlns="">
           <p:sp>
             <p:nvSpPr>
               <p:cNvPr id="17" name="TextBox 16">
@@ -22891,7 +22943,7 @@
           <p:cNvPr id="2" name="Title 1">
             <a:extLst>
               <a:ext uri="{FF2B5EF4-FFF2-40B4-BE49-F238E27FC236}">
-                <a16:creationId xmlns:a16="http://schemas.microsoft.com/office/drawing/2014/main" id="{7483EDA4-B6D3-49E9-B6F9-35CE16B276B8}"/>
+                <a16:creationId xmlns:a16="http://schemas.microsoft.com/office/drawing/2014/main" xmlns="" id="{7483EDA4-B6D3-49E9-B6F9-35CE16B276B8}"/>
               </a:ext>
             </a:extLst>
           </p:cNvPr>
@@ -22919,7 +22971,7 @@
           <p:cNvPr id="8" name="Content Placeholder 7" descr="A close up of a device&#10;&#10;Description generated with high confidence">
             <a:extLst>
               <a:ext uri="{FF2B5EF4-FFF2-40B4-BE49-F238E27FC236}">
-                <a16:creationId xmlns:a16="http://schemas.microsoft.com/office/drawing/2014/main" id="{8CE1E0D6-6F26-4032-8800-2CF4E7F2996F}"/>
+                <a16:creationId xmlns:a16="http://schemas.microsoft.com/office/drawing/2014/main" xmlns="" id="{8CE1E0D6-6F26-4032-8800-2CF4E7F2996F}"/>
               </a:ext>
             </a:extLst>
           </p:cNvPr>
@@ -22949,14 +23001,14 @@
           </a:xfrm>
         </p:spPr>
       </p:pic>
-      <mc:AlternateContent xmlns:mc="http://schemas.openxmlformats.org/markup-compatibility/2006">
-        <mc:Choice xmlns:a14="http://schemas.microsoft.com/office/drawing/2010/main" Requires="a14">
+      <mc:AlternateContent xmlns:mc="http://schemas.openxmlformats.org/markup-compatibility/2006" xmlns:a14="http://schemas.microsoft.com/office/drawing/2010/main">
+        <mc:Choice Requires="a14">
           <p:sp>
             <p:nvSpPr>
               <p:cNvPr id="4" name="Text Placeholder 3">
                 <a:extLst>
                   <a:ext uri="{FF2B5EF4-FFF2-40B4-BE49-F238E27FC236}">
-                    <a16:creationId xmlns:a16="http://schemas.microsoft.com/office/drawing/2014/main" id="{B6C5B79B-0970-4BFB-91A9-E1CB31566408}"/>
+                    <a16:creationId xmlns:a16="http://schemas.microsoft.com/office/drawing/2014/main" xmlns="" id="{B6C5B79B-0970-4BFB-91A9-E1CB31566408}"/>
                   </a:ext>
                 </a:extLst>
               </p:cNvPr>
@@ -22987,7 +23039,7 @@
                       <m:sSubPr>
                         <m:ctrlPr>
                           <a:rPr lang="en-US" sz="1800" i="1">
-                            <a:latin typeface="Cambria Math" panose="02040503050406030204" pitchFamily="18" charset="0"/>
+                            <a:latin typeface="Cambria Math" charset="0"/>
                           </a:rPr>
                         </m:ctrlPr>
                       </m:sSubPr>
@@ -23030,7 +23082,7 @@
                       <m:sSupPr>
                         <m:ctrlPr>
                           <a:rPr lang="en-US" sz="1800" i="1">
-                            <a:latin typeface="Cambria Math" panose="02040503050406030204" pitchFamily="18" charset="0"/>
+                            <a:latin typeface="Cambria Math" charset="0"/>
                           </a:rPr>
                         </m:ctrlPr>
                       </m:sSupPr>
@@ -23049,7 +23101,7 @@
                             <m:endChr m:val="|"/>
                             <m:ctrlPr>
                               <a:rPr lang="en-US" sz="1800" i="1">
-                                <a:latin typeface="Cambria Math" panose="02040503050406030204" pitchFamily="18" charset="0"/>
+                                <a:latin typeface="Cambria Math" charset="0"/>
                               </a:rPr>
                             </m:ctrlPr>
                           </m:dPr>
@@ -23089,7 +23141,7 @@
             </p:txBody>
           </p:sp>
         </mc:Choice>
-        <mc:Fallback>
+        <mc:Fallback xmlns="">
           <p:sp>
             <p:nvSpPr>
               <p:cNvPr id="4" name="Text Placeholder 3">
@@ -23138,7 +23190,7 @@
           <p:cNvPr id="5" name="Footer Placeholder 4">
             <a:extLst>
               <a:ext uri="{FF2B5EF4-FFF2-40B4-BE49-F238E27FC236}">
-                <a16:creationId xmlns:a16="http://schemas.microsoft.com/office/drawing/2014/main" id="{A43AD325-324B-46FB-8992-11B6F48344A5}"/>
+                <a16:creationId xmlns:a16="http://schemas.microsoft.com/office/drawing/2014/main" xmlns="" id="{A43AD325-324B-46FB-8992-11B6F48344A5}"/>
               </a:ext>
             </a:extLst>
           </p:cNvPr>
@@ -23187,7 +23239,7 @@
           <p:cNvPr id="6" name="Slide Number Placeholder 5">
             <a:extLst>
               <a:ext uri="{FF2B5EF4-FFF2-40B4-BE49-F238E27FC236}">
-                <a16:creationId xmlns:a16="http://schemas.microsoft.com/office/drawing/2014/main" id="{DC82B01A-3AFA-492D-BC99-4E071A260616}"/>
+                <a16:creationId xmlns:a16="http://schemas.microsoft.com/office/drawing/2014/main" xmlns="" id="{DC82B01A-3AFA-492D-BC99-4E071A260616}"/>
               </a:ext>
             </a:extLst>
           </p:cNvPr>
@@ -23217,7 +23269,7 @@
           <p:cNvPr id="9" name="Title 1">
             <a:extLst>
               <a:ext uri="{FF2B5EF4-FFF2-40B4-BE49-F238E27FC236}">
-                <a16:creationId xmlns:a16="http://schemas.microsoft.com/office/drawing/2014/main" id="{4F33CCF8-87B5-4D8D-A941-8EB5582DF6A2}"/>
+                <a16:creationId xmlns:a16="http://schemas.microsoft.com/office/drawing/2014/main" xmlns="" id="{4F33CCF8-87B5-4D8D-A941-8EB5582DF6A2}"/>
               </a:ext>
             </a:extLst>
           </p:cNvPr>
@@ -23276,14 +23328,14 @@
           </a:p>
         </p:txBody>
       </p:sp>
-      <mc:AlternateContent xmlns:mc="http://schemas.openxmlformats.org/markup-compatibility/2006">
-        <mc:Choice xmlns:a14="http://schemas.microsoft.com/office/drawing/2010/main" Requires="a14">
+      <mc:AlternateContent xmlns:mc="http://schemas.openxmlformats.org/markup-compatibility/2006" xmlns:a14="http://schemas.microsoft.com/office/drawing/2010/main">
+        <mc:Choice Requires="a14">
           <p:sp>
             <p:nvSpPr>
               <p:cNvPr id="10" name="Text Placeholder 3">
                 <a:extLst>
                   <a:ext uri="{FF2B5EF4-FFF2-40B4-BE49-F238E27FC236}">
-                    <a16:creationId xmlns:a16="http://schemas.microsoft.com/office/drawing/2014/main" id="{5E65C462-EF0B-4F14-92B6-DD92E82EA8D2}"/>
+                    <a16:creationId xmlns:a16="http://schemas.microsoft.com/office/drawing/2014/main" xmlns="" id="{5E65C462-EF0B-4F14-92B6-DD92E82EA8D2}"/>
                   </a:ext>
                 </a:extLst>
               </p:cNvPr>
@@ -23545,7 +23597,7 @@
                       <m:fPr>
                         <m:ctrlPr>
                           <a:rPr lang="en-US" sz="1800" i="1">
-                            <a:latin typeface="Cambria Math" panose="02040503050406030204" pitchFamily="18" charset="0"/>
+                            <a:latin typeface="Cambria Math" charset="0"/>
                           </a:rPr>
                         </m:ctrlPr>
                       </m:fPr>
@@ -23566,7 +23618,7 @@
                           <m:sSubPr>
                             <m:ctrlPr>
                               <a:rPr lang="en-US" sz="1800" i="1">
-                                <a:latin typeface="Cambria Math" panose="02040503050406030204" pitchFamily="18" charset="0"/>
+                                <a:latin typeface="Cambria Math" charset="0"/>
                               </a:rPr>
                             </m:ctrlPr>
                           </m:sSubPr>
@@ -23646,7 +23698,7 @@
                       <m:sSubPr>
                         <m:ctrlPr>
                           <a:rPr lang="en-US" sz="1800" i="1">
-                            <a:latin typeface="Cambria Math" panose="02040503050406030204" pitchFamily="18" charset="0"/>
+                            <a:latin typeface="Cambria Math" charset="0"/>
                           </a:rPr>
                         </m:ctrlPr>
                       </m:sSubPr>
@@ -23690,7 +23742,7 @@
             </p:txBody>
           </p:sp>
         </mc:Choice>
-        <mc:Fallback>
+        <mc:Fallback xmlns="">
           <p:sp>
             <p:nvSpPr>
               <p:cNvPr id="10" name="Text Placeholder 3">
@@ -23740,7 +23792,7 @@
           <p:cNvPr id="11" name="Title 1">
             <a:extLst>
               <a:ext uri="{FF2B5EF4-FFF2-40B4-BE49-F238E27FC236}">
-                <a16:creationId xmlns:a16="http://schemas.microsoft.com/office/drawing/2014/main" id="{E17ECA68-FF04-4278-9440-FC0B19DC7E0C}"/>
+                <a16:creationId xmlns:a16="http://schemas.microsoft.com/office/drawing/2014/main" xmlns="" id="{E17ECA68-FF04-4278-9440-FC0B19DC7E0C}"/>
               </a:ext>
             </a:extLst>
           </p:cNvPr>
@@ -23834,7 +23886,7 @@
           <p:cNvPr id="2" name="Title 1">
             <a:extLst>
               <a:ext uri="{FF2B5EF4-FFF2-40B4-BE49-F238E27FC236}">
-                <a16:creationId xmlns:a16="http://schemas.microsoft.com/office/drawing/2014/main" id="{8D3D1849-A525-4249-A3C3-2458C66EBAEE}"/>
+                <a16:creationId xmlns:a16="http://schemas.microsoft.com/office/drawing/2014/main" xmlns="" id="{8D3D1849-A525-4249-A3C3-2458C66EBAEE}"/>
               </a:ext>
             </a:extLst>
           </p:cNvPr>
@@ -23859,7 +23911,7 @@
           <p:cNvPr id="6" name="Content Placeholder 5">
             <a:extLst>
               <a:ext uri="{FF2B5EF4-FFF2-40B4-BE49-F238E27FC236}">
-                <a16:creationId xmlns:a16="http://schemas.microsoft.com/office/drawing/2014/main" id="{343B46D6-D047-452F-9EFA-39C39BD2B425}"/>
+                <a16:creationId xmlns:a16="http://schemas.microsoft.com/office/drawing/2014/main" xmlns="" id="{343B46D6-D047-452F-9EFA-39C39BD2B425}"/>
               </a:ext>
             </a:extLst>
           </p:cNvPr>
@@ -23890,7 +23942,7 @@
           <p:cNvPr id="4" name="Footer Placeholder 3">
             <a:extLst>
               <a:ext uri="{FF2B5EF4-FFF2-40B4-BE49-F238E27FC236}">
-                <a16:creationId xmlns:a16="http://schemas.microsoft.com/office/drawing/2014/main" id="{B122CF56-1FD5-419C-8DB4-FA561574D35D}"/>
+                <a16:creationId xmlns:a16="http://schemas.microsoft.com/office/drawing/2014/main" xmlns="" id="{B122CF56-1FD5-419C-8DB4-FA561574D35D}"/>
               </a:ext>
             </a:extLst>
           </p:cNvPr>
@@ -23939,7 +23991,7 @@
           <p:cNvPr id="5" name="Slide Number Placeholder 4">
             <a:extLst>
               <a:ext uri="{FF2B5EF4-FFF2-40B4-BE49-F238E27FC236}">
-                <a16:creationId xmlns:a16="http://schemas.microsoft.com/office/drawing/2014/main" id="{D688DAF5-DFA6-4FBA-B2FD-C94B0330E846}"/>
+                <a16:creationId xmlns:a16="http://schemas.microsoft.com/office/drawing/2014/main" xmlns="" id="{D688DAF5-DFA6-4FBA-B2FD-C94B0330E846}"/>
               </a:ext>
             </a:extLst>
           </p:cNvPr>
@@ -24197,7 +24249,7 @@
           <p:cNvPr id="2" name="Title 1">
             <a:extLst>
               <a:ext uri="{FF2B5EF4-FFF2-40B4-BE49-F238E27FC236}">
-                <a16:creationId xmlns:a16="http://schemas.microsoft.com/office/drawing/2014/main" id="{17A8BB3D-2D35-4F66-AFB4-2A9AE7681862}"/>
+                <a16:creationId xmlns:a16="http://schemas.microsoft.com/office/drawing/2014/main" xmlns="" id="{17A8BB3D-2D35-4F66-AFB4-2A9AE7681862}"/>
               </a:ext>
             </a:extLst>
           </p:cNvPr>
@@ -24231,7 +24283,7 @@
           <p:cNvPr id="3" name="Footer Placeholder 2">
             <a:extLst>
               <a:ext uri="{FF2B5EF4-FFF2-40B4-BE49-F238E27FC236}">
-                <a16:creationId xmlns:a16="http://schemas.microsoft.com/office/drawing/2014/main" id="{11862E8A-91FD-4C41-A192-DB3D27D88824}"/>
+                <a16:creationId xmlns:a16="http://schemas.microsoft.com/office/drawing/2014/main" xmlns="" id="{11862E8A-91FD-4C41-A192-DB3D27D88824}"/>
               </a:ext>
             </a:extLst>
           </p:cNvPr>
@@ -24288,7 +24340,7 @@
           <p:cNvPr id="4" name="Slide Number Placeholder 3">
             <a:extLst>
               <a:ext uri="{FF2B5EF4-FFF2-40B4-BE49-F238E27FC236}">
-                <a16:creationId xmlns:a16="http://schemas.microsoft.com/office/drawing/2014/main" id="{9DA5ED20-07EE-4130-97A2-FC2FBDDF57B9}"/>
+                <a16:creationId xmlns:a16="http://schemas.microsoft.com/office/drawing/2014/main" xmlns="" id="{9DA5ED20-07EE-4130-97A2-FC2FBDDF57B9}"/>
               </a:ext>
             </a:extLst>
           </p:cNvPr>
@@ -24318,7 +24370,7 @@
           <p:cNvPr id="5" name="Title 1">
             <a:extLst>
               <a:ext uri="{FF2B5EF4-FFF2-40B4-BE49-F238E27FC236}">
-                <a16:creationId xmlns:a16="http://schemas.microsoft.com/office/drawing/2014/main" id="{27513E21-FF28-40C3-A56D-A08AFD183114}"/>
+                <a16:creationId xmlns:a16="http://schemas.microsoft.com/office/drawing/2014/main" xmlns="" id="{27513E21-FF28-40C3-A56D-A08AFD183114}"/>
               </a:ext>
             </a:extLst>
           </p:cNvPr>
@@ -24411,6 +24463,13 @@
   <p:clrMapOvr>
     <a:masterClrMapping/>
   </p:clrMapOvr>
+  <p:timing>
+    <p:tnLst>
+      <p:par>
+        <p:cTn id="1" dur="indefinite" restart="never" nodeType="tmRoot"/>
+      </p:par>
+    </p:tnLst>
+  </p:timing>
 </p:sld>
 </file>
 
@@ -24528,8 +24587,8 @@
           </a:p>
         </p:txBody>
       </p:sp>
-      <mc:AlternateContent xmlns:mc="http://schemas.openxmlformats.org/markup-compatibility/2006" xmlns:a14="http://schemas.microsoft.com/office/drawing/2010/main">
-        <mc:Choice Requires="a14">
+      <mc:AlternateContent xmlns:mc="http://schemas.openxmlformats.org/markup-compatibility/2006">
+        <mc:Choice xmlns:a14="http://schemas.microsoft.com/office/drawing/2010/main" Requires="a14">
           <p:sp>
             <p:nvSpPr>
               <p:cNvPr id="7" name="TextBox 6"/>
@@ -24539,7 +24598,7 @@
             <p:spPr>
               <a:xfrm>
                 <a:off x="582026" y="2859782"/>
-                <a:ext cx="7475123" cy="1929887"/>
+                <a:ext cx="4216219" cy="1499000"/>
               </a:xfrm>
               <a:prstGeom prst="rect">
                 <a:avLst/>
@@ -24562,7 +24621,7 @@
                       <m:sSubPr>
                         <m:ctrlPr>
                           <a:rPr lang="en-US" sz="1400" b="0" i="1" dirty="0" smtClean="0">
-                            <a:latin typeface="Cambria Math" panose="02040503050406030204" pitchFamily="18" charset="0"/>
+                            <a:latin typeface="Cambria Math" charset="0"/>
                           </a:rPr>
                         </m:ctrlPr>
                       </m:sSubPr>
@@ -24573,7 +24632,7 @@
                             <m:endChr m:val="|"/>
                             <m:ctrlPr>
                               <a:rPr lang="en-US" sz="1400" b="0" i="1" smtClean="0">
-                                <a:latin typeface="Cambria Math" panose="02040503050406030204" pitchFamily="18" charset="0"/>
+                                <a:latin typeface="Cambria Math" charset="0"/>
                               </a:rPr>
                             </m:ctrlPr>
                           </m:dPr>
@@ -24583,7 +24642,7 @@
                                 <m:chr m:val="̂"/>
                                 <m:ctrlPr>
                                   <a:rPr lang="en-US" sz="1400" b="0" i="1" smtClean="0">
-                                    <a:latin typeface="Cambria Math" panose="02040503050406030204" pitchFamily="18" charset="0"/>
+                                    <a:latin typeface="Cambria Math" charset="0"/>
                                   </a:rPr>
                                 </m:ctrlPr>
                               </m:accPr>
@@ -24638,7 +24697,7 @@
                       <m:sSubPr>
                         <m:ctrlPr>
                           <a:rPr lang="en-US" sz="1400" i="1" dirty="0">
-                            <a:latin typeface="Cambria Math" panose="02040503050406030204" pitchFamily="18" charset="0"/>
+                            <a:latin typeface="Cambria Math" charset="0"/>
                           </a:rPr>
                         </m:ctrlPr>
                       </m:sSubPr>
@@ -24649,7 +24708,7 @@
                             <m:endChr m:val="|"/>
                             <m:ctrlPr>
                               <a:rPr lang="en-US" sz="1400" i="1">
-                                <a:latin typeface="Cambria Math" panose="02040503050406030204" pitchFamily="18" charset="0"/>
+                                <a:latin typeface="Cambria Math" charset="0"/>
                               </a:rPr>
                             </m:ctrlPr>
                           </m:dPr>
@@ -24659,7 +24718,7 @@
                                 <m:chr m:val="̂"/>
                                 <m:ctrlPr>
                                   <a:rPr lang="en-US" sz="1400" i="1">
-                                    <a:latin typeface="Cambria Math" panose="02040503050406030204" pitchFamily="18" charset="0"/>
+                                    <a:latin typeface="Cambria Math" charset="0"/>
                                   </a:rPr>
                                 </m:ctrlPr>
                               </m:accPr>
@@ -24711,52 +24770,32 @@
               </a:p>
               <a:p>
                 <a:r>
-                  <a:rPr lang="en-US" sz="1400" dirty="0"/>
-                  <a:t>TP: True </a:t>
+                  <a:rPr lang="en-US" sz="1400" dirty="0" smtClean="0"/>
+                  <a:t>PPV</a:t>
                 </a:r>
                 <a:r>
-                  <a:rPr lang="en-US" sz="1400" dirty="0" err="1"/>
-                  <a:t>Postive</a:t>
+                  <a:rPr lang="en-US" sz="1400" dirty="0" smtClean="0"/>
+                  <a:t>: Positive </a:t>
+                </a:r>
+                <a:r>
+                  <a:rPr lang="en-US" sz="1400" dirty="0"/>
+                  <a:t>p</a:t>
+                </a:r>
+                <a:r>
+                  <a:rPr lang="en-US" sz="1400" dirty="0" smtClean="0"/>
+                  <a:t>redictive value (Precision)</a:t>
+                </a:r>
+              </a:p>
+              <a:p>
+                <a:r>
+                  <a:rPr lang="en-US" sz="1400" dirty="0" smtClean="0"/>
+                  <a:t>FNR: False negative rate</a:t>
                 </a:r>
                 <a:endParaRPr lang="en-US" sz="1400" dirty="0"/>
               </a:p>
               <a:p>
                 <a:r>
-                  <a:rPr lang="en-US" sz="1400" dirty="0"/>
-                  <a:t>all: all biomarker covariates (including both prognostic biomarkers and predictive </a:t>
-                </a:r>
-                <a:r>
-                  <a:rPr lang="en-US" sz="1400" dirty="0" err="1"/>
-                  <a:t>biomakers</a:t>
-                </a:r>
-                <a:r>
-                  <a:rPr lang="en-US" sz="1400" dirty="0"/>
-                  <a:t>)</a:t>
-                </a:r>
-              </a:p>
-              <a:p>
-                <a:r>
-                  <a:rPr lang="en-US" sz="1400" dirty="0" err="1"/>
-                  <a:t>prog</a:t>
-                </a:r>
-                <a:r>
-                  <a:rPr lang="en-US" sz="1400" dirty="0"/>
-                  <a:t>: Only on prognostic biomarkers</a:t>
-                </a:r>
-              </a:p>
-              <a:p>
-                <a:r>
-                  <a:rPr lang="en-US" sz="1400" dirty="0" err="1"/>
-                  <a:t>pred</a:t>
-                </a:r>
-                <a:r>
-                  <a:rPr lang="en-US" sz="1400" dirty="0"/>
-                  <a:t>: Only on predictive biomarkers</a:t>
-                </a:r>
-              </a:p>
-              <a:p>
-                <a:r>
-                  <a:rPr lang="en-US" sz="1400" dirty="0" err="1"/>
+                  <a:rPr lang="en-US" sz="1400" dirty="0" err="1" smtClean="0"/>
                   <a:t>num</a:t>
                 </a:r>
                 <a:r>
@@ -24767,7 +24806,7 @@
             </p:txBody>
           </p:sp>
         </mc:Choice>
-        <mc:Fallback xmlns="">
+        <mc:Fallback>
           <p:sp>
             <p:nvSpPr>
               <p:cNvPr id="7" name="TextBox 6"/>
@@ -24779,15 +24818,15 @@
             <p:spPr>
               <a:xfrm>
                 <a:off x="582026" y="2859782"/>
-                <a:ext cx="7475123" cy="1929887"/>
+                <a:ext cx="4216219" cy="1499000"/>
               </a:xfrm>
               <a:prstGeom prst="rect">
                 <a:avLst/>
               </a:prstGeom>
               <a:blipFill rotWithShape="0">
-                <a:blip r:embed="rId3"/>
+                <a:blip r:embed="rId2"/>
                 <a:stretch>
-                  <a:fillRect l="-244" b="-2524"/>
+                  <a:fillRect l="-434" b="-3659"/>
                 </a:stretch>
               </a:blipFill>
             </p:spPr>
@@ -24808,13 +24847,7 @@
       </mc:AlternateContent>
       <p:pic>
         <p:nvPicPr>
-          <p:cNvPr id="16" name="Content Placeholder 15" descr="A screenshot of a cell phone&#10;&#10;Description generated with high confidence">
-            <a:extLst>
-              <a:ext uri="{FF2B5EF4-FFF2-40B4-BE49-F238E27FC236}">
-                <a16:creationId xmlns:a16="http://schemas.microsoft.com/office/drawing/2014/main" id="{B754AD48-FFD5-4D74-B092-D0A295A4B096}"/>
-              </a:ext>
-            </a:extLst>
-          </p:cNvPr>
+          <p:cNvPr id="10" name="Content Placeholder 9"/>
           <p:cNvPicPr>
             <a:picLocks noGrp="1" noChangeAspect="1"/>
           </p:cNvPicPr>
@@ -24822,31 +24855,30 @@
             <p:ph idx="1"/>
           </p:nvPr>
         </p:nvPicPr>
-        <p:blipFill>
-          <a:blip r:embed="rId4">
+        <p:blipFill rotWithShape="1">
+          <a:blip r:embed="rId3">
             <a:extLst>
               <a:ext uri="{28A0092B-C50C-407E-A947-70E740481C1C}">
                 <a14:useLocalDpi xmlns:a14="http://schemas.microsoft.com/office/drawing/2010/main" val="0"/>
               </a:ext>
             </a:extLst>
           </a:blip>
-          <a:stretch>
-            <a:fillRect/>
-          </a:stretch>
+          <a:srcRect b="12336"/>
+          <a:stretch/>
         </p:blipFill>
         <p:spPr>
           <a:xfrm>
-            <a:off x="827584" y="954782"/>
-            <a:ext cx="6667500" cy="1905000"/>
+            <a:off x="395288" y="785394"/>
+            <a:ext cx="8281987" cy="2074388"/>
           </a:xfrm>
         </p:spPr>
       </p:pic>
       <p:sp>
         <p:nvSpPr>
-          <p:cNvPr id="12" name="Rectangle 11">
+          <p:cNvPr id="8" name="Rectangle 7">
             <a:extLst>
               <a:ext uri="{FF2B5EF4-FFF2-40B4-BE49-F238E27FC236}">
-                <a16:creationId xmlns:a16="http://schemas.microsoft.com/office/drawing/2014/main" id="{07ED46A6-71E1-466D-A0E5-E3ACF6FCE25D}"/>
+                <a16:creationId xmlns:a16="http://schemas.microsoft.com/office/drawing/2014/main" xmlns="" id="{AB780432-ADBE-4B81-8C7B-188C78577B9C}"/>
               </a:ext>
             </a:extLst>
           </p:cNvPr>
@@ -24855,7 +24887,7 @@
         </p:nvSpPr>
         <p:spPr>
           <a:xfrm>
-            <a:off x="6249566" y="1432580"/>
+            <a:off x="5580112" y="1394567"/>
             <a:ext cx="558961" cy="216024"/>
           </a:xfrm>
           <a:prstGeom prst="rect">
@@ -24890,10 +24922,10 @@
       </p:sp>
       <p:sp>
         <p:nvSpPr>
-          <p:cNvPr id="8" name="Rectangle 7">
+          <p:cNvPr id="12" name="Rectangle 11">
             <a:extLst>
               <a:ext uri="{FF2B5EF4-FFF2-40B4-BE49-F238E27FC236}">
-                <a16:creationId xmlns:a16="http://schemas.microsoft.com/office/drawing/2014/main" id="{AB780432-ADBE-4B81-8C7B-188C78577B9C}"/>
+                <a16:creationId xmlns:a16="http://schemas.microsoft.com/office/drawing/2014/main" xmlns="" id="{07ED46A6-71E1-466D-A0E5-E3ACF6FCE25D}"/>
               </a:ext>
             </a:extLst>
           </p:cNvPr>
@@ -24902,7 +24934,7 @@
         </p:nvSpPr>
         <p:spPr>
           <a:xfrm>
-            <a:off x="5004048" y="1432580"/>
+            <a:off x="7179064" y="1392873"/>
             <a:ext cx="558961" cy="216024"/>
           </a:xfrm>
           <a:prstGeom prst="rect">
@@ -24945,6 +24977,13 @@
   <p:clrMapOvr>
     <a:masterClrMapping/>
   </p:clrMapOvr>
+  <p:timing>
+    <p:tnLst>
+      <p:par>
+        <p:cTn id="1" dur="indefinite" restart="never" nodeType="tmRoot"/>
+      </p:par>
+    </p:tnLst>
+  </p:timing>
 </p:sld>
 </file>
 
@@ -24970,7 +25009,7 @@
           <p:cNvPr id="2" name="Title 1">
             <a:extLst>
               <a:ext uri="{FF2B5EF4-FFF2-40B4-BE49-F238E27FC236}">
-                <a16:creationId xmlns:a16="http://schemas.microsoft.com/office/drawing/2014/main" id="{B47CDB8A-37FD-446A-86BA-6FC732FF02F4}"/>
+                <a16:creationId xmlns:a16="http://schemas.microsoft.com/office/drawing/2014/main" xmlns="" id="{B47CDB8A-37FD-446A-86BA-6FC732FF02F4}"/>
               </a:ext>
             </a:extLst>
           </p:cNvPr>
@@ -24992,45 +25031,10 @@
       </p:sp>
       <p:pic>
         <p:nvPicPr>
-          <p:cNvPr id="8" name="Content Placeholder 7" descr="A close up of a piece of paper&#10;&#10;Description generated with high confidence">
-            <a:extLst>
-              <a:ext uri="{FF2B5EF4-FFF2-40B4-BE49-F238E27FC236}">
-                <a16:creationId xmlns:a16="http://schemas.microsoft.com/office/drawing/2014/main" id="{CE02C1DB-6B92-48B3-A130-B3772325C3F7}"/>
-              </a:ext>
-            </a:extLst>
-          </p:cNvPr>
-          <p:cNvPicPr>
-            <a:picLocks noGrp="1" noChangeAspect="1"/>
-          </p:cNvPicPr>
-          <p:nvPr>
-            <p:ph sz="half" idx="1"/>
-          </p:nvPr>
-        </p:nvPicPr>
-        <p:blipFill>
-          <a:blip r:embed="rId2">
-            <a:extLst>
-              <a:ext uri="{28A0092B-C50C-407E-A947-70E740481C1C}">
-                <a14:useLocalDpi xmlns:a14="http://schemas.microsoft.com/office/drawing/2010/main" val="0"/>
-              </a:ext>
-            </a:extLst>
-          </a:blip>
-          <a:stretch>
-            <a:fillRect/>
-          </a:stretch>
-        </p:blipFill>
-        <p:spPr>
-          <a:xfrm>
-            <a:off x="480726" y="1200150"/>
-            <a:ext cx="3939161" cy="3394075"/>
-          </a:xfrm>
-        </p:spPr>
-      </p:pic>
-      <p:pic>
-        <p:nvPicPr>
           <p:cNvPr id="10" name="Content Placeholder 9" descr="A screenshot of a cell phone&#10;&#10;Description generated with high confidence">
             <a:extLst>
               <a:ext uri="{FF2B5EF4-FFF2-40B4-BE49-F238E27FC236}">
-                <a16:creationId xmlns:a16="http://schemas.microsoft.com/office/drawing/2014/main" id="{0DCF9734-DF1D-4596-B357-0A361BA526C6}"/>
+                <a16:creationId xmlns:a16="http://schemas.microsoft.com/office/drawing/2014/main" xmlns="" id="{0DCF9734-DF1D-4596-B357-0A361BA526C6}"/>
               </a:ext>
             </a:extLst>
           </p:cNvPr>
@@ -25042,7 +25046,7 @@
           </p:nvPr>
         </p:nvPicPr>
         <p:blipFill>
-          <a:blip r:embed="rId3">
+          <a:blip r:embed="rId2">
             <a:extLst>
               <a:ext uri="{28A0092B-C50C-407E-A947-70E740481C1C}">
                 <a14:useLocalDpi xmlns:a14="http://schemas.microsoft.com/office/drawing/2010/main" val="0"/>
@@ -25065,7 +25069,7 @@
           <p:cNvPr id="5" name="Footer Placeholder 4">
             <a:extLst>
               <a:ext uri="{FF2B5EF4-FFF2-40B4-BE49-F238E27FC236}">
-                <a16:creationId xmlns:a16="http://schemas.microsoft.com/office/drawing/2014/main" id="{2E0CB2BF-FEF5-477F-AFDF-28ABBF62B309}"/>
+                <a16:creationId xmlns:a16="http://schemas.microsoft.com/office/drawing/2014/main" xmlns="" id="{2E0CB2BF-FEF5-477F-AFDF-28ABBF62B309}"/>
               </a:ext>
             </a:extLst>
           </p:cNvPr>
@@ -25114,7 +25118,7 @@
           <p:cNvPr id="6" name="Slide Number Placeholder 5">
             <a:extLst>
               <a:ext uri="{FF2B5EF4-FFF2-40B4-BE49-F238E27FC236}">
-                <a16:creationId xmlns:a16="http://schemas.microsoft.com/office/drawing/2014/main" id="{0AE4AFB9-BD1A-4E38-A420-0EE1928B353B}"/>
+                <a16:creationId xmlns:a16="http://schemas.microsoft.com/office/drawing/2014/main" xmlns="" id="{0AE4AFB9-BD1A-4E38-A420-0EE1928B353B}"/>
               </a:ext>
             </a:extLst>
           </p:cNvPr>
@@ -25139,6 +25143,35 @@
           </a:p>
         </p:txBody>
       </p:sp>
+      <p:pic>
+        <p:nvPicPr>
+          <p:cNvPr id="4" name="Content Placeholder 3"/>
+          <p:cNvPicPr>
+            <a:picLocks noGrp="1" noChangeAspect="1"/>
+          </p:cNvPicPr>
+          <p:nvPr>
+            <p:ph sz="half" idx="1"/>
+          </p:nvPr>
+        </p:nvPicPr>
+        <p:blipFill>
+          <a:blip r:embed="rId3">
+            <a:extLst>
+              <a:ext uri="{28A0092B-C50C-407E-A947-70E740481C1C}">
+                <a14:useLocalDpi xmlns:a14="http://schemas.microsoft.com/office/drawing/2010/main" val="0"/>
+              </a:ext>
+            </a:extLst>
+          </a:blip>
+          <a:stretch>
+            <a:fillRect/>
+          </a:stretch>
+        </p:blipFill>
+        <p:spPr>
+          <a:xfrm>
+            <a:off x="480726" y="1200150"/>
+            <a:ext cx="3939161" cy="3394075"/>
+          </a:xfrm>
+        </p:spPr>
+      </p:pic>
     </p:spTree>
     <p:extLst>
       <p:ext uri="{BB962C8B-B14F-4D97-AF65-F5344CB8AC3E}">
@@ -25149,6 +25182,13 @@
   <p:clrMapOvr>
     <a:masterClrMapping/>
   </p:clrMapOvr>
+  <p:timing>
+    <p:tnLst>
+      <p:par>
+        <p:cTn id="1" dur="indefinite" restart="never" nodeType="tmRoot"/>
+      </p:par>
+    </p:tnLst>
+  </p:timing>
 </p:sld>
 </file>
 
@@ -25174,7 +25214,7 @@
           <p:cNvPr id="2" name="Title 1">
             <a:extLst>
               <a:ext uri="{FF2B5EF4-FFF2-40B4-BE49-F238E27FC236}">
-                <a16:creationId xmlns:a16="http://schemas.microsoft.com/office/drawing/2014/main" id="{17A8BB3D-2D35-4F66-AFB4-2A9AE7681862}"/>
+                <a16:creationId xmlns:a16="http://schemas.microsoft.com/office/drawing/2014/main" xmlns="" id="{17A8BB3D-2D35-4F66-AFB4-2A9AE7681862}"/>
               </a:ext>
             </a:extLst>
           </p:cNvPr>
@@ -25208,7 +25248,7 @@
           <p:cNvPr id="3" name="Footer Placeholder 2">
             <a:extLst>
               <a:ext uri="{FF2B5EF4-FFF2-40B4-BE49-F238E27FC236}">
-                <a16:creationId xmlns:a16="http://schemas.microsoft.com/office/drawing/2014/main" id="{11862E8A-91FD-4C41-A192-DB3D27D88824}"/>
+                <a16:creationId xmlns:a16="http://schemas.microsoft.com/office/drawing/2014/main" xmlns="" id="{11862E8A-91FD-4C41-A192-DB3D27D88824}"/>
               </a:ext>
             </a:extLst>
           </p:cNvPr>
@@ -25265,7 +25305,7 @@
           <p:cNvPr id="4" name="Slide Number Placeholder 3">
             <a:extLst>
               <a:ext uri="{FF2B5EF4-FFF2-40B4-BE49-F238E27FC236}">
-                <a16:creationId xmlns:a16="http://schemas.microsoft.com/office/drawing/2014/main" id="{9DA5ED20-07EE-4130-97A2-FC2FBDDF57B9}"/>
+                <a16:creationId xmlns:a16="http://schemas.microsoft.com/office/drawing/2014/main" xmlns="" id="{9DA5ED20-07EE-4130-97A2-FC2FBDDF57B9}"/>
               </a:ext>
             </a:extLst>
           </p:cNvPr>
@@ -25417,18 +25457,18 @@
           </a:p>
         </p:txBody>
       </p:sp>
-      <mc:AlternateContent xmlns:mc="http://schemas.openxmlformats.org/markup-compatibility/2006" xmlns:a14="http://schemas.microsoft.com/office/drawing/2010/main">
-        <mc:Choice Requires="a14">
+      <mc:AlternateContent xmlns:mc="http://schemas.openxmlformats.org/markup-compatibility/2006">
+        <mc:Choice xmlns:a14="http://schemas.microsoft.com/office/drawing/2010/main" Requires="a14">
           <p:sp>
             <p:nvSpPr>
-              <p:cNvPr id="8" name="TextBox 7"/>
+              <p:cNvPr id="10" name="TextBox 9"/>
               <p:cNvSpPr txBox="1"/>
               <p:nvPr/>
             </p:nvSpPr>
             <p:spPr>
               <a:xfrm>
                 <a:off x="582026" y="2859782"/>
-                <a:ext cx="7475123" cy="1929887"/>
+                <a:ext cx="4216219" cy="1499000"/>
               </a:xfrm>
               <a:prstGeom prst="rect">
                 <a:avLst/>
@@ -25451,7 +25491,7 @@
                       <m:sSubPr>
                         <m:ctrlPr>
                           <a:rPr lang="en-US" sz="1400" b="0" i="1" dirty="0" smtClean="0">
-                            <a:latin typeface="Cambria Math" panose="02040503050406030204" pitchFamily="18" charset="0"/>
+                            <a:latin typeface="Cambria Math" charset="0"/>
                           </a:rPr>
                         </m:ctrlPr>
                       </m:sSubPr>
@@ -25462,7 +25502,7 @@
                             <m:endChr m:val="|"/>
                             <m:ctrlPr>
                               <a:rPr lang="en-US" sz="1400" b="0" i="1" smtClean="0">
-                                <a:latin typeface="Cambria Math" panose="02040503050406030204" pitchFamily="18" charset="0"/>
+                                <a:latin typeface="Cambria Math" charset="0"/>
                               </a:rPr>
                             </m:ctrlPr>
                           </m:dPr>
@@ -25472,7 +25512,7 @@
                                 <m:chr m:val="̂"/>
                                 <m:ctrlPr>
                                   <a:rPr lang="en-US" sz="1400" b="0" i="1" smtClean="0">
-                                    <a:latin typeface="Cambria Math" panose="02040503050406030204" pitchFamily="18" charset="0"/>
+                                    <a:latin typeface="Cambria Math" charset="0"/>
                                   </a:rPr>
                                 </m:ctrlPr>
                               </m:accPr>
@@ -25527,7 +25567,7 @@
                       <m:sSubPr>
                         <m:ctrlPr>
                           <a:rPr lang="en-US" sz="1400" i="1" dirty="0">
-                            <a:latin typeface="Cambria Math" panose="02040503050406030204" pitchFamily="18" charset="0"/>
+                            <a:latin typeface="Cambria Math" charset="0"/>
                           </a:rPr>
                         </m:ctrlPr>
                       </m:sSubPr>
@@ -25538,7 +25578,7 @@
                             <m:endChr m:val="|"/>
                             <m:ctrlPr>
                               <a:rPr lang="en-US" sz="1400" i="1">
-                                <a:latin typeface="Cambria Math" panose="02040503050406030204" pitchFamily="18" charset="0"/>
+                                <a:latin typeface="Cambria Math" charset="0"/>
                               </a:rPr>
                             </m:ctrlPr>
                           </m:dPr>
@@ -25548,7 +25588,7 @@
                                 <m:chr m:val="̂"/>
                                 <m:ctrlPr>
                                   <a:rPr lang="en-US" sz="1400" i="1">
-                                    <a:latin typeface="Cambria Math" panose="02040503050406030204" pitchFamily="18" charset="0"/>
+                                    <a:latin typeface="Cambria Math" charset="0"/>
                                   </a:rPr>
                                 </m:ctrlPr>
                               </m:accPr>
@@ -25600,52 +25640,32 @@
               </a:p>
               <a:p>
                 <a:r>
-                  <a:rPr lang="en-US" sz="1400" dirty="0"/>
-                  <a:t>TP: True </a:t>
+                  <a:rPr lang="en-US" sz="1400" dirty="0" smtClean="0"/>
+                  <a:t>PPV</a:t>
                 </a:r>
                 <a:r>
-                  <a:rPr lang="en-US" sz="1400" dirty="0" err="1"/>
-                  <a:t>Postive</a:t>
+                  <a:rPr lang="en-US" sz="1400" dirty="0" smtClean="0"/>
+                  <a:t>: Positive </a:t>
+                </a:r>
+                <a:r>
+                  <a:rPr lang="en-US" sz="1400" dirty="0"/>
+                  <a:t>p</a:t>
+                </a:r>
+                <a:r>
+                  <a:rPr lang="en-US" sz="1400" dirty="0" smtClean="0"/>
+                  <a:t>redictive value (Precision)</a:t>
+                </a:r>
+              </a:p>
+              <a:p>
+                <a:r>
+                  <a:rPr lang="en-US" sz="1400" dirty="0" smtClean="0"/>
+                  <a:t>FNR: False negative rate</a:t>
                 </a:r>
                 <a:endParaRPr lang="en-US" sz="1400" dirty="0"/>
               </a:p>
               <a:p>
                 <a:r>
-                  <a:rPr lang="en-US" sz="1400" dirty="0"/>
-                  <a:t>all: all biomarker covariates (including both prognostic biomarkers and predictive </a:t>
-                </a:r>
-                <a:r>
-                  <a:rPr lang="en-US" sz="1400" dirty="0" err="1"/>
-                  <a:t>biomakers</a:t>
-                </a:r>
-                <a:r>
-                  <a:rPr lang="en-US" sz="1400" dirty="0"/>
-                  <a:t>)</a:t>
-                </a:r>
-              </a:p>
-              <a:p>
-                <a:r>
-                  <a:rPr lang="en-US" sz="1400" dirty="0" err="1"/>
-                  <a:t>prog</a:t>
-                </a:r>
-                <a:r>
-                  <a:rPr lang="en-US" sz="1400" dirty="0"/>
-                  <a:t>: Only on prognostic biomarkers</a:t>
-                </a:r>
-              </a:p>
-              <a:p>
-                <a:r>
-                  <a:rPr lang="en-US" sz="1400" dirty="0" err="1"/>
-                  <a:t>pred</a:t>
-                </a:r>
-                <a:r>
-                  <a:rPr lang="en-US" sz="1400" dirty="0"/>
-                  <a:t>: Only on predictive biomarkers</a:t>
-                </a:r>
-              </a:p>
-              <a:p>
-                <a:r>
-                  <a:rPr lang="en-US" sz="1400" dirty="0" err="1"/>
+                  <a:rPr lang="en-US" sz="1400" dirty="0" err="1" smtClean="0"/>
                   <a:t>num</a:t>
                 </a:r>
                 <a:r>
@@ -25656,10 +25676,10 @@
             </p:txBody>
           </p:sp>
         </mc:Choice>
-        <mc:Fallback xmlns="">
+        <mc:Fallback>
           <p:sp>
             <p:nvSpPr>
-              <p:cNvPr id="8" name="TextBox 7"/>
+              <p:cNvPr id="10" name="TextBox 9"/>
               <p:cNvSpPr txBox="1">
                 <a:spLocks noRot="1" noChangeAspect="1" noMove="1" noResize="1" noEditPoints="1" noAdjustHandles="1" noChangeArrowheads="1" noChangeShapeType="1" noTextEdit="1"/>
               </p:cNvSpPr>
@@ -25668,15 +25688,15 @@
             <p:spPr>
               <a:xfrm>
                 <a:off x="582026" y="2859782"/>
-                <a:ext cx="7475123" cy="1929887"/>
+                <a:ext cx="4216219" cy="1499000"/>
               </a:xfrm>
               <a:prstGeom prst="rect">
                 <a:avLst/>
               </a:prstGeom>
               <a:blipFill rotWithShape="0">
-                <a:blip r:embed="rId3"/>
+                <a:blip r:embed="rId2"/>
                 <a:stretch>
-                  <a:fillRect l="-244" b="-2524"/>
+                  <a:fillRect l="-434" b="-3659"/>
                 </a:stretch>
               </a:blipFill>
             </p:spPr>
@@ -25697,13 +25717,7 @@
       </mc:AlternateContent>
       <p:pic>
         <p:nvPicPr>
-          <p:cNvPr id="16" name="Content Placeholder 15" descr="A screenshot of a cell phone&#10;&#10;Description generated with high confidence">
-            <a:extLst>
-              <a:ext uri="{FF2B5EF4-FFF2-40B4-BE49-F238E27FC236}">
-                <a16:creationId xmlns:a16="http://schemas.microsoft.com/office/drawing/2014/main" id="{20EE8CD7-C408-4E2C-852A-69C375C8F6C3}"/>
-              </a:ext>
-            </a:extLst>
-          </p:cNvPr>
+          <p:cNvPr id="11" name="Content Placeholder 10"/>
           <p:cNvPicPr>
             <a:picLocks noGrp="1" noChangeAspect="1"/>
           </p:cNvPicPr>
@@ -25711,22 +25725,21 @@
             <p:ph idx="1"/>
           </p:nvPr>
         </p:nvPicPr>
-        <p:blipFill>
-          <a:blip r:embed="rId4">
+        <p:blipFill rotWithShape="1">
+          <a:blip r:embed="rId3">
             <a:extLst>
               <a:ext uri="{28A0092B-C50C-407E-A947-70E740481C1C}">
                 <a14:useLocalDpi xmlns:a14="http://schemas.microsoft.com/office/drawing/2010/main" val="0"/>
               </a:ext>
             </a:extLst>
           </a:blip>
-          <a:stretch>
-            <a:fillRect/>
-          </a:stretch>
+          <a:srcRect b="11751"/>
+          <a:stretch/>
         </p:blipFill>
         <p:spPr>
           <a:xfrm>
-            <a:off x="1238250" y="954782"/>
-            <a:ext cx="6667500" cy="1905000"/>
+            <a:off x="395288" y="771550"/>
+            <a:ext cx="8281987" cy="2088232"/>
           </a:xfrm>
         </p:spPr>
       </p:pic>
@@ -25735,7 +25748,7 @@
           <p:cNvPr id="9" name="Rectangle 8">
             <a:extLst>
               <a:ext uri="{FF2B5EF4-FFF2-40B4-BE49-F238E27FC236}">
-                <a16:creationId xmlns:a16="http://schemas.microsoft.com/office/drawing/2014/main" id="{CA8A3337-10D4-4CF8-ADB4-3378E5DF373A}"/>
+                <a16:creationId xmlns:a16="http://schemas.microsoft.com/office/drawing/2014/main" xmlns="" id="{CA8A3337-10D4-4CF8-ADB4-3378E5DF373A}"/>
               </a:ext>
             </a:extLst>
           </p:cNvPr>
@@ -25744,7 +25757,7 @@
         </p:nvSpPr>
         <p:spPr>
           <a:xfrm>
-            <a:off x="5364088" y="1432580"/>
+            <a:off x="5606943" y="1354345"/>
             <a:ext cx="558961" cy="216024"/>
           </a:xfrm>
           <a:prstGeom prst="rect">
@@ -25782,7 +25795,7 @@
           <p:cNvPr id="12" name="Rectangle 11">
             <a:extLst>
               <a:ext uri="{FF2B5EF4-FFF2-40B4-BE49-F238E27FC236}">
-                <a16:creationId xmlns:a16="http://schemas.microsoft.com/office/drawing/2014/main" id="{A2F9BE81-41C9-43E8-A213-03CBFB48583A}"/>
+                <a16:creationId xmlns:a16="http://schemas.microsoft.com/office/drawing/2014/main" xmlns="" id="{A2F9BE81-41C9-43E8-A213-03CBFB48583A}"/>
               </a:ext>
             </a:extLst>
           </p:cNvPr>
@@ -25791,7 +25804,7 @@
         </p:nvSpPr>
         <p:spPr>
           <a:xfrm>
-            <a:off x="6624362" y="1432580"/>
+            <a:off x="7142109" y="1370674"/>
             <a:ext cx="558961" cy="216024"/>
           </a:xfrm>
           <a:prstGeom prst="rect">
@@ -25834,6 +25847,13 @@
   <p:clrMapOvr>
     <a:masterClrMapping/>
   </p:clrMapOvr>
+  <p:timing>
+    <p:tnLst>
+      <p:par>
+        <p:cTn id="1" dur="indefinite" restart="never" nodeType="tmRoot"/>
+      </p:par>
+    </p:tnLst>
+  </p:timing>
 </p:sld>
 </file>
 
@@ -25951,18 +25971,18 @@
           </a:p>
         </p:txBody>
       </p:sp>
-      <mc:AlternateContent xmlns:mc="http://schemas.openxmlformats.org/markup-compatibility/2006" xmlns:a14="http://schemas.microsoft.com/office/drawing/2010/main">
-        <mc:Choice Requires="a14">
+      <mc:AlternateContent xmlns:mc="http://schemas.openxmlformats.org/markup-compatibility/2006">
+        <mc:Choice xmlns:a14="http://schemas.microsoft.com/office/drawing/2010/main" Requires="a14">
           <p:sp>
             <p:nvSpPr>
-              <p:cNvPr id="6" name="TextBox 5"/>
+              <p:cNvPr id="11" name="TextBox 10"/>
               <p:cNvSpPr txBox="1"/>
               <p:nvPr/>
             </p:nvSpPr>
             <p:spPr>
               <a:xfrm>
                 <a:off x="582026" y="2859782"/>
-                <a:ext cx="7475123" cy="1929887"/>
+                <a:ext cx="4216219" cy="1499000"/>
               </a:xfrm>
               <a:prstGeom prst="rect">
                 <a:avLst/>
@@ -25985,7 +26005,7 @@
                       <m:sSubPr>
                         <m:ctrlPr>
                           <a:rPr lang="en-US" sz="1400" b="0" i="1" dirty="0" smtClean="0">
-                            <a:latin typeface="Cambria Math" panose="02040503050406030204" pitchFamily="18" charset="0"/>
+                            <a:latin typeface="Cambria Math" charset="0"/>
                           </a:rPr>
                         </m:ctrlPr>
                       </m:sSubPr>
@@ -25996,7 +26016,7 @@
                             <m:endChr m:val="|"/>
                             <m:ctrlPr>
                               <a:rPr lang="en-US" sz="1400" b="0" i="1" smtClean="0">
-                                <a:latin typeface="Cambria Math" panose="02040503050406030204" pitchFamily="18" charset="0"/>
+                                <a:latin typeface="Cambria Math" charset="0"/>
                               </a:rPr>
                             </m:ctrlPr>
                           </m:dPr>
@@ -26006,7 +26026,7 @@
                                 <m:chr m:val="̂"/>
                                 <m:ctrlPr>
                                   <a:rPr lang="en-US" sz="1400" b="0" i="1" smtClean="0">
-                                    <a:latin typeface="Cambria Math" panose="02040503050406030204" pitchFamily="18" charset="0"/>
+                                    <a:latin typeface="Cambria Math" charset="0"/>
                                   </a:rPr>
                                 </m:ctrlPr>
                               </m:accPr>
@@ -26061,7 +26081,7 @@
                       <m:sSubPr>
                         <m:ctrlPr>
                           <a:rPr lang="en-US" sz="1400" i="1" dirty="0">
-                            <a:latin typeface="Cambria Math" panose="02040503050406030204" pitchFamily="18" charset="0"/>
+                            <a:latin typeface="Cambria Math" charset="0"/>
                           </a:rPr>
                         </m:ctrlPr>
                       </m:sSubPr>
@@ -26072,7 +26092,7 @@
                             <m:endChr m:val="|"/>
                             <m:ctrlPr>
                               <a:rPr lang="en-US" sz="1400" i="1">
-                                <a:latin typeface="Cambria Math" panose="02040503050406030204" pitchFamily="18" charset="0"/>
+                                <a:latin typeface="Cambria Math" charset="0"/>
                               </a:rPr>
                             </m:ctrlPr>
                           </m:dPr>
@@ -26082,7 +26102,7 @@
                                 <m:chr m:val="̂"/>
                                 <m:ctrlPr>
                                   <a:rPr lang="en-US" sz="1400" i="1">
-                                    <a:latin typeface="Cambria Math" panose="02040503050406030204" pitchFamily="18" charset="0"/>
+                                    <a:latin typeface="Cambria Math" charset="0"/>
                                   </a:rPr>
                                 </m:ctrlPr>
                               </m:accPr>
@@ -26134,52 +26154,32 @@
               </a:p>
               <a:p>
                 <a:r>
-                  <a:rPr lang="en-US" sz="1400" dirty="0"/>
-                  <a:t>TP: True </a:t>
+                  <a:rPr lang="en-US" sz="1400" dirty="0" smtClean="0"/>
+                  <a:t>PPV</a:t>
                 </a:r>
                 <a:r>
-                  <a:rPr lang="en-US" sz="1400" dirty="0" err="1"/>
-                  <a:t>Postive</a:t>
+                  <a:rPr lang="en-US" sz="1400" dirty="0" smtClean="0"/>
+                  <a:t>: Positive </a:t>
+                </a:r>
+                <a:r>
+                  <a:rPr lang="en-US" sz="1400" dirty="0"/>
+                  <a:t>p</a:t>
+                </a:r>
+                <a:r>
+                  <a:rPr lang="en-US" sz="1400" dirty="0" smtClean="0"/>
+                  <a:t>redictive value (Precision)</a:t>
+                </a:r>
+              </a:p>
+              <a:p>
+                <a:r>
+                  <a:rPr lang="en-US" sz="1400" dirty="0" smtClean="0"/>
+                  <a:t>FNR: False negative rate</a:t>
                 </a:r>
                 <a:endParaRPr lang="en-US" sz="1400" dirty="0"/>
               </a:p>
               <a:p>
                 <a:r>
-                  <a:rPr lang="en-US" sz="1400" dirty="0"/>
-                  <a:t>all: all biomarker covariates (including both prognostic biomarkers and predictive </a:t>
-                </a:r>
-                <a:r>
-                  <a:rPr lang="en-US" sz="1400" dirty="0" err="1"/>
-                  <a:t>biomakers</a:t>
-                </a:r>
-                <a:r>
-                  <a:rPr lang="en-US" sz="1400" dirty="0"/>
-                  <a:t>)</a:t>
-                </a:r>
-              </a:p>
-              <a:p>
-                <a:r>
-                  <a:rPr lang="en-US" sz="1400" dirty="0" err="1"/>
-                  <a:t>prog</a:t>
-                </a:r>
-                <a:r>
-                  <a:rPr lang="en-US" sz="1400" dirty="0"/>
-                  <a:t>: Only on prognostic biomarkers</a:t>
-                </a:r>
-              </a:p>
-              <a:p>
-                <a:r>
-                  <a:rPr lang="en-US" sz="1400" dirty="0" err="1"/>
-                  <a:t>pred</a:t>
-                </a:r>
-                <a:r>
-                  <a:rPr lang="en-US" sz="1400" dirty="0"/>
-                  <a:t>: Only on predictive biomarkers</a:t>
-                </a:r>
-              </a:p>
-              <a:p>
-                <a:r>
-                  <a:rPr lang="en-US" sz="1400" dirty="0" err="1"/>
+                  <a:rPr lang="en-US" sz="1400" dirty="0" err="1" smtClean="0"/>
                   <a:t>num</a:t>
                 </a:r>
                 <a:r>
@@ -26190,10 +26190,10 @@
             </p:txBody>
           </p:sp>
         </mc:Choice>
-        <mc:Fallback xmlns="">
+        <mc:Fallback>
           <p:sp>
             <p:nvSpPr>
-              <p:cNvPr id="6" name="TextBox 5"/>
+              <p:cNvPr id="11" name="TextBox 10"/>
               <p:cNvSpPr txBox="1">
                 <a:spLocks noRot="1" noChangeAspect="1" noMove="1" noResize="1" noEditPoints="1" noAdjustHandles="1" noChangeArrowheads="1" noChangeShapeType="1" noTextEdit="1"/>
               </p:cNvSpPr>
@@ -26202,7 +26202,7 @@
             <p:spPr>
               <a:xfrm>
                 <a:off x="582026" y="2859782"/>
-                <a:ext cx="7475123" cy="1929887"/>
+                <a:ext cx="4216219" cy="1499000"/>
               </a:xfrm>
               <a:prstGeom prst="rect">
                 <a:avLst/>
@@ -26210,7 +26210,7 @@
               <a:blipFill rotWithShape="0">
                 <a:blip r:embed="rId2"/>
                 <a:stretch>
-                  <a:fillRect l="-244" b="-2524"/>
+                  <a:fillRect l="-434" b="-3659"/>
                 </a:stretch>
               </a:blipFill>
             </p:spPr>
@@ -26231,13 +26231,7 @@
       </mc:AlternateContent>
       <p:pic>
         <p:nvPicPr>
-          <p:cNvPr id="12" name="Content Placeholder 11" descr="A screenshot of a cell phone&#10;&#10;Description generated with high confidence">
-            <a:extLst>
-              <a:ext uri="{FF2B5EF4-FFF2-40B4-BE49-F238E27FC236}">
-                <a16:creationId xmlns:a16="http://schemas.microsoft.com/office/drawing/2014/main" id="{ABE72F08-BA0C-4858-824F-9B9AAC950AC1}"/>
-              </a:ext>
-            </a:extLst>
-          </p:cNvPr>
+          <p:cNvPr id="15" name="Content Placeholder 14"/>
           <p:cNvPicPr>
             <a:picLocks noGrp="1" noChangeAspect="1"/>
           </p:cNvPicPr>
@@ -26245,7 +26239,7 @@
             <p:ph idx="1"/>
           </p:nvPr>
         </p:nvPicPr>
-        <p:blipFill>
+        <p:blipFill rotWithShape="1">
           <a:blip r:embed="rId3">
             <a:extLst>
               <a:ext uri="{28A0092B-C50C-407E-A947-70E740481C1C}">
@@ -26253,14 +26247,13 @@
               </a:ext>
             </a:extLst>
           </a:blip>
-          <a:stretch>
-            <a:fillRect/>
-          </a:stretch>
+          <a:srcRect b="11751"/>
+          <a:stretch/>
         </p:blipFill>
         <p:spPr>
           <a:xfrm>
-            <a:off x="985837" y="954782"/>
-            <a:ext cx="6667500" cy="1905000"/>
+            <a:off x="484647" y="771550"/>
+            <a:ext cx="8281987" cy="2088232"/>
           </a:xfrm>
         </p:spPr>
       </p:pic>
@@ -26272,7 +26265,54 @@
         </p:nvSpPr>
         <p:spPr>
           <a:xfrm>
-            <a:off x="5126687" y="1432580"/>
+            <a:off x="5685648" y="1410820"/>
+            <a:ext cx="558961" cy="216024"/>
+          </a:xfrm>
+          <a:prstGeom prst="rect">
+            <a:avLst/>
+          </a:prstGeom>
+          <a:noFill/>
+        </p:spPr>
+        <p:style>
+          <a:lnRef idx="2">
+            <a:schemeClr val="accent1">
+              <a:shade val="50000"/>
+            </a:schemeClr>
+          </a:lnRef>
+          <a:fillRef idx="1">
+            <a:schemeClr val="accent1"/>
+          </a:fillRef>
+          <a:effectRef idx="0">
+            <a:schemeClr val="accent1"/>
+          </a:effectRef>
+          <a:fontRef idx="minor">
+            <a:schemeClr val="lt1"/>
+          </a:fontRef>
+        </p:style>
+        <p:txBody>
+          <a:bodyPr rtlCol="0" anchor="ctr"/>
+          <a:lstStyle/>
+          <a:p>
+            <a:pPr algn="ctr"/>
+            <a:endParaRPr lang="en-US"/>
+          </a:p>
+        </p:txBody>
+      </p:sp>
+      <p:sp>
+        <p:nvSpPr>
+          <p:cNvPr id="13" name="Rectangle 12">
+            <a:extLst>
+              <a:ext uri="{FF2B5EF4-FFF2-40B4-BE49-F238E27FC236}">
+                <a16:creationId xmlns:a16="http://schemas.microsoft.com/office/drawing/2014/main" xmlns="" id="{8114FE8F-961E-4C29-B2CD-1844293990B9}"/>
+              </a:ext>
+            </a:extLst>
+          </p:cNvPr>
+          <p:cNvSpPr/>
+          <p:nvPr/>
+        </p:nvSpPr>
+        <p:spPr>
+          <a:xfrm>
+            <a:off x="7308304" y="1410820"/>
             <a:ext cx="558961" cy="216024"/>
           </a:xfrm>
           <a:prstGeom prst="rect">
@@ -26313,54 +26353,7 @@
         </p:nvSpPr>
         <p:spPr>
           <a:xfrm>
-            <a:off x="5126687" y="1974903"/>
-            <a:ext cx="558961" cy="216024"/>
-          </a:xfrm>
-          <a:prstGeom prst="rect">
-            <a:avLst/>
-          </a:prstGeom>
-          <a:noFill/>
-        </p:spPr>
-        <p:style>
-          <a:lnRef idx="2">
-            <a:schemeClr val="accent1">
-              <a:shade val="50000"/>
-            </a:schemeClr>
-          </a:lnRef>
-          <a:fillRef idx="1">
-            <a:schemeClr val="accent1"/>
-          </a:fillRef>
-          <a:effectRef idx="0">
-            <a:schemeClr val="accent1"/>
-          </a:effectRef>
-          <a:fontRef idx="minor">
-            <a:schemeClr val="lt1"/>
-          </a:fontRef>
-        </p:style>
-        <p:txBody>
-          <a:bodyPr rtlCol="0" anchor="ctr"/>
-          <a:lstStyle/>
-          <a:p>
-            <a:pPr algn="ctr"/>
-            <a:endParaRPr lang="en-US"/>
-          </a:p>
-        </p:txBody>
-      </p:sp>
-      <p:sp>
-        <p:nvSpPr>
-          <p:cNvPr id="13" name="Rectangle 12">
-            <a:extLst>
-              <a:ext uri="{FF2B5EF4-FFF2-40B4-BE49-F238E27FC236}">
-                <a16:creationId xmlns:a16="http://schemas.microsoft.com/office/drawing/2014/main" id="{8114FE8F-961E-4C29-B2CD-1844293990B9}"/>
-              </a:ext>
-            </a:extLst>
-          </p:cNvPr>
-          <p:cNvSpPr/>
-          <p:nvPr/>
-        </p:nvSpPr>
-        <p:spPr>
-          <a:xfrm>
-            <a:off x="6361292" y="1410820"/>
+            <a:off x="5715565" y="2118238"/>
             <a:ext cx="558961" cy="216024"/>
           </a:xfrm>
           <a:prstGeom prst="rect">
@@ -26398,7 +26391,7 @@
           <p:cNvPr id="14" name="Rectangle 13">
             <a:extLst>
               <a:ext uri="{FF2B5EF4-FFF2-40B4-BE49-F238E27FC236}">
-                <a16:creationId xmlns:a16="http://schemas.microsoft.com/office/drawing/2014/main" id="{1FE0BEFA-FE06-4EE0-AD96-860556373828}"/>
+                <a16:creationId xmlns:a16="http://schemas.microsoft.com/office/drawing/2014/main" xmlns="" id="{1FE0BEFA-FE06-4EE0-AD96-860556373828}"/>
               </a:ext>
             </a:extLst>
           </p:cNvPr>
@@ -26407,7 +26400,7 @@
         </p:nvSpPr>
         <p:spPr>
           <a:xfrm>
-            <a:off x="6361292" y="1999257"/>
+            <a:off x="7317394" y="2132066"/>
             <a:ext cx="558961" cy="216024"/>
           </a:xfrm>
           <a:prstGeom prst="rect">
@@ -26450,6 +26443,13 @@
   <p:clrMapOvr>
     <a:masterClrMapping/>
   </p:clrMapOvr>
+  <p:timing>
+    <p:tnLst>
+      <p:par>
+        <p:cTn id="1" dur="indefinite" restart="never" nodeType="tmRoot"/>
+      </p:par>
+    </p:tnLst>
+  </p:timing>
 </p:sld>
 </file>
 
@@ -26567,18 +26567,18 @@
           </a:p>
         </p:txBody>
       </p:sp>
-      <mc:AlternateContent xmlns:mc="http://schemas.openxmlformats.org/markup-compatibility/2006" xmlns:a14="http://schemas.microsoft.com/office/drawing/2010/main">
-        <mc:Choice Requires="a14">
+      <mc:AlternateContent xmlns:mc="http://schemas.openxmlformats.org/markup-compatibility/2006">
+        <mc:Choice xmlns:a14="http://schemas.microsoft.com/office/drawing/2010/main" Requires="a14">
           <p:sp>
             <p:nvSpPr>
-              <p:cNvPr id="7" name="TextBox 6"/>
+              <p:cNvPr id="11" name="TextBox 10"/>
               <p:cNvSpPr txBox="1"/>
               <p:nvPr/>
             </p:nvSpPr>
             <p:spPr>
               <a:xfrm>
                 <a:off x="582026" y="2859782"/>
-                <a:ext cx="7475123" cy="1929887"/>
+                <a:ext cx="4216219" cy="1499000"/>
               </a:xfrm>
               <a:prstGeom prst="rect">
                 <a:avLst/>
@@ -26601,7 +26601,7 @@
                       <m:sSubPr>
                         <m:ctrlPr>
                           <a:rPr lang="en-US" sz="1400" b="0" i="1" dirty="0" smtClean="0">
-                            <a:latin typeface="Cambria Math" panose="02040503050406030204" pitchFamily="18" charset="0"/>
+                            <a:latin typeface="Cambria Math" charset="0"/>
                           </a:rPr>
                         </m:ctrlPr>
                       </m:sSubPr>
@@ -26612,7 +26612,7 @@
                             <m:endChr m:val="|"/>
                             <m:ctrlPr>
                               <a:rPr lang="en-US" sz="1400" b="0" i="1" smtClean="0">
-                                <a:latin typeface="Cambria Math" panose="02040503050406030204" pitchFamily="18" charset="0"/>
+                                <a:latin typeface="Cambria Math" charset="0"/>
                               </a:rPr>
                             </m:ctrlPr>
                           </m:dPr>
@@ -26622,7 +26622,7 @@
                                 <m:chr m:val="̂"/>
                                 <m:ctrlPr>
                                   <a:rPr lang="en-US" sz="1400" b="0" i="1" smtClean="0">
-                                    <a:latin typeface="Cambria Math" panose="02040503050406030204" pitchFamily="18" charset="0"/>
+                                    <a:latin typeface="Cambria Math" charset="0"/>
                                   </a:rPr>
                                 </m:ctrlPr>
                               </m:accPr>
@@ -26677,7 +26677,7 @@
                       <m:sSubPr>
                         <m:ctrlPr>
                           <a:rPr lang="en-US" sz="1400" i="1" dirty="0">
-                            <a:latin typeface="Cambria Math" panose="02040503050406030204" pitchFamily="18" charset="0"/>
+                            <a:latin typeface="Cambria Math" charset="0"/>
                           </a:rPr>
                         </m:ctrlPr>
                       </m:sSubPr>
@@ -26688,7 +26688,7 @@
                             <m:endChr m:val="|"/>
                             <m:ctrlPr>
                               <a:rPr lang="en-US" sz="1400" i="1">
-                                <a:latin typeface="Cambria Math" panose="02040503050406030204" pitchFamily="18" charset="0"/>
+                                <a:latin typeface="Cambria Math" charset="0"/>
                               </a:rPr>
                             </m:ctrlPr>
                           </m:dPr>
@@ -26698,7 +26698,7 @@
                                 <m:chr m:val="̂"/>
                                 <m:ctrlPr>
                                   <a:rPr lang="en-US" sz="1400" i="1">
-                                    <a:latin typeface="Cambria Math" panose="02040503050406030204" pitchFamily="18" charset="0"/>
+                                    <a:latin typeface="Cambria Math" charset="0"/>
                                   </a:rPr>
                                 </m:ctrlPr>
                               </m:accPr>
@@ -26750,52 +26750,32 @@
               </a:p>
               <a:p>
                 <a:r>
-                  <a:rPr lang="en-US" sz="1400" dirty="0"/>
-                  <a:t>TP: True </a:t>
+                  <a:rPr lang="en-US" sz="1400" dirty="0" smtClean="0"/>
+                  <a:t>PPV</a:t>
                 </a:r>
                 <a:r>
-                  <a:rPr lang="en-US" sz="1400" dirty="0" err="1"/>
-                  <a:t>Postive</a:t>
+                  <a:rPr lang="en-US" sz="1400" dirty="0" smtClean="0"/>
+                  <a:t>: Positive </a:t>
+                </a:r>
+                <a:r>
+                  <a:rPr lang="en-US" sz="1400" dirty="0"/>
+                  <a:t>p</a:t>
+                </a:r>
+                <a:r>
+                  <a:rPr lang="en-US" sz="1400" dirty="0" smtClean="0"/>
+                  <a:t>redictive value (Precision)</a:t>
+                </a:r>
+              </a:p>
+              <a:p>
+                <a:r>
+                  <a:rPr lang="en-US" sz="1400" dirty="0" smtClean="0"/>
+                  <a:t>FNR: False negative rate</a:t>
                 </a:r>
                 <a:endParaRPr lang="en-US" sz="1400" dirty="0"/>
               </a:p>
               <a:p>
                 <a:r>
-                  <a:rPr lang="en-US" sz="1400" dirty="0"/>
-                  <a:t>all: all biomarker covariates (including both prognostic biomarkers and predictive </a:t>
-                </a:r>
-                <a:r>
-                  <a:rPr lang="en-US" sz="1400" dirty="0" err="1"/>
-                  <a:t>biomakers</a:t>
-                </a:r>
-                <a:r>
-                  <a:rPr lang="en-US" sz="1400" dirty="0"/>
-                  <a:t>)</a:t>
-                </a:r>
-              </a:p>
-              <a:p>
-                <a:r>
-                  <a:rPr lang="en-US" sz="1400" dirty="0" err="1"/>
-                  <a:t>prog</a:t>
-                </a:r>
-                <a:r>
-                  <a:rPr lang="en-US" sz="1400" dirty="0"/>
-                  <a:t>: Only on prognostic biomarkers</a:t>
-                </a:r>
-              </a:p>
-              <a:p>
-                <a:r>
-                  <a:rPr lang="en-US" sz="1400" dirty="0" err="1"/>
-                  <a:t>pred</a:t>
-                </a:r>
-                <a:r>
-                  <a:rPr lang="en-US" sz="1400" dirty="0"/>
-                  <a:t>: Only on predictive biomarkers</a:t>
-                </a:r>
-              </a:p>
-              <a:p>
-                <a:r>
-                  <a:rPr lang="en-US" sz="1400" dirty="0" err="1"/>
+                  <a:rPr lang="en-US" sz="1400" dirty="0" err="1" smtClean="0"/>
                   <a:t>num</a:t>
                 </a:r>
                 <a:r>
@@ -26806,10 +26786,10 @@
             </p:txBody>
           </p:sp>
         </mc:Choice>
-        <mc:Fallback xmlns="">
+        <mc:Fallback>
           <p:sp>
             <p:nvSpPr>
-              <p:cNvPr id="7" name="TextBox 6"/>
+              <p:cNvPr id="11" name="TextBox 10"/>
               <p:cNvSpPr txBox="1">
                 <a:spLocks noRot="1" noChangeAspect="1" noMove="1" noResize="1" noEditPoints="1" noAdjustHandles="1" noChangeArrowheads="1" noChangeShapeType="1" noTextEdit="1"/>
               </p:cNvSpPr>
@@ -26818,7 +26798,7 @@
             <p:spPr>
               <a:xfrm>
                 <a:off x="582026" y="2859782"/>
-                <a:ext cx="7475123" cy="1929887"/>
+                <a:ext cx="4216219" cy="1499000"/>
               </a:xfrm>
               <a:prstGeom prst="rect">
                 <a:avLst/>
@@ -26826,7 +26806,7 @@
               <a:blipFill rotWithShape="0">
                 <a:blip r:embed="rId2"/>
                 <a:stretch>
-                  <a:fillRect l="-244" b="-2524"/>
+                  <a:fillRect l="-434" b="-3659"/>
                 </a:stretch>
               </a:blipFill>
             </p:spPr>
@@ -26847,13 +26827,7 @@
       </mc:AlternateContent>
       <p:pic>
         <p:nvPicPr>
-          <p:cNvPr id="12" name="Content Placeholder 11" descr="A screenshot of a cell phone&#10;&#10;Description generated with high confidence">
-            <a:extLst>
-              <a:ext uri="{FF2B5EF4-FFF2-40B4-BE49-F238E27FC236}">
-                <a16:creationId xmlns:a16="http://schemas.microsoft.com/office/drawing/2014/main" id="{96F410D4-5F8C-45CF-8B2F-77A3B41C2060}"/>
-              </a:ext>
-            </a:extLst>
-          </p:cNvPr>
+          <p:cNvPr id="6" name="Content Placeholder 5"/>
           <p:cNvPicPr>
             <a:picLocks noGrp="1" noChangeAspect="1"/>
           </p:cNvPicPr>
@@ -26861,7 +26835,7 @@
             <p:ph idx="1"/>
           </p:nvPr>
         </p:nvPicPr>
-        <p:blipFill>
+        <p:blipFill rotWithShape="1">
           <a:blip r:embed="rId3">
             <a:extLst>
               <a:ext uri="{28A0092B-C50C-407E-A947-70E740481C1C}">
@@ -26869,14 +26843,13 @@
               </a:ext>
             </a:extLst>
           </a:blip>
-          <a:stretch>
-            <a:fillRect/>
-          </a:stretch>
+          <a:srcRect b="14794"/>
+          <a:stretch/>
         </p:blipFill>
         <p:spPr>
           <a:xfrm>
-            <a:off x="827584" y="1013809"/>
-            <a:ext cx="6667500" cy="1905000"/>
+            <a:off x="395288" y="843558"/>
+            <a:ext cx="8281987" cy="2016224"/>
           </a:xfrm>
         </p:spPr>
       </p:pic>
@@ -26888,7 +26861,7 @@
         </p:nvSpPr>
         <p:spPr>
           <a:xfrm>
-            <a:off x="4932040" y="1486561"/>
+            <a:off x="5580112" y="1454540"/>
             <a:ext cx="558961" cy="216024"/>
           </a:xfrm>
           <a:prstGeom prst="rect">
@@ -26929,7 +26902,7 @@
         </p:nvSpPr>
         <p:spPr>
           <a:xfrm>
-            <a:off x="6213562" y="1451991"/>
+            <a:off x="7092280" y="1454540"/>
             <a:ext cx="558961" cy="216024"/>
           </a:xfrm>
           <a:prstGeom prst="rect">
@@ -26972,6 +26945,13 @@
   <p:clrMapOvr>
     <a:masterClrMapping/>
   </p:clrMapOvr>
+  <p:timing>
+    <p:tnLst>
+      <p:par>
+        <p:cTn id="1" dur="indefinite" restart="never" nodeType="tmRoot"/>
+      </p:par>
+    </p:tnLst>
+  </p:timing>
 </p:sld>
 </file>
 
@@ -26997,7 +26977,7 @@
           <p:cNvPr id="2" name="Title 1">
             <a:extLst>
               <a:ext uri="{FF2B5EF4-FFF2-40B4-BE49-F238E27FC236}">
-                <a16:creationId xmlns:a16="http://schemas.microsoft.com/office/drawing/2014/main" id="{19E28F1D-2CEE-4D0C-9C12-79C3E322FCCF}"/>
+                <a16:creationId xmlns:a16="http://schemas.microsoft.com/office/drawing/2014/main" xmlns="" id="{19E28F1D-2CEE-4D0C-9C12-79C3E322FCCF}"/>
               </a:ext>
             </a:extLst>
           </p:cNvPr>
@@ -27019,45 +26999,10 @@
       </p:sp>
       <p:pic>
         <p:nvPicPr>
-          <p:cNvPr id="8" name="Content Placeholder 7" descr="A screenshot of a cell phone&#10;&#10;Description generated with very high confidence">
-            <a:extLst>
-              <a:ext uri="{FF2B5EF4-FFF2-40B4-BE49-F238E27FC236}">
-                <a16:creationId xmlns:a16="http://schemas.microsoft.com/office/drawing/2014/main" id="{9A44CDE9-09AB-484E-BF7C-C11E35A2F3C4}"/>
-              </a:ext>
-            </a:extLst>
-          </p:cNvPr>
-          <p:cNvPicPr>
-            <a:picLocks noGrp="1" noChangeAspect="1"/>
-          </p:cNvPicPr>
-          <p:nvPr>
-            <p:ph sz="half" idx="1"/>
-          </p:nvPr>
-        </p:nvPicPr>
-        <p:blipFill>
-          <a:blip r:embed="rId2">
-            <a:extLst>
-              <a:ext uri="{28A0092B-C50C-407E-A947-70E740481C1C}">
-                <a14:useLocalDpi xmlns:a14="http://schemas.microsoft.com/office/drawing/2010/main" val="0"/>
-              </a:ext>
-            </a:extLst>
-          </a:blip>
-          <a:stretch>
-            <a:fillRect/>
-          </a:stretch>
-        </p:blipFill>
-        <p:spPr>
-          <a:xfrm>
-            <a:off x="480726" y="1200150"/>
-            <a:ext cx="3939161" cy="3394075"/>
-          </a:xfrm>
-        </p:spPr>
-      </p:pic>
-      <p:pic>
-        <p:nvPicPr>
           <p:cNvPr id="10" name="Content Placeholder 9" descr="A screenshot of a cell phone&#10;&#10;Description generated with very high confidence">
             <a:extLst>
               <a:ext uri="{FF2B5EF4-FFF2-40B4-BE49-F238E27FC236}">
-                <a16:creationId xmlns:a16="http://schemas.microsoft.com/office/drawing/2014/main" id="{2B233C52-ECE6-43A8-80A4-1203621CFB3A}"/>
+                <a16:creationId xmlns:a16="http://schemas.microsoft.com/office/drawing/2014/main" xmlns="" id="{2B233C52-ECE6-43A8-80A4-1203621CFB3A}"/>
               </a:ext>
             </a:extLst>
           </p:cNvPr>
@@ -27069,7 +27014,7 @@
           </p:nvPr>
         </p:nvPicPr>
         <p:blipFill>
-          <a:blip r:embed="rId3">
+          <a:blip r:embed="rId2">
             <a:extLst>
               <a:ext uri="{28A0092B-C50C-407E-A947-70E740481C1C}">
                 <a14:useLocalDpi xmlns:a14="http://schemas.microsoft.com/office/drawing/2010/main" val="0"/>
@@ -27092,7 +27037,7 @@
           <p:cNvPr id="5" name="Footer Placeholder 4">
             <a:extLst>
               <a:ext uri="{FF2B5EF4-FFF2-40B4-BE49-F238E27FC236}">
-                <a16:creationId xmlns:a16="http://schemas.microsoft.com/office/drawing/2014/main" id="{98A8EAAB-B8F1-4C7A-8EFA-4C4AE42E4793}"/>
+                <a16:creationId xmlns:a16="http://schemas.microsoft.com/office/drawing/2014/main" xmlns="" id="{98A8EAAB-B8F1-4C7A-8EFA-4C4AE42E4793}"/>
               </a:ext>
             </a:extLst>
           </p:cNvPr>
@@ -27141,7 +27086,7 @@
           <p:cNvPr id="6" name="Slide Number Placeholder 5">
             <a:extLst>
               <a:ext uri="{FF2B5EF4-FFF2-40B4-BE49-F238E27FC236}">
-                <a16:creationId xmlns:a16="http://schemas.microsoft.com/office/drawing/2014/main" id="{B4A2C4F5-7BB0-4C8A-A2CA-E19045686A05}"/>
+                <a16:creationId xmlns:a16="http://schemas.microsoft.com/office/drawing/2014/main" xmlns="" id="{B4A2C4F5-7BB0-4C8A-A2CA-E19045686A05}"/>
               </a:ext>
             </a:extLst>
           </p:cNvPr>
@@ -27166,6 +27111,35 @@
           </a:p>
         </p:txBody>
       </p:sp>
+      <p:pic>
+        <p:nvPicPr>
+          <p:cNvPr id="4" name="Content Placeholder 3"/>
+          <p:cNvPicPr>
+            <a:picLocks noGrp="1" noChangeAspect="1"/>
+          </p:cNvPicPr>
+          <p:nvPr>
+            <p:ph sz="half" idx="1"/>
+          </p:nvPr>
+        </p:nvPicPr>
+        <p:blipFill>
+          <a:blip r:embed="rId3">
+            <a:extLst>
+              <a:ext uri="{28A0092B-C50C-407E-A947-70E740481C1C}">
+                <a14:useLocalDpi xmlns:a14="http://schemas.microsoft.com/office/drawing/2010/main" val="0"/>
+              </a:ext>
+            </a:extLst>
+          </a:blip>
+          <a:stretch>
+            <a:fillRect/>
+          </a:stretch>
+        </p:blipFill>
+        <p:spPr>
+          <a:xfrm>
+            <a:off x="480726" y="1200150"/>
+            <a:ext cx="3939161" cy="3394075"/>
+          </a:xfrm>
+        </p:spPr>
+      </p:pic>
     </p:spTree>
     <p:extLst>
       <p:ext uri="{BB962C8B-B14F-4D97-AF65-F5344CB8AC3E}">
@@ -27284,7 +27258,7 @@
           <p:cNvPr id="2" name="Title 1">
             <a:extLst>
               <a:ext uri="{FF2B5EF4-FFF2-40B4-BE49-F238E27FC236}">
-                <a16:creationId xmlns:a16="http://schemas.microsoft.com/office/drawing/2014/main" id="{A979FDCD-3ACE-40C2-9527-F2D1D1862B17}"/>
+                <a16:creationId xmlns:a16="http://schemas.microsoft.com/office/drawing/2014/main" xmlns="" id="{A979FDCD-3ACE-40C2-9527-F2D1D1862B17}"/>
               </a:ext>
             </a:extLst>
           </p:cNvPr>
@@ -27309,7 +27283,7 @@
           <p:cNvPr id="8" name="Content Placeholder 7" descr="A screenshot of a cell phone&#10;&#10;Description generated with very high confidence">
             <a:extLst>
               <a:ext uri="{FF2B5EF4-FFF2-40B4-BE49-F238E27FC236}">
-                <a16:creationId xmlns:a16="http://schemas.microsoft.com/office/drawing/2014/main" id="{75774F44-B24D-4739-8B79-EC0A29A3AB90}"/>
+                <a16:creationId xmlns:a16="http://schemas.microsoft.com/office/drawing/2014/main" xmlns="" id="{75774F44-B24D-4739-8B79-EC0A29A3AB90}"/>
               </a:ext>
             </a:extLst>
           </p:cNvPr>
@@ -27344,7 +27318,7 @@
           <p:cNvPr id="4" name="Content Placeholder 3">
             <a:extLst>
               <a:ext uri="{FF2B5EF4-FFF2-40B4-BE49-F238E27FC236}">
-                <a16:creationId xmlns:a16="http://schemas.microsoft.com/office/drawing/2014/main" id="{D880D59D-B966-4D03-9A27-2F273A7970B7}"/>
+                <a16:creationId xmlns:a16="http://schemas.microsoft.com/office/drawing/2014/main" xmlns="" id="{D880D59D-B966-4D03-9A27-2F273A7970B7}"/>
               </a:ext>
             </a:extLst>
           </p:cNvPr>
@@ -27357,10 +27331,45 @@
         </p:nvSpPr>
         <p:spPr/>
         <p:txBody>
-          <a:bodyPr/>
+          <a:bodyPr>
+            <a:normAutofit fontScale="70000" lnSpcReduction="20000"/>
+          </a:bodyPr>
           <a:lstStyle/>
           <a:p>
-            <a:endParaRPr lang="en-US"/>
+            <a:r>
+              <a:rPr lang="en-US" dirty="0" smtClean="0"/>
+              <a:t>Group Lasso has the highest precision.</a:t>
+            </a:r>
+          </a:p>
+          <a:p>
+            <a:r>
+              <a:rPr lang="en-US" dirty="0" smtClean="0"/>
+              <a:t>Precision decreases as proportion of nonzero biomarkers increasing.</a:t>
+            </a:r>
+          </a:p>
+          <a:p>
+            <a:r>
+              <a:rPr lang="en-US" dirty="0"/>
+              <a:t>Group Lasso has an relative low FNR</a:t>
+            </a:r>
+            <a:r>
+              <a:rPr lang="en-US" dirty="0" smtClean="0"/>
+              <a:t>.</a:t>
+            </a:r>
+            <a:endParaRPr lang="en-US" dirty="0" smtClean="0"/>
+          </a:p>
+          <a:p>
+            <a:r>
+              <a:rPr lang="en-US" dirty="0" smtClean="0"/>
+              <a:t>Group Lasso underestimated model size for predictive biomarkers.</a:t>
+            </a:r>
+          </a:p>
+          <a:p>
+            <a:r>
+              <a:rPr lang="en-US" dirty="0" smtClean="0"/>
+              <a:t>Currently developing new stop criterion to reduce FNR.</a:t>
+            </a:r>
+            <a:endParaRPr lang="en-US" dirty="0"/>
           </a:p>
         </p:txBody>
       </p:sp>
@@ -27369,7 +27378,7 @@
           <p:cNvPr id="5" name="Footer Placeholder 4">
             <a:extLst>
               <a:ext uri="{FF2B5EF4-FFF2-40B4-BE49-F238E27FC236}">
-                <a16:creationId xmlns:a16="http://schemas.microsoft.com/office/drawing/2014/main" id="{527A8496-2167-4D9D-A7F1-E07F56501D63}"/>
+                <a16:creationId xmlns:a16="http://schemas.microsoft.com/office/drawing/2014/main" xmlns="" id="{527A8496-2167-4D9D-A7F1-E07F56501D63}"/>
               </a:ext>
             </a:extLst>
           </p:cNvPr>
@@ -27418,7 +27427,7 @@
           <p:cNvPr id="6" name="Slide Number Placeholder 5">
             <a:extLst>
               <a:ext uri="{FF2B5EF4-FFF2-40B4-BE49-F238E27FC236}">
-                <a16:creationId xmlns:a16="http://schemas.microsoft.com/office/drawing/2014/main" id="{0D883F77-16A4-4D6A-864F-5E7655260333}"/>
+                <a16:creationId xmlns:a16="http://schemas.microsoft.com/office/drawing/2014/main" xmlns="" id="{0D883F77-16A4-4D6A-864F-5E7655260333}"/>
               </a:ext>
             </a:extLst>
           </p:cNvPr>
@@ -27453,6 +27462,341 @@
   <p:clrMapOvr>
     <a:masterClrMapping/>
   </p:clrMapOvr>
+  <p:timing>
+    <p:tnLst>
+      <p:par>
+        <p:cTn id="1" dur="indefinite" restart="never" nodeType="tmRoot">
+          <p:childTnLst>
+            <p:seq concurrent="1" nextAc="seek">
+              <p:cTn id="2" dur="indefinite" nodeType="mainSeq">
+                <p:childTnLst>
+                  <p:par>
+                    <p:cTn id="3" fill="hold">
+                      <p:stCondLst>
+                        <p:cond delay="indefinite"/>
+                      </p:stCondLst>
+                      <p:childTnLst>
+                        <p:par>
+                          <p:cTn id="4" fill="hold">
+                            <p:stCondLst>
+                              <p:cond delay="0"/>
+                            </p:stCondLst>
+                            <p:childTnLst>
+                              <p:par>
+                                <p:cTn id="5" presetID="10" presetClass="entr" presetSubtype="0" fill="hold" nodeType="clickEffect">
+                                  <p:stCondLst>
+                                    <p:cond delay="0"/>
+                                  </p:stCondLst>
+                                  <p:childTnLst>
+                                    <p:set>
+                                      <p:cBhvr>
+                                        <p:cTn id="6" dur="1" fill="hold">
+                                          <p:stCondLst>
+                                            <p:cond delay="0"/>
+                                          </p:stCondLst>
+                                        </p:cTn>
+                                        <p:tgtEl>
+                                          <p:spTgt spid="4">
+                                            <p:txEl>
+                                              <p:pRg st="0" end="0"/>
+                                            </p:txEl>
+                                          </p:spTgt>
+                                        </p:tgtEl>
+                                        <p:attrNameLst>
+                                          <p:attrName>style.visibility</p:attrName>
+                                        </p:attrNameLst>
+                                      </p:cBhvr>
+                                      <p:to>
+                                        <p:strVal val="visible"/>
+                                      </p:to>
+                                    </p:set>
+                                    <p:animEffect transition="in" filter="fade">
+                                      <p:cBhvr>
+                                        <p:cTn id="7" dur="500"/>
+                                        <p:tgtEl>
+                                          <p:spTgt spid="4">
+                                            <p:txEl>
+                                              <p:pRg st="0" end="0"/>
+                                            </p:txEl>
+                                          </p:spTgt>
+                                        </p:tgtEl>
+                                      </p:cBhvr>
+                                    </p:animEffect>
+                                  </p:childTnLst>
+                                </p:cTn>
+                              </p:par>
+                            </p:childTnLst>
+                          </p:cTn>
+                        </p:par>
+                      </p:childTnLst>
+                    </p:cTn>
+                  </p:par>
+                  <p:par>
+                    <p:cTn id="8" fill="hold">
+                      <p:stCondLst>
+                        <p:cond delay="indefinite"/>
+                      </p:stCondLst>
+                      <p:childTnLst>
+                        <p:par>
+                          <p:cTn id="9" fill="hold">
+                            <p:stCondLst>
+                              <p:cond delay="0"/>
+                            </p:stCondLst>
+                            <p:childTnLst>
+                              <p:par>
+                                <p:cTn id="10" presetID="10" presetClass="entr" presetSubtype="0" fill="hold" nodeType="clickEffect">
+                                  <p:stCondLst>
+                                    <p:cond delay="0"/>
+                                  </p:stCondLst>
+                                  <p:childTnLst>
+                                    <p:set>
+                                      <p:cBhvr>
+                                        <p:cTn id="11" dur="1" fill="hold">
+                                          <p:stCondLst>
+                                            <p:cond delay="0"/>
+                                          </p:stCondLst>
+                                        </p:cTn>
+                                        <p:tgtEl>
+                                          <p:spTgt spid="4">
+                                            <p:txEl>
+                                              <p:pRg st="1" end="1"/>
+                                            </p:txEl>
+                                          </p:spTgt>
+                                        </p:tgtEl>
+                                        <p:attrNameLst>
+                                          <p:attrName>style.visibility</p:attrName>
+                                        </p:attrNameLst>
+                                      </p:cBhvr>
+                                      <p:to>
+                                        <p:strVal val="visible"/>
+                                      </p:to>
+                                    </p:set>
+                                    <p:animEffect transition="in" filter="fade">
+                                      <p:cBhvr>
+                                        <p:cTn id="12" dur="500"/>
+                                        <p:tgtEl>
+                                          <p:spTgt spid="4">
+                                            <p:txEl>
+                                              <p:pRg st="1" end="1"/>
+                                            </p:txEl>
+                                          </p:spTgt>
+                                        </p:tgtEl>
+                                      </p:cBhvr>
+                                    </p:animEffect>
+                                  </p:childTnLst>
+                                </p:cTn>
+                              </p:par>
+                            </p:childTnLst>
+                          </p:cTn>
+                        </p:par>
+                      </p:childTnLst>
+                    </p:cTn>
+                  </p:par>
+                  <p:par>
+                    <p:cTn id="13" fill="hold">
+                      <p:stCondLst>
+                        <p:cond delay="indefinite"/>
+                      </p:stCondLst>
+                      <p:childTnLst>
+                        <p:par>
+                          <p:cTn id="14" fill="hold">
+                            <p:stCondLst>
+                              <p:cond delay="0"/>
+                            </p:stCondLst>
+                            <p:childTnLst>
+                              <p:par>
+                                <p:cTn id="15" presetID="10" presetClass="entr" presetSubtype="0" fill="hold" nodeType="clickEffect">
+                                  <p:stCondLst>
+                                    <p:cond delay="0"/>
+                                  </p:stCondLst>
+                                  <p:childTnLst>
+                                    <p:set>
+                                      <p:cBhvr>
+                                        <p:cTn id="16" dur="1" fill="hold">
+                                          <p:stCondLst>
+                                            <p:cond delay="0"/>
+                                          </p:stCondLst>
+                                        </p:cTn>
+                                        <p:tgtEl>
+                                          <p:spTgt spid="4">
+                                            <p:txEl>
+                                              <p:pRg st="2" end="2"/>
+                                            </p:txEl>
+                                          </p:spTgt>
+                                        </p:tgtEl>
+                                        <p:attrNameLst>
+                                          <p:attrName>style.visibility</p:attrName>
+                                        </p:attrNameLst>
+                                      </p:cBhvr>
+                                      <p:to>
+                                        <p:strVal val="visible"/>
+                                      </p:to>
+                                    </p:set>
+                                    <p:animEffect transition="in" filter="fade">
+                                      <p:cBhvr>
+                                        <p:cTn id="17" dur="500"/>
+                                        <p:tgtEl>
+                                          <p:spTgt spid="4">
+                                            <p:txEl>
+                                              <p:pRg st="2" end="2"/>
+                                            </p:txEl>
+                                          </p:spTgt>
+                                        </p:tgtEl>
+                                      </p:cBhvr>
+                                    </p:animEffect>
+                                  </p:childTnLst>
+                                </p:cTn>
+                              </p:par>
+                            </p:childTnLst>
+                          </p:cTn>
+                        </p:par>
+                      </p:childTnLst>
+                    </p:cTn>
+                  </p:par>
+                  <p:par>
+                    <p:cTn id="18" fill="hold">
+                      <p:stCondLst>
+                        <p:cond delay="indefinite"/>
+                      </p:stCondLst>
+                      <p:childTnLst>
+                        <p:par>
+                          <p:cTn id="19" fill="hold">
+                            <p:stCondLst>
+                              <p:cond delay="0"/>
+                            </p:stCondLst>
+                            <p:childTnLst>
+                              <p:par>
+                                <p:cTn id="20" presetID="10" presetClass="entr" presetSubtype="0" fill="hold" nodeType="clickEffect">
+                                  <p:stCondLst>
+                                    <p:cond delay="0"/>
+                                  </p:stCondLst>
+                                  <p:childTnLst>
+                                    <p:set>
+                                      <p:cBhvr>
+                                        <p:cTn id="21" dur="1" fill="hold">
+                                          <p:stCondLst>
+                                            <p:cond delay="0"/>
+                                          </p:stCondLst>
+                                        </p:cTn>
+                                        <p:tgtEl>
+                                          <p:spTgt spid="4">
+                                            <p:txEl>
+                                              <p:pRg st="3" end="3"/>
+                                            </p:txEl>
+                                          </p:spTgt>
+                                        </p:tgtEl>
+                                        <p:attrNameLst>
+                                          <p:attrName>style.visibility</p:attrName>
+                                        </p:attrNameLst>
+                                      </p:cBhvr>
+                                      <p:to>
+                                        <p:strVal val="visible"/>
+                                      </p:to>
+                                    </p:set>
+                                    <p:animEffect transition="in" filter="fade">
+                                      <p:cBhvr>
+                                        <p:cTn id="22" dur="500"/>
+                                        <p:tgtEl>
+                                          <p:spTgt spid="4">
+                                            <p:txEl>
+                                              <p:pRg st="3" end="3"/>
+                                            </p:txEl>
+                                          </p:spTgt>
+                                        </p:tgtEl>
+                                      </p:cBhvr>
+                                    </p:animEffect>
+                                  </p:childTnLst>
+                                </p:cTn>
+                              </p:par>
+                            </p:childTnLst>
+                          </p:cTn>
+                        </p:par>
+                      </p:childTnLst>
+                    </p:cTn>
+                  </p:par>
+                  <p:par>
+                    <p:cTn id="23" fill="hold">
+                      <p:stCondLst>
+                        <p:cond delay="indefinite"/>
+                      </p:stCondLst>
+                      <p:childTnLst>
+                        <p:par>
+                          <p:cTn id="24" fill="hold">
+                            <p:stCondLst>
+                              <p:cond delay="0"/>
+                            </p:stCondLst>
+                            <p:childTnLst>
+                              <p:par>
+                                <p:cTn id="25" presetID="10" presetClass="entr" presetSubtype="0" fill="hold" nodeType="clickEffect">
+                                  <p:stCondLst>
+                                    <p:cond delay="0"/>
+                                  </p:stCondLst>
+                                  <p:childTnLst>
+                                    <p:set>
+                                      <p:cBhvr>
+                                        <p:cTn id="26" dur="1" fill="hold">
+                                          <p:stCondLst>
+                                            <p:cond delay="0"/>
+                                          </p:stCondLst>
+                                        </p:cTn>
+                                        <p:tgtEl>
+                                          <p:spTgt spid="4">
+                                            <p:txEl>
+                                              <p:pRg st="4" end="4"/>
+                                            </p:txEl>
+                                          </p:spTgt>
+                                        </p:tgtEl>
+                                        <p:attrNameLst>
+                                          <p:attrName>style.visibility</p:attrName>
+                                        </p:attrNameLst>
+                                      </p:cBhvr>
+                                      <p:to>
+                                        <p:strVal val="visible"/>
+                                      </p:to>
+                                    </p:set>
+                                    <p:animEffect transition="in" filter="fade">
+                                      <p:cBhvr>
+                                        <p:cTn id="27" dur="500"/>
+                                        <p:tgtEl>
+                                          <p:spTgt spid="4">
+                                            <p:txEl>
+                                              <p:pRg st="4" end="4"/>
+                                            </p:txEl>
+                                          </p:spTgt>
+                                        </p:tgtEl>
+                                      </p:cBhvr>
+                                    </p:animEffect>
+                                  </p:childTnLst>
+                                </p:cTn>
+                              </p:par>
+                            </p:childTnLst>
+                          </p:cTn>
+                        </p:par>
+                      </p:childTnLst>
+                    </p:cTn>
+                  </p:par>
+                </p:childTnLst>
+              </p:cTn>
+              <p:prevCondLst>
+                <p:cond evt="onPrev" delay="0">
+                  <p:tgtEl>
+                    <p:sldTgt/>
+                  </p:tgtEl>
+                </p:cond>
+              </p:prevCondLst>
+              <p:nextCondLst>
+                <p:cond evt="onNext" delay="0">
+                  <p:tgtEl>
+                    <p:sldTgt/>
+                  </p:tgtEl>
+                </p:cond>
+              </p:nextCondLst>
+            </p:seq>
+          </p:childTnLst>
+        </p:cTn>
+      </p:par>
+    </p:tnLst>
+  </p:timing>
 </p:sld>
 </file>
 
@@ -27478,7 +27822,7 @@
           <p:cNvPr id="2" name="Title 1">
             <a:extLst>
               <a:ext uri="{FF2B5EF4-FFF2-40B4-BE49-F238E27FC236}">
-                <a16:creationId xmlns:a16="http://schemas.microsoft.com/office/drawing/2014/main" id="{17A8BB3D-2D35-4F66-AFB4-2A9AE7681862}"/>
+                <a16:creationId xmlns:a16="http://schemas.microsoft.com/office/drawing/2014/main" xmlns="" id="{17A8BB3D-2D35-4F66-AFB4-2A9AE7681862}"/>
               </a:ext>
             </a:extLst>
           </p:cNvPr>
@@ -27513,7 +27857,7 @@
           <p:cNvPr id="3" name="Footer Placeholder 2">
             <a:extLst>
               <a:ext uri="{FF2B5EF4-FFF2-40B4-BE49-F238E27FC236}">
-                <a16:creationId xmlns:a16="http://schemas.microsoft.com/office/drawing/2014/main" id="{11862E8A-91FD-4C41-A192-DB3D27D88824}"/>
+                <a16:creationId xmlns:a16="http://schemas.microsoft.com/office/drawing/2014/main" xmlns="" id="{11862E8A-91FD-4C41-A192-DB3D27D88824}"/>
               </a:ext>
             </a:extLst>
           </p:cNvPr>
@@ -27570,7 +27914,7 @@
           <p:cNvPr id="4" name="Slide Number Placeholder 3">
             <a:extLst>
               <a:ext uri="{FF2B5EF4-FFF2-40B4-BE49-F238E27FC236}">
-                <a16:creationId xmlns:a16="http://schemas.microsoft.com/office/drawing/2014/main" id="{9DA5ED20-07EE-4130-97A2-FC2FBDDF57B9}"/>
+                <a16:creationId xmlns:a16="http://schemas.microsoft.com/office/drawing/2014/main" xmlns="" id="{9DA5ED20-07EE-4130-97A2-FC2FBDDF57B9}"/>
               </a:ext>
             </a:extLst>
           </p:cNvPr>
@@ -27600,7 +27944,7 @@
           <p:cNvPr id="5" name="Title 1">
             <a:extLst>
               <a:ext uri="{FF2B5EF4-FFF2-40B4-BE49-F238E27FC236}">
-                <a16:creationId xmlns:a16="http://schemas.microsoft.com/office/drawing/2014/main" id="{E6713E70-2988-4A13-A834-849993E5E915}"/>
+                <a16:creationId xmlns:a16="http://schemas.microsoft.com/office/drawing/2014/main" xmlns="" id="{E6713E70-2988-4A13-A834-849993E5E915}"/>
               </a:ext>
             </a:extLst>
           </p:cNvPr>
@@ -27693,6 +28037,13 @@
   <p:clrMapOvr>
     <a:masterClrMapping/>
   </p:clrMapOvr>
+  <p:timing>
+    <p:tnLst>
+      <p:par>
+        <p:cTn id="1" dur="indefinite" restart="never" nodeType="tmRoot"/>
+      </p:par>
+    </p:tnLst>
+  </p:timing>
 </p:sld>
 </file>
 
@@ -27810,18 +28161,18 @@
           </a:p>
         </p:txBody>
       </p:sp>
-      <mc:AlternateContent xmlns:mc="http://schemas.openxmlformats.org/markup-compatibility/2006" xmlns:a14="http://schemas.microsoft.com/office/drawing/2010/main">
-        <mc:Choice Requires="a14">
+      <mc:AlternateContent xmlns:mc="http://schemas.openxmlformats.org/markup-compatibility/2006">
+        <mc:Choice xmlns:a14="http://schemas.microsoft.com/office/drawing/2010/main" Requires="a14">
           <p:sp>
             <p:nvSpPr>
-              <p:cNvPr id="6" name="TextBox 5"/>
+              <p:cNvPr id="11" name="TextBox 10"/>
               <p:cNvSpPr txBox="1"/>
               <p:nvPr/>
             </p:nvSpPr>
             <p:spPr>
               <a:xfrm>
                 <a:off x="582026" y="2859782"/>
-                <a:ext cx="7475123" cy="1929887"/>
+                <a:ext cx="4216219" cy="1499000"/>
               </a:xfrm>
               <a:prstGeom prst="rect">
                 <a:avLst/>
@@ -27844,7 +28195,7 @@
                       <m:sSubPr>
                         <m:ctrlPr>
                           <a:rPr lang="en-US" sz="1400" b="0" i="1" dirty="0" smtClean="0">
-                            <a:latin typeface="Cambria Math" panose="02040503050406030204" pitchFamily="18" charset="0"/>
+                            <a:latin typeface="Cambria Math" charset="0"/>
                           </a:rPr>
                         </m:ctrlPr>
                       </m:sSubPr>
@@ -27855,7 +28206,7 @@
                             <m:endChr m:val="|"/>
                             <m:ctrlPr>
                               <a:rPr lang="en-US" sz="1400" b="0" i="1" smtClean="0">
-                                <a:latin typeface="Cambria Math" panose="02040503050406030204" pitchFamily="18" charset="0"/>
+                                <a:latin typeface="Cambria Math" charset="0"/>
                               </a:rPr>
                             </m:ctrlPr>
                           </m:dPr>
@@ -27865,7 +28216,7 @@
                                 <m:chr m:val="̂"/>
                                 <m:ctrlPr>
                                   <a:rPr lang="en-US" sz="1400" b="0" i="1" smtClean="0">
-                                    <a:latin typeface="Cambria Math" panose="02040503050406030204" pitchFamily="18" charset="0"/>
+                                    <a:latin typeface="Cambria Math" charset="0"/>
                                   </a:rPr>
                                 </m:ctrlPr>
                               </m:accPr>
@@ -27920,7 +28271,7 @@
                       <m:sSubPr>
                         <m:ctrlPr>
                           <a:rPr lang="en-US" sz="1400" i="1" dirty="0">
-                            <a:latin typeface="Cambria Math" panose="02040503050406030204" pitchFamily="18" charset="0"/>
+                            <a:latin typeface="Cambria Math" charset="0"/>
                           </a:rPr>
                         </m:ctrlPr>
                       </m:sSubPr>
@@ -27931,7 +28282,7 @@
                             <m:endChr m:val="|"/>
                             <m:ctrlPr>
                               <a:rPr lang="en-US" sz="1400" i="1">
-                                <a:latin typeface="Cambria Math" panose="02040503050406030204" pitchFamily="18" charset="0"/>
+                                <a:latin typeface="Cambria Math" charset="0"/>
                               </a:rPr>
                             </m:ctrlPr>
                           </m:dPr>
@@ -27941,7 +28292,7 @@
                                 <m:chr m:val="̂"/>
                                 <m:ctrlPr>
                                   <a:rPr lang="en-US" sz="1400" i="1">
-                                    <a:latin typeface="Cambria Math" panose="02040503050406030204" pitchFamily="18" charset="0"/>
+                                    <a:latin typeface="Cambria Math" charset="0"/>
                                   </a:rPr>
                                 </m:ctrlPr>
                               </m:accPr>
@@ -27993,52 +28344,32 @@
               </a:p>
               <a:p>
                 <a:r>
-                  <a:rPr lang="en-US" sz="1400" dirty="0"/>
-                  <a:t>TP: True </a:t>
+                  <a:rPr lang="en-US" sz="1400" dirty="0" smtClean="0"/>
+                  <a:t>PPV</a:t>
                 </a:r>
                 <a:r>
-                  <a:rPr lang="en-US" sz="1400" dirty="0" err="1"/>
-                  <a:t>Postive</a:t>
+                  <a:rPr lang="en-US" sz="1400" dirty="0" smtClean="0"/>
+                  <a:t>: Positive </a:t>
+                </a:r>
+                <a:r>
+                  <a:rPr lang="en-US" sz="1400" dirty="0"/>
+                  <a:t>p</a:t>
+                </a:r>
+                <a:r>
+                  <a:rPr lang="en-US" sz="1400" dirty="0" smtClean="0"/>
+                  <a:t>redictive value (Precision)</a:t>
+                </a:r>
+              </a:p>
+              <a:p>
+                <a:r>
+                  <a:rPr lang="en-US" sz="1400" dirty="0" smtClean="0"/>
+                  <a:t>FNR: False negative rate</a:t>
                 </a:r>
                 <a:endParaRPr lang="en-US" sz="1400" dirty="0"/>
               </a:p>
               <a:p>
                 <a:r>
-                  <a:rPr lang="en-US" sz="1400" dirty="0"/>
-                  <a:t>all: all biomarker covariates (including both prognostic biomarkers and predictive </a:t>
-                </a:r>
-                <a:r>
-                  <a:rPr lang="en-US" sz="1400" dirty="0" err="1"/>
-                  <a:t>biomakers</a:t>
-                </a:r>
-                <a:r>
-                  <a:rPr lang="en-US" sz="1400" dirty="0"/>
-                  <a:t>)</a:t>
-                </a:r>
-              </a:p>
-              <a:p>
-                <a:r>
-                  <a:rPr lang="en-US" sz="1400" dirty="0" err="1"/>
-                  <a:t>prog</a:t>
-                </a:r>
-                <a:r>
-                  <a:rPr lang="en-US" sz="1400" dirty="0"/>
-                  <a:t>: Only on prognostic biomarkers</a:t>
-                </a:r>
-              </a:p>
-              <a:p>
-                <a:r>
-                  <a:rPr lang="en-US" sz="1400" dirty="0" err="1"/>
-                  <a:t>pred</a:t>
-                </a:r>
-                <a:r>
-                  <a:rPr lang="en-US" sz="1400" dirty="0"/>
-                  <a:t>: Only on predictive biomarkers</a:t>
-                </a:r>
-              </a:p>
-              <a:p>
-                <a:r>
-                  <a:rPr lang="en-US" sz="1400" dirty="0" err="1"/>
+                  <a:rPr lang="en-US" sz="1400" dirty="0" err="1" smtClean="0"/>
                   <a:t>num</a:t>
                 </a:r>
                 <a:r>
@@ -28049,10 +28380,10 @@
             </p:txBody>
           </p:sp>
         </mc:Choice>
-        <mc:Fallback xmlns="">
+        <mc:Fallback>
           <p:sp>
             <p:nvSpPr>
-              <p:cNvPr id="6" name="TextBox 5"/>
+              <p:cNvPr id="11" name="TextBox 10"/>
               <p:cNvSpPr txBox="1">
                 <a:spLocks noRot="1" noChangeAspect="1" noMove="1" noResize="1" noEditPoints="1" noAdjustHandles="1" noChangeArrowheads="1" noChangeShapeType="1" noTextEdit="1"/>
               </p:cNvSpPr>
@@ -28061,7 +28392,7 @@
             <p:spPr>
               <a:xfrm>
                 <a:off x="582026" y="2859782"/>
-                <a:ext cx="7475123" cy="1929887"/>
+                <a:ext cx="4216219" cy="1499000"/>
               </a:xfrm>
               <a:prstGeom prst="rect">
                 <a:avLst/>
@@ -28069,7 +28400,7 @@
               <a:blipFill rotWithShape="0">
                 <a:blip r:embed="rId2"/>
                 <a:stretch>
-                  <a:fillRect l="-244" b="-2524"/>
+                  <a:fillRect l="-434" b="-3659"/>
                 </a:stretch>
               </a:blipFill>
             </p:spPr>
@@ -28090,7 +28421,7 @@
       </mc:AlternateContent>
       <p:pic>
         <p:nvPicPr>
-          <p:cNvPr id="7" name="Content Placeholder 6"/>
+          <p:cNvPr id="8" name="Content Placeholder 7"/>
           <p:cNvPicPr>
             <a:picLocks noGrp="1" noChangeAspect="1"/>
           </p:cNvPicPr>
@@ -28098,7 +28429,7 @@
             <p:ph idx="1"/>
           </p:nvPr>
         </p:nvPicPr>
-        <p:blipFill>
+        <p:blipFill rotWithShape="1">
           <a:blip r:embed="rId3">
             <a:extLst>
               <a:ext uri="{28A0092B-C50C-407E-A947-70E740481C1C}">
@@ -28106,14 +28437,13 @@
               </a:ext>
             </a:extLst>
           </a:blip>
-          <a:stretch>
-            <a:fillRect/>
-          </a:stretch>
+          <a:srcRect b="11445"/>
+          <a:stretch/>
         </p:blipFill>
         <p:spPr>
           <a:xfrm>
-            <a:off x="852317" y="782018"/>
-            <a:ext cx="6934539" cy="1981296"/>
+            <a:off x="247167" y="764311"/>
+            <a:ext cx="8281987" cy="2095471"/>
           </a:xfrm>
         </p:spPr>
       </p:pic>
@@ -28125,7 +28455,7 @@
         </p:nvSpPr>
         <p:spPr>
           <a:xfrm>
-            <a:off x="5093159" y="1347614"/>
+            <a:off x="5436096" y="1347614"/>
             <a:ext cx="558961" cy="216024"/>
           </a:xfrm>
           <a:prstGeom prst="rect">
@@ -28166,7 +28496,89 @@
         </p:nvSpPr>
         <p:spPr>
           <a:xfrm>
-            <a:off x="5093159" y="1947452"/>
+            <a:off x="5453199" y="2067694"/>
+            <a:ext cx="558961" cy="216024"/>
+          </a:xfrm>
+          <a:prstGeom prst="rect">
+            <a:avLst/>
+          </a:prstGeom>
+          <a:noFill/>
+        </p:spPr>
+        <p:style>
+          <a:lnRef idx="2">
+            <a:schemeClr val="accent1">
+              <a:shade val="50000"/>
+            </a:schemeClr>
+          </a:lnRef>
+          <a:fillRef idx="1">
+            <a:schemeClr val="accent1"/>
+          </a:fillRef>
+          <a:effectRef idx="0">
+            <a:schemeClr val="accent1"/>
+          </a:effectRef>
+          <a:fontRef idx="minor">
+            <a:schemeClr val="lt1"/>
+          </a:fontRef>
+        </p:style>
+        <p:txBody>
+          <a:bodyPr rtlCol="0" anchor="ctr"/>
+          <a:lstStyle/>
+          <a:p>
+            <a:pPr algn="ctr"/>
+            <a:endParaRPr lang="en-US"/>
+          </a:p>
+        </p:txBody>
+      </p:sp>
+      <p:sp>
+        <p:nvSpPr>
+          <p:cNvPr id="12" name="Rectangle 11"/>
+          <p:cNvSpPr/>
+          <p:nvPr/>
+        </p:nvSpPr>
+        <p:spPr>
+          <a:xfrm>
+            <a:off x="6965367" y="2067694"/>
+            <a:ext cx="558961" cy="216024"/>
+          </a:xfrm>
+          <a:prstGeom prst="rect">
+            <a:avLst/>
+          </a:prstGeom>
+          <a:noFill/>
+        </p:spPr>
+        <p:style>
+          <a:lnRef idx="2">
+            <a:schemeClr val="accent1">
+              <a:shade val="50000"/>
+            </a:schemeClr>
+          </a:lnRef>
+          <a:fillRef idx="1">
+            <a:schemeClr val="accent1"/>
+          </a:fillRef>
+          <a:effectRef idx="0">
+            <a:schemeClr val="accent1"/>
+          </a:effectRef>
+          <a:fontRef idx="minor">
+            <a:schemeClr val="lt1"/>
+          </a:fontRef>
+        </p:style>
+        <p:txBody>
+          <a:bodyPr rtlCol="0" anchor="ctr"/>
+          <a:lstStyle/>
+          <a:p>
+            <a:pPr algn="ctr"/>
+            <a:endParaRPr lang="en-US"/>
+          </a:p>
+        </p:txBody>
+      </p:sp>
+      <p:sp>
+        <p:nvSpPr>
+          <p:cNvPr id="13" name="Rectangle 12"/>
+          <p:cNvSpPr/>
+          <p:nvPr/>
+        </p:nvSpPr>
+        <p:spPr>
+          <a:xfrm>
+            <a:off x="7020272" y="1347614"/>
             <a:ext cx="558961" cy="216024"/>
           </a:xfrm>
           <a:prstGeom prst="rect">
@@ -28209,6 +28621,13 @@
   <p:clrMapOvr>
     <a:masterClrMapping/>
   </p:clrMapOvr>
+  <p:timing>
+    <p:tnLst>
+      <p:par>
+        <p:cTn id="1" dur="indefinite" restart="never" nodeType="tmRoot"/>
+      </p:par>
+    </p:tnLst>
+  </p:timing>
 </p:sld>
 </file>
 
@@ -28326,18 +28745,18 @@
           </a:p>
         </p:txBody>
       </p:sp>
-      <mc:AlternateContent xmlns:mc="http://schemas.openxmlformats.org/markup-compatibility/2006" xmlns:a14="http://schemas.microsoft.com/office/drawing/2010/main">
-        <mc:Choice Requires="a14">
+      <mc:AlternateContent xmlns:mc="http://schemas.openxmlformats.org/markup-compatibility/2006">
+        <mc:Choice xmlns:a14="http://schemas.microsoft.com/office/drawing/2010/main" Requires="a14">
           <p:sp>
             <p:nvSpPr>
-              <p:cNvPr id="6" name="TextBox 5"/>
+              <p:cNvPr id="8" name="TextBox 7"/>
               <p:cNvSpPr txBox="1"/>
               <p:nvPr/>
             </p:nvSpPr>
             <p:spPr>
               <a:xfrm>
                 <a:off x="582026" y="2859782"/>
-                <a:ext cx="7475123" cy="1929887"/>
+                <a:ext cx="4216219" cy="1499000"/>
               </a:xfrm>
               <a:prstGeom prst="rect">
                 <a:avLst/>
@@ -28360,7 +28779,7 @@
                       <m:sSubPr>
                         <m:ctrlPr>
                           <a:rPr lang="en-US" sz="1400" b="0" i="1" dirty="0" smtClean="0">
-                            <a:latin typeface="Cambria Math" panose="02040503050406030204" pitchFamily="18" charset="0"/>
+                            <a:latin typeface="Cambria Math" charset="0"/>
                           </a:rPr>
                         </m:ctrlPr>
                       </m:sSubPr>
@@ -28371,7 +28790,7 @@
                             <m:endChr m:val="|"/>
                             <m:ctrlPr>
                               <a:rPr lang="en-US" sz="1400" b="0" i="1" smtClean="0">
-                                <a:latin typeface="Cambria Math" panose="02040503050406030204" pitchFamily="18" charset="0"/>
+                                <a:latin typeface="Cambria Math" charset="0"/>
                               </a:rPr>
                             </m:ctrlPr>
                           </m:dPr>
@@ -28381,7 +28800,7 @@
                                 <m:chr m:val="̂"/>
                                 <m:ctrlPr>
                                   <a:rPr lang="en-US" sz="1400" b="0" i="1" smtClean="0">
-                                    <a:latin typeface="Cambria Math" panose="02040503050406030204" pitchFamily="18" charset="0"/>
+                                    <a:latin typeface="Cambria Math" charset="0"/>
                                   </a:rPr>
                                 </m:ctrlPr>
                               </m:accPr>
@@ -28436,7 +28855,7 @@
                       <m:sSubPr>
                         <m:ctrlPr>
                           <a:rPr lang="en-US" sz="1400" i="1" dirty="0">
-                            <a:latin typeface="Cambria Math" panose="02040503050406030204" pitchFamily="18" charset="0"/>
+                            <a:latin typeface="Cambria Math" charset="0"/>
                           </a:rPr>
                         </m:ctrlPr>
                       </m:sSubPr>
@@ -28447,7 +28866,7 @@
                             <m:endChr m:val="|"/>
                             <m:ctrlPr>
                               <a:rPr lang="en-US" sz="1400" i="1">
-                                <a:latin typeface="Cambria Math" panose="02040503050406030204" pitchFamily="18" charset="0"/>
+                                <a:latin typeface="Cambria Math" charset="0"/>
                               </a:rPr>
                             </m:ctrlPr>
                           </m:dPr>
@@ -28457,7 +28876,7 @@
                                 <m:chr m:val="̂"/>
                                 <m:ctrlPr>
                                   <a:rPr lang="en-US" sz="1400" i="1">
-                                    <a:latin typeface="Cambria Math" panose="02040503050406030204" pitchFamily="18" charset="0"/>
+                                    <a:latin typeface="Cambria Math" charset="0"/>
                                   </a:rPr>
                                 </m:ctrlPr>
                               </m:accPr>
@@ -28509,52 +28928,32 @@
               </a:p>
               <a:p>
                 <a:r>
-                  <a:rPr lang="en-US" sz="1400" dirty="0"/>
-                  <a:t>TP: True </a:t>
+                  <a:rPr lang="en-US" sz="1400" dirty="0" smtClean="0"/>
+                  <a:t>PPV</a:t>
                 </a:r>
                 <a:r>
-                  <a:rPr lang="en-US" sz="1400" dirty="0" err="1"/>
-                  <a:t>Postive</a:t>
+                  <a:rPr lang="en-US" sz="1400" dirty="0" smtClean="0"/>
+                  <a:t>: Positive </a:t>
+                </a:r>
+                <a:r>
+                  <a:rPr lang="en-US" sz="1400" dirty="0"/>
+                  <a:t>p</a:t>
+                </a:r>
+                <a:r>
+                  <a:rPr lang="en-US" sz="1400" dirty="0" smtClean="0"/>
+                  <a:t>redictive value (Precision)</a:t>
+                </a:r>
+              </a:p>
+              <a:p>
+                <a:r>
+                  <a:rPr lang="en-US" sz="1400" dirty="0" smtClean="0"/>
+                  <a:t>FNR: False negative rate</a:t>
                 </a:r>
                 <a:endParaRPr lang="en-US" sz="1400" dirty="0"/>
               </a:p>
               <a:p>
                 <a:r>
-                  <a:rPr lang="en-US" sz="1400" dirty="0"/>
-                  <a:t>all: all biomarker covariates (including both prognostic biomarkers and predictive </a:t>
-                </a:r>
-                <a:r>
-                  <a:rPr lang="en-US" sz="1400" dirty="0" err="1"/>
-                  <a:t>biomakers</a:t>
-                </a:r>
-                <a:r>
-                  <a:rPr lang="en-US" sz="1400" dirty="0"/>
-                  <a:t>)</a:t>
-                </a:r>
-              </a:p>
-              <a:p>
-                <a:r>
-                  <a:rPr lang="en-US" sz="1400" dirty="0" err="1"/>
-                  <a:t>prog</a:t>
-                </a:r>
-                <a:r>
-                  <a:rPr lang="en-US" sz="1400" dirty="0"/>
-                  <a:t>: Only on prognostic biomarkers</a:t>
-                </a:r>
-              </a:p>
-              <a:p>
-                <a:r>
-                  <a:rPr lang="en-US" sz="1400" dirty="0" err="1"/>
-                  <a:t>pred</a:t>
-                </a:r>
-                <a:r>
-                  <a:rPr lang="en-US" sz="1400" dirty="0"/>
-                  <a:t>: Only on predictive biomarkers</a:t>
-                </a:r>
-              </a:p>
-              <a:p>
-                <a:r>
-                  <a:rPr lang="en-US" sz="1400" dirty="0" err="1"/>
+                  <a:rPr lang="en-US" sz="1400" dirty="0" err="1" smtClean="0"/>
                   <a:t>num</a:t>
                 </a:r>
                 <a:r>
@@ -28565,10 +28964,10 @@
             </p:txBody>
           </p:sp>
         </mc:Choice>
-        <mc:Fallback xmlns="">
+        <mc:Fallback>
           <p:sp>
             <p:nvSpPr>
-              <p:cNvPr id="6" name="TextBox 5"/>
+              <p:cNvPr id="8" name="TextBox 7"/>
               <p:cNvSpPr txBox="1">
                 <a:spLocks noRot="1" noChangeAspect="1" noMove="1" noResize="1" noEditPoints="1" noAdjustHandles="1" noChangeArrowheads="1" noChangeShapeType="1" noTextEdit="1"/>
               </p:cNvSpPr>
@@ -28577,7 +28976,7 @@
             <p:spPr>
               <a:xfrm>
                 <a:off x="582026" y="2859782"/>
-                <a:ext cx="7475123" cy="1929887"/>
+                <a:ext cx="4216219" cy="1499000"/>
               </a:xfrm>
               <a:prstGeom prst="rect">
                 <a:avLst/>
@@ -28585,7 +28984,7 @@
               <a:blipFill rotWithShape="0">
                 <a:blip r:embed="rId2"/>
                 <a:stretch>
-                  <a:fillRect l="-244" b="-2524"/>
+                  <a:fillRect l="-434" b="-3659"/>
                 </a:stretch>
               </a:blipFill>
             </p:spPr>
@@ -28606,7 +29005,7 @@
       </mc:AlternateContent>
       <p:pic>
         <p:nvPicPr>
-          <p:cNvPr id="7" name="Content Placeholder 6"/>
+          <p:cNvPr id="9" name="Content Placeholder 8"/>
           <p:cNvPicPr>
             <a:picLocks noGrp="1" noChangeAspect="1"/>
           </p:cNvPicPr>
@@ -28614,7 +29013,7 @@
             <p:ph idx="1"/>
           </p:nvPr>
         </p:nvPicPr>
-        <p:blipFill>
+        <p:blipFill rotWithShape="1">
           <a:blip r:embed="rId3">
             <a:extLst>
               <a:ext uri="{28A0092B-C50C-407E-A947-70E740481C1C}">
@@ -28622,14 +29021,13 @@
               </a:ext>
             </a:extLst>
           </a:blip>
-          <a:stretch>
-            <a:fillRect/>
-          </a:stretch>
+          <a:srcRect b="11751"/>
+          <a:stretch/>
         </p:blipFill>
         <p:spPr>
           <a:xfrm>
-            <a:off x="1038051" y="837834"/>
-            <a:ext cx="6563072" cy="1875163"/>
+            <a:off x="404813" y="771550"/>
+            <a:ext cx="8281987" cy="2088232"/>
           </a:xfrm>
         </p:spPr>
       </p:pic>
@@ -28641,7 +29039,7 @@
         </p:nvSpPr>
         <p:spPr>
           <a:xfrm>
-            <a:off x="5076056" y="1419622"/>
+            <a:off x="5597215" y="1347614"/>
             <a:ext cx="558961" cy="216024"/>
           </a:xfrm>
           <a:prstGeom prst="rect">
@@ -28684,6 +29082,13 @@
   <p:clrMapOvr>
     <a:masterClrMapping/>
   </p:clrMapOvr>
+  <p:timing>
+    <p:tnLst>
+      <p:par>
+        <p:cTn id="1" dur="indefinite" restart="never" nodeType="tmRoot"/>
+      </p:par>
+    </p:tnLst>
+  </p:timing>
 </p:sld>
 </file>
 
@@ -28801,18 +29206,18 @@
           </a:p>
         </p:txBody>
       </p:sp>
-      <mc:AlternateContent xmlns:mc="http://schemas.openxmlformats.org/markup-compatibility/2006" xmlns:a14="http://schemas.microsoft.com/office/drawing/2010/main">
-        <mc:Choice Requires="a14">
+      <mc:AlternateContent xmlns:mc="http://schemas.openxmlformats.org/markup-compatibility/2006">
+        <mc:Choice xmlns:a14="http://schemas.microsoft.com/office/drawing/2010/main" Requires="a14">
           <p:sp>
             <p:nvSpPr>
-              <p:cNvPr id="6" name="TextBox 5"/>
+              <p:cNvPr id="8" name="TextBox 7"/>
               <p:cNvSpPr txBox="1"/>
               <p:nvPr/>
             </p:nvSpPr>
             <p:spPr>
               <a:xfrm>
                 <a:off x="582026" y="2859782"/>
-                <a:ext cx="7475123" cy="1929887"/>
+                <a:ext cx="4216219" cy="1499000"/>
               </a:xfrm>
               <a:prstGeom prst="rect">
                 <a:avLst/>
@@ -28835,7 +29240,7 @@
                       <m:sSubPr>
                         <m:ctrlPr>
                           <a:rPr lang="en-US" sz="1400" b="0" i="1" dirty="0" smtClean="0">
-                            <a:latin typeface="Cambria Math" panose="02040503050406030204" pitchFamily="18" charset="0"/>
+                            <a:latin typeface="Cambria Math" charset="0"/>
                           </a:rPr>
                         </m:ctrlPr>
                       </m:sSubPr>
@@ -28846,7 +29251,7 @@
                             <m:endChr m:val="|"/>
                             <m:ctrlPr>
                               <a:rPr lang="en-US" sz="1400" b="0" i="1" smtClean="0">
-                                <a:latin typeface="Cambria Math" panose="02040503050406030204" pitchFamily="18" charset="0"/>
+                                <a:latin typeface="Cambria Math" charset="0"/>
                               </a:rPr>
                             </m:ctrlPr>
                           </m:dPr>
@@ -28856,7 +29261,7 @@
                                 <m:chr m:val="̂"/>
                                 <m:ctrlPr>
                                   <a:rPr lang="en-US" sz="1400" b="0" i="1" smtClean="0">
-                                    <a:latin typeface="Cambria Math" panose="02040503050406030204" pitchFamily="18" charset="0"/>
+                                    <a:latin typeface="Cambria Math" charset="0"/>
                                   </a:rPr>
                                 </m:ctrlPr>
                               </m:accPr>
@@ -28911,7 +29316,7 @@
                       <m:sSubPr>
                         <m:ctrlPr>
                           <a:rPr lang="en-US" sz="1400" i="1" dirty="0">
-                            <a:latin typeface="Cambria Math" panose="02040503050406030204" pitchFamily="18" charset="0"/>
+                            <a:latin typeface="Cambria Math" charset="0"/>
                           </a:rPr>
                         </m:ctrlPr>
                       </m:sSubPr>
@@ -28922,7 +29327,7 @@
                             <m:endChr m:val="|"/>
                             <m:ctrlPr>
                               <a:rPr lang="en-US" sz="1400" i="1">
-                                <a:latin typeface="Cambria Math" panose="02040503050406030204" pitchFamily="18" charset="0"/>
+                                <a:latin typeface="Cambria Math" charset="0"/>
                               </a:rPr>
                             </m:ctrlPr>
                           </m:dPr>
@@ -28932,7 +29337,7 @@
                                 <m:chr m:val="̂"/>
                                 <m:ctrlPr>
                                   <a:rPr lang="en-US" sz="1400" i="1">
-                                    <a:latin typeface="Cambria Math" panose="02040503050406030204" pitchFamily="18" charset="0"/>
+                                    <a:latin typeface="Cambria Math" charset="0"/>
                                   </a:rPr>
                                 </m:ctrlPr>
                               </m:accPr>
@@ -28984,52 +29389,32 @@
               </a:p>
               <a:p>
                 <a:r>
-                  <a:rPr lang="en-US" sz="1400" dirty="0"/>
-                  <a:t>TP: True </a:t>
+                  <a:rPr lang="en-US" sz="1400" dirty="0" smtClean="0"/>
+                  <a:t>PPV</a:t>
                 </a:r>
                 <a:r>
-                  <a:rPr lang="en-US" sz="1400" dirty="0" err="1"/>
-                  <a:t>Postive</a:t>
+                  <a:rPr lang="en-US" sz="1400" dirty="0" smtClean="0"/>
+                  <a:t>: Positive </a:t>
+                </a:r>
+                <a:r>
+                  <a:rPr lang="en-US" sz="1400" dirty="0"/>
+                  <a:t>p</a:t>
+                </a:r>
+                <a:r>
+                  <a:rPr lang="en-US" sz="1400" dirty="0" smtClean="0"/>
+                  <a:t>redictive value (Precision)</a:t>
+                </a:r>
+              </a:p>
+              <a:p>
+                <a:r>
+                  <a:rPr lang="en-US" sz="1400" dirty="0" smtClean="0"/>
+                  <a:t>FNR: False negative rate</a:t>
                 </a:r>
                 <a:endParaRPr lang="en-US" sz="1400" dirty="0"/>
               </a:p>
               <a:p>
                 <a:r>
-                  <a:rPr lang="en-US" sz="1400" dirty="0"/>
-                  <a:t>all: all biomarker covariates (including both prognostic biomarkers and predictive </a:t>
-                </a:r>
-                <a:r>
-                  <a:rPr lang="en-US" sz="1400" dirty="0" err="1"/>
-                  <a:t>biomakers</a:t>
-                </a:r>
-                <a:r>
-                  <a:rPr lang="en-US" sz="1400" dirty="0"/>
-                  <a:t>)</a:t>
-                </a:r>
-              </a:p>
-              <a:p>
-                <a:r>
-                  <a:rPr lang="en-US" sz="1400" dirty="0" err="1"/>
-                  <a:t>prog</a:t>
-                </a:r>
-                <a:r>
-                  <a:rPr lang="en-US" sz="1400" dirty="0"/>
-                  <a:t>: Only on prognostic biomarkers</a:t>
-                </a:r>
-              </a:p>
-              <a:p>
-                <a:r>
-                  <a:rPr lang="en-US" sz="1400" dirty="0" err="1"/>
-                  <a:t>pred</a:t>
-                </a:r>
-                <a:r>
-                  <a:rPr lang="en-US" sz="1400" dirty="0"/>
-                  <a:t>: Only on predictive biomarkers</a:t>
-                </a:r>
-              </a:p>
-              <a:p>
-                <a:r>
-                  <a:rPr lang="en-US" sz="1400" dirty="0" err="1"/>
+                  <a:rPr lang="en-US" sz="1400" dirty="0" err="1" smtClean="0"/>
                   <a:t>num</a:t>
                 </a:r>
                 <a:r>
@@ -29040,10 +29425,10 @@
             </p:txBody>
           </p:sp>
         </mc:Choice>
-        <mc:Fallback xmlns="">
+        <mc:Fallback>
           <p:sp>
             <p:nvSpPr>
-              <p:cNvPr id="6" name="TextBox 5"/>
+              <p:cNvPr id="8" name="TextBox 7"/>
               <p:cNvSpPr txBox="1">
                 <a:spLocks noRot="1" noChangeAspect="1" noMove="1" noResize="1" noEditPoints="1" noAdjustHandles="1" noChangeArrowheads="1" noChangeShapeType="1" noTextEdit="1"/>
               </p:cNvSpPr>
@@ -29052,7 +29437,7 @@
             <p:spPr>
               <a:xfrm>
                 <a:off x="582026" y="2859782"/>
-                <a:ext cx="7475123" cy="1929887"/>
+                <a:ext cx="4216219" cy="1499000"/>
               </a:xfrm>
               <a:prstGeom prst="rect">
                 <a:avLst/>
@@ -29060,7 +29445,7 @@
               <a:blipFill rotWithShape="0">
                 <a:blip r:embed="rId2"/>
                 <a:stretch>
-                  <a:fillRect l="-244" b="-2524"/>
+                  <a:fillRect l="-434" b="-3659"/>
                 </a:stretch>
               </a:blipFill>
             </p:spPr>
@@ -29081,7 +29466,7 @@
       </mc:AlternateContent>
       <p:pic>
         <p:nvPicPr>
-          <p:cNvPr id="7" name="Content Placeholder 6"/>
+          <p:cNvPr id="9" name="Content Placeholder 8"/>
           <p:cNvPicPr>
             <a:picLocks noGrp="1" noChangeAspect="1"/>
           </p:cNvPicPr>
@@ -29089,7 +29474,7 @@
             <p:ph idx="1"/>
           </p:nvPr>
         </p:nvPicPr>
-        <p:blipFill>
+        <p:blipFill rotWithShape="1">
           <a:blip r:embed="rId3">
             <a:extLst>
               <a:ext uri="{28A0092B-C50C-407E-A947-70E740481C1C}">
@@ -29097,14 +29482,13 @@
               </a:ext>
             </a:extLst>
           </a:blip>
-          <a:stretch>
-            <a:fillRect/>
-          </a:stretch>
+          <a:srcRect b="11751"/>
+          <a:stretch/>
         </p:blipFill>
         <p:spPr>
           <a:xfrm>
-            <a:off x="784368" y="839657"/>
-            <a:ext cx="7070438" cy="2020125"/>
+            <a:off x="404813" y="771550"/>
+            <a:ext cx="8281987" cy="2088232"/>
           </a:xfrm>
         </p:spPr>
       </p:pic>
@@ -29116,7 +29500,7 @@
         </p:nvSpPr>
         <p:spPr>
           <a:xfrm>
-            <a:off x="5093159" y="1432580"/>
+            <a:off x="5597215" y="1347614"/>
             <a:ext cx="558961" cy="216024"/>
           </a:xfrm>
           <a:prstGeom prst="rect">
@@ -29159,6 +29543,13 @@
   <p:clrMapOvr>
     <a:masterClrMapping/>
   </p:clrMapOvr>
+  <p:timing>
+    <p:tnLst>
+      <p:par>
+        <p:cTn id="1" dur="indefinite" restart="never" nodeType="tmRoot"/>
+      </p:par>
+    </p:tnLst>
+  </p:timing>
 </p:sld>
 </file>
 
@@ -29276,18 +29667,18 @@
           </a:p>
         </p:txBody>
       </p:sp>
-      <mc:AlternateContent xmlns:mc="http://schemas.openxmlformats.org/markup-compatibility/2006" xmlns:a14="http://schemas.microsoft.com/office/drawing/2010/main">
-        <mc:Choice Requires="a14">
+      <mc:AlternateContent xmlns:mc="http://schemas.openxmlformats.org/markup-compatibility/2006">
+        <mc:Choice xmlns:a14="http://schemas.microsoft.com/office/drawing/2010/main" Requires="a14">
           <p:sp>
             <p:nvSpPr>
-              <p:cNvPr id="6" name="TextBox 5"/>
+              <p:cNvPr id="10" name="TextBox 9"/>
               <p:cNvSpPr txBox="1"/>
               <p:nvPr/>
             </p:nvSpPr>
             <p:spPr>
               <a:xfrm>
                 <a:off x="582026" y="2859782"/>
-                <a:ext cx="7475123" cy="1929887"/>
+                <a:ext cx="4216219" cy="1499000"/>
               </a:xfrm>
               <a:prstGeom prst="rect">
                 <a:avLst/>
@@ -29310,7 +29701,7 @@
                       <m:sSubPr>
                         <m:ctrlPr>
                           <a:rPr lang="en-US" sz="1400" b="0" i="1" dirty="0" smtClean="0">
-                            <a:latin typeface="Cambria Math" panose="02040503050406030204" pitchFamily="18" charset="0"/>
+                            <a:latin typeface="Cambria Math" charset="0"/>
                           </a:rPr>
                         </m:ctrlPr>
                       </m:sSubPr>
@@ -29321,7 +29712,7 @@
                             <m:endChr m:val="|"/>
                             <m:ctrlPr>
                               <a:rPr lang="en-US" sz="1400" b="0" i="1" smtClean="0">
-                                <a:latin typeface="Cambria Math" panose="02040503050406030204" pitchFamily="18" charset="0"/>
+                                <a:latin typeface="Cambria Math" charset="0"/>
                               </a:rPr>
                             </m:ctrlPr>
                           </m:dPr>
@@ -29331,7 +29722,7 @@
                                 <m:chr m:val="̂"/>
                                 <m:ctrlPr>
                                   <a:rPr lang="en-US" sz="1400" b="0" i="1" smtClean="0">
-                                    <a:latin typeface="Cambria Math" panose="02040503050406030204" pitchFamily="18" charset="0"/>
+                                    <a:latin typeface="Cambria Math" charset="0"/>
                                   </a:rPr>
                                 </m:ctrlPr>
                               </m:accPr>
@@ -29386,7 +29777,7 @@
                       <m:sSubPr>
                         <m:ctrlPr>
                           <a:rPr lang="en-US" sz="1400" i="1" dirty="0">
-                            <a:latin typeface="Cambria Math" panose="02040503050406030204" pitchFamily="18" charset="0"/>
+                            <a:latin typeface="Cambria Math" charset="0"/>
                           </a:rPr>
                         </m:ctrlPr>
                       </m:sSubPr>
@@ -29397,7 +29788,7 @@
                             <m:endChr m:val="|"/>
                             <m:ctrlPr>
                               <a:rPr lang="en-US" sz="1400" i="1">
-                                <a:latin typeface="Cambria Math" panose="02040503050406030204" pitchFamily="18" charset="0"/>
+                                <a:latin typeface="Cambria Math" charset="0"/>
                               </a:rPr>
                             </m:ctrlPr>
                           </m:dPr>
@@ -29407,7 +29798,7 @@
                                 <m:chr m:val="̂"/>
                                 <m:ctrlPr>
                                   <a:rPr lang="en-US" sz="1400" i="1">
-                                    <a:latin typeface="Cambria Math" panose="02040503050406030204" pitchFamily="18" charset="0"/>
+                                    <a:latin typeface="Cambria Math" charset="0"/>
                                   </a:rPr>
                                 </m:ctrlPr>
                               </m:accPr>
@@ -29459,52 +29850,32 @@
               </a:p>
               <a:p>
                 <a:r>
-                  <a:rPr lang="en-US" sz="1400" dirty="0"/>
-                  <a:t>TP: True </a:t>
+                  <a:rPr lang="en-US" sz="1400" dirty="0" smtClean="0"/>
+                  <a:t>PPV</a:t>
                 </a:r>
                 <a:r>
-                  <a:rPr lang="en-US" sz="1400" dirty="0" err="1"/>
-                  <a:t>Postive</a:t>
+                  <a:rPr lang="en-US" sz="1400" dirty="0" smtClean="0"/>
+                  <a:t>: Positive </a:t>
+                </a:r>
+                <a:r>
+                  <a:rPr lang="en-US" sz="1400" dirty="0"/>
+                  <a:t>p</a:t>
+                </a:r>
+                <a:r>
+                  <a:rPr lang="en-US" sz="1400" dirty="0" smtClean="0"/>
+                  <a:t>redictive value (Precision)</a:t>
+                </a:r>
+              </a:p>
+              <a:p>
+                <a:r>
+                  <a:rPr lang="en-US" sz="1400" dirty="0" smtClean="0"/>
+                  <a:t>FNR: False negative rate</a:t>
                 </a:r>
                 <a:endParaRPr lang="en-US" sz="1400" dirty="0"/>
               </a:p>
               <a:p>
                 <a:r>
-                  <a:rPr lang="en-US" sz="1400" dirty="0"/>
-                  <a:t>all: all biomarker covariates (including both prognostic biomarkers and predictive </a:t>
-                </a:r>
-                <a:r>
-                  <a:rPr lang="en-US" sz="1400" dirty="0" err="1"/>
-                  <a:t>biomakers</a:t>
-                </a:r>
-                <a:r>
-                  <a:rPr lang="en-US" sz="1400" dirty="0"/>
-                  <a:t>)</a:t>
-                </a:r>
-              </a:p>
-              <a:p>
-                <a:r>
-                  <a:rPr lang="en-US" sz="1400" dirty="0" err="1"/>
-                  <a:t>prog</a:t>
-                </a:r>
-                <a:r>
-                  <a:rPr lang="en-US" sz="1400" dirty="0"/>
-                  <a:t>: Only on prognostic biomarkers</a:t>
-                </a:r>
-              </a:p>
-              <a:p>
-                <a:r>
-                  <a:rPr lang="en-US" sz="1400" dirty="0" err="1"/>
-                  <a:t>pred</a:t>
-                </a:r>
-                <a:r>
-                  <a:rPr lang="en-US" sz="1400" dirty="0"/>
-                  <a:t>: Only on predictive biomarkers</a:t>
-                </a:r>
-              </a:p>
-              <a:p>
-                <a:r>
-                  <a:rPr lang="en-US" sz="1400" dirty="0" err="1"/>
+                  <a:rPr lang="en-US" sz="1400" dirty="0" err="1" smtClean="0"/>
                   <a:t>num</a:t>
                 </a:r>
                 <a:r>
@@ -29515,10 +29886,10 @@
             </p:txBody>
           </p:sp>
         </mc:Choice>
-        <mc:Fallback xmlns="">
+        <mc:Fallback>
           <p:sp>
             <p:nvSpPr>
-              <p:cNvPr id="6" name="TextBox 5"/>
+              <p:cNvPr id="10" name="TextBox 9"/>
               <p:cNvSpPr txBox="1">
                 <a:spLocks noRot="1" noChangeAspect="1" noMove="1" noResize="1" noEditPoints="1" noAdjustHandles="1" noChangeArrowheads="1" noChangeShapeType="1" noTextEdit="1"/>
               </p:cNvSpPr>
@@ -29527,7 +29898,7 @@
             <p:spPr>
               <a:xfrm>
                 <a:off x="582026" y="2859782"/>
-                <a:ext cx="7475123" cy="1929887"/>
+                <a:ext cx="4216219" cy="1499000"/>
               </a:xfrm>
               <a:prstGeom prst="rect">
                 <a:avLst/>
@@ -29535,7 +29906,7 @@
               <a:blipFill rotWithShape="0">
                 <a:blip r:embed="rId2"/>
                 <a:stretch>
-                  <a:fillRect l="-244" b="-2524"/>
+                  <a:fillRect l="-434" b="-3659"/>
                 </a:stretch>
               </a:blipFill>
             </p:spPr>
@@ -29556,7 +29927,7 @@
       </mc:AlternateContent>
       <p:pic>
         <p:nvPicPr>
-          <p:cNvPr id="8" name="Content Placeholder 7"/>
+          <p:cNvPr id="7" name="Content Placeholder 6"/>
           <p:cNvPicPr>
             <a:picLocks noGrp="1" noChangeAspect="1"/>
           </p:cNvPicPr>
@@ -29564,7 +29935,7 @@
             <p:ph idx="1"/>
           </p:nvPr>
         </p:nvPicPr>
-        <p:blipFill>
+        <p:blipFill rotWithShape="1">
           <a:blip r:embed="rId3">
             <a:extLst>
               <a:ext uri="{28A0092B-C50C-407E-A947-70E740481C1C}">
@@ -29572,14 +29943,13 @@
               </a:ext>
             </a:extLst>
           </a:blip>
-          <a:stretch>
-            <a:fillRect/>
-          </a:stretch>
+          <a:srcRect b="11751"/>
+          <a:stretch/>
         </p:blipFill>
         <p:spPr>
           <a:xfrm>
-            <a:off x="910382" y="819567"/>
-            <a:ext cx="6818410" cy="1948117"/>
+            <a:off x="404813" y="771550"/>
+            <a:ext cx="8281987" cy="2088232"/>
           </a:xfrm>
         </p:spPr>
       </p:pic>
@@ -29591,8 +29961,8 @@
         </p:nvSpPr>
         <p:spPr>
           <a:xfrm>
-            <a:off x="5093159" y="1419622"/>
-            <a:ext cx="558961" cy="216024"/>
+            <a:off x="5597215" y="1347614"/>
+            <a:ext cx="558961" cy="288032"/>
           </a:xfrm>
           <a:prstGeom prst="rect">
             <a:avLst/>
@@ -29634,6 +30004,13 @@
   <p:clrMapOvr>
     <a:masterClrMapping/>
   </p:clrMapOvr>
+  <p:timing>
+    <p:tnLst>
+      <p:par>
+        <p:cTn id="1" dur="indefinite" restart="never" nodeType="tmRoot"/>
+      </p:par>
+    </p:tnLst>
+  </p:timing>
 </p:sld>
 </file>
 
@@ -29797,7 +30174,7 @@
           <p:cNvPr id="9" name="Content Placeholder 8" descr="A close up of a logo&#10;&#10;Description generated with high confidence">
             <a:extLst>
               <a:ext uri="{FF2B5EF4-FFF2-40B4-BE49-F238E27FC236}">
-                <a16:creationId xmlns:a16="http://schemas.microsoft.com/office/drawing/2014/main" id="{3F3BA834-36CE-43A5-91C7-4BCFBA213E13}"/>
+                <a16:creationId xmlns:a16="http://schemas.microsoft.com/office/drawing/2014/main" xmlns="" id="{3F3BA834-36CE-43A5-91C7-4BCFBA213E13}"/>
               </a:ext>
             </a:extLst>
           </p:cNvPr>
@@ -29954,18 +30331,18 @@
           </a:p>
         </p:txBody>
       </p:sp>
-      <mc:AlternateContent xmlns:mc="http://schemas.openxmlformats.org/markup-compatibility/2006" xmlns:a14="http://schemas.microsoft.com/office/drawing/2010/main">
-        <mc:Choice Requires="a14">
+      <mc:AlternateContent xmlns:mc="http://schemas.openxmlformats.org/markup-compatibility/2006">
+        <mc:Choice xmlns:a14="http://schemas.microsoft.com/office/drawing/2010/main" Requires="a14">
           <p:sp>
             <p:nvSpPr>
-              <p:cNvPr id="6" name="TextBox 5"/>
+              <p:cNvPr id="8" name="TextBox 7"/>
               <p:cNvSpPr txBox="1"/>
               <p:nvPr/>
             </p:nvSpPr>
             <p:spPr>
               <a:xfrm>
                 <a:off x="582026" y="2859782"/>
-                <a:ext cx="7475123" cy="1929887"/>
+                <a:ext cx="4216219" cy="1499000"/>
               </a:xfrm>
               <a:prstGeom prst="rect">
                 <a:avLst/>
@@ -29988,7 +30365,7 @@
                       <m:sSubPr>
                         <m:ctrlPr>
                           <a:rPr lang="en-US" sz="1400" b="0" i="1" dirty="0" smtClean="0">
-                            <a:latin typeface="Cambria Math" panose="02040503050406030204" pitchFamily="18" charset="0"/>
+                            <a:latin typeface="Cambria Math" charset="0"/>
                           </a:rPr>
                         </m:ctrlPr>
                       </m:sSubPr>
@@ -29999,7 +30376,7 @@
                             <m:endChr m:val="|"/>
                             <m:ctrlPr>
                               <a:rPr lang="en-US" sz="1400" b="0" i="1" smtClean="0">
-                                <a:latin typeface="Cambria Math" panose="02040503050406030204" pitchFamily="18" charset="0"/>
+                                <a:latin typeface="Cambria Math" charset="0"/>
                               </a:rPr>
                             </m:ctrlPr>
                           </m:dPr>
@@ -30009,7 +30386,7 @@
                                 <m:chr m:val="̂"/>
                                 <m:ctrlPr>
                                   <a:rPr lang="en-US" sz="1400" b="0" i="1" smtClean="0">
-                                    <a:latin typeface="Cambria Math" panose="02040503050406030204" pitchFamily="18" charset="0"/>
+                                    <a:latin typeface="Cambria Math" charset="0"/>
                                   </a:rPr>
                                 </m:ctrlPr>
                               </m:accPr>
@@ -30064,7 +30441,7 @@
                       <m:sSubPr>
                         <m:ctrlPr>
                           <a:rPr lang="en-US" sz="1400" i="1" dirty="0">
-                            <a:latin typeface="Cambria Math" panose="02040503050406030204" pitchFamily="18" charset="0"/>
+                            <a:latin typeface="Cambria Math" charset="0"/>
                           </a:rPr>
                         </m:ctrlPr>
                       </m:sSubPr>
@@ -30075,7 +30452,7 @@
                             <m:endChr m:val="|"/>
                             <m:ctrlPr>
                               <a:rPr lang="en-US" sz="1400" i="1">
-                                <a:latin typeface="Cambria Math" panose="02040503050406030204" pitchFamily="18" charset="0"/>
+                                <a:latin typeface="Cambria Math" charset="0"/>
                               </a:rPr>
                             </m:ctrlPr>
                           </m:dPr>
@@ -30085,7 +30462,7 @@
                                 <m:chr m:val="̂"/>
                                 <m:ctrlPr>
                                   <a:rPr lang="en-US" sz="1400" i="1">
-                                    <a:latin typeface="Cambria Math" panose="02040503050406030204" pitchFamily="18" charset="0"/>
+                                    <a:latin typeface="Cambria Math" charset="0"/>
                                   </a:rPr>
                                 </m:ctrlPr>
                               </m:accPr>
@@ -30137,52 +30514,32 @@
               </a:p>
               <a:p>
                 <a:r>
-                  <a:rPr lang="en-US" sz="1400" dirty="0"/>
-                  <a:t>TP: True </a:t>
+                  <a:rPr lang="en-US" sz="1400" dirty="0" smtClean="0"/>
+                  <a:t>PPV</a:t>
                 </a:r>
                 <a:r>
-                  <a:rPr lang="en-US" sz="1400" dirty="0" err="1"/>
-                  <a:t>Postive</a:t>
+                  <a:rPr lang="en-US" sz="1400" dirty="0" smtClean="0"/>
+                  <a:t>: Positive </a:t>
+                </a:r>
+                <a:r>
+                  <a:rPr lang="en-US" sz="1400" dirty="0"/>
+                  <a:t>p</a:t>
+                </a:r>
+                <a:r>
+                  <a:rPr lang="en-US" sz="1400" dirty="0" smtClean="0"/>
+                  <a:t>redictive value (Precision)</a:t>
+                </a:r>
+              </a:p>
+              <a:p>
+                <a:r>
+                  <a:rPr lang="en-US" sz="1400" dirty="0" smtClean="0"/>
+                  <a:t>FNR: False negative rate</a:t>
                 </a:r>
                 <a:endParaRPr lang="en-US" sz="1400" dirty="0"/>
               </a:p>
               <a:p>
                 <a:r>
-                  <a:rPr lang="en-US" sz="1400" dirty="0"/>
-                  <a:t>all: all biomarker covariates (including both prognostic biomarkers and predictive </a:t>
-                </a:r>
-                <a:r>
-                  <a:rPr lang="en-US" sz="1400" dirty="0" err="1"/>
-                  <a:t>biomakers</a:t>
-                </a:r>
-                <a:r>
-                  <a:rPr lang="en-US" sz="1400" dirty="0"/>
-                  <a:t>)</a:t>
-                </a:r>
-              </a:p>
-              <a:p>
-                <a:r>
-                  <a:rPr lang="en-US" sz="1400" dirty="0" err="1"/>
-                  <a:t>prog</a:t>
-                </a:r>
-                <a:r>
-                  <a:rPr lang="en-US" sz="1400" dirty="0"/>
-                  <a:t>: Only on prognostic biomarkers</a:t>
-                </a:r>
-              </a:p>
-              <a:p>
-                <a:r>
-                  <a:rPr lang="en-US" sz="1400" dirty="0" err="1"/>
-                  <a:t>pred</a:t>
-                </a:r>
-                <a:r>
-                  <a:rPr lang="en-US" sz="1400" dirty="0"/>
-                  <a:t>: Only on predictive biomarkers</a:t>
-                </a:r>
-              </a:p>
-              <a:p>
-                <a:r>
-                  <a:rPr lang="en-US" sz="1400" dirty="0" err="1"/>
+                  <a:rPr lang="en-US" sz="1400" dirty="0" err="1" smtClean="0"/>
                   <a:t>num</a:t>
                 </a:r>
                 <a:r>
@@ -30193,10 +30550,10 @@
             </p:txBody>
           </p:sp>
         </mc:Choice>
-        <mc:Fallback xmlns="">
+        <mc:Fallback>
           <p:sp>
             <p:nvSpPr>
-              <p:cNvPr id="6" name="TextBox 5"/>
+              <p:cNvPr id="8" name="TextBox 7"/>
               <p:cNvSpPr txBox="1">
                 <a:spLocks noRot="1" noChangeAspect="1" noMove="1" noResize="1" noEditPoints="1" noAdjustHandles="1" noChangeArrowheads="1" noChangeShapeType="1" noTextEdit="1"/>
               </p:cNvSpPr>
@@ -30205,7 +30562,7 @@
             <p:spPr>
               <a:xfrm>
                 <a:off x="582026" y="2859782"/>
-                <a:ext cx="7475123" cy="1929887"/>
+                <a:ext cx="4216219" cy="1499000"/>
               </a:xfrm>
               <a:prstGeom prst="rect">
                 <a:avLst/>
@@ -30213,7 +30570,7 @@
               <a:blipFill rotWithShape="0">
                 <a:blip r:embed="rId2"/>
                 <a:stretch>
-                  <a:fillRect l="-244" b="-2524"/>
+                  <a:fillRect l="-434" b="-3659"/>
                 </a:stretch>
               </a:blipFill>
             </p:spPr>
@@ -30234,7 +30591,7 @@
       </mc:AlternateContent>
       <p:pic>
         <p:nvPicPr>
-          <p:cNvPr id="7" name="Content Placeholder 6"/>
+          <p:cNvPr id="9" name="Content Placeholder 8"/>
           <p:cNvPicPr>
             <a:picLocks noGrp="1" noChangeAspect="1"/>
           </p:cNvPicPr>
@@ -30242,7 +30599,7 @@
             <p:ph idx="1"/>
           </p:nvPr>
         </p:nvPicPr>
-        <p:blipFill>
+        <p:blipFill rotWithShape="1">
           <a:blip r:embed="rId3">
             <a:extLst>
               <a:ext uri="{28A0092B-C50C-407E-A947-70E740481C1C}">
@@ -30250,14 +30607,13 @@
               </a:ext>
             </a:extLst>
           </a:blip>
-          <a:stretch>
-            <a:fillRect/>
-          </a:stretch>
+          <a:srcRect b="12173"/>
+          <a:stretch/>
         </p:blipFill>
         <p:spPr>
           <a:xfrm>
-            <a:off x="786023" y="788433"/>
-            <a:ext cx="7067128" cy="2019179"/>
+            <a:off x="404813" y="853540"/>
+            <a:ext cx="8281987" cy="2078250"/>
           </a:xfrm>
         </p:spPr>
       </p:pic>
@@ -30269,8 +30625,8 @@
         </p:nvSpPr>
         <p:spPr>
           <a:xfrm>
-            <a:off x="5093159" y="1419622"/>
-            <a:ext cx="558961" cy="216024"/>
+            <a:off x="5597215" y="1419622"/>
+            <a:ext cx="558961" cy="288032"/>
           </a:xfrm>
           <a:prstGeom prst="rect">
             <a:avLst/>
@@ -30312,696 +30668,17 @@
   <p:clrMapOvr>
     <a:masterClrMapping/>
   </p:clrMapOvr>
+  <p:timing>
+    <p:tnLst>
+      <p:par>
+        <p:cTn id="1" dur="indefinite" restart="never" nodeType="tmRoot"/>
+      </p:par>
+    </p:tnLst>
+  </p:timing>
 </p:sld>
 </file>
 
 <file path=ppt/slides/slide41.xml><?xml version="1.0" encoding="utf-8"?>
-<p:sld xmlns:a="http://schemas.openxmlformats.org/drawingml/2006/main" xmlns:r="http://schemas.openxmlformats.org/officeDocument/2006/relationships" xmlns:p="http://schemas.openxmlformats.org/presentationml/2006/main">
-  <p:cSld>
-    <p:spTree>
-      <p:nvGrpSpPr>
-        <p:cNvPr id="1" name=""/>
-        <p:cNvGrpSpPr/>
-        <p:nvPr/>
-      </p:nvGrpSpPr>
-      <p:grpSpPr>
-        <a:xfrm>
-          <a:off x="0" y="0"/>
-          <a:ext cx="0" cy="0"/>
-          <a:chOff x="0" y="0"/>
-          <a:chExt cx="0" cy="0"/>
-        </a:xfrm>
-      </p:grpSpPr>
-      <p:sp>
-        <p:nvSpPr>
-          <p:cNvPr id="2" name="Title 1"/>
-          <p:cNvSpPr>
-            <a:spLocks noGrp="1"/>
-          </p:cNvSpPr>
-          <p:nvPr>
-            <p:ph type="title"/>
-          </p:nvPr>
-        </p:nvSpPr>
-        <p:spPr/>
-        <p:txBody>
-          <a:bodyPr/>
-          <a:lstStyle/>
-          <a:p>
-            <a:r>
-              <a:rPr lang="en-US" sz="1800" dirty="0"/>
-              <a:t>Distributions of TPR on Predictive Biomarkers Across All Simulations</a:t>
-            </a:r>
-          </a:p>
-        </p:txBody>
-      </p:sp>
-      <p:sp>
-        <p:nvSpPr>
-          <p:cNvPr id="3" name="Text Placeholder 2"/>
-          <p:cNvSpPr>
-            <a:spLocks noGrp="1"/>
-          </p:cNvSpPr>
-          <p:nvPr>
-            <p:ph type="body" idx="1"/>
-          </p:nvPr>
-        </p:nvSpPr>
-        <p:spPr/>
-        <p:txBody>
-          <a:bodyPr>
-            <a:normAutofit lnSpcReduction="10000"/>
-          </a:bodyPr>
-          <a:lstStyle/>
-          <a:p>
-            <a:r>
-              <a:rPr lang="en-US" dirty="0"/>
-              <a:t>SNR=1</a:t>
-            </a:r>
-          </a:p>
-        </p:txBody>
-      </p:sp>
-      <p:pic>
-        <p:nvPicPr>
-          <p:cNvPr id="9" name="Content Placeholder 8"/>
-          <p:cNvPicPr>
-            <a:picLocks noGrp="1" noChangeAspect="1"/>
-          </p:cNvPicPr>
-          <p:nvPr>
-            <p:ph sz="half" idx="2"/>
-          </p:nvPr>
-        </p:nvPicPr>
-        <p:blipFill>
-          <a:blip r:embed="rId2" cstate="print">
-            <a:extLst>
-              <a:ext uri="{28A0092B-C50C-407E-A947-70E740481C1C}">
-                <a14:useLocalDpi xmlns:a14="http://schemas.microsoft.com/office/drawing/2010/main" val="0"/>
-              </a:ext>
-            </a:extLst>
-          </a:blip>
-          <a:stretch>
-            <a:fillRect/>
-          </a:stretch>
-        </p:blipFill>
-        <p:spPr>
-          <a:xfrm>
-            <a:off x="729926" y="1403350"/>
-            <a:ext cx="3442349" cy="2963863"/>
-          </a:xfrm>
-        </p:spPr>
-      </p:pic>
-      <p:sp>
-        <p:nvSpPr>
-          <p:cNvPr id="5" name="Text Placeholder 4"/>
-          <p:cNvSpPr>
-            <a:spLocks noGrp="1"/>
-          </p:cNvSpPr>
-          <p:nvPr>
-            <p:ph type="body" sz="quarter" idx="3"/>
-          </p:nvPr>
-        </p:nvSpPr>
-        <p:spPr/>
-        <p:txBody>
-          <a:bodyPr>
-            <a:normAutofit lnSpcReduction="10000"/>
-          </a:bodyPr>
-          <a:lstStyle/>
-          <a:p>
-            <a:r>
-              <a:rPr lang="en-US" dirty="0"/>
-              <a:t>SNR=5</a:t>
-            </a:r>
-          </a:p>
-        </p:txBody>
-      </p:sp>
-      <p:pic>
-        <p:nvPicPr>
-          <p:cNvPr id="10" name="Content Placeholder 9"/>
-          <p:cNvPicPr>
-            <a:picLocks noGrp="1" noChangeAspect="1"/>
-          </p:cNvPicPr>
-          <p:nvPr>
-            <p:ph sz="quarter" idx="4"/>
-          </p:nvPr>
-        </p:nvPicPr>
-        <p:blipFill>
-          <a:blip r:embed="rId3" cstate="print">
-            <a:extLst>
-              <a:ext uri="{28A0092B-C50C-407E-A947-70E740481C1C}">
-                <a14:useLocalDpi xmlns:a14="http://schemas.microsoft.com/office/drawing/2010/main" val="0"/>
-              </a:ext>
-            </a:extLst>
-          </a:blip>
-          <a:stretch>
-            <a:fillRect/>
-          </a:stretch>
-        </p:blipFill>
-        <p:spPr>
-          <a:xfrm>
-            <a:off x="4944738" y="1403350"/>
-            <a:ext cx="3442349" cy="2963863"/>
-          </a:xfrm>
-        </p:spPr>
-      </p:pic>
-      <p:sp>
-        <p:nvSpPr>
-          <p:cNvPr id="7" name="Footer Placeholder 6"/>
-          <p:cNvSpPr>
-            <a:spLocks noGrp="1"/>
-          </p:cNvSpPr>
-          <p:nvPr>
-            <p:ph type="ftr" sz="quarter" idx="11"/>
-          </p:nvPr>
-        </p:nvSpPr>
-        <p:spPr/>
-        <p:txBody>
-          <a:bodyPr/>
-          <a:lstStyle/>
-          <a:p>
-            <a:r>
-              <a:rPr lang="ja-JP" altLang="en-US" dirty="0"/>
-              <a:t>｜</a:t>
-            </a:r>
-            <a:r>
-              <a:rPr lang="en-US" altLang="ja-JP" dirty="0"/>
-              <a:t>0000</a:t>
-            </a:r>
-            <a:r>
-              <a:rPr lang="ja-JP" altLang="en-US" dirty="0"/>
-              <a:t>　</a:t>
-            </a:r>
-            <a:r>
-              <a:rPr lang="en-US" altLang="ja-JP" dirty="0"/>
-              <a:t>|</a:t>
-            </a:r>
-            <a:r>
-              <a:rPr lang="ja-JP" altLang="en-US" dirty="0"/>
-              <a:t>　　</a:t>
-            </a:r>
-            <a:r>
-              <a:rPr lang="en-US" altLang="ja-JP" dirty="0"/>
-              <a:t> Aug 24</a:t>
-            </a:r>
-            <a:r>
-              <a:rPr lang="en-US" altLang="ja-JP" baseline="30000" dirty="0"/>
-              <a:t>th</a:t>
-            </a:r>
-            <a:r>
-              <a:rPr lang="en-US" altLang="ja-JP" dirty="0"/>
-              <a:t> 2018</a:t>
-            </a:r>
-            <a:endParaRPr lang="ja-JP" altLang="en-US" dirty="0"/>
-          </a:p>
-        </p:txBody>
-      </p:sp>
-      <p:sp>
-        <p:nvSpPr>
-          <p:cNvPr id="8" name="Slide Number Placeholder 7"/>
-          <p:cNvSpPr>
-            <a:spLocks noGrp="1"/>
-          </p:cNvSpPr>
-          <p:nvPr>
-            <p:ph type="sldNum" sz="quarter" idx="12"/>
-          </p:nvPr>
-        </p:nvSpPr>
-        <p:spPr/>
-        <p:txBody>
-          <a:bodyPr/>
-          <a:lstStyle/>
-          <a:p>
-            <a:fld id="{E9B57936-92EF-4126-AE48-1D9D36D15E98}" type="slidenum">
-              <a:rPr kumimoji="1" lang="ja-JP" altLang="en-US" smtClean="0"/>
-              <a:pPr/>
-              <a:t>40</a:t>
-            </a:fld>
-            <a:endParaRPr kumimoji="1" lang="ja-JP" altLang="en-US" dirty="0"/>
-          </a:p>
-        </p:txBody>
-      </p:sp>
-    </p:spTree>
-    <p:extLst>
-      <p:ext uri="{BB962C8B-B14F-4D97-AF65-F5344CB8AC3E}">
-        <p14:creationId xmlns:p14="http://schemas.microsoft.com/office/powerpoint/2010/main" val="748659561"/>
-      </p:ext>
-    </p:extLst>
-  </p:cSld>
-  <p:clrMapOvr>
-    <a:masterClrMapping/>
-  </p:clrMapOvr>
-</p:sld>
-</file>
-
-<file path=ppt/slides/slide42.xml><?xml version="1.0" encoding="utf-8"?>
-<p:sld xmlns:a="http://schemas.openxmlformats.org/drawingml/2006/main" xmlns:r="http://schemas.openxmlformats.org/officeDocument/2006/relationships" xmlns:p="http://schemas.openxmlformats.org/presentationml/2006/main">
-  <p:cSld>
-    <p:spTree>
-      <p:nvGrpSpPr>
-        <p:cNvPr id="1" name=""/>
-        <p:cNvGrpSpPr/>
-        <p:nvPr/>
-      </p:nvGrpSpPr>
-      <p:grpSpPr>
-        <a:xfrm>
-          <a:off x="0" y="0"/>
-          <a:ext cx="0" cy="0"/>
-          <a:chOff x="0" y="0"/>
-          <a:chExt cx="0" cy="0"/>
-        </a:xfrm>
-      </p:grpSpPr>
-      <p:sp>
-        <p:nvSpPr>
-          <p:cNvPr id="2" name="Title 1"/>
-          <p:cNvSpPr>
-            <a:spLocks noGrp="1"/>
-          </p:cNvSpPr>
-          <p:nvPr>
-            <p:ph type="title"/>
-          </p:nvPr>
-        </p:nvSpPr>
-        <p:spPr/>
-        <p:txBody>
-          <a:bodyPr/>
-          <a:lstStyle/>
-          <a:p>
-            <a:r>
-              <a:rPr lang="en-US" sz="1800" dirty="0"/>
-              <a:t>Distributions of TPR on Predictive Biomarkers Across All Simulations</a:t>
-            </a:r>
-          </a:p>
-        </p:txBody>
-      </p:sp>
-      <p:sp>
-        <p:nvSpPr>
-          <p:cNvPr id="3" name="Text Placeholder 2"/>
-          <p:cNvSpPr>
-            <a:spLocks noGrp="1"/>
-          </p:cNvSpPr>
-          <p:nvPr>
-            <p:ph type="body" idx="1"/>
-          </p:nvPr>
-        </p:nvSpPr>
-        <p:spPr/>
-        <p:txBody>
-          <a:bodyPr>
-            <a:normAutofit lnSpcReduction="10000"/>
-          </a:bodyPr>
-          <a:lstStyle/>
-          <a:p>
-            <a:r>
-              <a:rPr lang="en-US" dirty="0"/>
-              <a:t>SNR=10</a:t>
-            </a:r>
-          </a:p>
-        </p:txBody>
-      </p:sp>
-      <p:pic>
-        <p:nvPicPr>
-          <p:cNvPr id="9" name="Content Placeholder 8"/>
-          <p:cNvPicPr>
-            <a:picLocks noGrp="1" noChangeAspect="1"/>
-          </p:cNvPicPr>
-          <p:nvPr>
-            <p:ph sz="half" idx="2"/>
-          </p:nvPr>
-        </p:nvPicPr>
-        <p:blipFill>
-          <a:blip r:embed="rId2" cstate="print">
-            <a:extLst>
-              <a:ext uri="{28A0092B-C50C-407E-A947-70E740481C1C}">
-                <a14:useLocalDpi xmlns:a14="http://schemas.microsoft.com/office/drawing/2010/main" val="0"/>
-              </a:ext>
-            </a:extLst>
-          </a:blip>
-          <a:stretch>
-            <a:fillRect/>
-          </a:stretch>
-        </p:blipFill>
-        <p:spPr>
-          <a:xfrm>
-            <a:off x="729926" y="1403350"/>
-            <a:ext cx="3442349" cy="2963863"/>
-          </a:xfrm>
-        </p:spPr>
-      </p:pic>
-      <p:sp>
-        <p:nvSpPr>
-          <p:cNvPr id="5" name="Text Placeholder 4"/>
-          <p:cNvSpPr>
-            <a:spLocks noGrp="1"/>
-          </p:cNvSpPr>
-          <p:nvPr>
-            <p:ph type="body" sz="quarter" idx="3"/>
-          </p:nvPr>
-        </p:nvSpPr>
-        <p:spPr/>
-        <p:txBody>
-          <a:bodyPr>
-            <a:normAutofit lnSpcReduction="10000"/>
-          </a:bodyPr>
-          <a:lstStyle/>
-          <a:p>
-            <a:r>
-              <a:rPr lang="en-US" dirty="0"/>
-              <a:t>SNR=20</a:t>
-            </a:r>
-          </a:p>
-        </p:txBody>
-      </p:sp>
-      <p:pic>
-        <p:nvPicPr>
-          <p:cNvPr id="10" name="Content Placeholder 9"/>
-          <p:cNvPicPr>
-            <a:picLocks noGrp="1" noChangeAspect="1"/>
-          </p:cNvPicPr>
-          <p:nvPr>
-            <p:ph sz="quarter" idx="4"/>
-          </p:nvPr>
-        </p:nvPicPr>
-        <p:blipFill>
-          <a:blip r:embed="rId3">
-            <a:extLst>
-              <a:ext uri="{28A0092B-C50C-407E-A947-70E740481C1C}">
-                <a14:useLocalDpi xmlns:a14="http://schemas.microsoft.com/office/drawing/2010/main" val="0"/>
-              </a:ext>
-            </a:extLst>
-          </a:blip>
-          <a:stretch>
-            <a:fillRect/>
-          </a:stretch>
-        </p:blipFill>
-        <p:spPr>
-          <a:xfrm>
-            <a:off x="4945983" y="1403350"/>
-            <a:ext cx="3439858" cy="2963863"/>
-          </a:xfrm>
-        </p:spPr>
-      </p:pic>
-      <p:sp>
-        <p:nvSpPr>
-          <p:cNvPr id="7" name="Footer Placeholder 6"/>
-          <p:cNvSpPr>
-            <a:spLocks noGrp="1"/>
-          </p:cNvSpPr>
-          <p:nvPr>
-            <p:ph type="ftr" sz="quarter" idx="11"/>
-          </p:nvPr>
-        </p:nvSpPr>
-        <p:spPr/>
-        <p:txBody>
-          <a:bodyPr/>
-          <a:lstStyle/>
-          <a:p>
-            <a:r>
-              <a:rPr lang="ja-JP" altLang="en-US" dirty="0"/>
-              <a:t>｜</a:t>
-            </a:r>
-            <a:r>
-              <a:rPr lang="en-US" altLang="ja-JP" dirty="0"/>
-              <a:t>0000</a:t>
-            </a:r>
-            <a:r>
-              <a:rPr lang="ja-JP" altLang="en-US" dirty="0"/>
-              <a:t>　</a:t>
-            </a:r>
-            <a:r>
-              <a:rPr lang="en-US" altLang="ja-JP" dirty="0"/>
-              <a:t>|</a:t>
-            </a:r>
-            <a:r>
-              <a:rPr lang="ja-JP" altLang="en-US" dirty="0"/>
-              <a:t>　　</a:t>
-            </a:r>
-            <a:r>
-              <a:rPr lang="en-US" altLang="ja-JP" dirty="0"/>
-              <a:t> Aug 24</a:t>
-            </a:r>
-            <a:r>
-              <a:rPr lang="en-US" altLang="ja-JP" baseline="30000" dirty="0"/>
-              <a:t>th</a:t>
-            </a:r>
-            <a:r>
-              <a:rPr lang="en-US" altLang="ja-JP" dirty="0"/>
-              <a:t> 2018</a:t>
-            </a:r>
-            <a:endParaRPr lang="ja-JP" altLang="en-US" dirty="0"/>
-          </a:p>
-        </p:txBody>
-      </p:sp>
-      <p:sp>
-        <p:nvSpPr>
-          <p:cNvPr id="8" name="Slide Number Placeholder 7"/>
-          <p:cNvSpPr>
-            <a:spLocks noGrp="1"/>
-          </p:cNvSpPr>
-          <p:nvPr>
-            <p:ph type="sldNum" sz="quarter" idx="12"/>
-          </p:nvPr>
-        </p:nvSpPr>
-        <p:spPr/>
-        <p:txBody>
-          <a:bodyPr/>
-          <a:lstStyle/>
-          <a:p>
-            <a:fld id="{E9B57936-92EF-4126-AE48-1D9D36D15E98}" type="slidenum">
-              <a:rPr kumimoji="1" lang="ja-JP" altLang="en-US" smtClean="0"/>
-              <a:pPr/>
-              <a:t>41</a:t>
-            </a:fld>
-            <a:endParaRPr kumimoji="1" lang="ja-JP" altLang="en-US" dirty="0"/>
-          </a:p>
-        </p:txBody>
-      </p:sp>
-    </p:spTree>
-    <p:extLst>
-      <p:ext uri="{BB962C8B-B14F-4D97-AF65-F5344CB8AC3E}">
-        <p14:creationId xmlns:p14="http://schemas.microsoft.com/office/powerpoint/2010/main" val="486827315"/>
-      </p:ext>
-    </p:extLst>
-  </p:cSld>
-  <p:clrMapOvr>
-    <a:masterClrMapping/>
-  </p:clrMapOvr>
-</p:sld>
-</file>
-
-<file path=ppt/slides/slide43.xml><?xml version="1.0" encoding="utf-8"?>
-<p:sld xmlns:a="http://schemas.openxmlformats.org/drawingml/2006/main" xmlns:r="http://schemas.openxmlformats.org/officeDocument/2006/relationships" xmlns:p="http://schemas.openxmlformats.org/presentationml/2006/main">
-  <p:cSld>
-    <p:spTree>
-      <p:nvGrpSpPr>
-        <p:cNvPr id="1" name=""/>
-        <p:cNvGrpSpPr/>
-        <p:nvPr/>
-      </p:nvGrpSpPr>
-      <p:grpSpPr>
-        <a:xfrm>
-          <a:off x="0" y="0"/>
-          <a:ext cx="0" cy="0"/>
-          <a:chOff x="0" y="0"/>
-          <a:chExt cx="0" cy="0"/>
-        </a:xfrm>
-      </p:grpSpPr>
-      <p:sp>
-        <p:nvSpPr>
-          <p:cNvPr id="2" name="Title 1"/>
-          <p:cNvSpPr>
-            <a:spLocks noGrp="1"/>
-          </p:cNvSpPr>
-          <p:nvPr>
-            <p:ph type="title"/>
-          </p:nvPr>
-        </p:nvSpPr>
-        <p:spPr/>
-        <p:txBody>
-          <a:bodyPr/>
-          <a:lstStyle/>
-          <a:p>
-            <a:r>
-              <a:rPr lang="en-US" sz="1800" dirty="0"/>
-              <a:t>Distributions of TPR on Predictive Biomarkers Across All Simulations</a:t>
-            </a:r>
-          </a:p>
-        </p:txBody>
-      </p:sp>
-      <p:sp>
-        <p:nvSpPr>
-          <p:cNvPr id="3" name="Text Placeholder 2"/>
-          <p:cNvSpPr>
-            <a:spLocks noGrp="1"/>
-          </p:cNvSpPr>
-          <p:nvPr>
-            <p:ph type="body" idx="1"/>
-          </p:nvPr>
-        </p:nvSpPr>
-        <p:spPr/>
-        <p:txBody>
-          <a:bodyPr>
-            <a:normAutofit lnSpcReduction="10000"/>
-          </a:bodyPr>
-          <a:lstStyle/>
-          <a:p>
-            <a:r>
-              <a:rPr lang="en-US" dirty="0"/>
-              <a:t>SNR=100</a:t>
-            </a:r>
-          </a:p>
-        </p:txBody>
-      </p:sp>
-      <p:pic>
-        <p:nvPicPr>
-          <p:cNvPr id="9" name="Content Placeholder 8"/>
-          <p:cNvPicPr>
-            <a:picLocks noGrp="1" noChangeAspect="1"/>
-          </p:cNvPicPr>
-          <p:nvPr>
-            <p:ph sz="half" idx="2"/>
-          </p:nvPr>
-        </p:nvPicPr>
-        <p:blipFill>
-          <a:blip r:embed="rId2">
-            <a:extLst>
-              <a:ext uri="{28A0092B-C50C-407E-A947-70E740481C1C}">
-                <a14:useLocalDpi xmlns:a14="http://schemas.microsoft.com/office/drawing/2010/main" val="0"/>
-              </a:ext>
-            </a:extLst>
-          </a:blip>
-          <a:stretch>
-            <a:fillRect/>
-          </a:stretch>
-        </p:blipFill>
-        <p:spPr>
-          <a:xfrm>
-            <a:off x="731171" y="1403350"/>
-            <a:ext cx="3439858" cy="2963863"/>
-          </a:xfrm>
-        </p:spPr>
-      </p:pic>
-      <p:sp>
-        <p:nvSpPr>
-          <p:cNvPr id="5" name="Text Placeholder 4"/>
-          <p:cNvSpPr>
-            <a:spLocks noGrp="1"/>
-          </p:cNvSpPr>
-          <p:nvPr>
-            <p:ph type="body" sz="quarter" idx="3"/>
-          </p:nvPr>
-        </p:nvSpPr>
-        <p:spPr/>
-        <p:txBody>
-          <a:bodyPr>
-            <a:normAutofit lnSpcReduction="10000"/>
-          </a:bodyPr>
-          <a:lstStyle/>
-          <a:p>
-            <a:endParaRPr lang="en-US" dirty="0"/>
-          </a:p>
-        </p:txBody>
-      </p:sp>
-      <p:sp>
-        <p:nvSpPr>
-          <p:cNvPr id="6" name="Content Placeholder 5"/>
-          <p:cNvSpPr>
-            <a:spLocks noGrp="1"/>
-          </p:cNvSpPr>
-          <p:nvPr>
-            <p:ph sz="quarter" idx="4"/>
-          </p:nvPr>
-        </p:nvSpPr>
-        <p:spPr/>
-        <p:txBody>
-          <a:bodyPr/>
-          <a:lstStyle/>
-          <a:p>
-            <a:endParaRPr lang="en-US"/>
-          </a:p>
-        </p:txBody>
-      </p:sp>
-      <p:sp>
-        <p:nvSpPr>
-          <p:cNvPr id="7" name="Footer Placeholder 6"/>
-          <p:cNvSpPr>
-            <a:spLocks noGrp="1"/>
-          </p:cNvSpPr>
-          <p:nvPr>
-            <p:ph type="ftr" sz="quarter" idx="11"/>
-          </p:nvPr>
-        </p:nvSpPr>
-        <p:spPr/>
-        <p:txBody>
-          <a:bodyPr/>
-          <a:lstStyle/>
-          <a:p>
-            <a:r>
-              <a:rPr lang="ja-JP" altLang="en-US" dirty="0"/>
-              <a:t>｜</a:t>
-            </a:r>
-            <a:r>
-              <a:rPr lang="en-US" altLang="ja-JP" dirty="0"/>
-              <a:t>0000</a:t>
-            </a:r>
-            <a:r>
-              <a:rPr lang="ja-JP" altLang="en-US" dirty="0"/>
-              <a:t>　</a:t>
-            </a:r>
-            <a:r>
-              <a:rPr lang="en-US" altLang="ja-JP" dirty="0"/>
-              <a:t>|</a:t>
-            </a:r>
-            <a:r>
-              <a:rPr lang="ja-JP" altLang="en-US" dirty="0"/>
-              <a:t>　　</a:t>
-            </a:r>
-            <a:r>
-              <a:rPr lang="en-US" altLang="ja-JP" dirty="0"/>
-              <a:t> Aug 24</a:t>
-            </a:r>
-            <a:r>
-              <a:rPr lang="en-US" altLang="ja-JP" baseline="30000" dirty="0"/>
-              <a:t>th</a:t>
-            </a:r>
-            <a:r>
-              <a:rPr lang="en-US" altLang="ja-JP" dirty="0"/>
-              <a:t> 2018</a:t>
-            </a:r>
-            <a:endParaRPr lang="ja-JP" altLang="en-US" dirty="0"/>
-          </a:p>
-        </p:txBody>
-      </p:sp>
-      <p:sp>
-        <p:nvSpPr>
-          <p:cNvPr id="8" name="Slide Number Placeholder 7"/>
-          <p:cNvSpPr>
-            <a:spLocks noGrp="1"/>
-          </p:cNvSpPr>
-          <p:nvPr>
-            <p:ph type="sldNum" sz="quarter" idx="12"/>
-          </p:nvPr>
-        </p:nvSpPr>
-        <p:spPr/>
-        <p:txBody>
-          <a:bodyPr/>
-          <a:lstStyle/>
-          <a:p>
-            <a:fld id="{E9B57936-92EF-4126-AE48-1D9D36D15E98}" type="slidenum">
-              <a:rPr kumimoji="1" lang="ja-JP" altLang="en-US" smtClean="0"/>
-              <a:pPr/>
-              <a:t>42</a:t>
-            </a:fld>
-            <a:endParaRPr kumimoji="1" lang="ja-JP" altLang="en-US" dirty="0"/>
-          </a:p>
-        </p:txBody>
-      </p:sp>
-    </p:spTree>
-    <p:extLst>
-      <p:ext uri="{BB962C8B-B14F-4D97-AF65-F5344CB8AC3E}">
-        <p14:creationId xmlns:p14="http://schemas.microsoft.com/office/powerpoint/2010/main" val="193988135"/>
-      </p:ext>
-    </p:extLst>
-  </p:cSld>
-  <p:clrMapOvr>
-    <a:masterClrMapping/>
-  </p:clrMapOvr>
-</p:sld>
-</file>
-
-<file path=ppt/slides/slide44.xml><?xml version="1.0" encoding="utf-8"?>
 <p:sld xmlns:a="http://schemas.openxmlformats.org/drawingml/2006/main" xmlns:r="http://schemas.openxmlformats.org/officeDocument/2006/relationships" xmlns:p="http://schemas.openxmlformats.org/presentationml/2006/main">
   <p:cSld>
     <p:spTree>
@@ -31039,12 +30716,12 @@
       </p:sp>
       <p:pic>
         <p:nvPicPr>
-          <p:cNvPr id="6" name="Content Placeholder 5"/>
+          <p:cNvPr id="7" name="Content Placeholder 6"/>
           <p:cNvPicPr>
             <a:picLocks noGrp="1" noChangeAspect="1"/>
           </p:cNvPicPr>
           <p:nvPr>
-            <p:ph idx="1"/>
+            <p:ph sz="half" idx="1"/>
           </p:nvPr>
         </p:nvPicPr>
         <p:blipFill>
@@ -31061,14 +30738,43 @@
         </p:blipFill>
         <p:spPr>
           <a:xfrm>
-            <a:off x="1489869" y="927100"/>
-            <a:ext cx="6111875" cy="3667125"/>
+            <a:off x="480726" y="1200150"/>
+            <a:ext cx="3939161" cy="3394075"/>
+          </a:xfrm>
+        </p:spPr>
+      </p:pic>
+      <p:pic>
+        <p:nvPicPr>
+          <p:cNvPr id="8" name="Content Placeholder 7"/>
+          <p:cNvPicPr>
+            <a:picLocks noGrp="1" noChangeAspect="1"/>
+          </p:cNvPicPr>
+          <p:nvPr>
+            <p:ph sz="half" idx="2"/>
+          </p:nvPr>
+        </p:nvPicPr>
+        <p:blipFill>
+          <a:blip r:embed="rId3">
+            <a:extLst>
+              <a:ext uri="{28A0092B-C50C-407E-A947-70E740481C1C}">
+                <a14:useLocalDpi xmlns:a14="http://schemas.microsoft.com/office/drawing/2010/main" val="0"/>
+              </a:ext>
+            </a:extLst>
+          </a:blip>
+          <a:stretch>
+            <a:fillRect/>
+          </a:stretch>
+        </p:blipFill>
+        <p:spPr>
+          <a:xfrm>
+            <a:off x="4697919" y="1200150"/>
+            <a:ext cx="3939161" cy="3394075"/>
           </a:xfrm>
         </p:spPr>
       </p:pic>
       <p:sp>
         <p:nvSpPr>
-          <p:cNvPr id="4" name="Footer Placeholder 3"/>
+          <p:cNvPr id="5" name="Footer Placeholder 4"/>
           <p:cNvSpPr>
             <a:spLocks noGrp="1"/>
           </p:cNvSpPr>
@@ -31082,36 +30788,28 @@
           <a:lstStyle/>
           <a:p>
             <a:r>
-              <a:rPr lang="ja-JP" altLang="en-US" dirty="0"/>
+              <a:rPr lang="ja-JP" altLang="en-US" smtClean="0"/>
               <a:t>｜</a:t>
             </a:r>
             <a:r>
-              <a:rPr lang="en-US" altLang="ja-JP" dirty="0"/>
+              <a:rPr lang="en-US" altLang="ja-JP" smtClean="0"/>
               <a:t>0000</a:t>
             </a:r>
             <a:r>
-              <a:rPr lang="ja-JP" altLang="en-US" dirty="0"/>
+              <a:rPr lang="ja-JP" altLang="en-US" smtClean="0"/>
               <a:t>　</a:t>
             </a:r>
             <a:r>
-              <a:rPr lang="en-US" altLang="ja-JP" dirty="0"/>
+              <a:rPr lang="en-US" altLang="ja-JP" smtClean="0"/>
               <a:t>|</a:t>
             </a:r>
             <a:r>
-              <a:rPr lang="ja-JP" altLang="en-US" dirty="0"/>
+              <a:rPr lang="ja-JP" altLang="en-US" smtClean="0"/>
               <a:t>　　</a:t>
             </a:r>
             <a:r>
-              <a:rPr lang="en-US" altLang="ja-JP" dirty="0"/>
-              <a:t> Aug 24</a:t>
-            </a:r>
-            <a:r>
-              <a:rPr lang="en-US" altLang="ja-JP" baseline="30000" dirty="0"/>
-              <a:t>th</a:t>
-            </a:r>
-            <a:r>
-              <a:rPr lang="en-US" altLang="ja-JP" dirty="0"/>
-              <a:t> 2018</a:t>
+              <a:rPr lang="en-US" altLang="ja-JP" smtClean="0"/>
+              <a:t>DDMMYY</a:t>
             </a:r>
             <a:endParaRPr lang="ja-JP" altLang="en-US" dirty="0"/>
           </a:p>
@@ -31119,7 +30817,7 @@
       </p:sp>
       <p:sp>
         <p:nvSpPr>
-          <p:cNvPr id="5" name="Slide Number Placeholder 4"/>
+          <p:cNvPr id="6" name="Slide Number Placeholder 5"/>
           <p:cNvSpPr>
             <a:spLocks noGrp="1"/>
           </p:cNvSpPr>
@@ -31135,26 +30833,109 @@
             <a:fld id="{E9B57936-92EF-4126-AE48-1D9D36D15E98}" type="slidenum">
               <a:rPr kumimoji="1" lang="ja-JP" altLang="en-US" smtClean="0"/>
               <a:pPr/>
-              <a:t>43</a:t>
+              <a:t>40</a:t>
             </a:fld>
-            <a:endParaRPr kumimoji="1" lang="ja-JP" altLang="en-US" dirty="0"/>
+            <a:endParaRPr kumimoji="1" lang="ja-JP" altLang="en-US"/>
           </a:p>
         </p:txBody>
       </p:sp>
     </p:spTree>
     <p:extLst>
       <p:ext uri="{BB962C8B-B14F-4D97-AF65-F5344CB8AC3E}">
-        <p14:creationId xmlns:p14="http://schemas.microsoft.com/office/powerpoint/2010/main" val="2137718420"/>
+        <p14:creationId xmlns:p14="http://schemas.microsoft.com/office/powerpoint/2010/main" val="254336704"/>
       </p:ext>
     </p:extLst>
   </p:cSld>
   <p:clrMapOvr>
     <a:masterClrMapping/>
   </p:clrMapOvr>
+  <p:timing>
+    <p:tnLst>
+      <p:par>
+        <p:cTn id="1" dur="indefinite" restart="never" nodeType="tmRoot">
+          <p:childTnLst>
+            <p:seq concurrent="1" nextAc="seek">
+              <p:cTn id="2" dur="indefinite" nodeType="mainSeq">
+                <p:childTnLst>
+                  <p:par>
+                    <p:cTn id="3" fill="hold">
+                      <p:stCondLst>
+                        <p:cond delay="indefinite"/>
+                      </p:stCondLst>
+                      <p:childTnLst>
+                        <p:par>
+                          <p:cTn id="4" fill="hold">
+                            <p:stCondLst>
+                              <p:cond delay="0"/>
+                            </p:stCondLst>
+                            <p:childTnLst>
+                              <p:par>
+                                <p:cTn id="5" presetID="10" presetClass="entr" presetSubtype="0" fill="hold" nodeType="clickEffect">
+                                  <p:stCondLst>
+                                    <p:cond delay="0"/>
+                                  </p:stCondLst>
+                                  <p:childTnLst>
+                                    <p:set>
+                                      <p:cBhvr>
+                                        <p:cTn id="6" dur="1" fill="hold">
+                                          <p:stCondLst>
+                                            <p:cond delay="0"/>
+                                          </p:stCondLst>
+                                        </p:cTn>
+                                        <p:tgtEl>
+                                          <p:spTgt spid="8"/>
+                                        </p:tgtEl>
+                                        <p:attrNameLst>
+                                          <p:attrName>style.visibility</p:attrName>
+                                        </p:attrNameLst>
+                                      </p:cBhvr>
+                                      <p:to>
+                                        <p:strVal val="visible"/>
+                                      </p:to>
+                                    </p:set>
+                                    <p:animEffect transition="in" filter="fade">
+                                      <p:cBhvr>
+                                        <p:cTn id="7" dur="500"/>
+                                        <p:tgtEl>
+                                          <p:spTgt spid="8"/>
+                                        </p:tgtEl>
+                                      </p:cBhvr>
+                                    </p:animEffect>
+                                  </p:childTnLst>
+                                </p:cTn>
+                              </p:par>
+                            </p:childTnLst>
+                          </p:cTn>
+                        </p:par>
+                      </p:childTnLst>
+                    </p:cTn>
+                  </p:par>
+                </p:childTnLst>
+              </p:cTn>
+              <p:prevCondLst>
+                <p:cond evt="onPrev" delay="0">
+                  <p:tgtEl>
+                    <p:sldTgt/>
+                  </p:tgtEl>
+                </p:cond>
+              </p:prevCondLst>
+              <p:nextCondLst>
+                <p:cond evt="onNext" delay="0">
+                  <p:tgtEl>
+                    <p:sldTgt/>
+                  </p:tgtEl>
+                </p:cond>
+              </p:nextCondLst>
+            </p:seq>
+          </p:childTnLst>
+        </p:cTn>
+      </p:par>
+    </p:tnLst>
+  </p:timing>
 </p:sld>
 </file>
 
-<file path=ppt/slides/slide45.xml><?xml version="1.0" encoding="utf-8"?>
+<file path=ppt/slides/slide42.xml><?xml version="1.0" encoding="utf-8"?>
 <p:sld xmlns:a="http://schemas.openxmlformats.org/drawingml/2006/main" xmlns:r="http://schemas.openxmlformats.org/officeDocument/2006/relationships" xmlns:p="http://schemas.openxmlformats.org/presentationml/2006/main">
   <p:cSld>
     <p:spTree>
@@ -31192,12 +30973,12 @@
       </p:sp>
       <p:pic>
         <p:nvPicPr>
-          <p:cNvPr id="6" name="Content Placeholder 5"/>
+          <p:cNvPr id="7" name="Content Placeholder 6"/>
           <p:cNvPicPr>
             <a:picLocks noGrp="1" noChangeAspect="1"/>
           </p:cNvPicPr>
           <p:nvPr>
-            <p:ph idx="1"/>
+            <p:ph sz="half" idx="1"/>
           </p:nvPr>
         </p:nvPicPr>
         <p:blipFill>
@@ -31214,14 +30995,78 @@
         </p:blipFill>
         <p:spPr>
           <a:xfrm>
-            <a:off x="1489869" y="927100"/>
-            <a:ext cx="6111875" cy="3667125"/>
+            <a:off x="480726" y="1200150"/>
+            <a:ext cx="3939161" cy="3394075"/>
           </a:xfrm>
         </p:spPr>
       </p:pic>
       <p:sp>
         <p:nvSpPr>
-          <p:cNvPr id="4" name="Footer Placeholder 3"/>
+          <p:cNvPr id="4" name="Content Placeholder 3"/>
+          <p:cNvSpPr>
+            <a:spLocks noGrp="1"/>
+          </p:cNvSpPr>
+          <p:nvPr>
+            <p:ph sz="half" idx="2"/>
+          </p:nvPr>
+        </p:nvSpPr>
+        <p:spPr/>
+        <p:txBody>
+          <a:bodyPr>
+            <a:normAutofit fontScale="77500" lnSpcReduction="20000"/>
+          </a:bodyPr>
+          <a:lstStyle/>
+          <a:p>
+            <a:r>
+              <a:rPr lang="en-US" dirty="0"/>
+              <a:t>Group Lasso has the highest precision.</a:t>
+            </a:r>
+          </a:p>
+          <a:p>
+            <a:r>
+              <a:rPr lang="en-US" dirty="0" smtClean="0"/>
+              <a:t>Precision increases </a:t>
+            </a:r>
+            <a:r>
+              <a:rPr lang="en-US" dirty="0"/>
+              <a:t>as </a:t>
+            </a:r>
+            <a:r>
+              <a:rPr lang="en-US" dirty="0" smtClean="0"/>
+              <a:t>signal being stronger.</a:t>
+            </a:r>
+          </a:p>
+          <a:p>
+            <a:r>
+              <a:rPr lang="en-US" dirty="0"/>
+              <a:t>Group Lasso has an relative low FNR</a:t>
+            </a:r>
+            <a:r>
+              <a:rPr lang="en-US" dirty="0" smtClean="0"/>
+              <a:t>.</a:t>
+            </a:r>
+            <a:endParaRPr lang="en-US" dirty="0"/>
+          </a:p>
+          <a:p>
+            <a:r>
+              <a:rPr lang="en-US" dirty="0"/>
+              <a:t>Group Lasso underestimated model size for predictive biomarkers.</a:t>
+            </a:r>
+          </a:p>
+          <a:p>
+            <a:r>
+              <a:rPr lang="en-US" dirty="0"/>
+              <a:t>Currently developing new stop criterion to reduce FNR.</a:t>
+            </a:r>
+          </a:p>
+          <a:p>
+            <a:endParaRPr lang="en-US" dirty="0"/>
+          </a:p>
+        </p:txBody>
+      </p:sp>
+      <p:sp>
+        <p:nvSpPr>
+          <p:cNvPr id="5" name="Footer Placeholder 4"/>
           <p:cNvSpPr>
             <a:spLocks noGrp="1"/>
           </p:cNvSpPr>
@@ -31235,36 +31080,28 @@
           <a:lstStyle/>
           <a:p>
             <a:r>
-              <a:rPr lang="ja-JP" altLang="en-US" dirty="0"/>
+              <a:rPr lang="ja-JP" altLang="en-US" smtClean="0"/>
               <a:t>｜</a:t>
             </a:r>
             <a:r>
-              <a:rPr lang="en-US" altLang="ja-JP" dirty="0"/>
+              <a:rPr lang="en-US" altLang="ja-JP" smtClean="0"/>
               <a:t>0000</a:t>
             </a:r>
             <a:r>
-              <a:rPr lang="ja-JP" altLang="en-US" dirty="0"/>
+              <a:rPr lang="ja-JP" altLang="en-US" smtClean="0"/>
               <a:t>　</a:t>
             </a:r>
             <a:r>
-              <a:rPr lang="en-US" altLang="ja-JP" dirty="0"/>
+              <a:rPr lang="en-US" altLang="ja-JP" smtClean="0"/>
               <a:t>|</a:t>
             </a:r>
             <a:r>
-              <a:rPr lang="ja-JP" altLang="en-US" dirty="0"/>
+              <a:rPr lang="ja-JP" altLang="en-US" smtClean="0"/>
               <a:t>　　</a:t>
             </a:r>
             <a:r>
-              <a:rPr lang="en-US" altLang="ja-JP" dirty="0"/>
-              <a:t> Aug 24</a:t>
-            </a:r>
-            <a:r>
-              <a:rPr lang="en-US" altLang="ja-JP" baseline="30000" dirty="0"/>
-              <a:t>th</a:t>
-            </a:r>
-            <a:r>
-              <a:rPr lang="en-US" altLang="ja-JP" dirty="0"/>
-              <a:t> 2018</a:t>
+              <a:rPr lang="en-US" altLang="ja-JP" smtClean="0"/>
+              <a:t>DDMMYY</a:t>
             </a:r>
             <a:endParaRPr lang="ja-JP" altLang="en-US" dirty="0"/>
           </a:p>
@@ -31272,7 +31109,7 @@
       </p:sp>
       <p:sp>
         <p:nvSpPr>
-          <p:cNvPr id="5" name="Slide Number Placeholder 4"/>
+          <p:cNvPr id="6" name="Slide Number Placeholder 5"/>
           <p:cNvSpPr>
             <a:spLocks noGrp="1"/>
           </p:cNvSpPr>
@@ -31288,26 +31125,364 @@
             <a:fld id="{E9B57936-92EF-4126-AE48-1D9D36D15E98}" type="slidenum">
               <a:rPr kumimoji="1" lang="ja-JP" altLang="en-US" smtClean="0"/>
               <a:pPr/>
-              <a:t>44</a:t>
+              <a:t>41</a:t>
             </a:fld>
-            <a:endParaRPr kumimoji="1" lang="ja-JP" altLang="en-US" dirty="0"/>
+            <a:endParaRPr kumimoji="1" lang="ja-JP" altLang="en-US"/>
           </a:p>
         </p:txBody>
       </p:sp>
     </p:spTree>
     <p:extLst>
       <p:ext uri="{BB962C8B-B14F-4D97-AF65-F5344CB8AC3E}">
-        <p14:creationId xmlns:p14="http://schemas.microsoft.com/office/powerpoint/2010/main" val="1232070630"/>
+        <p14:creationId xmlns:p14="http://schemas.microsoft.com/office/powerpoint/2010/main" val="1144526598"/>
       </p:ext>
     </p:extLst>
   </p:cSld>
   <p:clrMapOvr>
     <a:masterClrMapping/>
   </p:clrMapOvr>
+  <p:timing>
+    <p:tnLst>
+      <p:par>
+        <p:cTn id="1" dur="indefinite" restart="never" nodeType="tmRoot">
+          <p:childTnLst>
+            <p:seq concurrent="1" nextAc="seek">
+              <p:cTn id="2" dur="indefinite" nodeType="mainSeq">
+                <p:childTnLst>
+                  <p:par>
+                    <p:cTn id="3" fill="hold">
+                      <p:stCondLst>
+                        <p:cond delay="indefinite"/>
+                      </p:stCondLst>
+                      <p:childTnLst>
+                        <p:par>
+                          <p:cTn id="4" fill="hold">
+                            <p:stCondLst>
+                              <p:cond delay="0"/>
+                            </p:stCondLst>
+                            <p:childTnLst>
+                              <p:par>
+                                <p:cTn id="5" presetID="10" presetClass="entr" presetSubtype="0" fill="hold" grpId="0" nodeType="clickEffect">
+                                  <p:stCondLst>
+                                    <p:cond delay="0"/>
+                                  </p:stCondLst>
+                                  <p:childTnLst>
+                                    <p:set>
+                                      <p:cBhvr>
+                                        <p:cTn id="6" dur="1" fill="hold">
+                                          <p:stCondLst>
+                                            <p:cond delay="0"/>
+                                          </p:stCondLst>
+                                        </p:cTn>
+                                        <p:tgtEl>
+                                          <p:spTgt spid="4">
+                                            <p:txEl>
+                                              <p:pRg st="0" end="0"/>
+                                            </p:txEl>
+                                          </p:spTgt>
+                                        </p:tgtEl>
+                                        <p:attrNameLst>
+                                          <p:attrName>style.visibility</p:attrName>
+                                        </p:attrNameLst>
+                                      </p:cBhvr>
+                                      <p:to>
+                                        <p:strVal val="visible"/>
+                                      </p:to>
+                                    </p:set>
+                                    <p:animEffect transition="in" filter="fade">
+                                      <p:cBhvr>
+                                        <p:cTn id="7" dur="500"/>
+                                        <p:tgtEl>
+                                          <p:spTgt spid="4">
+                                            <p:txEl>
+                                              <p:pRg st="0" end="0"/>
+                                            </p:txEl>
+                                          </p:spTgt>
+                                        </p:tgtEl>
+                                      </p:cBhvr>
+                                    </p:animEffect>
+                                  </p:childTnLst>
+                                </p:cTn>
+                              </p:par>
+                            </p:childTnLst>
+                          </p:cTn>
+                        </p:par>
+                      </p:childTnLst>
+                    </p:cTn>
+                  </p:par>
+                  <p:par>
+                    <p:cTn id="8" fill="hold">
+                      <p:stCondLst>
+                        <p:cond delay="indefinite"/>
+                      </p:stCondLst>
+                      <p:childTnLst>
+                        <p:par>
+                          <p:cTn id="9" fill="hold">
+                            <p:stCondLst>
+                              <p:cond delay="0"/>
+                            </p:stCondLst>
+                            <p:childTnLst>
+                              <p:par>
+                                <p:cTn id="10" presetID="10" presetClass="entr" presetSubtype="0" fill="hold" grpId="0" nodeType="clickEffect">
+                                  <p:stCondLst>
+                                    <p:cond delay="0"/>
+                                  </p:stCondLst>
+                                  <p:childTnLst>
+                                    <p:set>
+                                      <p:cBhvr>
+                                        <p:cTn id="11" dur="1" fill="hold">
+                                          <p:stCondLst>
+                                            <p:cond delay="0"/>
+                                          </p:stCondLst>
+                                        </p:cTn>
+                                        <p:tgtEl>
+                                          <p:spTgt spid="4">
+                                            <p:txEl>
+                                              <p:pRg st="1" end="1"/>
+                                            </p:txEl>
+                                          </p:spTgt>
+                                        </p:tgtEl>
+                                        <p:attrNameLst>
+                                          <p:attrName>style.visibility</p:attrName>
+                                        </p:attrNameLst>
+                                      </p:cBhvr>
+                                      <p:to>
+                                        <p:strVal val="visible"/>
+                                      </p:to>
+                                    </p:set>
+                                    <p:animEffect transition="in" filter="fade">
+                                      <p:cBhvr>
+                                        <p:cTn id="12" dur="500"/>
+                                        <p:tgtEl>
+                                          <p:spTgt spid="4">
+                                            <p:txEl>
+                                              <p:pRg st="1" end="1"/>
+                                            </p:txEl>
+                                          </p:spTgt>
+                                        </p:tgtEl>
+                                      </p:cBhvr>
+                                    </p:animEffect>
+                                  </p:childTnLst>
+                                </p:cTn>
+                              </p:par>
+                            </p:childTnLst>
+                          </p:cTn>
+                        </p:par>
+                      </p:childTnLst>
+                    </p:cTn>
+                  </p:par>
+                  <p:par>
+                    <p:cTn id="13" fill="hold">
+                      <p:stCondLst>
+                        <p:cond delay="indefinite"/>
+                      </p:stCondLst>
+                      <p:childTnLst>
+                        <p:par>
+                          <p:cTn id="14" fill="hold">
+                            <p:stCondLst>
+                              <p:cond delay="0"/>
+                            </p:stCondLst>
+                            <p:childTnLst>
+                              <p:par>
+                                <p:cTn id="15" presetID="10" presetClass="entr" presetSubtype="0" fill="hold" grpId="0" nodeType="clickEffect">
+                                  <p:stCondLst>
+                                    <p:cond delay="0"/>
+                                  </p:stCondLst>
+                                  <p:childTnLst>
+                                    <p:set>
+                                      <p:cBhvr>
+                                        <p:cTn id="16" dur="1" fill="hold">
+                                          <p:stCondLst>
+                                            <p:cond delay="0"/>
+                                          </p:stCondLst>
+                                        </p:cTn>
+                                        <p:tgtEl>
+                                          <p:spTgt spid="4">
+                                            <p:txEl>
+                                              <p:pRg st="2" end="2"/>
+                                            </p:txEl>
+                                          </p:spTgt>
+                                        </p:tgtEl>
+                                        <p:attrNameLst>
+                                          <p:attrName>style.visibility</p:attrName>
+                                        </p:attrNameLst>
+                                      </p:cBhvr>
+                                      <p:to>
+                                        <p:strVal val="visible"/>
+                                      </p:to>
+                                    </p:set>
+                                    <p:animEffect transition="in" filter="fade">
+                                      <p:cBhvr>
+                                        <p:cTn id="17" dur="500"/>
+                                        <p:tgtEl>
+                                          <p:spTgt spid="4">
+                                            <p:txEl>
+                                              <p:pRg st="2" end="2"/>
+                                            </p:txEl>
+                                          </p:spTgt>
+                                        </p:tgtEl>
+                                      </p:cBhvr>
+                                    </p:animEffect>
+                                  </p:childTnLst>
+                                </p:cTn>
+                              </p:par>
+                            </p:childTnLst>
+                          </p:cTn>
+                        </p:par>
+                      </p:childTnLst>
+                    </p:cTn>
+                  </p:par>
+                  <p:par>
+                    <p:cTn id="18" fill="hold">
+                      <p:stCondLst>
+                        <p:cond delay="indefinite"/>
+                      </p:stCondLst>
+                      <p:childTnLst>
+                        <p:par>
+                          <p:cTn id="19" fill="hold">
+                            <p:stCondLst>
+                              <p:cond delay="0"/>
+                            </p:stCondLst>
+                            <p:childTnLst>
+                              <p:par>
+                                <p:cTn id="20" presetID="10" presetClass="entr" presetSubtype="0" fill="hold" grpId="0" nodeType="clickEffect">
+                                  <p:stCondLst>
+                                    <p:cond delay="0"/>
+                                  </p:stCondLst>
+                                  <p:childTnLst>
+                                    <p:set>
+                                      <p:cBhvr>
+                                        <p:cTn id="21" dur="1" fill="hold">
+                                          <p:stCondLst>
+                                            <p:cond delay="0"/>
+                                          </p:stCondLst>
+                                        </p:cTn>
+                                        <p:tgtEl>
+                                          <p:spTgt spid="4">
+                                            <p:txEl>
+                                              <p:pRg st="3" end="3"/>
+                                            </p:txEl>
+                                          </p:spTgt>
+                                        </p:tgtEl>
+                                        <p:attrNameLst>
+                                          <p:attrName>style.visibility</p:attrName>
+                                        </p:attrNameLst>
+                                      </p:cBhvr>
+                                      <p:to>
+                                        <p:strVal val="visible"/>
+                                      </p:to>
+                                    </p:set>
+                                    <p:animEffect transition="in" filter="fade">
+                                      <p:cBhvr>
+                                        <p:cTn id="22" dur="500"/>
+                                        <p:tgtEl>
+                                          <p:spTgt spid="4">
+                                            <p:txEl>
+                                              <p:pRg st="3" end="3"/>
+                                            </p:txEl>
+                                          </p:spTgt>
+                                        </p:tgtEl>
+                                      </p:cBhvr>
+                                    </p:animEffect>
+                                  </p:childTnLst>
+                                </p:cTn>
+                              </p:par>
+                            </p:childTnLst>
+                          </p:cTn>
+                        </p:par>
+                      </p:childTnLst>
+                    </p:cTn>
+                  </p:par>
+                  <p:par>
+                    <p:cTn id="23" fill="hold">
+                      <p:stCondLst>
+                        <p:cond delay="indefinite"/>
+                      </p:stCondLst>
+                      <p:childTnLst>
+                        <p:par>
+                          <p:cTn id="24" fill="hold">
+                            <p:stCondLst>
+                              <p:cond delay="0"/>
+                            </p:stCondLst>
+                            <p:childTnLst>
+                              <p:par>
+                                <p:cTn id="25" presetID="10" presetClass="entr" presetSubtype="0" fill="hold" grpId="0" nodeType="clickEffect">
+                                  <p:stCondLst>
+                                    <p:cond delay="0"/>
+                                  </p:stCondLst>
+                                  <p:childTnLst>
+                                    <p:set>
+                                      <p:cBhvr>
+                                        <p:cTn id="26" dur="1" fill="hold">
+                                          <p:stCondLst>
+                                            <p:cond delay="0"/>
+                                          </p:stCondLst>
+                                        </p:cTn>
+                                        <p:tgtEl>
+                                          <p:spTgt spid="4">
+                                            <p:txEl>
+                                              <p:pRg st="4" end="4"/>
+                                            </p:txEl>
+                                          </p:spTgt>
+                                        </p:tgtEl>
+                                        <p:attrNameLst>
+                                          <p:attrName>style.visibility</p:attrName>
+                                        </p:attrNameLst>
+                                      </p:cBhvr>
+                                      <p:to>
+                                        <p:strVal val="visible"/>
+                                      </p:to>
+                                    </p:set>
+                                    <p:animEffect transition="in" filter="fade">
+                                      <p:cBhvr>
+                                        <p:cTn id="27" dur="500"/>
+                                        <p:tgtEl>
+                                          <p:spTgt spid="4">
+                                            <p:txEl>
+                                              <p:pRg st="4" end="4"/>
+                                            </p:txEl>
+                                          </p:spTgt>
+                                        </p:tgtEl>
+                                      </p:cBhvr>
+                                    </p:animEffect>
+                                  </p:childTnLst>
+                                </p:cTn>
+                              </p:par>
+                            </p:childTnLst>
+                          </p:cTn>
+                        </p:par>
+                      </p:childTnLst>
+                    </p:cTn>
+                  </p:par>
+                </p:childTnLst>
+              </p:cTn>
+              <p:prevCondLst>
+                <p:cond evt="onPrev" delay="0">
+                  <p:tgtEl>
+                    <p:sldTgt/>
+                  </p:tgtEl>
+                </p:cond>
+              </p:prevCondLst>
+              <p:nextCondLst>
+                <p:cond evt="onNext" delay="0">
+                  <p:tgtEl>
+                    <p:sldTgt/>
+                  </p:tgtEl>
+                </p:cond>
+              </p:nextCondLst>
+            </p:seq>
+          </p:childTnLst>
+        </p:cTn>
+      </p:par>
+    </p:tnLst>
+    <p:bldLst>
+      <p:bldP spid="4" grpId="0" build="p"/>
+    </p:bldLst>
+  </p:timing>
 </p:sld>
 </file>
 
-<file path=ppt/slides/slide46.xml><?xml version="1.0" encoding="utf-8"?>
+<file path=ppt/slides/slide43.xml><?xml version="1.0" encoding="utf-8"?>
 <p:sld xmlns:a="http://schemas.openxmlformats.org/drawingml/2006/main" xmlns:r="http://schemas.openxmlformats.org/officeDocument/2006/relationships" xmlns:p="http://schemas.openxmlformats.org/presentationml/2006/main">
   <p:cSld>
     <p:spTree>
@@ -31329,7 +31504,7 @@
           <p:cNvPr id="2" name="Title 1">
             <a:extLst>
               <a:ext uri="{FF2B5EF4-FFF2-40B4-BE49-F238E27FC236}">
-                <a16:creationId xmlns:a16="http://schemas.microsoft.com/office/drawing/2014/main" id="{17A8BB3D-2D35-4F66-AFB4-2A9AE7681862}"/>
+                <a16:creationId xmlns:a16="http://schemas.microsoft.com/office/drawing/2014/main" xmlns="" id="{17A8BB3D-2D35-4F66-AFB4-2A9AE7681862}"/>
               </a:ext>
             </a:extLst>
           </p:cNvPr>
@@ -31368,7 +31543,7 @@
           <p:cNvPr id="3" name="Footer Placeholder 2">
             <a:extLst>
               <a:ext uri="{FF2B5EF4-FFF2-40B4-BE49-F238E27FC236}">
-                <a16:creationId xmlns:a16="http://schemas.microsoft.com/office/drawing/2014/main" id="{11862E8A-91FD-4C41-A192-DB3D27D88824}"/>
+                <a16:creationId xmlns:a16="http://schemas.microsoft.com/office/drawing/2014/main" xmlns="" id="{11862E8A-91FD-4C41-A192-DB3D27D88824}"/>
               </a:ext>
             </a:extLst>
           </p:cNvPr>
@@ -31425,7 +31600,7 @@
           <p:cNvPr id="4" name="Slide Number Placeholder 3">
             <a:extLst>
               <a:ext uri="{FF2B5EF4-FFF2-40B4-BE49-F238E27FC236}">
-                <a16:creationId xmlns:a16="http://schemas.microsoft.com/office/drawing/2014/main" id="{9DA5ED20-07EE-4130-97A2-FC2FBDDF57B9}"/>
+                <a16:creationId xmlns:a16="http://schemas.microsoft.com/office/drawing/2014/main" xmlns="" id="{9DA5ED20-07EE-4130-97A2-FC2FBDDF57B9}"/>
               </a:ext>
             </a:extLst>
           </p:cNvPr>
@@ -31444,7 +31619,7 @@
             <a:fld id="{E9B57936-92EF-4126-AE48-1D9D36D15E98}" type="slidenum">
               <a:rPr kumimoji="1" lang="ja-JP" altLang="en-US" smtClean="0"/>
               <a:pPr/>
-              <a:t>45</a:t>
+              <a:t>42</a:t>
             </a:fld>
             <a:endParaRPr kumimoji="1" lang="ja-JP" altLang="en-US"/>
           </a:p>
@@ -31455,7 +31630,7 @@
           <p:cNvPr id="5" name="Title 1">
             <a:extLst>
               <a:ext uri="{FF2B5EF4-FFF2-40B4-BE49-F238E27FC236}">
-                <a16:creationId xmlns:a16="http://schemas.microsoft.com/office/drawing/2014/main" id="{8737950D-A97B-464D-8B1B-9EFA59DA9116}"/>
+                <a16:creationId xmlns:a16="http://schemas.microsoft.com/office/drawing/2014/main" xmlns="" id="{8737950D-A97B-464D-8B1B-9EFA59DA9116}"/>
               </a:ext>
             </a:extLst>
           </p:cNvPr>
@@ -31548,10 +31723,17 @@
   <p:clrMapOvr>
     <a:masterClrMapping/>
   </p:clrMapOvr>
+  <p:timing>
+    <p:tnLst>
+      <p:par>
+        <p:cTn id="1" dur="indefinite" restart="never" nodeType="tmRoot"/>
+      </p:par>
+    </p:tnLst>
+  </p:timing>
 </p:sld>
 </file>
 
-<file path=ppt/slides/slide47.xml><?xml version="1.0" encoding="utf-8"?>
+<file path=ppt/slides/slide44.xml><?xml version="1.0" encoding="utf-8"?>
 <p:sld xmlns:a="http://schemas.openxmlformats.org/drawingml/2006/main" xmlns:r="http://schemas.openxmlformats.org/officeDocument/2006/relationships" xmlns:p="http://schemas.openxmlformats.org/presentationml/2006/main">
   <p:cSld>
     <p:spTree>
@@ -31688,7 +31870,7 @@
             <a:fld id="{E9B57936-92EF-4126-AE48-1D9D36D15E98}" type="slidenum">
               <a:rPr kumimoji="1" lang="ja-JP" altLang="en-US" smtClean="0"/>
               <a:pPr/>
-              <a:t>46</a:t>
+              <a:t>43</a:t>
             </a:fld>
             <a:endParaRPr kumimoji="1" lang="ja-JP" altLang="en-US" dirty="0"/>
           </a:p>
@@ -31745,10 +31927,17 @@
   <p:clrMapOvr>
     <a:masterClrMapping/>
   </p:clrMapOvr>
+  <p:timing>
+    <p:tnLst>
+      <p:par>
+        <p:cTn id="1" dur="indefinite" restart="never" nodeType="tmRoot"/>
+      </p:par>
+    </p:tnLst>
+  </p:timing>
 </p:sld>
 </file>
 
-<file path=ppt/slides/slide48.xml><?xml version="1.0" encoding="utf-8"?>
+<file path=ppt/slides/slide45.xml><?xml version="1.0" encoding="utf-8"?>
 <p:sld xmlns:a="http://schemas.openxmlformats.org/drawingml/2006/main" xmlns:r="http://schemas.openxmlformats.org/officeDocument/2006/relationships" xmlns:p="http://schemas.openxmlformats.org/presentationml/2006/main">
   <p:cSld>
     <p:spTree>
@@ -31770,7 +31959,7 @@
           <p:cNvPr id="2" name="Title 1">
             <a:extLst>
               <a:ext uri="{FF2B5EF4-FFF2-40B4-BE49-F238E27FC236}">
-                <a16:creationId xmlns:a16="http://schemas.microsoft.com/office/drawing/2014/main" id="{17A8BB3D-2D35-4F66-AFB4-2A9AE7681862}"/>
+                <a16:creationId xmlns:a16="http://schemas.microsoft.com/office/drawing/2014/main" xmlns="" id="{17A8BB3D-2D35-4F66-AFB4-2A9AE7681862}"/>
               </a:ext>
             </a:extLst>
           </p:cNvPr>
@@ -31808,7 +31997,7 @@
           <p:cNvPr id="3" name="Footer Placeholder 2">
             <a:extLst>
               <a:ext uri="{FF2B5EF4-FFF2-40B4-BE49-F238E27FC236}">
-                <a16:creationId xmlns:a16="http://schemas.microsoft.com/office/drawing/2014/main" id="{11862E8A-91FD-4C41-A192-DB3D27D88824}"/>
+                <a16:creationId xmlns:a16="http://schemas.microsoft.com/office/drawing/2014/main" xmlns="" id="{11862E8A-91FD-4C41-A192-DB3D27D88824}"/>
               </a:ext>
             </a:extLst>
           </p:cNvPr>
@@ -31865,7 +32054,7 @@
           <p:cNvPr id="4" name="Slide Number Placeholder 3">
             <a:extLst>
               <a:ext uri="{FF2B5EF4-FFF2-40B4-BE49-F238E27FC236}">
-                <a16:creationId xmlns:a16="http://schemas.microsoft.com/office/drawing/2014/main" id="{9DA5ED20-07EE-4130-97A2-FC2FBDDF57B9}"/>
+                <a16:creationId xmlns:a16="http://schemas.microsoft.com/office/drawing/2014/main" xmlns="" id="{9DA5ED20-07EE-4130-97A2-FC2FBDDF57B9}"/>
               </a:ext>
             </a:extLst>
           </p:cNvPr>
@@ -31884,7 +32073,7 @@
             <a:fld id="{E9B57936-92EF-4126-AE48-1D9D36D15E98}" type="slidenum">
               <a:rPr kumimoji="1" lang="ja-JP" altLang="en-US" smtClean="0"/>
               <a:pPr/>
-              <a:t>47</a:t>
+              <a:t>44</a:t>
             </a:fld>
             <a:endParaRPr kumimoji="1" lang="ja-JP" altLang="en-US"/>
           </a:p>
@@ -31900,10 +32089,17 @@
   <p:clrMapOvr>
     <a:masterClrMapping/>
   </p:clrMapOvr>
+  <p:timing>
+    <p:tnLst>
+      <p:par>
+        <p:cTn id="1" dur="indefinite" restart="never" nodeType="tmRoot"/>
+      </p:par>
+    </p:tnLst>
+  </p:timing>
 </p:sld>
 </file>
 
-<file path=ppt/slides/slide49.xml><?xml version="1.0" encoding="utf-8"?>
+<file path=ppt/slides/slide46.xml><?xml version="1.0" encoding="utf-8"?>
 <p:sld xmlns:a="http://schemas.openxmlformats.org/drawingml/2006/main" xmlns:r="http://schemas.openxmlformats.org/officeDocument/2006/relationships" xmlns:p="http://schemas.openxmlformats.org/presentationml/2006/main">
   <p:cSld>
     <p:spTree>
@@ -32011,7 +32207,7 @@
             <a:fld id="{E9B57936-92EF-4126-AE48-1D9D36D15E98}" type="slidenum">
               <a:rPr kumimoji="1" lang="ja-JP" altLang="en-US" smtClean="0"/>
               <a:pPr/>
-              <a:t>48</a:t>
+              <a:t>45</a:t>
             </a:fld>
             <a:endParaRPr kumimoji="1" lang="ja-JP" altLang="en-US" dirty="0"/>
           </a:p>
@@ -32138,6 +32334,621 @@
   <p:clrMapOvr>
     <a:masterClrMapping/>
   </p:clrMapOvr>
+  <p:timing>
+    <p:tnLst>
+      <p:par>
+        <p:cTn id="1" dur="indefinite" restart="never" nodeType="tmRoot"/>
+      </p:par>
+    </p:tnLst>
+  </p:timing>
+</p:sld>
+</file>
+
+<file path=ppt/slides/slide47.xml><?xml version="1.0" encoding="utf-8"?>
+<p:sld xmlns:a="http://schemas.openxmlformats.org/drawingml/2006/main" xmlns:r="http://schemas.openxmlformats.org/officeDocument/2006/relationships" xmlns:p="http://schemas.openxmlformats.org/presentationml/2006/main">
+  <p:cSld>
+    <p:spTree>
+      <p:nvGrpSpPr>
+        <p:cNvPr id="1" name=""/>
+        <p:cNvGrpSpPr/>
+        <p:nvPr/>
+      </p:nvGrpSpPr>
+      <p:grpSpPr>
+        <a:xfrm>
+          <a:off x="0" y="0"/>
+          <a:ext cx="0" cy="0"/>
+          <a:chOff x="0" y="0"/>
+          <a:chExt cx="0" cy="0"/>
+        </a:xfrm>
+      </p:grpSpPr>
+      <p:sp>
+        <p:nvSpPr>
+          <p:cNvPr id="2" name="Title 1">
+            <a:extLst>
+              <a:ext uri="{FF2B5EF4-FFF2-40B4-BE49-F238E27FC236}">
+                <a16:creationId xmlns:a16="http://schemas.microsoft.com/office/drawing/2014/main" xmlns="" id="{17A8BB3D-2D35-4F66-AFB4-2A9AE7681862}"/>
+              </a:ext>
+            </a:extLst>
+          </p:cNvPr>
+          <p:cNvSpPr>
+            <a:spLocks noGrp="1"/>
+          </p:cNvSpPr>
+          <p:nvPr>
+            <p:ph type="title"/>
+          </p:nvPr>
+        </p:nvSpPr>
+        <p:spPr>
+          <a:xfrm>
+            <a:off x="2411760" y="1563638"/>
+            <a:ext cx="4608512" cy="1460158"/>
+          </a:xfrm>
+        </p:spPr>
+        <p:txBody>
+          <a:bodyPr/>
+          <a:lstStyle/>
+          <a:p>
+            <a:pPr algn="ctr"/>
+            <a:r>
+              <a:rPr lang="en-US" dirty="0"/>
+              <a:t>When covariates are SNP</a:t>
+            </a:r>
+          </a:p>
+        </p:txBody>
+      </p:sp>
+      <p:sp>
+        <p:nvSpPr>
+          <p:cNvPr id="3" name="Footer Placeholder 2">
+            <a:extLst>
+              <a:ext uri="{FF2B5EF4-FFF2-40B4-BE49-F238E27FC236}">
+                <a16:creationId xmlns:a16="http://schemas.microsoft.com/office/drawing/2014/main" xmlns="" id="{11862E8A-91FD-4C41-A192-DB3D27D88824}"/>
+              </a:ext>
+            </a:extLst>
+          </p:cNvPr>
+          <p:cNvSpPr>
+            <a:spLocks noGrp="1"/>
+          </p:cNvSpPr>
+          <p:nvPr>
+            <p:ph type="ftr" sz="quarter" idx="11"/>
+          </p:nvPr>
+        </p:nvSpPr>
+        <p:spPr/>
+        <p:txBody>
+          <a:bodyPr/>
+          <a:lstStyle/>
+          <a:p>
+            <a:r>
+              <a:rPr lang="ja-JP" altLang="en-US" dirty="0"/>
+              <a:t>｜</a:t>
+            </a:r>
+            <a:r>
+              <a:rPr lang="en-US" altLang="ja-JP" dirty="0"/>
+              <a:t>0000</a:t>
+            </a:r>
+            <a:r>
+              <a:rPr lang="ja-JP" altLang="en-US" dirty="0"/>
+              <a:t>　</a:t>
+            </a:r>
+            <a:r>
+              <a:rPr lang="en-US" altLang="ja-JP" dirty="0"/>
+              <a:t>|</a:t>
+            </a:r>
+            <a:r>
+              <a:rPr lang="ja-JP" altLang="en-US" dirty="0"/>
+              <a:t>　　</a:t>
+            </a:r>
+            <a:r>
+              <a:rPr lang="en-US" altLang="ja-JP" dirty="0"/>
+              <a:t> Aug 24</a:t>
+            </a:r>
+            <a:r>
+              <a:rPr lang="en-US" altLang="ja-JP" baseline="30000" dirty="0"/>
+              <a:t>th</a:t>
+            </a:r>
+            <a:r>
+              <a:rPr lang="en-US" altLang="ja-JP" dirty="0"/>
+              <a:t> 2018</a:t>
+            </a:r>
+            <a:endParaRPr lang="ja-JP" altLang="en-US" dirty="0"/>
+          </a:p>
+        </p:txBody>
+      </p:sp>
+      <p:sp>
+        <p:nvSpPr>
+          <p:cNvPr id="4" name="Slide Number Placeholder 3">
+            <a:extLst>
+              <a:ext uri="{FF2B5EF4-FFF2-40B4-BE49-F238E27FC236}">
+                <a16:creationId xmlns:a16="http://schemas.microsoft.com/office/drawing/2014/main" xmlns="" id="{9DA5ED20-07EE-4130-97A2-FC2FBDDF57B9}"/>
+              </a:ext>
+            </a:extLst>
+          </p:cNvPr>
+          <p:cNvSpPr>
+            <a:spLocks noGrp="1"/>
+          </p:cNvSpPr>
+          <p:nvPr>
+            <p:ph type="sldNum" sz="quarter" idx="12"/>
+          </p:nvPr>
+        </p:nvSpPr>
+        <p:spPr/>
+        <p:txBody>
+          <a:bodyPr/>
+          <a:lstStyle/>
+          <a:p>
+            <a:fld id="{E9B57936-92EF-4126-AE48-1D9D36D15E98}" type="slidenum">
+              <a:rPr kumimoji="1" lang="ja-JP" altLang="en-US" smtClean="0"/>
+              <a:pPr/>
+              <a:t>46</a:t>
+            </a:fld>
+            <a:endParaRPr kumimoji="1" lang="ja-JP" altLang="en-US"/>
+          </a:p>
+        </p:txBody>
+      </p:sp>
+      <p:sp>
+        <p:nvSpPr>
+          <p:cNvPr id="5" name="Title 1">
+            <a:extLst>
+              <a:ext uri="{FF2B5EF4-FFF2-40B4-BE49-F238E27FC236}">
+                <a16:creationId xmlns:a16="http://schemas.microsoft.com/office/drawing/2014/main" xmlns="" id="{D17028B3-4EBC-4457-B759-8F6BB587F3BE}"/>
+              </a:ext>
+            </a:extLst>
+          </p:cNvPr>
+          <p:cNvSpPr txBox="1">
+            <a:spLocks/>
+          </p:cNvSpPr>
+          <p:nvPr/>
+        </p:nvSpPr>
+        <p:spPr>
+          <a:xfrm>
+            <a:off x="2320851" y="2715766"/>
+            <a:ext cx="5544616" cy="1460158"/>
+          </a:xfrm>
+          <a:prstGeom prst="rect">
+            <a:avLst/>
+          </a:prstGeom>
+        </p:spPr>
+        <p:txBody>
+          <a:bodyPr vert="horz" lIns="0" tIns="45720" rIns="91440" bIns="45720" rtlCol="0" anchor="ctr">
+            <a:noAutofit/>
+          </a:bodyPr>
+          <a:lstStyle>
+            <a:lvl1pPr marL="0" marR="0" indent="0" algn="l" defTabSz="914400" rtl="0" eaLnBrk="1" fontAlgn="auto" latinLnBrk="0" hangingPunct="1">
+              <a:lnSpc>
+                <a:spcPct val="100000"/>
+              </a:lnSpc>
+              <a:spcBef>
+                <a:spcPct val="0"/>
+              </a:spcBef>
+              <a:spcAft>
+                <a:spcPts val="0"/>
+              </a:spcAft>
+              <a:buNone/>
+              <a:tabLst/>
+              <a:defRPr kumimoji="1" lang="ja-JP" altLang="en-US" sz="2200" b="0" i="0" u="none" strike="noStrike" kern="1200" cap="none" spc="0" normalizeH="0" baseline="0" noProof="0">
+                <a:ln>
+                  <a:noFill/>
+                </a:ln>
+                <a:solidFill>
+                  <a:srgbClr val="4C4948"/>
+                </a:solidFill>
+                <a:effectLst/>
+                <a:uLnTx/>
+                <a:uFillTx/>
+                <a:latin typeface="Meiryo" panose="020B0604030504040204" pitchFamily="34" charset="-128"/>
+                <a:ea typeface="Meiryo" panose="020B0604030504040204" pitchFamily="34" charset="-128"/>
+                <a:cs typeface="Meiryo" panose="020B0604030504040204" pitchFamily="34" charset="-128"/>
+              </a:defRPr>
+            </a:lvl1pPr>
+          </a:lstStyle>
+          <a:p>
+            <a:pPr marL="285750" lvl="0" indent="-285750">
+              <a:buFont typeface="Wingdings" panose="05000000000000000000" pitchFamily="2" charset="2"/>
+              <a:buChar char="Ø"/>
+            </a:pPr>
+            <a:r>
+              <a:rPr lang="en-US" sz="1400" dirty="0"/>
+              <a:t>Fixed number of genes: 100</a:t>
+            </a:r>
+          </a:p>
+          <a:p>
+            <a:pPr marL="285750" lvl="0" indent="-285750">
+              <a:buFont typeface="Wingdings" panose="05000000000000000000" pitchFamily="2" charset="2"/>
+              <a:buChar char="Ø"/>
+            </a:pPr>
+            <a:r>
+              <a:rPr lang="en-US" sz="1400" dirty="0"/>
+              <a:t>Fixed proportion of nonzero predictive biomarkers: 10%</a:t>
+            </a:r>
+          </a:p>
+          <a:p>
+            <a:pPr marL="285750" lvl="0" indent="-285750">
+              <a:buFont typeface="Wingdings" panose="05000000000000000000" pitchFamily="2" charset="2"/>
+              <a:buChar char="Ø"/>
+            </a:pPr>
+            <a:r>
+              <a:rPr lang="en-US" sz="1400" dirty="0"/>
+              <a:t>Fixed SNR=10</a:t>
+            </a:r>
+          </a:p>
+        </p:txBody>
+      </p:sp>
+    </p:spTree>
+    <p:extLst>
+      <p:ext uri="{BB962C8B-B14F-4D97-AF65-F5344CB8AC3E}">
+        <p14:creationId xmlns:p14="http://schemas.microsoft.com/office/powerpoint/2010/main" val="839547082"/>
+      </p:ext>
+    </p:extLst>
+  </p:cSld>
+  <p:clrMapOvr>
+    <a:masterClrMapping/>
+  </p:clrMapOvr>
+  <p:timing>
+    <p:tnLst>
+      <p:par>
+        <p:cTn id="1" dur="indefinite" restart="never" nodeType="tmRoot"/>
+      </p:par>
+    </p:tnLst>
+  </p:timing>
+</p:sld>
+</file>
+
+<file path=ppt/slides/slide48.xml><?xml version="1.0" encoding="utf-8"?>
+<p:sld xmlns:a="http://schemas.openxmlformats.org/drawingml/2006/main" xmlns:r="http://schemas.openxmlformats.org/officeDocument/2006/relationships" xmlns:p="http://schemas.openxmlformats.org/presentationml/2006/main">
+  <p:cSld>
+    <p:spTree>
+      <p:nvGrpSpPr>
+        <p:cNvPr id="1" name=""/>
+        <p:cNvGrpSpPr/>
+        <p:nvPr/>
+      </p:nvGrpSpPr>
+      <p:grpSpPr>
+        <a:xfrm>
+          <a:off x="0" y="0"/>
+          <a:ext cx="0" cy="0"/>
+          <a:chOff x="0" y="0"/>
+          <a:chExt cx="0" cy="0"/>
+        </a:xfrm>
+      </p:grpSpPr>
+      <p:sp>
+        <p:nvSpPr>
+          <p:cNvPr id="2" name="Title 1"/>
+          <p:cNvSpPr>
+            <a:spLocks noGrp="1"/>
+          </p:cNvSpPr>
+          <p:nvPr>
+            <p:ph type="title"/>
+          </p:nvPr>
+        </p:nvSpPr>
+        <p:spPr/>
+        <p:txBody>
+          <a:bodyPr/>
+          <a:lstStyle/>
+          <a:p>
+            <a:r>
+              <a:rPr lang="en-US" dirty="0"/>
+              <a:t>SNP</a:t>
+            </a:r>
+          </a:p>
+        </p:txBody>
+      </p:sp>
+      <p:sp>
+        <p:nvSpPr>
+          <p:cNvPr id="4" name="Footer Placeholder 3"/>
+          <p:cNvSpPr>
+            <a:spLocks noGrp="1"/>
+          </p:cNvSpPr>
+          <p:nvPr>
+            <p:ph type="ftr" sz="quarter" idx="11"/>
+          </p:nvPr>
+        </p:nvSpPr>
+        <p:spPr/>
+        <p:txBody>
+          <a:bodyPr/>
+          <a:lstStyle/>
+          <a:p>
+            <a:r>
+              <a:rPr lang="ja-JP" altLang="en-US" dirty="0"/>
+              <a:t>｜</a:t>
+            </a:r>
+            <a:r>
+              <a:rPr lang="en-US" altLang="ja-JP" dirty="0"/>
+              <a:t>0000</a:t>
+            </a:r>
+            <a:r>
+              <a:rPr lang="ja-JP" altLang="en-US" dirty="0"/>
+              <a:t>　</a:t>
+            </a:r>
+            <a:r>
+              <a:rPr lang="en-US" altLang="ja-JP" dirty="0"/>
+              <a:t>|</a:t>
+            </a:r>
+            <a:r>
+              <a:rPr lang="ja-JP" altLang="en-US" dirty="0"/>
+              <a:t>　　</a:t>
+            </a:r>
+            <a:r>
+              <a:rPr lang="en-US" altLang="ja-JP" dirty="0"/>
+              <a:t> Aug 24</a:t>
+            </a:r>
+            <a:r>
+              <a:rPr lang="en-US" altLang="ja-JP" baseline="30000" dirty="0"/>
+              <a:t>th</a:t>
+            </a:r>
+            <a:r>
+              <a:rPr lang="en-US" altLang="ja-JP" dirty="0"/>
+              <a:t> 2018</a:t>
+            </a:r>
+            <a:endParaRPr lang="ja-JP" altLang="en-US" dirty="0"/>
+          </a:p>
+        </p:txBody>
+      </p:sp>
+      <p:sp>
+        <p:nvSpPr>
+          <p:cNvPr id="5" name="Slide Number Placeholder 4"/>
+          <p:cNvSpPr>
+            <a:spLocks noGrp="1"/>
+          </p:cNvSpPr>
+          <p:nvPr>
+            <p:ph type="sldNum" sz="quarter" idx="12"/>
+          </p:nvPr>
+        </p:nvSpPr>
+        <p:spPr/>
+        <p:txBody>
+          <a:bodyPr/>
+          <a:lstStyle/>
+          <a:p>
+            <a:fld id="{E9B57936-92EF-4126-AE48-1D9D36D15E98}" type="slidenum">
+              <a:rPr kumimoji="1" lang="ja-JP" altLang="en-US" smtClean="0"/>
+              <a:pPr/>
+              <a:t>47</a:t>
+            </a:fld>
+            <a:endParaRPr kumimoji="1" lang="ja-JP" altLang="en-US" dirty="0"/>
+          </a:p>
+        </p:txBody>
+      </p:sp>
+      <p:pic>
+        <p:nvPicPr>
+          <p:cNvPr id="7" name="Content Placeholder 6"/>
+          <p:cNvPicPr>
+            <a:picLocks noGrp="1" noChangeAspect="1"/>
+          </p:cNvPicPr>
+          <p:nvPr>
+            <p:ph idx="1"/>
+          </p:nvPr>
+        </p:nvPicPr>
+        <p:blipFill>
+          <a:blip r:embed="rId2">
+            <a:extLst>
+              <a:ext uri="{28A0092B-C50C-407E-A947-70E740481C1C}">
+                <a14:useLocalDpi xmlns:a14="http://schemas.microsoft.com/office/drawing/2010/main" val="0"/>
+              </a:ext>
+            </a:extLst>
+          </a:blip>
+          <a:stretch>
+            <a:fillRect/>
+          </a:stretch>
+        </p:blipFill>
+        <p:spPr>
+          <a:xfrm>
+            <a:off x="735806" y="1490662"/>
+            <a:ext cx="7620000" cy="2540000"/>
+          </a:xfrm>
+        </p:spPr>
+      </p:pic>
+      <p:sp>
+        <p:nvSpPr>
+          <p:cNvPr id="8" name="Rectangle 7"/>
+          <p:cNvSpPr/>
+          <p:nvPr/>
+        </p:nvSpPr>
+        <p:spPr>
+          <a:xfrm>
+            <a:off x="6029263" y="2211710"/>
+            <a:ext cx="558961" cy="216024"/>
+          </a:xfrm>
+          <a:prstGeom prst="rect">
+            <a:avLst/>
+          </a:prstGeom>
+          <a:noFill/>
+        </p:spPr>
+        <p:style>
+          <a:lnRef idx="2">
+            <a:schemeClr val="accent1">
+              <a:shade val="50000"/>
+            </a:schemeClr>
+          </a:lnRef>
+          <a:fillRef idx="1">
+            <a:schemeClr val="accent1"/>
+          </a:fillRef>
+          <a:effectRef idx="0">
+            <a:schemeClr val="accent1"/>
+          </a:effectRef>
+          <a:fontRef idx="minor">
+            <a:schemeClr val="lt1"/>
+          </a:fontRef>
+        </p:style>
+        <p:txBody>
+          <a:bodyPr rtlCol="0" anchor="ctr"/>
+          <a:lstStyle/>
+          <a:p>
+            <a:pPr algn="ctr"/>
+            <a:endParaRPr lang="en-US"/>
+          </a:p>
+        </p:txBody>
+      </p:sp>
+    </p:spTree>
+    <p:extLst>
+      <p:ext uri="{BB962C8B-B14F-4D97-AF65-F5344CB8AC3E}">
+        <p14:creationId xmlns:p14="http://schemas.microsoft.com/office/powerpoint/2010/main" val="559225134"/>
+      </p:ext>
+    </p:extLst>
+  </p:cSld>
+  <p:clrMapOvr>
+    <a:masterClrMapping/>
+  </p:clrMapOvr>
+  <p:timing>
+    <p:tnLst>
+      <p:par>
+        <p:cTn id="1" dur="indefinite" restart="never" nodeType="tmRoot"/>
+      </p:par>
+    </p:tnLst>
+  </p:timing>
+</p:sld>
+</file>
+
+<file path=ppt/slides/slide49.xml><?xml version="1.0" encoding="utf-8"?>
+<p:sld xmlns:a="http://schemas.openxmlformats.org/drawingml/2006/main" xmlns:r="http://schemas.openxmlformats.org/officeDocument/2006/relationships" xmlns:p="http://schemas.openxmlformats.org/presentationml/2006/main">
+  <p:cSld>
+    <p:spTree>
+      <p:nvGrpSpPr>
+        <p:cNvPr id="1" name=""/>
+        <p:cNvGrpSpPr/>
+        <p:nvPr/>
+      </p:nvGrpSpPr>
+      <p:grpSpPr>
+        <a:xfrm>
+          <a:off x="0" y="0"/>
+          <a:ext cx="0" cy="0"/>
+          <a:chOff x="0" y="0"/>
+          <a:chExt cx="0" cy="0"/>
+        </a:xfrm>
+      </p:grpSpPr>
+      <p:sp>
+        <p:nvSpPr>
+          <p:cNvPr id="2" name="Title 1">
+            <a:extLst>
+              <a:ext uri="{FF2B5EF4-FFF2-40B4-BE49-F238E27FC236}">
+                <a16:creationId xmlns:a16="http://schemas.microsoft.com/office/drawing/2014/main" xmlns="" id="{17A8BB3D-2D35-4F66-AFB4-2A9AE7681862}"/>
+              </a:ext>
+            </a:extLst>
+          </p:cNvPr>
+          <p:cNvSpPr>
+            <a:spLocks noGrp="1"/>
+          </p:cNvSpPr>
+          <p:nvPr>
+            <p:ph type="title"/>
+          </p:nvPr>
+        </p:nvSpPr>
+        <p:spPr>
+          <a:xfrm>
+            <a:off x="3496382" y="1563638"/>
+            <a:ext cx="2587786" cy="1460158"/>
+          </a:xfrm>
+        </p:spPr>
+        <p:txBody>
+          <a:bodyPr/>
+          <a:lstStyle/>
+          <a:p>
+            <a:pPr algn="ctr"/>
+            <a:r>
+              <a:rPr lang="en-US" dirty="0"/>
+              <a:t>Real Data</a:t>
+            </a:r>
+          </a:p>
+        </p:txBody>
+      </p:sp>
+      <p:sp>
+        <p:nvSpPr>
+          <p:cNvPr id="3" name="Footer Placeholder 2">
+            <a:extLst>
+              <a:ext uri="{FF2B5EF4-FFF2-40B4-BE49-F238E27FC236}">
+                <a16:creationId xmlns:a16="http://schemas.microsoft.com/office/drawing/2014/main" xmlns="" id="{11862E8A-91FD-4C41-A192-DB3D27D88824}"/>
+              </a:ext>
+            </a:extLst>
+          </p:cNvPr>
+          <p:cNvSpPr>
+            <a:spLocks noGrp="1"/>
+          </p:cNvSpPr>
+          <p:nvPr>
+            <p:ph type="ftr" sz="quarter" idx="11"/>
+          </p:nvPr>
+        </p:nvSpPr>
+        <p:spPr/>
+        <p:txBody>
+          <a:bodyPr/>
+          <a:lstStyle/>
+          <a:p>
+            <a:r>
+              <a:rPr lang="ja-JP" altLang="en-US" dirty="0"/>
+              <a:t>｜</a:t>
+            </a:r>
+            <a:r>
+              <a:rPr lang="en-US" altLang="ja-JP" dirty="0"/>
+              <a:t>0000</a:t>
+            </a:r>
+            <a:r>
+              <a:rPr lang="ja-JP" altLang="en-US" dirty="0"/>
+              <a:t>　</a:t>
+            </a:r>
+            <a:r>
+              <a:rPr lang="en-US" altLang="ja-JP" dirty="0"/>
+              <a:t>|</a:t>
+            </a:r>
+            <a:r>
+              <a:rPr lang="ja-JP" altLang="en-US" dirty="0"/>
+              <a:t>　　</a:t>
+            </a:r>
+            <a:r>
+              <a:rPr lang="en-US" altLang="ja-JP" dirty="0"/>
+              <a:t> Aug 24</a:t>
+            </a:r>
+            <a:r>
+              <a:rPr lang="en-US" altLang="ja-JP" baseline="30000" dirty="0"/>
+              <a:t>th</a:t>
+            </a:r>
+            <a:r>
+              <a:rPr lang="en-US" altLang="ja-JP" dirty="0"/>
+              <a:t> 2018</a:t>
+            </a:r>
+            <a:endParaRPr lang="ja-JP" altLang="en-US" dirty="0"/>
+          </a:p>
+        </p:txBody>
+      </p:sp>
+      <p:sp>
+        <p:nvSpPr>
+          <p:cNvPr id="4" name="Slide Number Placeholder 3">
+            <a:extLst>
+              <a:ext uri="{FF2B5EF4-FFF2-40B4-BE49-F238E27FC236}">
+                <a16:creationId xmlns:a16="http://schemas.microsoft.com/office/drawing/2014/main" xmlns="" id="{9DA5ED20-07EE-4130-97A2-FC2FBDDF57B9}"/>
+              </a:ext>
+            </a:extLst>
+          </p:cNvPr>
+          <p:cNvSpPr>
+            <a:spLocks noGrp="1"/>
+          </p:cNvSpPr>
+          <p:nvPr>
+            <p:ph type="sldNum" sz="quarter" idx="12"/>
+          </p:nvPr>
+        </p:nvSpPr>
+        <p:spPr/>
+        <p:txBody>
+          <a:bodyPr/>
+          <a:lstStyle/>
+          <a:p>
+            <a:fld id="{E9B57936-92EF-4126-AE48-1D9D36D15E98}" type="slidenum">
+              <a:rPr kumimoji="1" lang="ja-JP" altLang="en-US" smtClean="0"/>
+              <a:pPr/>
+              <a:t>48</a:t>
+            </a:fld>
+            <a:endParaRPr kumimoji="1" lang="ja-JP" altLang="en-US"/>
+          </a:p>
+        </p:txBody>
+      </p:sp>
+    </p:spTree>
+    <p:extLst>
+      <p:ext uri="{BB962C8B-B14F-4D97-AF65-F5344CB8AC3E}">
+        <p14:creationId xmlns:p14="http://schemas.microsoft.com/office/powerpoint/2010/main" val="2648673506"/>
+      </p:ext>
+    </p:extLst>
+  </p:cSld>
+  <p:clrMapOvr>
+    <a:masterClrMapping/>
+  </p:clrMapOvr>
+  <p:timing>
+    <p:tnLst>
+      <p:par>
+        <p:cTn id="1" dur="indefinite" restart="never" nodeType="tmRoot"/>
+      </p:par>
+    </p:tnLst>
+  </p:timing>
 </p:sld>
 </file>
 
@@ -32163,7 +32974,7 @@
           <p:cNvPr id="5" name="Footer Placeholder 4">
             <a:extLst>
               <a:ext uri="{FF2B5EF4-FFF2-40B4-BE49-F238E27FC236}">
-                <a16:creationId xmlns:a16="http://schemas.microsoft.com/office/drawing/2014/main" id="{6AC7966E-6694-4F89-AFC2-98BF0D06DAE2}"/>
+                <a16:creationId xmlns:a16="http://schemas.microsoft.com/office/drawing/2014/main" xmlns="" id="{6AC7966E-6694-4F89-AFC2-98BF0D06DAE2}"/>
               </a:ext>
             </a:extLst>
           </p:cNvPr>
@@ -32220,7 +33031,7 @@
           <p:cNvPr id="6" name="Slide Number Placeholder 5">
             <a:extLst>
               <a:ext uri="{FF2B5EF4-FFF2-40B4-BE49-F238E27FC236}">
-                <a16:creationId xmlns:a16="http://schemas.microsoft.com/office/drawing/2014/main" id="{75DC981C-CDAE-479D-AC14-3CE4B7209D43}"/>
+                <a16:creationId xmlns:a16="http://schemas.microsoft.com/office/drawing/2014/main" xmlns="" id="{75DC981C-CDAE-479D-AC14-3CE4B7209D43}"/>
               </a:ext>
             </a:extLst>
           </p:cNvPr>
@@ -32250,7 +33061,7 @@
           <p:cNvPr id="7" name="Content Placeholder 8" descr="A close up of a logo&#10;&#10;Description generated with high confidence">
             <a:extLst>
               <a:ext uri="{FF2B5EF4-FFF2-40B4-BE49-F238E27FC236}">
-                <a16:creationId xmlns:a16="http://schemas.microsoft.com/office/drawing/2014/main" id="{C6D8FF7C-12F3-4849-A8D2-8584E456505F}"/>
+                <a16:creationId xmlns:a16="http://schemas.microsoft.com/office/drawing/2014/main" xmlns="" id="{C6D8FF7C-12F3-4849-A8D2-8584E456505F}"/>
               </a:ext>
             </a:extLst>
           </p:cNvPr>
@@ -32284,7 +33095,7 @@
           <p:cNvPr id="8" name="Content Placeholder 8" descr="A close up of a logo&#10;&#10;Description generated with high confidence">
             <a:extLst>
               <a:ext uri="{FF2B5EF4-FFF2-40B4-BE49-F238E27FC236}">
-                <a16:creationId xmlns:a16="http://schemas.microsoft.com/office/drawing/2014/main" id="{F257EDCB-5B89-44E1-BCDB-1D2BEEDE97E5}"/>
+                <a16:creationId xmlns:a16="http://schemas.microsoft.com/office/drawing/2014/main" xmlns="" id="{F257EDCB-5B89-44E1-BCDB-1D2BEEDE97E5}"/>
               </a:ext>
             </a:extLst>
           </p:cNvPr>
@@ -32319,7 +33130,7 @@
           <p:cNvPr id="9" name="Content Placeholder 8" descr="A close up of a logo&#10;&#10;Description generated with high confidence">
             <a:extLst>
               <a:ext uri="{FF2B5EF4-FFF2-40B4-BE49-F238E27FC236}">
-                <a16:creationId xmlns:a16="http://schemas.microsoft.com/office/drawing/2014/main" id="{ADEB172C-62CE-401A-BF93-2023AC8F551C}"/>
+                <a16:creationId xmlns:a16="http://schemas.microsoft.com/office/drawing/2014/main" xmlns="" id="{ADEB172C-62CE-401A-BF93-2023AC8F551C}"/>
               </a:ext>
             </a:extLst>
           </p:cNvPr>
@@ -32354,7 +33165,7 @@
           <p:cNvPr id="10" name="Rectangle 9">
             <a:extLst>
               <a:ext uri="{FF2B5EF4-FFF2-40B4-BE49-F238E27FC236}">
-                <a16:creationId xmlns:a16="http://schemas.microsoft.com/office/drawing/2014/main" id="{A94EB12A-E96E-4462-81D8-1E932FFBDDD4}"/>
+                <a16:creationId xmlns:a16="http://schemas.microsoft.com/office/drawing/2014/main" xmlns="" id="{A94EB12A-E96E-4462-81D8-1E932FFBDDD4}"/>
               </a:ext>
             </a:extLst>
           </p:cNvPr>
@@ -32406,7 +33217,7 @@
           <p:cNvPr id="14" name="Content Placeholder 8" descr="A close up of a logo&#10;&#10;Description generated with high confidence">
             <a:extLst>
               <a:ext uri="{FF2B5EF4-FFF2-40B4-BE49-F238E27FC236}">
-                <a16:creationId xmlns:a16="http://schemas.microsoft.com/office/drawing/2014/main" id="{436AD839-8079-4916-A40B-509EA4269741}"/>
+                <a16:creationId xmlns:a16="http://schemas.microsoft.com/office/drawing/2014/main" xmlns="" id="{436AD839-8079-4916-A40B-509EA4269741}"/>
               </a:ext>
             </a:extLst>
           </p:cNvPr>
@@ -32441,7 +33252,7 @@
           <p:cNvPr id="15" name="Content Placeholder 8" descr="A close up of a logo&#10;&#10;Description generated with high confidence">
             <a:extLst>
               <a:ext uri="{FF2B5EF4-FFF2-40B4-BE49-F238E27FC236}">
-                <a16:creationId xmlns:a16="http://schemas.microsoft.com/office/drawing/2014/main" id="{37A73C32-7D27-4FDB-B0A7-1D103FDF7447}"/>
+                <a16:creationId xmlns:a16="http://schemas.microsoft.com/office/drawing/2014/main" xmlns="" id="{37A73C32-7D27-4FDB-B0A7-1D103FDF7447}"/>
               </a:ext>
             </a:extLst>
           </p:cNvPr>
@@ -32476,7 +33287,7 @@
           <p:cNvPr id="16" name="Content Placeholder 8" descr="A close up of a logo&#10;&#10;Description generated with high confidence">
             <a:extLst>
               <a:ext uri="{FF2B5EF4-FFF2-40B4-BE49-F238E27FC236}">
-                <a16:creationId xmlns:a16="http://schemas.microsoft.com/office/drawing/2014/main" id="{4C4FABD3-BF73-46EE-A423-F68A4430BED8}"/>
+                <a16:creationId xmlns:a16="http://schemas.microsoft.com/office/drawing/2014/main" xmlns="" id="{4C4FABD3-BF73-46EE-A423-F68A4430BED8}"/>
               </a:ext>
             </a:extLst>
           </p:cNvPr>
@@ -32511,7 +33322,7 @@
           <p:cNvPr id="17" name="Rectangle 16">
             <a:extLst>
               <a:ext uri="{FF2B5EF4-FFF2-40B4-BE49-F238E27FC236}">
-                <a16:creationId xmlns:a16="http://schemas.microsoft.com/office/drawing/2014/main" id="{1075960E-DBDE-45DA-AABF-71B555799A01}"/>
+                <a16:creationId xmlns:a16="http://schemas.microsoft.com/office/drawing/2014/main" xmlns="" id="{1075960E-DBDE-45DA-AABF-71B555799A01}"/>
               </a:ext>
             </a:extLst>
           </p:cNvPr>
@@ -32563,7 +33374,7 @@
           <p:cNvPr id="18" name="Rectangle 17">
             <a:extLst>
               <a:ext uri="{FF2B5EF4-FFF2-40B4-BE49-F238E27FC236}">
-                <a16:creationId xmlns:a16="http://schemas.microsoft.com/office/drawing/2014/main" id="{7063C499-4A50-4CB9-ABCA-40D4351CCDC1}"/>
+                <a16:creationId xmlns:a16="http://schemas.microsoft.com/office/drawing/2014/main" xmlns="" id="{7063C499-4A50-4CB9-ABCA-40D4351CCDC1}"/>
               </a:ext>
             </a:extLst>
           </p:cNvPr>
@@ -32615,7 +33426,7 @@
           <p:cNvPr id="19" name="Rectangle 18">
             <a:extLst>
               <a:ext uri="{FF2B5EF4-FFF2-40B4-BE49-F238E27FC236}">
-                <a16:creationId xmlns:a16="http://schemas.microsoft.com/office/drawing/2014/main" id="{DA2542BB-265D-40EA-B38F-B6F4D21B484C}"/>
+                <a16:creationId xmlns:a16="http://schemas.microsoft.com/office/drawing/2014/main" xmlns="" id="{DA2542BB-265D-40EA-B38F-B6F4D21B484C}"/>
               </a:ext>
             </a:extLst>
           </p:cNvPr>
@@ -33581,245 +34392,6 @@
       </p:grpSpPr>
       <p:sp>
         <p:nvSpPr>
-          <p:cNvPr id="2" name="Title 1">
-            <a:extLst>
-              <a:ext uri="{FF2B5EF4-FFF2-40B4-BE49-F238E27FC236}">
-                <a16:creationId xmlns:a16="http://schemas.microsoft.com/office/drawing/2014/main" id="{17A8BB3D-2D35-4F66-AFB4-2A9AE7681862}"/>
-              </a:ext>
-            </a:extLst>
-          </p:cNvPr>
-          <p:cNvSpPr>
-            <a:spLocks noGrp="1"/>
-          </p:cNvSpPr>
-          <p:nvPr>
-            <p:ph type="title"/>
-          </p:nvPr>
-        </p:nvSpPr>
-        <p:spPr>
-          <a:xfrm>
-            <a:off x="2411760" y="1563638"/>
-            <a:ext cx="4608512" cy="1460158"/>
-          </a:xfrm>
-        </p:spPr>
-        <p:txBody>
-          <a:bodyPr/>
-          <a:lstStyle/>
-          <a:p>
-            <a:pPr algn="ctr"/>
-            <a:r>
-              <a:rPr lang="en-US" dirty="0"/>
-              <a:t>When covariates are SNP</a:t>
-            </a:r>
-          </a:p>
-        </p:txBody>
-      </p:sp>
-      <p:sp>
-        <p:nvSpPr>
-          <p:cNvPr id="3" name="Footer Placeholder 2">
-            <a:extLst>
-              <a:ext uri="{FF2B5EF4-FFF2-40B4-BE49-F238E27FC236}">
-                <a16:creationId xmlns:a16="http://schemas.microsoft.com/office/drawing/2014/main" id="{11862E8A-91FD-4C41-A192-DB3D27D88824}"/>
-              </a:ext>
-            </a:extLst>
-          </p:cNvPr>
-          <p:cNvSpPr>
-            <a:spLocks noGrp="1"/>
-          </p:cNvSpPr>
-          <p:nvPr>
-            <p:ph type="ftr" sz="quarter" idx="11"/>
-          </p:nvPr>
-        </p:nvSpPr>
-        <p:spPr/>
-        <p:txBody>
-          <a:bodyPr/>
-          <a:lstStyle/>
-          <a:p>
-            <a:r>
-              <a:rPr lang="ja-JP" altLang="en-US" dirty="0"/>
-              <a:t>｜</a:t>
-            </a:r>
-            <a:r>
-              <a:rPr lang="en-US" altLang="ja-JP" dirty="0"/>
-              <a:t>0000</a:t>
-            </a:r>
-            <a:r>
-              <a:rPr lang="ja-JP" altLang="en-US" dirty="0"/>
-              <a:t>　</a:t>
-            </a:r>
-            <a:r>
-              <a:rPr lang="en-US" altLang="ja-JP" dirty="0"/>
-              <a:t>|</a:t>
-            </a:r>
-            <a:r>
-              <a:rPr lang="ja-JP" altLang="en-US" dirty="0"/>
-              <a:t>　　</a:t>
-            </a:r>
-            <a:r>
-              <a:rPr lang="en-US" altLang="ja-JP" dirty="0"/>
-              <a:t> Aug 24</a:t>
-            </a:r>
-            <a:r>
-              <a:rPr lang="en-US" altLang="ja-JP" baseline="30000" dirty="0"/>
-              <a:t>th</a:t>
-            </a:r>
-            <a:r>
-              <a:rPr lang="en-US" altLang="ja-JP" dirty="0"/>
-              <a:t> 2018</a:t>
-            </a:r>
-            <a:endParaRPr lang="ja-JP" altLang="en-US" dirty="0"/>
-          </a:p>
-        </p:txBody>
-      </p:sp>
-      <p:sp>
-        <p:nvSpPr>
-          <p:cNvPr id="4" name="Slide Number Placeholder 3">
-            <a:extLst>
-              <a:ext uri="{FF2B5EF4-FFF2-40B4-BE49-F238E27FC236}">
-                <a16:creationId xmlns:a16="http://schemas.microsoft.com/office/drawing/2014/main" id="{9DA5ED20-07EE-4130-97A2-FC2FBDDF57B9}"/>
-              </a:ext>
-            </a:extLst>
-          </p:cNvPr>
-          <p:cNvSpPr>
-            <a:spLocks noGrp="1"/>
-          </p:cNvSpPr>
-          <p:nvPr>
-            <p:ph type="sldNum" sz="quarter" idx="12"/>
-          </p:nvPr>
-        </p:nvSpPr>
-        <p:spPr/>
-        <p:txBody>
-          <a:bodyPr/>
-          <a:lstStyle/>
-          <a:p>
-            <a:fld id="{E9B57936-92EF-4126-AE48-1D9D36D15E98}" type="slidenum">
-              <a:rPr kumimoji="1" lang="ja-JP" altLang="en-US" smtClean="0"/>
-              <a:pPr/>
-              <a:t>49</a:t>
-            </a:fld>
-            <a:endParaRPr kumimoji="1" lang="ja-JP" altLang="en-US"/>
-          </a:p>
-        </p:txBody>
-      </p:sp>
-      <p:sp>
-        <p:nvSpPr>
-          <p:cNvPr id="5" name="Title 1">
-            <a:extLst>
-              <a:ext uri="{FF2B5EF4-FFF2-40B4-BE49-F238E27FC236}">
-                <a16:creationId xmlns:a16="http://schemas.microsoft.com/office/drawing/2014/main" id="{D17028B3-4EBC-4457-B759-8F6BB587F3BE}"/>
-              </a:ext>
-            </a:extLst>
-          </p:cNvPr>
-          <p:cNvSpPr txBox="1">
-            <a:spLocks/>
-          </p:cNvSpPr>
-          <p:nvPr/>
-        </p:nvSpPr>
-        <p:spPr>
-          <a:xfrm>
-            <a:off x="2320851" y="2715766"/>
-            <a:ext cx="5544616" cy="1460158"/>
-          </a:xfrm>
-          <a:prstGeom prst="rect">
-            <a:avLst/>
-          </a:prstGeom>
-        </p:spPr>
-        <p:txBody>
-          <a:bodyPr vert="horz" lIns="0" tIns="45720" rIns="91440" bIns="45720" rtlCol="0" anchor="ctr">
-            <a:noAutofit/>
-          </a:bodyPr>
-          <a:lstStyle>
-            <a:lvl1pPr marL="0" marR="0" indent="0" algn="l" defTabSz="914400" rtl="0" eaLnBrk="1" fontAlgn="auto" latinLnBrk="0" hangingPunct="1">
-              <a:lnSpc>
-                <a:spcPct val="100000"/>
-              </a:lnSpc>
-              <a:spcBef>
-                <a:spcPct val="0"/>
-              </a:spcBef>
-              <a:spcAft>
-                <a:spcPts val="0"/>
-              </a:spcAft>
-              <a:buNone/>
-              <a:tabLst/>
-              <a:defRPr kumimoji="1" lang="ja-JP" altLang="en-US" sz="2200" b="0" i="0" u="none" strike="noStrike" kern="1200" cap="none" spc="0" normalizeH="0" baseline="0" noProof="0">
-                <a:ln>
-                  <a:noFill/>
-                </a:ln>
-                <a:solidFill>
-                  <a:srgbClr val="4C4948"/>
-                </a:solidFill>
-                <a:effectLst/>
-                <a:uLnTx/>
-                <a:uFillTx/>
-                <a:latin typeface="Meiryo" panose="020B0604030504040204" pitchFamily="34" charset="-128"/>
-                <a:ea typeface="Meiryo" panose="020B0604030504040204" pitchFamily="34" charset="-128"/>
-                <a:cs typeface="Meiryo" panose="020B0604030504040204" pitchFamily="34" charset="-128"/>
-              </a:defRPr>
-            </a:lvl1pPr>
-          </a:lstStyle>
-          <a:p>
-            <a:pPr marL="285750" lvl="0" indent="-285750">
-              <a:buFont typeface="Wingdings" panose="05000000000000000000" pitchFamily="2" charset="2"/>
-              <a:buChar char="Ø"/>
-            </a:pPr>
-            <a:r>
-              <a:rPr lang="en-US" sz="1400" dirty="0"/>
-              <a:t>Fixed number of genes: 100</a:t>
-            </a:r>
-          </a:p>
-          <a:p>
-            <a:pPr marL="285750" lvl="0" indent="-285750">
-              <a:buFont typeface="Wingdings" panose="05000000000000000000" pitchFamily="2" charset="2"/>
-              <a:buChar char="Ø"/>
-            </a:pPr>
-            <a:r>
-              <a:rPr lang="en-US" sz="1400" dirty="0"/>
-              <a:t>Fixed proportion of nonzero predictive biomarkers: 10%</a:t>
-            </a:r>
-          </a:p>
-          <a:p>
-            <a:pPr marL="285750" lvl="0" indent="-285750">
-              <a:buFont typeface="Wingdings" panose="05000000000000000000" pitchFamily="2" charset="2"/>
-              <a:buChar char="Ø"/>
-            </a:pPr>
-            <a:r>
-              <a:rPr lang="en-US" sz="1400" dirty="0"/>
-              <a:t>Fixed SNR=10</a:t>
-            </a:r>
-          </a:p>
-        </p:txBody>
-      </p:sp>
-    </p:spTree>
-    <p:extLst>
-      <p:ext uri="{BB962C8B-B14F-4D97-AF65-F5344CB8AC3E}">
-        <p14:creationId xmlns:p14="http://schemas.microsoft.com/office/powerpoint/2010/main" val="839547082"/>
-      </p:ext>
-    </p:extLst>
-  </p:cSld>
-  <p:clrMapOvr>
-    <a:masterClrMapping/>
-  </p:clrMapOvr>
-</p:sld>
-</file>
-
-<file path=ppt/slides/slide51.xml><?xml version="1.0" encoding="utf-8"?>
-<p:sld xmlns:a="http://schemas.openxmlformats.org/drawingml/2006/main" xmlns:r="http://schemas.openxmlformats.org/officeDocument/2006/relationships" xmlns:p="http://schemas.openxmlformats.org/presentationml/2006/main">
-  <p:cSld>
-    <p:spTree>
-      <p:nvGrpSpPr>
-        <p:cNvPr id="1" name=""/>
-        <p:cNvGrpSpPr/>
-        <p:nvPr/>
-      </p:nvGrpSpPr>
-      <p:grpSpPr>
-        <a:xfrm>
-          <a:off x="0" y="0"/>
-          <a:ext cx="0" cy="0"/>
-          <a:chOff x="0" y="0"/>
-          <a:chExt cx="0" cy="0"/>
-        </a:xfrm>
-      </p:grpSpPr>
-      <p:sp>
-        <p:nvSpPr>
           <p:cNvPr id="2" name="Title 1"/>
           <p:cNvSpPr>
             <a:spLocks noGrp="1"/>
@@ -33835,7 +34407,47 @@
           <a:p>
             <a:r>
               <a:rPr lang="en-US" dirty="0"/>
-              <a:t>SNP</a:t>
+              <a:t>Future Steps</a:t>
+            </a:r>
+          </a:p>
+        </p:txBody>
+      </p:sp>
+      <p:sp>
+        <p:nvSpPr>
+          <p:cNvPr id="3" name="Content Placeholder 2"/>
+          <p:cNvSpPr>
+            <a:spLocks noGrp="1"/>
+          </p:cNvSpPr>
+          <p:nvPr>
+            <p:ph idx="1"/>
+          </p:nvPr>
+        </p:nvSpPr>
+        <p:spPr/>
+        <p:txBody>
+          <a:bodyPr/>
+          <a:lstStyle/>
+          <a:p>
+            <a:r>
+              <a:rPr lang="en-US" dirty="0"/>
+              <a:t>Overlapping Simulations</a:t>
+            </a:r>
+          </a:p>
+          <a:p>
+            <a:r>
+              <a:rPr lang="en-US" dirty="0"/>
+              <a:t>Stop Criterion</a:t>
+            </a:r>
+          </a:p>
+          <a:p>
+            <a:r>
+              <a:rPr lang="en-US" dirty="0"/>
+              <a:t>Combination of Group Lasso with other methods</a:t>
+            </a:r>
+          </a:p>
+          <a:p>
+            <a:r>
+              <a:rPr lang="en-US" dirty="0"/>
+              <a:t>Endpoints</a:t>
             </a:r>
           </a:p>
         </p:txBody>
@@ -33909,395 +34521,7 @@
             <a:fld id="{E9B57936-92EF-4126-AE48-1D9D36D15E98}" type="slidenum">
               <a:rPr kumimoji="1" lang="ja-JP" altLang="en-US" smtClean="0"/>
               <a:pPr/>
-              <a:t>50</a:t>
-            </a:fld>
-            <a:endParaRPr kumimoji="1" lang="ja-JP" altLang="en-US" dirty="0"/>
-          </a:p>
-        </p:txBody>
-      </p:sp>
-      <p:pic>
-        <p:nvPicPr>
-          <p:cNvPr id="7" name="Content Placeholder 6"/>
-          <p:cNvPicPr>
-            <a:picLocks noGrp="1" noChangeAspect="1"/>
-          </p:cNvPicPr>
-          <p:nvPr>
-            <p:ph idx="1"/>
-          </p:nvPr>
-        </p:nvPicPr>
-        <p:blipFill>
-          <a:blip r:embed="rId2">
-            <a:extLst>
-              <a:ext uri="{28A0092B-C50C-407E-A947-70E740481C1C}">
-                <a14:useLocalDpi xmlns:a14="http://schemas.microsoft.com/office/drawing/2010/main" val="0"/>
-              </a:ext>
-            </a:extLst>
-          </a:blip>
-          <a:stretch>
-            <a:fillRect/>
-          </a:stretch>
-        </p:blipFill>
-        <p:spPr>
-          <a:xfrm>
-            <a:off x="735806" y="1490662"/>
-            <a:ext cx="7620000" cy="2540000"/>
-          </a:xfrm>
-        </p:spPr>
-      </p:pic>
-      <p:sp>
-        <p:nvSpPr>
-          <p:cNvPr id="8" name="Rectangle 7"/>
-          <p:cNvSpPr/>
-          <p:nvPr/>
-        </p:nvSpPr>
-        <p:spPr>
-          <a:xfrm>
-            <a:off x="6029263" y="2211710"/>
-            <a:ext cx="558961" cy="216024"/>
-          </a:xfrm>
-          <a:prstGeom prst="rect">
-            <a:avLst/>
-          </a:prstGeom>
-          <a:noFill/>
-        </p:spPr>
-        <p:style>
-          <a:lnRef idx="2">
-            <a:schemeClr val="accent1">
-              <a:shade val="50000"/>
-            </a:schemeClr>
-          </a:lnRef>
-          <a:fillRef idx="1">
-            <a:schemeClr val="accent1"/>
-          </a:fillRef>
-          <a:effectRef idx="0">
-            <a:schemeClr val="accent1"/>
-          </a:effectRef>
-          <a:fontRef idx="minor">
-            <a:schemeClr val="lt1"/>
-          </a:fontRef>
-        </p:style>
-        <p:txBody>
-          <a:bodyPr rtlCol="0" anchor="ctr"/>
-          <a:lstStyle/>
-          <a:p>
-            <a:pPr algn="ctr"/>
-            <a:endParaRPr lang="en-US"/>
-          </a:p>
-        </p:txBody>
-      </p:sp>
-    </p:spTree>
-    <p:extLst>
-      <p:ext uri="{BB962C8B-B14F-4D97-AF65-F5344CB8AC3E}">
-        <p14:creationId xmlns:p14="http://schemas.microsoft.com/office/powerpoint/2010/main" val="559225134"/>
-      </p:ext>
-    </p:extLst>
-  </p:cSld>
-  <p:clrMapOvr>
-    <a:masterClrMapping/>
-  </p:clrMapOvr>
-</p:sld>
-</file>
-
-<file path=ppt/slides/slide52.xml><?xml version="1.0" encoding="utf-8"?>
-<p:sld xmlns:a="http://schemas.openxmlformats.org/drawingml/2006/main" xmlns:r="http://schemas.openxmlformats.org/officeDocument/2006/relationships" xmlns:p="http://schemas.openxmlformats.org/presentationml/2006/main">
-  <p:cSld>
-    <p:spTree>
-      <p:nvGrpSpPr>
-        <p:cNvPr id="1" name=""/>
-        <p:cNvGrpSpPr/>
-        <p:nvPr/>
-      </p:nvGrpSpPr>
-      <p:grpSpPr>
-        <a:xfrm>
-          <a:off x="0" y="0"/>
-          <a:ext cx="0" cy="0"/>
-          <a:chOff x="0" y="0"/>
-          <a:chExt cx="0" cy="0"/>
-        </a:xfrm>
-      </p:grpSpPr>
-      <p:sp>
-        <p:nvSpPr>
-          <p:cNvPr id="2" name="Title 1">
-            <a:extLst>
-              <a:ext uri="{FF2B5EF4-FFF2-40B4-BE49-F238E27FC236}">
-                <a16:creationId xmlns:a16="http://schemas.microsoft.com/office/drawing/2014/main" id="{17A8BB3D-2D35-4F66-AFB4-2A9AE7681862}"/>
-              </a:ext>
-            </a:extLst>
-          </p:cNvPr>
-          <p:cNvSpPr>
-            <a:spLocks noGrp="1"/>
-          </p:cNvSpPr>
-          <p:nvPr>
-            <p:ph type="title"/>
-          </p:nvPr>
-        </p:nvSpPr>
-        <p:spPr>
-          <a:xfrm>
-            <a:off x="3496382" y="1563638"/>
-            <a:ext cx="2587786" cy="1460158"/>
-          </a:xfrm>
-        </p:spPr>
-        <p:txBody>
-          <a:bodyPr/>
-          <a:lstStyle/>
-          <a:p>
-            <a:pPr algn="ctr"/>
-            <a:r>
-              <a:rPr lang="en-US" dirty="0"/>
-              <a:t>Real Data</a:t>
-            </a:r>
-          </a:p>
-        </p:txBody>
-      </p:sp>
-      <p:sp>
-        <p:nvSpPr>
-          <p:cNvPr id="3" name="Footer Placeholder 2">
-            <a:extLst>
-              <a:ext uri="{FF2B5EF4-FFF2-40B4-BE49-F238E27FC236}">
-                <a16:creationId xmlns:a16="http://schemas.microsoft.com/office/drawing/2014/main" id="{11862E8A-91FD-4C41-A192-DB3D27D88824}"/>
-              </a:ext>
-            </a:extLst>
-          </p:cNvPr>
-          <p:cNvSpPr>
-            <a:spLocks noGrp="1"/>
-          </p:cNvSpPr>
-          <p:nvPr>
-            <p:ph type="ftr" sz="quarter" idx="11"/>
-          </p:nvPr>
-        </p:nvSpPr>
-        <p:spPr/>
-        <p:txBody>
-          <a:bodyPr/>
-          <a:lstStyle/>
-          <a:p>
-            <a:r>
-              <a:rPr lang="ja-JP" altLang="en-US" dirty="0"/>
-              <a:t>｜</a:t>
-            </a:r>
-            <a:r>
-              <a:rPr lang="en-US" altLang="ja-JP" dirty="0"/>
-              <a:t>0000</a:t>
-            </a:r>
-            <a:r>
-              <a:rPr lang="ja-JP" altLang="en-US" dirty="0"/>
-              <a:t>　</a:t>
-            </a:r>
-            <a:r>
-              <a:rPr lang="en-US" altLang="ja-JP" dirty="0"/>
-              <a:t>|</a:t>
-            </a:r>
-            <a:r>
-              <a:rPr lang="ja-JP" altLang="en-US" dirty="0"/>
-              <a:t>　　</a:t>
-            </a:r>
-            <a:r>
-              <a:rPr lang="en-US" altLang="ja-JP" dirty="0"/>
-              <a:t> Aug 24</a:t>
-            </a:r>
-            <a:r>
-              <a:rPr lang="en-US" altLang="ja-JP" baseline="30000" dirty="0"/>
-              <a:t>th</a:t>
-            </a:r>
-            <a:r>
-              <a:rPr lang="en-US" altLang="ja-JP" dirty="0"/>
-              <a:t> 2018</a:t>
-            </a:r>
-            <a:endParaRPr lang="ja-JP" altLang="en-US" dirty="0"/>
-          </a:p>
-        </p:txBody>
-      </p:sp>
-      <p:sp>
-        <p:nvSpPr>
-          <p:cNvPr id="4" name="Slide Number Placeholder 3">
-            <a:extLst>
-              <a:ext uri="{FF2B5EF4-FFF2-40B4-BE49-F238E27FC236}">
-                <a16:creationId xmlns:a16="http://schemas.microsoft.com/office/drawing/2014/main" id="{9DA5ED20-07EE-4130-97A2-FC2FBDDF57B9}"/>
-              </a:ext>
-            </a:extLst>
-          </p:cNvPr>
-          <p:cNvSpPr>
-            <a:spLocks noGrp="1"/>
-          </p:cNvSpPr>
-          <p:nvPr>
-            <p:ph type="sldNum" sz="quarter" idx="12"/>
-          </p:nvPr>
-        </p:nvSpPr>
-        <p:spPr/>
-        <p:txBody>
-          <a:bodyPr/>
-          <a:lstStyle/>
-          <a:p>
-            <a:fld id="{E9B57936-92EF-4126-AE48-1D9D36D15E98}" type="slidenum">
-              <a:rPr kumimoji="1" lang="ja-JP" altLang="en-US" smtClean="0"/>
-              <a:pPr/>
-              <a:t>51</a:t>
-            </a:fld>
-            <a:endParaRPr kumimoji="1" lang="ja-JP" altLang="en-US"/>
-          </a:p>
-        </p:txBody>
-      </p:sp>
-    </p:spTree>
-    <p:extLst>
-      <p:ext uri="{BB962C8B-B14F-4D97-AF65-F5344CB8AC3E}">
-        <p14:creationId xmlns:p14="http://schemas.microsoft.com/office/powerpoint/2010/main" val="2648673506"/>
-      </p:ext>
-    </p:extLst>
-  </p:cSld>
-  <p:clrMapOvr>
-    <a:masterClrMapping/>
-  </p:clrMapOvr>
-</p:sld>
-</file>
-
-<file path=ppt/slides/slide53.xml><?xml version="1.0" encoding="utf-8"?>
-<p:sld xmlns:a="http://schemas.openxmlformats.org/drawingml/2006/main" xmlns:r="http://schemas.openxmlformats.org/officeDocument/2006/relationships" xmlns:p="http://schemas.openxmlformats.org/presentationml/2006/main">
-  <p:cSld>
-    <p:spTree>
-      <p:nvGrpSpPr>
-        <p:cNvPr id="1" name=""/>
-        <p:cNvGrpSpPr/>
-        <p:nvPr/>
-      </p:nvGrpSpPr>
-      <p:grpSpPr>
-        <a:xfrm>
-          <a:off x="0" y="0"/>
-          <a:ext cx="0" cy="0"/>
-          <a:chOff x="0" y="0"/>
-          <a:chExt cx="0" cy="0"/>
-        </a:xfrm>
-      </p:grpSpPr>
-      <p:sp>
-        <p:nvSpPr>
-          <p:cNvPr id="2" name="Title 1"/>
-          <p:cNvSpPr>
-            <a:spLocks noGrp="1"/>
-          </p:cNvSpPr>
-          <p:nvPr>
-            <p:ph type="title"/>
-          </p:nvPr>
-        </p:nvSpPr>
-        <p:spPr/>
-        <p:txBody>
-          <a:bodyPr/>
-          <a:lstStyle/>
-          <a:p>
-            <a:r>
-              <a:rPr lang="en-US" dirty="0"/>
-              <a:t>Future Steps</a:t>
-            </a:r>
-          </a:p>
-        </p:txBody>
-      </p:sp>
-      <p:sp>
-        <p:nvSpPr>
-          <p:cNvPr id="3" name="Content Placeholder 2"/>
-          <p:cNvSpPr>
-            <a:spLocks noGrp="1"/>
-          </p:cNvSpPr>
-          <p:nvPr>
-            <p:ph idx="1"/>
-          </p:nvPr>
-        </p:nvSpPr>
-        <p:spPr/>
-        <p:txBody>
-          <a:bodyPr/>
-          <a:lstStyle/>
-          <a:p>
-            <a:r>
-              <a:rPr lang="en-US" dirty="0"/>
-              <a:t>Overlapping Simulations</a:t>
-            </a:r>
-          </a:p>
-          <a:p>
-            <a:r>
-              <a:rPr lang="en-US" dirty="0"/>
-              <a:t>Stop Criterion</a:t>
-            </a:r>
-          </a:p>
-          <a:p>
-            <a:r>
-              <a:rPr lang="en-US" dirty="0"/>
-              <a:t>Combination of Group Lasso with other methods</a:t>
-            </a:r>
-          </a:p>
-          <a:p>
-            <a:r>
-              <a:rPr lang="en-US" dirty="0"/>
-              <a:t>Endpoints</a:t>
-            </a:r>
-          </a:p>
-        </p:txBody>
-      </p:sp>
-      <p:sp>
-        <p:nvSpPr>
-          <p:cNvPr id="4" name="Footer Placeholder 3"/>
-          <p:cNvSpPr>
-            <a:spLocks noGrp="1"/>
-          </p:cNvSpPr>
-          <p:nvPr>
-            <p:ph type="ftr" sz="quarter" idx="11"/>
-          </p:nvPr>
-        </p:nvSpPr>
-        <p:spPr/>
-        <p:txBody>
-          <a:bodyPr/>
-          <a:lstStyle/>
-          <a:p>
-            <a:r>
-              <a:rPr lang="ja-JP" altLang="en-US" dirty="0"/>
-              <a:t>｜</a:t>
-            </a:r>
-            <a:r>
-              <a:rPr lang="en-US" altLang="ja-JP" dirty="0"/>
-              <a:t>0000</a:t>
-            </a:r>
-            <a:r>
-              <a:rPr lang="ja-JP" altLang="en-US" dirty="0"/>
-              <a:t>　</a:t>
-            </a:r>
-            <a:r>
-              <a:rPr lang="en-US" altLang="ja-JP" dirty="0"/>
-              <a:t>|</a:t>
-            </a:r>
-            <a:r>
-              <a:rPr lang="ja-JP" altLang="en-US" dirty="0"/>
-              <a:t>　　</a:t>
-            </a:r>
-            <a:r>
-              <a:rPr lang="en-US" altLang="ja-JP" dirty="0"/>
-              <a:t> Aug 24</a:t>
-            </a:r>
-            <a:r>
-              <a:rPr lang="en-US" altLang="ja-JP" baseline="30000" dirty="0"/>
-              <a:t>th</a:t>
-            </a:r>
-            <a:r>
-              <a:rPr lang="en-US" altLang="ja-JP" dirty="0"/>
-              <a:t> 2018</a:t>
-            </a:r>
-            <a:endParaRPr lang="ja-JP" altLang="en-US" dirty="0"/>
-          </a:p>
-        </p:txBody>
-      </p:sp>
-      <p:sp>
-        <p:nvSpPr>
-          <p:cNvPr id="5" name="Slide Number Placeholder 4"/>
-          <p:cNvSpPr>
-            <a:spLocks noGrp="1"/>
-          </p:cNvSpPr>
-          <p:nvPr>
-            <p:ph type="sldNum" sz="quarter" idx="12"/>
-          </p:nvPr>
-        </p:nvSpPr>
-        <p:spPr/>
-        <p:txBody>
-          <a:bodyPr/>
-          <a:lstStyle/>
-          <a:p>
-            <a:fld id="{E9B57936-92EF-4126-AE48-1D9D36D15E98}" type="slidenum">
-              <a:rPr kumimoji="1" lang="ja-JP" altLang="en-US" smtClean="0"/>
-              <a:pPr/>
-              <a:t>52</a:t>
+              <a:t>49</a:t>
             </a:fld>
             <a:endParaRPr kumimoji="1" lang="ja-JP" altLang="en-US" dirty="0"/>
           </a:p>
@@ -34313,10 +34537,17 @@
   <p:clrMapOvr>
     <a:masterClrMapping/>
   </p:clrMapOvr>
+  <p:timing>
+    <p:tnLst>
+      <p:par>
+        <p:cTn id="1" dur="indefinite" restart="never" nodeType="tmRoot"/>
+      </p:par>
+    </p:tnLst>
+  </p:timing>
 </p:sld>
 </file>
 
-<file path=ppt/slides/slide54.xml><?xml version="1.0" encoding="utf-8"?>
+<file path=ppt/slides/slide51.xml><?xml version="1.0" encoding="utf-8"?>
 <p:sld xmlns:a="http://schemas.openxmlformats.org/drawingml/2006/main" xmlns:r="http://schemas.openxmlformats.org/officeDocument/2006/relationships" xmlns:p="http://schemas.openxmlformats.org/presentationml/2006/main">
   <p:cSld>
     <p:spTree>
@@ -34443,7 +34674,7 @@
             <a:fld id="{E9B57936-92EF-4126-AE48-1D9D36D15E98}" type="slidenum">
               <a:rPr kumimoji="1" lang="ja-JP" altLang="en-US" smtClean="0"/>
               <a:pPr/>
-              <a:t>53</a:t>
+              <a:t>50</a:t>
             </a:fld>
             <a:endParaRPr kumimoji="1" lang="ja-JP" altLang="en-US" dirty="0"/>
           </a:p>
@@ -34459,10 +34690,17 @@
   <p:clrMapOvr>
     <a:masterClrMapping/>
   </p:clrMapOvr>
+  <p:timing>
+    <p:tnLst>
+      <p:par>
+        <p:cTn id="1" dur="indefinite" restart="never" nodeType="tmRoot"/>
+      </p:par>
+    </p:tnLst>
+  </p:timing>
 </p:sld>
 </file>
 
-<file path=ppt/slides/slide55.xml><?xml version="1.0" encoding="utf-8"?>
+<file path=ppt/slides/slide52.xml><?xml version="1.0" encoding="utf-8"?>
 <p:sld xmlns:a="http://schemas.openxmlformats.org/drawingml/2006/main" xmlns:r="http://schemas.openxmlformats.org/officeDocument/2006/relationships" xmlns:p="http://schemas.openxmlformats.org/presentationml/2006/main">
   <p:cSld>
     <p:spTree>
@@ -34511,6 +34749,13 @@
   <p:clrMapOvr>
     <a:masterClrMapping/>
   </p:clrMapOvr>
+  <p:timing>
+    <p:tnLst>
+      <p:par>
+        <p:cTn id="1" dur="indefinite" restart="never" nodeType="tmRoot"/>
+      </p:par>
+    </p:tnLst>
+  </p:timing>
 </p:sld>
 </file>
 
@@ -34536,7 +34781,7 @@
           <p:cNvPr id="1026" name="Picture 2" descr="https://www.almacgroup.com/wp-content/uploads/2017/05/image-two.png">
             <a:extLst>
               <a:ext uri="{FF2B5EF4-FFF2-40B4-BE49-F238E27FC236}">
-                <a16:creationId xmlns:a16="http://schemas.microsoft.com/office/drawing/2014/main" id="{E867E7A2-8CC0-46B4-BFF0-6C32B06ABEE2}"/>
+                <a16:creationId xmlns:a16="http://schemas.microsoft.com/office/drawing/2014/main" xmlns="" id="{E867E7A2-8CC0-46B4-BFF0-6C32B06ABEE2}"/>
               </a:ext>
             </a:extLst>
           </p:cNvPr>
@@ -34583,7 +34828,7 @@
           <p:cNvPr id="5" name="Rectangle 4">
             <a:extLst>
               <a:ext uri="{FF2B5EF4-FFF2-40B4-BE49-F238E27FC236}">
-                <a16:creationId xmlns:a16="http://schemas.microsoft.com/office/drawing/2014/main" id="{4E2B386B-E39D-49FE-A910-C82ADD38FF9D}"/>
+                <a16:creationId xmlns:a16="http://schemas.microsoft.com/office/drawing/2014/main" xmlns="" id="{4E2B386B-E39D-49FE-A910-C82ADD38FF9D}"/>
               </a:ext>
             </a:extLst>
           </p:cNvPr>
@@ -34637,7 +34882,7 @@
           <p:cNvPr id="6" name="TextBox 5">
             <a:extLst>
               <a:ext uri="{FF2B5EF4-FFF2-40B4-BE49-F238E27FC236}">
-                <a16:creationId xmlns:a16="http://schemas.microsoft.com/office/drawing/2014/main" id="{0773589D-C5B3-4615-A900-47F413CA0D37}"/>
+                <a16:creationId xmlns:a16="http://schemas.microsoft.com/office/drawing/2014/main" xmlns="" id="{0773589D-C5B3-4615-A900-47F413CA0D37}"/>
               </a:ext>
             </a:extLst>
           </p:cNvPr>
@@ -34679,7 +34924,7 @@
           <p:cNvPr id="7" name="Rectangle: Rounded Corners 6">
             <a:extLst>
               <a:ext uri="{FF2B5EF4-FFF2-40B4-BE49-F238E27FC236}">
-                <a16:creationId xmlns:a16="http://schemas.microsoft.com/office/drawing/2014/main" id="{D8171938-008D-42E2-BEAB-8033B90F3225}"/>
+                <a16:creationId xmlns:a16="http://schemas.microsoft.com/office/drawing/2014/main" xmlns="" id="{D8171938-008D-42E2-BEAB-8033B90F3225}"/>
               </a:ext>
             </a:extLst>
           </p:cNvPr>
@@ -34733,7 +34978,7 @@
           <p:cNvPr id="10" name="TextBox 9">
             <a:extLst>
               <a:ext uri="{FF2B5EF4-FFF2-40B4-BE49-F238E27FC236}">
-                <a16:creationId xmlns:a16="http://schemas.microsoft.com/office/drawing/2014/main" id="{C7B28F70-E44D-430F-A8AD-A49444776531}"/>
+                <a16:creationId xmlns:a16="http://schemas.microsoft.com/office/drawing/2014/main" xmlns="" id="{C7B28F70-E44D-430F-A8AD-A49444776531}"/>
               </a:ext>
             </a:extLst>
           </p:cNvPr>
@@ -34775,7 +35020,7 @@
           <p:cNvPr id="12" name="Title 1">
             <a:extLst>
               <a:ext uri="{FF2B5EF4-FFF2-40B4-BE49-F238E27FC236}">
-                <a16:creationId xmlns:a16="http://schemas.microsoft.com/office/drawing/2014/main" id="{38583C8C-DF97-4568-BBC0-1E6B87C39B83}"/>
+                <a16:creationId xmlns:a16="http://schemas.microsoft.com/office/drawing/2014/main" xmlns="" id="{38583C8C-DF97-4568-BBC0-1E6B87C39B83}"/>
               </a:ext>
             </a:extLst>
           </p:cNvPr>
@@ -34838,7 +35083,7 @@
           <p:cNvPr id="2" name="Title 1">
             <a:extLst>
               <a:ext uri="{FF2B5EF4-FFF2-40B4-BE49-F238E27FC236}">
-                <a16:creationId xmlns:a16="http://schemas.microsoft.com/office/drawing/2014/main" id="{2402DCD2-0C35-4CD9-9D55-3AD27C4E6E1A}"/>
+                <a16:creationId xmlns:a16="http://schemas.microsoft.com/office/drawing/2014/main" xmlns="" id="{2402DCD2-0C35-4CD9-9D55-3AD27C4E6E1A}"/>
               </a:ext>
             </a:extLst>
           </p:cNvPr>
@@ -34866,7 +35111,7 @@
           <p:cNvPr id="4" name="Footer Placeholder 3">
             <a:extLst>
               <a:ext uri="{FF2B5EF4-FFF2-40B4-BE49-F238E27FC236}">
-                <a16:creationId xmlns:a16="http://schemas.microsoft.com/office/drawing/2014/main" id="{ED5DDAB4-5465-4C02-B012-5C2392656E96}"/>
+                <a16:creationId xmlns:a16="http://schemas.microsoft.com/office/drawing/2014/main" xmlns="" id="{ED5DDAB4-5465-4C02-B012-5C2392656E96}"/>
               </a:ext>
             </a:extLst>
           </p:cNvPr>
@@ -34923,7 +35168,7 @@
           <p:cNvPr id="5" name="Slide Number Placeholder 4">
             <a:extLst>
               <a:ext uri="{FF2B5EF4-FFF2-40B4-BE49-F238E27FC236}">
-                <a16:creationId xmlns:a16="http://schemas.microsoft.com/office/drawing/2014/main" id="{CECCB517-DD7E-441C-B5C0-DA6D32B76F01}"/>
+                <a16:creationId xmlns:a16="http://schemas.microsoft.com/office/drawing/2014/main" xmlns="" id="{CECCB517-DD7E-441C-B5C0-DA6D32B76F01}"/>
               </a:ext>
             </a:extLst>
           </p:cNvPr>
@@ -34953,7 +35198,7 @@
           <p:cNvPr id="1026" name="Picture 2" descr="Image result for variable selection">
             <a:extLst>
               <a:ext uri="{FF2B5EF4-FFF2-40B4-BE49-F238E27FC236}">
-                <a16:creationId xmlns:a16="http://schemas.microsoft.com/office/drawing/2014/main" id="{4FE87B62-E8A2-4781-8542-17DA5F458E8D}"/>
+                <a16:creationId xmlns:a16="http://schemas.microsoft.com/office/drawing/2014/main" xmlns="" id="{4FE87B62-E8A2-4781-8542-17DA5F458E8D}"/>
               </a:ext>
             </a:extLst>
           </p:cNvPr>
@@ -35000,7 +35245,7 @@
           <p:cNvPr id="1028" name="Picture 4" descr="Image result for lasso">
             <a:extLst>
               <a:ext uri="{FF2B5EF4-FFF2-40B4-BE49-F238E27FC236}">
-                <a16:creationId xmlns:a16="http://schemas.microsoft.com/office/drawing/2014/main" id="{FC74E8AF-26B6-489F-9DAA-748E12CFDBFC}"/>
+                <a16:creationId xmlns:a16="http://schemas.microsoft.com/office/drawing/2014/main" xmlns="" id="{FC74E8AF-26B6-489F-9DAA-748E12CFDBFC}"/>
               </a:ext>
             </a:extLst>
           </p:cNvPr>
@@ -35047,7 +35292,7 @@
           <p:cNvPr id="6" name="TextBox 5">
             <a:extLst>
               <a:ext uri="{FF2B5EF4-FFF2-40B4-BE49-F238E27FC236}">
-                <a16:creationId xmlns:a16="http://schemas.microsoft.com/office/drawing/2014/main" id="{C14B3A59-74C7-4D01-AFC3-2CF85B50385C}"/>
+                <a16:creationId xmlns:a16="http://schemas.microsoft.com/office/drawing/2014/main" xmlns="" id="{C14B3A59-74C7-4D01-AFC3-2CF85B50385C}"/>
               </a:ext>
             </a:extLst>
           </p:cNvPr>
@@ -35233,7 +35478,7 @@
           <p:cNvPr id="2" name="Title 1">
             <a:extLst>
               <a:ext uri="{FF2B5EF4-FFF2-40B4-BE49-F238E27FC236}">
-                <a16:creationId xmlns:a16="http://schemas.microsoft.com/office/drawing/2014/main" id="{6D33CD07-ACD3-477C-A5E6-452B122FF8EB}"/>
+                <a16:creationId xmlns:a16="http://schemas.microsoft.com/office/drawing/2014/main" xmlns="" id="{6D33CD07-ACD3-477C-A5E6-452B122FF8EB}"/>
               </a:ext>
             </a:extLst>
           </p:cNvPr>
@@ -35261,7 +35506,7 @@
           <p:cNvPr id="4" name="Footer Placeholder 3">
             <a:extLst>
               <a:ext uri="{FF2B5EF4-FFF2-40B4-BE49-F238E27FC236}">
-                <a16:creationId xmlns:a16="http://schemas.microsoft.com/office/drawing/2014/main" id="{7E62D83B-F16B-463F-B120-60AA6E0B32BF}"/>
+                <a16:creationId xmlns:a16="http://schemas.microsoft.com/office/drawing/2014/main" xmlns="" id="{7E62D83B-F16B-463F-B120-60AA6E0B32BF}"/>
               </a:ext>
             </a:extLst>
           </p:cNvPr>
@@ -35318,7 +35563,7 @@
           <p:cNvPr id="5" name="Slide Number Placeholder 4">
             <a:extLst>
               <a:ext uri="{FF2B5EF4-FFF2-40B4-BE49-F238E27FC236}">
-                <a16:creationId xmlns:a16="http://schemas.microsoft.com/office/drawing/2014/main" id="{6144BC6C-FC32-4CD0-AD45-9F87F70D3CC2}"/>
+                <a16:creationId xmlns:a16="http://schemas.microsoft.com/office/drawing/2014/main" xmlns="" id="{6144BC6C-FC32-4CD0-AD45-9F87F70D3CC2}"/>
               </a:ext>
             </a:extLst>
           </p:cNvPr>
@@ -35343,14 +35588,14 @@
           </a:p>
         </p:txBody>
       </p:sp>
-      <mc:AlternateContent xmlns:mc="http://schemas.openxmlformats.org/markup-compatibility/2006">
-        <mc:Choice xmlns:a14="http://schemas.microsoft.com/office/drawing/2010/main" Requires="a14">
+      <mc:AlternateContent xmlns:mc="http://schemas.openxmlformats.org/markup-compatibility/2006" xmlns:a14="http://schemas.microsoft.com/office/drawing/2010/main">
+        <mc:Choice Requires="a14">
           <p:sp>
             <p:nvSpPr>
               <p:cNvPr id="6" name="Content Placeholder 5">
                 <a:extLst>
                   <a:ext uri="{FF2B5EF4-FFF2-40B4-BE49-F238E27FC236}">
-                    <a16:creationId xmlns:a16="http://schemas.microsoft.com/office/drawing/2014/main" id="{8EE6EF1C-7BAD-43FC-8EDB-996441C677D3}"/>
+                    <a16:creationId xmlns:a16="http://schemas.microsoft.com/office/drawing/2014/main" xmlns="" id="{8EE6EF1C-7BAD-43FC-8EDB-996441C677D3}"/>
                   </a:ext>
                 </a:extLst>
               </p:cNvPr>
@@ -35380,7 +35625,7 @@
                       <m:limLowPr>
                         <m:ctrlPr>
                           <a:rPr lang="en-US" b="0" i="1" smtClean="0">
-                            <a:latin typeface="Cambria Math" panose="02040503050406030204" pitchFamily="18" charset="0"/>
+                            <a:latin typeface="Cambria Math" charset="0"/>
                           </a:rPr>
                         </m:ctrlPr>
                       </m:limLowPr>
@@ -35408,7 +35653,7 @@
                       <m:fPr>
                         <m:ctrlPr>
                           <a:rPr lang="en-US" b="0" i="1" smtClean="0">
-                            <a:latin typeface="Cambria Math" panose="02040503050406030204" pitchFamily="18" charset="0"/>
+                            <a:latin typeface="Cambria Math" charset="0"/>
                           </a:rPr>
                         </m:ctrlPr>
                       </m:fPr>
@@ -35463,7 +35708,7 @@
                       <m:sSupPr>
                         <m:ctrlPr>
                           <a:rPr lang="en-US" b="0" i="1" smtClean="0">
-                            <a:latin typeface="Cambria Math" panose="02040503050406030204" pitchFamily="18" charset="0"/>
+                            <a:latin typeface="Cambria Math" charset="0"/>
                           </a:rPr>
                         </m:ctrlPr>
                       </m:sSupPr>
@@ -35508,7 +35753,7 @@
                       <m:sSubPr>
                         <m:ctrlPr>
                           <a:rPr lang="en-US" i="1">
-                            <a:latin typeface="Cambria Math" panose="02040503050406030204" pitchFamily="18" charset="0"/>
+                            <a:latin typeface="Cambria Math" charset="0"/>
                           </a:rPr>
                         </m:ctrlPr>
                       </m:sSubPr>
@@ -35519,7 +35764,7 @@
                             <m:endChr m:val="|"/>
                             <m:ctrlPr>
                               <a:rPr lang="en-US" i="1">
-                                <a:latin typeface="Cambria Math" panose="02040503050406030204" pitchFamily="18" charset="0"/>
+                                <a:latin typeface="Cambria Math" charset="0"/>
                               </a:rPr>
                             </m:ctrlPr>
                           </m:dPr>
@@ -35582,7 +35827,7 @@
                         <m:limLowPr>
                           <m:ctrlPr>
                             <a:rPr lang="en-US" b="0" i="1" smtClean="0">
-                              <a:latin typeface="Cambria Math" panose="02040503050406030204" pitchFamily="18" charset="0"/>
+                              <a:latin typeface="Cambria Math" charset="0"/>
                             </a:rPr>
                           </m:ctrlPr>
                         </m:limLowPr>
@@ -35610,7 +35855,7 @@
                         <m:fPr>
                           <m:ctrlPr>
                             <a:rPr lang="en-US" b="0" i="1" smtClean="0">
-                              <a:latin typeface="Cambria Math" panose="02040503050406030204" pitchFamily="18" charset="0"/>
+                              <a:latin typeface="Cambria Math" charset="0"/>
                             </a:rPr>
                           </m:ctrlPr>
                         </m:fPr>
@@ -35665,7 +35910,7 @@
                         <m:sSupPr>
                           <m:ctrlPr>
                             <a:rPr lang="en-US" b="0" i="1" smtClean="0">
-                              <a:latin typeface="Cambria Math" panose="02040503050406030204" pitchFamily="18" charset="0"/>
+                              <a:latin typeface="Cambria Math" charset="0"/>
                             </a:rPr>
                           </m:ctrlPr>
                         </m:sSupPr>
@@ -35732,7 +35977,7 @@
                         <m:sSubPr>
                           <m:ctrlPr>
                             <a:rPr lang="en-US" b="0" i="1" smtClean="0">
-                              <a:latin typeface="Cambria Math" panose="02040503050406030204" pitchFamily="18" charset="0"/>
+                              <a:latin typeface="Cambria Math" charset="0"/>
                             </a:rPr>
                           </m:ctrlPr>
                         </m:sSubPr>
@@ -35743,7 +35988,7 @@
                               <m:endChr m:val="|"/>
                               <m:ctrlPr>
                                 <a:rPr lang="en-US" b="0" i="1" smtClean="0">
-                                  <a:latin typeface="Cambria Math" panose="02040503050406030204" pitchFamily="18" charset="0"/>
+                                  <a:latin typeface="Cambria Math" charset="0"/>
                                 </a:rPr>
                               </m:ctrlPr>
                             </m:dPr>
@@ -35807,7 +36052,7 @@
             </p:txBody>
           </p:sp>
         </mc:Choice>
-        <mc:Fallback>
+        <mc:Fallback xmlns="">
           <p:sp>
             <p:nvSpPr>
               <p:cNvPr id="6" name="Content Placeholder 5">
@@ -35856,7 +36101,7 @@
           <p:cNvPr id="8" name="Picture 2" descr="Image result for lasso algorithm">
             <a:extLst>
               <a:ext uri="{FF2B5EF4-FFF2-40B4-BE49-F238E27FC236}">
-                <a16:creationId xmlns:a16="http://schemas.microsoft.com/office/drawing/2014/main" id="{B7102A31-B859-49A4-A3C6-D4FDBD47EDCF}"/>
+                <a16:creationId xmlns:a16="http://schemas.microsoft.com/office/drawing/2014/main" xmlns="" id="{B7102A31-B859-49A4-A3C6-D4FDBD47EDCF}"/>
               </a:ext>
             </a:extLst>
           </p:cNvPr>
@@ -35901,7 +36146,7 @@
           <p:cNvPr id="7" name="Arrow: Up-Down 6">
             <a:extLst>
               <a:ext uri="{FF2B5EF4-FFF2-40B4-BE49-F238E27FC236}">
-                <a16:creationId xmlns:a16="http://schemas.microsoft.com/office/drawing/2014/main" id="{FD113EF2-491B-4609-8921-03FCAB08BF1E}"/>
+                <a16:creationId xmlns:a16="http://schemas.microsoft.com/office/drawing/2014/main" xmlns="" id="{FD113EF2-491B-4609-8921-03FCAB08BF1E}"/>
               </a:ext>
             </a:extLst>
           </p:cNvPr>
@@ -35947,7 +36192,7 @@
           <p:cNvPr id="3" name="Rectangle 2">
             <a:extLst>
               <a:ext uri="{FF2B5EF4-FFF2-40B4-BE49-F238E27FC236}">
-                <a16:creationId xmlns:a16="http://schemas.microsoft.com/office/drawing/2014/main" id="{78E5842B-094D-4251-BF6D-9492E15A8993}"/>
+                <a16:creationId xmlns:a16="http://schemas.microsoft.com/office/drawing/2014/main" xmlns="" id="{78E5842B-094D-4251-BF6D-9492E15A8993}"/>
               </a:ext>
             </a:extLst>
           </p:cNvPr>
@@ -35999,7 +36244,7 @@
           <p:cNvPr id="9" name="Callout: Bent Line 8">
             <a:extLst>
               <a:ext uri="{FF2B5EF4-FFF2-40B4-BE49-F238E27FC236}">
-                <a16:creationId xmlns:a16="http://schemas.microsoft.com/office/drawing/2014/main" id="{77F1B6FA-577C-4BA6-B36B-E67253C71A96}"/>
+                <a16:creationId xmlns:a16="http://schemas.microsoft.com/office/drawing/2014/main" xmlns="" id="{77F1B6FA-577C-4BA6-B36B-E67253C71A96}"/>
               </a:ext>
             </a:extLst>
           </p:cNvPr>
@@ -36046,7 +36291,7 @@
           <p:cNvPr id="10" name="TextBox 9">
             <a:extLst>
               <a:ext uri="{FF2B5EF4-FFF2-40B4-BE49-F238E27FC236}">
-                <a16:creationId xmlns:a16="http://schemas.microsoft.com/office/drawing/2014/main" id="{45DC9FD1-1820-4C6F-B16B-91B83527087D}"/>
+                <a16:creationId xmlns:a16="http://schemas.microsoft.com/office/drawing/2014/main" xmlns="" id="{45DC9FD1-1820-4C6F-B16B-91B83527087D}"/>
               </a:ext>
             </a:extLst>
           </p:cNvPr>
@@ -36578,7 +36823,7 @@
           <p:cNvPr id="2" name="Title 1">
             <a:extLst>
               <a:ext uri="{FF2B5EF4-FFF2-40B4-BE49-F238E27FC236}">
-                <a16:creationId xmlns:a16="http://schemas.microsoft.com/office/drawing/2014/main" id="{17A8BB3D-2D35-4F66-AFB4-2A9AE7681862}"/>
+                <a16:creationId xmlns:a16="http://schemas.microsoft.com/office/drawing/2014/main" xmlns="" id="{17A8BB3D-2D35-4F66-AFB4-2A9AE7681862}"/>
               </a:ext>
             </a:extLst>
           </p:cNvPr>
@@ -36612,7 +36857,7 @@
           <p:cNvPr id="3" name="Footer Placeholder 2">
             <a:extLst>
               <a:ext uri="{FF2B5EF4-FFF2-40B4-BE49-F238E27FC236}">
-                <a16:creationId xmlns:a16="http://schemas.microsoft.com/office/drawing/2014/main" id="{11862E8A-91FD-4C41-A192-DB3D27D88824}"/>
+                <a16:creationId xmlns:a16="http://schemas.microsoft.com/office/drawing/2014/main" xmlns="" id="{11862E8A-91FD-4C41-A192-DB3D27D88824}"/>
               </a:ext>
             </a:extLst>
           </p:cNvPr>
@@ -36669,7 +36914,7 @@
           <p:cNvPr id="4" name="Slide Number Placeholder 3">
             <a:extLst>
               <a:ext uri="{FF2B5EF4-FFF2-40B4-BE49-F238E27FC236}">
-                <a16:creationId xmlns:a16="http://schemas.microsoft.com/office/drawing/2014/main" id="{9DA5ED20-07EE-4130-97A2-FC2FBDDF57B9}"/>
+                <a16:creationId xmlns:a16="http://schemas.microsoft.com/office/drawing/2014/main" xmlns="" id="{9DA5ED20-07EE-4130-97A2-FC2FBDDF57B9}"/>
               </a:ext>
             </a:extLst>
           </p:cNvPr>

--- a/manu & slides/Final.pptx
+++ b/manu & slides/Final.pptx
@@ -5,7 +5,7 @@
     <p:sldMasterId id="2147483648" r:id="rId1"/>
   </p:sldMasterIdLst>
   <p:notesMasterIdLst>
-    <p:notesMasterId r:id="rId54"/>
+    <p:notesMasterId r:id="rId53"/>
   </p:notesMasterIdLst>
   <p:sldIdLst>
     <p:sldId id="260" r:id="rId2"/>
@@ -19,47 +19,46 @@
     <p:sldId id="343" r:id="rId10"/>
     <p:sldId id="340" r:id="rId11"/>
     <p:sldId id="331" r:id="rId12"/>
-    <p:sldId id="322" r:id="rId13"/>
+    <p:sldId id="346" r:id="rId13"/>
     <p:sldId id="347" r:id="rId14"/>
-    <p:sldId id="346" r:id="rId15"/>
-    <p:sldId id="348" r:id="rId16"/>
-    <p:sldId id="325" r:id="rId17"/>
-    <p:sldId id="349" r:id="rId18"/>
-    <p:sldId id="350" r:id="rId19"/>
-    <p:sldId id="316" r:id="rId20"/>
-    <p:sldId id="315" r:id="rId21"/>
-    <p:sldId id="339" r:id="rId22"/>
-    <p:sldId id="261" r:id="rId23"/>
-    <p:sldId id="344" r:id="rId24"/>
-    <p:sldId id="352" r:id="rId25"/>
-    <p:sldId id="353" r:id="rId26"/>
-    <p:sldId id="293" r:id="rId27"/>
-    <p:sldId id="337" r:id="rId28"/>
-    <p:sldId id="278" r:id="rId29"/>
-    <p:sldId id="354" r:id="rId30"/>
-    <p:sldId id="279" r:id="rId31"/>
-    <p:sldId id="280" r:id="rId32"/>
-    <p:sldId id="281" r:id="rId33"/>
-    <p:sldId id="355" r:id="rId34"/>
-    <p:sldId id="356" r:id="rId35"/>
-    <p:sldId id="336" r:id="rId36"/>
-    <p:sldId id="284" r:id="rId37"/>
-    <p:sldId id="286" r:id="rId38"/>
-    <p:sldId id="287" r:id="rId39"/>
-    <p:sldId id="294" r:id="rId40"/>
-    <p:sldId id="288" r:id="rId41"/>
-    <p:sldId id="357" r:id="rId42"/>
-    <p:sldId id="358" r:id="rId43"/>
-    <p:sldId id="335" r:id="rId44"/>
-    <p:sldId id="305" r:id="rId45"/>
-    <p:sldId id="334" r:id="rId46"/>
-    <p:sldId id="289" r:id="rId47"/>
-    <p:sldId id="333" r:id="rId48"/>
-    <p:sldId id="291" r:id="rId49"/>
-    <p:sldId id="332" r:id="rId50"/>
-    <p:sldId id="307" r:id="rId51"/>
-    <p:sldId id="313" r:id="rId52"/>
-    <p:sldId id="308" r:id="rId53"/>
+    <p:sldId id="348" r:id="rId15"/>
+    <p:sldId id="325" r:id="rId16"/>
+    <p:sldId id="349" r:id="rId17"/>
+    <p:sldId id="350" r:id="rId18"/>
+    <p:sldId id="316" r:id="rId19"/>
+    <p:sldId id="315" r:id="rId20"/>
+    <p:sldId id="339" r:id="rId21"/>
+    <p:sldId id="261" r:id="rId22"/>
+    <p:sldId id="344" r:id="rId23"/>
+    <p:sldId id="352" r:id="rId24"/>
+    <p:sldId id="353" r:id="rId25"/>
+    <p:sldId id="293" r:id="rId26"/>
+    <p:sldId id="337" r:id="rId27"/>
+    <p:sldId id="278" r:id="rId28"/>
+    <p:sldId id="354" r:id="rId29"/>
+    <p:sldId id="279" r:id="rId30"/>
+    <p:sldId id="280" r:id="rId31"/>
+    <p:sldId id="281" r:id="rId32"/>
+    <p:sldId id="355" r:id="rId33"/>
+    <p:sldId id="356" r:id="rId34"/>
+    <p:sldId id="336" r:id="rId35"/>
+    <p:sldId id="284" r:id="rId36"/>
+    <p:sldId id="286" r:id="rId37"/>
+    <p:sldId id="287" r:id="rId38"/>
+    <p:sldId id="294" r:id="rId39"/>
+    <p:sldId id="288" r:id="rId40"/>
+    <p:sldId id="357" r:id="rId41"/>
+    <p:sldId id="358" r:id="rId42"/>
+    <p:sldId id="335" r:id="rId43"/>
+    <p:sldId id="305" r:id="rId44"/>
+    <p:sldId id="334" r:id="rId45"/>
+    <p:sldId id="289" r:id="rId46"/>
+    <p:sldId id="333" r:id="rId47"/>
+    <p:sldId id="291" r:id="rId48"/>
+    <p:sldId id="332" r:id="rId49"/>
+    <p:sldId id="307" r:id="rId50"/>
+    <p:sldId id="313" r:id="rId51"/>
+    <p:sldId id="308" r:id="rId52"/>
   </p:sldIdLst>
   <p:sldSz cx="9144000" cy="5143500" type="screen16x9"/>
   <p:notesSz cx="6805613" cy="9939338"/>
@@ -182,7 +181,7 @@
   <p:cmAuthor id="1" name="Deng Wenxuan" initials="DW" lastIdx="1" clrIdx="0">
     <p:extLst/>
   </p:cmAuthor>
-  <p:cmAuthor id="2" name="Deng, Wenxuan" initials="DW" lastIdx="7" clrIdx="1">
+  <p:cmAuthor id="2" name="Deng, Wenxuan" initials="DW" lastIdx="17" clrIdx="1">
     <p:extLst/>
   </p:cmAuthor>
 </p:cmAuthorLst>
@@ -190,12 +189,34 @@
 
 <file path=ppt/comments/comment1.xml><?xml version="1.0" encoding="utf-8"?>
 <p:cmLst xmlns:a="http://schemas.openxmlformats.org/drawingml/2006/main" xmlns:r="http://schemas.openxmlformats.org/officeDocument/2006/relationships" xmlns:p="http://schemas.openxmlformats.org/presentationml/2006/main">
-  <p:cm authorId="2" dt="2018-08-17T16:16:32.979" idx="1">
+  <p:cm authorId="2" dt="2018-08-21T16:44:02.851" idx="8">
     <p:pos x="10" y="10"/>
-    <p:text>connection to ordinary linear model</p:text>
+    <p:text>gap</p:text>
     <p:extLst>
       <p:ext uri="{C676402C-5697-4E1C-873F-D02D1690AC5C}">
         <p15:threadingInfo xmlns:p15="http://schemas.microsoft.com/office/powerpoint/2012/main" timeZoneBias="240"/>
+      </p:ext>
+    </p:extLst>
+  </p:cm>
+  <p:cm authorId="2" dt="2018-08-21T16:44:11.522" idx="9">
+    <p:pos x="10" y="146"/>
+    <p:text>curve notation</p:text>
+    <p:extLst>
+      <p:ext uri="{C676402C-5697-4E1C-873F-D02D1690AC5C}">
+        <p15:threadingInfo xmlns:p15="http://schemas.microsoft.com/office/powerpoint/2012/main" timeZoneBias="240">
+          <p15:parentCm authorId="2" idx="8"/>
+        </p15:threadingInfo>
+      </p:ext>
+    </p:extLst>
+  </p:cm>
+  <p:cm authorId="2" dt="2018-08-21T16:44:36.441" idx="10">
+    <p:pos x="10" y="282"/>
+    <p:text>brief</p:text>
+    <p:extLst>
+      <p:ext uri="{C676402C-5697-4E1C-873F-D02D1690AC5C}">
+        <p15:threadingInfo xmlns:p15="http://schemas.microsoft.com/office/powerpoint/2012/main" timeZoneBias="240">
+          <p15:parentCm authorId="2" idx="8"/>
+        </p15:threadingInfo>
       </p:ext>
     </p:extLst>
   </p:cm>
@@ -204,9 +225,9 @@
 
 <file path=ppt/comments/comment2.xml><?xml version="1.0" encoding="utf-8"?>
 <p:cmLst xmlns:a="http://schemas.openxmlformats.org/drawingml/2006/main" xmlns:r="http://schemas.openxmlformats.org/officeDocument/2006/relationships" xmlns:p="http://schemas.openxmlformats.org/presentationml/2006/main">
-  <p:cm authorId="2" dt="2018-08-17T16:18:17.678" idx="2">
-    <p:pos x="10" y="10"/>
-    <p:text>delete</p:text>
+  <p:cm authorId="2" dt="2018-08-21T16:45:31.603" idx="11">
+    <p:pos x="4359" y="2468"/>
+    <p:text>full name of lasso</p:text>
     <p:extLst>
       <p:ext uri="{C676402C-5697-4E1C-873F-D02D1690AC5C}">
         <p15:threadingInfo xmlns:p15="http://schemas.microsoft.com/office/powerpoint/2012/main" timeZoneBias="240"/>
@@ -218,6 +239,70 @@
 
 <file path=ppt/comments/comment3.xml><?xml version="1.0" encoding="utf-8"?>
 <p:cmLst xmlns:a="http://schemas.openxmlformats.org/drawingml/2006/main" xmlns:r="http://schemas.openxmlformats.org/officeDocument/2006/relationships" xmlns:p="http://schemas.openxmlformats.org/presentationml/2006/main">
+  <p:cm authorId="2" dt="2018-08-17T16:16:32.979" idx="1">
+    <p:pos x="10" y="10"/>
+    <p:text>connection to ordinary linear model</p:text>
+    <p:extLst>
+      <p:ext uri="{C676402C-5697-4E1C-873F-D02D1690AC5C}">
+        <p15:threadingInfo xmlns:p15="http://schemas.microsoft.com/office/powerpoint/2012/main" timeZoneBias="240"/>
+      </p:ext>
+    </p:extLst>
+  </p:cm>
+  <p:cm authorId="2" dt="2018-08-21T16:47:01.943" idx="12">
+    <p:pos x="10" y="146"/>
+    <p:text>constraint optimization first: motivation</p:text>
+    <p:extLst>
+      <p:ext uri="{C676402C-5697-4E1C-873F-D02D1690AC5C}">
+        <p15:threadingInfo xmlns:p15="http://schemas.microsoft.com/office/powerpoint/2012/main" timeZoneBias="240">
+          <p15:parentCm authorId="2" idx="1"/>
+        </p15:threadingInfo>
+      </p:ext>
+    </p:extLst>
+  </p:cm>
+  <p:cm authorId="2" dt="2018-08-21T16:47:06.755" idx="13">
+    <p:pos x="10" y="282"/>
+    <p:text>order</p:text>
+    <p:extLst>
+      <p:ext uri="{C676402C-5697-4E1C-873F-D02D1690AC5C}">
+        <p15:threadingInfo xmlns:p15="http://schemas.microsoft.com/office/powerpoint/2012/main" timeZoneBias="240">
+          <p15:parentCm authorId="2" idx="1"/>
+        </p15:threadingInfo>
+      </p:ext>
+    </p:extLst>
+  </p:cm>
+</p:cmLst>
+</file>
+
+<file path=ppt/comments/comment4.xml><?xml version="1.0" encoding="utf-8"?>
+<p:cmLst xmlns:a="http://schemas.openxmlformats.org/drawingml/2006/main" xmlns:r="http://schemas.openxmlformats.org/officeDocument/2006/relationships" xmlns:p="http://schemas.openxmlformats.org/presentationml/2006/main">
+  <p:cm authorId="2" dt="2018-08-21T16:47:33.665" idx="14">
+    <p:pos x="1735" y="1145"/>
+    <p:text>covariate</p:text>
+    <p:extLst>
+      <p:ext uri="{C676402C-5697-4E1C-873F-D02D1690AC5C}">
+        <p15:threadingInfo xmlns:p15="http://schemas.microsoft.com/office/powerpoint/2012/main" timeZoneBias="240"/>
+      </p:ext>
+    </p:extLst>
+  </p:cm>
+</p:cmLst>
+</file>
+
+<file path=ppt/comments/comment5.xml><?xml version="1.0" encoding="utf-8"?>
+<p:cmLst xmlns:a="http://schemas.openxmlformats.org/drawingml/2006/main" xmlns:r="http://schemas.openxmlformats.org/officeDocument/2006/relationships" xmlns:p="http://schemas.openxmlformats.org/presentationml/2006/main">
+  <p:cm authorId="2" dt="2018-08-21T16:51:55.459" idx="17">
+    <p:pos x="10" y="10"/>
+    <p:text>list arguments</p:text>
+    <p:extLst>
+      <p:ext uri="{C676402C-5697-4E1C-873F-D02D1690AC5C}">
+        <p15:threadingInfo xmlns:p15="http://schemas.microsoft.com/office/powerpoint/2012/main" timeZoneBias="240"/>
+      </p:ext>
+    </p:extLst>
+  </p:cm>
+</p:cmLst>
+</file>
+
+<file path=ppt/comments/comment6.xml><?xml version="1.0" encoding="utf-8"?>
+<p:cmLst xmlns:a="http://schemas.openxmlformats.org/drawingml/2006/main" xmlns:r="http://schemas.openxmlformats.org/officeDocument/2006/relationships" xmlns:p="http://schemas.openxmlformats.org/presentationml/2006/main">
   <p:cm authorId="2" dt="2018-08-17T16:18:17.678" idx="2">
     <p:pos x="10" y="10"/>
     <p:text>delete</p:text>
@@ -227,10 +312,32 @@
       </p:ext>
     </p:extLst>
   </p:cm>
+  <p:cm authorId="2" dt="2018-08-21T16:49:44.027" idx="15">
+    <p:pos x="10" y="146"/>
+    <p:text>why not lasso</p:text>
+    <p:extLst>
+      <p:ext uri="{C676402C-5697-4E1C-873F-D02D1690AC5C}">
+        <p15:threadingInfo xmlns:p15="http://schemas.microsoft.com/office/powerpoint/2012/main" timeZoneBias="240">
+          <p15:parentCm authorId="2" idx="2"/>
+        </p15:threadingInfo>
+      </p:ext>
+    </p:extLst>
+  </p:cm>
+  <p:cm authorId="2" dt="2018-08-21T16:50:04.471" idx="16">
+    <p:pos x="10" y="282"/>
+    <p:text>assumption first</p:text>
+    <p:extLst>
+      <p:ext uri="{C676402C-5697-4E1C-873F-D02D1690AC5C}">
+        <p15:threadingInfo xmlns:p15="http://schemas.microsoft.com/office/powerpoint/2012/main" timeZoneBias="240">
+          <p15:parentCm authorId="2" idx="2"/>
+        </p15:threadingInfo>
+      </p:ext>
+    </p:extLst>
+  </p:cm>
 </p:cmLst>
 </file>
 
-<file path=ppt/comments/comment4.xml><?xml version="1.0" encoding="utf-8"?>
+<file path=ppt/comments/comment7.xml><?xml version="1.0" encoding="utf-8"?>
 <p:cmLst xmlns:a="http://schemas.openxmlformats.org/drawingml/2006/main" xmlns:r="http://schemas.openxmlformats.org/officeDocument/2006/relationships" xmlns:p="http://schemas.openxmlformats.org/presentationml/2006/main">
   <p:cm authorId="2" dt="2018-08-17T16:23:15.622" idx="4">
     <p:pos x="4238" y="614"/>
@@ -253,7 +360,7 @@
 </p:cmLst>
 </file>
 
-<file path=ppt/comments/comment5.xml><?xml version="1.0" encoding="utf-8"?>
+<file path=ppt/comments/comment8.xml><?xml version="1.0" encoding="utf-8"?>
 <p:cmLst xmlns:a="http://schemas.openxmlformats.org/drawingml/2006/main" xmlns:r="http://schemas.openxmlformats.org/officeDocument/2006/relationships" xmlns:p="http://schemas.openxmlformats.org/presentationml/2006/main">
   <p:cm authorId="2" dt="2018-08-17T16:25:30.076" idx="6">
     <p:pos x="10" y="10"/>
@@ -1648,13 +1755,6 @@
         </dgm:presLayoutVars>
       </dgm:prSet>
       <dgm:spPr/>
-      <dgm:t>
-        <a:bodyPr/>
-        <a:lstStyle/>
-        <a:p>
-          <a:endParaRPr lang="en-US"/>
-        </a:p>
-      </dgm:t>
     </dgm:pt>
     <dgm:pt modelId="{EB78651D-F937-4BE7-8A13-5DEDD560F0B3}" type="pres">
       <dgm:prSet presAssocID="{AF488DDA-5F7C-4533-B568-2FA2E448735E}" presName="composite" presStyleCnt="0"/>
@@ -1668,13 +1768,6 @@
         </dgm:presLayoutVars>
       </dgm:prSet>
       <dgm:spPr/>
-      <dgm:t>
-        <a:bodyPr/>
-        <a:lstStyle/>
-        <a:p>
-          <a:endParaRPr lang="en-US"/>
-        </a:p>
-      </dgm:t>
     </dgm:pt>
     <dgm:pt modelId="{A812A383-0D98-4594-85E0-EAA50CB0BD7C}" type="pres">
       <dgm:prSet presAssocID="{AF488DDA-5F7C-4533-B568-2FA2E448735E}" presName="descendantText" presStyleLbl="alignAcc1" presStyleIdx="0" presStyleCnt="4">
@@ -1683,13 +1776,6 @@
         </dgm:presLayoutVars>
       </dgm:prSet>
       <dgm:spPr/>
-      <dgm:t>
-        <a:bodyPr/>
-        <a:lstStyle/>
-        <a:p>
-          <a:endParaRPr lang="en-US"/>
-        </a:p>
-      </dgm:t>
     </dgm:pt>
     <dgm:pt modelId="{930B3658-10E1-445C-B6D1-51A791D92588}" type="pres">
       <dgm:prSet presAssocID="{1C961E97-7CDC-4A7B-B014-B4C8AB201F7E}" presName="sp" presStyleCnt="0"/>
@@ -1707,13 +1793,6 @@
         </dgm:presLayoutVars>
       </dgm:prSet>
       <dgm:spPr/>
-      <dgm:t>
-        <a:bodyPr/>
-        <a:lstStyle/>
-        <a:p>
-          <a:endParaRPr lang="en-US"/>
-        </a:p>
-      </dgm:t>
     </dgm:pt>
     <dgm:pt modelId="{5698090B-1B75-477E-866A-F0C87B4A002C}" type="pres">
       <dgm:prSet presAssocID="{38382313-0EA2-4C90-989F-2DE69F55C4BD}" presName="descendantText" presStyleLbl="alignAcc1" presStyleIdx="1" presStyleCnt="4">
@@ -1722,13 +1801,6 @@
         </dgm:presLayoutVars>
       </dgm:prSet>
       <dgm:spPr/>
-      <dgm:t>
-        <a:bodyPr/>
-        <a:lstStyle/>
-        <a:p>
-          <a:endParaRPr lang="en-US"/>
-        </a:p>
-      </dgm:t>
     </dgm:pt>
     <dgm:pt modelId="{2581BF29-2C22-4E17-9CB2-E389F505FA1E}" type="pres">
       <dgm:prSet presAssocID="{86318F2E-2A15-45E9-AB35-D5F38718D00C}" presName="sp" presStyleCnt="0"/>
@@ -1746,13 +1818,6 @@
         </dgm:presLayoutVars>
       </dgm:prSet>
       <dgm:spPr/>
-      <dgm:t>
-        <a:bodyPr/>
-        <a:lstStyle/>
-        <a:p>
-          <a:endParaRPr lang="en-US"/>
-        </a:p>
-      </dgm:t>
     </dgm:pt>
     <dgm:pt modelId="{D3BD3A2B-4F01-4EB4-AAD6-0A000A9A5E9B}" type="pres">
       <dgm:prSet presAssocID="{86BC410A-C116-40E0-B4E2-11DE4AA65FA4}" presName="descendantText" presStyleLbl="alignAcc1" presStyleIdx="2" presStyleCnt="4">
@@ -1761,13 +1826,6 @@
         </dgm:presLayoutVars>
       </dgm:prSet>
       <dgm:spPr/>
-      <dgm:t>
-        <a:bodyPr/>
-        <a:lstStyle/>
-        <a:p>
-          <a:endParaRPr lang="en-US"/>
-        </a:p>
-      </dgm:t>
     </dgm:pt>
     <dgm:pt modelId="{745031E2-26D5-40F0-BDB1-160335FF5D50}" type="pres">
       <dgm:prSet presAssocID="{2CF913C7-593B-499D-8A62-EFCC2BC898BC}" presName="sp" presStyleCnt="0"/>
@@ -1785,13 +1843,6 @@
         </dgm:presLayoutVars>
       </dgm:prSet>
       <dgm:spPr/>
-      <dgm:t>
-        <a:bodyPr/>
-        <a:lstStyle/>
-        <a:p>
-          <a:endParaRPr lang="en-US"/>
-        </a:p>
-      </dgm:t>
     </dgm:pt>
     <dgm:pt modelId="{4C00211F-5D98-4275-B662-6F596E5E0752}" type="pres">
       <dgm:prSet presAssocID="{D95598EA-A9D5-4B16-93C0-2C73746E18EC}" presName="descendantText" presStyleLbl="alignAcc1" presStyleIdx="3" presStyleCnt="4">
@@ -1800,49 +1851,42 @@
         </dgm:presLayoutVars>
       </dgm:prSet>
       <dgm:spPr/>
-      <dgm:t>
-        <a:bodyPr/>
-        <a:lstStyle/>
-        <a:p>
-          <a:endParaRPr lang="en-US"/>
-        </a:p>
-      </dgm:t>
     </dgm:pt>
   </dgm:ptLst>
   <dgm:cxnLst>
+    <dgm:cxn modelId="{5975CF0B-C6F9-48FB-807E-94D6AF2BAB6F}" type="presOf" srcId="{0CCE5AD2-61DC-41A6-9B0F-32D738E1EE00}" destId="{A812A383-0D98-4594-85E0-EAA50CB0BD7C}" srcOrd="0" destOrd="1" presId="urn:microsoft.com/office/officeart/2005/8/layout/chevron2"/>
+    <dgm:cxn modelId="{4E94D40E-BC09-41C0-AB76-1975E00940B4}" type="presOf" srcId="{AF488DDA-5F7C-4533-B568-2FA2E448735E}" destId="{C5C7F22F-E87C-450F-9E48-B3228B48C98A}" srcOrd="0" destOrd="0" presId="urn:microsoft.com/office/officeart/2005/8/layout/chevron2"/>
+    <dgm:cxn modelId="{3482F50E-624D-438C-8265-DFCD60277910}" type="presOf" srcId="{D95598EA-A9D5-4B16-93C0-2C73746E18EC}" destId="{CAC3FFF9-0328-488B-9D9E-F65CCBF37272}" srcOrd="0" destOrd="0" presId="urn:microsoft.com/office/officeart/2005/8/layout/chevron2"/>
+    <dgm:cxn modelId="{5C154914-FC4F-4C58-9C64-0D995B932C76}" srcId="{33B2979B-5C61-4C79-B9CB-D7742768E99C}" destId="{38382313-0EA2-4C90-989F-2DE69F55C4BD}" srcOrd="1" destOrd="0" parTransId="{5846A2D4-7925-4581-828D-F002237A0154}" sibTransId="{86318F2E-2A15-45E9-AB35-D5F38718D00C}"/>
+    <dgm:cxn modelId="{BA3E102A-C368-4096-9068-D0DFA78FD250}" type="presOf" srcId="{9E1B5DE7-B8D9-4907-BE8A-35E2A4BA3584}" destId="{A812A383-0D98-4594-85E0-EAA50CB0BD7C}" srcOrd="0" destOrd="2" presId="urn:microsoft.com/office/officeart/2005/8/layout/chevron2"/>
+    <dgm:cxn modelId="{5F41262B-A515-4411-BA4C-D07D4C3CC5AF}" srcId="{D95598EA-A9D5-4B16-93C0-2C73746E18EC}" destId="{D6A4D214-E874-4166-A197-D717BC934187}" srcOrd="1" destOrd="0" parTransId="{6B29DF65-06AF-4CAD-9B21-A8714A7E1A73}" sibTransId="{FB1BBF3A-FCC8-4D0C-9572-A40C56C4C718}"/>
+    <dgm:cxn modelId="{8146623B-55F6-4658-BB87-3CEE60CA35A0}" srcId="{AF488DDA-5F7C-4533-B568-2FA2E448735E}" destId="{9E1B5DE7-B8D9-4907-BE8A-35E2A4BA3584}" srcOrd="2" destOrd="0" parTransId="{BB94109E-8A8E-4C4E-A6BE-E3A9079B9460}" sibTransId="{5B15C5EF-84EB-45D3-A3C0-D11EE76A13B4}"/>
+    <dgm:cxn modelId="{9ACB8F3B-D1C9-413F-8B2F-73500D74470D}" srcId="{AF488DDA-5F7C-4533-B568-2FA2E448735E}" destId="{0CCE5AD2-61DC-41A6-9B0F-32D738E1EE00}" srcOrd="1" destOrd="0" parTransId="{2E82410A-3BFC-4A14-BDF6-25BA38E2B853}" sibTransId="{86305B89-9F18-43CD-BACC-3191D195676D}"/>
+    <dgm:cxn modelId="{5AF09A3D-11C6-4161-BE33-53CD09813DBF}" srcId="{86BC410A-C116-40E0-B4E2-11DE4AA65FA4}" destId="{EA96D2DC-CA3D-46B3-96DE-A30E5C5FB2F1}" srcOrd="1" destOrd="0" parTransId="{AEFF3977-8565-42F7-8679-7E0AA8DCD8DA}" sibTransId="{17F5046D-1512-4DCC-9FD1-3957D2730003}"/>
+    <dgm:cxn modelId="{B458A93E-55E4-4006-94F1-C29302039561}" type="presOf" srcId="{CBE5605E-8751-4042-B09E-3D2AF9BB53EE}" destId="{4C00211F-5D98-4275-B662-6F596E5E0752}" srcOrd="0" destOrd="2" presId="urn:microsoft.com/office/officeart/2005/8/layout/chevron2"/>
+    <dgm:cxn modelId="{F01AE35C-AA98-4D04-A4B4-D6619441D7C3}" srcId="{38382313-0EA2-4C90-989F-2DE69F55C4BD}" destId="{E7CFBD75-B701-47FE-8C58-754179825C67}" srcOrd="0" destOrd="0" parTransId="{F31AFD7D-63C0-4B26-AE15-7634094EA84C}" sibTransId="{4A9E4D86-25E2-4BAF-98CC-ECF52C89FAC6}"/>
+    <dgm:cxn modelId="{01EF0D5F-3767-47EB-BEE7-E375B22107B0}" srcId="{D95598EA-A9D5-4B16-93C0-2C73746E18EC}" destId="{97630EBA-C60C-4354-9175-FC9FD9541489}" srcOrd="0" destOrd="0" parTransId="{DD2F3B4D-8513-4BD1-9629-2F5F99567BDC}" sibTransId="{96898EF0-0C33-4C38-A7D0-F06EDAB58126}"/>
+    <dgm:cxn modelId="{9346AD5F-90BA-42F9-8E2D-F67BEF7579A8}" type="presOf" srcId="{E7CFBD75-B701-47FE-8C58-754179825C67}" destId="{5698090B-1B75-477E-866A-F0C87B4A002C}" srcOrd="0" destOrd="0" presId="urn:microsoft.com/office/officeart/2005/8/layout/chevron2"/>
+    <dgm:cxn modelId="{2CF43067-2A39-4672-9D64-C09E511C8168}" type="presOf" srcId="{D6A4D214-E874-4166-A197-D717BC934187}" destId="{4C00211F-5D98-4275-B662-6F596E5E0752}" srcOrd="0" destOrd="1" presId="urn:microsoft.com/office/officeart/2005/8/layout/chevron2"/>
+    <dgm:cxn modelId="{B3452A6F-D59D-4223-99B3-37FF265221EB}" srcId="{38382313-0EA2-4C90-989F-2DE69F55C4BD}" destId="{C8C1595D-BE67-4C4A-B83E-DAAA4CE51238}" srcOrd="2" destOrd="0" parTransId="{01F7E243-2C0A-4AE1-9979-5C28569B7596}" sibTransId="{DC0CB1B9-6646-4834-B220-990F19D2612B}"/>
+    <dgm:cxn modelId="{CBC2EE71-1EF7-4FB9-B76A-6EDB805AA1E3}" type="presOf" srcId="{5C0C6CD0-ABB1-4223-A011-B3E6C00F2159}" destId="{D3BD3A2B-4F01-4EB4-AAD6-0A000A9A5E9B}" srcOrd="0" destOrd="2" presId="urn:microsoft.com/office/officeart/2005/8/layout/chevron2"/>
+    <dgm:cxn modelId="{DD6CDA72-BCDD-40F2-98A9-6C10AE78C2BD}" srcId="{33B2979B-5C61-4C79-B9CB-D7742768E99C}" destId="{86BC410A-C116-40E0-B4E2-11DE4AA65FA4}" srcOrd="2" destOrd="0" parTransId="{36D374DB-4B6B-4CCB-BFC4-88F431737722}" sibTransId="{2CF913C7-593B-499D-8A62-EFCC2BC898BC}"/>
+    <dgm:cxn modelId="{3106B154-B06D-4AAD-AAFE-F6D8D1A899E3}" type="presOf" srcId="{86BC410A-C116-40E0-B4E2-11DE4AA65FA4}" destId="{DF671F1B-CF18-41D2-8ED0-CBA032F94BC7}" srcOrd="0" destOrd="0" presId="urn:microsoft.com/office/officeart/2005/8/layout/chevron2"/>
     <dgm:cxn modelId="{4B89EB74-835D-48AE-A061-4B60828F321C}" type="presOf" srcId="{B450257E-742D-44B4-8049-AE063E9EF942}" destId="{5698090B-1B75-477E-866A-F0C87B4A002C}" srcOrd="0" destOrd="1" presId="urn:microsoft.com/office/officeart/2005/8/layout/chevron2"/>
+    <dgm:cxn modelId="{B934CD8E-7B33-448B-9CDA-FB31E7F3635D}" type="presOf" srcId="{C8C1595D-BE67-4C4A-B83E-DAAA4CE51238}" destId="{5698090B-1B75-477E-866A-F0C87B4A002C}" srcOrd="0" destOrd="2" presId="urn:microsoft.com/office/officeart/2005/8/layout/chevron2"/>
+    <dgm:cxn modelId="{AD784992-98B5-427D-8CD3-D4763190BB3D}" type="presOf" srcId="{3E8DD688-99F4-42B7-ADCD-929F3AD1A952}" destId="{D3BD3A2B-4F01-4EB4-AAD6-0A000A9A5E9B}" srcOrd="0" destOrd="0" presId="urn:microsoft.com/office/officeart/2005/8/layout/chevron2"/>
+    <dgm:cxn modelId="{2D9852A0-C90B-4540-A24D-17E4ED330871}" type="presOf" srcId="{38382313-0EA2-4C90-989F-2DE69F55C4BD}" destId="{3EA0871E-3D2E-4761-9CBA-F42C2B17AF35}" srcOrd="0" destOrd="0" presId="urn:microsoft.com/office/officeart/2005/8/layout/chevron2"/>
+    <dgm:cxn modelId="{9CAF74A6-E39C-4EC2-AEA6-346421338C86}" srcId="{86BC410A-C116-40E0-B4E2-11DE4AA65FA4}" destId="{5C0C6CD0-ABB1-4223-A011-B3E6C00F2159}" srcOrd="2" destOrd="0" parTransId="{6D5F0C9F-BF27-4B28-A50D-A641E7B01B2C}" sibTransId="{B6B71650-1D1F-4F76-8E07-1F29FFAA3469}"/>
+    <dgm:cxn modelId="{043E79B6-8105-4DC1-98FC-A46ADF24EFFD}" type="presOf" srcId="{BA0BF7EE-7DDA-4E7B-8D1E-024F593D63F1}" destId="{A812A383-0D98-4594-85E0-EAA50CB0BD7C}" srcOrd="0" destOrd="0" presId="urn:microsoft.com/office/officeart/2005/8/layout/chevron2"/>
+    <dgm:cxn modelId="{21615DC5-6DAB-4140-BE9E-C068C3E4F695}" srcId="{38382313-0EA2-4C90-989F-2DE69F55C4BD}" destId="{B450257E-742D-44B4-8049-AE063E9EF942}" srcOrd="1" destOrd="0" parTransId="{DBFD4CA1-7383-4408-A0AB-D3F7F2F65B6B}" sibTransId="{A91813BB-A90C-4D38-9771-013B4C5E15B3}"/>
+    <dgm:cxn modelId="{2CB9ACC8-CB47-4C6D-A59E-C1658978D50C}" type="presOf" srcId="{33B2979B-5C61-4C79-B9CB-D7742768E99C}" destId="{10F3906F-CFD0-400B-9C48-9CF17B0B8C1A}" srcOrd="0" destOrd="0" presId="urn:microsoft.com/office/officeart/2005/8/layout/chevron2"/>
+    <dgm:cxn modelId="{F999CACD-D8C3-4962-8AC4-BFFCF758C656}" srcId="{33B2979B-5C61-4C79-B9CB-D7742768E99C}" destId="{AF488DDA-5F7C-4533-B568-2FA2E448735E}" srcOrd="0" destOrd="0" parTransId="{50D97B6A-CF45-4CAA-BA59-2FA53BBF27EE}" sibTransId="{1C961E97-7CDC-4A7B-B014-B4C8AB201F7E}"/>
+    <dgm:cxn modelId="{EDF6DCDB-181B-4494-987A-4F99DB8C3760}" srcId="{33B2979B-5C61-4C79-B9CB-D7742768E99C}" destId="{D95598EA-A9D5-4B16-93C0-2C73746E18EC}" srcOrd="3" destOrd="0" parTransId="{7200C661-3112-42FA-AD2B-BFD5998A92FC}" sibTransId="{04C87DA4-B0DA-4DB2-BBA0-BE8DC30F0D46}"/>
+    <dgm:cxn modelId="{5DC840DC-CADE-4247-8FF2-08EF995FCEB3}" srcId="{86BC410A-C116-40E0-B4E2-11DE4AA65FA4}" destId="{3E8DD688-99F4-42B7-ADCD-929F3AD1A952}" srcOrd="0" destOrd="0" parTransId="{10A37DFD-D802-475D-9D3D-A5ED450E89D4}" sibTransId="{F8DCA085-A7EE-4ACE-92C7-A45CECAE0CC0}"/>
+    <dgm:cxn modelId="{620327DF-B7DE-4242-B3A8-1B2FCCC1BA65}" srcId="{AF488DDA-5F7C-4533-B568-2FA2E448735E}" destId="{BA0BF7EE-7DDA-4E7B-8D1E-024F593D63F1}" srcOrd="0" destOrd="0" parTransId="{2629081B-F522-45F5-8912-CB01566A6E72}" sibTransId="{7B679A58-3BDB-4467-9EA9-41A989C92319}"/>
     <dgm:cxn modelId="{0CA09FE3-F837-410C-98D0-8C51AC33CCEE}" type="presOf" srcId="{97630EBA-C60C-4354-9175-FC9FD9541489}" destId="{4C00211F-5D98-4275-B662-6F596E5E0752}" srcOrd="0" destOrd="0" presId="urn:microsoft.com/office/officeart/2005/8/layout/chevron2"/>
-    <dgm:cxn modelId="{F999CACD-D8C3-4962-8AC4-BFFCF758C656}" srcId="{33B2979B-5C61-4C79-B9CB-D7742768E99C}" destId="{AF488DDA-5F7C-4533-B568-2FA2E448735E}" srcOrd="0" destOrd="0" parTransId="{50D97B6A-CF45-4CAA-BA59-2FA53BBF27EE}" sibTransId="{1C961E97-7CDC-4A7B-B014-B4C8AB201F7E}"/>
-    <dgm:cxn modelId="{2D9852A0-C90B-4540-A24D-17E4ED330871}" type="presOf" srcId="{38382313-0EA2-4C90-989F-2DE69F55C4BD}" destId="{3EA0871E-3D2E-4761-9CBA-F42C2B17AF35}" srcOrd="0" destOrd="0" presId="urn:microsoft.com/office/officeart/2005/8/layout/chevron2"/>
-    <dgm:cxn modelId="{01EF0D5F-3767-47EB-BEE7-E375B22107B0}" srcId="{D95598EA-A9D5-4B16-93C0-2C73746E18EC}" destId="{97630EBA-C60C-4354-9175-FC9FD9541489}" srcOrd="0" destOrd="0" parTransId="{DD2F3B4D-8513-4BD1-9629-2F5F99567BDC}" sibTransId="{96898EF0-0C33-4C38-A7D0-F06EDAB58126}"/>
     <dgm:cxn modelId="{165FA0E7-97B6-416A-AC79-DADA3911804D}" srcId="{D95598EA-A9D5-4B16-93C0-2C73746E18EC}" destId="{CBE5605E-8751-4042-B09E-3D2AF9BB53EE}" srcOrd="2" destOrd="0" parTransId="{8F5BE460-7959-4122-B232-654EC686E9B9}" sibTransId="{0FE11BC4-FBA7-42B0-A70E-97138CDD0F9A}"/>
-    <dgm:cxn modelId="{B3452A6F-D59D-4223-99B3-37FF265221EB}" srcId="{38382313-0EA2-4C90-989F-2DE69F55C4BD}" destId="{C8C1595D-BE67-4C4A-B83E-DAAA4CE51238}" srcOrd="2" destOrd="0" parTransId="{01F7E243-2C0A-4AE1-9979-5C28569B7596}" sibTransId="{DC0CB1B9-6646-4834-B220-990F19D2612B}"/>
-    <dgm:cxn modelId="{21615DC5-6DAB-4140-BE9E-C068C3E4F695}" srcId="{38382313-0EA2-4C90-989F-2DE69F55C4BD}" destId="{B450257E-742D-44B4-8049-AE063E9EF942}" srcOrd="1" destOrd="0" parTransId="{DBFD4CA1-7383-4408-A0AB-D3F7F2F65B6B}" sibTransId="{A91813BB-A90C-4D38-9771-013B4C5E15B3}"/>
-    <dgm:cxn modelId="{9346AD5F-90BA-42F9-8E2D-F67BEF7579A8}" type="presOf" srcId="{E7CFBD75-B701-47FE-8C58-754179825C67}" destId="{5698090B-1B75-477E-866A-F0C87B4A002C}" srcOrd="0" destOrd="0" presId="urn:microsoft.com/office/officeart/2005/8/layout/chevron2"/>
-    <dgm:cxn modelId="{5975CF0B-C6F9-48FB-807E-94D6AF2BAB6F}" type="presOf" srcId="{0CCE5AD2-61DC-41A6-9B0F-32D738E1EE00}" destId="{A812A383-0D98-4594-85E0-EAA50CB0BD7C}" srcOrd="0" destOrd="1" presId="urn:microsoft.com/office/officeart/2005/8/layout/chevron2"/>
-    <dgm:cxn modelId="{5DC840DC-CADE-4247-8FF2-08EF995FCEB3}" srcId="{86BC410A-C116-40E0-B4E2-11DE4AA65FA4}" destId="{3E8DD688-99F4-42B7-ADCD-929F3AD1A952}" srcOrd="0" destOrd="0" parTransId="{10A37DFD-D802-475D-9D3D-A5ED450E89D4}" sibTransId="{F8DCA085-A7EE-4ACE-92C7-A45CECAE0CC0}"/>
-    <dgm:cxn modelId="{EDF6DCDB-181B-4494-987A-4F99DB8C3760}" srcId="{33B2979B-5C61-4C79-B9CB-D7742768E99C}" destId="{D95598EA-A9D5-4B16-93C0-2C73746E18EC}" srcOrd="3" destOrd="0" parTransId="{7200C661-3112-42FA-AD2B-BFD5998A92FC}" sibTransId="{04C87DA4-B0DA-4DB2-BBA0-BE8DC30F0D46}"/>
-    <dgm:cxn modelId="{9CAF74A6-E39C-4EC2-AEA6-346421338C86}" srcId="{86BC410A-C116-40E0-B4E2-11DE4AA65FA4}" destId="{5C0C6CD0-ABB1-4223-A011-B3E6C00F2159}" srcOrd="2" destOrd="0" parTransId="{6D5F0C9F-BF27-4B28-A50D-A641E7B01B2C}" sibTransId="{B6B71650-1D1F-4F76-8E07-1F29FFAA3469}"/>
-    <dgm:cxn modelId="{B934CD8E-7B33-448B-9CDA-FB31E7F3635D}" type="presOf" srcId="{C8C1595D-BE67-4C4A-B83E-DAAA4CE51238}" destId="{5698090B-1B75-477E-866A-F0C87B4A002C}" srcOrd="0" destOrd="2" presId="urn:microsoft.com/office/officeart/2005/8/layout/chevron2"/>
-    <dgm:cxn modelId="{8146623B-55F6-4658-BB87-3CEE60CA35A0}" srcId="{AF488DDA-5F7C-4533-B568-2FA2E448735E}" destId="{9E1B5DE7-B8D9-4907-BE8A-35E2A4BA3584}" srcOrd="2" destOrd="0" parTransId="{BB94109E-8A8E-4C4E-A6BE-E3A9079B9460}" sibTransId="{5B15C5EF-84EB-45D3-A3C0-D11EE76A13B4}"/>
-    <dgm:cxn modelId="{5C154914-FC4F-4C58-9C64-0D995B932C76}" srcId="{33B2979B-5C61-4C79-B9CB-D7742768E99C}" destId="{38382313-0EA2-4C90-989F-2DE69F55C4BD}" srcOrd="1" destOrd="0" parTransId="{5846A2D4-7925-4581-828D-F002237A0154}" sibTransId="{86318F2E-2A15-45E9-AB35-D5F38718D00C}"/>
     <dgm:cxn modelId="{171C9AEA-0E58-4947-9110-51F99026EF65}" type="presOf" srcId="{EA96D2DC-CA3D-46B3-96DE-A30E5C5FB2F1}" destId="{D3BD3A2B-4F01-4EB4-AAD6-0A000A9A5E9B}" srcOrd="0" destOrd="1" presId="urn:microsoft.com/office/officeart/2005/8/layout/chevron2"/>
-    <dgm:cxn modelId="{3482F50E-624D-438C-8265-DFCD60277910}" type="presOf" srcId="{D95598EA-A9D5-4B16-93C0-2C73746E18EC}" destId="{CAC3FFF9-0328-488B-9D9E-F65CCBF37272}" srcOrd="0" destOrd="0" presId="urn:microsoft.com/office/officeart/2005/8/layout/chevron2"/>
-    <dgm:cxn modelId="{4E94D40E-BC09-41C0-AB76-1975E00940B4}" type="presOf" srcId="{AF488DDA-5F7C-4533-B568-2FA2E448735E}" destId="{C5C7F22F-E87C-450F-9E48-B3228B48C98A}" srcOrd="0" destOrd="0" presId="urn:microsoft.com/office/officeart/2005/8/layout/chevron2"/>
-    <dgm:cxn modelId="{3106B154-B06D-4AAD-AAFE-F6D8D1A899E3}" type="presOf" srcId="{86BC410A-C116-40E0-B4E2-11DE4AA65FA4}" destId="{DF671F1B-CF18-41D2-8ED0-CBA032F94BC7}" srcOrd="0" destOrd="0" presId="urn:microsoft.com/office/officeart/2005/8/layout/chevron2"/>
-    <dgm:cxn modelId="{AD784992-98B5-427D-8CD3-D4763190BB3D}" type="presOf" srcId="{3E8DD688-99F4-42B7-ADCD-929F3AD1A952}" destId="{D3BD3A2B-4F01-4EB4-AAD6-0A000A9A5E9B}" srcOrd="0" destOrd="0" presId="urn:microsoft.com/office/officeart/2005/8/layout/chevron2"/>
-    <dgm:cxn modelId="{DD6CDA72-BCDD-40F2-98A9-6C10AE78C2BD}" srcId="{33B2979B-5C61-4C79-B9CB-D7742768E99C}" destId="{86BC410A-C116-40E0-B4E2-11DE4AA65FA4}" srcOrd="2" destOrd="0" parTransId="{36D374DB-4B6B-4CCB-BFC4-88F431737722}" sibTransId="{2CF913C7-593B-499D-8A62-EFCC2BC898BC}"/>
-    <dgm:cxn modelId="{043E79B6-8105-4DC1-98FC-A46ADF24EFFD}" type="presOf" srcId="{BA0BF7EE-7DDA-4E7B-8D1E-024F593D63F1}" destId="{A812A383-0D98-4594-85E0-EAA50CB0BD7C}" srcOrd="0" destOrd="0" presId="urn:microsoft.com/office/officeart/2005/8/layout/chevron2"/>
-    <dgm:cxn modelId="{2CB9ACC8-CB47-4C6D-A59E-C1658978D50C}" type="presOf" srcId="{33B2979B-5C61-4C79-B9CB-D7742768E99C}" destId="{10F3906F-CFD0-400B-9C48-9CF17B0B8C1A}" srcOrd="0" destOrd="0" presId="urn:microsoft.com/office/officeart/2005/8/layout/chevron2"/>
-    <dgm:cxn modelId="{CBC2EE71-1EF7-4FB9-B76A-6EDB805AA1E3}" type="presOf" srcId="{5C0C6CD0-ABB1-4223-A011-B3E6C00F2159}" destId="{D3BD3A2B-4F01-4EB4-AAD6-0A000A9A5E9B}" srcOrd="0" destOrd="2" presId="urn:microsoft.com/office/officeart/2005/8/layout/chevron2"/>
-    <dgm:cxn modelId="{2CF43067-2A39-4672-9D64-C09E511C8168}" type="presOf" srcId="{D6A4D214-E874-4166-A197-D717BC934187}" destId="{4C00211F-5D98-4275-B662-6F596E5E0752}" srcOrd="0" destOrd="1" presId="urn:microsoft.com/office/officeart/2005/8/layout/chevron2"/>
-    <dgm:cxn modelId="{5AF09A3D-11C6-4161-BE33-53CD09813DBF}" srcId="{86BC410A-C116-40E0-B4E2-11DE4AA65FA4}" destId="{EA96D2DC-CA3D-46B3-96DE-A30E5C5FB2F1}" srcOrd="1" destOrd="0" parTransId="{AEFF3977-8565-42F7-8679-7E0AA8DCD8DA}" sibTransId="{17F5046D-1512-4DCC-9FD1-3957D2730003}"/>
-    <dgm:cxn modelId="{9ACB8F3B-D1C9-413F-8B2F-73500D74470D}" srcId="{AF488DDA-5F7C-4533-B568-2FA2E448735E}" destId="{0CCE5AD2-61DC-41A6-9B0F-32D738E1EE00}" srcOrd="1" destOrd="0" parTransId="{2E82410A-3BFC-4A14-BDF6-25BA38E2B853}" sibTransId="{86305B89-9F18-43CD-BACC-3191D195676D}"/>
-    <dgm:cxn modelId="{BA3E102A-C368-4096-9068-D0DFA78FD250}" type="presOf" srcId="{9E1B5DE7-B8D9-4907-BE8A-35E2A4BA3584}" destId="{A812A383-0D98-4594-85E0-EAA50CB0BD7C}" srcOrd="0" destOrd="2" presId="urn:microsoft.com/office/officeart/2005/8/layout/chevron2"/>
-    <dgm:cxn modelId="{F01AE35C-AA98-4D04-A4B4-D6619441D7C3}" srcId="{38382313-0EA2-4C90-989F-2DE69F55C4BD}" destId="{E7CFBD75-B701-47FE-8C58-754179825C67}" srcOrd="0" destOrd="0" parTransId="{F31AFD7D-63C0-4B26-AE15-7634094EA84C}" sibTransId="{4A9E4D86-25E2-4BAF-98CC-ECF52C89FAC6}"/>
-    <dgm:cxn modelId="{620327DF-B7DE-4242-B3A8-1B2FCCC1BA65}" srcId="{AF488DDA-5F7C-4533-B568-2FA2E448735E}" destId="{BA0BF7EE-7DDA-4E7B-8D1E-024F593D63F1}" srcOrd="0" destOrd="0" parTransId="{2629081B-F522-45F5-8912-CB01566A6E72}" sibTransId="{7B679A58-3BDB-4467-9EA9-41A989C92319}"/>
-    <dgm:cxn modelId="{5F41262B-A515-4411-BA4C-D07D4C3CC5AF}" srcId="{D95598EA-A9D5-4B16-93C0-2C73746E18EC}" destId="{D6A4D214-E874-4166-A197-D717BC934187}" srcOrd="1" destOrd="0" parTransId="{6B29DF65-06AF-4CAD-9B21-A8714A7E1A73}" sibTransId="{FB1BBF3A-FCC8-4D0C-9572-A40C56C4C718}"/>
-    <dgm:cxn modelId="{B458A93E-55E4-4006-94F1-C29302039561}" type="presOf" srcId="{CBE5605E-8751-4042-B09E-3D2AF9BB53EE}" destId="{4C00211F-5D98-4275-B662-6F596E5E0752}" srcOrd="0" destOrd="2" presId="urn:microsoft.com/office/officeart/2005/8/layout/chevron2"/>
     <dgm:cxn modelId="{AE7542F7-C862-4313-88C3-4E7B07264681}" type="presParOf" srcId="{10F3906F-CFD0-400B-9C48-9CF17B0B8C1A}" destId="{EB78651D-F937-4BE7-8A13-5DEDD560F0B3}" srcOrd="0" destOrd="0" presId="urn:microsoft.com/office/officeart/2005/8/layout/chevron2"/>
     <dgm:cxn modelId="{F9845B8D-91D4-4F69-8AC5-D67BC5AA04B0}" type="presParOf" srcId="{EB78651D-F937-4BE7-8A13-5DEDD560F0B3}" destId="{C5C7F22F-E87C-450F-9E48-B3228B48C98A}" srcOrd="0" destOrd="0" presId="urn:microsoft.com/office/officeart/2005/8/layout/chevron2"/>
     <dgm:cxn modelId="{E237E9D4-18F1-466D-972C-C1705C4182D3}" type="presParOf" srcId="{EB78651D-F937-4BE7-8A13-5DEDD560F0B3}" destId="{A812A383-0D98-4594-85E0-EAA50CB0BD7C}" srcOrd="1" destOrd="0" presId="urn:microsoft.com/office/officeart/2005/8/layout/chevron2"/>
@@ -1937,7 +1981,7 @@
         </a:bodyPr>
         <a:lstStyle/>
         <a:p>
-          <a:pPr lvl="0" algn="ctr" defTabSz="488950">
+          <a:pPr marL="0" lvl="0" indent="0" algn="ctr" defTabSz="488950">
             <a:lnSpc>
               <a:spcPct val="90000"/>
             </a:lnSpc>
@@ -1947,6 +1991,7 @@
             <a:spcAft>
               <a:spcPct val="35000"/>
             </a:spcAft>
+            <a:buNone/>
           </a:pPr>
           <a:r>
             <a:rPr lang="en-US" sz="1100" kern="1200" dirty="0"/>
@@ -2131,7 +2176,7 @@
         </a:bodyPr>
         <a:lstStyle/>
         <a:p>
-          <a:pPr lvl="0" algn="ctr" defTabSz="488950">
+          <a:pPr marL="0" lvl="0" indent="0" algn="ctr" defTabSz="488950">
             <a:lnSpc>
               <a:spcPct val="90000"/>
             </a:lnSpc>
@@ -2141,6 +2186,7 @@
             <a:spcAft>
               <a:spcPct val="35000"/>
             </a:spcAft>
+            <a:buNone/>
           </a:pPr>
           <a:r>
             <a:rPr lang="en-US" sz="1100" kern="1200" dirty="0"/>
@@ -2325,7 +2371,7 @@
         </a:bodyPr>
         <a:lstStyle/>
         <a:p>
-          <a:pPr lvl="0" algn="ctr" defTabSz="488950">
+          <a:pPr marL="0" lvl="0" indent="0" algn="ctr" defTabSz="488950">
             <a:lnSpc>
               <a:spcPct val="90000"/>
             </a:lnSpc>
@@ -2335,6 +2381,7 @@
             <a:spcAft>
               <a:spcPct val="35000"/>
             </a:spcAft>
+            <a:buNone/>
           </a:pPr>
           <a:r>
             <a:rPr lang="en-US" sz="1100" kern="1200" dirty="0"/>
@@ -2519,7 +2566,7 @@
         </a:bodyPr>
         <a:lstStyle/>
         <a:p>
-          <a:pPr lvl="0" algn="ctr" defTabSz="488950">
+          <a:pPr marL="0" lvl="0" indent="0" algn="ctr" defTabSz="488950">
             <a:lnSpc>
               <a:spcPct val="90000"/>
             </a:lnSpc>
@@ -2529,6 +2576,7 @@
             <a:spcAft>
               <a:spcPct val="35000"/>
             </a:spcAft>
+            <a:buNone/>
           </a:pPr>
           <a:r>
             <a:rPr lang="en-US" sz="1100" kern="1200" dirty="0"/>
@@ -10959,7 +11007,7 @@
           <p:cNvPr id="2" name="Title 1">
             <a:extLst>
               <a:ext uri="{FF2B5EF4-FFF2-40B4-BE49-F238E27FC236}">
-                <a16:creationId xmlns:a16="http://schemas.microsoft.com/office/drawing/2014/main" xmlns="" id="{A54FC90F-4208-4C28-8D1C-CFB3255E46EC}"/>
+                <a16:creationId xmlns:a16="http://schemas.microsoft.com/office/drawing/2014/main" id="{A54FC90F-4208-4C28-8D1C-CFB3255E46EC}"/>
               </a:ext>
             </a:extLst>
           </p:cNvPr>
@@ -10982,14 +11030,14 @@
           </a:p>
         </p:txBody>
       </p:sp>
-      <mc:AlternateContent xmlns:mc="http://schemas.openxmlformats.org/markup-compatibility/2006" xmlns:a14="http://schemas.microsoft.com/office/drawing/2010/main">
-        <mc:Choice Requires="a14">
+      <mc:AlternateContent xmlns:mc="http://schemas.openxmlformats.org/markup-compatibility/2006">
+        <mc:Choice xmlns:a14="http://schemas.microsoft.com/office/drawing/2010/main" Requires="a14">
           <p:sp>
             <p:nvSpPr>
               <p:cNvPr id="3" name="Content Placeholder 2">
                 <a:extLst>
                   <a:ext uri="{FF2B5EF4-FFF2-40B4-BE49-F238E27FC236}">
-                    <a16:creationId xmlns:a16="http://schemas.microsoft.com/office/drawing/2014/main" xmlns="" id="{E26182C4-45FA-4DE4-94F0-3A3B2995828F}"/>
+                    <a16:creationId xmlns:a16="http://schemas.microsoft.com/office/drawing/2014/main" id="{E26182C4-45FA-4DE4-94F0-3A3B2995828F}"/>
                   </a:ext>
                 </a:extLst>
               </p:cNvPr>
@@ -11148,7 +11196,7 @@
                 </a14:m>
                 <a:r>
                   <a:rPr lang="en-US" dirty="0"/>
-                  <a:t>: Baseline Variables</a:t>
+                  <a:t>: Baseline Covariates</a:t>
                 </a:r>
               </a:p>
               <a:p>
@@ -11244,7 +11292,7 @@
             </p:txBody>
           </p:sp>
         </mc:Choice>
-        <mc:Fallback xmlns="">
+        <mc:Fallback>
           <p:sp>
             <p:nvSpPr>
               <p:cNvPr id="3" name="Content Placeholder 2">
@@ -11289,7 +11337,7 @@
           <p:cNvPr id="4" name="Footer Placeholder 3">
             <a:extLst>
               <a:ext uri="{FF2B5EF4-FFF2-40B4-BE49-F238E27FC236}">
-                <a16:creationId xmlns:a16="http://schemas.microsoft.com/office/drawing/2014/main" xmlns="" id="{6237D0EF-67BB-47A8-BC4A-DA10DDA72B68}"/>
+                <a16:creationId xmlns:a16="http://schemas.microsoft.com/office/drawing/2014/main" id="{6237D0EF-67BB-47A8-BC4A-DA10DDA72B68}"/>
               </a:ext>
             </a:extLst>
           </p:cNvPr>
@@ -11346,7 +11394,7 @@
           <p:cNvPr id="5" name="Slide Number Placeholder 4">
             <a:extLst>
               <a:ext uri="{FF2B5EF4-FFF2-40B4-BE49-F238E27FC236}">
-                <a16:creationId xmlns:a16="http://schemas.microsoft.com/office/drawing/2014/main" xmlns="" id="{A66B1CD2-3511-4F21-AE65-973FFF59CAEB}"/>
+                <a16:creationId xmlns:a16="http://schemas.microsoft.com/office/drawing/2014/main" id="{A66B1CD2-3511-4F21-AE65-973FFF59CAEB}"/>
               </a:ext>
             </a:extLst>
           </p:cNvPr>
@@ -11406,7 +11454,7 @@
           <p:cNvPr id="2" name="Title 1">
             <a:extLst>
               <a:ext uri="{FF2B5EF4-FFF2-40B4-BE49-F238E27FC236}">
-                <a16:creationId xmlns:a16="http://schemas.microsoft.com/office/drawing/2014/main" xmlns="" id="{C31AD35B-6AF8-4890-9FAB-1A64CF8DF256}"/>
+                <a16:creationId xmlns:a16="http://schemas.microsoft.com/office/drawing/2014/main" id="{C31AD35B-6AF8-4890-9FAB-1A64CF8DF256}"/>
               </a:ext>
             </a:extLst>
           </p:cNvPr>
@@ -11429,14 +11477,14 @@
           </a:p>
         </p:txBody>
       </p:sp>
-      <mc:AlternateContent xmlns:mc="http://schemas.openxmlformats.org/markup-compatibility/2006" xmlns:a14="http://schemas.microsoft.com/office/drawing/2010/main">
-        <mc:Choice Requires="a14">
+      <mc:AlternateContent xmlns:mc="http://schemas.openxmlformats.org/markup-compatibility/2006">
+        <mc:Choice xmlns:a14="http://schemas.microsoft.com/office/drawing/2010/main" Requires="a14">
           <p:sp>
             <p:nvSpPr>
               <p:cNvPr id="3" name="Content Placeholder 2">
                 <a:extLst>
                   <a:ext uri="{FF2B5EF4-FFF2-40B4-BE49-F238E27FC236}">
-                    <a16:creationId xmlns:a16="http://schemas.microsoft.com/office/drawing/2014/main" xmlns="" id="{18A396A4-D801-4F52-8484-81CF6161ABD4}"/>
+                    <a16:creationId xmlns:a16="http://schemas.microsoft.com/office/drawing/2014/main" id="{18A396A4-D801-4F52-8484-81CF6161ABD4}"/>
                   </a:ext>
                 </a:extLst>
               </p:cNvPr>
@@ -11603,7 +11651,7 @@
                         <m:endChr m:val="]"/>
                         <m:ctrlPr>
                           <a:rPr lang="en-US" b="0" i="1" smtClean="0">
-                            <a:latin typeface="Cambria Math" charset="0"/>
+                            <a:latin typeface="Cambria Math" panose="02040503050406030204" pitchFamily="18" charset="0"/>
                           </a:rPr>
                         </m:ctrlPr>
                       </m:dPr>
@@ -11612,7 +11660,7 @@
                           <m:sSubPr>
                             <m:ctrlPr>
                               <a:rPr lang="en-US" b="0" i="1" smtClean="0">
-                                <a:latin typeface="Cambria Math" charset="0"/>
+                                <a:latin typeface="Cambria Math" panose="02040503050406030204" pitchFamily="18" charset="0"/>
                               </a:rPr>
                             </m:ctrlPr>
                           </m:sSubPr>
@@ -11643,7 +11691,7 @@
                           <m:sSubPr>
                             <m:ctrlPr>
                               <a:rPr lang="en-US" b="0" i="1" smtClean="0">
-                                <a:latin typeface="Cambria Math" charset="0"/>
+                                <a:latin typeface="Cambria Math" panose="02040503050406030204" pitchFamily="18" charset="0"/>
                               </a:rPr>
                             </m:ctrlPr>
                           </m:sSubPr>
@@ -11674,7 +11722,7 @@
                           <m:sSubPr>
                             <m:ctrlPr>
                               <a:rPr lang="en-US" b="0" i="1" smtClean="0">
-                                <a:latin typeface="Cambria Math" charset="0"/>
+                                <a:latin typeface="Cambria Math" panose="02040503050406030204" pitchFamily="18" charset="0"/>
                               </a:rPr>
                             </m:ctrlPr>
                           </m:sSubPr>
@@ -11758,7 +11806,7 @@
                         <m:endChr m:val="]"/>
                         <m:ctrlPr>
                           <a:rPr lang="en-US" b="0" i="1" smtClean="0">
-                            <a:latin typeface="Cambria Math" charset="0"/>
+                            <a:latin typeface="Cambria Math" panose="02040503050406030204" pitchFamily="18" charset="0"/>
                             <a:ea typeface="Cambria Math" panose="02040503050406030204" pitchFamily="18" charset="0"/>
                           </a:rPr>
                         </m:ctrlPr>
@@ -11782,7 +11830,7 @@
                           <m:sSubPr>
                             <m:ctrlPr>
                               <a:rPr lang="en-US" b="0" i="1" smtClean="0">
-                                <a:latin typeface="Cambria Math" charset="0"/>
+                                <a:latin typeface="Cambria Math" panose="02040503050406030204" pitchFamily="18" charset="0"/>
                                 <a:ea typeface="Cambria Math" panose="02040503050406030204" pitchFamily="18" charset="0"/>
                               </a:rPr>
                             </m:ctrlPr>
@@ -11831,7 +11879,7 @@
                           <m:sSubPr>
                             <m:ctrlPr>
                               <a:rPr lang="en-US" b="0" i="1" smtClean="0">
-                                <a:latin typeface="Cambria Math" charset="0"/>
+                                <a:latin typeface="Cambria Math" panose="02040503050406030204" pitchFamily="18" charset="0"/>
                                 <a:ea typeface="Cambria Math" panose="02040503050406030204" pitchFamily="18" charset="0"/>
                               </a:rPr>
                             </m:ctrlPr>
@@ -11860,13 +11908,6 @@
                             <a:latin typeface="Cambria Math" panose="02040503050406030204" pitchFamily="18" charset="0"/>
                             <a:ea typeface="Cambria Math" panose="02040503050406030204" pitchFamily="18" charset="0"/>
                           </a:rPr>
-                          <m:t>𝑚</m:t>
-                        </m:r>
-                        <m:r>
-                          <a:rPr lang="en-US" b="0" i="1" smtClean="0">
-                            <a:latin typeface="Cambria Math" panose="02040503050406030204" pitchFamily="18" charset="0"/>
-                            <a:ea typeface="Cambria Math" panose="02040503050406030204" pitchFamily="18" charset="0"/>
-                          </a:rPr>
                           <m:t>,…,</m:t>
                         </m:r>
                         <m:r>
@@ -11887,7 +11928,7 @@
                           <m:sSubPr>
                             <m:ctrlPr>
                               <a:rPr lang="en-US" b="0" i="1" smtClean="0">
-                                <a:latin typeface="Cambria Math" charset="0"/>
+                                <a:latin typeface="Cambria Math" panose="02040503050406030204" pitchFamily="18" charset="0"/>
                                 <a:ea typeface="Cambria Math" panose="02040503050406030204" pitchFamily="18" charset="0"/>
                               </a:rPr>
                             </m:ctrlPr>
@@ -11932,7 +11973,7 @@
             </p:txBody>
           </p:sp>
         </mc:Choice>
-        <mc:Fallback xmlns="">
+        <mc:Fallback>
           <p:sp>
             <p:nvSpPr>
               <p:cNvPr id="3" name="Content Placeholder 2">
@@ -11977,7 +12018,7 @@
           <p:cNvPr id="4" name="Footer Placeholder 3">
             <a:extLst>
               <a:ext uri="{FF2B5EF4-FFF2-40B4-BE49-F238E27FC236}">
-                <a16:creationId xmlns:a16="http://schemas.microsoft.com/office/drawing/2014/main" xmlns="" id="{6BAF83D6-7B6B-4140-8307-D915BAB8E895}"/>
+                <a16:creationId xmlns:a16="http://schemas.microsoft.com/office/drawing/2014/main" id="{6BAF83D6-7B6B-4140-8307-D915BAB8E895}"/>
               </a:ext>
             </a:extLst>
           </p:cNvPr>
@@ -12034,7 +12075,7 @@
           <p:cNvPr id="5" name="Slide Number Placeholder 4">
             <a:extLst>
               <a:ext uri="{FF2B5EF4-FFF2-40B4-BE49-F238E27FC236}">
-                <a16:creationId xmlns:a16="http://schemas.microsoft.com/office/drawing/2014/main" xmlns="" id="{F9367D40-27EF-43BE-8724-D9FF4C023720}"/>
+                <a16:creationId xmlns:a16="http://schemas.microsoft.com/office/drawing/2014/main" id="{F9367D40-27EF-43BE-8724-D9FF4C023720}"/>
               </a:ext>
             </a:extLst>
           </p:cNvPr>
@@ -12368,433 +12409,10 @@
       </p:grpSpPr>
       <p:sp>
         <p:nvSpPr>
-          <p:cNvPr id="2" name="Title 1"/>
-          <p:cNvSpPr>
-            <a:spLocks noGrp="1"/>
-          </p:cNvSpPr>
-          <p:nvPr>
-            <p:ph type="title"/>
-          </p:nvPr>
-        </p:nvSpPr>
-        <p:spPr/>
-        <p:txBody>
-          <a:bodyPr/>
-          <a:lstStyle/>
-          <a:p>
-            <a:r>
-              <a:rPr lang="en-US" dirty="0"/>
-              <a:t>Group Lasso</a:t>
-            </a:r>
-          </a:p>
-        </p:txBody>
-      </p:sp>
-      <p:pic>
-        <p:nvPicPr>
-          <p:cNvPr id="6" name="Content Placeholder 5"/>
-          <p:cNvPicPr>
-            <a:picLocks noGrp="1" noChangeAspect="1"/>
-          </p:cNvPicPr>
-          <p:nvPr>
-            <p:ph idx="1"/>
-          </p:nvPr>
-        </p:nvPicPr>
-        <p:blipFill>
-          <a:blip r:embed="rId2"/>
-          <a:stretch>
-            <a:fillRect/>
-          </a:stretch>
-        </p:blipFill>
-        <p:spPr>
-          <a:xfrm>
-            <a:off x="899592" y="940167"/>
-            <a:ext cx="7636075" cy="3667125"/>
-          </a:xfrm>
-          <a:prstGeom prst="rect">
-            <a:avLst/>
-          </a:prstGeom>
-        </p:spPr>
-      </p:pic>
-      <p:sp>
-        <p:nvSpPr>
-          <p:cNvPr id="4" name="Footer Placeholder 3"/>
-          <p:cNvSpPr>
-            <a:spLocks noGrp="1"/>
-          </p:cNvSpPr>
-          <p:nvPr>
-            <p:ph type="ftr" sz="quarter" idx="11"/>
-          </p:nvPr>
-        </p:nvSpPr>
-        <p:spPr/>
-        <p:txBody>
-          <a:bodyPr/>
-          <a:lstStyle/>
-          <a:p>
-            <a:r>
-              <a:rPr lang="ja-JP" altLang="en-US" dirty="0"/>
-              <a:t>｜</a:t>
-            </a:r>
-            <a:r>
-              <a:rPr lang="en-US" altLang="ja-JP" dirty="0"/>
-              <a:t>0000</a:t>
-            </a:r>
-            <a:r>
-              <a:rPr lang="ja-JP" altLang="en-US" dirty="0"/>
-              <a:t>　</a:t>
-            </a:r>
-            <a:r>
-              <a:rPr lang="en-US" altLang="ja-JP" dirty="0"/>
-              <a:t>|</a:t>
-            </a:r>
-            <a:r>
-              <a:rPr lang="ja-JP" altLang="en-US" dirty="0"/>
-              <a:t>　　</a:t>
-            </a:r>
-            <a:r>
-              <a:rPr lang="en-US" altLang="ja-JP" dirty="0"/>
-              <a:t> Aug 24</a:t>
-            </a:r>
-            <a:r>
-              <a:rPr lang="en-US" altLang="ja-JP" baseline="30000" dirty="0"/>
-              <a:t>th</a:t>
-            </a:r>
-            <a:r>
-              <a:rPr lang="en-US" altLang="ja-JP" dirty="0"/>
-              <a:t> 2018</a:t>
-            </a:r>
-            <a:endParaRPr lang="ja-JP" altLang="en-US" dirty="0"/>
-          </a:p>
-        </p:txBody>
-      </p:sp>
-      <p:sp>
-        <p:nvSpPr>
-          <p:cNvPr id="5" name="Slide Number Placeholder 4"/>
-          <p:cNvSpPr>
-            <a:spLocks noGrp="1"/>
-          </p:cNvSpPr>
-          <p:nvPr>
-            <p:ph type="sldNum" sz="quarter" idx="12"/>
-          </p:nvPr>
-        </p:nvSpPr>
-        <p:spPr/>
-        <p:txBody>
-          <a:bodyPr/>
-          <a:lstStyle/>
-          <a:p>
-            <a:fld id="{E9B57936-92EF-4126-AE48-1D9D36D15E98}" type="slidenum">
-              <a:rPr kumimoji="1" lang="ja-JP" altLang="en-US" smtClean="0"/>
-              <a:pPr/>
-              <a:t>11</a:t>
-            </a:fld>
-            <a:endParaRPr kumimoji="1" lang="ja-JP" altLang="en-US" dirty="0"/>
-          </a:p>
-        </p:txBody>
-      </p:sp>
-    </p:spTree>
-    <p:extLst>
-      <p:ext uri="{BB962C8B-B14F-4D97-AF65-F5344CB8AC3E}">
-        <p14:creationId xmlns:p14="http://schemas.microsoft.com/office/powerpoint/2010/main" val="567980371"/>
-      </p:ext>
-    </p:extLst>
-  </p:cSld>
-  <p:clrMapOvr>
-    <a:masterClrMapping/>
-  </p:clrMapOvr>
-</p:sld>
-</file>
-
-<file path=ppt/slides/slide13.xml><?xml version="1.0" encoding="utf-8"?>
-<p:sld xmlns:a="http://schemas.openxmlformats.org/drawingml/2006/main" xmlns:r="http://schemas.openxmlformats.org/officeDocument/2006/relationships" xmlns:p="http://schemas.openxmlformats.org/presentationml/2006/main">
-  <p:cSld>
-    <p:spTree>
-      <p:nvGrpSpPr>
-        <p:cNvPr id="1" name=""/>
-        <p:cNvGrpSpPr/>
-        <p:nvPr/>
-      </p:nvGrpSpPr>
-      <p:grpSpPr>
-        <a:xfrm>
-          <a:off x="0" y="0"/>
-          <a:ext cx="0" cy="0"/>
-          <a:chOff x="0" y="0"/>
-          <a:chExt cx="0" cy="0"/>
-        </a:xfrm>
-      </p:grpSpPr>
-      <p:sp>
-        <p:nvSpPr>
-          <p:cNvPr id="2" name="Title 1"/>
-          <p:cNvSpPr>
-            <a:spLocks noGrp="1"/>
-          </p:cNvSpPr>
-          <p:nvPr>
-            <p:ph type="title"/>
-          </p:nvPr>
-        </p:nvSpPr>
-        <p:spPr/>
-        <p:txBody>
-          <a:bodyPr/>
-          <a:lstStyle/>
-          <a:p>
-            <a:r>
-              <a:rPr lang="en-US" dirty="0"/>
-              <a:t>Group Lasso</a:t>
-            </a:r>
-          </a:p>
-        </p:txBody>
-      </p:sp>
-      <p:sp>
-        <p:nvSpPr>
-          <p:cNvPr id="4" name="Footer Placeholder 3"/>
-          <p:cNvSpPr>
-            <a:spLocks noGrp="1"/>
-          </p:cNvSpPr>
-          <p:nvPr>
-            <p:ph type="ftr" sz="quarter" idx="11"/>
-          </p:nvPr>
-        </p:nvSpPr>
-        <p:spPr/>
-        <p:txBody>
-          <a:bodyPr/>
-          <a:lstStyle/>
-          <a:p>
-            <a:r>
-              <a:rPr lang="ja-JP" altLang="en-US" dirty="0"/>
-              <a:t>｜</a:t>
-            </a:r>
-            <a:r>
-              <a:rPr lang="en-US" altLang="ja-JP" dirty="0"/>
-              <a:t>0000</a:t>
-            </a:r>
-            <a:r>
-              <a:rPr lang="ja-JP" altLang="en-US" dirty="0"/>
-              <a:t>　</a:t>
-            </a:r>
-            <a:r>
-              <a:rPr lang="en-US" altLang="ja-JP" dirty="0"/>
-              <a:t>|</a:t>
-            </a:r>
-            <a:r>
-              <a:rPr lang="ja-JP" altLang="en-US" dirty="0"/>
-              <a:t>　　</a:t>
-            </a:r>
-            <a:r>
-              <a:rPr lang="en-US" altLang="ja-JP" dirty="0"/>
-              <a:t> Aug 24</a:t>
-            </a:r>
-            <a:r>
-              <a:rPr lang="en-US" altLang="ja-JP" baseline="30000" dirty="0"/>
-              <a:t>th</a:t>
-            </a:r>
-            <a:r>
-              <a:rPr lang="en-US" altLang="ja-JP" dirty="0"/>
-              <a:t> 2018</a:t>
-            </a:r>
-            <a:endParaRPr lang="ja-JP" altLang="en-US" dirty="0"/>
-          </a:p>
-        </p:txBody>
-      </p:sp>
-      <p:sp>
-        <p:nvSpPr>
-          <p:cNvPr id="5" name="Slide Number Placeholder 4"/>
-          <p:cNvSpPr>
-            <a:spLocks noGrp="1"/>
-          </p:cNvSpPr>
-          <p:nvPr>
-            <p:ph type="sldNum" sz="quarter" idx="12"/>
-          </p:nvPr>
-        </p:nvSpPr>
-        <p:spPr/>
-        <p:txBody>
-          <a:bodyPr/>
-          <a:lstStyle/>
-          <a:p>
-            <a:fld id="{E9B57936-92EF-4126-AE48-1D9D36D15E98}" type="slidenum">
-              <a:rPr kumimoji="1" lang="ja-JP" altLang="en-US" smtClean="0"/>
-              <a:pPr/>
-              <a:t>12</a:t>
-            </a:fld>
-            <a:endParaRPr kumimoji="1" lang="ja-JP" altLang="en-US" dirty="0"/>
-          </a:p>
-        </p:txBody>
-      </p:sp>
-      <mc:AlternateContent xmlns:mc="http://schemas.openxmlformats.org/markup-compatibility/2006" xmlns:a14="http://schemas.microsoft.com/office/drawing/2010/main">
-        <mc:Choice Requires="a14">
-          <p:sp>
-            <p:nvSpPr>
-              <p:cNvPr id="7" name="Content Placeholder 6">
-                <a:extLst>
-                  <a:ext uri="{FF2B5EF4-FFF2-40B4-BE49-F238E27FC236}">
-                    <a16:creationId xmlns:a16="http://schemas.microsoft.com/office/drawing/2014/main" xmlns="" id="{A73C6DC9-E908-45A8-A4DC-4D5A9005AC6F}"/>
-                  </a:ext>
-                </a:extLst>
-              </p:cNvPr>
-              <p:cNvSpPr>
-                <a:spLocks noGrp="1"/>
-              </p:cNvSpPr>
-              <p:nvPr>
-                <p:ph idx="1"/>
-              </p:nvPr>
-            </p:nvSpPr>
-            <p:spPr/>
-            <p:txBody>
-              <a:bodyPr/>
-              <a:lstStyle/>
-              <a:p>
-                <a:r>
-                  <a:rPr lang="en-US" dirty="0"/>
-                  <a:t>We choose Group Lasso for its ability to</a:t>
-                </a:r>
-              </a:p>
-              <a:p>
-                <a:pPr lvl="1"/>
-                <a:r>
-                  <a:rPr lang="en-US" dirty="0"/>
-                  <a:t>Handle high dimensional data</a:t>
-                </a:r>
-              </a:p>
-              <a:p>
-                <a:pPr lvl="1"/>
-                <a:r>
-                  <a:rPr lang="en-US" dirty="0"/>
-                  <a:t>Allow hierarchical structure</a:t>
-                </a:r>
-              </a:p>
-              <a:p>
-                <a:r>
-                  <a:rPr lang="en-US" dirty="0"/>
-                  <a:t>We want the proposed Group Lasso method be capable to</a:t>
-                </a:r>
-              </a:p>
-              <a:p>
-                <a:pPr lvl="1"/>
-                <a:r>
-                  <a:rPr lang="en-US" dirty="0"/>
-                  <a:t>Penalize on only part of predictors</a:t>
-                </a:r>
-              </a:p>
-              <a:p>
-                <a:pPr lvl="1"/>
-                <a:r>
-                  <a:rPr lang="en-US" dirty="0"/>
-                  <a:t>Allow </a:t>
-                </a:r>
-                <a14:m>
-                  <m:oMath xmlns:m="http://schemas.openxmlformats.org/officeDocument/2006/math">
-                    <m:r>
-                      <a:rPr lang="en-US" b="0" i="1" smtClean="0">
-                        <a:latin typeface="Cambria Math" panose="02040503050406030204" pitchFamily="18" charset="0"/>
-                      </a:rPr>
-                      <m:t>𝑝</m:t>
-                    </m:r>
-                    <m:r>
-                      <a:rPr lang="en-US" b="0" i="1" smtClean="0">
-                        <a:latin typeface="Cambria Math" panose="02040503050406030204" pitchFamily="18" charset="0"/>
-                      </a:rPr>
-                      <m:t>&gt;</m:t>
-                    </m:r>
-                    <m:r>
-                      <a:rPr lang="en-US" b="0" i="1" smtClean="0">
-                        <a:latin typeface="Cambria Math" panose="02040503050406030204" pitchFamily="18" charset="0"/>
-                      </a:rPr>
-                      <m:t>𝑛</m:t>
-                    </m:r>
-                  </m:oMath>
-                </a14:m>
-                <a:endParaRPr lang="en-US" dirty="0"/>
-              </a:p>
-              <a:p>
-                <a:pPr lvl="1"/>
-                <a:r>
-                  <a:rPr lang="en-US" dirty="0"/>
-                  <a:t>Have the following constraint</a:t>
-                </a:r>
-              </a:p>
-              <a:p>
-                <a:pPr lvl="1"/>
-                <a:endParaRPr lang="en-US" dirty="0"/>
-              </a:p>
-              <a:p>
-                <a:pPr lvl="1"/>
-                <a:endParaRPr lang="en-US" dirty="0"/>
-              </a:p>
-            </p:txBody>
-          </p:sp>
-        </mc:Choice>
-        <mc:Fallback xmlns="">
-          <p:sp>
-            <p:nvSpPr>
-              <p:cNvPr id="7" name="Content Placeholder 6">
-                <a:extLst>
-                  <a:ext uri="{FF2B5EF4-FFF2-40B4-BE49-F238E27FC236}">
-                    <a16:creationId xmlns:a16="http://schemas.microsoft.com/office/drawing/2014/main" id="{A73C6DC9-E908-45A8-A4DC-4D5A9005AC6F}"/>
-                  </a:ext>
-                </a:extLst>
-              </p:cNvPr>
-              <p:cNvSpPr>
-                <a:spLocks noGrp="1" noRot="1" noChangeAspect="1" noMove="1" noResize="1" noEditPoints="1" noAdjustHandles="1" noChangeArrowheads="1" noChangeShapeType="1" noTextEdit="1"/>
-              </p:cNvSpPr>
-              <p:nvPr>
-                <p:ph idx="1"/>
-              </p:nvPr>
-            </p:nvSpPr>
-            <p:spPr>
-              <a:blipFill>
-                <a:blip r:embed="rId2"/>
-                <a:stretch>
-                  <a:fillRect l="-1766" t="-831"/>
-                </a:stretch>
-              </a:blipFill>
-            </p:spPr>
-            <p:txBody>
-              <a:bodyPr/>
-              <a:lstStyle/>
-              <a:p>
-                <a:r>
-                  <a:rPr lang="en-US">
-                    <a:noFill/>
-                  </a:rPr>
-                  <a:t> </a:t>
-                </a:r>
-              </a:p>
-            </p:txBody>
-          </p:sp>
-        </mc:Fallback>
-      </mc:AlternateContent>
-    </p:spTree>
-    <p:extLst>
-      <p:ext uri="{BB962C8B-B14F-4D97-AF65-F5344CB8AC3E}">
-        <p14:creationId xmlns:p14="http://schemas.microsoft.com/office/powerpoint/2010/main" val="686677431"/>
-      </p:ext>
-    </p:extLst>
-  </p:cSld>
-  <p:clrMapOvr>
-    <a:masterClrMapping/>
-  </p:clrMapOvr>
-</p:sld>
-</file>
-
-<file path=ppt/slides/slide14.xml><?xml version="1.0" encoding="utf-8"?>
-<p:sld xmlns:a="http://schemas.openxmlformats.org/drawingml/2006/main" xmlns:r="http://schemas.openxmlformats.org/officeDocument/2006/relationships" xmlns:p="http://schemas.openxmlformats.org/presentationml/2006/main">
-  <p:cSld>
-    <p:spTree>
-      <p:nvGrpSpPr>
-        <p:cNvPr id="1" name=""/>
-        <p:cNvGrpSpPr/>
-        <p:nvPr/>
-      </p:nvGrpSpPr>
-      <p:grpSpPr>
-        <a:xfrm>
-          <a:off x="0" y="0"/>
-          <a:ext cx="0" cy="0"/>
-          <a:chOff x="0" y="0"/>
-          <a:chExt cx="0" cy="0"/>
-        </a:xfrm>
-      </p:grpSpPr>
-      <p:sp>
-        <p:nvSpPr>
           <p:cNvPr id="2" name="Title 1">
             <a:extLst>
               <a:ext uri="{FF2B5EF4-FFF2-40B4-BE49-F238E27FC236}">
-                <a16:creationId xmlns:a16="http://schemas.microsoft.com/office/drawing/2014/main" xmlns="" id="{2080BB50-9AAA-448A-8376-CB859DE4375C}"/>
+                <a16:creationId xmlns:a16="http://schemas.microsoft.com/office/drawing/2014/main" id="{2080BB50-9AAA-448A-8376-CB859DE4375C}"/>
               </a:ext>
             </a:extLst>
           </p:cNvPr>
@@ -12824,7 +12442,7 @@
               <p:cNvPr id="3" name="Content Placeholder 2">
                 <a:extLst>
                   <a:ext uri="{FF2B5EF4-FFF2-40B4-BE49-F238E27FC236}">
-                    <a16:creationId xmlns:a16="http://schemas.microsoft.com/office/drawing/2014/main" xmlns="" id="{A6EFEA33-EC69-412C-9A8E-6154468EB6EC}"/>
+                    <a16:creationId xmlns:a16="http://schemas.microsoft.com/office/drawing/2014/main" id="{A6EFEA33-EC69-412C-9A8E-6154468EB6EC}"/>
                   </a:ext>
                 </a:extLst>
               </p:cNvPr>
@@ -12852,7 +12470,7 @@
                       <m:sSubPr>
                         <m:ctrlPr>
                           <a:rPr lang="en-US" altLang="en-US" b="0" i="1" smtClean="0">
-                            <a:latin typeface="Cambria Math" charset="0"/>
+                            <a:latin typeface="Cambria Math" panose="02040503050406030204" pitchFamily="18" charset="0"/>
                           </a:rPr>
                         </m:ctrlPr>
                       </m:sSubPr>
@@ -12877,7 +12495,7 @@
                       <m:sSubPr>
                         <m:ctrlPr>
                           <a:rPr lang="en-US" altLang="en-US" b="0" i="1" smtClean="0">
-                            <a:latin typeface="Cambria Math" charset="0"/>
+                            <a:latin typeface="Cambria Math" panose="02040503050406030204" pitchFamily="18" charset="0"/>
                           </a:rPr>
                         </m:ctrlPr>
                       </m:sSubPr>
@@ -12925,7 +12543,7 @@
                       <m:sSubPr>
                         <m:ctrlPr>
                           <a:rPr lang="en-US" altLang="en-US" b="0" i="1" smtClean="0">
-                            <a:latin typeface="Cambria Math" charset="0"/>
+                            <a:latin typeface="Cambria Math" panose="02040503050406030204" pitchFamily="18" charset="0"/>
                           </a:rPr>
                         </m:ctrlPr>
                       </m:sSubPr>
@@ -12950,7 +12568,7 @@
                       <m:sSubPr>
                         <m:ctrlPr>
                           <a:rPr lang="en-US" altLang="en-US" b="0" i="1" smtClean="0">
-                            <a:latin typeface="Cambria Math" charset="0"/>
+                            <a:latin typeface="Cambria Math" panose="02040503050406030204" pitchFamily="18" charset="0"/>
                           </a:rPr>
                         </m:ctrlPr>
                       </m:sSubPr>
@@ -12986,7 +12604,7 @@
                       <m:sSubPr>
                         <m:ctrlPr>
                           <a:rPr lang="en-US" altLang="en-US" b="0" i="1" smtClean="0">
-                            <a:latin typeface="Cambria Math" charset="0"/>
+                            <a:latin typeface="Cambria Math" panose="02040503050406030204" pitchFamily="18" charset="0"/>
                           </a:rPr>
                         </m:ctrlPr>
                       </m:sSubPr>
@@ -13031,7 +12649,7 @@
                       <m:sSubPr>
                         <m:ctrlPr>
                           <a:rPr lang="en-US" altLang="en-US" b="0" i="1" smtClean="0">
-                            <a:latin typeface="Cambria Math" charset="0"/>
+                            <a:latin typeface="Cambria Math" panose="02040503050406030204" pitchFamily="18" charset="0"/>
                           </a:rPr>
                         </m:ctrlPr>
                       </m:sSubPr>
@@ -13072,7 +12690,7 @@
                       <m:sSubPr>
                         <m:ctrlPr>
                           <a:rPr lang="en-US" altLang="en-US" b="0" i="1" smtClean="0">
-                            <a:latin typeface="Cambria Math" charset="0"/>
+                            <a:latin typeface="Cambria Math" panose="02040503050406030204" pitchFamily="18" charset="0"/>
                           </a:rPr>
                         </m:ctrlPr>
                       </m:sSubPr>
@@ -13103,7 +12721,7 @@
                       <m:sSubPr>
                         <m:ctrlPr>
                           <a:rPr lang="en-US" altLang="en-US" b="0" i="1" smtClean="0">
-                            <a:latin typeface="Cambria Math" charset="0"/>
+                            <a:latin typeface="Cambria Math" panose="02040503050406030204" pitchFamily="18" charset="0"/>
                           </a:rPr>
                         </m:ctrlPr>
                       </m:sSubPr>
@@ -13151,7 +12769,7 @@
                         <m:sSubPr>
                           <m:ctrlPr>
                             <a:rPr lang="en-US" altLang="en-US" i="1">
-                              <a:latin typeface="Cambria Math" charset="0"/>
+                              <a:latin typeface="Cambria Math" panose="02040503050406030204" pitchFamily="18" charset="0"/>
                             </a:rPr>
                           </m:ctrlPr>
                         </m:sSubPr>
@@ -13195,7 +12813,7 @@
                         <m:sSubPr>
                           <m:ctrlPr>
                             <a:rPr lang="en-US" altLang="en-US" i="1">
-                              <a:latin typeface="Cambria Math" charset="0"/>
+                              <a:latin typeface="Cambria Math" panose="02040503050406030204" pitchFamily="18" charset="0"/>
                             </a:rPr>
                           </m:ctrlPr>
                         </m:sSubPr>
@@ -13294,7 +12912,7 @@
           <p:cNvPr id="4" name="Footer Placeholder 3">
             <a:extLst>
               <a:ext uri="{FF2B5EF4-FFF2-40B4-BE49-F238E27FC236}">
-                <a16:creationId xmlns:a16="http://schemas.microsoft.com/office/drawing/2014/main" xmlns="" id="{A744C794-D14A-4C4F-AB6B-F5754FDC8048}"/>
+                <a16:creationId xmlns:a16="http://schemas.microsoft.com/office/drawing/2014/main" id="{A744C794-D14A-4C4F-AB6B-F5754FDC8048}"/>
               </a:ext>
             </a:extLst>
           </p:cNvPr>
@@ -13351,7 +12969,7 @@
           <p:cNvPr id="5" name="Slide Number Placeholder 4">
             <a:extLst>
               <a:ext uri="{FF2B5EF4-FFF2-40B4-BE49-F238E27FC236}">
-                <a16:creationId xmlns:a16="http://schemas.microsoft.com/office/drawing/2014/main" xmlns="" id="{F010A83B-80DD-4148-B633-CC1EA64BBC2F}"/>
+                <a16:creationId xmlns:a16="http://schemas.microsoft.com/office/drawing/2014/main" id="{F010A83B-80DD-4148-B633-CC1EA64BBC2F}"/>
               </a:ext>
             </a:extLst>
           </p:cNvPr>
@@ -13370,7 +12988,7 @@
             <a:fld id="{E9B57936-92EF-4126-AE48-1D9D36D15E98}" type="slidenum">
               <a:rPr kumimoji="1" lang="ja-JP" altLang="en-US" smtClean="0"/>
               <a:pPr/>
-              <a:t>13</a:t>
+              <a:t>11</a:t>
             </a:fld>
             <a:endParaRPr kumimoji="1" lang="ja-JP" altLang="en-US" dirty="0"/>
           </a:p>
@@ -13788,7 +13406,277 @@
 </p:sld>
 </file>
 
-<file path=ppt/slides/slide15.xml><?xml version="1.0" encoding="utf-8"?>
+<file path=ppt/slides/slide13.xml><?xml version="1.0" encoding="utf-8"?>
+<p:sld xmlns:a="http://schemas.openxmlformats.org/drawingml/2006/main" xmlns:r="http://schemas.openxmlformats.org/officeDocument/2006/relationships" xmlns:p="http://schemas.openxmlformats.org/presentationml/2006/main">
+  <p:cSld>
+    <p:spTree>
+      <p:nvGrpSpPr>
+        <p:cNvPr id="1" name=""/>
+        <p:cNvGrpSpPr/>
+        <p:nvPr/>
+      </p:nvGrpSpPr>
+      <p:grpSpPr>
+        <a:xfrm>
+          <a:off x="0" y="0"/>
+          <a:ext cx="0" cy="0"/>
+          <a:chOff x="0" y="0"/>
+          <a:chExt cx="0" cy="0"/>
+        </a:xfrm>
+      </p:grpSpPr>
+      <p:sp>
+        <p:nvSpPr>
+          <p:cNvPr id="2" name="Title 1"/>
+          <p:cNvSpPr>
+            <a:spLocks noGrp="1"/>
+          </p:cNvSpPr>
+          <p:nvPr>
+            <p:ph type="title"/>
+          </p:nvPr>
+        </p:nvSpPr>
+        <p:spPr/>
+        <p:txBody>
+          <a:bodyPr/>
+          <a:lstStyle/>
+          <a:p>
+            <a:r>
+              <a:rPr lang="en-US" dirty="0"/>
+              <a:t>Group Lasso</a:t>
+            </a:r>
+          </a:p>
+        </p:txBody>
+      </p:sp>
+      <p:sp>
+        <p:nvSpPr>
+          <p:cNvPr id="4" name="Footer Placeholder 3"/>
+          <p:cNvSpPr>
+            <a:spLocks noGrp="1"/>
+          </p:cNvSpPr>
+          <p:nvPr>
+            <p:ph type="ftr" sz="quarter" idx="11"/>
+          </p:nvPr>
+        </p:nvSpPr>
+        <p:spPr/>
+        <p:txBody>
+          <a:bodyPr/>
+          <a:lstStyle/>
+          <a:p>
+            <a:r>
+              <a:rPr lang="ja-JP" altLang="en-US" dirty="0"/>
+              <a:t>｜</a:t>
+            </a:r>
+            <a:r>
+              <a:rPr lang="en-US" altLang="ja-JP" dirty="0"/>
+              <a:t>0000</a:t>
+            </a:r>
+            <a:r>
+              <a:rPr lang="ja-JP" altLang="en-US" dirty="0"/>
+              <a:t>　</a:t>
+            </a:r>
+            <a:r>
+              <a:rPr lang="en-US" altLang="ja-JP" dirty="0"/>
+              <a:t>|</a:t>
+            </a:r>
+            <a:r>
+              <a:rPr lang="ja-JP" altLang="en-US" dirty="0"/>
+              <a:t>　　</a:t>
+            </a:r>
+            <a:r>
+              <a:rPr lang="en-US" altLang="ja-JP" dirty="0"/>
+              <a:t> Aug 24</a:t>
+            </a:r>
+            <a:r>
+              <a:rPr lang="en-US" altLang="ja-JP" baseline="30000" dirty="0"/>
+              <a:t>th</a:t>
+            </a:r>
+            <a:r>
+              <a:rPr lang="en-US" altLang="ja-JP" dirty="0"/>
+              <a:t> 2018</a:t>
+            </a:r>
+            <a:endParaRPr lang="ja-JP" altLang="en-US" dirty="0"/>
+          </a:p>
+        </p:txBody>
+      </p:sp>
+      <p:sp>
+        <p:nvSpPr>
+          <p:cNvPr id="5" name="Slide Number Placeholder 4"/>
+          <p:cNvSpPr>
+            <a:spLocks noGrp="1"/>
+          </p:cNvSpPr>
+          <p:nvPr>
+            <p:ph type="sldNum" sz="quarter" idx="12"/>
+          </p:nvPr>
+        </p:nvSpPr>
+        <p:spPr/>
+        <p:txBody>
+          <a:bodyPr/>
+          <a:lstStyle/>
+          <a:p>
+            <a:fld id="{E9B57936-92EF-4126-AE48-1D9D36D15E98}" type="slidenum">
+              <a:rPr kumimoji="1" lang="ja-JP" altLang="en-US" smtClean="0"/>
+              <a:pPr/>
+              <a:t>12</a:t>
+            </a:fld>
+            <a:endParaRPr kumimoji="1" lang="ja-JP" altLang="en-US" dirty="0"/>
+          </a:p>
+        </p:txBody>
+      </p:sp>
+      <mc:AlternateContent xmlns:mc="http://schemas.openxmlformats.org/markup-compatibility/2006" xmlns:a14="http://schemas.microsoft.com/office/drawing/2010/main">
+        <mc:Choice Requires="a14">
+          <p:sp>
+            <p:nvSpPr>
+              <p:cNvPr id="7" name="Content Placeholder 6">
+                <a:extLst>
+                  <a:ext uri="{FF2B5EF4-FFF2-40B4-BE49-F238E27FC236}">
+                    <a16:creationId xmlns:a16="http://schemas.microsoft.com/office/drawing/2014/main" id="{A73C6DC9-E908-45A8-A4DC-4D5A9005AC6F}"/>
+                  </a:ext>
+                </a:extLst>
+              </p:cNvPr>
+              <p:cNvSpPr>
+                <a:spLocks noGrp="1"/>
+              </p:cNvSpPr>
+              <p:nvPr>
+                <p:ph idx="1"/>
+              </p:nvPr>
+            </p:nvSpPr>
+            <p:spPr/>
+            <p:txBody>
+              <a:bodyPr/>
+              <a:lstStyle/>
+              <a:p>
+                <a:r>
+                  <a:rPr lang="en-US" dirty="0"/>
+                  <a:t>We choose Group Lasso for its ability to</a:t>
+                </a:r>
+              </a:p>
+              <a:p>
+                <a:pPr lvl="1"/>
+                <a:r>
+                  <a:rPr lang="en-US" dirty="0"/>
+                  <a:t>Handle high dimensional data</a:t>
+                </a:r>
+              </a:p>
+              <a:p>
+                <a:pPr lvl="1"/>
+                <a:r>
+                  <a:rPr lang="en-US" dirty="0"/>
+                  <a:t>Allow hierarchical structure</a:t>
+                </a:r>
+              </a:p>
+              <a:p>
+                <a:r>
+                  <a:rPr lang="en-US" dirty="0"/>
+                  <a:t>We want the proposed Group Lasso method be capable to</a:t>
+                </a:r>
+              </a:p>
+              <a:p>
+                <a:pPr lvl="1"/>
+                <a:r>
+                  <a:rPr lang="en-US" dirty="0"/>
+                  <a:t>Penalize on only part of predictors</a:t>
+                </a:r>
+              </a:p>
+              <a:p>
+                <a:pPr lvl="1"/>
+                <a:r>
+                  <a:rPr lang="en-US" dirty="0"/>
+                  <a:t>Allow </a:t>
+                </a:r>
+                <a14:m>
+                  <m:oMath xmlns:m="http://schemas.openxmlformats.org/officeDocument/2006/math">
+                    <m:r>
+                      <a:rPr lang="en-US" b="0" i="1" smtClean="0">
+                        <a:latin typeface="Cambria Math" panose="02040503050406030204" pitchFamily="18" charset="0"/>
+                      </a:rPr>
+                      <m:t>𝑝</m:t>
+                    </m:r>
+                    <m:r>
+                      <a:rPr lang="en-US" b="0" i="1" smtClean="0">
+                        <a:latin typeface="Cambria Math" panose="02040503050406030204" pitchFamily="18" charset="0"/>
+                      </a:rPr>
+                      <m:t>&gt;</m:t>
+                    </m:r>
+                    <m:r>
+                      <a:rPr lang="en-US" b="0" i="1" smtClean="0">
+                        <a:latin typeface="Cambria Math" panose="02040503050406030204" pitchFamily="18" charset="0"/>
+                      </a:rPr>
+                      <m:t>𝑛</m:t>
+                    </m:r>
+                  </m:oMath>
+                </a14:m>
+                <a:endParaRPr lang="en-US" dirty="0"/>
+              </a:p>
+              <a:p>
+                <a:pPr lvl="1"/>
+                <a:r>
+                  <a:rPr lang="en-US" dirty="0"/>
+                  <a:t>Have the following constraint</a:t>
+                </a:r>
+              </a:p>
+              <a:p>
+                <a:pPr lvl="1"/>
+                <a:endParaRPr lang="en-US" dirty="0"/>
+              </a:p>
+              <a:p>
+                <a:pPr lvl="1"/>
+                <a:endParaRPr lang="en-US" dirty="0"/>
+              </a:p>
+            </p:txBody>
+          </p:sp>
+        </mc:Choice>
+        <mc:Fallback xmlns="">
+          <p:sp>
+            <p:nvSpPr>
+              <p:cNvPr id="7" name="Content Placeholder 6">
+                <a:extLst>
+                  <a:ext uri="{FF2B5EF4-FFF2-40B4-BE49-F238E27FC236}">
+                    <a16:creationId xmlns:a16="http://schemas.microsoft.com/office/drawing/2014/main" id="{A73C6DC9-E908-45A8-A4DC-4D5A9005AC6F}"/>
+                  </a:ext>
+                </a:extLst>
+              </p:cNvPr>
+              <p:cNvSpPr>
+                <a:spLocks noGrp="1" noRot="1" noChangeAspect="1" noMove="1" noResize="1" noEditPoints="1" noAdjustHandles="1" noChangeArrowheads="1" noChangeShapeType="1" noTextEdit="1"/>
+              </p:cNvSpPr>
+              <p:nvPr>
+                <p:ph idx="1"/>
+              </p:nvPr>
+            </p:nvSpPr>
+            <p:spPr>
+              <a:blipFill>
+                <a:blip r:embed="rId2"/>
+                <a:stretch>
+                  <a:fillRect l="-1766" t="-831"/>
+                </a:stretch>
+              </a:blipFill>
+            </p:spPr>
+            <p:txBody>
+              <a:bodyPr/>
+              <a:lstStyle/>
+              <a:p>
+                <a:r>
+                  <a:rPr lang="en-US">
+                    <a:noFill/>
+                  </a:rPr>
+                  <a:t> </a:t>
+                </a:r>
+              </a:p>
+            </p:txBody>
+          </p:sp>
+        </mc:Fallback>
+      </mc:AlternateContent>
+    </p:spTree>
+    <p:extLst>
+      <p:ext uri="{BB962C8B-B14F-4D97-AF65-F5344CB8AC3E}">
+        <p14:creationId xmlns:p14="http://schemas.microsoft.com/office/powerpoint/2010/main" val="686677431"/>
+      </p:ext>
+    </p:extLst>
+  </p:cSld>
+  <p:clrMapOvr>
+    <a:masterClrMapping/>
+  </p:clrMapOvr>
+</p:sld>
+</file>
+
+<file path=ppt/slides/slide14.xml><?xml version="1.0" encoding="utf-8"?>
 <p:sld xmlns:a="http://schemas.openxmlformats.org/drawingml/2006/main" xmlns:r="http://schemas.openxmlformats.org/officeDocument/2006/relationships" xmlns:p="http://schemas.openxmlformats.org/presentationml/2006/main">
   <p:cSld>
     <p:spTree>
@@ -13810,7 +13698,7 @@
           <p:cNvPr id="2" name="Title 1">
             <a:extLst>
               <a:ext uri="{FF2B5EF4-FFF2-40B4-BE49-F238E27FC236}">
-                <a16:creationId xmlns:a16="http://schemas.microsoft.com/office/drawing/2014/main" xmlns="" id="{79DCF703-20AF-4958-B33E-F343978ACF91}"/>
+                <a16:creationId xmlns:a16="http://schemas.microsoft.com/office/drawing/2014/main" id="{79DCF703-20AF-4958-B33E-F343978ACF91}"/>
               </a:ext>
             </a:extLst>
           </p:cNvPr>
@@ -13840,7 +13728,7 @@
               <p:cNvPr id="3" name="Content Placeholder 2">
                 <a:extLst>
                   <a:ext uri="{FF2B5EF4-FFF2-40B4-BE49-F238E27FC236}">
-                    <a16:creationId xmlns:a16="http://schemas.microsoft.com/office/drawing/2014/main" xmlns="" id="{6D0CE62C-8863-4F49-A0FA-B90C4A09BB2E}"/>
+                    <a16:creationId xmlns:a16="http://schemas.microsoft.com/office/drawing/2014/main" id="{6D0CE62C-8863-4F49-A0FA-B90C4A09BB2E}"/>
                   </a:ext>
                 </a:extLst>
               </p:cNvPr>
@@ -13878,7 +13766,7 @@
                         <m:limLowPr>
                           <m:ctrlPr>
                             <a:rPr lang="en-US" b="0" i="1" smtClean="0">
-                              <a:latin typeface="Cambria Math" charset="0"/>
+                              <a:latin typeface="Cambria Math" panose="02040503050406030204" pitchFamily="18" charset="0"/>
                             </a:rPr>
                           </m:ctrlPr>
                         </m:limLowPr>
@@ -13912,7 +13800,7 @@
                         <m:dPr>
                           <m:ctrlPr>
                             <a:rPr lang="en-US" b="0" i="1" smtClean="0">
-                              <a:latin typeface="Cambria Math" charset="0"/>
+                              <a:latin typeface="Cambria Math" panose="02040503050406030204" pitchFamily="18" charset="0"/>
                             </a:rPr>
                           </m:ctrlPr>
                         </m:dPr>
@@ -14033,7 +13921,7 @@
                         <m:dPr>
                           <m:ctrlPr>
                             <a:rPr lang="en-US" b="0" i="1" smtClean="0">
-                              <a:latin typeface="Cambria Math" charset="0"/>
+                              <a:latin typeface="Cambria Math" panose="02040503050406030204" pitchFamily="18" charset="0"/>
                             </a:rPr>
                           </m:ctrlPr>
                         </m:dPr>
@@ -14190,7 +14078,7 @@
                         <m:sSupPr>
                           <m:ctrlPr>
                             <a:rPr lang="en-US" b="0" i="1" smtClean="0">
-                              <a:latin typeface="Cambria Math" charset="0"/>
+                              <a:latin typeface="Cambria Math" panose="02040503050406030204" pitchFamily="18" charset="0"/>
                             </a:rPr>
                           </m:ctrlPr>
                         </m:sSupPr>
@@ -14242,7 +14130,7 @@
                         <m:dPr>
                           <m:ctrlPr>
                             <a:rPr lang="en-US" b="0" i="1" smtClean="0">
-                              <a:latin typeface="Cambria Math" charset="0"/>
+                              <a:latin typeface="Cambria Math" panose="02040503050406030204" pitchFamily="18" charset="0"/>
                             </a:rPr>
                           </m:ctrlPr>
                         </m:dPr>
@@ -14273,7 +14161,7 @@
                           <m:supHide m:val="on"/>
                           <m:ctrlPr>
                             <a:rPr lang="en-US" b="0" i="1" smtClean="0">
-                              <a:latin typeface="Cambria Math" charset="0"/>
+                              <a:latin typeface="Cambria Math" panose="02040503050406030204" pitchFamily="18" charset="0"/>
                             </a:rPr>
                           </m:ctrlPr>
                         </m:naryPr>
@@ -14291,7 +14179,7 @@
                             <m:sSubPr>
                               <m:ctrlPr>
                                 <a:rPr lang="en-US" b="0" i="1" smtClean="0">
-                                  <a:latin typeface="Cambria Math" charset="0"/>
+                                  <a:latin typeface="Cambria Math" panose="02040503050406030204" pitchFamily="18" charset="0"/>
                                 </a:rPr>
                               </m:ctrlPr>
                             </m:sSubPr>
@@ -14322,7 +14210,7 @@
                             <m:sSubPr>
                               <m:ctrlPr>
                                 <a:rPr lang="en-US" b="0" i="1" smtClean="0">
-                                  <a:latin typeface="Cambria Math" charset="0"/>
+                                  <a:latin typeface="Cambria Math" panose="02040503050406030204" pitchFamily="18" charset="0"/>
                                 </a:rPr>
                               </m:ctrlPr>
                             </m:sSubPr>
@@ -14369,7 +14257,7 @@
                           <m:supHide m:val="on"/>
                           <m:ctrlPr>
                             <a:rPr lang="en-US" b="0" i="1" smtClean="0">
-                              <a:latin typeface="Cambria Math" charset="0"/>
+                              <a:latin typeface="Cambria Math" panose="02040503050406030204" pitchFamily="18" charset="0"/>
                             </a:rPr>
                           </m:ctrlPr>
                         </m:naryPr>
@@ -14387,7 +14275,7 @@
                             <m:sSubPr>
                               <m:ctrlPr>
                                 <a:rPr lang="en-US" b="0" i="1" smtClean="0">
-                                  <a:latin typeface="Cambria Math" charset="0"/>
+                                  <a:latin typeface="Cambria Math" panose="02040503050406030204" pitchFamily="18" charset="0"/>
                                 </a:rPr>
                               </m:ctrlPr>
                             </m:sSubPr>
@@ -14413,7 +14301,7 @@
                               <m:degHide m:val="on"/>
                               <m:ctrlPr>
                                 <a:rPr lang="en-US" b="0" i="1" smtClean="0">
-                                  <a:latin typeface="Cambria Math" charset="0"/>
+                                  <a:latin typeface="Cambria Math" panose="02040503050406030204" pitchFamily="18" charset="0"/>
                                 </a:rPr>
                               </m:ctrlPr>
                             </m:radPr>
@@ -14423,7 +14311,7 @@
                                 <m:sSubSupPr>
                                   <m:ctrlPr>
                                     <a:rPr lang="en-US" b="0" i="1" smtClean="0">
-                                      <a:latin typeface="Cambria Math" charset="0"/>
+                                      <a:latin typeface="Cambria Math" panose="02040503050406030204" pitchFamily="18" charset="0"/>
                                     </a:rPr>
                                   </m:ctrlPr>
                                 </m:sSubSupPr>
@@ -14462,7 +14350,7 @@
                                 <m:sSubSupPr>
                                   <m:ctrlPr>
                                     <a:rPr lang="en-US" i="1">
-                                      <a:latin typeface="Cambria Math" charset="0"/>
+                                      <a:latin typeface="Cambria Math" panose="02040503050406030204" pitchFamily="18" charset="0"/>
                                     </a:rPr>
                                   </m:ctrlPr>
                                 </m:sSubSupPr>
@@ -14521,7 +14409,7 @@
                             <m:sSubSupPr>
                               <m:ctrlPr>
                                 <a:rPr lang="en-US" b="0" i="1" smtClean="0">
-                                  <a:latin typeface="Cambria Math" charset="0"/>
+                                  <a:latin typeface="Cambria Math" panose="02040503050406030204" pitchFamily="18" charset="0"/>
                                 </a:rPr>
                               </m:ctrlPr>
                             </m:sSubSupPr>
@@ -14566,7 +14454,7 @@
                             <m:sSubSupPr>
                               <m:ctrlPr>
                                 <a:rPr lang="en-US" b="0" i="1" smtClean="0">
-                                  <a:latin typeface="Cambria Math" charset="0"/>
+                                  <a:latin typeface="Cambria Math" panose="02040503050406030204" pitchFamily="18" charset="0"/>
                                 </a:rPr>
                               </m:ctrlPr>
                             </m:sSubSupPr>
@@ -14739,7 +14627,7 @@
           <p:cNvPr id="4" name="Footer Placeholder 3">
             <a:extLst>
               <a:ext uri="{FF2B5EF4-FFF2-40B4-BE49-F238E27FC236}">
-                <a16:creationId xmlns:a16="http://schemas.microsoft.com/office/drawing/2014/main" xmlns="" id="{1F18B1F0-4748-4068-BA94-68CBCC62C648}"/>
+                <a16:creationId xmlns:a16="http://schemas.microsoft.com/office/drawing/2014/main" id="{1F18B1F0-4748-4068-BA94-68CBCC62C648}"/>
               </a:ext>
             </a:extLst>
           </p:cNvPr>
@@ -14796,7 +14684,7 @@
           <p:cNvPr id="5" name="Slide Number Placeholder 4">
             <a:extLst>
               <a:ext uri="{FF2B5EF4-FFF2-40B4-BE49-F238E27FC236}">
-                <a16:creationId xmlns:a16="http://schemas.microsoft.com/office/drawing/2014/main" xmlns="" id="{A39BFACB-D0EE-4249-B1AE-5CD08E88DBBB}"/>
+                <a16:creationId xmlns:a16="http://schemas.microsoft.com/office/drawing/2014/main" id="{A39BFACB-D0EE-4249-B1AE-5CD08E88DBBB}"/>
               </a:ext>
             </a:extLst>
           </p:cNvPr>
@@ -14815,7 +14703,7 @@
             <a:fld id="{E9B57936-92EF-4126-AE48-1D9D36D15E98}" type="slidenum">
               <a:rPr kumimoji="1" lang="ja-JP" altLang="en-US" smtClean="0"/>
               <a:pPr/>
-              <a:t>14</a:t>
+              <a:t>13</a:t>
             </a:fld>
             <a:endParaRPr kumimoji="1" lang="ja-JP" altLang="en-US" dirty="0"/>
           </a:p>
@@ -14826,7 +14714,7 @@
           <p:cNvPr id="6" name="Rectangle 5">
             <a:extLst>
               <a:ext uri="{FF2B5EF4-FFF2-40B4-BE49-F238E27FC236}">
-                <a16:creationId xmlns:a16="http://schemas.microsoft.com/office/drawing/2014/main" xmlns="" id="{64764CCA-1F94-4643-8696-38015A8294CF}"/>
+                <a16:creationId xmlns:a16="http://schemas.microsoft.com/office/drawing/2014/main" id="{64764CCA-1F94-4643-8696-38015A8294CF}"/>
               </a:ext>
             </a:extLst>
           </p:cNvPr>
@@ -14873,7 +14761,7 @@
           <p:cNvPr id="7" name="TextBox 6">
             <a:extLst>
               <a:ext uri="{FF2B5EF4-FFF2-40B4-BE49-F238E27FC236}">
-                <a16:creationId xmlns:a16="http://schemas.microsoft.com/office/drawing/2014/main" xmlns="" id="{B87C4414-32CE-48EE-8D41-5F0667A0BED6}"/>
+                <a16:creationId xmlns:a16="http://schemas.microsoft.com/office/drawing/2014/main" id="{B87C4414-32CE-48EE-8D41-5F0667A0BED6}"/>
               </a:ext>
             </a:extLst>
           </p:cNvPr>
@@ -14912,7 +14800,7 @@
           <p:cNvPr id="8" name="Rectangle 7">
             <a:extLst>
               <a:ext uri="{FF2B5EF4-FFF2-40B4-BE49-F238E27FC236}">
-                <a16:creationId xmlns:a16="http://schemas.microsoft.com/office/drawing/2014/main" xmlns="" id="{ED49BEB3-AB94-4944-AED1-ADBCB8B185F1}"/>
+                <a16:creationId xmlns:a16="http://schemas.microsoft.com/office/drawing/2014/main" id="{ED49BEB3-AB94-4944-AED1-ADBCB8B185F1}"/>
               </a:ext>
             </a:extLst>
           </p:cNvPr>
@@ -14959,7 +14847,7 @@
           <p:cNvPr id="9" name="TextBox 8">
             <a:extLst>
               <a:ext uri="{FF2B5EF4-FFF2-40B4-BE49-F238E27FC236}">
-                <a16:creationId xmlns:a16="http://schemas.microsoft.com/office/drawing/2014/main" xmlns="" id="{CD8EA2C0-923D-4F8F-938B-3185B131DE55}"/>
+                <a16:creationId xmlns:a16="http://schemas.microsoft.com/office/drawing/2014/main" id="{CD8EA2C0-923D-4F8F-938B-3185B131DE55}"/>
               </a:ext>
             </a:extLst>
           </p:cNvPr>
@@ -14968,8 +14856,8 @@
         </p:nvSpPr>
         <p:spPr>
           <a:xfrm>
-            <a:off x="6166079" y="2299328"/>
-            <a:ext cx="1760773" cy="369332"/>
+            <a:off x="5868144" y="2299328"/>
+            <a:ext cx="1873283" cy="369332"/>
           </a:xfrm>
           <a:prstGeom prst="rect">
             <a:avLst/>
@@ -14988,7 +14876,7 @@
                   <a:schemeClr val="accent2"/>
                 </a:solidFill>
               </a:rPr>
-              <a:t>Elastic Net</a:t>
+              <a:t>Ridge Structure</a:t>
             </a:r>
           </a:p>
         </p:txBody>
@@ -14998,7 +14886,7 @@
           <p:cNvPr id="10" name="Oval 9">
             <a:extLst>
               <a:ext uri="{FF2B5EF4-FFF2-40B4-BE49-F238E27FC236}">
-                <a16:creationId xmlns:a16="http://schemas.microsoft.com/office/drawing/2014/main" xmlns="" id="{79691CDE-3F86-4256-8C1E-9B075E05089F}"/>
+                <a16:creationId xmlns:a16="http://schemas.microsoft.com/office/drawing/2014/main" id="{79691CDE-3F86-4256-8C1E-9B075E05089F}"/>
               </a:ext>
             </a:extLst>
           </p:cNvPr>
@@ -15050,7 +14938,7 @@
           <p:cNvPr id="11" name="Oval 10">
             <a:extLst>
               <a:ext uri="{FF2B5EF4-FFF2-40B4-BE49-F238E27FC236}">
-                <a16:creationId xmlns:a16="http://schemas.microsoft.com/office/drawing/2014/main" xmlns="" id="{0EF577D3-557B-474C-B2B7-1F7AD8DDB4ED}"/>
+                <a16:creationId xmlns:a16="http://schemas.microsoft.com/office/drawing/2014/main" id="{0EF577D3-557B-474C-B2B7-1F7AD8DDB4ED}"/>
               </a:ext>
             </a:extLst>
           </p:cNvPr>
@@ -15102,7 +14990,7 @@
           <p:cNvPr id="12" name="TextBox 11">
             <a:extLst>
               <a:ext uri="{FF2B5EF4-FFF2-40B4-BE49-F238E27FC236}">
-                <a16:creationId xmlns:a16="http://schemas.microsoft.com/office/drawing/2014/main" xmlns="" id="{0F6488F4-3E4A-49E2-AA86-11BBFB3A70E6}"/>
+                <a16:creationId xmlns:a16="http://schemas.microsoft.com/office/drawing/2014/main" id="{0F6488F4-3E4A-49E2-AA86-11BBFB3A70E6}"/>
               </a:ext>
             </a:extLst>
           </p:cNvPr>
@@ -15497,7 +15385,7 @@
 </p:sld>
 </file>
 
-<file path=ppt/slides/slide16.xml><?xml version="1.0" encoding="utf-8"?>
+<file path=ppt/slides/slide15.xml><?xml version="1.0" encoding="utf-8"?>
 <p:sld xmlns:a="http://schemas.openxmlformats.org/drawingml/2006/main" xmlns:r="http://schemas.openxmlformats.org/officeDocument/2006/relationships" xmlns:p="http://schemas.openxmlformats.org/presentationml/2006/main">
   <p:cSld>
     <p:spTree>
@@ -15531,7 +15419,7 @@
           <a:p>
             <a:r>
               <a:rPr lang="en-US" sz="1800" dirty="0"/>
-              <a:t>Geographical Interpretation of Group Lasso Structure</a:t>
+              <a:t>Geometrical Interpretation of Group Lasso Structure</a:t>
             </a:r>
           </a:p>
         </p:txBody>
@@ -15605,7 +15493,7 @@
             <a:fld id="{E9B57936-92EF-4126-AE48-1D9D36D15E98}" type="slidenum">
               <a:rPr kumimoji="1" lang="ja-JP" altLang="en-US" smtClean="0"/>
               <a:pPr/>
-              <a:t>15</a:t>
+              <a:t>14</a:t>
             </a:fld>
             <a:endParaRPr kumimoji="1" lang="ja-JP" altLang="en-US" dirty="0"/>
           </a:p>
@@ -15743,7 +15631,7 @@
               <p:cNvPr id="3" name="TextBox 2">
                 <a:extLst>
                   <a:ext uri="{FF2B5EF4-FFF2-40B4-BE49-F238E27FC236}">
-                    <a16:creationId xmlns:a16="http://schemas.microsoft.com/office/drawing/2014/main" xmlns="" id="{DE36BEBA-512D-4F13-B097-9DA29F92D8A9}"/>
+                    <a16:creationId xmlns:a16="http://schemas.microsoft.com/office/drawing/2014/main" id="{DE36BEBA-512D-4F13-B097-9DA29F92D8A9}"/>
                   </a:ext>
                 </a:extLst>
               </p:cNvPr>
@@ -15857,7 +15745,7 @@
               <p:cNvPr id="10" name="TextBox 9">
                 <a:extLst>
                   <a:ext uri="{FF2B5EF4-FFF2-40B4-BE49-F238E27FC236}">
-                    <a16:creationId xmlns:a16="http://schemas.microsoft.com/office/drawing/2014/main" xmlns="" id="{DFB19A37-2B27-45C8-8757-A9EC693C1904}"/>
+                    <a16:creationId xmlns:a16="http://schemas.microsoft.com/office/drawing/2014/main" id="{DFB19A37-2B27-45C8-8757-A9EC693C1904}"/>
                   </a:ext>
                 </a:extLst>
               </p:cNvPr>
@@ -15969,7 +15857,7 @@
           <p:cNvPr id="7" name="Rectangle 6">
             <a:extLst>
               <a:ext uri="{FF2B5EF4-FFF2-40B4-BE49-F238E27FC236}">
-                <a16:creationId xmlns:a16="http://schemas.microsoft.com/office/drawing/2014/main" xmlns="" id="{C746CEDB-46C0-4343-B966-C84D0DAC3A34}"/>
+                <a16:creationId xmlns:a16="http://schemas.microsoft.com/office/drawing/2014/main" id="{C746CEDB-46C0-4343-B966-C84D0DAC3A34}"/>
               </a:ext>
             </a:extLst>
           </p:cNvPr>
@@ -16021,7 +15909,7 @@
           <p:cNvPr id="13" name="Rectangle 12">
             <a:extLst>
               <a:ext uri="{FF2B5EF4-FFF2-40B4-BE49-F238E27FC236}">
-                <a16:creationId xmlns:a16="http://schemas.microsoft.com/office/drawing/2014/main" xmlns="" id="{CF1FE3B8-89C0-4BC5-82A7-61C9CDE61A4F}"/>
+                <a16:creationId xmlns:a16="http://schemas.microsoft.com/office/drawing/2014/main" id="{CF1FE3B8-89C0-4BC5-82A7-61C9CDE61A4F}"/>
               </a:ext>
             </a:extLst>
           </p:cNvPr>
@@ -16073,7 +15961,7 @@
           <p:cNvPr id="14" name="Rectangle 13">
             <a:extLst>
               <a:ext uri="{FF2B5EF4-FFF2-40B4-BE49-F238E27FC236}">
-                <a16:creationId xmlns:a16="http://schemas.microsoft.com/office/drawing/2014/main" xmlns="" id="{EDF1C893-C24B-4453-8DD1-C2DD493E5AEE}"/>
+                <a16:creationId xmlns:a16="http://schemas.microsoft.com/office/drawing/2014/main" id="{EDF1C893-C24B-4453-8DD1-C2DD493E5AEE}"/>
               </a:ext>
             </a:extLst>
           </p:cNvPr>
@@ -16125,7 +16013,7 @@
           <p:cNvPr id="15" name="Rectangle 14">
             <a:extLst>
               <a:ext uri="{FF2B5EF4-FFF2-40B4-BE49-F238E27FC236}">
-                <a16:creationId xmlns:a16="http://schemas.microsoft.com/office/drawing/2014/main" xmlns="" id="{C36ACDF6-35EB-4B10-AD5E-4EFA08337D88}"/>
+                <a16:creationId xmlns:a16="http://schemas.microsoft.com/office/drawing/2014/main" id="{C36ACDF6-35EB-4B10-AD5E-4EFA08337D88}"/>
               </a:ext>
             </a:extLst>
           </p:cNvPr>
@@ -16179,7 +16067,7 @@
               <p:cNvPr id="8" name="TextBox 7">
                 <a:extLst>
                   <a:ext uri="{FF2B5EF4-FFF2-40B4-BE49-F238E27FC236}">
-                    <a16:creationId xmlns:a16="http://schemas.microsoft.com/office/drawing/2014/main" xmlns="" id="{DABA1900-B631-45EA-A1CC-AA027209DF26}"/>
+                    <a16:creationId xmlns:a16="http://schemas.microsoft.com/office/drawing/2014/main" id="{DABA1900-B631-45EA-A1CC-AA027209DF26}"/>
                   </a:ext>
                 </a:extLst>
               </p:cNvPr>
@@ -16219,7 +16107,7 @@
                         <m:dPr>
                           <m:ctrlPr>
                             <a:rPr lang="en-US" b="0" i="1" smtClean="0">
-                              <a:latin typeface="Cambria Math" charset="0"/>
+                              <a:latin typeface="Cambria Math" panose="02040503050406030204" pitchFamily="18" charset="0"/>
                             </a:rPr>
                           </m:ctrlPr>
                         </m:dPr>
@@ -16256,7 +16144,7 @@
                           <m:endChr m:val="|"/>
                           <m:ctrlPr>
                             <a:rPr lang="en-US" b="0" i="1" smtClean="0">
-                              <a:latin typeface="Cambria Math" charset="0"/>
+                              <a:latin typeface="Cambria Math" panose="02040503050406030204" pitchFamily="18" charset="0"/>
                             </a:rPr>
                           </m:ctrlPr>
                         </m:dPr>
@@ -16280,7 +16168,7 @@
                           <m:degHide m:val="on"/>
                           <m:ctrlPr>
                             <a:rPr lang="en-US" b="0" i="1" smtClean="0">
-                              <a:latin typeface="Cambria Math" charset="0"/>
+                              <a:latin typeface="Cambria Math" panose="02040503050406030204" pitchFamily="18" charset="0"/>
                             </a:rPr>
                           </m:ctrlPr>
                         </m:radPr>
@@ -16290,7 +16178,7 @@
                             <m:sSupPr>
                               <m:ctrlPr>
                                 <a:rPr lang="en-US" b="0" i="1" smtClean="0">
-                                  <a:latin typeface="Cambria Math" charset="0"/>
+                                  <a:latin typeface="Cambria Math" panose="02040503050406030204" pitchFamily="18" charset="0"/>
                                 </a:rPr>
                               </m:ctrlPr>
                             </m:sSupPr>
@@ -16321,7 +16209,7 @@
                             <m:sSupPr>
                               <m:ctrlPr>
                                 <a:rPr lang="en-US" i="1">
-                                  <a:latin typeface="Cambria Math" charset="0"/>
+                                  <a:latin typeface="Cambria Math" panose="02040503050406030204" pitchFamily="18" charset="0"/>
                                 </a:rPr>
                               </m:ctrlPr>
                             </m:sSupPr>
@@ -16402,7 +16290,7 @@
           <p:cNvPr id="19" name="Straight Arrow Connector 18">
             <a:extLst>
               <a:ext uri="{FF2B5EF4-FFF2-40B4-BE49-F238E27FC236}">
-                <a16:creationId xmlns:a16="http://schemas.microsoft.com/office/drawing/2014/main" xmlns="" id="{9B77BD76-ECB9-462D-8AD6-F96FC3911B42}"/>
+                <a16:creationId xmlns:a16="http://schemas.microsoft.com/office/drawing/2014/main" id="{9B77BD76-ECB9-462D-8AD6-F96FC3911B42}"/>
               </a:ext>
             </a:extLst>
           </p:cNvPr>
@@ -16445,7 +16333,7 @@
               <p:cNvPr id="21" name="TextBox 20">
                 <a:extLst>
                   <a:ext uri="{FF2B5EF4-FFF2-40B4-BE49-F238E27FC236}">
-                    <a16:creationId xmlns:a16="http://schemas.microsoft.com/office/drawing/2014/main" xmlns="" id="{D24DA0BD-548E-46C2-88A1-78C9EA0133DD}"/>
+                    <a16:creationId xmlns:a16="http://schemas.microsoft.com/office/drawing/2014/main" id="{D24DA0BD-548E-46C2-88A1-78C9EA0133DD}"/>
                   </a:ext>
                 </a:extLst>
               </p:cNvPr>
@@ -16567,7 +16455,7 @@
           <p:cNvPr id="25" name="Straight Arrow Connector 24">
             <a:extLst>
               <a:ext uri="{FF2B5EF4-FFF2-40B4-BE49-F238E27FC236}">
-                <a16:creationId xmlns:a16="http://schemas.microsoft.com/office/drawing/2014/main" xmlns="" id="{C949D0D1-57EE-4585-9DDE-C033C067204F}"/>
+                <a16:creationId xmlns:a16="http://schemas.microsoft.com/office/drawing/2014/main" id="{C949D0D1-57EE-4585-9DDE-C033C067204F}"/>
               </a:ext>
             </a:extLst>
           </p:cNvPr>
@@ -16608,7 +16496,7 @@
           <p:cNvPr id="27" name="Straight Arrow Connector 26">
             <a:extLst>
               <a:ext uri="{FF2B5EF4-FFF2-40B4-BE49-F238E27FC236}">
-                <a16:creationId xmlns:a16="http://schemas.microsoft.com/office/drawing/2014/main" xmlns="" id="{8C4DE4FC-0E6A-4AE5-A1FB-9160A70BA9EE}"/>
+                <a16:creationId xmlns:a16="http://schemas.microsoft.com/office/drawing/2014/main" id="{8C4DE4FC-0E6A-4AE5-A1FB-9160A70BA9EE}"/>
               </a:ext>
             </a:extLst>
           </p:cNvPr>
@@ -17170,7 +17058,7 @@
 </p:sld>
 </file>
 
-<file path=ppt/slides/slide17.xml><?xml version="1.0" encoding="utf-8"?>
+<file path=ppt/slides/slide16.xml><?xml version="1.0" encoding="utf-8"?>
 <p:sld xmlns:a="http://schemas.openxmlformats.org/drawingml/2006/main" xmlns:r="http://schemas.openxmlformats.org/officeDocument/2006/relationships" xmlns:p="http://schemas.openxmlformats.org/presentationml/2006/main">
   <p:cSld>
     <p:spTree>
@@ -17192,7 +17080,7 @@
           <p:cNvPr id="2" name="Title 1">
             <a:extLst>
               <a:ext uri="{FF2B5EF4-FFF2-40B4-BE49-F238E27FC236}">
-                <a16:creationId xmlns:a16="http://schemas.microsoft.com/office/drawing/2014/main" xmlns="" id="{2CFCB053-9302-4433-A0EE-928F053E8F9E}"/>
+                <a16:creationId xmlns:a16="http://schemas.microsoft.com/office/drawing/2014/main" id="{2CFCB053-9302-4433-A0EE-928F053E8F9E}"/>
               </a:ext>
             </a:extLst>
           </p:cNvPr>
@@ -17210,19 +17098,19 @@
           <a:p>
             <a:r>
               <a:rPr lang="en-US" dirty="0"/>
-              <a:t>If Without Elastic Net Structure…</a:t>
+              <a:t>If Without Ridge Structure…</a:t>
             </a:r>
           </a:p>
         </p:txBody>
       </p:sp>
-      <mc:AlternateContent xmlns:mc="http://schemas.openxmlformats.org/markup-compatibility/2006" xmlns:a14="http://schemas.microsoft.com/office/drawing/2010/main">
-        <mc:Choice Requires="a14">
+      <mc:AlternateContent xmlns:mc="http://schemas.openxmlformats.org/markup-compatibility/2006">
+        <mc:Choice xmlns:a14="http://schemas.microsoft.com/office/drawing/2010/main" Requires="a14">
           <p:sp>
             <p:nvSpPr>
               <p:cNvPr id="3" name="Content Placeholder 2">
                 <a:extLst>
                   <a:ext uri="{FF2B5EF4-FFF2-40B4-BE49-F238E27FC236}">
-                    <a16:creationId xmlns:a16="http://schemas.microsoft.com/office/drawing/2014/main" xmlns="" id="{91C89943-CCF2-4951-9FEA-DA883C21955D}"/>
+                    <a16:creationId xmlns:a16="http://schemas.microsoft.com/office/drawing/2014/main" id="{91C89943-CCF2-4951-9FEA-DA883C21955D}"/>
                   </a:ext>
                 </a:extLst>
               </p:cNvPr>
@@ -17235,7 +17123,9 @@
             </p:nvSpPr>
             <p:spPr/>
             <p:txBody>
-              <a:bodyPr/>
+              <a:bodyPr>
+                <a:normAutofit/>
+              </a:bodyPr>
               <a:lstStyle/>
               <a:p>
                 <a:pPr marL="0" indent="0">
@@ -17251,7 +17141,7 @@
                         <m:limLowPr>
                           <m:ctrlPr>
                             <a:rPr lang="en-US" b="0" i="1" smtClean="0">
-                              <a:latin typeface="Cambria Math" charset="0"/>
+                              <a:latin typeface="Cambria Math" panose="02040503050406030204" pitchFamily="18" charset="0"/>
                             </a:rPr>
                           </m:ctrlPr>
                         </m:limLowPr>
@@ -17375,7 +17265,7 @@
                         <m:sSupPr>
                           <m:ctrlPr>
                             <a:rPr lang="en-US" i="1">
-                              <a:latin typeface="Cambria Math" charset="0"/>
+                              <a:latin typeface="Cambria Math" panose="02040503050406030204" pitchFamily="18" charset="0"/>
                             </a:rPr>
                           </m:ctrlPr>
                         </m:sSupPr>
@@ -17431,7 +17321,7 @@
                           <m:supHide m:val="on"/>
                           <m:ctrlPr>
                             <a:rPr lang="en-US" i="1">
-                              <a:latin typeface="Cambria Math" charset="0"/>
+                              <a:latin typeface="Cambria Math" panose="02040503050406030204" pitchFamily="18" charset="0"/>
                             </a:rPr>
                           </m:ctrlPr>
                         </m:naryPr>
@@ -17449,7 +17339,7 @@
                             <m:sSubPr>
                               <m:ctrlPr>
                                 <a:rPr lang="en-US" i="1">
-                                  <a:latin typeface="Cambria Math" charset="0"/>
+                                  <a:latin typeface="Cambria Math" panose="02040503050406030204" pitchFamily="18" charset="0"/>
                                 </a:rPr>
                               </m:ctrlPr>
                             </m:sSubPr>
@@ -17480,7 +17370,7 @@
                             <m:sSubPr>
                               <m:ctrlPr>
                                 <a:rPr lang="en-US" i="1">
-                                  <a:latin typeface="Cambria Math" charset="0"/>
+                                  <a:latin typeface="Cambria Math" panose="02040503050406030204" pitchFamily="18" charset="0"/>
                                 </a:rPr>
                               </m:ctrlPr>
                             </m:sSubPr>
@@ -17527,7 +17417,7 @@
                           <m:supHide m:val="on"/>
                           <m:ctrlPr>
                             <a:rPr lang="en-US" i="1">
-                              <a:latin typeface="Cambria Math" charset="0"/>
+                              <a:latin typeface="Cambria Math" panose="02040503050406030204" pitchFamily="18" charset="0"/>
                             </a:rPr>
                           </m:ctrlPr>
                         </m:naryPr>
@@ -17545,7 +17435,7 @@
                             <m:sSubPr>
                               <m:ctrlPr>
                                 <a:rPr lang="en-US" i="1">
-                                  <a:latin typeface="Cambria Math" charset="0"/>
+                                  <a:latin typeface="Cambria Math" panose="02040503050406030204" pitchFamily="18" charset="0"/>
                                 </a:rPr>
                               </m:ctrlPr>
                             </m:sSubPr>
@@ -17571,7 +17461,7 @@
                               <m:degHide m:val="on"/>
                               <m:ctrlPr>
                                 <a:rPr lang="en-US" i="1">
-                                  <a:latin typeface="Cambria Math" charset="0"/>
+                                  <a:latin typeface="Cambria Math" panose="02040503050406030204" pitchFamily="18" charset="0"/>
                                 </a:rPr>
                               </m:ctrlPr>
                             </m:radPr>
@@ -17581,7 +17471,7 @@
                                 <m:sSubSupPr>
                                   <m:ctrlPr>
                                     <a:rPr lang="en-US" i="1">
-                                      <a:latin typeface="Cambria Math" charset="0"/>
+                                      <a:latin typeface="Cambria Math" panose="02040503050406030204" pitchFamily="18" charset="0"/>
                                     </a:rPr>
                                   </m:ctrlPr>
                                 </m:sSubSupPr>
@@ -17620,7 +17510,7 @@
                                 <m:sSubSupPr>
                                   <m:ctrlPr>
                                     <a:rPr lang="en-US" i="1">
-                                      <a:latin typeface="Cambria Math" charset="0"/>
+                                      <a:latin typeface="Cambria Math" panose="02040503050406030204" pitchFamily="18" charset="0"/>
                                     </a:rPr>
                                   </m:ctrlPr>
                                 </m:sSubSupPr>
@@ -17680,24 +17570,34 @@
                 </a:pPr>
                 <a:r>
                   <a:rPr lang="en-US" dirty="0"/>
+                  <a:t>It will fail to select highly correlated variables simultaneously.</a:t>
+                </a:r>
+              </a:p>
+              <a:p>
+                <a:pPr>
+                  <a:buFont typeface="Wingdings" panose="05000000000000000000" pitchFamily="2" charset="2"/>
+                  <a:buChar char="v"/>
+                </a:pPr>
+                <a:r>
+                  <a:rPr lang="en-US" dirty="0"/>
                   <a:t>When the number of biomarkers greater than sample size, i.e. </a:t>
                 </a:r>
                 <a14:m>
                   <m:oMath xmlns:m="http://schemas.openxmlformats.org/officeDocument/2006/math">
                     <m:r>
-                      <a:rPr lang="en-US" b="0" i="1" smtClean="0">
+                      <a:rPr lang="en-US" i="1">
                         <a:latin typeface="Cambria Math" panose="02040503050406030204" pitchFamily="18" charset="0"/>
                       </a:rPr>
                       <m:t>𝑝</m:t>
                     </m:r>
                     <m:r>
-                      <a:rPr lang="en-US" b="0" i="1" smtClean="0">
+                      <a:rPr lang="en-US" i="1">
                         <a:latin typeface="Cambria Math" panose="02040503050406030204" pitchFamily="18" charset="0"/>
                       </a:rPr>
                       <m:t>&gt;2</m:t>
                     </m:r>
                     <m:r>
-                      <a:rPr lang="en-US" b="0" i="1" smtClean="0">
+                      <a:rPr lang="en-US" i="1">
                         <a:latin typeface="Cambria Math" panose="02040503050406030204" pitchFamily="18" charset="0"/>
                       </a:rPr>
                       <m:t>𝑛</m:t>
@@ -17711,7 +17611,7 @@
                 <a14:m>
                   <m:oMath xmlns:m="http://schemas.openxmlformats.org/officeDocument/2006/math">
                     <m:r>
-                      <a:rPr lang="en-US" b="0" i="1" smtClean="0">
+                      <a:rPr lang="en-US" i="1">
                         <a:latin typeface="Cambria Math" panose="02040503050406030204" pitchFamily="18" charset="0"/>
                       </a:rPr>
                       <m:t>𝑝</m:t>
@@ -17725,7 +17625,7 @@
                 <a14:m>
                   <m:oMath xmlns:m="http://schemas.openxmlformats.org/officeDocument/2006/math">
                     <m:r>
-                      <a:rPr lang="en-US" b="0" i="1" smtClean="0">
+                      <a:rPr lang="en-US" i="1">
                         <a:latin typeface="Cambria Math" panose="02040503050406030204" pitchFamily="18" charset="0"/>
                       </a:rPr>
                       <m:t>𝐺</m:t>
@@ -17734,23 +17634,13 @@
                 </a14:m>
                 <a:r>
                   <a:rPr lang="en-US" dirty="0"/>
-                  <a:t>, the number of selected genes is bounded by the sample size.</a:t>
-                </a:r>
-              </a:p>
-              <a:p>
-                <a:pPr>
-                  <a:buFont typeface="Wingdings" panose="05000000000000000000" pitchFamily="2" charset="2"/>
-                  <a:buChar char="v"/>
-                </a:pPr>
-                <a:r>
-                  <a:rPr lang="en-US" dirty="0"/>
-                  <a:t>It will fail to select highly correlated variables simultaneously. </a:t>
+                  <a:t>, the number of selected genes is bounded by the sample size. </a:t>
                 </a:r>
               </a:p>
             </p:txBody>
           </p:sp>
         </mc:Choice>
-        <mc:Fallback xmlns="">
+        <mc:Fallback>
           <p:sp>
             <p:nvSpPr>
               <p:cNvPr id="3" name="Content Placeholder 2">
@@ -17795,7 +17685,7 @@
           <p:cNvPr id="4" name="Footer Placeholder 3">
             <a:extLst>
               <a:ext uri="{FF2B5EF4-FFF2-40B4-BE49-F238E27FC236}">
-                <a16:creationId xmlns:a16="http://schemas.microsoft.com/office/drawing/2014/main" xmlns="" id="{C3DE3A06-EBAA-4965-8CF9-209DC7F747F4}"/>
+                <a16:creationId xmlns:a16="http://schemas.microsoft.com/office/drawing/2014/main" id="{C3DE3A06-EBAA-4965-8CF9-209DC7F747F4}"/>
               </a:ext>
             </a:extLst>
           </p:cNvPr>
@@ -17852,7 +17742,7 @@
           <p:cNvPr id="5" name="Slide Number Placeholder 4">
             <a:extLst>
               <a:ext uri="{FF2B5EF4-FFF2-40B4-BE49-F238E27FC236}">
-                <a16:creationId xmlns:a16="http://schemas.microsoft.com/office/drawing/2014/main" xmlns="" id="{79528500-A9D8-47D3-8FAC-D951DC78692E}"/>
+                <a16:creationId xmlns:a16="http://schemas.microsoft.com/office/drawing/2014/main" id="{79528500-A9D8-47D3-8FAC-D951DC78692E}"/>
               </a:ext>
             </a:extLst>
           </p:cNvPr>
@@ -17871,7 +17761,7 @@
             <a:fld id="{E9B57936-92EF-4126-AE48-1D9D36D15E98}" type="slidenum">
               <a:rPr kumimoji="1" lang="ja-JP" altLang="en-US" smtClean="0"/>
               <a:pPr/>
-              <a:t>16</a:t>
+              <a:t>15</a:t>
             </a:fld>
             <a:endParaRPr kumimoji="1" lang="ja-JP" altLang="en-US" dirty="0"/>
           </a:p>
@@ -18228,7 +18118,7 @@
 </p:sld>
 </file>
 
-<file path=ppt/slides/slide18.xml><?xml version="1.0" encoding="utf-8"?>
+<file path=ppt/slides/slide17.xml><?xml version="1.0" encoding="utf-8"?>
 <p:sld xmlns:a="http://schemas.openxmlformats.org/drawingml/2006/main" xmlns:r="http://schemas.openxmlformats.org/officeDocument/2006/relationships" xmlns:p="http://schemas.openxmlformats.org/presentationml/2006/main">
   <p:cSld>
     <p:spTree>
@@ -18336,7 +18226,7 @@
             <a:fld id="{E9B57936-92EF-4126-AE48-1D9D36D15E98}" type="slidenum">
               <a:rPr kumimoji="1" lang="ja-JP" altLang="en-US" smtClean="0"/>
               <a:pPr/>
-              <a:t>17</a:t>
+              <a:t>16</a:t>
             </a:fld>
             <a:endParaRPr kumimoji="1" lang="ja-JP" altLang="en-US" dirty="0"/>
           </a:p>
@@ -18347,7 +18237,7 @@
           <p:cNvPr id="3" name="TextBox 2">
             <a:extLst>
               <a:ext uri="{FF2B5EF4-FFF2-40B4-BE49-F238E27FC236}">
-                <a16:creationId xmlns:a16="http://schemas.microsoft.com/office/drawing/2014/main" xmlns="" id="{8D1DBAA3-DFB4-4B72-933E-70C9E117546A}"/>
+                <a16:creationId xmlns:a16="http://schemas.microsoft.com/office/drawing/2014/main" id="{8D1DBAA3-DFB4-4B72-933E-70C9E117546A}"/>
               </a:ext>
             </a:extLst>
           </p:cNvPr>
@@ -18382,7 +18272,7 @@
           <p:cNvPr id="6" name="Arrow: Right 5">
             <a:extLst>
               <a:ext uri="{FF2B5EF4-FFF2-40B4-BE49-F238E27FC236}">
-                <a16:creationId xmlns:a16="http://schemas.microsoft.com/office/drawing/2014/main" xmlns="" id="{94A07FE0-D906-4F8B-BA56-443C9FB13696}"/>
+                <a16:creationId xmlns:a16="http://schemas.microsoft.com/office/drawing/2014/main" id="{94A07FE0-D906-4F8B-BA56-443C9FB13696}"/>
               </a:ext>
             </a:extLst>
           </p:cNvPr>
@@ -18430,7 +18320,7 @@
               <p:cNvPr id="8" name="Content Placeholder 7">
                 <a:extLst>
                   <a:ext uri="{FF2B5EF4-FFF2-40B4-BE49-F238E27FC236}">
-                    <a16:creationId xmlns:a16="http://schemas.microsoft.com/office/drawing/2014/main" xmlns="" id="{0A6E8DC9-E40C-4CD5-9856-9CF482BA5FD5}"/>
+                    <a16:creationId xmlns:a16="http://schemas.microsoft.com/office/drawing/2014/main" id="{0A6E8DC9-E40C-4CD5-9856-9CF482BA5FD5}"/>
                   </a:ext>
                 </a:extLst>
               </p:cNvPr>
@@ -18466,7 +18356,7 @@
                         <m:limLowPr>
                           <m:ctrlPr>
                             <a:rPr lang="en-US" i="1" smtClean="0">
-                              <a:latin typeface="Cambria Math" charset="0"/>
+                              <a:latin typeface="Cambria Math" panose="02040503050406030204" pitchFamily="18" charset="0"/>
                             </a:rPr>
                           </m:ctrlPr>
                         </m:limLowPr>
@@ -18590,7 +18480,7 @@
                         <m:sSupPr>
                           <m:ctrlPr>
                             <a:rPr lang="en-US" i="1">
-                              <a:latin typeface="Cambria Math" charset="0"/>
+                              <a:latin typeface="Cambria Math" panose="02040503050406030204" pitchFamily="18" charset="0"/>
                             </a:rPr>
                           </m:ctrlPr>
                         </m:sSupPr>
@@ -18646,7 +18536,7 @@
                           <m:supHide m:val="on"/>
                           <m:ctrlPr>
                             <a:rPr lang="en-US" i="1">
-                              <a:latin typeface="Cambria Math" charset="0"/>
+                              <a:latin typeface="Cambria Math" panose="02040503050406030204" pitchFamily="18" charset="0"/>
                             </a:rPr>
                           </m:ctrlPr>
                         </m:naryPr>
@@ -18664,7 +18554,7 @@
                             <m:sSubPr>
                               <m:ctrlPr>
                                 <a:rPr lang="en-US" i="1">
-                                  <a:latin typeface="Cambria Math" charset="0"/>
+                                  <a:latin typeface="Cambria Math" panose="02040503050406030204" pitchFamily="18" charset="0"/>
                                 </a:rPr>
                               </m:ctrlPr>
                             </m:sSubPr>
@@ -18695,7 +18585,7 @@
                             <m:sSubPr>
                               <m:ctrlPr>
                                 <a:rPr lang="en-US" i="1">
-                                  <a:latin typeface="Cambria Math" charset="0"/>
+                                  <a:latin typeface="Cambria Math" panose="02040503050406030204" pitchFamily="18" charset="0"/>
                                 </a:rPr>
                               </m:ctrlPr>
                             </m:sSubPr>
@@ -18742,7 +18632,7 @@
                           <m:supHide m:val="on"/>
                           <m:ctrlPr>
                             <a:rPr lang="en-US" i="1">
-                              <a:latin typeface="Cambria Math" charset="0"/>
+                              <a:latin typeface="Cambria Math" panose="02040503050406030204" pitchFamily="18" charset="0"/>
                             </a:rPr>
                           </m:ctrlPr>
                         </m:naryPr>
@@ -18760,7 +18650,7 @@
                             <m:sSubPr>
                               <m:ctrlPr>
                                 <a:rPr lang="en-US" i="1">
-                                  <a:latin typeface="Cambria Math" charset="0"/>
+                                  <a:latin typeface="Cambria Math" panose="02040503050406030204" pitchFamily="18" charset="0"/>
                                 </a:rPr>
                               </m:ctrlPr>
                             </m:sSubPr>
@@ -18786,7 +18676,7 @@
                               <m:degHide m:val="on"/>
                               <m:ctrlPr>
                                 <a:rPr lang="en-US" i="1">
-                                  <a:latin typeface="Cambria Math" charset="0"/>
+                                  <a:latin typeface="Cambria Math" panose="02040503050406030204" pitchFamily="18" charset="0"/>
                                 </a:rPr>
                               </m:ctrlPr>
                             </m:radPr>
@@ -18796,7 +18686,7 @@
                                 <m:sSubSupPr>
                                   <m:ctrlPr>
                                     <a:rPr lang="en-US" i="1">
-                                      <a:latin typeface="Cambria Math" charset="0"/>
+                                      <a:latin typeface="Cambria Math" panose="02040503050406030204" pitchFamily="18" charset="0"/>
                                     </a:rPr>
                                   </m:ctrlPr>
                                 </m:sSubSupPr>
@@ -18835,7 +18725,7 @@
                                 <m:sSubSupPr>
                                   <m:ctrlPr>
                                     <a:rPr lang="en-US" i="1">
-                                      <a:latin typeface="Cambria Math" charset="0"/>
+                                      <a:latin typeface="Cambria Math" panose="02040503050406030204" pitchFamily="18" charset="0"/>
                                     </a:rPr>
                                   </m:ctrlPr>
                                 </m:sSubSupPr>
@@ -18896,7 +18786,7 @@
                         <m:sSubSupPr>
                           <m:ctrlPr>
                             <a:rPr lang="en-US" b="0" i="1" smtClean="0">
-                              <a:latin typeface="Cambria Math" charset="0"/>
+                              <a:latin typeface="Cambria Math" panose="02040503050406030204" pitchFamily="18" charset="0"/>
                             </a:rPr>
                           </m:ctrlPr>
                         </m:sSubSupPr>
@@ -18941,7 +18831,7 @@
                         <m:sSubSupPr>
                           <m:ctrlPr>
                             <a:rPr lang="en-US" b="0" i="1" smtClean="0">
-                              <a:latin typeface="Cambria Math" charset="0"/>
+                              <a:latin typeface="Cambria Math" panose="02040503050406030204" pitchFamily="18" charset="0"/>
                             </a:rPr>
                           </m:ctrlPr>
                         </m:sSubSupPr>
@@ -18995,7 +18885,7 @@
                       <m:sSupPr>
                         <m:ctrlPr>
                           <a:rPr lang="en-US" b="0" i="1" smtClean="0">
-                            <a:latin typeface="Cambria Math" charset="0"/>
+                            <a:latin typeface="Cambria Math" panose="02040503050406030204" pitchFamily="18" charset="0"/>
                           </a:rPr>
                         </m:ctrlPr>
                       </m:sSupPr>
@@ -19040,7 +18930,7 @@
                         <m:endChr m:val="]"/>
                         <m:ctrlPr>
                           <a:rPr lang="en-US" b="0" i="1" smtClean="0">
-                            <a:latin typeface="Cambria Math" charset="0"/>
+                            <a:latin typeface="Cambria Math" panose="02040503050406030204" pitchFamily="18" charset="0"/>
                           </a:rPr>
                         </m:ctrlPr>
                       </m:dPr>
@@ -19049,7 +18939,7 @@
                           <m:sSubPr>
                             <m:ctrlPr>
                               <a:rPr lang="en-US" b="0" i="1" smtClean="0">
-                                <a:latin typeface="Cambria Math" charset="0"/>
+                                <a:latin typeface="Cambria Math" panose="02040503050406030204" pitchFamily="18" charset="0"/>
                               </a:rPr>
                             </m:ctrlPr>
                           </m:sSubPr>
@@ -19092,7 +18982,7 @@
                           <m:sSubPr>
                             <m:ctrlPr>
                               <a:rPr lang="en-US" b="0" i="1" smtClean="0">
-                                <a:latin typeface="Cambria Math" charset="0"/>
+                                <a:latin typeface="Cambria Math" panose="02040503050406030204" pitchFamily="18" charset="0"/>
                               </a:rPr>
                             </m:ctrlPr>
                           </m:sSubPr>
@@ -19168,7 +19058,7 @@
                         <m:sSubPr>
                           <m:ctrlPr>
                             <a:rPr lang="en-US" b="0" i="1" smtClean="0">
-                              <a:latin typeface="Cambria Math" charset="0"/>
+                              <a:latin typeface="Cambria Math" panose="02040503050406030204" pitchFamily="18" charset="0"/>
                             </a:rPr>
                           </m:ctrlPr>
                         </m:sSubPr>
@@ -19199,7 +19089,7 @@
                         <m:sSupPr>
                           <m:ctrlPr>
                             <a:rPr lang="en-US" b="0" i="1" smtClean="0">
-                              <a:latin typeface="Cambria Math" charset="0"/>
+                              <a:latin typeface="Cambria Math" panose="02040503050406030204" pitchFamily="18" charset="0"/>
                             </a:rPr>
                           </m:ctrlPr>
                         </m:sSupPr>
@@ -19216,7 +19106,7 @@
                             <m:dPr>
                               <m:ctrlPr>
                                 <a:rPr lang="en-US" b="0" i="1" smtClean="0">
-                                  <a:latin typeface="Cambria Math" charset="0"/>
+                                  <a:latin typeface="Cambria Math" panose="02040503050406030204" pitchFamily="18" charset="0"/>
                                 </a:rPr>
                               </m:ctrlPr>
                             </m:dPr>
@@ -19235,7 +19125,7 @@
                         <m:sSubPr>
                           <m:ctrlPr>
                             <a:rPr lang="en-US" b="0" i="1" smtClean="0">
-                              <a:latin typeface="Cambria Math" charset="0"/>
+                              <a:latin typeface="Cambria Math" panose="02040503050406030204" pitchFamily="18" charset="0"/>
                             </a:rPr>
                           </m:ctrlPr>
                         </m:sSubPr>
@@ -19275,7 +19165,7 @@
                         <m:sSubPr>
                           <m:ctrlPr>
                             <a:rPr lang="en-US" b="0" i="1" smtClean="0">
-                              <a:latin typeface="Cambria Math" charset="0"/>
+                              <a:latin typeface="Cambria Math" panose="02040503050406030204" pitchFamily="18" charset="0"/>
                             </a:rPr>
                           </m:ctrlPr>
                         </m:sSubPr>
@@ -19307,7 +19197,7 @@
                           <m:degHide m:val="on"/>
                           <m:ctrlPr>
                             <a:rPr lang="en-US" b="0" i="1" smtClean="0">
-                              <a:latin typeface="Cambria Math" charset="0"/>
+                              <a:latin typeface="Cambria Math" panose="02040503050406030204" pitchFamily="18" charset="0"/>
                             </a:rPr>
                           </m:ctrlPr>
                         </m:radPr>
@@ -19323,7 +19213,7 @@
                             <m:sSubPr>
                               <m:ctrlPr>
                                 <a:rPr lang="en-US" b="0" i="1" smtClean="0">
-                                  <a:latin typeface="Cambria Math" charset="0"/>
+                                  <a:latin typeface="Cambria Math" panose="02040503050406030204" pitchFamily="18" charset="0"/>
                                 </a:rPr>
                               </m:ctrlPr>
                             </m:sSubPr>
@@ -19348,7 +19238,7 @@
                             <m:sSubSupPr>
                               <m:ctrlPr>
                                 <a:rPr lang="en-US" b="0" i="1" smtClean="0">
-                                  <a:latin typeface="Cambria Math" charset="0"/>
+                                  <a:latin typeface="Cambria Math" panose="02040503050406030204" pitchFamily="18" charset="0"/>
                                 </a:rPr>
                               </m:ctrlPr>
                             </m:sSubSupPr>
@@ -19387,7 +19277,7 @@
                             <m:dPr>
                               <m:ctrlPr>
                                 <a:rPr lang="en-US" b="0" i="1" smtClean="0">
-                                  <a:latin typeface="Cambria Math" charset="0"/>
+                                  <a:latin typeface="Cambria Math" panose="02040503050406030204" pitchFamily="18" charset="0"/>
                                 </a:rPr>
                               </m:ctrlPr>
                             </m:dPr>
@@ -19403,7 +19293,7 @@
                                   <m:degHide m:val="on"/>
                                   <m:ctrlPr>
                                     <a:rPr lang="en-US" b="0" i="1" smtClean="0">
-                                      <a:latin typeface="Cambria Math" charset="0"/>
+                                      <a:latin typeface="Cambria Math" panose="02040503050406030204" pitchFamily="18" charset="0"/>
                                     </a:rPr>
                                   </m:ctrlPr>
                                 </m:radPr>
@@ -19413,7 +19303,7 @@
                                     <m:fPr>
                                       <m:ctrlPr>
                                         <a:rPr lang="en-US" b="0" i="1" smtClean="0">
-                                          <a:latin typeface="Cambria Math" charset="0"/>
+                                          <a:latin typeface="Cambria Math" panose="02040503050406030204" pitchFamily="18" charset="0"/>
                                         </a:rPr>
                                       </m:ctrlPr>
                                     </m:fPr>
@@ -19460,7 +19350,7 @@
                             <m:sSubPr>
                               <m:ctrlPr>
                                 <a:rPr lang="en-US" b="0" i="1" smtClean="0">
-                                  <a:latin typeface="Cambria Math" charset="0"/>
+                                  <a:latin typeface="Cambria Math" panose="02040503050406030204" pitchFamily="18" charset="0"/>
                                 </a:rPr>
                               </m:ctrlPr>
                             </m:sSubPr>
@@ -19485,7 +19375,7 @@
                             <m:sSubSupPr>
                               <m:ctrlPr>
                                 <a:rPr lang="en-US" b="0" i="1" smtClean="0">
-                                  <a:latin typeface="Cambria Math" charset="0"/>
+                                  <a:latin typeface="Cambria Math" panose="02040503050406030204" pitchFamily="18" charset="0"/>
                                 </a:rPr>
                               </m:ctrlPr>
                             </m:sSubSupPr>
@@ -20015,7 +19905,7 @@
 </p:sld>
 </file>
 
-<file path=ppt/slides/slide19.xml><?xml version="1.0" encoding="utf-8"?>
+<file path=ppt/slides/slide18.xml><?xml version="1.0" encoding="utf-8"?>
 <p:sld xmlns:a="http://schemas.openxmlformats.org/drawingml/2006/main" xmlns:r="http://schemas.openxmlformats.org/officeDocument/2006/relationships" xmlns:p="http://schemas.openxmlformats.org/presentationml/2006/main">
   <p:cSld>
     <p:spTree>
@@ -20149,6 +20039,159 @@
             <a:fld id="{E9B57936-92EF-4126-AE48-1D9D36D15E98}" type="slidenum">
               <a:rPr kumimoji="1" lang="ja-JP" altLang="en-US" smtClean="0"/>
               <a:pPr/>
+              <a:t>17</a:t>
+            </a:fld>
+            <a:endParaRPr kumimoji="1" lang="ja-JP" altLang="en-US" dirty="0"/>
+          </a:p>
+        </p:txBody>
+      </p:sp>
+    </p:spTree>
+    <p:extLst>
+      <p:ext uri="{BB962C8B-B14F-4D97-AF65-F5344CB8AC3E}">
+        <p14:creationId xmlns:p14="http://schemas.microsoft.com/office/powerpoint/2010/main" val="1358225521"/>
+      </p:ext>
+    </p:extLst>
+  </p:cSld>
+  <p:clrMapOvr>
+    <a:masterClrMapping/>
+  </p:clrMapOvr>
+</p:sld>
+</file>
+
+<file path=ppt/slides/slide19.xml><?xml version="1.0" encoding="utf-8"?>
+<p:sld xmlns:a="http://schemas.openxmlformats.org/drawingml/2006/main" xmlns:r="http://schemas.openxmlformats.org/officeDocument/2006/relationships" xmlns:p="http://schemas.openxmlformats.org/presentationml/2006/main">
+  <p:cSld>
+    <p:spTree>
+      <p:nvGrpSpPr>
+        <p:cNvPr id="1" name=""/>
+        <p:cNvGrpSpPr/>
+        <p:nvPr/>
+      </p:nvGrpSpPr>
+      <p:grpSpPr>
+        <a:xfrm>
+          <a:off x="0" y="0"/>
+          <a:ext cx="0" cy="0"/>
+          <a:chOff x="0" y="0"/>
+          <a:chExt cx="0" cy="0"/>
+        </a:xfrm>
+      </p:grpSpPr>
+      <p:sp>
+        <p:nvSpPr>
+          <p:cNvPr id="2" name="Title 1"/>
+          <p:cNvSpPr>
+            <a:spLocks noGrp="1"/>
+          </p:cNvSpPr>
+          <p:nvPr>
+            <p:ph type="title"/>
+          </p:nvPr>
+        </p:nvSpPr>
+        <p:spPr/>
+        <p:txBody>
+          <a:bodyPr/>
+          <a:lstStyle/>
+          <a:p>
+            <a:r>
+              <a:rPr lang="en-US" dirty="0"/>
+              <a:t>Algorithm</a:t>
+            </a:r>
+          </a:p>
+        </p:txBody>
+      </p:sp>
+      <p:pic>
+        <p:nvPicPr>
+          <p:cNvPr id="6" name="Content Placeholder 5"/>
+          <p:cNvPicPr>
+            <a:picLocks noGrp="1" noChangeAspect="1"/>
+          </p:cNvPicPr>
+          <p:nvPr>
+            <p:ph idx="1"/>
+          </p:nvPr>
+        </p:nvPicPr>
+        <p:blipFill>
+          <a:blip r:embed="rId2"/>
+          <a:stretch>
+            <a:fillRect/>
+          </a:stretch>
+        </p:blipFill>
+        <p:spPr>
+          <a:xfrm>
+            <a:off x="1666997" y="927100"/>
+            <a:ext cx="5757619" cy="3667125"/>
+          </a:xfrm>
+          <a:prstGeom prst="rect">
+            <a:avLst/>
+          </a:prstGeom>
+        </p:spPr>
+      </p:pic>
+      <p:sp>
+        <p:nvSpPr>
+          <p:cNvPr id="4" name="Footer Placeholder 3"/>
+          <p:cNvSpPr>
+            <a:spLocks noGrp="1"/>
+          </p:cNvSpPr>
+          <p:nvPr>
+            <p:ph type="ftr" sz="quarter" idx="11"/>
+          </p:nvPr>
+        </p:nvSpPr>
+        <p:spPr/>
+        <p:txBody>
+          <a:bodyPr/>
+          <a:lstStyle/>
+          <a:p>
+            <a:r>
+              <a:rPr lang="ja-JP" altLang="en-US" dirty="0"/>
+              <a:t>｜</a:t>
+            </a:r>
+            <a:r>
+              <a:rPr lang="en-US" altLang="ja-JP" dirty="0"/>
+              <a:t>0000</a:t>
+            </a:r>
+            <a:r>
+              <a:rPr lang="ja-JP" altLang="en-US" dirty="0"/>
+              <a:t>　</a:t>
+            </a:r>
+            <a:r>
+              <a:rPr lang="en-US" altLang="ja-JP" dirty="0"/>
+              <a:t>|</a:t>
+            </a:r>
+            <a:r>
+              <a:rPr lang="ja-JP" altLang="en-US" dirty="0"/>
+              <a:t>　　</a:t>
+            </a:r>
+            <a:r>
+              <a:rPr lang="en-US" altLang="ja-JP" dirty="0"/>
+              <a:t> Aug 24</a:t>
+            </a:r>
+            <a:r>
+              <a:rPr lang="en-US" altLang="ja-JP" baseline="30000" dirty="0"/>
+              <a:t>th</a:t>
+            </a:r>
+            <a:r>
+              <a:rPr lang="en-US" altLang="ja-JP" dirty="0"/>
+              <a:t> 2018</a:t>
+            </a:r>
+            <a:endParaRPr lang="ja-JP" altLang="en-US" dirty="0"/>
+          </a:p>
+        </p:txBody>
+      </p:sp>
+      <p:sp>
+        <p:nvSpPr>
+          <p:cNvPr id="5" name="Slide Number Placeholder 4"/>
+          <p:cNvSpPr>
+            <a:spLocks noGrp="1"/>
+          </p:cNvSpPr>
+          <p:nvPr>
+            <p:ph type="sldNum" sz="quarter" idx="12"/>
+          </p:nvPr>
+        </p:nvSpPr>
+        <p:spPr/>
+        <p:txBody>
+          <a:bodyPr/>
+          <a:lstStyle/>
+          <a:p>
+            <a:fld id="{E9B57936-92EF-4126-AE48-1D9D36D15E98}" type="slidenum">
+              <a:rPr kumimoji="1" lang="ja-JP" altLang="en-US" smtClean="0"/>
+              <a:pPr/>
               <a:t>18</a:t>
             </a:fld>
             <a:endParaRPr kumimoji="1" lang="ja-JP" altLang="en-US" dirty="0"/>
@@ -20158,7 +20201,7 @@
     </p:spTree>
     <p:extLst>
       <p:ext uri="{BB962C8B-B14F-4D97-AF65-F5344CB8AC3E}">
-        <p14:creationId xmlns:p14="http://schemas.microsoft.com/office/powerpoint/2010/main" val="1358225521"/>
+        <p14:creationId xmlns:p14="http://schemas.microsoft.com/office/powerpoint/2010/main" val="311283813"/>
       </p:ext>
     </p:extLst>
   </p:cSld>
@@ -21106,7 +21149,13 @@
       </p:grpSpPr>
       <p:sp>
         <p:nvSpPr>
-          <p:cNvPr id="2" name="Title 1"/>
+          <p:cNvPr id="2" name="Title 1">
+            <a:extLst>
+              <a:ext uri="{FF2B5EF4-FFF2-40B4-BE49-F238E27FC236}">
+                <a16:creationId xmlns:a16="http://schemas.microsoft.com/office/drawing/2014/main" id="{17A8BB3D-2D35-4F66-AFB4-2A9AE7681862}"/>
+              </a:ext>
+            </a:extLst>
+          </p:cNvPr>
           <p:cNvSpPr>
             <a:spLocks noGrp="1"/>
           </p:cNvSpPr>
@@ -21114,47 +21163,33 @@
             <p:ph type="title"/>
           </p:nvPr>
         </p:nvSpPr>
-        <p:spPr/>
+        <p:spPr>
+          <a:xfrm>
+            <a:off x="2411760" y="1563638"/>
+            <a:ext cx="4608512" cy="1460158"/>
+          </a:xfrm>
+        </p:spPr>
         <p:txBody>
           <a:bodyPr/>
           <a:lstStyle/>
           <a:p>
+            <a:pPr algn="ctr"/>
             <a:r>
               <a:rPr lang="en-US" dirty="0"/>
-              <a:t>Algorithm</a:t>
+              <a:t>Simulations</a:t>
             </a:r>
           </a:p>
         </p:txBody>
       </p:sp>
-      <p:pic>
-        <p:nvPicPr>
-          <p:cNvPr id="6" name="Content Placeholder 5"/>
-          <p:cNvPicPr>
-            <a:picLocks noGrp="1" noChangeAspect="1"/>
-          </p:cNvPicPr>
-          <p:nvPr>
-            <p:ph idx="1"/>
-          </p:nvPr>
-        </p:nvPicPr>
-        <p:blipFill>
-          <a:blip r:embed="rId2"/>
-          <a:stretch>
-            <a:fillRect/>
-          </a:stretch>
-        </p:blipFill>
-        <p:spPr>
-          <a:xfrm>
-            <a:off x="1666997" y="927100"/>
-            <a:ext cx="5757619" cy="3667125"/>
-          </a:xfrm>
-          <a:prstGeom prst="rect">
-            <a:avLst/>
-          </a:prstGeom>
-        </p:spPr>
-      </p:pic>
       <p:sp>
         <p:nvSpPr>
-          <p:cNvPr id="4" name="Footer Placeholder 3"/>
+          <p:cNvPr id="3" name="Footer Placeholder 2">
+            <a:extLst>
+              <a:ext uri="{FF2B5EF4-FFF2-40B4-BE49-F238E27FC236}">
+                <a16:creationId xmlns:a16="http://schemas.microsoft.com/office/drawing/2014/main" id="{11862E8A-91FD-4C41-A192-DB3D27D88824}"/>
+              </a:ext>
+            </a:extLst>
+          </p:cNvPr>
           <p:cNvSpPr>
             <a:spLocks noGrp="1"/>
           </p:cNvSpPr>
@@ -21205,7 +21240,13 @@
       </p:sp>
       <p:sp>
         <p:nvSpPr>
-          <p:cNvPr id="5" name="Slide Number Placeholder 4"/>
+          <p:cNvPr id="4" name="Slide Number Placeholder 3">
+            <a:extLst>
+              <a:ext uri="{FF2B5EF4-FFF2-40B4-BE49-F238E27FC236}">
+                <a16:creationId xmlns:a16="http://schemas.microsoft.com/office/drawing/2014/main" id="{9DA5ED20-07EE-4130-97A2-FC2FBDDF57B9}"/>
+              </a:ext>
+            </a:extLst>
+          </p:cNvPr>
           <p:cNvSpPr>
             <a:spLocks noGrp="1"/>
           </p:cNvSpPr>
@@ -21223,14 +21264,14 @@
               <a:pPr/>
               <a:t>19</a:t>
             </a:fld>
-            <a:endParaRPr kumimoji="1" lang="ja-JP" altLang="en-US" dirty="0"/>
+            <a:endParaRPr kumimoji="1" lang="ja-JP" altLang="en-US"/>
           </a:p>
         </p:txBody>
       </p:sp>
     </p:spTree>
     <p:extLst>
       <p:ext uri="{BB962C8B-B14F-4D97-AF65-F5344CB8AC3E}">
-        <p14:creationId xmlns:p14="http://schemas.microsoft.com/office/powerpoint/2010/main" val="311283813"/>
+        <p14:creationId xmlns:p14="http://schemas.microsoft.com/office/powerpoint/2010/main" val="1419258699"/>
       </p:ext>
     </p:extLst>
   </p:cSld>
@@ -21262,7 +21303,7 @@
           <p:cNvPr id="2" name="Title 1">
             <a:extLst>
               <a:ext uri="{FF2B5EF4-FFF2-40B4-BE49-F238E27FC236}">
-                <a16:creationId xmlns:a16="http://schemas.microsoft.com/office/drawing/2014/main" xmlns="" id="{17A8BB3D-2D35-4F66-AFB4-2A9AE7681862}"/>
+                <a16:creationId xmlns:a16="http://schemas.microsoft.com/office/drawing/2014/main" id="{C7D675AA-6913-48BC-85A2-5C1947B70467}"/>
               </a:ext>
             </a:extLst>
           </p:cNvPr>
@@ -21273,30 +21314,116 @@
             <p:ph type="title"/>
           </p:nvPr>
         </p:nvSpPr>
-        <p:spPr>
-          <a:xfrm>
-            <a:off x="2411760" y="1563638"/>
-            <a:ext cx="4608512" cy="1460158"/>
-          </a:xfrm>
-        </p:spPr>
+        <p:spPr/>
         <p:txBody>
           <a:bodyPr/>
           <a:lstStyle/>
           <a:p>
-            <a:pPr algn="ctr"/>
             <a:r>
               <a:rPr lang="en-US" dirty="0"/>
-              <a:t>Simulations</a:t>
+              <a:t>Simulation Setup</a:t>
             </a:r>
           </a:p>
         </p:txBody>
       </p:sp>
       <p:sp>
         <p:nvSpPr>
-          <p:cNvPr id="3" name="Footer Placeholder 2">
+          <p:cNvPr id="3" name="Content Placeholder 2">
             <a:extLst>
               <a:ext uri="{FF2B5EF4-FFF2-40B4-BE49-F238E27FC236}">
-                <a16:creationId xmlns:a16="http://schemas.microsoft.com/office/drawing/2014/main" xmlns="" id="{11862E8A-91FD-4C41-A192-DB3D27D88824}"/>
+                <a16:creationId xmlns:a16="http://schemas.microsoft.com/office/drawing/2014/main" id="{F79FB236-54CE-4723-A388-7B2C26E5DA92}"/>
+              </a:ext>
+            </a:extLst>
+          </p:cNvPr>
+          <p:cNvSpPr>
+            <a:spLocks noGrp="1"/>
+          </p:cNvSpPr>
+          <p:nvPr>
+            <p:ph idx="1"/>
+          </p:nvPr>
+        </p:nvSpPr>
+        <p:spPr/>
+        <p:txBody>
+          <a:bodyPr>
+            <a:normAutofit/>
+          </a:bodyPr>
+          <a:lstStyle/>
+          <a:p>
+            <a:r>
+              <a:rPr lang="en-US" dirty="0"/>
+              <a:t>N=100</a:t>
+            </a:r>
+          </a:p>
+          <a:p>
+            <a:r>
+              <a:rPr lang="en-US" dirty="0"/>
+              <a:t>Dimensions for baseline variables = </a:t>
+            </a:r>
+            <a:r>
+              <a:rPr lang="en-US" altLang="zh-CN" dirty="0"/>
+              <a:t>5 (</a:t>
+            </a:r>
+            <a:r>
+              <a:rPr lang="en-US" dirty="0"/>
+              <a:t>Standard Normal Distribution</a:t>
+            </a:r>
+            <a:r>
+              <a:rPr lang="en-US" altLang="zh-CN" dirty="0"/>
+              <a:t>)</a:t>
+            </a:r>
+            <a:endParaRPr lang="en-US" dirty="0"/>
+          </a:p>
+          <a:p>
+            <a:r>
+              <a:rPr lang="en-US" dirty="0"/>
+              <a:t>Dimensions for treatment variable = 1, (binary: +1,-1)</a:t>
+            </a:r>
+          </a:p>
+          <a:p>
+            <a:r>
+              <a:rPr lang="en-US" b="1" dirty="0"/>
+              <a:t>Dimensions for Genes = </a:t>
+            </a:r>
+            <a:r>
+              <a:rPr lang="en-US" altLang="zh-CN" b="1" dirty="0"/>
+              <a:t>5</a:t>
+            </a:r>
+            <a:r>
+              <a:rPr lang="en-US" b="1" dirty="0"/>
+              <a:t>0, 100,</a:t>
+            </a:r>
+            <a:r>
+              <a:rPr lang="en-US" altLang="zh-CN" b="1" dirty="0"/>
+              <a:t>200 (</a:t>
+            </a:r>
+            <a:r>
+              <a:rPr lang="en-US" b="1" dirty="0"/>
+              <a:t>Standard Normal Distribution/Binomial Distribution)</a:t>
+            </a:r>
+          </a:p>
+          <a:p>
+            <a:r>
+              <a:rPr lang="en-US" dirty="0"/>
+              <a:t>Coefficients for baseline and treatment variables: standard normal distribution</a:t>
+            </a:r>
+          </a:p>
+          <a:p>
+            <a:r>
+              <a:rPr lang="en-US" altLang="zh-CN" dirty="0"/>
+              <a:t>Coefficients for genes=+3,-3,+5,-5</a:t>
+            </a:r>
+          </a:p>
+          <a:p>
+            <a:endParaRPr lang="en-US" dirty="0"/>
+          </a:p>
+        </p:txBody>
+      </p:sp>
+      <p:sp>
+        <p:nvSpPr>
+          <p:cNvPr id="4" name="Footer Placeholder 3">
+            <a:extLst>
+              <a:ext uri="{FF2B5EF4-FFF2-40B4-BE49-F238E27FC236}">
+                <a16:creationId xmlns:a16="http://schemas.microsoft.com/office/drawing/2014/main" id="{BDDDA0BE-FB94-44D9-8026-4299635DFDB4}"/>
               </a:ext>
             </a:extLst>
           </p:cNvPr>
@@ -21350,10 +21477,10 @@
       </p:sp>
       <p:sp>
         <p:nvSpPr>
-          <p:cNvPr id="4" name="Slide Number Placeholder 3">
+          <p:cNvPr id="5" name="Slide Number Placeholder 4">
             <a:extLst>
               <a:ext uri="{FF2B5EF4-FFF2-40B4-BE49-F238E27FC236}">
-                <a16:creationId xmlns:a16="http://schemas.microsoft.com/office/drawing/2014/main" xmlns="" id="{9DA5ED20-07EE-4130-97A2-FC2FBDDF57B9}"/>
+                <a16:creationId xmlns:a16="http://schemas.microsoft.com/office/drawing/2014/main" id="{89272EAA-7658-4CAB-B263-CD4B022CF97A}"/>
               </a:ext>
             </a:extLst>
           </p:cNvPr>
@@ -21373,243 +21500,6 @@
               <a:rPr kumimoji="1" lang="ja-JP" altLang="en-US" smtClean="0"/>
               <a:pPr/>
               <a:t>20</a:t>
-            </a:fld>
-            <a:endParaRPr kumimoji="1" lang="ja-JP" altLang="en-US"/>
-          </a:p>
-        </p:txBody>
-      </p:sp>
-    </p:spTree>
-    <p:extLst>
-      <p:ext uri="{BB962C8B-B14F-4D97-AF65-F5344CB8AC3E}">
-        <p14:creationId xmlns:p14="http://schemas.microsoft.com/office/powerpoint/2010/main" val="1419258699"/>
-      </p:ext>
-    </p:extLst>
-  </p:cSld>
-  <p:clrMapOvr>
-    <a:masterClrMapping/>
-  </p:clrMapOvr>
-</p:sld>
-</file>
-
-<file path=ppt/slides/slide22.xml><?xml version="1.0" encoding="utf-8"?>
-<p:sld xmlns:a="http://schemas.openxmlformats.org/drawingml/2006/main" xmlns:r="http://schemas.openxmlformats.org/officeDocument/2006/relationships" xmlns:p="http://schemas.openxmlformats.org/presentationml/2006/main">
-  <p:cSld>
-    <p:spTree>
-      <p:nvGrpSpPr>
-        <p:cNvPr id="1" name=""/>
-        <p:cNvGrpSpPr/>
-        <p:nvPr/>
-      </p:nvGrpSpPr>
-      <p:grpSpPr>
-        <a:xfrm>
-          <a:off x="0" y="0"/>
-          <a:ext cx="0" cy="0"/>
-          <a:chOff x="0" y="0"/>
-          <a:chExt cx="0" cy="0"/>
-        </a:xfrm>
-      </p:grpSpPr>
-      <p:sp>
-        <p:nvSpPr>
-          <p:cNvPr id="2" name="Title 1">
-            <a:extLst>
-              <a:ext uri="{FF2B5EF4-FFF2-40B4-BE49-F238E27FC236}">
-                <a16:creationId xmlns:a16="http://schemas.microsoft.com/office/drawing/2014/main" xmlns="" id="{C7D675AA-6913-48BC-85A2-5C1947B70467}"/>
-              </a:ext>
-            </a:extLst>
-          </p:cNvPr>
-          <p:cNvSpPr>
-            <a:spLocks noGrp="1"/>
-          </p:cNvSpPr>
-          <p:nvPr>
-            <p:ph type="title"/>
-          </p:nvPr>
-        </p:nvSpPr>
-        <p:spPr/>
-        <p:txBody>
-          <a:bodyPr/>
-          <a:lstStyle/>
-          <a:p>
-            <a:r>
-              <a:rPr lang="en-US" dirty="0"/>
-              <a:t>Simulation Setup</a:t>
-            </a:r>
-          </a:p>
-        </p:txBody>
-      </p:sp>
-      <p:sp>
-        <p:nvSpPr>
-          <p:cNvPr id="3" name="Content Placeholder 2">
-            <a:extLst>
-              <a:ext uri="{FF2B5EF4-FFF2-40B4-BE49-F238E27FC236}">
-                <a16:creationId xmlns:a16="http://schemas.microsoft.com/office/drawing/2014/main" xmlns="" id="{F79FB236-54CE-4723-A388-7B2C26E5DA92}"/>
-              </a:ext>
-            </a:extLst>
-          </p:cNvPr>
-          <p:cNvSpPr>
-            <a:spLocks noGrp="1"/>
-          </p:cNvSpPr>
-          <p:nvPr>
-            <p:ph idx="1"/>
-          </p:nvPr>
-        </p:nvSpPr>
-        <p:spPr/>
-        <p:txBody>
-          <a:bodyPr>
-            <a:normAutofit/>
-          </a:bodyPr>
-          <a:lstStyle/>
-          <a:p>
-            <a:r>
-              <a:rPr lang="en-US" dirty="0"/>
-              <a:t>N=100</a:t>
-            </a:r>
-          </a:p>
-          <a:p>
-            <a:r>
-              <a:rPr lang="en-US" dirty="0"/>
-              <a:t>Dimensions for baseline variables = </a:t>
-            </a:r>
-            <a:r>
-              <a:rPr lang="en-US" altLang="zh-CN" dirty="0"/>
-              <a:t>5 (</a:t>
-            </a:r>
-            <a:r>
-              <a:rPr lang="en-US" dirty="0"/>
-              <a:t>Standard Normal Distribution</a:t>
-            </a:r>
-            <a:r>
-              <a:rPr lang="en-US" altLang="zh-CN" dirty="0"/>
-              <a:t>)</a:t>
-            </a:r>
-            <a:endParaRPr lang="en-US" dirty="0"/>
-          </a:p>
-          <a:p>
-            <a:r>
-              <a:rPr lang="en-US" dirty="0"/>
-              <a:t>Dimensions for treatment variable = 1, (binary: +1,-1)</a:t>
-            </a:r>
-          </a:p>
-          <a:p>
-            <a:r>
-              <a:rPr lang="en-US" b="1" dirty="0"/>
-              <a:t>Dimensions for Genes = </a:t>
-            </a:r>
-            <a:r>
-              <a:rPr lang="en-US" altLang="zh-CN" b="1" dirty="0"/>
-              <a:t>5</a:t>
-            </a:r>
-            <a:r>
-              <a:rPr lang="en-US" b="1" dirty="0"/>
-              <a:t>0, 100,</a:t>
-            </a:r>
-            <a:r>
-              <a:rPr lang="en-US" altLang="zh-CN" b="1" dirty="0"/>
-              <a:t>200 (</a:t>
-            </a:r>
-            <a:r>
-              <a:rPr lang="en-US" b="1" dirty="0"/>
-              <a:t>Standard Normal Distribution/Binomial Distribution)</a:t>
-            </a:r>
-          </a:p>
-          <a:p>
-            <a:r>
-              <a:rPr lang="en-US" dirty="0"/>
-              <a:t>Coefficients for baseline and treatment variables: standard normal distribution</a:t>
-            </a:r>
-          </a:p>
-          <a:p>
-            <a:r>
-              <a:rPr lang="en-US" altLang="zh-CN" dirty="0"/>
-              <a:t>Coefficients for genes=+3,-3,+5,-5</a:t>
-            </a:r>
-          </a:p>
-          <a:p>
-            <a:endParaRPr lang="en-US" dirty="0"/>
-          </a:p>
-        </p:txBody>
-      </p:sp>
-      <p:sp>
-        <p:nvSpPr>
-          <p:cNvPr id="4" name="Footer Placeholder 3">
-            <a:extLst>
-              <a:ext uri="{FF2B5EF4-FFF2-40B4-BE49-F238E27FC236}">
-                <a16:creationId xmlns:a16="http://schemas.microsoft.com/office/drawing/2014/main" xmlns="" id="{BDDDA0BE-FB94-44D9-8026-4299635DFDB4}"/>
-              </a:ext>
-            </a:extLst>
-          </p:cNvPr>
-          <p:cNvSpPr>
-            <a:spLocks noGrp="1"/>
-          </p:cNvSpPr>
-          <p:nvPr>
-            <p:ph type="ftr" sz="quarter" idx="11"/>
-          </p:nvPr>
-        </p:nvSpPr>
-        <p:spPr/>
-        <p:txBody>
-          <a:bodyPr/>
-          <a:lstStyle/>
-          <a:p>
-            <a:r>
-              <a:rPr lang="ja-JP" altLang="en-US" dirty="0"/>
-              <a:t>｜</a:t>
-            </a:r>
-            <a:r>
-              <a:rPr lang="en-US" altLang="ja-JP" dirty="0"/>
-              <a:t>0000</a:t>
-            </a:r>
-            <a:r>
-              <a:rPr lang="ja-JP" altLang="en-US" dirty="0"/>
-              <a:t>　</a:t>
-            </a:r>
-            <a:r>
-              <a:rPr lang="en-US" altLang="ja-JP" dirty="0"/>
-              <a:t>|</a:t>
-            </a:r>
-            <a:r>
-              <a:rPr lang="ja-JP" altLang="en-US" dirty="0"/>
-              <a:t>　　</a:t>
-            </a:r>
-            <a:r>
-              <a:rPr lang="en-US" altLang="ja-JP" dirty="0"/>
-              <a:t> Aug 24</a:t>
-            </a:r>
-            <a:r>
-              <a:rPr lang="en-US" altLang="ja-JP" baseline="30000" dirty="0"/>
-              <a:t>th</a:t>
-            </a:r>
-            <a:r>
-              <a:rPr lang="en-US" altLang="ja-JP" dirty="0"/>
-              <a:t> 2018</a:t>
-            </a:r>
-            <a:endParaRPr lang="ja-JP" altLang="en-US" dirty="0"/>
-          </a:p>
-        </p:txBody>
-      </p:sp>
-      <p:sp>
-        <p:nvSpPr>
-          <p:cNvPr id="5" name="Slide Number Placeholder 4">
-            <a:extLst>
-              <a:ext uri="{FF2B5EF4-FFF2-40B4-BE49-F238E27FC236}">
-                <a16:creationId xmlns:a16="http://schemas.microsoft.com/office/drawing/2014/main" xmlns="" id="{89272EAA-7658-4CAB-B263-CD4B022CF97A}"/>
-              </a:ext>
-            </a:extLst>
-          </p:cNvPr>
-          <p:cNvSpPr>
-            <a:spLocks noGrp="1"/>
-          </p:cNvSpPr>
-          <p:nvPr>
-            <p:ph type="sldNum" sz="quarter" idx="12"/>
-          </p:nvPr>
-        </p:nvSpPr>
-        <p:spPr/>
-        <p:txBody>
-          <a:bodyPr/>
-          <a:lstStyle/>
-          <a:p>
-            <a:fld id="{E9B57936-92EF-4126-AE48-1D9D36D15E98}" type="slidenum">
-              <a:rPr kumimoji="1" lang="ja-JP" altLang="en-US" smtClean="0"/>
-              <a:pPr/>
-              <a:t>21</a:t>
             </a:fld>
             <a:endParaRPr kumimoji="1" lang="ja-JP" altLang="en-US" dirty="0"/>
           </a:p>
@@ -22027,7 +21917,7 @@
 </p:sld>
 </file>
 
-<file path=ppt/slides/slide23.xml><?xml version="1.0" encoding="utf-8"?>
+<file path=ppt/slides/slide22.xml><?xml version="1.0" encoding="utf-8"?>
 <p:sld xmlns:a="http://schemas.openxmlformats.org/drawingml/2006/main" xmlns:r="http://schemas.openxmlformats.org/officeDocument/2006/relationships" xmlns:p="http://schemas.openxmlformats.org/presentationml/2006/main">
   <p:cSld>
     <p:spTree>
@@ -22049,7 +21939,7 @@
           <p:cNvPr id="2" name="Title 1">
             <a:extLst>
               <a:ext uri="{FF2B5EF4-FFF2-40B4-BE49-F238E27FC236}">
-                <a16:creationId xmlns:a16="http://schemas.microsoft.com/office/drawing/2014/main" xmlns="" id="{11087D96-4F48-402C-9A22-A3A89A572F75}"/>
+                <a16:creationId xmlns:a16="http://schemas.microsoft.com/office/drawing/2014/main" id="{11087D96-4F48-402C-9A22-A3A89A572F75}"/>
               </a:ext>
             </a:extLst>
           </p:cNvPr>
@@ -22077,7 +21967,7 @@
           <p:cNvPr id="3" name="Content Placeholder 2">
             <a:extLst>
               <a:ext uri="{FF2B5EF4-FFF2-40B4-BE49-F238E27FC236}">
-                <a16:creationId xmlns:a16="http://schemas.microsoft.com/office/drawing/2014/main" xmlns="" id="{F03F415E-2814-47D8-8986-8A3A951F9052}"/>
+                <a16:creationId xmlns:a16="http://schemas.microsoft.com/office/drawing/2014/main" id="{F03F415E-2814-47D8-8986-8A3A951F9052}"/>
               </a:ext>
             </a:extLst>
           </p:cNvPr>
@@ -22122,7 +22012,7 @@
           <p:cNvPr id="4" name="Footer Placeholder 3">
             <a:extLst>
               <a:ext uri="{FF2B5EF4-FFF2-40B4-BE49-F238E27FC236}">
-                <a16:creationId xmlns:a16="http://schemas.microsoft.com/office/drawing/2014/main" xmlns="" id="{8624D5AE-8946-4C90-850A-598E06BFD2C8}"/>
+                <a16:creationId xmlns:a16="http://schemas.microsoft.com/office/drawing/2014/main" id="{8624D5AE-8946-4C90-850A-598E06BFD2C8}"/>
               </a:ext>
             </a:extLst>
           </p:cNvPr>
@@ -22179,7 +22069,7 @@
           <p:cNvPr id="5" name="Slide Number Placeholder 4">
             <a:extLst>
               <a:ext uri="{FF2B5EF4-FFF2-40B4-BE49-F238E27FC236}">
-                <a16:creationId xmlns:a16="http://schemas.microsoft.com/office/drawing/2014/main" xmlns="" id="{C338FA2D-196C-4DEF-97C9-AFD64AE6FD17}"/>
+                <a16:creationId xmlns:a16="http://schemas.microsoft.com/office/drawing/2014/main" id="{C338FA2D-196C-4DEF-97C9-AFD64AE6FD17}"/>
               </a:ext>
             </a:extLst>
           </p:cNvPr>
@@ -22198,7 +22088,7 @@
             <a:fld id="{E9B57936-92EF-4126-AE48-1D9D36D15E98}" type="slidenum">
               <a:rPr kumimoji="1" lang="ja-JP" altLang="en-US" smtClean="0"/>
               <a:pPr/>
-              <a:t>22</a:t>
+              <a:t>21</a:t>
             </a:fld>
             <a:endParaRPr kumimoji="1" lang="ja-JP" altLang="en-US" dirty="0"/>
           </a:p>
@@ -22209,7 +22099,7 @@
           <p:cNvPr id="6" name="Rectangle 5">
             <a:extLst>
               <a:ext uri="{FF2B5EF4-FFF2-40B4-BE49-F238E27FC236}">
-                <a16:creationId xmlns:a16="http://schemas.microsoft.com/office/drawing/2014/main" xmlns="" id="{A9CE8327-D90B-419B-AEA4-71B82617F441}"/>
+                <a16:creationId xmlns:a16="http://schemas.microsoft.com/office/drawing/2014/main" id="{A9CE8327-D90B-419B-AEA4-71B82617F441}"/>
               </a:ext>
             </a:extLst>
           </p:cNvPr>
@@ -22258,7 +22148,7 @@
           <p:cNvPr id="7" name="Rectangle 6">
             <a:extLst>
               <a:ext uri="{FF2B5EF4-FFF2-40B4-BE49-F238E27FC236}">
-                <a16:creationId xmlns:a16="http://schemas.microsoft.com/office/drawing/2014/main" xmlns="" id="{1FD7498B-D752-4299-93F1-89F70E6DC4C9}"/>
+                <a16:creationId xmlns:a16="http://schemas.microsoft.com/office/drawing/2014/main" id="{1FD7498B-D752-4299-93F1-89F70E6DC4C9}"/>
               </a:ext>
             </a:extLst>
           </p:cNvPr>
@@ -22312,7 +22202,7 @@
           <p:cNvPr id="8" name="Rectangle 7">
             <a:extLst>
               <a:ext uri="{FF2B5EF4-FFF2-40B4-BE49-F238E27FC236}">
-                <a16:creationId xmlns:a16="http://schemas.microsoft.com/office/drawing/2014/main" xmlns="" id="{E943E299-3DD3-4BDC-872E-A723F2FEC289}"/>
+                <a16:creationId xmlns:a16="http://schemas.microsoft.com/office/drawing/2014/main" id="{E943E299-3DD3-4BDC-872E-A723F2FEC289}"/>
               </a:ext>
             </a:extLst>
           </p:cNvPr>
@@ -22361,7 +22251,7 @@
           <p:cNvPr id="9" name="Rectangle 8">
             <a:extLst>
               <a:ext uri="{FF2B5EF4-FFF2-40B4-BE49-F238E27FC236}">
-                <a16:creationId xmlns:a16="http://schemas.microsoft.com/office/drawing/2014/main" xmlns="" id="{7EC04703-0934-4088-8C30-08DC833DCA54}"/>
+                <a16:creationId xmlns:a16="http://schemas.microsoft.com/office/drawing/2014/main" id="{7EC04703-0934-4088-8C30-08DC833DCA54}"/>
               </a:ext>
             </a:extLst>
           </p:cNvPr>
@@ -22415,7 +22305,7 @@
           <p:cNvPr id="10" name="TextBox 9">
             <a:extLst>
               <a:ext uri="{FF2B5EF4-FFF2-40B4-BE49-F238E27FC236}">
-                <a16:creationId xmlns:a16="http://schemas.microsoft.com/office/drawing/2014/main" xmlns="" id="{F2C16A90-5E97-4B18-984B-B7C50B1073AA}"/>
+                <a16:creationId xmlns:a16="http://schemas.microsoft.com/office/drawing/2014/main" id="{F2C16A90-5E97-4B18-984B-B7C50B1073AA}"/>
               </a:ext>
             </a:extLst>
           </p:cNvPr>
@@ -22454,7 +22344,7 @@
           <p:cNvPr id="12" name="TextBox 11">
             <a:extLst>
               <a:ext uri="{FF2B5EF4-FFF2-40B4-BE49-F238E27FC236}">
-                <a16:creationId xmlns:a16="http://schemas.microsoft.com/office/drawing/2014/main" xmlns="" id="{EE2234DA-6987-4ED4-BA76-BA3ABA99CCB9}"/>
+                <a16:creationId xmlns:a16="http://schemas.microsoft.com/office/drawing/2014/main" id="{EE2234DA-6987-4ED4-BA76-BA3ABA99CCB9}"/>
               </a:ext>
             </a:extLst>
           </p:cNvPr>
@@ -22493,7 +22383,7 @@
           <p:cNvPr id="14" name="TextBox 13">
             <a:extLst>
               <a:ext uri="{FF2B5EF4-FFF2-40B4-BE49-F238E27FC236}">
-                <a16:creationId xmlns:a16="http://schemas.microsoft.com/office/drawing/2014/main" xmlns="" id="{6BD26A27-FC2B-4AAD-9133-6B217D6FB28F}"/>
+                <a16:creationId xmlns:a16="http://schemas.microsoft.com/office/drawing/2014/main" id="{6BD26A27-FC2B-4AAD-9133-6B217D6FB28F}"/>
               </a:ext>
             </a:extLst>
           </p:cNvPr>
@@ -22528,7 +22418,7 @@
           <p:cNvPr id="15" name="TextBox 14">
             <a:extLst>
               <a:ext uri="{FF2B5EF4-FFF2-40B4-BE49-F238E27FC236}">
-                <a16:creationId xmlns:a16="http://schemas.microsoft.com/office/drawing/2014/main" xmlns="" id="{BD939FD6-633E-419B-B7F1-B9F75651991B}"/>
+                <a16:creationId xmlns:a16="http://schemas.microsoft.com/office/drawing/2014/main" id="{BD939FD6-633E-419B-B7F1-B9F75651991B}"/>
               </a:ext>
             </a:extLst>
           </p:cNvPr>
@@ -22563,7 +22453,7 @@
           <p:cNvPr id="16" name="Right Brace 15">
             <a:extLst>
               <a:ext uri="{FF2B5EF4-FFF2-40B4-BE49-F238E27FC236}">
-                <a16:creationId xmlns:a16="http://schemas.microsoft.com/office/drawing/2014/main" xmlns="" id="{F2F2FAEA-93F8-4C3F-938B-B013F8C832BF}"/>
+                <a16:creationId xmlns:a16="http://schemas.microsoft.com/office/drawing/2014/main" id="{F2F2FAEA-93F8-4C3F-938B-B013F8C832BF}"/>
               </a:ext>
             </a:extLst>
           </p:cNvPr>
@@ -22609,7 +22499,7 @@
               <p:cNvPr id="17" name="TextBox 16">
                 <a:extLst>
                   <a:ext uri="{FF2B5EF4-FFF2-40B4-BE49-F238E27FC236}">
-                    <a16:creationId xmlns:a16="http://schemas.microsoft.com/office/drawing/2014/main" xmlns="" id="{E379FFCB-270F-42B0-A13C-5284701B20EF}"/>
+                    <a16:creationId xmlns:a16="http://schemas.microsoft.com/office/drawing/2014/main" id="{E379FFCB-270F-42B0-A13C-5284701B20EF}"/>
                   </a:ext>
                 </a:extLst>
               </p:cNvPr>
@@ -22921,7 +22811,7 @@
 </p:sld>
 </file>
 
-<file path=ppt/slides/slide24.xml><?xml version="1.0" encoding="utf-8"?>
+<file path=ppt/slides/slide23.xml><?xml version="1.0" encoding="utf-8"?>
 <p:sld xmlns:a="http://schemas.openxmlformats.org/drawingml/2006/main" xmlns:r="http://schemas.openxmlformats.org/officeDocument/2006/relationships" xmlns:p="http://schemas.openxmlformats.org/presentationml/2006/main">
   <p:cSld>
     <p:spTree>
@@ -22943,7 +22833,7 @@
           <p:cNvPr id="2" name="Title 1">
             <a:extLst>
               <a:ext uri="{FF2B5EF4-FFF2-40B4-BE49-F238E27FC236}">
-                <a16:creationId xmlns:a16="http://schemas.microsoft.com/office/drawing/2014/main" xmlns="" id="{7483EDA4-B6D3-49E9-B6F9-35CE16B276B8}"/>
+                <a16:creationId xmlns:a16="http://schemas.microsoft.com/office/drawing/2014/main" id="{7483EDA4-B6D3-49E9-B6F9-35CE16B276B8}"/>
               </a:ext>
             </a:extLst>
           </p:cNvPr>
@@ -22971,7 +22861,7 @@
           <p:cNvPr id="8" name="Content Placeholder 7" descr="A close up of a device&#10;&#10;Description generated with high confidence">
             <a:extLst>
               <a:ext uri="{FF2B5EF4-FFF2-40B4-BE49-F238E27FC236}">
-                <a16:creationId xmlns:a16="http://schemas.microsoft.com/office/drawing/2014/main" xmlns="" id="{8CE1E0D6-6F26-4032-8800-2CF4E7F2996F}"/>
+                <a16:creationId xmlns:a16="http://schemas.microsoft.com/office/drawing/2014/main" id="{8CE1E0D6-6F26-4032-8800-2CF4E7F2996F}"/>
               </a:ext>
             </a:extLst>
           </p:cNvPr>
@@ -23008,7 +22898,7 @@
               <p:cNvPr id="4" name="Text Placeholder 3">
                 <a:extLst>
                   <a:ext uri="{FF2B5EF4-FFF2-40B4-BE49-F238E27FC236}">
-                    <a16:creationId xmlns:a16="http://schemas.microsoft.com/office/drawing/2014/main" xmlns="" id="{B6C5B79B-0970-4BFB-91A9-E1CB31566408}"/>
+                    <a16:creationId xmlns:a16="http://schemas.microsoft.com/office/drawing/2014/main" id="{B6C5B79B-0970-4BFB-91A9-E1CB31566408}"/>
                   </a:ext>
                 </a:extLst>
               </p:cNvPr>
@@ -23039,7 +22929,7 @@
                       <m:sSubPr>
                         <m:ctrlPr>
                           <a:rPr lang="en-US" sz="1800" i="1">
-                            <a:latin typeface="Cambria Math" charset="0"/>
+                            <a:latin typeface="Cambria Math" panose="02040503050406030204" pitchFamily="18" charset="0"/>
                           </a:rPr>
                         </m:ctrlPr>
                       </m:sSubPr>
@@ -23082,7 +22972,7 @@
                       <m:sSupPr>
                         <m:ctrlPr>
                           <a:rPr lang="en-US" sz="1800" i="1">
-                            <a:latin typeface="Cambria Math" charset="0"/>
+                            <a:latin typeface="Cambria Math" panose="02040503050406030204" pitchFamily="18" charset="0"/>
                           </a:rPr>
                         </m:ctrlPr>
                       </m:sSupPr>
@@ -23101,7 +22991,7 @@
                             <m:endChr m:val="|"/>
                             <m:ctrlPr>
                               <a:rPr lang="en-US" sz="1800" i="1">
-                                <a:latin typeface="Cambria Math" charset="0"/>
+                                <a:latin typeface="Cambria Math" panose="02040503050406030204" pitchFamily="18" charset="0"/>
                               </a:rPr>
                             </m:ctrlPr>
                           </m:dPr>
@@ -23190,7 +23080,7 @@
           <p:cNvPr id="5" name="Footer Placeholder 4">
             <a:extLst>
               <a:ext uri="{FF2B5EF4-FFF2-40B4-BE49-F238E27FC236}">
-                <a16:creationId xmlns:a16="http://schemas.microsoft.com/office/drawing/2014/main" xmlns="" id="{A43AD325-324B-46FB-8992-11B6F48344A5}"/>
+                <a16:creationId xmlns:a16="http://schemas.microsoft.com/office/drawing/2014/main" id="{A43AD325-324B-46FB-8992-11B6F48344A5}"/>
               </a:ext>
             </a:extLst>
           </p:cNvPr>
@@ -23239,7 +23129,7 @@
           <p:cNvPr id="6" name="Slide Number Placeholder 5">
             <a:extLst>
               <a:ext uri="{FF2B5EF4-FFF2-40B4-BE49-F238E27FC236}">
-                <a16:creationId xmlns:a16="http://schemas.microsoft.com/office/drawing/2014/main" xmlns="" id="{DC82B01A-3AFA-492D-BC99-4E071A260616}"/>
+                <a16:creationId xmlns:a16="http://schemas.microsoft.com/office/drawing/2014/main" id="{DC82B01A-3AFA-492D-BC99-4E071A260616}"/>
               </a:ext>
             </a:extLst>
           </p:cNvPr>
@@ -23258,7 +23148,7 @@
             <a:fld id="{E9B57936-92EF-4126-AE48-1D9D36D15E98}" type="slidenum">
               <a:rPr kumimoji="1" lang="ja-JP" altLang="en-US" smtClean="0"/>
               <a:pPr/>
-              <a:t>23</a:t>
+              <a:t>22</a:t>
             </a:fld>
             <a:endParaRPr kumimoji="1" lang="ja-JP" altLang="en-US"/>
           </a:p>
@@ -23269,7 +23159,7 @@
           <p:cNvPr id="9" name="Title 1">
             <a:extLst>
               <a:ext uri="{FF2B5EF4-FFF2-40B4-BE49-F238E27FC236}">
-                <a16:creationId xmlns:a16="http://schemas.microsoft.com/office/drawing/2014/main" xmlns="" id="{4F33CCF8-87B5-4D8D-A941-8EB5582DF6A2}"/>
+                <a16:creationId xmlns:a16="http://schemas.microsoft.com/office/drawing/2014/main" id="{4F33CCF8-87B5-4D8D-A941-8EB5582DF6A2}"/>
               </a:ext>
             </a:extLst>
           </p:cNvPr>
@@ -23335,7 +23225,7 @@
               <p:cNvPr id="10" name="Text Placeholder 3">
                 <a:extLst>
                   <a:ext uri="{FF2B5EF4-FFF2-40B4-BE49-F238E27FC236}">
-                    <a16:creationId xmlns:a16="http://schemas.microsoft.com/office/drawing/2014/main" xmlns="" id="{5E65C462-EF0B-4F14-92B6-DD92E82EA8D2}"/>
+                    <a16:creationId xmlns:a16="http://schemas.microsoft.com/office/drawing/2014/main" id="{5E65C462-EF0B-4F14-92B6-DD92E82EA8D2}"/>
                   </a:ext>
                 </a:extLst>
               </p:cNvPr>
@@ -23597,7 +23487,7 @@
                       <m:fPr>
                         <m:ctrlPr>
                           <a:rPr lang="en-US" sz="1800" i="1">
-                            <a:latin typeface="Cambria Math" charset="0"/>
+                            <a:latin typeface="Cambria Math" panose="02040503050406030204" pitchFamily="18" charset="0"/>
                           </a:rPr>
                         </m:ctrlPr>
                       </m:fPr>
@@ -23618,7 +23508,7 @@
                           <m:sSubPr>
                             <m:ctrlPr>
                               <a:rPr lang="en-US" sz="1800" i="1">
-                                <a:latin typeface="Cambria Math" charset="0"/>
+                                <a:latin typeface="Cambria Math" panose="02040503050406030204" pitchFamily="18" charset="0"/>
                               </a:rPr>
                             </m:ctrlPr>
                           </m:sSubPr>
@@ -23698,7 +23588,7 @@
                       <m:sSubPr>
                         <m:ctrlPr>
                           <a:rPr lang="en-US" sz="1800" i="1">
-                            <a:latin typeface="Cambria Math" charset="0"/>
+                            <a:latin typeface="Cambria Math" panose="02040503050406030204" pitchFamily="18" charset="0"/>
                           </a:rPr>
                         </m:ctrlPr>
                       </m:sSubPr>
@@ -23792,7 +23682,7 @@
           <p:cNvPr id="11" name="Title 1">
             <a:extLst>
               <a:ext uri="{FF2B5EF4-FFF2-40B4-BE49-F238E27FC236}">
-                <a16:creationId xmlns:a16="http://schemas.microsoft.com/office/drawing/2014/main" xmlns="" id="{E17ECA68-FF04-4278-9440-FC0B19DC7E0C}"/>
+                <a16:creationId xmlns:a16="http://schemas.microsoft.com/office/drawing/2014/main" id="{E17ECA68-FF04-4278-9440-FC0B19DC7E0C}"/>
               </a:ext>
             </a:extLst>
           </p:cNvPr>
@@ -23864,7 +23754,7 @@
 </p:sld>
 </file>
 
-<file path=ppt/slides/slide25.xml><?xml version="1.0" encoding="utf-8"?>
+<file path=ppt/slides/slide24.xml><?xml version="1.0" encoding="utf-8"?>
 <p:sld xmlns:a="http://schemas.openxmlformats.org/drawingml/2006/main" xmlns:r="http://schemas.openxmlformats.org/officeDocument/2006/relationships" xmlns:p="http://schemas.openxmlformats.org/presentationml/2006/main">
   <p:cSld>
     <p:spTree>
@@ -23886,7 +23776,7 @@
           <p:cNvPr id="2" name="Title 1">
             <a:extLst>
               <a:ext uri="{FF2B5EF4-FFF2-40B4-BE49-F238E27FC236}">
-                <a16:creationId xmlns:a16="http://schemas.microsoft.com/office/drawing/2014/main" xmlns="" id="{8D3D1849-A525-4249-A3C3-2458C66EBAEE}"/>
+                <a16:creationId xmlns:a16="http://schemas.microsoft.com/office/drawing/2014/main" id="{8D3D1849-A525-4249-A3C3-2458C66EBAEE}"/>
               </a:ext>
             </a:extLst>
           </p:cNvPr>
@@ -23911,7 +23801,7 @@
           <p:cNvPr id="6" name="Content Placeholder 5">
             <a:extLst>
               <a:ext uri="{FF2B5EF4-FFF2-40B4-BE49-F238E27FC236}">
-                <a16:creationId xmlns:a16="http://schemas.microsoft.com/office/drawing/2014/main" xmlns="" id="{343B46D6-D047-452F-9EFA-39C39BD2B425}"/>
+                <a16:creationId xmlns:a16="http://schemas.microsoft.com/office/drawing/2014/main" id="{343B46D6-D047-452F-9EFA-39C39BD2B425}"/>
               </a:ext>
             </a:extLst>
           </p:cNvPr>
@@ -23942,7 +23832,7 @@
           <p:cNvPr id="4" name="Footer Placeholder 3">
             <a:extLst>
               <a:ext uri="{FF2B5EF4-FFF2-40B4-BE49-F238E27FC236}">
-                <a16:creationId xmlns:a16="http://schemas.microsoft.com/office/drawing/2014/main" xmlns="" id="{B122CF56-1FD5-419C-8DB4-FA561574D35D}"/>
+                <a16:creationId xmlns:a16="http://schemas.microsoft.com/office/drawing/2014/main" id="{B122CF56-1FD5-419C-8DB4-FA561574D35D}"/>
               </a:ext>
             </a:extLst>
           </p:cNvPr>
@@ -23991,7 +23881,7 @@
           <p:cNvPr id="5" name="Slide Number Placeholder 4">
             <a:extLst>
               <a:ext uri="{FF2B5EF4-FFF2-40B4-BE49-F238E27FC236}">
-                <a16:creationId xmlns:a16="http://schemas.microsoft.com/office/drawing/2014/main" xmlns="" id="{D688DAF5-DFA6-4FBA-B2FD-C94B0330E846}"/>
+                <a16:creationId xmlns:a16="http://schemas.microsoft.com/office/drawing/2014/main" id="{D688DAF5-DFA6-4FBA-B2FD-C94B0330E846}"/>
               </a:ext>
             </a:extLst>
           </p:cNvPr>
@@ -24010,7 +23900,7 @@
             <a:fld id="{E9B57936-92EF-4126-AE48-1D9D36D15E98}" type="slidenum">
               <a:rPr kumimoji="1" lang="ja-JP" altLang="en-US" smtClean="0"/>
               <a:pPr/>
-              <a:t>24</a:t>
+              <a:t>23</a:t>
             </a:fld>
             <a:endParaRPr kumimoji="1" lang="ja-JP" altLang="en-US" dirty="0"/>
           </a:p>
@@ -24029,7 +23919,7 @@
 </p:sld>
 </file>
 
-<file path=ppt/slides/slide26.xml><?xml version="1.0" encoding="utf-8"?>
+<file path=ppt/slides/slide25.xml><?xml version="1.0" encoding="utf-8"?>
 <p:sld xmlns:a="http://schemas.openxmlformats.org/drawingml/2006/main" xmlns:r="http://schemas.openxmlformats.org/officeDocument/2006/relationships" xmlns:p="http://schemas.openxmlformats.org/presentationml/2006/main">
   <p:cSld>
     <p:spTree>
@@ -24208,7 +24098,7 @@
             <a:fld id="{E9B57936-92EF-4126-AE48-1D9D36D15E98}" type="slidenum">
               <a:rPr kumimoji="1" lang="ja-JP" altLang="en-US" smtClean="0"/>
               <a:pPr/>
-              <a:t>25</a:t>
+              <a:t>24</a:t>
             </a:fld>
             <a:endParaRPr kumimoji="1" lang="ja-JP" altLang="en-US" dirty="0"/>
           </a:p>
@@ -24227,7 +24117,7 @@
 </p:sld>
 </file>
 
-<file path=ppt/slides/slide27.xml><?xml version="1.0" encoding="utf-8"?>
+<file path=ppt/slides/slide26.xml><?xml version="1.0" encoding="utf-8"?>
 <p:sld xmlns:a="http://schemas.openxmlformats.org/drawingml/2006/main" xmlns:r="http://schemas.openxmlformats.org/officeDocument/2006/relationships" xmlns:p="http://schemas.openxmlformats.org/presentationml/2006/main">
   <p:cSld>
     <p:spTree>
@@ -24249,7 +24139,7 @@
           <p:cNvPr id="2" name="Title 1">
             <a:extLst>
               <a:ext uri="{FF2B5EF4-FFF2-40B4-BE49-F238E27FC236}">
-                <a16:creationId xmlns:a16="http://schemas.microsoft.com/office/drawing/2014/main" xmlns="" id="{17A8BB3D-2D35-4F66-AFB4-2A9AE7681862}"/>
+                <a16:creationId xmlns:a16="http://schemas.microsoft.com/office/drawing/2014/main" id="{17A8BB3D-2D35-4F66-AFB4-2A9AE7681862}"/>
               </a:ext>
             </a:extLst>
           </p:cNvPr>
@@ -24283,7 +24173,7 @@
           <p:cNvPr id="3" name="Footer Placeholder 2">
             <a:extLst>
               <a:ext uri="{FF2B5EF4-FFF2-40B4-BE49-F238E27FC236}">
-                <a16:creationId xmlns:a16="http://schemas.microsoft.com/office/drawing/2014/main" xmlns="" id="{11862E8A-91FD-4C41-A192-DB3D27D88824}"/>
+                <a16:creationId xmlns:a16="http://schemas.microsoft.com/office/drawing/2014/main" id="{11862E8A-91FD-4C41-A192-DB3D27D88824}"/>
               </a:ext>
             </a:extLst>
           </p:cNvPr>
@@ -24340,7 +24230,7 @@
           <p:cNvPr id="4" name="Slide Number Placeholder 3">
             <a:extLst>
               <a:ext uri="{FF2B5EF4-FFF2-40B4-BE49-F238E27FC236}">
-                <a16:creationId xmlns:a16="http://schemas.microsoft.com/office/drawing/2014/main" xmlns="" id="{9DA5ED20-07EE-4130-97A2-FC2FBDDF57B9}"/>
+                <a16:creationId xmlns:a16="http://schemas.microsoft.com/office/drawing/2014/main" id="{9DA5ED20-07EE-4130-97A2-FC2FBDDF57B9}"/>
               </a:ext>
             </a:extLst>
           </p:cNvPr>
@@ -24359,7 +24249,7 @@
             <a:fld id="{E9B57936-92EF-4126-AE48-1D9D36D15E98}" type="slidenum">
               <a:rPr kumimoji="1" lang="ja-JP" altLang="en-US" smtClean="0"/>
               <a:pPr/>
-              <a:t>26</a:t>
+              <a:t>25</a:t>
             </a:fld>
             <a:endParaRPr kumimoji="1" lang="ja-JP" altLang="en-US"/>
           </a:p>
@@ -24370,7 +24260,7 @@
           <p:cNvPr id="5" name="Title 1">
             <a:extLst>
               <a:ext uri="{FF2B5EF4-FFF2-40B4-BE49-F238E27FC236}">
-                <a16:creationId xmlns:a16="http://schemas.microsoft.com/office/drawing/2014/main" xmlns="" id="{27513E21-FF28-40C3-A56D-A08AFD183114}"/>
+                <a16:creationId xmlns:a16="http://schemas.microsoft.com/office/drawing/2014/main" id="{27513E21-FF28-40C3-A56D-A08AFD183114}"/>
               </a:ext>
             </a:extLst>
           </p:cNvPr>
@@ -24463,17 +24353,10 @@
   <p:clrMapOvr>
     <a:masterClrMapping/>
   </p:clrMapOvr>
-  <p:timing>
-    <p:tnLst>
-      <p:par>
-        <p:cTn id="1" dur="indefinite" restart="never" nodeType="tmRoot"/>
-      </p:par>
-    </p:tnLst>
-  </p:timing>
 </p:sld>
 </file>
 
-<file path=ppt/slides/slide28.xml><?xml version="1.0" encoding="utf-8"?>
+<file path=ppt/slides/slide27.xml><?xml version="1.0" encoding="utf-8"?>
 <p:sld xmlns:a="http://schemas.openxmlformats.org/drawingml/2006/main" xmlns:r="http://schemas.openxmlformats.org/officeDocument/2006/relationships" xmlns:p="http://schemas.openxmlformats.org/presentationml/2006/main">
   <p:cSld>
     <p:spTree>
@@ -24581,14 +24464,14 @@
             <a:fld id="{E9B57936-92EF-4126-AE48-1D9D36D15E98}" type="slidenum">
               <a:rPr kumimoji="1" lang="ja-JP" altLang="en-US" smtClean="0"/>
               <a:pPr/>
-              <a:t>27</a:t>
+              <a:t>26</a:t>
             </a:fld>
             <a:endParaRPr kumimoji="1" lang="ja-JP" altLang="en-US" dirty="0"/>
           </a:p>
         </p:txBody>
       </p:sp>
-      <mc:AlternateContent xmlns:mc="http://schemas.openxmlformats.org/markup-compatibility/2006">
-        <mc:Choice xmlns:a14="http://schemas.microsoft.com/office/drawing/2010/main" Requires="a14">
+      <mc:AlternateContent xmlns:mc="http://schemas.openxmlformats.org/markup-compatibility/2006" xmlns:a14="http://schemas.microsoft.com/office/drawing/2010/main">
+        <mc:Choice Requires="a14">
           <p:sp>
             <p:nvSpPr>
               <p:cNvPr id="7" name="TextBox 6"/>
@@ -24621,7 +24504,7 @@
                       <m:sSubPr>
                         <m:ctrlPr>
                           <a:rPr lang="en-US" sz="1400" b="0" i="1" dirty="0" smtClean="0">
-                            <a:latin typeface="Cambria Math" charset="0"/>
+                            <a:latin typeface="Cambria Math" panose="02040503050406030204" pitchFamily="18" charset="0"/>
                           </a:rPr>
                         </m:ctrlPr>
                       </m:sSubPr>
@@ -24632,7 +24515,7 @@
                             <m:endChr m:val="|"/>
                             <m:ctrlPr>
                               <a:rPr lang="en-US" sz="1400" b="0" i="1" smtClean="0">
-                                <a:latin typeface="Cambria Math" charset="0"/>
+                                <a:latin typeface="Cambria Math" panose="02040503050406030204" pitchFamily="18" charset="0"/>
                               </a:rPr>
                             </m:ctrlPr>
                           </m:dPr>
@@ -24642,7 +24525,7 @@
                                 <m:chr m:val="̂"/>
                                 <m:ctrlPr>
                                   <a:rPr lang="en-US" sz="1400" b="0" i="1" smtClean="0">
-                                    <a:latin typeface="Cambria Math" charset="0"/>
+                                    <a:latin typeface="Cambria Math" panose="02040503050406030204" pitchFamily="18" charset="0"/>
                                   </a:rPr>
                                 </m:ctrlPr>
                               </m:accPr>
@@ -24697,7 +24580,7 @@
                       <m:sSubPr>
                         <m:ctrlPr>
                           <a:rPr lang="en-US" sz="1400" i="1" dirty="0">
-                            <a:latin typeface="Cambria Math" charset="0"/>
+                            <a:latin typeface="Cambria Math" panose="02040503050406030204" pitchFamily="18" charset="0"/>
                           </a:rPr>
                         </m:ctrlPr>
                       </m:sSubPr>
@@ -24708,7 +24591,7 @@
                             <m:endChr m:val="|"/>
                             <m:ctrlPr>
                               <a:rPr lang="en-US" sz="1400" i="1">
-                                <a:latin typeface="Cambria Math" charset="0"/>
+                                <a:latin typeface="Cambria Math" panose="02040503050406030204" pitchFamily="18" charset="0"/>
                               </a:rPr>
                             </m:ctrlPr>
                           </m:dPr>
@@ -24718,7 +24601,7 @@
                                 <m:chr m:val="̂"/>
                                 <m:ctrlPr>
                                   <a:rPr lang="en-US" sz="1400" i="1">
-                                    <a:latin typeface="Cambria Math" charset="0"/>
+                                    <a:latin typeface="Cambria Math" panose="02040503050406030204" pitchFamily="18" charset="0"/>
                                   </a:rPr>
                                 </m:ctrlPr>
                               </m:accPr>
@@ -24770,32 +24653,19 @@
               </a:p>
               <a:p>
                 <a:r>
-                  <a:rPr lang="en-US" sz="1400" dirty="0" smtClean="0"/>
-                  <a:t>PPV</a:t>
-                </a:r>
-                <a:r>
-                  <a:rPr lang="en-US" sz="1400" dirty="0" smtClean="0"/>
-                  <a:t>: Positive </a:t>
-                </a:r>
-                <a:r>
                   <a:rPr lang="en-US" sz="1400" dirty="0"/>
-                  <a:t>p</a:t>
-                </a:r>
-                <a:r>
-                  <a:rPr lang="en-US" sz="1400" dirty="0" smtClean="0"/>
-                  <a:t>redictive value (Precision)</a:t>
+                  <a:t>PPV: Positive predictive value (Precision)</a:t>
                 </a:r>
               </a:p>
               <a:p>
                 <a:r>
-                  <a:rPr lang="en-US" sz="1400" dirty="0" smtClean="0"/>
+                  <a:rPr lang="en-US" sz="1400" dirty="0"/>
                   <a:t>FNR: False negative rate</a:t>
                 </a:r>
-                <a:endParaRPr lang="en-US" sz="1400" dirty="0"/>
               </a:p>
               <a:p>
                 <a:r>
-                  <a:rPr lang="en-US" sz="1400" dirty="0" err="1" smtClean="0"/>
+                  <a:rPr lang="en-US" sz="1400" dirty="0" err="1"/>
                   <a:t>num</a:t>
                 </a:r>
                 <a:r>
@@ -24806,7 +24676,7 @@
             </p:txBody>
           </p:sp>
         </mc:Choice>
-        <mc:Fallback>
+        <mc:Fallback xmlns="">
           <p:sp>
             <p:nvSpPr>
               <p:cNvPr id="7" name="TextBox 6"/>
@@ -24878,7 +24748,7 @@
           <p:cNvPr id="8" name="Rectangle 7">
             <a:extLst>
               <a:ext uri="{FF2B5EF4-FFF2-40B4-BE49-F238E27FC236}">
-                <a16:creationId xmlns:a16="http://schemas.microsoft.com/office/drawing/2014/main" xmlns="" id="{AB780432-ADBE-4B81-8C7B-188C78577B9C}"/>
+                <a16:creationId xmlns:a16="http://schemas.microsoft.com/office/drawing/2014/main" id="{AB780432-ADBE-4B81-8C7B-188C78577B9C}"/>
               </a:ext>
             </a:extLst>
           </p:cNvPr>
@@ -24925,7 +24795,7 @@
           <p:cNvPr id="12" name="Rectangle 11">
             <a:extLst>
               <a:ext uri="{FF2B5EF4-FFF2-40B4-BE49-F238E27FC236}">
-                <a16:creationId xmlns:a16="http://schemas.microsoft.com/office/drawing/2014/main" xmlns="" id="{07ED46A6-71E1-466D-A0E5-E3ACF6FCE25D}"/>
+                <a16:creationId xmlns:a16="http://schemas.microsoft.com/office/drawing/2014/main" id="{07ED46A6-71E1-466D-A0E5-E3ACF6FCE25D}"/>
               </a:ext>
             </a:extLst>
           </p:cNvPr>
@@ -24977,17 +24847,10 @@
   <p:clrMapOvr>
     <a:masterClrMapping/>
   </p:clrMapOvr>
-  <p:timing>
-    <p:tnLst>
-      <p:par>
-        <p:cTn id="1" dur="indefinite" restart="never" nodeType="tmRoot"/>
-      </p:par>
-    </p:tnLst>
-  </p:timing>
 </p:sld>
 </file>
 
-<file path=ppt/slides/slide29.xml><?xml version="1.0" encoding="utf-8"?>
+<file path=ppt/slides/slide28.xml><?xml version="1.0" encoding="utf-8"?>
 <p:sld xmlns:a="http://schemas.openxmlformats.org/drawingml/2006/main" xmlns:r="http://schemas.openxmlformats.org/officeDocument/2006/relationships" xmlns:p="http://schemas.openxmlformats.org/presentationml/2006/main">
   <p:cSld>
     <p:spTree>
@@ -25009,7 +24872,7 @@
           <p:cNvPr id="2" name="Title 1">
             <a:extLst>
               <a:ext uri="{FF2B5EF4-FFF2-40B4-BE49-F238E27FC236}">
-                <a16:creationId xmlns:a16="http://schemas.microsoft.com/office/drawing/2014/main" xmlns="" id="{B47CDB8A-37FD-446A-86BA-6FC732FF02F4}"/>
+                <a16:creationId xmlns:a16="http://schemas.microsoft.com/office/drawing/2014/main" id="{B47CDB8A-37FD-446A-86BA-6FC732FF02F4}"/>
               </a:ext>
             </a:extLst>
           </p:cNvPr>
@@ -25034,7 +24897,7 @@
           <p:cNvPr id="10" name="Content Placeholder 9" descr="A screenshot of a cell phone&#10;&#10;Description generated with high confidence">
             <a:extLst>
               <a:ext uri="{FF2B5EF4-FFF2-40B4-BE49-F238E27FC236}">
-                <a16:creationId xmlns:a16="http://schemas.microsoft.com/office/drawing/2014/main" xmlns="" id="{0DCF9734-DF1D-4596-B357-0A361BA526C6}"/>
+                <a16:creationId xmlns:a16="http://schemas.microsoft.com/office/drawing/2014/main" id="{0DCF9734-DF1D-4596-B357-0A361BA526C6}"/>
               </a:ext>
             </a:extLst>
           </p:cNvPr>
@@ -25069,7 +24932,7 @@
           <p:cNvPr id="5" name="Footer Placeholder 4">
             <a:extLst>
               <a:ext uri="{FF2B5EF4-FFF2-40B4-BE49-F238E27FC236}">
-                <a16:creationId xmlns:a16="http://schemas.microsoft.com/office/drawing/2014/main" xmlns="" id="{2E0CB2BF-FEF5-477F-AFDF-28ABBF62B309}"/>
+                <a16:creationId xmlns:a16="http://schemas.microsoft.com/office/drawing/2014/main" id="{2E0CB2BF-FEF5-477F-AFDF-28ABBF62B309}"/>
               </a:ext>
             </a:extLst>
           </p:cNvPr>
@@ -25118,7 +24981,7 @@
           <p:cNvPr id="6" name="Slide Number Placeholder 5">
             <a:extLst>
               <a:ext uri="{FF2B5EF4-FFF2-40B4-BE49-F238E27FC236}">
-                <a16:creationId xmlns:a16="http://schemas.microsoft.com/office/drawing/2014/main" xmlns="" id="{0AE4AFB9-BD1A-4E38-A420-0EE1928B353B}"/>
+                <a16:creationId xmlns:a16="http://schemas.microsoft.com/office/drawing/2014/main" id="{0AE4AFB9-BD1A-4E38-A420-0EE1928B353B}"/>
               </a:ext>
             </a:extLst>
           </p:cNvPr>
@@ -25137,7 +25000,7 @@
             <a:fld id="{E9B57936-92EF-4126-AE48-1D9D36D15E98}" type="slidenum">
               <a:rPr kumimoji="1" lang="ja-JP" altLang="en-US" smtClean="0"/>
               <a:pPr/>
-              <a:t>28</a:t>
+              <a:t>27</a:t>
             </a:fld>
             <a:endParaRPr kumimoji="1" lang="ja-JP" altLang="en-US"/>
           </a:p>
@@ -25182,168 +25045,10 @@
   <p:clrMapOvr>
     <a:masterClrMapping/>
   </p:clrMapOvr>
-  <p:timing>
-    <p:tnLst>
-      <p:par>
-        <p:cTn id="1" dur="indefinite" restart="never" nodeType="tmRoot"/>
-      </p:par>
-    </p:tnLst>
-  </p:timing>
 </p:sld>
 </file>
 
-<file path=ppt/slides/slide3.xml><?xml version="1.0" encoding="utf-8"?>
-<p:sld xmlns:a="http://schemas.openxmlformats.org/drawingml/2006/main" xmlns:r="http://schemas.openxmlformats.org/officeDocument/2006/relationships" xmlns:p="http://schemas.openxmlformats.org/presentationml/2006/main">
-  <p:cSld>
-    <p:spTree>
-      <p:nvGrpSpPr>
-        <p:cNvPr id="1" name=""/>
-        <p:cNvGrpSpPr/>
-        <p:nvPr/>
-      </p:nvGrpSpPr>
-      <p:grpSpPr>
-        <a:xfrm>
-          <a:off x="0" y="0"/>
-          <a:ext cx="0" cy="0"/>
-          <a:chOff x="0" y="0"/>
-          <a:chExt cx="0" cy="0"/>
-        </a:xfrm>
-      </p:grpSpPr>
-      <p:sp>
-        <p:nvSpPr>
-          <p:cNvPr id="2" name="Title 1">
-            <a:extLst>
-              <a:ext uri="{FF2B5EF4-FFF2-40B4-BE49-F238E27FC236}">
-                <a16:creationId xmlns:a16="http://schemas.microsoft.com/office/drawing/2014/main" xmlns="" id="{17A8BB3D-2D35-4F66-AFB4-2A9AE7681862}"/>
-              </a:ext>
-            </a:extLst>
-          </p:cNvPr>
-          <p:cNvSpPr>
-            <a:spLocks noGrp="1"/>
-          </p:cNvSpPr>
-          <p:nvPr>
-            <p:ph type="title"/>
-          </p:nvPr>
-        </p:nvSpPr>
-        <p:spPr>
-          <a:xfrm>
-            <a:off x="2411760" y="1563638"/>
-            <a:ext cx="4608512" cy="1460158"/>
-          </a:xfrm>
-        </p:spPr>
-        <p:txBody>
-          <a:bodyPr/>
-          <a:lstStyle/>
-          <a:p>
-            <a:pPr algn="ctr"/>
-            <a:r>
-              <a:rPr lang="en-US" dirty="0"/>
-              <a:t>Background</a:t>
-            </a:r>
-          </a:p>
-        </p:txBody>
-      </p:sp>
-      <p:sp>
-        <p:nvSpPr>
-          <p:cNvPr id="3" name="Footer Placeholder 2">
-            <a:extLst>
-              <a:ext uri="{FF2B5EF4-FFF2-40B4-BE49-F238E27FC236}">
-                <a16:creationId xmlns:a16="http://schemas.microsoft.com/office/drawing/2014/main" xmlns="" id="{11862E8A-91FD-4C41-A192-DB3D27D88824}"/>
-              </a:ext>
-            </a:extLst>
-          </p:cNvPr>
-          <p:cNvSpPr>
-            <a:spLocks noGrp="1"/>
-          </p:cNvSpPr>
-          <p:nvPr>
-            <p:ph type="ftr" sz="quarter" idx="11"/>
-          </p:nvPr>
-        </p:nvSpPr>
-        <p:spPr/>
-        <p:txBody>
-          <a:bodyPr/>
-          <a:lstStyle/>
-          <a:p>
-            <a:r>
-              <a:rPr lang="ja-JP" altLang="en-US" dirty="0"/>
-              <a:t>｜</a:t>
-            </a:r>
-            <a:r>
-              <a:rPr lang="en-US" altLang="ja-JP" dirty="0"/>
-              <a:t>0000</a:t>
-            </a:r>
-            <a:r>
-              <a:rPr lang="ja-JP" altLang="en-US" dirty="0"/>
-              <a:t>　</a:t>
-            </a:r>
-            <a:r>
-              <a:rPr lang="en-US" altLang="ja-JP" dirty="0"/>
-              <a:t>|</a:t>
-            </a:r>
-            <a:r>
-              <a:rPr lang="ja-JP" altLang="en-US" dirty="0"/>
-              <a:t>　　</a:t>
-            </a:r>
-            <a:r>
-              <a:rPr lang="en-US" altLang="ja-JP" dirty="0"/>
-              <a:t> Aug 24</a:t>
-            </a:r>
-            <a:r>
-              <a:rPr lang="en-US" altLang="ja-JP" baseline="30000" dirty="0"/>
-              <a:t>th</a:t>
-            </a:r>
-            <a:r>
-              <a:rPr lang="en-US" altLang="ja-JP" dirty="0"/>
-              <a:t> 2018</a:t>
-            </a:r>
-            <a:endParaRPr lang="ja-JP" altLang="en-US" dirty="0"/>
-          </a:p>
-        </p:txBody>
-      </p:sp>
-      <p:sp>
-        <p:nvSpPr>
-          <p:cNvPr id="4" name="Slide Number Placeholder 3">
-            <a:extLst>
-              <a:ext uri="{FF2B5EF4-FFF2-40B4-BE49-F238E27FC236}">
-                <a16:creationId xmlns:a16="http://schemas.microsoft.com/office/drawing/2014/main" xmlns="" id="{9DA5ED20-07EE-4130-97A2-FC2FBDDF57B9}"/>
-              </a:ext>
-            </a:extLst>
-          </p:cNvPr>
-          <p:cNvSpPr>
-            <a:spLocks noGrp="1"/>
-          </p:cNvSpPr>
-          <p:nvPr>
-            <p:ph type="sldNum" sz="quarter" idx="12"/>
-          </p:nvPr>
-        </p:nvSpPr>
-        <p:spPr/>
-        <p:txBody>
-          <a:bodyPr/>
-          <a:lstStyle/>
-          <a:p>
-            <a:fld id="{E9B57936-92EF-4126-AE48-1D9D36D15E98}" type="slidenum">
-              <a:rPr kumimoji="1" lang="ja-JP" altLang="en-US" smtClean="0"/>
-              <a:pPr/>
-              <a:t>2</a:t>
-            </a:fld>
-            <a:endParaRPr kumimoji="1" lang="ja-JP" altLang="en-US"/>
-          </a:p>
-        </p:txBody>
-      </p:sp>
-    </p:spTree>
-    <p:extLst>
-      <p:ext uri="{BB962C8B-B14F-4D97-AF65-F5344CB8AC3E}">
-        <p14:creationId xmlns:p14="http://schemas.microsoft.com/office/powerpoint/2010/main" val="2222939239"/>
-      </p:ext>
-    </p:extLst>
-  </p:cSld>
-  <p:clrMapOvr>
-    <a:masterClrMapping/>
-  </p:clrMapOvr>
-</p:sld>
-</file>
-
-<file path=ppt/slides/slide30.xml><?xml version="1.0" encoding="utf-8"?>
+<file path=ppt/slides/slide29.xml><?xml version="1.0" encoding="utf-8"?>
 <p:sld xmlns:a="http://schemas.openxmlformats.org/drawingml/2006/main" xmlns:r="http://schemas.openxmlformats.org/officeDocument/2006/relationships" xmlns:p="http://schemas.openxmlformats.org/presentationml/2006/main">
   <p:cSld>
     <p:spTree>
@@ -25451,14 +25156,14 @@
             <a:fld id="{E9B57936-92EF-4126-AE48-1D9D36D15E98}" type="slidenum">
               <a:rPr kumimoji="1" lang="ja-JP" altLang="en-US" smtClean="0"/>
               <a:pPr/>
-              <a:t>29</a:t>
+              <a:t>28</a:t>
             </a:fld>
             <a:endParaRPr kumimoji="1" lang="ja-JP" altLang="en-US" dirty="0"/>
           </a:p>
         </p:txBody>
       </p:sp>
-      <mc:AlternateContent xmlns:mc="http://schemas.openxmlformats.org/markup-compatibility/2006">
-        <mc:Choice xmlns:a14="http://schemas.microsoft.com/office/drawing/2010/main" Requires="a14">
+      <mc:AlternateContent xmlns:mc="http://schemas.openxmlformats.org/markup-compatibility/2006" xmlns:a14="http://schemas.microsoft.com/office/drawing/2010/main">
+        <mc:Choice Requires="a14">
           <p:sp>
             <p:nvSpPr>
               <p:cNvPr id="10" name="TextBox 9"/>
@@ -25491,7 +25196,7 @@
                       <m:sSubPr>
                         <m:ctrlPr>
                           <a:rPr lang="en-US" sz="1400" b="0" i="1" dirty="0" smtClean="0">
-                            <a:latin typeface="Cambria Math" charset="0"/>
+                            <a:latin typeface="Cambria Math" panose="02040503050406030204" pitchFamily="18" charset="0"/>
                           </a:rPr>
                         </m:ctrlPr>
                       </m:sSubPr>
@@ -25502,7 +25207,7 @@
                             <m:endChr m:val="|"/>
                             <m:ctrlPr>
                               <a:rPr lang="en-US" sz="1400" b="0" i="1" smtClean="0">
-                                <a:latin typeface="Cambria Math" charset="0"/>
+                                <a:latin typeface="Cambria Math" panose="02040503050406030204" pitchFamily="18" charset="0"/>
                               </a:rPr>
                             </m:ctrlPr>
                           </m:dPr>
@@ -25512,7 +25217,7 @@
                                 <m:chr m:val="̂"/>
                                 <m:ctrlPr>
                                   <a:rPr lang="en-US" sz="1400" b="0" i="1" smtClean="0">
-                                    <a:latin typeface="Cambria Math" charset="0"/>
+                                    <a:latin typeface="Cambria Math" panose="02040503050406030204" pitchFamily="18" charset="0"/>
                                   </a:rPr>
                                 </m:ctrlPr>
                               </m:accPr>
@@ -25567,7 +25272,7 @@
                       <m:sSubPr>
                         <m:ctrlPr>
                           <a:rPr lang="en-US" sz="1400" i="1" dirty="0">
-                            <a:latin typeface="Cambria Math" charset="0"/>
+                            <a:latin typeface="Cambria Math" panose="02040503050406030204" pitchFamily="18" charset="0"/>
                           </a:rPr>
                         </m:ctrlPr>
                       </m:sSubPr>
@@ -25578,7 +25283,7 @@
                             <m:endChr m:val="|"/>
                             <m:ctrlPr>
                               <a:rPr lang="en-US" sz="1400" i="1">
-                                <a:latin typeface="Cambria Math" charset="0"/>
+                                <a:latin typeface="Cambria Math" panose="02040503050406030204" pitchFamily="18" charset="0"/>
                               </a:rPr>
                             </m:ctrlPr>
                           </m:dPr>
@@ -25588,7 +25293,7 @@
                                 <m:chr m:val="̂"/>
                                 <m:ctrlPr>
                                   <a:rPr lang="en-US" sz="1400" i="1">
-                                    <a:latin typeface="Cambria Math" charset="0"/>
+                                    <a:latin typeface="Cambria Math" panose="02040503050406030204" pitchFamily="18" charset="0"/>
                                   </a:rPr>
                                 </m:ctrlPr>
                               </m:accPr>
@@ -25640,32 +25345,19 @@
               </a:p>
               <a:p>
                 <a:r>
-                  <a:rPr lang="en-US" sz="1400" dirty="0" smtClean="0"/>
-                  <a:t>PPV</a:t>
-                </a:r>
-                <a:r>
-                  <a:rPr lang="en-US" sz="1400" dirty="0" smtClean="0"/>
-                  <a:t>: Positive </a:t>
-                </a:r>
-                <a:r>
                   <a:rPr lang="en-US" sz="1400" dirty="0"/>
-                  <a:t>p</a:t>
-                </a:r>
-                <a:r>
-                  <a:rPr lang="en-US" sz="1400" dirty="0" smtClean="0"/>
-                  <a:t>redictive value (Precision)</a:t>
+                  <a:t>PPV: Positive predictive value (Precision)</a:t>
                 </a:r>
               </a:p>
               <a:p>
                 <a:r>
-                  <a:rPr lang="en-US" sz="1400" dirty="0" smtClean="0"/>
+                  <a:rPr lang="en-US" sz="1400" dirty="0"/>
                   <a:t>FNR: False negative rate</a:t>
                 </a:r>
-                <a:endParaRPr lang="en-US" sz="1400" dirty="0"/>
               </a:p>
               <a:p>
                 <a:r>
-                  <a:rPr lang="en-US" sz="1400" dirty="0" err="1" smtClean="0"/>
+                  <a:rPr lang="en-US" sz="1400" dirty="0" err="1"/>
                   <a:t>num</a:t>
                 </a:r>
                 <a:r>
@@ -25676,7 +25368,7 @@
             </p:txBody>
           </p:sp>
         </mc:Choice>
-        <mc:Fallback>
+        <mc:Fallback xmlns="">
           <p:sp>
             <p:nvSpPr>
               <p:cNvPr id="10" name="TextBox 9"/>
@@ -25748,7 +25440,7 @@
           <p:cNvPr id="9" name="Rectangle 8">
             <a:extLst>
               <a:ext uri="{FF2B5EF4-FFF2-40B4-BE49-F238E27FC236}">
-                <a16:creationId xmlns:a16="http://schemas.microsoft.com/office/drawing/2014/main" xmlns="" id="{CA8A3337-10D4-4CF8-ADB4-3378E5DF373A}"/>
+                <a16:creationId xmlns:a16="http://schemas.microsoft.com/office/drawing/2014/main" id="{CA8A3337-10D4-4CF8-ADB4-3378E5DF373A}"/>
               </a:ext>
             </a:extLst>
           </p:cNvPr>
@@ -25795,7 +25487,7 @@
           <p:cNvPr id="12" name="Rectangle 11">
             <a:extLst>
               <a:ext uri="{FF2B5EF4-FFF2-40B4-BE49-F238E27FC236}">
-                <a16:creationId xmlns:a16="http://schemas.microsoft.com/office/drawing/2014/main" xmlns="" id="{A2F9BE81-41C9-43E8-A213-03CBFB48583A}"/>
+                <a16:creationId xmlns:a16="http://schemas.microsoft.com/office/drawing/2014/main" id="{A2F9BE81-41C9-43E8-A213-03CBFB48583A}"/>
               </a:ext>
             </a:extLst>
           </p:cNvPr>
@@ -25847,17 +25539,161 @@
   <p:clrMapOvr>
     <a:masterClrMapping/>
   </p:clrMapOvr>
-  <p:timing>
-    <p:tnLst>
-      <p:par>
-        <p:cTn id="1" dur="indefinite" restart="never" nodeType="tmRoot"/>
-      </p:par>
-    </p:tnLst>
-  </p:timing>
 </p:sld>
 </file>
 
-<file path=ppt/slides/slide31.xml><?xml version="1.0" encoding="utf-8"?>
+<file path=ppt/slides/slide3.xml><?xml version="1.0" encoding="utf-8"?>
+<p:sld xmlns:a="http://schemas.openxmlformats.org/drawingml/2006/main" xmlns:r="http://schemas.openxmlformats.org/officeDocument/2006/relationships" xmlns:p="http://schemas.openxmlformats.org/presentationml/2006/main">
+  <p:cSld>
+    <p:spTree>
+      <p:nvGrpSpPr>
+        <p:cNvPr id="1" name=""/>
+        <p:cNvGrpSpPr/>
+        <p:nvPr/>
+      </p:nvGrpSpPr>
+      <p:grpSpPr>
+        <a:xfrm>
+          <a:off x="0" y="0"/>
+          <a:ext cx="0" cy="0"/>
+          <a:chOff x="0" y="0"/>
+          <a:chExt cx="0" cy="0"/>
+        </a:xfrm>
+      </p:grpSpPr>
+      <p:sp>
+        <p:nvSpPr>
+          <p:cNvPr id="2" name="Title 1">
+            <a:extLst>
+              <a:ext uri="{FF2B5EF4-FFF2-40B4-BE49-F238E27FC236}">
+                <a16:creationId xmlns:a16="http://schemas.microsoft.com/office/drawing/2014/main" id="{17A8BB3D-2D35-4F66-AFB4-2A9AE7681862}"/>
+              </a:ext>
+            </a:extLst>
+          </p:cNvPr>
+          <p:cNvSpPr>
+            <a:spLocks noGrp="1"/>
+          </p:cNvSpPr>
+          <p:nvPr>
+            <p:ph type="title"/>
+          </p:nvPr>
+        </p:nvSpPr>
+        <p:spPr>
+          <a:xfrm>
+            <a:off x="2411760" y="1563638"/>
+            <a:ext cx="4608512" cy="1460158"/>
+          </a:xfrm>
+        </p:spPr>
+        <p:txBody>
+          <a:bodyPr/>
+          <a:lstStyle/>
+          <a:p>
+            <a:pPr algn="ctr"/>
+            <a:r>
+              <a:rPr lang="en-US" dirty="0"/>
+              <a:t>Background</a:t>
+            </a:r>
+          </a:p>
+        </p:txBody>
+      </p:sp>
+      <p:sp>
+        <p:nvSpPr>
+          <p:cNvPr id="3" name="Footer Placeholder 2">
+            <a:extLst>
+              <a:ext uri="{FF2B5EF4-FFF2-40B4-BE49-F238E27FC236}">
+                <a16:creationId xmlns:a16="http://schemas.microsoft.com/office/drawing/2014/main" id="{11862E8A-91FD-4C41-A192-DB3D27D88824}"/>
+              </a:ext>
+            </a:extLst>
+          </p:cNvPr>
+          <p:cNvSpPr>
+            <a:spLocks noGrp="1"/>
+          </p:cNvSpPr>
+          <p:nvPr>
+            <p:ph type="ftr" sz="quarter" idx="11"/>
+          </p:nvPr>
+        </p:nvSpPr>
+        <p:spPr/>
+        <p:txBody>
+          <a:bodyPr/>
+          <a:lstStyle/>
+          <a:p>
+            <a:r>
+              <a:rPr lang="ja-JP" altLang="en-US" dirty="0"/>
+              <a:t>｜</a:t>
+            </a:r>
+            <a:r>
+              <a:rPr lang="en-US" altLang="ja-JP" dirty="0"/>
+              <a:t>0000</a:t>
+            </a:r>
+            <a:r>
+              <a:rPr lang="ja-JP" altLang="en-US" dirty="0"/>
+              <a:t>　</a:t>
+            </a:r>
+            <a:r>
+              <a:rPr lang="en-US" altLang="ja-JP" dirty="0"/>
+              <a:t>|</a:t>
+            </a:r>
+            <a:r>
+              <a:rPr lang="ja-JP" altLang="en-US" dirty="0"/>
+              <a:t>　　</a:t>
+            </a:r>
+            <a:r>
+              <a:rPr lang="en-US" altLang="ja-JP" dirty="0"/>
+              <a:t> Aug 24</a:t>
+            </a:r>
+            <a:r>
+              <a:rPr lang="en-US" altLang="ja-JP" baseline="30000" dirty="0"/>
+              <a:t>th</a:t>
+            </a:r>
+            <a:r>
+              <a:rPr lang="en-US" altLang="ja-JP" dirty="0"/>
+              <a:t> 2018</a:t>
+            </a:r>
+            <a:endParaRPr lang="ja-JP" altLang="en-US" dirty="0"/>
+          </a:p>
+        </p:txBody>
+      </p:sp>
+      <p:sp>
+        <p:nvSpPr>
+          <p:cNvPr id="4" name="Slide Number Placeholder 3">
+            <a:extLst>
+              <a:ext uri="{FF2B5EF4-FFF2-40B4-BE49-F238E27FC236}">
+                <a16:creationId xmlns:a16="http://schemas.microsoft.com/office/drawing/2014/main" id="{9DA5ED20-07EE-4130-97A2-FC2FBDDF57B9}"/>
+              </a:ext>
+            </a:extLst>
+          </p:cNvPr>
+          <p:cNvSpPr>
+            <a:spLocks noGrp="1"/>
+          </p:cNvSpPr>
+          <p:nvPr>
+            <p:ph type="sldNum" sz="quarter" idx="12"/>
+          </p:nvPr>
+        </p:nvSpPr>
+        <p:spPr/>
+        <p:txBody>
+          <a:bodyPr/>
+          <a:lstStyle/>
+          <a:p>
+            <a:fld id="{E9B57936-92EF-4126-AE48-1D9D36D15E98}" type="slidenum">
+              <a:rPr kumimoji="1" lang="ja-JP" altLang="en-US" smtClean="0"/>
+              <a:pPr/>
+              <a:t>2</a:t>
+            </a:fld>
+            <a:endParaRPr kumimoji="1" lang="ja-JP" altLang="en-US"/>
+          </a:p>
+        </p:txBody>
+      </p:sp>
+    </p:spTree>
+    <p:extLst>
+      <p:ext uri="{BB962C8B-B14F-4D97-AF65-F5344CB8AC3E}">
+        <p14:creationId xmlns:p14="http://schemas.microsoft.com/office/powerpoint/2010/main" val="2222939239"/>
+      </p:ext>
+    </p:extLst>
+  </p:cSld>
+  <p:clrMapOvr>
+    <a:masterClrMapping/>
+  </p:clrMapOvr>
+</p:sld>
+</file>
+
+<file path=ppt/slides/slide30.xml><?xml version="1.0" encoding="utf-8"?>
 <p:sld xmlns:a="http://schemas.openxmlformats.org/drawingml/2006/main" xmlns:r="http://schemas.openxmlformats.org/officeDocument/2006/relationships" xmlns:p="http://schemas.openxmlformats.org/presentationml/2006/main">
   <p:cSld>
     <p:spTree>
@@ -25965,14 +25801,14 @@
             <a:fld id="{E9B57936-92EF-4126-AE48-1D9D36D15E98}" type="slidenum">
               <a:rPr kumimoji="1" lang="ja-JP" altLang="en-US" smtClean="0"/>
               <a:pPr/>
-              <a:t>30</a:t>
+              <a:t>29</a:t>
             </a:fld>
             <a:endParaRPr kumimoji="1" lang="ja-JP" altLang="en-US" dirty="0"/>
           </a:p>
         </p:txBody>
       </p:sp>
-      <mc:AlternateContent xmlns:mc="http://schemas.openxmlformats.org/markup-compatibility/2006">
-        <mc:Choice xmlns:a14="http://schemas.microsoft.com/office/drawing/2010/main" Requires="a14">
+      <mc:AlternateContent xmlns:mc="http://schemas.openxmlformats.org/markup-compatibility/2006" xmlns:a14="http://schemas.microsoft.com/office/drawing/2010/main">
+        <mc:Choice Requires="a14">
           <p:sp>
             <p:nvSpPr>
               <p:cNvPr id="11" name="TextBox 10"/>
@@ -26005,7 +25841,7 @@
                       <m:sSubPr>
                         <m:ctrlPr>
                           <a:rPr lang="en-US" sz="1400" b="0" i="1" dirty="0" smtClean="0">
-                            <a:latin typeface="Cambria Math" charset="0"/>
+                            <a:latin typeface="Cambria Math" panose="02040503050406030204" pitchFamily="18" charset="0"/>
                           </a:rPr>
                         </m:ctrlPr>
                       </m:sSubPr>
@@ -26016,7 +25852,7 @@
                             <m:endChr m:val="|"/>
                             <m:ctrlPr>
                               <a:rPr lang="en-US" sz="1400" b="0" i="1" smtClean="0">
-                                <a:latin typeface="Cambria Math" charset="0"/>
+                                <a:latin typeface="Cambria Math" panose="02040503050406030204" pitchFamily="18" charset="0"/>
                               </a:rPr>
                             </m:ctrlPr>
                           </m:dPr>
@@ -26026,7 +25862,7 @@
                                 <m:chr m:val="̂"/>
                                 <m:ctrlPr>
                                   <a:rPr lang="en-US" sz="1400" b="0" i="1" smtClean="0">
-                                    <a:latin typeface="Cambria Math" charset="0"/>
+                                    <a:latin typeface="Cambria Math" panose="02040503050406030204" pitchFamily="18" charset="0"/>
                                   </a:rPr>
                                 </m:ctrlPr>
                               </m:accPr>
@@ -26081,7 +25917,7 @@
                       <m:sSubPr>
                         <m:ctrlPr>
                           <a:rPr lang="en-US" sz="1400" i="1" dirty="0">
-                            <a:latin typeface="Cambria Math" charset="0"/>
+                            <a:latin typeface="Cambria Math" panose="02040503050406030204" pitchFamily="18" charset="0"/>
                           </a:rPr>
                         </m:ctrlPr>
                       </m:sSubPr>
@@ -26092,7 +25928,7 @@
                             <m:endChr m:val="|"/>
                             <m:ctrlPr>
                               <a:rPr lang="en-US" sz="1400" i="1">
-                                <a:latin typeface="Cambria Math" charset="0"/>
+                                <a:latin typeface="Cambria Math" panose="02040503050406030204" pitchFamily="18" charset="0"/>
                               </a:rPr>
                             </m:ctrlPr>
                           </m:dPr>
@@ -26102,7 +25938,7 @@
                                 <m:chr m:val="̂"/>
                                 <m:ctrlPr>
                                   <a:rPr lang="en-US" sz="1400" i="1">
-                                    <a:latin typeface="Cambria Math" charset="0"/>
+                                    <a:latin typeface="Cambria Math" panose="02040503050406030204" pitchFamily="18" charset="0"/>
                                   </a:rPr>
                                 </m:ctrlPr>
                               </m:accPr>
@@ -26154,32 +25990,19 @@
               </a:p>
               <a:p>
                 <a:r>
-                  <a:rPr lang="en-US" sz="1400" dirty="0" smtClean="0"/>
-                  <a:t>PPV</a:t>
-                </a:r>
-                <a:r>
-                  <a:rPr lang="en-US" sz="1400" dirty="0" smtClean="0"/>
-                  <a:t>: Positive </a:t>
-                </a:r>
-                <a:r>
                   <a:rPr lang="en-US" sz="1400" dirty="0"/>
-                  <a:t>p</a:t>
-                </a:r>
-                <a:r>
-                  <a:rPr lang="en-US" sz="1400" dirty="0" smtClean="0"/>
-                  <a:t>redictive value (Precision)</a:t>
+                  <a:t>PPV: Positive predictive value (Precision)</a:t>
                 </a:r>
               </a:p>
               <a:p>
                 <a:r>
-                  <a:rPr lang="en-US" sz="1400" dirty="0" smtClean="0"/>
+                  <a:rPr lang="en-US" sz="1400" dirty="0"/>
                   <a:t>FNR: False negative rate</a:t>
                 </a:r>
-                <a:endParaRPr lang="en-US" sz="1400" dirty="0"/>
               </a:p>
               <a:p>
                 <a:r>
-                  <a:rPr lang="en-US" sz="1400" dirty="0" err="1" smtClean="0"/>
+                  <a:rPr lang="en-US" sz="1400" dirty="0" err="1"/>
                   <a:t>num</a:t>
                 </a:r>
                 <a:r>
@@ -26190,7 +26013,7 @@
             </p:txBody>
           </p:sp>
         </mc:Choice>
-        <mc:Fallback>
+        <mc:Fallback xmlns="">
           <p:sp>
             <p:nvSpPr>
               <p:cNvPr id="11" name="TextBox 10"/>
@@ -26303,7 +26126,7 @@
           <p:cNvPr id="13" name="Rectangle 12">
             <a:extLst>
               <a:ext uri="{FF2B5EF4-FFF2-40B4-BE49-F238E27FC236}">
-                <a16:creationId xmlns:a16="http://schemas.microsoft.com/office/drawing/2014/main" xmlns="" id="{8114FE8F-961E-4C29-B2CD-1844293990B9}"/>
+                <a16:creationId xmlns:a16="http://schemas.microsoft.com/office/drawing/2014/main" id="{8114FE8F-961E-4C29-B2CD-1844293990B9}"/>
               </a:ext>
             </a:extLst>
           </p:cNvPr>
@@ -26391,7 +26214,7 @@
           <p:cNvPr id="14" name="Rectangle 13">
             <a:extLst>
               <a:ext uri="{FF2B5EF4-FFF2-40B4-BE49-F238E27FC236}">
-                <a16:creationId xmlns:a16="http://schemas.microsoft.com/office/drawing/2014/main" xmlns="" id="{1FE0BEFA-FE06-4EE0-AD96-860556373828}"/>
+                <a16:creationId xmlns:a16="http://schemas.microsoft.com/office/drawing/2014/main" id="{1FE0BEFA-FE06-4EE0-AD96-860556373828}"/>
               </a:ext>
             </a:extLst>
           </p:cNvPr>
@@ -26443,17 +26266,10 @@
   <p:clrMapOvr>
     <a:masterClrMapping/>
   </p:clrMapOvr>
-  <p:timing>
-    <p:tnLst>
-      <p:par>
-        <p:cTn id="1" dur="indefinite" restart="never" nodeType="tmRoot"/>
-      </p:par>
-    </p:tnLst>
-  </p:timing>
 </p:sld>
 </file>
 
-<file path=ppt/slides/slide32.xml><?xml version="1.0" encoding="utf-8"?>
+<file path=ppt/slides/slide31.xml><?xml version="1.0" encoding="utf-8"?>
 <p:sld xmlns:a="http://schemas.openxmlformats.org/drawingml/2006/main" xmlns:r="http://schemas.openxmlformats.org/officeDocument/2006/relationships" xmlns:p="http://schemas.openxmlformats.org/presentationml/2006/main">
   <p:cSld>
     <p:spTree>
@@ -26561,14 +26377,14 @@
             <a:fld id="{E9B57936-92EF-4126-AE48-1D9D36D15E98}" type="slidenum">
               <a:rPr kumimoji="1" lang="ja-JP" altLang="en-US" smtClean="0"/>
               <a:pPr/>
-              <a:t>31</a:t>
+              <a:t>30</a:t>
             </a:fld>
             <a:endParaRPr kumimoji="1" lang="ja-JP" altLang="en-US" dirty="0"/>
           </a:p>
         </p:txBody>
       </p:sp>
-      <mc:AlternateContent xmlns:mc="http://schemas.openxmlformats.org/markup-compatibility/2006">
-        <mc:Choice xmlns:a14="http://schemas.microsoft.com/office/drawing/2010/main" Requires="a14">
+      <mc:AlternateContent xmlns:mc="http://schemas.openxmlformats.org/markup-compatibility/2006" xmlns:a14="http://schemas.microsoft.com/office/drawing/2010/main">
+        <mc:Choice Requires="a14">
           <p:sp>
             <p:nvSpPr>
               <p:cNvPr id="11" name="TextBox 10"/>
@@ -26601,7 +26417,7 @@
                       <m:sSubPr>
                         <m:ctrlPr>
                           <a:rPr lang="en-US" sz="1400" b="0" i="1" dirty="0" smtClean="0">
-                            <a:latin typeface="Cambria Math" charset="0"/>
+                            <a:latin typeface="Cambria Math" panose="02040503050406030204" pitchFamily="18" charset="0"/>
                           </a:rPr>
                         </m:ctrlPr>
                       </m:sSubPr>
@@ -26612,7 +26428,7 @@
                             <m:endChr m:val="|"/>
                             <m:ctrlPr>
                               <a:rPr lang="en-US" sz="1400" b="0" i="1" smtClean="0">
-                                <a:latin typeface="Cambria Math" charset="0"/>
+                                <a:latin typeface="Cambria Math" panose="02040503050406030204" pitchFamily="18" charset="0"/>
                               </a:rPr>
                             </m:ctrlPr>
                           </m:dPr>
@@ -26622,7 +26438,7 @@
                                 <m:chr m:val="̂"/>
                                 <m:ctrlPr>
                                   <a:rPr lang="en-US" sz="1400" b="0" i="1" smtClean="0">
-                                    <a:latin typeface="Cambria Math" charset="0"/>
+                                    <a:latin typeface="Cambria Math" panose="02040503050406030204" pitchFamily="18" charset="0"/>
                                   </a:rPr>
                                 </m:ctrlPr>
                               </m:accPr>
@@ -26677,7 +26493,7 @@
                       <m:sSubPr>
                         <m:ctrlPr>
                           <a:rPr lang="en-US" sz="1400" i="1" dirty="0">
-                            <a:latin typeface="Cambria Math" charset="0"/>
+                            <a:latin typeface="Cambria Math" panose="02040503050406030204" pitchFamily="18" charset="0"/>
                           </a:rPr>
                         </m:ctrlPr>
                       </m:sSubPr>
@@ -26688,7 +26504,7 @@
                             <m:endChr m:val="|"/>
                             <m:ctrlPr>
                               <a:rPr lang="en-US" sz="1400" i="1">
-                                <a:latin typeface="Cambria Math" charset="0"/>
+                                <a:latin typeface="Cambria Math" panose="02040503050406030204" pitchFamily="18" charset="0"/>
                               </a:rPr>
                             </m:ctrlPr>
                           </m:dPr>
@@ -26698,7 +26514,7 @@
                                 <m:chr m:val="̂"/>
                                 <m:ctrlPr>
                                   <a:rPr lang="en-US" sz="1400" i="1">
-                                    <a:latin typeface="Cambria Math" charset="0"/>
+                                    <a:latin typeface="Cambria Math" panose="02040503050406030204" pitchFamily="18" charset="0"/>
                                   </a:rPr>
                                 </m:ctrlPr>
                               </m:accPr>
@@ -26750,32 +26566,19 @@
               </a:p>
               <a:p>
                 <a:r>
-                  <a:rPr lang="en-US" sz="1400" dirty="0" smtClean="0"/>
-                  <a:t>PPV</a:t>
-                </a:r>
-                <a:r>
-                  <a:rPr lang="en-US" sz="1400" dirty="0" smtClean="0"/>
-                  <a:t>: Positive </a:t>
-                </a:r>
-                <a:r>
                   <a:rPr lang="en-US" sz="1400" dirty="0"/>
-                  <a:t>p</a:t>
-                </a:r>
-                <a:r>
-                  <a:rPr lang="en-US" sz="1400" dirty="0" smtClean="0"/>
-                  <a:t>redictive value (Precision)</a:t>
+                  <a:t>PPV: Positive predictive value (Precision)</a:t>
                 </a:r>
               </a:p>
               <a:p>
                 <a:r>
-                  <a:rPr lang="en-US" sz="1400" dirty="0" smtClean="0"/>
+                  <a:rPr lang="en-US" sz="1400" dirty="0"/>
                   <a:t>FNR: False negative rate</a:t>
                 </a:r>
-                <a:endParaRPr lang="en-US" sz="1400" dirty="0"/>
               </a:p>
               <a:p>
                 <a:r>
-                  <a:rPr lang="en-US" sz="1400" dirty="0" err="1" smtClean="0"/>
+                  <a:rPr lang="en-US" sz="1400" dirty="0" err="1"/>
                   <a:t>num</a:t>
                 </a:r>
                 <a:r>
@@ -26786,7 +26589,7 @@
             </p:txBody>
           </p:sp>
         </mc:Choice>
-        <mc:Fallback>
+        <mc:Fallback xmlns="">
           <p:sp>
             <p:nvSpPr>
               <p:cNvPr id="11" name="TextBox 10"/>
@@ -26945,17 +26748,10 @@
   <p:clrMapOvr>
     <a:masterClrMapping/>
   </p:clrMapOvr>
-  <p:timing>
-    <p:tnLst>
-      <p:par>
-        <p:cTn id="1" dur="indefinite" restart="never" nodeType="tmRoot"/>
-      </p:par>
-    </p:tnLst>
-  </p:timing>
 </p:sld>
 </file>
 
-<file path=ppt/slides/slide33.xml><?xml version="1.0" encoding="utf-8"?>
+<file path=ppt/slides/slide32.xml><?xml version="1.0" encoding="utf-8"?>
 <p:sld xmlns:a="http://schemas.openxmlformats.org/drawingml/2006/main" xmlns:r="http://schemas.openxmlformats.org/officeDocument/2006/relationships" xmlns:p="http://schemas.openxmlformats.org/presentationml/2006/main">
   <p:cSld>
     <p:spTree>
@@ -26977,7 +26773,7 @@
           <p:cNvPr id="2" name="Title 1">
             <a:extLst>
               <a:ext uri="{FF2B5EF4-FFF2-40B4-BE49-F238E27FC236}">
-                <a16:creationId xmlns:a16="http://schemas.microsoft.com/office/drawing/2014/main" xmlns="" id="{19E28F1D-2CEE-4D0C-9C12-79C3E322FCCF}"/>
+                <a16:creationId xmlns:a16="http://schemas.microsoft.com/office/drawing/2014/main" id="{19E28F1D-2CEE-4D0C-9C12-79C3E322FCCF}"/>
               </a:ext>
             </a:extLst>
           </p:cNvPr>
@@ -27002,7 +26798,7 @@
           <p:cNvPr id="10" name="Content Placeholder 9" descr="A screenshot of a cell phone&#10;&#10;Description generated with very high confidence">
             <a:extLst>
               <a:ext uri="{FF2B5EF4-FFF2-40B4-BE49-F238E27FC236}">
-                <a16:creationId xmlns:a16="http://schemas.microsoft.com/office/drawing/2014/main" xmlns="" id="{2B233C52-ECE6-43A8-80A4-1203621CFB3A}"/>
+                <a16:creationId xmlns:a16="http://schemas.microsoft.com/office/drawing/2014/main" id="{2B233C52-ECE6-43A8-80A4-1203621CFB3A}"/>
               </a:ext>
             </a:extLst>
           </p:cNvPr>
@@ -27037,7 +26833,7 @@
           <p:cNvPr id="5" name="Footer Placeholder 4">
             <a:extLst>
               <a:ext uri="{FF2B5EF4-FFF2-40B4-BE49-F238E27FC236}">
-                <a16:creationId xmlns:a16="http://schemas.microsoft.com/office/drawing/2014/main" xmlns="" id="{98A8EAAB-B8F1-4C7A-8EFA-4C4AE42E4793}"/>
+                <a16:creationId xmlns:a16="http://schemas.microsoft.com/office/drawing/2014/main" id="{98A8EAAB-B8F1-4C7A-8EFA-4C4AE42E4793}"/>
               </a:ext>
             </a:extLst>
           </p:cNvPr>
@@ -27086,7 +26882,7 @@
           <p:cNvPr id="6" name="Slide Number Placeholder 5">
             <a:extLst>
               <a:ext uri="{FF2B5EF4-FFF2-40B4-BE49-F238E27FC236}">
-                <a16:creationId xmlns:a16="http://schemas.microsoft.com/office/drawing/2014/main" xmlns="" id="{B4A2C4F5-7BB0-4C8A-A2CA-E19045686A05}"/>
+                <a16:creationId xmlns:a16="http://schemas.microsoft.com/office/drawing/2014/main" id="{B4A2C4F5-7BB0-4C8A-A2CA-E19045686A05}"/>
               </a:ext>
             </a:extLst>
           </p:cNvPr>
@@ -27105,7 +26901,7 @@
             <a:fld id="{E9B57936-92EF-4126-AE48-1D9D36D15E98}" type="slidenum">
               <a:rPr kumimoji="1" lang="ja-JP" altLang="en-US" smtClean="0"/>
               <a:pPr/>
-              <a:t>32</a:t>
+              <a:t>31</a:t>
             </a:fld>
             <a:endParaRPr kumimoji="1" lang="ja-JP" altLang="en-US"/>
           </a:p>
@@ -27236,7 +27032,7 @@
 </p:sld>
 </file>
 
-<file path=ppt/slides/slide34.xml><?xml version="1.0" encoding="utf-8"?>
+<file path=ppt/slides/slide33.xml><?xml version="1.0" encoding="utf-8"?>
 <p:sld xmlns:a="http://schemas.openxmlformats.org/drawingml/2006/main" xmlns:r="http://schemas.openxmlformats.org/officeDocument/2006/relationships" xmlns:p="http://schemas.openxmlformats.org/presentationml/2006/main">
   <p:cSld>
     <p:spTree>
@@ -27258,7 +27054,7 @@
           <p:cNvPr id="2" name="Title 1">
             <a:extLst>
               <a:ext uri="{FF2B5EF4-FFF2-40B4-BE49-F238E27FC236}">
-                <a16:creationId xmlns:a16="http://schemas.microsoft.com/office/drawing/2014/main" xmlns="" id="{A979FDCD-3ACE-40C2-9527-F2D1D1862B17}"/>
+                <a16:creationId xmlns:a16="http://schemas.microsoft.com/office/drawing/2014/main" id="{A979FDCD-3ACE-40C2-9527-F2D1D1862B17}"/>
               </a:ext>
             </a:extLst>
           </p:cNvPr>
@@ -27283,7 +27079,7 @@
           <p:cNvPr id="8" name="Content Placeholder 7" descr="A screenshot of a cell phone&#10;&#10;Description generated with very high confidence">
             <a:extLst>
               <a:ext uri="{FF2B5EF4-FFF2-40B4-BE49-F238E27FC236}">
-                <a16:creationId xmlns:a16="http://schemas.microsoft.com/office/drawing/2014/main" xmlns="" id="{75774F44-B24D-4739-8B79-EC0A29A3AB90}"/>
+                <a16:creationId xmlns:a16="http://schemas.microsoft.com/office/drawing/2014/main" id="{75774F44-B24D-4739-8B79-EC0A29A3AB90}"/>
               </a:ext>
             </a:extLst>
           </p:cNvPr>
@@ -27318,7 +27114,7 @@
           <p:cNvPr id="4" name="Content Placeholder 3">
             <a:extLst>
               <a:ext uri="{FF2B5EF4-FFF2-40B4-BE49-F238E27FC236}">
-                <a16:creationId xmlns:a16="http://schemas.microsoft.com/office/drawing/2014/main" xmlns="" id="{D880D59D-B966-4D03-9A27-2F273A7970B7}"/>
+                <a16:creationId xmlns:a16="http://schemas.microsoft.com/office/drawing/2014/main" id="{D880D59D-B966-4D03-9A27-2F273A7970B7}"/>
               </a:ext>
             </a:extLst>
           </p:cNvPr>
@@ -27337,39 +27133,33 @@
           <a:lstStyle/>
           <a:p>
             <a:r>
-              <a:rPr lang="en-US" dirty="0" smtClean="0"/>
+              <a:rPr lang="en-US" dirty="0"/>
               <a:t>Group Lasso has the highest precision.</a:t>
             </a:r>
           </a:p>
           <a:p>
             <a:r>
-              <a:rPr lang="en-US" dirty="0" smtClean="0"/>
+              <a:rPr lang="en-US" dirty="0"/>
               <a:t>Precision decreases as proportion of nonzero biomarkers increasing.</a:t>
             </a:r>
           </a:p>
           <a:p>
             <a:r>
               <a:rPr lang="en-US" dirty="0"/>
-              <a:t>Group Lasso has an relative low FNR</a:t>
-            </a:r>
-            <a:r>
-              <a:rPr lang="en-US" dirty="0" smtClean="0"/>
-              <a:t>.</a:t>
-            </a:r>
-            <a:endParaRPr lang="en-US" dirty="0" smtClean="0"/>
+              <a:t>Group Lasso has an relative low FNR.</a:t>
+            </a:r>
           </a:p>
           <a:p>
             <a:r>
-              <a:rPr lang="en-US" dirty="0" smtClean="0"/>
+              <a:rPr lang="en-US" dirty="0"/>
               <a:t>Group Lasso underestimated model size for predictive biomarkers.</a:t>
             </a:r>
           </a:p>
           <a:p>
             <a:r>
-              <a:rPr lang="en-US" dirty="0" smtClean="0"/>
+              <a:rPr lang="en-US" dirty="0"/>
               <a:t>Currently developing new stop criterion to reduce FNR.</a:t>
             </a:r>
-            <a:endParaRPr lang="en-US" dirty="0"/>
           </a:p>
         </p:txBody>
       </p:sp>
@@ -27378,7 +27168,7 @@
           <p:cNvPr id="5" name="Footer Placeholder 4">
             <a:extLst>
               <a:ext uri="{FF2B5EF4-FFF2-40B4-BE49-F238E27FC236}">
-                <a16:creationId xmlns:a16="http://schemas.microsoft.com/office/drawing/2014/main" xmlns="" id="{527A8496-2167-4D9D-A7F1-E07F56501D63}"/>
+                <a16:creationId xmlns:a16="http://schemas.microsoft.com/office/drawing/2014/main" id="{527A8496-2167-4D9D-A7F1-E07F56501D63}"/>
               </a:ext>
             </a:extLst>
           </p:cNvPr>
@@ -27427,7 +27217,7 @@
           <p:cNvPr id="6" name="Slide Number Placeholder 5">
             <a:extLst>
               <a:ext uri="{FF2B5EF4-FFF2-40B4-BE49-F238E27FC236}">
-                <a16:creationId xmlns:a16="http://schemas.microsoft.com/office/drawing/2014/main" xmlns="" id="{0D883F77-16A4-4D6A-864F-5E7655260333}"/>
+                <a16:creationId xmlns:a16="http://schemas.microsoft.com/office/drawing/2014/main" id="{0D883F77-16A4-4D6A-864F-5E7655260333}"/>
               </a:ext>
             </a:extLst>
           </p:cNvPr>
@@ -27446,7 +27236,7 @@
             <a:fld id="{E9B57936-92EF-4126-AE48-1D9D36D15E98}" type="slidenum">
               <a:rPr kumimoji="1" lang="ja-JP" altLang="en-US" smtClean="0"/>
               <a:pPr/>
-              <a:t>33</a:t>
+              <a:t>32</a:t>
             </a:fld>
             <a:endParaRPr kumimoji="1" lang="ja-JP" altLang="en-US"/>
           </a:p>
@@ -27800,7 +27590,7 @@
 </p:sld>
 </file>
 
-<file path=ppt/slides/slide35.xml><?xml version="1.0" encoding="utf-8"?>
+<file path=ppt/slides/slide34.xml><?xml version="1.0" encoding="utf-8"?>
 <p:sld xmlns:a="http://schemas.openxmlformats.org/drawingml/2006/main" xmlns:r="http://schemas.openxmlformats.org/officeDocument/2006/relationships" xmlns:p="http://schemas.openxmlformats.org/presentationml/2006/main">
   <p:cSld>
     <p:spTree>
@@ -27822,7 +27612,7 @@
           <p:cNvPr id="2" name="Title 1">
             <a:extLst>
               <a:ext uri="{FF2B5EF4-FFF2-40B4-BE49-F238E27FC236}">
-                <a16:creationId xmlns:a16="http://schemas.microsoft.com/office/drawing/2014/main" xmlns="" id="{17A8BB3D-2D35-4F66-AFB4-2A9AE7681862}"/>
+                <a16:creationId xmlns:a16="http://schemas.microsoft.com/office/drawing/2014/main" id="{17A8BB3D-2D35-4F66-AFB4-2A9AE7681862}"/>
               </a:ext>
             </a:extLst>
           </p:cNvPr>
@@ -27857,7 +27647,7 @@
           <p:cNvPr id="3" name="Footer Placeholder 2">
             <a:extLst>
               <a:ext uri="{FF2B5EF4-FFF2-40B4-BE49-F238E27FC236}">
-                <a16:creationId xmlns:a16="http://schemas.microsoft.com/office/drawing/2014/main" xmlns="" id="{11862E8A-91FD-4C41-A192-DB3D27D88824}"/>
+                <a16:creationId xmlns:a16="http://schemas.microsoft.com/office/drawing/2014/main" id="{11862E8A-91FD-4C41-A192-DB3D27D88824}"/>
               </a:ext>
             </a:extLst>
           </p:cNvPr>
@@ -27914,7 +27704,7 @@
           <p:cNvPr id="4" name="Slide Number Placeholder 3">
             <a:extLst>
               <a:ext uri="{FF2B5EF4-FFF2-40B4-BE49-F238E27FC236}">
-                <a16:creationId xmlns:a16="http://schemas.microsoft.com/office/drawing/2014/main" xmlns="" id="{9DA5ED20-07EE-4130-97A2-FC2FBDDF57B9}"/>
+                <a16:creationId xmlns:a16="http://schemas.microsoft.com/office/drawing/2014/main" id="{9DA5ED20-07EE-4130-97A2-FC2FBDDF57B9}"/>
               </a:ext>
             </a:extLst>
           </p:cNvPr>
@@ -27933,7 +27723,7 @@
             <a:fld id="{E9B57936-92EF-4126-AE48-1D9D36D15E98}" type="slidenum">
               <a:rPr kumimoji="1" lang="ja-JP" altLang="en-US" smtClean="0"/>
               <a:pPr/>
-              <a:t>34</a:t>
+              <a:t>33</a:t>
             </a:fld>
             <a:endParaRPr kumimoji="1" lang="ja-JP" altLang="en-US"/>
           </a:p>
@@ -27944,7 +27734,7 @@
           <p:cNvPr id="5" name="Title 1">
             <a:extLst>
               <a:ext uri="{FF2B5EF4-FFF2-40B4-BE49-F238E27FC236}">
-                <a16:creationId xmlns:a16="http://schemas.microsoft.com/office/drawing/2014/main" xmlns="" id="{E6713E70-2988-4A13-A834-849993E5E915}"/>
+                <a16:creationId xmlns:a16="http://schemas.microsoft.com/office/drawing/2014/main" id="{E6713E70-2988-4A13-A834-849993E5E915}"/>
               </a:ext>
             </a:extLst>
           </p:cNvPr>
@@ -28037,17 +27827,10 @@
   <p:clrMapOvr>
     <a:masterClrMapping/>
   </p:clrMapOvr>
-  <p:timing>
-    <p:tnLst>
-      <p:par>
-        <p:cTn id="1" dur="indefinite" restart="never" nodeType="tmRoot"/>
-      </p:par>
-    </p:tnLst>
-  </p:timing>
 </p:sld>
 </file>
 
-<file path=ppt/slides/slide36.xml><?xml version="1.0" encoding="utf-8"?>
+<file path=ppt/slides/slide35.xml><?xml version="1.0" encoding="utf-8"?>
 <p:sld xmlns:a="http://schemas.openxmlformats.org/drawingml/2006/main" xmlns:r="http://schemas.openxmlformats.org/officeDocument/2006/relationships" xmlns:p="http://schemas.openxmlformats.org/presentationml/2006/main">
   <p:cSld>
     <p:spTree>
@@ -28155,14 +27938,14 @@
             <a:fld id="{E9B57936-92EF-4126-AE48-1D9D36D15E98}" type="slidenum">
               <a:rPr kumimoji="1" lang="ja-JP" altLang="en-US" smtClean="0"/>
               <a:pPr/>
-              <a:t>35</a:t>
+              <a:t>34</a:t>
             </a:fld>
             <a:endParaRPr kumimoji="1" lang="ja-JP" altLang="en-US" dirty="0"/>
           </a:p>
         </p:txBody>
       </p:sp>
-      <mc:AlternateContent xmlns:mc="http://schemas.openxmlformats.org/markup-compatibility/2006">
-        <mc:Choice xmlns:a14="http://schemas.microsoft.com/office/drawing/2010/main" Requires="a14">
+      <mc:AlternateContent xmlns:mc="http://schemas.openxmlformats.org/markup-compatibility/2006" xmlns:a14="http://schemas.microsoft.com/office/drawing/2010/main">
+        <mc:Choice Requires="a14">
           <p:sp>
             <p:nvSpPr>
               <p:cNvPr id="11" name="TextBox 10"/>
@@ -28195,7 +27978,7 @@
                       <m:sSubPr>
                         <m:ctrlPr>
                           <a:rPr lang="en-US" sz="1400" b="0" i="1" dirty="0" smtClean="0">
-                            <a:latin typeface="Cambria Math" charset="0"/>
+                            <a:latin typeface="Cambria Math" panose="02040503050406030204" pitchFamily="18" charset="0"/>
                           </a:rPr>
                         </m:ctrlPr>
                       </m:sSubPr>
@@ -28206,7 +27989,7 @@
                             <m:endChr m:val="|"/>
                             <m:ctrlPr>
                               <a:rPr lang="en-US" sz="1400" b="0" i="1" smtClean="0">
-                                <a:latin typeface="Cambria Math" charset="0"/>
+                                <a:latin typeface="Cambria Math" panose="02040503050406030204" pitchFamily="18" charset="0"/>
                               </a:rPr>
                             </m:ctrlPr>
                           </m:dPr>
@@ -28216,7 +27999,7 @@
                                 <m:chr m:val="̂"/>
                                 <m:ctrlPr>
                                   <a:rPr lang="en-US" sz="1400" b="0" i="1" smtClean="0">
-                                    <a:latin typeface="Cambria Math" charset="0"/>
+                                    <a:latin typeface="Cambria Math" panose="02040503050406030204" pitchFamily="18" charset="0"/>
                                   </a:rPr>
                                 </m:ctrlPr>
                               </m:accPr>
@@ -28271,7 +28054,7 @@
                       <m:sSubPr>
                         <m:ctrlPr>
                           <a:rPr lang="en-US" sz="1400" i="1" dirty="0">
-                            <a:latin typeface="Cambria Math" charset="0"/>
+                            <a:latin typeface="Cambria Math" panose="02040503050406030204" pitchFamily="18" charset="0"/>
                           </a:rPr>
                         </m:ctrlPr>
                       </m:sSubPr>
@@ -28282,7 +28065,7 @@
                             <m:endChr m:val="|"/>
                             <m:ctrlPr>
                               <a:rPr lang="en-US" sz="1400" i="1">
-                                <a:latin typeface="Cambria Math" charset="0"/>
+                                <a:latin typeface="Cambria Math" panose="02040503050406030204" pitchFamily="18" charset="0"/>
                               </a:rPr>
                             </m:ctrlPr>
                           </m:dPr>
@@ -28292,7 +28075,7 @@
                                 <m:chr m:val="̂"/>
                                 <m:ctrlPr>
                                   <a:rPr lang="en-US" sz="1400" i="1">
-                                    <a:latin typeface="Cambria Math" charset="0"/>
+                                    <a:latin typeface="Cambria Math" panose="02040503050406030204" pitchFamily="18" charset="0"/>
                                   </a:rPr>
                                 </m:ctrlPr>
                               </m:accPr>
@@ -28344,32 +28127,19 @@
               </a:p>
               <a:p>
                 <a:r>
-                  <a:rPr lang="en-US" sz="1400" dirty="0" smtClean="0"/>
-                  <a:t>PPV</a:t>
-                </a:r>
-                <a:r>
-                  <a:rPr lang="en-US" sz="1400" dirty="0" smtClean="0"/>
-                  <a:t>: Positive </a:t>
-                </a:r>
-                <a:r>
                   <a:rPr lang="en-US" sz="1400" dirty="0"/>
-                  <a:t>p</a:t>
-                </a:r>
-                <a:r>
-                  <a:rPr lang="en-US" sz="1400" dirty="0" smtClean="0"/>
-                  <a:t>redictive value (Precision)</a:t>
+                  <a:t>PPV: Positive predictive value (Precision)</a:t>
                 </a:r>
               </a:p>
               <a:p>
                 <a:r>
-                  <a:rPr lang="en-US" sz="1400" dirty="0" smtClean="0"/>
+                  <a:rPr lang="en-US" sz="1400" dirty="0"/>
                   <a:t>FNR: False negative rate</a:t>
                 </a:r>
-                <a:endParaRPr lang="en-US" sz="1400" dirty="0"/>
               </a:p>
               <a:p>
                 <a:r>
-                  <a:rPr lang="en-US" sz="1400" dirty="0" err="1" smtClean="0"/>
+                  <a:rPr lang="en-US" sz="1400" dirty="0" err="1"/>
                   <a:t>num</a:t>
                 </a:r>
                 <a:r>
@@ -28380,7 +28150,7 @@
             </p:txBody>
           </p:sp>
         </mc:Choice>
-        <mc:Fallback>
+        <mc:Fallback xmlns="">
           <p:sp>
             <p:nvSpPr>
               <p:cNvPr id="11" name="TextBox 10"/>
@@ -28621,17 +28391,10 @@
   <p:clrMapOvr>
     <a:masterClrMapping/>
   </p:clrMapOvr>
-  <p:timing>
-    <p:tnLst>
-      <p:par>
-        <p:cTn id="1" dur="indefinite" restart="never" nodeType="tmRoot"/>
-      </p:par>
-    </p:tnLst>
-  </p:timing>
 </p:sld>
 </file>
 
-<file path=ppt/slides/slide37.xml><?xml version="1.0" encoding="utf-8"?>
+<file path=ppt/slides/slide36.xml><?xml version="1.0" encoding="utf-8"?>
 <p:sld xmlns:a="http://schemas.openxmlformats.org/drawingml/2006/main" xmlns:r="http://schemas.openxmlformats.org/officeDocument/2006/relationships" xmlns:p="http://schemas.openxmlformats.org/presentationml/2006/main">
   <p:cSld>
     <p:spTree>
@@ -28739,14 +28502,14 @@
             <a:fld id="{E9B57936-92EF-4126-AE48-1D9D36D15E98}" type="slidenum">
               <a:rPr kumimoji="1" lang="ja-JP" altLang="en-US" smtClean="0"/>
               <a:pPr/>
-              <a:t>36</a:t>
+              <a:t>35</a:t>
             </a:fld>
             <a:endParaRPr kumimoji="1" lang="ja-JP" altLang="en-US" dirty="0"/>
           </a:p>
         </p:txBody>
       </p:sp>
-      <mc:AlternateContent xmlns:mc="http://schemas.openxmlformats.org/markup-compatibility/2006">
-        <mc:Choice xmlns:a14="http://schemas.microsoft.com/office/drawing/2010/main" Requires="a14">
+      <mc:AlternateContent xmlns:mc="http://schemas.openxmlformats.org/markup-compatibility/2006" xmlns:a14="http://schemas.microsoft.com/office/drawing/2010/main">
+        <mc:Choice Requires="a14">
           <p:sp>
             <p:nvSpPr>
               <p:cNvPr id="8" name="TextBox 7"/>
@@ -28779,7 +28542,7 @@
                       <m:sSubPr>
                         <m:ctrlPr>
                           <a:rPr lang="en-US" sz="1400" b="0" i="1" dirty="0" smtClean="0">
-                            <a:latin typeface="Cambria Math" charset="0"/>
+                            <a:latin typeface="Cambria Math" panose="02040503050406030204" pitchFamily="18" charset="0"/>
                           </a:rPr>
                         </m:ctrlPr>
                       </m:sSubPr>
@@ -28790,7 +28553,7 @@
                             <m:endChr m:val="|"/>
                             <m:ctrlPr>
                               <a:rPr lang="en-US" sz="1400" b="0" i="1" smtClean="0">
-                                <a:latin typeface="Cambria Math" charset="0"/>
+                                <a:latin typeface="Cambria Math" panose="02040503050406030204" pitchFamily="18" charset="0"/>
                               </a:rPr>
                             </m:ctrlPr>
                           </m:dPr>
@@ -28800,7 +28563,7 @@
                                 <m:chr m:val="̂"/>
                                 <m:ctrlPr>
                                   <a:rPr lang="en-US" sz="1400" b="0" i="1" smtClean="0">
-                                    <a:latin typeface="Cambria Math" charset="0"/>
+                                    <a:latin typeface="Cambria Math" panose="02040503050406030204" pitchFamily="18" charset="0"/>
                                   </a:rPr>
                                 </m:ctrlPr>
                               </m:accPr>
@@ -28855,7 +28618,7 @@
                       <m:sSubPr>
                         <m:ctrlPr>
                           <a:rPr lang="en-US" sz="1400" i="1" dirty="0">
-                            <a:latin typeface="Cambria Math" charset="0"/>
+                            <a:latin typeface="Cambria Math" panose="02040503050406030204" pitchFamily="18" charset="0"/>
                           </a:rPr>
                         </m:ctrlPr>
                       </m:sSubPr>
@@ -28866,7 +28629,7 @@
                             <m:endChr m:val="|"/>
                             <m:ctrlPr>
                               <a:rPr lang="en-US" sz="1400" i="1">
-                                <a:latin typeface="Cambria Math" charset="0"/>
+                                <a:latin typeface="Cambria Math" panose="02040503050406030204" pitchFamily="18" charset="0"/>
                               </a:rPr>
                             </m:ctrlPr>
                           </m:dPr>
@@ -28876,7 +28639,7 @@
                                 <m:chr m:val="̂"/>
                                 <m:ctrlPr>
                                   <a:rPr lang="en-US" sz="1400" i="1">
-                                    <a:latin typeface="Cambria Math" charset="0"/>
+                                    <a:latin typeface="Cambria Math" panose="02040503050406030204" pitchFamily="18" charset="0"/>
                                   </a:rPr>
                                 </m:ctrlPr>
                               </m:accPr>
@@ -28928,32 +28691,19 @@
               </a:p>
               <a:p>
                 <a:r>
-                  <a:rPr lang="en-US" sz="1400" dirty="0" smtClean="0"/>
-                  <a:t>PPV</a:t>
-                </a:r>
-                <a:r>
-                  <a:rPr lang="en-US" sz="1400" dirty="0" smtClean="0"/>
-                  <a:t>: Positive </a:t>
-                </a:r>
-                <a:r>
                   <a:rPr lang="en-US" sz="1400" dirty="0"/>
-                  <a:t>p</a:t>
-                </a:r>
-                <a:r>
-                  <a:rPr lang="en-US" sz="1400" dirty="0" smtClean="0"/>
-                  <a:t>redictive value (Precision)</a:t>
+                  <a:t>PPV: Positive predictive value (Precision)</a:t>
                 </a:r>
               </a:p>
               <a:p>
                 <a:r>
-                  <a:rPr lang="en-US" sz="1400" dirty="0" smtClean="0"/>
+                  <a:rPr lang="en-US" sz="1400" dirty="0"/>
                   <a:t>FNR: False negative rate</a:t>
                 </a:r>
-                <a:endParaRPr lang="en-US" sz="1400" dirty="0"/>
               </a:p>
               <a:p>
                 <a:r>
-                  <a:rPr lang="en-US" sz="1400" dirty="0" err="1" smtClean="0"/>
+                  <a:rPr lang="en-US" sz="1400" dirty="0" err="1"/>
                   <a:t>num</a:t>
                 </a:r>
                 <a:r>
@@ -28964,7 +28714,7 @@
             </p:txBody>
           </p:sp>
         </mc:Choice>
-        <mc:Fallback>
+        <mc:Fallback xmlns="">
           <p:sp>
             <p:nvSpPr>
               <p:cNvPr id="8" name="TextBox 7"/>
@@ -29082,17 +28832,10 @@
   <p:clrMapOvr>
     <a:masterClrMapping/>
   </p:clrMapOvr>
-  <p:timing>
-    <p:tnLst>
-      <p:par>
-        <p:cTn id="1" dur="indefinite" restart="never" nodeType="tmRoot"/>
-      </p:par>
-    </p:tnLst>
-  </p:timing>
 </p:sld>
 </file>
 
-<file path=ppt/slides/slide38.xml><?xml version="1.0" encoding="utf-8"?>
+<file path=ppt/slides/slide37.xml><?xml version="1.0" encoding="utf-8"?>
 <p:sld xmlns:a="http://schemas.openxmlformats.org/drawingml/2006/main" xmlns:r="http://schemas.openxmlformats.org/officeDocument/2006/relationships" xmlns:p="http://schemas.openxmlformats.org/presentationml/2006/main">
   <p:cSld>
     <p:spTree>
@@ -29200,14 +28943,14 @@
             <a:fld id="{E9B57936-92EF-4126-AE48-1D9D36D15E98}" type="slidenum">
               <a:rPr kumimoji="1" lang="ja-JP" altLang="en-US" smtClean="0"/>
               <a:pPr/>
-              <a:t>37</a:t>
+              <a:t>36</a:t>
             </a:fld>
             <a:endParaRPr kumimoji="1" lang="ja-JP" altLang="en-US" dirty="0"/>
           </a:p>
         </p:txBody>
       </p:sp>
-      <mc:AlternateContent xmlns:mc="http://schemas.openxmlformats.org/markup-compatibility/2006">
-        <mc:Choice xmlns:a14="http://schemas.microsoft.com/office/drawing/2010/main" Requires="a14">
+      <mc:AlternateContent xmlns:mc="http://schemas.openxmlformats.org/markup-compatibility/2006" xmlns:a14="http://schemas.microsoft.com/office/drawing/2010/main">
+        <mc:Choice Requires="a14">
           <p:sp>
             <p:nvSpPr>
               <p:cNvPr id="8" name="TextBox 7"/>
@@ -29240,7 +28983,7 @@
                       <m:sSubPr>
                         <m:ctrlPr>
                           <a:rPr lang="en-US" sz="1400" b="0" i="1" dirty="0" smtClean="0">
-                            <a:latin typeface="Cambria Math" charset="0"/>
+                            <a:latin typeface="Cambria Math" panose="02040503050406030204" pitchFamily="18" charset="0"/>
                           </a:rPr>
                         </m:ctrlPr>
                       </m:sSubPr>
@@ -29251,7 +28994,7 @@
                             <m:endChr m:val="|"/>
                             <m:ctrlPr>
                               <a:rPr lang="en-US" sz="1400" b="0" i="1" smtClean="0">
-                                <a:latin typeface="Cambria Math" charset="0"/>
+                                <a:latin typeface="Cambria Math" panose="02040503050406030204" pitchFamily="18" charset="0"/>
                               </a:rPr>
                             </m:ctrlPr>
                           </m:dPr>
@@ -29261,7 +29004,7 @@
                                 <m:chr m:val="̂"/>
                                 <m:ctrlPr>
                                   <a:rPr lang="en-US" sz="1400" b="0" i="1" smtClean="0">
-                                    <a:latin typeface="Cambria Math" charset="0"/>
+                                    <a:latin typeface="Cambria Math" panose="02040503050406030204" pitchFamily="18" charset="0"/>
                                   </a:rPr>
                                 </m:ctrlPr>
                               </m:accPr>
@@ -29316,7 +29059,7 @@
                       <m:sSubPr>
                         <m:ctrlPr>
                           <a:rPr lang="en-US" sz="1400" i="1" dirty="0">
-                            <a:latin typeface="Cambria Math" charset="0"/>
+                            <a:latin typeface="Cambria Math" panose="02040503050406030204" pitchFamily="18" charset="0"/>
                           </a:rPr>
                         </m:ctrlPr>
                       </m:sSubPr>
@@ -29327,7 +29070,7 @@
                             <m:endChr m:val="|"/>
                             <m:ctrlPr>
                               <a:rPr lang="en-US" sz="1400" i="1">
-                                <a:latin typeface="Cambria Math" charset="0"/>
+                                <a:latin typeface="Cambria Math" panose="02040503050406030204" pitchFamily="18" charset="0"/>
                               </a:rPr>
                             </m:ctrlPr>
                           </m:dPr>
@@ -29337,7 +29080,7 @@
                                 <m:chr m:val="̂"/>
                                 <m:ctrlPr>
                                   <a:rPr lang="en-US" sz="1400" i="1">
-                                    <a:latin typeface="Cambria Math" charset="0"/>
+                                    <a:latin typeface="Cambria Math" panose="02040503050406030204" pitchFamily="18" charset="0"/>
                                   </a:rPr>
                                 </m:ctrlPr>
                               </m:accPr>
@@ -29389,32 +29132,19 @@
               </a:p>
               <a:p>
                 <a:r>
-                  <a:rPr lang="en-US" sz="1400" dirty="0" smtClean="0"/>
-                  <a:t>PPV</a:t>
-                </a:r>
-                <a:r>
-                  <a:rPr lang="en-US" sz="1400" dirty="0" smtClean="0"/>
-                  <a:t>: Positive </a:t>
-                </a:r>
-                <a:r>
                   <a:rPr lang="en-US" sz="1400" dirty="0"/>
-                  <a:t>p</a:t>
-                </a:r>
-                <a:r>
-                  <a:rPr lang="en-US" sz="1400" dirty="0" smtClean="0"/>
-                  <a:t>redictive value (Precision)</a:t>
+                  <a:t>PPV: Positive predictive value (Precision)</a:t>
                 </a:r>
               </a:p>
               <a:p>
                 <a:r>
-                  <a:rPr lang="en-US" sz="1400" dirty="0" smtClean="0"/>
+                  <a:rPr lang="en-US" sz="1400" dirty="0"/>
                   <a:t>FNR: False negative rate</a:t>
                 </a:r>
-                <a:endParaRPr lang="en-US" sz="1400" dirty="0"/>
               </a:p>
               <a:p>
                 <a:r>
-                  <a:rPr lang="en-US" sz="1400" dirty="0" err="1" smtClean="0"/>
+                  <a:rPr lang="en-US" sz="1400" dirty="0" err="1"/>
                   <a:t>num</a:t>
                 </a:r>
                 <a:r>
@@ -29425,7 +29155,7 @@
             </p:txBody>
           </p:sp>
         </mc:Choice>
-        <mc:Fallback>
+        <mc:Fallback xmlns="">
           <p:sp>
             <p:nvSpPr>
               <p:cNvPr id="8" name="TextBox 7"/>
@@ -29543,17 +29273,10 @@
   <p:clrMapOvr>
     <a:masterClrMapping/>
   </p:clrMapOvr>
-  <p:timing>
-    <p:tnLst>
-      <p:par>
-        <p:cTn id="1" dur="indefinite" restart="never" nodeType="tmRoot"/>
-      </p:par>
-    </p:tnLst>
-  </p:timing>
 </p:sld>
 </file>
 
-<file path=ppt/slides/slide39.xml><?xml version="1.0" encoding="utf-8"?>
+<file path=ppt/slides/slide38.xml><?xml version="1.0" encoding="utf-8"?>
 <p:sld xmlns:a="http://schemas.openxmlformats.org/drawingml/2006/main" xmlns:r="http://schemas.openxmlformats.org/officeDocument/2006/relationships" xmlns:p="http://schemas.openxmlformats.org/presentationml/2006/main">
   <p:cSld>
     <p:spTree>
@@ -29661,14 +29384,14 @@
             <a:fld id="{E9B57936-92EF-4126-AE48-1D9D36D15E98}" type="slidenum">
               <a:rPr kumimoji="1" lang="ja-JP" altLang="en-US" smtClean="0"/>
               <a:pPr/>
-              <a:t>38</a:t>
+              <a:t>37</a:t>
             </a:fld>
             <a:endParaRPr kumimoji="1" lang="ja-JP" altLang="en-US" dirty="0"/>
           </a:p>
         </p:txBody>
       </p:sp>
-      <mc:AlternateContent xmlns:mc="http://schemas.openxmlformats.org/markup-compatibility/2006">
-        <mc:Choice xmlns:a14="http://schemas.microsoft.com/office/drawing/2010/main" Requires="a14">
+      <mc:AlternateContent xmlns:mc="http://schemas.openxmlformats.org/markup-compatibility/2006" xmlns:a14="http://schemas.microsoft.com/office/drawing/2010/main">
+        <mc:Choice Requires="a14">
           <p:sp>
             <p:nvSpPr>
               <p:cNvPr id="10" name="TextBox 9"/>
@@ -29701,7 +29424,7 @@
                       <m:sSubPr>
                         <m:ctrlPr>
                           <a:rPr lang="en-US" sz="1400" b="0" i="1" dirty="0" smtClean="0">
-                            <a:latin typeface="Cambria Math" charset="0"/>
+                            <a:latin typeface="Cambria Math" panose="02040503050406030204" pitchFamily="18" charset="0"/>
                           </a:rPr>
                         </m:ctrlPr>
                       </m:sSubPr>
@@ -29712,7 +29435,7 @@
                             <m:endChr m:val="|"/>
                             <m:ctrlPr>
                               <a:rPr lang="en-US" sz="1400" b="0" i="1" smtClean="0">
-                                <a:latin typeface="Cambria Math" charset="0"/>
+                                <a:latin typeface="Cambria Math" panose="02040503050406030204" pitchFamily="18" charset="0"/>
                               </a:rPr>
                             </m:ctrlPr>
                           </m:dPr>
@@ -29722,7 +29445,7 @@
                                 <m:chr m:val="̂"/>
                                 <m:ctrlPr>
                                   <a:rPr lang="en-US" sz="1400" b="0" i="1" smtClean="0">
-                                    <a:latin typeface="Cambria Math" charset="0"/>
+                                    <a:latin typeface="Cambria Math" panose="02040503050406030204" pitchFamily="18" charset="0"/>
                                   </a:rPr>
                                 </m:ctrlPr>
                               </m:accPr>
@@ -29777,7 +29500,7 @@
                       <m:sSubPr>
                         <m:ctrlPr>
                           <a:rPr lang="en-US" sz="1400" i="1" dirty="0">
-                            <a:latin typeface="Cambria Math" charset="0"/>
+                            <a:latin typeface="Cambria Math" panose="02040503050406030204" pitchFamily="18" charset="0"/>
                           </a:rPr>
                         </m:ctrlPr>
                       </m:sSubPr>
@@ -29788,7 +29511,7 @@
                             <m:endChr m:val="|"/>
                             <m:ctrlPr>
                               <a:rPr lang="en-US" sz="1400" i="1">
-                                <a:latin typeface="Cambria Math" charset="0"/>
+                                <a:latin typeface="Cambria Math" panose="02040503050406030204" pitchFamily="18" charset="0"/>
                               </a:rPr>
                             </m:ctrlPr>
                           </m:dPr>
@@ -29798,7 +29521,7 @@
                                 <m:chr m:val="̂"/>
                                 <m:ctrlPr>
                                   <a:rPr lang="en-US" sz="1400" i="1">
-                                    <a:latin typeface="Cambria Math" charset="0"/>
+                                    <a:latin typeface="Cambria Math" panose="02040503050406030204" pitchFamily="18" charset="0"/>
                                   </a:rPr>
                                 </m:ctrlPr>
                               </m:accPr>
@@ -29850,32 +29573,19 @@
               </a:p>
               <a:p>
                 <a:r>
-                  <a:rPr lang="en-US" sz="1400" dirty="0" smtClean="0"/>
-                  <a:t>PPV</a:t>
-                </a:r>
-                <a:r>
-                  <a:rPr lang="en-US" sz="1400" dirty="0" smtClean="0"/>
-                  <a:t>: Positive </a:t>
-                </a:r>
-                <a:r>
                   <a:rPr lang="en-US" sz="1400" dirty="0"/>
-                  <a:t>p</a:t>
-                </a:r>
-                <a:r>
-                  <a:rPr lang="en-US" sz="1400" dirty="0" smtClean="0"/>
-                  <a:t>redictive value (Precision)</a:t>
+                  <a:t>PPV: Positive predictive value (Precision)</a:t>
                 </a:r>
               </a:p>
               <a:p>
                 <a:r>
-                  <a:rPr lang="en-US" sz="1400" dirty="0" smtClean="0"/>
+                  <a:rPr lang="en-US" sz="1400" dirty="0"/>
                   <a:t>FNR: False negative rate</a:t>
                 </a:r>
-                <a:endParaRPr lang="en-US" sz="1400" dirty="0"/>
               </a:p>
               <a:p>
                 <a:r>
-                  <a:rPr lang="en-US" sz="1400" dirty="0" err="1" smtClean="0"/>
+                  <a:rPr lang="en-US" sz="1400" dirty="0" err="1"/>
                   <a:t>num</a:t>
                 </a:r>
                 <a:r>
@@ -29886,7 +29596,7 @@
             </p:txBody>
           </p:sp>
         </mc:Choice>
-        <mc:Fallback>
+        <mc:Fallback xmlns="">
           <p:sp>
             <p:nvSpPr>
               <p:cNvPr id="10" name="TextBox 9"/>
@@ -30004,17 +29714,10 @@
   <p:clrMapOvr>
     <a:masterClrMapping/>
   </p:clrMapOvr>
-  <p:timing>
-    <p:tnLst>
-      <p:par>
-        <p:cTn id="1" dur="indefinite" restart="never" nodeType="tmRoot"/>
-      </p:par>
-    </p:tnLst>
-  </p:timing>
 </p:sld>
 </file>
 
-<file path=ppt/slides/slide4.xml><?xml version="1.0" encoding="utf-8"?>
+<file path=ppt/slides/slide39.xml><?xml version="1.0" encoding="utf-8"?>
 <p:sld xmlns:a="http://schemas.openxmlformats.org/drawingml/2006/main" xmlns:r="http://schemas.openxmlformats.org/officeDocument/2006/relationships" xmlns:p="http://schemas.openxmlformats.org/presentationml/2006/main">
   <p:cSld>
     <p:spTree>
@@ -30048,7 +29751,7 @@
           <a:p>
             <a:r>
               <a:rPr lang="en-US" dirty="0"/>
-              <a:t>Prognostic Biomarkers and Predictive Biomarkers</a:t>
+              <a:t>SNR=100</a:t>
             </a:r>
           </a:p>
         </p:txBody>
@@ -30090,7 +29793,7 @@
             </a:r>
             <a:r>
               <a:rPr lang="en-US" altLang="ja-JP" dirty="0"/>
-              <a:t>Aug 24</a:t>
+              <a:t> Aug 24</a:t>
             </a:r>
             <a:r>
               <a:rPr lang="en-US" altLang="ja-JP" baseline="30000" dirty="0"/>
@@ -30122,217 +29825,14 @@
             <a:fld id="{E9B57936-92EF-4126-AE48-1D9D36D15E98}" type="slidenum">
               <a:rPr kumimoji="1" lang="ja-JP" altLang="en-US" smtClean="0"/>
               <a:pPr/>
-              <a:t>3</a:t>
+              <a:t>38</a:t>
             </a:fld>
             <a:endParaRPr kumimoji="1" lang="ja-JP" altLang="en-US" dirty="0"/>
           </a:p>
         </p:txBody>
       </p:sp>
-      <p:sp>
-        <p:nvSpPr>
-          <p:cNvPr id="14" name="TextBox 13"/>
-          <p:cNvSpPr txBox="1"/>
-          <p:nvPr/>
-        </p:nvSpPr>
-        <p:spPr>
-          <a:xfrm>
-            <a:off x="6804248" y="4155926"/>
-            <a:ext cx="2629389" cy="430887"/>
-          </a:xfrm>
-          <a:prstGeom prst="rect">
-            <a:avLst/>
-          </a:prstGeom>
-          <a:noFill/>
-        </p:spPr>
-        <p:txBody>
-          <a:bodyPr wrap="square" rtlCol="0">
-            <a:spAutoFit/>
-          </a:bodyPr>
-          <a:lstStyle/>
-          <a:p>
-            <a:r>
-              <a:rPr lang="en-US" sz="1100" dirty="0" err="1"/>
-              <a:t>Mukohara</a:t>
-            </a:r>
-            <a:r>
-              <a:rPr lang="en-US" sz="1100" dirty="0"/>
-              <a:t>, Toru.  </a:t>
-            </a:r>
-            <a:r>
-              <a:rPr lang="en-US" sz="1100" i="1" dirty="0"/>
-              <a:t>Breast Cancer: Targets and Therapy</a:t>
-            </a:r>
-            <a:r>
-              <a:rPr lang="en-US" sz="1100" dirty="0"/>
-              <a:t> 7 (2015)</a:t>
-            </a:r>
-          </a:p>
-        </p:txBody>
-      </p:sp>
-      <p:pic>
-        <p:nvPicPr>
-          <p:cNvPr id="9" name="Content Placeholder 8" descr="A close up of a logo&#10;&#10;Description generated with high confidence">
-            <a:extLst>
-              <a:ext uri="{FF2B5EF4-FFF2-40B4-BE49-F238E27FC236}">
-                <a16:creationId xmlns:a16="http://schemas.microsoft.com/office/drawing/2014/main" xmlns="" id="{3F3BA834-36CE-43A5-91C7-4BCFBA213E13}"/>
-              </a:ext>
-            </a:extLst>
-          </p:cNvPr>
-          <p:cNvPicPr>
-            <a:picLocks noGrp="1" noChangeAspect="1"/>
-          </p:cNvPicPr>
-          <p:nvPr>
-            <p:ph idx="1"/>
-          </p:nvPr>
-        </p:nvPicPr>
-        <p:blipFill>
-          <a:blip r:embed="rId2">
-            <a:extLst>
-              <a:ext uri="{28A0092B-C50C-407E-A947-70E740481C1C}">
-                <a14:useLocalDpi xmlns:a14="http://schemas.microsoft.com/office/drawing/2010/main" val="0"/>
-              </a:ext>
-            </a:extLst>
-          </a:blip>
-          <a:stretch>
-            <a:fillRect/>
-          </a:stretch>
-        </p:blipFill>
-        <p:spPr>
-          <a:xfrm>
-            <a:off x="665245" y="1203598"/>
-            <a:ext cx="6113355" cy="3012802"/>
-          </a:xfrm>
-        </p:spPr>
-      </p:pic>
-    </p:spTree>
-    <p:extLst>
-      <p:ext uri="{BB962C8B-B14F-4D97-AF65-F5344CB8AC3E}">
-        <p14:creationId xmlns:p14="http://schemas.microsoft.com/office/powerpoint/2010/main" val="778686971"/>
-      </p:ext>
-    </p:extLst>
-  </p:cSld>
-  <p:clrMapOvr>
-    <a:masterClrMapping/>
-  </p:clrMapOvr>
-</p:sld>
-</file>
-
-<file path=ppt/slides/slide40.xml><?xml version="1.0" encoding="utf-8"?>
-<p:sld xmlns:a="http://schemas.openxmlformats.org/drawingml/2006/main" xmlns:r="http://schemas.openxmlformats.org/officeDocument/2006/relationships" xmlns:p="http://schemas.openxmlformats.org/presentationml/2006/main">
-  <p:cSld>
-    <p:spTree>
-      <p:nvGrpSpPr>
-        <p:cNvPr id="1" name=""/>
-        <p:cNvGrpSpPr/>
-        <p:nvPr/>
-      </p:nvGrpSpPr>
-      <p:grpSpPr>
-        <a:xfrm>
-          <a:off x="0" y="0"/>
-          <a:ext cx="0" cy="0"/>
-          <a:chOff x="0" y="0"/>
-          <a:chExt cx="0" cy="0"/>
-        </a:xfrm>
-      </p:grpSpPr>
-      <p:sp>
-        <p:nvSpPr>
-          <p:cNvPr id="2" name="Title 1"/>
-          <p:cNvSpPr>
-            <a:spLocks noGrp="1"/>
-          </p:cNvSpPr>
-          <p:nvPr>
-            <p:ph type="title"/>
-          </p:nvPr>
-        </p:nvSpPr>
-        <p:spPr/>
-        <p:txBody>
-          <a:bodyPr/>
-          <a:lstStyle/>
-          <a:p>
-            <a:r>
-              <a:rPr lang="en-US" dirty="0"/>
-              <a:t>SNR=100</a:t>
-            </a:r>
-          </a:p>
-        </p:txBody>
-      </p:sp>
-      <p:sp>
-        <p:nvSpPr>
-          <p:cNvPr id="4" name="Footer Placeholder 3"/>
-          <p:cNvSpPr>
-            <a:spLocks noGrp="1"/>
-          </p:cNvSpPr>
-          <p:nvPr>
-            <p:ph type="ftr" sz="quarter" idx="11"/>
-          </p:nvPr>
-        </p:nvSpPr>
-        <p:spPr/>
-        <p:txBody>
-          <a:bodyPr/>
-          <a:lstStyle/>
-          <a:p>
-            <a:r>
-              <a:rPr lang="ja-JP" altLang="en-US" dirty="0"/>
-              <a:t>｜</a:t>
-            </a:r>
-            <a:r>
-              <a:rPr lang="en-US" altLang="ja-JP" dirty="0"/>
-              <a:t>0000</a:t>
-            </a:r>
-            <a:r>
-              <a:rPr lang="ja-JP" altLang="en-US" dirty="0"/>
-              <a:t>　</a:t>
-            </a:r>
-            <a:r>
-              <a:rPr lang="en-US" altLang="ja-JP" dirty="0"/>
-              <a:t>|</a:t>
-            </a:r>
-            <a:r>
-              <a:rPr lang="ja-JP" altLang="en-US" dirty="0"/>
-              <a:t>　　</a:t>
-            </a:r>
-            <a:r>
-              <a:rPr lang="en-US" altLang="ja-JP" dirty="0"/>
-              <a:t> Aug 24</a:t>
-            </a:r>
-            <a:r>
-              <a:rPr lang="en-US" altLang="ja-JP" baseline="30000" dirty="0"/>
-              <a:t>th</a:t>
-            </a:r>
-            <a:r>
-              <a:rPr lang="en-US" altLang="ja-JP" dirty="0"/>
-              <a:t> 2018</a:t>
-            </a:r>
-            <a:endParaRPr lang="ja-JP" altLang="en-US" dirty="0"/>
-          </a:p>
-        </p:txBody>
-      </p:sp>
-      <p:sp>
-        <p:nvSpPr>
-          <p:cNvPr id="5" name="Slide Number Placeholder 4"/>
-          <p:cNvSpPr>
-            <a:spLocks noGrp="1"/>
-          </p:cNvSpPr>
-          <p:nvPr>
-            <p:ph type="sldNum" sz="quarter" idx="12"/>
-          </p:nvPr>
-        </p:nvSpPr>
-        <p:spPr/>
-        <p:txBody>
-          <a:bodyPr/>
-          <a:lstStyle/>
-          <a:p>
-            <a:fld id="{E9B57936-92EF-4126-AE48-1D9D36D15E98}" type="slidenum">
-              <a:rPr kumimoji="1" lang="ja-JP" altLang="en-US" smtClean="0"/>
-              <a:pPr/>
-              <a:t>39</a:t>
-            </a:fld>
-            <a:endParaRPr kumimoji="1" lang="ja-JP" altLang="en-US" dirty="0"/>
-          </a:p>
-        </p:txBody>
-      </p:sp>
-      <mc:AlternateContent xmlns:mc="http://schemas.openxmlformats.org/markup-compatibility/2006">
-        <mc:Choice xmlns:a14="http://schemas.microsoft.com/office/drawing/2010/main" Requires="a14">
+      <mc:AlternateContent xmlns:mc="http://schemas.openxmlformats.org/markup-compatibility/2006" xmlns:a14="http://schemas.microsoft.com/office/drawing/2010/main">
+        <mc:Choice Requires="a14">
           <p:sp>
             <p:nvSpPr>
               <p:cNvPr id="8" name="TextBox 7"/>
@@ -30365,7 +29865,7 @@
                       <m:sSubPr>
                         <m:ctrlPr>
                           <a:rPr lang="en-US" sz="1400" b="0" i="1" dirty="0" smtClean="0">
-                            <a:latin typeface="Cambria Math" charset="0"/>
+                            <a:latin typeface="Cambria Math" panose="02040503050406030204" pitchFamily="18" charset="0"/>
                           </a:rPr>
                         </m:ctrlPr>
                       </m:sSubPr>
@@ -30376,7 +29876,7 @@
                             <m:endChr m:val="|"/>
                             <m:ctrlPr>
                               <a:rPr lang="en-US" sz="1400" b="0" i="1" smtClean="0">
-                                <a:latin typeface="Cambria Math" charset="0"/>
+                                <a:latin typeface="Cambria Math" panose="02040503050406030204" pitchFamily="18" charset="0"/>
                               </a:rPr>
                             </m:ctrlPr>
                           </m:dPr>
@@ -30386,7 +29886,7 @@
                                 <m:chr m:val="̂"/>
                                 <m:ctrlPr>
                                   <a:rPr lang="en-US" sz="1400" b="0" i="1" smtClean="0">
-                                    <a:latin typeface="Cambria Math" charset="0"/>
+                                    <a:latin typeface="Cambria Math" panose="02040503050406030204" pitchFamily="18" charset="0"/>
                                   </a:rPr>
                                 </m:ctrlPr>
                               </m:accPr>
@@ -30441,7 +29941,7 @@
                       <m:sSubPr>
                         <m:ctrlPr>
                           <a:rPr lang="en-US" sz="1400" i="1" dirty="0">
-                            <a:latin typeface="Cambria Math" charset="0"/>
+                            <a:latin typeface="Cambria Math" panose="02040503050406030204" pitchFamily="18" charset="0"/>
                           </a:rPr>
                         </m:ctrlPr>
                       </m:sSubPr>
@@ -30452,7 +29952,7 @@
                             <m:endChr m:val="|"/>
                             <m:ctrlPr>
                               <a:rPr lang="en-US" sz="1400" i="1">
-                                <a:latin typeface="Cambria Math" charset="0"/>
+                                <a:latin typeface="Cambria Math" panose="02040503050406030204" pitchFamily="18" charset="0"/>
                               </a:rPr>
                             </m:ctrlPr>
                           </m:dPr>
@@ -30462,7 +29962,7 @@
                                 <m:chr m:val="̂"/>
                                 <m:ctrlPr>
                                   <a:rPr lang="en-US" sz="1400" i="1">
-                                    <a:latin typeface="Cambria Math" charset="0"/>
+                                    <a:latin typeface="Cambria Math" panose="02040503050406030204" pitchFamily="18" charset="0"/>
                                   </a:rPr>
                                 </m:ctrlPr>
                               </m:accPr>
@@ -30514,32 +30014,19 @@
               </a:p>
               <a:p>
                 <a:r>
-                  <a:rPr lang="en-US" sz="1400" dirty="0" smtClean="0"/>
-                  <a:t>PPV</a:t>
-                </a:r>
-                <a:r>
-                  <a:rPr lang="en-US" sz="1400" dirty="0" smtClean="0"/>
-                  <a:t>: Positive </a:t>
-                </a:r>
-                <a:r>
                   <a:rPr lang="en-US" sz="1400" dirty="0"/>
-                  <a:t>p</a:t>
-                </a:r>
-                <a:r>
-                  <a:rPr lang="en-US" sz="1400" dirty="0" smtClean="0"/>
-                  <a:t>redictive value (Precision)</a:t>
+                  <a:t>PPV: Positive predictive value (Precision)</a:t>
                 </a:r>
               </a:p>
               <a:p>
                 <a:r>
-                  <a:rPr lang="en-US" sz="1400" dirty="0" smtClean="0"/>
+                  <a:rPr lang="en-US" sz="1400" dirty="0"/>
                   <a:t>FNR: False negative rate</a:t>
                 </a:r>
-                <a:endParaRPr lang="en-US" sz="1400" dirty="0"/>
               </a:p>
               <a:p>
                 <a:r>
-                  <a:rPr lang="en-US" sz="1400" dirty="0" err="1" smtClean="0"/>
+                  <a:rPr lang="en-US" sz="1400" dirty="0" err="1"/>
                   <a:t>num</a:t>
                 </a:r>
                 <a:r>
@@ -30550,7 +30037,7 @@
             </p:txBody>
           </p:sp>
         </mc:Choice>
-        <mc:Fallback>
+        <mc:Fallback xmlns="">
           <p:sp>
             <p:nvSpPr>
               <p:cNvPr id="8" name="TextBox 7"/>
@@ -30668,17 +30155,213 @@
   <p:clrMapOvr>
     <a:masterClrMapping/>
   </p:clrMapOvr>
-  <p:timing>
-    <p:tnLst>
-      <p:par>
-        <p:cTn id="1" dur="indefinite" restart="never" nodeType="tmRoot"/>
-      </p:par>
-    </p:tnLst>
-  </p:timing>
 </p:sld>
 </file>
 
-<file path=ppt/slides/slide41.xml><?xml version="1.0" encoding="utf-8"?>
+<file path=ppt/slides/slide4.xml><?xml version="1.0" encoding="utf-8"?>
+<p:sld xmlns:a="http://schemas.openxmlformats.org/drawingml/2006/main" xmlns:r="http://schemas.openxmlformats.org/officeDocument/2006/relationships" xmlns:p="http://schemas.openxmlformats.org/presentationml/2006/main">
+  <p:cSld>
+    <p:spTree>
+      <p:nvGrpSpPr>
+        <p:cNvPr id="1" name=""/>
+        <p:cNvGrpSpPr/>
+        <p:nvPr/>
+      </p:nvGrpSpPr>
+      <p:grpSpPr>
+        <a:xfrm>
+          <a:off x="0" y="0"/>
+          <a:ext cx="0" cy="0"/>
+          <a:chOff x="0" y="0"/>
+          <a:chExt cx="0" cy="0"/>
+        </a:xfrm>
+      </p:grpSpPr>
+      <p:sp>
+        <p:nvSpPr>
+          <p:cNvPr id="2" name="Title 1"/>
+          <p:cNvSpPr>
+            <a:spLocks noGrp="1"/>
+          </p:cNvSpPr>
+          <p:nvPr>
+            <p:ph type="title"/>
+          </p:nvPr>
+        </p:nvSpPr>
+        <p:spPr/>
+        <p:txBody>
+          <a:bodyPr/>
+          <a:lstStyle/>
+          <a:p>
+            <a:r>
+              <a:rPr lang="en-US" dirty="0"/>
+              <a:t>Prognostic Biomarkers and Predictive Biomarkers</a:t>
+            </a:r>
+          </a:p>
+        </p:txBody>
+      </p:sp>
+      <p:sp>
+        <p:nvSpPr>
+          <p:cNvPr id="4" name="Footer Placeholder 3"/>
+          <p:cNvSpPr>
+            <a:spLocks noGrp="1"/>
+          </p:cNvSpPr>
+          <p:nvPr>
+            <p:ph type="ftr" sz="quarter" idx="11"/>
+          </p:nvPr>
+        </p:nvSpPr>
+        <p:spPr/>
+        <p:txBody>
+          <a:bodyPr/>
+          <a:lstStyle/>
+          <a:p>
+            <a:r>
+              <a:rPr lang="ja-JP" altLang="en-US" dirty="0"/>
+              <a:t>｜</a:t>
+            </a:r>
+            <a:r>
+              <a:rPr lang="en-US" altLang="ja-JP" dirty="0"/>
+              <a:t>0000</a:t>
+            </a:r>
+            <a:r>
+              <a:rPr lang="ja-JP" altLang="en-US" dirty="0"/>
+              <a:t>　</a:t>
+            </a:r>
+            <a:r>
+              <a:rPr lang="en-US" altLang="ja-JP" dirty="0"/>
+              <a:t>|</a:t>
+            </a:r>
+            <a:r>
+              <a:rPr lang="ja-JP" altLang="en-US" dirty="0"/>
+              <a:t>　　</a:t>
+            </a:r>
+            <a:r>
+              <a:rPr lang="en-US" altLang="ja-JP" dirty="0"/>
+              <a:t>Aug 24</a:t>
+            </a:r>
+            <a:r>
+              <a:rPr lang="en-US" altLang="ja-JP" baseline="30000" dirty="0"/>
+              <a:t>th</a:t>
+            </a:r>
+            <a:r>
+              <a:rPr lang="en-US" altLang="ja-JP" dirty="0"/>
+              <a:t> 2018</a:t>
+            </a:r>
+            <a:endParaRPr lang="ja-JP" altLang="en-US" dirty="0"/>
+          </a:p>
+        </p:txBody>
+      </p:sp>
+      <p:sp>
+        <p:nvSpPr>
+          <p:cNvPr id="5" name="Slide Number Placeholder 4"/>
+          <p:cNvSpPr>
+            <a:spLocks noGrp="1"/>
+          </p:cNvSpPr>
+          <p:nvPr>
+            <p:ph type="sldNum" sz="quarter" idx="12"/>
+          </p:nvPr>
+        </p:nvSpPr>
+        <p:spPr/>
+        <p:txBody>
+          <a:bodyPr/>
+          <a:lstStyle/>
+          <a:p>
+            <a:fld id="{E9B57936-92EF-4126-AE48-1D9D36D15E98}" type="slidenum">
+              <a:rPr kumimoji="1" lang="ja-JP" altLang="en-US" smtClean="0"/>
+              <a:pPr/>
+              <a:t>3</a:t>
+            </a:fld>
+            <a:endParaRPr kumimoji="1" lang="ja-JP" altLang="en-US" dirty="0"/>
+          </a:p>
+        </p:txBody>
+      </p:sp>
+      <p:sp>
+        <p:nvSpPr>
+          <p:cNvPr id="14" name="TextBox 13"/>
+          <p:cNvSpPr txBox="1"/>
+          <p:nvPr/>
+        </p:nvSpPr>
+        <p:spPr>
+          <a:xfrm>
+            <a:off x="6804248" y="4155926"/>
+            <a:ext cx="2629389" cy="430887"/>
+          </a:xfrm>
+          <a:prstGeom prst="rect">
+            <a:avLst/>
+          </a:prstGeom>
+          <a:noFill/>
+        </p:spPr>
+        <p:txBody>
+          <a:bodyPr wrap="square" rtlCol="0">
+            <a:spAutoFit/>
+          </a:bodyPr>
+          <a:lstStyle/>
+          <a:p>
+            <a:r>
+              <a:rPr lang="en-US" sz="1100" dirty="0" err="1"/>
+              <a:t>Mukohara</a:t>
+            </a:r>
+            <a:r>
+              <a:rPr lang="en-US" sz="1100" dirty="0"/>
+              <a:t>, Toru.  </a:t>
+            </a:r>
+            <a:r>
+              <a:rPr lang="en-US" sz="1100" i="1" dirty="0"/>
+              <a:t>Breast Cancer: Targets and Therapy</a:t>
+            </a:r>
+            <a:r>
+              <a:rPr lang="en-US" sz="1100" dirty="0"/>
+              <a:t> 7 (2015)</a:t>
+            </a:r>
+          </a:p>
+        </p:txBody>
+      </p:sp>
+      <p:pic>
+        <p:nvPicPr>
+          <p:cNvPr id="9" name="Content Placeholder 8" descr="A close up of a logo&#10;&#10;Description generated with high confidence">
+            <a:extLst>
+              <a:ext uri="{FF2B5EF4-FFF2-40B4-BE49-F238E27FC236}">
+                <a16:creationId xmlns:a16="http://schemas.microsoft.com/office/drawing/2014/main" id="{3F3BA834-36CE-43A5-91C7-4BCFBA213E13}"/>
+              </a:ext>
+            </a:extLst>
+          </p:cNvPr>
+          <p:cNvPicPr>
+            <a:picLocks noGrp="1" noChangeAspect="1"/>
+          </p:cNvPicPr>
+          <p:nvPr>
+            <p:ph idx="1"/>
+          </p:nvPr>
+        </p:nvPicPr>
+        <p:blipFill>
+          <a:blip r:embed="rId2">
+            <a:extLst>
+              <a:ext uri="{28A0092B-C50C-407E-A947-70E740481C1C}">
+                <a14:useLocalDpi xmlns:a14="http://schemas.microsoft.com/office/drawing/2010/main" val="0"/>
+              </a:ext>
+            </a:extLst>
+          </a:blip>
+          <a:stretch>
+            <a:fillRect/>
+          </a:stretch>
+        </p:blipFill>
+        <p:spPr>
+          <a:xfrm>
+            <a:off x="665245" y="1203598"/>
+            <a:ext cx="6113355" cy="3012802"/>
+          </a:xfrm>
+        </p:spPr>
+      </p:pic>
+    </p:spTree>
+    <p:extLst>
+      <p:ext uri="{BB962C8B-B14F-4D97-AF65-F5344CB8AC3E}">
+        <p14:creationId xmlns:p14="http://schemas.microsoft.com/office/powerpoint/2010/main" val="778686971"/>
+      </p:ext>
+    </p:extLst>
+  </p:cSld>
+  <p:clrMapOvr>
+    <a:masterClrMapping/>
+  </p:clrMapOvr>
+</p:sld>
+</file>
+
+<file path=ppt/slides/slide40.xml><?xml version="1.0" encoding="utf-8"?>
 <p:sld xmlns:a="http://schemas.openxmlformats.org/drawingml/2006/main" xmlns:r="http://schemas.openxmlformats.org/officeDocument/2006/relationships" xmlns:p="http://schemas.openxmlformats.org/presentationml/2006/main">
   <p:cSld>
     <p:spTree>
@@ -30788,27 +30471,27 @@
           <a:lstStyle/>
           <a:p>
             <a:r>
-              <a:rPr lang="ja-JP" altLang="en-US" smtClean="0"/>
+              <a:rPr lang="ja-JP" altLang="en-US"/>
               <a:t>｜</a:t>
             </a:r>
             <a:r>
-              <a:rPr lang="en-US" altLang="ja-JP" smtClean="0"/>
+              <a:rPr lang="en-US" altLang="ja-JP"/>
               <a:t>0000</a:t>
             </a:r>
             <a:r>
-              <a:rPr lang="ja-JP" altLang="en-US" smtClean="0"/>
+              <a:rPr lang="ja-JP" altLang="en-US"/>
               <a:t>　</a:t>
             </a:r>
             <a:r>
-              <a:rPr lang="en-US" altLang="ja-JP" smtClean="0"/>
+              <a:rPr lang="en-US" altLang="ja-JP"/>
               <a:t>|</a:t>
             </a:r>
             <a:r>
-              <a:rPr lang="ja-JP" altLang="en-US" smtClean="0"/>
+              <a:rPr lang="ja-JP" altLang="en-US"/>
               <a:t>　　</a:t>
             </a:r>
             <a:r>
-              <a:rPr lang="en-US" altLang="ja-JP" smtClean="0"/>
+              <a:rPr lang="en-US" altLang="ja-JP"/>
               <a:t>DDMMYY</a:t>
             </a:r>
             <a:endParaRPr lang="ja-JP" altLang="en-US" dirty="0"/>
@@ -30833,7 +30516,7 @@
             <a:fld id="{E9B57936-92EF-4126-AE48-1D9D36D15E98}" type="slidenum">
               <a:rPr kumimoji="1" lang="ja-JP" altLang="en-US" smtClean="0"/>
               <a:pPr/>
-              <a:t>40</a:t>
+              <a:t>39</a:t>
             </a:fld>
             <a:endParaRPr kumimoji="1" lang="ja-JP" altLang="en-US"/>
           </a:p>
@@ -30935,7 +30618,7 @@
 </p:sld>
 </file>
 
-<file path=ppt/slides/slide42.xml><?xml version="1.0" encoding="utf-8"?>
+<file path=ppt/slides/slide41.xml><?xml version="1.0" encoding="utf-8"?>
 <p:sld xmlns:a="http://schemas.openxmlformats.org/drawingml/2006/main" xmlns:r="http://schemas.openxmlformats.org/officeDocument/2006/relationships" xmlns:p="http://schemas.openxmlformats.org/presentationml/2006/main">
   <p:cSld>
     <p:spTree>
@@ -31024,28 +30707,15 @@
           </a:p>
           <a:p>
             <a:r>
-              <a:rPr lang="en-US" dirty="0" smtClean="0"/>
-              <a:t>Precision increases </a:t>
-            </a:r>
-            <a:r>
               <a:rPr lang="en-US" dirty="0"/>
-              <a:t>as </a:t>
-            </a:r>
-            <a:r>
-              <a:rPr lang="en-US" dirty="0" smtClean="0"/>
-              <a:t>signal being stronger.</a:t>
+              <a:t>Precision increases as signal being stronger.</a:t>
             </a:r>
           </a:p>
           <a:p>
             <a:r>
               <a:rPr lang="en-US" dirty="0"/>
-              <a:t>Group Lasso has an relative low FNR</a:t>
-            </a:r>
-            <a:r>
-              <a:rPr lang="en-US" dirty="0" smtClean="0"/>
-              <a:t>.</a:t>
-            </a:r>
-            <a:endParaRPr lang="en-US" dirty="0"/>
+              <a:t>Group Lasso has an relative low FNR.</a:t>
+            </a:r>
           </a:p>
           <a:p>
             <a:r>
@@ -31080,27 +30750,27 @@
           <a:lstStyle/>
           <a:p>
             <a:r>
-              <a:rPr lang="ja-JP" altLang="en-US" smtClean="0"/>
+              <a:rPr lang="ja-JP" altLang="en-US"/>
               <a:t>｜</a:t>
             </a:r>
             <a:r>
-              <a:rPr lang="en-US" altLang="ja-JP" smtClean="0"/>
+              <a:rPr lang="en-US" altLang="ja-JP"/>
               <a:t>0000</a:t>
             </a:r>
             <a:r>
-              <a:rPr lang="ja-JP" altLang="en-US" smtClean="0"/>
+              <a:rPr lang="ja-JP" altLang="en-US"/>
               <a:t>　</a:t>
             </a:r>
             <a:r>
-              <a:rPr lang="en-US" altLang="ja-JP" smtClean="0"/>
+              <a:rPr lang="en-US" altLang="ja-JP"/>
               <a:t>|</a:t>
             </a:r>
             <a:r>
-              <a:rPr lang="ja-JP" altLang="en-US" smtClean="0"/>
+              <a:rPr lang="ja-JP" altLang="en-US"/>
               <a:t>　　</a:t>
             </a:r>
             <a:r>
-              <a:rPr lang="en-US" altLang="ja-JP" smtClean="0"/>
+              <a:rPr lang="en-US" altLang="ja-JP"/>
               <a:t>DDMMYY</a:t>
             </a:r>
             <a:endParaRPr lang="ja-JP" altLang="en-US" dirty="0"/>
@@ -31125,7 +30795,7 @@
             <a:fld id="{E9B57936-92EF-4126-AE48-1D9D36D15E98}" type="slidenum">
               <a:rPr kumimoji="1" lang="ja-JP" altLang="en-US" smtClean="0"/>
               <a:pPr/>
-              <a:t>41</a:t>
+              <a:t>40</a:t>
             </a:fld>
             <a:endParaRPr kumimoji="1" lang="ja-JP" altLang="en-US"/>
           </a:p>
@@ -31482,7 +31152,7 @@
 </p:sld>
 </file>
 
-<file path=ppt/slides/slide43.xml><?xml version="1.0" encoding="utf-8"?>
+<file path=ppt/slides/slide42.xml><?xml version="1.0" encoding="utf-8"?>
 <p:sld xmlns:a="http://schemas.openxmlformats.org/drawingml/2006/main" xmlns:r="http://schemas.openxmlformats.org/officeDocument/2006/relationships" xmlns:p="http://schemas.openxmlformats.org/presentationml/2006/main">
   <p:cSld>
     <p:spTree>
@@ -31504,7 +31174,7 @@
           <p:cNvPr id="2" name="Title 1">
             <a:extLst>
               <a:ext uri="{FF2B5EF4-FFF2-40B4-BE49-F238E27FC236}">
-                <a16:creationId xmlns:a16="http://schemas.microsoft.com/office/drawing/2014/main" xmlns="" id="{17A8BB3D-2D35-4F66-AFB4-2A9AE7681862}"/>
+                <a16:creationId xmlns:a16="http://schemas.microsoft.com/office/drawing/2014/main" id="{17A8BB3D-2D35-4F66-AFB4-2A9AE7681862}"/>
               </a:ext>
             </a:extLst>
           </p:cNvPr>
@@ -31543,7 +31213,7 @@
           <p:cNvPr id="3" name="Footer Placeholder 2">
             <a:extLst>
               <a:ext uri="{FF2B5EF4-FFF2-40B4-BE49-F238E27FC236}">
-                <a16:creationId xmlns:a16="http://schemas.microsoft.com/office/drawing/2014/main" xmlns="" id="{11862E8A-91FD-4C41-A192-DB3D27D88824}"/>
+                <a16:creationId xmlns:a16="http://schemas.microsoft.com/office/drawing/2014/main" id="{11862E8A-91FD-4C41-A192-DB3D27D88824}"/>
               </a:ext>
             </a:extLst>
           </p:cNvPr>
@@ -31600,7 +31270,7 @@
           <p:cNvPr id="4" name="Slide Number Placeholder 3">
             <a:extLst>
               <a:ext uri="{FF2B5EF4-FFF2-40B4-BE49-F238E27FC236}">
-                <a16:creationId xmlns:a16="http://schemas.microsoft.com/office/drawing/2014/main" xmlns="" id="{9DA5ED20-07EE-4130-97A2-FC2FBDDF57B9}"/>
+                <a16:creationId xmlns:a16="http://schemas.microsoft.com/office/drawing/2014/main" id="{9DA5ED20-07EE-4130-97A2-FC2FBDDF57B9}"/>
               </a:ext>
             </a:extLst>
           </p:cNvPr>
@@ -31619,7 +31289,7 @@
             <a:fld id="{E9B57936-92EF-4126-AE48-1D9D36D15E98}" type="slidenum">
               <a:rPr kumimoji="1" lang="ja-JP" altLang="en-US" smtClean="0"/>
               <a:pPr/>
-              <a:t>42</a:t>
+              <a:t>41</a:t>
             </a:fld>
             <a:endParaRPr kumimoji="1" lang="ja-JP" altLang="en-US"/>
           </a:p>
@@ -31630,7 +31300,7 @@
           <p:cNvPr id="5" name="Title 1">
             <a:extLst>
               <a:ext uri="{FF2B5EF4-FFF2-40B4-BE49-F238E27FC236}">
-                <a16:creationId xmlns:a16="http://schemas.microsoft.com/office/drawing/2014/main" xmlns="" id="{8737950D-A97B-464D-8B1B-9EFA59DA9116}"/>
+                <a16:creationId xmlns:a16="http://schemas.microsoft.com/office/drawing/2014/main" id="{8737950D-A97B-464D-8B1B-9EFA59DA9116}"/>
               </a:ext>
             </a:extLst>
           </p:cNvPr>
@@ -31723,17 +31393,10 @@
   <p:clrMapOvr>
     <a:masterClrMapping/>
   </p:clrMapOvr>
-  <p:timing>
-    <p:tnLst>
-      <p:par>
-        <p:cTn id="1" dur="indefinite" restart="never" nodeType="tmRoot"/>
-      </p:par>
-    </p:tnLst>
-  </p:timing>
 </p:sld>
 </file>
 
-<file path=ppt/slides/slide44.xml><?xml version="1.0" encoding="utf-8"?>
+<file path=ppt/slides/slide43.xml><?xml version="1.0" encoding="utf-8"?>
 <p:sld xmlns:a="http://schemas.openxmlformats.org/drawingml/2006/main" xmlns:r="http://schemas.openxmlformats.org/officeDocument/2006/relationships" xmlns:p="http://schemas.openxmlformats.org/presentationml/2006/main">
   <p:cSld>
     <p:spTree>
@@ -31870,7 +31533,7 @@
             <a:fld id="{E9B57936-92EF-4126-AE48-1D9D36D15E98}" type="slidenum">
               <a:rPr kumimoji="1" lang="ja-JP" altLang="en-US" smtClean="0"/>
               <a:pPr/>
-              <a:t>43</a:t>
+              <a:t>42</a:t>
             </a:fld>
             <a:endParaRPr kumimoji="1" lang="ja-JP" altLang="en-US" dirty="0"/>
           </a:p>
@@ -31927,17 +31590,10 @@
   <p:clrMapOvr>
     <a:masterClrMapping/>
   </p:clrMapOvr>
-  <p:timing>
-    <p:tnLst>
-      <p:par>
-        <p:cTn id="1" dur="indefinite" restart="never" nodeType="tmRoot"/>
-      </p:par>
-    </p:tnLst>
-  </p:timing>
 </p:sld>
 </file>
 
-<file path=ppt/slides/slide45.xml><?xml version="1.0" encoding="utf-8"?>
+<file path=ppt/slides/slide44.xml><?xml version="1.0" encoding="utf-8"?>
 <p:sld xmlns:a="http://schemas.openxmlformats.org/drawingml/2006/main" xmlns:r="http://schemas.openxmlformats.org/officeDocument/2006/relationships" xmlns:p="http://schemas.openxmlformats.org/presentationml/2006/main">
   <p:cSld>
     <p:spTree>
@@ -31959,7 +31615,7 @@
           <p:cNvPr id="2" name="Title 1">
             <a:extLst>
               <a:ext uri="{FF2B5EF4-FFF2-40B4-BE49-F238E27FC236}">
-                <a16:creationId xmlns:a16="http://schemas.microsoft.com/office/drawing/2014/main" xmlns="" id="{17A8BB3D-2D35-4F66-AFB4-2A9AE7681862}"/>
+                <a16:creationId xmlns:a16="http://schemas.microsoft.com/office/drawing/2014/main" id="{17A8BB3D-2D35-4F66-AFB4-2A9AE7681862}"/>
               </a:ext>
             </a:extLst>
           </p:cNvPr>
@@ -31997,7 +31653,7 @@
           <p:cNvPr id="3" name="Footer Placeholder 2">
             <a:extLst>
               <a:ext uri="{FF2B5EF4-FFF2-40B4-BE49-F238E27FC236}">
-                <a16:creationId xmlns:a16="http://schemas.microsoft.com/office/drawing/2014/main" xmlns="" id="{11862E8A-91FD-4C41-A192-DB3D27D88824}"/>
+                <a16:creationId xmlns:a16="http://schemas.microsoft.com/office/drawing/2014/main" id="{11862E8A-91FD-4C41-A192-DB3D27D88824}"/>
               </a:ext>
             </a:extLst>
           </p:cNvPr>
@@ -32054,7 +31710,7 @@
           <p:cNvPr id="4" name="Slide Number Placeholder 3">
             <a:extLst>
               <a:ext uri="{FF2B5EF4-FFF2-40B4-BE49-F238E27FC236}">
-                <a16:creationId xmlns:a16="http://schemas.microsoft.com/office/drawing/2014/main" xmlns="" id="{9DA5ED20-07EE-4130-97A2-FC2FBDDF57B9}"/>
+                <a16:creationId xmlns:a16="http://schemas.microsoft.com/office/drawing/2014/main" id="{9DA5ED20-07EE-4130-97A2-FC2FBDDF57B9}"/>
               </a:ext>
             </a:extLst>
           </p:cNvPr>
@@ -32073,7 +31729,7 @@
             <a:fld id="{E9B57936-92EF-4126-AE48-1D9D36D15E98}" type="slidenum">
               <a:rPr kumimoji="1" lang="ja-JP" altLang="en-US" smtClean="0"/>
               <a:pPr/>
-              <a:t>44</a:t>
+              <a:t>43</a:t>
             </a:fld>
             <a:endParaRPr kumimoji="1" lang="ja-JP" altLang="en-US"/>
           </a:p>
@@ -32089,17 +31745,10 @@
   <p:clrMapOvr>
     <a:masterClrMapping/>
   </p:clrMapOvr>
-  <p:timing>
-    <p:tnLst>
-      <p:par>
-        <p:cTn id="1" dur="indefinite" restart="never" nodeType="tmRoot"/>
-      </p:par>
-    </p:tnLst>
-  </p:timing>
 </p:sld>
 </file>
 
-<file path=ppt/slides/slide46.xml><?xml version="1.0" encoding="utf-8"?>
+<file path=ppt/slides/slide45.xml><?xml version="1.0" encoding="utf-8"?>
 <p:sld xmlns:a="http://schemas.openxmlformats.org/drawingml/2006/main" xmlns:r="http://schemas.openxmlformats.org/officeDocument/2006/relationships" xmlns:p="http://schemas.openxmlformats.org/presentationml/2006/main">
   <p:cSld>
     <p:spTree>
@@ -32207,7 +31856,7 @@
             <a:fld id="{E9B57936-92EF-4126-AE48-1D9D36D15E98}" type="slidenum">
               <a:rPr kumimoji="1" lang="ja-JP" altLang="en-US" smtClean="0"/>
               <a:pPr/>
-              <a:t>45</a:t>
+              <a:t>44</a:t>
             </a:fld>
             <a:endParaRPr kumimoji="1" lang="ja-JP" altLang="en-US" dirty="0"/>
           </a:p>
@@ -32334,17 +31983,10 @@
   <p:clrMapOvr>
     <a:masterClrMapping/>
   </p:clrMapOvr>
-  <p:timing>
-    <p:tnLst>
-      <p:par>
-        <p:cTn id="1" dur="indefinite" restart="never" nodeType="tmRoot"/>
-      </p:par>
-    </p:tnLst>
-  </p:timing>
 </p:sld>
 </file>
 
-<file path=ppt/slides/slide47.xml><?xml version="1.0" encoding="utf-8"?>
+<file path=ppt/slides/slide46.xml><?xml version="1.0" encoding="utf-8"?>
 <p:sld xmlns:a="http://schemas.openxmlformats.org/drawingml/2006/main" xmlns:r="http://schemas.openxmlformats.org/officeDocument/2006/relationships" xmlns:p="http://schemas.openxmlformats.org/presentationml/2006/main">
   <p:cSld>
     <p:spTree>
@@ -32366,7 +32008,7 @@
           <p:cNvPr id="2" name="Title 1">
             <a:extLst>
               <a:ext uri="{FF2B5EF4-FFF2-40B4-BE49-F238E27FC236}">
-                <a16:creationId xmlns:a16="http://schemas.microsoft.com/office/drawing/2014/main" xmlns="" id="{17A8BB3D-2D35-4F66-AFB4-2A9AE7681862}"/>
+                <a16:creationId xmlns:a16="http://schemas.microsoft.com/office/drawing/2014/main" id="{17A8BB3D-2D35-4F66-AFB4-2A9AE7681862}"/>
               </a:ext>
             </a:extLst>
           </p:cNvPr>
@@ -32400,7 +32042,7 @@
           <p:cNvPr id="3" name="Footer Placeholder 2">
             <a:extLst>
               <a:ext uri="{FF2B5EF4-FFF2-40B4-BE49-F238E27FC236}">
-                <a16:creationId xmlns:a16="http://schemas.microsoft.com/office/drawing/2014/main" xmlns="" id="{11862E8A-91FD-4C41-A192-DB3D27D88824}"/>
+                <a16:creationId xmlns:a16="http://schemas.microsoft.com/office/drawing/2014/main" id="{11862E8A-91FD-4C41-A192-DB3D27D88824}"/>
               </a:ext>
             </a:extLst>
           </p:cNvPr>
@@ -32457,7 +32099,7 @@
           <p:cNvPr id="4" name="Slide Number Placeholder 3">
             <a:extLst>
               <a:ext uri="{FF2B5EF4-FFF2-40B4-BE49-F238E27FC236}">
-                <a16:creationId xmlns:a16="http://schemas.microsoft.com/office/drawing/2014/main" xmlns="" id="{9DA5ED20-07EE-4130-97A2-FC2FBDDF57B9}"/>
+                <a16:creationId xmlns:a16="http://schemas.microsoft.com/office/drawing/2014/main" id="{9DA5ED20-07EE-4130-97A2-FC2FBDDF57B9}"/>
               </a:ext>
             </a:extLst>
           </p:cNvPr>
@@ -32476,7 +32118,7 @@
             <a:fld id="{E9B57936-92EF-4126-AE48-1D9D36D15E98}" type="slidenum">
               <a:rPr kumimoji="1" lang="ja-JP" altLang="en-US" smtClean="0"/>
               <a:pPr/>
-              <a:t>46</a:t>
+              <a:t>45</a:t>
             </a:fld>
             <a:endParaRPr kumimoji="1" lang="ja-JP" altLang="en-US"/>
           </a:p>
@@ -32487,7 +32129,7 @@
           <p:cNvPr id="5" name="Title 1">
             <a:extLst>
               <a:ext uri="{FF2B5EF4-FFF2-40B4-BE49-F238E27FC236}">
-                <a16:creationId xmlns:a16="http://schemas.microsoft.com/office/drawing/2014/main" xmlns="" id="{D17028B3-4EBC-4457-B759-8F6BB587F3BE}"/>
+                <a16:creationId xmlns:a16="http://schemas.microsoft.com/office/drawing/2014/main" id="{D17028B3-4EBC-4457-B759-8F6BB587F3BE}"/>
               </a:ext>
             </a:extLst>
           </p:cNvPr>
@@ -32580,17 +32222,10 @@
   <p:clrMapOvr>
     <a:masterClrMapping/>
   </p:clrMapOvr>
-  <p:timing>
-    <p:tnLst>
-      <p:par>
-        <p:cTn id="1" dur="indefinite" restart="never" nodeType="tmRoot"/>
-      </p:par>
-    </p:tnLst>
-  </p:timing>
 </p:sld>
 </file>
 
-<file path=ppt/slides/slide48.xml><?xml version="1.0" encoding="utf-8"?>
+<file path=ppt/slides/slide47.xml><?xml version="1.0" encoding="utf-8"?>
 <p:sld xmlns:a="http://schemas.openxmlformats.org/drawingml/2006/main" xmlns:r="http://schemas.openxmlformats.org/officeDocument/2006/relationships" xmlns:p="http://schemas.openxmlformats.org/presentationml/2006/main">
   <p:cSld>
     <p:spTree>
@@ -32698,7 +32333,7 @@
             <a:fld id="{E9B57936-92EF-4126-AE48-1D9D36D15E98}" type="slidenum">
               <a:rPr kumimoji="1" lang="ja-JP" altLang="en-US" smtClean="0"/>
               <a:pPr/>
-              <a:t>47</a:t>
+              <a:t>46</a:t>
             </a:fld>
             <a:endParaRPr kumimoji="1" lang="ja-JP" altLang="en-US" dirty="0"/>
           </a:p>
@@ -32784,13 +32419,157 @@
   <p:clrMapOvr>
     <a:masterClrMapping/>
   </p:clrMapOvr>
-  <p:timing>
-    <p:tnLst>
-      <p:par>
-        <p:cTn id="1" dur="indefinite" restart="never" nodeType="tmRoot"/>
-      </p:par>
-    </p:tnLst>
-  </p:timing>
+</p:sld>
+</file>
+
+<file path=ppt/slides/slide48.xml><?xml version="1.0" encoding="utf-8"?>
+<p:sld xmlns:a="http://schemas.openxmlformats.org/drawingml/2006/main" xmlns:r="http://schemas.openxmlformats.org/officeDocument/2006/relationships" xmlns:p="http://schemas.openxmlformats.org/presentationml/2006/main">
+  <p:cSld>
+    <p:spTree>
+      <p:nvGrpSpPr>
+        <p:cNvPr id="1" name=""/>
+        <p:cNvGrpSpPr/>
+        <p:nvPr/>
+      </p:nvGrpSpPr>
+      <p:grpSpPr>
+        <a:xfrm>
+          <a:off x="0" y="0"/>
+          <a:ext cx="0" cy="0"/>
+          <a:chOff x="0" y="0"/>
+          <a:chExt cx="0" cy="0"/>
+        </a:xfrm>
+      </p:grpSpPr>
+      <p:sp>
+        <p:nvSpPr>
+          <p:cNvPr id="2" name="Title 1">
+            <a:extLst>
+              <a:ext uri="{FF2B5EF4-FFF2-40B4-BE49-F238E27FC236}">
+                <a16:creationId xmlns:a16="http://schemas.microsoft.com/office/drawing/2014/main" id="{17A8BB3D-2D35-4F66-AFB4-2A9AE7681862}"/>
+              </a:ext>
+            </a:extLst>
+          </p:cNvPr>
+          <p:cNvSpPr>
+            <a:spLocks noGrp="1"/>
+          </p:cNvSpPr>
+          <p:nvPr>
+            <p:ph type="title"/>
+          </p:nvPr>
+        </p:nvSpPr>
+        <p:spPr>
+          <a:xfrm>
+            <a:off x="3496382" y="1563638"/>
+            <a:ext cx="2587786" cy="1460158"/>
+          </a:xfrm>
+        </p:spPr>
+        <p:txBody>
+          <a:bodyPr/>
+          <a:lstStyle/>
+          <a:p>
+            <a:pPr algn="ctr"/>
+            <a:r>
+              <a:rPr lang="en-US" dirty="0"/>
+              <a:t>Real Data</a:t>
+            </a:r>
+          </a:p>
+        </p:txBody>
+      </p:sp>
+      <p:sp>
+        <p:nvSpPr>
+          <p:cNvPr id="3" name="Footer Placeholder 2">
+            <a:extLst>
+              <a:ext uri="{FF2B5EF4-FFF2-40B4-BE49-F238E27FC236}">
+                <a16:creationId xmlns:a16="http://schemas.microsoft.com/office/drawing/2014/main" id="{11862E8A-91FD-4C41-A192-DB3D27D88824}"/>
+              </a:ext>
+            </a:extLst>
+          </p:cNvPr>
+          <p:cNvSpPr>
+            <a:spLocks noGrp="1"/>
+          </p:cNvSpPr>
+          <p:nvPr>
+            <p:ph type="ftr" sz="quarter" idx="11"/>
+          </p:nvPr>
+        </p:nvSpPr>
+        <p:spPr/>
+        <p:txBody>
+          <a:bodyPr/>
+          <a:lstStyle/>
+          <a:p>
+            <a:r>
+              <a:rPr lang="ja-JP" altLang="en-US" dirty="0"/>
+              <a:t>｜</a:t>
+            </a:r>
+            <a:r>
+              <a:rPr lang="en-US" altLang="ja-JP" dirty="0"/>
+              <a:t>0000</a:t>
+            </a:r>
+            <a:r>
+              <a:rPr lang="ja-JP" altLang="en-US" dirty="0"/>
+              <a:t>　</a:t>
+            </a:r>
+            <a:r>
+              <a:rPr lang="en-US" altLang="ja-JP" dirty="0"/>
+              <a:t>|</a:t>
+            </a:r>
+            <a:r>
+              <a:rPr lang="ja-JP" altLang="en-US" dirty="0"/>
+              <a:t>　　</a:t>
+            </a:r>
+            <a:r>
+              <a:rPr lang="en-US" altLang="ja-JP" dirty="0"/>
+              <a:t> Aug 24</a:t>
+            </a:r>
+            <a:r>
+              <a:rPr lang="en-US" altLang="ja-JP" baseline="30000" dirty="0"/>
+              <a:t>th</a:t>
+            </a:r>
+            <a:r>
+              <a:rPr lang="en-US" altLang="ja-JP" dirty="0"/>
+              <a:t> 2018</a:t>
+            </a:r>
+            <a:endParaRPr lang="ja-JP" altLang="en-US" dirty="0"/>
+          </a:p>
+        </p:txBody>
+      </p:sp>
+      <p:sp>
+        <p:nvSpPr>
+          <p:cNvPr id="4" name="Slide Number Placeholder 3">
+            <a:extLst>
+              <a:ext uri="{FF2B5EF4-FFF2-40B4-BE49-F238E27FC236}">
+                <a16:creationId xmlns:a16="http://schemas.microsoft.com/office/drawing/2014/main" id="{9DA5ED20-07EE-4130-97A2-FC2FBDDF57B9}"/>
+              </a:ext>
+            </a:extLst>
+          </p:cNvPr>
+          <p:cNvSpPr>
+            <a:spLocks noGrp="1"/>
+          </p:cNvSpPr>
+          <p:nvPr>
+            <p:ph type="sldNum" sz="quarter" idx="12"/>
+          </p:nvPr>
+        </p:nvSpPr>
+        <p:spPr/>
+        <p:txBody>
+          <a:bodyPr/>
+          <a:lstStyle/>
+          <a:p>
+            <a:fld id="{E9B57936-92EF-4126-AE48-1D9D36D15E98}" type="slidenum">
+              <a:rPr kumimoji="1" lang="ja-JP" altLang="en-US" smtClean="0"/>
+              <a:pPr/>
+              <a:t>47</a:t>
+            </a:fld>
+            <a:endParaRPr kumimoji="1" lang="ja-JP" altLang="en-US"/>
+          </a:p>
+        </p:txBody>
+      </p:sp>
+    </p:spTree>
+    <p:extLst>
+      <p:ext uri="{BB962C8B-B14F-4D97-AF65-F5344CB8AC3E}">
+        <p14:creationId xmlns:p14="http://schemas.microsoft.com/office/powerpoint/2010/main" val="2648673506"/>
+      </p:ext>
+    </p:extLst>
+  </p:cSld>
+  <p:clrMapOvr>
+    <a:masterClrMapping/>
+  </p:clrMapOvr>
 </p:sld>
 </file>
 
@@ -32813,13 +32592,7 @@
       </p:grpSpPr>
       <p:sp>
         <p:nvSpPr>
-          <p:cNvPr id="2" name="Title 1">
-            <a:extLst>
-              <a:ext uri="{FF2B5EF4-FFF2-40B4-BE49-F238E27FC236}">
-                <a16:creationId xmlns:a16="http://schemas.microsoft.com/office/drawing/2014/main" xmlns="" id="{17A8BB3D-2D35-4F66-AFB4-2A9AE7681862}"/>
-              </a:ext>
-            </a:extLst>
-          </p:cNvPr>
+          <p:cNvPr id="2" name="Title 1"/>
           <p:cNvSpPr>
             <a:spLocks noGrp="1"/>
           </p:cNvSpPr>
@@ -32827,33 +32600,61 @@
             <p:ph type="title"/>
           </p:nvPr>
         </p:nvSpPr>
-        <p:spPr>
-          <a:xfrm>
-            <a:off x="3496382" y="1563638"/>
-            <a:ext cx="2587786" cy="1460158"/>
-          </a:xfrm>
-        </p:spPr>
+        <p:spPr/>
         <p:txBody>
           <a:bodyPr/>
           <a:lstStyle/>
           <a:p>
-            <a:pPr algn="ctr"/>
             <a:r>
               <a:rPr lang="en-US" dirty="0"/>
-              <a:t>Real Data</a:t>
+              <a:t>Future Steps</a:t>
             </a:r>
           </a:p>
         </p:txBody>
       </p:sp>
       <p:sp>
         <p:nvSpPr>
-          <p:cNvPr id="3" name="Footer Placeholder 2">
-            <a:extLst>
-              <a:ext uri="{FF2B5EF4-FFF2-40B4-BE49-F238E27FC236}">
-                <a16:creationId xmlns:a16="http://schemas.microsoft.com/office/drawing/2014/main" xmlns="" id="{11862E8A-91FD-4C41-A192-DB3D27D88824}"/>
-              </a:ext>
-            </a:extLst>
-          </p:cNvPr>
+          <p:cNvPr id="3" name="Content Placeholder 2"/>
+          <p:cNvSpPr>
+            <a:spLocks noGrp="1"/>
+          </p:cNvSpPr>
+          <p:nvPr>
+            <p:ph idx="1"/>
+          </p:nvPr>
+        </p:nvSpPr>
+        <p:spPr/>
+        <p:txBody>
+          <a:bodyPr/>
+          <a:lstStyle/>
+          <a:p>
+            <a:r>
+              <a:rPr lang="en-US" dirty="0"/>
+              <a:t>Overlapping Simulations</a:t>
+            </a:r>
+          </a:p>
+          <a:p>
+            <a:r>
+              <a:rPr lang="en-US" dirty="0"/>
+              <a:t>Stop Criterion</a:t>
+            </a:r>
+          </a:p>
+          <a:p>
+            <a:r>
+              <a:rPr lang="en-US" dirty="0"/>
+              <a:t>Combination of Group Lasso with other methods</a:t>
+            </a:r>
+          </a:p>
+          <a:p>
+            <a:r>
+              <a:rPr lang="en-US" dirty="0"/>
+              <a:t>Endpoints</a:t>
+            </a:r>
+          </a:p>
+        </p:txBody>
+      </p:sp>
+      <p:sp>
+        <p:nvSpPr>
+          <p:cNvPr id="4" name="Footer Placeholder 3"/>
           <p:cNvSpPr>
             <a:spLocks noGrp="1"/>
           </p:cNvSpPr>
@@ -32904,13 +32705,7 @@
       </p:sp>
       <p:sp>
         <p:nvSpPr>
-          <p:cNvPr id="4" name="Slide Number Placeholder 3">
-            <a:extLst>
-              <a:ext uri="{FF2B5EF4-FFF2-40B4-BE49-F238E27FC236}">
-                <a16:creationId xmlns:a16="http://schemas.microsoft.com/office/drawing/2014/main" xmlns="" id="{9DA5ED20-07EE-4130-97A2-FC2FBDDF57B9}"/>
-              </a:ext>
-            </a:extLst>
-          </p:cNvPr>
+          <p:cNvPr id="5" name="Slide Number Placeholder 4"/>
           <p:cNvSpPr>
             <a:spLocks noGrp="1"/>
           </p:cNvSpPr>
@@ -32928,27 +32723,20 @@
               <a:pPr/>
               <a:t>48</a:t>
             </a:fld>
-            <a:endParaRPr kumimoji="1" lang="ja-JP" altLang="en-US"/>
+            <a:endParaRPr kumimoji="1" lang="ja-JP" altLang="en-US" dirty="0"/>
           </a:p>
         </p:txBody>
       </p:sp>
     </p:spTree>
     <p:extLst>
       <p:ext uri="{BB962C8B-B14F-4D97-AF65-F5344CB8AC3E}">
-        <p14:creationId xmlns:p14="http://schemas.microsoft.com/office/powerpoint/2010/main" val="2648673506"/>
+        <p14:creationId xmlns:p14="http://schemas.microsoft.com/office/powerpoint/2010/main" val="594547752"/>
       </p:ext>
     </p:extLst>
   </p:cSld>
   <p:clrMapOvr>
     <a:masterClrMapping/>
   </p:clrMapOvr>
-  <p:timing>
-    <p:tnLst>
-      <p:par>
-        <p:cTn id="1" dur="indefinite" restart="never" nodeType="tmRoot"/>
-      </p:par>
-    </p:tnLst>
-  </p:timing>
 </p:sld>
 </file>
 
@@ -32974,7 +32762,7 @@
           <p:cNvPr id="5" name="Footer Placeholder 4">
             <a:extLst>
               <a:ext uri="{FF2B5EF4-FFF2-40B4-BE49-F238E27FC236}">
-                <a16:creationId xmlns:a16="http://schemas.microsoft.com/office/drawing/2014/main" xmlns="" id="{6AC7966E-6694-4F89-AFC2-98BF0D06DAE2}"/>
+                <a16:creationId xmlns:a16="http://schemas.microsoft.com/office/drawing/2014/main" id="{6AC7966E-6694-4F89-AFC2-98BF0D06DAE2}"/>
               </a:ext>
             </a:extLst>
           </p:cNvPr>
@@ -33031,7 +32819,7 @@
           <p:cNvPr id="6" name="Slide Number Placeholder 5">
             <a:extLst>
               <a:ext uri="{FF2B5EF4-FFF2-40B4-BE49-F238E27FC236}">
-                <a16:creationId xmlns:a16="http://schemas.microsoft.com/office/drawing/2014/main" xmlns="" id="{75DC981C-CDAE-479D-AC14-3CE4B7209D43}"/>
+                <a16:creationId xmlns:a16="http://schemas.microsoft.com/office/drawing/2014/main" id="{75DC981C-CDAE-479D-AC14-3CE4B7209D43}"/>
               </a:ext>
             </a:extLst>
           </p:cNvPr>
@@ -33061,7 +32849,7 @@
           <p:cNvPr id="7" name="Content Placeholder 8" descr="A close up of a logo&#10;&#10;Description generated with high confidence">
             <a:extLst>
               <a:ext uri="{FF2B5EF4-FFF2-40B4-BE49-F238E27FC236}">
-                <a16:creationId xmlns:a16="http://schemas.microsoft.com/office/drawing/2014/main" xmlns="" id="{C6D8FF7C-12F3-4849-A8D2-8584E456505F}"/>
+                <a16:creationId xmlns:a16="http://schemas.microsoft.com/office/drawing/2014/main" id="{C6D8FF7C-12F3-4849-A8D2-8584E456505F}"/>
               </a:ext>
             </a:extLst>
           </p:cNvPr>
@@ -33095,7 +32883,7 @@
           <p:cNvPr id="8" name="Content Placeholder 8" descr="A close up of a logo&#10;&#10;Description generated with high confidence">
             <a:extLst>
               <a:ext uri="{FF2B5EF4-FFF2-40B4-BE49-F238E27FC236}">
-                <a16:creationId xmlns:a16="http://schemas.microsoft.com/office/drawing/2014/main" xmlns="" id="{F257EDCB-5B89-44E1-BCDB-1D2BEEDE97E5}"/>
+                <a16:creationId xmlns:a16="http://schemas.microsoft.com/office/drawing/2014/main" id="{F257EDCB-5B89-44E1-BCDB-1D2BEEDE97E5}"/>
               </a:ext>
             </a:extLst>
           </p:cNvPr>
@@ -33130,7 +32918,7 @@
           <p:cNvPr id="9" name="Content Placeholder 8" descr="A close up of a logo&#10;&#10;Description generated with high confidence">
             <a:extLst>
               <a:ext uri="{FF2B5EF4-FFF2-40B4-BE49-F238E27FC236}">
-                <a16:creationId xmlns:a16="http://schemas.microsoft.com/office/drawing/2014/main" xmlns="" id="{ADEB172C-62CE-401A-BF93-2023AC8F551C}"/>
+                <a16:creationId xmlns:a16="http://schemas.microsoft.com/office/drawing/2014/main" id="{ADEB172C-62CE-401A-BF93-2023AC8F551C}"/>
               </a:ext>
             </a:extLst>
           </p:cNvPr>
@@ -33165,7 +32953,7 @@
           <p:cNvPr id="10" name="Rectangle 9">
             <a:extLst>
               <a:ext uri="{FF2B5EF4-FFF2-40B4-BE49-F238E27FC236}">
-                <a16:creationId xmlns:a16="http://schemas.microsoft.com/office/drawing/2014/main" xmlns="" id="{A94EB12A-E96E-4462-81D8-1E932FFBDDD4}"/>
+                <a16:creationId xmlns:a16="http://schemas.microsoft.com/office/drawing/2014/main" id="{A94EB12A-E96E-4462-81D8-1E932FFBDDD4}"/>
               </a:ext>
             </a:extLst>
           </p:cNvPr>
@@ -33217,7 +33005,7 @@
           <p:cNvPr id="14" name="Content Placeholder 8" descr="A close up of a logo&#10;&#10;Description generated with high confidence">
             <a:extLst>
               <a:ext uri="{FF2B5EF4-FFF2-40B4-BE49-F238E27FC236}">
-                <a16:creationId xmlns:a16="http://schemas.microsoft.com/office/drawing/2014/main" xmlns="" id="{436AD839-8079-4916-A40B-509EA4269741}"/>
+                <a16:creationId xmlns:a16="http://schemas.microsoft.com/office/drawing/2014/main" id="{436AD839-8079-4916-A40B-509EA4269741}"/>
               </a:ext>
             </a:extLst>
           </p:cNvPr>
@@ -33252,7 +33040,7 @@
           <p:cNvPr id="15" name="Content Placeholder 8" descr="A close up of a logo&#10;&#10;Description generated with high confidence">
             <a:extLst>
               <a:ext uri="{FF2B5EF4-FFF2-40B4-BE49-F238E27FC236}">
-                <a16:creationId xmlns:a16="http://schemas.microsoft.com/office/drawing/2014/main" xmlns="" id="{37A73C32-7D27-4FDB-B0A7-1D103FDF7447}"/>
+                <a16:creationId xmlns:a16="http://schemas.microsoft.com/office/drawing/2014/main" id="{37A73C32-7D27-4FDB-B0A7-1D103FDF7447}"/>
               </a:ext>
             </a:extLst>
           </p:cNvPr>
@@ -33287,7 +33075,7 @@
           <p:cNvPr id="16" name="Content Placeholder 8" descr="A close up of a logo&#10;&#10;Description generated with high confidence">
             <a:extLst>
               <a:ext uri="{FF2B5EF4-FFF2-40B4-BE49-F238E27FC236}">
-                <a16:creationId xmlns:a16="http://schemas.microsoft.com/office/drawing/2014/main" xmlns="" id="{4C4FABD3-BF73-46EE-A423-F68A4430BED8}"/>
+                <a16:creationId xmlns:a16="http://schemas.microsoft.com/office/drawing/2014/main" id="{4C4FABD3-BF73-46EE-A423-F68A4430BED8}"/>
               </a:ext>
             </a:extLst>
           </p:cNvPr>
@@ -33322,7 +33110,7 @@
           <p:cNvPr id="17" name="Rectangle 16">
             <a:extLst>
               <a:ext uri="{FF2B5EF4-FFF2-40B4-BE49-F238E27FC236}">
-                <a16:creationId xmlns:a16="http://schemas.microsoft.com/office/drawing/2014/main" xmlns="" id="{1075960E-DBDE-45DA-AABF-71B555799A01}"/>
+                <a16:creationId xmlns:a16="http://schemas.microsoft.com/office/drawing/2014/main" id="{1075960E-DBDE-45DA-AABF-71B555799A01}"/>
               </a:ext>
             </a:extLst>
           </p:cNvPr>
@@ -33374,7 +33162,7 @@
           <p:cNvPr id="18" name="Rectangle 17">
             <a:extLst>
               <a:ext uri="{FF2B5EF4-FFF2-40B4-BE49-F238E27FC236}">
-                <a16:creationId xmlns:a16="http://schemas.microsoft.com/office/drawing/2014/main" xmlns="" id="{7063C499-4A50-4CB9-ABCA-40D4351CCDC1}"/>
+                <a16:creationId xmlns:a16="http://schemas.microsoft.com/office/drawing/2014/main" id="{7063C499-4A50-4CB9-ABCA-40D4351CCDC1}"/>
               </a:ext>
             </a:extLst>
           </p:cNvPr>
@@ -33426,7 +33214,7 @@
           <p:cNvPr id="19" name="Rectangle 18">
             <a:extLst>
               <a:ext uri="{FF2B5EF4-FFF2-40B4-BE49-F238E27FC236}">
-                <a16:creationId xmlns:a16="http://schemas.microsoft.com/office/drawing/2014/main" xmlns="" id="{DA2542BB-265D-40EA-B38F-B6F4D21B484C}"/>
+                <a16:creationId xmlns:a16="http://schemas.microsoft.com/office/drawing/2014/main" id="{DA2542BB-265D-40EA-B38F-B6F4D21B484C}"/>
               </a:ext>
             </a:extLst>
           </p:cNvPr>
@@ -33473,6 +33261,103 @@
           </a:p>
         </p:txBody>
       </p:sp>
+      <mc:AlternateContent xmlns:mc="http://schemas.openxmlformats.org/markup-compatibility/2006">
+        <mc:Choice xmlns:pslz="http://schemas.microsoft.com/office/powerpoint/2016/slidezoom" Requires="pslz">
+          <p:graphicFrame>
+            <p:nvGraphicFramePr>
+              <p:cNvPr id="3" name="Slide Zoom 2">
+                <a:extLst>
+                  <a:ext uri="{FF2B5EF4-FFF2-40B4-BE49-F238E27FC236}">
+                    <a16:creationId xmlns:a16="http://schemas.microsoft.com/office/drawing/2014/main" id="{C1D9CEF1-D9F7-4F53-A933-129430AEF6F4}"/>
+                  </a:ext>
+                </a:extLst>
+              </p:cNvPr>
+              <p:cNvGraphicFramePr>
+                <a:graphicFrameLocks noChangeAspect="1"/>
+              </p:cNvGraphicFramePr>
+              <p:nvPr>
+                <p:extLst>
+                  <p:ext uri="{D42A27DB-BD31-4B8C-83A1-F6EECF244321}">
+                    <p14:modId xmlns:p14="http://schemas.microsoft.com/office/powerpoint/2010/main" val="1437136170"/>
+                  </p:ext>
+                </p:extLst>
+              </p:nvPr>
+            </p:nvGraphicFramePr>
+            <p:xfrm>
+              <a:off x="6232585" y="1324711"/>
+              <a:ext cx="2286000" cy="1285875"/>
+            </p:xfrm>
+            <a:graphic>
+              <a:graphicData uri="http://schemas.microsoft.com/office/powerpoint/2016/slidezoom">
+                <pslz:sldZm>
+                  <pslz:sldZmObj sldId="318" cId="778686971">
+                    <pslz:zmPr id="{2BA79E40-E2F7-4866-8974-6ADA048FC4D4}" returnToParent="0" transitionDur="1000">
+                      <p166:blipFill xmlns:p166="http://schemas.microsoft.com/office/powerpoint/2016/6/main">
+                        <a:blip r:embed="rId4"/>
+                        <a:stretch>
+                          <a:fillRect/>
+                        </a:stretch>
+                      </p166:blipFill>
+                      <p166:spPr xmlns:p166="http://schemas.microsoft.com/office/powerpoint/2016/6/main">
+                        <a:xfrm>
+                          <a:off x="0" y="0"/>
+                          <a:ext cx="2286000" cy="1285875"/>
+                        </a:xfrm>
+                        <a:prstGeom prst="rect">
+                          <a:avLst/>
+                        </a:prstGeom>
+                        <a:ln w="3175">
+                          <a:solidFill>
+                            <a:prstClr val="ltGray"/>
+                          </a:solidFill>
+                        </a:ln>
+                      </p166:spPr>
+                    </pslz:zmPr>
+                  </pslz:sldZmObj>
+                </pslz:sldZm>
+              </a:graphicData>
+            </a:graphic>
+          </p:graphicFrame>
+        </mc:Choice>
+        <mc:Fallback>
+          <p:pic>
+            <p:nvPicPr>
+              <p:cNvPr id="3" name="Slide Zoom 2">
+                <a:hlinkClick r:id="rId5" action="ppaction://hlinksldjump"/>
+                <a:extLst>
+                  <a:ext uri="{FF2B5EF4-FFF2-40B4-BE49-F238E27FC236}">
+                    <a16:creationId xmlns:a16="http://schemas.microsoft.com/office/drawing/2014/main" id="{C1D9CEF1-D9F7-4F53-A933-129430AEF6F4}"/>
+                  </a:ext>
+                </a:extLst>
+              </p:cNvPr>
+              <p:cNvPicPr>
+                <a:picLocks noGrp="1" noRot="1" noChangeAspect="1" noMove="1" noResize="1" noEditPoints="1" noAdjustHandles="1" noChangeArrowheads="1" noChangeShapeType="1"/>
+              </p:cNvPicPr>
+              <p:nvPr/>
+            </p:nvPicPr>
+            <p:blipFill>
+              <a:blip r:embed="rId4"/>
+              <a:stretch>
+                <a:fillRect/>
+              </a:stretch>
+            </p:blipFill>
+            <p:spPr>
+              <a:xfrm>
+                <a:off x="6232585" y="1324711"/>
+                <a:ext cx="2286000" cy="1285875"/>
+              </a:xfrm>
+              <a:prstGeom prst="rect">
+                <a:avLst/>
+              </a:prstGeom>
+              <a:ln w="3175">
+                <a:solidFill>
+                  <a:prstClr val="ltGray"/>
+                </a:solidFill>
+              </a:ln>
+            </p:spPr>
+          </p:pic>
+        </mc:Fallback>
+      </mc:AlternateContent>
     </p:spTree>
     <p:extLst>
       <p:ext uri="{BB962C8B-B14F-4D97-AF65-F5344CB8AC3E}">
@@ -34407,180 +34292,6 @@
           <a:p>
             <a:r>
               <a:rPr lang="en-US" dirty="0"/>
-              <a:t>Future Steps</a:t>
-            </a:r>
-          </a:p>
-        </p:txBody>
-      </p:sp>
-      <p:sp>
-        <p:nvSpPr>
-          <p:cNvPr id="3" name="Content Placeholder 2"/>
-          <p:cNvSpPr>
-            <a:spLocks noGrp="1"/>
-          </p:cNvSpPr>
-          <p:nvPr>
-            <p:ph idx="1"/>
-          </p:nvPr>
-        </p:nvSpPr>
-        <p:spPr/>
-        <p:txBody>
-          <a:bodyPr/>
-          <a:lstStyle/>
-          <a:p>
-            <a:r>
-              <a:rPr lang="en-US" dirty="0"/>
-              <a:t>Overlapping Simulations</a:t>
-            </a:r>
-          </a:p>
-          <a:p>
-            <a:r>
-              <a:rPr lang="en-US" dirty="0"/>
-              <a:t>Stop Criterion</a:t>
-            </a:r>
-          </a:p>
-          <a:p>
-            <a:r>
-              <a:rPr lang="en-US" dirty="0"/>
-              <a:t>Combination of Group Lasso with other methods</a:t>
-            </a:r>
-          </a:p>
-          <a:p>
-            <a:r>
-              <a:rPr lang="en-US" dirty="0"/>
-              <a:t>Endpoints</a:t>
-            </a:r>
-          </a:p>
-        </p:txBody>
-      </p:sp>
-      <p:sp>
-        <p:nvSpPr>
-          <p:cNvPr id="4" name="Footer Placeholder 3"/>
-          <p:cNvSpPr>
-            <a:spLocks noGrp="1"/>
-          </p:cNvSpPr>
-          <p:nvPr>
-            <p:ph type="ftr" sz="quarter" idx="11"/>
-          </p:nvPr>
-        </p:nvSpPr>
-        <p:spPr/>
-        <p:txBody>
-          <a:bodyPr/>
-          <a:lstStyle/>
-          <a:p>
-            <a:r>
-              <a:rPr lang="ja-JP" altLang="en-US" dirty="0"/>
-              <a:t>｜</a:t>
-            </a:r>
-            <a:r>
-              <a:rPr lang="en-US" altLang="ja-JP" dirty="0"/>
-              <a:t>0000</a:t>
-            </a:r>
-            <a:r>
-              <a:rPr lang="ja-JP" altLang="en-US" dirty="0"/>
-              <a:t>　</a:t>
-            </a:r>
-            <a:r>
-              <a:rPr lang="en-US" altLang="ja-JP" dirty="0"/>
-              <a:t>|</a:t>
-            </a:r>
-            <a:r>
-              <a:rPr lang="ja-JP" altLang="en-US" dirty="0"/>
-              <a:t>　　</a:t>
-            </a:r>
-            <a:r>
-              <a:rPr lang="en-US" altLang="ja-JP" dirty="0"/>
-              <a:t> Aug 24</a:t>
-            </a:r>
-            <a:r>
-              <a:rPr lang="en-US" altLang="ja-JP" baseline="30000" dirty="0"/>
-              <a:t>th</a:t>
-            </a:r>
-            <a:r>
-              <a:rPr lang="en-US" altLang="ja-JP" dirty="0"/>
-              <a:t> 2018</a:t>
-            </a:r>
-            <a:endParaRPr lang="ja-JP" altLang="en-US" dirty="0"/>
-          </a:p>
-        </p:txBody>
-      </p:sp>
-      <p:sp>
-        <p:nvSpPr>
-          <p:cNvPr id="5" name="Slide Number Placeholder 4"/>
-          <p:cNvSpPr>
-            <a:spLocks noGrp="1"/>
-          </p:cNvSpPr>
-          <p:nvPr>
-            <p:ph type="sldNum" sz="quarter" idx="12"/>
-          </p:nvPr>
-        </p:nvSpPr>
-        <p:spPr/>
-        <p:txBody>
-          <a:bodyPr/>
-          <a:lstStyle/>
-          <a:p>
-            <a:fld id="{E9B57936-92EF-4126-AE48-1D9D36D15E98}" type="slidenum">
-              <a:rPr kumimoji="1" lang="ja-JP" altLang="en-US" smtClean="0"/>
-              <a:pPr/>
-              <a:t>49</a:t>
-            </a:fld>
-            <a:endParaRPr kumimoji="1" lang="ja-JP" altLang="en-US" dirty="0"/>
-          </a:p>
-        </p:txBody>
-      </p:sp>
-    </p:spTree>
-    <p:extLst>
-      <p:ext uri="{BB962C8B-B14F-4D97-AF65-F5344CB8AC3E}">
-        <p14:creationId xmlns:p14="http://schemas.microsoft.com/office/powerpoint/2010/main" val="594547752"/>
-      </p:ext>
-    </p:extLst>
-  </p:cSld>
-  <p:clrMapOvr>
-    <a:masterClrMapping/>
-  </p:clrMapOvr>
-  <p:timing>
-    <p:tnLst>
-      <p:par>
-        <p:cTn id="1" dur="indefinite" restart="never" nodeType="tmRoot"/>
-      </p:par>
-    </p:tnLst>
-  </p:timing>
-</p:sld>
-</file>
-
-<file path=ppt/slides/slide51.xml><?xml version="1.0" encoding="utf-8"?>
-<p:sld xmlns:a="http://schemas.openxmlformats.org/drawingml/2006/main" xmlns:r="http://schemas.openxmlformats.org/officeDocument/2006/relationships" xmlns:p="http://schemas.openxmlformats.org/presentationml/2006/main">
-  <p:cSld>
-    <p:spTree>
-      <p:nvGrpSpPr>
-        <p:cNvPr id="1" name=""/>
-        <p:cNvGrpSpPr/>
-        <p:nvPr/>
-      </p:nvGrpSpPr>
-      <p:grpSpPr>
-        <a:xfrm>
-          <a:off x="0" y="0"/>
-          <a:ext cx="0" cy="0"/>
-          <a:chOff x="0" y="0"/>
-          <a:chExt cx="0" cy="0"/>
-        </a:xfrm>
-      </p:grpSpPr>
-      <p:sp>
-        <p:nvSpPr>
-          <p:cNvPr id="2" name="Title 1"/>
-          <p:cNvSpPr>
-            <a:spLocks noGrp="1"/>
-          </p:cNvSpPr>
-          <p:nvPr>
-            <p:ph type="title"/>
-          </p:nvPr>
-        </p:nvSpPr>
-        <p:spPr/>
-        <p:txBody>
-          <a:bodyPr/>
-          <a:lstStyle/>
-          <a:p>
-            <a:r>
-              <a:rPr lang="en-US" dirty="0"/>
               <a:t>References</a:t>
             </a:r>
           </a:p>
@@ -34674,7 +34385,7 @@
             <a:fld id="{E9B57936-92EF-4126-AE48-1D9D36D15E98}" type="slidenum">
               <a:rPr kumimoji="1" lang="ja-JP" altLang="en-US" smtClean="0"/>
               <a:pPr/>
-              <a:t>50</a:t>
+              <a:t>49</a:t>
             </a:fld>
             <a:endParaRPr kumimoji="1" lang="ja-JP" altLang="en-US" dirty="0"/>
           </a:p>
@@ -34690,17 +34401,10 @@
   <p:clrMapOvr>
     <a:masterClrMapping/>
   </p:clrMapOvr>
-  <p:timing>
-    <p:tnLst>
-      <p:par>
-        <p:cTn id="1" dur="indefinite" restart="never" nodeType="tmRoot"/>
-      </p:par>
-    </p:tnLst>
-  </p:timing>
 </p:sld>
 </file>
 
-<file path=ppt/slides/slide52.xml><?xml version="1.0" encoding="utf-8"?>
+<file path=ppt/slides/slide51.xml><?xml version="1.0" encoding="utf-8"?>
 <p:sld xmlns:a="http://schemas.openxmlformats.org/drawingml/2006/main" xmlns:r="http://schemas.openxmlformats.org/officeDocument/2006/relationships" xmlns:p="http://schemas.openxmlformats.org/presentationml/2006/main">
   <p:cSld>
     <p:spTree>
@@ -34749,13 +34453,6 @@
   <p:clrMapOvr>
     <a:masterClrMapping/>
   </p:clrMapOvr>
-  <p:timing>
-    <p:tnLst>
-      <p:par>
-        <p:cTn id="1" dur="indefinite" restart="never" nodeType="tmRoot"/>
-      </p:par>
-    </p:tnLst>
-  </p:timing>
 </p:sld>
 </file>
 
@@ -34781,7 +34478,7 @@
           <p:cNvPr id="1026" name="Picture 2" descr="https://www.almacgroup.com/wp-content/uploads/2017/05/image-two.png">
             <a:extLst>
               <a:ext uri="{FF2B5EF4-FFF2-40B4-BE49-F238E27FC236}">
-                <a16:creationId xmlns:a16="http://schemas.microsoft.com/office/drawing/2014/main" xmlns="" id="{E867E7A2-8CC0-46B4-BFF0-6C32B06ABEE2}"/>
+                <a16:creationId xmlns:a16="http://schemas.microsoft.com/office/drawing/2014/main" id="{E867E7A2-8CC0-46B4-BFF0-6C32B06ABEE2}"/>
               </a:ext>
             </a:extLst>
           </p:cNvPr>
@@ -34828,7 +34525,7 @@
           <p:cNvPr id="5" name="Rectangle 4">
             <a:extLst>
               <a:ext uri="{FF2B5EF4-FFF2-40B4-BE49-F238E27FC236}">
-                <a16:creationId xmlns:a16="http://schemas.microsoft.com/office/drawing/2014/main" xmlns="" id="{4E2B386B-E39D-49FE-A910-C82ADD38FF9D}"/>
+                <a16:creationId xmlns:a16="http://schemas.microsoft.com/office/drawing/2014/main" id="{4E2B386B-E39D-49FE-A910-C82ADD38FF9D}"/>
               </a:ext>
             </a:extLst>
           </p:cNvPr>
@@ -34882,7 +34579,7 @@
           <p:cNvPr id="6" name="TextBox 5">
             <a:extLst>
               <a:ext uri="{FF2B5EF4-FFF2-40B4-BE49-F238E27FC236}">
-                <a16:creationId xmlns:a16="http://schemas.microsoft.com/office/drawing/2014/main" xmlns="" id="{0773589D-C5B3-4615-A900-47F413CA0D37}"/>
+                <a16:creationId xmlns:a16="http://schemas.microsoft.com/office/drawing/2014/main" id="{0773589D-C5B3-4615-A900-47F413CA0D37}"/>
               </a:ext>
             </a:extLst>
           </p:cNvPr>
@@ -34924,7 +34621,7 @@
           <p:cNvPr id="7" name="Rectangle: Rounded Corners 6">
             <a:extLst>
               <a:ext uri="{FF2B5EF4-FFF2-40B4-BE49-F238E27FC236}">
-                <a16:creationId xmlns:a16="http://schemas.microsoft.com/office/drawing/2014/main" xmlns="" id="{D8171938-008D-42E2-BEAB-8033B90F3225}"/>
+                <a16:creationId xmlns:a16="http://schemas.microsoft.com/office/drawing/2014/main" id="{D8171938-008D-42E2-BEAB-8033B90F3225}"/>
               </a:ext>
             </a:extLst>
           </p:cNvPr>
@@ -34978,7 +34675,7 @@
           <p:cNvPr id="10" name="TextBox 9">
             <a:extLst>
               <a:ext uri="{FF2B5EF4-FFF2-40B4-BE49-F238E27FC236}">
-                <a16:creationId xmlns:a16="http://schemas.microsoft.com/office/drawing/2014/main" xmlns="" id="{C7B28F70-E44D-430F-A8AD-A49444776531}"/>
+                <a16:creationId xmlns:a16="http://schemas.microsoft.com/office/drawing/2014/main" id="{C7B28F70-E44D-430F-A8AD-A49444776531}"/>
               </a:ext>
             </a:extLst>
           </p:cNvPr>
@@ -35020,7 +34717,7 @@
           <p:cNvPr id="12" name="Title 1">
             <a:extLst>
               <a:ext uri="{FF2B5EF4-FFF2-40B4-BE49-F238E27FC236}">
-                <a16:creationId xmlns:a16="http://schemas.microsoft.com/office/drawing/2014/main" xmlns="" id="{38583C8C-DF97-4568-BBC0-1E6B87C39B83}"/>
+                <a16:creationId xmlns:a16="http://schemas.microsoft.com/office/drawing/2014/main" id="{38583C8C-DF97-4568-BBC0-1E6B87C39B83}"/>
               </a:ext>
             </a:extLst>
           </p:cNvPr>
@@ -35083,7 +34780,7 @@
           <p:cNvPr id="2" name="Title 1">
             <a:extLst>
               <a:ext uri="{FF2B5EF4-FFF2-40B4-BE49-F238E27FC236}">
-                <a16:creationId xmlns:a16="http://schemas.microsoft.com/office/drawing/2014/main" xmlns="" id="{2402DCD2-0C35-4CD9-9D55-3AD27C4E6E1A}"/>
+                <a16:creationId xmlns:a16="http://schemas.microsoft.com/office/drawing/2014/main" id="{2402DCD2-0C35-4CD9-9D55-3AD27C4E6E1A}"/>
               </a:ext>
             </a:extLst>
           </p:cNvPr>
@@ -35111,7 +34808,7 @@
           <p:cNvPr id="4" name="Footer Placeholder 3">
             <a:extLst>
               <a:ext uri="{FF2B5EF4-FFF2-40B4-BE49-F238E27FC236}">
-                <a16:creationId xmlns:a16="http://schemas.microsoft.com/office/drawing/2014/main" xmlns="" id="{ED5DDAB4-5465-4C02-B012-5C2392656E96}"/>
+                <a16:creationId xmlns:a16="http://schemas.microsoft.com/office/drawing/2014/main" id="{ED5DDAB4-5465-4C02-B012-5C2392656E96}"/>
               </a:ext>
             </a:extLst>
           </p:cNvPr>
@@ -35168,7 +34865,7 @@
           <p:cNvPr id="5" name="Slide Number Placeholder 4">
             <a:extLst>
               <a:ext uri="{FF2B5EF4-FFF2-40B4-BE49-F238E27FC236}">
-                <a16:creationId xmlns:a16="http://schemas.microsoft.com/office/drawing/2014/main" xmlns="" id="{CECCB517-DD7E-441C-B5C0-DA6D32B76F01}"/>
+                <a16:creationId xmlns:a16="http://schemas.microsoft.com/office/drawing/2014/main" id="{CECCB517-DD7E-441C-B5C0-DA6D32B76F01}"/>
               </a:ext>
             </a:extLst>
           </p:cNvPr>
@@ -35198,7 +34895,7 @@
           <p:cNvPr id="1026" name="Picture 2" descr="Image result for variable selection">
             <a:extLst>
               <a:ext uri="{FF2B5EF4-FFF2-40B4-BE49-F238E27FC236}">
-                <a16:creationId xmlns:a16="http://schemas.microsoft.com/office/drawing/2014/main" xmlns="" id="{4FE87B62-E8A2-4781-8542-17DA5F458E8D}"/>
+                <a16:creationId xmlns:a16="http://schemas.microsoft.com/office/drawing/2014/main" id="{4FE87B62-E8A2-4781-8542-17DA5F458E8D}"/>
               </a:ext>
             </a:extLst>
           </p:cNvPr>
@@ -35245,7 +34942,7 @@
           <p:cNvPr id="1028" name="Picture 4" descr="Image result for lasso">
             <a:extLst>
               <a:ext uri="{FF2B5EF4-FFF2-40B4-BE49-F238E27FC236}">
-                <a16:creationId xmlns:a16="http://schemas.microsoft.com/office/drawing/2014/main" xmlns="" id="{FC74E8AF-26B6-489F-9DAA-748E12CFDBFC}"/>
+                <a16:creationId xmlns:a16="http://schemas.microsoft.com/office/drawing/2014/main" id="{FC74E8AF-26B6-489F-9DAA-748E12CFDBFC}"/>
               </a:ext>
             </a:extLst>
           </p:cNvPr>
@@ -35292,7 +34989,7 @@
           <p:cNvPr id="6" name="TextBox 5">
             <a:extLst>
               <a:ext uri="{FF2B5EF4-FFF2-40B4-BE49-F238E27FC236}">
-                <a16:creationId xmlns:a16="http://schemas.microsoft.com/office/drawing/2014/main" xmlns="" id="{C14B3A59-74C7-4D01-AFC3-2CF85B50385C}"/>
+                <a16:creationId xmlns:a16="http://schemas.microsoft.com/office/drawing/2014/main" id="{C14B3A59-74C7-4D01-AFC3-2CF85B50385C}"/>
               </a:ext>
             </a:extLst>
           </p:cNvPr>
@@ -35478,7 +35175,7 @@
           <p:cNvPr id="2" name="Title 1">
             <a:extLst>
               <a:ext uri="{FF2B5EF4-FFF2-40B4-BE49-F238E27FC236}">
-                <a16:creationId xmlns:a16="http://schemas.microsoft.com/office/drawing/2014/main" xmlns="" id="{6D33CD07-ACD3-477C-A5E6-452B122FF8EB}"/>
+                <a16:creationId xmlns:a16="http://schemas.microsoft.com/office/drawing/2014/main" id="{6D33CD07-ACD3-477C-A5E6-452B122FF8EB}"/>
               </a:ext>
             </a:extLst>
           </p:cNvPr>
@@ -35506,7 +35203,7 @@
           <p:cNvPr id="4" name="Footer Placeholder 3">
             <a:extLst>
               <a:ext uri="{FF2B5EF4-FFF2-40B4-BE49-F238E27FC236}">
-                <a16:creationId xmlns:a16="http://schemas.microsoft.com/office/drawing/2014/main" xmlns="" id="{7E62D83B-F16B-463F-B120-60AA6E0B32BF}"/>
+                <a16:creationId xmlns:a16="http://schemas.microsoft.com/office/drawing/2014/main" id="{7E62D83B-F16B-463F-B120-60AA6E0B32BF}"/>
               </a:ext>
             </a:extLst>
           </p:cNvPr>
@@ -35563,7 +35260,7 @@
           <p:cNvPr id="5" name="Slide Number Placeholder 4">
             <a:extLst>
               <a:ext uri="{FF2B5EF4-FFF2-40B4-BE49-F238E27FC236}">
-                <a16:creationId xmlns:a16="http://schemas.microsoft.com/office/drawing/2014/main" xmlns="" id="{6144BC6C-FC32-4CD0-AD45-9F87F70D3CC2}"/>
+                <a16:creationId xmlns:a16="http://schemas.microsoft.com/office/drawing/2014/main" id="{6144BC6C-FC32-4CD0-AD45-9F87F70D3CC2}"/>
               </a:ext>
             </a:extLst>
           </p:cNvPr>
@@ -35595,7 +35292,7 @@
               <p:cNvPr id="6" name="Content Placeholder 5">
                 <a:extLst>
                   <a:ext uri="{FF2B5EF4-FFF2-40B4-BE49-F238E27FC236}">
-                    <a16:creationId xmlns:a16="http://schemas.microsoft.com/office/drawing/2014/main" xmlns="" id="{8EE6EF1C-7BAD-43FC-8EDB-996441C677D3}"/>
+                    <a16:creationId xmlns:a16="http://schemas.microsoft.com/office/drawing/2014/main" id="{8EE6EF1C-7BAD-43FC-8EDB-996441C677D3}"/>
                   </a:ext>
                 </a:extLst>
               </p:cNvPr>
@@ -35625,7 +35322,7 @@
                       <m:limLowPr>
                         <m:ctrlPr>
                           <a:rPr lang="en-US" b="0" i="1" smtClean="0">
-                            <a:latin typeface="Cambria Math" charset="0"/>
+                            <a:latin typeface="Cambria Math" panose="02040503050406030204" pitchFamily="18" charset="0"/>
                           </a:rPr>
                         </m:ctrlPr>
                       </m:limLowPr>
@@ -35653,7 +35350,7 @@
                       <m:fPr>
                         <m:ctrlPr>
                           <a:rPr lang="en-US" b="0" i="1" smtClean="0">
-                            <a:latin typeface="Cambria Math" charset="0"/>
+                            <a:latin typeface="Cambria Math" panose="02040503050406030204" pitchFamily="18" charset="0"/>
                           </a:rPr>
                         </m:ctrlPr>
                       </m:fPr>
@@ -35708,7 +35405,7 @@
                       <m:sSupPr>
                         <m:ctrlPr>
                           <a:rPr lang="en-US" b="0" i="1" smtClean="0">
-                            <a:latin typeface="Cambria Math" charset="0"/>
+                            <a:latin typeface="Cambria Math" panose="02040503050406030204" pitchFamily="18" charset="0"/>
                           </a:rPr>
                         </m:ctrlPr>
                       </m:sSupPr>
@@ -35753,7 +35450,7 @@
                       <m:sSubPr>
                         <m:ctrlPr>
                           <a:rPr lang="en-US" i="1">
-                            <a:latin typeface="Cambria Math" charset="0"/>
+                            <a:latin typeface="Cambria Math" panose="02040503050406030204" pitchFamily="18" charset="0"/>
                           </a:rPr>
                         </m:ctrlPr>
                       </m:sSubPr>
@@ -35764,7 +35461,7 @@
                             <m:endChr m:val="|"/>
                             <m:ctrlPr>
                               <a:rPr lang="en-US" i="1">
-                                <a:latin typeface="Cambria Math" charset="0"/>
+                                <a:latin typeface="Cambria Math" panose="02040503050406030204" pitchFamily="18" charset="0"/>
                               </a:rPr>
                             </m:ctrlPr>
                           </m:dPr>
@@ -35827,7 +35524,7 @@
                         <m:limLowPr>
                           <m:ctrlPr>
                             <a:rPr lang="en-US" b="0" i="1" smtClean="0">
-                              <a:latin typeface="Cambria Math" charset="0"/>
+                              <a:latin typeface="Cambria Math" panose="02040503050406030204" pitchFamily="18" charset="0"/>
                             </a:rPr>
                           </m:ctrlPr>
                         </m:limLowPr>
@@ -35855,7 +35552,7 @@
                         <m:fPr>
                           <m:ctrlPr>
                             <a:rPr lang="en-US" b="0" i="1" smtClean="0">
-                              <a:latin typeface="Cambria Math" charset="0"/>
+                              <a:latin typeface="Cambria Math" panose="02040503050406030204" pitchFamily="18" charset="0"/>
                             </a:rPr>
                           </m:ctrlPr>
                         </m:fPr>
@@ -35910,7 +35607,7 @@
                         <m:sSupPr>
                           <m:ctrlPr>
                             <a:rPr lang="en-US" b="0" i="1" smtClean="0">
-                              <a:latin typeface="Cambria Math" charset="0"/>
+                              <a:latin typeface="Cambria Math" panose="02040503050406030204" pitchFamily="18" charset="0"/>
                             </a:rPr>
                           </m:ctrlPr>
                         </m:sSupPr>
@@ -35977,7 +35674,7 @@
                         <m:sSubPr>
                           <m:ctrlPr>
                             <a:rPr lang="en-US" b="0" i="1" smtClean="0">
-                              <a:latin typeface="Cambria Math" charset="0"/>
+                              <a:latin typeface="Cambria Math" panose="02040503050406030204" pitchFamily="18" charset="0"/>
                             </a:rPr>
                           </m:ctrlPr>
                         </m:sSubPr>
@@ -35988,7 +35685,7 @@
                               <m:endChr m:val="|"/>
                               <m:ctrlPr>
                                 <a:rPr lang="en-US" b="0" i="1" smtClean="0">
-                                  <a:latin typeface="Cambria Math" charset="0"/>
+                                  <a:latin typeface="Cambria Math" panose="02040503050406030204" pitchFamily="18" charset="0"/>
                                 </a:rPr>
                               </m:ctrlPr>
                             </m:dPr>
@@ -36101,7 +35798,7 @@
           <p:cNvPr id="8" name="Picture 2" descr="Image result for lasso algorithm">
             <a:extLst>
               <a:ext uri="{FF2B5EF4-FFF2-40B4-BE49-F238E27FC236}">
-                <a16:creationId xmlns:a16="http://schemas.microsoft.com/office/drawing/2014/main" xmlns="" id="{B7102A31-B859-49A4-A3C6-D4FDBD47EDCF}"/>
+                <a16:creationId xmlns:a16="http://schemas.microsoft.com/office/drawing/2014/main" id="{B7102A31-B859-49A4-A3C6-D4FDBD47EDCF}"/>
               </a:ext>
             </a:extLst>
           </p:cNvPr>
@@ -36146,7 +35843,7 @@
           <p:cNvPr id="7" name="Arrow: Up-Down 6">
             <a:extLst>
               <a:ext uri="{FF2B5EF4-FFF2-40B4-BE49-F238E27FC236}">
-                <a16:creationId xmlns:a16="http://schemas.microsoft.com/office/drawing/2014/main" xmlns="" id="{FD113EF2-491B-4609-8921-03FCAB08BF1E}"/>
+                <a16:creationId xmlns:a16="http://schemas.microsoft.com/office/drawing/2014/main" id="{FD113EF2-491B-4609-8921-03FCAB08BF1E}"/>
               </a:ext>
             </a:extLst>
           </p:cNvPr>
@@ -36192,7 +35889,7 @@
           <p:cNvPr id="3" name="Rectangle 2">
             <a:extLst>
               <a:ext uri="{FF2B5EF4-FFF2-40B4-BE49-F238E27FC236}">
-                <a16:creationId xmlns:a16="http://schemas.microsoft.com/office/drawing/2014/main" xmlns="" id="{78E5842B-094D-4251-BF6D-9492E15A8993}"/>
+                <a16:creationId xmlns:a16="http://schemas.microsoft.com/office/drawing/2014/main" id="{78E5842B-094D-4251-BF6D-9492E15A8993}"/>
               </a:ext>
             </a:extLst>
           </p:cNvPr>
@@ -36244,7 +35941,7 @@
           <p:cNvPr id="9" name="Callout: Bent Line 8">
             <a:extLst>
               <a:ext uri="{FF2B5EF4-FFF2-40B4-BE49-F238E27FC236}">
-                <a16:creationId xmlns:a16="http://schemas.microsoft.com/office/drawing/2014/main" xmlns="" id="{77F1B6FA-577C-4BA6-B36B-E67253C71A96}"/>
+                <a16:creationId xmlns:a16="http://schemas.microsoft.com/office/drawing/2014/main" id="{77F1B6FA-577C-4BA6-B36B-E67253C71A96}"/>
               </a:ext>
             </a:extLst>
           </p:cNvPr>
@@ -36291,7 +35988,7 @@
           <p:cNvPr id="10" name="TextBox 9">
             <a:extLst>
               <a:ext uri="{FF2B5EF4-FFF2-40B4-BE49-F238E27FC236}">
-                <a16:creationId xmlns:a16="http://schemas.microsoft.com/office/drawing/2014/main" xmlns="" id="{45DC9FD1-1820-4C6F-B16B-91B83527087D}"/>
+                <a16:creationId xmlns:a16="http://schemas.microsoft.com/office/drawing/2014/main" id="{45DC9FD1-1820-4C6F-B16B-91B83527087D}"/>
               </a:ext>
             </a:extLst>
           </p:cNvPr>
@@ -36413,45 +36110,37 @@
                             </p:stCondLst>
                             <p:childTnLst>
                               <p:par>
-                                <p:cTn id="10" presetID="10" presetClass="entr" presetSubtype="0" fill="hold" grpId="0" nodeType="clickEffect">
+                                <p:cTn id="10" presetID="10" presetClass="exit" presetSubtype="0" fill="hold" grpId="0" nodeType="clickEffect">
                                   <p:stCondLst>
                                     <p:cond delay="0"/>
                                   </p:stCondLst>
                                   <p:childTnLst>
+                                    <p:animEffect transition="out" filter="fade">
+                                      <p:cBhvr>
+                                        <p:cTn id="11" dur="500"/>
+                                        <p:tgtEl>
+                                          <p:spTgt spid="3"/>
+                                        </p:tgtEl>
+                                      </p:cBhvr>
+                                    </p:animEffect>
                                     <p:set>
                                       <p:cBhvr>
-                                        <p:cTn id="11" dur="1" fill="hold">
+                                        <p:cTn id="12" dur="1" fill="hold">
                                           <p:stCondLst>
-                                            <p:cond delay="0"/>
+                                            <p:cond delay="499"/>
                                           </p:stCondLst>
                                         </p:cTn>
                                         <p:tgtEl>
-                                          <p:spTgt spid="6">
-                                            <p:txEl>
-                                              <p:pRg st="4" end="4"/>
-                                            </p:txEl>
-                                          </p:spTgt>
+                                          <p:spTgt spid="3"/>
                                         </p:tgtEl>
                                         <p:attrNameLst>
                                           <p:attrName>style.visibility</p:attrName>
                                         </p:attrNameLst>
                                       </p:cBhvr>
                                       <p:to>
-                                        <p:strVal val="visible"/>
+                                        <p:strVal val="hidden"/>
                                       </p:to>
                                     </p:set>
-                                    <p:animEffect transition="in" filter="fade">
-                                      <p:cBhvr>
-                                        <p:cTn id="12" dur="500"/>
-                                        <p:tgtEl>
-                                          <p:spTgt spid="6">
-                                            <p:txEl>
-                                              <p:pRg st="4" end="4"/>
-                                            </p:txEl>
-                                          </p:spTgt>
-                                        </p:tgtEl>
-                                      </p:cBhvr>
-                                    </p:animEffect>
                                   </p:childTnLst>
                                 </p:cTn>
                               </p:par>
@@ -36487,11 +36176,7 @@
                                           </p:stCondLst>
                                         </p:cTn>
                                         <p:tgtEl>
-                                          <p:spTgt spid="6">
-                                            <p:txEl>
-                                              <p:pRg st="5" end="5"/>
-                                            </p:txEl>
-                                          </p:spTgt>
+                                          <p:spTgt spid="9"/>
                                         </p:tgtEl>
                                         <p:attrNameLst>
                                           <p:attrName>style.visibility</p:attrName>
@@ -36505,11 +36190,7 @@
                                       <p:cBhvr>
                                         <p:cTn id="17" dur="500"/>
                                         <p:tgtEl>
-                                          <p:spTgt spid="6">
-                                            <p:txEl>
-                                              <p:pRg st="5" end="5"/>
-                                            </p:txEl>
-                                          </p:spTgt>
+                                          <p:spTgt spid="9"/>
                                         </p:tgtEl>
                                       </p:cBhvr>
                                     </p:animEffect>
@@ -36535,37 +36216,45 @@
                             </p:stCondLst>
                             <p:childTnLst>
                               <p:par>
-                                <p:cTn id="20" presetID="10" presetClass="exit" presetSubtype="0" fill="hold" grpId="0" nodeType="clickEffect">
+                                <p:cTn id="20" presetID="10" presetClass="entr" presetSubtype="0" fill="hold" grpId="0" nodeType="clickEffect">
                                   <p:stCondLst>
                                     <p:cond delay="0"/>
                                   </p:stCondLst>
                                   <p:childTnLst>
-                                    <p:animEffect transition="out" filter="fade">
-                                      <p:cBhvr>
-                                        <p:cTn id="21" dur="500"/>
-                                        <p:tgtEl>
-                                          <p:spTgt spid="3"/>
-                                        </p:tgtEl>
-                                      </p:cBhvr>
-                                    </p:animEffect>
                                     <p:set>
                                       <p:cBhvr>
-                                        <p:cTn id="22" dur="1" fill="hold">
+                                        <p:cTn id="21" dur="1" fill="hold">
                                           <p:stCondLst>
-                                            <p:cond delay="499"/>
+                                            <p:cond delay="0"/>
                                           </p:stCondLst>
                                         </p:cTn>
                                         <p:tgtEl>
-                                          <p:spTgt spid="3"/>
+                                          <p:spTgt spid="6">
+                                            <p:txEl>
+                                              <p:pRg st="4" end="4"/>
+                                            </p:txEl>
+                                          </p:spTgt>
                                         </p:tgtEl>
                                         <p:attrNameLst>
                                           <p:attrName>style.visibility</p:attrName>
                                         </p:attrNameLst>
                                       </p:cBhvr>
                                       <p:to>
-                                        <p:strVal val="hidden"/>
+                                        <p:strVal val="visible"/>
                                       </p:to>
                                     </p:set>
+                                    <p:animEffect transition="in" filter="fade">
+                                      <p:cBhvr>
+                                        <p:cTn id="22" dur="500"/>
+                                        <p:tgtEl>
+                                          <p:spTgt spid="6">
+                                            <p:txEl>
+                                              <p:pRg st="4" end="4"/>
+                                            </p:txEl>
+                                          </p:spTgt>
+                                        </p:tgtEl>
+                                      </p:cBhvr>
+                                    </p:animEffect>
                                   </p:childTnLst>
                                 </p:cTn>
                               </p:par>
@@ -36601,7 +36290,11 @@
                                           </p:stCondLst>
                                         </p:cTn>
                                         <p:tgtEl>
-                                          <p:spTgt spid="9"/>
+                                          <p:spTgt spid="6">
+                                            <p:txEl>
+                                              <p:pRg st="5" end="5"/>
+                                            </p:txEl>
+                                          </p:spTgt>
                                         </p:tgtEl>
                                         <p:attrNameLst>
                                           <p:attrName>style.visibility</p:attrName>
@@ -36615,7 +36308,11 @@
                                       <p:cBhvr>
                                         <p:cTn id="27" dur="500"/>
                                         <p:tgtEl>
-                                          <p:spTgt spid="9"/>
+                                          <p:spTgt spid="6">
+                                            <p:txEl>
+                                              <p:pRg st="5" end="5"/>
+                                            </p:txEl>
+                                          </p:spTgt>
                                         </p:tgtEl>
                                       </p:cBhvr>
                                     </p:animEffect>
@@ -36823,7 +36520,7 @@
           <p:cNvPr id="2" name="Title 1">
             <a:extLst>
               <a:ext uri="{FF2B5EF4-FFF2-40B4-BE49-F238E27FC236}">
-                <a16:creationId xmlns:a16="http://schemas.microsoft.com/office/drawing/2014/main" xmlns="" id="{17A8BB3D-2D35-4F66-AFB4-2A9AE7681862}"/>
+                <a16:creationId xmlns:a16="http://schemas.microsoft.com/office/drawing/2014/main" id="{17A8BB3D-2D35-4F66-AFB4-2A9AE7681862}"/>
               </a:ext>
             </a:extLst>
           </p:cNvPr>
@@ -36857,7 +36554,7 @@
           <p:cNvPr id="3" name="Footer Placeholder 2">
             <a:extLst>
               <a:ext uri="{FF2B5EF4-FFF2-40B4-BE49-F238E27FC236}">
-                <a16:creationId xmlns:a16="http://schemas.microsoft.com/office/drawing/2014/main" xmlns="" id="{11862E8A-91FD-4C41-A192-DB3D27D88824}"/>
+                <a16:creationId xmlns:a16="http://schemas.microsoft.com/office/drawing/2014/main" id="{11862E8A-91FD-4C41-A192-DB3D27D88824}"/>
               </a:ext>
             </a:extLst>
           </p:cNvPr>
@@ -36914,7 +36611,7 @@
           <p:cNvPr id="4" name="Slide Number Placeholder 3">
             <a:extLst>
               <a:ext uri="{FF2B5EF4-FFF2-40B4-BE49-F238E27FC236}">
-                <a16:creationId xmlns:a16="http://schemas.microsoft.com/office/drawing/2014/main" xmlns="" id="{9DA5ED20-07EE-4130-97A2-FC2FBDDF57B9}"/>
+                <a16:creationId xmlns:a16="http://schemas.microsoft.com/office/drawing/2014/main" id="{9DA5ED20-07EE-4130-97A2-FC2FBDDF57B9}"/>
               </a:ext>
             </a:extLst>
           </p:cNvPr>

--- a/manu & slides/Final.pptx
+++ b/manu & slides/Final.pptx
@@ -11041,6 +11041,13 @@
   <p:clrMapOvr>
     <a:masterClrMapping/>
   </p:clrMapOvr>
+  <p:timing>
+    <p:tnLst>
+      <p:par>
+        <p:cTn id="1" dur="indefinite" restart="never" nodeType="tmRoot"/>
+      </p:par>
+    </p:tnLst>
+  </p:timing>
 </p:sld>
 </file>
 
@@ -19110,6 +19117,59 @@
                       </p:childTnLst>
                     </p:cTn>
                   </p:par>
+                  <p:par>
+                    <p:cTn id="33" fill="hold">
+                      <p:stCondLst>
+                        <p:cond delay="indefinite"/>
+                      </p:stCondLst>
+                      <p:childTnLst>
+                        <p:par>
+                          <p:cTn id="34" fill="hold">
+                            <p:stCondLst>
+                              <p:cond delay="0"/>
+                            </p:stCondLst>
+                            <p:childTnLst>
+                              <p:par>
+                                <p:cTn id="35" presetID="10" presetClass="exit" presetSubtype="0" fill="hold" grpId="1" nodeType="clickEffect">
+                                  <p:stCondLst>
+                                    <p:cond delay="0"/>
+                                  </p:stCondLst>
+                                  <p:childTnLst>
+                                    <p:animEffect transition="out" filter="fade">
+                                      <p:cBhvr>
+                                        <p:cTn id="36" dur="500"/>
+                                        <p:tgtEl>
+                                          <p:spTgt spid="6"/>
+                                        </p:tgtEl>
+                                      </p:cBhvr>
+                                    </p:animEffect>
+                                    <p:set>
+                                      <p:cBhvr>
+                                        <p:cTn id="37" dur="1" fill="hold">
+                                          <p:stCondLst>
+                                            <p:cond delay="499"/>
+                                          </p:stCondLst>
+                                        </p:cTn>
+                                        <p:tgtEl>
+                                          <p:spTgt spid="6"/>
+                                        </p:tgtEl>
+                                        <p:attrNameLst>
+                                          <p:attrName>style.visibility</p:attrName>
+                                        </p:attrNameLst>
+                                      </p:cBhvr>
+                                      <p:to>
+                                        <p:strVal val="hidden"/>
+                                      </p:to>
+                                    </p:set>
+                                  </p:childTnLst>
+                                </p:cTn>
+                              </p:par>
+                            </p:childTnLst>
+                          </p:cTn>
+                        </p:par>
+                      </p:childTnLst>
+                    </p:cTn>
+                  </p:par>
                 </p:childTnLst>
               </p:cTn>
               <p:prevCondLst>
@@ -19134,6 +19194,7 @@
     <p:bldLst>
       <p:bldP spid="3" grpId="0" uiExpand="1" build="p"/>
       <p:bldP spid="6" grpId="0" animBg="1"/>
+      <p:bldP spid="6" grpId="1" animBg="1"/>
     </p:bldLst>
   </p:timing>
 </p:sld>
@@ -22399,7 +22460,19 @@
           <a:p>
             <a:r>
               <a:rPr lang="en-US" dirty="0"/>
-              <a:t>Dimensions for baseline variables = </a:t>
+              <a:t>Dimensions for baseline </a:t>
+            </a:r>
+            <a:r>
+              <a:rPr lang="en-US" altLang="zh-CN" dirty="0" smtClean="0"/>
+              <a:t>covariates</a:t>
+            </a:r>
+            <a:r>
+              <a:rPr lang="en-US" dirty="0" smtClean="0"/>
+              <a:t> </a:t>
+            </a:r>
+            <a:r>
+              <a:rPr lang="en-US" dirty="0"/>
+              <a:t>= </a:t>
             </a:r>
             <a:r>
               <a:rPr lang="en-US" altLang="zh-CN" dirty="0"/>
@@ -22418,7 +22491,19 @@
           <a:p>
             <a:r>
               <a:rPr lang="en-US" dirty="0"/>
-              <a:t>Dimensions for treatment variable = 1, (binary: +1,-1)</a:t>
+              <a:t>Dimensions for treatment </a:t>
+            </a:r>
+            <a:r>
+              <a:rPr lang="en-US" dirty="0" smtClean="0"/>
+              <a:t>covariate</a:t>
+            </a:r>
+            <a:r>
+              <a:rPr lang="en-US" dirty="0" smtClean="0"/>
+              <a:t> </a:t>
+            </a:r>
+            <a:r>
+              <a:rPr lang="en-US" dirty="0"/>
+              <a:t>= 1, (binary: +1,-1)</a:t>
             </a:r>
           </a:p>
           <a:p>
@@ -26914,6 +26999,13 @@
   <p:clrMapOvr>
     <a:masterClrMapping/>
   </p:clrMapOvr>
+  <p:timing>
+    <p:tnLst>
+      <p:par>
+        <p:cTn id="1" dur="indefinite" restart="never" nodeType="tmRoot"/>
+      </p:par>
+    </p:tnLst>
+  </p:timing>
 </p:sld>
 </file>
 
@@ -29855,9 +29947,18 @@
           <a:lstStyle/>
           <a:p>
             <a:r>
+              <a:rPr lang="en-US" b="1" dirty="0"/>
+              <a:t>Predictive Biomarkers </a:t>
+            </a:r>
+            <a:r>
               <a:rPr lang="en-US" dirty="0"/>
-              <a:t>Prognostic Biomarkers and Predictive Biomarkers</a:t>
-            </a:r>
+              <a:t>and Prognostic </a:t>
+            </a:r>
+            <a:r>
+              <a:rPr lang="en-US" dirty="0" smtClean="0"/>
+              <a:t>Biomarkers</a:t>
+            </a:r>
+            <a:endParaRPr lang="en-US" dirty="0"/>
           </a:p>
         </p:txBody>
       </p:sp>

--- a/manu & slides/Final.pptx
+++ b/manu & slides/Final.pptx
@@ -1755,13 +1755,6 @@
         </dgm:presLayoutVars>
       </dgm:prSet>
       <dgm:spPr/>
-      <dgm:t>
-        <a:bodyPr/>
-        <a:lstStyle/>
-        <a:p>
-          <a:endParaRPr lang="en-US"/>
-        </a:p>
-      </dgm:t>
     </dgm:pt>
     <dgm:pt modelId="{EB78651D-F937-4BE7-8A13-5DEDD560F0B3}" type="pres">
       <dgm:prSet presAssocID="{AF488DDA-5F7C-4533-B568-2FA2E448735E}" presName="composite" presStyleCnt="0"/>
@@ -1775,13 +1768,6 @@
         </dgm:presLayoutVars>
       </dgm:prSet>
       <dgm:spPr/>
-      <dgm:t>
-        <a:bodyPr/>
-        <a:lstStyle/>
-        <a:p>
-          <a:endParaRPr lang="en-US"/>
-        </a:p>
-      </dgm:t>
     </dgm:pt>
     <dgm:pt modelId="{A812A383-0D98-4594-85E0-EAA50CB0BD7C}" type="pres">
       <dgm:prSet presAssocID="{AF488DDA-5F7C-4533-B568-2FA2E448735E}" presName="descendantText" presStyleLbl="alignAcc1" presStyleIdx="0" presStyleCnt="4">
@@ -1790,13 +1776,6 @@
         </dgm:presLayoutVars>
       </dgm:prSet>
       <dgm:spPr/>
-      <dgm:t>
-        <a:bodyPr/>
-        <a:lstStyle/>
-        <a:p>
-          <a:endParaRPr lang="en-US"/>
-        </a:p>
-      </dgm:t>
     </dgm:pt>
     <dgm:pt modelId="{930B3658-10E1-445C-B6D1-51A791D92588}" type="pres">
       <dgm:prSet presAssocID="{1C961E97-7CDC-4A7B-B014-B4C8AB201F7E}" presName="sp" presStyleCnt="0"/>
@@ -1814,13 +1793,6 @@
         </dgm:presLayoutVars>
       </dgm:prSet>
       <dgm:spPr/>
-      <dgm:t>
-        <a:bodyPr/>
-        <a:lstStyle/>
-        <a:p>
-          <a:endParaRPr lang="en-US"/>
-        </a:p>
-      </dgm:t>
     </dgm:pt>
     <dgm:pt modelId="{5698090B-1B75-477E-866A-F0C87B4A002C}" type="pres">
       <dgm:prSet presAssocID="{38382313-0EA2-4C90-989F-2DE69F55C4BD}" presName="descendantText" presStyleLbl="alignAcc1" presStyleIdx="1" presStyleCnt="4">
@@ -1829,13 +1801,6 @@
         </dgm:presLayoutVars>
       </dgm:prSet>
       <dgm:spPr/>
-      <dgm:t>
-        <a:bodyPr/>
-        <a:lstStyle/>
-        <a:p>
-          <a:endParaRPr lang="en-US"/>
-        </a:p>
-      </dgm:t>
     </dgm:pt>
     <dgm:pt modelId="{2581BF29-2C22-4E17-9CB2-E389F505FA1E}" type="pres">
       <dgm:prSet presAssocID="{86318F2E-2A15-45E9-AB35-D5F38718D00C}" presName="sp" presStyleCnt="0"/>
@@ -1853,13 +1818,6 @@
         </dgm:presLayoutVars>
       </dgm:prSet>
       <dgm:spPr/>
-      <dgm:t>
-        <a:bodyPr/>
-        <a:lstStyle/>
-        <a:p>
-          <a:endParaRPr lang="en-US"/>
-        </a:p>
-      </dgm:t>
     </dgm:pt>
     <dgm:pt modelId="{D3BD3A2B-4F01-4EB4-AAD6-0A000A9A5E9B}" type="pres">
       <dgm:prSet presAssocID="{86BC410A-C116-40E0-B4E2-11DE4AA65FA4}" presName="descendantText" presStyleLbl="alignAcc1" presStyleIdx="2" presStyleCnt="4">
@@ -1868,13 +1826,6 @@
         </dgm:presLayoutVars>
       </dgm:prSet>
       <dgm:spPr/>
-      <dgm:t>
-        <a:bodyPr/>
-        <a:lstStyle/>
-        <a:p>
-          <a:endParaRPr lang="en-US"/>
-        </a:p>
-      </dgm:t>
     </dgm:pt>
     <dgm:pt modelId="{745031E2-26D5-40F0-BDB1-160335FF5D50}" type="pres">
       <dgm:prSet presAssocID="{2CF913C7-593B-499D-8A62-EFCC2BC898BC}" presName="sp" presStyleCnt="0"/>
@@ -1892,13 +1843,6 @@
         </dgm:presLayoutVars>
       </dgm:prSet>
       <dgm:spPr/>
-      <dgm:t>
-        <a:bodyPr/>
-        <a:lstStyle/>
-        <a:p>
-          <a:endParaRPr lang="en-US"/>
-        </a:p>
-      </dgm:t>
     </dgm:pt>
     <dgm:pt modelId="{4C00211F-5D98-4275-B662-6F596E5E0752}" type="pres">
       <dgm:prSet presAssocID="{D95598EA-A9D5-4B16-93C0-2C73746E18EC}" presName="descendantText" presStyleLbl="alignAcc1" presStyleIdx="3" presStyleCnt="4">
@@ -1907,49 +1851,42 @@
         </dgm:presLayoutVars>
       </dgm:prSet>
       <dgm:spPr/>
-      <dgm:t>
-        <a:bodyPr/>
-        <a:lstStyle/>
-        <a:p>
-          <a:endParaRPr lang="en-US"/>
-        </a:p>
-      </dgm:t>
     </dgm:pt>
   </dgm:ptLst>
   <dgm:cxnLst>
+    <dgm:cxn modelId="{5975CF0B-C6F9-48FB-807E-94D6AF2BAB6F}" type="presOf" srcId="{0CCE5AD2-61DC-41A6-9B0F-32D738E1EE00}" destId="{A812A383-0D98-4594-85E0-EAA50CB0BD7C}" srcOrd="0" destOrd="1" presId="urn:microsoft.com/office/officeart/2005/8/layout/chevron2"/>
+    <dgm:cxn modelId="{4E94D40E-BC09-41C0-AB76-1975E00940B4}" type="presOf" srcId="{AF488DDA-5F7C-4533-B568-2FA2E448735E}" destId="{C5C7F22F-E87C-450F-9E48-B3228B48C98A}" srcOrd="0" destOrd="0" presId="urn:microsoft.com/office/officeart/2005/8/layout/chevron2"/>
+    <dgm:cxn modelId="{3482F50E-624D-438C-8265-DFCD60277910}" type="presOf" srcId="{D95598EA-A9D5-4B16-93C0-2C73746E18EC}" destId="{CAC3FFF9-0328-488B-9D9E-F65CCBF37272}" srcOrd="0" destOrd="0" presId="urn:microsoft.com/office/officeart/2005/8/layout/chevron2"/>
+    <dgm:cxn modelId="{5C154914-FC4F-4C58-9C64-0D995B932C76}" srcId="{33B2979B-5C61-4C79-B9CB-D7742768E99C}" destId="{38382313-0EA2-4C90-989F-2DE69F55C4BD}" srcOrd="1" destOrd="0" parTransId="{5846A2D4-7925-4581-828D-F002237A0154}" sibTransId="{86318F2E-2A15-45E9-AB35-D5F38718D00C}"/>
+    <dgm:cxn modelId="{BA3E102A-C368-4096-9068-D0DFA78FD250}" type="presOf" srcId="{9E1B5DE7-B8D9-4907-BE8A-35E2A4BA3584}" destId="{A812A383-0D98-4594-85E0-EAA50CB0BD7C}" srcOrd="0" destOrd="2" presId="urn:microsoft.com/office/officeart/2005/8/layout/chevron2"/>
+    <dgm:cxn modelId="{5F41262B-A515-4411-BA4C-D07D4C3CC5AF}" srcId="{D95598EA-A9D5-4B16-93C0-2C73746E18EC}" destId="{D6A4D214-E874-4166-A197-D717BC934187}" srcOrd="1" destOrd="0" parTransId="{6B29DF65-06AF-4CAD-9B21-A8714A7E1A73}" sibTransId="{FB1BBF3A-FCC8-4D0C-9572-A40C56C4C718}"/>
+    <dgm:cxn modelId="{8146623B-55F6-4658-BB87-3CEE60CA35A0}" srcId="{AF488DDA-5F7C-4533-B568-2FA2E448735E}" destId="{9E1B5DE7-B8D9-4907-BE8A-35E2A4BA3584}" srcOrd="2" destOrd="0" parTransId="{BB94109E-8A8E-4C4E-A6BE-E3A9079B9460}" sibTransId="{5B15C5EF-84EB-45D3-A3C0-D11EE76A13B4}"/>
+    <dgm:cxn modelId="{9ACB8F3B-D1C9-413F-8B2F-73500D74470D}" srcId="{AF488DDA-5F7C-4533-B568-2FA2E448735E}" destId="{0CCE5AD2-61DC-41A6-9B0F-32D738E1EE00}" srcOrd="1" destOrd="0" parTransId="{2E82410A-3BFC-4A14-BDF6-25BA38E2B853}" sibTransId="{86305B89-9F18-43CD-BACC-3191D195676D}"/>
+    <dgm:cxn modelId="{5AF09A3D-11C6-4161-BE33-53CD09813DBF}" srcId="{86BC410A-C116-40E0-B4E2-11DE4AA65FA4}" destId="{EA96D2DC-CA3D-46B3-96DE-A30E5C5FB2F1}" srcOrd="1" destOrd="0" parTransId="{AEFF3977-8565-42F7-8679-7E0AA8DCD8DA}" sibTransId="{17F5046D-1512-4DCC-9FD1-3957D2730003}"/>
+    <dgm:cxn modelId="{B458A93E-55E4-4006-94F1-C29302039561}" type="presOf" srcId="{CBE5605E-8751-4042-B09E-3D2AF9BB53EE}" destId="{4C00211F-5D98-4275-B662-6F596E5E0752}" srcOrd="0" destOrd="2" presId="urn:microsoft.com/office/officeart/2005/8/layout/chevron2"/>
+    <dgm:cxn modelId="{F01AE35C-AA98-4D04-A4B4-D6619441D7C3}" srcId="{38382313-0EA2-4C90-989F-2DE69F55C4BD}" destId="{E7CFBD75-B701-47FE-8C58-754179825C67}" srcOrd="0" destOrd="0" parTransId="{F31AFD7D-63C0-4B26-AE15-7634094EA84C}" sibTransId="{4A9E4D86-25E2-4BAF-98CC-ECF52C89FAC6}"/>
+    <dgm:cxn modelId="{01EF0D5F-3767-47EB-BEE7-E375B22107B0}" srcId="{D95598EA-A9D5-4B16-93C0-2C73746E18EC}" destId="{97630EBA-C60C-4354-9175-FC9FD9541489}" srcOrd="0" destOrd="0" parTransId="{DD2F3B4D-8513-4BD1-9629-2F5F99567BDC}" sibTransId="{96898EF0-0C33-4C38-A7D0-F06EDAB58126}"/>
+    <dgm:cxn modelId="{9346AD5F-90BA-42F9-8E2D-F67BEF7579A8}" type="presOf" srcId="{E7CFBD75-B701-47FE-8C58-754179825C67}" destId="{5698090B-1B75-477E-866A-F0C87B4A002C}" srcOrd="0" destOrd="0" presId="urn:microsoft.com/office/officeart/2005/8/layout/chevron2"/>
+    <dgm:cxn modelId="{2CF43067-2A39-4672-9D64-C09E511C8168}" type="presOf" srcId="{D6A4D214-E874-4166-A197-D717BC934187}" destId="{4C00211F-5D98-4275-B662-6F596E5E0752}" srcOrd="0" destOrd="1" presId="urn:microsoft.com/office/officeart/2005/8/layout/chevron2"/>
+    <dgm:cxn modelId="{B3452A6F-D59D-4223-99B3-37FF265221EB}" srcId="{38382313-0EA2-4C90-989F-2DE69F55C4BD}" destId="{C8C1595D-BE67-4C4A-B83E-DAAA4CE51238}" srcOrd="2" destOrd="0" parTransId="{01F7E243-2C0A-4AE1-9979-5C28569B7596}" sibTransId="{DC0CB1B9-6646-4834-B220-990F19D2612B}"/>
+    <dgm:cxn modelId="{CBC2EE71-1EF7-4FB9-B76A-6EDB805AA1E3}" type="presOf" srcId="{5C0C6CD0-ABB1-4223-A011-B3E6C00F2159}" destId="{D3BD3A2B-4F01-4EB4-AAD6-0A000A9A5E9B}" srcOrd="0" destOrd="2" presId="urn:microsoft.com/office/officeart/2005/8/layout/chevron2"/>
+    <dgm:cxn modelId="{DD6CDA72-BCDD-40F2-98A9-6C10AE78C2BD}" srcId="{33B2979B-5C61-4C79-B9CB-D7742768E99C}" destId="{86BC410A-C116-40E0-B4E2-11DE4AA65FA4}" srcOrd="2" destOrd="0" parTransId="{36D374DB-4B6B-4CCB-BFC4-88F431737722}" sibTransId="{2CF913C7-593B-499D-8A62-EFCC2BC898BC}"/>
+    <dgm:cxn modelId="{3106B154-B06D-4AAD-AAFE-F6D8D1A899E3}" type="presOf" srcId="{86BC410A-C116-40E0-B4E2-11DE4AA65FA4}" destId="{DF671F1B-CF18-41D2-8ED0-CBA032F94BC7}" srcOrd="0" destOrd="0" presId="urn:microsoft.com/office/officeart/2005/8/layout/chevron2"/>
     <dgm:cxn modelId="{4B89EB74-835D-48AE-A061-4B60828F321C}" type="presOf" srcId="{B450257E-742D-44B4-8049-AE063E9EF942}" destId="{5698090B-1B75-477E-866A-F0C87B4A002C}" srcOrd="0" destOrd="1" presId="urn:microsoft.com/office/officeart/2005/8/layout/chevron2"/>
+    <dgm:cxn modelId="{B934CD8E-7B33-448B-9CDA-FB31E7F3635D}" type="presOf" srcId="{C8C1595D-BE67-4C4A-B83E-DAAA4CE51238}" destId="{5698090B-1B75-477E-866A-F0C87B4A002C}" srcOrd="0" destOrd="2" presId="urn:microsoft.com/office/officeart/2005/8/layout/chevron2"/>
+    <dgm:cxn modelId="{AD784992-98B5-427D-8CD3-D4763190BB3D}" type="presOf" srcId="{3E8DD688-99F4-42B7-ADCD-929F3AD1A952}" destId="{D3BD3A2B-4F01-4EB4-AAD6-0A000A9A5E9B}" srcOrd="0" destOrd="0" presId="urn:microsoft.com/office/officeart/2005/8/layout/chevron2"/>
+    <dgm:cxn modelId="{2D9852A0-C90B-4540-A24D-17E4ED330871}" type="presOf" srcId="{38382313-0EA2-4C90-989F-2DE69F55C4BD}" destId="{3EA0871E-3D2E-4761-9CBA-F42C2B17AF35}" srcOrd="0" destOrd="0" presId="urn:microsoft.com/office/officeart/2005/8/layout/chevron2"/>
+    <dgm:cxn modelId="{9CAF74A6-E39C-4EC2-AEA6-346421338C86}" srcId="{86BC410A-C116-40E0-B4E2-11DE4AA65FA4}" destId="{5C0C6CD0-ABB1-4223-A011-B3E6C00F2159}" srcOrd="2" destOrd="0" parTransId="{6D5F0C9F-BF27-4B28-A50D-A641E7B01B2C}" sibTransId="{B6B71650-1D1F-4F76-8E07-1F29FFAA3469}"/>
+    <dgm:cxn modelId="{043E79B6-8105-4DC1-98FC-A46ADF24EFFD}" type="presOf" srcId="{BA0BF7EE-7DDA-4E7B-8D1E-024F593D63F1}" destId="{A812A383-0D98-4594-85E0-EAA50CB0BD7C}" srcOrd="0" destOrd="0" presId="urn:microsoft.com/office/officeart/2005/8/layout/chevron2"/>
+    <dgm:cxn modelId="{21615DC5-6DAB-4140-BE9E-C068C3E4F695}" srcId="{38382313-0EA2-4C90-989F-2DE69F55C4BD}" destId="{B450257E-742D-44B4-8049-AE063E9EF942}" srcOrd="1" destOrd="0" parTransId="{DBFD4CA1-7383-4408-A0AB-D3F7F2F65B6B}" sibTransId="{A91813BB-A90C-4D38-9771-013B4C5E15B3}"/>
+    <dgm:cxn modelId="{2CB9ACC8-CB47-4C6D-A59E-C1658978D50C}" type="presOf" srcId="{33B2979B-5C61-4C79-B9CB-D7742768E99C}" destId="{10F3906F-CFD0-400B-9C48-9CF17B0B8C1A}" srcOrd="0" destOrd="0" presId="urn:microsoft.com/office/officeart/2005/8/layout/chevron2"/>
+    <dgm:cxn modelId="{F999CACD-D8C3-4962-8AC4-BFFCF758C656}" srcId="{33B2979B-5C61-4C79-B9CB-D7742768E99C}" destId="{AF488DDA-5F7C-4533-B568-2FA2E448735E}" srcOrd="0" destOrd="0" parTransId="{50D97B6A-CF45-4CAA-BA59-2FA53BBF27EE}" sibTransId="{1C961E97-7CDC-4A7B-B014-B4C8AB201F7E}"/>
+    <dgm:cxn modelId="{EDF6DCDB-181B-4494-987A-4F99DB8C3760}" srcId="{33B2979B-5C61-4C79-B9CB-D7742768E99C}" destId="{D95598EA-A9D5-4B16-93C0-2C73746E18EC}" srcOrd="3" destOrd="0" parTransId="{7200C661-3112-42FA-AD2B-BFD5998A92FC}" sibTransId="{04C87DA4-B0DA-4DB2-BBA0-BE8DC30F0D46}"/>
+    <dgm:cxn modelId="{5DC840DC-CADE-4247-8FF2-08EF995FCEB3}" srcId="{86BC410A-C116-40E0-B4E2-11DE4AA65FA4}" destId="{3E8DD688-99F4-42B7-ADCD-929F3AD1A952}" srcOrd="0" destOrd="0" parTransId="{10A37DFD-D802-475D-9D3D-A5ED450E89D4}" sibTransId="{F8DCA085-A7EE-4ACE-92C7-A45CECAE0CC0}"/>
+    <dgm:cxn modelId="{620327DF-B7DE-4242-B3A8-1B2FCCC1BA65}" srcId="{AF488DDA-5F7C-4533-B568-2FA2E448735E}" destId="{BA0BF7EE-7DDA-4E7B-8D1E-024F593D63F1}" srcOrd="0" destOrd="0" parTransId="{2629081B-F522-45F5-8912-CB01566A6E72}" sibTransId="{7B679A58-3BDB-4467-9EA9-41A989C92319}"/>
     <dgm:cxn modelId="{0CA09FE3-F837-410C-98D0-8C51AC33CCEE}" type="presOf" srcId="{97630EBA-C60C-4354-9175-FC9FD9541489}" destId="{4C00211F-5D98-4275-B662-6F596E5E0752}" srcOrd="0" destOrd="0" presId="urn:microsoft.com/office/officeart/2005/8/layout/chevron2"/>
-    <dgm:cxn modelId="{F999CACD-D8C3-4962-8AC4-BFFCF758C656}" srcId="{33B2979B-5C61-4C79-B9CB-D7742768E99C}" destId="{AF488DDA-5F7C-4533-B568-2FA2E448735E}" srcOrd="0" destOrd="0" parTransId="{50D97B6A-CF45-4CAA-BA59-2FA53BBF27EE}" sibTransId="{1C961E97-7CDC-4A7B-B014-B4C8AB201F7E}"/>
-    <dgm:cxn modelId="{2D9852A0-C90B-4540-A24D-17E4ED330871}" type="presOf" srcId="{38382313-0EA2-4C90-989F-2DE69F55C4BD}" destId="{3EA0871E-3D2E-4761-9CBA-F42C2B17AF35}" srcOrd="0" destOrd="0" presId="urn:microsoft.com/office/officeart/2005/8/layout/chevron2"/>
-    <dgm:cxn modelId="{01EF0D5F-3767-47EB-BEE7-E375B22107B0}" srcId="{D95598EA-A9D5-4B16-93C0-2C73746E18EC}" destId="{97630EBA-C60C-4354-9175-FC9FD9541489}" srcOrd="0" destOrd="0" parTransId="{DD2F3B4D-8513-4BD1-9629-2F5F99567BDC}" sibTransId="{96898EF0-0C33-4C38-A7D0-F06EDAB58126}"/>
     <dgm:cxn modelId="{165FA0E7-97B6-416A-AC79-DADA3911804D}" srcId="{D95598EA-A9D5-4B16-93C0-2C73746E18EC}" destId="{CBE5605E-8751-4042-B09E-3D2AF9BB53EE}" srcOrd="2" destOrd="0" parTransId="{8F5BE460-7959-4122-B232-654EC686E9B9}" sibTransId="{0FE11BC4-FBA7-42B0-A70E-97138CDD0F9A}"/>
-    <dgm:cxn modelId="{B3452A6F-D59D-4223-99B3-37FF265221EB}" srcId="{38382313-0EA2-4C90-989F-2DE69F55C4BD}" destId="{C8C1595D-BE67-4C4A-B83E-DAAA4CE51238}" srcOrd="2" destOrd="0" parTransId="{01F7E243-2C0A-4AE1-9979-5C28569B7596}" sibTransId="{DC0CB1B9-6646-4834-B220-990F19D2612B}"/>
-    <dgm:cxn modelId="{21615DC5-6DAB-4140-BE9E-C068C3E4F695}" srcId="{38382313-0EA2-4C90-989F-2DE69F55C4BD}" destId="{B450257E-742D-44B4-8049-AE063E9EF942}" srcOrd="1" destOrd="0" parTransId="{DBFD4CA1-7383-4408-A0AB-D3F7F2F65B6B}" sibTransId="{A91813BB-A90C-4D38-9771-013B4C5E15B3}"/>
-    <dgm:cxn modelId="{9346AD5F-90BA-42F9-8E2D-F67BEF7579A8}" type="presOf" srcId="{E7CFBD75-B701-47FE-8C58-754179825C67}" destId="{5698090B-1B75-477E-866A-F0C87B4A002C}" srcOrd="0" destOrd="0" presId="urn:microsoft.com/office/officeart/2005/8/layout/chevron2"/>
-    <dgm:cxn modelId="{5975CF0B-C6F9-48FB-807E-94D6AF2BAB6F}" type="presOf" srcId="{0CCE5AD2-61DC-41A6-9B0F-32D738E1EE00}" destId="{A812A383-0D98-4594-85E0-EAA50CB0BD7C}" srcOrd="0" destOrd="1" presId="urn:microsoft.com/office/officeart/2005/8/layout/chevron2"/>
-    <dgm:cxn modelId="{5DC840DC-CADE-4247-8FF2-08EF995FCEB3}" srcId="{86BC410A-C116-40E0-B4E2-11DE4AA65FA4}" destId="{3E8DD688-99F4-42B7-ADCD-929F3AD1A952}" srcOrd="0" destOrd="0" parTransId="{10A37DFD-D802-475D-9D3D-A5ED450E89D4}" sibTransId="{F8DCA085-A7EE-4ACE-92C7-A45CECAE0CC0}"/>
-    <dgm:cxn modelId="{EDF6DCDB-181B-4494-987A-4F99DB8C3760}" srcId="{33B2979B-5C61-4C79-B9CB-D7742768E99C}" destId="{D95598EA-A9D5-4B16-93C0-2C73746E18EC}" srcOrd="3" destOrd="0" parTransId="{7200C661-3112-42FA-AD2B-BFD5998A92FC}" sibTransId="{04C87DA4-B0DA-4DB2-BBA0-BE8DC30F0D46}"/>
-    <dgm:cxn modelId="{9CAF74A6-E39C-4EC2-AEA6-346421338C86}" srcId="{86BC410A-C116-40E0-B4E2-11DE4AA65FA4}" destId="{5C0C6CD0-ABB1-4223-A011-B3E6C00F2159}" srcOrd="2" destOrd="0" parTransId="{6D5F0C9F-BF27-4B28-A50D-A641E7B01B2C}" sibTransId="{B6B71650-1D1F-4F76-8E07-1F29FFAA3469}"/>
-    <dgm:cxn modelId="{B934CD8E-7B33-448B-9CDA-FB31E7F3635D}" type="presOf" srcId="{C8C1595D-BE67-4C4A-B83E-DAAA4CE51238}" destId="{5698090B-1B75-477E-866A-F0C87B4A002C}" srcOrd="0" destOrd="2" presId="urn:microsoft.com/office/officeart/2005/8/layout/chevron2"/>
-    <dgm:cxn modelId="{8146623B-55F6-4658-BB87-3CEE60CA35A0}" srcId="{AF488DDA-5F7C-4533-B568-2FA2E448735E}" destId="{9E1B5DE7-B8D9-4907-BE8A-35E2A4BA3584}" srcOrd="2" destOrd="0" parTransId="{BB94109E-8A8E-4C4E-A6BE-E3A9079B9460}" sibTransId="{5B15C5EF-84EB-45D3-A3C0-D11EE76A13B4}"/>
-    <dgm:cxn modelId="{5C154914-FC4F-4C58-9C64-0D995B932C76}" srcId="{33B2979B-5C61-4C79-B9CB-D7742768E99C}" destId="{38382313-0EA2-4C90-989F-2DE69F55C4BD}" srcOrd="1" destOrd="0" parTransId="{5846A2D4-7925-4581-828D-F002237A0154}" sibTransId="{86318F2E-2A15-45E9-AB35-D5F38718D00C}"/>
     <dgm:cxn modelId="{171C9AEA-0E58-4947-9110-51F99026EF65}" type="presOf" srcId="{EA96D2DC-CA3D-46B3-96DE-A30E5C5FB2F1}" destId="{D3BD3A2B-4F01-4EB4-AAD6-0A000A9A5E9B}" srcOrd="0" destOrd="1" presId="urn:microsoft.com/office/officeart/2005/8/layout/chevron2"/>
-    <dgm:cxn modelId="{3482F50E-624D-438C-8265-DFCD60277910}" type="presOf" srcId="{D95598EA-A9D5-4B16-93C0-2C73746E18EC}" destId="{CAC3FFF9-0328-488B-9D9E-F65CCBF37272}" srcOrd="0" destOrd="0" presId="urn:microsoft.com/office/officeart/2005/8/layout/chevron2"/>
-    <dgm:cxn modelId="{4E94D40E-BC09-41C0-AB76-1975E00940B4}" type="presOf" srcId="{AF488DDA-5F7C-4533-B568-2FA2E448735E}" destId="{C5C7F22F-E87C-450F-9E48-B3228B48C98A}" srcOrd="0" destOrd="0" presId="urn:microsoft.com/office/officeart/2005/8/layout/chevron2"/>
-    <dgm:cxn modelId="{3106B154-B06D-4AAD-AAFE-F6D8D1A899E3}" type="presOf" srcId="{86BC410A-C116-40E0-B4E2-11DE4AA65FA4}" destId="{DF671F1B-CF18-41D2-8ED0-CBA032F94BC7}" srcOrd="0" destOrd="0" presId="urn:microsoft.com/office/officeart/2005/8/layout/chevron2"/>
-    <dgm:cxn modelId="{AD784992-98B5-427D-8CD3-D4763190BB3D}" type="presOf" srcId="{3E8DD688-99F4-42B7-ADCD-929F3AD1A952}" destId="{D3BD3A2B-4F01-4EB4-AAD6-0A000A9A5E9B}" srcOrd="0" destOrd="0" presId="urn:microsoft.com/office/officeart/2005/8/layout/chevron2"/>
-    <dgm:cxn modelId="{DD6CDA72-BCDD-40F2-98A9-6C10AE78C2BD}" srcId="{33B2979B-5C61-4C79-B9CB-D7742768E99C}" destId="{86BC410A-C116-40E0-B4E2-11DE4AA65FA4}" srcOrd="2" destOrd="0" parTransId="{36D374DB-4B6B-4CCB-BFC4-88F431737722}" sibTransId="{2CF913C7-593B-499D-8A62-EFCC2BC898BC}"/>
-    <dgm:cxn modelId="{043E79B6-8105-4DC1-98FC-A46ADF24EFFD}" type="presOf" srcId="{BA0BF7EE-7DDA-4E7B-8D1E-024F593D63F1}" destId="{A812A383-0D98-4594-85E0-EAA50CB0BD7C}" srcOrd="0" destOrd="0" presId="urn:microsoft.com/office/officeart/2005/8/layout/chevron2"/>
-    <dgm:cxn modelId="{2CB9ACC8-CB47-4C6D-A59E-C1658978D50C}" type="presOf" srcId="{33B2979B-5C61-4C79-B9CB-D7742768E99C}" destId="{10F3906F-CFD0-400B-9C48-9CF17B0B8C1A}" srcOrd="0" destOrd="0" presId="urn:microsoft.com/office/officeart/2005/8/layout/chevron2"/>
-    <dgm:cxn modelId="{CBC2EE71-1EF7-4FB9-B76A-6EDB805AA1E3}" type="presOf" srcId="{5C0C6CD0-ABB1-4223-A011-B3E6C00F2159}" destId="{D3BD3A2B-4F01-4EB4-AAD6-0A000A9A5E9B}" srcOrd="0" destOrd="2" presId="urn:microsoft.com/office/officeart/2005/8/layout/chevron2"/>
-    <dgm:cxn modelId="{2CF43067-2A39-4672-9D64-C09E511C8168}" type="presOf" srcId="{D6A4D214-E874-4166-A197-D717BC934187}" destId="{4C00211F-5D98-4275-B662-6F596E5E0752}" srcOrd="0" destOrd="1" presId="urn:microsoft.com/office/officeart/2005/8/layout/chevron2"/>
-    <dgm:cxn modelId="{5AF09A3D-11C6-4161-BE33-53CD09813DBF}" srcId="{86BC410A-C116-40E0-B4E2-11DE4AA65FA4}" destId="{EA96D2DC-CA3D-46B3-96DE-A30E5C5FB2F1}" srcOrd="1" destOrd="0" parTransId="{AEFF3977-8565-42F7-8679-7E0AA8DCD8DA}" sibTransId="{17F5046D-1512-4DCC-9FD1-3957D2730003}"/>
-    <dgm:cxn modelId="{9ACB8F3B-D1C9-413F-8B2F-73500D74470D}" srcId="{AF488DDA-5F7C-4533-B568-2FA2E448735E}" destId="{0CCE5AD2-61DC-41A6-9B0F-32D738E1EE00}" srcOrd="1" destOrd="0" parTransId="{2E82410A-3BFC-4A14-BDF6-25BA38E2B853}" sibTransId="{86305B89-9F18-43CD-BACC-3191D195676D}"/>
-    <dgm:cxn modelId="{BA3E102A-C368-4096-9068-D0DFA78FD250}" type="presOf" srcId="{9E1B5DE7-B8D9-4907-BE8A-35E2A4BA3584}" destId="{A812A383-0D98-4594-85E0-EAA50CB0BD7C}" srcOrd="0" destOrd="2" presId="urn:microsoft.com/office/officeart/2005/8/layout/chevron2"/>
-    <dgm:cxn modelId="{F01AE35C-AA98-4D04-A4B4-D6619441D7C3}" srcId="{38382313-0EA2-4C90-989F-2DE69F55C4BD}" destId="{E7CFBD75-B701-47FE-8C58-754179825C67}" srcOrd="0" destOrd="0" parTransId="{F31AFD7D-63C0-4B26-AE15-7634094EA84C}" sibTransId="{4A9E4D86-25E2-4BAF-98CC-ECF52C89FAC6}"/>
-    <dgm:cxn modelId="{620327DF-B7DE-4242-B3A8-1B2FCCC1BA65}" srcId="{AF488DDA-5F7C-4533-B568-2FA2E448735E}" destId="{BA0BF7EE-7DDA-4E7B-8D1E-024F593D63F1}" srcOrd="0" destOrd="0" parTransId="{2629081B-F522-45F5-8912-CB01566A6E72}" sibTransId="{7B679A58-3BDB-4467-9EA9-41A989C92319}"/>
-    <dgm:cxn modelId="{5F41262B-A515-4411-BA4C-D07D4C3CC5AF}" srcId="{D95598EA-A9D5-4B16-93C0-2C73746E18EC}" destId="{D6A4D214-E874-4166-A197-D717BC934187}" srcOrd="1" destOrd="0" parTransId="{6B29DF65-06AF-4CAD-9B21-A8714A7E1A73}" sibTransId="{FB1BBF3A-FCC8-4D0C-9572-A40C56C4C718}"/>
-    <dgm:cxn modelId="{B458A93E-55E4-4006-94F1-C29302039561}" type="presOf" srcId="{CBE5605E-8751-4042-B09E-3D2AF9BB53EE}" destId="{4C00211F-5D98-4275-B662-6F596E5E0752}" srcOrd="0" destOrd="2" presId="urn:microsoft.com/office/officeart/2005/8/layout/chevron2"/>
     <dgm:cxn modelId="{AE7542F7-C862-4313-88C3-4E7B07264681}" type="presParOf" srcId="{10F3906F-CFD0-400B-9C48-9CF17B0B8C1A}" destId="{EB78651D-F937-4BE7-8A13-5DEDD560F0B3}" srcOrd="0" destOrd="0" presId="urn:microsoft.com/office/officeart/2005/8/layout/chevron2"/>
     <dgm:cxn modelId="{F9845B8D-91D4-4F69-8AC5-D67BC5AA04B0}" type="presParOf" srcId="{EB78651D-F937-4BE7-8A13-5DEDD560F0B3}" destId="{C5C7F22F-E87C-450F-9E48-B3228B48C98A}" srcOrd="0" destOrd="0" presId="urn:microsoft.com/office/officeart/2005/8/layout/chevron2"/>
     <dgm:cxn modelId="{E237E9D4-18F1-466D-972C-C1705C4182D3}" type="presParOf" srcId="{EB78651D-F937-4BE7-8A13-5DEDD560F0B3}" destId="{A812A383-0D98-4594-85E0-EAA50CB0BD7C}" srcOrd="1" destOrd="0" presId="urn:microsoft.com/office/officeart/2005/8/layout/chevron2"/>
@@ -2044,7 +1981,7 @@
         </a:bodyPr>
         <a:lstStyle/>
         <a:p>
-          <a:pPr lvl="0" algn="ctr" defTabSz="488950">
+          <a:pPr marL="0" lvl="0" indent="0" algn="ctr" defTabSz="488950">
             <a:lnSpc>
               <a:spcPct val="90000"/>
             </a:lnSpc>
@@ -2054,6 +1991,7 @@
             <a:spcAft>
               <a:spcPct val="35000"/>
             </a:spcAft>
+            <a:buNone/>
           </a:pPr>
           <a:r>
             <a:rPr lang="en-US" sz="1100" kern="1200" dirty="0"/>
@@ -2238,7 +2176,7 @@
         </a:bodyPr>
         <a:lstStyle/>
         <a:p>
-          <a:pPr lvl="0" algn="ctr" defTabSz="488950">
+          <a:pPr marL="0" lvl="0" indent="0" algn="ctr" defTabSz="488950">
             <a:lnSpc>
               <a:spcPct val="90000"/>
             </a:lnSpc>
@@ -2248,6 +2186,7 @@
             <a:spcAft>
               <a:spcPct val="35000"/>
             </a:spcAft>
+            <a:buNone/>
           </a:pPr>
           <a:r>
             <a:rPr lang="en-US" sz="1100" kern="1200" dirty="0"/>
@@ -2432,7 +2371,7 @@
         </a:bodyPr>
         <a:lstStyle/>
         <a:p>
-          <a:pPr lvl="0" algn="ctr" defTabSz="488950">
+          <a:pPr marL="0" lvl="0" indent="0" algn="ctr" defTabSz="488950">
             <a:lnSpc>
               <a:spcPct val="90000"/>
             </a:lnSpc>
@@ -2442,6 +2381,7 @@
             <a:spcAft>
               <a:spcPct val="35000"/>
             </a:spcAft>
+            <a:buNone/>
           </a:pPr>
           <a:r>
             <a:rPr lang="en-US" sz="1100" kern="1200" dirty="0"/>
@@ -2626,7 +2566,7 @@
         </a:bodyPr>
         <a:lstStyle/>
         <a:p>
-          <a:pPr lvl="0" algn="ctr" defTabSz="488950">
+          <a:pPr marL="0" lvl="0" indent="0" algn="ctr" defTabSz="488950">
             <a:lnSpc>
               <a:spcPct val="90000"/>
             </a:lnSpc>
@@ -2636,6 +2576,7 @@
             <a:spcAft>
               <a:spcPct val="35000"/>
             </a:spcAft>
+            <a:buNone/>
           </a:pPr>
           <a:r>
             <a:rPr lang="en-US" sz="1100" kern="1200" dirty="0"/>
@@ -4137,7 +4078,7 @@
             <a:fld id="{2A382978-60B3-41E0-9AD0-2E9E6E8B7873}" type="datetimeFigureOut">
               <a:rPr kumimoji="1" lang="ja-JP" altLang="en-US" smtClean="0"/>
               <a:pPr/>
-              <a:t>2018/8/21</a:t>
+              <a:t>2018/8/22</a:t>
             </a:fld>
             <a:endParaRPr kumimoji="1" lang="ja-JP" altLang="en-US"/>
           </a:p>
@@ -5288,7 +5229,7 @@
             <a:fld id="{0BD03392-274E-4A19-9716-EA1CE8085D71}" type="datetime1">
               <a:rPr kumimoji="1" lang="ja-JP" altLang="en-US" smtClean="0"/>
               <a:pPr/>
-              <a:t>2018/8/21</a:t>
+              <a:t>2018/8/22</a:t>
             </a:fld>
             <a:endParaRPr kumimoji="1" lang="ja-JP" altLang="en-US" dirty="0"/>
           </a:p>
@@ -5609,7 +5550,7 @@
             <a:fld id="{D658E221-2E7A-48BA-8424-2A55A4736B68}" type="datetime1">
               <a:rPr kumimoji="1" lang="ja-JP" altLang="en-US" smtClean="0"/>
               <a:pPr/>
-              <a:t>2018/8/21</a:t>
+              <a:t>2018/8/22</a:t>
             </a:fld>
             <a:endParaRPr kumimoji="1" lang="ja-JP" altLang="en-US"/>
           </a:p>
@@ -5725,7 +5666,7 @@
             <a:fld id="{C245638F-14AB-400C-9AF1-5CEBE1B672A1}" type="datetime1">
               <a:rPr kumimoji="1" lang="ja-JP" altLang="en-US" smtClean="0"/>
               <a:pPr/>
-              <a:t>2018/8/21</a:t>
+              <a:t>2018/8/22</a:t>
             </a:fld>
             <a:endParaRPr kumimoji="1" lang="ja-JP" altLang="en-US"/>
           </a:p>
@@ -6313,7 +6254,7 @@
             <a:fld id="{02A88367-5BB3-4793-B263-C2830A0855E0}" type="datetime1">
               <a:rPr kumimoji="1" lang="ja-JP" altLang="en-US" smtClean="0"/>
               <a:pPr/>
-              <a:t>2018/8/21</a:t>
+              <a:t>2018/8/22</a:t>
             </a:fld>
             <a:endParaRPr kumimoji="1" lang="ja-JP" altLang="en-US" dirty="0"/>
           </a:p>
@@ -7359,7 +7300,7 @@
             <a:fld id="{961A4739-C8B6-4F30-A69C-01268F05198C}" type="datetime1">
               <a:rPr kumimoji="1" lang="ja-JP" altLang="en-US" smtClean="0"/>
               <a:pPr/>
-              <a:t>2018/8/21</a:t>
+              <a:t>2018/8/22</a:t>
             </a:fld>
             <a:endParaRPr kumimoji="1" lang="ja-JP" altLang="en-US" dirty="0"/>
           </a:p>
@@ -8607,7 +8548,7 @@
             <a:fld id="{A55444AB-87B1-4B99-A470-0F837A8A1880}" type="datetime1">
               <a:rPr kumimoji="1" lang="ja-JP" altLang="en-US" smtClean="0"/>
               <a:pPr/>
-              <a:t>2018/8/21</a:t>
+              <a:t>2018/8/22</a:t>
             </a:fld>
             <a:endParaRPr kumimoji="1" lang="ja-JP" altLang="en-US" dirty="0"/>
           </a:p>
@@ -9276,7 +9217,7 @@
             <a:fld id="{C2A19EB9-4440-4736-9A49-939819AB9C89}" type="datetime1">
               <a:rPr kumimoji="1" lang="ja-JP" altLang="en-US" smtClean="0"/>
               <a:pPr/>
-              <a:t>2018/8/21</a:t>
+              <a:t>2018/8/22</a:t>
             </a:fld>
             <a:endParaRPr kumimoji="1" lang="ja-JP" altLang="en-US" dirty="0"/>
           </a:p>
@@ -9607,7 +9548,7 @@
             <a:fld id="{207CE768-5AA7-4F09-BE2B-CECF21207030}" type="datetime1">
               <a:rPr kumimoji="1" lang="ja-JP" altLang="en-US" smtClean="0"/>
               <a:pPr/>
-              <a:t>2018/8/21</a:t>
+              <a:t>2018/8/22</a:t>
             </a:fld>
             <a:endParaRPr kumimoji="1" lang="ja-JP" altLang="en-US" dirty="0"/>
           </a:p>
@@ -9876,7 +9817,7 @@
             <a:fld id="{973F8ED2-2E1E-42CA-8611-E2CA1599FB5D}" type="datetime1">
               <a:rPr kumimoji="1" lang="ja-JP" altLang="en-US" smtClean="0"/>
               <a:pPr/>
-              <a:t>2018/8/21</a:t>
+              <a:t>2018/8/22</a:t>
             </a:fld>
             <a:endParaRPr kumimoji="1" lang="ja-JP" altLang="en-US" dirty="0"/>
           </a:p>
@@ -10353,7 +10294,7 @@
             <a:fld id="{A5182719-F20C-4B32-BD5B-859B9127D393}" type="datetime1">
               <a:rPr lang="ja-JP" altLang="en-US" smtClean="0"/>
               <a:pPr/>
-              <a:t>2018/8/21</a:t>
+              <a:t>2018/8/22</a:t>
             </a:fld>
             <a:endParaRPr lang="ja-JP" altLang="en-US" dirty="0"/>
           </a:p>
@@ -11041,13 +10982,6 @@
   <p:clrMapOvr>
     <a:masterClrMapping/>
   </p:clrMapOvr>
-  <p:timing>
-    <p:tnLst>
-      <p:par>
-        <p:cTn id="1" dur="indefinite" restart="never" nodeType="tmRoot"/>
-      </p:par>
-    </p:tnLst>
-  </p:timing>
 </p:sld>
 </file>
 
@@ -11073,7 +11007,7 @@
           <p:cNvPr id="2" name="Title 1">
             <a:extLst>
               <a:ext uri="{FF2B5EF4-FFF2-40B4-BE49-F238E27FC236}">
-                <a16:creationId xmlns:a16="http://schemas.microsoft.com/office/drawing/2014/main" xmlns="" id="{A54FC90F-4208-4C28-8D1C-CFB3255E46EC}"/>
+                <a16:creationId xmlns:a16="http://schemas.microsoft.com/office/drawing/2014/main" id="{A54FC90F-4208-4C28-8D1C-CFB3255E46EC}"/>
               </a:ext>
             </a:extLst>
           </p:cNvPr>
@@ -11096,14 +11030,14 @@
           </a:p>
         </p:txBody>
       </p:sp>
-      <mc:AlternateContent xmlns:mc="http://schemas.openxmlformats.org/markup-compatibility/2006">
-        <mc:Choice xmlns:a14="http://schemas.microsoft.com/office/drawing/2010/main" Requires="a14">
+      <mc:AlternateContent xmlns:mc="http://schemas.openxmlformats.org/markup-compatibility/2006" xmlns:a14="http://schemas.microsoft.com/office/drawing/2010/main">
+        <mc:Choice Requires="a14">
           <p:sp>
             <p:nvSpPr>
               <p:cNvPr id="3" name="Content Placeholder 2">
                 <a:extLst>
                   <a:ext uri="{FF2B5EF4-FFF2-40B4-BE49-F238E27FC236}">
-                    <a16:creationId xmlns:a16="http://schemas.microsoft.com/office/drawing/2014/main" xmlns="" id="{E26182C4-45FA-4DE4-94F0-3A3B2995828F}"/>
+                    <a16:creationId xmlns:a16="http://schemas.microsoft.com/office/drawing/2014/main" id="{E26182C4-45FA-4DE4-94F0-3A3B2995828F}"/>
                   </a:ext>
                 </a:extLst>
               </p:cNvPr>
@@ -11281,13 +11215,8 @@
                 </a14:m>
                 <a:r>
                   <a:rPr lang="en-US" dirty="0"/>
-                  <a:t>: Treatment </a:t>
+                  <a:t>: Treatment Covariates</a:t>
                 </a:r>
-                <a:r>
-                  <a:rPr lang="en-US" dirty="0" smtClean="0"/>
-                  <a:t>Covariates</a:t>
-                </a:r>
-                <a:endParaRPr lang="en-US" dirty="0"/>
               </a:p>
               <a:p>
                 <a:pPr marL="0" indent="0">
@@ -11363,7 +11292,7 @@
             </p:txBody>
           </p:sp>
         </mc:Choice>
-        <mc:Fallback>
+        <mc:Fallback xmlns="">
           <p:sp>
             <p:nvSpPr>
               <p:cNvPr id="3" name="Content Placeholder 2">
@@ -11408,7 +11337,7 @@
           <p:cNvPr id="4" name="Footer Placeholder 3">
             <a:extLst>
               <a:ext uri="{FF2B5EF4-FFF2-40B4-BE49-F238E27FC236}">
-                <a16:creationId xmlns:a16="http://schemas.microsoft.com/office/drawing/2014/main" xmlns="" id="{6237D0EF-67BB-47A8-BC4A-DA10DDA72B68}"/>
+                <a16:creationId xmlns:a16="http://schemas.microsoft.com/office/drawing/2014/main" id="{6237D0EF-67BB-47A8-BC4A-DA10DDA72B68}"/>
               </a:ext>
             </a:extLst>
           </p:cNvPr>
@@ -11465,7 +11394,7 @@
           <p:cNvPr id="5" name="Slide Number Placeholder 4">
             <a:extLst>
               <a:ext uri="{FF2B5EF4-FFF2-40B4-BE49-F238E27FC236}">
-                <a16:creationId xmlns:a16="http://schemas.microsoft.com/office/drawing/2014/main" xmlns="" id="{A66B1CD2-3511-4F21-AE65-973FFF59CAEB}"/>
+                <a16:creationId xmlns:a16="http://schemas.microsoft.com/office/drawing/2014/main" id="{A66B1CD2-3511-4F21-AE65-973FFF59CAEB}"/>
               </a:ext>
             </a:extLst>
           </p:cNvPr>
@@ -11500,13 +11429,6 @@
   <p:clrMapOvr>
     <a:masterClrMapping/>
   </p:clrMapOvr>
-  <p:timing>
-    <p:tnLst>
-      <p:par>
-        <p:cTn id="1" dur="indefinite" restart="never" nodeType="tmRoot"/>
-      </p:par>
-    </p:tnLst>
-  </p:timing>
 </p:sld>
 </file>
 
@@ -11532,7 +11454,7 @@
           <p:cNvPr id="2" name="Title 1">
             <a:extLst>
               <a:ext uri="{FF2B5EF4-FFF2-40B4-BE49-F238E27FC236}">
-                <a16:creationId xmlns:a16="http://schemas.microsoft.com/office/drawing/2014/main" xmlns="" id="{C31AD35B-6AF8-4890-9FAB-1A64CF8DF256}"/>
+                <a16:creationId xmlns:a16="http://schemas.microsoft.com/office/drawing/2014/main" id="{C31AD35B-6AF8-4890-9FAB-1A64CF8DF256}"/>
               </a:ext>
             </a:extLst>
           </p:cNvPr>
@@ -11555,14 +11477,14 @@
           </a:p>
         </p:txBody>
       </p:sp>
-      <mc:AlternateContent xmlns:mc="http://schemas.openxmlformats.org/markup-compatibility/2006">
-        <mc:Choice xmlns:a14="http://schemas.microsoft.com/office/drawing/2010/main" Requires="a14">
+      <mc:AlternateContent xmlns:mc="http://schemas.openxmlformats.org/markup-compatibility/2006" xmlns:a14="http://schemas.microsoft.com/office/drawing/2010/main">
+        <mc:Choice Requires="a14">
           <p:sp>
             <p:nvSpPr>
               <p:cNvPr id="3" name="Content Placeholder 2">
                 <a:extLst>
                   <a:ext uri="{FF2B5EF4-FFF2-40B4-BE49-F238E27FC236}">
-                    <a16:creationId xmlns:a16="http://schemas.microsoft.com/office/drawing/2014/main" xmlns="" id="{18A396A4-D801-4F52-8484-81CF6161ABD4}"/>
+                    <a16:creationId xmlns:a16="http://schemas.microsoft.com/office/drawing/2014/main" id="{18A396A4-D801-4F52-8484-81CF6161ABD4}"/>
                   </a:ext>
                 </a:extLst>
               </p:cNvPr>
@@ -11731,7 +11653,7 @@
                         <m:endChr m:val="]"/>
                         <m:ctrlPr>
                           <a:rPr lang="en-US" b="0" i="1" smtClean="0">
-                            <a:latin typeface="Cambria Math" charset="0"/>
+                            <a:latin typeface="Cambria Math" panose="02040503050406030204" pitchFamily="18" charset="0"/>
                           </a:rPr>
                         </m:ctrlPr>
                       </m:dPr>
@@ -11740,7 +11662,7 @@
                           <m:sSubPr>
                             <m:ctrlPr>
                               <a:rPr lang="en-US" b="0" i="1" smtClean="0">
-                                <a:latin typeface="Cambria Math" charset="0"/>
+                                <a:latin typeface="Cambria Math" panose="02040503050406030204" pitchFamily="18" charset="0"/>
                               </a:rPr>
                             </m:ctrlPr>
                           </m:sSubPr>
@@ -11771,7 +11693,7 @@
                           <m:sSubPr>
                             <m:ctrlPr>
                               <a:rPr lang="en-US" b="0" i="1" smtClean="0">
-                                <a:latin typeface="Cambria Math" charset="0"/>
+                                <a:latin typeface="Cambria Math" panose="02040503050406030204" pitchFamily="18" charset="0"/>
                               </a:rPr>
                             </m:ctrlPr>
                           </m:sSubPr>
@@ -11802,7 +11724,7 @@
                           <m:sSubPr>
                             <m:ctrlPr>
                               <a:rPr lang="en-US" b="0" i="1" smtClean="0">
-                                <a:latin typeface="Cambria Math" charset="0"/>
+                                <a:latin typeface="Cambria Math" panose="02040503050406030204" pitchFamily="18" charset="0"/>
                               </a:rPr>
                             </m:ctrlPr>
                           </m:sSubPr>
@@ -11843,16 +11765,12 @@
                 </a14:m>
                 <a:r>
                   <a:rPr lang="en-US" dirty="0"/>
-                  <a:t> is the number/dimension of genes</a:t>
-                </a:r>
-                <a:r>
-                  <a:rPr lang="en-US" dirty="0" smtClean="0"/>
-                  <a:t>.</a:t>
+                  <a:t> is the number/dimension of genes.</a:t>
                 </a:r>
               </a:p>
               <a:p>
                 <a:r>
-                  <a:rPr lang="en-US" dirty="0" smtClean="0"/>
+                  <a:rPr lang="en-US" dirty="0"/>
                   <a:t>Coefficients for prognostic effects: </a:t>
                 </a:r>
                 <a14:m>
@@ -11873,7 +11791,7 @@
                       <m:sSubPr>
                         <m:ctrlPr>
                           <a:rPr lang="en-US" b="0" i="1" smtClean="0">
-                            <a:latin typeface="Cambria Math" charset="0"/>
+                            <a:latin typeface="Cambria Math" panose="02040503050406030204" pitchFamily="18" charset="0"/>
                           </a:rPr>
                         </m:ctrlPr>
                       </m:sSubPr>
@@ -11904,7 +11822,7 @@
                       <m:sSubPr>
                         <m:ctrlPr>
                           <a:rPr lang="en-US" b="0" i="1" smtClean="0">
-                            <a:latin typeface="Cambria Math" charset="0"/>
+                            <a:latin typeface="Cambria Math" panose="02040503050406030204" pitchFamily="18" charset="0"/>
                           </a:rPr>
                         </m:ctrlPr>
                       </m:sSubPr>
@@ -11935,7 +11853,7 @@
                       <m:sSubPr>
                         <m:ctrlPr>
                           <a:rPr lang="en-US" b="0" i="1" smtClean="0">
-                            <a:latin typeface="Cambria Math" charset="0"/>
+                            <a:latin typeface="Cambria Math" panose="02040503050406030204" pitchFamily="18" charset="0"/>
                           </a:rPr>
                         </m:ctrlPr>
                       </m:sSubPr>
@@ -12006,7 +11924,7 @@
                         <m:endChr m:val="]"/>
                         <m:ctrlPr>
                           <a:rPr lang="en-US" b="0" i="1" smtClean="0">
-                            <a:latin typeface="Cambria Math" charset="0"/>
+                            <a:latin typeface="Cambria Math" panose="02040503050406030204" pitchFamily="18" charset="0"/>
                             <a:ea typeface="Cambria Math" panose="02040503050406030204" pitchFamily="18" charset="0"/>
                           </a:rPr>
                         </m:ctrlPr>
@@ -12030,7 +11948,7 @@
                           <m:sSubPr>
                             <m:ctrlPr>
                               <a:rPr lang="en-US" b="0" i="1" smtClean="0">
-                                <a:latin typeface="Cambria Math" charset="0"/>
+                                <a:latin typeface="Cambria Math" panose="02040503050406030204" pitchFamily="18" charset="0"/>
                                 <a:ea typeface="Cambria Math" panose="02040503050406030204" pitchFamily="18" charset="0"/>
                               </a:rPr>
                             </m:ctrlPr>
@@ -12079,7 +11997,7 @@
                           <m:sSubPr>
                             <m:ctrlPr>
                               <a:rPr lang="en-US" b="0" i="1" smtClean="0">
-                                <a:latin typeface="Cambria Math" charset="0"/>
+                                <a:latin typeface="Cambria Math" panose="02040503050406030204" pitchFamily="18" charset="0"/>
                                 <a:ea typeface="Cambria Math" panose="02040503050406030204" pitchFamily="18" charset="0"/>
                               </a:rPr>
                             </m:ctrlPr>
@@ -12128,7 +12046,7 @@
                           <m:sSubPr>
                             <m:ctrlPr>
                               <a:rPr lang="en-US" b="0" i="1" smtClean="0">
-                                <a:latin typeface="Cambria Math" charset="0"/>
+                                <a:latin typeface="Cambria Math" panose="02040503050406030204" pitchFamily="18" charset="0"/>
                                 <a:ea typeface="Cambria Math" panose="02040503050406030204" pitchFamily="18" charset="0"/>
                               </a:rPr>
                             </m:ctrlPr>
@@ -12156,11 +12074,11 @@
                     </m:d>
                   </m:oMath>
                 </a14:m>
-                <a:endParaRPr lang="en-US" dirty="0" smtClean="0"/>
+                <a:endParaRPr lang="en-US" dirty="0"/>
               </a:p>
               <a:p>
                 <a:r>
-                  <a:rPr lang="en-US" dirty="0" smtClean="0"/>
+                  <a:rPr lang="en-US" dirty="0"/>
                   <a:t>Coefficients for predictive effects: </a:t>
                 </a:r>
                 <a14:m>
@@ -12181,7 +12099,7 @@
                       <m:sSubPr>
                         <m:ctrlPr>
                           <a:rPr lang="en-US" b="0" i="1" smtClean="0">
-                            <a:latin typeface="Cambria Math" charset="0"/>
+                            <a:latin typeface="Cambria Math" panose="02040503050406030204" pitchFamily="18" charset="0"/>
                           </a:rPr>
                         </m:ctrlPr>
                       </m:sSubPr>
@@ -12212,7 +12130,7 @@
                       <m:sSubPr>
                         <m:ctrlPr>
                           <a:rPr lang="en-US" b="0" i="1" smtClean="0">
-                            <a:latin typeface="Cambria Math" charset="0"/>
+                            <a:latin typeface="Cambria Math" panose="02040503050406030204" pitchFamily="18" charset="0"/>
                           </a:rPr>
                         </m:ctrlPr>
                       </m:sSubPr>
@@ -12243,7 +12161,7 @@
                       <m:sSubPr>
                         <m:ctrlPr>
                           <a:rPr lang="en-US" b="0" i="1" smtClean="0">
-                            <a:latin typeface="Cambria Math" charset="0"/>
+                            <a:latin typeface="Cambria Math" panose="02040503050406030204" pitchFamily="18" charset="0"/>
                           </a:rPr>
                         </m:ctrlPr>
                       </m:sSubPr>
@@ -12286,7 +12204,7 @@
             </p:txBody>
           </p:sp>
         </mc:Choice>
-        <mc:Fallback>
+        <mc:Fallback xmlns="">
           <p:sp>
             <p:nvSpPr>
               <p:cNvPr id="3" name="Content Placeholder 2">
@@ -12331,7 +12249,7 @@
           <p:cNvPr id="4" name="Footer Placeholder 3">
             <a:extLst>
               <a:ext uri="{FF2B5EF4-FFF2-40B4-BE49-F238E27FC236}">
-                <a16:creationId xmlns:a16="http://schemas.microsoft.com/office/drawing/2014/main" xmlns="" id="{6BAF83D6-7B6B-4140-8307-D915BAB8E895}"/>
+                <a16:creationId xmlns:a16="http://schemas.microsoft.com/office/drawing/2014/main" id="{6BAF83D6-7B6B-4140-8307-D915BAB8E895}"/>
               </a:ext>
             </a:extLst>
           </p:cNvPr>
@@ -12388,7 +12306,7 @@
           <p:cNvPr id="5" name="Slide Number Placeholder 4">
             <a:extLst>
               <a:ext uri="{FF2B5EF4-FFF2-40B4-BE49-F238E27FC236}">
-                <a16:creationId xmlns:a16="http://schemas.microsoft.com/office/drawing/2014/main" xmlns="" id="{F9367D40-27EF-43BE-8724-D9FF4C023720}"/>
+                <a16:creationId xmlns:a16="http://schemas.microsoft.com/office/drawing/2014/main" id="{F9367D40-27EF-43BE-8724-D9FF4C023720}"/>
               </a:ext>
             </a:extLst>
           </p:cNvPr>
@@ -12847,7 +12765,7 @@
           <p:cNvPr id="2" name="Title 1">
             <a:extLst>
               <a:ext uri="{FF2B5EF4-FFF2-40B4-BE49-F238E27FC236}">
-                <a16:creationId xmlns:a16="http://schemas.microsoft.com/office/drawing/2014/main" xmlns="" id="{2080BB50-9AAA-448A-8376-CB859DE4375C}"/>
+                <a16:creationId xmlns:a16="http://schemas.microsoft.com/office/drawing/2014/main" id="{2080BB50-9AAA-448A-8376-CB859DE4375C}"/>
               </a:ext>
             </a:extLst>
           </p:cNvPr>
@@ -12864,21 +12782,20 @@
           <a:lstStyle/>
           <a:p>
             <a:r>
-              <a:rPr lang="en-US" dirty="0" smtClean="0"/>
+              <a:rPr lang="en-US" dirty="0"/>
               <a:t>Hierarchical Structure Constraint</a:t>
             </a:r>
-            <a:endParaRPr lang="en-US" dirty="0"/>
           </a:p>
         </p:txBody>
       </p:sp>
-      <mc:AlternateContent xmlns:mc="http://schemas.openxmlformats.org/markup-compatibility/2006">
-        <mc:Choice xmlns:a14="http://schemas.microsoft.com/office/drawing/2010/main" Requires="a14">
+      <mc:AlternateContent xmlns:mc="http://schemas.openxmlformats.org/markup-compatibility/2006" xmlns:a14="http://schemas.microsoft.com/office/drawing/2010/main">
+        <mc:Choice Requires="a14">
           <p:sp>
             <p:nvSpPr>
               <p:cNvPr id="3" name="Content Placeholder 2">
                 <a:extLst>
                   <a:ext uri="{FF2B5EF4-FFF2-40B4-BE49-F238E27FC236}">
-                    <a16:creationId xmlns:a16="http://schemas.microsoft.com/office/drawing/2014/main" xmlns="" id="{A6EFEA33-EC69-412C-9A8E-6154468EB6EC}"/>
+                    <a16:creationId xmlns:a16="http://schemas.microsoft.com/office/drawing/2014/main" id="{A6EFEA33-EC69-412C-9A8E-6154468EB6EC}"/>
                   </a:ext>
                 </a:extLst>
               </p:cNvPr>
@@ -12906,7 +12823,7 @@
                       <m:sSubPr>
                         <m:ctrlPr>
                           <a:rPr lang="en-US" altLang="en-US" b="0" i="1" smtClean="0">
-                            <a:latin typeface="Cambria Math" charset="0"/>
+                            <a:latin typeface="Cambria Math" panose="02040503050406030204" pitchFamily="18" charset="0"/>
                           </a:rPr>
                         </m:ctrlPr>
                       </m:sSubPr>
@@ -12931,7 +12848,7 @@
                       <m:sSubPr>
                         <m:ctrlPr>
                           <a:rPr lang="en-US" altLang="en-US" b="0" i="1" smtClean="0">
-                            <a:latin typeface="Cambria Math" charset="0"/>
+                            <a:latin typeface="Cambria Math" panose="02040503050406030204" pitchFamily="18" charset="0"/>
                           </a:rPr>
                         </m:ctrlPr>
                       </m:sSubPr>
@@ -12979,7 +12896,7 @@
                       <m:sSubPr>
                         <m:ctrlPr>
                           <a:rPr lang="en-US" altLang="en-US" b="0" i="1" smtClean="0">
-                            <a:latin typeface="Cambria Math" charset="0"/>
+                            <a:latin typeface="Cambria Math" panose="02040503050406030204" pitchFamily="18" charset="0"/>
                           </a:rPr>
                         </m:ctrlPr>
                       </m:sSubPr>
@@ -13004,7 +12921,7 @@
                       <m:sSubPr>
                         <m:ctrlPr>
                           <a:rPr lang="en-US" altLang="en-US" b="0" i="1" smtClean="0">
-                            <a:latin typeface="Cambria Math" charset="0"/>
+                            <a:latin typeface="Cambria Math" panose="02040503050406030204" pitchFamily="18" charset="0"/>
                           </a:rPr>
                         </m:ctrlPr>
                       </m:sSubPr>
@@ -13040,7 +12957,7 @@
                       <m:sSubPr>
                         <m:ctrlPr>
                           <a:rPr lang="en-US" altLang="en-US" b="0" i="1" smtClean="0">
-                            <a:latin typeface="Cambria Math" charset="0"/>
+                            <a:latin typeface="Cambria Math" panose="02040503050406030204" pitchFamily="18" charset="0"/>
                           </a:rPr>
                         </m:ctrlPr>
                       </m:sSubPr>
@@ -13085,7 +13002,7 @@
                       <m:sSubPr>
                         <m:ctrlPr>
                           <a:rPr lang="en-US" altLang="en-US" b="0" i="1" smtClean="0">
-                            <a:latin typeface="Cambria Math" charset="0"/>
+                            <a:latin typeface="Cambria Math" panose="02040503050406030204" pitchFamily="18" charset="0"/>
                           </a:rPr>
                         </m:ctrlPr>
                       </m:sSubPr>
@@ -13126,7 +13043,7 @@
                       <m:sSubPr>
                         <m:ctrlPr>
                           <a:rPr lang="en-US" altLang="en-US" b="0" i="1" smtClean="0">
-                            <a:latin typeface="Cambria Math" charset="0"/>
+                            <a:latin typeface="Cambria Math" panose="02040503050406030204" pitchFamily="18" charset="0"/>
                           </a:rPr>
                         </m:ctrlPr>
                       </m:sSubPr>
@@ -13157,7 +13074,7 @@
                       <m:sSubPr>
                         <m:ctrlPr>
                           <a:rPr lang="en-US" altLang="en-US" b="0" i="1" smtClean="0">
-                            <a:latin typeface="Cambria Math" charset="0"/>
+                            <a:latin typeface="Cambria Math" panose="02040503050406030204" pitchFamily="18" charset="0"/>
                           </a:rPr>
                         </m:ctrlPr>
                       </m:sSubPr>
@@ -13205,7 +13122,7 @@
                         <m:sSubPr>
                           <m:ctrlPr>
                             <a:rPr lang="en-US" altLang="en-US" i="1">
-                              <a:latin typeface="Cambria Math" charset="0"/>
+                              <a:latin typeface="Cambria Math" panose="02040503050406030204" pitchFamily="18" charset="0"/>
                             </a:rPr>
                           </m:ctrlPr>
                         </m:sSubPr>
@@ -13249,7 +13166,7 @@
                         <m:sSubPr>
                           <m:ctrlPr>
                             <a:rPr lang="en-US" altLang="en-US" i="1">
-                              <a:latin typeface="Cambria Math" charset="0"/>
+                              <a:latin typeface="Cambria Math" panose="02040503050406030204" pitchFamily="18" charset="0"/>
                             </a:rPr>
                           </m:ctrlPr>
                         </m:sSubPr>
@@ -13289,36 +13206,26 @@
               </a:p>
               <a:p>
                 <a:r>
-                  <a:rPr lang="en-US" altLang="en-US" dirty="0" smtClean="0"/>
+                  <a:rPr lang="en-US" altLang="en-US" dirty="0"/>
                   <a:t>A linear regression with interaction effects does not omit main effects.</a:t>
-                </a:r>
-                <a:endParaRPr lang="en-US" altLang="en-US" dirty="0"/>
-              </a:p>
-              <a:p>
-                <a:r>
-                  <a:rPr lang="en-US" altLang="en-US" dirty="0" smtClean="0"/>
-                  <a:t>We </a:t>
-                </a:r>
-                <a:r>
-                  <a:rPr lang="en-US" altLang="en-US" dirty="0"/>
-                  <a:t>want to capture any possible prognostic effects and we want to make sure we include lower-order terms in the model</a:t>
-                </a:r>
-                <a:r>
-                  <a:rPr lang="en-US" altLang="en-US" dirty="0" smtClean="0"/>
-                  <a:t>.</a:t>
                 </a:r>
               </a:p>
               <a:p>
                 <a:r>
-                  <a:rPr lang="en-US" dirty="0" smtClean="0"/>
+                  <a:rPr lang="en-US" altLang="en-US" dirty="0"/>
+                  <a:t>We want to capture any possible prognostic effects and we want to make sure we include lower-order terms in the model.</a:t>
+                </a:r>
+              </a:p>
+              <a:p>
+                <a:r>
+                  <a:rPr lang="en-US" dirty="0"/>
                   <a:t>Predictive effects and prognostic effects have complex biological relationships.</a:t>
                 </a:r>
-                <a:endParaRPr lang="en-US" dirty="0"/>
               </a:p>
             </p:txBody>
           </p:sp>
         </mc:Choice>
-        <mc:Fallback>
+        <mc:Fallback xmlns="">
           <p:sp>
             <p:nvSpPr>
               <p:cNvPr id="3" name="Content Placeholder 2">
@@ -13363,7 +13270,7 @@
           <p:cNvPr id="4" name="Footer Placeholder 3">
             <a:extLst>
               <a:ext uri="{FF2B5EF4-FFF2-40B4-BE49-F238E27FC236}">
-                <a16:creationId xmlns:a16="http://schemas.microsoft.com/office/drawing/2014/main" xmlns="" id="{A744C794-D14A-4C4F-AB6B-F5754FDC8048}"/>
+                <a16:creationId xmlns:a16="http://schemas.microsoft.com/office/drawing/2014/main" id="{A744C794-D14A-4C4F-AB6B-F5754FDC8048}"/>
               </a:ext>
             </a:extLst>
           </p:cNvPr>
@@ -13420,7 +13327,7 @@
           <p:cNvPr id="5" name="Slide Number Placeholder 4">
             <a:extLst>
               <a:ext uri="{FF2B5EF4-FFF2-40B4-BE49-F238E27FC236}">
-                <a16:creationId xmlns:a16="http://schemas.microsoft.com/office/drawing/2014/main" xmlns="" id="{F010A83B-80DD-4148-B633-CC1EA64BBC2F}"/>
+                <a16:creationId xmlns:a16="http://schemas.microsoft.com/office/drawing/2014/main" id="{F010A83B-80DD-4148-B633-CC1EA64BBC2F}"/>
               </a:ext>
             </a:extLst>
           </p:cNvPr>
@@ -14093,14 +14000,14 @@
           </a:p>
         </p:txBody>
       </p:sp>
-      <mc:AlternateContent xmlns:mc="http://schemas.openxmlformats.org/markup-compatibility/2006">
-        <mc:Choice xmlns:a14="http://schemas.microsoft.com/office/drawing/2010/main" Requires="a14">
+      <mc:AlternateContent xmlns:mc="http://schemas.openxmlformats.org/markup-compatibility/2006" xmlns:a14="http://schemas.microsoft.com/office/drawing/2010/main">
+        <mc:Choice Requires="a14">
           <p:sp>
             <p:nvSpPr>
               <p:cNvPr id="7" name="Content Placeholder 6">
                 <a:extLst>
                   <a:ext uri="{FF2B5EF4-FFF2-40B4-BE49-F238E27FC236}">
-                    <a16:creationId xmlns:a16="http://schemas.microsoft.com/office/drawing/2014/main" xmlns="" id="{A73C6DC9-E908-45A8-A4DC-4D5A9005AC6F}"/>
+                    <a16:creationId xmlns:a16="http://schemas.microsoft.com/office/drawing/2014/main" id="{A73C6DC9-E908-45A8-A4DC-4D5A9005AC6F}"/>
                   </a:ext>
                 </a:extLst>
               </p:cNvPr>
@@ -14117,22 +14024,18 @@
               <a:lstStyle/>
               <a:p>
                 <a:r>
-                  <a:rPr lang="en-US" dirty="0" smtClean="0"/>
+                  <a:rPr lang="en-US" dirty="0"/>
                   <a:t>Why not Lasso?</a:t>
                 </a:r>
               </a:p>
               <a:p>
                 <a:pPr lvl="1"/>
-                <a:endParaRPr lang="en-US" dirty="0" smtClean="0"/>
+                <a:endParaRPr lang="en-US" dirty="0"/>
               </a:p>
               <a:p>
                 <a:r>
-                  <a:rPr lang="en-US" dirty="0" smtClean="0"/>
-                  <a:t>We </a:t>
-                </a:r>
-                <a:r>
                   <a:rPr lang="en-US" dirty="0"/>
-                  <a:t>choose Group Lasso for its ability to</a:t>
+                  <a:t>We choose Group Lasso for its ability to</a:t>
                 </a:r>
               </a:p>
               <a:p>
@@ -14196,13 +14099,8 @@
                 <a:pPr lvl="1"/>
                 <a:r>
                   <a:rPr lang="en-US" dirty="0"/>
-                  <a:t>Have the </a:t>
+                  <a:t>Have the hierarchical structure constraint</a:t>
                 </a:r>
-                <a:r>
-                  <a:rPr lang="en-US" dirty="0" smtClean="0"/>
-                  <a:t>hierarchical structure constraint</a:t>
-                </a:r>
-                <a:endParaRPr lang="en-US" dirty="0"/>
               </a:p>
               <a:p>
                 <a:pPr lvl="1"/>
@@ -14215,7 +14113,7 @@
             </p:txBody>
           </p:sp>
         </mc:Choice>
-        <mc:Fallback>
+        <mc:Fallback xmlns="">
           <p:sp>
             <p:nvSpPr>
               <p:cNvPr id="7" name="Content Placeholder 6">
@@ -14265,13 +14163,6 @@
   <p:clrMapOvr>
     <a:masterClrMapping/>
   </p:clrMapOvr>
-  <p:timing>
-    <p:tnLst>
-      <p:par>
-        <p:cTn id="1" dur="indefinite" restart="never" nodeType="tmRoot"/>
-      </p:par>
-    </p:tnLst>
-  </p:timing>
 </p:sld>
 </file>
 
@@ -14297,7 +14188,7 @@
           <p:cNvPr id="2" name="Title 1">
             <a:extLst>
               <a:ext uri="{FF2B5EF4-FFF2-40B4-BE49-F238E27FC236}">
-                <a16:creationId xmlns:a16="http://schemas.microsoft.com/office/drawing/2014/main" xmlns="" id="{79DCF703-20AF-4958-B33E-F343978ACF91}"/>
+                <a16:creationId xmlns:a16="http://schemas.microsoft.com/office/drawing/2014/main" id="{79DCF703-20AF-4958-B33E-F343978ACF91}"/>
               </a:ext>
             </a:extLst>
           </p:cNvPr>
@@ -14327,7 +14218,7 @@
               <p:cNvPr id="3" name="Content Placeholder 2">
                 <a:extLst>
                   <a:ext uri="{FF2B5EF4-FFF2-40B4-BE49-F238E27FC236}">
-                    <a16:creationId xmlns:a16="http://schemas.microsoft.com/office/drawing/2014/main" xmlns="" id="{6D0CE62C-8863-4F49-A0FA-B90C4A09BB2E}"/>
+                    <a16:creationId xmlns:a16="http://schemas.microsoft.com/office/drawing/2014/main" id="{6D0CE62C-8863-4F49-A0FA-B90C4A09BB2E}"/>
                   </a:ext>
                 </a:extLst>
               </p:cNvPr>
@@ -14365,7 +14256,7 @@
                         <m:limLowPr>
                           <m:ctrlPr>
                             <a:rPr lang="en-US" b="0" i="1" smtClean="0">
-                              <a:latin typeface="Cambria Math" charset="0"/>
+                              <a:latin typeface="Cambria Math" panose="02040503050406030204" pitchFamily="18" charset="0"/>
                             </a:rPr>
                           </m:ctrlPr>
                         </m:limLowPr>
@@ -14399,7 +14290,7 @@
                         <m:dPr>
                           <m:ctrlPr>
                             <a:rPr lang="en-US" b="0" i="1" smtClean="0">
-                              <a:latin typeface="Cambria Math" charset="0"/>
+                              <a:latin typeface="Cambria Math" panose="02040503050406030204" pitchFamily="18" charset="0"/>
                             </a:rPr>
                           </m:ctrlPr>
                         </m:dPr>
@@ -14520,7 +14411,7 @@
                         <m:dPr>
                           <m:ctrlPr>
                             <a:rPr lang="en-US" b="0" i="1" smtClean="0">
-                              <a:latin typeface="Cambria Math" charset="0"/>
+                              <a:latin typeface="Cambria Math" panose="02040503050406030204" pitchFamily="18" charset="0"/>
                             </a:rPr>
                           </m:ctrlPr>
                         </m:dPr>
@@ -14677,7 +14568,7 @@
                         <m:sSupPr>
                           <m:ctrlPr>
                             <a:rPr lang="en-US" b="0" i="1" smtClean="0">
-                              <a:latin typeface="Cambria Math" charset="0"/>
+                              <a:latin typeface="Cambria Math" panose="02040503050406030204" pitchFamily="18" charset="0"/>
                             </a:rPr>
                           </m:ctrlPr>
                         </m:sSupPr>
@@ -14729,7 +14620,7 @@
                         <m:dPr>
                           <m:ctrlPr>
                             <a:rPr lang="en-US" b="0" i="1" smtClean="0">
-                              <a:latin typeface="Cambria Math" charset="0"/>
+                              <a:latin typeface="Cambria Math" panose="02040503050406030204" pitchFamily="18" charset="0"/>
                             </a:rPr>
                           </m:ctrlPr>
                         </m:dPr>
@@ -14760,7 +14651,7 @@
                           <m:supHide m:val="on"/>
                           <m:ctrlPr>
                             <a:rPr lang="en-US" b="0" i="1" smtClean="0">
-                              <a:latin typeface="Cambria Math" charset="0"/>
+                              <a:latin typeface="Cambria Math" panose="02040503050406030204" pitchFamily="18" charset="0"/>
                             </a:rPr>
                           </m:ctrlPr>
                         </m:naryPr>
@@ -14778,7 +14669,7 @@
                             <m:sSubPr>
                               <m:ctrlPr>
                                 <a:rPr lang="en-US" b="0" i="1" smtClean="0">
-                                  <a:latin typeface="Cambria Math" charset="0"/>
+                                  <a:latin typeface="Cambria Math" panose="02040503050406030204" pitchFamily="18" charset="0"/>
                                 </a:rPr>
                               </m:ctrlPr>
                             </m:sSubPr>
@@ -14809,7 +14700,7 @@
                             <m:sSubPr>
                               <m:ctrlPr>
                                 <a:rPr lang="en-US" b="0" i="1" smtClean="0">
-                                  <a:latin typeface="Cambria Math" charset="0"/>
+                                  <a:latin typeface="Cambria Math" panose="02040503050406030204" pitchFamily="18" charset="0"/>
                                 </a:rPr>
                               </m:ctrlPr>
                             </m:sSubPr>
@@ -14856,7 +14747,7 @@
                           <m:supHide m:val="on"/>
                           <m:ctrlPr>
                             <a:rPr lang="en-US" b="0" i="1" smtClean="0">
-                              <a:latin typeface="Cambria Math" charset="0"/>
+                              <a:latin typeface="Cambria Math" panose="02040503050406030204" pitchFamily="18" charset="0"/>
                             </a:rPr>
                           </m:ctrlPr>
                         </m:naryPr>
@@ -14874,7 +14765,7 @@
                             <m:sSubPr>
                               <m:ctrlPr>
                                 <a:rPr lang="en-US" b="0" i="1" smtClean="0">
-                                  <a:latin typeface="Cambria Math" charset="0"/>
+                                  <a:latin typeface="Cambria Math" panose="02040503050406030204" pitchFamily="18" charset="0"/>
                                 </a:rPr>
                               </m:ctrlPr>
                             </m:sSubPr>
@@ -14900,7 +14791,7 @@
                               <m:degHide m:val="on"/>
                               <m:ctrlPr>
                                 <a:rPr lang="en-US" b="0" i="1" smtClean="0">
-                                  <a:latin typeface="Cambria Math" charset="0"/>
+                                  <a:latin typeface="Cambria Math" panose="02040503050406030204" pitchFamily="18" charset="0"/>
                                 </a:rPr>
                               </m:ctrlPr>
                             </m:radPr>
@@ -14910,7 +14801,7 @@
                                 <m:sSubSupPr>
                                   <m:ctrlPr>
                                     <a:rPr lang="en-US" b="0" i="1" smtClean="0">
-                                      <a:latin typeface="Cambria Math" charset="0"/>
+                                      <a:latin typeface="Cambria Math" panose="02040503050406030204" pitchFamily="18" charset="0"/>
                                     </a:rPr>
                                   </m:ctrlPr>
                                 </m:sSubSupPr>
@@ -14949,7 +14840,7 @@
                                 <m:sSubSupPr>
                                   <m:ctrlPr>
                                     <a:rPr lang="en-US" i="1">
-                                      <a:latin typeface="Cambria Math" charset="0"/>
+                                      <a:latin typeface="Cambria Math" panose="02040503050406030204" pitchFamily="18" charset="0"/>
                                     </a:rPr>
                                   </m:ctrlPr>
                                 </m:sSubSupPr>
@@ -15008,7 +14899,7 @@
                             <m:sSubSupPr>
                               <m:ctrlPr>
                                 <a:rPr lang="en-US" b="0" i="1" smtClean="0">
-                                  <a:latin typeface="Cambria Math" charset="0"/>
+                                  <a:latin typeface="Cambria Math" panose="02040503050406030204" pitchFamily="18" charset="0"/>
                                 </a:rPr>
                               </m:ctrlPr>
                             </m:sSubSupPr>
@@ -15053,7 +14944,7 @@
                             <m:sSubSupPr>
                               <m:ctrlPr>
                                 <a:rPr lang="en-US" b="0" i="1" smtClean="0">
-                                  <a:latin typeface="Cambria Math" charset="0"/>
+                                  <a:latin typeface="Cambria Math" panose="02040503050406030204" pitchFamily="18" charset="0"/>
                                 </a:rPr>
                               </m:ctrlPr>
                             </m:sSubSupPr>
@@ -15226,7 +15117,7 @@
           <p:cNvPr id="4" name="Footer Placeholder 3">
             <a:extLst>
               <a:ext uri="{FF2B5EF4-FFF2-40B4-BE49-F238E27FC236}">
-                <a16:creationId xmlns:a16="http://schemas.microsoft.com/office/drawing/2014/main" xmlns="" id="{1F18B1F0-4748-4068-BA94-68CBCC62C648}"/>
+                <a16:creationId xmlns:a16="http://schemas.microsoft.com/office/drawing/2014/main" id="{1F18B1F0-4748-4068-BA94-68CBCC62C648}"/>
               </a:ext>
             </a:extLst>
           </p:cNvPr>
@@ -15283,7 +15174,7 @@
           <p:cNvPr id="5" name="Slide Number Placeholder 4">
             <a:extLst>
               <a:ext uri="{FF2B5EF4-FFF2-40B4-BE49-F238E27FC236}">
-                <a16:creationId xmlns:a16="http://schemas.microsoft.com/office/drawing/2014/main" xmlns="" id="{A39BFACB-D0EE-4249-B1AE-5CD08E88DBBB}"/>
+                <a16:creationId xmlns:a16="http://schemas.microsoft.com/office/drawing/2014/main" id="{A39BFACB-D0EE-4249-B1AE-5CD08E88DBBB}"/>
               </a:ext>
             </a:extLst>
           </p:cNvPr>
@@ -15313,7 +15204,7 @@
           <p:cNvPr id="6" name="Rectangle 5">
             <a:extLst>
               <a:ext uri="{FF2B5EF4-FFF2-40B4-BE49-F238E27FC236}">
-                <a16:creationId xmlns:a16="http://schemas.microsoft.com/office/drawing/2014/main" xmlns="" id="{64764CCA-1F94-4643-8696-38015A8294CF}"/>
+                <a16:creationId xmlns:a16="http://schemas.microsoft.com/office/drawing/2014/main" id="{64764CCA-1F94-4643-8696-38015A8294CF}"/>
               </a:ext>
             </a:extLst>
           </p:cNvPr>
@@ -15360,7 +15251,7 @@
           <p:cNvPr id="7" name="TextBox 6">
             <a:extLst>
               <a:ext uri="{FF2B5EF4-FFF2-40B4-BE49-F238E27FC236}">
-                <a16:creationId xmlns:a16="http://schemas.microsoft.com/office/drawing/2014/main" xmlns="" id="{B87C4414-32CE-48EE-8D41-5F0667A0BED6}"/>
+                <a16:creationId xmlns:a16="http://schemas.microsoft.com/office/drawing/2014/main" id="{B87C4414-32CE-48EE-8D41-5F0667A0BED6}"/>
               </a:ext>
             </a:extLst>
           </p:cNvPr>
@@ -15399,7 +15290,7 @@
           <p:cNvPr id="8" name="Rectangle 7">
             <a:extLst>
               <a:ext uri="{FF2B5EF4-FFF2-40B4-BE49-F238E27FC236}">
-                <a16:creationId xmlns:a16="http://schemas.microsoft.com/office/drawing/2014/main" xmlns="" id="{ED49BEB3-AB94-4944-AED1-ADBCB8B185F1}"/>
+                <a16:creationId xmlns:a16="http://schemas.microsoft.com/office/drawing/2014/main" id="{ED49BEB3-AB94-4944-AED1-ADBCB8B185F1}"/>
               </a:ext>
             </a:extLst>
           </p:cNvPr>
@@ -15446,7 +15337,7 @@
           <p:cNvPr id="9" name="TextBox 8">
             <a:extLst>
               <a:ext uri="{FF2B5EF4-FFF2-40B4-BE49-F238E27FC236}">
-                <a16:creationId xmlns:a16="http://schemas.microsoft.com/office/drawing/2014/main" xmlns="" id="{CD8EA2C0-923D-4F8F-938B-3185B131DE55}"/>
+                <a16:creationId xmlns:a16="http://schemas.microsoft.com/office/drawing/2014/main" id="{CD8EA2C0-923D-4F8F-938B-3185B131DE55}"/>
               </a:ext>
             </a:extLst>
           </p:cNvPr>
@@ -15485,7 +15376,7 @@
           <p:cNvPr id="10" name="Oval 9">
             <a:extLst>
               <a:ext uri="{FF2B5EF4-FFF2-40B4-BE49-F238E27FC236}">
-                <a16:creationId xmlns:a16="http://schemas.microsoft.com/office/drawing/2014/main" xmlns="" id="{79691CDE-3F86-4256-8C1E-9B075E05089F}"/>
+                <a16:creationId xmlns:a16="http://schemas.microsoft.com/office/drawing/2014/main" id="{79691CDE-3F86-4256-8C1E-9B075E05089F}"/>
               </a:ext>
             </a:extLst>
           </p:cNvPr>
@@ -15537,7 +15428,7 @@
           <p:cNvPr id="11" name="Oval 10">
             <a:extLst>
               <a:ext uri="{FF2B5EF4-FFF2-40B4-BE49-F238E27FC236}">
-                <a16:creationId xmlns:a16="http://schemas.microsoft.com/office/drawing/2014/main" xmlns="" id="{0EF577D3-557B-474C-B2B7-1F7AD8DDB4ED}"/>
+                <a16:creationId xmlns:a16="http://schemas.microsoft.com/office/drawing/2014/main" id="{0EF577D3-557B-474C-B2B7-1F7AD8DDB4ED}"/>
               </a:ext>
             </a:extLst>
           </p:cNvPr>
@@ -15589,7 +15480,7 @@
           <p:cNvPr id="12" name="TextBox 11">
             <a:extLst>
               <a:ext uri="{FF2B5EF4-FFF2-40B4-BE49-F238E27FC236}">
-                <a16:creationId xmlns:a16="http://schemas.microsoft.com/office/drawing/2014/main" xmlns="" id="{0F6488F4-3E4A-49E2-AA86-11BBFB3A70E6}"/>
+                <a16:creationId xmlns:a16="http://schemas.microsoft.com/office/drawing/2014/main" id="{0F6488F4-3E4A-49E2-AA86-11BBFB3A70E6}"/>
               </a:ext>
             </a:extLst>
           </p:cNvPr>
@@ -16230,7 +16121,7 @@
               <p:cNvPr id="3" name="TextBox 2">
                 <a:extLst>
                   <a:ext uri="{FF2B5EF4-FFF2-40B4-BE49-F238E27FC236}">
-                    <a16:creationId xmlns:a16="http://schemas.microsoft.com/office/drawing/2014/main" xmlns="" id="{DE36BEBA-512D-4F13-B097-9DA29F92D8A9}"/>
+                    <a16:creationId xmlns:a16="http://schemas.microsoft.com/office/drawing/2014/main" id="{DE36BEBA-512D-4F13-B097-9DA29F92D8A9}"/>
                   </a:ext>
                 </a:extLst>
               </p:cNvPr>
@@ -16344,7 +16235,7 @@
               <p:cNvPr id="10" name="TextBox 9">
                 <a:extLst>
                   <a:ext uri="{FF2B5EF4-FFF2-40B4-BE49-F238E27FC236}">
-                    <a16:creationId xmlns:a16="http://schemas.microsoft.com/office/drawing/2014/main" xmlns="" id="{DFB19A37-2B27-45C8-8757-A9EC693C1904}"/>
+                    <a16:creationId xmlns:a16="http://schemas.microsoft.com/office/drawing/2014/main" id="{DFB19A37-2B27-45C8-8757-A9EC693C1904}"/>
                   </a:ext>
                 </a:extLst>
               </p:cNvPr>
@@ -16456,7 +16347,7 @@
           <p:cNvPr id="7" name="Rectangle 6">
             <a:extLst>
               <a:ext uri="{FF2B5EF4-FFF2-40B4-BE49-F238E27FC236}">
-                <a16:creationId xmlns:a16="http://schemas.microsoft.com/office/drawing/2014/main" xmlns="" id="{C746CEDB-46C0-4343-B966-C84D0DAC3A34}"/>
+                <a16:creationId xmlns:a16="http://schemas.microsoft.com/office/drawing/2014/main" id="{C746CEDB-46C0-4343-B966-C84D0DAC3A34}"/>
               </a:ext>
             </a:extLst>
           </p:cNvPr>
@@ -16508,7 +16399,7 @@
           <p:cNvPr id="13" name="Rectangle 12">
             <a:extLst>
               <a:ext uri="{FF2B5EF4-FFF2-40B4-BE49-F238E27FC236}">
-                <a16:creationId xmlns:a16="http://schemas.microsoft.com/office/drawing/2014/main" xmlns="" id="{CF1FE3B8-89C0-4BC5-82A7-61C9CDE61A4F}"/>
+                <a16:creationId xmlns:a16="http://schemas.microsoft.com/office/drawing/2014/main" id="{CF1FE3B8-89C0-4BC5-82A7-61C9CDE61A4F}"/>
               </a:ext>
             </a:extLst>
           </p:cNvPr>
@@ -16560,7 +16451,7 @@
           <p:cNvPr id="14" name="Rectangle 13">
             <a:extLst>
               <a:ext uri="{FF2B5EF4-FFF2-40B4-BE49-F238E27FC236}">
-                <a16:creationId xmlns:a16="http://schemas.microsoft.com/office/drawing/2014/main" xmlns="" id="{EDF1C893-C24B-4453-8DD1-C2DD493E5AEE}"/>
+                <a16:creationId xmlns:a16="http://schemas.microsoft.com/office/drawing/2014/main" id="{EDF1C893-C24B-4453-8DD1-C2DD493E5AEE}"/>
               </a:ext>
             </a:extLst>
           </p:cNvPr>
@@ -16612,7 +16503,7 @@
           <p:cNvPr id="15" name="Rectangle 14">
             <a:extLst>
               <a:ext uri="{FF2B5EF4-FFF2-40B4-BE49-F238E27FC236}">
-                <a16:creationId xmlns:a16="http://schemas.microsoft.com/office/drawing/2014/main" xmlns="" id="{C36ACDF6-35EB-4B10-AD5E-4EFA08337D88}"/>
+                <a16:creationId xmlns:a16="http://schemas.microsoft.com/office/drawing/2014/main" id="{C36ACDF6-35EB-4B10-AD5E-4EFA08337D88}"/>
               </a:ext>
             </a:extLst>
           </p:cNvPr>
@@ -16666,7 +16557,7 @@
               <p:cNvPr id="8" name="TextBox 7">
                 <a:extLst>
                   <a:ext uri="{FF2B5EF4-FFF2-40B4-BE49-F238E27FC236}">
-                    <a16:creationId xmlns:a16="http://schemas.microsoft.com/office/drawing/2014/main" xmlns="" id="{DABA1900-B631-45EA-A1CC-AA027209DF26}"/>
+                    <a16:creationId xmlns:a16="http://schemas.microsoft.com/office/drawing/2014/main" id="{DABA1900-B631-45EA-A1CC-AA027209DF26}"/>
                   </a:ext>
                 </a:extLst>
               </p:cNvPr>
@@ -16706,7 +16597,7 @@
                         <m:dPr>
                           <m:ctrlPr>
                             <a:rPr lang="en-US" b="0" i="1" smtClean="0">
-                              <a:latin typeface="Cambria Math" charset="0"/>
+                              <a:latin typeface="Cambria Math" panose="02040503050406030204" pitchFamily="18" charset="0"/>
                             </a:rPr>
                           </m:ctrlPr>
                         </m:dPr>
@@ -16743,7 +16634,7 @@
                           <m:endChr m:val="|"/>
                           <m:ctrlPr>
                             <a:rPr lang="en-US" b="0" i="1" smtClean="0">
-                              <a:latin typeface="Cambria Math" charset="0"/>
+                              <a:latin typeface="Cambria Math" panose="02040503050406030204" pitchFamily="18" charset="0"/>
                             </a:rPr>
                           </m:ctrlPr>
                         </m:dPr>
@@ -16767,7 +16658,7 @@
                           <m:degHide m:val="on"/>
                           <m:ctrlPr>
                             <a:rPr lang="en-US" b="0" i="1" smtClean="0">
-                              <a:latin typeface="Cambria Math" charset="0"/>
+                              <a:latin typeface="Cambria Math" panose="02040503050406030204" pitchFamily="18" charset="0"/>
                             </a:rPr>
                           </m:ctrlPr>
                         </m:radPr>
@@ -16777,7 +16668,7 @@
                             <m:sSupPr>
                               <m:ctrlPr>
                                 <a:rPr lang="en-US" b="0" i="1" smtClean="0">
-                                  <a:latin typeface="Cambria Math" charset="0"/>
+                                  <a:latin typeface="Cambria Math" panose="02040503050406030204" pitchFamily="18" charset="0"/>
                                 </a:rPr>
                               </m:ctrlPr>
                             </m:sSupPr>
@@ -16808,7 +16699,7 @@
                             <m:sSupPr>
                               <m:ctrlPr>
                                 <a:rPr lang="en-US" i="1">
-                                  <a:latin typeface="Cambria Math" charset="0"/>
+                                  <a:latin typeface="Cambria Math" panose="02040503050406030204" pitchFamily="18" charset="0"/>
                                 </a:rPr>
                               </m:ctrlPr>
                             </m:sSupPr>
@@ -16889,7 +16780,7 @@
           <p:cNvPr id="19" name="Straight Arrow Connector 18">
             <a:extLst>
               <a:ext uri="{FF2B5EF4-FFF2-40B4-BE49-F238E27FC236}">
-                <a16:creationId xmlns:a16="http://schemas.microsoft.com/office/drawing/2014/main" xmlns="" id="{9B77BD76-ECB9-462D-8AD6-F96FC3911B42}"/>
+                <a16:creationId xmlns:a16="http://schemas.microsoft.com/office/drawing/2014/main" id="{9B77BD76-ECB9-462D-8AD6-F96FC3911B42}"/>
               </a:ext>
             </a:extLst>
           </p:cNvPr>
@@ -16932,7 +16823,7 @@
               <p:cNvPr id="21" name="TextBox 20">
                 <a:extLst>
                   <a:ext uri="{FF2B5EF4-FFF2-40B4-BE49-F238E27FC236}">
-                    <a16:creationId xmlns:a16="http://schemas.microsoft.com/office/drawing/2014/main" xmlns="" id="{D24DA0BD-548E-46C2-88A1-78C9EA0133DD}"/>
+                    <a16:creationId xmlns:a16="http://schemas.microsoft.com/office/drawing/2014/main" id="{D24DA0BD-548E-46C2-88A1-78C9EA0133DD}"/>
                   </a:ext>
                 </a:extLst>
               </p:cNvPr>
@@ -17054,7 +16945,7 @@
           <p:cNvPr id="25" name="Straight Arrow Connector 24">
             <a:extLst>
               <a:ext uri="{FF2B5EF4-FFF2-40B4-BE49-F238E27FC236}">
-                <a16:creationId xmlns:a16="http://schemas.microsoft.com/office/drawing/2014/main" xmlns="" id="{C949D0D1-57EE-4585-9DDE-C033C067204F}"/>
+                <a16:creationId xmlns:a16="http://schemas.microsoft.com/office/drawing/2014/main" id="{C949D0D1-57EE-4585-9DDE-C033C067204F}"/>
               </a:ext>
             </a:extLst>
           </p:cNvPr>
@@ -17095,7 +16986,7 @@
           <p:cNvPr id="27" name="Straight Arrow Connector 26">
             <a:extLst>
               <a:ext uri="{FF2B5EF4-FFF2-40B4-BE49-F238E27FC236}">
-                <a16:creationId xmlns:a16="http://schemas.microsoft.com/office/drawing/2014/main" xmlns="" id="{8C4DE4FC-0E6A-4AE5-A1FB-9160A70BA9EE}"/>
+                <a16:creationId xmlns:a16="http://schemas.microsoft.com/office/drawing/2014/main" id="{8C4DE4FC-0E6A-4AE5-A1FB-9160A70BA9EE}"/>
               </a:ext>
             </a:extLst>
           </p:cNvPr>
@@ -17129,8 +17020,8 @@
           </a:fontRef>
         </p:style>
       </p:cxnSp>
-      <mc:AlternateContent xmlns:mc="http://schemas.openxmlformats.org/markup-compatibility/2006">
-        <mc:Choice xmlns:a14="http://schemas.microsoft.com/office/drawing/2010/main" Requires="a14">
+      <mc:AlternateContent xmlns:mc="http://schemas.openxmlformats.org/markup-compatibility/2006" xmlns:a14="http://schemas.microsoft.com/office/drawing/2010/main">
+        <mc:Choice Requires="a14">
           <p:sp>
             <p:nvSpPr>
               <p:cNvPr id="6" name="TextBox 5"/>
@@ -17153,6 +17044,7 @@
               </a:bodyPr>
               <a:lstStyle/>
               <a:p>
+                <a:pPr/>
                 <a14:m>
                   <m:oMathPara xmlns:m="http://schemas.openxmlformats.org/officeDocument/2006/math">
                     <m:oMathParaPr>
@@ -17163,7 +17055,7 @@
                         <m:limLowPr>
                           <m:ctrlPr>
                             <a:rPr lang="en-US" b="0" i="1" smtClean="0">
-                              <a:latin typeface="Cambria Math" charset="0"/>
+                              <a:latin typeface="Cambria Math" panose="02040503050406030204" pitchFamily="18" charset="0"/>
                             </a:rPr>
                           </m:ctrlPr>
                         </m:limLowPr>
@@ -17224,7 +17116,7 @@
                         <m:dPr>
                           <m:ctrlPr>
                             <a:rPr lang="en-US" b="0" i="1" smtClean="0">
-                              <a:latin typeface="Cambria Math" charset="0"/>
+                              <a:latin typeface="Cambria Math" panose="02040503050406030204" pitchFamily="18" charset="0"/>
                             </a:rPr>
                           </m:ctrlPr>
                         </m:dPr>
@@ -17299,7 +17191,7 @@
             </p:txBody>
           </p:sp>
         </mc:Choice>
-        <mc:Fallback>
+        <mc:Fallback xmlns="">
           <p:sp>
             <p:nvSpPr>
               <p:cNvPr id="6" name="TextBox 5"/>
@@ -17888,7 +17780,7 @@
           <p:cNvPr id="2" name="Title 1">
             <a:extLst>
               <a:ext uri="{FF2B5EF4-FFF2-40B4-BE49-F238E27FC236}">
-                <a16:creationId xmlns:a16="http://schemas.microsoft.com/office/drawing/2014/main" xmlns="" id="{2CFCB053-9302-4433-A0EE-928F053E8F9E}"/>
+                <a16:creationId xmlns:a16="http://schemas.microsoft.com/office/drawing/2014/main" id="{2CFCB053-9302-4433-A0EE-928F053E8F9E}"/>
               </a:ext>
             </a:extLst>
           </p:cNvPr>
@@ -17911,14 +17803,14 @@
           </a:p>
         </p:txBody>
       </p:sp>
-      <mc:AlternateContent xmlns:mc="http://schemas.openxmlformats.org/markup-compatibility/2006">
-        <mc:Choice xmlns:a14="http://schemas.microsoft.com/office/drawing/2010/main" Requires="a14">
+      <mc:AlternateContent xmlns:mc="http://schemas.openxmlformats.org/markup-compatibility/2006" xmlns:a14="http://schemas.microsoft.com/office/drawing/2010/main">
+        <mc:Choice Requires="a14">
           <p:sp>
             <p:nvSpPr>
               <p:cNvPr id="3" name="Content Placeholder 2">
                 <a:extLst>
                   <a:ext uri="{FF2B5EF4-FFF2-40B4-BE49-F238E27FC236}">
-                    <a16:creationId xmlns:a16="http://schemas.microsoft.com/office/drawing/2014/main" xmlns="" id="{91C89943-CCF2-4951-9FEA-DA883C21955D}"/>
+                    <a16:creationId xmlns:a16="http://schemas.microsoft.com/office/drawing/2014/main" id="{91C89943-CCF2-4951-9FEA-DA883C21955D}"/>
                   </a:ext>
                 </a:extLst>
               </p:cNvPr>
@@ -17949,7 +17841,7 @@
                         <m:limLowPr>
                           <m:ctrlPr>
                             <a:rPr lang="en-US" b="0" i="1" smtClean="0">
-                              <a:latin typeface="Cambria Math" charset="0"/>
+                              <a:latin typeface="Cambria Math" panose="02040503050406030204" pitchFamily="18" charset="0"/>
                             </a:rPr>
                           </m:ctrlPr>
                         </m:limLowPr>
@@ -18073,7 +17965,7 @@
                         <m:sSupPr>
                           <m:ctrlPr>
                             <a:rPr lang="en-US" i="1">
-                              <a:latin typeface="Cambria Math" charset="0"/>
+                              <a:latin typeface="Cambria Math" panose="02040503050406030204" pitchFamily="18" charset="0"/>
                             </a:rPr>
                           </m:ctrlPr>
                         </m:sSupPr>
@@ -18129,7 +18021,7 @@
                           <m:supHide m:val="on"/>
                           <m:ctrlPr>
                             <a:rPr lang="en-US" i="1">
-                              <a:latin typeface="Cambria Math" charset="0"/>
+                              <a:latin typeface="Cambria Math" panose="02040503050406030204" pitchFamily="18" charset="0"/>
                             </a:rPr>
                           </m:ctrlPr>
                         </m:naryPr>
@@ -18147,7 +18039,7 @@
                             <m:sSubPr>
                               <m:ctrlPr>
                                 <a:rPr lang="en-US" i="1">
-                                  <a:latin typeface="Cambria Math" charset="0"/>
+                                  <a:latin typeface="Cambria Math" panose="02040503050406030204" pitchFamily="18" charset="0"/>
                                 </a:rPr>
                               </m:ctrlPr>
                             </m:sSubPr>
@@ -18178,7 +18070,7 @@
                             <m:sSubPr>
                               <m:ctrlPr>
                                 <a:rPr lang="en-US" i="1">
-                                  <a:latin typeface="Cambria Math" charset="0"/>
+                                  <a:latin typeface="Cambria Math" panose="02040503050406030204" pitchFamily="18" charset="0"/>
                                 </a:rPr>
                               </m:ctrlPr>
                             </m:sSubPr>
@@ -18225,7 +18117,7 @@
                           <m:supHide m:val="on"/>
                           <m:ctrlPr>
                             <a:rPr lang="en-US" i="1">
-                              <a:latin typeface="Cambria Math" charset="0"/>
+                              <a:latin typeface="Cambria Math" panose="02040503050406030204" pitchFamily="18" charset="0"/>
                             </a:rPr>
                           </m:ctrlPr>
                         </m:naryPr>
@@ -18243,7 +18135,7 @@
                             <m:sSubPr>
                               <m:ctrlPr>
                                 <a:rPr lang="en-US" i="1">
-                                  <a:latin typeface="Cambria Math" charset="0"/>
+                                  <a:latin typeface="Cambria Math" panose="02040503050406030204" pitchFamily="18" charset="0"/>
                                 </a:rPr>
                               </m:ctrlPr>
                             </m:sSubPr>
@@ -18269,7 +18161,7 @@
                               <m:degHide m:val="on"/>
                               <m:ctrlPr>
                                 <a:rPr lang="en-US" i="1">
-                                  <a:latin typeface="Cambria Math" charset="0"/>
+                                  <a:latin typeface="Cambria Math" panose="02040503050406030204" pitchFamily="18" charset="0"/>
                                 </a:rPr>
                               </m:ctrlPr>
                             </m:radPr>
@@ -18279,7 +18171,7 @@
                                 <m:sSubSupPr>
                                   <m:ctrlPr>
                                     <a:rPr lang="en-US" i="1">
-                                      <a:latin typeface="Cambria Math" charset="0"/>
+                                      <a:latin typeface="Cambria Math" panose="02040503050406030204" pitchFamily="18" charset="0"/>
                                     </a:rPr>
                                   </m:ctrlPr>
                                 </m:sSubSupPr>
@@ -18318,7 +18210,7 @@
                                 <m:sSubSupPr>
                                   <m:ctrlPr>
                                     <a:rPr lang="en-US" i="1">
-                                      <a:latin typeface="Cambria Math" charset="0"/>
+                                      <a:latin typeface="Cambria Math" panose="02040503050406030204" pitchFamily="18" charset="0"/>
                                     </a:rPr>
                                   </m:ctrlPr>
                                 </m:sSubSupPr>
@@ -18379,7 +18271,7 @@
                         <m:sSubSupPr>
                           <m:ctrlPr>
                             <a:rPr lang="en-US" i="1">
-                              <a:latin typeface="Cambria Math" charset="0"/>
+                              <a:latin typeface="Cambria Math" panose="02040503050406030204" pitchFamily="18" charset="0"/>
                             </a:rPr>
                           </m:ctrlPr>
                         </m:sSubSupPr>
@@ -18424,7 +18316,7 @@
                         <m:sSubSupPr>
                           <m:ctrlPr>
                             <a:rPr lang="en-US" i="1">
-                              <a:latin typeface="Cambria Math" charset="0"/>
+                              <a:latin typeface="Cambria Math" panose="02040503050406030204" pitchFamily="18" charset="0"/>
                             </a:rPr>
                           </m:ctrlPr>
                         </m:sSubSupPr>
@@ -18562,7 +18454,7 @@
             </p:txBody>
           </p:sp>
         </mc:Choice>
-        <mc:Fallback>
+        <mc:Fallback xmlns="">
           <p:sp>
             <p:nvSpPr>
               <p:cNvPr id="3" name="Content Placeholder 2">
@@ -18607,7 +18499,7 @@
           <p:cNvPr id="4" name="Footer Placeholder 3">
             <a:extLst>
               <a:ext uri="{FF2B5EF4-FFF2-40B4-BE49-F238E27FC236}">
-                <a16:creationId xmlns:a16="http://schemas.microsoft.com/office/drawing/2014/main" xmlns="" id="{C3DE3A06-EBAA-4965-8CF9-209DC7F747F4}"/>
+                <a16:creationId xmlns:a16="http://schemas.microsoft.com/office/drawing/2014/main" id="{C3DE3A06-EBAA-4965-8CF9-209DC7F747F4}"/>
               </a:ext>
             </a:extLst>
           </p:cNvPr>
@@ -18664,7 +18556,7 @@
           <p:cNvPr id="5" name="Slide Number Placeholder 4">
             <a:extLst>
               <a:ext uri="{FF2B5EF4-FFF2-40B4-BE49-F238E27FC236}">
-                <a16:creationId xmlns:a16="http://schemas.microsoft.com/office/drawing/2014/main" xmlns="" id="{79528500-A9D8-47D3-8FAC-D951DC78692E}"/>
+                <a16:creationId xmlns:a16="http://schemas.microsoft.com/office/drawing/2014/main" id="{79528500-A9D8-47D3-8FAC-D951DC78692E}"/>
               </a:ext>
             </a:extLst>
           </p:cNvPr>
@@ -18694,7 +18586,7 @@
           <p:cNvPr id="6" name="Rectangle 5">
             <a:extLst>
               <a:ext uri="{FF2B5EF4-FFF2-40B4-BE49-F238E27FC236}">
-                <a16:creationId xmlns:a16="http://schemas.microsoft.com/office/drawing/2014/main" xmlns="" id="{78E5842B-094D-4251-BF6D-9492E15A8993}"/>
+                <a16:creationId xmlns:a16="http://schemas.microsoft.com/office/drawing/2014/main" id="{78E5842B-094D-4251-BF6D-9492E15A8993}"/>
               </a:ext>
             </a:extLst>
           </p:cNvPr>
@@ -19319,7 +19211,7 @@
           <p:cNvPr id="3" name="TextBox 2">
             <a:extLst>
               <a:ext uri="{FF2B5EF4-FFF2-40B4-BE49-F238E27FC236}">
-                <a16:creationId xmlns:a16="http://schemas.microsoft.com/office/drawing/2014/main" xmlns="" id="{8D1DBAA3-DFB4-4B72-933E-70C9E117546A}"/>
+                <a16:creationId xmlns:a16="http://schemas.microsoft.com/office/drawing/2014/main" id="{8D1DBAA3-DFB4-4B72-933E-70C9E117546A}"/>
               </a:ext>
             </a:extLst>
           </p:cNvPr>
@@ -19354,7 +19246,7 @@
           <p:cNvPr id="6" name="Arrow: Right 5">
             <a:extLst>
               <a:ext uri="{FF2B5EF4-FFF2-40B4-BE49-F238E27FC236}">
-                <a16:creationId xmlns:a16="http://schemas.microsoft.com/office/drawing/2014/main" xmlns="" id="{94A07FE0-D906-4F8B-BA56-443C9FB13696}"/>
+                <a16:creationId xmlns:a16="http://schemas.microsoft.com/office/drawing/2014/main" id="{94A07FE0-D906-4F8B-BA56-443C9FB13696}"/>
               </a:ext>
             </a:extLst>
           </p:cNvPr>
@@ -19395,14 +19287,14 @@
           </a:p>
         </p:txBody>
       </p:sp>
-      <mc:AlternateContent xmlns:mc="http://schemas.openxmlformats.org/markup-compatibility/2006">
-        <mc:Choice xmlns:a14="http://schemas.microsoft.com/office/drawing/2010/main" Requires="a14">
+      <mc:AlternateContent xmlns:mc="http://schemas.openxmlformats.org/markup-compatibility/2006" xmlns:a14="http://schemas.microsoft.com/office/drawing/2010/main">
+        <mc:Choice Requires="a14">
           <p:sp>
             <p:nvSpPr>
               <p:cNvPr id="8" name="Content Placeholder 7">
                 <a:extLst>
                   <a:ext uri="{FF2B5EF4-FFF2-40B4-BE49-F238E27FC236}">
-                    <a16:creationId xmlns:a16="http://schemas.microsoft.com/office/drawing/2014/main" xmlns="" id="{0A6E8DC9-E40C-4CD5-9856-9CF482BA5FD5}"/>
+                    <a16:creationId xmlns:a16="http://schemas.microsoft.com/office/drawing/2014/main" id="{0A6E8DC9-E40C-4CD5-9856-9CF482BA5FD5}"/>
                   </a:ext>
                 </a:extLst>
               </p:cNvPr>
@@ -19438,7 +19330,7 @@
                         <m:limLowPr>
                           <m:ctrlPr>
                             <a:rPr lang="en-US" i="1" smtClean="0">
-                              <a:latin typeface="Cambria Math" charset="0"/>
+                              <a:latin typeface="Cambria Math" panose="02040503050406030204" pitchFamily="18" charset="0"/>
                             </a:rPr>
                           </m:ctrlPr>
                         </m:limLowPr>
@@ -19562,7 +19454,7 @@
                         <m:sSupPr>
                           <m:ctrlPr>
                             <a:rPr lang="en-US" i="1">
-                              <a:latin typeface="Cambria Math" charset="0"/>
+                              <a:latin typeface="Cambria Math" panose="02040503050406030204" pitchFamily="18" charset="0"/>
                             </a:rPr>
                           </m:ctrlPr>
                         </m:sSupPr>
@@ -19618,7 +19510,7 @@
                           <m:supHide m:val="on"/>
                           <m:ctrlPr>
                             <a:rPr lang="en-US" i="1">
-                              <a:latin typeface="Cambria Math" charset="0"/>
+                              <a:latin typeface="Cambria Math" panose="02040503050406030204" pitchFamily="18" charset="0"/>
                             </a:rPr>
                           </m:ctrlPr>
                         </m:naryPr>
@@ -19636,7 +19528,7 @@
                             <m:sSubPr>
                               <m:ctrlPr>
                                 <a:rPr lang="en-US" i="1">
-                                  <a:latin typeface="Cambria Math" charset="0"/>
+                                  <a:latin typeface="Cambria Math" panose="02040503050406030204" pitchFamily="18" charset="0"/>
                                 </a:rPr>
                               </m:ctrlPr>
                             </m:sSubPr>
@@ -19667,7 +19559,7 @@
                             <m:sSubPr>
                               <m:ctrlPr>
                                 <a:rPr lang="en-US" i="1">
-                                  <a:latin typeface="Cambria Math" charset="0"/>
+                                  <a:latin typeface="Cambria Math" panose="02040503050406030204" pitchFamily="18" charset="0"/>
                                 </a:rPr>
                               </m:ctrlPr>
                             </m:sSubPr>
@@ -19714,7 +19606,7 @@
                           <m:supHide m:val="on"/>
                           <m:ctrlPr>
                             <a:rPr lang="en-US" i="1">
-                              <a:latin typeface="Cambria Math" charset="0"/>
+                              <a:latin typeface="Cambria Math" panose="02040503050406030204" pitchFamily="18" charset="0"/>
                             </a:rPr>
                           </m:ctrlPr>
                         </m:naryPr>
@@ -19732,7 +19624,7 @@
                             <m:sSubPr>
                               <m:ctrlPr>
                                 <a:rPr lang="en-US" i="1">
-                                  <a:latin typeface="Cambria Math" charset="0"/>
+                                  <a:latin typeface="Cambria Math" panose="02040503050406030204" pitchFamily="18" charset="0"/>
                                 </a:rPr>
                               </m:ctrlPr>
                             </m:sSubPr>
@@ -19758,7 +19650,7 @@
                               <m:degHide m:val="on"/>
                               <m:ctrlPr>
                                 <a:rPr lang="en-US" i="1">
-                                  <a:latin typeface="Cambria Math" charset="0"/>
+                                  <a:latin typeface="Cambria Math" panose="02040503050406030204" pitchFamily="18" charset="0"/>
                                 </a:rPr>
                               </m:ctrlPr>
                             </m:radPr>
@@ -19768,7 +19660,7 @@
                                 <m:sSubSupPr>
                                   <m:ctrlPr>
                                     <a:rPr lang="en-US" i="1">
-                                      <a:latin typeface="Cambria Math" charset="0"/>
+                                      <a:latin typeface="Cambria Math" panose="02040503050406030204" pitchFamily="18" charset="0"/>
                                     </a:rPr>
                                   </m:ctrlPr>
                                 </m:sSubSupPr>
@@ -19807,7 +19699,7 @@
                                 <m:sSubSupPr>
                                   <m:ctrlPr>
                                     <a:rPr lang="en-US" i="1">
-                                      <a:latin typeface="Cambria Math" charset="0"/>
+                                      <a:latin typeface="Cambria Math" panose="02040503050406030204" pitchFamily="18" charset="0"/>
                                     </a:rPr>
                                   </m:ctrlPr>
                                 </m:sSubSupPr>
@@ -19868,7 +19760,7 @@
                         <m:sSubSupPr>
                           <m:ctrlPr>
                             <a:rPr lang="en-US" b="0" i="1" smtClean="0">
-                              <a:latin typeface="Cambria Math" charset="0"/>
+                              <a:latin typeface="Cambria Math" panose="02040503050406030204" pitchFamily="18" charset="0"/>
                             </a:rPr>
                           </m:ctrlPr>
                         </m:sSubSupPr>
@@ -19913,7 +19805,7 @@
                         <m:sSubSupPr>
                           <m:ctrlPr>
                             <a:rPr lang="en-US" b="0" i="1" smtClean="0">
-                              <a:latin typeface="Cambria Math" charset="0"/>
+                              <a:latin typeface="Cambria Math" panose="02040503050406030204" pitchFamily="18" charset="0"/>
                             </a:rPr>
                           </m:ctrlPr>
                         </m:sSubSupPr>
@@ -19967,7 +19859,7 @@
                       <m:sSupPr>
                         <m:ctrlPr>
                           <a:rPr lang="en-US" b="0" i="1" smtClean="0">
-                            <a:latin typeface="Cambria Math" charset="0"/>
+                            <a:latin typeface="Cambria Math" panose="02040503050406030204" pitchFamily="18" charset="0"/>
                           </a:rPr>
                         </m:ctrlPr>
                       </m:sSupPr>
@@ -20012,7 +19904,7 @@
                         <m:endChr m:val="]"/>
                         <m:ctrlPr>
                           <a:rPr lang="en-US" b="0" i="1" smtClean="0">
-                            <a:latin typeface="Cambria Math" charset="0"/>
+                            <a:latin typeface="Cambria Math" panose="02040503050406030204" pitchFamily="18" charset="0"/>
                           </a:rPr>
                         </m:ctrlPr>
                       </m:dPr>
@@ -20021,7 +19913,7 @@
                           <m:sSubPr>
                             <m:ctrlPr>
                               <a:rPr lang="en-US" b="0" i="1" smtClean="0">
-                                <a:latin typeface="Cambria Math" charset="0"/>
+                                <a:latin typeface="Cambria Math" panose="02040503050406030204" pitchFamily="18" charset="0"/>
                               </a:rPr>
                             </m:ctrlPr>
                           </m:sSubPr>
@@ -20064,7 +19956,7 @@
                           <m:sSubPr>
                             <m:ctrlPr>
                               <a:rPr lang="en-US" b="0" i="1" smtClean="0">
-                                <a:latin typeface="Cambria Math" charset="0"/>
+                                <a:latin typeface="Cambria Math" panose="02040503050406030204" pitchFamily="18" charset="0"/>
                               </a:rPr>
                             </m:ctrlPr>
                           </m:sSubPr>
@@ -20140,7 +20032,7 @@
                         <m:sSubPr>
                           <m:ctrlPr>
                             <a:rPr lang="en-US" b="0" i="1" smtClean="0">
-                              <a:latin typeface="Cambria Math" charset="0"/>
+                              <a:latin typeface="Cambria Math" panose="02040503050406030204" pitchFamily="18" charset="0"/>
                             </a:rPr>
                           </m:ctrlPr>
                         </m:sSubPr>
@@ -20171,7 +20063,7 @@
                         <m:sSupPr>
                           <m:ctrlPr>
                             <a:rPr lang="en-US" b="0" i="1" smtClean="0">
-                              <a:latin typeface="Cambria Math" charset="0"/>
+                              <a:latin typeface="Cambria Math" panose="02040503050406030204" pitchFamily="18" charset="0"/>
                             </a:rPr>
                           </m:ctrlPr>
                         </m:sSupPr>
@@ -20188,7 +20080,7 @@
                             <m:dPr>
                               <m:ctrlPr>
                                 <a:rPr lang="en-US" b="0" i="1" smtClean="0">
-                                  <a:latin typeface="Cambria Math" charset="0"/>
+                                  <a:latin typeface="Cambria Math" panose="02040503050406030204" pitchFamily="18" charset="0"/>
                                 </a:rPr>
                               </m:ctrlPr>
                             </m:dPr>
@@ -20207,7 +20099,7 @@
                         <m:sSubPr>
                           <m:ctrlPr>
                             <a:rPr lang="en-US" b="0" i="1" smtClean="0">
-                              <a:latin typeface="Cambria Math" charset="0"/>
+                              <a:latin typeface="Cambria Math" panose="02040503050406030204" pitchFamily="18" charset="0"/>
                             </a:rPr>
                           </m:ctrlPr>
                         </m:sSubPr>
@@ -20247,7 +20139,7 @@
                         <m:sSubPr>
                           <m:ctrlPr>
                             <a:rPr lang="en-US" b="0" i="1" smtClean="0">
-                              <a:latin typeface="Cambria Math" charset="0"/>
+                              <a:latin typeface="Cambria Math" panose="02040503050406030204" pitchFamily="18" charset="0"/>
                             </a:rPr>
                           </m:ctrlPr>
                         </m:sSubPr>
@@ -20279,7 +20171,7 @@
                           <m:degHide m:val="on"/>
                           <m:ctrlPr>
                             <a:rPr lang="en-US" b="0" i="1" smtClean="0">
-                              <a:latin typeface="Cambria Math" charset="0"/>
+                              <a:latin typeface="Cambria Math" panose="02040503050406030204" pitchFamily="18" charset="0"/>
                             </a:rPr>
                           </m:ctrlPr>
                         </m:radPr>
@@ -20295,7 +20187,7 @@
                             <m:sSubPr>
                               <m:ctrlPr>
                                 <a:rPr lang="en-US" b="0" i="1" smtClean="0">
-                                  <a:latin typeface="Cambria Math" charset="0"/>
+                                  <a:latin typeface="Cambria Math" panose="02040503050406030204" pitchFamily="18" charset="0"/>
                                 </a:rPr>
                               </m:ctrlPr>
                             </m:sSubPr>
@@ -20320,7 +20212,7 @@
                             <m:sSubSupPr>
                               <m:ctrlPr>
                                 <a:rPr lang="en-US" b="0" i="1" smtClean="0">
-                                  <a:latin typeface="Cambria Math" charset="0"/>
+                                  <a:latin typeface="Cambria Math" panose="02040503050406030204" pitchFamily="18" charset="0"/>
                                 </a:rPr>
                               </m:ctrlPr>
                             </m:sSubSupPr>
@@ -20359,7 +20251,7 @@
                             <m:dPr>
                               <m:ctrlPr>
                                 <a:rPr lang="en-US" b="0" i="1" smtClean="0">
-                                  <a:latin typeface="Cambria Math" charset="0"/>
+                                  <a:latin typeface="Cambria Math" panose="02040503050406030204" pitchFamily="18" charset="0"/>
                                 </a:rPr>
                               </m:ctrlPr>
                             </m:dPr>
@@ -20375,7 +20267,7 @@
                                   <m:degHide m:val="on"/>
                                   <m:ctrlPr>
                                     <a:rPr lang="en-US" b="0" i="1" smtClean="0">
-                                      <a:latin typeface="Cambria Math" charset="0"/>
+                                      <a:latin typeface="Cambria Math" panose="02040503050406030204" pitchFamily="18" charset="0"/>
                                     </a:rPr>
                                   </m:ctrlPr>
                                 </m:radPr>
@@ -20385,7 +20277,7 @@
                                     <m:fPr>
                                       <m:ctrlPr>
                                         <a:rPr lang="en-US" b="0" i="1" smtClean="0">
-                                          <a:latin typeface="Cambria Math" charset="0"/>
+                                          <a:latin typeface="Cambria Math" panose="02040503050406030204" pitchFamily="18" charset="0"/>
                                         </a:rPr>
                                       </m:ctrlPr>
                                     </m:fPr>
@@ -20432,7 +20324,7 @@
                             <m:sSubPr>
                               <m:ctrlPr>
                                 <a:rPr lang="en-US" b="0" i="1" smtClean="0">
-                                  <a:latin typeface="Cambria Math" charset="0"/>
+                                  <a:latin typeface="Cambria Math" panose="02040503050406030204" pitchFamily="18" charset="0"/>
                                 </a:rPr>
                               </m:ctrlPr>
                             </m:sSubPr>
@@ -20457,7 +20349,7 @@
                             <m:sSubSupPr>
                               <m:ctrlPr>
                                 <a:rPr lang="en-US" b="0" i="1" smtClean="0">
-                                  <a:latin typeface="Cambria Math" charset="0"/>
+                                  <a:latin typeface="Cambria Math" panose="02040503050406030204" pitchFamily="18" charset="0"/>
                                 </a:rPr>
                               </m:ctrlPr>
                             </m:sSubSupPr>
@@ -20502,7 +20394,7 @@
             </p:txBody>
           </p:sp>
         </mc:Choice>
-        <mc:Fallback>
+        <mc:Fallback xmlns="">
           <p:sp>
             <p:nvSpPr>
               <p:cNvPr id="8" name="Content Placeholder 7">
@@ -21137,13 +21029,6 @@
   <p:clrMapOvr>
     <a:masterClrMapping/>
   </p:clrMapOvr>
-  <p:timing>
-    <p:tnLst>
-      <p:par>
-        <p:cTn id="1" dur="indefinite" restart="never" nodeType="tmRoot"/>
-      </p:par>
-    </p:tnLst>
-  </p:timing>
 </p:sld>
 </file>
 
@@ -21297,13 +21182,6 @@
   <p:clrMapOvr>
     <a:masterClrMapping/>
   </p:clrMapOvr>
-  <p:timing>
-    <p:tnLst>
-      <p:par>
-        <p:cTn id="1" dur="indefinite" restart="never" nodeType="tmRoot"/>
-      </p:par>
-    </p:tnLst>
-  </p:timing>
 </p:sld>
 </file>
 
@@ -22248,7 +22126,7 @@
           <p:cNvPr id="2" name="Title 1">
             <a:extLst>
               <a:ext uri="{FF2B5EF4-FFF2-40B4-BE49-F238E27FC236}">
-                <a16:creationId xmlns:a16="http://schemas.microsoft.com/office/drawing/2014/main" xmlns="" id="{17A8BB3D-2D35-4F66-AFB4-2A9AE7681862}"/>
+                <a16:creationId xmlns:a16="http://schemas.microsoft.com/office/drawing/2014/main" id="{17A8BB3D-2D35-4F66-AFB4-2A9AE7681862}"/>
               </a:ext>
             </a:extLst>
           </p:cNvPr>
@@ -22282,7 +22160,7 @@
           <p:cNvPr id="3" name="Footer Placeholder 2">
             <a:extLst>
               <a:ext uri="{FF2B5EF4-FFF2-40B4-BE49-F238E27FC236}">
-                <a16:creationId xmlns:a16="http://schemas.microsoft.com/office/drawing/2014/main" xmlns="" id="{11862E8A-91FD-4C41-A192-DB3D27D88824}"/>
+                <a16:creationId xmlns:a16="http://schemas.microsoft.com/office/drawing/2014/main" id="{11862E8A-91FD-4C41-A192-DB3D27D88824}"/>
               </a:ext>
             </a:extLst>
           </p:cNvPr>
@@ -22339,7 +22217,7 @@
           <p:cNvPr id="4" name="Slide Number Placeholder 3">
             <a:extLst>
               <a:ext uri="{FF2B5EF4-FFF2-40B4-BE49-F238E27FC236}">
-                <a16:creationId xmlns:a16="http://schemas.microsoft.com/office/drawing/2014/main" xmlns="" id="{9DA5ED20-07EE-4130-97A2-FC2FBDDF57B9}"/>
+                <a16:creationId xmlns:a16="http://schemas.microsoft.com/office/drawing/2014/main" id="{9DA5ED20-07EE-4130-97A2-FC2FBDDF57B9}"/>
               </a:ext>
             </a:extLst>
           </p:cNvPr>
@@ -22374,13 +22252,6 @@
   <p:clrMapOvr>
     <a:masterClrMapping/>
   </p:clrMapOvr>
-  <p:timing>
-    <p:tnLst>
-      <p:par>
-        <p:cTn id="1" dur="indefinite" restart="never" nodeType="tmRoot"/>
-      </p:par>
-    </p:tnLst>
-  </p:timing>
 </p:sld>
 </file>
 
@@ -22406,7 +22277,7 @@
           <p:cNvPr id="2" name="Title 1">
             <a:extLst>
               <a:ext uri="{FF2B5EF4-FFF2-40B4-BE49-F238E27FC236}">
-                <a16:creationId xmlns:a16="http://schemas.microsoft.com/office/drawing/2014/main" xmlns="" id="{C7D675AA-6913-48BC-85A2-5C1947B70467}"/>
+                <a16:creationId xmlns:a16="http://schemas.microsoft.com/office/drawing/2014/main" id="{C7D675AA-6913-48BC-85A2-5C1947B70467}"/>
               </a:ext>
             </a:extLst>
           </p:cNvPr>
@@ -22434,7 +22305,7 @@
           <p:cNvPr id="3" name="Content Placeholder 2">
             <a:extLst>
               <a:ext uri="{FF2B5EF4-FFF2-40B4-BE49-F238E27FC236}">
-                <a16:creationId xmlns:a16="http://schemas.microsoft.com/office/drawing/2014/main" xmlns="" id="{F79FB236-54CE-4723-A388-7B2C26E5DA92}"/>
+                <a16:creationId xmlns:a16="http://schemas.microsoft.com/office/drawing/2014/main" id="{F79FB236-54CE-4723-A388-7B2C26E5DA92}"/>
               </a:ext>
             </a:extLst>
           </p:cNvPr>
@@ -22463,16 +22334,12 @@
               <a:t>Dimensions for baseline </a:t>
             </a:r>
             <a:r>
-              <a:rPr lang="en-US" altLang="zh-CN" dirty="0" smtClean="0"/>
+              <a:rPr lang="en-US" altLang="zh-CN" dirty="0"/>
               <a:t>covariates</a:t>
             </a:r>
             <a:r>
-              <a:rPr lang="en-US" dirty="0" smtClean="0"/>
-              <a:t> </a:t>
-            </a:r>
-            <a:r>
               <a:rPr lang="en-US" dirty="0"/>
-              <a:t>= </a:t>
+              <a:t> = </a:t>
             </a:r>
             <a:r>
               <a:rPr lang="en-US" altLang="zh-CN" dirty="0"/>
@@ -22491,19 +22358,7 @@
           <a:p>
             <a:r>
               <a:rPr lang="en-US" dirty="0"/>
-              <a:t>Dimensions for treatment </a:t>
-            </a:r>
-            <a:r>
-              <a:rPr lang="en-US" dirty="0" smtClean="0"/>
-              <a:t>covariate</a:t>
-            </a:r>
-            <a:r>
-              <a:rPr lang="en-US" dirty="0" smtClean="0"/>
-              <a:t> </a:t>
-            </a:r>
-            <a:r>
-              <a:rPr lang="en-US" dirty="0"/>
-              <a:t>= 1, (binary: +1,-1)</a:t>
+              <a:t>Dimensions for treatment covariate = 1, (binary: +1,-1)</a:t>
             </a:r>
           </a:p>
           <a:p>
@@ -22550,7 +22405,7 @@
           <p:cNvPr id="4" name="Footer Placeholder 3">
             <a:extLst>
               <a:ext uri="{FF2B5EF4-FFF2-40B4-BE49-F238E27FC236}">
-                <a16:creationId xmlns:a16="http://schemas.microsoft.com/office/drawing/2014/main" xmlns="" id="{BDDDA0BE-FB94-44D9-8026-4299635DFDB4}"/>
+                <a16:creationId xmlns:a16="http://schemas.microsoft.com/office/drawing/2014/main" id="{BDDDA0BE-FB94-44D9-8026-4299635DFDB4}"/>
               </a:ext>
             </a:extLst>
           </p:cNvPr>
@@ -22607,7 +22462,7 @@
           <p:cNvPr id="5" name="Slide Number Placeholder 4">
             <a:extLst>
               <a:ext uri="{FF2B5EF4-FFF2-40B4-BE49-F238E27FC236}">
-                <a16:creationId xmlns:a16="http://schemas.microsoft.com/office/drawing/2014/main" xmlns="" id="{89272EAA-7658-4CAB-B263-CD4B022CF97A}"/>
+                <a16:creationId xmlns:a16="http://schemas.microsoft.com/office/drawing/2014/main" id="{89272EAA-7658-4CAB-B263-CD4B022CF97A}"/>
               </a:ext>
             </a:extLst>
           </p:cNvPr>
@@ -23066,7 +22921,7 @@
           <p:cNvPr id="2" name="Title 1">
             <a:extLst>
               <a:ext uri="{FF2B5EF4-FFF2-40B4-BE49-F238E27FC236}">
-                <a16:creationId xmlns:a16="http://schemas.microsoft.com/office/drawing/2014/main" xmlns="" id="{11087D96-4F48-402C-9A22-A3A89A572F75}"/>
+                <a16:creationId xmlns:a16="http://schemas.microsoft.com/office/drawing/2014/main" id="{11087D96-4F48-402C-9A22-A3A89A572F75}"/>
               </a:ext>
             </a:extLst>
           </p:cNvPr>
@@ -23094,7 +22949,7 @@
           <p:cNvPr id="3" name="Content Placeholder 2">
             <a:extLst>
               <a:ext uri="{FF2B5EF4-FFF2-40B4-BE49-F238E27FC236}">
-                <a16:creationId xmlns:a16="http://schemas.microsoft.com/office/drawing/2014/main" xmlns="" id="{F03F415E-2814-47D8-8986-8A3A951F9052}"/>
+                <a16:creationId xmlns:a16="http://schemas.microsoft.com/office/drawing/2014/main" id="{F03F415E-2814-47D8-8986-8A3A951F9052}"/>
               </a:ext>
             </a:extLst>
           </p:cNvPr>
@@ -23139,7 +22994,7 @@
           <p:cNvPr id="4" name="Footer Placeholder 3">
             <a:extLst>
               <a:ext uri="{FF2B5EF4-FFF2-40B4-BE49-F238E27FC236}">
-                <a16:creationId xmlns:a16="http://schemas.microsoft.com/office/drawing/2014/main" xmlns="" id="{8624D5AE-8946-4C90-850A-598E06BFD2C8}"/>
+                <a16:creationId xmlns:a16="http://schemas.microsoft.com/office/drawing/2014/main" id="{8624D5AE-8946-4C90-850A-598E06BFD2C8}"/>
               </a:ext>
             </a:extLst>
           </p:cNvPr>
@@ -23196,7 +23051,7 @@
           <p:cNvPr id="5" name="Slide Number Placeholder 4">
             <a:extLst>
               <a:ext uri="{FF2B5EF4-FFF2-40B4-BE49-F238E27FC236}">
-                <a16:creationId xmlns:a16="http://schemas.microsoft.com/office/drawing/2014/main" xmlns="" id="{C338FA2D-196C-4DEF-97C9-AFD64AE6FD17}"/>
+                <a16:creationId xmlns:a16="http://schemas.microsoft.com/office/drawing/2014/main" id="{C338FA2D-196C-4DEF-97C9-AFD64AE6FD17}"/>
               </a:ext>
             </a:extLst>
           </p:cNvPr>
@@ -23226,7 +23081,7 @@
           <p:cNvPr id="6" name="Rectangle 5">
             <a:extLst>
               <a:ext uri="{FF2B5EF4-FFF2-40B4-BE49-F238E27FC236}">
-                <a16:creationId xmlns:a16="http://schemas.microsoft.com/office/drawing/2014/main" xmlns="" id="{A9CE8327-D90B-419B-AEA4-71B82617F441}"/>
+                <a16:creationId xmlns:a16="http://schemas.microsoft.com/office/drawing/2014/main" id="{A9CE8327-D90B-419B-AEA4-71B82617F441}"/>
               </a:ext>
             </a:extLst>
           </p:cNvPr>
@@ -23275,7 +23130,7 @@
           <p:cNvPr id="7" name="Rectangle 6">
             <a:extLst>
               <a:ext uri="{FF2B5EF4-FFF2-40B4-BE49-F238E27FC236}">
-                <a16:creationId xmlns:a16="http://schemas.microsoft.com/office/drawing/2014/main" xmlns="" id="{1FD7498B-D752-4299-93F1-89F70E6DC4C9}"/>
+                <a16:creationId xmlns:a16="http://schemas.microsoft.com/office/drawing/2014/main" id="{1FD7498B-D752-4299-93F1-89F70E6DC4C9}"/>
               </a:ext>
             </a:extLst>
           </p:cNvPr>
@@ -23329,7 +23184,7 @@
           <p:cNvPr id="8" name="Rectangle 7">
             <a:extLst>
               <a:ext uri="{FF2B5EF4-FFF2-40B4-BE49-F238E27FC236}">
-                <a16:creationId xmlns:a16="http://schemas.microsoft.com/office/drawing/2014/main" xmlns="" id="{E943E299-3DD3-4BDC-872E-A723F2FEC289}"/>
+                <a16:creationId xmlns:a16="http://schemas.microsoft.com/office/drawing/2014/main" id="{E943E299-3DD3-4BDC-872E-A723F2FEC289}"/>
               </a:ext>
             </a:extLst>
           </p:cNvPr>
@@ -23378,7 +23233,7 @@
           <p:cNvPr id="9" name="Rectangle 8">
             <a:extLst>
               <a:ext uri="{FF2B5EF4-FFF2-40B4-BE49-F238E27FC236}">
-                <a16:creationId xmlns:a16="http://schemas.microsoft.com/office/drawing/2014/main" xmlns="" id="{7EC04703-0934-4088-8C30-08DC833DCA54}"/>
+                <a16:creationId xmlns:a16="http://schemas.microsoft.com/office/drawing/2014/main" id="{7EC04703-0934-4088-8C30-08DC833DCA54}"/>
               </a:ext>
             </a:extLst>
           </p:cNvPr>
@@ -23432,7 +23287,7 @@
           <p:cNvPr id="10" name="TextBox 9">
             <a:extLst>
               <a:ext uri="{FF2B5EF4-FFF2-40B4-BE49-F238E27FC236}">
-                <a16:creationId xmlns:a16="http://schemas.microsoft.com/office/drawing/2014/main" xmlns="" id="{F2C16A90-5E97-4B18-984B-B7C50B1073AA}"/>
+                <a16:creationId xmlns:a16="http://schemas.microsoft.com/office/drawing/2014/main" id="{F2C16A90-5E97-4B18-984B-B7C50B1073AA}"/>
               </a:ext>
             </a:extLst>
           </p:cNvPr>
@@ -23471,7 +23326,7 @@
           <p:cNvPr id="12" name="TextBox 11">
             <a:extLst>
               <a:ext uri="{FF2B5EF4-FFF2-40B4-BE49-F238E27FC236}">
-                <a16:creationId xmlns:a16="http://schemas.microsoft.com/office/drawing/2014/main" xmlns="" id="{EE2234DA-6987-4ED4-BA76-BA3ABA99CCB9}"/>
+                <a16:creationId xmlns:a16="http://schemas.microsoft.com/office/drawing/2014/main" id="{EE2234DA-6987-4ED4-BA76-BA3ABA99CCB9}"/>
               </a:ext>
             </a:extLst>
           </p:cNvPr>
@@ -23510,7 +23365,7 @@
           <p:cNvPr id="14" name="TextBox 13">
             <a:extLst>
               <a:ext uri="{FF2B5EF4-FFF2-40B4-BE49-F238E27FC236}">
-                <a16:creationId xmlns:a16="http://schemas.microsoft.com/office/drawing/2014/main" xmlns="" id="{6BD26A27-FC2B-4AAD-9133-6B217D6FB28F}"/>
+                <a16:creationId xmlns:a16="http://schemas.microsoft.com/office/drawing/2014/main" id="{6BD26A27-FC2B-4AAD-9133-6B217D6FB28F}"/>
               </a:ext>
             </a:extLst>
           </p:cNvPr>
@@ -23545,7 +23400,7 @@
           <p:cNvPr id="15" name="TextBox 14">
             <a:extLst>
               <a:ext uri="{FF2B5EF4-FFF2-40B4-BE49-F238E27FC236}">
-                <a16:creationId xmlns:a16="http://schemas.microsoft.com/office/drawing/2014/main" xmlns="" id="{BD939FD6-633E-419B-B7F1-B9F75651991B}"/>
+                <a16:creationId xmlns:a16="http://schemas.microsoft.com/office/drawing/2014/main" id="{BD939FD6-633E-419B-B7F1-B9F75651991B}"/>
               </a:ext>
             </a:extLst>
           </p:cNvPr>
@@ -23580,7 +23435,7 @@
           <p:cNvPr id="16" name="Right Brace 15">
             <a:extLst>
               <a:ext uri="{FF2B5EF4-FFF2-40B4-BE49-F238E27FC236}">
-                <a16:creationId xmlns:a16="http://schemas.microsoft.com/office/drawing/2014/main" xmlns="" id="{F2F2FAEA-93F8-4C3F-938B-B013F8C832BF}"/>
+                <a16:creationId xmlns:a16="http://schemas.microsoft.com/office/drawing/2014/main" id="{F2F2FAEA-93F8-4C3F-938B-B013F8C832BF}"/>
               </a:ext>
             </a:extLst>
           </p:cNvPr>
@@ -23626,7 +23481,7 @@
               <p:cNvPr id="17" name="TextBox 16">
                 <a:extLst>
                   <a:ext uri="{FF2B5EF4-FFF2-40B4-BE49-F238E27FC236}">
-                    <a16:creationId xmlns:a16="http://schemas.microsoft.com/office/drawing/2014/main" xmlns="" id="{E379FFCB-270F-42B0-A13C-5284701B20EF}"/>
+                    <a16:creationId xmlns:a16="http://schemas.microsoft.com/office/drawing/2014/main" id="{E379FFCB-270F-42B0-A13C-5284701B20EF}"/>
                   </a:ext>
                 </a:extLst>
               </p:cNvPr>
@@ -23960,7 +23815,7 @@
           <p:cNvPr id="2" name="Title 1">
             <a:extLst>
               <a:ext uri="{FF2B5EF4-FFF2-40B4-BE49-F238E27FC236}">
-                <a16:creationId xmlns:a16="http://schemas.microsoft.com/office/drawing/2014/main" xmlns="" id="{7483EDA4-B6D3-49E9-B6F9-35CE16B276B8}"/>
+                <a16:creationId xmlns:a16="http://schemas.microsoft.com/office/drawing/2014/main" id="{7483EDA4-B6D3-49E9-B6F9-35CE16B276B8}"/>
               </a:ext>
             </a:extLst>
           </p:cNvPr>
@@ -23988,7 +23843,7 @@
           <p:cNvPr id="8" name="Content Placeholder 7" descr="A close up of a device&#10;&#10;Description generated with high confidence">
             <a:extLst>
               <a:ext uri="{FF2B5EF4-FFF2-40B4-BE49-F238E27FC236}">
-                <a16:creationId xmlns:a16="http://schemas.microsoft.com/office/drawing/2014/main" xmlns="" id="{8CE1E0D6-6F26-4032-8800-2CF4E7F2996F}"/>
+                <a16:creationId xmlns:a16="http://schemas.microsoft.com/office/drawing/2014/main" id="{8CE1E0D6-6F26-4032-8800-2CF4E7F2996F}"/>
               </a:ext>
             </a:extLst>
           </p:cNvPr>
@@ -24025,7 +23880,7 @@
               <p:cNvPr id="4" name="Text Placeholder 3">
                 <a:extLst>
                   <a:ext uri="{FF2B5EF4-FFF2-40B4-BE49-F238E27FC236}">
-                    <a16:creationId xmlns:a16="http://schemas.microsoft.com/office/drawing/2014/main" xmlns="" id="{B6C5B79B-0970-4BFB-91A9-E1CB31566408}"/>
+                    <a16:creationId xmlns:a16="http://schemas.microsoft.com/office/drawing/2014/main" id="{B6C5B79B-0970-4BFB-91A9-E1CB31566408}"/>
                   </a:ext>
                 </a:extLst>
               </p:cNvPr>
@@ -24056,7 +23911,7 @@
                       <m:sSubPr>
                         <m:ctrlPr>
                           <a:rPr lang="en-US" sz="1800" i="1">
-                            <a:latin typeface="Cambria Math" charset="0"/>
+                            <a:latin typeface="Cambria Math" panose="02040503050406030204" pitchFamily="18" charset="0"/>
                           </a:rPr>
                         </m:ctrlPr>
                       </m:sSubPr>
@@ -24099,7 +23954,7 @@
                       <m:sSupPr>
                         <m:ctrlPr>
                           <a:rPr lang="en-US" sz="1800" i="1">
-                            <a:latin typeface="Cambria Math" charset="0"/>
+                            <a:latin typeface="Cambria Math" panose="02040503050406030204" pitchFamily="18" charset="0"/>
                           </a:rPr>
                         </m:ctrlPr>
                       </m:sSupPr>
@@ -24118,7 +23973,7 @@
                             <m:endChr m:val="|"/>
                             <m:ctrlPr>
                               <a:rPr lang="en-US" sz="1800" i="1">
-                                <a:latin typeface="Cambria Math" charset="0"/>
+                                <a:latin typeface="Cambria Math" panose="02040503050406030204" pitchFamily="18" charset="0"/>
                               </a:rPr>
                             </m:ctrlPr>
                           </m:dPr>
@@ -24207,7 +24062,7 @@
           <p:cNvPr id="5" name="Footer Placeholder 4">
             <a:extLst>
               <a:ext uri="{FF2B5EF4-FFF2-40B4-BE49-F238E27FC236}">
-                <a16:creationId xmlns:a16="http://schemas.microsoft.com/office/drawing/2014/main" xmlns="" id="{A43AD325-324B-46FB-8992-11B6F48344A5}"/>
+                <a16:creationId xmlns:a16="http://schemas.microsoft.com/office/drawing/2014/main" id="{A43AD325-324B-46FB-8992-11B6F48344A5}"/>
               </a:ext>
             </a:extLst>
           </p:cNvPr>
@@ -24256,7 +24111,7 @@
           <p:cNvPr id="6" name="Slide Number Placeholder 5">
             <a:extLst>
               <a:ext uri="{FF2B5EF4-FFF2-40B4-BE49-F238E27FC236}">
-                <a16:creationId xmlns:a16="http://schemas.microsoft.com/office/drawing/2014/main" xmlns="" id="{DC82B01A-3AFA-492D-BC99-4E071A260616}"/>
+                <a16:creationId xmlns:a16="http://schemas.microsoft.com/office/drawing/2014/main" id="{DC82B01A-3AFA-492D-BC99-4E071A260616}"/>
               </a:ext>
             </a:extLst>
           </p:cNvPr>
@@ -24286,7 +24141,7 @@
           <p:cNvPr id="9" name="Title 1">
             <a:extLst>
               <a:ext uri="{FF2B5EF4-FFF2-40B4-BE49-F238E27FC236}">
-                <a16:creationId xmlns:a16="http://schemas.microsoft.com/office/drawing/2014/main" xmlns="" id="{4F33CCF8-87B5-4D8D-A941-8EB5582DF6A2}"/>
+                <a16:creationId xmlns:a16="http://schemas.microsoft.com/office/drawing/2014/main" id="{4F33CCF8-87B5-4D8D-A941-8EB5582DF6A2}"/>
               </a:ext>
             </a:extLst>
           </p:cNvPr>
@@ -24352,7 +24207,7 @@
               <p:cNvPr id="10" name="Text Placeholder 3">
                 <a:extLst>
                   <a:ext uri="{FF2B5EF4-FFF2-40B4-BE49-F238E27FC236}">
-                    <a16:creationId xmlns:a16="http://schemas.microsoft.com/office/drawing/2014/main" xmlns="" id="{5E65C462-EF0B-4F14-92B6-DD92E82EA8D2}"/>
+                    <a16:creationId xmlns:a16="http://schemas.microsoft.com/office/drawing/2014/main" id="{5E65C462-EF0B-4F14-92B6-DD92E82EA8D2}"/>
                   </a:ext>
                 </a:extLst>
               </p:cNvPr>
@@ -24614,7 +24469,7 @@
                       <m:fPr>
                         <m:ctrlPr>
                           <a:rPr lang="en-US" sz="1800" i="1">
-                            <a:latin typeface="Cambria Math" charset="0"/>
+                            <a:latin typeface="Cambria Math" panose="02040503050406030204" pitchFamily="18" charset="0"/>
                           </a:rPr>
                         </m:ctrlPr>
                       </m:fPr>
@@ -24635,7 +24490,7 @@
                           <m:sSubPr>
                             <m:ctrlPr>
                               <a:rPr lang="en-US" sz="1800" i="1">
-                                <a:latin typeface="Cambria Math" charset="0"/>
+                                <a:latin typeface="Cambria Math" panose="02040503050406030204" pitchFamily="18" charset="0"/>
                               </a:rPr>
                             </m:ctrlPr>
                           </m:sSubPr>
@@ -24715,7 +24570,7 @@
                       <m:sSubPr>
                         <m:ctrlPr>
                           <a:rPr lang="en-US" sz="1800" i="1">
-                            <a:latin typeface="Cambria Math" charset="0"/>
+                            <a:latin typeface="Cambria Math" panose="02040503050406030204" pitchFamily="18" charset="0"/>
                           </a:rPr>
                         </m:ctrlPr>
                       </m:sSubPr>
@@ -24809,7 +24664,7 @@
           <p:cNvPr id="11" name="Title 1">
             <a:extLst>
               <a:ext uri="{FF2B5EF4-FFF2-40B4-BE49-F238E27FC236}">
-                <a16:creationId xmlns:a16="http://schemas.microsoft.com/office/drawing/2014/main" xmlns="" id="{E17ECA68-FF04-4278-9440-FC0B19DC7E0C}"/>
+                <a16:creationId xmlns:a16="http://schemas.microsoft.com/office/drawing/2014/main" id="{E17ECA68-FF04-4278-9440-FC0B19DC7E0C}"/>
               </a:ext>
             </a:extLst>
           </p:cNvPr>
@@ -24878,13 +24733,6 @@
   <p:clrMapOvr>
     <a:masterClrMapping/>
   </p:clrMapOvr>
-  <p:timing>
-    <p:tnLst>
-      <p:par>
-        <p:cTn id="1" dur="indefinite" restart="never" nodeType="tmRoot"/>
-      </p:par>
-    </p:tnLst>
-  </p:timing>
 </p:sld>
 </file>
 
@@ -24910,7 +24758,7 @@
           <p:cNvPr id="2" name="Title 1">
             <a:extLst>
               <a:ext uri="{FF2B5EF4-FFF2-40B4-BE49-F238E27FC236}">
-                <a16:creationId xmlns:a16="http://schemas.microsoft.com/office/drawing/2014/main" xmlns="" id="{8D3D1849-A525-4249-A3C3-2458C66EBAEE}"/>
+                <a16:creationId xmlns:a16="http://schemas.microsoft.com/office/drawing/2014/main" id="{8D3D1849-A525-4249-A3C3-2458C66EBAEE}"/>
               </a:ext>
             </a:extLst>
           </p:cNvPr>
@@ -24935,7 +24783,7 @@
           <p:cNvPr id="6" name="Content Placeholder 5">
             <a:extLst>
               <a:ext uri="{FF2B5EF4-FFF2-40B4-BE49-F238E27FC236}">
-                <a16:creationId xmlns:a16="http://schemas.microsoft.com/office/drawing/2014/main" xmlns="" id="{343B46D6-D047-452F-9EFA-39C39BD2B425}"/>
+                <a16:creationId xmlns:a16="http://schemas.microsoft.com/office/drawing/2014/main" id="{343B46D6-D047-452F-9EFA-39C39BD2B425}"/>
               </a:ext>
             </a:extLst>
           </p:cNvPr>
@@ -24966,7 +24814,7 @@
           <p:cNvPr id="4" name="Footer Placeholder 3">
             <a:extLst>
               <a:ext uri="{FF2B5EF4-FFF2-40B4-BE49-F238E27FC236}">
-                <a16:creationId xmlns:a16="http://schemas.microsoft.com/office/drawing/2014/main" xmlns="" id="{B122CF56-1FD5-419C-8DB4-FA561574D35D}"/>
+                <a16:creationId xmlns:a16="http://schemas.microsoft.com/office/drawing/2014/main" id="{B122CF56-1FD5-419C-8DB4-FA561574D35D}"/>
               </a:ext>
             </a:extLst>
           </p:cNvPr>
@@ -25015,7 +24863,7 @@
           <p:cNvPr id="5" name="Slide Number Placeholder 4">
             <a:extLst>
               <a:ext uri="{FF2B5EF4-FFF2-40B4-BE49-F238E27FC236}">
-                <a16:creationId xmlns:a16="http://schemas.microsoft.com/office/drawing/2014/main" xmlns="" id="{D688DAF5-DFA6-4FBA-B2FD-C94B0330E846}"/>
+                <a16:creationId xmlns:a16="http://schemas.microsoft.com/office/drawing/2014/main" id="{D688DAF5-DFA6-4FBA-B2FD-C94B0330E846}"/>
               </a:ext>
             </a:extLst>
           </p:cNvPr>
@@ -25050,13 +24898,6 @@
   <p:clrMapOvr>
     <a:masterClrMapping/>
   </p:clrMapOvr>
-  <p:timing>
-    <p:tnLst>
-      <p:par>
-        <p:cTn id="1" dur="indefinite" restart="never" nodeType="tmRoot"/>
-      </p:par>
-    </p:tnLst>
-  </p:timing>
 </p:sld>
 </file>
 
@@ -25255,13 +25096,6 @@
   <p:clrMapOvr>
     <a:masterClrMapping/>
   </p:clrMapOvr>
-  <p:timing>
-    <p:tnLst>
-      <p:par>
-        <p:cTn id="1" dur="indefinite" restart="never" nodeType="tmRoot"/>
-      </p:par>
-    </p:tnLst>
-  </p:timing>
 </p:sld>
 </file>
 
@@ -25287,7 +25121,7 @@
           <p:cNvPr id="2" name="Title 1">
             <a:extLst>
               <a:ext uri="{FF2B5EF4-FFF2-40B4-BE49-F238E27FC236}">
-                <a16:creationId xmlns:a16="http://schemas.microsoft.com/office/drawing/2014/main" xmlns="" id="{17A8BB3D-2D35-4F66-AFB4-2A9AE7681862}"/>
+                <a16:creationId xmlns:a16="http://schemas.microsoft.com/office/drawing/2014/main" id="{17A8BB3D-2D35-4F66-AFB4-2A9AE7681862}"/>
               </a:ext>
             </a:extLst>
           </p:cNvPr>
@@ -25321,7 +25155,7 @@
           <p:cNvPr id="3" name="Footer Placeholder 2">
             <a:extLst>
               <a:ext uri="{FF2B5EF4-FFF2-40B4-BE49-F238E27FC236}">
-                <a16:creationId xmlns:a16="http://schemas.microsoft.com/office/drawing/2014/main" xmlns="" id="{11862E8A-91FD-4C41-A192-DB3D27D88824}"/>
+                <a16:creationId xmlns:a16="http://schemas.microsoft.com/office/drawing/2014/main" id="{11862E8A-91FD-4C41-A192-DB3D27D88824}"/>
               </a:ext>
             </a:extLst>
           </p:cNvPr>
@@ -25378,7 +25212,7 @@
           <p:cNvPr id="4" name="Slide Number Placeholder 3">
             <a:extLst>
               <a:ext uri="{FF2B5EF4-FFF2-40B4-BE49-F238E27FC236}">
-                <a16:creationId xmlns:a16="http://schemas.microsoft.com/office/drawing/2014/main" xmlns="" id="{9DA5ED20-07EE-4130-97A2-FC2FBDDF57B9}"/>
+                <a16:creationId xmlns:a16="http://schemas.microsoft.com/office/drawing/2014/main" id="{9DA5ED20-07EE-4130-97A2-FC2FBDDF57B9}"/>
               </a:ext>
             </a:extLst>
           </p:cNvPr>
@@ -25408,7 +25242,7 @@
           <p:cNvPr id="5" name="Title 1">
             <a:extLst>
               <a:ext uri="{FF2B5EF4-FFF2-40B4-BE49-F238E27FC236}">
-                <a16:creationId xmlns:a16="http://schemas.microsoft.com/office/drawing/2014/main" xmlns="" id="{27513E21-FF28-40C3-A56D-A08AFD183114}"/>
+                <a16:creationId xmlns:a16="http://schemas.microsoft.com/office/drawing/2014/main" id="{27513E21-FF28-40C3-A56D-A08AFD183114}"/>
               </a:ext>
             </a:extLst>
           </p:cNvPr>
@@ -25501,13 +25335,6 @@
   <p:clrMapOvr>
     <a:masterClrMapping/>
   </p:clrMapOvr>
-  <p:timing>
-    <p:tnLst>
-      <p:par>
-        <p:cTn id="1" dur="indefinite" restart="never" nodeType="tmRoot"/>
-      </p:par>
-    </p:tnLst>
-  </p:timing>
 </p:sld>
 </file>
 
@@ -25659,7 +25486,7 @@
                       <m:sSubPr>
                         <m:ctrlPr>
                           <a:rPr lang="en-US" sz="1400" b="0" i="1" dirty="0" smtClean="0">
-                            <a:latin typeface="Cambria Math" charset="0"/>
+                            <a:latin typeface="Cambria Math" panose="02040503050406030204" pitchFamily="18" charset="0"/>
                           </a:rPr>
                         </m:ctrlPr>
                       </m:sSubPr>
@@ -25670,7 +25497,7 @@
                             <m:endChr m:val="|"/>
                             <m:ctrlPr>
                               <a:rPr lang="en-US" sz="1400" b="0" i="1" smtClean="0">
-                                <a:latin typeface="Cambria Math" charset="0"/>
+                                <a:latin typeface="Cambria Math" panose="02040503050406030204" pitchFamily="18" charset="0"/>
                               </a:rPr>
                             </m:ctrlPr>
                           </m:dPr>
@@ -25680,7 +25507,7 @@
                                 <m:chr m:val="̂"/>
                                 <m:ctrlPr>
                                   <a:rPr lang="en-US" sz="1400" b="0" i="1" smtClean="0">
-                                    <a:latin typeface="Cambria Math" charset="0"/>
+                                    <a:latin typeface="Cambria Math" panose="02040503050406030204" pitchFamily="18" charset="0"/>
                                   </a:rPr>
                                 </m:ctrlPr>
                               </m:accPr>
@@ -25735,7 +25562,7 @@
                       <m:sSubPr>
                         <m:ctrlPr>
                           <a:rPr lang="en-US" sz="1400" i="1" dirty="0">
-                            <a:latin typeface="Cambria Math" charset="0"/>
+                            <a:latin typeface="Cambria Math" panose="02040503050406030204" pitchFamily="18" charset="0"/>
                           </a:rPr>
                         </m:ctrlPr>
                       </m:sSubPr>
@@ -25746,7 +25573,7 @@
                             <m:endChr m:val="|"/>
                             <m:ctrlPr>
                               <a:rPr lang="en-US" sz="1400" i="1">
-                                <a:latin typeface="Cambria Math" charset="0"/>
+                                <a:latin typeface="Cambria Math" panose="02040503050406030204" pitchFamily="18" charset="0"/>
                               </a:rPr>
                             </m:ctrlPr>
                           </m:dPr>
@@ -25756,7 +25583,7 @@
                                 <m:chr m:val="̂"/>
                                 <m:ctrlPr>
                                   <a:rPr lang="en-US" sz="1400" i="1">
-                                    <a:latin typeface="Cambria Math" charset="0"/>
+                                    <a:latin typeface="Cambria Math" panose="02040503050406030204" pitchFamily="18" charset="0"/>
                                   </a:rPr>
                                 </m:ctrlPr>
                               </m:accPr>
@@ -25903,7 +25730,7 @@
           <p:cNvPr id="8" name="Rectangle 7">
             <a:extLst>
               <a:ext uri="{FF2B5EF4-FFF2-40B4-BE49-F238E27FC236}">
-                <a16:creationId xmlns:a16="http://schemas.microsoft.com/office/drawing/2014/main" xmlns="" id="{AB780432-ADBE-4B81-8C7B-188C78577B9C}"/>
+                <a16:creationId xmlns:a16="http://schemas.microsoft.com/office/drawing/2014/main" id="{AB780432-ADBE-4B81-8C7B-188C78577B9C}"/>
               </a:ext>
             </a:extLst>
           </p:cNvPr>
@@ -25950,7 +25777,7 @@
           <p:cNvPr id="12" name="Rectangle 11">
             <a:extLst>
               <a:ext uri="{FF2B5EF4-FFF2-40B4-BE49-F238E27FC236}">
-                <a16:creationId xmlns:a16="http://schemas.microsoft.com/office/drawing/2014/main" xmlns="" id="{07ED46A6-71E1-466D-A0E5-E3ACF6FCE25D}"/>
+                <a16:creationId xmlns:a16="http://schemas.microsoft.com/office/drawing/2014/main" id="{07ED46A6-71E1-466D-A0E5-E3ACF6FCE25D}"/>
               </a:ext>
             </a:extLst>
           </p:cNvPr>
@@ -26002,13 +25829,6 @@
   <p:clrMapOvr>
     <a:masterClrMapping/>
   </p:clrMapOvr>
-  <p:timing>
-    <p:tnLst>
-      <p:par>
-        <p:cTn id="1" dur="indefinite" restart="never" nodeType="tmRoot"/>
-      </p:par>
-    </p:tnLst>
-  </p:timing>
 </p:sld>
 </file>
 
@@ -26034,7 +25854,7 @@
           <p:cNvPr id="2" name="Title 1">
             <a:extLst>
               <a:ext uri="{FF2B5EF4-FFF2-40B4-BE49-F238E27FC236}">
-                <a16:creationId xmlns:a16="http://schemas.microsoft.com/office/drawing/2014/main" xmlns="" id="{19E28F1D-2CEE-4D0C-9C12-79C3E322FCCF}"/>
+                <a16:creationId xmlns:a16="http://schemas.microsoft.com/office/drawing/2014/main" id="{19E28F1D-2CEE-4D0C-9C12-79C3E322FCCF}"/>
               </a:ext>
             </a:extLst>
           </p:cNvPr>
@@ -26059,7 +25879,7 @@
           <p:cNvPr id="10" name="Content Placeholder 9" descr="A screenshot of a cell phone&#10;&#10;Description generated with very high confidence">
             <a:extLst>
               <a:ext uri="{FF2B5EF4-FFF2-40B4-BE49-F238E27FC236}">
-                <a16:creationId xmlns:a16="http://schemas.microsoft.com/office/drawing/2014/main" xmlns="" id="{2B233C52-ECE6-43A8-80A4-1203621CFB3A}"/>
+                <a16:creationId xmlns:a16="http://schemas.microsoft.com/office/drawing/2014/main" id="{2B233C52-ECE6-43A8-80A4-1203621CFB3A}"/>
               </a:ext>
             </a:extLst>
           </p:cNvPr>
@@ -26094,7 +25914,7 @@
           <p:cNvPr id="5" name="Footer Placeholder 4">
             <a:extLst>
               <a:ext uri="{FF2B5EF4-FFF2-40B4-BE49-F238E27FC236}">
-                <a16:creationId xmlns:a16="http://schemas.microsoft.com/office/drawing/2014/main" xmlns="" id="{98A8EAAB-B8F1-4C7A-8EFA-4C4AE42E4793}"/>
+                <a16:creationId xmlns:a16="http://schemas.microsoft.com/office/drawing/2014/main" id="{98A8EAAB-B8F1-4C7A-8EFA-4C4AE42E4793}"/>
               </a:ext>
             </a:extLst>
           </p:cNvPr>
@@ -26143,7 +25963,7 @@
           <p:cNvPr id="6" name="Slide Number Placeholder 5">
             <a:extLst>
               <a:ext uri="{FF2B5EF4-FFF2-40B4-BE49-F238E27FC236}">
-                <a16:creationId xmlns:a16="http://schemas.microsoft.com/office/drawing/2014/main" xmlns="" id="{B4A2C4F5-7BB0-4C8A-A2CA-E19045686A05}"/>
+                <a16:creationId xmlns:a16="http://schemas.microsoft.com/office/drawing/2014/main" id="{B4A2C4F5-7BB0-4C8A-A2CA-E19045686A05}"/>
               </a:ext>
             </a:extLst>
           </p:cNvPr>
@@ -26315,7 +26135,7 @@
           <p:cNvPr id="2" name="Title 1">
             <a:extLst>
               <a:ext uri="{FF2B5EF4-FFF2-40B4-BE49-F238E27FC236}">
-                <a16:creationId xmlns:a16="http://schemas.microsoft.com/office/drawing/2014/main" xmlns="" id="{A979FDCD-3ACE-40C2-9527-F2D1D1862B17}"/>
+                <a16:creationId xmlns:a16="http://schemas.microsoft.com/office/drawing/2014/main" id="{A979FDCD-3ACE-40C2-9527-F2D1D1862B17}"/>
               </a:ext>
             </a:extLst>
           </p:cNvPr>
@@ -26340,7 +26160,7 @@
           <p:cNvPr id="8" name="Content Placeholder 7" descr="A screenshot of a cell phone&#10;&#10;Description generated with very high confidence">
             <a:extLst>
               <a:ext uri="{FF2B5EF4-FFF2-40B4-BE49-F238E27FC236}">
-                <a16:creationId xmlns:a16="http://schemas.microsoft.com/office/drawing/2014/main" xmlns="" id="{75774F44-B24D-4739-8B79-EC0A29A3AB90}"/>
+                <a16:creationId xmlns:a16="http://schemas.microsoft.com/office/drawing/2014/main" id="{75774F44-B24D-4739-8B79-EC0A29A3AB90}"/>
               </a:ext>
             </a:extLst>
           </p:cNvPr>
@@ -26375,7 +26195,7 @@
           <p:cNvPr id="4" name="Content Placeholder 3">
             <a:extLst>
               <a:ext uri="{FF2B5EF4-FFF2-40B4-BE49-F238E27FC236}">
-                <a16:creationId xmlns:a16="http://schemas.microsoft.com/office/drawing/2014/main" xmlns="" id="{D880D59D-B966-4D03-9A27-2F273A7970B7}"/>
+                <a16:creationId xmlns:a16="http://schemas.microsoft.com/office/drawing/2014/main" id="{D880D59D-B966-4D03-9A27-2F273A7970B7}"/>
               </a:ext>
             </a:extLst>
           </p:cNvPr>
@@ -26429,7 +26249,7 @@
           <p:cNvPr id="5" name="Footer Placeholder 4">
             <a:extLst>
               <a:ext uri="{FF2B5EF4-FFF2-40B4-BE49-F238E27FC236}">
-                <a16:creationId xmlns:a16="http://schemas.microsoft.com/office/drawing/2014/main" xmlns="" id="{527A8496-2167-4D9D-A7F1-E07F56501D63}"/>
+                <a16:creationId xmlns:a16="http://schemas.microsoft.com/office/drawing/2014/main" id="{527A8496-2167-4D9D-A7F1-E07F56501D63}"/>
               </a:ext>
             </a:extLst>
           </p:cNvPr>
@@ -26478,7 +26298,7 @@
           <p:cNvPr id="6" name="Slide Number Placeholder 5">
             <a:extLst>
               <a:ext uri="{FF2B5EF4-FFF2-40B4-BE49-F238E27FC236}">
-                <a16:creationId xmlns:a16="http://schemas.microsoft.com/office/drawing/2014/main" xmlns="" id="{0D883F77-16A4-4D6A-864F-5E7655260333}"/>
+                <a16:creationId xmlns:a16="http://schemas.microsoft.com/office/drawing/2014/main" id="{0D883F77-16A4-4D6A-864F-5E7655260333}"/>
               </a:ext>
             </a:extLst>
           </p:cNvPr>
@@ -26873,7 +26693,7 @@
           <p:cNvPr id="2" name="Title 1">
             <a:extLst>
               <a:ext uri="{FF2B5EF4-FFF2-40B4-BE49-F238E27FC236}">
-                <a16:creationId xmlns:a16="http://schemas.microsoft.com/office/drawing/2014/main" xmlns="" id="{17A8BB3D-2D35-4F66-AFB4-2A9AE7681862}"/>
+                <a16:creationId xmlns:a16="http://schemas.microsoft.com/office/drawing/2014/main" id="{17A8BB3D-2D35-4F66-AFB4-2A9AE7681862}"/>
               </a:ext>
             </a:extLst>
           </p:cNvPr>
@@ -26907,7 +26727,7 @@
           <p:cNvPr id="3" name="Footer Placeholder 2">
             <a:extLst>
               <a:ext uri="{FF2B5EF4-FFF2-40B4-BE49-F238E27FC236}">
-                <a16:creationId xmlns:a16="http://schemas.microsoft.com/office/drawing/2014/main" xmlns="" id="{11862E8A-91FD-4C41-A192-DB3D27D88824}"/>
+                <a16:creationId xmlns:a16="http://schemas.microsoft.com/office/drawing/2014/main" id="{11862E8A-91FD-4C41-A192-DB3D27D88824}"/>
               </a:ext>
             </a:extLst>
           </p:cNvPr>
@@ -26964,7 +26784,7 @@
           <p:cNvPr id="4" name="Slide Number Placeholder 3">
             <a:extLst>
               <a:ext uri="{FF2B5EF4-FFF2-40B4-BE49-F238E27FC236}">
-                <a16:creationId xmlns:a16="http://schemas.microsoft.com/office/drawing/2014/main" xmlns="" id="{9DA5ED20-07EE-4130-97A2-FC2FBDDF57B9}"/>
+                <a16:creationId xmlns:a16="http://schemas.microsoft.com/office/drawing/2014/main" id="{9DA5ED20-07EE-4130-97A2-FC2FBDDF57B9}"/>
               </a:ext>
             </a:extLst>
           </p:cNvPr>
@@ -26999,13 +26819,6 @@
   <p:clrMapOvr>
     <a:masterClrMapping/>
   </p:clrMapOvr>
-  <p:timing>
-    <p:tnLst>
-      <p:par>
-        <p:cTn id="1" dur="indefinite" restart="never" nodeType="tmRoot"/>
-      </p:par>
-    </p:tnLst>
-  </p:timing>
 </p:sld>
 </file>
 
@@ -27031,7 +26844,7 @@
           <p:cNvPr id="2" name="Title 1">
             <a:extLst>
               <a:ext uri="{FF2B5EF4-FFF2-40B4-BE49-F238E27FC236}">
-                <a16:creationId xmlns:a16="http://schemas.microsoft.com/office/drawing/2014/main" xmlns="" id="{17A8BB3D-2D35-4F66-AFB4-2A9AE7681862}"/>
+                <a16:creationId xmlns:a16="http://schemas.microsoft.com/office/drawing/2014/main" id="{17A8BB3D-2D35-4F66-AFB4-2A9AE7681862}"/>
               </a:ext>
             </a:extLst>
           </p:cNvPr>
@@ -27066,7 +26879,7 @@
           <p:cNvPr id="3" name="Footer Placeholder 2">
             <a:extLst>
               <a:ext uri="{FF2B5EF4-FFF2-40B4-BE49-F238E27FC236}">
-                <a16:creationId xmlns:a16="http://schemas.microsoft.com/office/drawing/2014/main" xmlns="" id="{11862E8A-91FD-4C41-A192-DB3D27D88824}"/>
+                <a16:creationId xmlns:a16="http://schemas.microsoft.com/office/drawing/2014/main" id="{11862E8A-91FD-4C41-A192-DB3D27D88824}"/>
               </a:ext>
             </a:extLst>
           </p:cNvPr>
@@ -27123,7 +26936,7 @@
           <p:cNvPr id="4" name="Slide Number Placeholder 3">
             <a:extLst>
               <a:ext uri="{FF2B5EF4-FFF2-40B4-BE49-F238E27FC236}">
-                <a16:creationId xmlns:a16="http://schemas.microsoft.com/office/drawing/2014/main" xmlns="" id="{9DA5ED20-07EE-4130-97A2-FC2FBDDF57B9}"/>
+                <a16:creationId xmlns:a16="http://schemas.microsoft.com/office/drawing/2014/main" id="{9DA5ED20-07EE-4130-97A2-FC2FBDDF57B9}"/>
               </a:ext>
             </a:extLst>
           </p:cNvPr>
@@ -27153,7 +26966,7 @@
           <p:cNvPr id="5" name="Title 1">
             <a:extLst>
               <a:ext uri="{FF2B5EF4-FFF2-40B4-BE49-F238E27FC236}">
-                <a16:creationId xmlns:a16="http://schemas.microsoft.com/office/drawing/2014/main" xmlns="" id="{E6713E70-2988-4A13-A834-849993E5E915}"/>
+                <a16:creationId xmlns:a16="http://schemas.microsoft.com/office/drawing/2014/main" id="{E6713E70-2988-4A13-A834-849993E5E915}"/>
               </a:ext>
             </a:extLst>
           </p:cNvPr>
@@ -27246,13 +27059,6 @@
   <p:clrMapOvr>
     <a:masterClrMapping/>
   </p:clrMapOvr>
-  <p:timing>
-    <p:tnLst>
-      <p:par>
-        <p:cTn id="1" dur="indefinite" restart="never" nodeType="tmRoot"/>
-      </p:par>
-    </p:tnLst>
-  </p:timing>
 </p:sld>
 </file>
 
@@ -27404,7 +27210,7 @@
                       <m:sSubPr>
                         <m:ctrlPr>
                           <a:rPr lang="en-US" sz="1400" b="0" i="1" dirty="0" smtClean="0">
-                            <a:latin typeface="Cambria Math" charset="0"/>
+                            <a:latin typeface="Cambria Math" panose="02040503050406030204" pitchFamily="18" charset="0"/>
                           </a:rPr>
                         </m:ctrlPr>
                       </m:sSubPr>
@@ -27415,7 +27221,7 @@
                             <m:endChr m:val="|"/>
                             <m:ctrlPr>
                               <a:rPr lang="en-US" sz="1400" b="0" i="1" smtClean="0">
-                                <a:latin typeface="Cambria Math" charset="0"/>
+                                <a:latin typeface="Cambria Math" panose="02040503050406030204" pitchFamily="18" charset="0"/>
                               </a:rPr>
                             </m:ctrlPr>
                           </m:dPr>
@@ -27425,7 +27231,7 @@
                                 <m:chr m:val="̂"/>
                                 <m:ctrlPr>
                                   <a:rPr lang="en-US" sz="1400" b="0" i="1" smtClean="0">
-                                    <a:latin typeface="Cambria Math" charset="0"/>
+                                    <a:latin typeface="Cambria Math" panose="02040503050406030204" pitchFamily="18" charset="0"/>
                                   </a:rPr>
                                 </m:ctrlPr>
                               </m:accPr>
@@ -27480,7 +27286,7 @@
                       <m:sSubPr>
                         <m:ctrlPr>
                           <a:rPr lang="en-US" sz="1400" i="1" dirty="0">
-                            <a:latin typeface="Cambria Math" charset="0"/>
+                            <a:latin typeface="Cambria Math" panose="02040503050406030204" pitchFamily="18" charset="0"/>
                           </a:rPr>
                         </m:ctrlPr>
                       </m:sSubPr>
@@ -27491,7 +27297,7 @@
                             <m:endChr m:val="|"/>
                             <m:ctrlPr>
                               <a:rPr lang="en-US" sz="1400" i="1">
-                                <a:latin typeface="Cambria Math" charset="0"/>
+                                <a:latin typeface="Cambria Math" panose="02040503050406030204" pitchFamily="18" charset="0"/>
                               </a:rPr>
                             </m:ctrlPr>
                           </m:dPr>
@@ -27501,7 +27307,7 @@
                                 <m:chr m:val="̂"/>
                                 <m:ctrlPr>
                                   <a:rPr lang="en-US" sz="1400" i="1">
-                                    <a:latin typeface="Cambria Math" charset="0"/>
+                                    <a:latin typeface="Cambria Math" panose="02040503050406030204" pitchFamily="18" charset="0"/>
                                   </a:rPr>
                                 </m:ctrlPr>
                               </m:accPr>
@@ -27817,13 +27623,6 @@
   <p:clrMapOvr>
     <a:masterClrMapping/>
   </p:clrMapOvr>
-  <p:timing>
-    <p:tnLst>
-      <p:par>
-        <p:cTn id="1" dur="indefinite" restart="never" nodeType="tmRoot"/>
-      </p:par>
-    </p:tnLst>
-  </p:timing>
 </p:sld>
 </file>
 
@@ -28640,7 +28439,7 @@
           <p:cNvPr id="2" name="Title 1">
             <a:extLst>
               <a:ext uri="{FF2B5EF4-FFF2-40B4-BE49-F238E27FC236}">
-                <a16:creationId xmlns:a16="http://schemas.microsoft.com/office/drawing/2014/main" xmlns="" id="{17A8BB3D-2D35-4F66-AFB4-2A9AE7681862}"/>
+                <a16:creationId xmlns:a16="http://schemas.microsoft.com/office/drawing/2014/main" id="{17A8BB3D-2D35-4F66-AFB4-2A9AE7681862}"/>
               </a:ext>
             </a:extLst>
           </p:cNvPr>
@@ -28679,7 +28478,7 @@
           <p:cNvPr id="3" name="Footer Placeholder 2">
             <a:extLst>
               <a:ext uri="{FF2B5EF4-FFF2-40B4-BE49-F238E27FC236}">
-                <a16:creationId xmlns:a16="http://schemas.microsoft.com/office/drawing/2014/main" xmlns="" id="{11862E8A-91FD-4C41-A192-DB3D27D88824}"/>
+                <a16:creationId xmlns:a16="http://schemas.microsoft.com/office/drawing/2014/main" id="{11862E8A-91FD-4C41-A192-DB3D27D88824}"/>
               </a:ext>
             </a:extLst>
           </p:cNvPr>
@@ -28736,7 +28535,7 @@
           <p:cNvPr id="4" name="Slide Number Placeholder 3">
             <a:extLst>
               <a:ext uri="{FF2B5EF4-FFF2-40B4-BE49-F238E27FC236}">
-                <a16:creationId xmlns:a16="http://schemas.microsoft.com/office/drawing/2014/main" xmlns="" id="{9DA5ED20-07EE-4130-97A2-FC2FBDDF57B9}"/>
+                <a16:creationId xmlns:a16="http://schemas.microsoft.com/office/drawing/2014/main" id="{9DA5ED20-07EE-4130-97A2-FC2FBDDF57B9}"/>
               </a:ext>
             </a:extLst>
           </p:cNvPr>
@@ -28766,7 +28565,7 @@
           <p:cNvPr id="5" name="Title 1">
             <a:extLst>
               <a:ext uri="{FF2B5EF4-FFF2-40B4-BE49-F238E27FC236}">
-                <a16:creationId xmlns:a16="http://schemas.microsoft.com/office/drawing/2014/main" xmlns="" id="{8737950D-A97B-464D-8B1B-9EFA59DA9116}"/>
+                <a16:creationId xmlns:a16="http://schemas.microsoft.com/office/drawing/2014/main" id="{8737950D-A97B-464D-8B1B-9EFA59DA9116}"/>
               </a:ext>
             </a:extLst>
           </p:cNvPr>
@@ -28859,13 +28658,6 @@
   <p:clrMapOvr>
     <a:masterClrMapping/>
   </p:clrMapOvr>
-  <p:timing>
-    <p:tnLst>
-      <p:par>
-        <p:cTn id="1" dur="indefinite" restart="never" nodeType="tmRoot"/>
-      </p:par>
-    </p:tnLst>
-  </p:timing>
 </p:sld>
 </file>
 
@@ -29063,13 +28855,6 @@
   <p:clrMapOvr>
     <a:masterClrMapping/>
   </p:clrMapOvr>
-  <p:timing>
-    <p:tnLst>
-      <p:par>
-        <p:cTn id="1" dur="indefinite" restart="never" nodeType="tmRoot"/>
-      </p:par>
-    </p:tnLst>
-  </p:timing>
 </p:sld>
 </file>
 
@@ -29308,13 +29093,6 @@
   <p:clrMapOvr>
     <a:masterClrMapping/>
   </p:clrMapOvr>
-  <p:timing>
-    <p:tnLst>
-      <p:par>
-        <p:cTn id="1" dur="indefinite" restart="never" nodeType="tmRoot"/>
-      </p:par>
-    </p:tnLst>
-  </p:timing>
 </p:sld>
 </file>
 
@@ -29340,7 +29118,7 @@
           <p:cNvPr id="2" name="Title 1">
             <a:extLst>
               <a:ext uri="{FF2B5EF4-FFF2-40B4-BE49-F238E27FC236}">
-                <a16:creationId xmlns:a16="http://schemas.microsoft.com/office/drawing/2014/main" xmlns="" id="{17A8BB3D-2D35-4F66-AFB4-2A9AE7681862}"/>
+                <a16:creationId xmlns:a16="http://schemas.microsoft.com/office/drawing/2014/main" id="{17A8BB3D-2D35-4F66-AFB4-2A9AE7681862}"/>
               </a:ext>
             </a:extLst>
           </p:cNvPr>
@@ -29374,7 +29152,7 @@
           <p:cNvPr id="3" name="Footer Placeholder 2">
             <a:extLst>
               <a:ext uri="{FF2B5EF4-FFF2-40B4-BE49-F238E27FC236}">
-                <a16:creationId xmlns:a16="http://schemas.microsoft.com/office/drawing/2014/main" xmlns="" id="{11862E8A-91FD-4C41-A192-DB3D27D88824}"/>
+                <a16:creationId xmlns:a16="http://schemas.microsoft.com/office/drawing/2014/main" id="{11862E8A-91FD-4C41-A192-DB3D27D88824}"/>
               </a:ext>
             </a:extLst>
           </p:cNvPr>
@@ -29431,7 +29209,7 @@
           <p:cNvPr id="4" name="Slide Number Placeholder 3">
             <a:extLst>
               <a:ext uri="{FF2B5EF4-FFF2-40B4-BE49-F238E27FC236}">
-                <a16:creationId xmlns:a16="http://schemas.microsoft.com/office/drawing/2014/main" xmlns="" id="{9DA5ED20-07EE-4130-97A2-FC2FBDDF57B9}"/>
+                <a16:creationId xmlns:a16="http://schemas.microsoft.com/office/drawing/2014/main" id="{9DA5ED20-07EE-4130-97A2-FC2FBDDF57B9}"/>
               </a:ext>
             </a:extLst>
           </p:cNvPr>
@@ -29461,7 +29239,7 @@
           <p:cNvPr id="5" name="Title 1">
             <a:extLst>
               <a:ext uri="{FF2B5EF4-FFF2-40B4-BE49-F238E27FC236}">
-                <a16:creationId xmlns:a16="http://schemas.microsoft.com/office/drawing/2014/main" xmlns="" id="{D17028B3-4EBC-4457-B759-8F6BB587F3BE}"/>
+                <a16:creationId xmlns:a16="http://schemas.microsoft.com/office/drawing/2014/main" id="{D17028B3-4EBC-4457-B759-8F6BB587F3BE}"/>
               </a:ext>
             </a:extLst>
           </p:cNvPr>
@@ -29554,13 +29332,6 @@
   <p:clrMapOvr>
     <a:masterClrMapping/>
   </p:clrMapOvr>
-  <p:timing>
-    <p:tnLst>
-      <p:par>
-        <p:cTn id="1" dur="indefinite" restart="never" nodeType="tmRoot"/>
-      </p:par>
-    </p:tnLst>
-  </p:timing>
 </p:sld>
 </file>
 
@@ -29758,13 +29529,6 @@
   <p:clrMapOvr>
     <a:masterClrMapping/>
   </p:clrMapOvr>
-  <p:timing>
-    <p:tnLst>
-      <p:par>
-        <p:cTn id="1" dur="indefinite" restart="never" nodeType="tmRoot"/>
-      </p:par>
-    </p:tnLst>
-  </p:timing>
 </p:sld>
 </file>
 
@@ -29801,10 +29565,9 @@
           <a:lstStyle/>
           <a:p>
             <a:r>
-              <a:rPr lang="en-US" dirty="0" smtClean="0"/>
+              <a:rPr lang="en-US" dirty="0"/>
               <a:t>Conclusions</a:t>
             </a:r>
-            <a:endParaRPr lang="en-US" dirty="0"/>
           </a:p>
         </p:txBody>
       </p:sp>
@@ -29823,7 +29586,40 @@
           <a:bodyPr/>
           <a:lstStyle/>
           <a:p>
-            <a:endParaRPr lang="en-US"/>
+            <a:r>
+              <a:rPr lang="en-US" dirty="0"/>
+              <a:t>Group Lasso has the highest precision in all different scenarios.</a:t>
+            </a:r>
+          </a:p>
+          <a:p>
+            <a:r>
+              <a:rPr lang="en-US" dirty="0"/>
+              <a:t>Precision decreases as proportion of nonzero biomarkers increasing.</a:t>
+            </a:r>
+          </a:p>
+          <a:p>
+            <a:r>
+              <a:rPr lang="en-US" dirty="0"/>
+              <a:t>Precision increases as signal being stronger.</a:t>
+            </a:r>
+          </a:p>
+          <a:p>
+            <a:r>
+              <a:rPr lang="en-US" dirty="0"/>
+              <a:t>Group Lasso has an relative low FNR.</a:t>
+            </a:r>
+          </a:p>
+          <a:p>
+            <a:r>
+              <a:rPr lang="en-US" dirty="0"/>
+              <a:t>Group Lasso underestimated model size for predictive biomarkers.</a:t>
+            </a:r>
+          </a:p>
+          <a:p>
+            <a:pPr marL="0" indent="0">
+              <a:buNone/>
+            </a:pPr>
+            <a:endParaRPr lang="en-US" dirty="0"/>
           </a:p>
         </p:txBody>
       </p:sp>
@@ -29843,27 +29639,27 @@
           <a:lstStyle/>
           <a:p>
             <a:r>
-              <a:rPr lang="ja-JP" altLang="en-US" smtClean="0"/>
+              <a:rPr lang="ja-JP" altLang="en-US"/>
               <a:t>｜</a:t>
             </a:r>
             <a:r>
-              <a:rPr lang="en-US" altLang="ja-JP" smtClean="0"/>
+              <a:rPr lang="en-US" altLang="ja-JP"/>
               <a:t>0000</a:t>
             </a:r>
             <a:r>
-              <a:rPr lang="ja-JP" altLang="en-US" smtClean="0"/>
+              <a:rPr lang="ja-JP" altLang="en-US"/>
               <a:t>　</a:t>
             </a:r>
             <a:r>
-              <a:rPr lang="en-US" altLang="ja-JP" smtClean="0"/>
+              <a:rPr lang="en-US" altLang="ja-JP"/>
               <a:t>|</a:t>
             </a:r>
             <a:r>
-              <a:rPr lang="ja-JP" altLang="en-US" smtClean="0"/>
+              <a:rPr lang="ja-JP" altLang="en-US"/>
               <a:t>　　</a:t>
             </a:r>
             <a:r>
-              <a:rPr lang="en-US" altLang="ja-JP" smtClean="0"/>
+              <a:rPr lang="en-US" altLang="ja-JP"/>
               <a:t>DDMMYY</a:t>
             </a:r>
             <a:endParaRPr lang="ja-JP" altLang="en-US" dirty="0"/>
@@ -29904,13 +29700,6 @@
   <p:clrMapOvr>
     <a:masterClrMapping/>
   </p:clrMapOvr>
-  <p:timing>
-    <p:tnLst>
-      <p:par>
-        <p:cTn id="1" dur="indefinite" restart="never" nodeType="tmRoot"/>
-      </p:par>
-    </p:tnLst>
-  </p:timing>
 </p:sld>
 </file>
 
@@ -29952,13 +29741,8 @@
             </a:r>
             <a:r>
               <a:rPr lang="en-US" dirty="0"/>
-              <a:t>and Prognostic </a:t>
-            </a:r>
-            <a:r>
-              <a:rPr lang="en-US" dirty="0" smtClean="0"/>
-              <a:t>Biomarkers</a:t>
-            </a:r>
-            <a:endParaRPr lang="en-US" dirty="0"/>
+              <a:t>and Prognostic Biomarkers</a:t>
+            </a:r>
           </a:p>
         </p:txBody>
       </p:sp>
@@ -30083,7 +29867,7 @@
           <p:cNvPr id="9" name="Content Placeholder 8" descr="A close up of a logo&#10;&#10;Description generated with high confidence">
             <a:extLst>
               <a:ext uri="{FF2B5EF4-FFF2-40B4-BE49-F238E27FC236}">
-                <a16:creationId xmlns:a16="http://schemas.microsoft.com/office/drawing/2014/main" xmlns="" id="{3F3BA834-36CE-43A5-91C7-4BCFBA213E13}"/>
+                <a16:creationId xmlns:a16="http://schemas.microsoft.com/office/drawing/2014/main" id="{3F3BA834-36CE-43A5-91C7-4BCFBA213E13}"/>
               </a:ext>
             </a:extLst>
           </p:cNvPr>
@@ -30123,13 +29907,6 @@
   <p:clrMapOvr>
     <a:masterClrMapping/>
   </p:clrMapOvr>
-  <p:timing>
-    <p:tnLst>
-      <p:par>
-        <p:cTn id="1" dur="indefinite" restart="never" nodeType="tmRoot"/>
-      </p:par>
-    </p:tnLst>
-  </p:timing>
 </p:sld>
 </file>
 
@@ -30189,32 +29966,14 @@
           <a:p>
             <a:r>
               <a:rPr lang="en-US" dirty="0"/>
-              <a:t>Overlapping </a:t>
-            </a:r>
-            <a:r>
-              <a:rPr lang="en-US" dirty="0"/>
-              <a:t>s</a:t>
-            </a:r>
-            <a:r>
-              <a:rPr lang="en-US" dirty="0" smtClean="0"/>
-              <a:t>imulations without hierarchical structure</a:t>
-            </a:r>
-            <a:endParaRPr lang="en-US" dirty="0"/>
+              <a:t>Overlapping simulations without hierarchical structure</a:t>
+            </a:r>
           </a:p>
           <a:p>
             <a:r>
               <a:rPr lang="en-US" dirty="0"/>
-              <a:t>Stop </a:t>
-            </a:r>
-            <a:r>
-              <a:rPr lang="en-US" dirty="0"/>
-              <a:t>c</a:t>
-            </a:r>
-            <a:r>
-              <a:rPr lang="en-US" dirty="0" smtClean="0"/>
-              <a:t>riterion</a:t>
-            </a:r>
-            <a:endParaRPr lang="en-US" dirty="0"/>
+              <a:t>Stop criterion</a:t>
+            </a:r>
           </a:p>
           <a:p>
             <a:r>
@@ -30224,10 +29983,9 @@
           </a:p>
           <a:p>
             <a:r>
-              <a:rPr lang="en-US" dirty="0" smtClean="0"/>
+              <a:rPr lang="en-US" dirty="0"/>
               <a:t>Generalization on other endpoints</a:t>
             </a:r>
-            <a:endParaRPr lang="en-US" dirty="0"/>
           </a:p>
         </p:txBody>
       </p:sp>
@@ -30739,13 +30497,6 @@
   <p:clrMapOvr>
     <a:masterClrMapping/>
   </p:clrMapOvr>
-  <p:timing>
-    <p:tnLst>
-      <p:par>
-        <p:cTn id="1" dur="indefinite" restart="never" nodeType="tmRoot"/>
-      </p:par>
-    </p:tnLst>
-  </p:timing>
 </p:sld>
 </file>
 
@@ -30798,13 +30549,6 @@
   <p:clrMapOvr>
     <a:masterClrMapping/>
   </p:clrMapOvr>
-  <p:timing>
-    <p:tnLst>
-      <p:par>
-        <p:cTn id="1" dur="indefinite" restart="never" nodeType="tmRoot"/>
-      </p:par>
-    </p:tnLst>
-  </p:timing>
 </p:sld>
 </file>
 
@@ -30830,7 +30574,7 @@
           <p:cNvPr id="2" name="Title 1">
             <a:extLst>
               <a:ext uri="{FF2B5EF4-FFF2-40B4-BE49-F238E27FC236}">
-                <a16:creationId xmlns:a16="http://schemas.microsoft.com/office/drawing/2014/main" xmlns="" id="{B47CDB8A-37FD-446A-86BA-6FC732FF02F4}"/>
+                <a16:creationId xmlns:a16="http://schemas.microsoft.com/office/drawing/2014/main" id="{B47CDB8A-37FD-446A-86BA-6FC732FF02F4}"/>
               </a:ext>
             </a:extLst>
           </p:cNvPr>
@@ -30855,7 +30599,7 @@
           <p:cNvPr id="10" name="Content Placeholder 9" descr="A screenshot of a cell phone&#10;&#10;Description generated with high confidence">
             <a:extLst>
               <a:ext uri="{FF2B5EF4-FFF2-40B4-BE49-F238E27FC236}">
-                <a16:creationId xmlns:a16="http://schemas.microsoft.com/office/drawing/2014/main" xmlns="" id="{0DCF9734-DF1D-4596-B357-0A361BA526C6}"/>
+                <a16:creationId xmlns:a16="http://schemas.microsoft.com/office/drawing/2014/main" id="{0DCF9734-DF1D-4596-B357-0A361BA526C6}"/>
               </a:ext>
             </a:extLst>
           </p:cNvPr>
@@ -30890,7 +30634,7 @@
           <p:cNvPr id="5" name="Footer Placeholder 4">
             <a:extLst>
               <a:ext uri="{FF2B5EF4-FFF2-40B4-BE49-F238E27FC236}">
-                <a16:creationId xmlns:a16="http://schemas.microsoft.com/office/drawing/2014/main" xmlns="" id="{2E0CB2BF-FEF5-477F-AFDF-28ABBF62B309}"/>
+                <a16:creationId xmlns:a16="http://schemas.microsoft.com/office/drawing/2014/main" id="{2E0CB2BF-FEF5-477F-AFDF-28ABBF62B309}"/>
               </a:ext>
             </a:extLst>
           </p:cNvPr>
@@ -30939,7 +30683,7 @@
           <p:cNvPr id="6" name="Slide Number Placeholder 5">
             <a:extLst>
               <a:ext uri="{FF2B5EF4-FFF2-40B4-BE49-F238E27FC236}">
-                <a16:creationId xmlns:a16="http://schemas.microsoft.com/office/drawing/2014/main" xmlns="" id="{0AE4AFB9-BD1A-4E38-A420-0EE1928B353B}"/>
+                <a16:creationId xmlns:a16="http://schemas.microsoft.com/office/drawing/2014/main" id="{0AE4AFB9-BD1A-4E38-A420-0EE1928B353B}"/>
               </a:ext>
             </a:extLst>
           </p:cNvPr>
@@ -31003,13 +30747,6 @@
   <p:clrMapOvr>
     <a:masterClrMapping/>
   </p:clrMapOvr>
-  <p:timing>
-    <p:tnLst>
-      <p:par>
-        <p:cTn id="1" dur="indefinite" restart="never" nodeType="tmRoot"/>
-      </p:par>
-    </p:tnLst>
-  </p:timing>
 </p:sld>
 </file>
 
@@ -31161,7 +30898,7 @@
                       <m:sSubPr>
                         <m:ctrlPr>
                           <a:rPr lang="en-US" sz="1400" b="0" i="1" dirty="0" smtClean="0">
-                            <a:latin typeface="Cambria Math" charset="0"/>
+                            <a:latin typeface="Cambria Math" panose="02040503050406030204" pitchFamily="18" charset="0"/>
                           </a:rPr>
                         </m:ctrlPr>
                       </m:sSubPr>
@@ -31172,7 +30909,7 @@
                             <m:endChr m:val="|"/>
                             <m:ctrlPr>
                               <a:rPr lang="en-US" sz="1400" b="0" i="1" smtClean="0">
-                                <a:latin typeface="Cambria Math" charset="0"/>
+                                <a:latin typeface="Cambria Math" panose="02040503050406030204" pitchFamily="18" charset="0"/>
                               </a:rPr>
                             </m:ctrlPr>
                           </m:dPr>
@@ -31182,7 +30919,7 @@
                                 <m:chr m:val="̂"/>
                                 <m:ctrlPr>
                                   <a:rPr lang="en-US" sz="1400" b="0" i="1" smtClean="0">
-                                    <a:latin typeface="Cambria Math" charset="0"/>
+                                    <a:latin typeface="Cambria Math" panose="02040503050406030204" pitchFamily="18" charset="0"/>
                                   </a:rPr>
                                 </m:ctrlPr>
                               </m:accPr>
@@ -31237,7 +30974,7 @@
                       <m:sSubPr>
                         <m:ctrlPr>
                           <a:rPr lang="en-US" sz="1400" i="1" dirty="0">
-                            <a:latin typeface="Cambria Math" charset="0"/>
+                            <a:latin typeface="Cambria Math" panose="02040503050406030204" pitchFamily="18" charset="0"/>
                           </a:rPr>
                         </m:ctrlPr>
                       </m:sSubPr>
@@ -31248,7 +30985,7 @@
                             <m:endChr m:val="|"/>
                             <m:ctrlPr>
                               <a:rPr lang="en-US" sz="1400" i="1">
-                                <a:latin typeface="Cambria Math" charset="0"/>
+                                <a:latin typeface="Cambria Math" panose="02040503050406030204" pitchFamily="18" charset="0"/>
                               </a:rPr>
                             </m:ctrlPr>
                           </m:dPr>
@@ -31258,7 +30995,7 @@
                                 <m:chr m:val="̂"/>
                                 <m:ctrlPr>
                                   <a:rPr lang="en-US" sz="1400" i="1">
-                                    <a:latin typeface="Cambria Math" charset="0"/>
+                                    <a:latin typeface="Cambria Math" panose="02040503050406030204" pitchFamily="18" charset="0"/>
                                   </a:rPr>
                                 </m:ctrlPr>
                               </m:accPr>
@@ -31405,7 +31142,7 @@
           <p:cNvPr id="9" name="Rectangle 8">
             <a:extLst>
               <a:ext uri="{FF2B5EF4-FFF2-40B4-BE49-F238E27FC236}">
-                <a16:creationId xmlns:a16="http://schemas.microsoft.com/office/drawing/2014/main" xmlns="" id="{CA8A3337-10D4-4CF8-ADB4-3378E5DF373A}"/>
+                <a16:creationId xmlns:a16="http://schemas.microsoft.com/office/drawing/2014/main" id="{CA8A3337-10D4-4CF8-ADB4-3378E5DF373A}"/>
               </a:ext>
             </a:extLst>
           </p:cNvPr>
@@ -31452,7 +31189,7 @@
           <p:cNvPr id="12" name="Rectangle 11">
             <a:extLst>
               <a:ext uri="{FF2B5EF4-FFF2-40B4-BE49-F238E27FC236}">
-                <a16:creationId xmlns:a16="http://schemas.microsoft.com/office/drawing/2014/main" xmlns="" id="{A2F9BE81-41C9-43E8-A213-03CBFB48583A}"/>
+                <a16:creationId xmlns:a16="http://schemas.microsoft.com/office/drawing/2014/main" id="{A2F9BE81-41C9-43E8-A213-03CBFB48583A}"/>
               </a:ext>
             </a:extLst>
           </p:cNvPr>
@@ -31504,13 +31241,6 @@
   <p:clrMapOvr>
     <a:masterClrMapping/>
   </p:clrMapOvr>
-  <p:timing>
-    <p:tnLst>
-      <p:par>
-        <p:cTn id="1" dur="indefinite" restart="never" nodeType="tmRoot"/>
-      </p:par>
-    </p:tnLst>
-  </p:timing>
 </p:sld>
 </file>
 
@@ -31662,7 +31392,7 @@
                       <m:sSubPr>
                         <m:ctrlPr>
                           <a:rPr lang="en-US" sz="1400" b="0" i="1" dirty="0" smtClean="0">
-                            <a:latin typeface="Cambria Math" charset="0"/>
+                            <a:latin typeface="Cambria Math" panose="02040503050406030204" pitchFamily="18" charset="0"/>
                           </a:rPr>
                         </m:ctrlPr>
                       </m:sSubPr>
@@ -31673,7 +31403,7 @@
                             <m:endChr m:val="|"/>
                             <m:ctrlPr>
                               <a:rPr lang="en-US" sz="1400" b="0" i="1" smtClean="0">
-                                <a:latin typeface="Cambria Math" charset="0"/>
+                                <a:latin typeface="Cambria Math" panose="02040503050406030204" pitchFamily="18" charset="0"/>
                               </a:rPr>
                             </m:ctrlPr>
                           </m:dPr>
@@ -31683,7 +31413,7 @@
                                 <m:chr m:val="̂"/>
                                 <m:ctrlPr>
                                   <a:rPr lang="en-US" sz="1400" b="0" i="1" smtClean="0">
-                                    <a:latin typeface="Cambria Math" charset="0"/>
+                                    <a:latin typeface="Cambria Math" panose="02040503050406030204" pitchFamily="18" charset="0"/>
                                   </a:rPr>
                                 </m:ctrlPr>
                               </m:accPr>
@@ -31738,7 +31468,7 @@
                       <m:sSubPr>
                         <m:ctrlPr>
                           <a:rPr lang="en-US" sz="1400" i="1" dirty="0">
-                            <a:latin typeface="Cambria Math" charset="0"/>
+                            <a:latin typeface="Cambria Math" panose="02040503050406030204" pitchFamily="18" charset="0"/>
                           </a:rPr>
                         </m:ctrlPr>
                       </m:sSubPr>
@@ -31749,7 +31479,7 @@
                             <m:endChr m:val="|"/>
                             <m:ctrlPr>
                               <a:rPr lang="en-US" sz="1400" i="1">
-                                <a:latin typeface="Cambria Math" charset="0"/>
+                                <a:latin typeface="Cambria Math" panose="02040503050406030204" pitchFamily="18" charset="0"/>
                               </a:rPr>
                             </m:ctrlPr>
                           </m:dPr>
@@ -31759,7 +31489,7 @@
                                 <m:chr m:val="̂"/>
                                 <m:ctrlPr>
                                   <a:rPr lang="en-US" sz="1400" i="1">
-                                    <a:latin typeface="Cambria Math" charset="0"/>
+                                    <a:latin typeface="Cambria Math" panose="02040503050406030204" pitchFamily="18" charset="0"/>
                                   </a:rPr>
                                 </m:ctrlPr>
                               </m:accPr>
@@ -31947,7 +31677,7 @@
           <p:cNvPr id="13" name="Rectangle 12">
             <a:extLst>
               <a:ext uri="{FF2B5EF4-FFF2-40B4-BE49-F238E27FC236}">
-                <a16:creationId xmlns:a16="http://schemas.microsoft.com/office/drawing/2014/main" xmlns="" id="{8114FE8F-961E-4C29-B2CD-1844293990B9}"/>
+                <a16:creationId xmlns:a16="http://schemas.microsoft.com/office/drawing/2014/main" id="{8114FE8F-961E-4C29-B2CD-1844293990B9}"/>
               </a:ext>
             </a:extLst>
           </p:cNvPr>
@@ -32035,7 +31765,7 @@
           <p:cNvPr id="14" name="Rectangle 13">
             <a:extLst>
               <a:ext uri="{FF2B5EF4-FFF2-40B4-BE49-F238E27FC236}">
-                <a16:creationId xmlns:a16="http://schemas.microsoft.com/office/drawing/2014/main" xmlns="" id="{1FE0BEFA-FE06-4EE0-AD96-860556373828}"/>
+                <a16:creationId xmlns:a16="http://schemas.microsoft.com/office/drawing/2014/main" id="{1FE0BEFA-FE06-4EE0-AD96-860556373828}"/>
               </a:ext>
             </a:extLst>
           </p:cNvPr>
@@ -32087,13 +31817,6 @@
   <p:clrMapOvr>
     <a:masterClrMapping/>
   </p:clrMapOvr>
-  <p:timing>
-    <p:tnLst>
-      <p:par>
-        <p:cTn id="1" dur="indefinite" restart="never" nodeType="tmRoot"/>
-      </p:par>
-    </p:tnLst>
-  </p:timing>
 </p:sld>
 </file>
 
@@ -32245,7 +31968,7 @@
                       <m:sSubPr>
                         <m:ctrlPr>
                           <a:rPr lang="en-US" sz="1400" b="0" i="1" dirty="0" smtClean="0">
-                            <a:latin typeface="Cambria Math" charset="0"/>
+                            <a:latin typeface="Cambria Math" panose="02040503050406030204" pitchFamily="18" charset="0"/>
                           </a:rPr>
                         </m:ctrlPr>
                       </m:sSubPr>
@@ -32256,7 +31979,7 @@
                             <m:endChr m:val="|"/>
                             <m:ctrlPr>
                               <a:rPr lang="en-US" sz="1400" b="0" i="1" smtClean="0">
-                                <a:latin typeface="Cambria Math" charset="0"/>
+                                <a:latin typeface="Cambria Math" panose="02040503050406030204" pitchFamily="18" charset="0"/>
                               </a:rPr>
                             </m:ctrlPr>
                           </m:dPr>
@@ -32266,7 +31989,7 @@
                                 <m:chr m:val="̂"/>
                                 <m:ctrlPr>
                                   <a:rPr lang="en-US" sz="1400" b="0" i="1" smtClean="0">
-                                    <a:latin typeface="Cambria Math" charset="0"/>
+                                    <a:latin typeface="Cambria Math" panose="02040503050406030204" pitchFamily="18" charset="0"/>
                                   </a:rPr>
                                 </m:ctrlPr>
                               </m:accPr>
@@ -32321,7 +32044,7 @@
                       <m:sSubPr>
                         <m:ctrlPr>
                           <a:rPr lang="en-US" sz="1400" i="1" dirty="0">
-                            <a:latin typeface="Cambria Math" charset="0"/>
+                            <a:latin typeface="Cambria Math" panose="02040503050406030204" pitchFamily="18" charset="0"/>
                           </a:rPr>
                         </m:ctrlPr>
                       </m:sSubPr>
@@ -32332,7 +32055,7 @@
                             <m:endChr m:val="|"/>
                             <m:ctrlPr>
                               <a:rPr lang="en-US" sz="1400" i="1">
-                                <a:latin typeface="Cambria Math" charset="0"/>
+                                <a:latin typeface="Cambria Math" panose="02040503050406030204" pitchFamily="18" charset="0"/>
                               </a:rPr>
                             </m:ctrlPr>
                           </m:dPr>
@@ -32342,7 +32065,7 @@
                                 <m:chr m:val="̂"/>
                                 <m:ctrlPr>
                                   <a:rPr lang="en-US" sz="1400" i="1">
-                                    <a:latin typeface="Cambria Math" charset="0"/>
+                                    <a:latin typeface="Cambria Math" panose="02040503050406030204" pitchFamily="18" charset="0"/>
                                   </a:rPr>
                                 </m:ctrlPr>
                               </m:accPr>
@@ -32576,13 +32299,6 @@
   <p:clrMapOvr>
     <a:masterClrMapping/>
   </p:clrMapOvr>
-  <p:timing>
-    <p:tnLst>
-      <p:par>
-        <p:cTn id="1" dur="indefinite" restart="never" nodeType="tmRoot"/>
-      </p:par>
-    </p:tnLst>
-  </p:timing>
 </p:sld>
 </file>
 
@@ -32734,7 +32450,7 @@
                       <m:sSubPr>
                         <m:ctrlPr>
                           <a:rPr lang="en-US" sz="1400" b="0" i="1" dirty="0" smtClean="0">
-                            <a:latin typeface="Cambria Math" charset="0"/>
+                            <a:latin typeface="Cambria Math" panose="02040503050406030204" pitchFamily="18" charset="0"/>
                           </a:rPr>
                         </m:ctrlPr>
                       </m:sSubPr>
@@ -32745,7 +32461,7 @@
                             <m:endChr m:val="|"/>
                             <m:ctrlPr>
                               <a:rPr lang="en-US" sz="1400" b="0" i="1" smtClean="0">
-                                <a:latin typeface="Cambria Math" charset="0"/>
+                                <a:latin typeface="Cambria Math" panose="02040503050406030204" pitchFamily="18" charset="0"/>
                               </a:rPr>
                             </m:ctrlPr>
                           </m:dPr>
@@ -32755,7 +32471,7 @@
                                 <m:chr m:val="̂"/>
                                 <m:ctrlPr>
                                   <a:rPr lang="en-US" sz="1400" b="0" i="1" smtClean="0">
-                                    <a:latin typeface="Cambria Math" charset="0"/>
+                                    <a:latin typeface="Cambria Math" panose="02040503050406030204" pitchFamily="18" charset="0"/>
                                   </a:rPr>
                                 </m:ctrlPr>
                               </m:accPr>
@@ -32810,7 +32526,7 @@
                       <m:sSubPr>
                         <m:ctrlPr>
                           <a:rPr lang="en-US" sz="1400" i="1" dirty="0">
-                            <a:latin typeface="Cambria Math" charset="0"/>
+                            <a:latin typeface="Cambria Math" panose="02040503050406030204" pitchFamily="18" charset="0"/>
                           </a:rPr>
                         </m:ctrlPr>
                       </m:sSubPr>
@@ -32821,7 +32537,7 @@
                             <m:endChr m:val="|"/>
                             <m:ctrlPr>
                               <a:rPr lang="en-US" sz="1400" i="1">
-                                <a:latin typeface="Cambria Math" charset="0"/>
+                                <a:latin typeface="Cambria Math" panose="02040503050406030204" pitchFamily="18" charset="0"/>
                               </a:rPr>
                             </m:ctrlPr>
                           </m:dPr>
@@ -32831,7 +32547,7 @@
                                 <m:chr m:val="̂"/>
                                 <m:ctrlPr>
                                   <a:rPr lang="en-US" sz="1400" i="1">
-                                    <a:latin typeface="Cambria Math" charset="0"/>
+                                    <a:latin typeface="Cambria Math" panose="02040503050406030204" pitchFamily="18" charset="0"/>
                                   </a:rPr>
                                 </m:ctrlPr>
                               </m:accPr>
@@ -33024,13 +32740,6 @@
   <p:clrMapOvr>
     <a:masterClrMapping/>
   </p:clrMapOvr>
-  <p:timing>
-    <p:tnLst>
-      <p:par>
-        <p:cTn id="1" dur="indefinite" restart="never" nodeType="tmRoot"/>
-      </p:par>
-    </p:tnLst>
-  </p:timing>
 </p:sld>
 </file>
 
@@ -33182,7 +32891,7 @@
                       <m:sSubPr>
                         <m:ctrlPr>
                           <a:rPr lang="en-US" sz="1400" b="0" i="1" dirty="0" smtClean="0">
-                            <a:latin typeface="Cambria Math" charset="0"/>
+                            <a:latin typeface="Cambria Math" panose="02040503050406030204" pitchFamily="18" charset="0"/>
                           </a:rPr>
                         </m:ctrlPr>
                       </m:sSubPr>
@@ -33193,7 +32902,7 @@
                             <m:endChr m:val="|"/>
                             <m:ctrlPr>
                               <a:rPr lang="en-US" sz="1400" b="0" i="1" smtClean="0">
-                                <a:latin typeface="Cambria Math" charset="0"/>
+                                <a:latin typeface="Cambria Math" panose="02040503050406030204" pitchFamily="18" charset="0"/>
                               </a:rPr>
                             </m:ctrlPr>
                           </m:dPr>
@@ -33203,7 +32912,7 @@
                                 <m:chr m:val="̂"/>
                                 <m:ctrlPr>
                                   <a:rPr lang="en-US" sz="1400" b="0" i="1" smtClean="0">
-                                    <a:latin typeface="Cambria Math" charset="0"/>
+                                    <a:latin typeface="Cambria Math" panose="02040503050406030204" pitchFamily="18" charset="0"/>
                                   </a:rPr>
                                 </m:ctrlPr>
                               </m:accPr>
@@ -33258,7 +32967,7 @@
                       <m:sSubPr>
                         <m:ctrlPr>
                           <a:rPr lang="en-US" sz="1400" i="1" dirty="0">
-                            <a:latin typeface="Cambria Math" charset="0"/>
+                            <a:latin typeface="Cambria Math" panose="02040503050406030204" pitchFamily="18" charset="0"/>
                           </a:rPr>
                         </m:ctrlPr>
                       </m:sSubPr>
@@ -33269,7 +32978,7 @@
                             <m:endChr m:val="|"/>
                             <m:ctrlPr>
                               <a:rPr lang="en-US" sz="1400" i="1">
-                                <a:latin typeface="Cambria Math" charset="0"/>
+                                <a:latin typeface="Cambria Math" panose="02040503050406030204" pitchFamily="18" charset="0"/>
                               </a:rPr>
                             </m:ctrlPr>
                           </m:dPr>
@@ -33279,7 +32988,7 @@
                                 <m:chr m:val="̂"/>
                                 <m:ctrlPr>
                                   <a:rPr lang="en-US" sz="1400" i="1">
-                                    <a:latin typeface="Cambria Math" charset="0"/>
+                                    <a:latin typeface="Cambria Math" panose="02040503050406030204" pitchFamily="18" charset="0"/>
                                   </a:rPr>
                                 </m:ctrlPr>
                               </m:accPr>
@@ -33472,13 +33181,6 @@
   <p:clrMapOvr>
     <a:masterClrMapping/>
   </p:clrMapOvr>
-  <p:timing>
-    <p:tnLst>
-      <p:par>
-        <p:cTn id="1" dur="indefinite" restart="never" nodeType="tmRoot"/>
-      </p:par>
-    </p:tnLst>
-  </p:timing>
 </p:sld>
 </file>
 
@@ -33630,7 +33332,7 @@
                       <m:sSubPr>
                         <m:ctrlPr>
                           <a:rPr lang="en-US" sz="1400" b="0" i="1" dirty="0" smtClean="0">
-                            <a:latin typeface="Cambria Math" charset="0"/>
+                            <a:latin typeface="Cambria Math" panose="02040503050406030204" pitchFamily="18" charset="0"/>
                           </a:rPr>
                         </m:ctrlPr>
                       </m:sSubPr>
@@ -33641,7 +33343,7 @@
                             <m:endChr m:val="|"/>
                             <m:ctrlPr>
                               <a:rPr lang="en-US" sz="1400" b="0" i="1" smtClean="0">
-                                <a:latin typeface="Cambria Math" charset="0"/>
+                                <a:latin typeface="Cambria Math" panose="02040503050406030204" pitchFamily="18" charset="0"/>
                               </a:rPr>
                             </m:ctrlPr>
                           </m:dPr>
@@ -33651,7 +33353,7 @@
                                 <m:chr m:val="̂"/>
                                 <m:ctrlPr>
                                   <a:rPr lang="en-US" sz="1400" b="0" i="1" smtClean="0">
-                                    <a:latin typeface="Cambria Math" charset="0"/>
+                                    <a:latin typeface="Cambria Math" panose="02040503050406030204" pitchFamily="18" charset="0"/>
                                   </a:rPr>
                                 </m:ctrlPr>
                               </m:accPr>
@@ -33706,7 +33408,7 @@
                       <m:sSubPr>
                         <m:ctrlPr>
                           <a:rPr lang="en-US" sz="1400" i="1" dirty="0">
-                            <a:latin typeface="Cambria Math" charset="0"/>
+                            <a:latin typeface="Cambria Math" panose="02040503050406030204" pitchFamily="18" charset="0"/>
                           </a:rPr>
                         </m:ctrlPr>
                       </m:sSubPr>
@@ -33717,7 +33419,7 @@
                             <m:endChr m:val="|"/>
                             <m:ctrlPr>
                               <a:rPr lang="en-US" sz="1400" i="1">
-                                <a:latin typeface="Cambria Math" charset="0"/>
+                                <a:latin typeface="Cambria Math" panose="02040503050406030204" pitchFamily="18" charset="0"/>
                               </a:rPr>
                             </m:ctrlPr>
                           </m:dPr>
@@ -33727,7 +33429,7 @@
                                 <m:chr m:val="̂"/>
                                 <m:ctrlPr>
                                   <a:rPr lang="en-US" sz="1400" i="1">
-                                    <a:latin typeface="Cambria Math" charset="0"/>
+                                    <a:latin typeface="Cambria Math" panose="02040503050406030204" pitchFamily="18" charset="0"/>
                                   </a:rPr>
                                 </m:ctrlPr>
                               </m:accPr>
@@ -33945,7 +33647,7 @@
           <p:cNvPr id="5" name="Footer Placeholder 4">
             <a:extLst>
               <a:ext uri="{FF2B5EF4-FFF2-40B4-BE49-F238E27FC236}">
-                <a16:creationId xmlns:a16="http://schemas.microsoft.com/office/drawing/2014/main" xmlns="" id="{6AC7966E-6694-4F89-AFC2-98BF0D06DAE2}"/>
+                <a16:creationId xmlns:a16="http://schemas.microsoft.com/office/drawing/2014/main" id="{6AC7966E-6694-4F89-AFC2-98BF0D06DAE2}"/>
               </a:ext>
             </a:extLst>
           </p:cNvPr>
@@ -34002,7 +33704,7 @@
           <p:cNvPr id="6" name="Slide Number Placeholder 5">
             <a:extLst>
               <a:ext uri="{FF2B5EF4-FFF2-40B4-BE49-F238E27FC236}">
-                <a16:creationId xmlns:a16="http://schemas.microsoft.com/office/drawing/2014/main" xmlns="" id="{75DC981C-CDAE-479D-AC14-3CE4B7209D43}"/>
+                <a16:creationId xmlns:a16="http://schemas.microsoft.com/office/drawing/2014/main" id="{75DC981C-CDAE-479D-AC14-3CE4B7209D43}"/>
               </a:ext>
             </a:extLst>
           </p:cNvPr>
@@ -34032,7 +33734,7 @@
           <p:cNvPr id="7" name="Content Placeholder 8" descr="A close up of a logo&#10;&#10;Description generated with high confidence">
             <a:extLst>
               <a:ext uri="{FF2B5EF4-FFF2-40B4-BE49-F238E27FC236}">
-                <a16:creationId xmlns:a16="http://schemas.microsoft.com/office/drawing/2014/main" xmlns="" id="{C6D8FF7C-12F3-4849-A8D2-8584E456505F}"/>
+                <a16:creationId xmlns:a16="http://schemas.microsoft.com/office/drawing/2014/main" id="{C6D8FF7C-12F3-4849-A8D2-8584E456505F}"/>
               </a:ext>
             </a:extLst>
           </p:cNvPr>
@@ -34066,7 +33768,7 @@
           <p:cNvPr id="8" name="Content Placeholder 8" descr="A close up of a logo&#10;&#10;Description generated with high confidence">
             <a:extLst>
               <a:ext uri="{FF2B5EF4-FFF2-40B4-BE49-F238E27FC236}">
-                <a16:creationId xmlns:a16="http://schemas.microsoft.com/office/drawing/2014/main" xmlns="" id="{F257EDCB-5B89-44E1-BCDB-1D2BEEDE97E5}"/>
+                <a16:creationId xmlns:a16="http://schemas.microsoft.com/office/drawing/2014/main" id="{F257EDCB-5B89-44E1-BCDB-1D2BEEDE97E5}"/>
               </a:ext>
             </a:extLst>
           </p:cNvPr>
@@ -34101,7 +33803,7 @@
           <p:cNvPr id="9" name="Content Placeholder 8" descr="A close up of a logo&#10;&#10;Description generated with high confidence">
             <a:extLst>
               <a:ext uri="{FF2B5EF4-FFF2-40B4-BE49-F238E27FC236}">
-                <a16:creationId xmlns:a16="http://schemas.microsoft.com/office/drawing/2014/main" xmlns="" id="{ADEB172C-62CE-401A-BF93-2023AC8F551C}"/>
+                <a16:creationId xmlns:a16="http://schemas.microsoft.com/office/drawing/2014/main" id="{ADEB172C-62CE-401A-BF93-2023AC8F551C}"/>
               </a:ext>
             </a:extLst>
           </p:cNvPr>
@@ -34136,7 +33838,7 @@
           <p:cNvPr id="10" name="Rectangle 9">
             <a:extLst>
               <a:ext uri="{FF2B5EF4-FFF2-40B4-BE49-F238E27FC236}">
-                <a16:creationId xmlns:a16="http://schemas.microsoft.com/office/drawing/2014/main" xmlns="" id="{A94EB12A-E96E-4462-81D8-1E932FFBDDD4}"/>
+                <a16:creationId xmlns:a16="http://schemas.microsoft.com/office/drawing/2014/main" id="{A94EB12A-E96E-4462-81D8-1E932FFBDDD4}"/>
               </a:ext>
             </a:extLst>
           </p:cNvPr>
@@ -34188,7 +33890,7 @@
           <p:cNvPr id="14" name="Content Placeholder 8" descr="A close up of a logo&#10;&#10;Description generated with high confidence">
             <a:extLst>
               <a:ext uri="{FF2B5EF4-FFF2-40B4-BE49-F238E27FC236}">
-                <a16:creationId xmlns:a16="http://schemas.microsoft.com/office/drawing/2014/main" xmlns="" id="{436AD839-8079-4916-A40B-509EA4269741}"/>
+                <a16:creationId xmlns:a16="http://schemas.microsoft.com/office/drawing/2014/main" id="{436AD839-8079-4916-A40B-509EA4269741}"/>
               </a:ext>
             </a:extLst>
           </p:cNvPr>
@@ -34223,7 +33925,7 @@
           <p:cNvPr id="15" name="Content Placeholder 8" descr="A close up of a logo&#10;&#10;Description generated with high confidence">
             <a:extLst>
               <a:ext uri="{FF2B5EF4-FFF2-40B4-BE49-F238E27FC236}">
-                <a16:creationId xmlns:a16="http://schemas.microsoft.com/office/drawing/2014/main" xmlns="" id="{37A73C32-7D27-4FDB-B0A7-1D103FDF7447}"/>
+                <a16:creationId xmlns:a16="http://schemas.microsoft.com/office/drawing/2014/main" id="{37A73C32-7D27-4FDB-B0A7-1D103FDF7447}"/>
               </a:ext>
             </a:extLst>
           </p:cNvPr>
@@ -34258,7 +33960,7 @@
           <p:cNvPr id="16" name="Content Placeholder 8" descr="A close up of a logo&#10;&#10;Description generated with high confidence">
             <a:extLst>
               <a:ext uri="{FF2B5EF4-FFF2-40B4-BE49-F238E27FC236}">
-                <a16:creationId xmlns:a16="http://schemas.microsoft.com/office/drawing/2014/main" xmlns="" id="{4C4FABD3-BF73-46EE-A423-F68A4430BED8}"/>
+                <a16:creationId xmlns:a16="http://schemas.microsoft.com/office/drawing/2014/main" id="{4C4FABD3-BF73-46EE-A423-F68A4430BED8}"/>
               </a:ext>
             </a:extLst>
           </p:cNvPr>
@@ -34293,7 +33995,7 @@
           <p:cNvPr id="17" name="Rectangle 16">
             <a:extLst>
               <a:ext uri="{FF2B5EF4-FFF2-40B4-BE49-F238E27FC236}">
-                <a16:creationId xmlns:a16="http://schemas.microsoft.com/office/drawing/2014/main" xmlns="" id="{1075960E-DBDE-45DA-AABF-71B555799A01}"/>
+                <a16:creationId xmlns:a16="http://schemas.microsoft.com/office/drawing/2014/main" id="{1075960E-DBDE-45DA-AABF-71B555799A01}"/>
               </a:ext>
             </a:extLst>
           </p:cNvPr>
@@ -34345,7 +34047,7 @@
           <p:cNvPr id="18" name="Rectangle 17">
             <a:extLst>
               <a:ext uri="{FF2B5EF4-FFF2-40B4-BE49-F238E27FC236}">
-                <a16:creationId xmlns:a16="http://schemas.microsoft.com/office/drawing/2014/main" xmlns="" id="{7063C499-4A50-4CB9-ABCA-40D4351CCDC1}"/>
+                <a16:creationId xmlns:a16="http://schemas.microsoft.com/office/drawing/2014/main" id="{7063C499-4A50-4CB9-ABCA-40D4351CCDC1}"/>
               </a:ext>
             </a:extLst>
           </p:cNvPr>
@@ -34397,7 +34099,7 @@
           <p:cNvPr id="19" name="Rectangle 18">
             <a:extLst>
               <a:ext uri="{FF2B5EF4-FFF2-40B4-BE49-F238E27FC236}">
-                <a16:creationId xmlns:a16="http://schemas.microsoft.com/office/drawing/2014/main" xmlns="" id="{DA2542BB-265D-40EA-B38F-B6F4D21B484C}"/>
+                <a16:creationId xmlns:a16="http://schemas.microsoft.com/office/drawing/2014/main" id="{DA2542BB-265D-40EA-B38F-B6F4D21B484C}"/>
               </a:ext>
             </a:extLst>
           </p:cNvPr>
@@ -35385,7 +35087,7 @@
                       <m:sSubPr>
                         <m:ctrlPr>
                           <a:rPr lang="en-US" sz="1400" b="0" i="1" dirty="0" smtClean="0">
-                            <a:latin typeface="Cambria Math" charset="0"/>
+                            <a:latin typeface="Cambria Math" panose="02040503050406030204" pitchFamily="18" charset="0"/>
                           </a:rPr>
                         </m:ctrlPr>
                       </m:sSubPr>
@@ -35396,7 +35098,7 @@
                             <m:endChr m:val="|"/>
                             <m:ctrlPr>
                               <a:rPr lang="en-US" sz="1400" b="0" i="1" smtClean="0">
-                                <a:latin typeface="Cambria Math" charset="0"/>
+                                <a:latin typeface="Cambria Math" panose="02040503050406030204" pitchFamily="18" charset="0"/>
                               </a:rPr>
                             </m:ctrlPr>
                           </m:dPr>
@@ -35406,7 +35108,7 @@
                                 <m:chr m:val="̂"/>
                                 <m:ctrlPr>
                                   <a:rPr lang="en-US" sz="1400" b="0" i="1" smtClean="0">
-                                    <a:latin typeface="Cambria Math" charset="0"/>
+                                    <a:latin typeface="Cambria Math" panose="02040503050406030204" pitchFamily="18" charset="0"/>
                                   </a:rPr>
                                 </m:ctrlPr>
                               </m:accPr>
@@ -35461,7 +35163,7 @@
                       <m:sSubPr>
                         <m:ctrlPr>
                           <a:rPr lang="en-US" sz="1400" i="1" dirty="0">
-                            <a:latin typeface="Cambria Math" charset="0"/>
+                            <a:latin typeface="Cambria Math" panose="02040503050406030204" pitchFamily="18" charset="0"/>
                           </a:rPr>
                         </m:ctrlPr>
                       </m:sSubPr>
@@ -35472,7 +35174,7 @@
                             <m:endChr m:val="|"/>
                             <m:ctrlPr>
                               <a:rPr lang="en-US" sz="1400" i="1">
-                                <a:latin typeface="Cambria Math" charset="0"/>
+                                <a:latin typeface="Cambria Math" panose="02040503050406030204" pitchFamily="18" charset="0"/>
                               </a:rPr>
                             </m:ctrlPr>
                           </m:dPr>
@@ -35482,7 +35184,7 @@
                                 <m:chr m:val="̂"/>
                                 <m:ctrlPr>
                                   <a:rPr lang="en-US" sz="1400" i="1">
-                                    <a:latin typeface="Cambria Math" charset="0"/>
+                                    <a:latin typeface="Cambria Math" panose="02040503050406030204" pitchFamily="18" charset="0"/>
                                   </a:rPr>
                                 </m:ctrlPr>
                               </m:accPr>
@@ -35675,13 +35377,6 @@
   <p:clrMapOvr>
     <a:masterClrMapping/>
   </p:clrMapOvr>
-  <p:timing>
-    <p:tnLst>
-      <p:par>
-        <p:cTn id="1" dur="indefinite" restart="never" nodeType="tmRoot"/>
-      </p:par>
-    </p:tnLst>
-  </p:timing>
 </p:sld>
 </file>
 
@@ -35707,7 +35402,7 @@
           <p:cNvPr id="2" name="Title 1">
             <a:extLst>
               <a:ext uri="{FF2B5EF4-FFF2-40B4-BE49-F238E27FC236}">
-                <a16:creationId xmlns:a16="http://schemas.microsoft.com/office/drawing/2014/main" xmlns="" id="{17A8BB3D-2D35-4F66-AFB4-2A9AE7681862}"/>
+                <a16:creationId xmlns:a16="http://schemas.microsoft.com/office/drawing/2014/main" id="{17A8BB3D-2D35-4F66-AFB4-2A9AE7681862}"/>
               </a:ext>
             </a:extLst>
           </p:cNvPr>
@@ -35741,7 +35436,7 @@
           <p:cNvPr id="3" name="Footer Placeholder 2">
             <a:extLst>
               <a:ext uri="{FF2B5EF4-FFF2-40B4-BE49-F238E27FC236}">
-                <a16:creationId xmlns:a16="http://schemas.microsoft.com/office/drawing/2014/main" xmlns="" id="{11862E8A-91FD-4C41-A192-DB3D27D88824}"/>
+                <a16:creationId xmlns:a16="http://schemas.microsoft.com/office/drawing/2014/main" id="{11862E8A-91FD-4C41-A192-DB3D27D88824}"/>
               </a:ext>
             </a:extLst>
           </p:cNvPr>
@@ -35798,7 +35493,7 @@
           <p:cNvPr id="4" name="Slide Number Placeholder 3">
             <a:extLst>
               <a:ext uri="{FF2B5EF4-FFF2-40B4-BE49-F238E27FC236}">
-                <a16:creationId xmlns:a16="http://schemas.microsoft.com/office/drawing/2014/main" xmlns="" id="{9DA5ED20-07EE-4130-97A2-FC2FBDDF57B9}"/>
+                <a16:creationId xmlns:a16="http://schemas.microsoft.com/office/drawing/2014/main" id="{9DA5ED20-07EE-4130-97A2-FC2FBDDF57B9}"/>
               </a:ext>
             </a:extLst>
           </p:cNvPr>
@@ -35833,13 +35528,6 @@
   <p:clrMapOvr>
     <a:masterClrMapping/>
   </p:clrMapOvr>
-  <p:timing>
-    <p:tnLst>
-      <p:par>
-        <p:cTn id="1" dur="indefinite" restart="never" nodeType="tmRoot"/>
-      </p:par>
-    </p:tnLst>
-  </p:timing>
 </p:sld>
 </file>
 
@@ -35865,7 +35553,7 @@
           <p:cNvPr id="1026" name="Picture 2" descr="https://www.almacgroup.com/wp-content/uploads/2017/05/image-two.png">
             <a:extLst>
               <a:ext uri="{FF2B5EF4-FFF2-40B4-BE49-F238E27FC236}">
-                <a16:creationId xmlns:a16="http://schemas.microsoft.com/office/drawing/2014/main" xmlns="" id="{E867E7A2-8CC0-46B4-BFF0-6C32B06ABEE2}"/>
+                <a16:creationId xmlns:a16="http://schemas.microsoft.com/office/drawing/2014/main" id="{E867E7A2-8CC0-46B4-BFF0-6C32B06ABEE2}"/>
               </a:ext>
             </a:extLst>
           </p:cNvPr>
@@ -35912,7 +35600,7 @@
           <p:cNvPr id="5" name="Rectangle 4">
             <a:extLst>
               <a:ext uri="{FF2B5EF4-FFF2-40B4-BE49-F238E27FC236}">
-                <a16:creationId xmlns:a16="http://schemas.microsoft.com/office/drawing/2014/main" xmlns="" id="{4E2B386B-E39D-49FE-A910-C82ADD38FF9D}"/>
+                <a16:creationId xmlns:a16="http://schemas.microsoft.com/office/drawing/2014/main" id="{4E2B386B-E39D-49FE-A910-C82ADD38FF9D}"/>
               </a:ext>
             </a:extLst>
           </p:cNvPr>
@@ -35966,7 +35654,7 @@
           <p:cNvPr id="6" name="TextBox 5">
             <a:extLst>
               <a:ext uri="{FF2B5EF4-FFF2-40B4-BE49-F238E27FC236}">
-                <a16:creationId xmlns:a16="http://schemas.microsoft.com/office/drawing/2014/main" xmlns="" id="{0773589D-C5B3-4615-A900-47F413CA0D37}"/>
+                <a16:creationId xmlns:a16="http://schemas.microsoft.com/office/drawing/2014/main" id="{0773589D-C5B3-4615-A900-47F413CA0D37}"/>
               </a:ext>
             </a:extLst>
           </p:cNvPr>
@@ -36008,7 +35696,7 @@
           <p:cNvPr id="7" name="Rectangle: Rounded Corners 6">
             <a:extLst>
               <a:ext uri="{FF2B5EF4-FFF2-40B4-BE49-F238E27FC236}">
-                <a16:creationId xmlns:a16="http://schemas.microsoft.com/office/drawing/2014/main" xmlns="" id="{D8171938-008D-42E2-BEAB-8033B90F3225}"/>
+                <a16:creationId xmlns:a16="http://schemas.microsoft.com/office/drawing/2014/main" id="{D8171938-008D-42E2-BEAB-8033B90F3225}"/>
               </a:ext>
             </a:extLst>
           </p:cNvPr>
@@ -36062,7 +35750,7 @@
           <p:cNvPr id="10" name="TextBox 9">
             <a:extLst>
               <a:ext uri="{FF2B5EF4-FFF2-40B4-BE49-F238E27FC236}">
-                <a16:creationId xmlns:a16="http://schemas.microsoft.com/office/drawing/2014/main" xmlns="" id="{C7B28F70-E44D-430F-A8AD-A49444776531}"/>
+                <a16:creationId xmlns:a16="http://schemas.microsoft.com/office/drawing/2014/main" id="{C7B28F70-E44D-430F-A8AD-A49444776531}"/>
               </a:ext>
             </a:extLst>
           </p:cNvPr>
@@ -36104,7 +35792,7 @@
           <p:cNvPr id="12" name="Title 1">
             <a:extLst>
               <a:ext uri="{FF2B5EF4-FFF2-40B4-BE49-F238E27FC236}">
-                <a16:creationId xmlns:a16="http://schemas.microsoft.com/office/drawing/2014/main" xmlns="" id="{38583C8C-DF97-4568-BBC0-1E6B87C39B83}"/>
+                <a16:creationId xmlns:a16="http://schemas.microsoft.com/office/drawing/2014/main" id="{38583C8C-DF97-4568-BBC0-1E6B87C39B83}"/>
               </a:ext>
             </a:extLst>
           </p:cNvPr>
@@ -36142,13 +35830,6 @@
   <p:clrMapOvr>
     <a:masterClrMapping/>
   </p:clrMapOvr>
-  <p:timing>
-    <p:tnLst>
-      <p:par>
-        <p:cTn id="1" dur="indefinite" restart="never" nodeType="tmRoot"/>
-      </p:par>
-    </p:tnLst>
-  </p:timing>
 </p:sld>
 </file>
 
@@ -36174,7 +35855,7 @@
           <p:cNvPr id="2" name="Title 1">
             <a:extLst>
               <a:ext uri="{FF2B5EF4-FFF2-40B4-BE49-F238E27FC236}">
-                <a16:creationId xmlns:a16="http://schemas.microsoft.com/office/drawing/2014/main" xmlns="" id="{2402DCD2-0C35-4CD9-9D55-3AD27C4E6E1A}"/>
+                <a16:creationId xmlns:a16="http://schemas.microsoft.com/office/drawing/2014/main" id="{2402DCD2-0C35-4CD9-9D55-3AD27C4E6E1A}"/>
               </a:ext>
             </a:extLst>
           </p:cNvPr>
@@ -36202,7 +35883,7 @@
           <p:cNvPr id="4" name="Footer Placeholder 3">
             <a:extLst>
               <a:ext uri="{FF2B5EF4-FFF2-40B4-BE49-F238E27FC236}">
-                <a16:creationId xmlns:a16="http://schemas.microsoft.com/office/drawing/2014/main" xmlns="" id="{ED5DDAB4-5465-4C02-B012-5C2392656E96}"/>
+                <a16:creationId xmlns:a16="http://schemas.microsoft.com/office/drawing/2014/main" id="{ED5DDAB4-5465-4C02-B012-5C2392656E96}"/>
               </a:ext>
             </a:extLst>
           </p:cNvPr>
@@ -36259,7 +35940,7 @@
           <p:cNvPr id="5" name="Slide Number Placeholder 4">
             <a:extLst>
               <a:ext uri="{FF2B5EF4-FFF2-40B4-BE49-F238E27FC236}">
-                <a16:creationId xmlns:a16="http://schemas.microsoft.com/office/drawing/2014/main" xmlns="" id="{CECCB517-DD7E-441C-B5C0-DA6D32B76F01}"/>
+                <a16:creationId xmlns:a16="http://schemas.microsoft.com/office/drawing/2014/main" id="{CECCB517-DD7E-441C-B5C0-DA6D32B76F01}"/>
               </a:ext>
             </a:extLst>
           </p:cNvPr>
@@ -36289,7 +35970,7 @@
           <p:cNvPr id="1026" name="Picture 2" descr="Image result for variable selection">
             <a:extLst>
               <a:ext uri="{FF2B5EF4-FFF2-40B4-BE49-F238E27FC236}">
-                <a16:creationId xmlns:a16="http://schemas.microsoft.com/office/drawing/2014/main" xmlns="" id="{4FE87B62-E8A2-4781-8542-17DA5F458E8D}"/>
+                <a16:creationId xmlns:a16="http://schemas.microsoft.com/office/drawing/2014/main" id="{4FE87B62-E8A2-4781-8542-17DA5F458E8D}"/>
               </a:ext>
             </a:extLst>
           </p:cNvPr>
@@ -36336,7 +36017,7 @@
           <p:cNvPr id="1028" name="Picture 4" descr="Image result for lasso">
             <a:extLst>
               <a:ext uri="{FF2B5EF4-FFF2-40B4-BE49-F238E27FC236}">
-                <a16:creationId xmlns:a16="http://schemas.microsoft.com/office/drawing/2014/main" xmlns="" id="{FC74E8AF-26B6-489F-9DAA-748E12CFDBFC}"/>
+                <a16:creationId xmlns:a16="http://schemas.microsoft.com/office/drawing/2014/main" id="{FC74E8AF-26B6-489F-9DAA-748E12CFDBFC}"/>
               </a:ext>
             </a:extLst>
           </p:cNvPr>
@@ -36383,7 +36064,7 @@
           <p:cNvPr id="6" name="TextBox 5">
             <a:extLst>
               <a:ext uri="{FF2B5EF4-FFF2-40B4-BE49-F238E27FC236}">
-                <a16:creationId xmlns:a16="http://schemas.microsoft.com/office/drawing/2014/main" xmlns="" id="{C14B3A59-74C7-4D01-AFC3-2CF85B50385C}"/>
+                <a16:creationId xmlns:a16="http://schemas.microsoft.com/office/drawing/2014/main" id="{C14B3A59-74C7-4D01-AFC3-2CF85B50385C}"/>
               </a:ext>
             </a:extLst>
           </p:cNvPr>
@@ -36436,26 +36117,9 @@
           <a:lstStyle/>
           <a:p>
             <a:r>
-              <a:rPr lang="en-US" sz="1600" dirty="0" smtClean="0"/>
-              <a:t>Least Absolute </a:t>
-            </a:r>
-            <a:r>
               <a:rPr lang="en-US" sz="1600" dirty="0"/>
-              <a:t>S</a:t>
-            </a:r>
-            <a:r>
-              <a:rPr lang="en-US" sz="1600" dirty="0" smtClean="0"/>
-              <a:t>hrinkage and Selection </a:t>
-            </a:r>
-            <a:r>
-              <a:rPr lang="en-US" sz="1600" dirty="0"/>
-              <a:t>O</a:t>
-            </a:r>
-            <a:r>
-              <a:rPr lang="en-US" sz="1600" dirty="0" smtClean="0"/>
-              <a:t>peration</a:t>
-            </a:r>
-            <a:endParaRPr lang="en-US" sz="1600" dirty="0"/>
+              <a:t>Least Absolute Shrinkage and Selection Operation</a:t>
+            </a:r>
           </a:p>
         </p:txBody>
       </p:sp>
@@ -36651,7 +36315,7 @@
           <p:cNvPr id="2" name="Title 1">
             <a:extLst>
               <a:ext uri="{FF2B5EF4-FFF2-40B4-BE49-F238E27FC236}">
-                <a16:creationId xmlns:a16="http://schemas.microsoft.com/office/drawing/2014/main" xmlns="" id="{6D33CD07-ACD3-477C-A5E6-452B122FF8EB}"/>
+                <a16:creationId xmlns:a16="http://schemas.microsoft.com/office/drawing/2014/main" id="{6D33CD07-ACD3-477C-A5E6-452B122FF8EB}"/>
               </a:ext>
             </a:extLst>
           </p:cNvPr>
@@ -36679,7 +36343,7 @@
           <p:cNvPr id="4" name="Footer Placeholder 3">
             <a:extLst>
               <a:ext uri="{FF2B5EF4-FFF2-40B4-BE49-F238E27FC236}">
-                <a16:creationId xmlns:a16="http://schemas.microsoft.com/office/drawing/2014/main" xmlns="" id="{7E62D83B-F16B-463F-B120-60AA6E0B32BF}"/>
+                <a16:creationId xmlns:a16="http://schemas.microsoft.com/office/drawing/2014/main" id="{7E62D83B-F16B-463F-B120-60AA6E0B32BF}"/>
               </a:ext>
             </a:extLst>
           </p:cNvPr>
@@ -36736,7 +36400,7 @@
           <p:cNvPr id="5" name="Slide Number Placeholder 4">
             <a:extLst>
               <a:ext uri="{FF2B5EF4-FFF2-40B4-BE49-F238E27FC236}">
-                <a16:creationId xmlns:a16="http://schemas.microsoft.com/office/drawing/2014/main" xmlns="" id="{6144BC6C-FC32-4CD0-AD45-9F87F70D3CC2}"/>
+                <a16:creationId xmlns:a16="http://schemas.microsoft.com/office/drawing/2014/main" id="{6144BC6C-FC32-4CD0-AD45-9F87F70D3CC2}"/>
               </a:ext>
             </a:extLst>
           </p:cNvPr>
@@ -36768,7 +36432,7 @@
               <p:cNvPr id="6" name="Content Placeholder 5">
                 <a:extLst>
                   <a:ext uri="{FF2B5EF4-FFF2-40B4-BE49-F238E27FC236}">
-                    <a16:creationId xmlns:a16="http://schemas.microsoft.com/office/drawing/2014/main" xmlns="" id="{8EE6EF1C-7BAD-43FC-8EDB-996441C677D3}"/>
+                    <a16:creationId xmlns:a16="http://schemas.microsoft.com/office/drawing/2014/main" id="{8EE6EF1C-7BAD-43FC-8EDB-996441C677D3}"/>
                   </a:ext>
                 </a:extLst>
               </p:cNvPr>
@@ -36798,7 +36462,7 @@
                       <m:limLowPr>
                         <m:ctrlPr>
                           <a:rPr lang="en-US" b="0" i="1" smtClean="0">
-                            <a:latin typeface="Cambria Math" charset="0"/>
+                            <a:latin typeface="Cambria Math" panose="02040503050406030204" pitchFamily="18" charset="0"/>
                           </a:rPr>
                         </m:ctrlPr>
                       </m:limLowPr>
@@ -36826,7 +36490,7 @@
                       <m:fPr>
                         <m:ctrlPr>
                           <a:rPr lang="en-US" b="0" i="1" smtClean="0">
-                            <a:latin typeface="Cambria Math" charset="0"/>
+                            <a:latin typeface="Cambria Math" panose="02040503050406030204" pitchFamily="18" charset="0"/>
                           </a:rPr>
                         </m:ctrlPr>
                       </m:fPr>
@@ -36881,7 +36545,7 @@
                       <m:sSupPr>
                         <m:ctrlPr>
                           <a:rPr lang="en-US" b="0" i="1" smtClean="0">
-                            <a:latin typeface="Cambria Math" charset="0"/>
+                            <a:latin typeface="Cambria Math" panose="02040503050406030204" pitchFamily="18" charset="0"/>
                           </a:rPr>
                         </m:ctrlPr>
                       </m:sSupPr>
@@ -36926,7 +36590,7 @@
                       <m:sSubPr>
                         <m:ctrlPr>
                           <a:rPr lang="en-US" i="1">
-                            <a:latin typeface="Cambria Math" charset="0"/>
+                            <a:latin typeface="Cambria Math" panose="02040503050406030204" pitchFamily="18" charset="0"/>
                           </a:rPr>
                         </m:ctrlPr>
                       </m:sSubPr>
@@ -36937,7 +36601,7 @@
                             <m:endChr m:val="|"/>
                             <m:ctrlPr>
                               <a:rPr lang="en-US" i="1">
-                                <a:latin typeface="Cambria Math" charset="0"/>
+                                <a:latin typeface="Cambria Math" panose="02040503050406030204" pitchFamily="18" charset="0"/>
                               </a:rPr>
                             </m:ctrlPr>
                           </m:dPr>
@@ -37000,7 +36664,7 @@
                         <m:limLowPr>
                           <m:ctrlPr>
                             <a:rPr lang="en-US" b="0" i="1" smtClean="0">
-                              <a:latin typeface="Cambria Math" charset="0"/>
+                              <a:latin typeface="Cambria Math" panose="02040503050406030204" pitchFamily="18" charset="0"/>
                             </a:rPr>
                           </m:ctrlPr>
                         </m:limLowPr>
@@ -37028,7 +36692,7 @@
                         <m:fPr>
                           <m:ctrlPr>
                             <a:rPr lang="en-US" b="0" i="1" smtClean="0">
-                              <a:latin typeface="Cambria Math" charset="0"/>
+                              <a:latin typeface="Cambria Math" panose="02040503050406030204" pitchFamily="18" charset="0"/>
                             </a:rPr>
                           </m:ctrlPr>
                         </m:fPr>
@@ -37083,7 +36747,7 @@
                         <m:sSupPr>
                           <m:ctrlPr>
                             <a:rPr lang="en-US" b="0" i="1" smtClean="0">
-                              <a:latin typeface="Cambria Math" charset="0"/>
+                              <a:latin typeface="Cambria Math" panose="02040503050406030204" pitchFamily="18" charset="0"/>
                             </a:rPr>
                           </m:ctrlPr>
                         </m:sSupPr>
@@ -37150,7 +36814,7 @@
                         <m:sSubPr>
                           <m:ctrlPr>
                             <a:rPr lang="en-US" b="0" i="1" smtClean="0">
-                              <a:latin typeface="Cambria Math" charset="0"/>
+                              <a:latin typeface="Cambria Math" panose="02040503050406030204" pitchFamily="18" charset="0"/>
                             </a:rPr>
                           </m:ctrlPr>
                         </m:sSubPr>
@@ -37161,7 +36825,7 @@
                               <m:endChr m:val="|"/>
                               <m:ctrlPr>
                                 <a:rPr lang="en-US" b="0" i="1" smtClean="0">
-                                  <a:latin typeface="Cambria Math" charset="0"/>
+                                  <a:latin typeface="Cambria Math" panose="02040503050406030204" pitchFamily="18" charset="0"/>
                                 </a:rPr>
                               </m:ctrlPr>
                             </m:dPr>
@@ -37274,7 +36938,7 @@
           <p:cNvPr id="8" name="Picture 2" descr="Image result for lasso algorithm">
             <a:extLst>
               <a:ext uri="{FF2B5EF4-FFF2-40B4-BE49-F238E27FC236}">
-                <a16:creationId xmlns:a16="http://schemas.microsoft.com/office/drawing/2014/main" xmlns="" id="{B7102A31-B859-49A4-A3C6-D4FDBD47EDCF}"/>
+                <a16:creationId xmlns:a16="http://schemas.microsoft.com/office/drawing/2014/main" id="{B7102A31-B859-49A4-A3C6-D4FDBD47EDCF}"/>
               </a:ext>
             </a:extLst>
           </p:cNvPr>
@@ -37319,7 +36983,7 @@
           <p:cNvPr id="7" name="Arrow: Up-Down 6">
             <a:extLst>
               <a:ext uri="{FF2B5EF4-FFF2-40B4-BE49-F238E27FC236}">
-                <a16:creationId xmlns:a16="http://schemas.microsoft.com/office/drawing/2014/main" xmlns="" id="{FD113EF2-491B-4609-8921-03FCAB08BF1E}"/>
+                <a16:creationId xmlns:a16="http://schemas.microsoft.com/office/drawing/2014/main" id="{FD113EF2-491B-4609-8921-03FCAB08BF1E}"/>
               </a:ext>
             </a:extLst>
           </p:cNvPr>
@@ -37365,7 +37029,7 @@
           <p:cNvPr id="3" name="Rectangle 2">
             <a:extLst>
               <a:ext uri="{FF2B5EF4-FFF2-40B4-BE49-F238E27FC236}">
-                <a16:creationId xmlns:a16="http://schemas.microsoft.com/office/drawing/2014/main" xmlns="" id="{78E5842B-094D-4251-BF6D-9492E15A8993}"/>
+                <a16:creationId xmlns:a16="http://schemas.microsoft.com/office/drawing/2014/main" id="{78E5842B-094D-4251-BF6D-9492E15A8993}"/>
               </a:ext>
             </a:extLst>
           </p:cNvPr>
@@ -37417,7 +37081,7 @@
           <p:cNvPr id="9" name="Callout: Bent Line 8">
             <a:extLst>
               <a:ext uri="{FF2B5EF4-FFF2-40B4-BE49-F238E27FC236}">
-                <a16:creationId xmlns:a16="http://schemas.microsoft.com/office/drawing/2014/main" xmlns="" id="{77F1B6FA-577C-4BA6-B36B-E67253C71A96}"/>
+                <a16:creationId xmlns:a16="http://schemas.microsoft.com/office/drawing/2014/main" id="{77F1B6FA-577C-4BA6-B36B-E67253C71A96}"/>
               </a:ext>
             </a:extLst>
           </p:cNvPr>
@@ -37464,7 +37128,7 @@
           <p:cNvPr id="10" name="TextBox 9">
             <a:extLst>
               <a:ext uri="{FF2B5EF4-FFF2-40B4-BE49-F238E27FC236}">
-                <a16:creationId xmlns:a16="http://schemas.microsoft.com/office/drawing/2014/main" xmlns="" id="{45DC9FD1-1820-4C6F-B16B-91B83527087D}"/>
+                <a16:creationId xmlns:a16="http://schemas.microsoft.com/office/drawing/2014/main" id="{45DC9FD1-1820-4C6F-B16B-91B83527087D}"/>
               </a:ext>
             </a:extLst>
           </p:cNvPr>
@@ -37996,7 +37660,7 @@
           <p:cNvPr id="2" name="Title 1">
             <a:extLst>
               <a:ext uri="{FF2B5EF4-FFF2-40B4-BE49-F238E27FC236}">
-                <a16:creationId xmlns:a16="http://schemas.microsoft.com/office/drawing/2014/main" xmlns="" id="{17A8BB3D-2D35-4F66-AFB4-2A9AE7681862}"/>
+                <a16:creationId xmlns:a16="http://schemas.microsoft.com/office/drawing/2014/main" id="{17A8BB3D-2D35-4F66-AFB4-2A9AE7681862}"/>
               </a:ext>
             </a:extLst>
           </p:cNvPr>
@@ -38030,7 +37694,7 @@
           <p:cNvPr id="3" name="Footer Placeholder 2">
             <a:extLst>
               <a:ext uri="{FF2B5EF4-FFF2-40B4-BE49-F238E27FC236}">
-                <a16:creationId xmlns:a16="http://schemas.microsoft.com/office/drawing/2014/main" xmlns="" id="{11862E8A-91FD-4C41-A192-DB3D27D88824}"/>
+                <a16:creationId xmlns:a16="http://schemas.microsoft.com/office/drawing/2014/main" id="{11862E8A-91FD-4C41-A192-DB3D27D88824}"/>
               </a:ext>
             </a:extLst>
           </p:cNvPr>
@@ -38087,7 +37751,7 @@
           <p:cNvPr id="4" name="Slide Number Placeholder 3">
             <a:extLst>
               <a:ext uri="{FF2B5EF4-FFF2-40B4-BE49-F238E27FC236}">
-                <a16:creationId xmlns:a16="http://schemas.microsoft.com/office/drawing/2014/main" xmlns="" id="{9DA5ED20-07EE-4130-97A2-FC2FBDDF57B9}"/>
+                <a16:creationId xmlns:a16="http://schemas.microsoft.com/office/drawing/2014/main" id="{9DA5ED20-07EE-4130-97A2-FC2FBDDF57B9}"/>
               </a:ext>
             </a:extLst>
           </p:cNvPr>
@@ -38122,13 +37786,6 @@
   <p:clrMapOvr>
     <a:masterClrMapping/>
   </p:clrMapOvr>
-  <p:timing>
-    <p:tnLst>
-      <p:par>
-        <p:cTn id="1" dur="indefinite" restart="never" nodeType="tmRoot"/>
-      </p:par>
-    </p:tnLst>
-  </p:timing>
 </p:sld>
 </file>
 

--- a/manu & slides/Final.pptx
+++ b/manu & slides/Final.pptx
@@ -181,7 +181,7 @@
   <p:cmAuthor id="1" name="Deng Wenxuan" initials="DW" lastIdx="1" clrIdx="0">
     <p:extLst/>
   </p:cmAuthor>
-  <p:cmAuthor id="2" name="Deng, Wenxuan" initials="DW" lastIdx="17" clrIdx="1">
+  <p:cmAuthor id="2" name="Deng, Wenxuan" initials="DW" lastIdx="22" clrIdx="1">
     <p:extLst/>
   </p:cmAuthor>
 </p:cmAuthorLst>
@@ -217,6 +217,53 @@
         <p15:threadingInfo xmlns:p15="http://schemas.microsoft.com/office/powerpoint/2012/main" timeZoneBias="240">
           <p15:parentCm authorId="2" idx="8"/>
         </p15:threadingInfo>
+      </p:ext>
+    </p:extLst>
+  </p:cm>
+  <p:cm authorId="2" dt="2018-08-22T12:50:03.327" idx="18">
+    <p:pos x="10" y="418"/>
+    <p:text>treatment vs control</p:text>
+    <p:extLst>
+      <p:ext uri="{C676402C-5697-4E1C-873F-D02D1690AC5C}">
+        <p15:threadingInfo xmlns:p15="http://schemas.microsoft.com/office/powerpoint/2012/main" timeZoneBias="240">
+          <p15:parentCm authorId="2" idx="8"/>
+        </p15:threadingInfo>
+      </p:ext>
+    </p:extLst>
+  </p:cm>
+  <p:cm authorId="2" dt="2018-08-22T12:50:14.299" idx="19">
+    <p:pos x="10" y="554"/>
+    <p:text>treatment effects</p:text>
+    <p:extLst>
+      <p:ext uri="{C676402C-5697-4E1C-873F-D02D1690AC5C}">
+        <p15:threadingInfo xmlns:p15="http://schemas.microsoft.com/office/powerpoint/2012/main" timeZoneBias="240">
+          <p15:parentCm authorId="2" idx="8"/>
+        </p15:threadingInfo>
+      </p:ext>
+    </p:extLst>
+  </p:cm>
+  <p:cm authorId="2" dt="2018-08-22T12:51:31.104" idx="20">
+    <p:pos x="10" y="690"/>
+    <p:text>example</p:text>
+    <p:extLst>
+      <p:ext uri="{C676402C-5697-4E1C-873F-D02D1690AC5C}">
+        <p15:threadingInfo xmlns:p15="http://schemas.microsoft.com/office/powerpoint/2012/main" timeZoneBias="240">
+          <p15:parentCm authorId="2" idx="8"/>
+        </p15:threadingInfo>
+      </p:ext>
+    </p:extLst>
+  </p:cm>
+</p:cmLst>
+</file>
+
+<file path=ppt/comments/comment10.xml><?xml version="1.0" encoding="utf-8"?>
+<p:cmLst xmlns:a="http://schemas.openxmlformats.org/drawingml/2006/main" xmlns:r="http://schemas.openxmlformats.org/officeDocument/2006/relationships" xmlns:p="http://schemas.openxmlformats.org/presentationml/2006/main">
+  <p:cm authorId="2" dt="2018-08-22T12:57:10.021" idx="21">
+    <p:pos x="10" y="10"/>
+    <p:text>scatterplot</p:text>
+    <p:extLst>
+      <p:ext uri="{C676402C-5697-4E1C-873F-D02D1690AC5C}">
+        <p15:threadingInfo xmlns:p15="http://schemas.microsoft.com/office/powerpoint/2012/main" timeZoneBias="240"/>
       </p:ext>
     </p:extLst>
   </p:cm>
@@ -339,6 +386,20 @@
 
 <file path=ppt/comments/comment7.xml><?xml version="1.0" encoding="utf-8"?>
 <p:cmLst xmlns:a="http://schemas.openxmlformats.org/drawingml/2006/main" xmlns:r="http://schemas.openxmlformats.org/officeDocument/2006/relationships" xmlns:p="http://schemas.openxmlformats.org/presentationml/2006/main">
+  <p:cm authorId="2" dt="2018-08-22T12:59:12.658" idx="22">
+    <p:pos x="10" y="10"/>
+    <p:text>not too fast</p:text>
+    <p:extLst>
+      <p:ext uri="{C676402C-5697-4E1C-873F-D02D1690AC5C}">
+        <p15:threadingInfo xmlns:p15="http://schemas.microsoft.com/office/powerpoint/2012/main" timeZoneBias="240"/>
+      </p:ext>
+    </p:extLst>
+  </p:cm>
+</p:cmLst>
+</file>
+
+<file path=ppt/comments/comment8.xml><?xml version="1.0" encoding="utf-8"?>
+<p:cmLst xmlns:a="http://schemas.openxmlformats.org/drawingml/2006/main" xmlns:r="http://schemas.openxmlformats.org/officeDocument/2006/relationships" xmlns:p="http://schemas.openxmlformats.org/presentationml/2006/main">
   <p:cm authorId="2" dt="2018-08-17T16:23:15.622" idx="4">
     <p:pos x="4238" y="614"/>
     <p:text>rephrase</p:text>
@@ -360,7 +421,7 @@
 </p:cmLst>
 </file>
 
-<file path=ppt/comments/comment8.xml><?xml version="1.0" encoding="utf-8"?>
+<file path=ppt/comments/comment9.xml><?xml version="1.0" encoding="utf-8"?>
 <p:cmLst xmlns:a="http://schemas.openxmlformats.org/drawingml/2006/main" xmlns:r="http://schemas.openxmlformats.org/officeDocument/2006/relationships" xmlns:p="http://schemas.openxmlformats.org/presentationml/2006/main">
   <p:cm authorId="2" dt="2018-08-17T16:25:30.076" idx="6">
     <p:pos x="10" y="10"/>
@@ -17803,8 +17864,8 @@
           </a:p>
         </p:txBody>
       </p:sp>
-      <mc:AlternateContent xmlns:mc="http://schemas.openxmlformats.org/markup-compatibility/2006" xmlns:a14="http://schemas.microsoft.com/office/drawing/2010/main">
-        <mc:Choice Requires="a14">
+      <mc:AlternateContent xmlns:mc="http://schemas.openxmlformats.org/markup-compatibility/2006">
+        <mc:Choice xmlns:a14="http://schemas.microsoft.com/office/drawing/2010/main" Requires="a14">
           <p:sp>
             <p:nvSpPr>
               <p:cNvPr id="3" name="Content Placeholder 2">
@@ -18384,7 +18445,7 @@
                 </a:pPr>
                 <a:r>
                   <a:rPr lang="en-US" dirty="0"/>
-                  <a:t>It will fail to select highly correlated variables simultaneously.</a:t>
+                  <a:t>It will fail to select highly correlated variables.</a:t>
                 </a:r>
               </a:p>
               <a:p>
@@ -18454,13 +18515,13 @@
             </p:txBody>
           </p:sp>
         </mc:Choice>
-        <mc:Fallback xmlns="">
+        <mc:Fallback>
           <p:sp>
             <p:nvSpPr>
               <p:cNvPr id="3" name="Content Placeholder 2">
                 <a:extLst>
                   <a:ext uri="{FF2B5EF4-FFF2-40B4-BE49-F238E27FC236}">
-                    <a16:creationId xmlns:a16="http://schemas.microsoft.com/office/drawing/2014/main" xmlns:a14="http://schemas.microsoft.com/office/drawing/2010/main" xmlns="" id="{91C89943-CCF2-4951-9FEA-DA883C21955D}"/>
+                    <a16:creationId xmlns:a16="http://schemas.microsoft.com/office/drawing/2014/main" id="{91C89943-CCF2-4951-9FEA-DA883C21955D}"/>
                   </a:ext>
                 </a:extLst>
               </p:cNvPr>
@@ -18472,7 +18533,7 @@
               </p:nvPr>
             </p:nvSpPr>
             <p:spPr>
-              <a:blipFill rotWithShape="0">
+              <a:blipFill>
                 <a:blip r:embed="rId2"/>
                 <a:stretch>
                   <a:fillRect l="-1840" r="-957"/>
@@ -21250,7 +21311,7 @@
             <a:pPr lvl="1"/>
             <a:r>
               <a:rPr lang="en-US" dirty="0"/>
-              <a:t>What is predictive biomarker?</a:t>
+              <a:t>What is a predictive biomarker?</a:t>
             </a:r>
           </a:p>
           <a:p>

--- a/manu & slides/Final.pptx
+++ b/manu & slides/Final.pptx
@@ -647,7 +647,7 @@
             <a:fld id="{2A382978-60B3-41E0-9AD0-2E9E6E8B7873}" type="datetimeFigureOut">
               <a:rPr kumimoji="1" lang="ja-JP" altLang="en-US" smtClean="0"/>
               <a:pPr/>
-              <a:t>2018/8/22</a:t>
+              <a:t>2018/8/23</a:t>
             </a:fld>
             <a:endParaRPr kumimoji="1" lang="ja-JP" altLang="en-US"/>
           </a:p>
@@ -1798,7 +1798,7 @@
             <a:fld id="{0BD03392-274E-4A19-9716-EA1CE8085D71}" type="datetime1">
               <a:rPr kumimoji="1" lang="ja-JP" altLang="en-US" smtClean="0"/>
               <a:pPr/>
-              <a:t>2018/8/22</a:t>
+              <a:t>2018/8/23</a:t>
             </a:fld>
             <a:endParaRPr kumimoji="1" lang="ja-JP" altLang="en-US" dirty="0"/>
           </a:p>
@@ -2119,7 +2119,7 @@
             <a:fld id="{D658E221-2E7A-48BA-8424-2A55A4736B68}" type="datetime1">
               <a:rPr kumimoji="1" lang="ja-JP" altLang="en-US" smtClean="0"/>
               <a:pPr/>
-              <a:t>2018/8/22</a:t>
+              <a:t>2018/8/23</a:t>
             </a:fld>
             <a:endParaRPr kumimoji="1" lang="ja-JP" altLang="en-US"/>
           </a:p>
@@ -2235,7 +2235,7 @@
             <a:fld id="{C245638F-14AB-400C-9AF1-5CEBE1B672A1}" type="datetime1">
               <a:rPr kumimoji="1" lang="ja-JP" altLang="en-US" smtClean="0"/>
               <a:pPr/>
-              <a:t>2018/8/22</a:t>
+              <a:t>2018/8/23</a:t>
             </a:fld>
             <a:endParaRPr kumimoji="1" lang="ja-JP" altLang="en-US"/>
           </a:p>
@@ -2823,7 +2823,7 @@
             <a:fld id="{02A88367-5BB3-4793-B263-C2830A0855E0}" type="datetime1">
               <a:rPr kumimoji="1" lang="ja-JP" altLang="en-US" smtClean="0"/>
               <a:pPr/>
-              <a:t>2018/8/22</a:t>
+              <a:t>2018/8/23</a:t>
             </a:fld>
             <a:endParaRPr kumimoji="1" lang="ja-JP" altLang="en-US" dirty="0"/>
           </a:p>
@@ -3869,7 +3869,7 @@
             <a:fld id="{961A4739-C8B6-4F30-A69C-01268F05198C}" type="datetime1">
               <a:rPr kumimoji="1" lang="ja-JP" altLang="en-US" smtClean="0"/>
               <a:pPr/>
-              <a:t>2018/8/22</a:t>
+              <a:t>2018/8/23</a:t>
             </a:fld>
             <a:endParaRPr kumimoji="1" lang="ja-JP" altLang="en-US" dirty="0"/>
           </a:p>
@@ -5117,7 +5117,7 @@
             <a:fld id="{A55444AB-87B1-4B99-A470-0F837A8A1880}" type="datetime1">
               <a:rPr kumimoji="1" lang="ja-JP" altLang="en-US" smtClean="0"/>
               <a:pPr/>
-              <a:t>2018/8/22</a:t>
+              <a:t>2018/8/23</a:t>
             </a:fld>
             <a:endParaRPr kumimoji="1" lang="ja-JP" altLang="en-US" dirty="0"/>
           </a:p>
@@ -5786,7 +5786,7 @@
             <a:fld id="{C2A19EB9-4440-4736-9A49-939819AB9C89}" type="datetime1">
               <a:rPr kumimoji="1" lang="ja-JP" altLang="en-US" smtClean="0"/>
               <a:pPr/>
-              <a:t>2018/8/22</a:t>
+              <a:t>2018/8/23</a:t>
             </a:fld>
             <a:endParaRPr kumimoji="1" lang="ja-JP" altLang="en-US" dirty="0"/>
           </a:p>
@@ -6117,7 +6117,7 @@
             <a:fld id="{207CE768-5AA7-4F09-BE2B-CECF21207030}" type="datetime1">
               <a:rPr kumimoji="1" lang="ja-JP" altLang="en-US" smtClean="0"/>
               <a:pPr/>
-              <a:t>2018/8/22</a:t>
+              <a:t>2018/8/23</a:t>
             </a:fld>
             <a:endParaRPr kumimoji="1" lang="ja-JP" altLang="en-US" dirty="0"/>
           </a:p>
@@ -6386,7 +6386,7 @@
             <a:fld id="{973F8ED2-2E1E-42CA-8611-E2CA1599FB5D}" type="datetime1">
               <a:rPr kumimoji="1" lang="ja-JP" altLang="en-US" smtClean="0"/>
               <a:pPr/>
-              <a:t>2018/8/22</a:t>
+              <a:t>2018/8/23</a:t>
             </a:fld>
             <a:endParaRPr kumimoji="1" lang="ja-JP" altLang="en-US" dirty="0"/>
           </a:p>
@@ -6863,7 +6863,7 @@
             <a:fld id="{A5182719-F20C-4B32-BD5B-859B9127D393}" type="datetime1">
               <a:rPr lang="ja-JP" altLang="en-US" smtClean="0"/>
               <a:pPr/>
-              <a:t>2018/8/22</a:t>
+              <a:t>2018/8/23</a:t>
             </a:fld>
             <a:endParaRPr lang="ja-JP" altLang="en-US" dirty="0"/>
           </a:p>
@@ -7551,6 +7551,13 @@
   <p:clrMapOvr>
     <a:masterClrMapping/>
   </p:clrMapOvr>
+  <p:timing>
+    <p:tnLst>
+      <p:par>
+        <p:cTn id="1" dur="indefinite" restart="never" nodeType="tmRoot"/>
+      </p:par>
+    </p:tnLst>
+  </p:timing>
 </p:sld>
 </file>
 
@@ -7576,7 +7583,7 @@
           <p:cNvPr id="2" name="Title 1">
             <a:extLst>
               <a:ext uri="{FF2B5EF4-FFF2-40B4-BE49-F238E27FC236}">
-                <a16:creationId xmlns:a16="http://schemas.microsoft.com/office/drawing/2014/main" id="{A54FC90F-4208-4C28-8D1C-CFB3255E46EC}"/>
+                <a16:creationId xmlns:a16="http://schemas.microsoft.com/office/drawing/2014/main" xmlns="" id="{A54FC90F-4208-4C28-8D1C-CFB3255E46EC}"/>
               </a:ext>
             </a:extLst>
           </p:cNvPr>
@@ -7606,7 +7613,7 @@
               <p:cNvPr id="3" name="Content Placeholder 2">
                 <a:extLst>
                   <a:ext uri="{FF2B5EF4-FFF2-40B4-BE49-F238E27FC236}">
-                    <a16:creationId xmlns:a16="http://schemas.microsoft.com/office/drawing/2014/main" id="{E26182C4-45FA-4DE4-94F0-3A3B2995828F}"/>
+                    <a16:creationId xmlns:a16="http://schemas.microsoft.com/office/drawing/2014/main" xmlns="" id="{E26182C4-45FA-4DE4-94F0-3A3B2995828F}"/>
                   </a:ext>
                 </a:extLst>
               </p:cNvPr>
@@ -7906,7 +7913,7 @@
           <p:cNvPr id="4" name="Footer Placeholder 3">
             <a:extLst>
               <a:ext uri="{FF2B5EF4-FFF2-40B4-BE49-F238E27FC236}">
-                <a16:creationId xmlns:a16="http://schemas.microsoft.com/office/drawing/2014/main" id="{6237D0EF-67BB-47A8-BC4A-DA10DDA72B68}"/>
+                <a16:creationId xmlns:a16="http://schemas.microsoft.com/office/drawing/2014/main" xmlns="" id="{6237D0EF-67BB-47A8-BC4A-DA10DDA72B68}"/>
               </a:ext>
             </a:extLst>
           </p:cNvPr>
@@ -7963,7 +7970,7 @@
           <p:cNvPr id="5" name="Slide Number Placeholder 4">
             <a:extLst>
               <a:ext uri="{FF2B5EF4-FFF2-40B4-BE49-F238E27FC236}">
-                <a16:creationId xmlns:a16="http://schemas.microsoft.com/office/drawing/2014/main" id="{A66B1CD2-3511-4F21-AE65-973FFF59CAEB}"/>
+                <a16:creationId xmlns:a16="http://schemas.microsoft.com/office/drawing/2014/main" xmlns="" id="{A66B1CD2-3511-4F21-AE65-973FFF59CAEB}"/>
               </a:ext>
             </a:extLst>
           </p:cNvPr>
@@ -7998,6 +8005,13 @@
   <p:clrMapOvr>
     <a:masterClrMapping/>
   </p:clrMapOvr>
+  <p:timing>
+    <p:tnLst>
+      <p:par>
+        <p:cTn id="1" dur="indefinite" restart="never" nodeType="tmRoot"/>
+      </p:par>
+    </p:tnLst>
+  </p:timing>
 </p:sld>
 </file>
 
@@ -8023,7 +8037,7 @@
           <p:cNvPr id="2" name="Title 1">
             <a:extLst>
               <a:ext uri="{FF2B5EF4-FFF2-40B4-BE49-F238E27FC236}">
-                <a16:creationId xmlns:a16="http://schemas.microsoft.com/office/drawing/2014/main" id="{C31AD35B-6AF8-4890-9FAB-1A64CF8DF256}"/>
+                <a16:creationId xmlns:a16="http://schemas.microsoft.com/office/drawing/2014/main" xmlns="" id="{C31AD35B-6AF8-4890-9FAB-1A64CF8DF256}"/>
               </a:ext>
             </a:extLst>
           </p:cNvPr>
@@ -8053,7 +8067,7 @@
               <p:cNvPr id="3" name="Content Placeholder 2">
                 <a:extLst>
                   <a:ext uri="{FF2B5EF4-FFF2-40B4-BE49-F238E27FC236}">
-                    <a16:creationId xmlns:a16="http://schemas.microsoft.com/office/drawing/2014/main" id="{18A396A4-D801-4F52-8484-81CF6161ABD4}"/>
+                    <a16:creationId xmlns:a16="http://schemas.microsoft.com/office/drawing/2014/main" xmlns="" id="{18A396A4-D801-4F52-8484-81CF6161ABD4}"/>
                   </a:ext>
                 </a:extLst>
               </p:cNvPr>
@@ -8222,7 +8236,7 @@
                         <m:endChr m:val="]"/>
                         <m:ctrlPr>
                           <a:rPr lang="en-US" b="0" i="1" smtClean="0">
-                            <a:latin typeface="Cambria Math" panose="02040503050406030204" pitchFamily="18" charset="0"/>
+                            <a:latin typeface="Cambria Math" charset="0"/>
                           </a:rPr>
                         </m:ctrlPr>
                       </m:dPr>
@@ -8231,7 +8245,7 @@
                           <m:sSubPr>
                             <m:ctrlPr>
                               <a:rPr lang="en-US" b="0" i="1" smtClean="0">
-                                <a:latin typeface="Cambria Math" panose="02040503050406030204" pitchFamily="18" charset="0"/>
+                                <a:latin typeface="Cambria Math" charset="0"/>
                               </a:rPr>
                             </m:ctrlPr>
                           </m:sSubPr>
@@ -8262,7 +8276,7 @@
                           <m:sSubPr>
                             <m:ctrlPr>
                               <a:rPr lang="en-US" b="0" i="1" smtClean="0">
-                                <a:latin typeface="Cambria Math" panose="02040503050406030204" pitchFamily="18" charset="0"/>
+                                <a:latin typeface="Cambria Math" charset="0"/>
                               </a:rPr>
                             </m:ctrlPr>
                           </m:sSubPr>
@@ -8293,7 +8307,7 @@
                           <m:sSubPr>
                             <m:ctrlPr>
                               <a:rPr lang="en-US" b="0" i="1" smtClean="0">
-                                <a:latin typeface="Cambria Math" panose="02040503050406030204" pitchFamily="18" charset="0"/>
+                                <a:latin typeface="Cambria Math" charset="0"/>
                               </a:rPr>
                             </m:ctrlPr>
                           </m:sSubPr>
@@ -8360,7 +8374,7 @@
                       <m:sSubPr>
                         <m:ctrlPr>
                           <a:rPr lang="en-US" b="0" i="1" smtClean="0">
-                            <a:latin typeface="Cambria Math" panose="02040503050406030204" pitchFamily="18" charset="0"/>
+                            <a:latin typeface="Cambria Math" charset="0"/>
                           </a:rPr>
                         </m:ctrlPr>
                       </m:sSubPr>
@@ -8391,7 +8405,7 @@
                       <m:sSubPr>
                         <m:ctrlPr>
                           <a:rPr lang="en-US" b="0" i="1" smtClean="0">
-                            <a:latin typeface="Cambria Math" panose="02040503050406030204" pitchFamily="18" charset="0"/>
+                            <a:latin typeface="Cambria Math" charset="0"/>
                           </a:rPr>
                         </m:ctrlPr>
                       </m:sSubPr>
@@ -8422,7 +8436,7 @@
                       <m:sSubPr>
                         <m:ctrlPr>
                           <a:rPr lang="en-US" b="0" i="1" smtClean="0">
-                            <a:latin typeface="Cambria Math" panose="02040503050406030204" pitchFamily="18" charset="0"/>
+                            <a:latin typeface="Cambria Math" charset="0"/>
                           </a:rPr>
                         </m:ctrlPr>
                       </m:sSubPr>
@@ -8493,7 +8507,7 @@
                         <m:endChr m:val="]"/>
                         <m:ctrlPr>
                           <a:rPr lang="en-US" b="0" i="1" smtClean="0">
-                            <a:latin typeface="Cambria Math" panose="02040503050406030204" pitchFamily="18" charset="0"/>
+                            <a:latin typeface="Cambria Math" charset="0"/>
                             <a:ea typeface="Cambria Math" panose="02040503050406030204" pitchFamily="18" charset="0"/>
                           </a:rPr>
                         </m:ctrlPr>
@@ -8517,7 +8531,7 @@
                           <m:sSubPr>
                             <m:ctrlPr>
                               <a:rPr lang="en-US" b="0" i="1" smtClean="0">
-                                <a:latin typeface="Cambria Math" panose="02040503050406030204" pitchFamily="18" charset="0"/>
+                                <a:latin typeface="Cambria Math" charset="0"/>
                                 <a:ea typeface="Cambria Math" panose="02040503050406030204" pitchFamily="18" charset="0"/>
                               </a:rPr>
                             </m:ctrlPr>
@@ -8566,7 +8580,7 @@
                           <m:sSubPr>
                             <m:ctrlPr>
                               <a:rPr lang="en-US" b="0" i="1" smtClean="0">
-                                <a:latin typeface="Cambria Math" panose="02040503050406030204" pitchFamily="18" charset="0"/>
+                                <a:latin typeface="Cambria Math" charset="0"/>
                                 <a:ea typeface="Cambria Math" panose="02040503050406030204" pitchFamily="18" charset="0"/>
                               </a:rPr>
                             </m:ctrlPr>
@@ -8615,7 +8629,7 @@
                           <m:sSubPr>
                             <m:ctrlPr>
                               <a:rPr lang="en-US" b="0" i="1" smtClean="0">
-                                <a:latin typeface="Cambria Math" panose="02040503050406030204" pitchFamily="18" charset="0"/>
+                                <a:latin typeface="Cambria Math" charset="0"/>
                                 <a:ea typeface="Cambria Math" panose="02040503050406030204" pitchFamily="18" charset="0"/>
                               </a:rPr>
                             </m:ctrlPr>
@@ -8668,7 +8682,7 @@
                       <m:sSubPr>
                         <m:ctrlPr>
                           <a:rPr lang="en-US" b="0" i="1" smtClean="0">
-                            <a:latin typeface="Cambria Math" panose="02040503050406030204" pitchFamily="18" charset="0"/>
+                            <a:latin typeface="Cambria Math" charset="0"/>
                           </a:rPr>
                         </m:ctrlPr>
                       </m:sSubPr>
@@ -8699,7 +8713,7 @@
                       <m:sSubPr>
                         <m:ctrlPr>
                           <a:rPr lang="en-US" b="0" i="1" smtClean="0">
-                            <a:latin typeface="Cambria Math" panose="02040503050406030204" pitchFamily="18" charset="0"/>
+                            <a:latin typeface="Cambria Math" charset="0"/>
                           </a:rPr>
                         </m:ctrlPr>
                       </m:sSubPr>
@@ -8730,7 +8744,7 @@
                       <m:sSubPr>
                         <m:ctrlPr>
                           <a:rPr lang="en-US" b="0" i="1" smtClean="0">
-                            <a:latin typeface="Cambria Math" panose="02040503050406030204" pitchFamily="18" charset="0"/>
+                            <a:latin typeface="Cambria Math" charset="0"/>
                           </a:rPr>
                         </m:ctrlPr>
                       </m:sSubPr>
@@ -8818,7 +8832,7 @@
           <p:cNvPr id="4" name="Footer Placeholder 3">
             <a:extLst>
               <a:ext uri="{FF2B5EF4-FFF2-40B4-BE49-F238E27FC236}">
-                <a16:creationId xmlns:a16="http://schemas.microsoft.com/office/drawing/2014/main" id="{6BAF83D6-7B6B-4140-8307-D915BAB8E895}"/>
+                <a16:creationId xmlns:a16="http://schemas.microsoft.com/office/drawing/2014/main" xmlns="" id="{6BAF83D6-7B6B-4140-8307-D915BAB8E895}"/>
               </a:ext>
             </a:extLst>
           </p:cNvPr>
@@ -8875,7 +8889,7 @@
           <p:cNvPr id="5" name="Slide Number Placeholder 4">
             <a:extLst>
               <a:ext uri="{FF2B5EF4-FFF2-40B4-BE49-F238E27FC236}">
-                <a16:creationId xmlns:a16="http://schemas.microsoft.com/office/drawing/2014/main" id="{F9367D40-27EF-43BE-8724-D9FF4C023720}"/>
+                <a16:creationId xmlns:a16="http://schemas.microsoft.com/office/drawing/2014/main" xmlns="" id="{F9367D40-27EF-43BE-8724-D9FF4C023720}"/>
               </a:ext>
             </a:extLst>
           </p:cNvPr>
@@ -9334,7 +9348,7 @@
           <p:cNvPr id="2" name="Title 1">
             <a:extLst>
               <a:ext uri="{FF2B5EF4-FFF2-40B4-BE49-F238E27FC236}">
-                <a16:creationId xmlns:a16="http://schemas.microsoft.com/office/drawing/2014/main" id="{2080BB50-9AAA-448A-8376-CB859DE4375C}"/>
+                <a16:creationId xmlns:a16="http://schemas.microsoft.com/office/drawing/2014/main" xmlns="" id="{2080BB50-9AAA-448A-8376-CB859DE4375C}"/>
               </a:ext>
             </a:extLst>
           </p:cNvPr>
@@ -9364,7 +9378,7 @@
               <p:cNvPr id="3" name="Content Placeholder 2">
                 <a:extLst>
                   <a:ext uri="{FF2B5EF4-FFF2-40B4-BE49-F238E27FC236}">
-                    <a16:creationId xmlns:a16="http://schemas.microsoft.com/office/drawing/2014/main" id="{A6EFEA33-EC69-412C-9A8E-6154468EB6EC}"/>
+                    <a16:creationId xmlns:a16="http://schemas.microsoft.com/office/drawing/2014/main" xmlns="" id="{A6EFEA33-EC69-412C-9A8E-6154468EB6EC}"/>
                   </a:ext>
                 </a:extLst>
               </p:cNvPr>
@@ -9392,7 +9406,7 @@
                       <m:sSubPr>
                         <m:ctrlPr>
                           <a:rPr lang="en-US" altLang="en-US" b="0" i="1" smtClean="0">
-                            <a:latin typeface="Cambria Math" panose="02040503050406030204" pitchFamily="18" charset="0"/>
+                            <a:latin typeface="Cambria Math" charset="0"/>
                           </a:rPr>
                         </m:ctrlPr>
                       </m:sSubPr>
@@ -9417,7 +9431,7 @@
                       <m:sSubPr>
                         <m:ctrlPr>
                           <a:rPr lang="en-US" altLang="en-US" b="0" i="1" smtClean="0">
-                            <a:latin typeface="Cambria Math" panose="02040503050406030204" pitchFamily="18" charset="0"/>
+                            <a:latin typeface="Cambria Math" charset="0"/>
                           </a:rPr>
                         </m:ctrlPr>
                       </m:sSubPr>
@@ -9465,7 +9479,7 @@
                       <m:sSubPr>
                         <m:ctrlPr>
                           <a:rPr lang="en-US" altLang="en-US" b="0" i="1" smtClean="0">
-                            <a:latin typeface="Cambria Math" panose="02040503050406030204" pitchFamily="18" charset="0"/>
+                            <a:latin typeface="Cambria Math" charset="0"/>
                           </a:rPr>
                         </m:ctrlPr>
                       </m:sSubPr>
@@ -9490,7 +9504,7 @@
                       <m:sSubPr>
                         <m:ctrlPr>
                           <a:rPr lang="en-US" altLang="en-US" b="0" i="1" smtClean="0">
-                            <a:latin typeface="Cambria Math" panose="02040503050406030204" pitchFamily="18" charset="0"/>
+                            <a:latin typeface="Cambria Math" charset="0"/>
                           </a:rPr>
                         </m:ctrlPr>
                       </m:sSubPr>
@@ -9526,7 +9540,7 @@
                       <m:sSubPr>
                         <m:ctrlPr>
                           <a:rPr lang="en-US" altLang="en-US" b="0" i="1" smtClean="0">
-                            <a:latin typeface="Cambria Math" panose="02040503050406030204" pitchFamily="18" charset="0"/>
+                            <a:latin typeface="Cambria Math" charset="0"/>
                           </a:rPr>
                         </m:ctrlPr>
                       </m:sSubPr>
@@ -9571,7 +9585,7 @@
                       <m:sSubPr>
                         <m:ctrlPr>
                           <a:rPr lang="en-US" altLang="en-US" b="0" i="1" smtClean="0">
-                            <a:latin typeface="Cambria Math" panose="02040503050406030204" pitchFamily="18" charset="0"/>
+                            <a:latin typeface="Cambria Math" charset="0"/>
                           </a:rPr>
                         </m:ctrlPr>
                       </m:sSubPr>
@@ -9612,7 +9626,7 @@
                       <m:sSubPr>
                         <m:ctrlPr>
                           <a:rPr lang="en-US" altLang="en-US" b="0" i="1" smtClean="0">
-                            <a:latin typeface="Cambria Math" panose="02040503050406030204" pitchFamily="18" charset="0"/>
+                            <a:latin typeface="Cambria Math" charset="0"/>
                           </a:rPr>
                         </m:ctrlPr>
                       </m:sSubPr>
@@ -9643,7 +9657,7 @@
                       <m:sSubPr>
                         <m:ctrlPr>
                           <a:rPr lang="en-US" altLang="en-US" b="0" i="1" smtClean="0">
-                            <a:latin typeface="Cambria Math" panose="02040503050406030204" pitchFamily="18" charset="0"/>
+                            <a:latin typeface="Cambria Math" charset="0"/>
                           </a:rPr>
                         </m:ctrlPr>
                       </m:sSubPr>
@@ -9691,7 +9705,7 @@
                         <m:sSubPr>
                           <m:ctrlPr>
                             <a:rPr lang="en-US" altLang="en-US" i="1">
-                              <a:latin typeface="Cambria Math" panose="02040503050406030204" pitchFamily="18" charset="0"/>
+                              <a:latin typeface="Cambria Math" charset="0"/>
                             </a:rPr>
                           </m:ctrlPr>
                         </m:sSubPr>
@@ -9735,7 +9749,7 @@
                         <m:sSubPr>
                           <m:ctrlPr>
                             <a:rPr lang="en-US" altLang="en-US" i="1">
-                              <a:latin typeface="Cambria Math" panose="02040503050406030204" pitchFamily="18" charset="0"/>
+                              <a:latin typeface="Cambria Math" charset="0"/>
                             </a:rPr>
                           </m:ctrlPr>
                         </m:sSubPr>
@@ -9839,7 +9853,7 @@
           <p:cNvPr id="4" name="Footer Placeholder 3">
             <a:extLst>
               <a:ext uri="{FF2B5EF4-FFF2-40B4-BE49-F238E27FC236}">
-                <a16:creationId xmlns:a16="http://schemas.microsoft.com/office/drawing/2014/main" id="{A744C794-D14A-4C4F-AB6B-F5754FDC8048}"/>
+                <a16:creationId xmlns:a16="http://schemas.microsoft.com/office/drawing/2014/main" xmlns="" id="{A744C794-D14A-4C4F-AB6B-F5754FDC8048}"/>
               </a:ext>
             </a:extLst>
           </p:cNvPr>
@@ -9896,7 +9910,7 @@
           <p:cNvPr id="5" name="Slide Number Placeholder 4">
             <a:extLst>
               <a:ext uri="{FF2B5EF4-FFF2-40B4-BE49-F238E27FC236}">
-                <a16:creationId xmlns:a16="http://schemas.microsoft.com/office/drawing/2014/main" id="{F010A83B-80DD-4148-B633-CC1EA64BBC2F}"/>
+                <a16:creationId xmlns:a16="http://schemas.microsoft.com/office/drawing/2014/main" xmlns="" id="{F010A83B-80DD-4148-B633-CC1EA64BBC2F}"/>
               </a:ext>
             </a:extLst>
           </p:cNvPr>
@@ -10576,7 +10590,7 @@
               <p:cNvPr id="7" name="Content Placeholder 6">
                 <a:extLst>
                   <a:ext uri="{FF2B5EF4-FFF2-40B4-BE49-F238E27FC236}">
-                    <a16:creationId xmlns:a16="http://schemas.microsoft.com/office/drawing/2014/main" id="{A73C6DC9-E908-45A8-A4DC-4D5A9005AC6F}"/>
+                    <a16:creationId xmlns:a16="http://schemas.microsoft.com/office/drawing/2014/main" xmlns="" id="{A73C6DC9-E908-45A8-A4DC-4D5A9005AC6F}"/>
                   </a:ext>
                 </a:extLst>
               </p:cNvPr>
@@ -10712,6 +10726,13 @@
   <p:clrMapOvr>
     <a:masterClrMapping/>
   </p:clrMapOvr>
+  <p:timing>
+    <p:tnLst>
+      <p:par>
+        <p:cTn id="1" dur="indefinite" restart="never" nodeType="tmRoot"/>
+      </p:par>
+    </p:tnLst>
+  </p:timing>
 </p:sld>
 </file>
 
@@ -10737,7 +10758,7 @@
           <p:cNvPr id="2" name="Title 1">
             <a:extLst>
               <a:ext uri="{FF2B5EF4-FFF2-40B4-BE49-F238E27FC236}">
-                <a16:creationId xmlns:a16="http://schemas.microsoft.com/office/drawing/2014/main" id="{79DCF703-20AF-4958-B33E-F343978ACF91}"/>
+                <a16:creationId xmlns:a16="http://schemas.microsoft.com/office/drawing/2014/main" xmlns="" id="{79DCF703-20AF-4958-B33E-F343978ACF91}"/>
               </a:ext>
             </a:extLst>
           </p:cNvPr>
@@ -10767,7 +10788,7 @@
               <p:cNvPr id="3" name="Content Placeholder 2">
                 <a:extLst>
                   <a:ext uri="{FF2B5EF4-FFF2-40B4-BE49-F238E27FC236}">
-                    <a16:creationId xmlns:a16="http://schemas.microsoft.com/office/drawing/2014/main" id="{6D0CE62C-8863-4F49-A0FA-B90C4A09BB2E}"/>
+                    <a16:creationId xmlns:a16="http://schemas.microsoft.com/office/drawing/2014/main" xmlns="" id="{6D0CE62C-8863-4F49-A0FA-B90C4A09BB2E}"/>
                   </a:ext>
                 </a:extLst>
               </p:cNvPr>
@@ -10805,7 +10826,7 @@
                         <m:limLowPr>
                           <m:ctrlPr>
                             <a:rPr lang="en-US" b="0" i="1" smtClean="0">
-                              <a:latin typeface="Cambria Math" panose="02040503050406030204" pitchFamily="18" charset="0"/>
+                              <a:latin typeface="Cambria Math" charset="0"/>
                             </a:rPr>
                           </m:ctrlPr>
                         </m:limLowPr>
@@ -10839,7 +10860,7 @@
                         <m:dPr>
                           <m:ctrlPr>
                             <a:rPr lang="en-US" b="0" i="1" smtClean="0">
-                              <a:latin typeface="Cambria Math" panose="02040503050406030204" pitchFamily="18" charset="0"/>
+                              <a:latin typeface="Cambria Math" charset="0"/>
                             </a:rPr>
                           </m:ctrlPr>
                         </m:dPr>
@@ -10960,7 +10981,7 @@
                         <m:dPr>
                           <m:ctrlPr>
                             <a:rPr lang="en-US" b="0" i="1" smtClean="0">
-                              <a:latin typeface="Cambria Math" panose="02040503050406030204" pitchFamily="18" charset="0"/>
+                              <a:latin typeface="Cambria Math" charset="0"/>
                             </a:rPr>
                           </m:ctrlPr>
                         </m:dPr>
@@ -11117,7 +11138,7 @@
                         <m:sSupPr>
                           <m:ctrlPr>
                             <a:rPr lang="en-US" b="0" i="1" smtClean="0">
-                              <a:latin typeface="Cambria Math" panose="02040503050406030204" pitchFamily="18" charset="0"/>
+                              <a:latin typeface="Cambria Math" charset="0"/>
                             </a:rPr>
                           </m:ctrlPr>
                         </m:sSupPr>
@@ -11169,7 +11190,7 @@
                         <m:dPr>
                           <m:ctrlPr>
                             <a:rPr lang="en-US" b="0" i="1" smtClean="0">
-                              <a:latin typeface="Cambria Math" panose="02040503050406030204" pitchFamily="18" charset="0"/>
+                              <a:latin typeface="Cambria Math" charset="0"/>
                             </a:rPr>
                           </m:ctrlPr>
                         </m:dPr>
@@ -11200,7 +11221,7 @@
                           <m:supHide m:val="on"/>
                           <m:ctrlPr>
                             <a:rPr lang="en-US" b="0" i="1" smtClean="0">
-                              <a:latin typeface="Cambria Math" panose="02040503050406030204" pitchFamily="18" charset="0"/>
+                              <a:latin typeface="Cambria Math" charset="0"/>
                             </a:rPr>
                           </m:ctrlPr>
                         </m:naryPr>
@@ -11218,7 +11239,7 @@
                             <m:sSubPr>
                               <m:ctrlPr>
                                 <a:rPr lang="en-US" b="0" i="1" smtClean="0">
-                                  <a:latin typeface="Cambria Math" panose="02040503050406030204" pitchFamily="18" charset="0"/>
+                                  <a:latin typeface="Cambria Math" charset="0"/>
                                 </a:rPr>
                               </m:ctrlPr>
                             </m:sSubPr>
@@ -11249,7 +11270,7 @@
                             <m:sSubPr>
                               <m:ctrlPr>
                                 <a:rPr lang="en-US" b="0" i="1" smtClean="0">
-                                  <a:latin typeface="Cambria Math" panose="02040503050406030204" pitchFamily="18" charset="0"/>
+                                  <a:latin typeface="Cambria Math" charset="0"/>
                                 </a:rPr>
                               </m:ctrlPr>
                             </m:sSubPr>
@@ -11296,7 +11317,7 @@
                           <m:supHide m:val="on"/>
                           <m:ctrlPr>
                             <a:rPr lang="en-US" b="0" i="1" smtClean="0">
-                              <a:latin typeface="Cambria Math" panose="02040503050406030204" pitchFamily="18" charset="0"/>
+                              <a:latin typeface="Cambria Math" charset="0"/>
                             </a:rPr>
                           </m:ctrlPr>
                         </m:naryPr>
@@ -11314,7 +11335,7 @@
                             <m:sSubPr>
                               <m:ctrlPr>
                                 <a:rPr lang="en-US" b="0" i="1" smtClean="0">
-                                  <a:latin typeface="Cambria Math" panose="02040503050406030204" pitchFamily="18" charset="0"/>
+                                  <a:latin typeface="Cambria Math" charset="0"/>
                                 </a:rPr>
                               </m:ctrlPr>
                             </m:sSubPr>
@@ -11340,7 +11361,7 @@
                               <m:degHide m:val="on"/>
                               <m:ctrlPr>
                                 <a:rPr lang="en-US" b="0" i="1" smtClean="0">
-                                  <a:latin typeface="Cambria Math" panose="02040503050406030204" pitchFamily="18" charset="0"/>
+                                  <a:latin typeface="Cambria Math" charset="0"/>
                                 </a:rPr>
                               </m:ctrlPr>
                             </m:radPr>
@@ -11350,7 +11371,7 @@
                                 <m:sSubSupPr>
                                   <m:ctrlPr>
                                     <a:rPr lang="en-US" b="0" i="1" smtClean="0">
-                                      <a:latin typeface="Cambria Math" panose="02040503050406030204" pitchFamily="18" charset="0"/>
+                                      <a:latin typeface="Cambria Math" charset="0"/>
                                     </a:rPr>
                                   </m:ctrlPr>
                                 </m:sSubSupPr>
@@ -11389,7 +11410,7 @@
                                 <m:sSubSupPr>
                                   <m:ctrlPr>
                                     <a:rPr lang="en-US" i="1">
-                                      <a:latin typeface="Cambria Math" panose="02040503050406030204" pitchFamily="18" charset="0"/>
+                                      <a:latin typeface="Cambria Math" charset="0"/>
                                     </a:rPr>
                                   </m:ctrlPr>
                                 </m:sSubSupPr>
@@ -11448,7 +11469,7 @@
                             <m:sSubSupPr>
                               <m:ctrlPr>
                                 <a:rPr lang="en-US" b="0" i="1" smtClean="0">
-                                  <a:latin typeface="Cambria Math" panose="02040503050406030204" pitchFamily="18" charset="0"/>
+                                  <a:latin typeface="Cambria Math" charset="0"/>
                                 </a:rPr>
                               </m:ctrlPr>
                             </m:sSubSupPr>
@@ -11493,7 +11514,7 @@
                             <m:sSubSupPr>
                               <m:ctrlPr>
                                 <a:rPr lang="en-US" b="0" i="1" smtClean="0">
-                                  <a:latin typeface="Cambria Math" panose="02040503050406030204" pitchFamily="18" charset="0"/>
+                                  <a:latin typeface="Cambria Math" charset="0"/>
                                 </a:rPr>
                               </m:ctrlPr>
                             </m:sSubSupPr>
@@ -11666,7 +11687,7 @@
           <p:cNvPr id="4" name="Footer Placeholder 3">
             <a:extLst>
               <a:ext uri="{FF2B5EF4-FFF2-40B4-BE49-F238E27FC236}">
-                <a16:creationId xmlns:a16="http://schemas.microsoft.com/office/drawing/2014/main" id="{1F18B1F0-4748-4068-BA94-68CBCC62C648}"/>
+                <a16:creationId xmlns:a16="http://schemas.microsoft.com/office/drawing/2014/main" xmlns="" id="{1F18B1F0-4748-4068-BA94-68CBCC62C648}"/>
               </a:ext>
             </a:extLst>
           </p:cNvPr>
@@ -11723,7 +11744,7 @@
           <p:cNvPr id="5" name="Slide Number Placeholder 4">
             <a:extLst>
               <a:ext uri="{FF2B5EF4-FFF2-40B4-BE49-F238E27FC236}">
-                <a16:creationId xmlns:a16="http://schemas.microsoft.com/office/drawing/2014/main" id="{A39BFACB-D0EE-4249-B1AE-5CD08E88DBBB}"/>
+                <a16:creationId xmlns:a16="http://schemas.microsoft.com/office/drawing/2014/main" xmlns="" id="{A39BFACB-D0EE-4249-B1AE-5CD08E88DBBB}"/>
               </a:ext>
             </a:extLst>
           </p:cNvPr>
@@ -11753,7 +11774,7 @@
           <p:cNvPr id="6" name="Rectangle 5">
             <a:extLst>
               <a:ext uri="{FF2B5EF4-FFF2-40B4-BE49-F238E27FC236}">
-                <a16:creationId xmlns:a16="http://schemas.microsoft.com/office/drawing/2014/main" id="{64764CCA-1F94-4643-8696-38015A8294CF}"/>
+                <a16:creationId xmlns:a16="http://schemas.microsoft.com/office/drawing/2014/main" xmlns="" id="{64764CCA-1F94-4643-8696-38015A8294CF}"/>
               </a:ext>
             </a:extLst>
           </p:cNvPr>
@@ -11800,7 +11821,7 @@
           <p:cNvPr id="7" name="TextBox 6">
             <a:extLst>
               <a:ext uri="{FF2B5EF4-FFF2-40B4-BE49-F238E27FC236}">
-                <a16:creationId xmlns:a16="http://schemas.microsoft.com/office/drawing/2014/main" id="{B87C4414-32CE-48EE-8D41-5F0667A0BED6}"/>
+                <a16:creationId xmlns:a16="http://schemas.microsoft.com/office/drawing/2014/main" xmlns="" id="{B87C4414-32CE-48EE-8D41-5F0667A0BED6}"/>
               </a:ext>
             </a:extLst>
           </p:cNvPr>
@@ -11839,7 +11860,7 @@
           <p:cNvPr id="8" name="Rectangle 7">
             <a:extLst>
               <a:ext uri="{FF2B5EF4-FFF2-40B4-BE49-F238E27FC236}">
-                <a16:creationId xmlns:a16="http://schemas.microsoft.com/office/drawing/2014/main" id="{ED49BEB3-AB94-4944-AED1-ADBCB8B185F1}"/>
+                <a16:creationId xmlns:a16="http://schemas.microsoft.com/office/drawing/2014/main" xmlns="" id="{ED49BEB3-AB94-4944-AED1-ADBCB8B185F1}"/>
               </a:ext>
             </a:extLst>
           </p:cNvPr>
@@ -11886,7 +11907,7 @@
           <p:cNvPr id="9" name="TextBox 8">
             <a:extLst>
               <a:ext uri="{FF2B5EF4-FFF2-40B4-BE49-F238E27FC236}">
-                <a16:creationId xmlns:a16="http://schemas.microsoft.com/office/drawing/2014/main" id="{CD8EA2C0-923D-4F8F-938B-3185B131DE55}"/>
+                <a16:creationId xmlns:a16="http://schemas.microsoft.com/office/drawing/2014/main" xmlns="" id="{CD8EA2C0-923D-4F8F-938B-3185B131DE55}"/>
               </a:ext>
             </a:extLst>
           </p:cNvPr>
@@ -11925,7 +11946,7 @@
           <p:cNvPr id="10" name="Oval 9">
             <a:extLst>
               <a:ext uri="{FF2B5EF4-FFF2-40B4-BE49-F238E27FC236}">
-                <a16:creationId xmlns:a16="http://schemas.microsoft.com/office/drawing/2014/main" id="{79691CDE-3F86-4256-8C1E-9B075E05089F}"/>
+                <a16:creationId xmlns:a16="http://schemas.microsoft.com/office/drawing/2014/main" xmlns="" id="{79691CDE-3F86-4256-8C1E-9B075E05089F}"/>
               </a:ext>
             </a:extLst>
           </p:cNvPr>
@@ -11977,7 +11998,7 @@
           <p:cNvPr id="11" name="Oval 10">
             <a:extLst>
               <a:ext uri="{FF2B5EF4-FFF2-40B4-BE49-F238E27FC236}">
-                <a16:creationId xmlns:a16="http://schemas.microsoft.com/office/drawing/2014/main" id="{0EF577D3-557B-474C-B2B7-1F7AD8DDB4ED}"/>
+                <a16:creationId xmlns:a16="http://schemas.microsoft.com/office/drawing/2014/main" xmlns="" id="{0EF577D3-557B-474C-B2B7-1F7AD8DDB4ED}"/>
               </a:ext>
             </a:extLst>
           </p:cNvPr>
@@ -12029,7 +12050,7 @@
           <p:cNvPr id="12" name="TextBox 11">
             <a:extLst>
               <a:ext uri="{FF2B5EF4-FFF2-40B4-BE49-F238E27FC236}">
-                <a16:creationId xmlns:a16="http://schemas.microsoft.com/office/drawing/2014/main" id="{0F6488F4-3E4A-49E2-AA86-11BBFB3A70E6}"/>
+                <a16:creationId xmlns:a16="http://schemas.microsoft.com/office/drawing/2014/main" xmlns="" id="{0F6488F4-3E4A-49E2-AA86-11BBFB3A70E6}"/>
               </a:ext>
             </a:extLst>
           </p:cNvPr>
@@ -12567,14 +12588,14 @@
           </a:xfrm>
         </p:spPr>
       </p:pic>
-      <mc:AlternateContent xmlns:mc="http://schemas.openxmlformats.org/markup-compatibility/2006">
-        <mc:Choice xmlns:a14="http://schemas.microsoft.com/office/drawing/2010/main" Requires="a14">
+      <mc:AlternateContent xmlns:mc="http://schemas.openxmlformats.org/markup-compatibility/2006" xmlns:a14="http://schemas.microsoft.com/office/drawing/2010/main">
+        <mc:Choice Requires="a14">
           <p:sp>
             <p:nvSpPr>
               <p:cNvPr id="3" name="TextBox 2">
                 <a:extLst>
                   <a:ext uri="{FF2B5EF4-FFF2-40B4-BE49-F238E27FC236}">
-                    <a16:creationId xmlns:a16="http://schemas.microsoft.com/office/drawing/2014/main" id="{DE36BEBA-512D-4F13-B097-9DA29F92D8A9}"/>
+                    <a16:creationId xmlns:a16="http://schemas.microsoft.com/office/drawing/2014/main" xmlns="" id="{DE36BEBA-512D-4F13-B097-9DA29F92D8A9}"/>
                   </a:ext>
                 </a:extLst>
               </p:cNvPr>
@@ -12636,7 +12657,7 @@
             </p:txBody>
           </p:sp>
         </mc:Choice>
-        <mc:Fallback>
+        <mc:Fallback xmlns="">
           <p:sp>
             <p:nvSpPr>
               <p:cNvPr id="3" name="TextBox 2">
@@ -12688,7 +12709,7 @@
               <p:cNvPr id="10" name="TextBox 9">
                 <a:extLst>
                   <a:ext uri="{FF2B5EF4-FFF2-40B4-BE49-F238E27FC236}">
-                    <a16:creationId xmlns:a16="http://schemas.microsoft.com/office/drawing/2014/main" id="{DFB19A37-2B27-45C8-8757-A9EC693C1904}"/>
+                    <a16:creationId xmlns:a16="http://schemas.microsoft.com/office/drawing/2014/main" xmlns="" id="{DFB19A37-2B27-45C8-8757-A9EC693C1904}"/>
                   </a:ext>
                 </a:extLst>
               </p:cNvPr>
@@ -12800,7 +12821,7 @@
           <p:cNvPr id="7" name="Rectangle 6">
             <a:extLst>
               <a:ext uri="{FF2B5EF4-FFF2-40B4-BE49-F238E27FC236}">
-                <a16:creationId xmlns:a16="http://schemas.microsoft.com/office/drawing/2014/main" id="{C746CEDB-46C0-4343-B966-C84D0DAC3A34}"/>
+                <a16:creationId xmlns:a16="http://schemas.microsoft.com/office/drawing/2014/main" xmlns="" id="{C746CEDB-46C0-4343-B966-C84D0DAC3A34}"/>
               </a:ext>
             </a:extLst>
           </p:cNvPr>
@@ -12852,7 +12873,7 @@
           <p:cNvPr id="13" name="Rectangle 12">
             <a:extLst>
               <a:ext uri="{FF2B5EF4-FFF2-40B4-BE49-F238E27FC236}">
-                <a16:creationId xmlns:a16="http://schemas.microsoft.com/office/drawing/2014/main" id="{CF1FE3B8-89C0-4BC5-82A7-61C9CDE61A4F}"/>
+                <a16:creationId xmlns:a16="http://schemas.microsoft.com/office/drawing/2014/main" xmlns="" id="{CF1FE3B8-89C0-4BC5-82A7-61C9CDE61A4F}"/>
               </a:ext>
             </a:extLst>
           </p:cNvPr>
@@ -12904,7 +12925,7 @@
           <p:cNvPr id="14" name="Rectangle 13">
             <a:extLst>
               <a:ext uri="{FF2B5EF4-FFF2-40B4-BE49-F238E27FC236}">
-                <a16:creationId xmlns:a16="http://schemas.microsoft.com/office/drawing/2014/main" id="{EDF1C893-C24B-4453-8DD1-C2DD493E5AEE}"/>
+                <a16:creationId xmlns:a16="http://schemas.microsoft.com/office/drawing/2014/main" xmlns="" id="{EDF1C893-C24B-4453-8DD1-C2DD493E5AEE}"/>
               </a:ext>
             </a:extLst>
           </p:cNvPr>
@@ -12956,7 +12977,7 @@
           <p:cNvPr id="15" name="Rectangle 14">
             <a:extLst>
               <a:ext uri="{FF2B5EF4-FFF2-40B4-BE49-F238E27FC236}">
-                <a16:creationId xmlns:a16="http://schemas.microsoft.com/office/drawing/2014/main" id="{C36ACDF6-35EB-4B10-AD5E-4EFA08337D88}"/>
+                <a16:creationId xmlns:a16="http://schemas.microsoft.com/office/drawing/2014/main" xmlns="" id="{C36ACDF6-35EB-4B10-AD5E-4EFA08337D88}"/>
               </a:ext>
             </a:extLst>
           </p:cNvPr>
@@ -13010,7 +13031,7 @@
               <p:cNvPr id="8" name="TextBox 7">
                 <a:extLst>
                   <a:ext uri="{FF2B5EF4-FFF2-40B4-BE49-F238E27FC236}">
-                    <a16:creationId xmlns:a16="http://schemas.microsoft.com/office/drawing/2014/main" id="{DABA1900-B631-45EA-A1CC-AA027209DF26}"/>
+                    <a16:creationId xmlns:a16="http://schemas.microsoft.com/office/drawing/2014/main" xmlns="" id="{DABA1900-B631-45EA-A1CC-AA027209DF26}"/>
                   </a:ext>
                 </a:extLst>
               </p:cNvPr>
@@ -13050,7 +13071,7 @@
                         <m:dPr>
                           <m:ctrlPr>
                             <a:rPr lang="en-US" b="0" i="1" smtClean="0">
-                              <a:latin typeface="Cambria Math" panose="02040503050406030204" pitchFamily="18" charset="0"/>
+                              <a:latin typeface="Cambria Math" charset="0"/>
                             </a:rPr>
                           </m:ctrlPr>
                         </m:dPr>
@@ -13087,7 +13108,7 @@
                           <m:endChr m:val="|"/>
                           <m:ctrlPr>
                             <a:rPr lang="en-US" b="0" i="1" smtClean="0">
-                              <a:latin typeface="Cambria Math" panose="02040503050406030204" pitchFamily="18" charset="0"/>
+                              <a:latin typeface="Cambria Math" charset="0"/>
                             </a:rPr>
                           </m:ctrlPr>
                         </m:dPr>
@@ -13111,7 +13132,7 @@
                           <m:degHide m:val="on"/>
                           <m:ctrlPr>
                             <a:rPr lang="en-US" b="0" i="1" smtClean="0">
-                              <a:latin typeface="Cambria Math" panose="02040503050406030204" pitchFamily="18" charset="0"/>
+                              <a:latin typeface="Cambria Math" charset="0"/>
                             </a:rPr>
                           </m:ctrlPr>
                         </m:radPr>
@@ -13121,7 +13142,7 @@
                             <m:sSupPr>
                               <m:ctrlPr>
                                 <a:rPr lang="en-US" b="0" i="1" smtClean="0">
-                                  <a:latin typeface="Cambria Math" panose="02040503050406030204" pitchFamily="18" charset="0"/>
+                                  <a:latin typeface="Cambria Math" charset="0"/>
                                 </a:rPr>
                               </m:ctrlPr>
                             </m:sSupPr>
@@ -13152,7 +13173,7 @@
                             <m:sSupPr>
                               <m:ctrlPr>
                                 <a:rPr lang="en-US" i="1">
-                                  <a:latin typeface="Cambria Math" panose="02040503050406030204" pitchFamily="18" charset="0"/>
+                                  <a:latin typeface="Cambria Math" charset="0"/>
                                 </a:rPr>
                               </m:ctrlPr>
                             </m:sSupPr>
@@ -13233,7 +13254,7 @@
           <p:cNvPr id="19" name="Straight Arrow Connector 18">
             <a:extLst>
               <a:ext uri="{FF2B5EF4-FFF2-40B4-BE49-F238E27FC236}">
-                <a16:creationId xmlns:a16="http://schemas.microsoft.com/office/drawing/2014/main" id="{9B77BD76-ECB9-462D-8AD6-F96FC3911B42}"/>
+                <a16:creationId xmlns:a16="http://schemas.microsoft.com/office/drawing/2014/main" xmlns="" id="{9B77BD76-ECB9-462D-8AD6-F96FC3911B42}"/>
               </a:ext>
             </a:extLst>
           </p:cNvPr>
@@ -13276,7 +13297,7 @@
               <p:cNvPr id="21" name="TextBox 20">
                 <a:extLst>
                   <a:ext uri="{FF2B5EF4-FFF2-40B4-BE49-F238E27FC236}">
-                    <a16:creationId xmlns:a16="http://schemas.microsoft.com/office/drawing/2014/main" id="{D24DA0BD-548E-46C2-88A1-78C9EA0133DD}"/>
+                    <a16:creationId xmlns:a16="http://schemas.microsoft.com/office/drawing/2014/main" xmlns="" id="{D24DA0BD-548E-46C2-88A1-78C9EA0133DD}"/>
                   </a:ext>
                 </a:extLst>
               </p:cNvPr>
@@ -13398,7 +13419,7 @@
           <p:cNvPr id="25" name="Straight Arrow Connector 24">
             <a:extLst>
               <a:ext uri="{FF2B5EF4-FFF2-40B4-BE49-F238E27FC236}">
-                <a16:creationId xmlns:a16="http://schemas.microsoft.com/office/drawing/2014/main" id="{C949D0D1-57EE-4585-9DDE-C033C067204F}"/>
+                <a16:creationId xmlns:a16="http://schemas.microsoft.com/office/drawing/2014/main" xmlns="" id="{C949D0D1-57EE-4585-9DDE-C033C067204F}"/>
               </a:ext>
             </a:extLst>
           </p:cNvPr>
@@ -13439,7 +13460,7 @@
           <p:cNvPr id="27" name="Straight Arrow Connector 26">
             <a:extLst>
               <a:ext uri="{FF2B5EF4-FFF2-40B4-BE49-F238E27FC236}">
-                <a16:creationId xmlns:a16="http://schemas.microsoft.com/office/drawing/2014/main" id="{8C4DE4FC-0E6A-4AE5-A1FB-9160A70BA9EE}"/>
+                <a16:creationId xmlns:a16="http://schemas.microsoft.com/office/drawing/2014/main" xmlns="" id="{8C4DE4FC-0E6A-4AE5-A1FB-9160A70BA9EE}"/>
               </a:ext>
             </a:extLst>
           </p:cNvPr>
@@ -13508,7 +13529,7 @@
                         <m:limLowPr>
                           <m:ctrlPr>
                             <a:rPr lang="en-US" b="0" i="1" smtClean="0">
-                              <a:latin typeface="Cambria Math" panose="02040503050406030204" pitchFamily="18" charset="0"/>
+                              <a:latin typeface="Cambria Math" charset="0"/>
                             </a:rPr>
                           </m:ctrlPr>
                         </m:limLowPr>
@@ -13569,7 +13590,7 @@
                         <m:dPr>
                           <m:ctrlPr>
                             <a:rPr lang="en-US" b="0" i="1" smtClean="0">
-                              <a:latin typeface="Cambria Math" panose="02040503050406030204" pitchFamily="18" charset="0"/>
+                              <a:latin typeface="Cambria Math" charset="0"/>
                             </a:rPr>
                           </m:ctrlPr>
                         </m:dPr>
@@ -13688,7 +13709,7 @@
           <p:cNvPr id="16" name="Oval 15">
             <a:extLst>
               <a:ext uri="{FF2B5EF4-FFF2-40B4-BE49-F238E27FC236}">
-                <a16:creationId xmlns:a16="http://schemas.microsoft.com/office/drawing/2014/main" id="{BDBDC304-BF8C-4571-A813-34E2E071939A}"/>
+                <a16:creationId xmlns:a16="http://schemas.microsoft.com/office/drawing/2014/main" xmlns="" id="{BDBDC304-BF8C-4571-A813-34E2E071939A}"/>
               </a:ext>
             </a:extLst>
           </p:cNvPr>
@@ -13735,7 +13756,7 @@
           <p:cNvPr id="22" name="Oval 21">
             <a:extLst>
               <a:ext uri="{FF2B5EF4-FFF2-40B4-BE49-F238E27FC236}">
-                <a16:creationId xmlns:a16="http://schemas.microsoft.com/office/drawing/2014/main" id="{6E81FA2F-AA60-474A-BEAF-6B3B5796E70F}"/>
+                <a16:creationId xmlns:a16="http://schemas.microsoft.com/office/drawing/2014/main" xmlns="" id="{6E81FA2F-AA60-474A-BEAF-6B3B5796E70F}"/>
               </a:ext>
             </a:extLst>
           </p:cNvPr>
@@ -13782,7 +13803,7 @@
           <p:cNvPr id="23" name="Oval 22">
             <a:extLst>
               <a:ext uri="{FF2B5EF4-FFF2-40B4-BE49-F238E27FC236}">
-                <a16:creationId xmlns:a16="http://schemas.microsoft.com/office/drawing/2014/main" id="{E2AF8601-042F-499B-B4B8-214F9EA13D93}"/>
+                <a16:creationId xmlns:a16="http://schemas.microsoft.com/office/drawing/2014/main" xmlns="" id="{E2AF8601-042F-499B-B4B8-214F9EA13D93}"/>
               </a:ext>
             </a:extLst>
           </p:cNvPr>
@@ -13829,7 +13850,7 @@
           <p:cNvPr id="24" name="Oval 23">
             <a:extLst>
               <a:ext uri="{FF2B5EF4-FFF2-40B4-BE49-F238E27FC236}">
-                <a16:creationId xmlns:a16="http://schemas.microsoft.com/office/drawing/2014/main" id="{1C803775-322A-488C-ADE6-BE3032CCB174}"/>
+                <a16:creationId xmlns:a16="http://schemas.microsoft.com/office/drawing/2014/main" xmlns="" id="{1C803775-322A-488C-ADE6-BE3032CCB174}"/>
               </a:ext>
             </a:extLst>
           </p:cNvPr>
@@ -13876,7 +13897,7 @@
           <p:cNvPr id="26" name="Oval 25">
             <a:extLst>
               <a:ext uri="{FF2B5EF4-FFF2-40B4-BE49-F238E27FC236}">
-                <a16:creationId xmlns:a16="http://schemas.microsoft.com/office/drawing/2014/main" id="{E4BA88DF-1D96-4CB5-91BE-D6D18F8D2318}"/>
+                <a16:creationId xmlns:a16="http://schemas.microsoft.com/office/drawing/2014/main" xmlns="" id="{E4BA88DF-1D96-4CB5-91BE-D6D18F8D2318}"/>
               </a:ext>
             </a:extLst>
           </p:cNvPr>
@@ -13923,7 +13944,7 @@
           <p:cNvPr id="28" name="Oval 27">
             <a:extLst>
               <a:ext uri="{FF2B5EF4-FFF2-40B4-BE49-F238E27FC236}">
-                <a16:creationId xmlns:a16="http://schemas.microsoft.com/office/drawing/2014/main" id="{DFE4836F-0E78-4CAF-881B-E997926D32B1}"/>
+                <a16:creationId xmlns:a16="http://schemas.microsoft.com/office/drawing/2014/main" xmlns="" id="{DFE4836F-0E78-4CAF-881B-E997926D32B1}"/>
               </a:ext>
             </a:extLst>
           </p:cNvPr>
@@ -13965,14 +13986,14 @@
           </a:p>
         </p:txBody>
       </p:sp>
-      <mc:AlternateContent xmlns:mc="http://schemas.openxmlformats.org/markup-compatibility/2006">
-        <mc:Choice xmlns:a14="http://schemas.microsoft.com/office/drawing/2010/main" Requires="a14">
+      <mc:AlternateContent xmlns:mc="http://schemas.openxmlformats.org/markup-compatibility/2006" xmlns:a14="http://schemas.microsoft.com/office/drawing/2010/main">
+        <mc:Choice Requires="a14">
           <p:sp>
             <p:nvSpPr>
               <p:cNvPr id="29" name="TextBox 28">
                 <a:extLst>
                   <a:ext uri="{FF2B5EF4-FFF2-40B4-BE49-F238E27FC236}">
-                    <a16:creationId xmlns:a16="http://schemas.microsoft.com/office/drawing/2014/main" id="{7D95C71D-EA70-4BD3-A5F2-ABFCDBD3CC1D}"/>
+                    <a16:creationId xmlns:a16="http://schemas.microsoft.com/office/drawing/2014/main" xmlns="" id="{7D95C71D-EA70-4BD3-A5F2-ABFCDBD3CC1D}"/>
                   </a:ext>
                 </a:extLst>
               </p:cNvPr>
@@ -14034,7 +14055,7 @@
             </p:txBody>
           </p:sp>
         </mc:Choice>
-        <mc:Fallback>
+        <mc:Fallback xmlns="">
           <p:sp>
             <p:nvSpPr>
               <p:cNvPr id="29" name="TextBox 28">
@@ -14084,7 +14105,7 @@
           <p:cNvPr id="18" name="Picture 17" descr="A picture containing object&#10;&#10;Description generated with high confidence">
             <a:extLst>
               <a:ext uri="{FF2B5EF4-FFF2-40B4-BE49-F238E27FC236}">
-                <a16:creationId xmlns:a16="http://schemas.microsoft.com/office/drawing/2014/main" id="{51723A5D-1E6B-4201-85F5-CFB1BA73AA3B}"/>
+                <a16:creationId xmlns:a16="http://schemas.microsoft.com/office/drawing/2014/main" xmlns="" id="{51723A5D-1E6B-4201-85F5-CFB1BA73AA3B}"/>
               </a:ext>
             </a:extLst>
           </p:cNvPr>
@@ -14487,7 +14508,7 @@
           <p:cNvPr id="2" name="Title 1">
             <a:extLst>
               <a:ext uri="{FF2B5EF4-FFF2-40B4-BE49-F238E27FC236}">
-                <a16:creationId xmlns:a16="http://schemas.microsoft.com/office/drawing/2014/main" id="{2CFCB053-9302-4433-A0EE-928F053E8F9E}"/>
+                <a16:creationId xmlns:a16="http://schemas.microsoft.com/office/drawing/2014/main" xmlns="" id="{2CFCB053-9302-4433-A0EE-928F053E8F9E}"/>
               </a:ext>
             </a:extLst>
           </p:cNvPr>
@@ -14517,7 +14538,7 @@
               <p:cNvPr id="3" name="Content Placeholder 2">
                 <a:extLst>
                   <a:ext uri="{FF2B5EF4-FFF2-40B4-BE49-F238E27FC236}">
-                    <a16:creationId xmlns:a16="http://schemas.microsoft.com/office/drawing/2014/main" id="{91C89943-CCF2-4951-9FEA-DA883C21955D}"/>
+                    <a16:creationId xmlns:a16="http://schemas.microsoft.com/office/drawing/2014/main" xmlns="" id="{91C89943-CCF2-4951-9FEA-DA883C21955D}"/>
                   </a:ext>
                 </a:extLst>
               </p:cNvPr>
@@ -14548,7 +14569,7 @@
                         <m:limLowPr>
                           <m:ctrlPr>
                             <a:rPr lang="en-US" b="0" i="1" smtClean="0">
-                              <a:latin typeface="Cambria Math" panose="02040503050406030204" pitchFamily="18" charset="0"/>
+                              <a:latin typeface="Cambria Math" charset="0"/>
                             </a:rPr>
                           </m:ctrlPr>
                         </m:limLowPr>
@@ -14672,7 +14693,7 @@
                         <m:sSupPr>
                           <m:ctrlPr>
                             <a:rPr lang="en-US" i="1">
-                              <a:latin typeface="Cambria Math" panose="02040503050406030204" pitchFamily="18" charset="0"/>
+                              <a:latin typeface="Cambria Math" charset="0"/>
                             </a:rPr>
                           </m:ctrlPr>
                         </m:sSupPr>
@@ -14728,7 +14749,7 @@
                           <m:supHide m:val="on"/>
                           <m:ctrlPr>
                             <a:rPr lang="en-US" i="1">
-                              <a:latin typeface="Cambria Math" panose="02040503050406030204" pitchFamily="18" charset="0"/>
+                              <a:latin typeface="Cambria Math" charset="0"/>
                             </a:rPr>
                           </m:ctrlPr>
                         </m:naryPr>
@@ -14746,7 +14767,7 @@
                             <m:sSubPr>
                               <m:ctrlPr>
                                 <a:rPr lang="en-US" i="1">
-                                  <a:latin typeface="Cambria Math" panose="02040503050406030204" pitchFamily="18" charset="0"/>
+                                  <a:latin typeface="Cambria Math" charset="0"/>
                                 </a:rPr>
                               </m:ctrlPr>
                             </m:sSubPr>
@@ -14777,7 +14798,7 @@
                             <m:sSubPr>
                               <m:ctrlPr>
                                 <a:rPr lang="en-US" i="1">
-                                  <a:latin typeface="Cambria Math" panose="02040503050406030204" pitchFamily="18" charset="0"/>
+                                  <a:latin typeface="Cambria Math" charset="0"/>
                                 </a:rPr>
                               </m:ctrlPr>
                             </m:sSubPr>
@@ -14824,7 +14845,7 @@
                           <m:supHide m:val="on"/>
                           <m:ctrlPr>
                             <a:rPr lang="en-US" i="1">
-                              <a:latin typeface="Cambria Math" panose="02040503050406030204" pitchFamily="18" charset="0"/>
+                              <a:latin typeface="Cambria Math" charset="0"/>
                             </a:rPr>
                           </m:ctrlPr>
                         </m:naryPr>
@@ -14842,7 +14863,7 @@
                             <m:sSubPr>
                               <m:ctrlPr>
                                 <a:rPr lang="en-US" i="1">
-                                  <a:latin typeface="Cambria Math" panose="02040503050406030204" pitchFamily="18" charset="0"/>
+                                  <a:latin typeface="Cambria Math" charset="0"/>
                                 </a:rPr>
                               </m:ctrlPr>
                             </m:sSubPr>
@@ -14868,7 +14889,7 @@
                               <m:degHide m:val="on"/>
                               <m:ctrlPr>
                                 <a:rPr lang="en-US" i="1">
-                                  <a:latin typeface="Cambria Math" panose="02040503050406030204" pitchFamily="18" charset="0"/>
+                                  <a:latin typeface="Cambria Math" charset="0"/>
                                 </a:rPr>
                               </m:ctrlPr>
                             </m:radPr>
@@ -14878,7 +14899,7 @@
                                 <m:sSubSupPr>
                                   <m:ctrlPr>
                                     <a:rPr lang="en-US" i="1">
-                                      <a:latin typeface="Cambria Math" panose="02040503050406030204" pitchFamily="18" charset="0"/>
+                                      <a:latin typeface="Cambria Math" charset="0"/>
                                     </a:rPr>
                                   </m:ctrlPr>
                                 </m:sSubSupPr>
@@ -14917,7 +14938,7 @@
                                 <m:sSubSupPr>
                                   <m:ctrlPr>
                                     <a:rPr lang="en-US" i="1">
-                                      <a:latin typeface="Cambria Math" panose="02040503050406030204" pitchFamily="18" charset="0"/>
+                                      <a:latin typeface="Cambria Math" charset="0"/>
                                     </a:rPr>
                                   </m:ctrlPr>
                                 </m:sSubSupPr>
@@ -14978,7 +14999,7 @@
                         <m:sSubSupPr>
                           <m:ctrlPr>
                             <a:rPr lang="en-US" i="1">
-                              <a:latin typeface="Cambria Math" panose="02040503050406030204" pitchFamily="18" charset="0"/>
+                              <a:latin typeface="Cambria Math" charset="0"/>
                             </a:rPr>
                           </m:ctrlPr>
                         </m:sSubSupPr>
@@ -15023,7 +15044,7 @@
                         <m:sSubSupPr>
                           <m:ctrlPr>
                             <a:rPr lang="en-US" i="1">
-                              <a:latin typeface="Cambria Math" panose="02040503050406030204" pitchFamily="18" charset="0"/>
+                              <a:latin typeface="Cambria Math" charset="0"/>
                             </a:rPr>
                           </m:ctrlPr>
                         </m:sSubSupPr>
@@ -15206,7 +15227,7 @@
           <p:cNvPr id="4" name="Footer Placeholder 3">
             <a:extLst>
               <a:ext uri="{FF2B5EF4-FFF2-40B4-BE49-F238E27FC236}">
-                <a16:creationId xmlns:a16="http://schemas.microsoft.com/office/drawing/2014/main" id="{C3DE3A06-EBAA-4965-8CF9-209DC7F747F4}"/>
+                <a16:creationId xmlns:a16="http://schemas.microsoft.com/office/drawing/2014/main" xmlns="" id="{C3DE3A06-EBAA-4965-8CF9-209DC7F747F4}"/>
               </a:ext>
             </a:extLst>
           </p:cNvPr>
@@ -15263,7 +15284,7 @@
           <p:cNvPr id="5" name="Slide Number Placeholder 4">
             <a:extLst>
               <a:ext uri="{FF2B5EF4-FFF2-40B4-BE49-F238E27FC236}">
-                <a16:creationId xmlns:a16="http://schemas.microsoft.com/office/drawing/2014/main" id="{79528500-A9D8-47D3-8FAC-D951DC78692E}"/>
+                <a16:creationId xmlns:a16="http://schemas.microsoft.com/office/drawing/2014/main" xmlns="" id="{79528500-A9D8-47D3-8FAC-D951DC78692E}"/>
               </a:ext>
             </a:extLst>
           </p:cNvPr>
@@ -15293,7 +15314,7 @@
           <p:cNvPr id="6" name="Rectangle 5">
             <a:extLst>
               <a:ext uri="{FF2B5EF4-FFF2-40B4-BE49-F238E27FC236}">
-                <a16:creationId xmlns:a16="http://schemas.microsoft.com/office/drawing/2014/main" id="{78E5842B-094D-4251-BF6D-9492E15A8993}"/>
+                <a16:creationId xmlns:a16="http://schemas.microsoft.com/office/drawing/2014/main" xmlns="" id="{78E5842B-094D-4251-BF6D-9492E15A8993}"/>
               </a:ext>
             </a:extLst>
           </p:cNvPr>
@@ -15918,7 +15939,7 @@
           <p:cNvPr id="3" name="TextBox 2">
             <a:extLst>
               <a:ext uri="{FF2B5EF4-FFF2-40B4-BE49-F238E27FC236}">
-                <a16:creationId xmlns:a16="http://schemas.microsoft.com/office/drawing/2014/main" id="{8D1DBAA3-DFB4-4B72-933E-70C9E117546A}"/>
+                <a16:creationId xmlns:a16="http://schemas.microsoft.com/office/drawing/2014/main" xmlns="" id="{8D1DBAA3-DFB4-4B72-933E-70C9E117546A}"/>
               </a:ext>
             </a:extLst>
           </p:cNvPr>
@@ -15953,7 +15974,7 @@
           <p:cNvPr id="6" name="Arrow: Right 5">
             <a:extLst>
               <a:ext uri="{FF2B5EF4-FFF2-40B4-BE49-F238E27FC236}">
-                <a16:creationId xmlns:a16="http://schemas.microsoft.com/office/drawing/2014/main" id="{94A07FE0-D906-4F8B-BA56-443C9FB13696}"/>
+                <a16:creationId xmlns:a16="http://schemas.microsoft.com/office/drawing/2014/main" xmlns="" id="{94A07FE0-D906-4F8B-BA56-443C9FB13696}"/>
               </a:ext>
             </a:extLst>
           </p:cNvPr>
@@ -16001,7 +16022,7 @@
               <p:cNvPr id="8" name="Content Placeholder 7">
                 <a:extLst>
                   <a:ext uri="{FF2B5EF4-FFF2-40B4-BE49-F238E27FC236}">
-                    <a16:creationId xmlns:a16="http://schemas.microsoft.com/office/drawing/2014/main" id="{0A6E8DC9-E40C-4CD5-9856-9CF482BA5FD5}"/>
+                    <a16:creationId xmlns:a16="http://schemas.microsoft.com/office/drawing/2014/main" xmlns="" id="{0A6E8DC9-E40C-4CD5-9856-9CF482BA5FD5}"/>
                   </a:ext>
                 </a:extLst>
               </p:cNvPr>
@@ -16037,7 +16058,7 @@
                         <m:limLowPr>
                           <m:ctrlPr>
                             <a:rPr lang="en-US" i="1" smtClean="0">
-                              <a:latin typeface="Cambria Math" panose="02040503050406030204" pitchFamily="18" charset="0"/>
+                              <a:latin typeface="Cambria Math" charset="0"/>
                             </a:rPr>
                           </m:ctrlPr>
                         </m:limLowPr>
@@ -16161,7 +16182,7 @@
                         <m:sSupPr>
                           <m:ctrlPr>
                             <a:rPr lang="en-US" i="1">
-                              <a:latin typeface="Cambria Math" panose="02040503050406030204" pitchFamily="18" charset="0"/>
+                              <a:latin typeface="Cambria Math" charset="0"/>
                             </a:rPr>
                           </m:ctrlPr>
                         </m:sSupPr>
@@ -16217,7 +16238,7 @@
                           <m:supHide m:val="on"/>
                           <m:ctrlPr>
                             <a:rPr lang="en-US" i="1">
-                              <a:latin typeface="Cambria Math" panose="02040503050406030204" pitchFamily="18" charset="0"/>
+                              <a:latin typeface="Cambria Math" charset="0"/>
                             </a:rPr>
                           </m:ctrlPr>
                         </m:naryPr>
@@ -16235,7 +16256,7 @@
                             <m:sSubPr>
                               <m:ctrlPr>
                                 <a:rPr lang="en-US" i="1">
-                                  <a:latin typeface="Cambria Math" panose="02040503050406030204" pitchFamily="18" charset="0"/>
+                                  <a:latin typeface="Cambria Math" charset="0"/>
                                 </a:rPr>
                               </m:ctrlPr>
                             </m:sSubPr>
@@ -16266,7 +16287,7 @@
                             <m:sSubPr>
                               <m:ctrlPr>
                                 <a:rPr lang="en-US" i="1">
-                                  <a:latin typeface="Cambria Math" panose="02040503050406030204" pitchFamily="18" charset="0"/>
+                                  <a:latin typeface="Cambria Math" charset="0"/>
                                 </a:rPr>
                               </m:ctrlPr>
                             </m:sSubPr>
@@ -16313,7 +16334,7 @@
                           <m:supHide m:val="on"/>
                           <m:ctrlPr>
                             <a:rPr lang="en-US" i="1">
-                              <a:latin typeface="Cambria Math" panose="02040503050406030204" pitchFamily="18" charset="0"/>
+                              <a:latin typeface="Cambria Math" charset="0"/>
                             </a:rPr>
                           </m:ctrlPr>
                         </m:naryPr>
@@ -16331,7 +16352,7 @@
                             <m:sSubPr>
                               <m:ctrlPr>
                                 <a:rPr lang="en-US" i="1">
-                                  <a:latin typeface="Cambria Math" panose="02040503050406030204" pitchFamily="18" charset="0"/>
+                                  <a:latin typeface="Cambria Math" charset="0"/>
                                 </a:rPr>
                               </m:ctrlPr>
                             </m:sSubPr>
@@ -16357,7 +16378,7 @@
                               <m:degHide m:val="on"/>
                               <m:ctrlPr>
                                 <a:rPr lang="en-US" i="1">
-                                  <a:latin typeface="Cambria Math" panose="02040503050406030204" pitchFamily="18" charset="0"/>
+                                  <a:latin typeface="Cambria Math" charset="0"/>
                                 </a:rPr>
                               </m:ctrlPr>
                             </m:radPr>
@@ -16367,7 +16388,7 @@
                                 <m:sSubSupPr>
                                   <m:ctrlPr>
                                     <a:rPr lang="en-US" i="1">
-                                      <a:latin typeface="Cambria Math" panose="02040503050406030204" pitchFamily="18" charset="0"/>
+                                      <a:latin typeface="Cambria Math" charset="0"/>
                                     </a:rPr>
                                   </m:ctrlPr>
                                 </m:sSubSupPr>
@@ -16406,7 +16427,7 @@
                                 <m:sSubSupPr>
                                   <m:ctrlPr>
                                     <a:rPr lang="en-US" i="1">
-                                      <a:latin typeface="Cambria Math" panose="02040503050406030204" pitchFamily="18" charset="0"/>
+                                      <a:latin typeface="Cambria Math" charset="0"/>
                                     </a:rPr>
                                   </m:ctrlPr>
                                 </m:sSubSupPr>
@@ -16467,7 +16488,7 @@
                         <m:sSubSupPr>
                           <m:ctrlPr>
                             <a:rPr lang="en-US" b="0" i="1" smtClean="0">
-                              <a:latin typeface="Cambria Math" panose="02040503050406030204" pitchFamily="18" charset="0"/>
+                              <a:latin typeface="Cambria Math" charset="0"/>
                             </a:rPr>
                           </m:ctrlPr>
                         </m:sSubSupPr>
@@ -16512,7 +16533,7 @@
                         <m:sSubSupPr>
                           <m:ctrlPr>
                             <a:rPr lang="en-US" b="0" i="1" smtClean="0">
-                              <a:latin typeface="Cambria Math" panose="02040503050406030204" pitchFamily="18" charset="0"/>
+                              <a:latin typeface="Cambria Math" charset="0"/>
                             </a:rPr>
                           </m:ctrlPr>
                         </m:sSubSupPr>
@@ -16566,7 +16587,7 @@
                       <m:sSupPr>
                         <m:ctrlPr>
                           <a:rPr lang="en-US" b="0" i="1" smtClean="0">
-                            <a:latin typeface="Cambria Math" panose="02040503050406030204" pitchFamily="18" charset="0"/>
+                            <a:latin typeface="Cambria Math" charset="0"/>
                           </a:rPr>
                         </m:ctrlPr>
                       </m:sSupPr>
@@ -16611,7 +16632,7 @@
                         <m:endChr m:val="]"/>
                         <m:ctrlPr>
                           <a:rPr lang="en-US" b="0" i="1" smtClean="0">
-                            <a:latin typeface="Cambria Math" panose="02040503050406030204" pitchFamily="18" charset="0"/>
+                            <a:latin typeface="Cambria Math" charset="0"/>
                           </a:rPr>
                         </m:ctrlPr>
                       </m:dPr>
@@ -16620,7 +16641,7 @@
                           <m:sSubPr>
                             <m:ctrlPr>
                               <a:rPr lang="en-US" b="0" i="1" smtClean="0">
-                                <a:latin typeface="Cambria Math" panose="02040503050406030204" pitchFamily="18" charset="0"/>
+                                <a:latin typeface="Cambria Math" charset="0"/>
                               </a:rPr>
                             </m:ctrlPr>
                           </m:sSubPr>
@@ -16663,7 +16684,7 @@
                           <m:sSubPr>
                             <m:ctrlPr>
                               <a:rPr lang="en-US" b="0" i="1" smtClean="0">
-                                <a:latin typeface="Cambria Math" panose="02040503050406030204" pitchFamily="18" charset="0"/>
+                                <a:latin typeface="Cambria Math" charset="0"/>
                               </a:rPr>
                             </m:ctrlPr>
                           </m:sSubPr>
@@ -16739,7 +16760,7 @@
                         <m:sSubPr>
                           <m:ctrlPr>
                             <a:rPr lang="en-US" b="0" i="1" smtClean="0">
-                              <a:latin typeface="Cambria Math" panose="02040503050406030204" pitchFamily="18" charset="0"/>
+                              <a:latin typeface="Cambria Math" charset="0"/>
                             </a:rPr>
                           </m:ctrlPr>
                         </m:sSubPr>
@@ -16770,7 +16791,7 @@
                         <m:sSupPr>
                           <m:ctrlPr>
                             <a:rPr lang="en-US" b="0" i="1" smtClean="0">
-                              <a:latin typeface="Cambria Math" panose="02040503050406030204" pitchFamily="18" charset="0"/>
+                              <a:latin typeface="Cambria Math" charset="0"/>
                             </a:rPr>
                           </m:ctrlPr>
                         </m:sSupPr>
@@ -16787,7 +16808,7 @@
                             <m:dPr>
                               <m:ctrlPr>
                                 <a:rPr lang="en-US" b="0" i="1" smtClean="0">
-                                  <a:latin typeface="Cambria Math" panose="02040503050406030204" pitchFamily="18" charset="0"/>
+                                  <a:latin typeface="Cambria Math" charset="0"/>
                                 </a:rPr>
                               </m:ctrlPr>
                             </m:dPr>
@@ -16806,7 +16827,7 @@
                         <m:sSubPr>
                           <m:ctrlPr>
                             <a:rPr lang="en-US" b="0" i="1" smtClean="0">
-                              <a:latin typeface="Cambria Math" panose="02040503050406030204" pitchFamily="18" charset="0"/>
+                              <a:latin typeface="Cambria Math" charset="0"/>
                             </a:rPr>
                           </m:ctrlPr>
                         </m:sSubPr>
@@ -16846,7 +16867,7 @@
                         <m:sSubPr>
                           <m:ctrlPr>
                             <a:rPr lang="en-US" b="0" i="1" smtClean="0">
-                              <a:latin typeface="Cambria Math" panose="02040503050406030204" pitchFamily="18" charset="0"/>
+                              <a:latin typeface="Cambria Math" charset="0"/>
                             </a:rPr>
                           </m:ctrlPr>
                         </m:sSubPr>
@@ -16878,7 +16899,7 @@
                           <m:degHide m:val="on"/>
                           <m:ctrlPr>
                             <a:rPr lang="en-US" b="0" i="1" smtClean="0">
-                              <a:latin typeface="Cambria Math" panose="02040503050406030204" pitchFamily="18" charset="0"/>
+                              <a:latin typeface="Cambria Math" charset="0"/>
                             </a:rPr>
                           </m:ctrlPr>
                         </m:radPr>
@@ -16894,7 +16915,7 @@
                             <m:sSubPr>
                               <m:ctrlPr>
                                 <a:rPr lang="en-US" b="0" i="1" smtClean="0">
-                                  <a:latin typeface="Cambria Math" panose="02040503050406030204" pitchFamily="18" charset="0"/>
+                                  <a:latin typeface="Cambria Math" charset="0"/>
                                 </a:rPr>
                               </m:ctrlPr>
                             </m:sSubPr>
@@ -16919,7 +16940,7 @@
                             <m:sSubSupPr>
                               <m:ctrlPr>
                                 <a:rPr lang="en-US" b="0" i="1" smtClean="0">
-                                  <a:latin typeface="Cambria Math" panose="02040503050406030204" pitchFamily="18" charset="0"/>
+                                  <a:latin typeface="Cambria Math" charset="0"/>
                                 </a:rPr>
                               </m:ctrlPr>
                             </m:sSubSupPr>
@@ -16958,7 +16979,7 @@
                             <m:dPr>
                               <m:ctrlPr>
                                 <a:rPr lang="en-US" b="0" i="1" smtClean="0">
-                                  <a:latin typeface="Cambria Math" panose="02040503050406030204" pitchFamily="18" charset="0"/>
+                                  <a:latin typeface="Cambria Math" charset="0"/>
                                 </a:rPr>
                               </m:ctrlPr>
                             </m:dPr>
@@ -16974,7 +16995,7 @@
                                   <m:degHide m:val="on"/>
                                   <m:ctrlPr>
                                     <a:rPr lang="en-US" b="0" i="1" smtClean="0">
-                                      <a:latin typeface="Cambria Math" panose="02040503050406030204" pitchFamily="18" charset="0"/>
+                                      <a:latin typeface="Cambria Math" charset="0"/>
                                     </a:rPr>
                                   </m:ctrlPr>
                                 </m:radPr>
@@ -16984,7 +17005,7 @@
                                     <m:fPr>
                                       <m:ctrlPr>
                                         <a:rPr lang="en-US" b="0" i="1" smtClean="0">
-                                          <a:latin typeface="Cambria Math" panose="02040503050406030204" pitchFamily="18" charset="0"/>
+                                          <a:latin typeface="Cambria Math" charset="0"/>
                                         </a:rPr>
                                       </m:ctrlPr>
                                     </m:fPr>
@@ -17031,7 +17052,7 @@
                             <m:sSubPr>
                               <m:ctrlPr>
                                 <a:rPr lang="en-US" b="0" i="1" smtClean="0">
-                                  <a:latin typeface="Cambria Math" panose="02040503050406030204" pitchFamily="18" charset="0"/>
+                                  <a:latin typeface="Cambria Math" charset="0"/>
                                 </a:rPr>
                               </m:ctrlPr>
                             </m:sSubPr>
@@ -17056,7 +17077,7 @@
                             <m:sSubSupPr>
                               <m:ctrlPr>
                                 <a:rPr lang="en-US" b="0" i="1" smtClean="0">
-                                  <a:latin typeface="Cambria Math" panose="02040503050406030204" pitchFamily="18" charset="0"/>
+                                  <a:latin typeface="Cambria Math" charset="0"/>
                                 </a:rPr>
                               </m:ctrlPr>
                             </m:sSubSupPr>
@@ -17736,6 +17757,13 @@
   <p:clrMapOvr>
     <a:masterClrMapping/>
   </p:clrMapOvr>
+  <p:timing>
+    <p:tnLst>
+      <p:par>
+        <p:cTn id="1" dur="indefinite" restart="never" nodeType="tmRoot"/>
+      </p:par>
+    </p:tnLst>
+  </p:timing>
 </p:sld>
 </file>
 
@@ -17889,6 +17917,13 @@
   <p:clrMapOvr>
     <a:masterClrMapping/>
   </p:clrMapOvr>
+  <p:timing>
+    <p:tnLst>
+      <p:par>
+        <p:cTn id="1" dur="indefinite" restart="never" nodeType="tmRoot"/>
+      </p:par>
+    </p:tnLst>
+  </p:timing>
 </p:sld>
 </file>
 
@@ -18833,7 +18868,7 @@
           <p:cNvPr id="2" name="Title 1">
             <a:extLst>
               <a:ext uri="{FF2B5EF4-FFF2-40B4-BE49-F238E27FC236}">
-                <a16:creationId xmlns:a16="http://schemas.microsoft.com/office/drawing/2014/main" id="{17A8BB3D-2D35-4F66-AFB4-2A9AE7681862}"/>
+                <a16:creationId xmlns:a16="http://schemas.microsoft.com/office/drawing/2014/main" xmlns="" id="{17A8BB3D-2D35-4F66-AFB4-2A9AE7681862}"/>
               </a:ext>
             </a:extLst>
           </p:cNvPr>
@@ -18867,7 +18902,7 @@
           <p:cNvPr id="3" name="Footer Placeholder 2">
             <a:extLst>
               <a:ext uri="{FF2B5EF4-FFF2-40B4-BE49-F238E27FC236}">
-                <a16:creationId xmlns:a16="http://schemas.microsoft.com/office/drawing/2014/main" id="{11862E8A-91FD-4C41-A192-DB3D27D88824}"/>
+                <a16:creationId xmlns:a16="http://schemas.microsoft.com/office/drawing/2014/main" xmlns="" id="{11862E8A-91FD-4C41-A192-DB3D27D88824}"/>
               </a:ext>
             </a:extLst>
           </p:cNvPr>
@@ -18924,7 +18959,7 @@
           <p:cNvPr id="4" name="Slide Number Placeholder 3">
             <a:extLst>
               <a:ext uri="{FF2B5EF4-FFF2-40B4-BE49-F238E27FC236}">
-                <a16:creationId xmlns:a16="http://schemas.microsoft.com/office/drawing/2014/main" id="{9DA5ED20-07EE-4130-97A2-FC2FBDDF57B9}"/>
+                <a16:creationId xmlns:a16="http://schemas.microsoft.com/office/drawing/2014/main" xmlns="" id="{9DA5ED20-07EE-4130-97A2-FC2FBDDF57B9}"/>
               </a:ext>
             </a:extLst>
           </p:cNvPr>
@@ -18959,6 +18994,13 @@
   <p:clrMapOvr>
     <a:masterClrMapping/>
   </p:clrMapOvr>
+  <p:timing>
+    <p:tnLst>
+      <p:par>
+        <p:cTn id="1" dur="indefinite" restart="never" nodeType="tmRoot"/>
+      </p:par>
+    </p:tnLst>
+  </p:timing>
 </p:sld>
 </file>
 
@@ -18984,7 +19026,7 @@
           <p:cNvPr id="2" name="Title 1">
             <a:extLst>
               <a:ext uri="{FF2B5EF4-FFF2-40B4-BE49-F238E27FC236}">
-                <a16:creationId xmlns:a16="http://schemas.microsoft.com/office/drawing/2014/main" id="{C7D675AA-6913-48BC-85A2-5C1947B70467}"/>
+                <a16:creationId xmlns:a16="http://schemas.microsoft.com/office/drawing/2014/main" xmlns="" id="{C7D675AA-6913-48BC-85A2-5C1947B70467}"/>
               </a:ext>
             </a:extLst>
           </p:cNvPr>
@@ -19012,7 +19054,7 @@
           <p:cNvPr id="3" name="Content Placeholder 2">
             <a:extLst>
               <a:ext uri="{FF2B5EF4-FFF2-40B4-BE49-F238E27FC236}">
-                <a16:creationId xmlns:a16="http://schemas.microsoft.com/office/drawing/2014/main" id="{F79FB236-54CE-4723-A388-7B2C26E5DA92}"/>
+                <a16:creationId xmlns:a16="http://schemas.microsoft.com/office/drawing/2014/main" xmlns="" id="{F79FB236-54CE-4723-A388-7B2C26E5DA92}"/>
               </a:ext>
             </a:extLst>
           </p:cNvPr>
@@ -19121,7 +19163,7 @@
           <p:cNvPr id="4" name="Footer Placeholder 3">
             <a:extLst>
               <a:ext uri="{FF2B5EF4-FFF2-40B4-BE49-F238E27FC236}">
-                <a16:creationId xmlns:a16="http://schemas.microsoft.com/office/drawing/2014/main" id="{BDDDA0BE-FB94-44D9-8026-4299635DFDB4}"/>
+                <a16:creationId xmlns:a16="http://schemas.microsoft.com/office/drawing/2014/main" xmlns="" id="{BDDDA0BE-FB94-44D9-8026-4299635DFDB4}"/>
               </a:ext>
             </a:extLst>
           </p:cNvPr>
@@ -19178,7 +19220,7 @@
           <p:cNvPr id="5" name="Slide Number Placeholder 4">
             <a:extLst>
               <a:ext uri="{FF2B5EF4-FFF2-40B4-BE49-F238E27FC236}">
-                <a16:creationId xmlns:a16="http://schemas.microsoft.com/office/drawing/2014/main" id="{89272EAA-7658-4CAB-B263-CD4B022CF97A}"/>
+                <a16:creationId xmlns:a16="http://schemas.microsoft.com/office/drawing/2014/main" xmlns="" id="{89272EAA-7658-4CAB-B263-CD4B022CF97A}"/>
               </a:ext>
             </a:extLst>
           </p:cNvPr>
@@ -19698,7 +19740,7 @@
           <p:cNvPr id="2" name="Title 1">
             <a:extLst>
               <a:ext uri="{FF2B5EF4-FFF2-40B4-BE49-F238E27FC236}">
-                <a16:creationId xmlns:a16="http://schemas.microsoft.com/office/drawing/2014/main" id="{11087D96-4F48-402C-9A22-A3A89A572F75}"/>
+                <a16:creationId xmlns:a16="http://schemas.microsoft.com/office/drawing/2014/main" xmlns="" id="{11087D96-4F48-402C-9A22-A3A89A572F75}"/>
               </a:ext>
             </a:extLst>
           </p:cNvPr>
@@ -19726,7 +19768,7 @@
           <p:cNvPr id="3" name="Content Placeholder 2">
             <a:extLst>
               <a:ext uri="{FF2B5EF4-FFF2-40B4-BE49-F238E27FC236}">
-                <a16:creationId xmlns:a16="http://schemas.microsoft.com/office/drawing/2014/main" id="{F03F415E-2814-47D8-8986-8A3A951F9052}"/>
+                <a16:creationId xmlns:a16="http://schemas.microsoft.com/office/drawing/2014/main" xmlns="" id="{F03F415E-2814-47D8-8986-8A3A951F9052}"/>
               </a:ext>
             </a:extLst>
           </p:cNvPr>
@@ -19768,7 +19810,7 @@
           <p:cNvPr id="4" name="Footer Placeholder 3">
             <a:extLst>
               <a:ext uri="{FF2B5EF4-FFF2-40B4-BE49-F238E27FC236}">
-                <a16:creationId xmlns:a16="http://schemas.microsoft.com/office/drawing/2014/main" id="{8624D5AE-8946-4C90-850A-598E06BFD2C8}"/>
+                <a16:creationId xmlns:a16="http://schemas.microsoft.com/office/drawing/2014/main" xmlns="" id="{8624D5AE-8946-4C90-850A-598E06BFD2C8}"/>
               </a:ext>
             </a:extLst>
           </p:cNvPr>
@@ -19825,7 +19867,7 @@
           <p:cNvPr id="5" name="Slide Number Placeholder 4">
             <a:extLst>
               <a:ext uri="{FF2B5EF4-FFF2-40B4-BE49-F238E27FC236}">
-                <a16:creationId xmlns:a16="http://schemas.microsoft.com/office/drawing/2014/main" id="{C338FA2D-196C-4DEF-97C9-AFD64AE6FD17}"/>
+                <a16:creationId xmlns:a16="http://schemas.microsoft.com/office/drawing/2014/main" xmlns="" id="{C338FA2D-196C-4DEF-97C9-AFD64AE6FD17}"/>
               </a:ext>
             </a:extLst>
           </p:cNvPr>
@@ -19855,7 +19897,7 @@
           <p:cNvPr id="6" name="Rectangle 5">
             <a:extLst>
               <a:ext uri="{FF2B5EF4-FFF2-40B4-BE49-F238E27FC236}">
-                <a16:creationId xmlns:a16="http://schemas.microsoft.com/office/drawing/2014/main" id="{A9CE8327-D90B-419B-AEA4-71B82617F441}"/>
+                <a16:creationId xmlns:a16="http://schemas.microsoft.com/office/drawing/2014/main" xmlns="" id="{A9CE8327-D90B-419B-AEA4-71B82617F441}"/>
               </a:ext>
             </a:extLst>
           </p:cNvPr>
@@ -19904,7 +19946,7 @@
           <p:cNvPr id="7" name="Rectangle 6">
             <a:extLst>
               <a:ext uri="{FF2B5EF4-FFF2-40B4-BE49-F238E27FC236}">
-                <a16:creationId xmlns:a16="http://schemas.microsoft.com/office/drawing/2014/main" id="{1FD7498B-D752-4299-93F1-89F70E6DC4C9}"/>
+                <a16:creationId xmlns:a16="http://schemas.microsoft.com/office/drawing/2014/main" xmlns="" id="{1FD7498B-D752-4299-93F1-89F70E6DC4C9}"/>
               </a:ext>
             </a:extLst>
           </p:cNvPr>
@@ -19958,7 +20000,7 @@
           <p:cNvPr id="8" name="Rectangle 7">
             <a:extLst>
               <a:ext uri="{FF2B5EF4-FFF2-40B4-BE49-F238E27FC236}">
-                <a16:creationId xmlns:a16="http://schemas.microsoft.com/office/drawing/2014/main" id="{E943E299-3DD3-4BDC-872E-A723F2FEC289}"/>
+                <a16:creationId xmlns:a16="http://schemas.microsoft.com/office/drawing/2014/main" xmlns="" id="{E943E299-3DD3-4BDC-872E-A723F2FEC289}"/>
               </a:ext>
             </a:extLst>
           </p:cNvPr>
@@ -20007,7 +20049,7 @@
           <p:cNvPr id="9" name="Rectangle 8">
             <a:extLst>
               <a:ext uri="{FF2B5EF4-FFF2-40B4-BE49-F238E27FC236}">
-                <a16:creationId xmlns:a16="http://schemas.microsoft.com/office/drawing/2014/main" id="{7EC04703-0934-4088-8C30-08DC833DCA54}"/>
+                <a16:creationId xmlns:a16="http://schemas.microsoft.com/office/drawing/2014/main" xmlns="" id="{7EC04703-0934-4088-8C30-08DC833DCA54}"/>
               </a:ext>
             </a:extLst>
           </p:cNvPr>
@@ -20061,7 +20103,7 @@
           <p:cNvPr id="10" name="TextBox 9">
             <a:extLst>
               <a:ext uri="{FF2B5EF4-FFF2-40B4-BE49-F238E27FC236}">
-                <a16:creationId xmlns:a16="http://schemas.microsoft.com/office/drawing/2014/main" id="{F2C16A90-5E97-4B18-984B-B7C50B1073AA}"/>
+                <a16:creationId xmlns:a16="http://schemas.microsoft.com/office/drawing/2014/main" xmlns="" id="{F2C16A90-5E97-4B18-984B-B7C50B1073AA}"/>
               </a:ext>
             </a:extLst>
           </p:cNvPr>
@@ -20100,7 +20142,7 @@
           <p:cNvPr id="12" name="TextBox 11">
             <a:extLst>
               <a:ext uri="{FF2B5EF4-FFF2-40B4-BE49-F238E27FC236}">
-                <a16:creationId xmlns:a16="http://schemas.microsoft.com/office/drawing/2014/main" id="{EE2234DA-6987-4ED4-BA76-BA3ABA99CCB9}"/>
+                <a16:creationId xmlns:a16="http://schemas.microsoft.com/office/drawing/2014/main" xmlns="" id="{EE2234DA-6987-4ED4-BA76-BA3ABA99CCB9}"/>
               </a:ext>
             </a:extLst>
           </p:cNvPr>
@@ -20139,7 +20181,7 @@
           <p:cNvPr id="14" name="TextBox 13">
             <a:extLst>
               <a:ext uri="{FF2B5EF4-FFF2-40B4-BE49-F238E27FC236}">
-                <a16:creationId xmlns:a16="http://schemas.microsoft.com/office/drawing/2014/main" id="{6BD26A27-FC2B-4AAD-9133-6B217D6FB28F}"/>
+                <a16:creationId xmlns:a16="http://schemas.microsoft.com/office/drawing/2014/main" xmlns="" id="{6BD26A27-FC2B-4AAD-9133-6B217D6FB28F}"/>
               </a:ext>
             </a:extLst>
           </p:cNvPr>
@@ -20174,7 +20216,7 @@
           <p:cNvPr id="15" name="TextBox 14">
             <a:extLst>
               <a:ext uri="{FF2B5EF4-FFF2-40B4-BE49-F238E27FC236}">
-                <a16:creationId xmlns:a16="http://schemas.microsoft.com/office/drawing/2014/main" id="{BD939FD6-633E-419B-B7F1-B9F75651991B}"/>
+                <a16:creationId xmlns:a16="http://schemas.microsoft.com/office/drawing/2014/main" xmlns="" id="{BD939FD6-633E-419B-B7F1-B9F75651991B}"/>
               </a:ext>
             </a:extLst>
           </p:cNvPr>
@@ -20209,7 +20251,7 @@
           <p:cNvPr id="16" name="Right Brace 15">
             <a:extLst>
               <a:ext uri="{FF2B5EF4-FFF2-40B4-BE49-F238E27FC236}">
-                <a16:creationId xmlns:a16="http://schemas.microsoft.com/office/drawing/2014/main" id="{F2F2FAEA-93F8-4C3F-938B-B013F8C832BF}"/>
+                <a16:creationId xmlns:a16="http://schemas.microsoft.com/office/drawing/2014/main" xmlns="" id="{F2F2FAEA-93F8-4C3F-938B-B013F8C832BF}"/>
               </a:ext>
             </a:extLst>
           </p:cNvPr>
@@ -20255,7 +20297,7 @@
               <p:cNvPr id="17" name="TextBox 16">
                 <a:extLst>
                   <a:ext uri="{FF2B5EF4-FFF2-40B4-BE49-F238E27FC236}">
-                    <a16:creationId xmlns:a16="http://schemas.microsoft.com/office/drawing/2014/main" id="{E379FFCB-270F-42B0-A13C-5284701B20EF}"/>
+                    <a16:creationId xmlns:a16="http://schemas.microsoft.com/office/drawing/2014/main" xmlns="" id="{E379FFCB-270F-42B0-A13C-5284701B20EF}"/>
                   </a:ext>
                 </a:extLst>
               </p:cNvPr>
@@ -20341,14 +20383,14 @@
           </p:sp>
         </mc:Fallback>
       </mc:AlternateContent>
-      <mc:AlternateContent xmlns:mc="http://schemas.openxmlformats.org/markup-compatibility/2006">
-        <mc:Choice xmlns:a14="http://schemas.microsoft.com/office/drawing/2010/main" Requires="a14">
+      <mc:AlternateContent xmlns:mc="http://schemas.openxmlformats.org/markup-compatibility/2006" xmlns:a14="http://schemas.microsoft.com/office/drawing/2010/main">
+        <mc:Choice Requires="a14">
           <p:sp>
             <p:nvSpPr>
               <p:cNvPr id="11" name="TextBox 10">
                 <a:extLst>
                   <a:ext uri="{FF2B5EF4-FFF2-40B4-BE49-F238E27FC236}">
-                    <a16:creationId xmlns:a16="http://schemas.microsoft.com/office/drawing/2014/main" id="{DDC5DD18-D812-43C2-9EC9-E1F020D834D6}"/>
+                    <a16:creationId xmlns:a16="http://schemas.microsoft.com/office/drawing/2014/main" xmlns="" id="{DDC5DD18-D812-43C2-9EC9-E1F020D834D6}"/>
                   </a:ext>
                 </a:extLst>
               </p:cNvPr>
@@ -20371,6 +20413,7 @@
               </a:bodyPr>
               <a:lstStyle/>
               <a:p>
+                <a:pPr/>
                 <a14:m>
                   <m:oMathPara xmlns:m="http://schemas.openxmlformats.org/officeDocument/2006/math">
                     <m:oMathParaPr>
@@ -20391,7 +20434,7 @@
             </p:txBody>
           </p:sp>
         </mc:Choice>
-        <mc:Fallback>
+        <mc:Fallback xmlns="">
           <p:sp>
             <p:nvSpPr>
               <p:cNvPr id="11" name="TextBox 10">
@@ -20436,14 +20479,14 @@
           </p:sp>
         </mc:Fallback>
       </mc:AlternateContent>
-      <mc:AlternateContent xmlns:mc="http://schemas.openxmlformats.org/markup-compatibility/2006">
-        <mc:Choice xmlns:a14="http://schemas.microsoft.com/office/drawing/2010/main" Requires="a14">
+      <mc:AlternateContent xmlns:mc="http://schemas.openxmlformats.org/markup-compatibility/2006" xmlns:a14="http://schemas.microsoft.com/office/drawing/2010/main">
+        <mc:Choice Requires="a14">
           <p:sp>
             <p:nvSpPr>
               <p:cNvPr id="18" name="TextBox 17">
                 <a:extLst>
                   <a:ext uri="{FF2B5EF4-FFF2-40B4-BE49-F238E27FC236}">
-                    <a16:creationId xmlns:a16="http://schemas.microsoft.com/office/drawing/2014/main" id="{FA32C9F3-6CD8-4695-9D77-2E0F33F0A1AF}"/>
+                    <a16:creationId xmlns:a16="http://schemas.microsoft.com/office/drawing/2014/main" xmlns="" id="{FA32C9F3-6CD8-4695-9D77-2E0F33F0A1AF}"/>
                   </a:ext>
                 </a:extLst>
               </p:cNvPr>
@@ -20466,6 +20509,7 @@
               </a:bodyPr>
               <a:lstStyle/>
               <a:p>
+                <a:pPr/>
                 <a14:m>
                   <m:oMathPara xmlns:m="http://schemas.openxmlformats.org/officeDocument/2006/math">
                     <m:oMathParaPr>
@@ -20486,7 +20530,7 @@
             </p:txBody>
           </p:sp>
         </mc:Choice>
-        <mc:Fallback>
+        <mc:Fallback xmlns="">
           <p:sp>
             <p:nvSpPr>
               <p:cNvPr id="18" name="TextBox 17">
@@ -21188,7 +21232,7 @@
           <p:cNvPr id="2" name="Title 1">
             <a:extLst>
               <a:ext uri="{FF2B5EF4-FFF2-40B4-BE49-F238E27FC236}">
-                <a16:creationId xmlns:a16="http://schemas.microsoft.com/office/drawing/2014/main" id="{7483EDA4-B6D3-49E9-B6F9-35CE16B276B8}"/>
+                <a16:creationId xmlns:a16="http://schemas.microsoft.com/office/drawing/2014/main" xmlns="" id="{7483EDA4-B6D3-49E9-B6F9-35CE16B276B8}"/>
               </a:ext>
             </a:extLst>
           </p:cNvPr>
@@ -21216,7 +21260,7 @@
           <p:cNvPr id="8" name="Content Placeholder 7" descr="A close up of a device&#10;&#10;Description generated with high confidence">
             <a:extLst>
               <a:ext uri="{FF2B5EF4-FFF2-40B4-BE49-F238E27FC236}">
-                <a16:creationId xmlns:a16="http://schemas.microsoft.com/office/drawing/2014/main" id="{8CE1E0D6-6F26-4032-8800-2CF4E7F2996F}"/>
+                <a16:creationId xmlns:a16="http://schemas.microsoft.com/office/drawing/2014/main" xmlns="" id="{8CE1E0D6-6F26-4032-8800-2CF4E7F2996F}"/>
               </a:ext>
             </a:extLst>
           </p:cNvPr>
@@ -21253,7 +21297,7 @@
               <p:cNvPr id="4" name="Text Placeholder 3">
                 <a:extLst>
                   <a:ext uri="{FF2B5EF4-FFF2-40B4-BE49-F238E27FC236}">
-                    <a16:creationId xmlns:a16="http://schemas.microsoft.com/office/drawing/2014/main" id="{B6C5B79B-0970-4BFB-91A9-E1CB31566408}"/>
+                    <a16:creationId xmlns:a16="http://schemas.microsoft.com/office/drawing/2014/main" xmlns="" id="{B6C5B79B-0970-4BFB-91A9-E1CB31566408}"/>
                   </a:ext>
                 </a:extLst>
               </p:cNvPr>
@@ -21284,7 +21328,7 @@
                       <m:sSubPr>
                         <m:ctrlPr>
                           <a:rPr lang="en-US" sz="1800" i="1">
-                            <a:latin typeface="Cambria Math" panose="02040503050406030204" pitchFamily="18" charset="0"/>
+                            <a:latin typeface="Cambria Math" charset="0"/>
                           </a:rPr>
                         </m:ctrlPr>
                       </m:sSubPr>
@@ -21327,7 +21371,7 @@
                       <m:sSupPr>
                         <m:ctrlPr>
                           <a:rPr lang="en-US" sz="1800" i="1">
-                            <a:latin typeface="Cambria Math" panose="02040503050406030204" pitchFamily="18" charset="0"/>
+                            <a:latin typeface="Cambria Math" charset="0"/>
                           </a:rPr>
                         </m:ctrlPr>
                       </m:sSupPr>
@@ -21346,7 +21390,7 @@
                             <m:endChr m:val="|"/>
                             <m:ctrlPr>
                               <a:rPr lang="en-US" sz="1800" i="1">
-                                <a:latin typeface="Cambria Math" panose="02040503050406030204" pitchFamily="18" charset="0"/>
+                                <a:latin typeface="Cambria Math" charset="0"/>
                               </a:rPr>
                             </m:ctrlPr>
                           </m:dPr>
@@ -21435,7 +21479,7 @@
           <p:cNvPr id="5" name="Footer Placeholder 4">
             <a:extLst>
               <a:ext uri="{FF2B5EF4-FFF2-40B4-BE49-F238E27FC236}">
-                <a16:creationId xmlns:a16="http://schemas.microsoft.com/office/drawing/2014/main" id="{A43AD325-324B-46FB-8992-11B6F48344A5}"/>
+                <a16:creationId xmlns:a16="http://schemas.microsoft.com/office/drawing/2014/main" xmlns="" id="{A43AD325-324B-46FB-8992-11B6F48344A5}"/>
               </a:ext>
             </a:extLst>
           </p:cNvPr>
@@ -21492,7 +21536,7 @@
           <p:cNvPr id="6" name="Slide Number Placeholder 5">
             <a:extLst>
               <a:ext uri="{FF2B5EF4-FFF2-40B4-BE49-F238E27FC236}">
-                <a16:creationId xmlns:a16="http://schemas.microsoft.com/office/drawing/2014/main" id="{DC82B01A-3AFA-492D-BC99-4E071A260616}"/>
+                <a16:creationId xmlns:a16="http://schemas.microsoft.com/office/drawing/2014/main" xmlns="" id="{DC82B01A-3AFA-492D-BC99-4E071A260616}"/>
               </a:ext>
             </a:extLst>
           </p:cNvPr>
@@ -21522,7 +21566,7 @@
           <p:cNvPr id="9" name="Title 1">
             <a:extLst>
               <a:ext uri="{FF2B5EF4-FFF2-40B4-BE49-F238E27FC236}">
-                <a16:creationId xmlns:a16="http://schemas.microsoft.com/office/drawing/2014/main" id="{4F33CCF8-87B5-4D8D-A941-8EB5582DF6A2}"/>
+                <a16:creationId xmlns:a16="http://schemas.microsoft.com/office/drawing/2014/main" xmlns="" id="{4F33CCF8-87B5-4D8D-A941-8EB5582DF6A2}"/>
               </a:ext>
             </a:extLst>
           </p:cNvPr>
@@ -21588,7 +21632,7 @@
               <p:cNvPr id="10" name="Text Placeholder 3">
                 <a:extLst>
                   <a:ext uri="{FF2B5EF4-FFF2-40B4-BE49-F238E27FC236}">
-                    <a16:creationId xmlns:a16="http://schemas.microsoft.com/office/drawing/2014/main" id="{5E65C462-EF0B-4F14-92B6-DD92E82EA8D2}"/>
+                    <a16:creationId xmlns:a16="http://schemas.microsoft.com/office/drawing/2014/main" xmlns="" id="{5E65C462-EF0B-4F14-92B6-DD92E82EA8D2}"/>
                   </a:ext>
                 </a:extLst>
               </p:cNvPr>
@@ -21850,7 +21894,7 @@
                       <m:fPr>
                         <m:ctrlPr>
                           <a:rPr lang="en-US" sz="1800" i="1">
-                            <a:latin typeface="Cambria Math" panose="02040503050406030204" pitchFamily="18" charset="0"/>
+                            <a:latin typeface="Cambria Math" charset="0"/>
                           </a:rPr>
                         </m:ctrlPr>
                       </m:fPr>
@@ -21871,7 +21915,7 @@
                           <m:sSubPr>
                             <m:ctrlPr>
                               <a:rPr lang="en-US" sz="1800" i="1">
-                                <a:latin typeface="Cambria Math" panose="02040503050406030204" pitchFamily="18" charset="0"/>
+                                <a:latin typeface="Cambria Math" charset="0"/>
                               </a:rPr>
                             </m:ctrlPr>
                           </m:sSubPr>
@@ -21951,7 +21995,7 @@
                       <m:sSubPr>
                         <m:ctrlPr>
                           <a:rPr lang="en-US" sz="1800" i="1">
-                            <a:latin typeface="Cambria Math" panose="02040503050406030204" pitchFamily="18" charset="0"/>
+                            <a:latin typeface="Cambria Math" charset="0"/>
                           </a:rPr>
                         </m:ctrlPr>
                       </m:sSubPr>
@@ -22045,7 +22089,7 @@
           <p:cNvPr id="11" name="Title 1">
             <a:extLst>
               <a:ext uri="{FF2B5EF4-FFF2-40B4-BE49-F238E27FC236}">
-                <a16:creationId xmlns:a16="http://schemas.microsoft.com/office/drawing/2014/main" id="{E17ECA68-FF04-4278-9440-FC0B19DC7E0C}"/>
+                <a16:creationId xmlns:a16="http://schemas.microsoft.com/office/drawing/2014/main" xmlns="" id="{E17ECA68-FF04-4278-9440-FC0B19DC7E0C}"/>
               </a:ext>
             </a:extLst>
           </p:cNvPr>
@@ -22261,7 +22305,7 @@
           <p:cNvPr id="2" name="Title 1">
             <a:extLst>
               <a:ext uri="{FF2B5EF4-FFF2-40B4-BE49-F238E27FC236}">
-                <a16:creationId xmlns:a16="http://schemas.microsoft.com/office/drawing/2014/main" id="{E9494603-1C22-4A8B-96DB-3D42D3B82802}"/>
+                <a16:creationId xmlns:a16="http://schemas.microsoft.com/office/drawing/2014/main" xmlns="" id="{E9494603-1C22-4A8B-96DB-3D42D3B82802}"/>
               </a:ext>
             </a:extLst>
           </p:cNvPr>
@@ -22289,7 +22333,7 @@
           <p:cNvPr id="3" name="Content Placeholder 2">
             <a:extLst>
               <a:ext uri="{FF2B5EF4-FFF2-40B4-BE49-F238E27FC236}">
-                <a16:creationId xmlns:a16="http://schemas.microsoft.com/office/drawing/2014/main" id="{84F0F037-A703-4FE5-A20E-E873E5DCE356}"/>
+                <a16:creationId xmlns:a16="http://schemas.microsoft.com/office/drawing/2014/main" xmlns="" id="{84F0F037-A703-4FE5-A20E-E873E5DCE356}"/>
               </a:ext>
             </a:extLst>
           </p:cNvPr>
@@ -22450,7 +22494,7 @@
           <p:cNvPr id="4" name="Footer Placeholder 3">
             <a:extLst>
               <a:ext uri="{FF2B5EF4-FFF2-40B4-BE49-F238E27FC236}">
-                <a16:creationId xmlns:a16="http://schemas.microsoft.com/office/drawing/2014/main" id="{E1B43182-D327-45AA-BBE2-67B83983E1E7}"/>
+                <a16:creationId xmlns:a16="http://schemas.microsoft.com/office/drawing/2014/main" xmlns="" id="{E1B43182-D327-45AA-BBE2-67B83983E1E7}"/>
               </a:ext>
             </a:extLst>
           </p:cNvPr>
@@ -22507,7 +22551,7 @@
           <p:cNvPr id="5" name="Slide Number Placeholder 4">
             <a:extLst>
               <a:ext uri="{FF2B5EF4-FFF2-40B4-BE49-F238E27FC236}">
-                <a16:creationId xmlns:a16="http://schemas.microsoft.com/office/drawing/2014/main" id="{32AFE35B-758B-4A31-A289-5F105EBA2AAD}"/>
+                <a16:creationId xmlns:a16="http://schemas.microsoft.com/office/drawing/2014/main" xmlns="" id="{32AFE35B-758B-4A31-A289-5F105EBA2AAD}"/>
               </a:ext>
             </a:extLst>
           </p:cNvPr>
@@ -23533,6 +23577,13 @@
   <p:clrMapOvr>
     <a:masterClrMapping/>
   </p:clrMapOvr>
+  <p:timing>
+    <p:tnLst>
+      <p:par>
+        <p:cTn id="1" dur="indefinite" restart="never" nodeType="tmRoot"/>
+      </p:par>
+    </p:tnLst>
+  </p:timing>
 </p:sld>
 </file>
 
@@ -23558,7 +23609,7 @@
           <p:cNvPr id="2" name="Title 1">
             <a:extLst>
               <a:ext uri="{FF2B5EF4-FFF2-40B4-BE49-F238E27FC236}">
-                <a16:creationId xmlns:a16="http://schemas.microsoft.com/office/drawing/2014/main" id="{E9494603-1C22-4A8B-96DB-3D42D3B82802}"/>
+                <a16:creationId xmlns:a16="http://schemas.microsoft.com/office/drawing/2014/main" xmlns="" id="{E9494603-1C22-4A8B-96DB-3D42D3B82802}"/>
               </a:ext>
             </a:extLst>
           </p:cNvPr>
@@ -23586,7 +23637,7 @@
           <p:cNvPr id="3" name="Content Placeholder 2">
             <a:extLst>
               <a:ext uri="{FF2B5EF4-FFF2-40B4-BE49-F238E27FC236}">
-                <a16:creationId xmlns:a16="http://schemas.microsoft.com/office/drawing/2014/main" id="{84F0F037-A703-4FE5-A20E-E873E5DCE356}"/>
+                <a16:creationId xmlns:a16="http://schemas.microsoft.com/office/drawing/2014/main" xmlns="" id="{84F0F037-A703-4FE5-A20E-E873E5DCE356}"/>
               </a:ext>
             </a:extLst>
           </p:cNvPr>
@@ -23831,7 +23882,7 @@
           <p:cNvPr id="4" name="Footer Placeholder 3">
             <a:extLst>
               <a:ext uri="{FF2B5EF4-FFF2-40B4-BE49-F238E27FC236}">
-                <a16:creationId xmlns:a16="http://schemas.microsoft.com/office/drawing/2014/main" id="{E1B43182-D327-45AA-BBE2-67B83983E1E7}"/>
+                <a16:creationId xmlns:a16="http://schemas.microsoft.com/office/drawing/2014/main" xmlns="" id="{E1B43182-D327-45AA-BBE2-67B83983E1E7}"/>
               </a:ext>
             </a:extLst>
           </p:cNvPr>
@@ -23888,7 +23939,7 @@
           <p:cNvPr id="5" name="Slide Number Placeholder 4">
             <a:extLst>
               <a:ext uri="{FF2B5EF4-FFF2-40B4-BE49-F238E27FC236}">
-                <a16:creationId xmlns:a16="http://schemas.microsoft.com/office/drawing/2014/main" id="{32AFE35B-758B-4A31-A289-5F105EBA2AAD}"/>
+                <a16:creationId xmlns:a16="http://schemas.microsoft.com/office/drawing/2014/main" xmlns="" id="{32AFE35B-758B-4A31-A289-5F105EBA2AAD}"/>
               </a:ext>
             </a:extLst>
           </p:cNvPr>
@@ -23923,6 +23974,13 @@
   <p:clrMapOvr>
     <a:masterClrMapping/>
   </p:clrMapOvr>
+  <p:timing>
+    <p:tnLst>
+      <p:par>
+        <p:cTn id="1" dur="indefinite" restart="never" nodeType="tmRoot"/>
+      </p:par>
+    </p:tnLst>
+  </p:timing>
 </p:sld>
 </file>
 
@@ -23948,7 +24006,7 @@
           <p:cNvPr id="2" name="Title 1">
             <a:extLst>
               <a:ext uri="{FF2B5EF4-FFF2-40B4-BE49-F238E27FC236}">
-                <a16:creationId xmlns:a16="http://schemas.microsoft.com/office/drawing/2014/main" id="{72C3287B-4B25-4805-91C7-B2172474D766}"/>
+                <a16:creationId xmlns:a16="http://schemas.microsoft.com/office/drawing/2014/main" xmlns="" id="{72C3287B-4B25-4805-91C7-B2172474D766}"/>
               </a:ext>
             </a:extLst>
           </p:cNvPr>
@@ -23976,7 +24034,7 @@
           <p:cNvPr id="5" name="Footer Placeholder 4">
             <a:extLst>
               <a:ext uri="{FF2B5EF4-FFF2-40B4-BE49-F238E27FC236}">
-                <a16:creationId xmlns:a16="http://schemas.microsoft.com/office/drawing/2014/main" id="{9E138E50-124F-453E-8E9C-9827E3C89E2F}"/>
+                <a16:creationId xmlns:a16="http://schemas.microsoft.com/office/drawing/2014/main" xmlns="" id="{9E138E50-124F-453E-8E9C-9827E3C89E2F}"/>
               </a:ext>
             </a:extLst>
           </p:cNvPr>
@@ -24033,7 +24091,7 @@
           <p:cNvPr id="6" name="Slide Number Placeholder 5">
             <a:extLst>
               <a:ext uri="{FF2B5EF4-FFF2-40B4-BE49-F238E27FC236}">
-                <a16:creationId xmlns:a16="http://schemas.microsoft.com/office/drawing/2014/main" id="{73F6053E-02C5-4B4B-B1E2-45B43E0FBA01}"/>
+                <a16:creationId xmlns:a16="http://schemas.microsoft.com/office/drawing/2014/main" xmlns="" id="{73F6053E-02C5-4B4B-B1E2-45B43E0FBA01}"/>
               </a:ext>
             </a:extLst>
           </p:cNvPr>
@@ -24063,7 +24121,7 @@
           <p:cNvPr id="16" name="Content Placeholder 15" descr="A screenshot of a cell phone&#10;&#10;Description generated with very high confidence">
             <a:extLst>
               <a:ext uri="{FF2B5EF4-FFF2-40B4-BE49-F238E27FC236}">
-                <a16:creationId xmlns:a16="http://schemas.microsoft.com/office/drawing/2014/main" id="{94612C34-983C-4000-BDC0-79E9DA743399}"/>
+                <a16:creationId xmlns:a16="http://schemas.microsoft.com/office/drawing/2014/main" xmlns="" id="{94612C34-983C-4000-BDC0-79E9DA743399}"/>
               </a:ext>
             </a:extLst>
           </p:cNvPr>
@@ -24098,7 +24156,7 @@
           <p:cNvPr id="18" name="Content Placeholder 17" descr="A picture containing screenshot&#10;&#10;Description generated with very high confidence">
             <a:extLst>
               <a:ext uri="{FF2B5EF4-FFF2-40B4-BE49-F238E27FC236}">
-                <a16:creationId xmlns:a16="http://schemas.microsoft.com/office/drawing/2014/main" id="{9AE66F6C-3CE4-47F4-9BCA-5B6657878E04}"/>
+                <a16:creationId xmlns:a16="http://schemas.microsoft.com/office/drawing/2014/main" xmlns="" id="{9AE66F6C-3CE4-47F4-9BCA-5B6657878E04}"/>
               </a:ext>
             </a:extLst>
           </p:cNvPr>
@@ -24133,7 +24191,7 @@
           <p:cNvPr id="3" name="TextBox 2">
             <a:extLst>
               <a:ext uri="{FF2B5EF4-FFF2-40B4-BE49-F238E27FC236}">
-                <a16:creationId xmlns:a16="http://schemas.microsoft.com/office/drawing/2014/main" id="{FC70F91C-AE9D-41F1-B6A9-A8D8F345A35E}"/>
+                <a16:creationId xmlns:a16="http://schemas.microsoft.com/office/drawing/2014/main" xmlns="" id="{FC70F91C-AE9D-41F1-B6A9-A8D8F345A35E}"/>
               </a:ext>
             </a:extLst>
           </p:cNvPr>
@@ -24168,7 +24226,7 @@
           <p:cNvPr id="4" name="TextBox 3">
             <a:extLst>
               <a:ext uri="{FF2B5EF4-FFF2-40B4-BE49-F238E27FC236}">
-                <a16:creationId xmlns:a16="http://schemas.microsoft.com/office/drawing/2014/main" id="{428C33D5-4CF1-4837-95F2-154485EE50F9}"/>
+                <a16:creationId xmlns:a16="http://schemas.microsoft.com/office/drawing/2014/main" xmlns="" id="{428C33D5-4CF1-4837-95F2-154485EE50F9}"/>
               </a:ext>
             </a:extLst>
           </p:cNvPr>
@@ -24198,14 +24256,14 @@
           </a:p>
         </p:txBody>
       </p:sp>
-      <mc:AlternateContent xmlns:mc="http://schemas.openxmlformats.org/markup-compatibility/2006">
-        <mc:Choice xmlns:a14="http://schemas.microsoft.com/office/drawing/2010/main" Requires="a14">
+      <mc:AlternateContent xmlns:mc="http://schemas.openxmlformats.org/markup-compatibility/2006" xmlns:a14="http://schemas.microsoft.com/office/drawing/2010/main">
+        <mc:Choice Requires="a14">
           <p:sp>
             <p:nvSpPr>
               <p:cNvPr id="7" name="TextBox 6">
                 <a:extLst>
                   <a:ext uri="{FF2B5EF4-FFF2-40B4-BE49-F238E27FC236}">
-                    <a16:creationId xmlns:a16="http://schemas.microsoft.com/office/drawing/2014/main" id="{F3BC95E0-225D-465F-A17D-6A819012275B}"/>
+                    <a16:creationId xmlns:a16="http://schemas.microsoft.com/office/drawing/2014/main" xmlns="" id="{F3BC95E0-225D-465F-A17D-6A819012275B}"/>
                   </a:ext>
                 </a:extLst>
               </p:cNvPr>
@@ -24269,7 +24327,7 @@
             </p:txBody>
           </p:sp>
         </mc:Choice>
-        <mc:Fallback>
+        <mc:Fallback xmlns="">
           <p:sp>
             <p:nvSpPr>
               <p:cNvPr id="7" name="TextBox 6">
@@ -24319,7 +24377,7 @@
           <p:cNvPr id="10" name="TextBox 9">
             <a:extLst>
               <a:ext uri="{FF2B5EF4-FFF2-40B4-BE49-F238E27FC236}">
-                <a16:creationId xmlns:a16="http://schemas.microsoft.com/office/drawing/2014/main" id="{43734ABD-6C9C-4485-B458-387B4DC38E0F}"/>
+                <a16:creationId xmlns:a16="http://schemas.microsoft.com/office/drawing/2014/main" xmlns="" id="{43734ABD-6C9C-4485-B458-387B4DC38E0F}"/>
               </a:ext>
             </a:extLst>
           </p:cNvPr>
@@ -24524,7 +24582,7 @@
           <p:cNvPr id="4" name="Content Placeholder 3">
             <a:extLst>
               <a:ext uri="{FF2B5EF4-FFF2-40B4-BE49-F238E27FC236}">
-                <a16:creationId xmlns:a16="http://schemas.microsoft.com/office/drawing/2014/main" id="{D880D59D-B966-4D03-9A27-2F273A7970B7}"/>
+                <a16:creationId xmlns:a16="http://schemas.microsoft.com/office/drawing/2014/main" xmlns="" id="{D880D59D-B966-4D03-9A27-2F273A7970B7}"/>
               </a:ext>
             </a:extLst>
           </p:cNvPr>
@@ -24578,7 +24636,7 @@
           <p:cNvPr id="5" name="Footer Placeholder 4">
             <a:extLst>
               <a:ext uri="{FF2B5EF4-FFF2-40B4-BE49-F238E27FC236}">
-                <a16:creationId xmlns:a16="http://schemas.microsoft.com/office/drawing/2014/main" id="{527A8496-2167-4D9D-A7F1-E07F56501D63}"/>
+                <a16:creationId xmlns:a16="http://schemas.microsoft.com/office/drawing/2014/main" xmlns="" id="{527A8496-2167-4D9D-A7F1-E07F56501D63}"/>
               </a:ext>
             </a:extLst>
           </p:cNvPr>
@@ -24635,7 +24693,7 @@
           <p:cNvPr id="6" name="Slide Number Placeholder 5">
             <a:extLst>
               <a:ext uri="{FF2B5EF4-FFF2-40B4-BE49-F238E27FC236}">
-                <a16:creationId xmlns:a16="http://schemas.microsoft.com/office/drawing/2014/main" id="{0D883F77-16A4-4D6A-864F-5E7655260333}"/>
+                <a16:creationId xmlns:a16="http://schemas.microsoft.com/office/drawing/2014/main" xmlns="" id="{0D883F77-16A4-4D6A-864F-5E7655260333}"/>
               </a:ext>
             </a:extLst>
           </p:cNvPr>
@@ -24665,7 +24723,7 @@
           <p:cNvPr id="14" name="Content Placeholder 13" descr="A close up of a map&#10;&#10;Description generated with very high confidence">
             <a:extLst>
               <a:ext uri="{FF2B5EF4-FFF2-40B4-BE49-F238E27FC236}">
-                <a16:creationId xmlns:a16="http://schemas.microsoft.com/office/drawing/2014/main" id="{68108ED2-CE41-4CF2-9B55-A91EEDDAB740}"/>
+                <a16:creationId xmlns:a16="http://schemas.microsoft.com/office/drawing/2014/main" xmlns="" id="{68108ED2-CE41-4CF2-9B55-A91EEDDAB740}"/>
               </a:ext>
             </a:extLst>
           </p:cNvPr>
@@ -24700,7 +24758,7 @@
           <p:cNvPr id="15" name="Title 1">
             <a:extLst>
               <a:ext uri="{FF2B5EF4-FFF2-40B4-BE49-F238E27FC236}">
-                <a16:creationId xmlns:a16="http://schemas.microsoft.com/office/drawing/2014/main" id="{D876B46F-79A6-44FA-B0B9-89AF6E35ECB6}"/>
+                <a16:creationId xmlns:a16="http://schemas.microsoft.com/office/drawing/2014/main" xmlns="" id="{D876B46F-79A6-44FA-B0B9-89AF6E35ECB6}"/>
               </a:ext>
             </a:extLst>
           </p:cNvPr>
@@ -24764,7 +24822,7 @@
           <p:cNvPr id="16" name="TextBox 15">
             <a:extLst>
               <a:ext uri="{FF2B5EF4-FFF2-40B4-BE49-F238E27FC236}">
-                <a16:creationId xmlns:a16="http://schemas.microsoft.com/office/drawing/2014/main" id="{ECDA6270-EC71-488D-8E5F-D6DB48795941}"/>
+                <a16:creationId xmlns:a16="http://schemas.microsoft.com/office/drawing/2014/main" xmlns="" id="{ECDA6270-EC71-488D-8E5F-D6DB48795941}"/>
               </a:ext>
             </a:extLst>
           </p:cNvPr>
@@ -25220,7 +25278,7 @@
           <p:cNvPr id="2" name="Title 1">
             <a:extLst>
               <a:ext uri="{FF2B5EF4-FFF2-40B4-BE49-F238E27FC236}">
-                <a16:creationId xmlns:a16="http://schemas.microsoft.com/office/drawing/2014/main" id="{E9494603-1C22-4A8B-96DB-3D42D3B82802}"/>
+                <a16:creationId xmlns:a16="http://schemas.microsoft.com/office/drawing/2014/main" xmlns="" id="{E9494603-1C22-4A8B-96DB-3D42D3B82802}"/>
               </a:ext>
             </a:extLst>
           </p:cNvPr>
@@ -25248,7 +25306,7 @@
           <p:cNvPr id="3" name="Content Placeholder 2">
             <a:extLst>
               <a:ext uri="{FF2B5EF4-FFF2-40B4-BE49-F238E27FC236}">
-                <a16:creationId xmlns:a16="http://schemas.microsoft.com/office/drawing/2014/main" id="{84F0F037-A703-4FE5-A20E-E873E5DCE356}"/>
+                <a16:creationId xmlns:a16="http://schemas.microsoft.com/office/drawing/2014/main" xmlns="" id="{84F0F037-A703-4FE5-A20E-E873E5DCE356}"/>
               </a:ext>
             </a:extLst>
           </p:cNvPr>
@@ -25509,7 +25567,7 @@
           <p:cNvPr id="4" name="Footer Placeholder 3">
             <a:extLst>
               <a:ext uri="{FF2B5EF4-FFF2-40B4-BE49-F238E27FC236}">
-                <a16:creationId xmlns:a16="http://schemas.microsoft.com/office/drawing/2014/main" id="{E1B43182-D327-45AA-BBE2-67B83983E1E7}"/>
+                <a16:creationId xmlns:a16="http://schemas.microsoft.com/office/drawing/2014/main" xmlns="" id="{E1B43182-D327-45AA-BBE2-67B83983E1E7}"/>
               </a:ext>
             </a:extLst>
           </p:cNvPr>
@@ -25566,7 +25624,7 @@
           <p:cNvPr id="5" name="Slide Number Placeholder 4">
             <a:extLst>
               <a:ext uri="{FF2B5EF4-FFF2-40B4-BE49-F238E27FC236}">
-                <a16:creationId xmlns:a16="http://schemas.microsoft.com/office/drawing/2014/main" id="{32AFE35B-758B-4A31-A289-5F105EBA2AAD}"/>
+                <a16:creationId xmlns:a16="http://schemas.microsoft.com/office/drawing/2014/main" xmlns="" id="{32AFE35B-758B-4A31-A289-5F105EBA2AAD}"/>
               </a:ext>
             </a:extLst>
           </p:cNvPr>
@@ -25601,6 +25659,13 @@
   <p:clrMapOvr>
     <a:masterClrMapping/>
   </p:clrMapOvr>
+  <p:timing>
+    <p:tnLst>
+      <p:par>
+        <p:cTn id="1" dur="indefinite" restart="never" nodeType="tmRoot"/>
+      </p:par>
+    </p:tnLst>
+  </p:timing>
 </p:sld>
 </file>
 
@@ -25626,7 +25691,7 @@
           <p:cNvPr id="2" name="Title 1">
             <a:extLst>
               <a:ext uri="{FF2B5EF4-FFF2-40B4-BE49-F238E27FC236}">
-                <a16:creationId xmlns:a16="http://schemas.microsoft.com/office/drawing/2014/main" id="{17A8BB3D-2D35-4F66-AFB4-2A9AE7681862}"/>
+                <a16:creationId xmlns:a16="http://schemas.microsoft.com/office/drawing/2014/main" xmlns="" id="{17A8BB3D-2D35-4F66-AFB4-2A9AE7681862}"/>
               </a:ext>
             </a:extLst>
           </p:cNvPr>
@@ -25660,7 +25725,7 @@
           <p:cNvPr id="3" name="Footer Placeholder 2">
             <a:extLst>
               <a:ext uri="{FF2B5EF4-FFF2-40B4-BE49-F238E27FC236}">
-                <a16:creationId xmlns:a16="http://schemas.microsoft.com/office/drawing/2014/main" id="{11862E8A-91FD-4C41-A192-DB3D27D88824}"/>
+                <a16:creationId xmlns:a16="http://schemas.microsoft.com/office/drawing/2014/main" xmlns="" id="{11862E8A-91FD-4C41-A192-DB3D27D88824}"/>
               </a:ext>
             </a:extLst>
           </p:cNvPr>
@@ -25717,7 +25782,7 @@
           <p:cNvPr id="4" name="Slide Number Placeholder 3">
             <a:extLst>
               <a:ext uri="{FF2B5EF4-FFF2-40B4-BE49-F238E27FC236}">
-                <a16:creationId xmlns:a16="http://schemas.microsoft.com/office/drawing/2014/main" id="{9DA5ED20-07EE-4130-97A2-FC2FBDDF57B9}"/>
+                <a16:creationId xmlns:a16="http://schemas.microsoft.com/office/drawing/2014/main" xmlns="" id="{9DA5ED20-07EE-4130-97A2-FC2FBDDF57B9}"/>
               </a:ext>
             </a:extLst>
           </p:cNvPr>
@@ -25752,6 +25817,13 @@
   <p:clrMapOvr>
     <a:masterClrMapping/>
   </p:clrMapOvr>
+  <p:timing>
+    <p:tnLst>
+      <p:par>
+        <p:cTn id="1" dur="indefinite" restart="never" nodeType="tmRoot"/>
+      </p:par>
+    </p:tnLst>
+  </p:timing>
 </p:sld>
 </file>
 
@@ -25874,7 +25946,7 @@
           <p:cNvPr id="10" name="Content Placeholder 9" descr="A picture containing writing implement, stationary, pencil&#10;&#10;Description generated with very high confidence">
             <a:extLst>
               <a:ext uri="{FF2B5EF4-FFF2-40B4-BE49-F238E27FC236}">
-                <a16:creationId xmlns:a16="http://schemas.microsoft.com/office/drawing/2014/main" id="{6A2279EC-6199-4550-A04B-49AEC7FAB4A2}"/>
+                <a16:creationId xmlns:a16="http://schemas.microsoft.com/office/drawing/2014/main" xmlns="" id="{6A2279EC-6199-4550-A04B-49AEC7FAB4A2}"/>
               </a:ext>
             </a:extLst>
           </p:cNvPr>
@@ -25909,7 +25981,7 @@
           <p:cNvPr id="14" name="Content Placeholder 13" descr="A picture containing stationary&#10;&#10;Description generated with high confidence">
             <a:extLst>
               <a:ext uri="{FF2B5EF4-FFF2-40B4-BE49-F238E27FC236}">
-                <a16:creationId xmlns:a16="http://schemas.microsoft.com/office/drawing/2014/main" id="{81819DC7-CA2F-4965-A125-662C3B79A4F5}"/>
+                <a16:creationId xmlns:a16="http://schemas.microsoft.com/office/drawing/2014/main" xmlns="" id="{81819DC7-CA2F-4965-A125-662C3B79A4F5}"/>
               </a:ext>
             </a:extLst>
           </p:cNvPr>
@@ -25939,14 +26011,14 @@
           </a:xfrm>
         </p:spPr>
       </p:pic>
-      <mc:AlternateContent xmlns:mc="http://schemas.openxmlformats.org/markup-compatibility/2006">
-        <mc:Choice xmlns:a14="http://schemas.microsoft.com/office/drawing/2010/main" Requires="a14">
+      <mc:AlternateContent xmlns:mc="http://schemas.openxmlformats.org/markup-compatibility/2006" xmlns:a14="http://schemas.microsoft.com/office/drawing/2010/main">
+        <mc:Choice Requires="a14">
           <p:sp>
             <p:nvSpPr>
               <p:cNvPr id="7" name="TextBox 6">
                 <a:extLst>
                   <a:ext uri="{FF2B5EF4-FFF2-40B4-BE49-F238E27FC236}">
-                    <a16:creationId xmlns:a16="http://schemas.microsoft.com/office/drawing/2014/main" id="{29E2EA99-4EA3-4FA6-A203-F59B82BB3CC4}"/>
+                    <a16:creationId xmlns:a16="http://schemas.microsoft.com/office/drawing/2014/main" xmlns="" id="{29E2EA99-4EA3-4FA6-A203-F59B82BB3CC4}"/>
                   </a:ext>
                 </a:extLst>
               </p:cNvPr>
@@ -26010,7 +26082,7 @@
             </p:txBody>
           </p:sp>
         </mc:Choice>
-        <mc:Fallback>
+        <mc:Fallback xmlns="">
           <p:sp>
             <p:nvSpPr>
               <p:cNvPr id="7" name="TextBox 6">
@@ -26060,7 +26132,7 @@
           <p:cNvPr id="8" name="TextBox 7">
             <a:extLst>
               <a:ext uri="{FF2B5EF4-FFF2-40B4-BE49-F238E27FC236}">
-                <a16:creationId xmlns:a16="http://schemas.microsoft.com/office/drawing/2014/main" id="{3F71761C-517A-47EB-9DAD-CD5B55CE25E6}"/>
+                <a16:creationId xmlns:a16="http://schemas.microsoft.com/office/drawing/2014/main" xmlns="" id="{3F71761C-517A-47EB-9DAD-CD5B55CE25E6}"/>
               </a:ext>
             </a:extLst>
           </p:cNvPr>
@@ -26413,7 +26485,7 @@
           <p:cNvPr id="9" name="Content Placeholder 8" descr="A close up of a map&#10;&#10;Description generated with very high confidence">
             <a:extLst>
               <a:ext uri="{FF2B5EF4-FFF2-40B4-BE49-F238E27FC236}">
-                <a16:creationId xmlns:a16="http://schemas.microsoft.com/office/drawing/2014/main" id="{E778F286-CFBD-4176-AB1C-36E819F1257E}"/>
+                <a16:creationId xmlns:a16="http://schemas.microsoft.com/office/drawing/2014/main" xmlns="" id="{E778F286-CFBD-4176-AB1C-36E819F1257E}"/>
               </a:ext>
             </a:extLst>
           </p:cNvPr>
@@ -26448,7 +26520,7 @@
           <p:cNvPr id="11" name="TextBox 10">
             <a:extLst>
               <a:ext uri="{FF2B5EF4-FFF2-40B4-BE49-F238E27FC236}">
-                <a16:creationId xmlns:a16="http://schemas.microsoft.com/office/drawing/2014/main" id="{B84D3093-F089-4E18-A02C-1D06303D0AEA}"/>
+                <a16:creationId xmlns:a16="http://schemas.microsoft.com/office/drawing/2014/main" xmlns="" id="{B84D3093-F089-4E18-A02C-1D06303D0AEA}"/>
               </a:ext>
             </a:extLst>
           </p:cNvPr>
@@ -26905,7 +26977,7 @@
           <p:cNvPr id="2" name="Title 1">
             <a:extLst>
               <a:ext uri="{FF2B5EF4-FFF2-40B4-BE49-F238E27FC236}">
-                <a16:creationId xmlns:a16="http://schemas.microsoft.com/office/drawing/2014/main" id="{E9494603-1C22-4A8B-96DB-3D42D3B82802}"/>
+                <a16:creationId xmlns:a16="http://schemas.microsoft.com/office/drawing/2014/main" xmlns="" id="{E9494603-1C22-4A8B-96DB-3D42D3B82802}"/>
               </a:ext>
             </a:extLst>
           </p:cNvPr>
@@ -26933,7 +27005,7 @@
           <p:cNvPr id="3" name="Content Placeholder 2">
             <a:extLst>
               <a:ext uri="{FF2B5EF4-FFF2-40B4-BE49-F238E27FC236}">
-                <a16:creationId xmlns:a16="http://schemas.microsoft.com/office/drawing/2014/main" id="{84F0F037-A703-4FE5-A20E-E873E5DCE356}"/>
+                <a16:creationId xmlns:a16="http://schemas.microsoft.com/office/drawing/2014/main" xmlns="" id="{84F0F037-A703-4FE5-A20E-E873E5DCE356}"/>
               </a:ext>
             </a:extLst>
           </p:cNvPr>
@@ -27194,7 +27266,7 @@
           <p:cNvPr id="4" name="Footer Placeholder 3">
             <a:extLst>
               <a:ext uri="{FF2B5EF4-FFF2-40B4-BE49-F238E27FC236}">
-                <a16:creationId xmlns:a16="http://schemas.microsoft.com/office/drawing/2014/main" id="{E1B43182-D327-45AA-BBE2-67B83983E1E7}"/>
+                <a16:creationId xmlns:a16="http://schemas.microsoft.com/office/drawing/2014/main" xmlns="" id="{E1B43182-D327-45AA-BBE2-67B83983E1E7}"/>
               </a:ext>
             </a:extLst>
           </p:cNvPr>
@@ -27251,7 +27323,7 @@
           <p:cNvPr id="5" name="Slide Number Placeholder 4">
             <a:extLst>
               <a:ext uri="{FF2B5EF4-FFF2-40B4-BE49-F238E27FC236}">
-                <a16:creationId xmlns:a16="http://schemas.microsoft.com/office/drawing/2014/main" id="{32AFE35B-758B-4A31-A289-5F105EBA2AAD}"/>
+                <a16:creationId xmlns:a16="http://schemas.microsoft.com/office/drawing/2014/main" xmlns="" id="{32AFE35B-758B-4A31-A289-5F105EBA2AAD}"/>
               </a:ext>
             </a:extLst>
           </p:cNvPr>
@@ -27286,6 +27358,13 @@
   <p:clrMapOvr>
     <a:masterClrMapping/>
   </p:clrMapOvr>
+  <p:timing>
+    <p:tnLst>
+      <p:par>
+        <p:cTn id="1" dur="indefinite" restart="never" nodeType="tmRoot"/>
+      </p:par>
+    </p:tnLst>
+  </p:timing>
 </p:sld>
 </file>
 
@@ -27311,7 +27390,7 @@
           <p:cNvPr id="2" name="Title 1">
             <a:extLst>
               <a:ext uri="{FF2B5EF4-FFF2-40B4-BE49-F238E27FC236}">
-                <a16:creationId xmlns:a16="http://schemas.microsoft.com/office/drawing/2014/main" id="{095F985D-3AA4-4815-97D5-8FFAD0B4ABEC}"/>
+                <a16:creationId xmlns:a16="http://schemas.microsoft.com/office/drawing/2014/main" xmlns="" id="{095F985D-3AA4-4815-97D5-8FFAD0B4ABEC}"/>
               </a:ext>
             </a:extLst>
           </p:cNvPr>
@@ -27339,7 +27418,7 @@
           <p:cNvPr id="7" name="Content Placeholder 6" descr="A picture containing screenshot&#10;&#10;Description generated with very high confidence">
             <a:extLst>
               <a:ext uri="{FF2B5EF4-FFF2-40B4-BE49-F238E27FC236}">
-                <a16:creationId xmlns:a16="http://schemas.microsoft.com/office/drawing/2014/main" id="{4B532FB5-3148-444B-AC79-34404074FC4E}"/>
+                <a16:creationId xmlns:a16="http://schemas.microsoft.com/office/drawing/2014/main" xmlns="" id="{4B532FB5-3148-444B-AC79-34404074FC4E}"/>
               </a:ext>
             </a:extLst>
           </p:cNvPr>
@@ -27374,7 +27453,7 @@
           <p:cNvPr id="4" name="Footer Placeholder 3">
             <a:extLst>
               <a:ext uri="{FF2B5EF4-FFF2-40B4-BE49-F238E27FC236}">
-                <a16:creationId xmlns:a16="http://schemas.microsoft.com/office/drawing/2014/main" id="{0C933173-7F0A-4A6D-AD21-37FC450395B8}"/>
+                <a16:creationId xmlns:a16="http://schemas.microsoft.com/office/drawing/2014/main" xmlns="" id="{0C933173-7F0A-4A6D-AD21-37FC450395B8}"/>
               </a:ext>
             </a:extLst>
           </p:cNvPr>
@@ -27431,7 +27510,7 @@
           <p:cNvPr id="5" name="Slide Number Placeholder 4">
             <a:extLst>
               <a:ext uri="{FF2B5EF4-FFF2-40B4-BE49-F238E27FC236}">
-                <a16:creationId xmlns:a16="http://schemas.microsoft.com/office/drawing/2014/main" id="{E31208DF-6244-4DA5-8048-3BEAA7768E2E}"/>
+                <a16:creationId xmlns:a16="http://schemas.microsoft.com/office/drawing/2014/main" xmlns="" id="{E31208DF-6244-4DA5-8048-3BEAA7768E2E}"/>
               </a:ext>
             </a:extLst>
           </p:cNvPr>
@@ -27456,14 +27535,14 @@
           </a:p>
         </p:txBody>
       </p:sp>
-      <mc:AlternateContent xmlns:mc="http://schemas.openxmlformats.org/markup-compatibility/2006">
-        <mc:Choice xmlns:a14="http://schemas.microsoft.com/office/drawing/2010/main" Requires="a14">
+      <mc:AlternateContent xmlns:mc="http://schemas.openxmlformats.org/markup-compatibility/2006" xmlns:a14="http://schemas.microsoft.com/office/drawing/2010/main">
+        <mc:Choice Requires="a14">
           <p:sp>
             <p:nvSpPr>
               <p:cNvPr id="6" name="TextBox 5">
                 <a:extLst>
                   <a:ext uri="{FF2B5EF4-FFF2-40B4-BE49-F238E27FC236}">
-                    <a16:creationId xmlns:a16="http://schemas.microsoft.com/office/drawing/2014/main" id="{738E71BF-8253-40FA-9FD5-8C483ADF4613}"/>
+                    <a16:creationId xmlns:a16="http://schemas.microsoft.com/office/drawing/2014/main" xmlns="" id="{738E71BF-8253-40FA-9FD5-8C483ADF4613}"/>
                   </a:ext>
                 </a:extLst>
               </p:cNvPr>
@@ -27527,7 +27606,7 @@
             </p:txBody>
           </p:sp>
         </mc:Choice>
-        <mc:Fallback>
+        <mc:Fallback xmlns="">
           <p:sp>
             <p:nvSpPr>
               <p:cNvPr id="6" name="TextBox 5">
@@ -27693,7 +27772,7 @@
           <p:cNvPr id="2" name="Title 1">
             <a:extLst>
               <a:ext uri="{FF2B5EF4-FFF2-40B4-BE49-F238E27FC236}">
-                <a16:creationId xmlns:a16="http://schemas.microsoft.com/office/drawing/2014/main" id="{5CE6485A-8069-4667-8F25-BD25E6775096}"/>
+                <a16:creationId xmlns:a16="http://schemas.microsoft.com/office/drawing/2014/main" xmlns="" id="{5CE6485A-8069-4667-8F25-BD25E6775096}"/>
               </a:ext>
             </a:extLst>
           </p:cNvPr>
@@ -27721,7 +27800,7 @@
           <p:cNvPr id="7" name="Content Placeholder 6" descr="A picture containing screenshot&#10;&#10;Description generated with very high confidence">
             <a:extLst>
               <a:ext uri="{FF2B5EF4-FFF2-40B4-BE49-F238E27FC236}">
-                <a16:creationId xmlns:a16="http://schemas.microsoft.com/office/drawing/2014/main" id="{577919D3-17BE-4A67-B79B-9CD313D0AAD6}"/>
+                <a16:creationId xmlns:a16="http://schemas.microsoft.com/office/drawing/2014/main" xmlns="" id="{577919D3-17BE-4A67-B79B-9CD313D0AAD6}"/>
               </a:ext>
             </a:extLst>
           </p:cNvPr>
@@ -27756,7 +27835,7 @@
           <p:cNvPr id="4" name="Footer Placeholder 3">
             <a:extLst>
               <a:ext uri="{FF2B5EF4-FFF2-40B4-BE49-F238E27FC236}">
-                <a16:creationId xmlns:a16="http://schemas.microsoft.com/office/drawing/2014/main" id="{D7794539-2014-4F0D-8ACA-BE854275BB6C}"/>
+                <a16:creationId xmlns:a16="http://schemas.microsoft.com/office/drawing/2014/main" xmlns="" id="{D7794539-2014-4F0D-8ACA-BE854275BB6C}"/>
               </a:ext>
             </a:extLst>
           </p:cNvPr>
@@ -27813,7 +27892,7 @@
           <p:cNvPr id="5" name="Slide Number Placeholder 4">
             <a:extLst>
               <a:ext uri="{FF2B5EF4-FFF2-40B4-BE49-F238E27FC236}">
-                <a16:creationId xmlns:a16="http://schemas.microsoft.com/office/drawing/2014/main" id="{B14CF67A-4C0D-42E8-8422-A0EC36F55E5D}"/>
+                <a16:creationId xmlns:a16="http://schemas.microsoft.com/office/drawing/2014/main" xmlns="" id="{B14CF67A-4C0D-42E8-8422-A0EC36F55E5D}"/>
               </a:ext>
             </a:extLst>
           </p:cNvPr>
@@ -27843,7 +27922,7 @@
           <p:cNvPr id="8" name="TextBox 7">
             <a:extLst>
               <a:ext uri="{FF2B5EF4-FFF2-40B4-BE49-F238E27FC236}">
-                <a16:creationId xmlns:a16="http://schemas.microsoft.com/office/drawing/2014/main" id="{750E3A72-6DAB-49D2-BC00-5C345BFA13E3}"/>
+                <a16:creationId xmlns:a16="http://schemas.microsoft.com/office/drawing/2014/main" xmlns="" id="{750E3A72-6DAB-49D2-BC00-5C345BFA13E3}"/>
               </a:ext>
             </a:extLst>
           </p:cNvPr>
@@ -28091,7 +28170,7 @@
           <p:cNvPr id="15" name="Content Placeholder 14" descr="A close up of a map&#10;&#10;Description generated with very high confidence">
             <a:extLst>
               <a:ext uri="{FF2B5EF4-FFF2-40B4-BE49-F238E27FC236}">
-                <a16:creationId xmlns:a16="http://schemas.microsoft.com/office/drawing/2014/main" id="{C42A599A-433A-4488-AD6E-322AC6356A13}"/>
+                <a16:creationId xmlns:a16="http://schemas.microsoft.com/office/drawing/2014/main" xmlns="" id="{C42A599A-433A-4488-AD6E-322AC6356A13}"/>
               </a:ext>
             </a:extLst>
           </p:cNvPr>
@@ -28126,7 +28205,7 @@
           <p:cNvPr id="16" name="TextBox 15">
             <a:extLst>
               <a:ext uri="{FF2B5EF4-FFF2-40B4-BE49-F238E27FC236}">
-                <a16:creationId xmlns:a16="http://schemas.microsoft.com/office/drawing/2014/main" id="{75334F2B-2C9C-4C17-909D-FE129119752B}"/>
+                <a16:creationId xmlns:a16="http://schemas.microsoft.com/office/drawing/2014/main" xmlns="" id="{75334F2B-2C9C-4C17-909D-FE129119752B}"/>
               </a:ext>
             </a:extLst>
           </p:cNvPr>
@@ -28277,7 +28356,7 @@
           <p:cNvPr id="2" name="Title 1">
             <a:extLst>
               <a:ext uri="{FF2B5EF4-FFF2-40B4-BE49-F238E27FC236}">
-                <a16:creationId xmlns:a16="http://schemas.microsoft.com/office/drawing/2014/main" id="{E9494603-1C22-4A8B-96DB-3D42D3B82802}"/>
+                <a16:creationId xmlns:a16="http://schemas.microsoft.com/office/drawing/2014/main" xmlns="" id="{E9494603-1C22-4A8B-96DB-3D42D3B82802}"/>
               </a:ext>
             </a:extLst>
           </p:cNvPr>
@@ -28305,7 +28384,7 @@
           <p:cNvPr id="3" name="Content Placeholder 2">
             <a:extLst>
               <a:ext uri="{FF2B5EF4-FFF2-40B4-BE49-F238E27FC236}">
-                <a16:creationId xmlns:a16="http://schemas.microsoft.com/office/drawing/2014/main" id="{84F0F037-A703-4FE5-A20E-E873E5DCE356}"/>
+                <a16:creationId xmlns:a16="http://schemas.microsoft.com/office/drawing/2014/main" xmlns="" id="{84F0F037-A703-4FE5-A20E-E873E5DCE356}"/>
               </a:ext>
             </a:extLst>
           </p:cNvPr>
@@ -28566,7 +28645,7 @@
           <p:cNvPr id="4" name="Footer Placeholder 3">
             <a:extLst>
               <a:ext uri="{FF2B5EF4-FFF2-40B4-BE49-F238E27FC236}">
-                <a16:creationId xmlns:a16="http://schemas.microsoft.com/office/drawing/2014/main" id="{E1B43182-D327-45AA-BBE2-67B83983E1E7}"/>
+                <a16:creationId xmlns:a16="http://schemas.microsoft.com/office/drawing/2014/main" xmlns="" id="{E1B43182-D327-45AA-BBE2-67B83983E1E7}"/>
               </a:ext>
             </a:extLst>
           </p:cNvPr>
@@ -28623,7 +28702,7 @@
           <p:cNvPr id="5" name="Slide Number Placeholder 4">
             <a:extLst>
               <a:ext uri="{FF2B5EF4-FFF2-40B4-BE49-F238E27FC236}">
-                <a16:creationId xmlns:a16="http://schemas.microsoft.com/office/drawing/2014/main" id="{32AFE35B-758B-4A31-A289-5F105EBA2AAD}"/>
+                <a16:creationId xmlns:a16="http://schemas.microsoft.com/office/drawing/2014/main" xmlns="" id="{32AFE35B-758B-4A31-A289-5F105EBA2AAD}"/>
               </a:ext>
             </a:extLst>
           </p:cNvPr>
@@ -28658,6 +28737,13 @@
   <p:clrMapOvr>
     <a:masterClrMapping/>
   </p:clrMapOvr>
+  <p:timing>
+    <p:tnLst>
+      <p:par>
+        <p:cTn id="1" dur="indefinite" restart="never" nodeType="tmRoot"/>
+      </p:par>
+    </p:tnLst>
+  </p:timing>
 </p:sld>
 </file>
 
@@ -28683,7 +28769,7 @@
           <p:cNvPr id="2" name="Title 1">
             <a:extLst>
               <a:ext uri="{FF2B5EF4-FFF2-40B4-BE49-F238E27FC236}">
-                <a16:creationId xmlns:a16="http://schemas.microsoft.com/office/drawing/2014/main" id="{AC6F5310-011B-4009-94E8-352B168BCBFC}"/>
+                <a16:creationId xmlns:a16="http://schemas.microsoft.com/office/drawing/2014/main" xmlns="" id="{AC6F5310-011B-4009-94E8-352B168BCBFC}"/>
               </a:ext>
             </a:extLst>
           </p:cNvPr>
@@ -28711,7 +28797,7 @@
           <p:cNvPr id="8" name="Content Placeholder 7" descr="A picture containing screenshot&#10;&#10;Description generated with very high confidence">
             <a:extLst>
               <a:ext uri="{FF2B5EF4-FFF2-40B4-BE49-F238E27FC236}">
-                <a16:creationId xmlns:a16="http://schemas.microsoft.com/office/drawing/2014/main" id="{D58C44BD-1178-4B33-8E41-5C4F08E7731D}"/>
+                <a16:creationId xmlns:a16="http://schemas.microsoft.com/office/drawing/2014/main" xmlns="" id="{D58C44BD-1178-4B33-8E41-5C4F08E7731D}"/>
               </a:ext>
             </a:extLst>
           </p:cNvPr>
@@ -28746,7 +28832,7 @@
           <p:cNvPr id="10" name="Content Placeholder 9" descr="A picture containing screenshot&#10;&#10;Description generated with very high confidence">
             <a:extLst>
               <a:ext uri="{FF2B5EF4-FFF2-40B4-BE49-F238E27FC236}">
-                <a16:creationId xmlns:a16="http://schemas.microsoft.com/office/drawing/2014/main" id="{DA72824A-C3FD-4FEA-80BA-B1232E809B19}"/>
+                <a16:creationId xmlns:a16="http://schemas.microsoft.com/office/drawing/2014/main" xmlns="" id="{DA72824A-C3FD-4FEA-80BA-B1232E809B19}"/>
               </a:ext>
             </a:extLst>
           </p:cNvPr>
@@ -28781,7 +28867,7 @@
           <p:cNvPr id="5" name="Footer Placeholder 4">
             <a:extLst>
               <a:ext uri="{FF2B5EF4-FFF2-40B4-BE49-F238E27FC236}">
-                <a16:creationId xmlns:a16="http://schemas.microsoft.com/office/drawing/2014/main" id="{06EEE054-49DD-41B0-A6B3-9D83BB88D0C7}"/>
+                <a16:creationId xmlns:a16="http://schemas.microsoft.com/office/drawing/2014/main" xmlns="" id="{06EEE054-49DD-41B0-A6B3-9D83BB88D0C7}"/>
               </a:ext>
             </a:extLst>
           </p:cNvPr>
@@ -28838,7 +28924,7 @@
           <p:cNvPr id="6" name="Slide Number Placeholder 5">
             <a:extLst>
               <a:ext uri="{FF2B5EF4-FFF2-40B4-BE49-F238E27FC236}">
-                <a16:creationId xmlns:a16="http://schemas.microsoft.com/office/drawing/2014/main" id="{464AE381-8CCB-46D5-98E3-44C23DFF523E}"/>
+                <a16:creationId xmlns:a16="http://schemas.microsoft.com/office/drawing/2014/main" xmlns="" id="{464AE381-8CCB-46D5-98E3-44C23DFF523E}"/>
               </a:ext>
             </a:extLst>
           </p:cNvPr>
@@ -28868,7 +28954,7 @@
           <p:cNvPr id="7" name="TextBox 6">
             <a:extLst>
               <a:ext uri="{FF2B5EF4-FFF2-40B4-BE49-F238E27FC236}">
-                <a16:creationId xmlns:a16="http://schemas.microsoft.com/office/drawing/2014/main" id="{5819F12B-E413-4B31-9EF5-E9F6AA1DDCE9}"/>
+                <a16:creationId xmlns:a16="http://schemas.microsoft.com/office/drawing/2014/main" xmlns="" id="{5819F12B-E413-4B31-9EF5-E9F6AA1DDCE9}"/>
               </a:ext>
             </a:extLst>
           </p:cNvPr>
@@ -28878,7 +28964,7 @@
         <p:spPr>
           <a:xfrm>
             <a:off x="1173005" y="4388799"/>
-            <a:ext cx="2223686" cy="369332"/>
+            <a:ext cx="1492716" cy="369332"/>
           </a:xfrm>
           <a:prstGeom prst="rect">
             <a:avLst/>
@@ -28893,7 +28979,15 @@
           <a:p>
             <a:r>
               <a:rPr lang="en-US" dirty="0"/>
-              <a:t>Almost highest PPV</a:t>
+              <a:t>H</a:t>
+            </a:r>
+            <a:r>
+              <a:rPr lang="en-US" dirty="0" smtClean="0"/>
+              <a:t>ighest </a:t>
+            </a:r>
+            <a:r>
+              <a:rPr lang="en-US" dirty="0"/>
+              <a:t>PPV</a:t>
             </a:r>
           </a:p>
         </p:txBody>
@@ -28903,7 +28997,7 @@
           <p:cNvPr id="9" name="TextBox 8">
             <a:extLst>
               <a:ext uri="{FF2B5EF4-FFF2-40B4-BE49-F238E27FC236}">
-                <a16:creationId xmlns:a16="http://schemas.microsoft.com/office/drawing/2014/main" id="{7E068977-C6F8-425A-9843-30F24086AC98}"/>
+                <a16:creationId xmlns:a16="http://schemas.microsoft.com/office/drawing/2014/main" xmlns="" id="{7E068977-C6F8-425A-9843-30F24086AC98}"/>
               </a:ext>
             </a:extLst>
           </p:cNvPr>
@@ -29108,7 +29202,7 @@
           <p:cNvPr id="2" name="Title 1">
             <a:extLst>
               <a:ext uri="{FF2B5EF4-FFF2-40B4-BE49-F238E27FC236}">
-                <a16:creationId xmlns:a16="http://schemas.microsoft.com/office/drawing/2014/main" id="{E9494603-1C22-4A8B-96DB-3D42D3B82802}"/>
+                <a16:creationId xmlns:a16="http://schemas.microsoft.com/office/drawing/2014/main" xmlns="" id="{E9494603-1C22-4A8B-96DB-3D42D3B82802}"/>
               </a:ext>
             </a:extLst>
           </p:cNvPr>
@@ -29136,7 +29230,7 @@
           <p:cNvPr id="3" name="Content Placeholder 2">
             <a:extLst>
               <a:ext uri="{FF2B5EF4-FFF2-40B4-BE49-F238E27FC236}">
-                <a16:creationId xmlns:a16="http://schemas.microsoft.com/office/drawing/2014/main" id="{84F0F037-A703-4FE5-A20E-E873E5DCE356}"/>
+                <a16:creationId xmlns:a16="http://schemas.microsoft.com/office/drawing/2014/main" xmlns="" id="{84F0F037-A703-4FE5-A20E-E873E5DCE356}"/>
               </a:ext>
             </a:extLst>
           </p:cNvPr>
@@ -29297,7 +29391,7 @@
           <p:cNvPr id="4" name="Footer Placeholder 3">
             <a:extLst>
               <a:ext uri="{FF2B5EF4-FFF2-40B4-BE49-F238E27FC236}">
-                <a16:creationId xmlns:a16="http://schemas.microsoft.com/office/drawing/2014/main" id="{E1B43182-D327-45AA-BBE2-67B83983E1E7}"/>
+                <a16:creationId xmlns:a16="http://schemas.microsoft.com/office/drawing/2014/main" xmlns="" id="{E1B43182-D327-45AA-BBE2-67B83983E1E7}"/>
               </a:ext>
             </a:extLst>
           </p:cNvPr>
@@ -29354,7 +29448,7 @@
           <p:cNvPr id="5" name="Slide Number Placeholder 4">
             <a:extLst>
               <a:ext uri="{FF2B5EF4-FFF2-40B4-BE49-F238E27FC236}">
-                <a16:creationId xmlns:a16="http://schemas.microsoft.com/office/drawing/2014/main" id="{32AFE35B-758B-4A31-A289-5F105EBA2AAD}"/>
+                <a16:creationId xmlns:a16="http://schemas.microsoft.com/office/drawing/2014/main" xmlns="" id="{32AFE35B-758B-4A31-A289-5F105EBA2AAD}"/>
               </a:ext>
             </a:extLst>
           </p:cNvPr>
@@ -29389,6 +29483,13 @@
   <p:clrMapOvr>
     <a:masterClrMapping/>
   </p:clrMapOvr>
+  <p:timing>
+    <p:tnLst>
+      <p:par>
+        <p:cTn id="1" dur="indefinite" restart="never" nodeType="tmRoot"/>
+      </p:par>
+    </p:tnLst>
+  </p:timing>
 </p:sld>
 </file>
 
@@ -29448,7 +29549,15 @@
           <a:p>
             <a:r>
               <a:rPr lang="en-US" dirty="0"/>
-              <a:t>Group Lasso has the best performance in all different scenarios.</a:t>
+              <a:t>Group Lasso has the best </a:t>
+            </a:r>
+            <a:r>
+              <a:rPr lang="en-US" dirty="0" smtClean="0"/>
+              <a:t>performances </a:t>
+            </a:r>
+            <a:r>
+              <a:rPr lang="en-US" dirty="0"/>
+              <a:t>in all different scenarios.</a:t>
             </a:r>
           </a:p>
           <a:p>
@@ -29568,6 +29677,13 @@
   <p:clrMapOvr>
     <a:masterClrMapping/>
   </p:clrMapOvr>
+  <p:timing>
+    <p:tnLst>
+      <p:par>
+        <p:cTn id="1" dur="indefinite" restart="never" nodeType="tmRoot"/>
+      </p:par>
+    </p:tnLst>
+  </p:timing>
 </p:sld>
 </file>
 
@@ -29694,7 +29810,7 @@
           <p:cNvPr id="27" name="Picture 26">
             <a:extLst>
               <a:ext uri="{FF2B5EF4-FFF2-40B4-BE49-F238E27FC236}">
-                <a16:creationId xmlns:a16="http://schemas.microsoft.com/office/drawing/2014/main" id="{603D7664-7969-40A7-A2CA-66AF18DCCA66}"/>
+                <a16:creationId xmlns:a16="http://schemas.microsoft.com/office/drawing/2014/main" xmlns="" id="{603D7664-7969-40A7-A2CA-66AF18DCCA66}"/>
               </a:ext>
             </a:extLst>
           </p:cNvPr>
@@ -29730,7 +29846,7 @@
           <p:cNvPr id="29" name="Picture 28" descr="A picture containing sky&#10;&#10;Description generated with high confidence">
             <a:extLst>
               <a:ext uri="{FF2B5EF4-FFF2-40B4-BE49-F238E27FC236}">
-                <a16:creationId xmlns:a16="http://schemas.microsoft.com/office/drawing/2014/main" id="{236E797F-9D1D-43B1-B27C-ED9F80B6FE99}"/>
+                <a16:creationId xmlns:a16="http://schemas.microsoft.com/office/drawing/2014/main" xmlns="" id="{236E797F-9D1D-43B1-B27C-ED9F80B6FE99}"/>
               </a:ext>
             </a:extLst>
           </p:cNvPr>
@@ -29766,7 +29882,7 @@
           <p:cNvPr id="31" name="Picture 30">
             <a:extLst>
               <a:ext uri="{FF2B5EF4-FFF2-40B4-BE49-F238E27FC236}">
-                <a16:creationId xmlns:a16="http://schemas.microsoft.com/office/drawing/2014/main" id="{C7376AA4-DC75-4ADE-AD3F-F55381E32CD9}"/>
+                <a16:creationId xmlns:a16="http://schemas.microsoft.com/office/drawing/2014/main" xmlns="" id="{C7376AA4-DC75-4ADE-AD3F-F55381E32CD9}"/>
               </a:ext>
             </a:extLst>
           </p:cNvPr>
@@ -29802,7 +29918,7 @@
           <p:cNvPr id="33" name="Picture 32" descr="A close up of a light&#10;&#10;Description generated with high confidence">
             <a:extLst>
               <a:ext uri="{FF2B5EF4-FFF2-40B4-BE49-F238E27FC236}">
-                <a16:creationId xmlns:a16="http://schemas.microsoft.com/office/drawing/2014/main" id="{04867F30-F0D7-4BBC-BCDA-50F5C2FBC8C9}"/>
+                <a16:creationId xmlns:a16="http://schemas.microsoft.com/office/drawing/2014/main" xmlns="" id="{04867F30-F0D7-4BBC-BCDA-50F5C2FBC8C9}"/>
               </a:ext>
             </a:extLst>
           </p:cNvPr>
@@ -29838,7 +29954,7 @@
           <p:cNvPr id="34" name="Content Placeholder 12" descr="A screenshot of a cell phone&#10;&#10;Description generated with very high confidence">
             <a:extLst>
               <a:ext uri="{FF2B5EF4-FFF2-40B4-BE49-F238E27FC236}">
-                <a16:creationId xmlns:a16="http://schemas.microsoft.com/office/drawing/2014/main" id="{06803ADF-AE0F-439B-9A5F-9E311C94D3EF}"/>
+                <a16:creationId xmlns:a16="http://schemas.microsoft.com/office/drawing/2014/main" xmlns="" id="{06803ADF-AE0F-439B-9A5F-9E311C94D3EF}"/>
               </a:ext>
             </a:extLst>
           </p:cNvPr>
@@ -29878,6 +29994,13 @@
   <p:clrMapOvr>
     <a:masterClrMapping/>
   </p:clrMapOvr>
+  <p:timing>
+    <p:tnLst>
+      <p:par>
+        <p:cTn id="1" dur="indefinite" restart="never" nodeType="tmRoot"/>
+      </p:par>
+    </p:tnLst>
+  </p:timing>
 </p:sld>
 </file>
 
@@ -30662,6 +30785,13 @@
   <p:clrMapOvr>
     <a:masterClrMapping/>
   </p:clrMapOvr>
+  <p:timing>
+    <p:tnLst>
+      <p:par>
+        <p:cTn id="1" dur="indefinite" restart="never" nodeType="tmRoot"/>
+      </p:par>
+    </p:tnLst>
+  </p:timing>
 </p:sld>
 </file>
 
@@ -30714,6 +30844,13 @@
   <p:clrMapOvr>
     <a:masterClrMapping/>
   </p:clrMapOvr>
+  <p:timing>
+    <p:tnLst>
+      <p:par>
+        <p:cTn id="1" dur="indefinite" restart="never" nodeType="tmRoot"/>
+      </p:par>
+    </p:tnLst>
+  </p:timing>
 </p:sld>
 </file>
 
@@ -30739,7 +30876,7 @@
           <p:cNvPr id="5" name="Footer Placeholder 4">
             <a:extLst>
               <a:ext uri="{FF2B5EF4-FFF2-40B4-BE49-F238E27FC236}">
-                <a16:creationId xmlns:a16="http://schemas.microsoft.com/office/drawing/2014/main" id="{6AC7966E-6694-4F89-AFC2-98BF0D06DAE2}"/>
+                <a16:creationId xmlns:a16="http://schemas.microsoft.com/office/drawing/2014/main" xmlns="" id="{6AC7966E-6694-4F89-AFC2-98BF0D06DAE2}"/>
               </a:ext>
             </a:extLst>
           </p:cNvPr>
@@ -30796,7 +30933,7 @@
           <p:cNvPr id="6" name="Slide Number Placeholder 5">
             <a:extLst>
               <a:ext uri="{FF2B5EF4-FFF2-40B4-BE49-F238E27FC236}">
-                <a16:creationId xmlns:a16="http://schemas.microsoft.com/office/drawing/2014/main" id="{75DC981C-CDAE-479D-AC14-3CE4B7209D43}"/>
+                <a16:creationId xmlns:a16="http://schemas.microsoft.com/office/drawing/2014/main" xmlns="" id="{75DC981C-CDAE-479D-AC14-3CE4B7209D43}"/>
               </a:ext>
             </a:extLst>
           </p:cNvPr>
@@ -30826,7 +30963,7 @@
           <p:cNvPr id="10" name="Rectangle 9">
             <a:extLst>
               <a:ext uri="{FF2B5EF4-FFF2-40B4-BE49-F238E27FC236}">
-                <a16:creationId xmlns:a16="http://schemas.microsoft.com/office/drawing/2014/main" id="{A94EB12A-E96E-4462-81D8-1E932FFBDDD4}"/>
+                <a16:creationId xmlns:a16="http://schemas.microsoft.com/office/drawing/2014/main" xmlns="" id="{A94EB12A-E96E-4462-81D8-1E932FFBDDD4}"/>
               </a:ext>
             </a:extLst>
           </p:cNvPr>
@@ -30878,7 +31015,7 @@
           <p:cNvPr id="17" name="Rectangle 16">
             <a:extLst>
               <a:ext uri="{FF2B5EF4-FFF2-40B4-BE49-F238E27FC236}">
-                <a16:creationId xmlns:a16="http://schemas.microsoft.com/office/drawing/2014/main" id="{1075960E-DBDE-45DA-AABF-71B555799A01}"/>
+                <a16:creationId xmlns:a16="http://schemas.microsoft.com/office/drawing/2014/main" xmlns="" id="{1075960E-DBDE-45DA-AABF-71B555799A01}"/>
               </a:ext>
             </a:extLst>
           </p:cNvPr>
@@ -30930,7 +31067,7 @@
           <p:cNvPr id="18" name="Rectangle 17">
             <a:extLst>
               <a:ext uri="{FF2B5EF4-FFF2-40B4-BE49-F238E27FC236}">
-                <a16:creationId xmlns:a16="http://schemas.microsoft.com/office/drawing/2014/main" id="{7063C499-4A50-4CB9-ABCA-40D4351CCDC1}"/>
+                <a16:creationId xmlns:a16="http://schemas.microsoft.com/office/drawing/2014/main" xmlns="" id="{7063C499-4A50-4CB9-ABCA-40D4351CCDC1}"/>
               </a:ext>
             </a:extLst>
           </p:cNvPr>
@@ -30982,7 +31119,7 @@
           <p:cNvPr id="19" name="Rectangle 18">
             <a:extLst>
               <a:ext uri="{FF2B5EF4-FFF2-40B4-BE49-F238E27FC236}">
-                <a16:creationId xmlns:a16="http://schemas.microsoft.com/office/drawing/2014/main" id="{DA2542BB-265D-40EA-B38F-B6F4D21B484C}"/>
+                <a16:creationId xmlns:a16="http://schemas.microsoft.com/office/drawing/2014/main" xmlns="" id="{DA2542BB-265D-40EA-B38F-B6F4D21B484C}"/>
               </a:ext>
             </a:extLst>
           </p:cNvPr>
@@ -31034,7 +31171,7 @@
           <p:cNvPr id="13" name="Content Placeholder 12" descr="A screenshot of a cell phone&#10;&#10;Description generated with very high confidence">
             <a:extLst>
               <a:ext uri="{FF2B5EF4-FFF2-40B4-BE49-F238E27FC236}">
-                <a16:creationId xmlns:a16="http://schemas.microsoft.com/office/drawing/2014/main" id="{215C2784-355B-43BC-80D7-C2A806ACB37F}"/>
+                <a16:creationId xmlns:a16="http://schemas.microsoft.com/office/drawing/2014/main" xmlns="" id="{215C2784-355B-43BC-80D7-C2A806ACB37F}"/>
               </a:ext>
             </a:extLst>
           </p:cNvPr>
@@ -31069,7 +31206,7 @@
           <p:cNvPr id="21" name="Picture 20" descr="A close up of an animal&#10;&#10;Description generated with high confidence">
             <a:extLst>
               <a:ext uri="{FF2B5EF4-FFF2-40B4-BE49-F238E27FC236}">
-                <a16:creationId xmlns:a16="http://schemas.microsoft.com/office/drawing/2014/main" id="{DA6D2CC4-11E9-42A9-8EC9-7404781F73C8}"/>
+                <a16:creationId xmlns:a16="http://schemas.microsoft.com/office/drawing/2014/main" xmlns="" id="{DA6D2CC4-11E9-42A9-8EC9-7404781F73C8}"/>
               </a:ext>
             </a:extLst>
           </p:cNvPr>
@@ -31105,7 +31242,7 @@
           <p:cNvPr id="23" name="Picture 22">
             <a:extLst>
               <a:ext uri="{FF2B5EF4-FFF2-40B4-BE49-F238E27FC236}">
-                <a16:creationId xmlns:a16="http://schemas.microsoft.com/office/drawing/2014/main" id="{760679DF-CC0E-4830-8A5F-F5C0ED4FF802}"/>
+                <a16:creationId xmlns:a16="http://schemas.microsoft.com/office/drawing/2014/main" xmlns="" id="{760679DF-CC0E-4830-8A5F-F5C0ED4FF802}"/>
               </a:ext>
             </a:extLst>
           </p:cNvPr>
@@ -31141,7 +31278,7 @@
           <p:cNvPr id="25" name="Picture 24" descr="A picture containing sky&#10;&#10;Description generated with high confidence">
             <a:extLst>
               <a:ext uri="{FF2B5EF4-FFF2-40B4-BE49-F238E27FC236}">
-                <a16:creationId xmlns:a16="http://schemas.microsoft.com/office/drawing/2014/main" id="{A8914C22-712A-4768-B264-A842A74A0109}"/>
+                <a16:creationId xmlns:a16="http://schemas.microsoft.com/office/drawing/2014/main" xmlns="" id="{A8914C22-712A-4768-B264-A842A74A0109}"/>
               </a:ext>
             </a:extLst>
           </p:cNvPr>
@@ -31177,7 +31314,7 @@
           <p:cNvPr id="27" name="Picture 26">
             <a:extLst>
               <a:ext uri="{FF2B5EF4-FFF2-40B4-BE49-F238E27FC236}">
-                <a16:creationId xmlns:a16="http://schemas.microsoft.com/office/drawing/2014/main" id="{82FEDFBC-9C89-4AC9-884D-AB1846B96870}"/>
+                <a16:creationId xmlns:a16="http://schemas.microsoft.com/office/drawing/2014/main" xmlns="" id="{82FEDFBC-9C89-4AC9-884D-AB1846B96870}"/>
               </a:ext>
             </a:extLst>
           </p:cNvPr>
@@ -31213,7 +31350,7 @@
           <p:cNvPr id="29" name="Picture 28" descr="A close up of a light&#10;&#10;Description generated with high confidence">
             <a:extLst>
               <a:ext uri="{FF2B5EF4-FFF2-40B4-BE49-F238E27FC236}">
-                <a16:creationId xmlns:a16="http://schemas.microsoft.com/office/drawing/2014/main" id="{0AB5D88D-0260-47E5-8CAC-628A05C8E15A}"/>
+                <a16:creationId xmlns:a16="http://schemas.microsoft.com/office/drawing/2014/main" xmlns="" id="{0AB5D88D-0260-47E5-8CAC-628A05C8E15A}"/>
               </a:ext>
             </a:extLst>
           </p:cNvPr>
@@ -31249,7 +31386,7 @@
           <p:cNvPr id="30" name="Title 1">
             <a:extLst>
               <a:ext uri="{FF2B5EF4-FFF2-40B4-BE49-F238E27FC236}">
-                <a16:creationId xmlns:a16="http://schemas.microsoft.com/office/drawing/2014/main" id="{488B36B3-FAA2-4721-B63C-7C3A8A9A5812}"/>
+                <a16:creationId xmlns:a16="http://schemas.microsoft.com/office/drawing/2014/main" xmlns="" id="{488B36B3-FAA2-4721-B63C-7C3A8A9A5812}"/>
               </a:ext>
             </a:extLst>
           </p:cNvPr>
@@ -32093,7 +32230,7 @@
           <p:cNvPr id="2" name="Title 1">
             <a:extLst>
               <a:ext uri="{FF2B5EF4-FFF2-40B4-BE49-F238E27FC236}">
-                <a16:creationId xmlns:a16="http://schemas.microsoft.com/office/drawing/2014/main" id="{FEBF2821-0822-4ECF-B77E-56916BDB032E}"/>
+                <a16:creationId xmlns:a16="http://schemas.microsoft.com/office/drawing/2014/main" xmlns="" id="{FEBF2821-0822-4ECF-B77E-56916BDB032E}"/>
               </a:ext>
             </a:extLst>
           </p:cNvPr>
@@ -32121,7 +32258,7 @@
           <p:cNvPr id="4" name="Footer Placeholder 3">
             <a:extLst>
               <a:ext uri="{FF2B5EF4-FFF2-40B4-BE49-F238E27FC236}">
-                <a16:creationId xmlns:a16="http://schemas.microsoft.com/office/drawing/2014/main" id="{70EE12F7-79CE-482C-9E7E-63491BFDB4BC}"/>
+                <a16:creationId xmlns:a16="http://schemas.microsoft.com/office/drawing/2014/main" xmlns="" id="{70EE12F7-79CE-482C-9E7E-63491BFDB4BC}"/>
               </a:ext>
             </a:extLst>
           </p:cNvPr>
@@ -32178,7 +32315,7 @@
           <p:cNvPr id="5" name="Slide Number Placeholder 4">
             <a:extLst>
               <a:ext uri="{FF2B5EF4-FFF2-40B4-BE49-F238E27FC236}">
-                <a16:creationId xmlns:a16="http://schemas.microsoft.com/office/drawing/2014/main" id="{18331794-C61F-44A0-AC04-8D8ADC34F470}"/>
+                <a16:creationId xmlns:a16="http://schemas.microsoft.com/office/drawing/2014/main" xmlns="" id="{18331794-C61F-44A0-AC04-8D8ADC34F470}"/>
               </a:ext>
             </a:extLst>
           </p:cNvPr>
@@ -32208,7 +32345,7 @@
           <p:cNvPr id="6" name="Picture 2" descr="https://www.almacgroup.com/wp-content/uploads/2017/05/image-two.png">
             <a:extLst>
               <a:ext uri="{FF2B5EF4-FFF2-40B4-BE49-F238E27FC236}">
-                <a16:creationId xmlns:a16="http://schemas.microsoft.com/office/drawing/2014/main" id="{6E7CA511-765D-4103-ADD7-1385985A8565}"/>
+                <a16:creationId xmlns:a16="http://schemas.microsoft.com/office/drawing/2014/main" xmlns="" id="{6E7CA511-765D-4103-ADD7-1385985A8565}"/>
               </a:ext>
             </a:extLst>
           </p:cNvPr>
@@ -32253,7 +32390,7 @@
           <p:cNvPr id="7" name="Rectangle 6">
             <a:extLst>
               <a:ext uri="{FF2B5EF4-FFF2-40B4-BE49-F238E27FC236}">
-                <a16:creationId xmlns:a16="http://schemas.microsoft.com/office/drawing/2014/main" id="{23621E01-E00C-4679-985A-31E52DDDBDDF}"/>
+                <a16:creationId xmlns:a16="http://schemas.microsoft.com/office/drawing/2014/main" xmlns="" id="{23621E01-E00C-4679-985A-31E52DDDBDDF}"/>
               </a:ext>
             </a:extLst>
           </p:cNvPr>
@@ -32305,7 +32442,7 @@
           <p:cNvPr id="8" name="Rectangle 7">
             <a:extLst>
               <a:ext uri="{FF2B5EF4-FFF2-40B4-BE49-F238E27FC236}">
-                <a16:creationId xmlns:a16="http://schemas.microsoft.com/office/drawing/2014/main" id="{9A047084-96F2-445A-9EE3-02FACD58E6D8}"/>
+                <a16:creationId xmlns:a16="http://schemas.microsoft.com/office/drawing/2014/main" xmlns="" id="{9A047084-96F2-445A-9EE3-02FACD58E6D8}"/>
               </a:ext>
             </a:extLst>
           </p:cNvPr>
@@ -32473,7 +32610,7 @@
           <p:cNvPr id="2" name="Title 1">
             <a:extLst>
               <a:ext uri="{FF2B5EF4-FFF2-40B4-BE49-F238E27FC236}">
-                <a16:creationId xmlns:a16="http://schemas.microsoft.com/office/drawing/2014/main" id="{2402DCD2-0C35-4CD9-9D55-3AD27C4E6E1A}"/>
+                <a16:creationId xmlns:a16="http://schemas.microsoft.com/office/drawing/2014/main" xmlns="" id="{2402DCD2-0C35-4CD9-9D55-3AD27C4E6E1A}"/>
               </a:ext>
             </a:extLst>
           </p:cNvPr>
@@ -32501,7 +32638,7 @@
           <p:cNvPr id="4" name="Footer Placeholder 3">
             <a:extLst>
               <a:ext uri="{FF2B5EF4-FFF2-40B4-BE49-F238E27FC236}">
-                <a16:creationId xmlns:a16="http://schemas.microsoft.com/office/drawing/2014/main" id="{ED5DDAB4-5465-4C02-B012-5C2392656E96}"/>
+                <a16:creationId xmlns:a16="http://schemas.microsoft.com/office/drawing/2014/main" xmlns="" id="{ED5DDAB4-5465-4C02-B012-5C2392656E96}"/>
               </a:ext>
             </a:extLst>
           </p:cNvPr>
@@ -32558,7 +32695,7 @@
           <p:cNvPr id="5" name="Slide Number Placeholder 4">
             <a:extLst>
               <a:ext uri="{FF2B5EF4-FFF2-40B4-BE49-F238E27FC236}">
-                <a16:creationId xmlns:a16="http://schemas.microsoft.com/office/drawing/2014/main" id="{CECCB517-DD7E-441C-B5C0-DA6D32B76F01}"/>
+                <a16:creationId xmlns:a16="http://schemas.microsoft.com/office/drawing/2014/main" xmlns="" id="{CECCB517-DD7E-441C-B5C0-DA6D32B76F01}"/>
               </a:ext>
             </a:extLst>
           </p:cNvPr>
@@ -32588,7 +32725,7 @@
           <p:cNvPr id="1026" name="Picture 2" descr="Image result for variable selection">
             <a:extLst>
               <a:ext uri="{FF2B5EF4-FFF2-40B4-BE49-F238E27FC236}">
-                <a16:creationId xmlns:a16="http://schemas.microsoft.com/office/drawing/2014/main" id="{4FE87B62-E8A2-4781-8542-17DA5F458E8D}"/>
+                <a16:creationId xmlns:a16="http://schemas.microsoft.com/office/drawing/2014/main" xmlns="" id="{4FE87B62-E8A2-4781-8542-17DA5F458E8D}"/>
               </a:ext>
             </a:extLst>
           </p:cNvPr>
@@ -32635,7 +32772,7 @@
           <p:cNvPr id="1028" name="Picture 4" descr="Image result for lasso">
             <a:extLst>
               <a:ext uri="{FF2B5EF4-FFF2-40B4-BE49-F238E27FC236}">
-                <a16:creationId xmlns:a16="http://schemas.microsoft.com/office/drawing/2014/main" id="{FC74E8AF-26B6-489F-9DAA-748E12CFDBFC}"/>
+                <a16:creationId xmlns:a16="http://schemas.microsoft.com/office/drawing/2014/main" xmlns="" id="{FC74E8AF-26B6-489F-9DAA-748E12CFDBFC}"/>
               </a:ext>
             </a:extLst>
           </p:cNvPr>
@@ -32682,7 +32819,7 @@
           <p:cNvPr id="6" name="TextBox 5">
             <a:extLst>
               <a:ext uri="{FF2B5EF4-FFF2-40B4-BE49-F238E27FC236}">
-                <a16:creationId xmlns:a16="http://schemas.microsoft.com/office/drawing/2014/main" id="{C14B3A59-74C7-4D01-AFC3-2CF85B50385C}"/>
+                <a16:creationId xmlns:a16="http://schemas.microsoft.com/office/drawing/2014/main" xmlns="" id="{C14B3A59-74C7-4D01-AFC3-2CF85B50385C}"/>
               </a:ext>
             </a:extLst>
           </p:cNvPr>
@@ -32993,7 +33130,7 @@
           <p:cNvPr id="2" name="Title 1">
             <a:extLst>
               <a:ext uri="{FF2B5EF4-FFF2-40B4-BE49-F238E27FC236}">
-                <a16:creationId xmlns:a16="http://schemas.microsoft.com/office/drawing/2014/main" id="{6D33CD07-ACD3-477C-A5E6-452B122FF8EB}"/>
+                <a16:creationId xmlns:a16="http://schemas.microsoft.com/office/drawing/2014/main" xmlns="" id="{6D33CD07-ACD3-477C-A5E6-452B122FF8EB}"/>
               </a:ext>
             </a:extLst>
           </p:cNvPr>
@@ -33021,7 +33158,7 @@
           <p:cNvPr id="4" name="Footer Placeholder 3">
             <a:extLst>
               <a:ext uri="{FF2B5EF4-FFF2-40B4-BE49-F238E27FC236}">
-                <a16:creationId xmlns:a16="http://schemas.microsoft.com/office/drawing/2014/main" id="{7E62D83B-F16B-463F-B120-60AA6E0B32BF}"/>
+                <a16:creationId xmlns:a16="http://schemas.microsoft.com/office/drawing/2014/main" xmlns="" id="{7E62D83B-F16B-463F-B120-60AA6E0B32BF}"/>
               </a:ext>
             </a:extLst>
           </p:cNvPr>
@@ -33078,7 +33215,7 @@
           <p:cNvPr id="5" name="Slide Number Placeholder 4">
             <a:extLst>
               <a:ext uri="{FF2B5EF4-FFF2-40B4-BE49-F238E27FC236}">
-                <a16:creationId xmlns:a16="http://schemas.microsoft.com/office/drawing/2014/main" id="{6144BC6C-FC32-4CD0-AD45-9F87F70D3CC2}"/>
+                <a16:creationId xmlns:a16="http://schemas.microsoft.com/office/drawing/2014/main" xmlns="" id="{6144BC6C-FC32-4CD0-AD45-9F87F70D3CC2}"/>
               </a:ext>
             </a:extLst>
           </p:cNvPr>
@@ -33108,7 +33245,7 @@
           <p:cNvPr id="8" name="Picture 2" descr="Image result for lasso algorithm">
             <a:extLst>
               <a:ext uri="{FF2B5EF4-FFF2-40B4-BE49-F238E27FC236}">
-                <a16:creationId xmlns:a16="http://schemas.microsoft.com/office/drawing/2014/main" id="{B7102A31-B859-49A4-A3C6-D4FDBD47EDCF}"/>
+                <a16:creationId xmlns:a16="http://schemas.microsoft.com/office/drawing/2014/main" xmlns="" id="{B7102A31-B859-49A4-A3C6-D4FDBD47EDCF}"/>
               </a:ext>
             </a:extLst>
           </p:cNvPr>
@@ -33153,7 +33290,7 @@
           <p:cNvPr id="7" name="Arrow: Up-Down 6">
             <a:extLst>
               <a:ext uri="{FF2B5EF4-FFF2-40B4-BE49-F238E27FC236}">
-                <a16:creationId xmlns:a16="http://schemas.microsoft.com/office/drawing/2014/main" id="{FD113EF2-491B-4609-8921-03FCAB08BF1E}"/>
+                <a16:creationId xmlns:a16="http://schemas.microsoft.com/office/drawing/2014/main" xmlns="" id="{FD113EF2-491B-4609-8921-03FCAB08BF1E}"/>
               </a:ext>
             </a:extLst>
           </p:cNvPr>
@@ -33199,7 +33336,7 @@
           <p:cNvPr id="9" name="Callout: Bent Line 8">
             <a:extLst>
               <a:ext uri="{FF2B5EF4-FFF2-40B4-BE49-F238E27FC236}">
-                <a16:creationId xmlns:a16="http://schemas.microsoft.com/office/drawing/2014/main" id="{77F1B6FA-577C-4BA6-B36B-E67253C71A96}"/>
+                <a16:creationId xmlns:a16="http://schemas.microsoft.com/office/drawing/2014/main" xmlns="" id="{77F1B6FA-577C-4BA6-B36B-E67253C71A96}"/>
               </a:ext>
             </a:extLst>
           </p:cNvPr>
@@ -33253,7 +33390,7 @@
           <p:cNvPr id="10" name="TextBox 9">
             <a:extLst>
               <a:ext uri="{FF2B5EF4-FFF2-40B4-BE49-F238E27FC236}">
-                <a16:creationId xmlns:a16="http://schemas.microsoft.com/office/drawing/2014/main" id="{45DC9FD1-1820-4C6F-B16B-91B83527087D}"/>
+                <a16:creationId xmlns:a16="http://schemas.microsoft.com/office/drawing/2014/main" xmlns="" id="{45DC9FD1-1820-4C6F-B16B-91B83527087D}"/>
               </a:ext>
             </a:extLst>
           </p:cNvPr>
@@ -33288,7 +33425,7 @@
           <p:cNvPr id="11" name="Rectangle 10">
             <a:extLst>
               <a:ext uri="{FF2B5EF4-FFF2-40B4-BE49-F238E27FC236}">
-                <a16:creationId xmlns:a16="http://schemas.microsoft.com/office/drawing/2014/main" id="{2892C7A8-5EB9-445F-A43B-5FD12C3D0885}"/>
+                <a16:creationId xmlns:a16="http://schemas.microsoft.com/office/drawing/2014/main" xmlns="" id="{2892C7A8-5EB9-445F-A43B-5FD12C3D0885}"/>
               </a:ext>
             </a:extLst>
           </p:cNvPr>
@@ -33330,14 +33467,14 @@
           </a:p>
         </p:txBody>
       </p:sp>
-      <mc:AlternateContent xmlns:mc="http://schemas.openxmlformats.org/markup-compatibility/2006">
-        <mc:Choice xmlns:a14="http://schemas.microsoft.com/office/drawing/2010/main" Requires="a14">
+      <mc:AlternateContent xmlns:mc="http://schemas.openxmlformats.org/markup-compatibility/2006" xmlns:a14="http://schemas.microsoft.com/office/drawing/2010/main">
+        <mc:Choice Requires="a14">
           <p:sp>
             <p:nvSpPr>
               <p:cNvPr id="6" name="Content Placeholder 5">
                 <a:extLst>
                   <a:ext uri="{FF2B5EF4-FFF2-40B4-BE49-F238E27FC236}">
-                    <a16:creationId xmlns:a16="http://schemas.microsoft.com/office/drawing/2014/main" id="{8EE6EF1C-7BAD-43FC-8EDB-996441C677D3}"/>
+                    <a16:creationId xmlns:a16="http://schemas.microsoft.com/office/drawing/2014/main" xmlns="" id="{8EE6EF1C-7BAD-43FC-8EDB-996441C677D3}"/>
                   </a:ext>
                 </a:extLst>
               </p:cNvPr>
@@ -33373,7 +33510,7 @@
                         <m:limLowPr>
                           <m:ctrlPr>
                             <a:rPr lang="en-US" sz="2800" b="0" i="1" smtClean="0">
-                              <a:latin typeface="Cambria Math" panose="02040503050406030204" pitchFamily="18" charset="0"/>
+                              <a:latin typeface="Cambria Math" charset="0"/>
                             </a:rPr>
                           </m:ctrlPr>
                         </m:limLowPr>
@@ -33431,7 +33568,7 @@
                         <m:sSubSupPr>
                           <m:ctrlPr>
                             <a:rPr lang="en-US" sz="2800" b="0" i="1" smtClean="0">
-                              <a:latin typeface="Cambria Math" panose="02040503050406030204" pitchFamily="18" charset="0"/>
+                              <a:latin typeface="Cambria Math" charset="0"/>
                             </a:rPr>
                           </m:ctrlPr>
                         </m:sSubSupPr>
@@ -33506,7 +33643,7 @@
                         <m:sSubPr>
                           <m:ctrlPr>
                             <a:rPr lang="en-US" sz="2800" b="0" i="1" smtClean="0">
-                              <a:latin typeface="Cambria Math" panose="02040503050406030204" pitchFamily="18" charset="0"/>
+                              <a:latin typeface="Cambria Math" charset="0"/>
                             </a:rPr>
                           </m:ctrlPr>
                         </m:sSubPr>
@@ -33517,7 +33654,7 @@
                               <m:endChr m:val="|"/>
                               <m:ctrlPr>
                                 <a:rPr lang="en-US" sz="2800" b="0" i="1" smtClean="0">
-                                  <a:latin typeface="Cambria Math" panose="02040503050406030204" pitchFamily="18" charset="0"/>
+                                  <a:latin typeface="Cambria Math" charset="0"/>
                                 </a:rPr>
                               </m:ctrlPr>
                             </m:dPr>
@@ -33583,7 +33720,7 @@
                         <m:limLowPr>
                           <m:ctrlPr>
                             <a:rPr lang="en-US" sz="2800" b="0" i="1" smtClean="0">
-                              <a:latin typeface="Cambria Math" panose="02040503050406030204" pitchFamily="18" charset="0"/>
+                              <a:latin typeface="Cambria Math" charset="0"/>
                             </a:rPr>
                           </m:ctrlPr>
                         </m:limLowPr>
@@ -33641,7 +33778,7 @@
                         <m:sSubSupPr>
                           <m:ctrlPr>
                             <a:rPr lang="en-US" sz="2800" b="0" i="1" smtClean="0">
-                              <a:latin typeface="Cambria Math" panose="02040503050406030204" pitchFamily="18" charset="0"/>
+                              <a:latin typeface="Cambria Math" charset="0"/>
                             </a:rPr>
                           </m:ctrlPr>
                         </m:sSubSupPr>
@@ -33708,7 +33845,7 @@
             </p:txBody>
           </p:sp>
         </mc:Choice>
-        <mc:Fallback>
+        <mc:Fallback xmlns="">
           <p:sp>
             <p:nvSpPr>
               <p:cNvPr id="6" name="Content Placeholder 5">
@@ -34236,7 +34373,7 @@
           <p:cNvPr id="2" name="Title 1">
             <a:extLst>
               <a:ext uri="{FF2B5EF4-FFF2-40B4-BE49-F238E27FC236}">
-                <a16:creationId xmlns:a16="http://schemas.microsoft.com/office/drawing/2014/main" id="{17A8BB3D-2D35-4F66-AFB4-2A9AE7681862}"/>
+                <a16:creationId xmlns:a16="http://schemas.microsoft.com/office/drawing/2014/main" xmlns="" id="{17A8BB3D-2D35-4F66-AFB4-2A9AE7681862}"/>
               </a:ext>
             </a:extLst>
           </p:cNvPr>
@@ -34270,7 +34407,7 @@
           <p:cNvPr id="3" name="Footer Placeholder 2">
             <a:extLst>
               <a:ext uri="{FF2B5EF4-FFF2-40B4-BE49-F238E27FC236}">
-                <a16:creationId xmlns:a16="http://schemas.microsoft.com/office/drawing/2014/main" id="{11862E8A-91FD-4C41-A192-DB3D27D88824}"/>
+                <a16:creationId xmlns:a16="http://schemas.microsoft.com/office/drawing/2014/main" xmlns="" id="{11862E8A-91FD-4C41-A192-DB3D27D88824}"/>
               </a:ext>
             </a:extLst>
           </p:cNvPr>
@@ -34327,7 +34464,7 @@
           <p:cNvPr id="4" name="Slide Number Placeholder 3">
             <a:extLst>
               <a:ext uri="{FF2B5EF4-FFF2-40B4-BE49-F238E27FC236}">
-                <a16:creationId xmlns:a16="http://schemas.microsoft.com/office/drawing/2014/main" id="{9DA5ED20-07EE-4130-97A2-FC2FBDDF57B9}"/>
+                <a16:creationId xmlns:a16="http://schemas.microsoft.com/office/drawing/2014/main" xmlns="" id="{9DA5ED20-07EE-4130-97A2-FC2FBDDF57B9}"/>
               </a:ext>
             </a:extLst>
           </p:cNvPr>
@@ -34362,6 +34499,13 @@
   <p:clrMapOvr>
     <a:masterClrMapping/>
   </p:clrMapOvr>
+  <p:timing>
+    <p:tnLst>
+      <p:par>
+        <p:cTn id="1" dur="indefinite" restart="never" nodeType="tmRoot"/>
+      </p:par>
+    </p:tnLst>
+  </p:timing>
 </p:sld>
 </file>
 

--- a/manu & slides/Final.pptx
+++ b/manu & slides/Final.pptx
@@ -31,9 +31,9 @@
     <p:sldId id="261" r:id="rId22"/>
     <p:sldId id="344" r:id="rId23"/>
     <p:sldId id="352" r:id="rId24"/>
-    <p:sldId id="376" r:id="rId25"/>
+    <p:sldId id="383" r:id="rId25"/>
     <p:sldId id="293" r:id="rId26"/>
-    <p:sldId id="377" r:id="rId27"/>
+    <p:sldId id="376" r:id="rId27"/>
     <p:sldId id="371" r:id="rId28"/>
     <p:sldId id="356" r:id="rId29"/>
     <p:sldId id="378" r:id="rId30"/>
@@ -647,7 +647,7 @@
             <a:fld id="{2A382978-60B3-41E0-9AD0-2E9E6E8B7873}" type="datetimeFigureOut">
               <a:rPr kumimoji="1" lang="ja-JP" altLang="en-US" smtClean="0"/>
               <a:pPr/>
-              <a:t>2018/8/23</a:t>
+              <a:t>2018/8/24</a:t>
             </a:fld>
             <a:endParaRPr kumimoji="1" lang="ja-JP" altLang="en-US"/>
           </a:p>
@@ -1798,7 +1798,7 @@
             <a:fld id="{0BD03392-274E-4A19-9716-EA1CE8085D71}" type="datetime1">
               <a:rPr kumimoji="1" lang="ja-JP" altLang="en-US" smtClean="0"/>
               <a:pPr/>
-              <a:t>2018/8/23</a:t>
+              <a:t>2018/8/24</a:t>
             </a:fld>
             <a:endParaRPr kumimoji="1" lang="ja-JP" altLang="en-US" dirty="0"/>
           </a:p>
@@ -2119,7 +2119,7 @@
             <a:fld id="{D658E221-2E7A-48BA-8424-2A55A4736B68}" type="datetime1">
               <a:rPr kumimoji="1" lang="ja-JP" altLang="en-US" smtClean="0"/>
               <a:pPr/>
-              <a:t>2018/8/23</a:t>
+              <a:t>2018/8/24</a:t>
             </a:fld>
             <a:endParaRPr kumimoji="1" lang="ja-JP" altLang="en-US"/>
           </a:p>
@@ -2235,7 +2235,7 @@
             <a:fld id="{C245638F-14AB-400C-9AF1-5CEBE1B672A1}" type="datetime1">
               <a:rPr kumimoji="1" lang="ja-JP" altLang="en-US" smtClean="0"/>
               <a:pPr/>
-              <a:t>2018/8/23</a:t>
+              <a:t>2018/8/24</a:t>
             </a:fld>
             <a:endParaRPr kumimoji="1" lang="ja-JP" altLang="en-US"/>
           </a:p>
@@ -2823,7 +2823,7 @@
             <a:fld id="{02A88367-5BB3-4793-B263-C2830A0855E0}" type="datetime1">
               <a:rPr kumimoji="1" lang="ja-JP" altLang="en-US" smtClean="0"/>
               <a:pPr/>
-              <a:t>2018/8/23</a:t>
+              <a:t>2018/8/24</a:t>
             </a:fld>
             <a:endParaRPr kumimoji="1" lang="ja-JP" altLang="en-US" dirty="0"/>
           </a:p>
@@ -3869,7 +3869,7 @@
             <a:fld id="{961A4739-C8B6-4F30-A69C-01268F05198C}" type="datetime1">
               <a:rPr kumimoji="1" lang="ja-JP" altLang="en-US" smtClean="0"/>
               <a:pPr/>
-              <a:t>2018/8/23</a:t>
+              <a:t>2018/8/24</a:t>
             </a:fld>
             <a:endParaRPr kumimoji="1" lang="ja-JP" altLang="en-US" dirty="0"/>
           </a:p>
@@ -5117,7 +5117,7 @@
             <a:fld id="{A55444AB-87B1-4B99-A470-0F837A8A1880}" type="datetime1">
               <a:rPr kumimoji="1" lang="ja-JP" altLang="en-US" smtClean="0"/>
               <a:pPr/>
-              <a:t>2018/8/23</a:t>
+              <a:t>2018/8/24</a:t>
             </a:fld>
             <a:endParaRPr kumimoji="1" lang="ja-JP" altLang="en-US" dirty="0"/>
           </a:p>
@@ -5786,7 +5786,7 @@
             <a:fld id="{C2A19EB9-4440-4736-9A49-939819AB9C89}" type="datetime1">
               <a:rPr kumimoji="1" lang="ja-JP" altLang="en-US" smtClean="0"/>
               <a:pPr/>
-              <a:t>2018/8/23</a:t>
+              <a:t>2018/8/24</a:t>
             </a:fld>
             <a:endParaRPr kumimoji="1" lang="ja-JP" altLang="en-US" dirty="0"/>
           </a:p>
@@ -6117,7 +6117,7 @@
             <a:fld id="{207CE768-5AA7-4F09-BE2B-CECF21207030}" type="datetime1">
               <a:rPr kumimoji="1" lang="ja-JP" altLang="en-US" smtClean="0"/>
               <a:pPr/>
-              <a:t>2018/8/23</a:t>
+              <a:t>2018/8/24</a:t>
             </a:fld>
             <a:endParaRPr kumimoji="1" lang="ja-JP" altLang="en-US" dirty="0"/>
           </a:p>
@@ -6386,7 +6386,7 @@
             <a:fld id="{973F8ED2-2E1E-42CA-8611-E2CA1599FB5D}" type="datetime1">
               <a:rPr kumimoji="1" lang="ja-JP" altLang="en-US" smtClean="0"/>
               <a:pPr/>
-              <a:t>2018/8/23</a:t>
+              <a:t>2018/8/24</a:t>
             </a:fld>
             <a:endParaRPr kumimoji="1" lang="ja-JP" altLang="en-US" dirty="0"/>
           </a:p>
@@ -6863,7 +6863,7 @@
             <a:fld id="{A5182719-F20C-4B32-BD5B-859B9127D393}" type="datetime1">
               <a:rPr lang="ja-JP" altLang="en-US" smtClean="0"/>
               <a:pPr/>
-              <a:t>2018/8/23</a:t>
+              <a:t>2018/8/24</a:t>
             </a:fld>
             <a:endParaRPr lang="ja-JP" altLang="en-US" dirty="0"/>
           </a:p>
@@ -7551,13 +7551,6 @@
   <p:clrMapOvr>
     <a:masterClrMapping/>
   </p:clrMapOvr>
-  <p:timing>
-    <p:tnLst>
-      <p:par>
-        <p:cTn id="1" dur="indefinite" restart="never" nodeType="tmRoot"/>
-      </p:par>
-    </p:tnLst>
-  </p:timing>
 </p:sld>
 </file>
 
@@ -7583,7 +7576,7 @@
           <p:cNvPr id="2" name="Title 1">
             <a:extLst>
               <a:ext uri="{FF2B5EF4-FFF2-40B4-BE49-F238E27FC236}">
-                <a16:creationId xmlns:a16="http://schemas.microsoft.com/office/drawing/2014/main" xmlns="" id="{A54FC90F-4208-4C28-8D1C-CFB3255E46EC}"/>
+                <a16:creationId xmlns:a16="http://schemas.microsoft.com/office/drawing/2014/main" id="{A54FC90F-4208-4C28-8D1C-CFB3255E46EC}"/>
               </a:ext>
             </a:extLst>
           </p:cNvPr>
@@ -7613,7 +7606,7 @@
               <p:cNvPr id="3" name="Content Placeholder 2">
                 <a:extLst>
                   <a:ext uri="{FF2B5EF4-FFF2-40B4-BE49-F238E27FC236}">
-                    <a16:creationId xmlns:a16="http://schemas.microsoft.com/office/drawing/2014/main" xmlns="" id="{E26182C4-45FA-4DE4-94F0-3A3B2995828F}"/>
+                    <a16:creationId xmlns:a16="http://schemas.microsoft.com/office/drawing/2014/main" id="{E26182C4-45FA-4DE4-94F0-3A3B2995828F}"/>
                   </a:ext>
                 </a:extLst>
               </p:cNvPr>
@@ -7913,7 +7906,7 @@
           <p:cNvPr id="4" name="Footer Placeholder 3">
             <a:extLst>
               <a:ext uri="{FF2B5EF4-FFF2-40B4-BE49-F238E27FC236}">
-                <a16:creationId xmlns:a16="http://schemas.microsoft.com/office/drawing/2014/main" xmlns="" id="{6237D0EF-67BB-47A8-BC4A-DA10DDA72B68}"/>
+                <a16:creationId xmlns:a16="http://schemas.microsoft.com/office/drawing/2014/main" id="{6237D0EF-67BB-47A8-BC4A-DA10DDA72B68}"/>
               </a:ext>
             </a:extLst>
           </p:cNvPr>
@@ -7970,7 +7963,7 @@
           <p:cNvPr id="5" name="Slide Number Placeholder 4">
             <a:extLst>
               <a:ext uri="{FF2B5EF4-FFF2-40B4-BE49-F238E27FC236}">
-                <a16:creationId xmlns:a16="http://schemas.microsoft.com/office/drawing/2014/main" xmlns="" id="{A66B1CD2-3511-4F21-AE65-973FFF59CAEB}"/>
+                <a16:creationId xmlns:a16="http://schemas.microsoft.com/office/drawing/2014/main" id="{A66B1CD2-3511-4F21-AE65-973FFF59CAEB}"/>
               </a:ext>
             </a:extLst>
           </p:cNvPr>
@@ -8005,13 +7998,6 @@
   <p:clrMapOvr>
     <a:masterClrMapping/>
   </p:clrMapOvr>
-  <p:timing>
-    <p:tnLst>
-      <p:par>
-        <p:cTn id="1" dur="indefinite" restart="never" nodeType="tmRoot"/>
-      </p:par>
-    </p:tnLst>
-  </p:timing>
 </p:sld>
 </file>
 
@@ -8037,7 +8023,7 @@
           <p:cNvPr id="2" name="Title 1">
             <a:extLst>
               <a:ext uri="{FF2B5EF4-FFF2-40B4-BE49-F238E27FC236}">
-                <a16:creationId xmlns:a16="http://schemas.microsoft.com/office/drawing/2014/main" xmlns="" id="{C31AD35B-6AF8-4890-9FAB-1A64CF8DF256}"/>
+                <a16:creationId xmlns:a16="http://schemas.microsoft.com/office/drawing/2014/main" id="{C31AD35B-6AF8-4890-9FAB-1A64CF8DF256}"/>
               </a:ext>
             </a:extLst>
           </p:cNvPr>
@@ -8067,7 +8053,7 @@
               <p:cNvPr id="3" name="Content Placeholder 2">
                 <a:extLst>
                   <a:ext uri="{FF2B5EF4-FFF2-40B4-BE49-F238E27FC236}">
-                    <a16:creationId xmlns:a16="http://schemas.microsoft.com/office/drawing/2014/main" xmlns="" id="{18A396A4-D801-4F52-8484-81CF6161ABD4}"/>
+                    <a16:creationId xmlns:a16="http://schemas.microsoft.com/office/drawing/2014/main" id="{18A396A4-D801-4F52-8484-81CF6161ABD4}"/>
                   </a:ext>
                 </a:extLst>
               </p:cNvPr>
@@ -8236,7 +8222,7 @@
                         <m:endChr m:val="]"/>
                         <m:ctrlPr>
                           <a:rPr lang="en-US" b="0" i="1" smtClean="0">
-                            <a:latin typeface="Cambria Math" charset="0"/>
+                            <a:latin typeface="Cambria Math" panose="02040503050406030204" pitchFamily="18" charset="0"/>
                           </a:rPr>
                         </m:ctrlPr>
                       </m:dPr>
@@ -8245,7 +8231,7 @@
                           <m:sSubPr>
                             <m:ctrlPr>
                               <a:rPr lang="en-US" b="0" i="1" smtClean="0">
-                                <a:latin typeface="Cambria Math" charset="0"/>
+                                <a:latin typeface="Cambria Math" panose="02040503050406030204" pitchFamily="18" charset="0"/>
                               </a:rPr>
                             </m:ctrlPr>
                           </m:sSubPr>
@@ -8276,7 +8262,7 @@
                           <m:sSubPr>
                             <m:ctrlPr>
                               <a:rPr lang="en-US" b="0" i="1" smtClean="0">
-                                <a:latin typeface="Cambria Math" charset="0"/>
+                                <a:latin typeface="Cambria Math" panose="02040503050406030204" pitchFamily="18" charset="0"/>
                               </a:rPr>
                             </m:ctrlPr>
                           </m:sSubPr>
@@ -8307,7 +8293,7 @@
                           <m:sSubPr>
                             <m:ctrlPr>
                               <a:rPr lang="en-US" b="0" i="1" smtClean="0">
-                                <a:latin typeface="Cambria Math" charset="0"/>
+                                <a:latin typeface="Cambria Math" panose="02040503050406030204" pitchFamily="18" charset="0"/>
                               </a:rPr>
                             </m:ctrlPr>
                           </m:sSubPr>
@@ -8374,7 +8360,7 @@
                       <m:sSubPr>
                         <m:ctrlPr>
                           <a:rPr lang="en-US" b="0" i="1" smtClean="0">
-                            <a:latin typeface="Cambria Math" charset="0"/>
+                            <a:latin typeface="Cambria Math" panose="02040503050406030204" pitchFamily="18" charset="0"/>
                           </a:rPr>
                         </m:ctrlPr>
                       </m:sSubPr>
@@ -8405,7 +8391,7 @@
                       <m:sSubPr>
                         <m:ctrlPr>
                           <a:rPr lang="en-US" b="0" i="1" smtClean="0">
-                            <a:latin typeface="Cambria Math" charset="0"/>
+                            <a:latin typeface="Cambria Math" panose="02040503050406030204" pitchFamily="18" charset="0"/>
                           </a:rPr>
                         </m:ctrlPr>
                       </m:sSubPr>
@@ -8436,7 +8422,7 @@
                       <m:sSubPr>
                         <m:ctrlPr>
                           <a:rPr lang="en-US" b="0" i="1" smtClean="0">
-                            <a:latin typeface="Cambria Math" charset="0"/>
+                            <a:latin typeface="Cambria Math" panose="02040503050406030204" pitchFamily="18" charset="0"/>
                           </a:rPr>
                         </m:ctrlPr>
                       </m:sSubPr>
@@ -8507,7 +8493,7 @@
                         <m:endChr m:val="]"/>
                         <m:ctrlPr>
                           <a:rPr lang="en-US" b="0" i="1" smtClean="0">
-                            <a:latin typeface="Cambria Math" charset="0"/>
+                            <a:latin typeface="Cambria Math" panose="02040503050406030204" pitchFamily="18" charset="0"/>
                             <a:ea typeface="Cambria Math" panose="02040503050406030204" pitchFamily="18" charset="0"/>
                           </a:rPr>
                         </m:ctrlPr>
@@ -8531,7 +8517,7 @@
                           <m:sSubPr>
                             <m:ctrlPr>
                               <a:rPr lang="en-US" b="0" i="1" smtClean="0">
-                                <a:latin typeface="Cambria Math" charset="0"/>
+                                <a:latin typeface="Cambria Math" panose="02040503050406030204" pitchFamily="18" charset="0"/>
                                 <a:ea typeface="Cambria Math" panose="02040503050406030204" pitchFamily="18" charset="0"/>
                               </a:rPr>
                             </m:ctrlPr>
@@ -8580,7 +8566,7 @@
                           <m:sSubPr>
                             <m:ctrlPr>
                               <a:rPr lang="en-US" b="0" i="1" smtClean="0">
-                                <a:latin typeface="Cambria Math" charset="0"/>
+                                <a:latin typeface="Cambria Math" panose="02040503050406030204" pitchFamily="18" charset="0"/>
                                 <a:ea typeface="Cambria Math" panose="02040503050406030204" pitchFamily="18" charset="0"/>
                               </a:rPr>
                             </m:ctrlPr>
@@ -8629,7 +8615,7 @@
                           <m:sSubPr>
                             <m:ctrlPr>
                               <a:rPr lang="en-US" b="0" i="1" smtClean="0">
-                                <a:latin typeface="Cambria Math" charset="0"/>
+                                <a:latin typeface="Cambria Math" panose="02040503050406030204" pitchFamily="18" charset="0"/>
                                 <a:ea typeface="Cambria Math" panose="02040503050406030204" pitchFamily="18" charset="0"/>
                               </a:rPr>
                             </m:ctrlPr>
@@ -8682,7 +8668,7 @@
                       <m:sSubPr>
                         <m:ctrlPr>
                           <a:rPr lang="en-US" b="0" i="1" smtClean="0">
-                            <a:latin typeface="Cambria Math" charset="0"/>
+                            <a:latin typeface="Cambria Math" panose="02040503050406030204" pitchFamily="18" charset="0"/>
                           </a:rPr>
                         </m:ctrlPr>
                       </m:sSubPr>
@@ -8713,7 +8699,7 @@
                       <m:sSubPr>
                         <m:ctrlPr>
                           <a:rPr lang="en-US" b="0" i="1" smtClean="0">
-                            <a:latin typeface="Cambria Math" charset="0"/>
+                            <a:latin typeface="Cambria Math" panose="02040503050406030204" pitchFamily="18" charset="0"/>
                           </a:rPr>
                         </m:ctrlPr>
                       </m:sSubPr>
@@ -8744,7 +8730,7 @@
                       <m:sSubPr>
                         <m:ctrlPr>
                           <a:rPr lang="en-US" b="0" i="1" smtClean="0">
-                            <a:latin typeface="Cambria Math" charset="0"/>
+                            <a:latin typeface="Cambria Math" panose="02040503050406030204" pitchFamily="18" charset="0"/>
                           </a:rPr>
                         </m:ctrlPr>
                       </m:sSubPr>
@@ -8832,7 +8818,7 @@
           <p:cNvPr id="4" name="Footer Placeholder 3">
             <a:extLst>
               <a:ext uri="{FF2B5EF4-FFF2-40B4-BE49-F238E27FC236}">
-                <a16:creationId xmlns:a16="http://schemas.microsoft.com/office/drawing/2014/main" xmlns="" id="{6BAF83D6-7B6B-4140-8307-D915BAB8E895}"/>
+                <a16:creationId xmlns:a16="http://schemas.microsoft.com/office/drawing/2014/main" id="{6BAF83D6-7B6B-4140-8307-D915BAB8E895}"/>
               </a:ext>
             </a:extLst>
           </p:cNvPr>
@@ -8889,7 +8875,7 @@
           <p:cNvPr id="5" name="Slide Number Placeholder 4">
             <a:extLst>
               <a:ext uri="{FF2B5EF4-FFF2-40B4-BE49-F238E27FC236}">
-                <a16:creationId xmlns:a16="http://schemas.microsoft.com/office/drawing/2014/main" xmlns="" id="{F9367D40-27EF-43BE-8724-D9FF4C023720}"/>
+                <a16:creationId xmlns:a16="http://schemas.microsoft.com/office/drawing/2014/main" id="{F9367D40-27EF-43BE-8724-D9FF4C023720}"/>
               </a:ext>
             </a:extLst>
           </p:cNvPr>
@@ -9348,7 +9334,7 @@
           <p:cNvPr id="2" name="Title 1">
             <a:extLst>
               <a:ext uri="{FF2B5EF4-FFF2-40B4-BE49-F238E27FC236}">
-                <a16:creationId xmlns:a16="http://schemas.microsoft.com/office/drawing/2014/main" xmlns="" id="{2080BB50-9AAA-448A-8376-CB859DE4375C}"/>
+                <a16:creationId xmlns:a16="http://schemas.microsoft.com/office/drawing/2014/main" id="{2080BB50-9AAA-448A-8376-CB859DE4375C}"/>
               </a:ext>
             </a:extLst>
           </p:cNvPr>
@@ -9378,7 +9364,7 @@
               <p:cNvPr id="3" name="Content Placeholder 2">
                 <a:extLst>
                   <a:ext uri="{FF2B5EF4-FFF2-40B4-BE49-F238E27FC236}">
-                    <a16:creationId xmlns:a16="http://schemas.microsoft.com/office/drawing/2014/main" xmlns="" id="{A6EFEA33-EC69-412C-9A8E-6154468EB6EC}"/>
+                    <a16:creationId xmlns:a16="http://schemas.microsoft.com/office/drawing/2014/main" id="{A6EFEA33-EC69-412C-9A8E-6154468EB6EC}"/>
                   </a:ext>
                 </a:extLst>
               </p:cNvPr>
@@ -9406,7 +9392,7 @@
                       <m:sSubPr>
                         <m:ctrlPr>
                           <a:rPr lang="en-US" altLang="en-US" b="0" i="1" smtClean="0">
-                            <a:latin typeface="Cambria Math" charset="0"/>
+                            <a:latin typeface="Cambria Math" panose="02040503050406030204" pitchFamily="18" charset="0"/>
                           </a:rPr>
                         </m:ctrlPr>
                       </m:sSubPr>
@@ -9431,7 +9417,7 @@
                       <m:sSubPr>
                         <m:ctrlPr>
                           <a:rPr lang="en-US" altLang="en-US" b="0" i="1" smtClean="0">
-                            <a:latin typeface="Cambria Math" charset="0"/>
+                            <a:latin typeface="Cambria Math" panose="02040503050406030204" pitchFamily="18" charset="0"/>
                           </a:rPr>
                         </m:ctrlPr>
                       </m:sSubPr>
@@ -9479,7 +9465,7 @@
                       <m:sSubPr>
                         <m:ctrlPr>
                           <a:rPr lang="en-US" altLang="en-US" b="0" i="1" smtClean="0">
-                            <a:latin typeface="Cambria Math" charset="0"/>
+                            <a:latin typeface="Cambria Math" panose="02040503050406030204" pitchFamily="18" charset="0"/>
                           </a:rPr>
                         </m:ctrlPr>
                       </m:sSubPr>
@@ -9504,7 +9490,7 @@
                       <m:sSubPr>
                         <m:ctrlPr>
                           <a:rPr lang="en-US" altLang="en-US" b="0" i="1" smtClean="0">
-                            <a:latin typeface="Cambria Math" charset="0"/>
+                            <a:latin typeface="Cambria Math" panose="02040503050406030204" pitchFamily="18" charset="0"/>
                           </a:rPr>
                         </m:ctrlPr>
                       </m:sSubPr>
@@ -9540,7 +9526,7 @@
                       <m:sSubPr>
                         <m:ctrlPr>
                           <a:rPr lang="en-US" altLang="en-US" b="0" i="1" smtClean="0">
-                            <a:latin typeface="Cambria Math" charset="0"/>
+                            <a:latin typeface="Cambria Math" panose="02040503050406030204" pitchFamily="18" charset="0"/>
                           </a:rPr>
                         </m:ctrlPr>
                       </m:sSubPr>
@@ -9585,7 +9571,7 @@
                       <m:sSubPr>
                         <m:ctrlPr>
                           <a:rPr lang="en-US" altLang="en-US" b="0" i="1" smtClean="0">
-                            <a:latin typeface="Cambria Math" charset="0"/>
+                            <a:latin typeface="Cambria Math" panose="02040503050406030204" pitchFamily="18" charset="0"/>
                           </a:rPr>
                         </m:ctrlPr>
                       </m:sSubPr>
@@ -9626,7 +9612,7 @@
                       <m:sSubPr>
                         <m:ctrlPr>
                           <a:rPr lang="en-US" altLang="en-US" b="0" i="1" smtClean="0">
-                            <a:latin typeface="Cambria Math" charset="0"/>
+                            <a:latin typeface="Cambria Math" panose="02040503050406030204" pitchFamily="18" charset="0"/>
                           </a:rPr>
                         </m:ctrlPr>
                       </m:sSubPr>
@@ -9657,7 +9643,7 @@
                       <m:sSubPr>
                         <m:ctrlPr>
                           <a:rPr lang="en-US" altLang="en-US" b="0" i="1" smtClean="0">
-                            <a:latin typeface="Cambria Math" charset="0"/>
+                            <a:latin typeface="Cambria Math" panose="02040503050406030204" pitchFamily="18" charset="0"/>
                           </a:rPr>
                         </m:ctrlPr>
                       </m:sSubPr>
@@ -9705,7 +9691,7 @@
                         <m:sSubPr>
                           <m:ctrlPr>
                             <a:rPr lang="en-US" altLang="en-US" i="1">
-                              <a:latin typeface="Cambria Math" charset="0"/>
+                              <a:latin typeface="Cambria Math" panose="02040503050406030204" pitchFamily="18" charset="0"/>
                             </a:rPr>
                           </m:ctrlPr>
                         </m:sSubPr>
@@ -9749,7 +9735,7 @@
                         <m:sSubPr>
                           <m:ctrlPr>
                             <a:rPr lang="en-US" altLang="en-US" i="1">
-                              <a:latin typeface="Cambria Math" charset="0"/>
+                              <a:latin typeface="Cambria Math" panose="02040503050406030204" pitchFamily="18" charset="0"/>
                             </a:rPr>
                           </m:ctrlPr>
                         </m:sSubPr>
@@ -9853,7 +9839,7 @@
           <p:cNvPr id="4" name="Footer Placeholder 3">
             <a:extLst>
               <a:ext uri="{FF2B5EF4-FFF2-40B4-BE49-F238E27FC236}">
-                <a16:creationId xmlns:a16="http://schemas.microsoft.com/office/drawing/2014/main" xmlns="" id="{A744C794-D14A-4C4F-AB6B-F5754FDC8048}"/>
+                <a16:creationId xmlns:a16="http://schemas.microsoft.com/office/drawing/2014/main" id="{A744C794-D14A-4C4F-AB6B-F5754FDC8048}"/>
               </a:ext>
             </a:extLst>
           </p:cNvPr>
@@ -9910,7 +9896,7 @@
           <p:cNvPr id="5" name="Slide Number Placeholder 4">
             <a:extLst>
               <a:ext uri="{FF2B5EF4-FFF2-40B4-BE49-F238E27FC236}">
-                <a16:creationId xmlns:a16="http://schemas.microsoft.com/office/drawing/2014/main" xmlns="" id="{F010A83B-80DD-4148-B633-CC1EA64BBC2F}"/>
+                <a16:creationId xmlns:a16="http://schemas.microsoft.com/office/drawing/2014/main" id="{F010A83B-80DD-4148-B633-CC1EA64BBC2F}"/>
               </a:ext>
             </a:extLst>
           </p:cNvPr>
@@ -10590,7 +10576,7 @@
               <p:cNvPr id="7" name="Content Placeholder 6">
                 <a:extLst>
                   <a:ext uri="{FF2B5EF4-FFF2-40B4-BE49-F238E27FC236}">
-                    <a16:creationId xmlns:a16="http://schemas.microsoft.com/office/drawing/2014/main" xmlns="" id="{A73C6DC9-E908-45A8-A4DC-4D5A9005AC6F}"/>
+                    <a16:creationId xmlns:a16="http://schemas.microsoft.com/office/drawing/2014/main" id="{A73C6DC9-E908-45A8-A4DC-4D5A9005AC6F}"/>
                   </a:ext>
                 </a:extLst>
               </p:cNvPr>
@@ -10726,13 +10712,6 @@
   <p:clrMapOvr>
     <a:masterClrMapping/>
   </p:clrMapOvr>
-  <p:timing>
-    <p:tnLst>
-      <p:par>
-        <p:cTn id="1" dur="indefinite" restart="never" nodeType="tmRoot"/>
-      </p:par>
-    </p:tnLst>
-  </p:timing>
 </p:sld>
 </file>
 
@@ -10758,7 +10737,7 @@
           <p:cNvPr id="2" name="Title 1">
             <a:extLst>
               <a:ext uri="{FF2B5EF4-FFF2-40B4-BE49-F238E27FC236}">
-                <a16:creationId xmlns:a16="http://schemas.microsoft.com/office/drawing/2014/main" xmlns="" id="{79DCF703-20AF-4958-B33E-F343978ACF91}"/>
+                <a16:creationId xmlns:a16="http://schemas.microsoft.com/office/drawing/2014/main" id="{79DCF703-20AF-4958-B33E-F343978ACF91}"/>
               </a:ext>
             </a:extLst>
           </p:cNvPr>
@@ -10788,7 +10767,7 @@
               <p:cNvPr id="3" name="Content Placeholder 2">
                 <a:extLst>
                   <a:ext uri="{FF2B5EF4-FFF2-40B4-BE49-F238E27FC236}">
-                    <a16:creationId xmlns:a16="http://schemas.microsoft.com/office/drawing/2014/main" xmlns="" id="{6D0CE62C-8863-4F49-A0FA-B90C4A09BB2E}"/>
+                    <a16:creationId xmlns:a16="http://schemas.microsoft.com/office/drawing/2014/main" id="{6D0CE62C-8863-4F49-A0FA-B90C4A09BB2E}"/>
                   </a:ext>
                 </a:extLst>
               </p:cNvPr>
@@ -10826,7 +10805,7 @@
                         <m:limLowPr>
                           <m:ctrlPr>
                             <a:rPr lang="en-US" b="0" i="1" smtClean="0">
-                              <a:latin typeface="Cambria Math" charset="0"/>
+                              <a:latin typeface="Cambria Math" panose="02040503050406030204" pitchFamily="18" charset="0"/>
                             </a:rPr>
                           </m:ctrlPr>
                         </m:limLowPr>
@@ -10860,7 +10839,7 @@
                         <m:dPr>
                           <m:ctrlPr>
                             <a:rPr lang="en-US" b="0" i="1" smtClean="0">
-                              <a:latin typeface="Cambria Math" charset="0"/>
+                              <a:latin typeface="Cambria Math" panose="02040503050406030204" pitchFamily="18" charset="0"/>
                             </a:rPr>
                           </m:ctrlPr>
                         </m:dPr>
@@ -10981,7 +10960,7 @@
                         <m:dPr>
                           <m:ctrlPr>
                             <a:rPr lang="en-US" b="0" i="1" smtClean="0">
-                              <a:latin typeface="Cambria Math" charset="0"/>
+                              <a:latin typeface="Cambria Math" panose="02040503050406030204" pitchFamily="18" charset="0"/>
                             </a:rPr>
                           </m:ctrlPr>
                         </m:dPr>
@@ -11138,7 +11117,7 @@
                         <m:sSupPr>
                           <m:ctrlPr>
                             <a:rPr lang="en-US" b="0" i="1" smtClean="0">
-                              <a:latin typeface="Cambria Math" charset="0"/>
+                              <a:latin typeface="Cambria Math" panose="02040503050406030204" pitchFamily="18" charset="0"/>
                             </a:rPr>
                           </m:ctrlPr>
                         </m:sSupPr>
@@ -11190,7 +11169,7 @@
                         <m:dPr>
                           <m:ctrlPr>
                             <a:rPr lang="en-US" b="0" i="1" smtClean="0">
-                              <a:latin typeface="Cambria Math" charset="0"/>
+                              <a:latin typeface="Cambria Math" panose="02040503050406030204" pitchFamily="18" charset="0"/>
                             </a:rPr>
                           </m:ctrlPr>
                         </m:dPr>
@@ -11221,7 +11200,7 @@
                           <m:supHide m:val="on"/>
                           <m:ctrlPr>
                             <a:rPr lang="en-US" b="0" i="1" smtClean="0">
-                              <a:latin typeface="Cambria Math" charset="0"/>
+                              <a:latin typeface="Cambria Math" panose="02040503050406030204" pitchFamily="18" charset="0"/>
                             </a:rPr>
                           </m:ctrlPr>
                         </m:naryPr>
@@ -11239,7 +11218,7 @@
                             <m:sSubPr>
                               <m:ctrlPr>
                                 <a:rPr lang="en-US" b="0" i="1" smtClean="0">
-                                  <a:latin typeface="Cambria Math" charset="0"/>
+                                  <a:latin typeface="Cambria Math" panose="02040503050406030204" pitchFamily="18" charset="0"/>
                                 </a:rPr>
                               </m:ctrlPr>
                             </m:sSubPr>
@@ -11270,7 +11249,7 @@
                             <m:sSubPr>
                               <m:ctrlPr>
                                 <a:rPr lang="en-US" b="0" i="1" smtClean="0">
-                                  <a:latin typeface="Cambria Math" charset="0"/>
+                                  <a:latin typeface="Cambria Math" panose="02040503050406030204" pitchFamily="18" charset="0"/>
                                 </a:rPr>
                               </m:ctrlPr>
                             </m:sSubPr>
@@ -11317,7 +11296,7 @@
                           <m:supHide m:val="on"/>
                           <m:ctrlPr>
                             <a:rPr lang="en-US" b="0" i="1" smtClean="0">
-                              <a:latin typeface="Cambria Math" charset="0"/>
+                              <a:latin typeface="Cambria Math" panose="02040503050406030204" pitchFamily="18" charset="0"/>
                             </a:rPr>
                           </m:ctrlPr>
                         </m:naryPr>
@@ -11335,7 +11314,7 @@
                             <m:sSubPr>
                               <m:ctrlPr>
                                 <a:rPr lang="en-US" b="0" i="1" smtClean="0">
-                                  <a:latin typeface="Cambria Math" charset="0"/>
+                                  <a:latin typeface="Cambria Math" panose="02040503050406030204" pitchFamily="18" charset="0"/>
                                 </a:rPr>
                               </m:ctrlPr>
                             </m:sSubPr>
@@ -11361,7 +11340,7 @@
                               <m:degHide m:val="on"/>
                               <m:ctrlPr>
                                 <a:rPr lang="en-US" b="0" i="1" smtClean="0">
-                                  <a:latin typeface="Cambria Math" charset="0"/>
+                                  <a:latin typeface="Cambria Math" panose="02040503050406030204" pitchFamily="18" charset="0"/>
                                 </a:rPr>
                               </m:ctrlPr>
                             </m:radPr>
@@ -11371,7 +11350,7 @@
                                 <m:sSubSupPr>
                                   <m:ctrlPr>
                                     <a:rPr lang="en-US" b="0" i="1" smtClean="0">
-                                      <a:latin typeface="Cambria Math" charset="0"/>
+                                      <a:latin typeface="Cambria Math" panose="02040503050406030204" pitchFamily="18" charset="0"/>
                                     </a:rPr>
                                   </m:ctrlPr>
                                 </m:sSubSupPr>
@@ -11410,7 +11389,7 @@
                                 <m:sSubSupPr>
                                   <m:ctrlPr>
                                     <a:rPr lang="en-US" i="1">
-                                      <a:latin typeface="Cambria Math" charset="0"/>
+                                      <a:latin typeface="Cambria Math" panose="02040503050406030204" pitchFamily="18" charset="0"/>
                                     </a:rPr>
                                   </m:ctrlPr>
                                 </m:sSubSupPr>
@@ -11469,7 +11448,7 @@
                             <m:sSubSupPr>
                               <m:ctrlPr>
                                 <a:rPr lang="en-US" b="0" i="1" smtClean="0">
-                                  <a:latin typeface="Cambria Math" charset="0"/>
+                                  <a:latin typeface="Cambria Math" panose="02040503050406030204" pitchFamily="18" charset="0"/>
                                 </a:rPr>
                               </m:ctrlPr>
                             </m:sSubSupPr>
@@ -11514,7 +11493,7 @@
                             <m:sSubSupPr>
                               <m:ctrlPr>
                                 <a:rPr lang="en-US" b="0" i="1" smtClean="0">
-                                  <a:latin typeface="Cambria Math" charset="0"/>
+                                  <a:latin typeface="Cambria Math" panose="02040503050406030204" pitchFamily="18" charset="0"/>
                                 </a:rPr>
                               </m:ctrlPr>
                             </m:sSubSupPr>
@@ -11687,7 +11666,7 @@
           <p:cNvPr id="4" name="Footer Placeholder 3">
             <a:extLst>
               <a:ext uri="{FF2B5EF4-FFF2-40B4-BE49-F238E27FC236}">
-                <a16:creationId xmlns:a16="http://schemas.microsoft.com/office/drawing/2014/main" xmlns="" id="{1F18B1F0-4748-4068-BA94-68CBCC62C648}"/>
+                <a16:creationId xmlns:a16="http://schemas.microsoft.com/office/drawing/2014/main" id="{1F18B1F0-4748-4068-BA94-68CBCC62C648}"/>
               </a:ext>
             </a:extLst>
           </p:cNvPr>
@@ -11744,7 +11723,7 @@
           <p:cNvPr id="5" name="Slide Number Placeholder 4">
             <a:extLst>
               <a:ext uri="{FF2B5EF4-FFF2-40B4-BE49-F238E27FC236}">
-                <a16:creationId xmlns:a16="http://schemas.microsoft.com/office/drawing/2014/main" xmlns="" id="{A39BFACB-D0EE-4249-B1AE-5CD08E88DBBB}"/>
+                <a16:creationId xmlns:a16="http://schemas.microsoft.com/office/drawing/2014/main" id="{A39BFACB-D0EE-4249-B1AE-5CD08E88DBBB}"/>
               </a:ext>
             </a:extLst>
           </p:cNvPr>
@@ -11774,7 +11753,7 @@
           <p:cNvPr id="6" name="Rectangle 5">
             <a:extLst>
               <a:ext uri="{FF2B5EF4-FFF2-40B4-BE49-F238E27FC236}">
-                <a16:creationId xmlns:a16="http://schemas.microsoft.com/office/drawing/2014/main" xmlns="" id="{64764CCA-1F94-4643-8696-38015A8294CF}"/>
+                <a16:creationId xmlns:a16="http://schemas.microsoft.com/office/drawing/2014/main" id="{64764CCA-1F94-4643-8696-38015A8294CF}"/>
               </a:ext>
             </a:extLst>
           </p:cNvPr>
@@ -11821,7 +11800,7 @@
           <p:cNvPr id="7" name="TextBox 6">
             <a:extLst>
               <a:ext uri="{FF2B5EF4-FFF2-40B4-BE49-F238E27FC236}">
-                <a16:creationId xmlns:a16="http://schemas.microsoft.com/office/drawing/2014/main" xmlns="" id="{B87C4414-32CE-48EE-8D41-5F0667A0BED6}"/>
+                <a16:creationId xmlns:a16="http://schemas.microsoft.com/office/drawing/2014/main" id="{B87C4414-32CE-48EE-8D41-5F0667A0BED6}"/>
               </a:ext>
             </a:extLst>
           </p:cNvPr>
@@ -11860,7 +11839,7 @@
           <p:cNvPr id="8" name="Rectangle 7">
             <a:extLst>
               <a:ext uri="{FF2B5EF4-FFF2-40B4-BE49-F238E27FC236}">
-                <a16:creationId xmlns:a16="http://schemas.microsoft.com/office/drawing/2014/main" xmlns="" id="{ED49BEB3-AB94-4944-AED1-ADBCB8B185F1}"/>
+                <a16:creationId xmlns:a16="http://schemas.microsoft.com/office/drawing/2014/main" id="{ED49BEB3-AB94-4944-AED1-ADBCB8B185F1}"/>
               </a:ext>
             </a:extLst>
           </p:cNvPr>
@@ -11907,7 +11886,7 @@
           <p:cNvPr id="9" name="TextBox 8">
             <a:extLst>
               <a:ext uri="{FF2B5EF4-FFF2-40B4-BE49-F238E27FC236}">
-                <a16:creationId xmlns:a16="http://schemas.microsoft.com/office/drawing/2014/main" xmlns="" id="{CD8EA2C0-923D-4F8F-938B-3185B131DE55}"/>
+                <a16:creationId xmlns:a16="http://schemas.microsoft.com/office/drawing/2014/main" id="{CD8EA2C0-923D-4F8F-938B-3185B131DE55}"/>
               </a:ext>
             </a:extLst>
           </p:cNvPr>
@@ -11946,7 +11925,7 @@
           <p:cNvPr id="10" name="Oval 9">
             <a:extLst>
               <a:ext uri="{FF2B5EF4-FFF2-40B4-BE49-F238E27FC236}">
-                <a16:creationId xmlns:a16="http://schemas.microsoft.com/office/drawing/2014/main" xmlns="" id="{79691CDE-3F86-4256-8C1E-9B075E05089F}"/>
+                <a16:creationId xmlns:a16="http://schemas.microsoft.com/office/drawing/2014/main" id="{79691CDE-3F86-4256-8C1E-9B075E05089F}"/>
               </a:ext>
             </a:extLst>
           </p:cNvPr>
@@ -11998,7 +11977,7 @@
           <p:cNvPr id="11" name="Oval 10">
             <a:extLst>
               <a:ext uri="{FF2B5EF4-FFF2-40B4-BE49-F238E27FC236}">
-                <a16:creationId xmlns:a16="http://schemas.microsoft.com/office/drawing/2014/main" xmlns="" id="{0EF577D3-557B-474C-B2B7-1F7AD8DDB4ED}"/>
+                <a16:creationId xmlns:a16="http://schemas.microsoft.com/office/drawing/2014/main" id="{0EF577D3-557B-474C-B2B7-1F7AD8DDB4ED}"/>
               </a:ext>
             </a:extLst>
           </p:cNvPr>
@@ -12050,7 +12029,7 @@
           <p:cNvPr id="12" name="TextBox 11">
             <a:extLst>
               <a:ext uri="{FF2B5EF4-FFF2-40B4-BE49-F238E27FC236}">
-                <a16:creationId xmlns:a16="http://schemas.microsoft.com/office/drawing/2014/main" xmlns="" id="{0F6488F4-3E4A-49E2-AA86-11BBFB3A70E6}"/>
+                <a16:creationId xmlns:a16="http://schemas.microsoft.com/office/drawing/2014/main" id="{0F6488F4-3E4A-49E2-AA86-11BBFB3A70E6}"/>
               </a:ext>
             </a:extLst>
           </p:cNvPr>
@@ -12595,7 +12574,7 @@
               <p:cNvPr id="3" name="TextBox 2">
                 <a:extLst>
                   <a:ext uri="{FF2B5EF4-FFF2-40B4-BE49-F238E27FC236}">
-                    <a16:creationId xmlns:a16="http://schemas.microsoft.com/office/drawing/2014/main" xmlns="" id="{DE36BEBA-512D-4F13-B097-9DA29F92D8A9}"/>
+                    <a16:creationId xmlns:a16="http://schemas.microsoft.com/office/drawing/2014/main" id="{DE36BEBA-512D-4F13-B097-9DA29F92D8A9}"/>
                   </a:ext>
                 </a:extLst>
               </p:cNvPr>
@@ -12709,7 +12688,7 @@
               <p:cNvPr id="10" name="TextBox 9">
                 <a:extLst>
                   <a:ext uri="{FF2B5EF4-FFF2-40B4-BE49-F238E27FC236}">
-                    <a16:creationId xmlns:a16="http://schemas.microsoft.com/office/drawing/2014/main" xmlns="" id="{DFB19A37-2B27-45C8-8757-A9EC693C1904}"/>
+                    <a16:creationId xmlns:a16="http://schemas.microsoft.com/office/drawing/2014/main" id="{DFB19A37-2B27-45C8-8757-A9EC693C1904}"/>
                   </a:ext>
                 </a:extLst>
               </p:cNvPr>
@@ -12821,7 +12800,7 @@
           <p:cNvPr id="7" name="Rectangle 6">
             <a:extLst>
               <a:ext uri="{FF2B5EF4-FFF2-40B4-BE49-F238E27FC236}">
-                <a16:creationId xmlns:a16="http://schemas.microsoft.com/office/drawing/2014/main" xmlns="" id="{C746CEDB-46C0-4343-B966-C84D0DAC3A34}"/>
+                <a16:creationId xmlns:a16="http://schemas.microsoft.com/office/drawing/2014/main" id="{C746CEDB-46C0-4343-B966-C84D0DAC3A34}"/>
               </a:ext>
             </a:extLst>
           </p:cNvPr>
@@ -12873,7 +12852,7 @@
           <p:cNvPr id="13" name="Rectangle 12">
             <a:extLst>
               <a:ext uri="{FF2B5EF4-FFF2-40B4-BE49-F238E27FC236}">
-                <a16:creationId xmlns:a16="http://schemas.microsoft.com/office/drawing/2014/main" xmlns="" id="{CF1FE3B8-89C0-4BC5-82A7-61C9CDE61A4F}"/>
+                <a16:creationId xmlns:a16="http://schemas.microsoft.com/office/drawing/2014/main" id="{CF1FE3B8-89C0-4BC5-82A7-61C9CDE61A4F}"/>
               </a:ext>
             </a:extLst>
           </p:cNvPr>
@@ -12925,7 +12904,7 @@
           <p:cNvPr id="14" name="Rectangle 13">
             <a:extLst>
               <a:ext uri="{FF2B5EF4-FFF2-40B4-BE49-F238E27FC236}">
-                <a16:creationId xmlns:a16="http://schemas.microsoft.com/office/drawing/2014/main" xmlns="" id="{EDF1C893-C24B-4453-8DD1-C2DD493E5AEE}"/>
+                <a16:creationId xmlns:a16="http://schemas.microsoft.com/office/drawing/2014/main" id="{EDF1C893-C24B-4453-8DD1-C2DD493E5AEE}"/>
               </a:ext>
             </a:extLst>
           </p:cNvPr>
@@ -12977,7 +12956,7 @@
           <p:cNvPr id="15" name="Rectangle 14">
             <a:extLst>
               <a:ext uri="{FF2B5EF4-FFF2-40B4-BE49-F238E27FC236}">
-                <a16:creationId xmlns:a16="http://schemas.microsoft.com/office/drawing/2014/main" xmlns="" id="{C36ACDF6-35EB-4B10-AD5E-4EFA08337D88}"/>
+                <a16:creationId xmlns:a16="http://schemas.microsoft.com/office/drawing/2014/main" id="{C36ACDF6-35EB-4B10-AD5E-4EFA08337D88}"/>
               </a:ext>
             </a:extLst>
           </p:cNvPr>
@@ -13031,7 +13010,7 @@
               <p:cNvPr id="8" name="TextBox 7">
                 <a:extLst>
                   <a:ext uri="{FF2B5EF4-FFF2-40B4-BE49-F238E27FC236}">
-                    <a16:creationId xmlns:a16="http://schemas.microsoft.com/office/drawing/2014/main" xmlns="" id="{DABA1900-B631-45EA-A1CC-AA027209DF26}"/>
+                    <a16:creationId xmlns:a16="http://schemas.microsoft.com/office/drawing/2014/main" id="{DABA1900-B631-45EA-A1CC-AA027209DF26}"/>
                   </a:ext>
                 </a:extLst>
               </p:cNvPr>
@@ -13071,7 +13050,7 @@
                         <m:dPr>
                           <m:ctrlPr>
                             <a:rPr lang="en-US" b="0" i="1" smtClean="0">
-                              <a:latin typeface="Cambria Math" charset="0"/>
+                              <a:latin typeface="Cambria Math" panose="02040503050406030204" pitchFamily="18" charset="0"/>
                             </a:rPr>
                           </m:ctrlPr>
                         </m:dPr>
@@ -13108,7 +13087,7 @@
                           <m:endChr m:val="|"/>
                           <m:ctrlPr>
                             <a:rPr lang="en-US" b="0" i="1" smtClean="0">
-                              <a:latin typeface="Cambria Math" charset="0"/>
+                              <a:latin typeface="Cambria Math" panose="02040503050406030204" pitchFamily="18" charset="0"/>
                             </a:rPr>
                           </m:ctrlPr>
                         </m:dPr>
@@ -13132,7 +13111,7 @@
                           <m:degHide m:val="on"/>
                           <m:ctrlPr>
                             <a:rPr lang="en-US" b="0" i="1" smtClean="0">
-                              <a:latin typeface="Cambria Math" charset="0"/>
+                              <a:latin typeface="Cambria Math" panose="02040503050406030204" pitchFamily="18" charset="0"/>
                             </a:rPr>
                           </m:ctrlPr>
                         </m:radPr>
@@ -13142,7 +13121,7 @@
                             <m:sSupPr>
                               <m:ctrlPr>
                                 <a:rPr lang="en-US" b="0" i="1" smtClean="0">
-                                  <a:latin typeface="Cambria Math" charset="0"/>
+                                  <a:latin typeface="Cambria Math" panose="02040503050406030204" pitchFamily="18" charset="0"/>
                                 </a:rPr>
                               </m:ctrlPr>
                             </m:sSupPr>
@@ -13173,7 +13152,7 @@
                             <m:sSupPr>
                               <m:ctrlPr>
                                 <a:rPr lang="en-US" i="1">
-                                  <a:latin typeface="Cambria Math" charset="0"/>
+                                  <a:latin typeface="Cambria Math" panose="02040503050406030204" pitchFamily="18" charset="0"/>
                                 </a:rPr>
                               </m:ctrlPr>
                             </m:sSupPr>
@@ -13254,7 +13233,7 @@
           <p:cNvPr id="19" name="Straight Arrow Connector 18">
             <a:extLst>
               <a:ext uri="{FF2B5EF4-FFF2-40B4-BE49-F238E27FC236}">
-                <a16:creationId xmlns:a16="http://schemas.microsoft.com/office/drawing/2014/main" xmlns="" id="{9B77BD76-ECB9-462D-8AD6-F96FC3911B42}"/>
+                <a16:creationId xmlns:a16="http://schemas.microsoft.com/office/drawing/2014/main" id="{9B77BD76-ECB9-462D-8AD6-F96FC3911B42}"/>
               </a:ext>
             </a:extLst>
           </p:cNvPr>
@@ -13297,7 +13276,7 @@
               <p:cNvPr id="21" name="TextBox 20">
                 <a:extLst>
                   <a:ext uri="{FF2B5EF4-FFF2-40B4-BE49-F238E27FC236}">
-                    <a16:creationId xmlns:a16="http://schemas.microsoft.com/office/drawing/2014/main" xmlns="" id="{D24DA0BD-548E-46C2-88A1-78C9EA0133DD}"/>
+                    <a16:creationId xmlns:a16="http://schemas.microsoft.com/office/drawing/2014/main" id="{D24DA0BD-548E-46C2-88A1-78C9EA0133DD}"/>
                   </a:ext>
                 </a:extLst>
               </p:cNvPr>
@@ -13419,7 +13398,7 @@
           <p:cNvPr id="25" name="Straight Arrow Connector 24">
             <a:extLst>
               <a:ext uri="{FF2B5EF4-FFF2-40B4-BE49-F238E27FC236}">
-                <a16:creationId xmlns:a16="http://schemas.microsoft.com/office/drawing/2014/main" xmlns="" id="{C949D0D1-57EE-4585-9DDE-C033C067204F}"/>
+                <a16:creationId xmlns:a16="http://schemas.microsoft.com/office/drawing/2014/main" id="{C949D0D1-57EE-4585-9DDE-C033C067204F}"/>
               </a:ext>
             </a:extLst>
           </p:cNvPr>
@@ -13460,7 +13439,7 @@
           <p:cNvPr id="27" name="Straight Arrow Connector 26">
             <a:extLst>
               <a:ext uri="{FF2B5EF4-FFF2-40B4-BE49-F238E27FC236}">
-                <a16:creationId xmlns:a16="http://schemas.microsoft.com/office/drawing/2014/main" xmlns="" id="{8C4DE4FC-0E6A-4AE5-A1FB-9160A70BA9EE}"/>
+                <a16:creationId xmlns:a16="http://schemas.microsoft.com/office/drawing/2014/main" id="{8C4DE4FC-0E6A-4AE5-A1FB-9160A70BA9EE}"/>
               </a:ext>
             </a:extLst>
           </p:cNvPr>
@@ -13529,7 +13508,7 @@
                         <m:limLowPr>
                           <m:ctrlPr>
                             <a:rPr lang="en-US" b="0" i="1" smtClean="0">
-                              <a:latin typeface="Cambria Math" charset="0"/>
+                              <a:latin typeface="Cambria Math" panose="02040503050406030204" pitchFamily="18" charset="0"/>
                             </a:rPr>
                           </m:ctrlPr>
                         </m:limLowPr>
@@ -13590,7 +13569,7 @@
                         <m:dPr>
                           <m:ctrlPr>
                             <a:rPr lang="en-US" b="0" i="1" smtClean="0">
-                              <a:latin typeface="Cambria Math" charset="0"/>
+                              <a:latin typeface="Cambria Math" panose="02040503050406030204" pitchFamily="18" charset="0"/>
                             </a:rPr>
                           </m:ctrlPr>
                         </m:dPr>
@@ -13709,7 +13688,7 @@
           <p:cNvPr id="16" name="Oval 15">
             <a:extLst>
               <a:ext uri="{FF2B5EF4-FFF2-40B4-BE49-F238E27FC236}">
-                <a16:creationId xmlns:a16="http://schemas.microsoft.com/office/drawing/2014/main" xmlns="" id="{BDBDC304-BF8C-4571-A813-34E2E071939A}"/>
+                <a16:creationId xmlns:a16="http://schemas.microsoft.com/office/drawing/2014/main" id="{BDBDC304-BF8C-4571-A813-34E2E071939A}"/>
               </a:ext>
             </a:extLst>
           </p:cNvPr>
@@ -13756,7 +13735,7 @@
           <p:cNvPr id="22" name="Oval 21">
             <a:extLst>
               <a:ext uri="{FF2B5EF4-FFF2-40B4-BE49-F238E27FC236}">
-                <a16:creationId xmlns:a16="http://schemas.microsoft.com/office/drawing/2014/main" xmlns="" id="{6E81FA2F-AA60-474A-BEAF-6B3B5796E70F}"/>
+                <a16:creationId xmlns:a16="http://schemas.microsoft.com/office/drawing/2014/main" id="{6E81FA2F-AA60-474A-BEAF-6B3B5796E70F}"/>
               </a:ext>
             </a:extLst>
           </p:cNvPr>
@@ -13803,7 +13782,7 @@
           <p:cNvPr id="23" name="Oval 22">
             <a:extLst>
               <a:ext uri="{FF2B5EF4-FFF2-40B4-BE49-F238E27FC236}">
-                <a16:creationId xmlns:a16="http://schemas.microsoft.com/office/drawing/2014/main" xmlns="" id="{E2AF8601-042F-499B-B4B8-214F9EA13D93}"/>
+                <a16:creationId xmlns:a16="http://schemas.microsoft.com/office/drawing/2014/main" id="{E2AF8601-042F-499B-B4B8-214F9EA13D93}"/>
               </a:ext>
             </a:extLst>
           </p:cNvPr>
@@ -13850,7 +13829,7 @@
           <p:cNvPr id="24" name="Oval 23">
             <a:extLst>
               <a:ext uri="{FF2B5EF4-FFF2-40B4-BE49-F238E27FC236}">
-                <a16:creationId xmlns:a16="http://schemas.microsoft.com/office/drawing/2014/main" xmlns="" id="{1C803775-322A-488C-ADE6-BE3032CCB174}"/>
+                <a16:creationId xmlns:a16="http://schemas.microsoft.com/office/drawing/2014/main" id="{1C803775-322A-488C-ADE6-BE3032CCB174}"/>
               </a:ext>
             </a:extLst>
           </p:cNvPr>
@@ -13897,7 +13876,7 @@
           <p:cNvPr id="26" name="Oval 25">
             <a:extLst>
               <a:ext uri="{FF2B5EF4-FFF2-40B4-BE49-F238E27FC236}">
-                <a16:creationId xmlns:a16="http://schemas.microsoft.com/office/drawing/2014/main" xmlns="" id="{E4BA88DF-1D96-4CB5-91BE-D6D18F8D2318}"/>
+                <a16:creationId xmlns:a16="http://schemas.microsoft.com/office/drawing/2014/main" id="{E4BA88DF-1D96-4CB5-91BE-D6D18F8D2318}"/>
               </a:ext>
             </a:extLst>
           </p:cNvPr>
@@ -13944,7 +13923,7 @@
           <p:cNvPr id="28" name="Oval 27">
             <a:extLst>
               <a:ext uri="{FF2B5EF4-FFF2-40B4-BE49-F238E27FC236}">
-                <a16:creationId xmlns:a16="http://schemas.microsoft.com/office/drawing/2014/main" xmlns="" id="{DFE4836F-0E78-4CAF-881B-E997926D32B1}"/>
+                <a16:creationId xmlns:a16="http://schemas.microsoft.com/office/drawing/2014/main" id="{DFE4836F-0E78-4CAF-881B-E997926D32B1}"/>
               </a:ext>
             </a:extLst>
           </p:cNvPr>
@@ -13993,7 +13972,7 @@
               <p:cNvPr id="29" name="TextBox 28">
                 <a:extLst>
                   <a:ext uri="{FF2B5EF4-FFF2-40B4-BE49-F238E27FC236}">
-                    <a16:creationId xmlns:a16="http://schemas.microsoft.com/office/drawing/2014/main" xmlns="" id="{7D95C71D-EA70-4BD3-A5F2-ABFCDBD3CC1D}"/>
+                    <a16:creationId xmlns:a16="http://schemas.microsoft.com/office/drawing/2014/main" id="{7D95C71D-EA70-4BD3-A5F2-ABFCDBD3CC1D}"/>
                   </a:ext>
                 </a:extLst>
               </p:cNvPr>
@@ -14105,7 +14084,7 @@
           <p:cNvPr id="18" name="Picture 17" descr="A picture containing object&#10;&#10;Description generated with high confidence">
             <a:extLst>
               <a:ext uri="{FF2B5EF4-FFF2-40B4-BE49-F238E27FC236}">
-                <a16:creationId xmlns:a16="http://schemas.microsoft.com/office/drawing/2014/main" xmlns="" id="{51723A5D-1E6B-4201-85F5-CFB1BA73AA3B}"/>
+                <a16:creationId xmlns:a16="http://schemas.microsoft.com/office/drawing/2014/main" id="{51723A5D-1E6B-4201-85F5-CFB1BA73AA3B}"/>
               </a:ext>
             </a:extLst>
           </p:cNvPr>
@@ -14508,7 +14487,7 @@
           <p:cNvPr id="2" name="Title 1">
             <a:extLst>
               <a:ext uri="{FF2B5EF4-FFF2-40B4-BE49-F238E27FC236}">
-                <a16:creationId xmlns:a16="http://schemas.microsoft.com/office/drawing/2014/main" xmlns="" id="{2CFCB053-9302-4433-A0EE-928F053E8F9E}"/>
+                <a16:creationId xmlns:a16="http://schemas.microsoft.com/office/drawing/2014/main" id="{2CFCB053-9302-4433-A0EE-928F053E8F9E}"/>
               </a:ext>
             </a:extLst>
           </p:cNvPr>
@@ -14538,7 +14517,7 @@
               <p:cNvPr id="3" name="Content Placeholder 2">
                 <a:extLst>
                   <a:ext uri="{FF2B5EF4-FFF2-40B4-BE49-F238E27FC236}">
-                    <a16:creationId xmlns:a16="http://schemas.microsoft.com/office/drawing/2014/main" xmlns="" id="{91C89943-CCF2-4951-9FEA-DA883C21955D}"/>
+                    <a16:creationId xmlns:a16="http://schemas.microsoft.com/office/drawing/2014/main" id="{91C89943-CCF2-4951-9FEA-DA883C21955D}"/>
                   </a:ext>
                 </a:extLst>
               </p:cNvPr>
@@ -14569,7 +14548,7 @@
                         <m:limLowPr>
                           <m:ctrlPr>
                             <a:rPr lang="en-US" b="0" i="1" smtClean="0">
-                              <a:latin typeface="Cambria Math" charset="0"/>
+                              <a:latin typeface="Cambria Math" panose="02040503050406030204" pitchFamily="18" charset="0"/>
                             </a:rPr>
                           </m:ctrlPr>
                         </m:limLowPr>
@@ -14693,7 +14672,7 @@
                         <m:sSupPr>
                           <m:ctrlPr>
                             <a:rPr lang="en-US" i="1">
-                              <a:latin typeface="Cambria Math" charset="0"/>
+                              <a:latin typeface="Cambria Math" panose="02040503050406030204" pitchFamily="18" charset="0"/>
                             </a:rPr>
                           </m:ctrlPr>
                         </m:sSupPr>
@@ -14749,7 +14728,7 @@
                           <m:supHide m:val="on"/>
                           <m:ctrlPr>
                             <a:rPr lang="en-US" i="1">
-                              <a:latin typeface="Cambria Math" charset="0"/>
+                              <a:latin typeface="Cambria Math" panose="02040503050406030204" pitchFamily="18" charset="0"/>
                             </a:rPr>
                           </m:ctrlPr>
                         </m:naryPr>
@@ -14767,7 +14746,7 @@
                             <m:sSubPr>
                               <m:ctrlPr>
                                 <a:rPr lang="en-US" i="1">
-                                  <a:latin typeface="Cambria Math" charset="0"/>
+                                  <a:latin typeface="Cambria Math" panose="02040503050406030204" pitchFamily="18" charset="0"/>
                                 </a:rPr>
                               </m:ctrlPr>
                             </m:sSubPr>
@@ -14798,7 +14777,7 @@
                             <m:sSubPr>
                               <m:ctrlPr>
                                 <a:rPr lang="en-US" i="1">
-                                  <a:latin typeface="Cambria Math" charset="0"/>
+                                  <a:latin typeface="Cambria Math" panose="02040503050406030204" pitchFamily="18" charset="0"/>
                                 </a:rPr>
                               </m:ctrlPr>
                             </m:sSubPr>
@@ -14845,7 +14824,7 @@
                           <m:supHide m:val="on"/>
                           <m:ctrlPr>
                             <a:rPr lang="en-US" i="1">
-                              <a:latin typeface="Cambria Math" charset="0"/>
+                              <a:latin typeface="Cambria Math" panose="02040503050406030204" pitchFamily="18" charset="0"/>
                             </a:rPr>
                           </m:ctrlPr>
                         </m:naryPr>
@@ -14863,7 +14842,7 @@
                             <m:sSubPr>
                               <m:ctrlPr>
                                 <a:rPr lang="en-US" i="1">
-                                  <a:latin typeface="Cambria Math" charset="0"/>
+                                  <a:latin typeface="Cambria Math" panose="02040503050406030204" pitchFamily="18" charset="0"/>
                                 </a:rPr>
                               </m:ctrlPr>
                             </m:sSubPr>
@@ -14889,7 +14868,7 @@
                               <m:degHide m:val="on"/>
                               <m:ctrlPr>
                                 <a:rPr lang="en-US" i="1">
-                                  <a:latin typeface="Cambria Math" charset="0"/>
+                                  <a:latin typeface="Cambria Math" panose="02040503050406030204" pitchFamily="18" charset="0"/>
                                 </a:rPr>
                               </m:ctrlPr>
                             </m:radPr>
@@ -14899,7 +14878,7 @@
                                 <m:sSubSupPr>
                                   <m:ctrlPr>
                                     <a:rPr lang="en-US" i="1">
-                                      <a:latin typeface="Cambria Math" charset="0"/>
+                                      <a:latin typeface="Cambria Math" panose="02040503050406030204" pitchFamily="18" charset="0"/>
                                     </a:rPr>
                                   </m:ctrlPr>
                                 </m:sSubSupPr>
@@ -14938,7 +14917,7 @@
                                 <m:sSubSupPr>
                                   <m:ctrlPr>
                                     <a:rPr lang="en-US" i="1">
-                                      <a:latin typeface="Cambria Math" charset="0"/>
+                                      <a:latin typeface="Cambria Math" panose="02040503050406030204" pitchFamily="18" charset="0"/>
                                     </a:rPr>
                                   </m:ctrlPr>
                                 </m:sSubSupPr>
@@ -14999,7 +14978,7 @@
                         <m:sSubSupPr>
                           <m:ctrlPr>
                             <a:rPr lang="en-US" i="1">
-                              <a:latin typeface="Cambria Math" charset="0"/>
+                              <a:latin typeface="Cambria Math" panose="02040503050406030204" pitchFamily="18" charset="0"/>
                             </a:rPr>
                           </m:ctrlPr>
                         </m:sSubSupPr>
@@ -15044,7 +15023,7 @@
                         <m:sSubSupPr>
                           <m:ctrlPr>
                             <a:rPr lang="en-US" i="1">
-                              <a:latin typeface="Cambria Math" charset="0"/>
+                              <a:latin typeface="Cambria Math" panose="02040503050406030204" pitchFamily="18" charset="0"/>
                             </a:rPr>
                           </m:ctrlPr>
                         </m:sSubSupPr>
@@ -15227,7 +15206,7 @@
           <p:cNvPr id="4" name="Footer Placeholder 3">
             <a:extLst>
               <a:ext uri="{FF2B5EF4-FFF2-40B4-BE49-F238E27FC236}">
-                <a16:creationId xmlns:a16="http://schemas.microsoft.com/office/drawing/2014/main" xmlns="" id="{C3DE3A06-EBAA-4965-8CF9-209DC7F747F4}"/>
+                <a16:creationId xmlns:a16="http://schemas.microsoft.com/office/drawing/2014/main" id="{C3DE3A06-EBAA-4965-8CF9-209DC7F747F4}"/>
               </a:ext>
             </a:extLst>
           </p:cNvPr>
@@ -15284,7 +15263,7 @@
           <p:cNvPr id="5" name="Slide Number Placeholder 4">
             <a:extLst>
               <a:ext uri="{FF2B5EF4-FFF2-40B4-BE49-F238E27FC236}">
-                <a16:creationId xmlns:a16="http://schemas.microsoft.com/office/drawing/2014/main" xmlns="" id="{79528500-A9D8-47D3-8FAC-D951DC78692E}"/>
+                <a16:creationId xmlns:a16="http://schemas.microsoft.com/office/drawing/2014/main" id="{79528500-A9D8-47D3-8FAC-D951DC78692E}"/>
               </a:ext>
             </a:extLst>
           </p:cNvPr>
@@ -15314,7 +15293,7 @@
           <p:cNvPr id="6" name="Rectangle 5">
             <a:extLst>
               <a:ext uri="{FF2B5EF4-FFF2-40B4-BE49-F238E27FC236}">
-                <a16:creationId xmlns:a16="http://schemas.microsoft.com/office/drawing/2014/main" xmlns="" id="{78E5842B-094D-4251-BF6D-9492E15A8993}"/>
+                <a16:creationId xmlns:a16="http://schemas.microsoft.com/office/drawing/2014/main" id="{78E5842B-094D-4251-BF6D-9492E15A8993}"/>
               </a:ext>
             </a:extLst>
           </p:cNvPr>
@@ -15939,7 +15918,7 @@
           <p:cNvPr id="3" name="TextBox 2">
             <a:extLst>
               <a:ext uri="{FF2B5EF4-FFF2-40B4-BE49-F238E27FC236}">
-                <a16:creationId xmlns:a16="http://schemas.microsoft.com/office/drawing/2014/main" xmlns="" id="{8D1DBAA3-DFB4-4B72-933E-70C9E117546A}"/>
+                <a16:creationId xmlns:a16="http://schemas.microsoft.com/office/drawing/2014/main" id="{8D1DBAA3-DFB4-4B72-933E-70C9E117546A}"/>
               </a:ext>
             </a:extLst>
           </p:cNvPr>
@@ -15974,7 +15953,7 @@
           <p:cNvPr id="6" name="Arrow: Right 5">
             <a:extLst>
               <a:ext uri="{FF2B5EF4-FFF2-40B4-BE49-F238E27FC236}">
-                <a16:creationId xmlns:a16="http://schemas.microsoft.com/office/drawing/2014/main" xmlns="" id="{94A07FE0-D906-4F8B-BA56-443C9FB13696}"/>
+                <a16:creationId xmlns:a16="http://schemas.microsoft.com/office/drawing/2014/main" id="{94A07FE0-D906-4F8B-BA56-443C9FB13696}"/>
               </a:ext>
             </a:extLst>
           </p:cNvPr>
@@ -16022,7 +16001,7 @@
               <p:cNvPr id="8" name="Content Placeholder 7">
                 <a:extLst>
                   <a:ext uri="{FF2B5EF4-FFF2-40B4-BE49-F238E27FC236}">
-                    <a16:creationId xmlns:a16="http://schemas.microsoft.com/office/drawing/2014/main" xmlns="" id="{0A6E8DC9-E40C-4CD5-9856-9CF482BA5FD5}"/>
+                    <a16:creationId xmlns:a16="http://schemas.microsoft.com/office/drawing/2014/main" id="{0A6E8DC9-E40C-4CD5-9856-9CF482BA5FD5}"/>
                   </a:ext>
                 </a:extLst>
               </p:cNvPr>
@@ -16058,7 +16037,7 @@
                         <m:limLowPr>
                           <m:ctrlPr>
                             <a:rPr lang="en-US" i="1" smtClean="0">
-                              <a:latin typeface="Cambria Math" charset="0"/>
+                              <a:latin typeface="Cambria Math" panose="02040503050406030204" pitchFamily="18" charset="0"/>
                             </a:rPr>
                           </m:ctrlPr>
                         </m:limLowPr>
@@ -16182,7 +16161,7 @@
                         <m:sSupPr>
                           <m:ctrlPr>
                             <a:rPr lang="en-US" i="1">
-                              <a:latin typeface="Cambria Math" charset="0"/>
+                              <a:latin typeface="Cambria Math" panose="02040503050406030204" pitchFamily="18" charset="0"/>
                             </a:rPr>
                           </m:ctrlPr>
                         </m:sSupPr>
@@ -16238,7 +16217,7 @@
                           <m:supHide m:val="on"/>
                           <m:ctrlPr>
                             <a:rPr lang="en-US" i="1">
-                              <a:latin typeface="Cambria Math" charset="0"/>
+                              <a:latin typeface="Cambria Math" panose="02040503050406030204" pitchFamily="18" charset="0"/>
                             </a:rPr>
                           </m:ctrlPr>
                         </m:naryPr>
@@ -16256,7 +16235,7 @@
                             <m:sSubPr>
                               <m:ctrlPr>
                                 <a:rPr lang="en-US" i="1">
-                                  <a:latin typeface="Cambria Math" charset="0"/>
+                                  <a:latin typeface="Cambria Math" panose="02040503050406030204" pitchFamily="18" charset="0"/>
                                 </a:rPr>
                               </m:ctrlPr>
                             </m:sSubPr>
@@ -16287,7 +16266,7 @@
                             <m:sSubPr>
                               <m:ctrlPr>
                                 <a:rPr lang="en-US" i="1">
-                                  <a:latin typeface="Cambria Math" charset="0"/>
+                                  <a:latin typeface="Cambria Math" panose="02040503050406030204" pitchFamily="18" charset="0"/>
                                 </a:rPr>
                               </m:ctrlPr>
                             </m:sSubPr>
@@ -16334,7 +16313,7 @@
                           <m:supHide m:val="on"/>
                           <m:ctrlPr>
                             <a:rPr lang="en-US" i="1">
-                              <a:latin typeface="Cambria Math" charset="0"/>
+                              <a:latin typeface="Cambria Math" panose="02040503050406030204" pitchFamily="18" charset="0"/>
                             </a:rPr>
                           </m:ctrlPr>
                         </m:naryPr>
@@ -16352,7 +16331,7 @@
                             <m:sSubPr>
                               <m:ctrlPr>
                                 <a:rPr lang="en-US" i="1">
-                                  <a:latin typeface="Cambria Math" charset="0"/>
+                                  <a:latin typeface="Cambria Math" panose="02040503050406030204" pitchFamily="18" charset="0"/>
                                 </a:rPr>
                               </m:ctrlPr>
                             </m:sSubPr>
@@ -16378,7 +16357,7 @@
                               <m:degHide m:val="on"/>
                               <m:ctrlPr>
                                 <a:rPr lang="en-US" i="1">
-                                  <a:latin typeface="Cambria Math" charset="0"/>
+                                  <a:latin typeface="Cambria Math" panose="02040503050406030204" pitchFamily="18" charset="0"/>
                                 </a:rPr>
                               </m:ctrlPr>
                             </m:radPr>
@@ -16388,7 +16367,7 @@
                                 <m:sSubSupPr>
                                   <m:ctrlPr>
                                     <a:rPr lang="en-US" i="1">
-                                      <a:latin typeface="Cambria Math" charset="0"/>
+                                      <a:latin typeface="Cambria Math" panose="02040503050406030204" pitchFamily="18" charset="0"/>
                                     </a:rPr>
                                   </m:ctrlPr>
                                 </m:sSubSupPr>
@@ -16427,7 +16406,7 @@
                                 <m:sSubSupPr>
                                   <m:ctrlPr>
                                     <a:rPr lang="en-US" i="1">
-                                      <a:latin typeface="Cambria Math" charset="0"/>
+                                      <a:latin typeface="Cambria Math" panose="02040503050406030204" pitchFamily="18" charset="0"/>
                                     </a:rPr>
                                   </m:ctrlPr>
                                 </m:sSubSupPr>
@@ -16488,7 +16467,7 @@
                         <m:sSubSupPr>
                           <m:ctrlPr>
                             <a:rPr lang="en-US" b="0" i="1" smtClean="0">
-                              <a:latin typeface="Cambria Math" charset="0"/>
+                              <a:latin typeface="Cambria Math" panose="02040503050406030204" pitchFamily="18" charset="0"/>
                             </a:rPr>
                           </m:ctrlPr>
                         </m:sSubSupPr>
@@ -16533,7 +16512,7 @@
                         <m:sSubSupPr>
                           <m:ctrlPr>
                             <a:rPr lang="en-US" b="0" i="1" smtClean="0">
-                              <a:latin typeface="Cambria Math" charset="0"/>
+                              <a:latin typeface="Cambria Math" panose="02040503050406030204" pitchFamily="18" charset="0"/>
                             </a:rPr>
                           </m:ctrlPr>
                         </m:sSubSupPr>
@@ -16587,7 +16566,7 @@
                       <m:sSupPr>
                         <m:ctrlPr>
                           <a:rPr lang="en-US" b="0" i="1" smtClean="0">
-                            <a:latin typeface="Cambria Math" charset="0"/>
+                            <a:latin typeface="Cambria Math" panose="02040503050406030204" pitchFamily="18" charset="0"/>
                           </a:rPr>
                         </m:ctrlPr>
                       </m:sSupPr>
@@ -16632,7 +16611,7 @@
                         <m:endChr m:val="]"/>
                         <m:ctrlPr>
                           <a:rPr lang="en-US" b="0" i="1" smtClean="0">
-                            <a:latin typeface="Cambria Math" charset="0"/>
+                            <a:latin typeface="Cambria Math" panose="02040503050406030204" pitchFamily="18" charset="0"/>
                           </a:rPr>
                         </m:ctrlPr>
                       </m:dPr>
@@ -16641,7 +16620,7 @@
                           <m:sSubPr>
                             <m:ctrlPr>
                               <a:rPr lang="en-US" b="0" i="1" smtClean="0">
-                                <a:latin typeface="Cambria Math" charset="0"/>
+                                <a:latin typeface="Cambria Math" panose="02040503050406030204" pitchFamily="18" charset="0"/>
                               </a:rPr>
                             </m:ctrlPr>
                           </m:sSubPr>
@@ -16684,7 +16663,7 @@
                           <m:sSubPr>
                             <m:ctrlPr>
                               <a:rPr lang="en-US" b="0" i="1" smtClean="0">
-                                <a:latin typeface="Cambria Math" charset="0"/>
+                                <a:latin typeface="Cambria Math" panose="02040503050406030204" pitchFamily="18" charset="0"/>
                               </a:rPr>
                             </m:ctrlPr>
                           </m:sSubPr>
@@ -16760,7 +16739,7 @@
                         <m:sSubPr>
                           <m:ctrlPr>
                             <a:rPr lang="en-US" b="0" i="1" smtClean="0">
-                              <a:latin typeface="Cambria Math" charset="0"/>
+                              <a:latin typeface="Cambria Math" panose="02040503050406030204" pitchFamily="18" charset="0"/>
                             </a:rPr>
                           </m:ctrlPr>
                         </m:sSubPr>
@@ -16791,7 +16770,7 @@
                         <m:sSupPr>
                           <m:ctrlPr>
                             <a:rPr lang="en-US" b="0" i="1" smtClean="0">
-                              <a:latin typeface="Cambria Math" charset="0"/>
+                              <a:latin typeface="Cambria Math" panose="02040503050406030204" pitchFamily="18" charset="0"/>
                             </a:rPr>
                           </m:ctrlPr>
                         </m:sSupPr>
@@ -16808,7 +16787,7 @@
                             <m:dPr>
                               <m:ctrlPr>
                                 <a:rPr lang="en-US" b="0" i="1" smtClean="0">
-                                  <a:latin typeface="Cambria Math" charset="0"/>
+                                  <a:latin typeface="Cambria Math" panose="02040503050406030204" pitchFamily="18" charset="0"/>
                                 </a:rPr>
                               </m:ctrlPr>
                             </m:dPr>
@@ -16827,7 +16806,7 @@
                         <m:sSubPr>
                           <m:ctrlPr>
                             <a:rPr lang="en-US" b="0" i="1" smtClean="0">
-                              <a:latin typeface="Cambria Math" charset="0"/>
+                              <a:latin typeface="Cambria Math" panose="02040503050406030204" pitchFamily="18" charset="0"/>
                             </a:rPr>
                           </m:ctrlPr>
                         </m:sSubPr>
@@ -16867,7 +16846,7 @@
                         <m:sSubPr>
                           <m:ctrlPr>
                             <a:rPr lang="en-US" b="0" i="1" smtClean="0">
-                              <a:latin typeface="Cambria Math" charset="0"/>
+                              <a:latin typeface="Cambria Math" panose="02040503050406030204" pitchFamily="18" charset="0"/>
                             </a:rPr>
                           </m:ctrlPr>
                         </m:sSubPr>
@@ -16899,7 +16878,7 @@
                           <m:degHide m:val="on"/>
                           <m:ctrlPr>
                             <a:rPr lang="en-US" b="0" i="1" smtClean="0">
-                              <a:latin typeface="Cambria Math" charset="0"/>
+                              <a:latin typeface="Cambria Math" panose="02040503050406030204" pitchFamily="18" charset="0"/>
                             </a:rPr>
                           </m:ctrlPr>
                         </m:radPr>
@@ -16915,7 +16894,7 @@
                             <m:sSubPr>
                               <m:ctrlPr>
                                 <a:rPr lang="en-US" b="0" i="1" smtClean="0">
-                                  <a:latin typeface="Cambria Math" charset="0"/>
+                                  <a:latin typeface="Cambria Math" panose="02040503050406030204" pitchFamily="18" charset="0"/>
                                 </a:rPr>
                               </m:ctrlPr>
                             </m:sSubPr>
@@ -16940,7 +16919,7 @@
                             <m:sSubSupPr>
                               <m:ctrlPr>
                                 <a:rPr lang="en-US" b="0" i="1" smtClean="0">
-                                  <a:latin typeface="Cambria Math" charset="0"/>
+                                  <a:latin typeface="Cambria Math" panose="02040503050406030204" pitchFamily="18" charset="0"/>
                                 </a:rPr>
                               </m:ctrlPr>
                             </m:sSubSupPr>
@@ -16979,7 +16958,7 @@
                             <m:dPr>
                               <m:ctrlPr>
                                 <a:rPr lang="en-US" b="0" i="1" smtClean="0">
-                                  <a:latin typeface="Cambria Math" charset="0"/>
+                                  <a:latin typeface="Cambria Math" panose="02040503050406030204" pitchFamily="18" charset="0"/>
                                 </a:rPr>
                               </m:ctrlPr>
                             </m:dPr>
@@ -16995,7 +16974,7 @@
                                   <m:degHide m:val="on"/>
                                   <m:ctrlPr>
                                     <a:rPr lang="en-US" b="0" i="1" smtClean="0">
-                                      <a:latin typeface="Cambria Math" charset="0"/>
+                                      <a:latin typeface="Cambria Math" panose="02040503050406030204" pitchFamily="18" charset="0"/>
                                     </a:rPr>
                                   </m:ctrlPr>
                                 </m:radPr>
@@ -17005,7 +16984,7 @@
                                     <m:fPr>
                                       <m:ctrlPr>
                                         <a:rPr lang="en-US" b="0" i="1" smtClean="0">
-                                          <a:latin typeface="Cambria Math" charset="0"/>
+                                          <a:latin typeface="Cambria Math" panose="02040503050406030204" pitchFamily="18" charset="0"/>
                                         </a:rPr>
                                       </m:ctrlPr>
                                     </m:fPr>
@@ -17052,7 +17031,7 @@
                             <m:sSubPr>
                               <m:ctrlPr>
                                 <a:rPr lang="en-US" b="0" i="1" smtClean="0">
-                                  <a:latin typeface="Cambria Math" charset="0"/>
+                                  <a:latin typeface="Cambria Math" panose="02040503050406030204" pitchFamily="18" charset="0"/>
                                 </a:rPr>
                               </m:ctrlPr>
                             </m:sSubPr>
@@ -17077,7 +17056,7 @@
                             <m:sSubSupPr>
                               <m:ctrlPr>
                                 <a:rPr lang="en-US" b="0" i="1" smtClean="0">
-                                  <a:latin typeface="Cambria Math" charset="0"/>
+                                  <a:latin typeface="Cambria Math" panose="02040503050406030204" pitchFamily="18" charset="0"/>
                                 </a:rPr>
                               </m:ctrlPr>
                             </m:sSubSupPr>
@@ -17757,13 +17736,6 @@
   <p:clrMapOvr>
     <a:masterClrMapping/>
   </p:clrMapOvr>
-  <p:timing>
-    <p:tnLst>
-      <p:par>
-        <p:cTn id="1" dur="indefinite" restart="never" nodeType="tmRoot"/>
-      </p:par>
-    </p:tnLst>
-  </p:timing>
 </p:sld>
 </file>
 
@@ -17917,13 +17889,6 @@
   <p:clrMapOvr>
     <a:masterClrMapping/>
   </p:clrMapOvr>
-  <p:timing>
-    <p:tnLst>
-      <p:par>
-        <p:cTn id="1" dur="indefinite" restart="never" nodeType="tmRoot"/>
-      </p:par>
-    </p:tnLst>
-  </p:timing>
 </p:sld>
 </file>
 
@@ -18868,7 +18833,7 @@
           <p:cNvPr id="2" name="Title 1">
             <a:extLst>
               <a:ext uri="{FF2B5EF4-FFF2-40B4-BE49-F238E27FC236}">
-                <a16:creationId xmlns:a16="http://schemas.microsoft.com/office/drawing/2014/main" xmlns="" id="{17A8BB3D-2D35-4F66-AFB4-2A9AE7681862}"/>
+                <a16:creationId xmlns:a16="http://schemas.microsoft.com/office/drawing/2014/main" id="{17A8BB3D-2D35-4F66-AFB4-2A9AE7681862}"/>
               </a:ext>
             </a:extLst>
           </p:cNvPr>
@@ -18902,7 +18867,7 @@
           <p:cNvPr id="3" name="Footer Placeholder 2">
             <a:extLst>
               <a:ext uri="{FF2B5EF4-FFF2-40B4-BE49-F238E27FC236}">
-                <a16:creationId xmlns:a16="http://schemas.microsoft.com/office/drawing/2014/main" xmlns="" id="{11862E8A-91FD-4C41-A192-DB3D27D88824}"/>
+                <a16:creationId xmlns:a16="http://schemas.microsoft.com/office/drawing/2014/main" id="{11862E8A-91FD-4C41-A192-DB3D27D88824}"/>
               </a:ext>
             </a:extLst>
           </p:cNvPr>
@@ -18959,7 +18924,7 @@
           <p:cNvPr id="4" name="Slide Number Placeholder 3">
             <a:extLst>
               <a:ext uri="{FF2B5EF4-FFF2-40B4-BE49-F238E27FC236}">
-                <a16:creationId xmlns:a16="http://schemas.microsoft.com/office/drawing/2014/main" xmlns="" id="{9DA5ED20-07EE-4130-97A2-FC2FBDDF57B9}"/>
+                <a16:creationId xmlns:a16="http://schemas.microsoft.com/office/drawing/2014/main" id="{9DA5ED20-07EE-4130-97A2-FC2FBDDF57B9}"/>
               </a:ext>
             </a:extLst>
           </p:cNvPr>
@@ -18994,13 +18959,6 @@
   <p:clrMapOvr>
     <a:masterClrMapping/>
   </p:clrMapOvr>
-  <p:timing>
-    <p:tnLst>
-      <p:par>
-        <p:cTn id="1" dur="indefinite" restart="never" nodeType="tmRoot"/>
-      </p:par>
-    </p:tnLst>
-  </p:timing>
 </p:sld>
 </file>
 
@@ -19026,7 +18984,7 @@
           <p:cNvPr id="2" name="Title 1">
             <a:extLst>
               <a:ext uri="{FF2B5EF4-FFF2-40B4-BE49-F238E27FC236}">
-                <a16:creationId xmlns:a16="http://schemas.microsoft.com/office/drawing/2014/main" xmlns="" id="{C7D675AA-6913-48BC-85A2-5C1947B70467}"/>
+                <a16:creationId xmlns:a16="http://schemas.microsoft.com/office/drawing/2014/main" id="{C7D675AA-6913-48BC-85A2-5C1947B70467}"/>
               </a:ext>
             </a:extLst>
           </p:cNvPr>
@@ -19054,7 +19012,7 @@
           <p:cNvPr id="3" name="Content Placeholder 2">
             <a:extLst>
               <a:ext uri="{FF2B5EF4-FFF2-40B4-BE49-F238E27FC236}">
-                <a16:creationId xmlns:a16="http://schemas.microsoft.com/office/drawing/2014/main" xmlns="" id="{F79FB236-54CE-4723-A388-7B2C26E5DA92}"/>
+                <a16:creationId xmlns:a16="http://schemas.microsoft.com/office/drawing/2014/main" id="{F79FB236-54CE-4723-A388-7B2C26E5DA92}"/>
               </a:ext>
             </a:extLst>
           </p:cNvPr>
@@ -19163,7 +19121,7 @@
           <p:cNvPr id="4" name="Footer Placeholder 3">
             <a:extLst>
               <a:ext uri="{FF2B5EF4-FFF2-40B4-BE49-F238E27FC236}">
-                <a16:creationId xmlns:a16="http://schemas.microsoft.com/office/drawing/2014/main" xmlns="" id="{BDDDA0BE-FB94-44D9-8026-4299635DFDB4}"/>
+                <a16:creationId xmlns:a16="http://schemas.microsoft.com/office/drawing/2014/main" id="{BDDDA0BE-FB94-44D9-8026-4299635DFDB4}"/>
               </a:ext>
             </a:extLst>
           </p:cNvPr>
@@ -19220,7 +19178,7 @@
           <p:cNvPr id="5" name="Slide Number Placeholder 4">
             <a:extLst>
               <a:ext uri="{FF2B5EF4-FFF2-40B4-BE49-F238E27FC236}">
-                <a16:creationId xmlns:a16="http://schemas.microsoft.com/office/drawing/2014/main" xmlns="" id="{89272EAA-7658-4CAB-B263-CD4B022CF97A}"/>
+                <a16:creationId xmlns:a16="http://schemas.microsoft.com/office/drawing/2014/main" id="{89272EAA-7658-4CAB-B263-CD4B022CF97A}"/>
               </a:ext>
             </a:extLst>
           </p:cNvPr>
@@ -19740,7 +19698,7 @@
           <p:cNvPr id="2" name="Title 1">
             <a:extLst>
               <a:ext uri="{FF2B5EF4-FFF2-40B4-BE49-F238E27FC236}">
-                <a16:creationId xmlns:a16="http://schemas.microsoft.com/office/drawing/2014/main" xmlns="" id="{11087D96-4F48-402C-9A22-A3A89A572F75}"/>
+                <a16:creationId xmlns:a16="http://schemas.microsoft.com/office/drawing/2014/main" id="{11087D96-4F48-402C-9A22-A3A89A572F75}"/>
               </a:ext>
             </a:extLst>
           </p:cNvPr>
@@ -19768,7 +19726,7 @@
           <p:cNvPr id="3" name="Content Placeholder 2">
             <a:extLst>
               <a:ext uri="{FF2B5EF4-FFF2-40B4-BE49-F238E27FC236}">
-                <a16:creationId xmlns:a16="http://schemas.microsoft.com/office/drawing/2014/main" xmlns="" id="{F03F415E-2814-47D8-8986-8A3A951F9052}"/>
+                <a16:creationId xmlns:a16="http://schemas.microsoft.com/office/drawing/2014/main" id="{F03F415E-2814-47D8-8986-8A3A951F9052}"/>
               </a:ext>
             </a:extLst>
           </p:cNvPr>
@@ -19810,7 +19768,7 @@
           <p:cNvPr id="4" name="Footer Placeholder 3">
             <a:extLst>
               <a:ext uri="{FF2B5EF4-FFF2-40B4-BE49-F238E27FC236}">
-                <a16:creationId xmlns:a16="http://schemas.microsoft.com/office/drawing/2014/main" xmlns="" id="{8624D5AE-8946-4C90-850A-598E06BFD2C8}"/>
+                <a16:creationId xmlns:a16="http://schemas.microsoft.com/office/drawing/2014/main" id="{8624D5AE-8946-4C90-850A-598E06BFD2C8}"/>
               </a:ext>
             </a:extLst>
           </p:cNvPr>
@@ -19867,7 +19825,7 @@
           <p:cNvPr id="5" name="Slide Number Placeholder 4">
             <a:extLst>
               <a:ext uri="{FF2B5EF4-FFF2-40B4-BE49-F238E27FC236}">
-                <a16:creationId xmlns:a16="http://schemas.microsoft.com/office/drawing/2014/main" xmlns="" id="{C338FA2D-196C-4DEF-97C9-AFD64AE6FD17}"/>
+                <a16:creationId xmlns:a16="http://schemas.microsoft.com/office/drawing/2014/main" id="{C338FA2D-196C-4DEF-97C9-AFD64AE6FD17}"/>
               </a:ext>
             </a:extLst>
           </p:cNvPr>
@@ -19897,7 +19855,7 @@
           <p:cNvPr id="6" name="Rectangle 5">
             <a:extLst>
               <a:ext uri="{FF2B5EF4-FFF2-40B4-BE49-F238E27FC236}">
-                <a16:creationId xmlns:a16="http://schemas.microsoft.com/office/drawing/2014/main" xmlns="" id="{A9CE8327-D90B-419B-AEA4-71B82617F441}"/>
+                <a16:creationId xmlns:a16="http://schemas.microsoft.com/office/drawing/2014/main" id="{A9CE8327-D90B-419B-AEA4-71B82617F441}"/>
               </a:ext>
             </a:extLst>
           </p:cNvPr>
@@ -19946,7 +19904,7 @@
           <p:cNvPr id="7" name="Rectangle 6">
             <a:extLst>
               <a:ext uri="{FF2B5EF4-FFF2-40B4-BE49-F238E27FC236}">
-                <a16:creationId xmlns:a16="http://schemas.microsoft.com/office/drawing/2014/main" xmlns="" id="{1FD7498B-D752-4299-93F1-89F70E6DC4C9}"/>
+                <a16:creationId xmlns:a16="http://schemas.microsoft.com/office/drawing/2014/main" id="{1FD7498B-D752-4299-93F1-89F70E6DC4C9}"/>
               </a:ext>
             </a:extLst>
           </p:cNvPr>
@@ -20000,7 +19958,7 @@
           <p:cNvPr id="8" name="Rectangle 7">
             <a:extLst>
               <a:ext uri="{FF2B5EF4-FFF2-40B4-BE49-F238E27FC236}">
-                <a16:creationId xmlns:a16="http://schemas.microsoft.com/office/drawing/2014/main" xmlns="" id="{E943E299-3DD3-4BDC-872E-A723F2FEC289}"/>
+                <a16:creationId xmlns:a16="http://schemas.microsoft.com/office/drawing/2014/main" id="{E943E299-3DD3-4BDC-872E-A723F2FEC289}"/>
               </a:ext>
             </a:extLst>
           </p:cNvPr>
@@ -20049,7 +20007,7 @@
           <p:cNvPr id="9" name="Rectangle 8">
             <a:extLst>
               <a:ext uri="{FF2B5EF4-FFF2-40B4-BE49-F238E27FC236}">
-                <a16:creationId xmlns:a16="http://schemas.microsoft.com/office/drawing/2014/main" xmlns="" id="{7EC04703-0934-4088-8C30-08DC833DCA54}"/>
+                <a16:creationId xmlns:a16="http://schemas.microsoft.com/office/drawing/2014/main" id="{7EC04703-0934-4088-8C30-08DC833DCA54}"/>
               </a:ext>
             </a:extLst>
           </p:cNvPr>
@@ -20103,7 +20061,7 @@
           <p:cNvPr id="10" name="TextBox 9">
             <a:extLst>
               <a:ext uri="{FF2B5EF4-FFF2-40B4-BE49-F238E27FC236}">
-                <a16:creationId xmlns:a16="http://schemas.microsoft.com/office/drawing/2014/main" xmlns="" id="{F2C16A90-5E97-4B18-984B-B7C50B1073AA}"/>
+                <a16:creationId xmlns:a16="http://schemas.microsoft.com/office/drawing/2014/main" id="{F2C16A90-5E97-4B18-984B-B7C50B1073AA}"/>
               </a:ext>
             </a:extLst>
           </p:cNvPr>
@@ -20142,7 +20100,7 @@
           <p:cNvPr id="12" name="TextBox 11">
             <a:extLst>
               <a:ext uri="{FF2B5EF4-FFF2-40B4-BE49-F238E27FC236}">
-                <a16:creationId xmlns:a16="http://schemas.microsoft.com/office/drawing/2014/main" xmlns="" id="{EE2234DA-6987-4ED4-BA76-BA3ABA99CCB9}"/>
+                <a16:creationId xmlns:a16="http://schemas.microsoft.com/office/drawing/2014/main" id="{EE2234DA-6987-4ED4-BA76-BA3ABA99CCB9}"/>
               </a:ext>
             </a:extLst>
           </p:cNvPr>
@@ -20181,7 +20139,7 @@
           <p:cNvPr id="14" name="TextBox 13">
             <a:extLst>
               <a:ext uri="{FF2B5EF4-FFF2-40B4-BE49-F238E27FC236}">
-                <a16:creationId xmlns:a16="http://schemas.microsoft.com/office/drawing/2014/main" xmlns="" id="{6BD26A27-FC2B-4AAD-9133-6B217D6FB28F}"/>
+                <a16:creationId xmlns:a16="http://schemas.microsoft.com/office/drawing/2014/main" id="{6BD26A27-FC2B-4AAD-9133-6B217D6FB28F}"/>
               </a:ext>
             </a:extLst>
           </p:cNvPr>
@@ -20216,7 +20174,7 @@
           <p:cNvPr id="15" name="TextBox 14">
             <a:extLst>
               <a:ext uri="{FF2B5EF4-FFF2-40B4-BE49-F238E27FC236}">
-                <a16:creationId xmlns:a16="http://schemas.microsoft.com/office/drawing/2014/main" xmlns="" id="{BD939FD6-633E-419B-B7F1-B9F75651991B}"/>
+                <a16:creationId xmlns:a16="http://schemas.microsoft.com/office/drawing/2014/main" id="{BD939FD6-633E-419B-B7F1-B9F75651991B}"/>
               </a:ext>
             </a:extLst>
           </p:cNvPr>
@@ -20251,7 +20209,7 @@
           <p:cNvPr id="16" name="Right Brace 15">
             <a:extLst>
               <a:ext uri="{FF2B5EF4-FFF2-40B4-BE49-F238E27FC236}">
-                <a16:creationId xmlns:a16="http://schemas.microsoft.com/office/drawing/2014/main" xmlns="" id="{F2F2FAEA-93F8-4C3F-938B-B013F8C832BF}"/>
+                <a16:creationId xmlns:a16="http://schemas.microsoft.com/office/drawing/2014/main" id="{F2F2FAEA-93F8-4C3F-938B-B013F8C832BF}"/>
               </a:ext>
             </a:extLst>
           </p:cNvPr>
@@ -20297,7 +20255,7 @@
               <p:cNvPr id="17" name="TextBox 16">
                 <a:extLst>
                   <a:ext uri="{FF2B5EF4-FFF2-40B4-BE49-F238E27FC236}">
-                    <a16:creationId xmlns:a16="http://schemas.microsoft.com/office/drawing/2014/main" xmlns="" id="{E379FFCB-270F-42B0-A13C-5284701B20EF}"/>
+                    <a16:creationId xmlns:a16="http://schemas.microsoft.com/office/drawing/2014/main" id="{E379FFCB-270F-42B0-A13C-5284701B20EF}"/>
                   </a:ext>
                 </a:extLst>
               </p:cNvPr>
@@ -20390,7 +20348,7 @@
               <p:cNvPr id="11" name="TextBox 10">
                 <a:extLst>
                   <a:ext uri="{FF2B5EF4-FFF2-40B4-BE49-F238E27FC236}">
-                    <a16:creationId xmlns:a16="http://schemas.microsoft.com/office/drawing/2014/main" xmlns="" id="{DDC5DD18-D812-43C2-9EC9-E1F020D834D6}"/>
+                    <a16:creationId xmlns:a16="http://schemas.microsoft.com/office/drawing/2014/main" id="{DDC5DD18-D812-43C2-9EC9-E1F020D834D6}"/>
                   </a:ext>
                 </a:extLst>
               </p:cNvPr>
@@ -20486,7 +20444,7 @@
               <p:cNvPr id="18" name="TextBox 17">
                 <a:extLst>
                   <a:ext uri="{FF2B5EF4-FFF2-40B4-BE49-F238E27FC236}">
-                    <a16:creationId xmlns:a16="http://schemas.microsoft.com/office/drawing/2014/main" xmlns="" id="{FA32C9F3-6CD8-4695-9D77-2E0F33F0A1AF}"/>
+                    <a16:creationId xmlns:a16="http://schemas.microsoft.com/office/drawing/2014/main" id="{FA32C9F3-6CD8-4695-9D77-2E0F33F0A1AF}"/>
                   </a:ext>
                 </a:extLst>
               </p:cNvPr>
@@ -21232,7 +21190,7 @@
           <p:cNvPr id="2" name="Title 1">
             <a:extLst>
               <a:ext uri="{FF2B5EF4-FFF2-40B4-BE49-F238E27FC236}">
-                <a16:creationId xmlns:a16="http://schemas.microsoft.com/office/drawing/2014/main" xmlns="" id="{7483EDA4-B6D3-49E9-B6F9-35CE16B276B8}"/>
+                <a16:creationId xmlns:a16="http://schemas.microsoft.com/office/drawing/2014/main" id="{7483EDA4-B6D3-49E9-B6F9-35CE16B276B8}"/>
               </a:ext>
             </a:extLst>
           </p:cNvPr>
@@ -21260,7 +21218,7 @@
           <p:cNvPr id="8" name="Content Placeholder 7" descr="A close up of a device&#10;&#10;Description generated with high confidence">
             <a:extLst>
               <a:ext uri="{FF2B5EF4-FFF2-40B4-BE49-F238E27FC236}">
-                <a16:creationId xmlns:a16="http://schemas.microsoft.com/office/drawing/2014/main" xmlns="" id="{8CE1E0D6-6F26-4032-8800-2CF4E7F2996F}"/>
+                <a16:creationId xmlns:a16="http://schemas.microsoft.com/office/drawing/2014/main" id="{8CE1E0D6-6F26-4032-8800-2CF4E7F2996F}"/>
               </a:ext>
             </a:extLst>
           </p:cNvPr>
@@ -21297,7 +21255,7 @@
               <p:cNvPr id="4" name="Text Placeholder 3">
                 <a:extLst>
                   <a:ext uri="{FF2B5EF4-FFF2-40B4-BE49-F238E27FC236}">
-                    <a16:creationId xmlns:a16="http://schemas.microsoft.com/office/drawing/2014/main" xmlns="" id="{B6C5B79B-0970-4BFB-91A9-E1CB31566408}"/>
+                    <a16:creationId xmlns:a16="http://schemas.microsoft.com/office/drawing/2014/main" id="{B6C5B79B-0970-4BFB-91A9-E1CB31566408}"/>
                   </a:ext>
                 </a:extLst>
               </p:cNvPr>
@@ -21328,7 +21286,7 @@
                       <m:sSubPr>
                         <m:ctrlPr>
                           <a:rPr lang="en-US" sz="1800" i="1">
-                            <a:latin typeface="Cambria Math" charset="0"/>
+                            <a:latin typeface="Cambria Math" panose="02040503050406030204" pitchFamily="18" charset="0"/>
                           </a:rPr>
                         </m:ctrlPr>
                       </m:sSubPr>
@@ -21371,7 +21329,7 @@
                       <m:sSupPr>
                         <m:ctrlPr>
                           <a:rPr lang="en-US" sz="1800" i="1">
-                            <a:latin typeface="Cambria Math" charset="0"/>
+                            <a:latin typeface="Cambria Math" panose="02040503050406030204" pitchFamily="18" charset="0"/>
                           </a:rPr>
                         </m:ctrlPr>
                       </m:sSupPr>
@@ -21390,7 +21348,7 @@
                             <m:endChr m:val="|"/>
                             <m:ctrlPr>
                               <a:rPr lang="en-US" sz="1800" i="1">
-                                <a:latin typeface="Cambria Math" charset="0"/>
+                                <a:latin typeface="Cambria Math" panose="02040503050406030204" pitchFamily="18" charset="0"/>
                               </a:rPr>
                             </m:ctrlPr>
                           </m:dPr>
@@ -21479,7 +21437,7 @@
           <p:cNvPr id="5" name="Footer Placeholder 4">
             <a:extLst>
               <a:ext uri="{FF2B5EF4-FFF2-40B4-BE49-F238E27FC236}">
-                <a16:creationId xmlns:a16="http://schemas.microsoft.com/office/drawing/2014/main" xmlns="" id="{A43AD325-324B-46FB-8992-11B6F48344A5}"/>
+                <a16:creationId xmlns:a16="http://schemas.microsoft.com/office/drawing/2014/main" id="{A43AD325-324B-46FB-8992-11B6F48344A5}"/>
               </a:ext>
             </a:extLst>
           </p:cNvPr>
@@ -21536,7 +21494,7 @@
           <p:cNvPr id="6" name="Slide Number Placeholder 5">
             <a:extLst>
               <a:ext uri="{FF2B5EF4-FFF2-40B4-BE49-F238E27FC236}">
-                <a16:creationId xmlns:a16="http://schemas.microsoft.com/office/drawing/2014/main" xmlns="" id="{DC82B01A-3AFA-492D-BC99-4E071A260616}"/>
+                <a16:creationId xmlns:a16="http://schemas.microsoft.com/office/drawing/2014/main" id="{DC82B01A-3AFA-492D-BC99-4E071A260616}"/>
               </a:ext>
             </a:extLst>
           </p:cNvPr>
@@ -21566,7 +21524,7 @@
           <p:cNvPr id="9" name="Title 1">
             <a:extLst>
               <a:ext uri="{FF2B5EF4-FFF2-40B4-BE49-F238E27FC236}">
-                <a16:creationId xmlns:a16="http://schemas.microsoft.com/office/drawing/2014/main" xmlns="" id="{4F33CCF8-87B5-4D8D-A941-8EB5582DF6A2}"/>
+                <a16:creationId xmlns:a16="http://schemas.microsoft.com/office/drawing/2014/main" id="{4F33CCF8-87B5-4D8D-A941-8EB5582DF6A2}"/>
               </a:ext>
             </a:extLst>
           </p:cNvPr>
@@ -21632,7 +21590,7 @@
               <p:cNvPr id="10" name="Text Placeholder 3">
                 <a:extLst>
                   <a:ext uri="{FF2B5EF4-FFF2-40B4-BE49-F238E27FC236}">
-                    <a16:creationId xmlns:a16="http://schemas.microsoft.com/office/drawing/2014/main" xmlns="" id="{5E65C462-EF0B-4F14-92B6-DD92E82EA8D2}"/>
+                    <a16:creationId xmlns:a16="http://schemas.microsoft.com/office/drawing/2014/main" id="{5E65C462-EF0B-4F14-92B6-DD92E82EA8D2}"/>
                   </a:ext>
                 </a:extLst>
               </p:cNvPr>
@@ -21894,7 +21852,7 @@
                       <m:fPr>
                         <m:ctrlPr>
                           <a:rPr lang="en-US" sz="1800" i="1">
-                            <a:latin typeface="Cambria Math" charset="0"/>
+                            <a:latin typeface="Cambria Math" panose="02040503050406030204" pitchFamily="18" charset="0"/>
                           </a:rPr>
                         </m:ctrlPr>
                       </m:fPr>
@@ -21915,7 +21873,7 @@
                           <m:sSubPr>
                             <m:ctrlPr>
                               <a:rPr lang="en-US" sz="1800" i="1">
-                                <a:latin typeface="Cambria Math" charset="0"/>
+                                <a:latin typeface="Cambria Math" panose="02040503050406030204" pitchFamily="18" charset="0"/>
                               </a:rPr>
                             </m:ctrlPr>
                           </m:sSubPr>
@@ -21995,7 +21953,7 @@
                       <m:sSubPr>
                         <m:ctrlPr>
                           <a:rPr lang="en-US" sz="1800" i="1">
-                            <a:latin typeface="Cambria Math" charset="0"/>
+                            <a:latin typeface="Cambria Math" panose="02040503050406030204" pitchFamily="18" charset="0"/>
                           </a:rPr>
                         </m:ctrlPr>
                       </m:sSubPr>
@@ -22089,7 +22047,7 @@
           <p:cNvPr id="11" name="Title 1">
             <a:extLst>
               <a:ext uri="{FF2B5EF4-FFF2-40B4-BE49-F238E27FC236}">
-                <a16:creationId xmlns:a16="http://schemas.microsoft.com/office/drawing/2014/main" xmlns="" id="{E17ECA68-FF04-4278-9440-FC0B19DC7E0C}"/>
+                <a16:creationId xmlns:a16="http://schemas.microsoft.com/office/drawing/2014/main" id="{E17ECA68-FF04-4278-9440-FC0B19DC7E0C}"/>
               </a:ext>
             </a:extLst>
           </p:cNvPr>
@@ -22305,7 +22263,7 @@
           <p:cNvPr id="2" name="Title 1">
             <a:extLst>
               <a:ext uri="{FF2B5EF4-FFF2-40B4-BE49-F238E27FC236}">
-                <a16:creationId xmlns:a16="http://schemas.microsoft.com/office/drawing/2014/main" xmlns="" id="{E9494603-1C22-4A8B-96DB-3D42D3B82802}"/>
+                <a16:creationId xmlns:a16="http://schemas.microsoft.com/office/drawing/2014/main" id="{F4C23E1A-E65F-45E3-B3EB-E57706C09C8B}"/>
               </a:ext>
             </a:extLst>
           </p:cNvPr>
@@ -22323,6 +22281,868 @@
           <a:p>
             <a:r>
               <a:rPr lang="en-US" dirty="0"/>
+              <a:t>Simulation setup</a:t>
+            </a:r>
+          </a:p>
+        </p:txBody>
+      </p:sp>
+      <p:graphicFrame>
+        <p:nvGraphicFramePr>
+          <p:cNvPr id="6" name="Content Placeholder 5">
+            <a:extLst>
+              <a:ext uri="{FF2B5EF4-FFF2-40B4-BE49-F238E27FC236}">
+                <a16:creationId xmlns:a16="http://schemas.microsoft.com/office/drawing/2014/main" id="{6967B0B5-D35B-4A22-A314-443746DAC817}"/>
+              </a:ext>
+            </a:extLst>
+          </p:cNvPr>
+          <p:cNvGraphicFramePr>
+            <a:graphicFrameLocks noGrp="1"/>
+          </p:cNvGraphicFramePr>
+          <p:nvPr>
+            <p:ph idx="1"/>
+            <p:extLst>
+              <p:ext uri="{D42A27DB-BD31-4B8C-83A1-F6EECF244321}">
+                <p14:modId xmlns:p14="http://schemas.microsoft.com/office/powerpoint/2010/main" val="2849817078"/>
+              </p:ext>
+            </p:extLst>
+          </p:nvPr>
+        </p:nvGraphicFramePr>
+        <p:xfrm>
+          <a:off x="404813" y="927100"/>
+          <a:ext cx="8281985" cy="2392680"/>
+        </p:xfrm>
+        <a:graphic>
+          <a:graphicData uri="http://schemas.openxmlformats.org/drawingml/2006/table">
+            <a:tbl>
+              <a:tblPr firstRow="1" firstCol="1" bandRow="1">
+                <a:tableStyleId>{5C22544A-7EE6-4342-B048-85BDC9FD1C3A}</a:tableStyleId>
+              </a:tblPr>
+              <a:tblGrid>
+                <a:gridCol w="1656397">
+                  <a:extLst>
+                    <a:ext uri="{9D8B030D-6E8A-4147-A177-3AD203B41FA5}">
+                      <a16:colId xmlns:a16="http://schemas.microsoft.com/office/drawing/2014/main" val="739102875"/>
+                    </a:ext>
+                  </a:extLst>
+                </a:gridCol>
+                <a:gridCol w="1656397">
+                  <a:extLst>
+                    <a:ext uri="{9D8B030D-6E8A-4147-A177-3AD203B41FA5}">
+                      <a16:colId xmlns:a16="http://schemas.microsoft.com/office/drawing/2014/main" val="3414489019"/>
+                    </a:ext>
+                  </a:extLst>
+                </a:gridCol>
+                <a:gridCol w="1656397">
+                  <a:extLst>
+                    <a:ext uri="{9D8B030D-6E8A-4147-A177-3AD203B41FA5}">
+                      <a16:colId xmlns:a16="http://schemas.microsoft.com/office/drawing/2014/main" val="2900459187"/>
+                    </a:ext>
+                  </a:extLst>
+                </a:gridCol>
+                <a:gridCol w="1656397">
+                  <a:extLst>
+                    <a:ext uri="{9D8B030D-6E8A-4147-A177-3AD203B41FA5}">
+                      <a16:colId xmlns:a16="http://schemas.microsoft.com/office/drawing/2014/main" val="2175912481"/>
+                    </a:ext>
+                  </a:extLst>
+                </a:gridCol>
+                <a:gridCol w="1656397">
+                  <a:extLst>
+                    <a:ext uri="{9D8B030D-6E8A-4147-A177-3AD203B41FA5}">
+                      <a16:colId xmlns:a16="http://schemas.microsoft.com/office/drawing/2014/main" val="1202905979"/>
+                    </a:ext>
+                  </a:extLst>
+                </a:gridCol>
+              </a:tblGrid>
+              <a:tr h="370840">
+                <a:tc>
+                  <a:txBody>
+                    <a:bodyPr/>
+                    <a:lstStyle/>
+                    <a:p>
+                      <a:endParaRPr lang="en-US" dirty="0"/>
+                    </a:p>
+                  </a:txBody>
+                  <a:tcPr/>
+                </a:tc>
+                <a:tc>
+                  <a:txBody>
+                    <a:bodyPr/>
+                    <a:lstStyle/>
+                    <a:p>
+                      <a:pPr algn="r"/>
+                      <a:r>
+                        <a:rPr lang="en-US" dirty="0"/>
+                        <a:t>Proportion</a:t>
+                      </a:r>
+                    </a:p>
+                  </a:txBody>
+                  <a:tcPr/>
+                </a:tc>
+                <a:tc>
+                  <a:txBody>
+                    <a:bodyPr/>
+                    <a:lstStyle/>
+                    <a:p>
+                      <a:pPr algn="r"/>
+                      <a:r>
+                        <a:rPr lang="en-US" dirty="0"/>
+                        <a:t>SNR</a:t>
+                      </a:r>
+                    </a:p>
+                  </a:txBody>
+                  <a:tcPr/>
+                </a:tc>
+                <a:tc>
+                  <a:txBody>
+                    <a:bodyPr/>
+                    <a:lstStyle/>
+                    <a:p>
+                      <a:pPr algn="r"/>
+                      <a:r>
+                        <a:rPr lang="en-US" dirty="0"/>
+                        <a:t>Dimension</a:t>
+                      </a:r>
+                    </a:p>
+                  </a:txBody>
+                  <a:tcPr/>
+                </a:tc>
+                <a:tc>
+                  <a:txBody>
+                    <a:bodyPr/>
+                    <a:lstStyle/>
+                    <a:p>
+                      <a:pPr algn="r"/>
+                      <a:r>
+                        <a:rPr lang="en-US" dirty="0"/>
+                        <a:t>SNP</a:t>
+                      </a:r>
+                    </a:p>
+                  </a:txBody>
+                  <a:tcPr/>
+                </a:tc>
+                <a:extLst>
+                  <a:ext uri="{0D108BD9-81ED-4DB2-BD59-A6C34878D82A}">
+                    <a16:rowId xmlns:a16="http://schemas.microsoft.com/office/drawing/2014/main" val="1087788508"/>
+                  </a:ext>
+                </a:extLst>
+              </a:tr>
+              <a:tr h="370840">
+                <a:tc>
+                  <a:txBody>
+                    <a:bodyPr/>
+                    <a:lstStyle/>
+                    <a:p>
+                      <a:r>
+                        <a:rPr lang="en-US" dirty="0"/>
+                        <a:t># Predictive Biomarkers</a:t>
+                      </a:r>
+                    </a:p>
+                  </a:txBody>
+                  <a:tcPr/>
+                </a:tc>
+                <a:tc>
+                  <a:txBody>
+                    <a:bodyPr/>
+                    <a:lstStyle/>
+                    <a:p>
+                      <a:pPr algn="r"/>
+                      <a:r>
+                        <a:rPr lang="en-US" dirty="0">
+                          <a:solidFill>
+                            <a:schemeClr val="bg1"/>
+                          </a:solidFill>
+                        </a:rPr>
+                        <a:t>5%,10%,</a:t>
+                      </a:r>
+                      <a:br>
+                        <a:rPr lang="en-US" dirty="0">
+                          <a:solidFill>
+                            <a:schemeClr val="bg1"/>
+                          </a:solidFill>
+                        </a:rPr>
+                      </a:br>
+                      <a:r>
+                        <a:rPr lang="en-US" dirty="0">
+                          <a:solidFill>
+                            <a:schemeClr val="bg1"/>
+                          </a:solidFill>
+                        </a:rPr>
+                        <a:t>15%,20%</a:t>
+                      </a:r>
+                    </a:p>
+                  </a:txBody>
+                  <a:tcPr>
+                    <a:solidFill>
+                      <a:schemeClr val="accent5"/>
+                    </a:solidFill>
+                  </a:tcPr>
+                </a:tc>
+                <a:tc>
+                  <a:txBody>
+                    <a:bodyPr/>
+                    <a:lstStyle/>
+                    <a:p>
+                      <a:pPr algn="r"/>
+                      <a:r>
+                        <a:rPr lang="en-US" dirty="0"/>
+                        <a:t>10%</a:t>
+                      </a:r>
+                    </a:p>
+                  </a:txBody>
+                  <a:tcPr/>
+                </a:tc>
+                <a:tc>
+                  <a:txBody>
+                    <a:bodyPr/>
+                    <a:lstStyle/>
+                    <a:p>
+                      <a:pPr algn="r"/>
+                      <a:r>
+                        <a:rPr lang="en-US" dirty="0"/>
+                        <a:t>10%</a:t>
+                      </a:r>
+                    </a:p>
+                  </a:txBody>
+                  <a:tcPr/>
+                </a:tc>
+                <a:tc>
+                  <a:txBody>
+                    <a:bodyPr/>
+                    <a:lstStyle/>
+                    <a:p>
+                      <a:pPr algn="r"/>
+                      <a:r>
+                        <a:rPr lang="en-US" dirty="0"/>
+                        <a:t>10%</a:t>
+                      </a:r>
+                    </a:p>
+                  </a:txBody>
+                  <a:tcPr/>
+                </a:tc>
+                <a:extLst>
+                  <a:ext uri="{0D108BD9-81ED-4DB2-BD59-A6C34878D82A}">
+                    <a16:rowId xmlns:a16="http://schemas.microsoft.com/office/drawing/2014/main" val="1277102844"/>
+                  </a:ext>
+                </a:extLst>
+              </a:tr>
+              <a:tr h="370840">
+                <a:tc>
+                  <a:txBody>
+                    <a:bodyPr/>
+                    <a:lstStyle/>
+                    <a:p>
+                      <a:r>
+                        <a:rPr lang="en-US" dirty="0"/>
+                        <a:t># Biomarkers</a:t>
+                      </a:r>
+                    </a:p>
+                  </a:txBody>
+                  <a:tcPr/>
+                </a:tc>
+                <a:tc>
+                  <a:txBody>
+                    <a:bodyPr/>
+                    <a:lstStyle/>
+                    <a:p>
+                      <a:pPr algn="r"/>
+                      <a:r>
+                        <a:rPr lang="en-US" dirty="0"/>
+                        <a:t>100</a:t>
+                      </a:r>
+                    </a:p>
+                  </a:txBody>
+                  <a:tcPr/>
+                </a:tc>
+                <a:tc>
+                  <a:txBody>
+                    <a:bodyPr/>
+                    <a:lstStyle/>
+                    <a:p>
+                      <a:pPr algn="r"/>
+                      <a:r>
+                        <a:rPr lang="en-US" dirty="0"/>
+                        <a:t>100</a:t>
+                      </a:r>
+                    </a:p>
+                  </a:txBody>
+                  <a:tcPr/>
+                </a:tc>
+                <a:tc>
+                  <a:txBody>
+                    <a:bodyPr/>
+                    <a:lstStyle/>
+                    <a:p>
+                      <a:pPr algn="r"/>
+                      <a:r>
+                        <a:rPr lang="en-US" dirty="0">
+                          <a:solidFill>
+                            <a:schemeClr val="bg1"/>
+                          </a:solidFill>
+                        </a:rPr>
+                        <a:t>50,100,200</a:t>
+                      </a:r>
+                    </a:p>
+                  </a:txBody>
+                  <a:tcPr>
+                    <a:solidFill>
+                      <a:schemeClr val="accent5"/>
+                    </a:solidFill>
+                  </a:tcPr>
+                </a:tc>
+                <a:tc>
+                  <a:txBody>
+                    <a:bodyPr/>
+                    <a:lstStyle/>
+                    <a:p>
+                      <a:pPr algn="r"/>
+                      <a:r>
+                        <a:rPr lang="en-US" dirty="0"/>
+                        <a:t>100</a:t>
+                      </a:r>
+                    </a:p>
+                  </a:txBody>
+                  <a:tcPr/>
+                </a:tc>
+                <a:extLst>
+                  <a:ext uri="{0D108BD9-81ED-4DB2-BD59-A6C34878D82A}">
+                    <a16:rowId xmlns:a16="http://schemas.microsoft.com/office/drawing/2014/main" val="3151828502"/>
+                  </a:ext>
+                </a:extLst>
+              </a:tr>
+              <a:tr h="370840">
+                <a:tc>
+                  <a:txBody>
+                    <a:bodyPr/>
+                    <a:lstStyle/>
+                    <a:p>
+                      <a:r>
+                        <a:rPr lang="en-US" dirty="0"/>
+                        <a:t>SNR</a:t>
+                      </a:r>
+                    </a:p>
+                  </a:txBody>
+                  <a:tcPr/>
+                </a:tc>
+                <a:tc>
+                  <a:txBody>
+                    <a:bodyPr/>
+                    <a:lstStyle/>
+                    <a:p>
+                      <a:pPr algn="r"/>
+                      <a:r>
+                        <a:rPr lang="en-US" dirty="0"/>
+                        <a:t>10</a:t>
+                      </a:r>
+                    </a:p>
+                  </a:txBody>
+                  <a:tcPr/>
+                </a:tc>
+                <a:tc>
+                  <a:txBody>
+                    <a:bodyPr/>
+                    <a:lstStyle/>
+                    <a:p>
+                      <a:pPr algn="r"/>
+                      <a:r>
+                        <a:rPr lang="en-US" dirty="0">
+                          <a:solidFill>
+                            <a:schemeClr val="bg1"/>
+                          </a:solidFill>
+                        </a:rPr>
+                        <a:t>1,5,10,20,100</a:t>
+                      </a:r>
+                    </a:p>
+                  </a:txBody>
+                  <a:tcPr>
+                    <a:solidFill>
+                      <a:schemeClr val="accent5"/>
+                    </a:solidFill>
+                  </a:tcPr>
+                </a:tc>
+                <a:tc>
+                  <a:txBody>
+                    <a:bodyPr/>
+                    <a:lstStyle/>
+                    <a:p>
+                      <a:pPr algn="r"/>
+                      <a:r>
+                        <a:rPr lang="en-US" dirty="0"/>
+                        <a:t>10</a:t>
+                      </a:r>
+                    </a:p>
+                  </a:txBody>
+                  <a:tcPr/>
+                </a:tc>
+                <a:tc>
+                  <a:txBody>
+                    <a:bodyPr/>
+                    <a:lstStyle/>
+                    <a:p>
+                      <a:pPr algn="r"/>
+                      <a:r>
+                        <a:rPr lang="en-US" dirty="0"/>
+                        <a:t>10</a:t>
+                      </a:r>
+                    </a:p>
+                  </a:txBody>
+                  <a:tcPr/>
+                </a:tc>
+                <a:extLst>
+                  <a:ext uri="{0D108BD9-81ED-4DB2-BD59-A6C34878D82A}">
+                    <a16:rowId xmlns:a16="http://schemas.microsoft.com/office/drawing/2014/main" val="607386248"/>
+                  </a:ext>
+                </a:extLst>
+              </a:tr>
+              <a:tr h="370840">
+                <a:tc>
+                  <a:txBody>
+                    <a:bodyPr/>
+                    <a:lstStyle/>
+                    <a:p>
+                      <a:r>
+                        <a:rPr lang="en-US" dirty="0"/>
+                        <a:t>Covariate type</a:t>
+                      </a:r>
+                    </a:p>
+                  </a:txBody>
+                  <a:tcPr/>
+                </a:tc>
+                <a:tc>
+                  <a:txBody>
+                    <a:bodyPr/>
+                    <a:lstStyle/>
+                    <a:p>
+                      <a:pPr algn="r"/>
+                      <a:r>
+                        <a:rPr lang="en-US" dirty="0"/>
+                        <a:t>N(0,1)</a:t>
+                      </a:r>
+                    </a:p>
+                  </a:txBody>
+                  <a:tcPr/>
+                </a:tc>
+                <a:tc>
+                  <a:txBody>
+                    <a:bodyPr/>
+                    <a:lstStyle/>
+                    <a:p>
+                      <a:pPr algn="r"/>
+                      <a:r>
+                        <a:rPr lang="en-US" dirty="0"/>
+                        <a:t>N(0,1)</a:t>
+                      </a:r>
+                    </a:p>
+                  </a:txBody>
+                  <a:tcPr/>
+                </a:tc>
+                <a:tc>
+                  <a:txBody>
+                    <a:bodyPr/>
+                    <a:lstStyle/>
+                    <a:p>
+                      <a:pPr algn="r"/>
+                      <a:r>
+                        <a:rPr lang="en-US" dirty="0"/>
+                        <a:t>N(0,1)</a:t>
+                      </a:r>
+                    </a:p>
+                  </a:txBody>
+                  <a:tcPr/>
+                </a:tc>
+                <a:tc>
+                  <a:txBody>
+                    <a:bodyPr/>
+                    <a:lstStyle/>
+                    <a:p>
+                      <a:pPr algn="r"/>
+                      <a:r>
+                        <a:rPr lang="en-US" dirty="0">
+                          <a:solidFill>
+                            <a:schemeClr val="bg1"/>
+                          </a:solidFill>
+                        </a:rPr>
+                        <a:t>N(0,1)</a:t>
+                      </a:r>
+                      <a:br>
+                        <a:rPr lang="en-US" dirty="0">
+                          <a:solidFill>
+                            <a:schemeClr val="bg1"/>
+                          </a:solidFill>
+                        </a:rPr>
+                      </a:br>
+                      <a:r>
+                        <a:rPr lang="en-US" dirty="0" err="1">
+                          <a:solidFill>
+                            <a:schemeClr val="bg1"/>
+                          </a:solidFill>
+                        </a:rPr>
+                        <a:t>Binom</a:t>
+                      </a:r>
+                      <a:r>
+                        <a:rPr lang="en-US" dirty="0">
+                          <a:solidFill>
+                            <a:schemeClr val="bg1"/>
+                          </a:solidFill>
+                        </a:rPr>
+                        <a:t>(2,0.5)</a:t>
+                      </a:r>
+                    </a:p>
+                  </a:txBody>
+                  <a:tcPr>
+                    <a:solidFill>
+                      <a:schemeClr val="accent5"/>
+                    </a:solidFill>
+                  </a:tcPr>
+                </a:tc>
+                <a:extLst>
+                  <a:ext uri="{0D108BD9-81ED-4DB2-BD59-A6C34878D82A}">
+                    <a16:rowId xmlns:a16="http://schemas.microsoft.com/office/drawing/2014/main" val="4272911081"/>
+                  </a:ext>
+                </a:extLst>
+              </a:tr>
+            </a:tbl>
+          </a:graphicData>
+        </a:graphic>
+      </p:graphicFrame>
+      <p:sp>
+        <p:nvSpPr>
+          <p:cNvPr id="4" name="Footer Placeholder 3">
+            <a:extLst>
+              <a:ext uri="{FF2B5EF4-FFF2-40B4-BE49-F238E27FC236}">
+                <a16:creationId xmlns:a16="http://schemas.microsoft.com/office/drawing/2014/main" id="{2D81FAF2-5569-44B7-B08D-B9E9332BCF80}"/>
+              </a:ext>
+            </a:extLst>
+          </p:cNvPr>
+          <p:cNvSpPr>
+            <a:spLocks noGrp="1"/>
+          </p:cNvSpPr>
+          <p:nvPr>
+            <p:ph type="ftr" sz="quarter" idx="11"/>
+          </p:nvPr>
+        </p:nvSpPr>
+        <p:spPr/>
+        <p:txBody>
+          <a:bodyPr/>
+          <a:lstStyle/>
+          <a:p>
+            <a:r>
+              <a:rPr lang="ja-JP" altLang="en-US" dirty="0"/>
+              <a:t>｜</a:t>
+            </a:r>
+            <a:r>
+              <a:rPr lang="en-US" altLang="ja-JP" dirty="0"/>
+              <a:t>40</a:t>
+            </a:r>
+            <a:r>
+              <a:rPr lang="ja-JP" altLang="en-US" dirty="0"/>
+              <a:t>　</a:t>
+            </a:r>
+            <a:r>
+              <a:rPr lang="en-US" altLang="ja-JP" dirty="0"/>
+              <a:t>|</a:t>
+            </a:r>
+            <a:r>
+              <a:rPr lang="ja-JP" altLang="en-US" dirty="0"/>
+              <a:t>　　</a:t>
+            </a:r>
+            <a:r>
+              <a:rPr lang="en-US" altLang="ja-JP" dirty="0"/>
+              <a:t> Aug 24</a:t>
+            </a:r>
+            <a:r>
+              <a:rPr lang="en-US" altLang="ja-JP" baseline="30000" dirty="0"/>
+              <a:t>th</a:t>
+            </a:r>
+            <a:r>
+              <a:rPr lang="en-US" altLang="ja-JP" dirty="0"/>
+              <a:t> 2018</a:t>
+            </a:r>
+            <a:endParaRPr lang="ja-JP" altLang="en-US" dirty="0"/>
+          </a:p>
+        </p:txBody>
+      </p:sp>
+      <p:sp>
+        <p:nvSpPr>
+          <p:cNvPr id="5" name="Slide Number Placeholder 4">
+            <a:extLst>
+              <a:ext uri="{FF2B5EF4-FFF2-40B4-BE49-F238E27FC236}">
+                <a16:creationId xmlns:a16="http://schemas.microsoft.com/office/drawing/2014/main" id="{3B26AB91-3F16-449D-B663-A3317A22DD06}"/>
+              </a:ext>
+            </a:extLst>
+          </p:cNvPr>
+          <p:cNvSpPr>
+            <a:spLocks noGrp="1"/>
+          </p:cNvSpPr>
+          <p:nvPr>
+            <p:ph type="sldNum" sz="quarter" idx="12"/>
+          </p:nvPr>
+        </p:nvSpPr>
+        <p:spPr/>
+        <p:txBody>
+          <a:bodyPr/>
+          <a:lstStyle/>
+          <a:p>
+            <a:fld id="{E9B57936-92EF-4126-AE48-1D9D36D15E98}" type="slidenum">
+              <a:rPr kumimoji="1" lang="ja-JP" altLang="en-US" smtClean="0"/>
+              <a:pPr/>
+              <a:t>23</a:t>
+            </a:fld>
+            <a:endParaRPr kumimoji="1" lang="ja-JP" altLang="en-US" dirty="0"/>
+          </a:p>
+        </p:txBody>
+      </p:sp>
+    </p:spTree>
+    <p:extLst>
+      <p:ext uri="{BB962C8B-B14F-4D97-AF65-F5344CB8AC3E}">
+        <p14:creationId xmlns:p14="http://schemas.microsoft.com/office/powerpoint/2010/main" val="1112990654"/>
+      </p:ext>
+    </p:extLst>
+  </p:cSld>
+  <p:clrMapOvr>
+    <a:masterClrMapping/>
+  </p:clrMapOvr>
+</p:sld>
+</file>
+
+<file path=ppt/slides/slide25.xml><?xml version="1.0" encoding="utf-8"?>
+<p:sld xmlns:a="http://schemas.openxmlformats.org/drawingml/2006/main" xmlns:r="http://schemas.openxmlformats.org/officeDocument/2006/relationships" xmlns:p="http://schemas.openxmlformats.org/presentationml/2006/main">
+  <p:cSld>
+    <p:spTree>
+      <p:nvGrpSpPr>
+        <p:cNvPr id="1" name=""/>
+        <p:cNvGrpSpPr/>
+        <p:nvPr/>
+      </p:nvGrpSpPr>
+      <p:grpSpPr>
+        <a:xfrm>
+          <a:off x="0" y="0"/>
+          <a:ext cx="0" cy="0"/>
+          <a:chOff x="0" y="0"/>
+          <a:chExt cx="0" cy="0"/>
+        </a:xfrm>
+      </p:grpSpPr>
+      <p:sp>
+        <p:nvSpPr>
+          <p:cNvPr id="2" name="Title 1"/>
+          <p:cNvSpPr>
+            <a:spLocks noGrp="1"/>
+          </p:cNvSpPr>
+          <p:nvPr>
+            <p:ph type="title"/>
+          </p:nvPr>
+        </p:nvSpPr>
+        <p:spPr/>
+        <p:txBody>
+          <a:bodyPr/>
+          <a:lstStyle/>
+          <a:p>
+            <a:r>
+              <a:rPr lang="en-US" dirty="0"/>
+              <a:t>Other methods</a:t>
+            </a:r>
+          </a:p>
+        </p:txBody>
+      </p:sp>
+      <p:sp>
+        <p:nvSpPr>
+          <p:cNvPr id="3" name="Content Placeholder 2"/>
+          <p:cNvSpPr>
+            <a:spLocks noGrp="1"/>
+          </p:cNvSpPr>
+          <p:nvPr>
+            <p:ph idx="1"/>
+          </p:nvPr>
+        </p:nvSpPr>
+        <p:spPr>
+          <a:xfrm>
+            <a:off x="404814" y="927499"/>
+            <a:ext cx="8281987" cy="2436340"/>
+          </a:xfrm>
+        </p:spPr>
+        <p:txBody>
+          <a:bodyPr/>
+          <a:lstStyle/>
+          <a:p>
+            <a:pPr>
+              <a:buFont typeface="Wingdings" panose="05000000000000000000" pitchFamily="2" charset="2"/>
+              <a:buChar char="Ø"/>
+            </a:pPr>
+            <a:r>
+              <a:rPr lang="en-US" dirty="0"/>
+              <a:t>General Elastic Net without penalizing baseline and treatment variables (Lasso)</a:t>
+            </a:r>
+          </a:p>
+          <a:p>
+            <a:pPr>
+              <a:buFont typeface="Wingdings" panose="05000000000000000000" pitchFamily="2" charset="2"/>
+              <a:buChar char="Ø"/>
+            </a:pPr>
+            <a:r>
+              <a:rPr lang="en-US" dirty="0"/>
+              <a:t>Bayesian Model Averaging (BMA)</a:t>
+            </a:r>
+          </a:p>
+          <a:p>
+            <a:pPr>
+              <a:buFont typeface="Wingdings" panose="05000000000000000000" pitchFamily="2" charset="2"/>
+              <a:buChar char="Ø"/>
+            </a:pPr>
+            <a:r>
+              <a:rPr lang="en-US" dirty="0"/>
+              <a:t>Stepwise Variable Selection by likelihood (step)</a:t>
+            </a:r>
+          </a:p>
+          <a:p>
+            <a:pPr>
+              <a:buFont typeface="Wingdings" panose="05000000000000000000" pitchFamily="2" charset="2"/>
+              <a:buChar char="Ø"/>
+            </a:pPr>
+            <a:r>
+              <a:rPr lang="en-US" dirty="0"/>
+              <a:t>Iterative Sure Independent Screening (SIS)</a:t>
+            </a:r>
+          </a:p>
+          <a:p>
+            <a:pPr>
+              <a:buFont typeface="Wingdings" panose="05000000000000000000" pitchFamily="2" charset="2"/>
+              <a:buChar char="Ø"/>
+            </a:pPr>
+            <a:r>
+              <a:rPr lang="en-US" dirty="0"/>
+              <a:t>Random Forest</a:t>
+            </a:r>
+          </a:p>
+        </p:txBody>
+      </p:sp>
+      <p:sp>
+        <p:nvSpPr>
+          <p:cNvPr id="4" name="Footer Placeholder 3"/>
+          <p:cNvSpPr>
+            <a:spLocks noGrp="1"/>
+          </p:cNvSpPr>
+          <p:nvPr>
+            <p:ph type="ftr" sz="quarter" idx="11"/>
+          </p:nvPr>
+        </p:nvSpPr>
+        <p:spPr/>
+        <p:txBody>
+          <a:bodyPr/>
+          <a:lstStyle/>
+          <a:p>
+            <a:r>
+              <a:rPr lang="ja-JP" altLang="en-US" dirty="0"/>
+              <a:t>｜</a:t>
+            </a:r>
+            <a:r>
+              <a:rPr lang="en-US" altLang="ja-JP" dirty="0"/>
+              <a:t>40</a:t>
+            </a:r>
+            <a:r>
+              <a:rPr lang="ja-JP" altLang="en-US" dirty="0"/>
+              <a:t>　</a:t>
+            </a:r>
+            <a:r>
+              <a:rPr lang="en-US" altLang="ja-JP" dirty="0"/>
+              <a:t>|</a:t>
+            </a:r>
+            <a:r>
+              <a:rPr lang="ja-JP" altLang="en-US" dirty="0"/>
+              <a:t>　　</a:t>
+            </a:r>
+            <a:r>
+              <a:rPr lang="en-US" altLang="ja-JP" dirty="0"/>
+              <a:t> Aug 24</a:t>
+            </a:r>
+            <a:r>
+              <a:rPr lang="en-US" altLang="ja-JP" baseline="30000" dirty="0"/>
+              <a:t>th</a:t>
+            </a:r>
+            <a:r>
+              <a:rPr lang="en-US" altLang="ja-JP" dirty="0"/>
+              <a:t> 2018</a:t>
+            </a:r>
+            <a:endParaRPr lang="ja-JP" altLang="en-US" dirty="0"/>
+          </a:p>
+        </p:txBody>
+      </p:sp>
+      <p:sp>
+        <p:nvSpPr>
+          <p:cNvPr id="5" name="Slide Number Placeholder 4"/>
+          <p:cNvSpPr>
+            <a:spLocks noGrp="1"/>
+          </p:cNvSpPr>
+          <p:nvPr>
+            <p:ph type="sldNum" sz="quarter" idx="12"/>
+          </p:nvPr>
+        </p:nvSpPr>
+        <p:spPr/>
+        <p:txBody>
+          <a:bodyPr/>
+          <a:lstStyle/>
+          <a:p>
+            <a:fld id="{E9B57936-92EF-4126-AE48-1D9D36D15E98}" type="slidenum">
+              <a:rPr kumimoji="1" lang="ja-JP" altLang="en-US" smtClean="0"/>
+              <a:pPr/>
+              <a:t>24</a:t>
+            </a:fld>
+            <a:endParaRPr kumimoji="1" lang="ja-JP" altLang="en-US" dirty="0"/>
+          </a:p>
+        </p:txBody>
+      </p:sp>
+    </p:spTree>
+    <p:extLst>
+      <p:ext uri="{BB962C8B-B14F-4D97-AF65-F5344CB8AC3E}">
+        <p14:creationId xmlns:p14="http://schemas.microsoft.com/office/powerpoint/2010/main" val="77469702"/>
+      </p:ext>
+    </p:extLst>
+  </p:cSld>
+  <p:clrMapOvr>
+    <a:masterClrMapping/>
+  </p:clrMapOvr>
+</p:sld>
+</file>
+
+<file path=ppt/slides/slide26.xml><?xml version="1.0" encoding="utf-8"?>
+<p:sld xmlns:a="http://schemas.openxmlformats.org/drawingml/2006/main" xmlns:r="http://schemas.openxmlformats.org/officeDocument/2006/relationships" xmlns:p="http://schemas.openxmlformats.org/presentationml/2006/main">
+  <p:cSld>
+    <p:spTree>
+      <p:nvGrpSpPr>
+        <p:cNvPr id="1" name=""/>
+        <p:cNvGrpSpPr/>
+        <p:nvPr/>
+      </p:nvGrpSpPr>
+      <p:grpSpPr>
+        <a:xfrm>
+          <a:off x="0" y="0"/>
+          <a:ext cx="0" cy="0"/>
+          <a:chOff x="0" y="0"/>
+          <a:chExt cx="0" cy="0"/>
+        </a:xfrm>
+      </p:grpSpPr>
+      <p:sp>
+        <p:nvSpPr>
+          <p:cNvPr id="2" name="Title 1">
+            <a:extLst>
+              <a:ext uri="{FF2B5EF4-FFF2-40B4-BE49-F238E27FC236}">
+                <a16:creationId xmlns:a16="http://schemas.microsoft.com/office/drawing/2014/main" id="{E9494603-1C22-4A8B-96DB-3D42D3B82802}"/>
+              </a:ext>
+            </a:extLst>
+          </p:cNvPr>
+          <p:cNvSpPr>
+            <a:spLocks noGrp="1"/>
+          </p:cNvSpPr>
+          <p:nvPr>
+            <p:ph type="title"/>
+          </p:nvPr>
+        </p:nvSpPr>
+        <p:spPr/>
+        <p:txBody>
+          <a:bodyPr/>
+          <a:lstStyle/>
+          <a:p>
+            <a:r>
+              <a:rPr lang="en-US" dirty="0"/>
               <a:t>Simulation Setup</a:t>
             </a:r>
           </a:p>
@@ -22333,7 +23153,7 @@
           <p:cNvPr id="3" name="Content Placeholder 2">
             <a:extLst>
               <a:ext uri="{FF2B5EF4-FFF2-40B4-BE49-F238E27FC236}">
-                <a16:creationId xmlns:a16="http://schemas.microsoft.com/office/drawing/2014/main" xmlns="" id="{84F0F037-A703-4FE5-A20E-E873E5DCE356}"/>
+                <a16:creationId xmlns:a16="http://schemas.microsoft.com/office/drawing/2014/main" id="{84F0F037-A703-4FE5-A20E-E873E5DCE356}"/>
               </a:ext>
             </a:extLst>
           </p:cNvPr>
@@ -22380,82 +23200,166 @@
           <a:p>
             <a:pPr lvl="0"/>
             <a:r>
-              <a:rPr lang="en-US" dirty="0"/>
+              <a:rPr lang="en-US" dirty="0">
+                <a:solidFill>
+                  <a:schemeClr val="accent4">
+                    <a:lumMod val="60000"/>
+                    <a:lumOff val="40000"/>
+                  </a:schemeClr>
+                </a:solidFill>
+              </a:rPr>
               <a:t>SNR</a:t>
             </a:r>
           </a:p>
           <a:p>
             <a:pPr lvl="1"/>
             <a:r>
-              <a:rPr lang="en-US" dirty="0"/>
+              <a:rPr lang="en-US" dirty="0">
+                <a:solidFill>
+                  <a:schemeClr val="accent4">
+                    <a:lumMod val="60000"/>
+                    <a:lumOff val="40000"/>
+                  </a:schemeClr>
+                </a:solidFill>
+              </a:rPr>
               <a:t>Fixed number of genes: 100</a:t>
             </a:r>
           </a:p>
           <a:p>
             <a:pPr lvl="1"/>
             <a:r>
-              <a:rPr lang="en-US" dirty="0"/>
+              <a:rPr lang="en-US" dirty="0">
+                <a:solidFill>
+                  <a:schemeClr val="accent4">
+                    <a:lumMod val="60000"/>
+                    <a:lumOff val="40000"/>
+                  </a:schemeClr>
+                </a:solidFill>
+              </a:rPr>
               <a:t>Fixed proportion of nonzero predictive biomarkers: 10%</a:t>
             </a:r>
           </a:p>
           <a:p>
             <a:pPr lvl="1"/>
             <a:r>
-              <a:rPr lang="en-US" dirty="0"/>
+              <a:rPr lang="en-US" dirty="0">
+                <a:solidFill>
+                  <a:schemeClr val="accent4">
+                    <a:lumMod val="60000"/>
+                    <a:lumOff val="40000"/>
+                  </a:schemeClr>
+                </a:solidFill>
+              </a:rPr>
               <a:t>Fixed covariates data type: Standard Normal Distribution</a:t>
             </a:r>
           </a:p>
           <a:p>
             <a:r>
-              <a:rPr lang="en-US" dirty="0"/>
+              <a:rPr lang="en-US" dirty="0">
+                <a:solidFill>
+                  <a:schemeClr val="accent4">
+                    <a:lumMod val="60000"/>
+                    <a:lumOff val="40000"/>
+                  </a:schemeClr>
+                </a:solidFill>
+              </a:rPr>
               <a:t>Dimension</a:t>
             </a:r>
           </a:p>
           <a:p>
             <a:pPr lvl="1"/>
             <a:r>
-              <a:rPr lang="en-US" dirty="0"/>
+              <a:rPr lang="en-US" dirty="0">
+                <a:solidFill>
+                  <a:schemeClr val="accent4">
+                    <a:lumMod val="60000"/>
+                    <a:lumOff val="40000"/>
+                  </a:schemeClr>
+                </a:solidFill>
+              </a:rPr>
               <a:t>Fixed proportion of nonzero predictive biomarkers: 10%</a:t>
             </a:r>
           </a:p>
           <a:p>
             <a:pPr lvl="1"/>
             <a:r>
-              <a:rPr lang="en-US" dirty="0"/>
+              <a:rPr lang="en-US" dirty="0">
+                <a:solidFill>
+                  <a:schemeClr val="accent4">
+                    <a:lumMod val="60000"/>
+                    <a:lumOff val="40000"/>
+                  </a:schemeClr>
+                </a:solidFill>
+              </a:rPr>
               <a:t>Fixed SNR=10</a:t>
             </a:r>
           </a:p>
           <a:p>
             <a:pPr lvl="1"/>
             <a:r>
-              <a:rPr lang="en-US" dirty="0"/>
+              <a:rPr lang="en-US" dirty="0">
+                <a:solidFill>
+                  <a:schemeClr val="accent4">
+                    <a:lumMod val="60000"/>
+                    <a:lumOff val="40000"/>
+                  </a:schemeClr>
+                </a:solidFill>
+              </a:rPr>
               <a:t>Fixed covariates data type: Standard Normal Distribution</a:t>
             </a:r>
           </a:p>
           <a:p>
             <a:r>
-              <a:rPr lang="en-US" dirty="0"/>
+              <a:rPr lang="en-US" dirty="0">
+                <a:solidFill>
+                  <a:schemeClr val="accent4">
+                    <a:lumMod val="60000"/>
+                    <a:lumOff val="40000"/>
+                  </a:schemeClr>
+                </a:solidFill>
+              </a:rPr>
               <a:t>SNP</a:t>
             </a:r>
           </a:p>
           <a:p>
             <a:pPr lvl="1"/>
             <a:r>
-              <a:rPr lang="en-US" dirty="0"/>
+              <a:rPr lang="en-US" dirty="0">
+                <a:solidFill>
+                  <a:schemeClr val="accent4">
+                    <a:lumMod val="60000"/>
+                    <a:lumOff val="40000"/>
+                  </a:schemeClr>
+                </a:solidFill>
+              </a:rPr>
               <a:t>Fixed number of genes: 100</a:t>
             </a:r>
           </a:p>
           <a:p>
             <a:pPr lvl="1"/>
             <a:r>
-              <a:rPr lang="en-US" dirty="0"/>
+              <a:rPr lang="en-US" dirty="0">
+                <a:solidFill>
+                  <a:schemeClr val="accent4">
+                    <a:lumMod val="60000"/>
+                    <a:lumOff val="40000"/>
+                  </a:schemeClr>
+                </a:solidFill>
+              </a:rPr>
               <a:t>Fixed proportion of nonzero predictive biomarkers: 10%</a:t>
             </a:r>
           </a:p>
           <a:p>
             <a:pPr lvl="1"/>
             <a:r>
-              <a:rPr lang="en-US" dirty="0"/>
+              <a:rPr lang="en-US" dirty="0">
+                <a:solidFill>
+                  <a:schemeClr val="accent4">
+                    <a:lumMod val="60000"/>
+                    <a:lumOff val="40000"/>
+                  </a:schemeClr>
+                </a:solidFill>
+              </a:rPr>
               <a:t>Fixed SNR=10</a:t>
             </a:r>
           </a:p>
@@ -22494,7 +23398,7 @@
           <p:cNvPr id="4" name="Footer Placeholder 3">
             <a:extLst>
               <a:ext uri="{FF2B5EF4-FFF2-40B4-BE49-F238E27FC236}">
-                <a16:creationId xmlns:a16="http://schemas.microsoft.com/office/drawing/2014/main" xmlns="" id="{E1B43182-D327-45AA-BBE2-67B83983E1E7}"/>
+                <a16:creationId xmlns:a16="http://schemas.microsoft.com/office/drawing/2014/main" id="{E1B43182-D327-45AA-BBE2-67B83983E1E7}"/>
               </a:ext>
             </a:extLst>
           </p:cNvPr>
@@ -22551,7 +23455,7 @@
           <p:cNvPr id="5" name="Slide Number Placeholder 4">
             <a:extLst>
               <a:ext uri="{FF2B5EF4-FFF2-40B4-BE49-F238E27FC236}">
-                <a16:creationId xmlns:a16="http://schemas.microsoft.com/office/drawing/2014/main" xmlns="" id="{32AFE35B-758B-4A31-A289-5F105EBA2AAD}"/>
+                <a16:creationId xmlns:a16="http://schemas.microsoft.com/office/drawing/2014/main" id="{32AFE35B-758B-4A31-A289-5F105EBA2AAD}"/>
               </a:ext>
             </a:extLst>
           </p:cNvPr>
@@ -22570,7 +23474,7 @@
             <a:fld id="{E9B57936-92EF-4126-AE48-1D9D36D15E98}" type="slidenum">
               <a:rPr kumimoji="1" lang="ja-JP" altLang="en-US" smtClean="0"/>
               <a:pPr/>
-              <a:t>23</a:t>
+              <a:t>25</a:t>
             </a:fld>
             <a:endParaRPr kumimoji="1" lang="ja-JP" altLang="en-US" dirty="0"/>
           </a:p>
@@ -23382,608 +24286,6 @@
 </p:sld>
 </file>
 
-<file path=ppt/slides/slide25.xml><?xml version="1.0" encoding="utf-8"?>
-<p:sld xmlns:a="http://schemas.openxmlformats.org/drawingml/2006/main" xmlns:r="http://schemas.openxmlformats.org/officeDocument/2006/relationships" xmlns:p="http://schemas.openxmlformats.org/presentationml/2006/main">
-  <p:cSld>
-    <p:spTree>
-      <p:nvGrpSpPr>
-        <p:cNvPr id="1" name=""/>
-        <p:cNvGrpSpPr/>
-        <p:nvPr/>
-      </p:nvGrpSpPr>
-      <p:grpSpPr>
-        <a:xfrm>
-          <a:off x="0" y="0"/>
-          <a:ext cx="0" cy="0"/>
-          <a:chOff x="0" y="0"/>
-          <a:chExt cx="0" cy="0"/>
-        </a:xfrm>
-      </p:grpSpPr>
-      <p:sp>
-        <p:nvSpPr>
-          <p:cNvPr id="2" name="Title 1"/>
-          <p:cNvSpPr>
-            <a:spLocks noGrp="1"/>
-          </p:cNvSpPr>
-          <p:nvPr>
-            <p:ph type="title"/>
-          </p:nvPr>
-        </p:nvSpPr>
-        <p:spPr/>
-        <p:txBody>
-          <a:bodyPr/>
-          <a:lstStyle/>
-          <a:p>
-            <a:r>
-              <a:rPr lang="en-US" dirty="0"/>
-              <a:t>Other methods</a:t>
-            </a:r>
-          </a:p>
-        </p:txBody>
-      </p:sp>
-      <p:sp>
-        <p:nvSpPr>
-          <p:cNvPr id="3" name="Content Placeholder 2"/>
-          <p:cNvSpPr>
-            <a:spLocks noGrp="1"/>
-          </p:cNvSpPr>
-          <p:nvPr>
-            <p:ph idx="1"/>
-          </p:nvPr>
-        </p:nvSpPr>
-        <p:spPr>
-          <a:xfrm>
-            <a:off x="404814" y="927499"/>
-            <a:ext cx="8281987" cy="2436340"/>
-          </a:xfrm>
-        </p:spPr>
-        <p:txBody>
-          <a:bodyPr/>
-          <a:lstStyle/>
-          <a:p>
-            <a:pPr>
-              <a:buFont typeface="Wingdings" panose="05000000000000000000" pitchFamily="2" charset="2"/>
-              <a:buChar char="Ø"/>
-            </a:pPr>
-            <a:r>
-              <a:rPr lang="en-US" dirty="0"/>
-              <a:t>General Elastic Net without penalizing baseline and treatment variables (Lasso)</a:t>
-            </a:r>
-          </a:p>
-          <a:p>
-            <a:pPr>
-              <a:buFont typeface="Wingdings" panose="05000000000000000000" pitchFamily="2" charset="2"/>
-              <a:buChar char="Ø"/>
-            </a:pPr>
-            <a:r>
-              <a:rPr lang="en-US" dirty="0"/>
-              <a:t>Bayesian Model Averaging (BMA)</a:t>
-            </a:r>
-          </a:p>
-          <a:p>
-            <a:pPr>
-              <a:buFont typeface="Wingdings" panose="05000000000000000000" pitchFamily="2" charset="2"/>
-              <a:buChar char="Ø"/>
-            </a:pPr>
-            <a:r>
-              <a:rPr lang="en-US" dirty="0"/>
-              <a:t>Stepwise Variable Selection by likelihood (step)</a:t>
-            </a:r>
-          </a:p>
-          <a:p>
-            <a:pPr>
-              <a:buFont typeface="Wingdings" panose="05000000000000000000" pitchFamily="2" charset="2"/>
-              <a:buChar char="Ø"/>
-            </a:pPr>
-            <a:r>
-              <a:rPr lang="en-US" dirty="0"/>
-              <a:t>Iterative Sure Independent Screening (SIS)</a:t>
-            </a:r>
-          </a:p>
-          <a:p>
-            <a:pPr>
-              <a:buFont typeface="Wingdings" panose="05000000000000000000" pitchFamily="2" charset="2"/>
-              <a:buChar char="Ø"/>
-            </a:pPr>
-            <a:r>
-              <a:rPr lang="en-US" dirty="0"/>
-              <a:t>Random Forest</a:t>
-            </a:r>
-          </a:p>
-        </p:txBody>
-      </p:sp>
-      <p:sp>
-        <p:nvSpPr>
-          <p:cNvPr id="4" name="Footer Placeholder 3"/>
-          <p:cNvSpPr>
-            <a:spLocks noGrp="1"/>
-          </p:cNvSpPr>
-          <p:nvPr>
-            <p:ph type="ftr" sz="quarter" idx="11"/>
-          </p:nvPr>
-        </p:nvSpPr>
-        <p:spPr/>
-        <p:txBody>
-          <a:bodyPr/>
-          <a:lstStyle/>
-          <a:p>
-            <a:r>
-              <a:rPr lang="ja-JP" altLang="en-US" dirty="0"/>
-              <a:t>｜</a:t>
-            </a:r>
-            <a:r>
-              <a:rPr lang="en-US" altLang="ja-JP" dirty="0"/>
-              <a:t>40</a:t>
-            </a:r>
-            <a:r>
-              <a:rPr lang="ja-JP" altLang="en-US" dirty="0"/>
-              <a:t>　</a:t>
-            </a:r>
-            <a:r>
-              <a:rPr lang="en-US" altLang="ja-JP" dirty="0"/>
-              <a:t>|</a:t>
-            </a:r>
-            <a:r>
-              <a:rPr lang="ja-JP" altLang="en-US" dirty="0"/>
-              <a:t>　　</a:t>
-            </a:r>
-            <a:r>
-              <a:rPr lang="en-US" altLang="ja-JP" dirty="0"/>
-              <a:t> Aug 24</a:t>
-            </a:r>
-            <a:r>
-              <a:rPr lang="en-US" altLang="ja-JP" baseline="30000" dirty="0"/>
-              <a:t>th</a:t>
-            </a:r>
-            <a:r>
-              <a:rPr lang="en-US" altLang="ja-JP" dirty="0"/>
-              <a:t> 2018</a:t>
-            </a:r>
-            <a:endParaRPr lang="ja-JP" altLang="en-US" dirty="0"/>
-          </a:p>
-        </p:txBody>
-      </p:sp>
-      <p:sp>
-        <p:nvSpPr>
-          <p:cNvPr id="5" name="Slide Number Placeholder 4"/>
-          <p:cNvSpPr>
-            <a:spLocks noGrp="1"/>
-          </p:cNvSpPr>
-          <p:nvPr>
-            <p:ph type="sldNum" sz="quarter" idx="12"/>
-          </p:nvPr>
-        </p:nvSpPr>
-        <p:spPr/>
-        <p:txBody>
-          <a:bodyPr/>
-          <a:lstStyle/>
-          <a:p>
-            <a:fld id="{E9B57936-92EF-4126-AE48-1D9D36D15E98}" type="slidenum">
-              <a:rPr kumimoji="1" lang="ja-JP" altLang="en-US" smtClean="0"/>
-              <a:pPr/>
-              <a:t>24</a:t>
-            </a:fld>
-            <a:endParaRPr kumimoji="1" lang="ja-JP" altLang="en-US" dirty="0"/>
-          </a:p>
-        </p:txBody>
-      </p:sp>
-    </p:spTree>
-    <p:extLst>
-      <p:ext uri="{BB962C8B-B14F-4D97-AF65-F5344CB8AC3E}">
-        <p14:creationId xmlns:p14="http://schemas.microsoft.com/office/powerpoint/2010/main" val="77469702"/>
-      </p:ext>
-    </p:extLst>
-  </p:cSld>
-  <p:clrMapOvr>
-    <a:masterClrMapping/>
-  </p:clrMapOvr>
-  <p:timing>
-    <p:tnLst>
-      <p:par>
-        <p:cTn id="1" dur="indefinite" restart="never" nodeType="tmRoot"/>
-      </p:par>
-    </p:tnLst>
-  </p:timing>
-</p:sld>
-</file>
-
-<file path=ppt/slides/slide26.xml><?xml version="1.0" encoding="utf-8"?>
-<p:sld xmlns:a="http://schemas.openxmlformats.org/drawingml/2006/main" xmlns:r="http://schemas.openxmlformats.org/officeDocument/2006/relationships" xmlns:p="http://schemas.openxmlformats.org/presentationml/2006/main">
-  <p:cSld>
-    <p:spTree>
-      <p:nvGrpSpPr>
-        <p:cNvPr id="1" name=""/>
-        <p:cNvGrpSpPr/>
-        <p:nvPr/>
-      </p:nvGrpSpPr>
-      <p:grpSpPr>
-        <a:xfrm>
-          <a:off x="0" y="0"/>
-          <a:ext cx="0" cy="0"/>
-          <a:chOff x="0" y="0"/>
-          <a:chExt cx="0" cy="0"/>
-        </a:xfrm>
-      </p:grpSpPr>
-      <p:sp>
-        <p:nvSpPr>
-          <p:cNvPr id="2" name="Title 1">
-            <a:extLst>
-              <a:ext uri="{FF2B5EF4-FFF2-40B4-BE49-F238E27FC236}">
-                <a16:creationId xmlns:a16="http://schemas.microsoft.com/office/drawing/2014/main" xmlns="" id="{E9494603-1C22-4A8B-96DB-3D42D3B82802}"/>
-              </a:ext>
-            </a:extLst>
-          </p:cNvPr>
-          <p:cNvSpPr>
-            <a:spLocks noGrp="1"/>
-          </p:cNvSpPr>
-          <p:nvPr>
-            <p:ph type="title"/>
-          </p:nvPr>
-        </p:nvSpPr>
-        <p:spPr/>
-        <p:txBody>
-          <a:bodyPr/>
-          <a:lstStyle/>
-          <a:p>
-            <a:r>
-              <a:rPr lang="en-US" dirty="0"/>
-              <a:t>Simulation Setup</a:t>
-            </a:r>
-          </a:p>
-        </p:txBody>
-      </p:sp>
-      <p:sp>
-        <p:nvSpPr>
-          <p:cNvPr id="3" name="Content Placeholder 2">
-            <a:extLst>
-              <a:ext uri="{FF2B5EF4-FFF2-40B4-BE49-F238E27FC236}">
-                <a16:creationId xmlns:a16="http://schemas.microsoft.com/office/drawing/2014/main" xmlns="" id="{84F0F037-A703-4FE5-A20E-E873E5DCE356}"/>
-              </a:ext>
-            </a:extLst>
-          </p:cNvPr>
-          <p:cNvSpPr>
-            <a:spLocks noGrp="1"/>
-          </p:cNvSpPr>
-          <p:nvPr>
-            <p:ph idx="1"/>
-          </p:nvPr>
-        </p:nvSpPr>
-        <p:spPr/>
-        <p:txBody>
-          <a:bodyPr>
-            <a:normAutofit fontScale="77500" lnSpcReduction="20000"/>
-          </a:bodyPr>
-          <a:lstStyle/>
-          <a:p>
-            <a:r>
-              <a:rPr lang="en-US" dirty="0"/>
-              <a:t>Proportion of nonzero interaction effects</a:t>
-            </a:r>
-          </a:p>
-          <a:p>
-            <a:pPr lvl="1"/>
-            <a:r>
-              <a:rPr lang="en-US" dirty="0"/>
-              <a:t>Fixed number of genes: 100</a:t>
-            </a:r>
-          </a:p>
-          <a:p>
-            <a:pPr lvl="1"/>
-            <a:r>
-              <a:rPr lang="en-US" dirty="0"/>
-              <a:t>Fixed SNR=10</a:t>
-            </a:r>
-          </a:p>
-          <a:p>
-            <a:pPr lvl="1"/>
-            <a:r>
-              <a:rPr lang="en-US" dirty="0"/>
-              <a:t>Fixed covariates data type: Standard Normal Distribution</a:t>
-            </a:r>
-          </a:p>
-          <a:p>
-            <a:pPr lvl="0"/>
-            <a:r>
-              <a:rPr lang="en-US" dirty="0">
-                <a:solidFill>
-                  <a:schemeClr val="accent4">
-                    <a:lumMod val="60000"/>
-                    <a:lumOff val="40000"/>
-                  </a:schemeClr>
-                </a:solidFill>
-              </a:rPr>
-              <a:t>SNR</a:t>
-            </a:r>
-          </a:p>
-          <a:p>
-            <a:pPr lvl="1"/>
-            <a:r>
-              <a:rPr lang="en-US" dirty="0">
-                <a:solidFill>
-                  <a:schemeClr val="accent4">
-                    <a:lumMod val="60000"/>
-                    <a:lumOff val="40000"/>
-                  </a:schemeClr>
-                </a:solidFill>
-              </a:rPr>
-              <a:t>Fixed number of genes: 100</a:t>
-            </a:r>
-          </a:p>
-          <a:p>
-            <a:pPr lvl="1"/>
-            <a:r>
-              <a:rPr lang="en-US" dirty="0">
-                <a:solidFill>
-                  <a:schemeClr val="accent4">
-                    <a:lumMod val="60000"/>
-                    <a:lumOff val="40000"/>
-                  </a:schemeClr>
-                </a:solidFill>
-              </a:rPr>
-              <a:t>Fixed proportion of nonzero predictive biomarkers: 10%</a:t>
-            </a:r>
-          </a:p>
-          <a:p>
-            <a:pPr lvl="1"/>
-            <a:r>
-              <a:rPr lang="en-US" dirty="0">
-                <a:solidFill>
-                  <a:schemeClr val="accent4">
-                    <a:lumMod val="60000"/>
-                    <a:lumOff val="40000"/>
-                  </a:schemeClr>
-                </a:solidFill>
-              </a:rPr>
-              <a:t>Fixed covariates data type: Standard Normal Distribution</a:t>
-            </a:r>
-          </a:p>
-          <a:p>
-            <a:r>
-              <a:rPr lang="en-US" dirty="0">
-                <a:solidFill>
-                  <a:schemeClr val="accent4">
-                    <a:lumMod val="60000"/>
-                    <a:lumOff val="40000"/>
-                  </a:schemeClr>
-                </a:solidFill>
-              </a:rPr>
-              <a:t>Dimension</a:t>
-            </a:r>
-          </a:p>
-          <a:p>
-            <a:pPr lvl="1"/>
-            <a:r>
-              <a:rPr lang="en-US" dirty="0">
-                <a:solidFill>
-                  <a:schemeClr val="accent4">
-                    <a:lumMod val="60000"/>
-                    <a:lumOff val="40000"/>
-                  </a:schemeClr>
-                </a:solidFill>
-              </a:rPr>
-              <a:t>Fixed proportion of nonzero predictive biomarkers: 10%</a:t>
-            </a:r>
-          </a:p>
-          <a:p>
-            <a:pPr lvl="1"/>
-            <a:r>
-              <a:rPr lang="en-US" dirty="0">
-                <a:solidFill>
-                  <a:schemeClr val="accent4">
-                    <a:lumMod val="60000"/>
-                    <a:lumOff val="40000"/>
-                  </a:schemeClr>
-                </a:solidFill>
-              </a:rPr>
-              <a:t>Fixed SNR=10</a:t>
-            </a:r>
-          </a:p>
-          <a:p>
-            <a:pPr lvl="1"/>
-            <a:r>
-              <a:rPr lang="en-US" dirty="0">
-                <a:solidFill>
-                  <a:schemeClr val="accent4">
-                    <a:lumMod val="60000"/>
-                    <a:lumOff val="40000"/>
-                  </a:schemeClr>
-                </a:solidFill>
-              </a:rPr>
-              <a:t>Fixed covariates data type: Standard Normal Distribution</a:t>
-            </a:r>
-          </a:p>
-          <a:p>
-            <a:r>
-              <a:rPr lang="en-US" dirty="0">
-                <a:solidFill>
-                  <a:schemeClr val="accent4">
-                    <a:lumMod val="60000"/>
-                    <a:lumOff val="40000"/>
-                  </a:schemeClr>
-                </a:solidFill>
-              </a:rPr>
-              <a:t>SNP</a:t>
-            </a:r>
-          </a:p>
-          <a:p>
-            <a:pPr lvl="1"/>
-            <a:r>
-              <a:rPr lang="en-US" dirty="0">
-                <a:solidFill>
-                  <a:schemeClr val="accent4">
-                    <a:lumMod val="60000"/>
-                    <a:lumOff val="40000"/>
-                  </a:schemeClr>
-                </a:solidFill>
-              </a:rPr>
-              <a:t>Fixed number of genes: 100</a:t>
-            </a:r>
-          </a:p>
-          <a:p>
-            <a:pPr lvl="1"/>
-            <a:r>
-              <a:rPr lang="en-US" dirty="0">
-                <a:solidFill>
-                  <a:schemeClr val="accent4">
-                    <a:lumMod val="60000"/>
-                    <a:lumOff val="40000"/>
-                  </a:schemeClr>
-                </a:solidFill>
-              </a:rPr>
-              <a:t>Fixed proportion of nonzero predictive biomarkers: 10%</a:t>
-            </a:r>
-          </a:p>
-          <a:p>
-            <a:pPr lvl="1"/>
-            <a:r>
-              <a:rPr lang="en-US" dirty="0">
-                <a:solidFill>
-                  <a:schemeClr val="accent4">
-                    <a:lumMod val="60000"/>
-                    <a:lumOff val="40000"/>
-                  </a:schemeClr>
-                </a:solidFill>
-              </a:rPr>
-              <a:t>Fixed SNR=10</a:t>
-            </a:r>
-          </a:p>
-          <a:p>
-            <a:endParaRPr lang="en-US" dirty="0"/>
-          </a:p>
-          <a:p>
-            <a:pPr lvl="0"/>
-            <a:endParaRPr lang="en-US" dirty="0"/>
-          </a:p>
-          <a:p>
-            <a:endParaRPr lang="en-US" dirty="0"/>
-          </a:p>
-          <a:p>
-            <a:pPr lvl="0"/>
-            <a:endParaRPr lang="en-US" dirty="0"/>
-          </a:p>
-          <a:p>
-            <a:pPr lvl="0"/>
-            <a:endParaRPr lang="en-US" dirty="0"/>
-          </a:p>
-          <a:p>
-            <a:pPr lvl="0"/>
-            <a:endParaRPr lang="en-US" dirty="0"/>
-          </a:p>
-          <a:p>
-            <a:endParaRPr lang="en-US" dirty="0"/>
-          </a:p>
-          <a:p>
-            <a:endParaRPr lang="en-US" dirty="0"/>
-          </a:p>
-        </p:txBody>
-      </p:sp>
-      <p:sp>
-        <p:nvSpPr>
-          <p:cNvPr id="4" name="Footer Placeholder 3">
-            <a:extLst>
-              <a:ext uri="{FF2B5EF4-FFF2-40B4-BE49-F238E27FC236}">
-                <a16:creationId xmlns:a16="http://schemas.microsoft.com/office/drawing/2014/main" xmlns="" id="{E1B43182-D327-45AA-BBE2-67B83983E1E7}"/>
-              </a:ext>
-            </a:extLst>
-          </p:cNvPr>
-          <p:cNvSpPr>
-            <a:spLocks noGrp="1"/>
-          </p:cNvSpPr>
-          <p:nvPr>
-            <p:ph type="ftr" sz="quarter" idx="11"/>
-          </p:nvPr>
-        </p:nvSpPr>
-        <p:spPr/>
-        <p:txBody>
-          <a:bodyPr/>
-          <a:lstStyle/>
-          <a:p>
-            <a:r>
-              <a:rPr lang="ja-JP" altLang="en-US" dirty="0"/>
-              <a:t>｜</a:t>
-            </a:r>
-            <a:r>
-              <a:rPr lang="en-US" altLang="ja-JP" dirty="0"/>
-              <a:t>40</a:t>
-            </a:r>
-            <a:r>
-              <a:rPr lang="ja-JP" altLang="en-US" dirty="0"/>
-              <a:t>　</a:t>
-            </a:r>
-            <a:r>
-              <a:rPr lang="en-US" altLang="ja-JP" dirty="0"/>
-              <a:t>|</a:t>
-            </a:r>
-            <a:r>
-              <a:rPr lang="ja-JP" altLang="en-US" dirty="0"/>
-              <a:t>　　</a:t>
-            </a:r>
-            <a:r>
-              <a:rPr lang="en-US" altLang="ja-JP" dirty="0"/>
-              <a:t> Aug 24</a:t>
-            </a:r>
-            <a:r>
-              <a:rPr lang="en-US" altLang="ja-JP" baseline="30000" dirty="0"/>
-              <a:t>th</a:t>
-            </a:r>
-            <a:r>
-              <a:rPr lang="en-US" altLang="ja-JP" dirty="0"/>
-              <a:t> 2018</a:t>
-            </a:r>
-            <a:endParaRPr lang="ja-JP" altLang="en-US" dirty="0"/>
-          </a:p>
-        </p:txBody>
-      </p:sp>
-      <p:sp>
-        <p:nvSpPr>
-          <p:cNvPr id="5" name="Slide Number Placeholder 4">
-            <a:extLst>
-              <a:ext uri="{FF2B5EF4-FFF2-40B4-BE49-F238E27FC236}">
-                <a16:creationId xmlns:a16="http://schemas.microsoft.com/office/drawing/2014/main" xmlns="" id="{32AFE35B-758B-4A31-A289-5F105EBA2AAD}"/>
-              </a:ext>
-            </a:extLst>
-          </p:cNvPr>
-          <p:cNvSpPr>
-            <a:spLocks noGrp="1"/>
-          </p:cNvSpPr>
-          <p:nvPr>
-            <p:ph type="sldNum" sz="quarter" idx="12"/>
-          </p:nvPr>
-        </p:nvSpPr>
-        <p:spPr/>
-        <p:txBody>
-          <a:bodyPr/>
-          <a:lstStyle/>
-          <a:p>
-            <a:fld id="{E9B57936-92EF-4126-AE48-1D9D36D15E98}" type="slidenum">
-              <a:rPr kumimoji="1" lang="ja-JP" altLang="en-US" smtClean="0"/>
-              <a:pPr/>
-              <a:t>25</a:t>
-            </a:fld>
-            <a:endParaRPr kumimoji="1" lang="ja-JP" altLang="en-US" dirty="0"/>
-          </a:p>
-        </p:txBody>
-      </p:sp>
-    </p:spTree>
-    <p:extLst>
-      <p:ext uri="{BB962C8B-B14F-4D97-AF65-F5344CB8AC3E}">
-        <p14:creationId xmlns:p14="http://schemas.microsoft.com/office/powerpoint/2010/main" val="3998069077"/>
-      </p:ext>
-    </p:extLst>
-  </p:cSld>
-  <p:clrMapOvr>
-    <a:masterClrMapping/>
-  </p:clrMapOvr>
-  <p:timing>
-    <p:tnLst>
-      <p:par>
-        <p:cTn id="1" dur="indefinite" restart="never" nodeType="tmRoot"/>
-      </p:par>
-    </p:tnLst>
-  </p:timing>
-</p:sld>
-</file>
-
 <file path=ppt/slides/slide27.xml><?xml version="1.0" encoding="utf-8"?>
 <p:sld xmlns:a="http://schemas.openxmlformats.org/drawingml/2006/main" xmlns:r="http://schemas.openxmlformats.org/officeDocument/2006/relationships" xmlns:p="http://schemas.openxmlformats.org/presentationml/2006/main">
   <p:cSld>
@@ -24006,7 +24308,7 @@
           <p:cNvPr id="2" name="Title 1">
             <a:extLst>
               <a:ext uri="{FF2B5EF4-FFF2-40B4-BE49-F238E27FC236}">
-                <a16:creationId xmlns:a16="http://schemas.microsoft.com/office/drawing/2014/main" xmlns="" id="{72C3287B-4B25-4805-91C7-B2172474D766}"/>
+                <a16:creationId xmlns:a16="http://schemas.microsoft.com/office/drawing/2014/main" id="{72C3287B-4B25-4805-91C7-B2172474D766}"/>
               </a:ext>
             </a:extLst>
           </p:cNvPr>
@@ -24034,7 +24336,7 @@
           <p:cNvPr id="5" name="Footer Placeholder 4">
             <a:extLst>
               <a:ext uri="{FF2B5EF4-FFF2-40B4-BE49-F238E27FC236}">
-                <a16:creationId xmlns:a16="http://schemas.microsoft.com/office/drawing/2014/main" xmlns="" id="{9E138E50-124F-453E-8E9C-9827E3C89E2F}"/>
+                <a16:creationId xmlns:a16="http://schemas.microsoft.com/office/drawing/2014/main" id="{9E138E50-124F-453E-8E9C-9827E3C89E2F}"/>
               </a:ext>
             </a:extLst>
           </p:cNvPr>
@@ -24091,7 +24393,7 @@
           <p:cNvPr id="6" name="Slide Number Placeholder 5">
             <a:extLst>
               <a:ext uri="{FF2B5EF4-FFF2-40B4-BE49-F238E27FC236}">
-                <a16:creationId xmlns:a16="http://schemas.microsoft.com/office/drawing/2014/main" xmlns="" id="{73F6053E-02C5-4B4B-B1E2-45B43E0FBA01}"/>
+                <a16:creationId xmlns:a16="http://schemas.microsoft.com/office/drawing/2014/main" id="{73F6053E-02C5-4B4B-B1E2-45B43E0FBA01}"/>
               </a:ext>
             </a:extLst>
           </p:cNvPr>
@@ -24121,7 +24423,7 @@
           <p:cNvPr id="16" name="Content Placeholder 15" descr="A screenshot of a cell phone&#10;&#10;Description generated with very high confidence">
             <a:extLst>
               <a:ext uri="{FF2B5EF4-FFF2-40B4-BE49-F238E27FC236}">
-                <a16:creationId xmlns:a16="http://schemas.microsoft.com/office/drawing/2014/main" xmlns="" id="{94612C34-983C-4000-BDC0-79E9DA743399}"/>
+                <a16:creationId xmlns:a16="http://schemas.microsoft.com/office/drawing/2014/main" id="{94612C34-983C-4000-BDC0-79E9DA743399}"/>
               </a:ext>
             </a:extLst>
           </p:cNvPr>
@@ -24156,7 +24458,7 @@
           <p:cNvPr id="18" name="Content Placeholder 17" descr="A picture containing screenshot&#10;&#10;Description generated with very high confidence">
             <a:extLst>
               <a:ext uri="{FF2B5EF4-FFF2-40B4-BE49-F238E27FC236}">
-                <a16:creationId xmlns:a16="http://schemas.microsoft.com/office/drawing/2014/main" xmlns="" id="{9AE66F6C-3CE4-47F4-9BCA-5B6657878E04}"/>
+                <a16:creationId xmlns:a16="http://schemas.microsoft.com/office/drawing/2014/main" id="{9AE66F6C-3CE4-47F4-9BCA-5B6657878E04}"/>
               </a:ext>
             </a:extLst>
           </p:cNvPr>
@@ -24191,7 +24493,7 @@
           <p:cNvPr id="3" name="TextBox 2">
             <a:extLst>
               <a:ext uri="{FF2B5EF4-FFF2-40B4-BE49-F238E27FC236}">
-                <a16:creationId xmlns:a16="http://schemas.microsoft.com/office/drawing/2014/main" xmlns="" id="{FC70F91C-AE9D-41F1-B6A9-A8D8F345A35E}"/>
+                <a16:creationId xmlns:a16="http://schemas.microsoft.com/office/drawing/2014/main" id="{FC70F91C-AE9D-41F1-B6A9-A8D8F345A35E}"/>
               </a:ext>
             </a:extLst>
           </p:cNvPr>
@@ -24226,7 +24528,7 @@
           <p:cNvPr id="4" name="TextBox 3">
             <a:extLst>
               <a:ext uri="{FF2B5EF4-FFF2-40B4-BE49-F238E27FC236}">
-                <a16:creationId xmlns:a16="http://schemas.microsoft.com/office/drawing/2014/main" xmlns="" id="{428C33D5-4CF1-4837-95F2-154485EE50F9}"/>
+                <a16:creationId xmlns:a16="http://schemas.microsoft.com/office/drawing/2014/main" id="{428C33D5-4CF1-4837-95F2-154485EE50F9}"/>
               </a:ext>
             </a:extLst>
           </p:cNvPr>
@@ -24263,7 +24565,7 @@
               <p:cNvPr id="7" name="TextBox 6">
                 <a:extLst>
                   <a:ext uri="{FF2B5EF4-FFF2-40B4-BE49-F238E27FC236}">
-                    <a16:creationId xmlns:a16="http://schemas.microsoft.com/office/drawing/2014/main" xmlns="" id="{F3BC95E0-225D-465F-A17D-6A819012275B}"/>
+                    <a16:creationId xmlns:a16="http://schemas.microsoft.com/office/drawing/2014/main" id="{F3BC95E0-225D-465F-A17D-6A819012275B}"/>
                   </a:ext>
                 </a:extLst>
               </p:cNvPr>
@@ -24377,7 +24679,7 @@
           <p:cNvPr id="10" name="TextBox 9">
             <a:extLst>
               <a:ext uri="{FF2B5EF4-FFF2-40B4-BE49-F238E27FC236}">
-                <a16:creationId xmlns:a16="http://schemas.microsoft.com/office/drawing/2014/main" xmlns="" id="{43734ABD-6C9C-4485-B458-387B4DC38E0F}"/>
+                <a16:creationId xmlns:a16="http://schemas.microsoft.com/office/drawing/2014/main" id="{43734ABD-6C9C-4485-B458-387B4DC38E0F}"/>
               </a:ext>
             </a:extLst>
           </p:cNvPr>
@@ -24582,7 +24884,7 @@
           <p:cNvPr id="4" name="Content Placeholder 3">
             <a:extLst>
               <a:ext uri="{FF2B5EF4-FFF2-40B4-BE49-F238E27FC236}">
-                <a16:creationId xmlns:a16="http://schemas.microsoft.com/office/drawing/2014/main" xmlns="" id="{D880D59D-B966-4D03-9A27-2F273A7970B7}"/>
+                <a16:creationId xmlns:a16="http://schemas.microsoft.com/office/drawing/2014/main" id="{D880D59D-B966-4D03-9A27-2F273A7970B7}"/>
               </a:ext>
             </a:extLst>
           </p:cNvPr>
@@ -24636,7 +24938,7 @@
           <p:cNvPr id="5" name="Footer Placeholder 4">
             <a:extLst>
               <a:ext uri="{FF2B5EF4-FFF2-40B4-BE49-F238E27FC236}">
-                <a16:creationId xmlns:a16="http://schemas.microsoft.com/office/drawing/2014/main" xmlns="" id="{527A8496-2167-4D9D-A7F1-E07F56501D63}"/>
+                <a16:creationId xmlns:a16="http://schemas.microsoft.com/office/drawing/2014/main" id="{527A8496-2167-4D9D-A7F1-E07F56501D63}"/>
               </a:ext>
             </a:extLst>
           </p:cNvPr>
@@ -24693,7 +24995,7 @@
           <p:cNvPr id="6" name="Slide Number Placeholder 5">
             <a:extLst>
               <a:ext uri="{FF2B5EF4-FFF2-40B4-BE49-F238E27FC236}">
-                <a16:creationId xmlns:a16="http://schemas.microsoft.com/office/drawing/2014/main" xmlns="" id="{0D883F77-16A4-4D6A-864F-5E7655260333}"/>
+                <a16:creationId xmlns:a16="http://schemas.microsoft.com/office/drawing/2014/main" id="{0D883F77-16A4-4D6A-864F-5E7655260333}"/>
               </a:ext>
             </a:extLst>
           </p:cNvPr>
@@ -24723,7 +25025,7 @@
           <p:cNvPr id="14" name="Content Placeholder 13" descr="A close up of a map&#10;&#10;Description generated with very high confidence">
             <a:extLst>
               <a:ext uri="{FF2B5EF4-FFF2-40B4-BE49-F238E27FC236}">
-                <a16:creationId xmlns:a16="http://schemas.microsoft.com/office/drawing/2014/main" xmlns="" id="{68108ED2-CE41-4CF2-9B55-A91EEDDAB740}"/>
+                <a16:creationId xmlns:a16="http://schemas.microsoft.com/office/drawing/2014/main" id="{68108ED2-CE41-4CF2-9B55-A91EEDDAB740}"/>
               </a:ext>
             </a:extLst>
           </p:cNvPr>
@@ -24758,7 +25060,7 @@
           <p:cNvPr id="15" name="Title 1">
             <a:extLst>
               <a:ext uri="{FF2B5EF4-FFF2-40B4-BE49-F238E27FC236}">
-                <a16:creationId xmlns:a16="http://schemas.microsoft.com/office/drawing/2014/main" xmlns="" id="{D876B46F-79A6-44FA-B0B9-89AF6E35ECB6}"/>
+                <a16:creationId xmlns:a16="http://schemas.microsoft.com/office/drawing/2014/main" id="{D876B46F-79A6-44FA-B0B9-89AF6E35ECB6}"/>
               </a:ext>
             </a:extLst>
           </p:cNvPr>
@@ -24822,7 +25124,7 @@
           <p:cNvPr id="16" name="TextBox 15">
             <a:extLst>
               <a:ext uri="{FF2B5EF4-FFF2-40B4-BE49-F238E27FC236}">
-                <a16:creationId xmlns:a16="http://schemas.microsoft.com/office/drawing/2014/main" xmlns="" id="{ECDA6270-EC71-488D-8E5F-D6DB48795941}"/>
+                <a16:creationId xmlns:a16="http://schemas.microsoft.com/office/drawing/2014/main" id="{ECDA6270-EC71-488D-8E5F-D6DB48795941}"/>
               </a:ext>
             </a:extLst>
           </p:cNvPr>
@@ -25278,7 +25580,7 @@
           <p:cNvPr id="2" name="Title 1">
             <a:extLst>
               <a:ext uri="{FF2B5EF4-FFF2-40B4-BE49-F238E27FC236}">
-                <a16:creationId xmlns:a16="http://schemas.microsoft.com/office/drawing/2014/main" xmlns="" id="{E9494603-1C22-4A8B-96DB-3D42D3B82802}"/>
+                <a16:creationId xmlns:a16="http://schemas.microsoft.com/office/drawing/2014/main" id="{E9494603-1C22-4A8B-96DB-3D42D3B82802}"/>
               </a:ext>
             </a:extLst>
           </p:cNvPr>
@@ -25306,7 +25608,7 @@
           <p:cNvPr id="3" name="Content Placeholder 2">
             <a:extLst>
               <a:ext uri="{FF2B5EF4-FFF2-40B4-BE49-F238E27FC236}">
-                <a16:creationId xmlns:a16="http://schemas.microsoft.com/office/drawing/2014/main" xmlns="" id="{84F0F037-A703-4FE5-A20E-E873E5DCE356}"/>
+                <a16:creationId xmlns:a16="http://schemas.microsoft.com/office/drawing/2014/main" id="{84F0F037-A703-4FE5-A20E-E873E5DCE356}"/>
               </a:ext>
             </a:extLst>
           </p:cNvPr>
@@ -25567,7 +25869,7 @@
           <p:cNvPr id="4" name="Footer Placeholder 3">
             <a:extLst>
               <a:ext uri="{FF2B5EF4-FFF2-40B4-BE49-F238E27FC236}">
-                <a16:creationId xmlns:a16="http://schemas.microsoft.com/office/drawing/2014/main" xmlns="" id="{E1B43182-D327-45AA-BBE2-67B83983E1E7}"/>
+                <a16:creationId xmlns:a16="http://schemas.microsoft.com/office/drawing/2014/main" id="{E1B43182-D327-45AA-BBE2-67B83983E1E7}"/>
               </a:ext>
             </a:extLst>
           </p:cNvPr>
@@ -25624,7 +25926,7 @@
           <p:cNvPr id="5" name="Slide Number Placeholder 4">
             <a:extLst>
               <a:ext uri="{FF2B5EF4-FFF2-40B4-BE49-F238E27FC236}">
-                <a16:creationId xmlns:a16="http://schemas.microsoft.com/office/drawing/2014/main" xmlns="" id="{32AFE35B-758B-4A31-A289-5F105EBA2AAD}"/>
+                <a16:creationId xmlns:a16="http://schemas.microsoft.com/office/drawing/2014/main" id="{32AFE35B-758B-4A31-A289-5F105EBA2AAD}"/>
               </a:ext>
             </a:extLst>
           </p:cNvPr>
@@ -25659,13 +25961,6 @@
   <p:clrMapOvr>
     <a:masterClrMapping/>
   </p:clrMapOvr>
-  <p:timing>
-    <p:tnLst>
-      <p:par>
-        <p:cTn id="1" dur="indefinite" restart="never" nodeType="tmRoot"/>
-      </p:par>
-    </p:tnLst>
-  </p:timing>
 </p:sld>
 </file>
 
@@ -25691,7 +25986,7 @@
           <p:cNvPr id="2" name="Title 1">
             <a:extLst>
               <a:ext uri="{FF2B5EF4-FFF2-40B4-BE49-F238E27FC236}">
-                <a16:creationId xmlns:a16="http://schemas.microsoft.com/office/drawing/2014/main" xmlns="" id="{17A8BB3D-2D35-4F66-AFB4-2A9AE7681862}"/>
+                <a16:creationId xmlns:a16="http://schemas.microsoft.com/office/drawing/2014/main" id="{17A8BB3D-2D35-4F66-AFB4-2A9AE7681862}"/>
               </a:ext>
             </a:extLst>
           </p:cNvPr>
@@ -25725,7 +26020,7 @@
           <p:cNvPr id="3" name="Footer Placeholder 2">
             <a:extLst>
               <a:ext uri="{FF2B5EF4-FFF2-40B4-BE49-F238E27FC236}">
-                <a16:creationId xmlns:a16="http://schemas.microsoft.com/office/drawing/2014/main" xmlns="" id="{11862E8A-91FD-4C41-A192-DB3D27D88824}"/>
+                <a16:creationId xmlns:a16="http://schemas.microsoft.com/office/drawing/2014/main" id="{11862E8A-91FD-4C41-A192-DB3D27D88824}"/>
               </a:ext>
             </a:extLst>
           </p:cNvPr>
@@ -25782,7 +26077,7 @@
           <p:cNvPr id="4" name="Slide Number Placeholder 3">
             <a:extLst>
               <a:ext uri="{FF2B5EF4-FFF2-40B4-BE49-F238E27FC236}">
-                <a16:creationId xmlns:a16="http://schemas.microsoft.com/office/drawing/2014/main" xmlns="" id="{9DA5ED20-07EE-4130-97A2-FC2FBDDF57B9}"/>
+                <a16:creationId xmlns:a16="http://schemas.microsoft.com/office/drawing/2014/main" id="{9DA5ED20-07EE-4130-97A2-FC2FBDDF57B9}"/>
               </a:ext>
             </a:extLst>
           </p:cNvPr>
@@ -25817,13 +26112,6 @@
   <p:clrMapOvr>
     <a:masterClrMapping/>
   </p:clrMapOvr>
-  <p:timing>
-    <p:tnLst>
-      <p:par>
-        <p:cTn id="1" dur="indefinite" restart="never" nodeType="tmRoot"/>
-      </p:par>
-    </p:tnLst>
-  </p:timing>
 </p:sld>
 </file>
 
@@ -25946,7 +26234,7 @@
           <p:cNvPr id="10" name="Content Placeholder 9" descr="A picture containing writing implement, stationary, pencil&#10;&#10;Description generated with very high confidence">
             <a:extLst>
               <a:ext uri="{FF2B5EF4-FFF2-40B4-BE49-F238E27FC236}">
-                <a16:creationId xmlns:a16="http://schemas.microsoft.com/office/drawing/2014/main" xmlns="" id="{6A2279EC-6199-4550-A04B-49AEC7FAB4A2}"/>
+                <a16:creationId xmlns:a16="http://schemas.microsoft.com/office/drawing/2014/main" id="{6A2279EC-6199-4550-A04B-49AEC7FAB4A2}"/>
               </a:ext>
             </a:extLst>
           </p:cNvPr>
@@ -25981,7 +26269,7 @@
           <p:cNvPr id="14" name="Content Placeholder 13" descr="A picture containing stationary&#10;&#10;Description generated with high confidence">
             <a:extLst>
               <a:ext uri="{FF2B5EF4-FFF2-40B4-BE49-F238E27FC236}">
-                <a16:creationId xmlns:a16="http://schemas.microsoft.com/office/drawing/2014/main" xmlns="" id="{81819DC7-CA2F-4965-A125-662C3B79A4F5}"/>
+                <a16:creationId xmlns:a16="http://schemas.microsoft.com/office/drawing/2014/main" id="{81819DC7-CA2F-4965-A125-662C3B79A4F5}"/>
               </a:ext>
             </a:extLst>
           </p:cNvPr>
@@ -26018,7 +26306,7 @@
               <p:cNvPr id="7" name="TextBox 6">
                 <a:extLst>
                   <a:ext uri="{FF2B5EF4-FFF2-40B4-BE49-F238E27FC236}">
-                    <a16:creationId xmlns:a16="http://schemas.microsoft.com/office/drawing/2014/main" xmlns="" id="{29E2EA99-4EA3-4FA6-A203-F59B82BB3CC4}"/>
+                    <a16:creationId xmlns:a16="http://schemas.microsoft.com/office/drawing/2014/main" id="{29E2EA99-4EA3-4FA6-A203-F59B82BB3CC4}"/>
                   </a:ext>
                 </a:extLst>
               </p:cNvPr>
@@ -26132,7 +26420,7 @@
           <p:cNvPr id="8" name="TextBox 7">
             <a:extLst>
               <a:ext uri="{FF2B5EF4-FFF2-40B4-BE49-F238E27FC236}">
-                <a16:creationId xmlns:a16="http://schemas.microsoft.com/office/drawing/2014/main" xmlns="" id="{3F71761C-517A-47EB-9DAD-CD5B55CE25E6}"/>
+                <a16:creationId xmlns:a16="http://schemas.microsoft.com/office/drawing/2014/main" id="{3F71761C-517A-47EB-9DAD-CD5B55CE25E6}"/>
               </a:ext>
             </a:extLst>
           </p:cNvPr>
@@ -26485,7 +26773,7 @@
           <p:cNvPr id="9" name="Content Placeholder 8" descr="A close up of a map&#10;&#10;Description generated with very high confidence">
             <a:extLst>
               <a:ext uri="{FF2B5EF4-FFF2-40B4-BE49-F238E27FC236}">
-                <a16:creationId xmlns:a16="http://schemas.microsoft.com/office/drawing/2014/main" xmlns="" id="{E778F286-CFBD-4176-AB1C-36E819F1257E}"/>
+                <a16:creationId xmlns:a16="http://schemas.microsoft.com/office/drawing/2014/main" id="{E778F286-CFBD-4176-AB1C-36E819F1257E}"/>
               </a:ext>
             </a:extLst>
           </p:cNvPr>
@@ -26520,7 +26808,7 @@
           <p:cNvPr id="11" name="TextBox 10">
             <a:extLst>
               <a:ext uri="{FF2B5EF4-FFF2-40B4-BE49-F238E27FC236}">
-                <a16:creationId xmlns:a16="http://schemas.microsoft.com/office/drawing/2014/main" xmlns="" id="{B84D3093-F089-4E18-A02C-1D06303D0AEA}"/>
+                <a16:creationId xmlns:a16="http://schemas.microsoft.com/office/drawing/2014/main" id="{B84D3093-F089-4E18-A02C-1D06303D0AEA}"/>
               </a:ext>
             </a:extLst>
           </p:cNvPr>
@@ -26977,7 +27265,7 @@
           <p:cNvPr id="2" name="Title 1">
             <a:extLst>
               <a:ext uri="{FF2B5EF4-FFF2-40B4-BE49-F238E27FC236}">
-                <a16:creationId xmlns:a16="http://schemas.microsoft.com/office/drawing/2014/main" xmlns="" id="{E9494603-1C22-4A8B-96DB-3D42D3B82802}"/>
+                <a16:creationId xmlns:a16="http://schemas.microsoft.com/office/drawing/2014/main" id="{E9494603-1C22-4A8B-96DB-3D42D3B82802}"/>
               </a:ext>
             </a:extLst>
           </p:cNvPr>
@@ -27005,7 +27293,7 @@
           <p:cNvPr id="3" name="Content Placeholder 2">
             <a:extLst>
               <a:ext uri="{FF2B5EF4-FFF2-40B4-BE49-F238E27FC236}">
-                <a16:creationId xmlns:a16="http://schemas.microsoft.com/office/drawing/2014/main" xmlns="" id="{84F0F037-A703-4FE5-A20E-E873E5DCE356}"/>
+                <a16:creationId xmlns:a16="http://schemas.microsoft.com/office/drawing/2014/main" id="{84F0F037-A703-4FE5-A20E-E873E5DCE356}"/>
               </a:ext>
             </a:extLst>
           </p:cNvPr>
@@ -27266,7 +27554,7 @@
           <p:cNvPr id="4" name="Footer Placeholder 3">
             <a:extLst>
               <a:ext uri="{FF2B5EF4-FFF2-40B4-BE49-F238E27FC236}">
-                <a16:creationId xmlns:a16="http://schemas.microsoft.com/office/drawing/2014/main" xmlns="" id="{E1B43182-D327-45AA-BBE2-67B83983E1E7}"/>
+                <a16:creationId xmlns:a16="http://schemas.microsoft.com/office/drawing/2014/main" id="{E1B43182-D327-45AA-BBE2-67B83983E1E7}"/>
               </a:ext>
             </a:extLst>
           </p:cNvPr>
@@ -27323,7 +27611,7 @@
           <p:cNvPr id="5" name="Slide Number Placeholder 4">
             <a:extLst>
               <a:ext uri="{FF2B5EF4-FFF2-40B4-BE49-F238E27FC236}">
-                <a16:creationId xmlns:a16="http://schemas.microsoft.com/office/drawing/2014/main" xmlns="" id="{32AFE35B-758B-4A31-A289-5F105EBA2AAD}"/>
+                <a16:creationId xmlns:a16="http://schemas.microsoft.com/office/drawing/2014/main" id="{32AFE35B-758B-4A31-A289-5F105EBA2AAD}"/>
               </a:ext>
             </a:extLst>
           </p:cNvPr>
@@ -27358,13 +27646,6 @@
   <p:clrMapOvr>
     <a:masterClrMapping/>
   </p:clrMapOvr>
-  <p:timing>
-    <p:tnLst>
-      <p:par>
-        <p:cTn id="1" dur="indefinite" restart="never" nodeType="tmRoot"/>
-      </p:par>
-    </p:tnLst>
-  </p:timing>
 </p:sld>
 </file>
 
@@ -27390,7 +27671,7 @@
           <p:cNvPr id="2" name="Title 1">
             <a:extLst>
               <a:ext uri="{FF2B5EF4-FFF2-40B4-BE49-F238E27FC236}">
-                <a16:creationId xmlns:a16="http://schemas.microsoft.com/office/drawing/2014/main" xmlns="" id="{095F985D-3AA4-4815-97D5-8FFAD0B4ABEC}"/>
+                <a16:creationId xmlns:a16="http://schemas.microsoft.com/office/drawing/2014/main" id="{095F985D-3AA4-4815-97D5-8FFAD0B4ABEC}"/>
               </a:ext>
             </a:extLst>
           </p:cNvPr>
@@ -27418,7 +27699,7 @@
           <p:cNvPr id="7" name="Content Placeholder 6" descr="A picture containing screenshot&#10;&#10;Description generated with very high confidence">
             <a:extLst>
               <a:ext uri="{FF2B5EF4-FFF2-40B4-BE49-F238E27FC236}">
-                <a16:creationId xmlns:a16="http://schemas.microsoft.com/office/drawing/2014/main" xmlns="" id="{4B532FB5-3148-444B-AC79-34404074FC4E}"/>
+                <a16:creationId xmlns:a16="http://schemas.microsoft.com/office/drawing/2014/main" id="{4B532FB5-3148-444B-AC79-34404074FC4E}"/>
               </a:ext>
             </a:extLst>
           </p:cNvPr>
@@ -27453,7 +27734,7 @@
           <p:cNvPr id="4" name="Footer Placeholder 3">
             <a:extLst>
               <a:ext uri="{FF2B5EF4-FFF2-40B4-BE49-F238E27FC236}">
-                <a16:creationId xmlns:a16="http://schemas.microsoft.com/office/drawing/2014/main" xmlns="" id="{0C933173-7F0A-4A6D-AD21-37FC450395B8}"/>
+                <a16:creationId xmlns:a16="http://schemas.microsoft.com/office/drawing/2014/main" id="{0C933173-7F0A-4A6D-AD21-37FC450395B8}"/>
               </a:ext>
             </a:extLst>
           </p:cNvPr>
@@ -27510,7 +27791,7 @@
           <p:cNvPr id="5" name="Slide Number Placeholder 4">
             <a:extLst>
               <a:ext uri="{FF2B5EF4-FFF2-40B4-BE49-F238E27FC236}">
-                <a16:creationId xmlns:a16="http://schemas.microsoft.com/office/drawing/2014/main" xmlns="" id="{E31208DF-6244-4DA5-8048-3BEAA7768E2E}"/>
+                <a16:creationId xmlns:a16="http://schemas.microsoft.com/office/drawing/2014/main" id="{E31208DF-6244-4DA5-8048-3BEAA7768E2E}"/>
               </a:ext>
             </a:extLst>
           </p:cNvPr>
@@ -27542,7 +27823,7 @@
               <p:cNvPr id="6" name="TextBox 5">
                 <a:extLst>
                   <a:ext uri="{FF2B5EF4-FFF2-40B4-BE49-F238E27FC236}">
-                    <a16:creationId xmlns:a16="http://schemas.microsoft.com/office/drawing/2014/main" xmlns="" id="{738E71BF-8253-40FA-9FD5-8C483ADF4613}"/>
+                    <a16:creationId xmlns:a16="http://schemas.microsoft.com/office/drawing/2014/main" id="{738E71BF-8253-40FA-9FD5-8C483ADF4613}"/>
                   </a:ext>
                 </a:extLst>
               </p:cNvPr>
@@ -27772,7 +28053,7 @@
           <p:cNvPr id="2" name="Title 1">
             <a:extLst>
               <a:ext uri="{FF2B5EF4-FFF2-40B4-BE49-F238E27FC236}">
-                <a16:creationId xmlns:a16="http://schemas.microsoft.com/office/drawing/2014/main" xmlns="" id="{5CE6485A-8069-4667-8F25-BD25E6775096}"/>
+                <a16:creationId xmlns:a16="http://schemas.microsoft.com/office/drawing/2014/main" id="{5CE6485A-8069-4667-8F25-BD25E6775096}"/>
               </a:ext>
             </a:extLst>
           </p:cNvPr>
@@ -27800,7 +28081,7 @@
           <p:cNvPr id="7" name="Content Placeholder 6" descr="A picture containing screenshot&#10;&#10;Description generated with very high confidence">
             <a:extLst>
               <a:ext uri="{FF2B5EF4-FFF2-40B4-BE49-F238E27FC236}">
-                <a16:creationId xmlns:a16="http://schemas.microsoft.com/office/drawing/2014/main" xmlns="" id="{577919D3-17BE-4A67-B79B-9CD313D0AAD6}"/>
+                <a16:creationId xmlns:a16="http://schemas.microsoft.com/office/drawing/2014/main" id="{577919D3-17BE-4A67-B79B-9CD313D0AAD6}"/>
               </a:ext>
             </a:extLst>
           </p:cNvPr>
@@ -27835,7 +28116,7 @@
           <p:cNvPr id="4" name="Footer Placeholder 3">
             <a:extLst>
               <a:ext uri="{FF2B5EF4-FFF2-40B4-BE49-F238E27FC236}">
-                <a16:creationId xmlns:a16="http://schemas.microsoft.com/office/drawing/2014/main" xmlns="" id="{D7794539-2014-4F0D-8ACA-BE854275BB6C}"/>
+                <a16:creationId xmlns:a16="http://schemas.microsoft.com/office/drawing/2014/main" id="{D7794539-2014-4F0D-8ACA-BE854275BB6C}"/>
               </a:ext>
             </a:extLst>
           </p:cNvPr>
@@ -27892,7 +28173,7 @@
           <p:cNvPr id="5" name="Slide Number Placeholder 4">
             <a:extLst>
               <a:ext uri="{FF2B5EF4-FFF2-40B4-BE49-F238E27FC236}">
-                <a16:creationId xmlns:a16="http://schemas.microsoft.com/office/drawing/2014/main" xmlns="" id="{B14CF67A-4C0D-42E8-8422-A0EC36F55E5D}"/>
+                <a16:creationId xmlns:a16="http://schemas.microsoft.com/office/drawing/2014/main" id="{B14CF67A-4C0D-42E8-8422-A0EC36F55E5D}"/>
               </a:ext>
             </a:extLst>
           </p:cNvPr>
@@ -27922,7 +28203,7 @@
           <p:cNvPr id="8" name="TextBox 7">
             <a:extLst>
               <a:ext uri="{FF2B5EF4-FFF2-40B4-BE49-F238E27FC236}">
-                <a16:creationId xmlns:a16="http://schemas.microsoft.com/office/drawing/2014/main" xmlns="" id="{750E3A72-6DAB-49D2-BC00-5C345BFA13E3}"/>
+                <a16:creationId xmlns:a16="http://schemas.microsoft.com/office/drawing/2014/main" id="{750E3A72-6DAB-49D2-BC00-5C345BFA13E3}"/>
               </a:ext>
             </a:extLst>
           </p:cNvPr>
@@ -28170,7 +28451,7 @@
           <p:cNvPr id="15" name="Content Placeholder 14" descr="A close up of a map&#10;&#10;Description generated with very high confidence">
             <a:extLst>
               <a:ext uri="{FF2B5EF4-FFF2-40B4-BE49-F238E27FC236}">
-                <a16:creationId xmlns:a16="http://schemas.microsoft.com/office/drawing/2014/main" xmlns="" id="{C42A599A-433A-4488-AD6E-322AC6356A13}"/>
+                <a16:creationId xmlns:a16="http://schemas.microsoft.com/office/drawing/2014/main" id="{C42A599A-433A-4488-AD6E-322AC6356A13}"/>
               </a:ext>
             </a:extLst>
           </p:cNvPr>
@@ -28205,7 +28486,7 @@
           <p:cNvPr id="16" name="TextBox 15">
             <a:extLst>
               <a:ext uri="{FF2B5EF4-FFF2-40B4-BE49-F238E27FC236}">
-                <a16:creationId xmlns:a16="http://schemas.microsoft.com/office/drawing/2014/main" xmlns="" id="{75334F2B-2C9C-4C17-909D-FE129119752B}"/>
+                <a16:creationId xmlns:a16="http://schemas.microsoft.com/office/drawing/2014/main" id="{75334F2B-2C9C-4C17-909D-FE129119752B}"/>
               </a:ext>
             </a:extLst>
           </p:cNvPr>
@@ -28356,7 +28637,7 @@
           <p:cNvPr id="2" name="Title 1">
             <a:extLst>
               <a:ext uri="{FF2B5EF4-FFF2-40B4-BE49-F238E27FC236}">
-                <a16:creationId xmlns:a16="http://schemas.microsoft.com/office/drawing/2014/main" xmlns="" id="{E9494603-1C22-4A8B-96DB-3D42D3B82802}"/>
+                <a16:creationId xmlns:a16="http://schemas.microsoft.com/office/drawing/2014/main" id="{E9494603-1C22-4A8B-96DB-3D42D3B82802}"/>
               </a:ext>
             </a:extLst>
           </p:cNvPr>
@@ -28384,7 +28665,7 @@
           <p:cNvPr id="3" name="Content Placeholder 2">
             <a:extLst>
               <a:ext uri="{FF2B5EF4-FFF2-40B4-BE49-F238E27FC236}">
-                <a16:creationId xmlns:a16="http://schemas.microsoft.com/office/drawing/2014/main" xmlns="" id="{84F0F037-A703-4FE5-A20E-E873E5DCE356}"/>
+                <a16:creationId xmlns:a16="http://schemas.microsoft.com/office/drawing/2014/main" id="{84F0F037-A703-4FE5-A20E-E873E5DCE356}"/>
               </a:ext>
             </a:extLst>
           </p:cNvPr>
@@ -28645,7 +28926,7 @@
           <p:cNvPr id="4" name="Footer Placeholder 3">
             <a:extLst>
               <a:ext uri="{FF2B5EF4-FFF2-40B4-BE49-F238E27FC236}">
-                <a16:creationId xmlns:a16="http://schemas.microsoft.com/office/drawing/2014/main" xmlns="" id="{E1B43182-D327-45AA-BBE2-67B83983E1E7}"/>
+                <a16:creationId xmlns:a16="http://schemas.microsoft.com/office/drawing/2014/main" id="{E1B43182-D327-45AA-BBE2-67B83983E1E7}"/>
               </a:ext>
             </a:extLst>
           </p:cNvPr>
@@ -28702,7 +28983,7 @@
           <p:cNvPr id="5" name="Slide Number Placeholder 4">
             <a:extLst>
               <a:ext uri="{FF2B5EF4-FFF2-40B4-BE49-F238E27FC236}">
-                <a16:creationId xmlns:a16="http://schemas.microsoft.com/office/drawing/2014/main" xmlns="" id="{32AFE35B-758B-4A31-A289-5F105EBA2AAD}"/>
+                <a16:creationId xmlns:a16="http://schemas.microsoft.com/office/drawing/2014/main" id="{32AFE35B-758B-4A31-A289-5F105EBA2AAD}"/>
               </a:ext>
             </a:extLst>
           </p:cNvPr>
@@ -28737,13 +29018,6 @@
   <p:clrMapOvr>
     <a:masterClrMapping/>
   </p:clrMapOvr>
-  <p:timing>
-    <p:tnLst>
-      <p:par>
-        <p:cTn id="1" dur="indefinite" restart="never" nodeType="tmRoot"/>
-      </p:par>
-    </p:tnLst>
-  </p:timing>
 </p:sld>
 </file>
 
@@ -28769,7 +29043,7 @@
           <p:cNvPr id="2" name="Title 1">
             <a:extLst>
               <a:ext uri="{FF2B5EF4-FFF2-40B4-BE49-F238E27FC236}">
-                <a16:creationId xmlns:a16="http://schemas.microsoft.com/office/drawing/2014/main" xmlns="" id="{AC6F5310-011B-4009-94E8-352B168BCBFC}"/>
+                <a16:creationId xmlns:a16="http://schemas.microsoft.com/office/drawing/2014/main" id="{AC6F5310-011B-4009-94E8-352B168BCBFC}"/>
               </a:ext>
             </a:extLst>
           </p:cNvPr>
@@ -28797,7 +29071,7 @@
           <p:cNvPr id="8" name="Content Placeholder 7" descr="A picture containing screenshot&#10;&#10;Description generated with very high confidence">
             <a:extLst>
               <a:ext uri="{FF2B5EF4-FFF2-40B4-BE49-F238E27FC236}">
-                <a16:creationId xmlns:a16="http://schemas.microsoft.com/office/drawing/2014/main" xmlns="" id="{D58C44BD-1178-4B33-8E41-5C4F08E7731D}"/>
+                <a16:creationId xmlns:a16="http://schemas.microsoft.com/office/drawing/2014/main" id="{D58C44BD-1178-4B33-8E41-5C4F08E7731D}"/>
               </a:ext>
             </a:extLst>
           </p:cNvPr>
@@ -28832,7 +29106,7 @@
           <p:cNvPr id="10" name="Content Placeholder 9" descr="A picture containing screenshot&#10;&#10;Description generated with very high confidence">
             <a:extLst>
               <a:ext uri="{FF2B5EF4-FFF2-40B4-BE49-F238E27FC236}">
-                <a16:creationId xmlns:a16="http://schemas.microsoft.com/office/drawing/2014/main" xmlns="" id="{DA72824A-C3FD-4FEA-80BA-B1232E809B19}"/>
+                <a16:creationId xmlns:a16="http://schemas.microsoft.com/office/drawing/2014/main" id="{DA72824A-C3FD-4FEA-80BA-B1232E809B19}"/>
               </a:ext>
             </a:extLst>
           </p:cNvPr>
@@ -28867,7 +29141,7 @@
           <p:cNvPr id="5" name="Footer Placeholder 4">
             <a:extLst>
               <a:ext uri="{FF2B5EF4-FFF2-40B4-BE49-F238E27FC236}">
-                <a16:creationId xmlns:a16="http://schemas.microsoft.com/office/drawing/2014/main" xmlns="" id="{06EEE054-49DD-41B0-A6B3-9D83BB88D0C7}"/>
+                <a16:creationId xmlns:a16="http://schemas.microsoft.com/office/drawing/2014/main" id="{06EEE054-49DD-41B0-A6B3-9D83BB88D0C7}"/>
               </a:ext>
             </a:extLst>
           </p:cNvPr>
@@ -28924,7 +29198,7 @@
           <p:cNvPr id="6" name="Slide Number Placeholder 5">
             <a:extLst>
               <a:ext uri="{FF2B5EF4-FFF2-40B4-BE49-F238E27FC236}">
-                <a16:creationId xmlns:a16="http://schemas.microsoft.com/office/drawing/2014/main" xmlns="" id="{464AE381-8CCB-46D5-98E3-44C23DFF523E}"/>
+                <a16:creationId xmlns:a16="http://schemas.microsoft.com/office/drawing/2014/main" id="{464AE381-8CCB-46D5-98E3-44C23DFF523E}"/>
               </a:ext>
             </a:extLst>
           </p:cNvPr>
@@ -28954,7 +29228,7 @@
           <p:cNvPr id="7" name="TextBox 6">
             <a:extLst>
               <a:ext uri="{FF2B5EF4-FFF2-40B4-BE49-F238E27FC236}">
-                <a16:creationId xmlns:a16="http://schemas.microsoft.com/office/drawing/2014/main" xmlns="" id="{5819F12B-E413-4B31-9EF5-E9F6AA1DDCE9}"/>
+                <a16:creationId xmlns:a16="http://schemas.microsoft.com/office/drawing/2014/main" id="{5819F12B-E413-4B31-9EF5-E9F6AA1DDCE9}"/>
               </a:ext>
             </a:extLst>
           </p:cNvPr>
@@ -28964,7 +29238,7 @@
         <p:spPr>
           <a:xfrm>
             <a:off x="1173005" y="4388799"/>
-            <a:ext cx="1492716" cy="369332"/>
+            <a:ext cx="2223686" cy="369332"/>
           </a:xfrm>
           <a:prstGeom prst="rect">
             <a:avLst/>
@@ -28979,15 +29253,7 @@
           <a:p>
             <a:r>
               <a:rPr lang="en-US" dirty="0"/>
-              <a:t>H</a:t>
-            </a:r>
-            <a:r>
-              <a:rPr lang="en-US" dirty="0" smtClean="0"/>
-              <a:t>ighest </a:t>
-            </a:r>
-            <a:r>
-              <a:rPr lang="en-US" dirty="0"/>
-              <a:t>PPV</a:t>
+              <a:t>Almost highest PPV</a:t>
             </a:r>
           </a:p>
         </p:txBody>
@@ -28997,7 +29263,7 @@
           <p:cNvPr id="9" name="TextBox 8">
             <a:extLst>
               <a:ext uri="{FF2B5EF4-FFF2-40B4-BE49-F238E27FC236}">
-                <a16:creationId xmlns:a16="http://schemas.microsoft.com/office/drawing/2014/main" xmlns="" id="{7E068977-C6F8-425A-9843-30F24086AC98}"/>
+                <a16:creationId xmlns:a16="http://schemas.microsoft.com/office/drawing/2014/main" id="{7E068977-C6F8-425A-9843-30F24086AC98}"/>
               </a:ext>
             </a:extLst>
           </p:cNvPr>
@@ -29202,7 +29468,7 @@
           <p:cNvPr id="2" name="Title 1">
             <a:extLst>
               <a:ext uri="{FF2B5EF4-FFF2-40B4-BE49-F238E27FC236}">
-                <a16:creationId xmlns:a16="http://schemas.microsoft.com/office/drawing/2014/main" xmlns="" id="{E9494603-1C22-4A8B-96DB-3D42D3B82802}"/>
+                <a16:creationId xmlns:a16="http://schemas.microsoft.com/office/drawing/2014/main" id="{E9494603-1C22-4A8B-96DB-3D42D3B82802}"/>
               </a:ext>
             </a:extLst>
           </p:cNvPr>
@@ -29230,7 +29496,7 @@
           <p:cNvPr id="3" name="Content Placeholder 2">
             <a:extLst>
               <a:ext uri="{FF2B5EF4-FFF2-40B4-BE49-F238E27FC236}">
-                <a16:creationId xmlns:a16="http://schemas.microsoft.com/office/drawing/2014/main" xmlns="" id="{84F0F037-A703-4FE5-A20E-E873E5DCE356}"/>
+                <a16:creationId xmlns:a16="http://schemas.microsoft.com/office/drawing/2014/main" id="{84F0F037-A703-4FE5-A20E-E873E5DCE356}"/>
               </a:ext>
             </a:extLst>
           </p:cNvPr>
@@ -29391,7 +29657,7 @@
           <p:cNvPr id="4" name="Footer Placeholder 3">
             <a:extLst>
               <a:ext uri="{FF2B5EF4-FFF2-40B4-BE49-F238E27FC236}">
-                <a16:creationId xmlns:a16="http://schemas.microsoft.com/office/drawing/2014/main" xmlns="" id="{E1B43182-D327-45AA-BBE2-67B83983E1E7}"/>
+                <a16:creationId xmlns:a16="http://schemas.microsoft.com/office/drawing/2014/main" id="{E1B43182-D327-45AA-BBE2-67B83983E1E7}"/>
               </a:ext>
             </a:extLst>
           </p:cNvPr>
@@ -29448,7 +29714,7 @@
           <p:cNvPr id="5" name="Slide Number Placeholder 4">
             <a:extLst>
               <a:ext uri="{FF2B5EF4-FFF2-40B4-BE49-F238E27FC236}">
-                <a16:creationId xmlns:a16="http://schemas.microsoft.com/office/drawing/2014/main" xmlns="" id="{32AFE35B-758B-4A31-A289-5F105EBA2AAD}"/>
+                <a16:creationId xmlns:a16="http://schemas.microsoft.com/office/drawing/2014/main" id="{32AFE35B-758B-4A31-A289-5F105EBA2AAD}"/>
               </a:ext>
             </a:extLst>
           </p:cNvPr>
@@ -29483,13 +29749,6 @@
   <p:clrMapOvr>
     <a:masterClrMapping/>
   </p:clrMapOvr>
-  <p:timing>
-    <p:tnLst>
-      <p:par>
-        <p:cTn id="1" dur="indefinite" restart="never" nodeType="tmRoot"/>
-      </p:par>
-    </p:tnLst>
-  </p:timing>
 </p:sld>
 </file>
 
@@ -29549,11 +29808,11 @@
           <a:p>
             <a:r>
               <a:rPr lang="en-US" dirty="0"/>
-              <a:t>Group Lasso has the best </a:t>
-            </a:r>
-            <a:r>
-              <a:rPr lang="en-US" dirty="0" smtClean="0"/>
-              <a:t>performances </a:t>
+              <a:t>Group Lasso has the </a:t>
+            </a:r>
+            <a:r>
+              <a:rPr lang="en-US"/>
+              <a:t>best performance </a:t>
             </a:r>
             <a:r>
               <a:rPr lang="en-US" dirty="0"/>
@@ -29677,13 +29936,6 @@
   <p:clrMapOvr>
     <a:masterClrMapping/>
   </p:clrMapOvr>
-  <p:timing>
-    <p:tnLst>
-      <p:par>
-        <p:cTn id="1" dur="indefinite" restart="never" nodeType="tmRoot"/>
-      </p:par>
-    </p:tnLst>
-  </p:timing>
 </p:sld>
 </file>
 
@@ -29810,7 +30062,7 @@
           <p:cNvPr id="27" name="Picture 26">
             <a:extLst>
               <a:ext uri="{FF2B5EF4-FFF2-40B4-BE49-F238E27FC236}">
-                <a16:creationId xmlns:a16="http://schemas.microsoft.com/office/drawing/2014/main" xmlns="" id="{603D7664-7969-40A7-A2CA-66AF18DCCA66}"/>
+                <a16:creationId xmlns:a16="http://schemas.microsoft.com/office/drawing/2014/main" id="{603D7664-7969-40A7-A2CA-66AF18DCCA66}"/>
               </a:ext>
             </a:extLst>
           </p:cNvPr>
@@ -29846,7 +30098,7 @@
           <p:cNvPr id="29" name="Picture 28" descr="A picture containing sky&#10;&#10;Description generated with high confidence">
             <a:extLst>
               <a:ext uri="{FF2B5EF4-FFF2-40B4-BE49-F238E27FC236}">
-                <a16:creationId xmlns:a16="http://schemas.microsoft.com/office/drawing/2014/main" xmlns="" id="{236E797F-9D1D-43B1-B27C-ED9F80B6FE99}"/>
+                <a16:creationId xmlns:a16="http://schemas.microsoft.com/office/drawing/2014/main" id="{236E797F-9D1D-43B1-B27C-ED9F80B6FE99}"/>
               </a:ext>
             </a:extLst>
           </p:cNvPr>
@@ -29882,7 +30134,7 @@
           <p:cNvPr id="31" name="Picture 30">
             <a:extLst>
               <a:ext uri="{FF2B5EF4-FFF2-40B4-BE49-F238E27FC236}">
-                <a16:creationId xmlns:a16="http://schemas.microsoft.com/office/drawing/2014/main" xmlns="" id="{C7376AA4-DC75-4ADE-AD3F-F55381E32CD9}"/>
+                <a16:creationId xmlns:a16="http://schemas.microsoft.com/office/drawing/2014/main" id="{C7376AA4-DC75-4ADE-AD3F-F55381E32CD9}"/>
               </a:ext>
             </a:extLst>
           </p:cNvPr>
@@ -29918,7 +30170,7 @@
           <p:cNvPr id="33" name="Picture 32" descr="A close up of a light&#10;&#10;Description generated with high confidence">
             <a:extLst>
               <a:ext uri="{FF2B5EF4-FFF2-40B4-BE49-F238E27FC236}">
-                <a16:creationId xmlns:a16="http://schemas.microsoft.com/office/drawing/2014/main" xmlns="" id="{04867F30-F0D7-4BBC-BCDA-50F5C2FBC8C9}"/>
+                <a16:creationId xmlns:a16="http://schemas.microsoft.com/office/drawing/2014/main" id="{04867F30-F0D7-4BBC-BCDA-50F5C2FBC8C9}"/>
               </a:ext>
             </a:extLst>
           </p:cNvPr>
@@ -29954,7 +30206,7 @@
           <p:cNvPr id="34" name="Content Placeholder 12" descr="A screenshot of a cell phone&#10;&#10;Description generated with very high confidence">
             <a:extLst>
               <a:ext uri="{FF2B5EF4-FFF2-40B4-BE49-F238E27FC236}">
-                <a16:creationId xmlns:a16="http://schemas.microsoft.com/office/drawing/2014/main" xmlns="" id="{06803ADF-AE0F-439B-9A5F-9E311C94D3EF}"/>
+                <a16:creationId xmlns:a16="http://schemas.microsoft.com/office/drawing/2014/main" id="{06803ADF-AE0F-439B-9A5F-9E311C94D3EF}"/>
               </a:ext>
             </a:extLst>
           </p:cNvPr>
@@ -29994,13 +30246,6 @@
   <p:clrMapOvr>
     <a:masterClrMapping/>
   </p:clrMapOvr>
-  <p:timing>
-    <p:tnLst>
-      <p:par>
-        <p:cTn id="1" dur="indefinite" restart="never" nodeType="tmRoot"/>
-      </p:par>
-    </p:tnLst>
-  </p:timing>
 </p:sld>
 </file>
 
@@ -30785,13 +31030,6 @@
   <p:clrMapOvr>
     <a:masterClrMapping/>
   </p:clrMapOvr>
-  <p:timing>
-    <p:tnLst>
-      <p:par>
-        <p:cTn id="1" dur="indefinite" restart="never" nodeType="tmRoot"/>
-      </p:par>
-    </p:tnLst>
-  </p:timing>
 </p:sld>
 </file>
 
@@ -30844,13 +31082,6 @@
   <p:clrMapOvr>
     <a:masterClrMapping/>
   </p:clrMapOvr>
-  <p:timing>
-    <p:tnLst>
-      <p:par>
-        <p:cTn id="1" dur="indefinite" restart="never" nodeType="tmRoot"/>
-      </p:par>
-    </p:tnLst>
-  </p:timing>
 </p:sld>
 </file>
 
@@ -30876,7 +31107,7 @@
           <p:cNvPr id="5" name="Footer Placeholder 4">
             <a:extLst>
               <a:ext uri="{FF2B5EF4-FFF2-40B4-BE49-F238E27FC236}">
-                <a16:creationId xmlns:a16="http://schemas.microsoft.com/office/drawing/2014/main" xmlns="" id="{6AC7966E-6694-4F89-AFC2-98BF0D06DAE2}"/>
+                <a16:creationId xmlns:a16="http://schemas.microsoft.com/office/drawing/2014/main" id="{6AC7966E-6694-4F89-AFC2-98BF0D06DAE2}"/>
               </a:ext>
             </a:extLst>
           </p:cNvPr>
@@ -30933,7 +31164,7 @@
           <p:cNvPr id="6" name="Slide Number Placeholder 5">
             <a:extLst>
               <a:ext uri="{FF2B5EF4-FFF2-40B4-BE49-F238E27FC236}">
-                <a16:creationId xmlns:a16="http://schemas.microsoft.com/office/drawing/2014/main" xmlns="" id="{75DC981C-CDAE-479D-AC14-3CE4B7209D43}"/>
+                <a16:creationId xmlns:a16="http://schemas.microsoft.com/office/drawing/2014/main" id="{75DC981C-CDAE-479D-AC14-3CE4B7209D43}"/>
               </a:ext>
             </a:extLst>
           </p:cNvPr>
@@ -30963,7 +31194,7 @@
           <p:cNvPr id="10" name="Rectangle 9">
             <a:extLst>
               <a:ext uri="{FF2B5EF4-FFF2-40B4-BE49-F238E27FC236}">
-                <a16:creationId xmlns:a16="http://schemas.microsoft.com/office/drawing/2014/main" xmlns="" id="{A94EB12A-E96E-4462-81D8-1E932FFBDDD4}"/>
+                <a16:creationId xmlns:a16="http://schemas.microsoft.com/office/drawing/2014/main" id="{A94EB12A-E96E-4462-81D8-1E932FFBDDD4}"/>
               </a:ext>
             </a:extLst>
           </p:cNvPr>
@@ -31015,7 +31246,7 @@
           <p:cNvPr id="17" name="Rectangle 16">
             <a:extLst>
               <a:ext uri="{FF2B5EF4-FFF2-40B4-BE49-F238E27FC236}">
-                <a16:creationId xmlns:a16="http://schemas.microsoft.com/office/drawing/2014/main" xmlns="" id="{1075960E-DBDE-45DA-AABF-71B555799A01}"/>
+                <a16:creationId xmlns:a16="http://schemas.microsoft.com/office/drawing/2014/main" id="{1075960E-DBDE-45DA-AABF-71B555799A01}"/>
               </a:ext>
             </a:extLst>
           </p:cNvPr>
@@ -31067,7 +31298,7 @@
           <p:cNvPr id="18" name="Rectangle 17">
             <a:extLst>
               <a:ext uri="{FF2B5EF4-FFF2-40B4-BE49-F238E27FC236}">
-                <a16:creationId xmlns:a16="http://schemas.microsoft.com/office/drawing/2014/main" xmlns="" id="{7063C499-4A50-4CB9-ABCA-40D4351CCDC1}"/>
+                <a16:creationId xmlns:a16="http://schemas.microsoft.com/office/drawing/2014/main" id="{7063C499-4A50-4CB9-ABCA-40D4351CCDC1}"/>
               </a:ext>
             </a:extLst>
           </p:cNvPr>
@@ -31119,7 +31350,7 @@
           <p:cNvPr id="19" name="Rectangle 18">
             <a:extLst>
               <a:ext uri="{FF2B5EF4-FFF2-40B4-BE49-F238E27FC236}">
-                <a16:creationId xmlns:a16="http://schemas.microsoft.com/office/drawing/2014/main" xmlns="" id="{DA2542BB-265D-40EA-B38F-B6F4D21B484C}"/>
+                <a16:creationId xmlns:a16="http://schemas.microsoft.com/office/drawing/2014/main" id="{DA2542BB-265D-40EA-B38F-B6F4D21B484C}"/>
               </a:ext>
             </a:extLst>
           </p:cNvPr>
@@ -31171,7 +31402,7 @@
           <p:cNvPr id="13" name="Content Placeholder 12" descr="A screenshot of a cell phone&#10;&#10;Description generated with very high confidence">
             <a:extLst>
               <a:ext uri="{FF2B5EF4-FFF2-40B4-BE49-F238E27FC236}">
-                <a16:creationId xmlns:a16="http://schemas.microsoft.com/office/drawing/2014/main" xmlns="" id="{215C2784-355B-43BC-80D7-C2A806ACB37F}"/>
+                <a16:creationId xmlns:a16="http://schemas.microsoft.com/office/drawing/2014/main" id="{215C2784-355B-43BC-80D7-C2A806ACB37F}"/>
               </a:ext>
             </a:extLst>
           </p:cNvPr>
@@ -31206,7 +31437,7 @@
           <p:cNvPr id="21" name="Picture 20" descr="A close up of an animal&#10;&#10;Description generated with high confidence">
             <a:extLst>
               <a:ext uri="{FF2B5EF4-FFF2-40B4-BE49-F238E27FC236}">
-                <a16:creationId xmlns:a16="http://schemas.microsoft.com/office/drawing/2014/main" xmlns="" id="{DA6D2CC4-11E9-42A9-8EC9-7404781F73C8}"/>
+                <a16:creationId xmlns:a16="http://schemas.microsoft.com/office/drawing/2014/main" id="{DA6D2CC4-11E9-42A9-8EC9-7404781F73C8}"/>
               </a:ext>
             </a:extLst>
           </p:cNvPr>
@@ -31242,7 +31473,7 @@
           <p:cNvPr id="23" name="Picture 22">
             <a:extLst>
               <a:ext uri="{FF2B5EF4-FFF2-40B4-BE49-F238E27FC236}">
-                <a16:creationId xmlns:a16="http://schemas.microsoft.com/office/drawing/2014/main" xmlns="" id="{760679DF-CC0E-4830-8A5F-F5C0ED4FF802}"/>
+                <a16:creationId xmlns:a16="http://schemas.microsoft.com/office/drawing/2014/main" id="{760679DF-CC0E-4830-8A5F-F5C0ED4FF802}"/>
               </a:ext>
             </a:extLst>
           </p:cNvPr>
@@ -31278,7 +31509,7 @@
           <p:cNvPr id="25" name="Picture 24" descr="A picture containing sky&#10;&#10;Description generated with high confidence">
             <a:extLst>
               <a:ext uri="{FF2B5EF4-FFF2-40B4-BE49-F238E27FC236}">
-                <a16:creationId xmlns:a16="http://schemas.microsoft.com/office/drawing/2014/main" xmlns="" id="{A8914C22-712A-4768-B264-A842A74A0109}"/>
+                <a16:creationId xmlns:a16="http://schemas.microsoft.com/office/drawing/2014/main" id="{A8914C22-712A-4768-B264-A842A74A0109}"/>
               </a:ext>
             </a:extLst>
           </p:cNvPr>
@@ -31314,7 +31545,7 @@
           <p:cNvPr id="27" name="Picture 26">
             <a:extLst>
               <a:ext uri="{FF2B5EF4-FFF2-40B4-BE49-F238E27FC236}">
-                <a16:creationId xmlns:a16="http://schemas.microsoft.com/office/drawing/2014/main" xmlns="" id="{82FEDFBC-9C89-4AC9-884D-AB1846B96870}"/>
+                <a16:creationId xmlns:a16="http://schemas.microsoft.com/office/drawing/2014/main" id="{82FEDFBC-9C89-4AC9-884D-AB1846B96870}"/>
               </a:ext>
             </a:extLst>
           </p:cNvPr>
@@ -31350,7 +31581,7 @@
           <p:cNvPr id="29" name="Picture 28" descr="A close up of a light&#10;&#10;Description generated with high confidence">
             <a:extLst>
               <a:ext uri="{FF2B5EF4-FFF2-40B4-BE49-F238E27FC236}">
-                <a16:creationId xmlns:a16="http://schemas.microsoft.com/office/drawing/2014/main" xmlns="" id="{0AB5D88D-0260-47E5-8CAC-628A05C8E15A}"/>
+                <a16:creationId xmlns:a16="http://schemas.microsoft.com/office/drawing/2014/main" id="{0AB5D88D-0260-47E5-8CAC-628A05C8E15A}"/>
               </a:ext>
             </a:extLst>
           </p:cNvPr>
@@ -31386,7 +31617,7 @@
           <p:cNvPr id="30" name="Title 1">
             <a:extLst>
               <a:ext uri="{FF2B5EF4-FFF2-40B4-BE49-F238E27FC236}">
-                <a16:creationId xmlns:a16="http://schemas.microsoft.com/office/drawing/2014/main" xmlns="" id="{488B36B3-FAA2-4721-B63C-7C3A8A9A5812}"/>
+                <a16:creationId xmlns:a16="http://schemas.microsoft.com/office/drawing/2014/main" id="{488B36B3-FAA2-4721-B63C-7C3A8A9A5812}"/>
               </a:ext>
             </a:extLst>
           </p:cNvPr>
@@ -32230,7 +32461,7 @@
           <p:cNvPr id="2" name="Title 1">
             <a:extLst>
               <a:ext uri="{FF2B5EF4-FFF2-40B4-BE49-F238E27FC236}">
-                <a16:creationId xmlns:a16="http://schemas.microsoft.com/office/drawing/2014/main" xmlns="" id="{FEBF2821-0822-4ECF-B77E-56916BDB032E}"/>
+                <a16:creationId xmlns:a16="http://schemas.microsoft.com/office/drawing/2014/main" id="{FEBF2821-0822-4ECF-B77E-56916BDB032E}"/>
               </a:ext>
             </a:extLst>
           </p:cNvPr>
@@ -32258,7 +32489,7 @@
           <p:cNvPr id="4" name="Footer Placeholder 3">
             <a:extLst>
               <a:ext uri="{FF2B5EF4-FFF2-40B4-BE49-F238E27FC236}">
-                <a16:creationId xmlns:a16="http://schemas.microsoft.com/office/drawing/2014/main" xmlns="" id="{70EE12F7-79CE-482C-9E7E-63491BFDB4BC}"/>
+                <a16:creationId xmlns:a16="http://schemas.microsoft.com/office/drawing/2014/main" id="{70EE12F7-79CE-482C-9E7E-63491BFDB4BC}"/>
               </a:ext>
             </a:extLst>
           </p:cNvPr>
@@ -32315,7 +32546,7 @@
           <p:cNvPr id="5" name="Slide Number Placeholder 4">
             <a:extLst>
               <a:ext uri="{FF2B5EF4-FFF2-40B4-BE49-F238E27FC236}">
-                <a16:creationId xmlns:a16="http://schemas.microsoft.com/office/drawing/2014/main" xmlns="" id="{18331794-C61F-44A0-AC04-8D8ADC34F470}"/>
+                <a16:creationId xmlns:a16="http://schemas.microsoft.com/office/drawing/2014/main" id="{18331794-C61F-44A0-AC04-8D8ADC34F470}"/>
               </a:ext>
             </a:extLst>
           </p:cNvPr>
@@ -32345,7 +32576,7 @@
           <p:cNvPr id="6" name="Picture 2" descr="https://www.almacgroup.com/wp-content/uploads/2017/05/image-two.png">
             <a:extLst>
               <a:ext uri="{FF2B5EF4-FFF2-40B4-BE49-F238E27FC236}">
-                <a16:creationId xmlns:a16="http://schemas.microsoft.com/office/drawing/2014/main" xmlns="" id="{6E7CA511-765D-4103-ADD7-1385985A8565}"/>
+                <a16:creationId xmlns:a16="http://schemas.microsoft.com/office/drawing/2014/main" id="{6E7CA511-765D-4103-ADD7-1385985A8565}"/>
               </a:ext>
             </a:extLst>
           </p:cNvPr>
@@ -32390,7 +32621,7 @@
           <p:cNvPr id="7" name="Rectangle 6">
             <a:extLst>
               <a:ext uri="{FF2B5EF4-FFF2-40B4-BE49-F238E27FC236}">
-                <a16:creationId xmlns:a16="http://schemas.microsoft.com/office/drawing/2014/main" xmlns="" id="{23621E01-E00C-4679-985A-31E52DDDBDDF}"/>
+                <a16:creationId xmlns:a16="http://schemas.microsoft.com/office/drawing/2014/main" id="{23621E01-E00C-4679-985A-31E52DDDBDDF}"/>
               </a:ext>
             </a:extLst>
           </p:cNvPr>
@@ -32442,7 +32673,7 @@
           <p:cNvPr id="8" name="Rectangle 7">
             <a:extLst>
               <a:ext uri="{FF2B5EF4-FFF2-40B4-BE49-F238E27FC236}">
-                <a16:creationId xmlns:a16="http://schemas.microsoft.com/office/drawing/2014/main" xmlns="" id="{9A047084-96F2-445A-9EE3-02FACD58E6D8}"/>
+                <a16:creationId xmlns:a16="http://schemas.microsoft.com/office/drawing/2014/main" id="{9A047084-96F2-445A-9EE3-02FACD58E6D8}"/>
               </a:ext>
             </a:extLst>
           </p:cNvPr>
@@ -32610,7 +32841,7 @@
           <p:cNvPr id="2" name="Title 1">
             <a:extLst>
               <a:ext uri="{FF2B5EF4-FFF2-40B4-BE49-F238E27FC236}">
-                <a16:creationId xmlns:a16="http://schemas.microsoft.com/office/drawing/2014/main" xmlns="" id="{2402DCD2-0C35-4CD9-9D55-3AD27C4E6E1A}"/>
+                <a16:creationId xmlns:a16="http://schemas.microsoft.com/office/drawing/2014/main" id="{2402DCD2-0C35-4CD9-9D55-3AD27C4E6E1A}"/>
               </a:ext>
             </a:extLst>
           </p:cNvPr>
@@ -32638,7 +32869,7 @@
           <p:cNvPr id="4" name="Footer Placeholder 3">
             <a:extLst>
               <a:ext uri="{FF2B5EF4-FFF2-40B4-BE49-F238E27FC236}">
-                <a16:creationId xmlns:a16="http://schemas.microsoft.com/office/drawing/2014/main" xmlns="" id="{ED5DDAB4-5465-4C02-B012-5C2392656E96}"/>
+                <a16:creationId xmlns:a16="http://schemas.microsoft.com/office/drawing/2014/main" id="{ED5DDAB4-5465-4C02-B012-5C2392656E96}"/>
               </a:ext>
             </a:extLst>
           </p:cNvPr>
@@ -32695,7 +32926,7 @@
           <p:cNvPr id="5" name="Slide Number Placeholder 4">
             <a:extLst>
               <a:ext uri="{FF2B5EF4-FFF2-40B4-BE49-F238E27FC236}">
-                <a16:creationId xmlns:a16="http://schemas.microsoft.com/office/drawing/2014/main" xmlns="" id="{CECCB517-DD7E-441C-B5C0-DA6D32B76F01}"/>
+                <a16:creationId xmlns:a16="http://schemas.microsoft.com/office/drawing/2014/main" id="{CECCB517-DD7E-441C-B5C0-DA6D32B76F01}"/>
               </a:ext>
             </a:extLst>
           </p:cNvPr>
@@ -32725,7 +32956,7 @@
           <p:cNvPr id="1026" name="Picture 2" descr="Image result for variable selection">
             <a:extLst>
               <a:ext uri="{FF2B5EF4-FFF2-40B4-BE49-F238E27FC236}">
-                <a16:creationId xmlns:a16="http://schemas.microsoft.com/office/drawing/2014/main" xmlns="" id="{4FE87B62-E8A2-4781-8542-17DA5F458E8D}"/>
+                <a16:creationId xmlns:a16="http://schemas.microsoft.com/office/drawing/2014/main" id="{4FE87B62-E8A2-4781-8542-17DA5F458E8D}"/>
               </a:ext>
             </a:extLst>
           </p:cNvPr>
@@ -32772,7 +33003,7 @@
           <p:cNvPr id="1028" name="Picture 4" descr="Image result for lasso">
             <a:extLst>
               <a:ext uri="{FF2B5EF4-FFF2-40B4-BE49-F238E27FC236}">
-                <a16:creationId xmlns:a16="http://schemas.microsoft.com/office/drawing/2014/main" xmlns="" id="{FC74E8AF-26B6-489F-9DAA-748E12CFDBFC}"/>
+                <a16:creationId xmlns:a16="http://schemas.microsoft.com/office/drawing/2014/main" id="{FC74E8AF-26B6-489F-9DAA-748E12CFDBFC}"/>
               </a:ext>
             </a:extLst>
           </p:cNvPr>
@@ -32819,7 +33050,7 @@
           <p:cNvPr id="6" name="TextBox 5">
             <a:extLst>
               <a:ext uri="{FF2B5EF4-FFF2-40B4-BE49-F238E27FC236}">
-                <a16:creationId xmlns:a16="http://schemas.microsoft.com/office/drawing/2014/main" xmlns="" id="{C14B3A59-74C7-4D01-AFC3-2CF85B50385C}"/>
+                <a16:creationId xmlns:a16="http://schemas.microsoft.com/office/drawing/2014/main" id="{C14B3A59-74C7-4D01-AFC3-2CF85B50385C}"/>
               </a:ext>
             </a:extLst>
           </p:cNvPr>
@@ -33130,7 +33361,7 @@
           <p:cNvPr id="2" name="Title 1">
             <a:extLst>
               <a:ext uri="{FF2B5EF4-FFF2-40B4-BE49-F238E27FC236}">
-                <a16:creationId xmlns:a16="http://schemas.microsoft.com/office/drawing/2014/main" xmlns="" id="{6D33CD07-ACD3-477C-A5E6-452B122FF8EB}"/>
+                <a16:creationId xmlns:a16="http://schemas.microsoft.com/office/drawing/2014/main" id="{6D33CD07-ACD3-477C-A5E6-452B122FF8EB}"/>
               </a:ext>
             </a:extLst>
           </p:cNvPr>
@@ -33158,7 +33389,7 @@
           <p:cNvPr id="4" name="Footer Placeholder 3">
             <a:extLst>
               <a:ext uri="{FF2B5EF4-FFF2-40B4-BE49-F238E27FC236}">
-                <a16:creationId xmlns:a16="http://schemas.microsoft.com/office/drawing/2014/main" xmlns="" id="{7E62D83B-F16B-463F-B120-60AA6E0B32BF}"/>
+                <a16:creationId xmlns:a16="http://schemas.microsoft.com/office/drawing/2014/main" id="{7E62D83B-F16B-463F-B120-60AA6E0B32BF}"/>
               </a:ext>
             </a:extLst>
           </p:cNvPr>
@@ -33215,7 +33446,7 @@
           <p:cNvPr id="5" name="Slide Number Placeholder 4">
             <a:extLst>
               <a:ext uri="{FF2B5EF4-FFF2-40B4-BE49-F238E27FC236}">
-                <a16:creationId xmlns:a16="http://schemas.microsoft.com/office/drawing/2014/main" xmlns="" id="{6144BC6C-FC32-4CD0-AD45-9F87F70D3CC2}"/>
+                <a16:creationId xmlns:a16="http://schemas.microsoft.com/office/drawing/2014/main" id="{6144BC6C-FC32-4CD0-AD45-9F87F70D3CC2}"/>
               </a:ext>
             </a:extLst>
           </p:cNvPr>
@@ -33245,7 +33476,7 @@
           <p:cNvPr id="8" name="Picture 2" descr="Image result for lasso algorithm">
             <a:extLst>
               <a:ext uri="{FF2B5EF4-FFF2-40B4-BE49-F238E27FC236}">
-                <a16:creationId xmlns:a16="http://schemas.microsoft.com/office/drawing/2014/main" xmlns="" id="{B7102A31-B859-49A4-A3C6-D4FDBD47EDCF}"/>
+                <a16:creationId xmlns:a16="http://schemas.microsoft.com/office/drawing/2014/main" id="{B7102A31-B859-49A4-A3C6-D4FDBD47EDCF}"/>
               </a:ext>
             </a:extLst>
           </p:cNvPr>
@@ -33290,7 +33521,7 @@
           <p:cNvPr id="7" name="Arrow: Up-Down 6">
             <a:extLst>
               <a:ext uri="{FF2B5EF4-FFF2-40B4-BE49-F238E27FC236}">
-                <a16:creationId xmlns:a16="http://schemas.microsoft.com/office/drawing/2014/main" xmlns="" id="{FD113EF2-491B-4609-8921-03FCAB08BF1E}"/>
+                <a16:creationId xmlns:a16="http://schemas.microsoft.com/office/drawing/2014/main" id="{FD113EF2-491B-4609-8921-03FCAB08BF1E}"/>
               </a:ext>
             </a:extLst>
           </p:cNvPr>
@@ -33336,7 +33567,7 @@
           <p:cNvPr id="9" name="Callout: Bent Line 8">
             <a:extLst>
               <a:ext uri="{FF2B5EF4-FFF2-40B4-BE49-F238E27FC236}">
-                <a16:creationId xmlns:a16="http://schemas.microsoft.com/office/drawing/2014/main" xmlns="" id="{77F1B6FA-577C-4BA6-B36B-E67253C71A96}"/>
+                <a16:creationId xmlns:a16="http://schemas.microsoft.com/office/drawing/2014/main" id="{77F1B6FA-577C-4BA6-B36B-E67253C71A96}"/>
               </a:ext>
             </a:extLst>
           </p:cNvPr>
@@ -33390,7 +33621,7 @@
           <p:cNvPr id="10" name="TextBox 9">
             <a:extLst>
               <a:ext uri="{FF2B5EF4-FFF2-40B4-BE49-F238E27FC236}">
-                <a16:creationId xmlns:a16="http://schemas.microsoft.com/office/drawing/2014/main" xmlns="" id="{45DC9FD1-1820-4C6F-B16B-91B83527087D}"/>
+                <a16:creationId xmlns:a16="http://schemas.microsoft.com/office/drawing/2014/main" id="{45DC9FD1-1820-4C6F-B16B-91B83527087D}"/>
               </a:ext>
             </a:extLst>
           </p:cNvPr>
@@ -33425,7 +33656,7 @@
           <p:cNvPr id="11" name="Rectangle 10">
             <a:extLst>
               <a:ext uri="{FF2B5EF4-FFF2-40B4-BE49-F238E27FC236}">
-                <a16:creationId xmlns:a16="http://schemas.microsoft.com/office/drawing/2014/main" xmlns="" id="{2892C7A8-5EB9-445F-A43B-5FD12C3D0885}"/>
+                <a16:creationId xmlns:a16="http://schemas.microsoft.com/office/drawing/2014/main" id="{2892C7A8-5EB9-445F-A43B-5FD12C3D0885}"/>
               </a:ext>
             </a:extLst>
           </p:cNvPr>
@@ -33474,7 +33705,7 @@
               <p:cNvPr id="6" name="Content Placeholder 5">
                 <a:extLst>
                   <a:ext uri="{FF2B5EF4-FFF2-40B4-BE49-F238E27FC236}">
-                    <a16:creationId xmlns:a16="http://schemas.microsoft.com/office/drawing/2014/main" xmlns="" id="{8EE6EF1C-7BAD-43FC-8EDB-996441C677D3}"/>
+                    <a16:creationId xmlns:a16="http://schemas.microsoft.com/office/drawing/2014/main" id="{8EE6EF1C-7BAD-43FC-8EDB-996441C677D3}"/>
                   </a:ext>
                 </a:extLst>
               </p:cNvPr>
@@ -33510,7 +33741,7 @@
                         <m:limLowPr>
                           <m:ctrlPr>
                             <a:rPr lang="en-US" sz="2800" b="0" i="1" smtClean="0">
-                              <a:latin typeface="Cambria Math" charset="0"/>
+                              <a:latin typeface="Cambria Math" panose="02040503050406030204" pitchFamily="18" charset="0"/>
                             </a:rPr>
                           </m:ctrlPr>
                         </m:limLowPr>
@@ -33568,7 +33799,7 @@
                         <m:sSubSupPr>
                           <m:ctrlPr>
                             <a:rPr lang="en-US" sz="2800" b="0" i="1" smtClean="0">
-                              <a:latin typeface="Cambria Math" charset="0"/>
+                              <a:latin typeface="Cambria Math" panose="02040503050406030204" pitchFamily="18" charset="0"/>
                             </a:rPr>
                           </m:ctrlPr>
                         </m:sSubSupPr>
@@ -33643,7 +33874,7 @@
                         <m:sSubPr>
                           <m:ctrlPr>
                             <a:rPr lang="en-US" sz="2800" b="0" i="1" smtClean="0">
-                              <a:latin typeface="Cambria Math" charset="0"/>
+                              <a:latin typeface="Cambria Math" panose="02040503050406030204" pitchFamily="18" charset="0"/>
                             </a:rPr>
                           </m:ctrlPr>
                         </m:sSubPr>
@@ -33654,7 +33885,7 @@
                               <m:endChr m:val="|"/>
                               <m:ctrlPr>
                                 <a:rPr lang="en-US" sz="2800" b="0" i="1" smtClean="0">
-                                  <a:latin typeface="Cambria Math" charset="0"/>
+                                  <a:latin typeface="Cambria Math" panose="02040503050406030204" pitchFamily="18" charset="0"/>
                                 </a:rPr>
                               </m:ctrlPr>
                             </m:dPr>
@@ -33720,7 +33951,7 @@
                         <m:limLowPr>
                           <m:ctrlPr>
                             <a:rPr lang="en-US" sz="2800" b="0" i="1" smtClean="0">
-                              <a:latin typeface="Cambria Math" charset="0"/>
+                              <a:latin typeface="Cambria Math" panose="02040503050406030204" pitchFamily="18" charset="0"/>
                             </a:rPr>
                           </m:ctrlPr>
                         </m:limLowPr>
@@ -33778,7 +34009,7 @@
                         <m:sSubSupPr>
                           <m:ctrlPr>
                             <a:rPr lang="en-US" sz="2800" b="0" i="1" smtClean="0">
-                              <a:latin typeface="Cambria Math" charset="0"/>
+                              <a:latin typeface="Cambria Math" panose="02040503050406030204" pitchFamily="18" charset="0"/>
                             </a:rPr>
                           </m:ctrlPr>
                         </m:sSubSupPr>
@@ -34373,7 +34604,7 @@
           <p:cNvPr id="2" name="Title 1">
             <a:extLst>
               <a:ext uri="{FF2B5EF4-FFF2-40B4-BE49-F238E27FC236}">
-                <a16:creationId xmlns:a16="http://schemas.microsoft.com/office/drawing/2014/main" xmlns="" id="{17A8BB3D-2D35-4F66-AFB4-2A9AE7681862}"/>
+                <a16:creationId xmlns:a16="http://schemas.microsoft.com/office/drawing/2014/main" id="{17A8BB3D-2D35-4F66-AFB4-2A9AE7681862}"/>
               </a:ext>
             </a:extLst>
           </p:cNvPr>
@@ -34407,7 +34638,7 @@
           <p:cNvPr id="3" name="Footer Placeholder 2">
             <a:extLst>
               <a:ext uri="{FF2B5EF4-FFF2-40B4-BE49-F238E27FC236}">
-                <a16:creationId xmlns:a16="http://schemas.microsoft.com/office/drawing/2014/main" xmlns="" id="{11862E8A-91FD-4C41-A192-DB3D27D88824}"/>
+                <a16:creationId xmlns:a16="http://schemas.microsoft.com/office/drawing/2014/main" id="{11862E8A-91FD-4C41-A192-DB3D27D88824}"/>
               </a:ext>
             </a:extLst>
           </p:cNvPr>
@@ -34464,7 +34695,7 @@
           <p:cNvPr id="4" name="Slide Number Placeholder 3">
             <a:extLst>
               <a:ext uri="{FF2B5EF4-FFF2-40B4-BE49-F238E27FC236}">
-                <a16:creationId xmlns:a16="http://schemas.microsoft.com/office/drawing/2014/main" xmlns="" id="{9DA5ED20-07EE-4130-97A2-FC2FBDDF57B9}"/>
+                <a16:creationId xmlns:a16="http://schemas.microsoft.com/office/drawing/2014/main" id="{9DA5ED20-07EE-4130-97A2-FC2FBDDF57B9}"/>
               </a:ext>
             </a:extLst>
           </p:cNvPr>
@@ -34499,13 +34730,6 @@
   <p:clrMapOvr>
     <a:masterClrMapping/>
   </p:clrMapOvr>
-  <p:timing>
-    <p:tnLst>
-      <p:par>
-        <p:cTn id="1" dur="indefinite" restart="never" nodeType="tmRoot"/>
-      </p:par>
-    </p:tnLst>
-  </p:timing>
 </p:sld>
 </file>
 

--- a/manu & slides/Final.pptx
+++ b/manu & slides/Final.pptx
@@ -647,7 +647,7 @@
             <a:fld id="{2A382978-60B3-41E0-9AD0-2E9E6E8B7873}" type="datetimeFigureOut">
               <a:rPr kumimoji="1" lang="ja-JP" altLang="en-US" smtClean="0"/>
               <a:pPr/>
-              <a:t>2018/8/24</a:t>
+              <a:t>2018/9/5</a:t>
             </a:fld>
             <a:endParaRPr kumimoji="1" lang="ja-JP" altLang="en-US"/>
           </a:p>
@@ -1798,7 +1798,7 @@
             <a:fld id="{0BD03392-274E-4A19-9716-EA1CE8085D71}" type="datetime1">
               <a:rPr kumimoji="1" lang="ja-JP" altLang="en-US" smtClean="0"/>
               <a:pPr/>
-              <a:t>2018/8/24</a:t>
+              <a:t>2018/9/5</a:t>
             </a:fld>
             <a:endParaRPr kumimoji="1" lang="ja-JP" altLang="en-US" dirty="0"/>
           </a:p>
@@ -2119,7 +2119,7 @@
             <a:fld id="{D658E221-2E7A-48BA-8424-2A55A4736B68}" type="datetime1">
               <a:rPr kumimoji="1" lang="ja-JP" altLang="en-US" smtClean="0"/>
               <a:pPr/>
-              <a:t>2018/8/24</a:t>
+              <a:t>2018/9/5</a:t>
             </a:fld>
             <a:endParaRPr kumimoji="1" lang="ja-JP" altLang="en-US"/>
           </a:p>
@@ -2235,7 +2235,7 @@
             <a:fld id="{C245638F-14AB-400C-9AF1-5CEBE1B672A1}" type="datetime1">
               <a:rPr kumimoji="1" lang="ja-JP" altLang="en-US" smtClean="0"/>
               <a:pPr/>
-              <a:t>2018/8/24</a:t>
+              <a:t>2018/9/5</a:t>
             </a:fld>
             <a:endParaRPr kumimoji="1" lang="ja-JP" altLang="en-US"/>
           </a:p>
@@ -2823,7 +2823,7 @@
             <a:fld id="{02A88367-5BB3-4793-B263-C2830A0855E0}" type="datetime1">
               <a:rPr kumimoji="1" lang="ja-JP" altLang="en-US" smtClean="0"/>
               <a:pPr/>
-              <a:t>2018/8/24</a:t>
+              <a:t>2018/9/5</a:t>
             </a:fld>
             <a:endParaRPr kumimoji="1" lang="ja-JP" altLang="en-US" dirty="0"/>
           </a:p>
@@ -3869,7 +3869,7 @@
             <a:fld id="{961A4739-C8B6-4F30-A69C-01268F05198C}" type="datetime1">
               <a:rPr kumimoji="1" lang="ja-JP" altLang="en-US" smtClean="0"/>
               <a:pPr/>
-              <a:t>2018/8/24</a:t>
+              <a:t>2018/9/5</a:t>
             </a:fld>
             <a:endParaRPr kumimoji="1" lang="ja-JP" altLang="en-US" dirty="0"/>
           </a:p>
@@ -5117,7 +5117,7 @@
             <a:fld id="{A55444AB-87B1-4B99-A470-0F837A8A1880}" type="datetime1">
               <a:rPr kumimoji="1" lang="ja-JP" altLang="en-US" smtClean="0"/>
               <a:pPr/>
-              <a:t>2018/8/24</a:t>
+              <a:t>2018/9/5</a:t>
             </a:fld>
             <a:endParaRPr kumimoji="1" lang="ja-JP" altLang="en-US" dirty="0"/>
           </a:p>
@@ -5786,7 +5786,7 @@
             <a:fld id="{C2A19EB9-4440-4736-9A49-939819AB9C89}" type="datetime1">
               <a:rPr kumimoji="1" lang="ja-JP" altLang="en-US" smtClean="0"/>
               <a:pPr/>
-              <a:t>2018/8/24</a:t>
+              <a:t>2018/9/5</a:t>
             </a:fld>
             <a:endParaRPr kumimoji="1" lang="ja-JP" altLang="en-US" dirty="0"/>
           </a:p>
@@ -6117,7 +6117,7 @@
             <a:fld id="{207CE768-5AA7-4F09-BE2B-CECF21207030}" type="datetime1">
               <a:rPr kumimoji="1" lang="ja-JP" altLang="en-US" smtClean="0"/>
               <a:pPr/>
-              <a:t>2018/8/24</a:t>
+              <a:t>2018/9/5</a:t>
             </a:fld>
             <a:endParaRPr kumimoji="1" lang="ja-JP" altLang="en-US" dirty="0"/>
           </a:p>
@@ -6386,7 +6386,7 @@
             <a:fld id="{973F8ED2-2E1E-42CA-8611-E2CA1599FB5D}" type="datetime1">
               <a:rPr kumimoji="1" lang="ja-JP" altLang="en-US" smtClean="0"/>
               <a:pPr/>
-              <a:t>2018/8/24</a:t>
+              <a:t>2018/9/5</a:t>
             </a:fld>
             <a:endParaRPr kumimoji="1" lang="ja-JP" altLang="en-US" dirty="0"/>
           </a:p>
@@ -6863,7 +6863,7 @@
             <a:fld id="{A5182719-F20C-4B32-BD5B-859B9127D393}" type="datetime1">
               <a:rPr lang="ja-JP" altLang="en-US" smtClean="0"/>
               <a:pPr/>
-              <a:t>2018/8/24</a:t>
+              <a:t>2018/9/5</a:t>
             </a:fld>
             <a:endParaRPr lang="ja-JP" altLang="en-US" dirty="0"/>
           </a:p>
@@ -7576,7 +7576,7 @@
           <p:cNvPr id="2" name="Title 1">
             <a:extLst>
               <a:ext uri="{FF2B5EF4-FFF2-40B4-BE49-F238E27FC236}">
-                <a16:creationId xmlns:a16="http://schemas.microsoft.com/office/drawing/2014/main" id="{A54FC90F-4208-4C28-8D1C-CFB3255E46EC}"/>
+                <a16:creationId xmlns:a16="http://schemas.microsoft.com/office/drawing/2014/main" xmlns="" id="{A54FC90F-4208-4C28-8D1C-CFB3255E46EC}"/>
               </a:ext>
             </a:extLst>
           </p:cNvPr>
@@ -7606,7 +7606,7 @@
               <p:cNvPr id="3" name="Content Placeholder 2">
                 <a:extLst>
                   <a:ext uri="{FF2B5EF4-FFF2-40B4-BE49-F238E27FC236}">
-                    <a16:creationId xmlns:a16="http://schemas.microsoft.com/office/drawing/2014/main" id="{E26182C4-45FA-4DE4-94F0-3A3B2995828F}"/>
+                    <a16:creationId xmlns:a16="http://schemas.microsoft.com/office/drawing/2014/main" xmlns="" id="{E26182C4-45FA-4DE4-94F0-3A3B2995828F}"/>
                   </a:ext>
                 </a:extLst>
               </p:cNvPr>
@@ -7906,7 +7906,7 @@
           <p:cNvPr id="4" name="Footer Placeholder 3">
             <a:extLst>
               <a:ext uri="{FF2B5EF4-FFF2-40B4-BE49-F238E27FC236}">
-                <a16:creationId xmlns:a16="http://schemas.microsoft.com/office/drawing/2014/main" id="{6237D0EF-67BB-47A8-BC4A-DA10DDA72B68}"/>
+                <a16:creationId xmlns:a16="http://schemas.microsoft.com/office/drawing/2014/main" xmlns="" id="{6237D0EF-67BB-47A8-BC4A-DA10DDA72B68}"/>
               </a:ext>
             </a:extLst>
           </p:cNvPr>
@@ -7963,7 +7963,7 @@
           <p:cNvPr id="5" name="Slide Number Placeholder 4">
             <a:extLst>
               <a:ext uri="{FF2B5EF4-FFF2-40B4-BE49-F238E27FC236}">
-                <a16:creationId xmlns:a16="http://schemas.microsoft.com/office/drawing/2014/main" id="{A66B1CD2-3511-4F21-AE65-973FFF59CAEB}"/>
+                <a16:creationId xmlns:a16="http://schemas.microsoft.com/office/drawing/2014/main" xmlns="" id="{A66B1CD2-3511-4F21-AE65-973FFF59CAEB}"/>
               </a:ext>
             </a:extLst>
           </p:cNvPr>
@@ -8023,7 +8023,7 @@
           <p:cNvPr id="2" name="Title 1">
             <a:extLst>
               <a:ext uri="{FF2B5EF4-FFF2-40B4-BE49-F238E27FC236}">
-                <a16:creationId xmlns:a16="http://schemas.microsoft.com/office/drawing/2014/main" id="{C31AD35B-6AF8-4890-9FAB-1A64CF8DF256}"/>
+                <a16:creationId xmlns:a16="http://schemas.microsoft.com/office/drawing/2014/main" xmlns="" id="{C31AD35B-6AF8-4890-9FAB-1A64CF8DF256}"/>
               </a:ext>
             </a:extLst>
           </p:cNvPr>
@@ -8053,7 +8053,7 @@
               <p:cNvPr id="3" name="Content Placeholder 2">
                 <a:extLst>
                   <a:ext uri="{FF2B5EF4-FFF2-40B4-BE49-F238E27FC236}">
-                    <a16:creationId xmlns:a16="http://schemas.microsoft.com/office/drawing/2014/main" id="{18A396A4-D801-4F52-8484-81CF6161ABD4}"/>
+                    <a16:creationId xmlns:a16="http://schemas.microsoft.com/office/drawing/2014/main" xmlns="" id="{18A396A4-D801-4F52-8484-81CF6161ABD4}"/>
                   </a:ext>
                 </a:extLst>
               </p:cNvPr>
@@ -8222,7 +8222,7 @@
                         <m:endChr m:val="]"/>
                         <m:ctrlPr>
                           <a:rPr lang="en-US" b="0" i="1" smtClean="0">
-                            <a:latin typeface="Cambria Math" panose="02040503050406030204" pitchFamily="18" charset="0"/>
+                            <a:latin typeface="Cambria Math" charset="0"/>
                           </a:rPr>
                         </m:ctrlPr>
                       </m:dPr>
@@ -8231,7 +8231,7 @@
                           <m:sSubPr>
                             <m:ctrlPr>
                               <a:rPr lang="en-US" b="0" i="1" smtClean="0">
-                                <a:latin typeface="Cambria Math" panose="02040503050406030204" pitchFamily="18" charset="0"/>
+                                <a:latin typeface="Cambria Math" charset="0"/>
                               </a:rPr>
                             </m:ctrlPr>
                           </m:sSubPr>
@@ -8262,7 +8262,7 @@
                           <m:sSubPr>
                             <m:ctrlPr>
                               <a:rPr lang="en-US" b="0" i="1" smtClean="0">
-                                <a:latin typeface="Cambria Math" panose="02040503050406030204" pitchFamily="18" charset="0"/>
+                                <a:latin typeface="Cambria Math" charset="0"/>
                               </a:rPr>
                             </m:ctrlPr>
                           </m:sSubPr>
@@ -8293,7 +8293,7 @@
                           <m:sSubPr>
                             <m:ctrlPr>
                               <a:rPr lang="en-US" b="0" i="1" smtClean="0">
-                                <a:latin typeface="Cambria Math" panose="02040503050406030204" pitchFamily="18" charset="0"/>
+                                <a:latin typeface="Cambria Math" charset="0"/>
                               </a:rPr>
                             </m:ctrlPr>
                           </m:sSubPr>
@@ -8360,7 +8360,7 @@
                       <m:sSubPr>
                         <m:ctrlPr>
                           <a:rPr lang="en-US" b="0" i="1" smtClean="0">
-                            <a:latin typeface="Cambria Math" panose="02040503050406030204" pitchFamily="18" charset="0"/>
+                            <a:latin typeface="Cambria Math" charset="0"/>
                           </a:rPr>
                         </m:ctrlPr>
                       </m:sSubPr>
@@ -8391,7 +8391,7 @@
                       <m:sSubPr>
                         <m:ctrlPr>
                           <a:rPr lang="en-US" b="0" i="1" smtClean="0">
-                            <a:latin typeface="Cambria Math" panose="02040503050406030204" pitchFamily="18" charset="0"/>
+                            <a:latin typeface="Cambria Math" charset="0"/>
                           </a:rPr>
                         </m:ctrlPr>
                       </m:sSubPr>
@@ -8422,7 +8422,7 @@
                       <m:sSubPr>
                         <m:ctrlPr>
                           <a:rPr lang="en-US" b="0" i="1" smtClean="0">
-                            <a:latin typeface="Cambria Math" panose="02040503050406030204" pitchFamily="18" charset="0"/>
+                            <a:latin typeface="Cambria Math" charset="0"/>
                           </a:rPr>
                         </m:ctrlPr>
                       </m:sSubPr>
@@ -8493,7 +8493,7 @@
                         <m:endChr m:val="]"/>
                         <m:ctrlPr>
                           <a:rPr lang="en-US" b="0" i="1" smtClean="0">
-                            <a:latin typeface="Cambria Math" panose="02040503050406030204" pitchFamily="18" charset="0"/>
+                            <a:latin typeface="Cambria Math" charset="0"/>
                             <a:ea typeface="Cambria Math" panose="02040503050406030204" pitchFamily="18" charset="0"/>
                           </a:rPr>
                         </m:ctrlPr>
@@ -8517,7 +8517,7 @@
                           <m:sSubPr>
                             <m:ctrlPr>
                               <a:rPr lang="en-US" b="0" i="1" smtClean="0">
-                                <a:latin typeface="Cambria Math" panose="02040503050406030204" pitchFamily="18" charset="0"/>
+                                <a:latin typeface="Cambria Math" charset="0"/>
                                 <a:ea typeface="Cambria Math" panose="02040503050406030204" pitchFamily="18" charset="0"/>
                               </a:rPr>
                             </m:ctrlPr>
@@ -8566,7 +8566,7 @@
                           <m:sSubPr>
                             <m:ctrlPr>
                               <a:rPr lang="en-US" b="0" i="1" smtClean="0">
-                                <a:latin typeface="Cambria Math" panose="02040503050406030204" pitchFamily="18" charset="0"/>
+                                <a:latin typeface="Cambria Math" charset="0"/>
                                 <a:ea typeface="Cambria Math" panose="02040503050406030204" pitchFamily="18" charset="0"/>
                               </a:rPr>
                             </m:ctrlPr>
@@ -8615,7 +8615,7 @@
                           <m:sSubPr>
                             <m:ctrlPr>
                               <a:rPr lang="en-US" b="0" i="1" smtClean="0">
-                                <a:latin typeface="Cambria Math" panose="02040503050406030204" pitchFamily="18" charset="0"/>
+                                <a:latin typeface="Cambria Math" charset="0"/>
                                 <a:ea typeface="Cambria Math" panose="02040503050406030204" pitchFamily="18" charset="0"/>
                               </a:rPr>
                             </m:ctrlPr>
@@ -8668,7 +8668,7 @@
                       <m:sSubPr>
                         <m:ctrlPr>
                           <a:rPr lang="en-US" b="0" i="1" smtClean="0">
-                            <a:latin typeface="Cambria Math" panose="02040503050406030204" pitchFamily="18" charset="0"/>
+                            <a:latin typeface="Cambria Math" charset="0"/>
                           </a:rPr>
                         </m:ctrlPr>
                       </m:sSubPr>
@@ -8699,7 +8699,7 @@
                       <m:sSubPr>
                         <m:ctrlPr>
                           <a:rPr lang="en-US" b="0" i="1" smtClean="0">
-                            <a:latin typeface="Cambria Math" panose="02040503050406030204" pitchFamily="18" charset="0"/>
+                            <a:latin typeface="Cambria Math" charset="0"/>
                           </a:rPr>
                         </m:ctrlPr>
                       </m:sSubPr>
@@ -8730,7 +8730,7 @@
                       <m:sSubPr>
                         <m:ctrlPr>
                           <a:rPr lang="en-US" b="0" i="1" smtClean="0">
-                            <a:latin typeface="Cambria Math" panose="02040503050406030204" pitchFamily="18" charset="0"/>
+                            <a:latin typeface="Cambria Math" charset="0"/>
                           </a:rPr>
                         </m:ctrlPr>
                       </m:sSubPr>
@@ -8818,7 +8818,7 @@
           <p:cNvPr id="4" name="Footer Placeholder 3">
             <a:extLst>
               <a:ext uri="{FF2B5EF4-FFF2-40B4-BE49-F238E27FC236}">
-                <a16:creationId xmlns:a16="http://schemas.microsoft.com/office/drawing/2014/main" id="{6BAF83D6-7B6B-4140-8307-D915BAB8E895}"/>
+                <a16:creationId xmlns:a16="http://schemas.microsoft.com/office/drawing/2014/main" xmlns="" id="{6BAF83D6-7B6B-4140-8307-D915BAB8E895}"/>
               </a:ext>
             </a:extLst>
           </p:cNvPr>
@@ -8875,7 +8875,7 @@
           <p:cNvPr id="5" name="Slide Number Placeholder 4">
             <a:extLst>
               <a:ext uri="{FF2B5EF4-FFF2-40B4-BE49-F238E27FC236}">
-                <a16:creationId xmlns:a16="http://schemas.microsoft.com/office/drawing/2014/main" id="{F9367D40-27EF-43BE-8724-D9FF4C023720}"/>
+                <a16:creationId xmlns:a16="http://schemas.microsoft.com/office/drawing/2014/main" xmlns="" id="{F9367D40-27EF-43BE-8724-D9FF4C023720}"/>
               </a:ext>
             </a:extLst>
           </p:cNvPr>
@@ -9334,7 +9334,7 @@
           <p:cNvPr id="2" name="Title 1">
             <a:extLst>
               <a:ext uri="{FF2B5EF4-FFF2-40B4-BE49-F238E27FC236}">
-                <a16:creationId xmlns:a16="http://schemas.microsoft.com/office/drawing/2014/main" id="{2080BB50-9AAA-448A-8376-CB859DE4375C}"/>
+                <a16:creationId xmlns:a16="http://schemas.microsoft.com/office/drawing/2014/main" xmlns="" id="{2080BB50-9AAA-448A-8376-CB859DE4375C}"/>
               </a:ext>
             </a:extLst>
           </p:cNvPr>
@@ -9364,7 +9364,7 @@
               <p:cNvPr id="3" name="Content Placeholder 2">
                 <a:extLst>
                   <a:ext uri="{FF2B5EF4-FFF2-40B4-BE49-F238E27FC236}">
-                    <a16:creationId xmlns:a16="http://schemas.microsoft.com/office/drawing/2014/main" id="{A6EFEA33-EC69-412C-9A8E-6154468EB6EC}"/>
+                    <a16:creationId xmlns:a16="http://schemas.microsoft.com/office/drawing/2014/main" xmlns="" id="{A6EFEA33-EC69-412C-9A8E-6154468EB6EC}"/>
                   </a:ext>
                 </a:extLst>
               </p:cNvPr>
@@ -9392,7 +9392,7 @@
                       <m:sSubPr>
                         <m:ctrlPr>
                           <a:rPr lang="en-US" altLang="en-US" b="0" i="1" smtClean="0">
-                            <a:latin typeface="Cambria Math" panose="02040503050406030204" pitchFamily="18" charset="0"/>
+                            <a:latin typeface="Cambria Math" charset="0"/>
                           </a:rPr>
                         </m:ctrlPr>
                       </m:sSubPr>
@@ -9417,7 +9417,7 @@
                       <m:sSubPr>
                         <m:ctrlPr>
                           <a:rPr lang="en-US" altLang="en-US" b="0" i="1" smtClean="0">
-                            <a:latin typeface="Cambria Math" panose="02040503050406030204" pitchFamily="18" charset="0"/>
+                            <a:latin typeface="Cambria Math" charset="0"/>
                           </a:rPr>
                         </m:ctrlPr>
                       </m:sSubPr>
@@ -9465,7 +9465,7 @@
                       <m:sSubPr>
                         <m:ctrlPr>
                           <a:rPr lang="en-US" altLang="en-US" b="0" i="1" smtClean="0">
-                            <a:latin typeface="Cambria Math" panose="02040503050406030204" pitchFamily="18" charset="0"/>
+                            <a:latin typeface="Cambria Math" charset="0"/>
                           </a:rPr>
                         </m:ctrlPr>
                       </m:sSubPr>
@@ -9490,7 +9490,7 @@
                       <m:sSubPr>
                         <m:ctrlPr>
                           <a:rPr lang="en-US" altLang="en-US" b="0" i="1" smtClean="0">
-                            <a:latin typeface="Cambria Math" panose="02040503050406030204" pitchFamily="18" charset="0"/>
+                            <a:latin typeface="Cambria Math" charset="0"/>
                           </a:rPr>
                         </m:ctrlPr>
                       </m:sSubPr>
@@ -9526,7 +9526,7 @@
                       <m:sSubPr>
                         <m:ctrlPr>
                           <a:rPr lang="en-US" altLang="en-US" b="0" i="1" smtClean="0">
-                            <a:latin typeface="Cambria Math" panose="02040503050406030204" pitchFamily="18" charset="0"/>
+                            <a:latin typeface="Cambria Math" charset="0"/>
                           </a:rPr>
                         </m:ctrlPr>
                       </m:sSubPr>
@@ -9571,7 +9571,7 @@
                       <m:sSubPr>
                         <m:ctrlPr>
                           <a:rPr lang="en-US" altLang="en-US" b="0" i="1" smtClean="0">
-                            <a:latin typeface="Cambria Math" panose="02040503050406030204" pitchFamily="18" charset="0"/>
+                            <a:latin typeface="Cambria Math" charset="0"/>
                           </a:rPr>
                         </m:ctrlPr>
                       </m:sSubPr>
@@ -9612,7 +9612,7 @@
                       <m:sSubPr>
                         <m:ctrlPr>
                           <a:rPr lang="en-US" altLang="en-US" b="0" i="1" smtClean="0">
-                            <a:latin typeface="Cambria Math" panose="02040503050406030204" pitchFamily="18" charset="0"/>
+                            <a:latin typeface="Cambria Math" charset="0"/>
                           </a:rPr>
                         </m:ctrlPr>
                       </m:sSubPr>
@@ -9643,7 +9643,7 @@
                       <m:sSubPr>
                         <m:ctrlPr>
                           <a:rPr lang="en-US" altLang="en-US" b="0" i="1" smtClean="0">
-                            <a:latin typeface="Cambria Math" panose="02040503050406030204" pitchFamily="18" charset="0"/>
+                            <a:latin typeface="Cambria Math" charset="0"/>
                           </a:rPr>
                         </m:ctrlPr>
                       </m:sSubPr>
@@ -9691,7 +9691,7 @@
                         <m:sSubPr>
                           <m:ctrlPr>
                             <a:rPr lang="en-US" altLang="en-US" i="1">
-                              <a:latin typeface="Cambria Math" panose="02040503050406030204" pitchFamily="18" charset="0"/>
+                              <a:latin typeface="Cambria Math" charset="0"/>
                             </a:rPr>
                           </m:ctrlPr>
                         </m:sSubPr>
@@ -9735,7 +9735,7 @@
                         <m:sSubPr>
                           <m:ctrlPr>
                             <a:rPr lang="en-US" altLang="en-US" i="1">
-                              <a:latin typeface="Cambria Math" panose="02040503050406030204" pitchFamily="18" charset="0"/>
+                              <a:latin typeface="Cambria Math" charset="0"/>
                             </a:rPr>
                           </m:ctrlPr>
                         </m:sSubPr>
@@ -9839,7 +9839,7 @@
           <p:cNvPr id="4" name="Footer Placeholder 3">
             <a:extLst>
               <a:ext uri="{FF2B5EF4-FFF2-40B4-BE49-F238E27FC236}">
-                <a16:creationId xmlns:a16="http://schemas.microsoft.com/office/drawing/2014/main" id="{A744C794-D14A-4C4F-AB6B-F5754FDC8048}"/>
+                <a16:creationId xmlns:a16="http://schemas.microsoft.com/office/drawing/2014/main" xmlns="" id="{A744C794-D14A-4C4F-AB6B-F5754FDC8048}"/>
               </a:ext>
             </a:extLst>
           </p:cNvPr>
@@ -9896,7 +9896,7 @@
           <p:cNvPr id="5" name="Slide Number Placeholder 4">
             <a:extLst>
               <a:ext uri="{FF2B5EF4-FFF2-40B4-BE49-F238E27FC236}">
-                <a16:creationId xmlns:a16="http://schemas.microsoft.com/office/drawing/2014/main" id="{F010A83B-80DD-4148-B633-CC1EA64BBC2F}"/>
+                <a16:creationId xmlns:a16="http://schemas.microsoft.com/office/drawing/2014/main" xmlns="" id="{F010A83B-80DD-4148-B633-CC1EA64BBC2F}"/>
               </a:ext>
             </a:extLst>
           </p:cNvPr>
@@ -10576,7 +10576,7 @@
               <p:cNvPr id="7" name="Content Placeholder 6">
                 <a:extLst>
                   <a:ext uri="{FF2B5EF4-FFF2-40B4-BE49-F238E27FC236}">
-                    <a16:creationId xmlns:a16="http://schemas.microsoft.com/office/drawing/2014/main" id="{A73C6DC9-E908-45A8-A4DC-4D5A9005AC6F}"/>
+                    <a16:creationId xmlns:a16="http://schemas.microsoft.com/office/drawing/2014/main" xmlns="" id="{A73C6DC9-E908-45A8-A4DC-4D5A9005AC6F}"/>
                   </a:ext>
                 </a:extLst>
               </p:cNvPr>
@@ -10737,7 +10737,7 @@
           <p:cNvPr id="2" name="Title 1">
             <a:extLst>
               <a:ext uri="{FF2B5EF4-FFF2-40B4-BE49-F238E27FC236}">
-                <a16:creationId xmlns:a16="http://schemas.microsoft.com/office/drawing/2014/main" id="{79DCF703-20AF-4958-B33E-F343978ACF91}"/>
+                <a16:creationId xmlns:a16="http://schemas.microsoft.com/office/drawing/2014/main" xmlns="" id="{79DCF703-20AF-4958-B33E-F343978ACF91}"/>
               </a:ext>
             </a:extLst>
           </p:cNvPr>
@@ -10767,7 +10767,7 @@
               <p:cNvPr id="3" name="Content Placeholder 2">
                 <a:extLst>
                   <a:ext uri="{FF2B5EF4-FFF2-40B4-BE49-F238E27FC236}">
-                    <a16:creationId xmlns:a16="http://schemas.microsoft.com/office/drawing/2014/main" id="{6D0CE62C-8863-4F49-A0FA-B90C4A09BB2E}"/>
+                    <a16:creationId xmlns:a16="http://schemas.microsoft.com/office/drawing/2014/main" xmlns="" id="{6D0CE62C-8863-4F49-A0FA-B90C4A09BB2E}"/>
                   </a:ext>
                 </a:extLst>
               </p:cNvPr>
@@ -10805,7 +10805,7 @@
                         <m:limLowPr>
                           <m:ctrlPr>
                             <a:rPr lang="en-US" b="0" i="1" smtClean="0">
-                              <a:latin typeface="Cambria Math" panose="02040503050406030204" pitchFamily="18" charset="0"/>
+                              <a:latin typeface="Cambria Math" charset="0"/>
                             </a:rPr>
                           </m:ctrlPr>
                         </m:limLowPr>
@@ -10839,7 +10839,7 @@
                         <m:dPr>
                           <m:ctrlPr>
                             <a:rPr lang="en-US" b="0" i="1" smtClean="0">
-                              <a:latin typeface="Cambria Math" panose="02040503050406030204" pitchFamily="18" charset="0"/>
+                              <a:latin typeface="Cambria Math" charset="0"/>
                             </a:rPr>
                           </m:ctrlPr>
                         </m:dPr>
@@ -10960,7 +10960,7 @@
                         <m:dPr>
                           <m:ctrlPr>
                             <a:rPr lang="en-US" b="0" i="1" smtClean="0">
-                              <a:latin typeface="Cambria Math" panose="02040503050406030204" pitchFamily="18" charset="0"/>
+                              <a:latin typeface="Cambria Math" charset="0"/>
                             </a:rPr>
                           </m:ctrlPr>
                         </m:dPr>
@@ -11117,7 +11117,7 @@
                         <m:sSupPr>
                           <m:ctrlPr>
                             <a:rPr lang="en-US" b="0" i="1" smtClean="0">
-                              <a:latin typeface="Cambria Math" panose="02040503050406030204" pitchFamily="18" charset="0"/>
+                              <a:latin typeface="Cambria Math" charset="0"/>
                             </a:rPr>
                           </m:ctrlPr>
                         </m:sSupPr>
@@ -11169,7 +11169,7 @@
                         <m:dPr>
                           <m:ctrlPr>
                             <a:rPr lang="en-US" b="0" i="1" smtClean="0">
-                              <a:latin typeface="Cambria Math" panose="02040503050406030204" pitchFamily="18" charset="0"/>
+                              <a:latin typeface="Cambria Math" charset="0"/>
                             </a:rPr>
                           </m:ctrlPr>
                         </m:dPr>
@@ -11200,7 +11200,7 @@
                           <m:supHide m:val="on"/>
                           <m:ctrlPr>
                             <a:rPr lang="en-US" b="0" i="1" smtClean="0">
-                              <a:latin typeface="Cambria Math" panose="02040503050406030204" pitchFamily="18" charset="0"/>
+                              <a:latin typeface="Cambria Math" charset="0"/>
                             </a:rPr>
                           </m:ctrlPr>
                         </m:naryPr>
@@ -11218,7 +11218,7 @@
                             <m:sSubPr>
                               <m:ctrlPr>
                                 <a:rPr lang="en-US" b="0" i="1" smtClean="0">
-                                  <a:latin typeface="Cambria Math" panose="02040503050406030204" pitchFamily="18" charset="0"/>
+                                  <a:latin typeface="Cambria Math" charset="0"/>
                                 </a:rPr>
                               </m:ctrlPr>
                             </m:sSubPr>
@@ -11249,7 +11249,7 @@
                             <m:sSubPr>
                               <m:ctrlPr>
                                 <a:rPr lang="en-US" b="0" i="1" smtClean="0">
-                                  <a:latin typeface="Cambria Math" panose="02040503050406030204" pitchFamily="18" charset="0"/>
+                                  <a:latin typeface="Cambria Math" charset="0"/>
                                 </a:rPr>
                               </m:ctrlPr>
                             </m:sSubPr>
@@ -11296,7 +11296,7 @@
                           <m:supHide m:val="on"/>
                           <m:ctrlPr>
                             <a:rPr lang="en-US" b="0" i="1" smtClean="0">
-                              <a:latin typeface="Cambria Math" panose="02040503050406030204" pitchFamily="18" charset="0"/>
+                              <a:latin typeface="Cambria Math" charset="0"/>
                             </a:rPr>
                           </m:ctrlPr>
                         </m:naryPr>
@@ -11314,7 +11314,7 @@
                             <m:sSubPr>
                               <m:ctrlPr>
                                 <a:rPr lang="en-US" b="0" i="1" smtClean="0">
-                                  <a:latin typeface="Cambria Math" panose="02040503050406030204" pitchFamily="18" charset="0"/>
+                                  <a:latin typeface="Cambria Math" charset="0"/>
                                 </a:rPr>
                               </m:ctrlPr>
                             </m:sSubPr>
@@ -11340,7 +11340,7 @@
                               <m:degHide m:val="on"/>
                               <m:ctrlPr>
                                 <a:rPr lang="en-US" b="0" i="1" smtClean="0">
-                                  <a:latin typeface="Cambria Math" panose="02040503050406030204" pitchFamily="18" charset="0"/>
+                                  <a:latin typeface="Cambria Math" charset="0"/>
                                 </a:rPr>
                               </m:ctrlPr>
                             </m:radPr>
@@ -11350,7 +11350,7 @@
                                 <m:sSubSupPr>
                                   <m:ctrlPr>
                                     <a:rPr lang="en-US" b="0" i="1" smtClean="0">
-                                      <a:latin typeface="Cambria Math" panose="02040503050406030204" pitchFamily="18" charset="0"/>
+                                      <a:latin typeface="Cambria Math" charset="0"/>
                                     </a:rPr>
                                   </m:ctrlPr>
                                 </m:sSubSupPr>
@@ -11389,7 +11389,7 @@
                                 <m:sSubSupPr>
                                   <m:ctrlPr>
                                     <a:rPr lang="en-US" i="1">
-                                      <a:latin typeface="Cambria Math" panose="02040503050406030204" pitchFamily="18" charset="0"/>
+                                      <a:latin typeface="Cambria Math" charset="0"/>
                                     </a:rPr>
                                   </m:ctrlPr>
                                 </m:sSubSupPr>
@@ -11448,7 +11448,7 @@
                             <m:sSubSupPr>
                               <m:ctrlPr>
                                 <a:rPr lang="en-US" b="0" i="1" smtClean="0">
-                                  <a:latin typeface="Cambria Math" panose="02040503050406030204" pitchFamily="18" charset="0"/>
+                                  <a:latin typeface="Cambria Math" charset="0"/>
                                 </a:rPr>
                               </m:ctrlPr>
                             </m:sSubSupPr>
@@ -11493,7 +11493,7 @@
                             <m:sSubSupPr>
                               <m:ctrlPr>
                                 <a:rPr lang="en-US" b="0" i="1" smtClean="0">
-                                  <a:latin typeface="Cambria Math" panose="02040503050406030204" pitchFamily="18" charset="0"/>
+                                  <a:latin typeface="Cambria Math" charset="0"/>
                                 </a:rPr>
                               </m:ctrlPr>
                             </m:sSubSupPr>
@@ -11666,7 +11666,7 @@
           <p:cNvPr id="4" name="Footer Placeholder 3">
             <a:extLst>
               <a:ext uri="{FF2B5EF4-FFF2-40B4-BE49-F238E27FC236}">
-                <a16:creationId xmlns:a16="http://schemas.microsoft.com/office/drawing/2014/main" id="{1F18B1F0-4748-4068-BA94-68CBCC62C648}"/>
+                <a16:creationId xmlns:a16="http://schemas.microsoft.com/office/drawing/2014/main" xmlns="" id="{1F18B1F0-4748-4068-BA94-68CBCC62C648}"/>
               </a:ext>
             </a:extLst>
           </p:cNvPr>
@@ -11723,7 +11723,7 @@
           <p:cNvPr id="5" name="Slide Number Placeholder 4">
             <a:extLst>
               <a:ext uri="{FF2B5EF4-FFF2-40B4-BE49-F238E27FC236}">
-                <a16:creationId xmlns:a16="http://schemas.microsoft.com/office/drawing/2014/main" id="{A39BFACB-D0EE-4249-B1AE-5CD08E88DBBB}"/>
+                <a16:creationId xmlns:a16="http://schemas.microsoft.com/office/drawing/2014/main" xmlns="" id="{A39BFACB-D0EE-4249-B1AE-5CD08E88DBBB}"/>
               </a:ext>
             </a:extLst>
           </p:cNvPr>
@@ -11753,7 +11753,7 @@
           <p:cNvPr id="6" name="Rectangle 5">
             <a:extLst>
               <a:ext uri="{FF2B5EF4-FFF2-40B4-BE49-F238E27FC236}">
-                <a16:creationId xmlns:a16="http://schemas.microsoft.com/office/drawing/2014/main" id="{64764CCA-1F94-4643-8696-38015A8294CF}"/>
+                <a16:creationId xmlns:a16="http://schemas.microsoft.com/office/drawing/2014/main" xmlns="" id="{64764CCA-1F94-4643-8696-38015A8294CF}"/>
               </a:ext>
             </a:extLst>
           </p:cNvPr>
@@ -11800,7 +11800,7 @@
           <p:cNvPr id="7" name="TextBox 6">
             <a:extLst>
               <a:ext uri="{FF2B5EF4-FFF2-40B4-BE49-F238E27FC236}">
-                <a16:creationId xmlns:a16="http://schemas.microsoft.com/office/drawing/2014/main" id="{B87C4414-32CE-48EE-8D41-5F0667A0BED6}"/>
+                <a16:creationId xmlns:a16="http://schemas.microsoft.com/office/drawing/2014/main" xmlns="" id="{B87C4414-32CE-48EE-8D41-5F0667A0BED6}"/>
               </a:ext>
             </a:extLst>
           </p:cNvPr>
@@ -11839,7 +11839,7 @@
           <p:cNvPr id="8" name="Rectangle 7">
             <a:extLst>
               <a:ext uri="{FF2B5EF4-FFF2-40B4-BE49-F238E27FC236}">
-                <a16:creationId xmlns:a16="http://schemas.microsoft.com/office/drawing/2014/main" id="{ED49BEB3-AB94-4944-AED1-ADBCB8B185F1}"/>
+                <a16:creationId xmlns:a16="http://schemas.microsoft.com/office/drawing/2014/main" xmlns="" id="{ED49BEB3-AB94-4944-AED1-ADBCB8B185F1}"/>
               </a:ext>
             </a:extLst>
           </p:cNvPr>
@@ -11886,7 +11886,7 @@
           <p:cNvPr id="9" name="TextBox 8">
             <a:extLst>
               <a:ext uri="{FF2B5EF4-FFF2-40B4-BE49-F238E27FC236}">
-                <a16:creationId xmlns:a16="http://schemas.microsoft.com/office/drawing/2014/main" id="{CD8EA2C0-923D-4F8F-938B-3185B131DE55}"/>
+                <a16:creationId xmlns:a16="http://schemas.microsoft.com/office/drawing/2014/main" xmlns="" id="{CD8EA2C0-923D-4F8F-938B-3185B131DE55}"/>
               </a:ext>
             </a:extLst>
           </p:cNvPr>
@@ -11925,7 +11925,7 @@
           <p:cNvPr id="10" name="Oval 9">
             <a:extLst>
               <a:ext uri="{FF2B5EF4-FFF2-40B4-BE49-F238E27FC236}">
-                <a16:creationId xmlns:a16="http://schemas.microsoft.com/office/drawing/2014/main" id="{79691CDE-3F86-4256-8C1E-9B075E05089F}"/>
+                <a16:creationId xmlns:a16="http://schemas.microsoft.com/office/drawing/2014/main" xmlns="" id="{79691CDE-3F86-4256-8C1E-9B075E05089F}"/>
               </a:ext>
             </a:extLst>
           </p:cNvPr>
@@ -11977,7 +11977,7 @@
           <p:cNvPr id="11" name="Oval 10">
             <a:extLst>
               <a:ext uri="{FF2B5EF4-FFF2-40B4-BE49-F238E27FC236}">
-                <a16:creationId xmlns:a16="http://schemas.microsoft.com/office/drawing/2014/main" id="{0EF577D3-557B-474C-B2B7-1F7AD8DDB4ED}"/>
+                <a16:creationId xmlns:a16="http://schemas.microsoft.com/office/drawing/2014/main" xmlns="" id="{0EF577D3-557B-474C-B2B7-1F7AD8DDB4ED}"/>
               </a:ext>
             </a:extLst>
           </p:cNvPr>
@@ -12029,7 +12029,7 @@
           <p:cNvPr id="12" name="TextBox 11">
             <a:extLst>
               <a:ext uri="{FF2B5EF4-FFF2-40B4-BE49-F238E27FC236}">
-                <a16:creationId xmlns:a16="http://schemas.microsoft.com/office/drawing/2014/main" id="{0F6488F4-3E4A-49E2-AA86-11BBFB3A70E6}"/>
+                <a16:creationId xmlns:a16="http://schemas.microsoft.com/office/drawing/2014/main" xmlns="" id="{0F6488F4-3E4A-49E2-AA86-11BBFB3A70E6}"/>
               </a:ext>
             </a:extLst>
           </p:cNvPr>
@@ -12574,7 +12574,7 @@
               <p:cNvPr id="3" name="TextBox 2">
                 <a:extLst>
                   <a:ext uri="{FF2B5EF4-FFF2-40B4-BE49-F238E27FC236}">
-                    <a16:creationId xmlns:a16="http://schemas.microsoft.com/office/drawing/2014/main" id="{DE36BEBA-512D-4F13-B097-9DA29F92D8A9}"/>
+                    <a16:creationId xmlns:a16="http://schemas.microsoft.com/office/drawing/2014/main" xmlns="" id="{DE36BEBA-512D-4F13-B097-9DA29F92D8A9}"/>
                   </a:ext>
                 </a:extLst>
               </p:cNvPr>
@@ -12688,7 +12688,7 @@
               <p:cNvPr id="10" name="TextBox 9">
                 <a:extLst>
                   <a:ext uri="{FF2B5EF4-FFF2-40B4-BE49-F238E27FC236}">
-                    <a16:creationId xmlns:a16="http://schemas.microsoft.com/office/drawing/2014/main" id="{DFB19A37-2B27-45C8-8757-A9EC693C1904}"/>
+                    <a16:creationId xmlns:a16="http://schemas.microsoft.com/office/drawing/2014/main" xmlns="" id="{DFB19A37-2B27-45C8-8757-A9EC693C1904}"/>
                   </a:ext>
                 </a:extLst>
               </p:cNvPr>
@@ -12800,7 +12800,7 @@
           <p:cNvPr id="7" name="Rectangle 6">
             <a:extLst>
               <a:ext uri="{FF2B5EF4-FFF2-40B4-BE49-F238E27FC236}">
-                <a16:creationId xmlns:a16="http://schemas.microsoft.com/office/drawing/2014/main" id="{C746CEDB-46C0-4343-B966-C84D0DAC3A34}"/>
+                <a16:creationId xmlns:a16="http://schemas.microsoft.com/office/drawing/2014/main" xmlns="" id="{C746CEDB-46C0-4343-B966-C84D0DAC3A34}"/>
               </a:ext>
             </a:extLst>
           </p:cNvPr>
@@ -12852,7 +12852,7 @@
           <p:cNvPr id="13" name="Rectangle 12">
             <a:extLst>
               <a:ext uri="{FF2B5EF4-FFF2-40B4-BE49-F238E27FC236}">
-                <a16:creationId xmlns:a16="http://schemas.microsoft.com/office/drawing/2014/main" id="{CF1FE3B8-89C0-4BC5-82A7-61C9CDE61A4F}"/>
+                <a16:creationId xmlns:a16="http://schemas.microsoft.com/office/drawing/2014/main" xmlns="" id="{CF1FE3B8-89C0-4BC5-82A7-61C9CDE61A4F}"/>
               </a:ext>
             </a:extLst>
           </p:cNvPr>
@@ -12904,7 +12904,7 @@
           <p:cNvPr id="14" name="Rectangle 13">
             <a:extLst>
               <a:ext uri="{FF2B5EF4-FFF2-40B4-BE49-F238E27FC236}">
-                <a16:creationId xmlns:a16="http://schemas.microsoft.com/office/drawing/2014/main" id="{EDF1C893-C24B-4453-8DD1-C2DD493E5AEE}"/>
+                <a16:creationId xmlns:a16="http://schemas.microsoft.com/office/drawing/2014/main" xmlns="" id="{EDF1C893-C24B-4453-8DD1-C2DD493E5AEE}"/>
               </a:ext>
             </a:extLst>
           </p:cNvPr>
@@ -12956,7 +12956,7 @@
           <p:cNvPr id="15" name="Rectangle 14">
             <a:extLst>
               <a:ext uri="{FF2B5EF4-FFF2-40B4-BE49-F238E27FC236}">
-                <a16:creationId xmlns:a16="http://schemas.microsoft.com/office/drawing/2014/main" id="{C36ACDF6-35EB-4B10-AD5E-4EFA08337D88}"/>
+                <a16:creationId xmlns:a16="http://schemas.microsoft.com/office/drawing/2014/main" xmlns="" id="{C36ACDF6-35EB-4B10-AD5E-4EFA08337D88}"/>
               </a:ext>
             </a:extLst>
           </p:cNvPr>
@@ -13010,7 +13010,7 @@
               <p:cNvPr id="8" name="TextBox 7">
                 <a:extLst>
                   <a:ext uri="{FF2B5EF4-FFF2-40B4-BE49-F238E27FC236}">
-                    <a16:creationId xmlns:a16="http://schemas.microsoft.com/office/drawing/2014/main" id="{DABA1900-B631-45EA-A1CC-AA027209DF26}"/>
+                    <a16:creationId xmlns:a16="http://schemas.microsoft.com/office/drawing/2014/main" xmlns="" id="{DABA1900-B631-45EA-A1CC-AA027209DF26}"/>
                   </a:ext>
                 </a:extLst>
               </p:cNvPr>
@@ -13050,7 +13050,7 @@
                         <m:dPr>
                           <m:ctrlPr>
                             <a:rPr lang="en-US" b="0" i="1" smtClean="0">
-                              <a:latin typeface="Cambria Math" panose="02040503050406030204" pitchFamily="18" charset="0"/>
+                              <a:latin typeface="Cambria Math" charset="0"/>
                             </a:rPr>
                           </m:ctrlPr>
                         </m:dPr>
@@ -13087,7 +13087,7 @@
                           <m:endChr m:val="|"/>
                           <m:ctrlPr>
                             <a:rPr lang="en-US" b="0" i="1" smtClean="0">
-                              <a:latin typeface="Cambria Math" panose="02040503050406030204" pitchFamily="18" charset="0"/>
+                              <a:latin typeface="Cambria Math" charset="0"/>
                             </a:rPr>
                           </m:ctrlPr>
                         </m:dPr>
@@ -13111,7 +13111,7 @@
                           <m:degHide m:val="on"/>
                           <m:ctrlPr>
                             <a:rPr lang="en-US" b="0" i="1" smtClean="0">
-                              <a:latin typeface="Cambria Math" panose="02040503050406030204" pitchFamily="18" charset="0"/>
+                              <a:latin typeface="Cambria Math" charset="0"/>
                             </a:rPr>
                           </m:ctrlPr>
                         </m:radPr>
@@ -13121,7 +13121,7 @@
                             <m:sSupPr>
                               <m:ctrlPr>
                                 <a:rPr lang="en-US" b="0" i="1" smtClean="0">
-                                  <a:latin typeface="Cambria Math" panose="02040503050406030204" pitchFamily="18" charset="0"/>
+                                  <a:latin typeface="Cambria Math" charset="0"/>
                                 </a:rPr>
                               </m:ctrlPr>
                             </m:sSupPr>
@@ -13152,7 +13152,7 @@
                             <m:sSupPr>
                               <m:ctrlPr>
                                 <a:rPr lang="en-US" i="1">
-                                  <a:latin typeface="Cambria Math" panose="02040503050406030204" pitchFamily="18" charset="0"/>
+                                  <a:latin typeface="Cambria Math" charset="0"/>
                                 </a:rPr>
                               </m:ctrlPr>
                             </m:sSupPr>
@@ -13233,7 +13233,7 @@
           <p:cNvPr id="19" name="Straight Arrow Connector 18">
             <a:extLst>
               <a:ext uri="{FF2B5EF4-FFF2-40B4-BE49-F238E27FC236}">
-                <a16:creationId xmlns:a16="http://schemas.microsoft.com/office/drawing/2014/main" id="{9B77BD76-ECB9-462D-8AD6-F96FC3911B42}"/>
+                <a16:creationId xmlns:a16="http://schemas.microsoft.com/office/drawing/2014/main" xmlns="" id="{9B77BD76-ECB9-462D-8AD6-F96FC3911B42}"/>
               </a:ext>
             </a:extLst>
           </p:cNvPr>
@@ -13276,7 +13276,7 @@
               <p:cNvPr id="21" name="TextBox 20">
                 <a:extLst>
                   <a:ext uri="{FF2B5EF4-FFF2-40B4-BE49-F238E27FC236}">
-                    <a16:creationId xmlns:a16="http://schemas.microsoft.com/office/drawing/2014/main" id="{D24DA0BD-548E-46C2-88A1-78C9EA0133DD}"/>
+                    <a16:creationId xmlns:a16="http://schemas.microsoft.com/office/drawing/2014/main" xmlns="" id="{D24DA0BD-548E-46C2-88A1-78C9EA0133DD}"/>
                   </a:ext>
                 </a:extLst>
               </p:cNvPr>
@@ -13398,7 +13398,7 @@
           <p:cNvPr id="25" name="Straight Arrow Connector 24">
             <a:extLst>
               <a:ext uri="{FF2B5EF4-FFF2-40B4-BE49-F238E27FC236}">
-                <a16:creationId xmlns:a16="http://schemas.microsoft.com/office/drawing/2014/main" id="{C949D0D1-57EE-4585-9DDE-C033C067204F}"/>
+                <a16:creationId xmlns:a16="http://schemas.microsoft.com/office/drawing/2014/main" xmlns="" id="{C949D0D1-57EE-4585-9DDE-C033C067204F}"/>
               </a:ext>
             </a:extLst>
           </p:cNvPr>
@@ -13439,7 +13439,7 @@
           <p:cNvPr id="27" name="Straight Arrow Connector 26">
             <a:extLst>
               <a:ext uri="{FF2B5EF4-FFF2-40B4-BE49-F238E27FC236}">
-                <a16:creationId xmlns:a16="http://schemas.microsoft.com/office/drawing/2014/main" id="{8C4DE4FC-0E6A-4AE5-A1FB-9160A70BA9EE}"/>
+                <a16:creationId xmlns:a16="http://schemas.microsoft.com/office/drawing/2014/main" xmlns="" id="{8C4DE4FC-0E6A-4AE5-A1FB-9160A70BA9EE}"/>
               </a:ext>
             </a:extLst>
           </p:cNvPr>
@@ -13508,7 +13508,7 @@
                         <m:limLowPr>
                           <m:ctrlPr>
                             <a:rPr lang="en-US" b="0" i="1" smtClean="0">
-                              <a:latin typeface="Cambria Math" panose="02040503050406030204" pitchFamily="18" charset="0"/>
+                              <a:latin typeface="Cambria Math" charset="0"/>
                             </a:rPr>
                           </m:ctrlPr>
                         </m:limLowPr>
@@ -13569,7 +13569,7 @@
                         <m:dPr>
                           <m:ctrlPr>
                             <a:rPr lang="en-US" b="0" i="1" smtClean="0">
-                              <a:latin typeface="Cambria Math" panose="02040503050406030204" pitchFamily="18" charset="0"/>
+                              <a:latin typeface="Cambria Math" charset="0"/>
                             </a:rPr>
                           </m:ctrlPr>
                         </m:dPr>
@@ -13688,7 +13688,7 @@
           <p:cNvPr id="16" name="Oval 15">
             <a:extLst>
               <a:ext uri="{FF2B5EF4-FFF2-40B4-BE49-F238E27FC236}">
-                <a16:creationId xmlns:a16="http://schemas.microsoft.com/office/drawing/2014/main" id="{BDBDC304-BF8C-4571-A813-34E2E071939A}"/>
+                <a16:creationId xmlns:a16="http://schemas.microsoft.com/office/drawing/2014/main" xmlns="" id="{BDBDC304-BF8C-4571-A813-34E2E071939A}"/>
               </a:ext>
             </a:extLst>
           </p:cNvPr>
@@ -13735,7 +13735,7 @@
           <p:cNvPr id="22" name="Oval 21">
             <a:extLst>
               <a:ext uri="{FF2B5EF4-FFF2-40B4-BE49-F238E27FC236}">
-                <a16:creationId xmlns:a16="http://schemas.microsoft.com/office/drawing/2014/main" id="{6E81FA2F-AA60-474A-BEAF-6B3B5796E70F}"/>
+                <a16:creationId xmlns:a16="http://schemas.microsoft.com/office/drawing/2014/main" xmlns="" id="{6E81FA2F-AA60-474A-BEAF-6B3B5796E70F}"/>
               </a:ext>
             </a:extLst>
           </p:cNvPr>
@@ -13782,7 +13782,7 @@
           <p:cNvPr id="23" name="Oval 22">
             <a:extLst>
               <a:ext uri="{FF2B5EF4-FFF2-40B4-BE49-F238E27FC236}">
-                <a16:creationId xmlns:a16="http://schemas.microsoft.com/office/drawing/2014/main" id="{E2AF8601-042F-499B-B4B8-214F9EA13D93}"/>
+                <a16:creationId xmlns:a16="http://schemas.microsoft.com/office/drawing/2014/main" xmlns="" id="{E2AF8601-042F-499B-B4B8-214F9EA13D93}"/>
               </a:ext>
             </a:extLst>
           </p:cNvPr>
@@ -13829,7 +13829,7 @@
           <p:cNvPr id="24" name="Oval 23">
             <a:extLst>
               <a:ext uri="{FF2B5EF4-FFF2-40B4-BE49-F238E27FC236}">
-                <a16:creationId xmlns:a16="http://schemas.microsoft.com/office/drawing/2014/main" id="{1C803775-322A-488C-ADE6-BE3032CCB174}"/>
+                <a16:creationId xmlns:a16="http://schemas.microsoft.com/office/drawing/2014/main" xmlns="" id="{1C803775-322A-488C-ADE6-BE3032CCB174}"/>
               </a:ext>
             </a:extLst>
           </p:cNvPr>
@@ -13876,7 +13876,7 @@
           <p:cNvPr id="26" name="Oval 25">
             <a:extLst>
               <a:ext uri="{FF2B5EF4-FFF2-40B4-BE49-F238E27FC236}">
-                <a16:creationId xmlns:a16="http://schemas.microsoft.com/office/drawing/2014/main" id="{E4BA88DF-1D96-4CB5-91BE-D6D18F8D2318}"/>
+                <a16:creationId xmlns:a16="http://schemas.microsoft.com/office/drawing/2014/main" xmlns="" id="{E4BA88DF-1D96-4CB5-91BE-D6D18F8D2318}"/>
               </a:ext>
             </a:extLst>
           </p:cNvPr>
@@ -13923,7 +13923,7 @@
           <p:cNvPr id="28" name="Oval 27">
             <a:extLst>
               <a:ext uri="{FF2B5EF4-FFF2-40B4-BE49-F238E27FC236}">
-                <a16:creationId xmlns:a16="http://schemas.microsoft.com/office/drawing/2014/main" id="{DFE4836F-0E78-4CAF-881B-E997926D32B1}"/>
+                <a16:creationId xmlns:a16="http://schemas.microsoft.com/office/drawing/2014/main" xmlns="" id="{DFE4836F-0E78-4CAF-881B-E997926D32B1}"/>
               </a:ext>
             </a:extLst>
           </p:cNvPr>
@@ -13972,7 +13972,7 @@
               <p:cNvPr id="29" name="TextBox 28">
                 <a:extLst>
                   <a:ext uri="{FF2B5EF4-FFF2-40B4-BE49-F238E27FC236}">
-                    <a16:creationId xmlns:a16="http://schemas.microsoft.com/office/drawing/2014/main" id="{7D95C71D-EA70-4BD3-A5F2-ABFCDBD3CC1D}"/>
+                    <a16:creationId xmlns:a16="http://schemas.microsoft.com/office/drawing/2014/main" xmlns="" id="{7D95C71D-EA70-4BD3-A5F2-ABFCDBD3CC1D}"/>
                   </a:ext>
                 </a:extLst>
               </p:cNvPr>
@@ -14084,7 +14084,7 @@
           <p:cNvPr id="18" name="Picture 17" descr="A picture containing object&#10;&#10;Description generated with high confidence">
             <a:extLst>
               <a:ext uri="{FF2B5EF4-FFF2-40B4-BE49-F238E27FC236}">
-                <a16:creationId xmlns:a16="http://schemas.microsoft.com/office/drawing/2014/main" id="{51723A5D-1E6B-4201-85F5-CFB1BA73AA3B}"/>
+                <a16:creationId xmlns:a16="http://schemas.microsoft.com/office/drawing/2014/main" xmlns="" id="{51723A5D-1E6B-4201-85F5-CFB1BA73AA3B}"/>
               </a:ext>
             </a:extLst>
           </p:cNvPr>
@@ -14487,7 +14487,7 @@
           <p:cNvPr id="2" name="Title 1">
             <a:extLst>
               <a:ext uri="{FF2B5EF4-FFF2-40B4-BE49-F238E27FC236}">
-                <a16:creationId xmlns:a16="http://schemas.microsoft.com/office/drawing/2014/main" id="{2CFCB053-9302-4433-A0EE-928F053E8F9E}"/>
+                <a16:creationId xmlns:a16="http://schemas.microsoft.com/office/drawing/2014/main" xmlns="" id="{2CFCB053-9302-4433-A0EE-928F053E8F9E}"/>
               </a:ext>
             </a:extLst>
           </p:cNvPr>
@@ -14517,7 +14517,7 @@
               <p:cNvPr id="3" name="Content Placeholder 2">
                 <a:extLst>
                   <a:ext uri="{FF2B5EF4-FFF2-40B4-BE49-F238E27FC236}">
-                    <a16:creationId xmlns:a16="http://schemas.microsoft.com/office/drawing/2014/main" id="{91C89943-CCF2-4951-9FEA-DA883C21955D}"/>
+                    <a16:creationId xmlns:a16="http://schemas.microsoft.com/office/drawing/2014/main" xmlns="" id="{91C89943-CCF2-4951-9FEA-DA883C21955D}"/>
                   </a:ext>
                 </a:extLst>
               </p:cNvPr>
@@ -14548,7 +14548,7 @@
                         <m:limLowPr>
                           <m:ctrlPr>
                             <a:rPr lang="en-US" b="0" i="1" smtClean="0">
-                              <a:latin typeface="Cambria Math" panose="02040503050406030204" pitchFamily="18" charset="0"/>
+                              <a:latin typeface="Cambria Math" charset="0"/>
                             </a:rPr>
                           </m:ctrlPr>
                         </m:limLowPr>
@@ -14672,7 +14672,7 @@
                         <m:sSupPr>
                           <m:ctrlPr>
                             <a:rPr lang="en-US" i="1">
-                              <a:latin typeface="Cambria Math" panose="02040503050406030204" pitchFamily="18" charset="0"/>
+                              <a:latin typeface="Cambria Math" charset="0"/>
                             </a:rPr>
                           </m:ctrlPr>
                         </m:sSupPr>
@@ -14728,7 +14728,7 @@
                           <m:supHide m:val="on"/>
                           <m:ctrlPr>
                             <a:rPr lang="en-US" i="1">
-                              <a:latin typeface="Cambria Math" panose="02040503050406030204" pitchFamily="18" charset="0"/>
+                              <a:latin typeface="Cambria Math" charset="0"/>
                             </a:rPr>
                           </m:ctrlPr>
                         </m:naryPr>
@@ -14746,7 +14746,7 @@
                             <m:sSubPr>
                               <m:ctrlPr>
                                 <a:rPr lang="en-US" i="1">
-                                  <a:latin typeface="Cambria Math" panose="02040503050406030204" pitchFamily="18" charset="0"/>
+                                  <a:latin typeface="Cambria Math" charset="0"/>
                                 </a:rPr>
                               </m:ctrlPr>
                             </m:sSubPr>
@@ -14777,7 +14777,7 @@
                             <m:sSubPr>
                               <m:ctrlPr>
                                 <a:rPr lang="en-US" i="1">
-                                  <a:latin typeface="Cambria Math" panose="02040503050406030204" pitchFamily="18" charset="0"/>
+                                  <a:latin typeface="Cambria Math" charset="0"/>
                                 </a:rPr>
                               </m:ctrlPr>
                             </m:sSubPr>
@@ -14824,7 +14824,7 @@
                           <m:supHide m:val="on"/>
                           <m:ctrlPr>
                             <a:rPr lang="en-US" i="1">
-                              <a:latin typeface="Cambria Math" panose="02040503050406030204" pitchFamily="18" charset="0"/>
+                              <a:latin typeface="Cambria Math" charset="0"/>
                             </a:rPr>
                           </m:ctrlPr>
                         </m:naryPr>
@@ -14842,7 +14842,7 @@
                             <m:sSubPr>
                               <m:ctrlPr>
                                 <a:rPr lang="en-US" i="1">
-                                  <a:latin typeface="Cambria Math" panose="02040503050406030204" pitchFamily="18" charset="0"/>
+                                  <a:latin typeface="Cambria Math" charset="0"/>
                                 </a:rPr>
                               </m:ctrlPr>
                             </m:sSubPr>
@@ -14868,7 +14868,7 @@
                               <m:degHide m:val="on"/>
                               <m:ctrlPr>
                                 <a:rPr lang="en-US" i="1">
-                                  <a:latin typeface="Cambria Math" panose="02040503050406030204" pitchFamily="18" charset="0"/>
+                                  <a:latin typeface="Cambria Math" charset="0"/>
                                 </a:rPr>
                               </m:ctrlPr>
                             </m:radPr>
@@ -14878,7 +14878,7 @@
                                 <m:sSubSupPr>
                                   <m:ctrlPr>
                                     <a:rPr lang="en-US" i="1">
-                                      <a:latin typeface="Cambria Math" panose="02040503050406030204" pitchFamily="18" charset="0"/>
+                                      <a:latin typeface="Cambria Math" charset="0"/>
                                     </a:rPr>
                                   </m:ctrlPr>
                                 </m:sSubSupPr>
@@ -14917,7 +14917,7 @@
                                 <m:sSubSupPr>
                                   <m:ctrlPr>
                                     <a:rPr lang="en-US" i="1">
-                                      <a:latin typeface="Cambria Math" panose="02040503050406030204" pitchFamily="18" charset="0"/>
+                                      <a:latin typeface="Cambria Math" charset="0"/>
                                     </a:rPr>
                                   </m:ctrlPr>
                                 </m:sSubSupPr>
@@ -14978,7 +14978,7 @@
                         <m:sSubSupPr>
                           <m:ctrlPr>
                             <a:rPr lang="en-US" i="1">
-                              <a:latin typeface="Cambria Math" panose="02040503050406030204" pitchFamily="18" charset="0"/>
+                              <a:latin typeface="Cambria Math" charset="0"/>
                             </a:rPr>
                           </m:ctrlPr>
                         </m:sSubSupPr>
@@ -15023,7 +15023,7 @@
                         <m:sSubSupPr>
                           <m:ctrlPr>
                             <a:rPr lang="en-US" i="1">
-                              <a:latin typeface="Cambria Math" panose="02040503050406030204" pitchFamily="18" charset="0"/>
+                              <a:latin typeface="Cambria Math" charset="0"/>
                             </a:rPr>
                           </m:ctrlPr>
                         </m:sSubSupPr>
@@ -15206,7 +15206,7 @@
           <p:cNvPr id="4" name="Footer Placeholder 3">
             <a:extLst>
               <a:ext uri="{FF2B5EF4-FFF2-40B4-BE49-F238E27FC236}">
-                <a16:creationId xmlns:a16="http://schemas.microsoft.com/office/drawing/2014/main" id="{C3DE3A06-EBAA-4965-8CF9-209DC7F747F4}"/>
+                <a16:creationId xmlns:a16="http://schemas.microsoft.com/office/drawing/2014/main" xmlns="" id="{C3DE3A06-EBAA-4965-8CF9-209DC7F747F4}"/>
               </a:ext>
             </a:extLst>
           </p:cNvPr>
@@ -15263,7 +15263,7 @@
           <p:cNvPr id="5" name="Slide Number Placeholder 4">
             <a:extLst>
               <a:ext uri="{FF2B5EF4-FFF2-40B4-BE49-F238E27FC236}">
-                <a16:creationId xmlns:a16="http://schemas.microsoft.com/office/drawing/2014/main" id="{79528500-A9D8-47D3-8FAC-D951DC78692E}"/>
+                <a16:creationId xmlns:a16="http://schemas.microsoft.com/office/drawing/2014/main" xmlns="" id="{79528500-A9D8-47D3-8FAC-D951DC78692E}"/>
               </a:ext>
             </a:extLst>
           </p:cNvPr>
@@ -15293,7 +15293,7 @@
           <p:cNvPr id="6" name="Rectangle 5">
             <a:extLst>
               <a:ext uri="{FF2B5EF4-FFF2-40B4-BE49-F238E27FC236}">
-                <a16:creationId xmlns:a16="http://schemas.microsoft.com/office/drawing/2014/main" id="{78E5842B-094D-4251-BF6D-9492E15A8993}"/>
+                <a16:creationId xmlns:a16="http://schemas.microsoft.com/office/drawing/2014/main" xmlns="" id="{78E5842B-094D-4251-BF6D-9492E15A8993}"/>
               </a:ext>
             </a:extLst>
           </p:cNvPr>
@@ -15918,7 +15918,7 @@
           <p:cNvPr id="3" name="TextBox 2">
             <a:extLst>
               <a:ext uri="{FF2B5EF4-FFF2-40B4-BE49-F238E27FC236}">
-                <a16:creationId xmlns:a16="http://schemas.microsoft.com/office/drawing/2014/main" id="{8D1DBAA3-DFB4-4B72-933E-70C9E117546A}"/>
+                <a16:creationId xmlns:a16="http://schemas.microsoft.com/office/drawing/2014/main" xmlns="" id="{8D1DBAA3-DFB4-4B72-933E-70C9E117546A}"/>
               </a:ext>
             </a:extLst>
           </p:cNvPr>
@@ -15953,7 +15953,7 @@
           <p:cNvPr id="6" name="Arrow: Right 5">
             <a:extLst>
               <a:ext uri="{FF2B5EF4-FFF2-40B4-BE49-F238E27FC236}">
-                <a16:creationId xmlns:a16="http://schemas.microsoft.com/office/drawing/2014/main" id="{94A07FE0-D906-4F8B-BA56-443C9FB13696}"/>
+                <a16:creationId xmlns:a16="http://schemas.microsoft.com/office/drawing/2014/main" xmlns="" id="{94A07FE0-D906-4F8B-BA56-443C9FB13696}"/>
               </a:ext>
             </a:extLst>
           </p:cNvPr>
@@ -15994,14 +15994,14 @@
           </a:p>
         </p:txBody>
       </p:sp>
-      <mc:AlternateContent xmlns:mc="http://schemas.openxmlformats.org/markup-compatibility/2006" xmlns:a14="http://schemas.microsoft.com/office/drawing/2010/main">
-        <mc:Choice Requires="a14">
+      <mc:AlternateContent xmlns:mc="http://schemas.openxmlformats.org/markup-compatibility/2006">
+        <mc:Choice xmlns:a14="http://schemas.microsoft.com/office/drawing/2010/main" Requires="a14">
           <p:sp>
             <p:nvSpPr>
               <p:cNvPr id="8" name="Content Placeholder 7">
                 <a:extLst>
                   <a:ext uri="{FF2B5EF4-FFF2-40B4-BE49-F238E27FC236}">
-                    <a16:creationId xmlns:a16="http://schemas.microsoft.com/office/drawing/2014/main" id="{0A6E8DC9-E40C-4CD5-9856-9CF482BA5FD5}"/>
+                    <a16:creationId xmlns:a16="http://schemas.microsoft.com/office/drawing/2014/main" xmlns="" id="{0A6E8DC9-E40C-4CD5-9856-9CF482BA5FD5}"/>
                   </a:ext>
                 </a:extLst>
               </p:cNvPr>
@@ -16020,7 +16020,7 @@
             </p:spPr>
             <p:txBody>
               <a:bodyPr>
-                <a:normAutofit fontScale="92500"/>
+                <a:normAutofit fontScale="92500" lnSpcReduction="10000"/>
               </a:bodyPr>
               <a:lstStyle/>
               <a:p>
@@ -16037,7 +16037,7 @@
                         <m:limLowPr>
                           <m:ctrlPr>
                             <a:rPr lang="en-US" i="1" smtClean="0">
-                              <a:latin typeface="Cambria Math" panose="02040503050406030204" pitchFamily="18" charset="0"/>
+                              <a:latin typeface="Cambria Math" charset="0"/>
                             </a:rPr>
                           </m:ctrlPr>
                         </m:limLowPr>
@@ -16161,7 +16161,7 @@
                         <m:sSupPr>
                           <m:ctrlPr>
                             <a:rPr lang="en-US" i="1">
-                              <a:latin typeface="Cambria Math" panose="02040503050406030204" pitchFamily="18" charset="0"/>
+                              <a:latin typeface="Cambria Math" charset="0"/>
                             </a:rPr>
                           </m:ctrlPr>
                         </m:sSupPr>
@@ -16217,7 +16217,7 @@
                           <m:supHide m:val="on"/>
                           <m:ctrlPr>
                             <a:rPr lang="en-US" i="1">
-                              <a:latin typeface="Cambria Math" panose="02040503050406030204" pitchFamily="18" charset="0"/>
+                              <a:latin typeface="Cambria Math" charset="0"/>
                             </a:rPr>
                           </m:ctrlPr>
                         </m:naryPr>
@@ -16235,7 +16235,7 @@
                             <m:sSubPr>
                               <m:ctrlPr>
                                 <a:rPr lang="en-US" i="1">
-                                  <a:latin typeface="Cambria Math" panose="02040503050406030204" pitchFamily="18" charset="0"/>
+                                  <a:latin typeface="Cambria Math" charset="0"/>
                                 </a:rPr>
                               </m:ctrlPr>
                             </m:sSubPr>
@@ -16266,7 +16266,7 @@
                             <m:sSubPr>
                               <m:ctrlPr>
                                 <a:rPr lang="en-US" i="1">
-                                  <a:latin typeface="Cambria Math" panose="02040503050406030204" pitchFamily="18" charset="0"/>
+                                  <a:latin typeface="Cambria Math" charset="0"/>
                                 </a:rPr>
                               </m:ctrlPr>
                             </m:sSubPr>
@@ -16313,7 +16313,7 @@
                           <m:supHide m:val="on"/>
                           <m:ctrlPr>
                             <a:rPr lang="en-US" i="1">
-                              <a:latin typeface="Cambria Math" panose="02040503050406030204" pitchFamily="18" charset="0"/>
+                              <a:latin typeface="Cambria Math" charset="0"/>
                             </a:rPr>
                           </m:ctrlPr>
                         </m:naryPr>
@@ -16331,7 +16331,7 @@
                             <m:sSubPr>
                               <m:ctrlPr>
                                 <a:rPr lang="en-US" i="1">
-                                  <a:latin typeface="Cambria Math" panose="02040503050406030204" pitchFamily="18" charset="0"/>
+                                  <a:latin typeface="Cambria Math" charset="0"/>
                                 </a:rPr>
                               </m:ctrlPr>
                             </m:sSubPr>
@@ -16357,7 +16357,7 @@
                               <m:degHide m:val="on"/>
                               <m:ctrlPr>
                                 <a:rPr lang="en-US" i="1">
-                                  <a:latin typeface="Cambria Math" panose="02040503050406030204" pitchFamily="18" charset="0"/>
+                                  <a:latin typeface="Cambria Math" charset="0"/>
                                 </a:rPr>
                               </m:ctrlPr>
                             </m:radPr>
@@ -16367,7 +16367,7 @@
                                 <m:sSubSupPr>
                                   <m:ctrlPr>
                                     <a:rPr lang="en-US" i="1">
-                                      <a:latin typeface="Cambria Math" panose="02040503050406030204" pitchFamily="18" charset="0"/>
+                                      <a:latin typeface="Cambria Math" charset="0"/>
                                     </a:rPr>
                                   </m:ctrlPr>
                                 </m:sSubSupPr>
@@ -16406,7 +16406,7 @@
                                 <m:sSubSupPr>
                                   <m:ctrlPr>
                                     <a:rPr lang="en-US" i="1">
-                                      <a:latin typeface="Cambria Math" panose="02040503050406030204" pitchFamily="18" charset="0"/>
+                                      <a:latin typeface="Cambria Math" charset="0"/>
                                     </a:rPr>
                                   </m:ctrlPr>
                                 </m:sSubSupPr>
@@ -16467,7 +16467,7 @@
                         <m:sSubSupPr>
                           <m:ctrlPr>
                             <a:rPr lang="en-US" b="0" i="1" smtClean="0">
-                              <a:latin typeface="Cambria Math" panose="02040503050406030204" pitchFamily="18" charset="0"/>
+                              <a:latin typeface="Cambria Math" charset="0"/>
                             </a:rPr>
                           </m:ctrlPr>
                         </m:sSubSupPr>
@@ -16512,7 +16512,7 @@
                         <m:sSubSupPr>
                           <m:ctrlPr>
                             <a:rPr lang="en-US" b="0" i="1" smtClean="0">
-                              <a:latin typeface="Cambria Math" panose="02040503050406030204" pitchFamily="18" charset="0"/>
+                              <a:latin typeface="Cambria Math" charset="0"/>
                             </a:rPr>
                           </m:ctrlPr>
                         </m:sSubSupPr>
@@ -16566,7 +16566,7 @@
                       <m:sSupPr>
                         <m:ctrlPr>
                           <a:rPr lang="en-US" b="0" i="1" smtClean="0">
-                            <a:latin typeface="Cambria Math" panose="02040503050406030204" pitchFamily="18" charset="0"/>
+                            <a:latin typeface="Cambria Math" charset="0"/>
                           </a:rPr>
                         </m:ctrlPr>
                       </m:sSupPr>
@@ -16611,7 +16611,7 @@
                         <m:endChr m:val="]"/>
                         <m:ctrlPr>
                           <a:rPr lang="en-US" b="0" i="1" smtClean="0">
-                            <a:latin typeface="Cambria Math" panose="02040503050406030204" pitchFamily="18" charset="0"/>
+                            <a:latin typeface="Cambria Math" charset="0"/>
                           </a:rPr>
                         </m:ctrlPr>
                       </m:dPr>
@@ -16620,7 +16620,7 @@
                           <m:sSubPr>
                             <m:ctrlPr>
                               <a:rPr lang="en-US" b="0" i="1" smtClean="0">
-                                <a:latin typeface="Cambria Math" panose="02040503050406030204" pitchFamily="18" charset="0"/>
+                                <a:latin typeface="Cambria Math" charset="0"/>
                               </a:rPr>
                             </m:ctrlPr>
                           </m:sSubPr>
@@ -16663,7 +16663,7 @@
                           <m:sSubPr>
                             <m:ctrlPr>
                               <a:rPr lang="en-US" b="0" i="1" smtClean="0">
-                                <a:latin typeface="Cambria Math" panose="02040503050406030204" pitchFamily="18" charset="0"/>
+                                <a:latin typeface="Cambria Math" charset="0"/>
                               </a:rPr>
                             </m:ctrlPr>
                           </m:sSubPr>
@@ -16739,7 +16739,7 @@
                         <m:sSubPr>
                           <m:ctrlPr>
                             <a:rPr lang="en-US" b="0" i="1" smtClean="0">
-                              <a:latin typeface="Cambria Math" panose="02040503050406030204" pitchFamily="18" charset="0"/>
+                              <a:latin typeface="Cambria Math" charset="0"/>
                             </a:rPr>
                           </m:ctrlPr>
                         </m:sSubPr>
@@ -16766,28 +16766,36 @@
                         </a:rPr>
                         <m:t>=∥</m:t>
                       </m:r>
-                      <m:sSup>
-                        <m:sSupPr>
+                      <m:sSubSup>
+                        <m:sSubSupPr>
                           <m:ctrlPr>
                             <a:rPr lang="en-US" b="0" i="1" smtClean="0">
-                              <a:latin typeface="Cambria Math" panose="02040503050406030204" pitchFamily="18" charset="0"/>
+                              <a:latin typeface="Cambria Math" charset="0"/>
                             </a:rPr>
                           </m:ctrlPr>
-                        </m:sSupPr>
+                        </m:sSubSupPr>
                         <m:e>
                           <m:r>
                             <a:rPr lang="en-US" b="0" i="1" smtClean="0">
-                              <a:latin typeface="Cambria Math" panose="02040503050406030204" pitchFamily="18" charset="0"/>
+                              <a:latin typeface="Cambria Math" charset="0"/>
                             </a:rPr>
-                            <m:t>𝑋</m:t>
+                            <m:t>𝐺</m:t>
                           </m:r>
                         </m:e>
+                        <m:sub>
+                          <m:r>
+                            <a:rPr lang="en-US" b="0" i="1" smtClean="0">
+                              <a:latin typeface="Cambria Math" charset="0"/>
+                            </a:rPr>
+                            <m:t>𝑗</m:t>
+                          </m:r>
+                        </m:sub>
                         <m:sup>
                           <m:d>
                             <m:dPr>
                               <m:ctrlPr>
                                 <a:rPr lang="en-US" b="0" i="1" smtClean="0">
-                                  <a:latin typeface="Cambria Math" panose="02040503050406030204" pitchFamily="18" charset="0"/>
+                                  <a:latin typeface="Cambria Math" charset="0"/>
                                 </a:rPr>
                               </m:ctrlPr>
                             </m:dPr>
@@ -16801,12 +16809,12 @@
                             </m:e>
                           </m:d>
                         </m:sup>
-                      </m:sSup>
+                      </m:sSubSup>
                       <m:sSub>
                         <m:sSubPr>
                           <m:ctrlPr>
                             <a:rPr lang="en-US" b="0" i="1" smtClean="0">
-                              <a:latin typeface="Cambria Math" panose="02040503050406030204" pitchFamily="18" charset="0"/>
+                              <a:latin typeface="Cambria Math" charset="0"/>
                             </a:rPr>
                           </m:ctrlPr>
                         </m:sSubPr>
@@ -16846,7 +16854,7 @@
                         <m:sSubPr>
                           <m:ctrlPr>
                             <a:rPr lang="en-US" b="0" i="1" smtClean="0">
-                              <a:latin typeface="Cambria Math" panose="02040503050406030204" pitchFamily="18" charset="0"/>
+                              <a:latin typeface="Cambria Math" charset="0"/>
                             </a:rPr>
                           </m:ctrlPr>
                         </m:sSubPr>
@@ -16878,7 +16886,7 @@
                           <m:degHide m:val="on"/>
                           <m:ctrlPr>
                             <a:rPr lang="en-US" b="0" i="1" smtClean="0">
-                              <a:latin typeface="Cambria Math" panose="02040503050406030204" pitchFamily="18" charset="0"/>
+                              <a:latin typeface="Cambria Math" charset="0"/>
                             </a:rPr>
                           </m:ctrlPr>
                         </m:radPr>
@@ -16894,7 +16902,7 @@
                             <m:sSubPr>
                               <m:ctrlPr>
                                 <a:rPr lang="en-US" b="0" i="1" smtClean="0">
-                                  <a:latin typeface="Cambria Math" panose="02040503050406030204" pitchFamily="18" charset="0"/>
+                                  <a:latin typeface="Cambria Math" charset="0"/>
                                 </a:rPr>
                               </m:ctrlPr>
                             </m:sSubPr>
@@ -16919,7 +16927,7 @@
                             <m:sSubSupPr>
                               <m:ctrlPr>
                                 <a:rPr lang="en-US" b="0" i="1" smtClean="0">
-                                  <a:latin typeface="Cambria Math" panose="02040503050406030204" pitchFamily="18" charset="0"/>
+                                  <a:latin typeface="Cambria Math" charset="0"/>
                                 </a:rPr>
                               </m:ctrlPr>
                             </m:sSubSupPr>
@@ -16958,7 +16966,7 @@
                             <m:dPr>
                               <m:ctrlPr>
                                 <a:rPr lang="en-US" b="0" i="1" smtClean="0">
-                                  <a:latin typeface="Cambria Math" panose="02040503050406030204" pitchFamily="18" charset="0"/>
+                                  <a:latin typeface="Cambria Math" charset="0"/>
                                 </a:rPr>
                               </m:ctrlPr>
                             </m:dPr>
@@ -16974,7 +16982,7 @@
                                   <m:degHide m:val="on"/>
                                   <m:ctrlPr>
                                     <a:rPr lang="en-US" b="0" i="1" smtClean="0">
-                                      <a:latin typeface="Cambria Math" panose="02040503050406030204" pitchFamily="18" charset="0"/>
+                                      <a:latin typeface="Cambria Math" charset="0"/>
                                     </a:rPr>
                                   </m:ctrlPr>
                                 </m:radPr>
@@ -16984,7 +16992,7 @@
                                     <m:fPr>
                                       <m:ctrlPr>
                                         <a:rPr lang="en-US" b="0" i="1" smtClean="0">
-                                          <a:latin typeface="Cambria Math" panose="02040503050406030204" pitchFamily="18" charset="0"/>
+                                          <a:latin typeface="Cambria Math" charset="0"/>
                                         </a:rPr>
                                       </m:ctrlPr>
                                     </m:fPr>
@@ -17031,7 +17039,7 @@
                             <m:sSubPr>
                               <m:ctrlPr>
                                 <a:rPr lang="en-US" b="0" i="1" smtClean="0">
-                                  <a:latin typeface="Cambria Math" panose="02040503050406030204" pitchFamily="18" charset="0"/>
+                                  <a:latin typeface="Cambria Math" charset="0"/>
                                 </a:rPr>
                               </m:ctrlPr>
                             </m:sSubPr>
@@ -17056,7 +17064,7 @@
                             <m:sSubSupPr>
                               <m:ctrlPr>
                                 <a:rPr lang="en-US" b="0" i="1" smtClean="0">
-                                  <a:latin typeface="Cambria Math" panose="02040503050406030204" pitchFamily="18" charset="0"/>
+                                  <a:latin typeface="Cambria Math" charset="0"/>
                                 </a:rPr>
                               </m:ctrlPr>
                             </m:sSubSupPr>
@@ -17101,7 +17109,7 @@
             </p:txBody>
           </p:sp>
         </mc:Choice>
-        <mc:Fallback xmlns="">
+        <mc:Fallback>
           <p:sp>
             <p:nvSpPr>
               <p:cNvPr id="8" name="Content Placeholder 7">
@@ -18833,7 +18841,7 @@
           <p:cNvPr id="2" name="Title 1">
             <a:extLst>
               <a:ext uri="{FF2B5EF4-FFF2-40B4-BE49-F238E27FC236}">
-                <a16:creationId xmlns:a16="http://schemas.microsoft.com/office/drawing/2014/main" id="{17A8BB3D-2D35-4F66-AFB4-2A9AE7681862}"/>
+                <a16:creationId xmlns:a16="http://schemas.microsoft.com/office/drawing/2014/main" xmlns="" id="{17A8BB3D-2D35-4F66-AFB4-2A9AE7681862}"/>
               </a:ext>
             </a:extLst>
           </p:cNvPr>
@@ -18867,7 +18875,7 @@
           <p:cNvPr id="3" name="Footer Placeholder 2">
             <a:extLst>
               <a:ext uri="{FF2B5EF4-FFF2-40B4-BE49-F238E27FC236}">
-                <a16:creationId xmlns:a16="http://schemas.microsoft.com/office/drawing/2014/main" id="{11862E8A-91FD-4C41-A192-DB3D27D88824}"/>
+                <a16:creationId xmlns:a16="http://schemas.microsoft.com/office/drawing/2014/main" xmlns="" id="{11862E8A-91FD-4C41-A192-DB3D27D88824}"/>
               </a:ext>
             </a:extLst>
           </p:cNvPr>
@@ -18924,7 +18932,7 @@
           <p:cNvPr id="4" name="Slide Number Placeholder 3">
             <a:extLst>
               <a:ext uri="{FF2B5EF4-FFF2-40B4-BE49-F238E27FC236}">
-                <a16:creationId xmlns:a16="http://schemas.microsoft.com/office/drawing/2014/main" id="{9DA5ED20-07EE-4130-97A2-FC2FBDDF57B9}"/>
+                <a16:creationId xmlns:a16="http://schemas.microsoft.com/office/drawing/2014/main" xmlns="" id="{9DA5ED20-07EE-4130-97A2-FC2FBDDF57B9}"/>
               </a:ext>
             </a:extLst>
           </p:cNvPr>
@@ -18984,7 +18992,7 @@
           <p:cNvPr id="2" name="Title 1">
             <a:extLst>
               <a:ext uri="{FF2B5EF4-FFF2-40B4-BE49-F238E27FC236}">
-                <a16:creationId xmlns:a16="http://schemas.microsoft.com/office/drawing/2014/main" id="{C7D675AA-6913-48BC-85A2-5C1947B70467}"/>
+                <a16:creationId xmlns:a16="http://schemas.microsoft.com/office/drawing/2014/main" xmlns="" id="{C7D675AA-6913-48BC-85A2-5C1947B70467}"/>
               </a:ext>
             </a:extLst>
           </p:cNvPr>
@@ -19012,7 +19020,7 @@
           <p:cNvPr id="3" name="Content Placeholder 2">
             <a:extLst>
               <a:ext uri="{FF2B5EF4-FFF2-40B4-BE49-F238E27FC236}">
-                <a16:creationId xmlns:a16="http://schemas.microsoft.com/office/drawing/2014/main" id="{F79FB236-54CE-4723-A388-7B2C26E5DA92}"/>
+                <a16:creationId xmlns:a16="http://schemas.microsoft.com/office/drawing/2014/main" xmlns="" id="{F79FB236-54CE-4723-A388-7B2C26E5DA92}"/>
               </a:ext>
             </a:extLst>
           </p:cNvPr>
@@ -19121,7 +19129,7 @@
           <p:cNvPr id="4" name="Footer Placeholder 3">
             <a:extLst>
               <a:ext uri="{FF2B5EF4-FFF2-40B4-BE49-F238E27FC236}">
-                <a16:creationId xmlns:a16="http://schemas.microsoft.com/office/drawing/2014/main" id="{BDDDA0BE-FB94-44D9-8026-4299635DFDB4}"/>
+                <a16:creationId xmlns:a16="http://schemas.microsoft.com/office/drawing/2014/main" xmlns="" id="{BDDDA0BE-FB94-44D9-8026-4299635DFDB4}"/>
               </a:ext>
             </a:extLst>
           </p:cNvPr>
@@ -19178,7 +19186,7 @@
           <p:cNvPr id="5" name="Slide Number Placeholder 4">
             <a:extLst>
               <a:ext uri="{FF2B5EF4-FFF2-40B4-BE49-F238E27FC236}">
-                <a16:creationId xmlns:a16="http://schemas.microsoft.com/office/drawing/2014/main" id="{89272EAA-7658-4CAB-B263-CD4B022CF97A}"/>
+                <a16:creationId xmlns:a16="http://schemas.microsoft.com/office/drawing/2014/main" xmlns="" id="{89272EAA-7658-4CAB-B263-CD4B022CF97A}"/>
               </a:ext>
             </a:extLst>
           </p:cNvPr>
@@ -19698,7 +19706,7 @@
           <p:cNvPr id="2" name="Title 1">
             <a:extLst>
               <a:ext uri="{FF2B5EF4-FFF2-40B4-BE49-F238E27FC236}">
-                <a16:creationId xmlns:a16="http://schemas.microsoft.com/office/drawing/2014/main" id="{11087D96-4F48-402C-9A22-A3A89A572F75}"/>
+                <a16:creationId xmlns:a16="http://schemas.microsoft.com/office/drawing/2014/main" xmlns="" id="{11087D96-4F48-402C-9A22-A3A89A572F75}"/>
               </a:ext>
             </a:extLst>
           </p:cNvPr>
@@ -19726,7 +19734,7 @@
           <p:cNvPr id="3" name="Content Placeholder 2">
             <a:extLst>
               <a:ext uri="{FF2B5EF4-FFF2-40B4-BE49-F238E27FC236}">
-                <a16:creationId xmlns:a16="http://schemas.microsoft.com/office/drawing/2014/main" id="{F03F415E-2814-47D8-8986-8A3A951F9052}"/>
+                <a16:creationId xmlns:a16="http://schemas.microsoft.com/office/drawing/2014/main" xmlns="" id="{F03F415E-2814-47D8-8986-8A3A951F9052}"/>
               </a:ext>
             </a:extLst>
           </p:cNvPr>
@@ -19768,7 +19776,7 @@
           <p:cNvPr id="4" name="Footer Placeholder 3">
             <a:extLst>
               <a:ext uri="{FF2B5EF4-FFF2-40B4-BE49-F238E27FC236}">
-                <a16:creationId xmlns:a16="http://schemas.microsoft.com/office/drawing/2014/main" id="{8624D5AE-8946-4C90-850A-598E06BFD2C8}"/>
+                <a16:creationId xmlns:a16="http://schemas.microsoft.com/office/drawing/2014/main" xmlns="" id="{8624D5AE-8946-4C90-850A-598E06BFD2C8}"/>
               </a:ext>
             </a:extLst>
           </p:cNvPr>
@@ -19825,7 +19833,7 @@
           <p:cNvPr id="5" name="Slide Number Placeholder 4">
             <a:extLst>
               <a:ext uri="{FF2B5EF4-FFF2-40B4-BE49-F238E27FC236}">
-                <a16:creationId xmlns:a16="http://schemas.microsoft.com/office/drawing/2014/main" id="{C338FA2D-196C-4DEF-97C9-AFD64AE6FD17}"/>
+                <a16:creationId xmlns:a16="http://schemas.microsoft.com/office/drawing/2014/main" xmlns="" id="{C338FA2D-196C-4DEF-97C9-AFD64AE6FD17}"/>
               </a:ext>
             </a:extLst>
           </p:cNvPr>
@@ -19855,7 +19863,7 @@
           <p:cNvPr id="6" name="Rectangle 5">
             <a:extLst>
               <a:ext uri="{FF2B5EF4-FFF2-40B4-BE49-F238E27FC236}">
-                <a16:creationId xmlns:a16="http://schemas.microsoft.com/office/drawing/2014/main" id="{A9CE8327-D90B-419B-AEA4-71B82617F441}"/>
+                <a16:creationId xmlns:a16="http://schemas.microsoft.com/office/drawing/2014/main" xmlns="" id="{A9CE8327-D90B-419B-AEA4-71B82617F441}"/>
               </a:ext>
             </a:extLst>
           </p:cNvPr>
@@ -19904,7 +19912,7 @@
           <p:cNvPr id="7" name="Rectangle 6">
             <a:extLst>
               <a:ext uri="{FF2B5EF4-FFF2-40B4-BE49-F238E27FC236}">
-                <a16:creationId xmlns:a16="http://schemas.microsoft.com/office/drawing/2014/main" id="{1FD7498B-D752-4299-93F1-89F70E6DC4C9}"/>
+                <a16:creationId xmlns:a16="http://schemas.microsoft.com/office/drawing/2014/main" xmlns="" id="{1FD7498B-D752-4299-93F1-89F70E6DC4C9}"/>
               </a:ext>
             </a:extLst>
           </p:cNvPr>
@@ -19958,7 +19966,7 @@
           <p:cNvPr id="8" name="Rectangle 7">
             <a:extLst>
               <a:ext uri="{FF2B5EF4-FFF2-40B4-BE49-F238E27FC236}">
-                <a16:creationId xmlns:a16="http://schemas.microsoft.com/office/drawing/2014/main" id="{E943E299-3DD3-4BDC-872E-A723F2FEC289}"/>
+                <a16:creationId xmlns:a16="http://schemas.microsoft.com/office/drawing/2014/main" xmlns="" id="{E943E299-3DD3-4BDC-872E-A723F2FEC289}"/>
               </a:ext>
             </a:extLst>
           </p:cNvPr>
@@ -20007,7 +20015,7 @@
           <p:cNvPr id="9" name="Rectangle 8">
             <a:extLst>
               <a:ext uri="{FF2B5EF4-FFF2-40B4-BE49-F238E27FC236}">
-                <a16:creationId xmlns:a16="http://schemas.microsoft.com/office/drawing/2014/main" id="{7EC04703-0934-4088-8C30-08DC833DCA54}"/>
+                <a16:creationId xmlns:a16="http://schemas.microsoft.com/office/drawing/2014/main" xmlns="" id="{7EC04703-0934-4088-8C30-08DC833DCA54}"/>
               </a:ext>
             </a:extLst>
           </p:cNvPr>
@@ -20061,7 +20069,7 @@
           <p:cNvPr id="10" name="TextBox 9">
             <a:extLst>
               <a:ext uri="{FF2B5EF4-FFF2-40B4-BE49-F238E27FC236}">
-                <a16:creationId xmlns:a16="http://schemas.microsoft.com/office/drawing/2014/main" id="{F2C16A90-5E97-4B18-984B-B7C50B1073AA}"/>
+                <a16:creationId xmlns:a16="http://schemas.microsoft.com/office/drawing/2014/main" xmlns="" id="{F2C16A90-5E97-4B18-984B-B7C50B1073AA}"/>
               </a:ext>
             </a:extLst>
           </p:cNvPr>
@@ -20100,7 +20108,7 @@
           <p:cNvPr id="12" name="TextBox 11">
             <a:extLst>
               <a:ext uri="{FF2B5EF4-FFF2-40B4-BE49-F238E27FC236}">
-                <a16:creationId xmlns:a16="http://schemas.microsoft.com/office/drawing/2014/main" id="{EE2234DA-6987-4ED4-BA76-BA3ABA99CCB9}"/>
+                <a16:creationId xmlns:a16="http://schemas.microsoft.com/office/drawing/2014/main" xmlns="" id="{EE2234DA-6987-4ED4-BA76-BA3ABA99CCB9}"/>
               </a:ext>
             </a:extLst>
           </p:cNvPr>
@@ -20139,7 +20147,7 @@
           <p:cNvPr id="14" name="TextBox 13">
             <a:extLst>
               <a:ext uri="{FF2B5EF4-FFF2-40B4-BE49-F238E27FC236}">
-                <a16:creationId xmlns:a16="http://schemas.microsoft.com/office/drawing/2014/main" id="{6BD26A27-FC2B-4AAD-9133-6B217D6FB28F}"/>
+                <a16:creationId xmlns:a16="http://schemas.microsoft.com/office/drawing/2014/main" xmlns="" id="{6BD26A27-FC2B-4AAD-9133-6B217D6FB28F}"/>
               </a:ext>
             </a:extLst>
           </p:cNvPr>
@@ -20174,7 +20182,7 @@
           <p:cNvPr id="15" name="TextBox 14">
             <a:extLst>
               <a:ext uri="{FF2B5EF4-FFF2-40B4-BE49-F238E27FC236}">
-                <a16:creationId xmlns:a16="http://schemas.microsoft.com/office/drawing/2014/main" id="{BD939FD6-633E-419B-B7F1-B9F75651991B}"/>
+                <a16:creationId xmlns:a16="http://schemas.microsoft.com/office/drawing/2014/main" xmlns="" id="{BD939FD6-633E-419B-B7F1-B9F75651991B}"/>
               </a:ext>
             </a:extLst>
           </p:cNvPr>
@@ -20209,7 +20217,7 @@
           <p:cNvPr id="16" name="Right Brace 15">
             <a:extLst>
               <a:ext uri="{FF2B5EF4-FFF2-40B4-BE49-F238E27FC236}">
-                <a16:creationId xmlns:a16="http://schemas.microsoft.com/office/drawing/2014/main" id="{F2F2FAEA-93F8-4C3F-938B-B013F8C832BF}"/>
+                <a16:creationId xmlns:a16="http://schemas.microsoft.com/office/drawing/2014/main" xmlns="" id="{F2F2FAEA-93F8-4C3F-938B-B013F8C832BF}"/>
               </a:ext>
             </a:extLst>
           </p:cNvPr>
@@ -20255,7 +20263,7 @@
               <p:cNvPr id="17" name="TextBox 16">
                 <a:extLst>
                   <a:ext uri="{FF2B5EF4-FFF2-40B4-BE49-F238E27FC236}">
-                    <a16:creationId xmlns:a16="http://schemas.microsoft.com/office/drawing/2014/main" id="{E379FFCB-270F-42B0-A13C-5284701B20EF}"/>
+                    <a16:creationId xmlns:a16="http://schemas.microsoft.com/office/drawing/2014/main" xmlns="" id="{E379FFCB-270F-42B0-A13C-5284701B20EF}"/>
                   </a:ext>
                 </a:extLst>
               </p:cNvPr>
@@ -20348,7 +20356,7 @@
               <p:cNvPr id="11" name="TextBox 10">
                 <a:extLst>
                   <a:ext uri="{FF2B5EF4-FFF2-40B4-BE49-F238E27FC236}">
-                    <a16:creationId xmlns:a16="http://schemas.microsoft.com/office/drawing/2014/main" id="{DDC5DD18-D812-43C2-9EC9-E1F020D834D6}"/>
+                    <a16:creationId xmlns:a16="http://schemas.microsoft.com/office/drawing/2014/main" xmlns="" id="{DDC5DD18-D812-43C2-9EC9-E1F020D834D6}"/>
                   </a:ext>
                 </a:extLst>
               </p:cNvPr>
@@ -20444,7 +20452,7 @@
               <p:cNvPr id="18" name="TextBox 17">
                 <a:extLst>
                   <a:ext uri="{FF2B5EF4-FFF2-40B4-BE49-F238E27FC236}">
-                    <a16:creationId xmlns:a16="http://schemas.microsoft.com/office/drawing/2014/main" id="{FA32C9F3-6CD8-4695-9D77-2E0F33F0A1AF}"/>
+                    <a16:creationId xmlns:a16="http://schemas.microsoft.com/office/drawing/2014/main" xmlns="" id="{FA32C9F3-6CD8-4695-9D77-2E0F33F0A1AF}"/>
                   </a:ext>
                 </a:extLst>
               </p:cNvPr>
@@ -21190,7 +21198,7 @@
           <p:cNvPr id="2" name="Title 1">
             <a:extLst>
               <a:ext uri="{FF2B5EF4-FFF2-40B4-BE49-F238E27FC236}">
-                <a16:creationId xmlns:a16="http://schemas.microsoft.com/office/drawing/2014/main" id="{7483EDA4-B6D3-49E9-B6F9-35CE16B276B8}"/>
+                <a16:creationId xmlns:a16="http://schemas.microsoft.com/office/drawing/2014/main" xmlns="" id="{7483EDA4-B6D3-49E9-B6F9-35CE16B276B8}"/>
               </a:ext>
             </a:extLst>
           </p:cNvPr>
@@ -21218,7 +21226,7 @@
           <p:cNvPr id="8" name="Content Placeholder 7" descr="A close up of a device&#10;&#10;Description generated with high confidence">
             <a:extLst>
               <a:ext uri="{FF2B5EF4-FFF2-40B4-BE49-F238E27FC236}">
-                <a16:creationId xmlns:a16="http://schemas.microsoft.com/office/drawing/2014/main" id="{8CE1E0D6-6F26-4032-8800-2CF4E7F2996F}"/>
+                <a16:creationId xmlns:a16="http://schemas.microsoft.com/office/drawing/2014/main" xmlns="" id="{8CE1E0D6-6F26-4032-8800-2CF4E7F2996F}"/>
               </a:ext>
             </a:extLst>
           </p:cNvPr>
@@ -21255,7 +21263,7 @@
               <p:cNvPr id="4" name="Text Placeholder 3">
                 <a:extLst>
                   <a:ext uri="{FF2B5EF4-FFF2-40B4-BE49-F238E27FC236}">
-                    <a16:creationId xmlns:a16="http://schemas.microsoft.com/office/drawing/2014/main" id="{B6C5B79B-0970-4BFB-91A9-E1CB31566408}"/>
+                    <a16:creationId xmlns:a16="http://schemas.microsoft.com/office/drawing/2014/main" xmlns="" id="{B6C5B79B-0970-4BFB-91A9-E1CB31566408}"/>
                   </a:ext>
                 </a:extLst>
               </p:cNvPr>
@@ -21286,7 +21294,7 @@
                       <m:sSubPr>
                         <m:ctrlPr>
                           <a:rPr lang="en-US" sz="1800" i="1">
-                            <a:latin typeface="Cambria Math" panose="02040503050406030204" pitchFamily="18" charset="0"/>
+                            <a:latin typeface="Cambria Math" charset="0"/>
                           </a:rPr>
                         </m:ctrlPr>
                       </m:sSubPr>
@@ -21329,7 +21337,7 @@
                       <m:sSupPr>
                         <m:ctrlPr>
                           <a:rPr lang="en-US" sz="1800" i="1">
-                            <a:latin typeface="Cambria Math" panose="02040503050406030204" pitchFamily="18" charset="0"/>
+                            <a:latin typeface="Cambria Math" charset="0"/>
                           </a:rPr>
                         </m:ctrlPr>
                       </m:sSupPr>
@@ -21348,7 +21356,7 @@
                             <m:endChr m:val="|"/>
                             <m:ctrlPr>
                               <a:rPr lang="en-US" sz="1800" i="1">
-                                <a:latin typeface="Cambria Math" panose="02040503050406030204" pitchFamily="18" charset="0"/>
+                                <a:latin typeface="Cambria Math" charset="0"/>
                               </a:rPr>
                             </m:ctrlPr>
                           </m:dPr>
@@ -21437,7 +21445,7 @@
           <p:cNvPr id="5" name="Footer Placeholder 4">
             <a:extLst>
               <a:ext uri="{FF2B5EF4-FFF2-40B4-BE49-F238E27FC236}">
-                <a16:creationId xmlns:a16="http://schemas.microsoft.com/office/drawing/2014/main" id="{A43AD325-324B-46FB-8992-11B6F48344A5}"/>
+                <a16:creationId xmlns:a16="http://schemas.microsoft.com/office/drawing/2014/main" xmlns="" id="{A43AD325-324B-46FB-8992-11B6F48344A5}"/>
               </a:ext>
             </a:extLst>
           </p:cNvPr>
@@ -21494,7 +21502,7 @@
           <p:cNvPr id="6" name="Slide Number Placeholder 5">
             <a:extLst>
               <a:ext uri="{FF2B5EF4-FFF2-40B4-BE49-F238E27FC236}">
-                <a16:creationId xmlns:a16="http://schemas.microsoft.com/office/drawing/2014/main" id="{DC82B01A-3AFA-492D-BC99-4E071A260616}"/>
+                <a16:creationId xmlns:a16="http://schemas.microsoft.com/office/drawing/2014/main" xmlns="" id="{DC82B01A-3AFA-492D-BC99-4E071A260616}"/>
               </a:ext>
             </a:extLst>
           </p:cNvPr>
@@ -21524,7 +21532,7 @@
           <p:cNvPr id="9" name="Title 1">
             <a:extLst>
               <a:ext uri="{FF2B5EF4-FFF2-40B4-BE49-F238E27FC236}">
-                <a16:creationId xmlns:a16="http://schemas.microsoft.com/office/drawing/2014/main" id="{4F33CCF8-87B5-4D8D-A941-8EB5582DF6A2}"/>
+                <a16:creationId xmlns:a16="http://schemas.microsoft.com/office/drawing/2014/main" xmlns="" id="{4F33CCF8-87B5-4D8D-A941-8EB5582DF6A2}"/>
               </a:ext>
             </a:extLst>
           </p:cNvPr>
@@ -21590,7 +21598,7 @@
               <p:cNvPr id="10" name="Text Placeholder 3">
                 <a:extLst>
                   <a:ext uri="{FF2B5EF4-FFF2-40B4-BE49-F238E27FC236}">
-                    <a16:creationId xmlns:a16="http://schemas.microsoft.com/office/drawing/2014/main" id="{5E65C462-EF0B-4F14-92B6-DD92E82EA8D2}"/>
+                    <a16:creationId xmlns:a16="http://schemas.microsoft.com/office/drawing/2014/main" xmlns="" id="{5E65C462-EF0B-4F14-92B6-DD92E82EA8D2}"/>
                   </a:ext>
                 </a:extLst>
               </p:cNvPr>
@@ -21852,7 +21860,7 @@
                       <m:fPr>
                         <m:ctrlPr>
                           <a:rPr lang="en-US" sz="1800" i="1">
-                            <a:latin typeface="Cambria Math" panose="02040503050406030204" pitchFamily="18" charset="0"/>
+                            <a:latin typeface="Cambria Math" charset="0"/>
                           </a:rPr>
                         </m:ctrlPr>
                       </m:fPr>
@@ -21873,7 +21881,7 @@
                           <m:sSubPr>
                             <m:ctrlPr>
                               <a:rPr lang="en-US" sz="1800" i="1">
-                                <a:latin typeface="Cambria Math" panose="02040503050406030204" pitchFamily="18" charset="0"/>
+                                <a:latin typeface="Cambria Math" charset="0"/>
                               </a:rPr>
                             </m:ctrlPr>
                           </m:sSubPr>
@@ -21953,7 +21961,7 @@
                       <m:sSubPr>
                         <m:ctrlPr>
                           <a:rPr lang="en-US" sz="1800" i="1">
-                            <a:latin typeface="Cambria Math" panose="02040503050406030204" pitchFamily="18" charset="0"/>
+                            <a:latin typeface="Cambria Math" charset="0"/>
                           </a:rPr>
                         </m:ctrlPr>
                       </m:sSubPr>
@@ -22047,7 +22055,7 @@
           <p:cNvPr id="11" name="Title 1">
             <a:extLst>
               <a:ext uri="{FF2B5EF4-FFF2-40B4-BE49-F238E27FC236}">
-                <a16:creationId xmlns:a16="http://schemas.microsoft.com/office/drawing/2014/main" id="{E17ECA68-FF04-4278-9440-FC0B19DC7E0C}"/>
+                <a16:creationId xmlns:a16="http://schemas.microsoft.com/office/drawing/2014/main" xmlns="" id="{E17ECA68-FF04-4278-9440-FC0B19DC7E0C}"/>
               </a:ext>
             </a:extLst>
           </p:cNvPr>
@@ -22263,7 +22271,7 @@
           <p:cNvPr id="2" name="Title 1">
             <a:extLst>
               <a:ext uri="{FF2B5EF4-FFF2-40B4-BE49-F238E27FC236}">
-                <a16:creationId xmlns:a16="http://schemas.microsoft.com/office/drawing/2014/main" id="{F4C23E1A-E65F-45E3-B3EB-E57706C09C8B}"/>
+                <a16:creationId xmlns:a16="http://schemas.microsoft.com/office/drawing/2014/main" xmlns="" id="{F4C23E1A-E65F-45E3-B3EB-E57706C09C8B}"/>
               </a:ext>
             </a:extLst>
           </p:cNvPr>
@@ -22291,7 +22299,7 @@
           <p:cNvPr id="6" name="Content Placeholder 5">
             <a:extLst>
               <a:ext uri="{FF2B5EF4-FFF2-40B4-BE49-F238E27FC236}">
-                <a16:creationId xmlns:a16="http://schemas.microsoft.com/office/drawing/2014/main" id="{6967B0B5-D35B-4A22-A314-443746DAC817}"/>
+                <a16:creationId xmlns:a16="http://schemas.microsoft.com/office/drawing/2014/main" xmlns="" id="{6967B0B5-D35B-4A22-A314-443746DAC817}"/>
               </a:ext>
             </a:extLst>
           </p:cNvPr>
@@ -22321,35 +22329,35 @@
                 <a:gridCol w="1656397">
                   <a:extLst>
                     <a:ext uri="{9D8B030D-6E8A-4147-A177-3AD203B41FA5}">
-                      <a16:colId xmlns:a16="http://schemas.microsoft.com/office/drawing/2014/main" val="739102875"/>
+                      <a16:colId xmlns:a16="http://schemas.microsoft.com/office/drawing/2014/main" xmlns="" val="739102875"/>
                     </a:ext>
                   </a:extLst>
                 </a:gridCol>
                 <a:gridCol w="1656397">
                   <a:extLst>
                     <a:ext uri="{9D8B030D-6E8A-4147-A177-3AD203B41FA5}">
-                      <a16:colId xmlns:a16="http://schemas.microsoft.com/office/drawing/2014/main" val="3414489019"/>
+                      <a16:colId xmlns:a16="http://schemas.microsoft.com/office/drawing/2014/main" xmlns="" val="3414489019"/>
                     </a:ext>
                   </a:extLst>
                 </a:gridCol>
                 <a:gridCol w="1656397">
                   <a:extLst>
                     <a:ext uri="{9D8B030D-6E8A-4147-A177-3AD203B41FA5}">
-                      <a16:colId xmlns:a16="http://schemas.microsoft.com/office/drawing/2014/main" val="2900459187"/>
+                      <a16:colId xmlns:a16="http://schemas.microsoft.com/office/drawing/2014/main" xmlns="" val="2900459187"/>
                     </a:ext>
                   </a:extLst>
                 </a:gridCol>
                 <a:gridCol w="1656397">
                   <a:extLst>
                     <a:ext uri="{9D8B030D-6E8A-4147-A177-3AD203B41FA5}">
-                      <a16:colId xmlns:a16="http://schemas.microsoft.com/office/drawing/2014/main" val="2175912481"/>
+                      <a16:colId xmlns:a16="http://schemas.microsoft.com/office/drawing/2014/main" xmlns="" val="2175912481"/>
                     </a:ext>
                   </a:extLst>
                 </a:gridCol>
                 <a:gridCol w="1656397">
                   <a:extLst>
                     <a:ext uri="{9D8B030D-6E8A-4147-A177-3AD203B41FA5}">
-                      <a16:colId xmlns:a16="http://schemas.microsoft.com/office/drawing/2014/main" val="1202905979"/>
+                      <a16:colId xmlns:a16="http://schemas.microsoft.com/office/drawing/2014/main" xmlns="" val="1202905979"/>
                     </a:ext>
                   </a:extLst>
                 </a:gridCol>
@@ -22423,7 +22431,7 @@
                 </a:tc>
                 <a:extLst>
                   <a:ext uri="{0D108BD9-81ED-4DB2-BD59-A6C34878D82A}">
-                    <a16:rowId xmlns:a16="http://schemas.microsoft.com/office/drawing/2014/main" val="1087788508"/>
+                    <a16:rowId xmlns:a16="http://schemas.microsoft.com/office/drawing/2014/main" xmlns="" val="1087788508"/>
                   </a:ext>
                 </a:extLst>
               </a:tr>
@@ -22522,7 +22530,7 @@
                 </a:tc>
                 <a:extLst>
                   <a:ext uri="{0D108BD9-81ED-4DB2-BD59-A6C34878D82A}">
-                    <a16:rowId xmlns:a16="http://schemas.microsoft.com/office/drawing/2014/main" val="1277102844"/>
+                    <a16:rowId xmlns:a16="http://schemas.microsoft.com/office/drawing/2014/main" xmlns="" val="1277102844"/>
                   </a:ext>
                 </a:extLst>
               </a:tr>
@@ -22606,7 +22614,7 @@
                 </a:tc>
                 <a:extLst>
                   <a:ext uri="{0D108BD9-81ED-4DB2-BD59-A6C34878D82A}">
-                    <a16:rowId xmlns:a16="http://schemas.microsoft.com/office/drawing/2014/main" val="3151828502"/>
+                    <a16:rowId xmlns:a16="http://schemas.microsoft.com/office/drawing/2014/main" xmlns="" val="3151828502"/>
                   </a:ext>
                 </a:extLst>
               </a:tr>
@@ -22690,7 +22698,7 @@
                 </a:tc>
                 <a:extLst>
                   <a:ext uri="{0D108BD9-81ED-4DB2-BD59-A6C34878D82A}">
-                    <a16:rowId xmlns:a16="http://schemas.microsoft.com/office/drawing/2014/main" val="607386248"/>
+                    <a16:rowId xmlns:a16="http://schemas.microsoft.com/office/drawing/2014/main" xmlns="" val="607386248"/>
                   </a:ext>
                 </a:extLst>
               </a:tr>
@@ -22797,7 +22805,7 @@
                 </a:tc>
                 <a:extLst>
                   <a:ext uri="{0D108BD9-81ED-4DB2-BD59-A6C34878D82A}">
-                    <a16:rowId xmlns:a16="http://schemas.microsoft.com/office/drawing/2014/main" val="4272911081"/>
+                    <a16:rowId xmlns:a16="http://schemas.microsoft.com/office/drawing/2014/main" xmlns="" val="4272911081"/>
                   </a:ext>
                 </a:extLst>
               </a:tr>
@@ -22810,7 +22818,7 @@
           <p:cNvPr id="4" name="Footer Placeholder 3">
             <a:extLst>
               <a:ext uri="{FF2B5EF4-FFF2-40B4-BE49-F238E27FC236}">
-                <a16:creationId xmlns:a16="http://schemas.microsoft.com/office/drawing/2014/main" id="{2D81FAF2-5569-44B7-B08D-B9E9332BCF80}"/>
+                <a16:creationId xmlns:a16="http://schemas.microsoft.com/office/drawing/2014/main" xmlns="" id="{2D81FAF2-5569-44B7-B08D-B9E9332BCF80}"/>
               </a:ext>
             </a:extLst>
           </p:cNvPr>
@@ -22867,7 +22875,7 @@
           <p:cNvPr id="5" name="Slide Number Placeholder 4">
             <a:extLst>
               <a:ext uri="{FF2B5EF4-FFF2-40B4-BE49-F238E27FC236}">
-                <a16:creationId xmlns:a16="http://schemas.microsoft.com/office/drawing/2014/main" id="{3B26AB91-3F16-449D-B663-A3317A22DD06}"/>
+                <a16:creationId xmlns:a16="http://schemas.microsoft.com/office/drawing/2014/main" xmlns="" id="{3B26AB91-3F16-449D-B663-A3317A22DD06}"/>
               </a:ext>
             </a:extLst>
           </p:cNvPr>
@@ -23125,7 +23133,7 @@
           <p:cNvPr id="2" name="Title 1">
             <a:extLst>
               <a:ext uri="{FF2B5EF4-FFF2-40B4-BE49-F238E27FC236}">
-                <a16:creationId xmlns:a16="http://schemas.microsoft.com/office/drawing/2014/main" id="{E9494603-1C22-4A8B-96DB-3D42D3B82802}"/>
+                <a16:creationId xmlns:a16="http://schemas.microsoft.com/office/drawing/2014/main" xmlns="" id="{E9494603-1C22-4A8B-96DB-3D42D3B82802}"/>
               </a:ext>
             </a:extLst>
           </p:cNvPr>
@@ -23153,7 +23161,7 @@
           <p:cNvPr id="3" name="Content Placeholder 2">
             <a:extLst>
               <a:ext uri="{FF2B5EF4-FFF2-40B4-BE49-F238E27FC236}">
-                <a16:creationId xmlns:a16="http://schemas.microsoft.com/office/drawing/2014/main" id="{84F0F037-A703-4FE5-A20E-E873E5DCE356}"/>
+                <a16:creationId xmlns:a16="http://schemas.microsoft.com/office/drawing/2014/main" xmlns="" id="{84F0F037-A703-4FE5-A20E-E873E5DCE356}"/>
               </a:ext>
             </a:extLst>
           </p:cNvPr>
@@ -23398,7 +23406,7 @@
           <p:cNvPr id="4" name="Footer Placeholder 3">
             <a:extLst>
               <a:ext uri="{FF2B5EF4-FFF2-40B4-BE49-F238E27FC236}">
-                <a16:creationId xmlns:a16="http://schemas.microsoft.com/office/drawing/2014/main" id="{E1B43182-D327-45AA-BBE2-67B83983E1E7}"/>
+                <a16:creationId xmlns:a16="http://schemas.microsoft.com/office/drawing/2014/main" xmlns="" id="{E1B43182-D327-45AA-BBE2-67B83983E1E7}"/>
               </a:ext>
             </a:extLst>
           </p:cNvPr>
@@ -23455,7 +23463,7 @@
           <p:cNvPr id="5" name="Slide Number Placeholder 4">
             <a:extLst>
               <a:ext uri="{FF2B5EF4-FFF2-40B4-BE49-F238E27FC236}">
-                <a16:creationId xmlns:a16="http://schemas.microsoft.com/office/drawing/2014/main" id="{32AFE35B-758B-4A31-A289-5F105EBA2AAD}"/>
+                <a16:creationId xmlns:a16="http://schemas.microsoft.com/office/drawing/2014/main" xmlns="" id="{32AFE35B-758B-4A31-A289-5F105EBA2AAD}"/>
               </a:ext>
             </a:extLst>
           </p:cNvPr>
@@ -24308,7 +24316,7 @@
           <p:cNvPr id="2" name="Title 1">
             <a:extLst>
               <a:ext uri="{FF2B5EF4-FFF2-40B4-BE49-F238E27FC236}">
-                <a16:creationId xmlns:a16="http://schemas.microsoft.com/office/drawing/2014/main" id="{72C3287B-4B25-4805-91C7-B2172474D766}"/>
+                <a16:creationId xmlns:a16="http://schemas.microsoft.com/office/drawing/2014/main" xmlns="" id="{72C3287B-4B25-4805-91C7-B2172474D766}"/>
               </a:ext>
             </a:extLst>
           </p:cNvPr>
@@ -24336,7 +24344,7 @@
           <p:cNvPr id="5" name="Footer Placeholder 4">
             <a:extLst>
               <a:ext uri="{FF2B5EF4-FFF2-40B4-BE49-F238E27FC236}">
-                <a16:creationId xmlns:a16="http://schemas.microsoft.com/office/drawing/2014/main" id="{9E138E50-124F-453E-8E9C-9827E3C89E2F}"/>
+                <a16:creationId xmlns:a16="http://schemas.microsoft.com/office/drawing/2014/main" xmlns="" id="{9E138E50-124F-453E-8E9C-9827E3C89E2F}"/>
               </a:ext>
             </a:extLst>
           </p:cNvPr>
@@ -24393,7 +24401,7 @@
           <p:cNvPr id="6" name="Slide Number Placeholder 5">
             <a:extLst>
               <a:ext uri="{FF2B5EF4-FFF2-40B4-BE49-F238E27FC236}">
-                <a16:creationId xmlns:a16="http://schemas.microsoft.com/office/drawing/2014/main" id="{73F6053E-02C5-4B4B-B1E2-45B43E0FBA01}"/>
+                <a16:creationId xmlns:a16="http://schemas.microsoft.com/office/drawing/2014/main" xmlns="" id="{73F6053E-02C5-4B4B-B1E2-45B43E0FBA01}"/>
               </a:ext>
             </a:extLst>
           </p:cNvPr>
@@ -24423,7 +24431,7 @@
           <p:cNvPr id="16" name="Content Placeholder 15" descr="A screenshot of a cell phone&#10;&#10;Description generated with very high confidence">
             <a:extLst>
               <a:ext uri="{FF2B5EF4-FFF2-40B4-BE49-F238E27FC236}">
-                <a16:creationId xmlns:a16="http://schemas.microsoft.com/office/drawing/2014/main" id="{94612C34-983C-4000-BDC0-79E9DA743399}"/>
+                <a16:creationId xmlns:a16="http://schemas.microsoft.com/office/drawing/2014/main" xmlns="" id="{94612C34-983C-4000-BDC0-79E9DA743399}"/>
               </a:ext>
             </a:extLst>
           </p:cNvPr>
@@ -24458,7 +24466,7 @@
           <p:cNvPr id="18" name="Content Placeholder 17" descr="A picture containing screenshot&#10;&#10;Description generated with very high confidence">
             <a:extLst>
               <a:ext uri="{FF2B5EF4-FFF2-40B4-BE49-F238E27FC236}">
-                <a16:creationId xmlns:a16="http://schemas.microsoft.com/office/drawing/2014/main" id="{9AE66F6C-3CE4-47F4-9BCA-5B6657878E04}"/>
+                <a16:creationId xmlns:a16="http://schemas.microsoft.com/office/drawing/2014/main" xmlns="" id="{9AE66F6C-3CE4-47F4-9BCA-5B6657878E04}"/>
               </a:ext>
             </a:extLst>
           </p:cNvPr>
@@ -24493,7 +24501,7 @@
           <p:cNvPr id="3" name="TextBox 2">
             <a:extLst>
               <a:ext uri="{FF2B5EF4-FFF2-40B4-BE49-F238E27FC236}">
-                <a16:creationId xmlns:a16="http://schemas.microsoft.com/office/drawing/2014/main" id="{FC70F91C-AE9D-41F1-B6A9-A8D8F345A35E}"/>
+                <a16:creationId xmlns:a16="http://schemas.microsoft.com/office/drawing/2014/main" xmlns="" id="{FC70F91C-AE9D-41F1-B6A9-A8D8F345A35E}"/>
               </a:ext>
             </a:extLst>
           </p:cNvPr>
@@ -24528,7 +24536,7 @@
           <p:cNvPr id="4" name="TextBox 3">
             <a:extLst>
               <a:ext uri="{FF2B5EF4-FFF2-40B4-BE49-F238E27FC236}">
-                <a16:creationId xmlns:a16="http://schemas.microsoft.com/office/drawing/2014/main" id="{428C33D5-4CF1-4837-95F2-154485EE50F9}"/>
+                <a16:creationId xmlns:a16="http://schemas.microsoft.com/office/drawing/2014/main" xmlns="" id="{428C33D5-4CF1-4837-95F2-154485EE50F9}"/>
               </a:ext>
             </a:extLst>
           </p:cNvPr>
@@ -24565,7 +24573,7 @@
               <p:cNvPr id="7" name="TextBox 6">
                 <a:extLst>
                   <a:ext uri="{FF2B5EF4-FFF2-40B4-BE49-F238E27FC236}">
-                    <a16:creationId xmlns:a16="http://schemas.microsoft.com/office/drawing/2014/main" id="{F3BC95E0-225D-465F-A17D-6A819012275B}"/>
+                    <a16:creationId xmlns:a16="http://schemas.microsoft.com/office/drawing/2014/main" xmlns="" id="{F3BC95E0-225D-465F-A17D-6A819012275B}"/>
                   </a:ext>
                 </a:extLst>
               </p:cNvPr>
@@ -24679,7 +24687,7 @@
           <p:cNvPr id="10" name="TextBox 9">
             <a:extLst>
               <a:ext uri="{FF2B5EF4-FFF2-40B4-BE49-F238E27FC236}">
-                <a16:creationId xmlns:a16="http://schemas.microsoft.com/office/drawing/2014/main" id="{43734ABD-6C9C-4485-B458-387B4DC38E0F}"/>
+                <a16:creationId xmlns:a16="http://schemas.microsoft.com/office/drawing/2014/main" xmlns="" id="{43734ABD-6C9C-4485-B458-387B4DC38E0F}"/>
               </a:ext>
             </a:extLst>
           </p:cNvPr>
@@ -24884,7 +24892,7 @@
           <p:cNvPr id="4" name="Content Placeholder 3">
             <a:extLst>
               <a:ext uri="{FF2B5EF4-FFF2-40B4-BE49-F238E27FC236}">
-                <a16:creationId xmlns:a16="http://schemas.microsoft.com/office/drawing/2014/main" id="{D880D59D-B966-4D03-9A27-2F273A7970B7}"/>
+                <a16:creationId xmlns:a16="http://schemas.microsoft.com/office/drawing/2014/main" xmlns="" id="{D880D59D-B966-4D03-9A27-2F273A7970B7}"/>
               </a:ext>
             </a:extLst>
           </p:cNvPr>
@@ -24938,7 +24946,7 @@
           <p:cNvPr id="5" name="Footer Placeholder 4">
             <a:extLst>
               <a:ext uri="{FF2B5EF4-FFF2-40B4-BE49-F238E27FC236}">
-                <a16:creationId xmlns:a16="http://schemas.microsoft.com/office/drawing/2014/main" id="{527A8496-2167-4D9D-A7F1-E07F56501D63}"/>
+                <a16:creationId xmlns:a16="http://schemas.microsoft.com/office/drawing/2014/main" xmlns="" id="{527A8496-2167-4D9D-A7F1-E07F56501D63}"/>
               </a:ext>
             </a:extLst>
           </p:cNvPr>
@@ -24995,7 +25003,7 @@
           <p:cNvPr id="6" name="Slide Number Placeholder 5">
             <a:extLst>
               <a:ext uri="{FF2B5EF4-FFF2-40B4-BE49-F238E27FC236}">
-                <a16:creationId xmlns:a16="http://schemas.microsoft.com/office/drawing/2014/main" id="{0D883F77-16A4-4D6A-864F-5E7655260333}"/>
+                <a16:creationId xmlns:a16="http://schemas.microsoft.com/office/drawing/2014/main" xmlns="" id="{0D883F77-16A4-4D6A-864F-5E7655260333}"/>
               </a:ext>
             </a:extLst>
           </p:cNvPr>
@@ -25025,7 +25033,7 @@
           <p:cNvPr id="14" name="Content Placeholder 13" descr="A close up of a map&#10;&#10;Description generated with very high confidence">
             <a:extLst>
               <a:ext uri="{FF2B5EF4-FFF2-40B4-BE49-F238E27FC236}">
-                <a16:creationId xmlns:a16="http://schemas.microsoft.com/office/drawing/2014/main" id="{68108ED2-CE41-4CF2-9B55-A91EEDDAB740}"/>
+                <a16:creationId xmlns:a16="http://schemas.microsoft.com/office/drawing/2014/main" xmlns="" id="{68108ED2-CE41-4CF2-9B55-A91EEDDAB740}"/>
               </a:ext>
             </a:extLst>
           </p:cNvPr>
@@ -25060,7 +25068,7 @@
           <p:cNvPr id="15" name="Title 1">
             <a:extLst>
               <a:ext uri="{FF2B5EF4-FFF2-40B4-BE49-F238E27FC236}">
-                <a16:creationId xmlns:a16="http://schemas.microsoft.com/office/drawing/2014/main" id="{D876B46F-79A6-44FA-B0B9-89AF6E35ECB6}"/>
+                <a16:creationId xmlns:a16="http://schemas.microsoft.com/office/drawing/2014/main" xmlns="" id="{D876B46F-79A6-44FA-B0B9-89AF6E35ECB6}"/>
               </a:ext>
             </a:extLst>
           </p:cNvPr>
@@ -25124,7 +25132,7 @@
           <p:cNvPr id="16" name="TextBox 15">
             <a:extLst>
               <a:ext uri="{FF2B5EF4-FFF2-40B4-BE49-F238E27FC236}">
-                <a16:creationId xmlns:a16="http://schemas.microsoft.com/office/drawing/2014/main" id="{ECDA6270-EC71-488D-8E5F-D6DB48795941}"/>
+                <a16:creationId xmlns:a16="http://schemas.microsoft.com/office/drawing/2014/main" xmlns="" id="{ECDA6270-EC71-488D-8E5F-D6DB48795941}"/>
               </a:ext>
             </a:extLst>
           </p:cNvPr>
@@ -25580,7 +25588,7 @@
           <p:cNvPr id="2" name="Title 1">
             <a:extLst>
               <a:ext uri="{FF2B5EF4-FFF2-40B4-BE49-F238E27FC236}">
-                <a16:creationId xmlns:a16="http://schemas.microsoft.com/office/drawing/2014/main" id="{E9494603-1C22-4A8B-96DB-3D42D3B82802}"/>
+                <a16:creationId xmlns:a16="http://schemas.microsoft.com/office/drawing/2014/main" xmlns="" id="{E9494603-1C22-4A8B-96DB-3D42D3B82802}"/>
               </a:ext>
             </a:extLst>
           </p:cNvPr>
@@ -25608,7 +25616,7 @@
           <p:cNvPr id="3" name="Content Placeholder 2">
             <a:extLst>
               <a:ext uri="{FF2B5EF4-FFF2-40B4-BE49-F238E27FC236}">
-                <a16:creationId xmlns:a16="http://schemas.microsoft.com/office/drawing/2014/main" id="{84F0F037-A703-4FE5-A20E-E873E5DCE356}"/>
+                <a16:creationId xmlns:a16="http://schemas.microsoft.com/office/drawing/2014/main" xmlns="" id="{84F0F037-A703-4FE5-A20E-E873E5DCE356}"/>
               </a:ext>
             </a:extLst>
           </p:cNvPr>
@@ -25869,7 +25877,7 @@
           <p:cNvPr id="4" name="Footer Placeholder 3">
             <a:extLst>
               <a:ext uri="{FF2B5EF4-FFF2-40B4-BE49-F238E27FC236}">
-                <a16:creationId xmlns:a16="http://schemas.microsoft.com/office/drawing/2014/main" id="{E1B43182-D327-45AA-BBE2-67B83983E1E7}"/>
+                <a16:creationId xmlns:a16="http://schemas.microsoft.com/office/drawing/2014/main" xmlns="" id="{E1B43182-D327-45AA-BBE2-67B83983E1E7}"/>
               </a:ext>
             </a:extLst>
           </p:cNvPr>
@@ -25926,7 +25934,7 @@
           <p:cNvPr id="5" name="Slide Number Placeholder 4">
             <a:extLst>
               <a:ext uri="{FF2B5EF4-FFF2-40B4-BE49-F238E27FC236}">
-                <a16:creationId xmlns:a16="http://schemas.microsoft.com/office/drawing/2014/main" id="{32AFE35B-758B-4A31-A289-5F105EBA2AAD}"/>
+                <a16:creationId xmlns:a16="http://schemas.microsoft.com/office/drawing/2014/main" xmlns="" id="{32AFE35B-758B-4A31-A289-5F105EBA2AAD}"/>
               </a:ext>
             </a:extLst>
           </p:cNvPr>
@@ -25986,7 +25994,7 @@
           <p:cNvPr id="2" name="Title 1">
             <a:extLst>
               <a:ext uri="{FF2B5EF4-FFF2-40B4-BE49-F238E27FC236}">
-                <a16:creationId xmlns:a16="http://schemas.microsoft.com/office/drawing/2014/main" id="{17A8BB3D-2D35-4F66-AFB4-2A9AE7681862}"/>
+                <a16:creationId xmlns:a16="http://schemas.microsoft.com/office/drawing/2014/main" xmlns="" id="{17A8BB3D-2D35-4F66-AFB4-2A9AE7681862}"/>
               </a:ext>
             </a:extLst>
           </p:cNvPr>
@@ -26020,7 +26028,7 @@
           <p:cNvPr id="3" name="Footer Placeholder 2">
             <a:extLst>
               <a:ext uri="{FF2B5EF4-FFF2-40B4-BE49-F238E27FC236}">
-                <a16:creationId xmlns:a16="http://schemas.microsoft.com/office/drawing/2014/main" id="{11862E8A-91FD-4C41-A192-DB3D27D88824}"/>
+                <a16:creationId xmlns:a16="http://schemas.microsoft.com/office/drawing/2014/main" xmlns="" id="{11862E8A-91FD-4C41-A192-DB3D27D88824}"/>
               </a:ext>
             </a:extLst>
           </p:cNvPr>
@@ -26077,7 +26085,7 @@
           <p:cNvPr id="4" name="Slide Number Placeholder 3">
             <a:extLst>
               <a:ext uri="{FF2B5EF4-FFF2-40B4-BE49-F238E27FC236}">
-                <a16:creationId xmlns:a16="http://schemas.microsoft.com/office/drawing/2014/main" id="{9DA5ED20-07EE-4130-97A2-FC2FBDDF57B9}"/>
+                <a16:creationId xmlns:a16="http://schemas.microsoft.com/office/drawing/2014/main" xmlns="" id="{9DA5ED20-07EE-4130-97A2-FC2FBDDF57B9}"/>
               </a:ext>
             </a:extLst>
           </p:cNvPr>
@@ -26234,7 +26242,7 @@
           <p:cNvPr id="10" name="Content Placeholder 9" descr="A picture containing writing implement, stationary, pencil&#10;&#10;Description generated with very high confidence">
             <a:extLst>
               <a:ext uri="{FF2B5EF4-FFF2-40B4-BE49-F238E27FC236}">
-                <a16:creationId xmlns:a16="http://schemas.microsoft.com/office/drawing/2014/main" id="{6A2279EC-6199-4550-A04B-49AEC7FAB4A2}"/>
+                <a16:creationId xmlns:a16="http://schemas.microsoft.com/office/drawing/2014/main" xmlns="" id="{6A2279EC-6199-4550-A04B-49AEC7FAB4A2}"/>
               </a:ext>
             </a:extLst>
           </p:cNvPr>
@@ -26269,7 +26277,7 @@
           <p:cNvPr id="14" name="Content Placeholder 13" descr="A picture containing stationary&#10;&#10;Description generated with high confidence">
             <a:extLst>
               <a:ext uri="{FF2B5EF4-FFF2-40B4-BE49-F238E27FC236}">
-                <a16:creationId xmlns:a16="http://schemas.microsoft.com/office/drawing/2014/main" id="{81819DC7-CA2F-4965-A125-662C3B79A4F5}"/>
+                <a16:creationId xmlns:a16="http://schemas.microsoft.com/office/drawing/2014/main" xmlns="" id="{81819DC7-CA2F-4965-A125-662C3B79A4F5}"/>
               </a:ext>
             </a:extLst>
           </p:cNvPr>
@@ -26306,7 +26314,7 @@
               <p:cNvPr id="7" name="TextBox 6">
                 <a:extLst>
                   <a:ext uri="{FF2B5EF4-FFF2-40B4-BE49-F238E27FC236}">
-                    <a16:creationId xmlns:a16="http://schemas.microsoft.com/office/drawing/2014/main" id="{29E2EA99-4EA3-4FA6-A203-F59B82BB3CC4}"/>
+                    <a16:creationId xmlns:a16="http://schemas.microsoft.com/office/drawing/2014/main" xmlns="" id="{29E2EA99-4EA3-4FA6-A203-F59B82BB3CC4}"/>
                   </a:ext>
                 </a:extLst>
               </p:cNvPr>
@@ -26420,7 +26428,7 @@
           <p:cNvPr id="8" name="TextBox 7">
             <a:extLst>
               <a:ext uri="{FF2B5EF4-FFF2-40B4-BE49-F238E27FC236}">
-                <a16:creationId xmlns:a16="http://schemas.microsoft.com/office/drawing/2014/main" id="{3F71761C-517A-47EB-9DAD-CD5B55CE25E6}"/>
+                <a16:creationId xmlns:a16="http://schemas.microsoft.com/office/drawing/2014/main" xmlns="" id="{3F71761C-517A-47EB-9DAD-CD5B55CE25E6}"/>
               </a:ext>
             </a:extLst>
           </p:cNvPr>
@@ -26773,7 +26781,7 @@
           <p:cNvPr id="9" name="Content Placeholder 8" descr="A close up of a map&#10;&#10;Description generated with very high confidence">
             <a:extLst>
               <a:ext uri="{FF2B5EF4-FFF2-40B4-BE49-F238E27FC236}">
-                <a16:creationId xmlns:a16="http://schemas.microsoft.com/office/drawing/2014/main" id="{E778F286-CFBD-4176-AB1C-36E819F1257E}"/>
+                <a16:creationId xmlns:a16="http://schemas.microsoft.com/office/drawing/2014/main" xmlns="" id="{E778F286-CFBD-4176-AB1C-36E819F1257E}"/>
               </a:ext>
             </a:extLst>
           </p:cNvPr>
@@ -26808,7 +26816,7 @@
           <p:cNvPr id="11" name="TextBox 10">
             <a:extLst>
               <a:ext uri="{FF2B5EF4-FFF2-40B4-BE49-F238E27FC236}">
-                <a16:creationId xmlns:a16="http://schemas.microsoft.com/office/drawing/2014/main" id="{B84D3093-F089-4E18-A02C-1D06303D0AEA}"/>
+                <a16:creationId xmlns:a16="http://schemas.microsoft.com/office/drawing/2014/main" xmlns="" id="{B84D3093-F089-4E18-A02C-1D06303D0AEA}"/>
               </a:ext>
             </a:extLst>
           </p:cNvPr>
@@ -27265,7 +27273,7 @@
           <p:cNvPr id="2" name="Title 1">
             <a:extLst>
               <a:ext uri="{FF2B5EF4-FFF2-40B4-BE49-F238E27FC236}">
-                <a16:creationId xmlns:a16="http://schemas.microsoft.com/office/drawing/2014/main" id="{E9494603-1C22-4A8B-96DB-3D42D3B82802}"/>
+                <a16:creationId xmlns:a16="http://schemas.microsoft.com/office/drawing/2014/main" xmlns="" id="{E9494603-1C22-4A8B-96DB-3D42D3B82802}"/>
               </a:ext>
             </a:extLst>
           </p:cNvPr>
@@ -27293,7 +27301,7 @@
           <p:cNvPr id="3" name="Content Placeholder 2">
             <a:extLst>
               <a:ext uri="{FF2B5EF4-FFF2-40B4-BE49-F238E27FC236}">
-                <a16:creationId xmlns:a16="http://schemas.microsoft.com/office/drawing/2014/main" id="{84F0F037-A703-4FE5-A20E-E873E5DCE356}"/>
+                <a16:creationId xmlns:a16="http://schemas.microsoft.com/office/drawing/2014/main" xmlns="" id="{84F0F037-A703-4FE5-A20E-E873E5DCE356}"/>
               </a:ext>
             </a:extLst>
           </p:cNvPr>
@@ -27554,7 +27562,7 @@
           <p:cNvPr id="4" name="Footer Placeholder 3">
             <a:extLst>
               <a:ext uri="{FF2B5EF4-FFF2-40B4-BE49-F238E27FC236}">
-                <a16:creationId xmlns:a16="http://schemas.microsoft.com/office/drawing/2014/main" id="{E1B43182-D327-45AA-BBE2-67B83983E1E7}"/>
+                <a16:creationId xmlns:a16="http://schemas.microsoft.com/office/drawing/2014/main" xmlns="" id="{E1B43182-D327-45AA-BBE2-67B83983E1E7}"/>
               </a:ext>
             </a:extLst>
           </p:cNvPr>
@@ -27611,7 +27619,7 @@
           <p:cNvPr id="5" name="Slide Number Placeholder 4">
             <a:extLst>
               <a:ext uri="{FF2B5EF4-FFF2-40B4-BE49-F238E27FC236}">
-                <a16:creationId xmlns:a16="http://schemas.microsoft.com/office/drawing/2014/main" id="{32AFE35B-758B-4A31-A289-5F105EBA2AAD}"/>
+                <a16:creationId xmlns:a16="http://schemas.microsoft.com/office/drawing/2014/main" xmlns="" id="{32AFE35B-758B-4A31-A289-5F105EBA2AAD}"/>
               </a:ext>
             </a:extLst>
           </p:cNvPr>
@@ -27671,7 +27679,7 @@
           <p:cNvPr id="2" name="Title 1">
             <a:extLst>
               <a:ext uri="{FF2B5EF4-FFF2-40B4-BE49-F238E27FC236}">
-                <a16:creationId xmlns:a16="http://schemas.microsoft.com/office/drawing/2014/main" id="{095F985D-3AA4-4815-97D5-8FFAD0B4ABEC}"/>
+                <a16:creationId xmlns:a16="http://schemas.microsoft.com/office/drawing/2014/main" xmlns="" id="{095F985D-3AA4-4815-97D5-8FFAD0B4ABEC}"/>
               </a:ext>
             </a:extLst>
           </p:cNvPr>
@@ -27699,7 +27707,7 @@
           <p:cNvPr id="7" name="Content Placeholder 6" descr="A picture containing screenshot&#10;&#10;Description generated with very high confidence">
             <a:extLst>
               <a:ext uri="{FF2B5EF4-FFF2-40B4-BE49-F238E27FC236}">
-                <a16:creationId xmlns:a16="http://schemas.microsoft.com/office/drawing/2014/main" id="{4B532FB5-3148-444B-AC79-34404074FC4E}"/>
+                <a16:creationId xmlns:a16="http://schemas.microsoft.com/office/drawing/2014/main" xmlns="" id="{4B532FB5-3148-444B-AC79-34404074FC4E}"/>
               </a:ext>
             </a:extLst>
           </p:cNvPr>
@@ -27734,7 +27742,7 @@
           <p:cNvPr id="4" name="Footer Placeholder 3">
             <a:extLst>
               <a:ext uri="{FF2B5EF4-FFF2-40B4-BE49-F238E27FC236}">
-                <a16:creationId xmlns:a16="http://schemas.microsoft.com/office/drawing/2014/main" id="{0C933173-7F0A-4A6D-AD21-37FC450395B8}"/>
+                <a16:creationId xmlns:a16="http://schemas.microsoft.com/office/drawing/2014/main" xmlns="" id="{0C933173-7F0A-4A6D-AD21-37FC450395B8}"/>
               </a:ext>
             </a:extLst>
           </p:cNvPr>
@@ -27791,7 +27799,7 @@
           <p:cNvPr id="5" name="Slide Number Placeholder 4">
             <a:extLst>
               <a:ext uri="{FF2B5EF4-FFF2-40B4-BE49-F238E27FC236}">
-                <a16:creationId xmlns:a16="http://schemas.microsoft.com/office/drawing/2014/main" id="{E31208DF-6244-4DA5-8048-3BEAA7768E2E}"/>
+                <a16:creationId xmlns:a16="http://schemas.microsoft.com/office/drawing/2014/main" xmlns="" id="{E31208DF-6244-4DA5-8048-3BEAA7768E2E}"/>
               </a:ext>
             </a:extLst>
           </p:cNvPr>
@@ -27823,7 +27831,7 @@
               <p:cNvPr id="6" name="TextBox 5">
                 <a:extLst>
                   <a:ext uri="{FF2B5EF4-FFF2-40B4-BE49-F238E27FC236}">
-                    <a16:creationId xmlns:a16="http://schemas.microsoft.com/office/drawing/2014/main" id="{738E71BF-8253-40FA-9FD5-8C483ADF4613}"/>
+                    <a16:creationId xmlns:a16="http://schemas.microsoft.com/office/drawing/2014/main" xmlns="" id="{738E71BF-8253-40FA-9FD5-8C483ADF4613}"/>
                   </a:ext>
                 </a:extLst>
               </p:cNvPr>
@@ -28053,7 +28061,7 @@
           <p:cNvPr id="2" name="Title 1">
             <a:extLst>
               <a:ext uri="{FF2B5EF4-FFF2-40B4-BE49-F238E27FC236}">
-                <a16:creationId xmlns:a16="http://schemas.microsoft.com/office/drawing/2014/main" id="{5CE6485A-8069-4667-8F25-BD25E6775096}"/>
+                <a16:creationId xmlns:a16="http://schemas.microsoft.com/office/drawing/2014/main" xmlns="" id="{5CE6485A-8069-4667-8F25-BD25E6775096}"/>
               </a:ext>
             </a:extLst>
           </p:cNvPr>
@@ -28081,7 +28089,7 @@
           <p:cNvPr id="7" name="Content Placeholder 6" descr="A picture containing screenshot&#10;&#10;Description generated with very high confidence">
             <a:extLst>
               <a:ext uri="{FF2B5EF4-FFF2-40B4-BE49-F238E27FC236}">
-                <a16:creationId xmlns:a16="http://schemas.microsoft.com/office/drawing/2014/main" id="{577919D3-17BE-4A67-B79B-9CD313D0AAD6}"/>
+                <a16:creationId xmlns:a16="http://schemas.microsoft.com/office/drawing/2014/main" xmlns="" id="{577919D3-17BE-4A67-B79B-9CD313D0AAD6}"/>
               </a:ext>
             </a:extLst>
           </p:cNvPr>
@@ -28116,7 +28124,7 @@
           <p:cNvPr id="4" name="Footer Placeholder 3">
             <a:extLst>
               <a:ext uri="{FF2B5EF4-FFF2-40B4-BE49-F238E27FC236}">
-                <a16:creationId xmlns:a16="http://schemas.microsoft.com/office/drawing/2014/main" id="{D7794539-2014-4F0D-8ACA-BE854275BB6C}"/>
+                <a16:creationId xmlns:a16="http://schemas.microsoft.com/office/drawing/2014/main" xmlns="" id="{D7794539-2014-4F0D-8ACA-BE854275BB6C}"/>
               </a:ext>
             </a:extLst>
           </p:cNvPr>
@@ -28173,7 +28181,7 @@
           <p:cNvPr id="5" name="Slide Number Placeholder 4">
             <a:extLst>
               <a:ext uri="{FF2B5EF4-FFF2-40B4-BE49-F238E27FC236}">
-                <a16:creationId xmlns:a16="http://schemas.microsoft.com/office/drawing/2014/main" id="{B14CF67A-4C0D-42E8-8422-A0EC36F55E5D}"/>
+                <a16:creationId xmlns:a16="http://schemas.microsoft.com/office/drawing/2014/main" xmlns="" id="{B14CF67A-4C0D-42E8-8422-A0EC36F55E5D}"/>
               </a:ext>
             </a:extLst>
           </p:cNvPr>
@@ -28203,7 +28211,7 @@
           <p:cNvPr id="8" name="TextBox 7">
             <a:extLst>
               <a:ext uri="{FF2B5EF4-FFF2-40B4-BE49-F238E27FC236}">
-                <a16:creationId xmlns:a16="http://schemas.microsoft.com/office/drawing/2014/main" id="{750E3A72-6DAB-49D2-BC00-5C345BFA13E3}"/>
+                <a16:creationId xmlns:a16="http://schemas.microsoft.com/office/drawing/2014/main" xmlns="" id="{750E3A72-6DAB-49D2-BC00-5C345BFA13E3}"/>
               </a:ext>
             </a:extLst>
           </p:cNvPr>
@@ -28451,7 +28459,7 @@
           <p:cNvPr id="15" name="Content Placeholder 14" descr="A close up of a map&#10;&#10;Description generated with very high confidence">
             <a:extLst>
               <a:ext uri="{FF2B5EF4-FFF2-40B4-BE49-F238E27FC236}">
-                <a16:creationId xmlns:a16="http://schemas.microsoft.com/office/drawing/2014/main" id="{C42A599A-433A-4488-AD6E-322AC6356A13}"/>
+                <a16:creationId xmlns:a16="http://schemas.microsoft.com/office/drawing/2014/main" xmlns="" id="{C42A599A-433A-4488-AD6E-322AC6356A13}"/>
               </a:ext>
             </a:extLst>
           </p:cNvPr>
@@ -28486,7 +28494,7 @@
           <p:cNvPr id="16" name="TextBox 15">
             <a:extLst>
               <a:ext uri="{FF2B5EF4-FFF2-40B4-BE49-F238E27FC236}">
-                <a16:creationId xmlns:a16="http://schemas.microsoft.com/office/drawing/2014/main" id="{75334F2B-2C9C-4C17-909D-FE129119752B}"/>
+                <a16:creationId xmlns:a16="http://schemas.microsoft.com/office/drawing/2014/main" xmlns="" id="{75334F2B-2C9C-4C17-909D-FE129119752B}"/>
               </a:ext>
             </a:extLst>
           </p:cNvPr>
@@ -28637,7 +28645,7 @@
           <p:cNvPr id="2" name="Title 1">
             <a:extLst>
               <a:ext uri="{FF2B5EF4-FFF2-40B4-BE49-F238E27FC236}">
-                <a16:creationId xmlns:a16="http://schemas.microsoft.com/office/drawing/2014/main" id="{E9494603-1C22-4A8B-96DB-3D42D3B82802}"/>
+                <a16:creationId xmlns:a16="http://schemas.microsoft.com/office/drawing/2014/main" xmlns="" id="{E9494603-1C22-4A8B-96DB-3D42D3B82802}"/>
               </a:ext>
             </a:extLst>
           </p:cNvPr>
@@ -28665,7 +28673,7 @@
           <p:cNvPr id="3" name="Content Placeholder 2">
             <a:extLst>
               <a:ext uri="{FF2B5EF4-FFF2-40B4-BE49-F238E27FC236}">
-                <a16:creationId xmlns:a16="http://schemas.microsoft.com/office/drawing/2014/main" id="{84F0F037-A703-4FE5-A20E-E873E5DCE356}"/>
+                <a16:creationId xmlns:a16="http://schemas.microsoft.com/office/drawing/2014/main" xmlns="" id="{84F0F037-A703-4FE5-A20E-E873E5DCE356}"/>
               </a:ext>
             </a:extLst>
           </p:cNvPr>
@@ -28926,7 +28934,7 @@
           <p:cNvPr id="4" name="Footer Placeholder 3">
             <a:extLst>
               <a:ext uri="{FF2B5EF4-FFF2-40B4-BE49-F238E27FC236}">
-                <a16:creationId xmlns:a16="http://schemas.microsoft.com/office/drawing/2014/main" id="{E1B43182-D327-45AA-BBE2-67B83983E1E7}"/>
+                <a16:creationId xmlns:a16="http://schemas.microsoft.com/office/drawing/2014/main" xmlns="" id="{E1B43182-D327-45AA-BBE2-67B83983E1E7}"/>
               </a:ext>
             </a:extLst>
           </p:cNvPr>
@@ -28983,7 +28991,7 @@
           <p:cNvPr id="5" name="Slide Number Placeholder 4">
             <a:extLst>
               <a:ext uri="{FF2B5EF4-FFF2-40B4-BE49-F238E27FC236}">
-                <a16:creationId xmlns:a16="http://schemas.microsoft.com/office/drawing/2014/main" id="{32AFE35B-758B-4A31-A289-5F105EBA2AAD}"/>
+                <a16:creationId xmlns:a16="http://schemas.microsoft.com/office/drawing/2014/main" xmlns="" id="{32AFE35B-758B-4A31-A289-5F105EBA2AAD}"/>
               </a:ext>
             </a:extLst>
           </p:cNvPr>
@@ -29043,7 +29051,7 @@
           <p:cNvPr id="2" name="Title 1">
             <a:extLst>
               <a:ext uri="{FF2B5EF4-FFF2-40B4-BE49-F238E27FC236}">
-                <a16:creationId xmlns:a16="http://schemas.microsoft.com/office/drawing/2014/main" id="{AC6F5310-011B-4009-94E8-352B168BCBFC}"/>
+                <a16:creationId xmlns:a16="http://schemas.microsoft.com/office/drawing/2014/main" xmlns="" id="{AC6F5310-011B-4009-94E8-352B168BCBFC}"/>
               </a:ext>
             </a:extLst>
           </p:cNvPr>
@@ -29071,7 +29079,7 @@
           <p:cNvPr id="8" name="Content Placeholder 7" descr="A picture containing screenshot&#10;&#10;Description generated with very high confidence">
             <a:extLst>
               <a:ext uri="{FF2B5EF4-FFF2-40B4-BE49-F238E27FC236}">
-                <a16:creationId xmlns:a16="http://schemas.microsoft.com/office/drawing/2014/main" id="{D58C44BD-1178-4B33-8E41-5C4F08E7731D}"/>
+                <a16:creationId xmlns:a16="http://schemas.microsoft.com/office/drawing/2014/main" xmlns="" id="{D58C44BD-1178-4B33-8E41-5C4F08E7731D}"/>
               </a:ext>
             </a:extLst>
           </p:cNvPr>
@@ -29106,7 +29114,7 @@
           <p:cNvPr id="10" name="Content Placeholder 9" descr="A picture containing screenshot&#10;&#10;Description generated with very high confidence">
             <a:extLst>
               <a:ext uri="{FF2B5EF4-FFF2-40B4-BE49-F238E27FC236}">
-                <a16:creationId xmlns:a16="http://schemas.microsoft.com/office/drawing/2014/main" id="{DA72824A-C3FD-4FEA-80BA-B1232E809B19}"/>
+                <a16:creationId xmlns:a16="http://schemas.microsoft.com/office/drawing/2014/main" xmlns="" id="{DA72824A-C3FD-4FEA-80BA-B1232E809B19}"/>
               </a:ext>
             </a:extLst>
           </p:cNvPr>
@@ -29141,7 +29149,7 @@
           <p:cNvPr id="5" name="Footer Placeholder 4">
             <a:extLst>
               <a:ext uri="{FF2B5EF4-FFF2-40B4-BE49-F238E27FC236}">
-                <a16:creationId xmlns:a16="http://schemas.microsoft.com/office/drawing/2014/main" id="{06EEE054-49DD-41B0-A6B3-9D83BB88D0C7}"/>
+                <a16:creationId xmlns:a16="http://schemas.microsoft.com/office/drawing/2014/main" xmlns="" id="{06EEE054-49DD-41B0-A6B3-9D83BB88D0C7}"/>
               </a:ext>
             </a:extLst>
           </p:cNvPr>
@@ -29198,7 +29206,7 @@
           <p:cNvPr id="6" name="Slide Number Placeholder 5">
             <a:extLst>
               <a:ext uri="{FF2B5EF4-FFF2-40B4-BE49-F238E27FC236}">
-                <a16:creationId xmlns:a16="http://schemas.microsoft.com/office/drawing/2014/main" id="{464AE381-8CCB-46D5-98E3-44C23DFF523E}"/>
+                <a16:creationId xmlns:a16="http://schemas.microsoft.com/office/drawing/2014/main" xmlns="" id="{464AE381-8CCB-46D5-98E3-44C23DFF523E}"/>
               </a:ext>
             </a:extLst>
           </p:cNvPr>
@@ -29228,7 +29236,7 @@
           <p:cNvPr id="7" name="TextBox 6">
             <a:extLst>
               <a:ext uri="{FF2B5EF4-FFF2-40B4-BE49-F238E27FC236}">
-                <a16:creationId xmlns:a16="http://schemas.microsoft.com/office/drawing/2014/main" id="{5819F12B-E413-4B31-9EF5-E9F6AA1DDCE9}"/>
+                <a16:creationId xmlns:a16="http://schemas.microsoft.com/office/drawing/2014/main" xmlns="" id="{5819F12B-E413-4B31-9EF5-E9F6AA1DDCE9}"/>
               </a:ext>
             </a:extLst>
           </p:cNvPr>
@@ -29263,7 +29271,7 @@
           <p:cNvPr id="9" name="TextBox 8">
             <a:extLst>
               <a:ext uri="{FF2B5EF4-FFF2-40B4-BE49-F238E27FC236}">
-                <a16:creationId xmlns:a16="http://schemas.microsoft.com/office/drawing/2014/main" id="{7E068977-C6F8-425A-9843-30F24086AC98}"/>
+                <a16:creationId xmlns:a16="http://schemas.microsoft.com/office/drawing/2014/main" xmlns="" id="{7E068977-C6F8-425A-9843-30F24086AC98}"/>
               </a:ext>
             </a:extLst>
           </p:cNvPr>
@@ -29468,7 +29476,7 @@
           <p:cNvPr id="2" name="Title 1">
             <a:extLst>
               <a:ext uri="{FF2B5EF4-FFF2-40B4-BE49-F238E27FC236}">
-                <a16:creationId xmlns:a16="http://schemas.microsoft.com/office/drawing/2014/main" id="{E9494603-1C22-4A8B-96DB-3D42D3B82802}"/>
+                <a16:creationId xmlns:a16="http://schemas.microsoft.com/office/drawing/2014/main" xmlns="" id="{E9494603-1C22-4A8B-96DB-3D42D3B82802}"/>
               </a:ext>
             </a:extLst>
           </p:cNvPr>
@@ -29496,7 +29504,7 @@
           <p:cNvPr id="3" name="Content Placeholder 2">
             <a:extLst>
               <a:ext uri="{FF2B5EF4-FFF2-40B4-BE49-F238E27FC236}">
-                <a16:creationId xmlns:a16="http://schemas.microsoft.com/office/drawing/2014/main" id="{84F0F037-A703-4FE5-A20E-E873E5DCE356}"/>
+                <a16:creationId xmlns:a16="http://schemas.microsoft.com/office/drawing/2014/main" xmlns="" id="{84F0F037-A703-4FE5-A20E-E873E5DCE356}"/>
               </a:ext>
             </a:extLst>
           </p:cNvPr>
@@ -29657,7 +29665,7 @@
           <p:cNvPr id="4" name="Footer Placeholder 3">
             <a:extLst>
               <a:ext uri="{FF2B5EF4-FFF2-40B4-BE49-F238E27FC236}">
-                <a16:creationId xmlns:a16="http://schemas.microsoft.com/office/drawing/2014/main" id="{E1B43182-D327-45AA-BBE2-67B83983E1E7}"/>
+                <a16:creationId xmlns:a16="http://schemas.microsoft.com/office/drawing/2014/main" xmlns="" id="{E1B43182-D327-45AA-BBE2-67B83983E1E7}"/>
               </a:ext>
             </a:extLst>
           </p:cNvPr>
@@ -29714,7 +29722,7 @@
           <p:cNvPr id="5" name="Slide Number Placeholder 4">
             <a:extLst>
               <a:ext uri="{FF2B5EF4-FFF2-40B4-BE49-F238E27FC236}">
-                <a16:creationId xmlns:a16="http://schemas.microsoft.com/office/drawing/2014/main" id="{32AFE35B-758B-4A31-A289-5F105EBA2AAD}"/>
+                <a16:creationId xmlns:a16="http://schemas.microsoft.com/office/drawing/2014/main" xmlns="" id="{32AFE35B-758B-4A31-A289-5F105EBA2AAD}"/>
               </a:ext>
             </a:extLst>
           </p:cNvPr>
@@ -30062,7 +30070,7 @@
           <p:cNvPr id="27" name="Picture 26">
             <a:extLst>
               <a:ext uri="{FF2B5EF4-FFF2-40B4-BE49-F238E27FC236}">
-                <a16:creationId xmlns:a16="http://schemas.microsoft.com/office/drawing/2014/main" id="{603D7664-7969-40A7-A2CA-66AF18DCCA66}"/>
+                <a16:creationId xmlns:a16="http://schemas.microsoft.com/office/drawing/2014/main" xmlns="" id="{603D7664-7969-40A7-A2CA-66AF18DCCA66}"/>
               </a:ext>
             </a:extLst>
           </p:cNvPr>
@@ -30098,7 +30106,7 @@
           <p:cNvPr id="29" name="Picture 28" descr="A picture containing sky&#10;&#10;Description generated with high confidence">
             <a:extLst>
               <a:ext uri="{FF2B5EF4-FFF2-40B4-BE49-F238E27FC236}">
-                <a16:creationId xmlns:a16="http://schemas.microsoft.com/office/drawing/2014/main" id="{236E797F-9D1D-43B1-B27C-ED9F80B6FE99}"/>
+                <a16:creationId xmlns:a16="http://schemas.microsoft.com/office/drawing/2014/main" xmlns="" id="{236E797F-9D1D-43B1-B27C-ED9F80B6FE99}"/>
               </a:ext>
             </a:extLst>
           </p:cNvPr>
@@ -30134,7 +30142,7 @@
           <p:cNvPr id="31" name="Picture 30">
             <a:extLst>
               <a:ext uri="{FF2B5EF4-FFF2-40B4-BE49-F238E27FC236}">
-                <a16:creationId xmlns:a16="http://schemas.microsoft.com/office/drawing/2014/main" id="{C7376AA4-DC75-4ADE-AD3F-F55381E32CD9}"/>
+                <a16:creationId xmlns:a16="http://schemas.microsoft.com/office/drawing/2014/main" xmlns="" id="{C7376AA4-DC75-4ADE-AD3F-F55381E32CD9}"/>
               </a:ext>
             </a:extLst>
           </p:cNvPr>
@@ -30170,7 +30178,7 @@
           <p:cNvPr id="33" name="Picture 32" descr="A close up of a light&#10;&#10;Description generated with high confidence">
             <a:extLst>
               <a:ext uri="{FF2B5EF4-FFF2-40B4-BE49-F238E27FC236}">
-                <a16:creationId xmlns:a16="http://schemas.microsoft.com/office/drawing/2014/main" id="{04867F30-F0D7-4BBC-BCDA-50F5C2FBC8C9}"/>
+                <a16:creationId xmlns:a16="http://schemas.microsoft.com/office/drawing/2014/main" xmlns="" id="{04867F30-F0D7-4BBC-BCDA-50F5C2FBC8C9}"/>
               </a:ext>
             </a:extLst>
           </p:cNvPr>
@@ -30206,7 +30214,7 @@
           <p:cNvPr id="34" name="Content Placeholder 12" descr="A screenshot of a cell phone&#10;&#10;Description generated with very high confidence">
             <a:extLst>
               <a:ext uri="{FF2B5EF4-FFF2-40B4-BE49-F238E27FC236}">
-                <a16:creationId xmlns:a16="http://schemas.microsoft.com/office/drawing/2014/main" id="{06803ADF-AE0F-439B-9A5F-9E311C94D3EF}"/>
+                <a16:creationId xmlns:a16="http://schemas.microsoft.com/office/drawing/2014/main" xmlns="" id="{06803ADF-AE0F-439B-9A5F-9E311C94D3EF}"/>
               </a:ext>
             </a:extLst>
           </p:cNvPr>
@@ -31107,7 +31115,7 @@
           <p:cNvPr id="5" name="Footer Placeholder 4">
             <a:extLst>
               <a:ext uri="{FF2B5EF4-FFF2-40B4-BE49-F238E27FC236}">
-                <a16:creationId xmlns:a16="http://schemas.microsoft.com/office/drawing/2014/main" id="{6AC7966E-6694-4F89-AFC2-98BF0D06DAE2}"/>
+                <a16:creationId xmlns:a16="http://schemas.microsoft.com/office/drawing/2014/main" xmlns="" id="{6AC7966E-6694-4F89-AFC2-98BF0D06DAE2}"/>
               </a:ext>
             </a:extLst>
           </p:cNvPr>
@@ -31164,7 +31172,7 @@
           <p:cNvPr id="6" name="Slide Number Placeholder 5">
             <a:extLst>
               <a:ext uri="{FF2B5EF4-FFF2-40B4-BE49-F238E27FC236}">
-                <a16:creationId xmlns:a16="http://schemas.microsoft.com/office/drawing/2014/main" id="{75DC981C-CDAE-479D-AC14-3CE4B7209D43}"/>
+                <a16:creationId xmlns:a16="http://schemas.microsoft.com/office/drawing/2014/main" xmlns="" id="{75DC981C-CDAE-479D-AC14-3CE4B7209D43}"/>
               </a:ext>
             </a:extLst>
           </p:cNvPr>
@@ -31194,7 +31202,7 @@
           <p:cNvPr id="10" name="Rectangle 9">
             <a:extLst>
               <a:ext uri="{FF2B5EF4-FFF2-40B4-BE49-F238E27FC236}">
-                <a16:creationId xmlns:a16="http://schemas.microsoft.com/office/drawing/2014/main" id="{A94EB12A-E96E-4462-81D8-1E932FFBDDD4}"/>
+                <a16:creationId xmlns:a16="http://schemas.microsoft.com/office/drawing/2014/main" xmlns="" id="{A94EB12A-E96E-4462-81D8-1E932FFBDDD4}"/>
               </a:ext>
             </a:extLst>
           </p:cNvPr>
@@ -31246,7 +31254,7 @@
           <p:cNvPr id="17" name="Rectangle 16">
             <a:extLst>
               <a:ext uri="{FF2B5EF4-FFF2-40B4-BE49-F238E27FC236}">
-                <a16:creationId xmlns:a16="http://schemas.microsoft.com/office/drawing/2014/main" id="{1075960E-DBDE-45DA-AABF-71B555799A01}"/>
+                <a16:creationId xmlns:a16="http://schemas.microsoft.com/office/drawing/2014/main" xmlns="" id="{1075960E-DBDE-45DA-AABF-71B555799A01}"/>
               </a:ext>
             </a:extLst>
           </p:cNvPr>
@@ -31298,7 +31306,7 @@
           <p:cNvPr id="18" name="Rectangle 17">
             <a:extLst>
               <a:ext uri="{FF2B5EF4-FFF2-40B4-BE49-F238E27FC236}">
-                <a16:creationId xmlns:a16="http://schemas.microsoft.com/office/drawing/2014/main" id="{7063C499-4A50-4CB9-ABCA-40D4351CCDC1}"/>
+                <a16:creationId xmlns:a16="http://schemas.microsoft.com/office/drawing/2014/main" xmlns="" id="{7063C499-4A50-4CB9-ABCA-40D4351CCDC1}"/>
               </a:ext>
             </a:extLst>
           </p:cNvPr>
@@ -31350,7 +31358,7 @@
           <p:cNvPr id="19" name="Rectangle 18">
             <a:extLst>
               <a:ext uri="{FF2B5EF4-FFF2-40B4-BE49-F238E27FC236}">
-                <a16:creationId xmlns:a16="http://schemas.microsoft.com/office/drawing/2014/main" id="{DA2542BB-265D-40EA-B38F-B6F4D21B484C}"/>
+                <a16:creationId xmlns:a16="http://schemas.microsoft.com/office/drawing/2014/main" xmlns="" id="{DA2542BB-265D-40EA-B38F-B6F4D21B484C}"/>
               </a:ext>
             </a:extLst>
           </p:cNvPr>
@@ -31402,7 +31410,7 @@
           <p:cNvPr id="13" name="Content Placeholder 12" descr="A screenshot of a cell phone&#10;&#10;Description generated with very high confidence">
             <a:extLst>
               <a:ext uri="{FF2B5EF4-FFF2-40B4-BE49-F238E27FC236}">
-                <a16:creationId xmlns:a16="http://schemas.microsoft.com/office/drawing/2014/main" id="{215C2784-355B-43BC-80D7-C2A806ACB37F}"/>
+                <a16:creationId xmlns:a16="http://schemas.microsoft.com/office/drawing/2014/main" xmlns="" id="{215C2784-355B-43BC-80D7-C2A806ACB37F}"/>
               </a:ext>
             </a:extLst>
           </p:cNvPr>
@@ -31437,7 +31445,7 @@
           <p:cNvPr id="21" name="Picture 20" descr="A close up of an animal&#10;&#10;Description generated with high confidence">
             <a:extLst>
               <a:ext uri="{FF2B5EF4-FFF2-40B4-BE49-F238E27FC236}">
-                <a16:creationId xmlns:a16="http://schemas.microsoft.com/office/drawing/2014/main" id="{DA6D2CC4-11E9-42A9-8EC9-7404781F73C8}"/>
+                <a16:creationId xmlns:a16="http://schemas.microsoft.com/office/drawing/2014/main" xmlns="" id="{DA6D2CC4-11E9-42A9-8EC9-7404781F73C8}"/>
               </a:ext>
             </a:extLst>
           </p:cNvPr>
@@ -31473,7 +31481,7 @@
           <p:cNvPr id="23" name="Picture 22">
             <a:extLst>
               <a:ext uri="{FF2B5EF4-FFF2-40B4-BE49-F238E27FC236}">
-                <a16:creationId xmlns:a16="http://schemas.microsoft.com/office/drawing/2014/main" id="{760679DF-CC0E-4830-8A5F-F5C0ED4FF802}"/>
+                <a16:creationId xmlns:a16="http://schemas.microsoft.com/office/drawing/2014/main" xmlns="" id="{760679DF-CC0E-4830-8A5F-F5C0ED4FF802}"/>
               </a:ext>
             </a:extLst>
           </p:cNvPr>
@@ -31509,7 +31517,7 @@
           <p:cNvPr id="25" name="Picture 24" descr="A picture containing sky&#10;&#10;Description generated with high confidence">
             <a:extLst>
               <a:ext uri="{FF2B5EF4-FFF2-40B4-BE49-F238E27FC236}">
-                <a16:creationId xmlns:a16="http://schemas.microsoft.com/office/drawing/2014/main" id="{A8914C22-712A-4768-B264-A842A74A0109}"/>
+                <a16:creationId xmlns:a16="http://schemas.microsoft.com/office/drawing/2014/main" xmlns="" id="{A8914C22-712A-4768-B264-A842A74A0109}"/>
               </a:ext>
             </a:extLst>
           </p:cNvPr>
@@ -31545,7 +31553,7 @@
           <p:cNvPr id="27" name="Picture 26">
             <a:extLst>
               <a:ext uri="{FF2B5EF4-FFF2-40B4-BE49-F238E27FC236}">
-                <a16:creationId xmlns:a16="http://schemas.microsoft.com/office/drawing/2014/main" id="{82FEDFBC-9C89-4AC9-884D-AB1846B96870}"/>
+                <a16:creationId xmlns:a16="http://schemas.microsoft.com/office/drawing/2014/main" xmlns="" id="{82FEDFBC-9C89-4AC9-884D-AB1846B96870}"/>
               </a:ext>
             </a:extLst>
           </p:cNvPr>
@@ -31581,7 +31589,7 @@
           <p:cNvPr id="29" name="Picture 28" descr="A close up of a light&#10;&#10;Description generated with high confidence">
             <a:extLst>
               <a:ext uri="{FF2B5EF4-FFF2-40B4-BE49-F238E27FC236}">
-                <a16:creationId xmlns:a16="http://schemas.microsoft.com/office/drawing/2014/main" id="{0AB5D88D-0260-47E5-8CAC-628A05C8E15A}"/>
+                <a16:creationId xmlns:a16="http://schemas.microsoft.com/office/drawing/2014/main" xmlns="" id="{0AB5D88D-0260-47E5-8CAC-628A05C8E15A}"/>
               </a:ext>
             </a:extLst>
           </p:cNvPr>
@@ -31617,7 +31625,7 @@
           <p:cNvPr id="30" name="Title 1">
             <a:extLst>
               <a:ext uri="{FF2B5EF4-FFF2-40B4-BE49-F238E27FC236}">
-                <a16:creationId xmlns:a16="http://schemas.microsoft.com/office/drawing/2014/main" id="{488B36B3-FAA2-4721-B63C-7C3A8A9A5812}"/>
+                <a16:creationId xmlns:a16="http://schemas.microsoft.com/office/drawing/2014/main" xmlns="" id="{488B36B3-FAA2-4721-B63C-7C3A8A9A5812}"/>
               </a:ext>
             </a:extLst>
           </p:cNvPr>
@@ -32461,7 +32469,7 @@
           <p:cNvPr id="2" name="Title 1">
             <a:extLst>
               <a:ext uri="{FF2B5EF4-FFF2-40B4-BE49-F238E27FC236}">
-                <a16:creationId xmlns:a16="http://schemas.microsoft.com/office/drawing/2014/main" id="{FEBF2821-0822-4ECF-B77E-56916BDB032E}"/>
+                <a16:creationId xmlns:a16="http://schemas.microsoft.com/office/drawing/2014/main" xmlns="" id="{FEBF2821-0822-4ECF-B77E-56916BDB032E}"/>
               </a:ext>
             </a:extLst>
           </p:cNvPr>
@@ -32489,7 +32497,7 @@
           <p:cNvPr id="4" name="Footer Placeholder 3">
             <a:extLst>
               <a:ext uri="{FF2B5EF4-FFF2-40B4-BE49-F238E27FC236}">
-                <a16:creationId xmlns:a16="http://schemas.microsoft.com/office/drawing/2014/main" id="{70EE12F7-79CE-482C-9E7E-63491BFDB4BC}"/>
+                <a16:creationId xmlns:a16="http://schemas.microsoft.com/office/drawing/2014/main" xmlns="" id="{70EE12F7-79CE-482C-9E7E-63491BFDB4BC}"/>
               </a:ext>
             </a:extLst>
           </p:cNvPr>
@@ -32546,7 +32554,7 @@
           <p:cNvPr id="5" name="Slide Number Placeholder 4">
             <a:extLst>
               <a:ext uri="{FF2B5EF4-FFF2-40B4-BE49-F238E27FC236}">
-                <a16:creationId xmlns:a16="http://schemas.microsoft.com/office/drawing/2014/main" id="{18331794-C61F-44A0-AC04-8D8ADC34F470}"/>
+                <a16:creationId xmlns:a16="http://schemas.microsoft.com/office/drawing/2014/main" xmlns="" id="{18331794-C61F-44A0-AC04-8D8ADC34F470}"/>
               </a:ext>
             </a:extLst>
           </p:cNvPr>
@@ -32576,7 +32584,7 @@
           <p:cNvPr id="6" name="Picture 2" descr="https://www.almacgroup.com/wp-content/uploads/2017/05/image-two.png">
             <a:extLst>
               <a:ext uri="{FF2B5EF4-FFF2-40B4-BE49-F238E27FC236}">
-                <a16:creationId xmlns:a16="http://schemas.microsoft.com/office/drawing/2014/main" id="{6E7CA511-765D-4103-ADD7-1385985A8565}"/>
+                <a16:creationId xmlns:a16="http://schemas.microsoft.com/office/drawing/2014/main" xmlns="" id="{6E7CA511-765D-4103-ADD7-1385985A8565}"/>
               </a:ext>
             </a:extLst>
           </p:cNvPr>
@@ -32621,7 +32629,7 @@
           <p:cNvPr id="7" name="Rectangle 6">
             <a:extLst>
               <a:ext uri="{FF2B5EF4-FFF2-40B4-BE49-F238E27FC236}">
-                <a16:creationId xmlns:a16="http://schemas.microsoft.com/office/drawing/2014/main" id="{23621E01-E00C-4679-985A-31E52DDDBDDF}"/>
+                <a16:creationId xmlns:a16="http://schemas.microsoft.com/office/drawing/2014/main" xmlns="" id="{23621E01-E00C-4679-985A-31E52DDDBDDF}"/>
               </a:ext>
             </a:extLst>
           </p:cNvPr>
@@ -32673,7 +32681,7 @@
           <p:cNvPr id="8" name="Rectangle 7">
             <a:extLst>
               <a:ext uri="{FF2B5EF4-FFF2-40B4-BE49-F238E27FC236}">
-                <a16:creationId xmlns:a16="http://schemas.microsoft.com/office/drawing/2014/main" id="{9A047084-96F2-445A-9EE3-02FACD58E6D8}"/>
+                <a16:creationId xmlns:a16="http://schemas.microsoft.com/office/drawing/2014/main" xmlns="" id="{9A047084-96F2-445A-9EE3-02FACD58E6D8}"/>
               </a:ext>
             </a:extLst>
           </p:cNvPr>
@@ -32841,7 +32849,7 @@
           <p:cNvPr id="2" name="Title 1">
             <a:extLst>
               <a:ext uri="{FF2B5EF4-FFF2-40B4-BE49-F238E27FC236}">
-                <a16:creationId xmlns:a16="http://schemas.microsoft.com/office/drawing/2014/main" id="{2402DCD2-0C35-4CD9-9D55-3AD27C4E6E1A}"/>
+                <a16:creationId xmlns:a16="http://schemas.microsoft.com/office/drawing/2014/main" xmlns="" id="{2402DCD2-0C35-4CD9-9D55-3AD27C4E6E1A}"/>
               </a:ext>
             </a:extLst>
           </p:cNvPr>
@@ -32869,7 +32877,7 @@
           <p:cNvPr id="4" name="Footer Placeholder 3">
             <a:extLst>
               <a:ext uri="{FF2B5EF4-FFF2-40B4-BE49-F238E27FC236}">
-                <a16:creationId xmlns:a16="http://schemas.microsoft.com/office/drawing/2014/main" id="{ED5DDAB4-5465-4C02-B012-5C2392656E96}"/>
+                <a16:creationId xmlns:a16="http://schemas.microsoft.com/office/drawing/2014/main" xmlns="" id="{ED5DDAB4-5465-4C02-B012-5C2392656E96}"/>
               </a:ext>
             </a:extLst>
           </p:cNvPr>
@@ -32926,7 +32934,7 @@
           <p:cNvPr id="5" name="Slide Number Placeholder 4">
             <a:extLst>
               <a:ext uri="{FF2B5EF4-FFF2-40B4-BE49-F238E27FC236}">
-                <a16:creationId xmlns:a16="http://schemas.microsoft.com/office/drawing/2014/main" id="{CECCB517-DD7E-441C-B5C0-DA6D32B76F01}"/>
+                <a16:creationId xmlns:a16="http://schemas.microsoft.com/office/drawing/2014/main" xmlns="" id="{CECCB517-DD7E-441C-B5C0-DA6D32B76F01}"/>
               </a:ext>
             </a:extLst>
           </p:cNvPr>
@@ -32956,7 +32964,7 @@
           <p:cNvPr id="1026" name="Picture 2" descr="Image result for variable selection">
             <a:extLst>
               <a:ext uri="{FF2B5EF4-FFF2-40B4-BE49-F238E27FC236}">
-                <a16:creationId xmlns:a16="http://schemas.microsoft.com/office/drawing/2014/main" id="{4FE87B62-E8A2-4781-8542-17DA5F458E8D}"/>
+                <a16:creationId xmlns:a16="http://schemas.microsoft.com/office/drawing/2014/main" xmlns="" id="{4FE87B62-E8A2-4781-8542-17DA5F458E8D}"/>
               </a:ext>
             </a:extLst>
           </p:cNvPr>
@@ -33003,7 +33011,7 @@
           <p:cNvPr id="1028" name="Picture 4" descr="Image result for lasso">
             <a:extLst>
               <a:ext uri="{FF2B5EF4-FFF2-40B4-BE49-F238E27FC236}">
-                <a16:creationId xmlns:a16="http://schemas.microsoft.com/office/drawing/2014/main" id="{FC74E8AF-26B6-489F-9DAA-748E12CFDBFC}"/>
+                <a16:creationId xmlns:a16="http://schemas.microsoft.com/office/drawing/2014/main" xmlns="" id="{FC74E8AF-26B6-489F-9DAA-748E12CFDBFC}"/>
               </a:ext>
             </a:extLst>
           </p:cNvPr>
@@ -33050,7 +33058,7 @@
           <p:cNvPr id="6" name="TextBox 5">
             <a:extLst>
               <a:ext uri="{FF2B5EF4-FFF2-40B4-BE49-F238E27FC236}">
-                <a16:creationId xmlns:a16="http://schemas.microsoft.com/office/drawing/2014/main" id="{C14B3A59-74C7-4D01-AFC3-2CF85B50385C}"/>
+                <a16:creationId xmlns:a16="http://schemas.microsoft.com/office/drawing/2014/main" xmlns="" id="{C14B3A59-74C7-4D01-AFC3-2CF85B50385C}"/>
               </a:ext>
             </a:extLst>
           </p:cNvPr>
@@ -33361,7 +33369,7 @@
           <p:cNvPr id="2" name="Title 1">
             <a:extLst>
               <a:ext uri="{FF2B5EF4-FFF2-40B4-BE49-F238E27FC236}">
-                <a16:creationId xmlns:a16="http://schemas.microsoft.com/office/drawing/2014/main" id="{6D33CD07-ACD3-477C-A5E6-452B122FF8EB}"/>
+                <a16:creationId xmlns:a16="http://schemas.microsoft.com/office/drawing/2014/main" xmlns="" id="{6D33CD07-ACD3-477C-A5E6-452B122FF8EB}"/>
               </a:ext>
             </a:extLst>
           </p:cNvPr>
@@ -33389,7 +33397,7 @@
           <p:cNvPr id="4" name="Footer Placeholder 3">
             <a:extLst>
               <a:ext uri="{FF2B5EF4-FFF2-40B4-BE49-F238E27FC236}">
-                <a16:creationId xmlns:a16="http://schemas.microsoft.com/office/drawing/2014/main" id="{7E62D83B-F16B-463F-B120-60AA6E0B32BF}"/>
+                <a16:creationId xmlns:a16="http://schemas.microsoft.com/office/drawing/2014/main" xmlns="" id="{7E62D83B-F16B-463F-B120-60AA6E0B32BF}"/>
               </a:ext>
             </a:extLst>
           </p:cNvPr>
@@ -33446,7 +33454,7 @@
           <p:cNvPr id="5" name="Slide Number Placeholder 4">
             <a:extLst>
               <a:ext uri="{FF2B5EF4-FFF2-40B4-BE49-F238E27FC236}">
-                <a16:creationId xmlns:a16="http://schemas.microsoft.com/office/drawing/2014/main" id="{6144BC6C-FC32-4CD0-AD45-9F87F70D3CC2}"/>
+                <a16:creationId xmlns:a16="http://schemas.microsoft.com/office/drawing/2014/main" xmlns="" id="{6144BC6C-FC32-4CD0-AD45-9F87F70D3CC2}"/>
               </a:ext>
             </a:extLst>
           </p:cNvPr>
@@ -33476,7 +33484,7 @@
           <p:cNvPr id="8" name="Picture 2" descr="Image result for lasso algorithm">
             <a:extLst>
               <a:ext uri="{FF2B5EF4-FFF2-40B4-BE49-F238E27FC236}">
-                <a16:creationId xmlns:a16="http://schemas.microsoft.com/office/drawing/2014/main" id="{B7102A31-B859-49A4-A3C6-D4FDBD47EDCF}"/>
+                <a16:creationId xmlns:a16="http://schemas.microsoft.com/office/drawing/2014/main" xmlns="" id="{B7102A31-B859-49A4-A3C6-D4FDBD47EDCF}"/>
               </a:ext>
             </a:extLst>
           </p:cNvPr>
@@ -33521,7 +33529,7 @@
           <p:cNvPr id="7" name="Arrow: Up-Down 6">
             <a:extLst>
               <a:ext uri="{FF2B5EF4-FFF2-40B4-BE49-F238E27FC236}">
-                <a16:creationId xmlns:a16="http://schemas.microsoft.com/office/drawing/2014/main" id="{FD113EF2-491B-4609-8921-03FCAB08BF1E}"/>
+                <a16:creationId xmlns:a16="http://schemas.microsoft.com/office/drawing/2014/main" xmlns="" id="{FD113EF2-491B-4609-8921-03FCAB08BF1E}"/>
               </a:ext>
             </a:extLst>
           </p:cNvPr>
@@ -33567,7 +33575,7 @@
           <p:cNvPr id="9" name="Callout: Bent Line 8">
             <a:extLst>
               <a:ext uri="{FF2B5EF4-FFF2-40B4-BE49-F238E27FC236}">
-                <a16:creationId xmlns:a16="http://schemas.microsoft.com/office/drawing/2014/main" id="{77F1B6FA-577C-4BA6-B36B-E67253C71A96}"/>
+                <a16:creationId xmlns:a16="http://schemas.microsoft.com/office/drawing/2014/main" xmlns="" id="{77F1B6FA-577C-4BA6-B36B-E67253C71A96}"/>
               </a:ext>
             </a:extLst>
           </p:cNvPr>
@@ -33621,7 +33629,7 @@
           <p:cNvPr id="10" name="TextBox 9">
             <a:extLst>
               <a:ext uri="{FF2B5EF4-FFF2-40B4-BE49-F238E27FC236}">
-                <a16:creationId xmlns:a16="http://schemas.microsoft.com/office/drawing/2014/main" id="{45DC9FD1-1820-4C6F-B16B-91B83527087D}"/>
+                <a16:creationId xmlns:a16="http://schemas.microsoft.com/office/drawing/2014/main" xmlns="" id="{45DC9FD1-1820-4C6F-B16B-91B83527087D}"/>
               </a:ext>
             </a:extLst>
           </p:cNvPr>
@@ -33656,7 +33664,7 @@
           <p:cNvPr id="11" name="Rectangle 10">
             <a:extLst>
               <a:ext uri="{FF2B5EF4-FFF2-40B4-BE49-F238E27FC236}">
-                <a16:creationId xmlns:a16="http://schemas.microsoft.com/office/drawing/2014/main" id="{2892C7A8-5EB9-445F-A43B-5FD12C3D0885}"/>
+                <a16:creationId xmlns:a16="http://schemas.microsoft.com/office/drawing/2014/main" xmlns="" id="{2892C7A8-5EB9-445F-A43B-5FD12C3D0885}"/>
               </a:ext>
             </a:extLst>
           </p:cNvPr>
@@ -33705,7 +33713,7 @@
               <p:cNvPr id="6" name="Content Placeholder 5">
                 <a:extLst>
                   <a:ext uri="{FF2B5EF4-FFF2-40B4-BE49-F238E27FC236}">
-                    <a16:creationId xmlns:a16="http://schemas.microsoft.com/office/drawing/2014/main" id="{8EE6EF1C-7BAD-43FC-8EDB-996441C677D3}"/>
+                    <a16:creationId xmlns:a16="http://schemas.microsoft.com/office/drawing/2014/main" xmlns="" id="{8EE6EF1C-7BAD-43FC-8EDB-996441C677D3}"/>
                   </a:ext>
                 </a:extLst>
               </p:cNvPr>
@@ -33741,7 +33749,7 @@
                         <m:limLowPr>
                           <m:ctrlPr>
                             <a:rPr lang="en-US" sz="2800" b="0" i="1" smtClean="0">
-                              <a:latin typeface="Cambria Math" panose="02040503050406030204" pitchFamily="18" charset="0"/>
+                              <a:latin typeface="Cambria Math" charset="0"/>
                             </a:rPr>
                           </m:ctrlPr>
                         </m:limLowPr>
@@ -33799,7 +33807,7 @@
                         <m:sSubSupPr>
                           <m:ctrlPr>
                             <a:rPr lang="en-US" sz="2800" b="0" i="1" smtClean="0">
-                              <a:latin typeface="Cambria Math" panose="02040503050406030204" pitchFamily="18" charset="0"/>
+                              <a:latin typeface="Cambria Math" charset="0"/>
                             </a:rPr>
                           </m:ctrlPr>
                         </m:sSubSupPr>
@@ -33874,7 +33882,7 @@
                         <m:sSubPr>
                           <m:ctrlPr>
                             <a:rPr lang="en-US" sz="2800" b="0" i="1" smtClean="0">
-                              <a:latin typeface="Cambria Math" panose="02040503050406030204" pitchFamily="18" charset="0"/>
+                              <a:latin typeface="Cambria Math" charset="0"/>
                             </a:rPr>
                           </m:ctrlPr>
                         </m:sSubPr>
@@ -33885,7 +33893,7 @@
                               <m:endChr m:val="|"/>
                               <m:ctrlPr>
                                 <a:rPr lang="en-US" sz="2800" b="0" i="1" smtClean="0">
-                                  <a:latin typeface="Cambria Math" panose="02040503050406030204" pitchFamily="18" charset="0"/>
+                                  <a:latin typeface="Cambria Math" charset="0"/>
                                 </a:rPr>
                               </m:ctrlPr>
                             </m:dPr>
@@ -33951,7 +33959,7 @@
                         <m:limLowPr>
                           <m:ctrlPr>
                             <a:rPr lang="en-US" sz="2800" b="0" i="1" smtClean="0">
-                              <a:latin typeface="Cambria Math" panose="02040503050406030204" pitchFamily="18" charset="0"/>
+                              <a:latin typeface="Cambria Math" charset="0"/>
                             </a:rPr>
                           </m:ctrlPr>
                         </m:limLowPr>
@@ -34009,7 +34017,7 @@
                         <m:sSubSupPr>
                           <m:ctrlPr>
                             <a:rPr lang="en-US" sz="2800" b="0" i="1" smtClean="0">
-                              <a:latin typeface="Cambria Math" panose="02040503050406030204" pitchFamily="18" charset="0"/>
+                              <a:latin typeface="Cambria Math" charset="0"/>
                             </a:rPr>
                           </m:ctrlPr>
                         </m:sSubSupPr>
@@ -34604,7 +34612,7 @@
           <p:cNvPr id="2" name="Title 1">
             <a:extLst>
               <a:ext uri="{FF2B5EF4-FFF2-40B4-BE49-F238E27FC236}">
-                <a16:creationId xmlns:a16="http://schemas.microsoft.com/office/drawing/2014/main" id="{17A8BB3D-2D35-4F66-AFB4-2A9AE7681862}"/>
+                <a16:creationId xmlns:a16="http://schemas.microsoft.com/office/drawing/2014/main" xmlns="" id="{17A8BB3D-2D35-4F66-AFB4-2A9AE7681862}"/>
               </a:ext>
             </a:extLst>
           </p:cNvPr>
@@ -34638,7 +34646,7 @@
           <p:cNvPr id="3" name="Footer Placeholder 2">
             <a:extLst>
               <a:ext uri="{FF2B5EF4-FFF2-40B4-BE49-F238E27FC236}">
-                <a16:creationId xmlns:a16="http://schemas.microsoft.com/office/drawing/2014/main" id="{11862E8A-91FD-4C41-A192-DB3D27D88824}"/>
+                <a16:creationId xmlns:a16="http://schemas.microsoft.com/office/drawing/2014/main" xmlns="" id="{11862E8A-91FD-4C41-A192-DB3D27D88824}"/>
               </a:ext>
             </a:extLst>
           </p:cNvPr>
@@ -34695,7 +34703,7 @@
           <p:cNvPr id="4" name="Slide Number Placeholder 3">
             <a:extLst>
               <a:ext uri="{FF2B5EF4-FFF2-40B4-BE49-F238E27FC236}">
-                <a16:creationId xmlns:a16="http://schemas.microsoft.com/office/drawing/2014/main" id="{9DA5ED20-07EE-4130-97A2-FC2FBDDF57B9}"/>
+                <a16:creationId xmlns:a16="http://schemas.microsoft.com/office/drawing/2014/main" xmlns="" id="{9DA5ED20-07EE-4130-97A2-FC2FBDDF57B9}"/>
               </a:ext>
             </a:extLst>
           </p:cNvPr>
